--- a/presentations/TG2_Apresentacao_Cassio.pptx
+++ b/presentations/TG2_Apresentacao_Cassio.pptx
@@ -16044,18 +16044,7 @@
                 <a:ea typeface="Helvetica" charset="0"/>
                 <a:cs typeface="Helvetica" charset="0"/>
               </a:rPr>
-              <a:t>An</a:t>
-            </a:r>
-            <a:r>
-              <a:rPr lang="en-US" sz="2000" dirty="0" err="1" smtClean="0">
-                <a:solidFill>
-                  <a:schemeClr val="tx1"/>
-                </a:solidFill>
-                <a:latin typeface="Helvetica" charset="0"/>
-                <a:ea typeface="Helvetica" charset="0"/>
-                <a:cs typeface="Helvetica" charset="0"/>
-              </a:rPr>
-              <a:t>álises</a:t>
+              <a:t>Análises</a:t>
             </a:r>
             <a:r>
               <a:rPr lang="en-US" sz="2000" dirty="0" smtClean="0">
@@ -16445,18 +16434,7 @@
                 <a:ea typeface="Helvetica" charset="0"/>
                 <a:cs typeface="Helvetica" charset="0"/>
               </a:rPr>
-              <a:t>evolu</a:t>
-            </a:r>
-            <a:r>
-              <a:rPr lang="en-US" sz="2000" dirty="0" err="1" smtClean="0">
-                <a:solidFill>
-                  <a:schemeClr val="tx1"/>
-                </a:solidFill>
-                <a:latin typeface="Helvetica" charset="0"/>
-                <a:ea typeface="Helvetica" charset="0"/>
-                <a:cs typeface="Helvetica" charset="0"/>
-              </a:rPr>
-              <a:t>ção</a:t>
+              <a:t>evolução</a:t>
             </a:r>
             <a:endParaRPr lang="en-US" sz="2000" dirty="0" smtClean="0">
               <a:solidFill>
@@ -16499,18 +16477,7 @@
                 <a:ea typeface="Helvetica" charset="0"/>
                 <a:cs typeface="Helvetica" charset="0"/>
               </a:rPr>
-              <a:t>Gen</a:t>
-            </a:r>
-            <a:r>
-              <a:rPr lang="en-US" sz="2000" b="1" dirty="0" err="1" smtClean="0">
-                <a:solidFill>
-                  <a:schemeClr val="tx1"/>
-                </a:solidFill>
-                <a:latin typeface="Helvetica" charset="0"/>
-                <a:ea typeface="Helvetica" charset="0"/>
-                <a:cs typeface="Helvetica" charset="0"/>
-              </a:rPr>
-              <a:t>ético</a:t>
+              <a:t>Genético</a:t>
             </a:r>
             <a:r>
               <a:rPr lang="en-US" sz="2000" b="1" dirty="0" smtClean="0">
@@ -17097,26 +17064,50 @@
           <a:lstStyle/>
           <a:p>
             <a:r>
-              <a:rPr lang="en-US" dirty="0" err="1" smtClean="0"/>
+              <a:rPr lang="en-US" b="1" dirty="0" err="1" smtClean="0">
+                <a:latin typeface="Helvetica" charset="0"/>
+                <a:ea typeface="Helvetica" charset="0"/>
+                <a:cs typeface="Helvetica" charset="0"/>
+              </a:rPr>
               <a:t>Algoritmo</a:t>
             </a:r>
             <a:r>
-              <a:rPr lang="en-US" dirty="0" smtClean="0"/>
+              <a:rPr lang="en-US" b="1" dirty="0" smtClean="0">
+                <a:latin typeface="Helvetica" charset="0"/>
+                <a:ea typeface="Helvetica" charset="0"/>
+                <a:cs typeface="Helvetica" charset="0"/>
+              </a:rPr>
               <a:t> </a:t>
             </a:r>
             <a:r>
-              <a:rPr lang="en-US" dirty="0" err="1" smtClean="0"/>
+              <a:rPr lang="en-US" b="1" dirty="0" err="1" smtClean="0">
+                <a:latin typeface="Helvetica" charset="0"/>
+                <a:ea typeface="Helvetica" charset="0"/>
+                <a:cs typeface="Helvetica" charset="0"/>
+              </a:rPr>
               <a:t>Evolutivo</a:t>
             </a:r>
             <a:r>
-              <a:rPr lang="en-US" dirty="0" smtClean="0"/>
-              <a:t> (AE) - </a:t>
-            </a:r>
-            <a:r>
-              <a:rPr lang="en-US" dirty="0" err="1" smtClean="0"/>
-              <a:t>Definição</a:t>
-            </a:r>
-            <a:endParaRPr lang="en-US" dirty="0"/>
+              <a:rPr lang="en-US" b="1" dirty="0" smtClean="0">
+                <a:latin typeface="Helvetica" charset="0"/>
+                <a:ea typeface="Helvetica" charset="0"/>
+                <a:cs typeface="Helvetica" charset="0"/>
+              </a:rPr>
+              <a:t> (AE</a:t>
+            </a:r>
+            <a:r>
+              <a:rPr lang="en-US" b="1" dirty="0" smtClean="0">
+                <a:latin typeface="Helvetica" charset="0"/>
+                <a:ea typeface="Helvetica" charset="0"/>
+                <a:cs typeface="Helvetica" charset="0"/>
+              </a:rPr>
+              <a:t>)</a:t>
+            </a:r>
+            <a:endParaRPr lang="en-US" b="1" dirty="0">
+              <a:latin typeface="Helvetica" charset="0"/>
+              <a:ea typeface="Helvetica" charset="0"/>
+              <a:cs typeface="Helvetica" charset="0"/>
+            </a:endParaRPr>
           </a:p>
         </p:txBody>
       </p:sp>
@@ -17138,252 +17129,668 @@
           <a:lstStyle/>
           <a:p>
             <a:r>
-              <a:rPr lang="en-US" dirty="0" err="1" smtClean="0"/>
+              <a:rPr lang="en-US" dirty="0" err="1" smtClean="0">
+                <a:solidFill>
+                  <a:schemeClr val="tx1"/>
+                </a:solidFill>
+                <a:latin typeface="Helvetica" charset="0"/>
+                <a:ea typeface="Helvetica" charset="0"/>
+                <a:cs typeface="Helvetica" charset="0"/>
+              </a:rPr>
               <a:t>Encontrar</a:t>
             </a:r>
             <a:r>
-              <a:rPr lang="en-US" dirty="0" smtClean="0"/>
+              <a:rPr lang="en-US" dirty="0" smtClean="0">
+                <a:solidFill>
+                  <a:schemeClr val="tx1"/>
+                </a:solidFill>
+                <a:latin typeface="Helvetica" charset="0"/>
+                <a:ea typeface="Helvetica" charset="0"/>
+                <a:cs typeface="Helvetica" charset="0"/>
+              </a:rPr>
               <a:t> </a:t>
             </a:r>
             <a:r>
-              <a:rPr lang="en-US" dirty="0" err="1" smtClean="0"/>
+              <a:rPr lang="en-US" dirty="0" err="1" smtClean="0">
+                <a:solidFill>
+                  <a:schemeClr val="tx1"/>
+                </a:solidFill>
+                <a:latin typeface="Helvetica" charset="0"/>
+                <a:ea typeface="Helvetica" charset="0"/>
+                <a:cs typeface="Helvetica" charset="0"/>
+              </a:rPr>
               <a:t>soluções</a:t>
             </a:r>
             <a:r>
-              <a:rPr lang="en-US" dirty="0" smtClean="0"/>
+              <a:rPr lang="en-US" dirty="0" smtClean="0">
+                <a:solidFill>
+                  <a:schemeClr val="tx1"/>
+                </a:solidFill>
+                <a:latin typeface="Helvetica" charset="0"/>
+                <a:ea typeface="Helvetica" charset="0"/>
+                <a:cs typeface="Helvetica" charset="0"/>
+              </a:rPr>
               <a:t> </a:t>
             </a:r>
             <a:r>
-              <a:rPr lang="en-US" dirty="0" err="1" smtClean="0"/>
+              <a:rPr lang="en-US" dirty="0" err="1" smtClean="0">
+                <a:solidFill>
+                  <a:schemeClr val="tx1"/>
+                </a:solidFill>
+                <a:latin typeface="Helvetica" charset="0"/>
+                <a:ea typeface="Helvetica" charset="0"/>
+                <a:cs typeface="Helvetica" charset="0"/>
+              </a:rPr>
               <a:t>enquanto</a:t>
             </a:r>
             <a:r>
-              <a:rPr lang="en-US" dirty="0" smtClean="0"/>
+              <a:rPr lang="en-US" dirty="0" smtClean="0">
+                <a:solidFill>
+                  <a:schemeClr val="tx1"/>
+                </a:solidFill>
+                <a:latin typeface="Helvetica" charset="0"/>
+                <a:ea typeface="Helvetica" charset="0"/>
+                <a:cs typeface="Helvetica" charset="0"/>
+              </a:rPr>
               <a:t> se </a:t>
             </a:r>
             <a:r>
-              <a:rPr lang="en-US" dirty="0" err="1" smtClean="0"/>
+              <a:rPr lang="en-US" dirty="0" err="1" smtClean="0">
+                <a:solidFill>
+                  <a:schemeClr val="tx1"/>
+                </a:solidFill>
+                <a:latin typeface="Helvetica" charset="0"/>
+                <a:ea typeface="Helvetica" charset="0"/>
+                <a:cs typeface="Helvetica" charset="0"/>
+              </a:rPr>
               <a:t>interage</a:t>
             </a:r>
             <a:r>
-              <a:rPr lang="en-US" dirty="0" smtClean="0"/>
+              <a:rPr lang="en-US" dirty="0" smtClean="0">
+                <a:solidFill>
+                  <a:schemeClr val="tx1"/>
+                </a:solidFill>
+                <a:latin typeface="Helvetica" charset="0"/>
+                <a:ea typeface="Helvetica" charset="0"/>
+                <a:cs typeface="Helvetica" charset="0"/>
+              </a:rPr>
               <a:t> com o </a:t>
             </a:r>
             <a:r>
-              <a:rPr lang="en-US" dirty="0" err="1" smtClean="0"/>
+              <a:rPr lang="en-US" dirty="0" err="1" smtClean="0">
+                <a:solidFill>
+                  <a:schemeClr val="tx1"/>
+                </a:solidFill>
+                <a:latin typeface="Helvetica" charset="0"/>
+                <a:ea typeface="Helvetica" charset="0"/>
+                <a:cs typeface="Helvetica" charset="0"/>
+              </a:rPr>
               <a:t>problema</a:t>
             </a:r>
-            <a:endParaRPr lang="en-US" dirty="0" smtClean="0"/>
-          </a:p>
-          <a:p>
-            <a:r>
-              <a:rPr lang="en-US" dirty="0" smtClean="0"/>
+            <a:endParaRPr lang="en-US" dirty="0" smtClean="0">
+              <a:solidFill>
+                <a:schemeClr val="tx1"/>
+              </a:solidFill>
+              <a:latin typeface="Helvetica" charset="0"/>
+              <a:ea typeface="Helvetica" charset="0"/>
+              <a:cs typeface="Helvetica" charset="0"/>
+            </a:endParaRPr>
+          </a:p>
+          <a:p>
+            <a:r>
+              <a:rPr lang="en-US" dirty="0" smtClean="0">
+                <a:solidFill>
+                  <a:schemeClr val="tx1"/>
+                </a:solidFill>
+                <a:latin typeface="Helvetica" charset="0"/>
+                <a:ea typeface="Helvetica" charset="0"/>
+                <a:cs typeface="Helvetica" charset="0"/>
+              </a:rPr>
               <a:t>Base </a:t>
             </a:r>
             <a:r>
-              <a:rPr lang="en-US" dirty="0" err="1" smtClean="0"/>
+              <a:rPr lang="en-US" dirty="0" err="1" smtClean="0">
+                <a:solidFill>
+                  <a:schemeClr val="tx1"/>
+                </a:solidFill>
+                <a:latin typeface="Helvetica" charset="0"/>
+                <a:ea typeface="Helvetica" charset="0"/>
+                <a:cs typeface="Helvetica" charset="0"/>
+              </a:rPr>
               <a:t>na</a:t>
             </a:r>
             <a:r>
-              <a:rPr lang="en-US" dirty="0" smtClean="0"/>
+              <a:rPr lang="en-US" dirty="0" smtClean="0">
+                <a:solidFill>
+                  <a:schemeClr val="tx1"/>
+                </a:solidFill>
+                <a:latin typeface="Helvetica" charset="0"/>
+                <a:ea typeface="Helvetica" charset="0"/>
+                <a:cs typeface="Helvetica" charset="0"/>
+              </a:rPr>
               <a:t> </a:t>
             </a:r>
             <a:r>
-              <a:rPr lang="en-US" dirty="0" err="1" smtClean="0"/>
+              <a:rPr lang="en-US" dirty="0" err="1" smtClean="0">
+                <a:solidFill>
+                  <a:schemeClr val="tx1"/>
+                </a:solidFill>
+                <a:latin typeface="Helvetica" charset="0"/>
+                <a:ea typeface="Helvetica" charset="0"/>
+                <a:cs typeface="Helvetica" charset="0"/>
+              </a:rPr>
               <a:t>tentativa</a:t>
             </a:r>
             <a:r>
-              <a:rPr lang="en-US" dirty="0" smtClean="0"/>
+              <a:rPr lang="en-US" dirty="0" smtClean="0">
+                <a:solidFill>
+                  <a:schemeClr val="tx1"/>
+                </a:solidFill>
+                <a:latin typeface="Helvetica" charset="0"/>
+                <a:ea typeface="Helvetica" charset="0"/>
+                <a:cs typeface="Helvetica" charset="0"/>
+              </a:rPr>
               <a:t>-e-</a:t>
             </a:r>
             <a:r>
-              <a:rPr lang="en-US" dirty="0" err="1" smtClean="0"/>
+              <a:rPr lang="en-US" dirty="0" err="1" smtClean="0">
+                <a:solidFill>
+                  <a:schemeClr val="tx1"/>
+                </a:solidFill>
+                <a:latin typeface="Helvetica" charset="0"/>
+                <a:ea typeface="Helvetica" charset="0"/>
+                <a:cs typeface="Helvetica" charset="0"/>
+              </a:rPr>
               <a:t>erro</a:t>
             </a:r>
             <a:r>
-              <a:rPr lang="en-US" dirty="0" smtClean="0"/>
+              <a:rPr lang="en-US" dirty="0" smtClean="0">
+                <a:solidFill>
+                  <a:schemeClr val="tx1"/>
+                </a:solidFill>
+                <a:latin typeface="Helvetica" charset="0"/>
+                <a:ea typeface="Helvetica" charset="0"/>
+                <a:cs typeface="Helvetica" charset="0"/>
+              </a:rPr>
               <a:t> </a:t>
             </a:r>
             <a:r>
               <a:rPr lang="en-US" b="1" baseline="30000" dirty="0" smtClean="0">
                 <a:solidFill>
-                  <a:srgbClr val="0432FF"/>
-                </a:solidFill>
+                  <a:schemeClr val="tx1"/>
+                </a:solidFill>
+                <a:latin typeface="Helvetica" charset="0"/>
+                <a:ea typeface="Helvetica" charset="0"/>
+                <a:cs typeface="Helvetica" charset="0"/>
               </a:rPr>
               <a:t>[1]</a:t>
             </a:r>
           </a:p>
           <a:p>
             <a:r>
-              <a:rPr lang="en-US" dirty="0" err="1" smtClean="0"/>
+              <a:rPr lang="en-US" dirty="0" err="1" smtClean="0">
+                <a:solidFill>
+                  <a:schemeClr val="tx1"/>
+                </a:solidFill>
+                <a:latin typeface="Helvetica" charset="0"/>
+                <a:ea typeface="Helvetica" charset="0"/>
+                <a:cs typeface="Helvetica" charset="0"/>
+              </a:rPr>
               <a:t>Mesmos</a:t>
             </a:r>
             <a:r>
-              <a:rPr lang="en-US" dirty="0" smtClean="0"/>
+              <a:rPr lang="en-US" dirty="0" smtClean="0">
+                <a:solidFill>
+                  <a:schemeClr val="tx1"/>
+                </a:solidFill>
+                <a:latin typeface="Helvetica" charset="0"/>
+                <a:ea typeface="Helvetica" charset="0"/>
+                <a:cs typeface="Helvetica" charset="0"/>
+              </a:rPr>
               <a:t> </a:t>
             </a:r>
             <a:r>
-              <a:rPr lang="en-US" dirty="0" err="1" smtClean="0"/>
+              <a:rPr lang="en-US" dirty="0" err="1" smtClean="0">
+                <a:solidFill>
+                  <a:schemeClr val="tx1"/>
+                </a:solidFill>
+                <a:latin typeface="Helvetica" charset="0"/>
+                <a:ea typeface="Helvetica" charset="0"/>
+                <a:cs typeface="Helvetica" charset="0"/>
+              </a:rPr>
               <a:t>princípios</a:t>
             </a:r>
             <a:r>
-              <a:rPr lang="en-US" dirty="0" smtClean="0"/>
+              <a:rPr lang="en-US" dirty="0" smtClean="0">
+                <a:solidFill>
+                  <a:schemeClr val="tx1"/>
+                </a:solidFill>
+                <a:latin typeface="Helvetica" charset="0"/>
+                <a:ea typeface="Helvetica" charset="0"/>
+                <a:cs typeface="Helvetica" charset="0"/>
+              </a:rPr>
               <a:t> da </a:t>
             </a:r>
             <a:r>
-              <a:rPr lang="en-US" dirty="0" err="1" smtClean="0"/>
+              <a:rPr lang="en-US" dirty="0" err="1" smtClean="0">
+                <a:solidFill>
+                  <a:schemeClr val="tx1"/>
+                </a:solidFill>
+                <a:latin typeface="Helvetica" charset="0"/>
+                <a:ea typeface="Helvetica" charset="0"/>
+                <a:cs typeface="Helvetica" charset="0"/>
+              </a:rPr>
               <a:t>seleção</a:t>
             </a:r>
             <a:r>
-              <a:rPr lang="en-US" dirty="0" smtClean="0"/>
+              <a:rPr lang="en-US" dirty="0" smtClean="0">
+                <a:solidFill>
+                  <a:schemeClr val="tx1"/>
+                </a:solidFill>
+                <a:latin typeface="Helvetica" charset="0"/>
+                <a:ea typeface="Helvetica" charset="0"/>
+                <a:cs typeface="Helvetica" charset="0"/>
+              </a:rPr>
               <a:t> natural:</a:t>
             </a:r>
           </a:p>
           <a:p>
             <a:pPr lvl="1"/>
             <a:r>
-              <a:rPr lang="en-US" dirty="0" err="1" smtClean="0"/>
+              <a:rPr lang="en-US" dirty="0" err="1" smtClean="0">
+                <a:solidFill>
+                  <a:schemeClr val="tx1"/>
+                </a:solidFill>
+                <a:latin typeface="Helvetica" charset="0"/>
+                <a:ea typeface="Helvetica" charset="0"/>
+                <a:cs typeface="Helvetica" charset="0"/>
+              </a:rPr>
               <a:t>Variação</a:t>
             </a:r>
             <a:r>
-              <a:rPr lang="en-US" dirty="0" smtClean="0"/>
+              <a:rPr lang="en-US" dirty="0" smtClean="0">
+                <a:solidFill>
+                  <a:schemeClr val="tx1"/>
+                </a:solidFill>
+                <a:latin typeface="Helvetica" charset="0"/>
+                <a:ea typeface="Helvetica" charset="0"/>
+                <a:cs typeface="Helvetica" charset="0"/>
+              </a:rPr>
               <a:t> (</a:t>
             </a:r>
             <a:r>
-              <a:rPr lang="en-US" dirty="0" err="1" smtClean="0"/>
+              <a:rPr lang="en-US" dirty="0" err="1" smtClean="0">
+                <a:solidFill>
+                  <a:schemeClr val="tx1"/>
+                </a:solidFill>
+                <a:latin typeface="Helvetica" charset="0"/>
+                <a:ea typeface="Helvetica" charset="0"/>
+                <a:cs typeface="Helvetica" charset="0"/>
+              </a:rPr>
               <a:t>Mutação</a:t>
             </a:r>
             <a:r>
-              <a:rPr lang="en-US" dirty="0"/>
+              <a:rPr lang="en-US" dirty="0">
+                <a:solidFill>
+                  <a:schemeClr val="tx1"/>
+                </a:solidFill>
+                <a:latin typeface="Helvetica" charset="0"/>
+                <a:ea typeface="Helvetica" charset="0"/>
+                <a:cs typeface="Helvetica" charset="0"/>
+              </a:rPr>
               <a:t> </a:t>
             </a:r>
             <a:r>
-              <a:rPr lang="en-US" dirty="0" smtClean="0"/>
+              <a:rPr lang="en-US" dirty="0" smtClean="0">
+                <a:solidFill>
+                  <a:schemeClr val="tx1"/>
+                </a:solidFill>
+                <a:latin typeface="Helvetica" charset="0"/>
+                <a:ea typeface="Helvetica" charset="0"/>
+                <a:cs typeface="Helvetica" charset="0"/>
+              </a:rPr>
               <a:t>/ </a:t>
             </a:r>
             <a:r>
-              <a:rPr lang="en-US" dirty="0" err="1" smtClean="0"/>
+              <a:rPr lang="en-US" dirty="0" err="1" smtClean="0">
+                <a:solidFill>
+                  <a:schemeClr val="tx1"/>
+                </a:solidFill>
+                <a:latin typeface="Helvetica" charset="0"/>
+                <a:ea typeface="Helvetica" charset="0"/>
+                <a:cs typeface="Helvetica" charset="0"/>
+              </a:rPr>
               <a:t>Recombinação</a:t>
             </a:r>
             <a:r>
-              <a:rPr lang="en-US" dirty="0" smtClean="0"/>
+              <a:rPr lang="en-US" dirty="0" smtClean="0">
+                <a:solidFill>
+                  <a:schemeClr val="tx1"/>
+                </a:solidFill>
+                <a:latin typeface="Helvetica" charset="0"/>
+                <a:ea typeface="Helvetica" charset="0"/>
+                <a:cs typeface="Helvetica" charset="0"/>
+              </a:rPr>
               <a:t>)</a:t>
             </a:r>
           </a:p>
           <a:p>
             <a:pPr lvl="1"/>
             <a:r>
-              <a:rPr lang="en-US" dirty="0" err="1" smtClean="0"/>
+              <a:rPr lang="en-US" dirty="0" err="1" smtClean="0">
+                <a:solidFill>
+                  <a:schemeClr val="tx1"/>
+                </a:solidFill>
+                <a:latin typeface="Helvetica" charset="0"/>
+                <a:ea typeface="Helvetica" charset="0"/>
+                <a:cs typeface="Helvetica" charset="0"/>
+              </a:rPr>
               <a:t>Seleção</a:t>
             </a:r>
             <a:r>
-              <a:rPr lang="en-US" dirty="0"/>
+              <a:rPr lang="en-US" dirty="0">
+                <a:solidFill>
+                  <a:schemeClr val="tx1"/>
+                </a:solidFill>
+                <a:latin typeface="Helvetica" charset="0"/>
+                <a:ea typeface="Helvetica" charset="0"/>
+                <a:cs typeface="Helvetica" charset="0"/>
+              </a:rPr>
               <a:t> </a:t>
             </a:r>
             <a:r>
-              <a:rPr lang="en-US" dirty="0" smtClean="0"/>
+              <a:rPr lang="en-US" dirty="0" smtClean="0">
+                <a:solidFill>
+                  <a:schemeClr val="tx1"/>
+                </a:solidFill>
+                <a:latin typeface="Helvetica" charset="0"/>
+                <a:ea typeface="Helvetica" charset="0"/>
+                <a:cs typeface="Helvetica" charset="0"/>
+              </a:rPr>
               <a:t>/ </a:t>
             </a:r>
             <a:r>
-              <a:rPr lang="en-US" dirty="0" err="1" smtClean="0"/>
+              <a:rPr lang="en-US" dirty="0" err="1" smtClean="0">
+                <a:solidFill>
+                  <a:schemeClr val="tx1"/>
+                </a:solidFill>
+                <a:latin typeface="Helvetica" charset="0"/>
+                <a:ea typeface="Helvetica" charset="0"/>
+                <a:cs typeface="Helvetica" charset="0"/>
+              </a:rPr>
               <a:t>Sobrevivência</a:t>
             </a:r>
-            <a:endParaRPr lang="en-US" dirty="0" smtClean="0"/>
-          </a:p>
-          <a:p>
-            <a:r>
-              <a:rPr lang="en-US" b="1" dirty="0" err="1" smtClean="0"/>
+            <a:endParaRPr lang="en-US" dirty="0" smtClean="0">
+              <a:solidFill>
+                <a:schemeClr val="tx1"/>
+              </a:solidFill>
+              <a:latin typeface="Helvetica" charset="0"/>
+              <a:ea typeface="Helvetica" charset="0"/>
+              <a:cs typeface="Helvetica" charset="0"/>
+            </a:endParaRPr>
+          </a:p>
+          <a:p>
+            <a:r>
+              <a:rPr lang="en-US" b="1" dirty="0" err="1" smtClean="0">
+                <a:solidFill>
+                  <a:schemeClr val="tx1"/>
+                </a:solidFill>
+                <a:latin typeface="Helvetica" charset="0"/>
+                <a:ea typeface="Helvetica" charset="0"/>
+                <a:cs typeface="Helvetica" charset="0"/>
+              </a:rPr>
               <a:t>População</a:t>
             </a:r>
             <a:r>
-              <a:rPr lang="en-US" b="1" dirty="0" smtClean="0"/>
+              <a:rPr lang="en-US" b="1" dirty="0" smtClean="0">
+                <a:solidFill>
+                  <a:schemeClr val="tx1"/>
+                </a:solidFill>
+                <a:latin typeface="Helvetica" charset="0"/>
+                <a:ea typeface="Helvetica" charset="0"/>
+                <a:cs typeface="Helvetica" charset="0"/>
+              </a:rPr>
               <a:t>:</a:t>
             </a:r>
             <a:r>
-              <a:rPr lang="en-US" dirty="0" smtClean="0"/>
+              <a:rPr lang="en-US" dirty="0" smtClean="0">
+                <a:solidFill>
+                  <a:schemeClr val="tx1"/>
+                </a:solidFill>
+                <a:latin typeface="Helvetica" charset="0"/>
+                <a:ea typeface="Helvetica" charset="0"/>
+                <a:cs typeface="Helvetica" charset="0"/>
+              </a:rPr>
               <a:t> </a:t>
             </a:r>
             <a:r>
-              <a:rPr lang="en-US" dirty="0" err="1" smtClean="0"/>
+              <a:rPr lang="en-US" dirty="0" err="1" smtClean="0">
+                <a:solidFill>
+                  <a:schemeClr val="tx1"/>
+                </a:solidFill>
+                <a:latin typeface="Helvetica" charset="0"/>
+                <a:ea typeface="Helvetica" charset="0"/>
+                <a:cs typeface="Helvetica" charset="0"/>
+              </a:rPr>
               <a:t>parâmetros</a:t>
             </a:r>
             <a:r>
-              <a:rPr lang="en-US" dirty="0" smtClean="0"/>
+              <a:rPr lang="en-US" dirty="0" smtClean="0">
+                <a:solidFill>
+                  <a:schemeClr val="tx1"/>
+                </a:solidFill>
+                <a:latin typeface="Helvetica" charset="0"/>
+                <a:ea typeface="Helvetica" charset="0"/>
+                <a:cs typeface="Helvetica" charset="0"/>
+              </a:rPr>
               <a:t> de </a:t>
             </a:r>
             <a:r>
-              <a:rPr lang="en-US" dirty="0" err="1" smtClean="0"/>
+              <a:rPr lang="en-US" dirty="0" err="1" smtClean="0">
+                <a:solidFill>
+                  <a:schemeClr val="tx1"/>
+                </a:solidFill>
+                <a:latin typeface="Helvetica" charset="0"/>
+                <a:ea typeface="Helvetica" charset="0"/>
+                <a:cs typeface="Helvetica" charset="0"/>
+              </a:rPr>
               <a:t>interesse</a:t>
             </a:r>
             <a:r>
-              <a:rPr lang="en-US" dirty="0" smtClean="0"/>
+              <a:rPr lang="en-US" dirty="0" smtClean="0">
+                <a:solidFill>
+                  <a:schemeClr val="tx1"/>
+                </a:solidFill>
+                <a:latin typeface="Helvetica" charset="0"/>
+                <a:ea typeface="Helvetica" charset="0"/>
+                <a:cs typeface="Helvetica" charset="0"/>
+              </a:rPr>
               <a:t> </a:t>
             </a:r>
             <a:r>
-              <a:rPr lang="en-US" dirty="0" err="1" smtClean="0"/>
+              <a:rPr lang="en-US" dirty="0" err="1" smtClean="0">
+                <a:solidFill>
+                  <a:schemeClr val="tx1"/>
+                </a:solidFill>
+                <a:latin typeface="Helvetica" charset="0"/>
+                <a:ea typeface="Helvetica" charset="0"/>
+                <a:cs typeface="Helvetica" charset="0"/>
+              </a:rPr>
               <a:t>retornados</a:t>
             </a:r>
             <a:r>
-              <a:rPr lang="en-US" dirty="0" smtClean="0"/>
+              <a:rPr lang="en-US" dirty="0" smtClean="0">
+                <a:solidFill>
+                  <a:schemeClr val="tx1"/>
+                </a:solidFill>
+                <a:latin typeface="Helvetica" charset="0"/>
+                <a:ea typeface="Helvetica" charset="0"/>
+                <a:cs typeface="Helvetica" charset="0"/>
+              </a:rPr>
               <a:t> </a:t>
             </a:r>
             <a:r>
-              <a:rPr lang="en-US" dirty="0" err="1" smtClean="0"/>
+              <a:rPr lang="en-US" dirty="0" err="1" smtClean="0">
+                <a:solidFill>
+                  <a:schemeClr val="tx1"/>
+                </a:solidFill>
+                <a:latin typeface="Helvetica" charset="0"/>
+                <a:ea typeface="Helvetica" charset="0"/>
+                <a:cs typeface="Helvetica" charset="0"/>
+              </a:rPr>
               <a:t>pelo</a:t>
             </a:r>
             <a:r>
-              <a:rPr lang="en-US" dirty="0" smtClean="0"/>
+              <a:rPr lang="en-US" dirty="0" smtClean="0">
+                <a:solidFill>
+                  <a:schemeClr val="tx1"/>
+                </a:solidFill>
+                <a:latin typeface="Helvetica" charset="0"/>
+                <a:ea typeface="Helvetica" charset="0"/>
+                <a:cs typeface="Helvetica" charset="0"/>
+              </a:rPr>
               <a:t> </a:t>
             </a:r>
             <a:r>
-              <a:rPr lang="en-US" dirty="0" err="1" smtClean="0"/>
+              <a:rPr lang="en-US" dirty="0" err="1" smtClean="0">
+                <a:solidFill>
+                  <a:schemeClr val="tx1"/>
+                </a:solidFill>
+                <a:latin typeface="Helvetica" charset="0"/>
+                <a:ea typeface="Helvetica" charset="0"/>
+                <a:cs typeface="Helvetica" charset="0"/>
+              </a:rPr>
               <a:t>problema</a:t>
             </a:r>
-            <a:endParaRPr lang="en-US" dirty="0" smtClean="0"/>
-          </a:p>
-          <a:p>
-            <a:r>
-              <a:rPr lang="en-US" b="1" dirty="0" err="1" smtClean="0"/>
+            <a:endParaRPr lang="en-US" dirty="0" smtClean="0">
+              <a:solidFill>
+                <a:schemeClr val="tx1"/>
+              </a:solidFill>
+              <a:latin typeface="Helvetica" charset="0"/>
+              <a:ea typeface="Helvetica" charset="0"/>
+              <a:cs typeface="Helvetica" charset="0"/>
+            </a:endParaRPr>
+          </a:p>
+          <a:p>
+            <a:r>
+              <a:rPr lang="en-US" b="1" dirty="0" err="1" smtClean="0">
+                <a:solidFill>
+                  <a:schemeClr val="tx1"/>
+                </a:solidFill>
+                <a:latin typeface="Helvetica" charset="0"/>
+                <a:ea typeface="Helvetica" charset="0"/>
+                <a:cs typeface="Helvetica" charset="0"/>
+              </a:rPr>
               <a:t>Geração</a:t>
             </a:r>
             <a:r>
-              <a:rPr lang="en-US" b="1" dirty="0" smtClean="0"/>
+              <a:rPr lang="en-US" b="1" dirty="0" smtClean="0">
+                <a:solidFill>
+                  <a:schemeClr val="tx1"/>
+                </a:solidFill>
+                <a:latin typeface="Helvetica" charset="0"/>
+                <a:ea typeface="Helvetica" charset="0"/>
+                <a:cs typeface="Helvetica" charset="0"/>
+              </a:rPr>
               <a:t>:</a:t>
             </a:r>
             <a:r>
-              <a:rPr lang="en-US" dirty="0" smtClean="0"/>
+              <a:rPr lang="en-US" dirty="0" smtClean="0">
+                <a:solidFill>
+                  <a:schemeClr val="tx1"/>
+                </a:solidFill>
+                <a:latin typeface="Helvetica" charset="0"/>
+                <a:ea typeface="Helvetica" charset="0"/>
+                <a:cs typeface="Helvetica" charset="0"/>
+              </a:rPr>
               <a:t> </a:t>
             </a:r>
             <a:r>
-              <a:rPr lang="en-US" dirty="0" err="1" smtClean="0"/>
+              <a:rPr lang="en-US" dirty="0" err="1" smtClean="0">
+                <a:solidFill>
+                  <a:schemeClr val="tx1"/>
+                </a:solidFill>
+                <a:latin typeface="Helvetica" charset="0"/>
+                <a:ea typeface="Helvetica" charset="0"/>
+                <a:cs typeface="Helvetica" charset="0"/>
+              </a:rPr>
               <a:t>população</a:t>
             </a:r>
             <a:r>
-              <a:rPr lang="en-US" dirty="0" smtClean="0"/>
+              <a:rPr lang="en-US" dirty="0" smtClean="0">
+                <a:solidFill>
+                  <a:schemeClr val="tx1"/>
+                </a:solidFill>
+                <a:latin typeface="Helvetica" charset="0"/>
+                <a:ea typeface="Helvetica" charset="0"/>
+                <a:cs typeface="Helvetica" charset="0"/>
+              </a:rPr>
               <a:t> </a:t>
             </a:r>
             <a:r>
-              <a:rPr lang="en-US" dirty="0" err="1" smtClean="0"/>
+              <a:rPr lang="en-US" dirty="0" err="1" smtClean="0">
+                <a:solidFill>
+                  <a:schemeClr val="tx1"/>
+                </a:solidFill>
+                <a:latin typeface="Helvetica" charset="0"/>
+                <a:ea typeface="Helvetica" charset="0"/>
+                <a:cs typeface="Helvetica" charset="0"/>
+              </a:rPr>
               <a:t>após</a:t>
             </a:r>
             <a:r>
-              <a:rPr lang="en-US" dirty="0" smtClean="0"/>
+              <a:rPr lang="en-US" dirty="0" smtClean="0">
+                <a:solidFill>
+                  <a:schemeClr val="tx1"/>
+                </a:solidFill>
+                <a:latin typeface="Helvetica" charset="0"/>
+                <a:ea typeface="Helvetica" charset="0"/>
+                <a:cs typeface="Helvetica" charset="0"/>
+              </a:rPr>
               <a:t> um </a:t>
             </a:r>
             <a:r>
-              <a:rPr lang="en-US" dirty="0" err="1" smtClean="0"/>
+              <a:rPr lang="en-US" dirty="0" err="1" smtClean="0">
+                <a:solidFill>
+                  <a:schemeClr val="tx1"/>
+                </a:solidFill>
+                <a:latin typeface="Helvetica" charset="0"/>
+                <a:ea typeface="Helvetica" charset="0"/>
+                <a:cs typeface="Helvetica" charset="0"/>
+              </a:rPr>
               <a:t>ciclo</a:t>
             </a:r>
             <a:r>
-              <a:rPr lang="en-US" dirty="0" smtClean="0"/>
+              <a:rPr lang="en-US" dirty="0" smtClean="0">
+                <a:solidFill>
+                  <a:schemeClr val="tx1"/>
+                </a:solidFill>
+                <a:latin typeface="Helvetica" charset="0"/>
+                <a:ea typeface="Helvetica" charset="0"/>
+                <a:cs typeface="Helvetica" charset="0"/>
+              </a:rPr>
               <a:t> de </a:t>
             </a:r>
             <a:r>
-              <a:rPr lang="en-US" dirty="0" err="1" smtClean="0"/>
+              <a:rPr lang="en-US" dirty="0" err="1" smtClean="0">
+                <a:solidFill>
+                  <a:schemeClr val="tx1"/>
+                </a:solidFill>
+                <a:latin typeface="Helvetica" charset="0"/>
+                <a:ea typeface="Helvetica" charset="0"/>
+                <a:cs typeface="Helvetica" charset="0"/>
+              </a:rPr>
               <a:t>iterações</a:t>
             </a:r>
             <a:r>
-              <a:rPr lang="en-US" dirty="0" smtClean="0"/>
+              <a:rPr lang="en-US" dirty="0" smtClean="0">
+                <a:solidFill>
+                  <a:schemeClr val="tx1"/>
+                </a:solidFill>
+                <a:latin typeface="Helvetica" charset="0"/>
+                <a:ea typeface="Helvetica" charset="0"/>
+                <a:cs typeface="Helvetica" charset="0"/>
+              </a:rPr>
               <a:t> do AE</a:t>
             </a:r>
           </a:p>
@@ -17920,13 +18327,19 @@
               <a:rPr lang="en-US" dirty="0" err="1" smtClean="0">
                 <a:sym typeface="Wingdings"/>
               </a:rPr>
-              <a:t>indiv</a:t>
+              <a:t>indivíduos</a:t>
+            </a:r>
+            <a:r>
+              <a:rPr lang="en-US" dirty="0" smtClean="0">
+                <a:sym typeface="Wingdings"/>
+              </a:rPr>
+              <a:t> </a:t>
             </a:r>
             <a:r>
               <a:rPr lang="en-US" dirty="0" err="1" smtClean="0">
                 <a:sym typeface="Wingdings"/>
               </a:rPr>
-              <a:t>íduos</a:t>
+              <a:t>são</a:t>
             </a:r>
             <a:r>
               <a:rPr lang="en-US" dirty="0" smtClean="0">
@@ -17934,21 +18347,6 @@
               </a:rPr>
               <a:t> </a:t>
             </a:r>
-            <a:r>
-              <a:rPr lang="en-US" dirty="0" err="1" smtClean="0">
-                <a:sym typeface="Wingdings"/>
-              </a:rPr>
-              <a:t>são</a:t>
-            </a:r>
-            <a:r>
-              <a:rPr lang="en-US" dirty="0" smtClean="0">
-                <a:sym typeface="Wingdings"/>
-              </a:rPr>
-              <a:t> </a:t>
-            </a:r>
-            <a:endParaRPr lang="en-US" dirty="0" smtClean="0">
-              <a:sym typeface="Wingdings"/>
-            </a:endParaRPr>
           </a:p>
           <a:p>
             <a:r>

--- a/presentations/TG2_Apresentacao_Cassio.pptx
+++ b/presentations/TG2_Apresentacao_Cassio.pptx
@@ -5,26 +5,29 @@
     <p:sldMasterId id="2147484198" r:id="rId1"/>
   </p:sldMasterIdLst>
   <p:notesMasterIdLst>
-    <p:notesMasterId r:id="rId19"/>
+    <p:notesMasterId r:id="rId22"/>
   </p:notesMasterIdLst>
   <p:sldIdLst>
     <p:sldId id="256" r:id="rId2"/>
     <p:sldId id="270" r:id="rId3"/>
     <p:sldId id="273" r:id="rId4"/>
     <p:sldId id="257" r:id="rId5"/>
-    <p:sldId id="258" r:id="rId6"/>
-    <p:sldId id="260" r:id="rId7"/>
-    <p:sldId id="261" r:id="rId8"/>
-    <p:sldId id="262" r:id="rId9"/>
-    <p:sldId id="263" r:id="rId10"/>
-    <p:sldId id="264" r:id="rId11"/>
-    <p:sldId id="265" r:id="rId12"/>
-    <p:sldId id="266" r:id="rId13"/>
-    <p:sldId id="267" r:id="rId14"/>
-    <p:sldId id="268" r:id="rId15"/>
-    <p:sldId id="259" r:id="rId16"/>
-    <p:sldId id="269" r:id="rId17"/>
-    <p:sldId id="271" r:id="rId18"/>
+    <p:sldId id="274" r:id="rId6"/>
+    <p:sldId id="275" r:id="rId7"/>
+    <p:sldId id="276" r:id="rId8"/>
+    <p:sldId id="277" r:id="rId9"/>
+    <p:sldId id="260" r:id="rId10"/>
+    <p:sldId id="261" r:id="rId11"/>
+    <p:sldId id="262" r:id="rId12"/>
+    <p:sldId id="263" r:id="rId13"/>
+    <p:sldId id="264" r:id="rId14"/>
+    <p:sldId id="265" r:id="rId15"/>
+    <p:sldId id="266" r:id="rId16"/>
+    <p:sldId id="267" r:id="rId17"/>
+    <p:sldId id="268" r:id="rId18"/>
+    <p:sldId id="259" r:id="rId19"/>
+    <p:sldId id="269" r:id="rId20"/>
+    <p:sldId id="271" r:id="rId21"/>
   </p:sldIdLst>
   <p:sldSz cx="12192000" cy="6858000"/>
   <p:notesSz cx="6858000" cy="9144000"/>
@@ -630,7 +633,343 @@
           <a:p>
             <a:fld id="{728E3497-A358-B14F-AE0E-969A2D296615}" type="slidenum">
               <a:rPr lang="en-US" smtClean="0"/>
+              <a:t>4</a:t>
+            </a:fld>
+            <a:endParaRPr lang="en-US"/>
+          </a:p>
+        </p:txBody>
+      </p:sp>
+    </p:spTree>
+    <p:extLst>
+      <p:ext uri="{BB962C8B-B14F-4D97-AF65-F5344CB8AC3E}">
+        <p14:creationId xmlns:p14="http://schemas.microsoft.com/office/powerpoint/2010/main" val="1676824279"/>
+      </p:ext>
+    </p:extLst>
+  </p:cSld>
+  <p:clrMapOvr>
+    <a:masterClrMapping/>
+  </p:clrMapOvr>
+</p:notes>
+</file>
+
+<file path=ppt/notesSlides/notesSlide3.xml><?xml version="1.0" encoding="utf-8"?>
+<p:notes xmlns:a="http://schemas.openxmlformats.org/drawingml/2006/main" xmlns:r="http://schemas.openxmlformats.org/officeDocument/2006/relationships" xmlns:p="http://schemas.openxmlformats.org/presentationml/2006/main">
+  <p:cSld>
+    <p:spTree>
+      <p:nvGrpSpPr>
+        <p:cNvPr id="1" name=""/>
+        <p:cNvGrpSpPr/>
+        <p:nvPr/>
+      </p:nvGrpSpPr>
+      <p:grpSpPr>
+        <a:xfrm>
+          <a:off x="0" y="0"/>
+          <a:ext cx="0" cy="0"/>
+          <a:chOff x="0" y="0"/>
+          <a:chExt cx="0" cy="0"/>
+        </a:xfrm>
+      </p:grpSpPr>
+      <p:sp>
+        <p:nvSpPr>
+          <p:cNvPr id="2" name="Slide Image Placeholder 1"/>
+          <p:cNvSpPr>
+            <a:spLocks noGrp="1" noRot="1" noChangeAspect="1"/>
+          </p:cNvSpPr>
+          <p:nvPr>
+            <p:ph type="sldImg"/>
+          </p:nvPr>
+        </p:nvSpPr>
+        <p:spPr/>
+      </p:sp>
+      <p:sp>
+        <p:nvSpPr>
+          <p:cNvPr id="3" name="Notes Placeholder 2"/>
+          <p:cNvSpPr>
+            <a:spLocks noGrp="1"/>
+          </p:cNvSpPr>
+          <p:nvPr>
+            <p:ph type="body" idx="1"/>
+          </p:nvPr>
+        </p:nvSpPr>
+        <p:spPr/>
+        <p:txBody>
+          <a:bodyPr/>
+          <a:lstStyle/>
+          <a:p>
+            <a:endParaRPr lang="en-US"/>
+          </a:p>
+        </p:txBody>
+      </p:sp>
+      <p:sp>
+        <p:nvSpPr>
+          <p:cNvPr id="4" name="Slide Number Placeholder 3"/>
+          <p:cNvSpPr>
+            <a:spLocks noGrp="1"/>
+          </p:cNvSpPr>
+          <p:nvPr>
+            <p:ph type="sldNum" sz="quarter" idx="10"/>
+          </p:nvPr>
+        </p:nvSpPr>
+        <p:spPr/>
+        <p:txBody>
+          <a:bodyPr/>
+          <a:lstStyle/>
+          <a:p>
+            <a:fld id="{728E3497-A358-B14F-AE0E-969A2D296615}" type="slidenum">
+              <a:rPr lang="en-US" smtClean="0"/>
               <a:t>5</a:t>
+            </a:fld>
+            <a:endParaRPr lang="en-US"/>
+          </a:p>
+        </p:txBody>
+      </p:sp>
+    </p:spTree>
+    <p:extLst>
+      <p:ext uri="{BB962C8B-B14F-4D97-AF65-F5344CB8AC3E}">
+        <p14:creationId xmlns:p14="http://schemas.microsoft.com/office/powerpoint/2010/main" val="1365912761"/>
+      </p:ext>
+    </p:extLst>
+  </p:cSld>
+  <p:clrMapOvr>
+    <a:masterClrMapping/>
+  </p:clrMapOvr>
+</p:notes>
+</file>
+
+<file path=ppt/notesSlides/notesSlide4.xml><?xml version="1.0" encoding="utf-8"?>
+<p:notes xmlns:a="http://schemas.openxmlformats.org/drawingml/2006/main" xmlns:r="http://schemas.openxmlformats.org/officeDocument/2006/relationships" xmlns:p="http://schemas.openxmlformats.org/presentationml/2006/main">
+  <p:cSld>
+    <p:spTree>
+      <p:nvGrpSpPr>
+        <p:cNvPr id="1" name=""/>
+        <p:cNvGrpSpPr/>
+        <p:nvPr/>
+      </p:nvGrpSpPr>
+      <p:grpSpPr>
+        <a:xfrm>
+          <a:off x="0" y="0"/>
+          <a:ext cx="0" cy="0"/>
+          <a:chOff x="0" y="0"/>
+          <a:chExt cx="0" cy="0"/>
+        </a:xfrm>
+      </p:grpSpPr>
+      <p:sp>
+        <p:nvSpPr>
+          <p:cNvPr id="2" name="Slide Image Placeholder 1"/>
+          <p:cNvSpPr>
+            <a:spLocks noGrp="1" noRot="1" noChangeAspect="1"/>
+          </p:cNvSpPr>
+          <p:nvPr>
+            <p:ph type="sldImg"/>
+          </p:nvPr>
+        </p:nvSpPr>
+        <p:spPr/>
+      </p:sp>
+      <p:sp>
+        <p:nvSpPr>
+          <p:cNvPr id="3" name="Notes Placeholder 2"/>
+          <p:cNvSpPr>
+            <a:spLocks noGrp="1"/>
+          </p:cNvSpPr>
+          <p:nvPr>
+            <p:ph type="body" idx="1"/>
+          </p:nvPr>
+        </p:nvSpPr>
+        <p:spPr/>
+        <p:txBody>
+          <a:bodyPr/>
+          <a:lstStyle/>
+          <a:p>
+            <a:endParaRPr lang="en-US"/>
+          </a:p>
+        </p:txBody>
+      </p:sp>
+      <p:sp>
+        <p:nvSpPr>
+          <p:cNvPr id="4" name="Slide Number Placeholder 3"/>
+          <p:cNvSpPr>
+            <a:spLocks noGrp="1"/>
+          </p:cNvSpPr>
+          <p:nvPr>
+            <p:ph type="sldNum" sz="quarter" idx="10"/>
+          </p:nvPr>
+        </p:nvSpPr>
+        <p:spPr/>
+        <p:txBody>
+          <a:bodyPr/>
+          <a:lstStyle/>
+          <a:p>
+            <a:fld id="{728E3497-A358-B14F-AE0E-969A2D296615}" type="slidenum">
+              <a:rPr lang="en-US" smtClean="0"/>
+              <a:t>6</a:t>
+            </a:fld>
+            <a:endParaRPr lang="en-US"/>
+          </a:p>
+        </p:txBody>
+      </p:sp>
+    </p:spTree>
+    <p:extLst>
+      <p:ext uri="{BB962C8B-B14F-4D97-AF65-F5344CB8AC3E}">
+        <p14:creationId xmlns:p14="http://schemas.microsoft.com/office/powerpoint/2010/main" val="1261769393"/>
+      </p:ext>
+    </p:extLst>
+  </p:cSld>
+  <p:clrMapOvr>
+    <a:masterClrMapping/>
+  </p:clrMapOvr>
+</p:notes>
+</file>
+
+<file path=ppt/notesSlides/notesSlide5.xml><?xml version="1.0" encoding="utf-8"?>
+<p:notes xmlns:a="http://schemas.openxmlformats.org/drawingml/2006/main" xmlns:r="http://schemas.openxmlformats.org/officeDocument/2006/relationships" xmlns:p="http://schemas.openxmlformats.org/presentationml/2006/main">
+  <p:cSld>
+    <p:spTree>
+      <p:nvGrpSpPr>
+        <p:cNvPr id="1" name=""/>
+        <p:cNvGrpSpPr/>
+        <p:nvPr/>
+      </p:nvGrpSpPr>
+      <p:grpSpPr>
+        <a:xfrm>
+          <a:off x="0" y="0"/>
+          <a:ext cx="0" cy="0"/>
+          <a:chOff x="0" y="0"/>
+          <a:chExt cx="0" cy="0"/>
+        </a:xfrm>
+      </p:grpSpPr>
+      <p:sp>
+        <p:nvSpPr>
+          <p:cNvPr id="2" name="Slide Image Placeholder 1"/>
+          <p:cNvSpPr>
+            <a:spLocks noGrp="1" noRot="1" noChangeAspect="1"/>
+          </p:cNvSpPr>
+          <p:nvPr>
+            <p:ph type="sldImg"/>
+          </p:nvPr>
+        </p:nvSpPr>
+        <p:spPr/>
+      </p:sp>
+      <p:sp>
+        <p:nvSpPr>
+          <p:cNvPr id="3" name="Notes Placeholder 2"/>
+          <p:cNvSpPr>
+            <a:spLocks noGrp="1"/>
+          </p:cNvSpPr>
+          <p:nvPr>
+            <p:ph type="body" idx="1"/>
+          </p:nvPr>
+        </p:nvSpPr>
+        <p:spPr/>
+        <p:txBody>
+          <a:bodyPr/>
+          <a:lstStyle/>
+          <a:p>
+            <a:endParaRPr lang="en-US"/>
+          </a:p>
+        </p:txBody>
+      </p:sp>
+      <p:sp>
+        <p:nvSpPr>
+          <p:cNvPr id="4" name="Slide Number Placeholder 3"/>
+          <p:cNvSpPr>
+            <a:spLocks noGrp="1"/>
+          </p:cNvSpPr>
+          <p:nvPr>
+            <p:ph type="sldNum" sz="quarter" idx="10"/>
+          </p:nvPr>
+        </p:nvSpPr>
+        <p:spPr/>
+        <p:txBody>
+          <a:bodyPr/>
+          <a:lstStyle/>
+          <a:p>
+            <a:fld id="{728E3497-A358-B14F-AE0E-969A2D296615}" type="slidenum">
+              <a:rPr lang="en-US" smtClean="0"/>
+              <a:t>7</a:t>
+            </a:fld>
+            <a:endParaRPr lang="en-US"/>
+          </a:p>
+        </p:txBody>
+      </p:sp>
+    </p:spTree>
+    <p:extLst>
+      <p:ext uri="{BB962C8B-B14F-4D97-AF65-F5344CB8AC3E}">
+        <p14:creationId xmlns:p14="http://schemas.microsoft.com/office/powerpoint/2010/main" val="1080927498"/>
+      </p:ext>
+    </p:extLst>
+  </p:cSld>
+  <p:clrMapOvr>
+    <a:masterClrMapping/>
+  </p:clrMapOvr>
+</p:notes>
+</file>
+
+<file path=ppt/notesSlides/notesSlide6.xml><?xml version="1.0" encoding="utf-8"?>
+<p:notes xmlns:a="http://schemas.openxmlformats.org/drawingml/2006/main" xmlns:r="http://schemas.openxmlformats.org/officeDocument/2006/relationships" xmlns:p="http://schemas.openxmlformats.org/presentationml/2006/main">
+  <p:cSld>
+    <p:spTree>
+      <p:nvGrpSpPr>
+        <p:cNvPr id="1" name=""/>
+        <p:cNvGrpSpPr/>
+        <p:nvPr/>
+      </p:nvGrpSpPr>
+      <p:grpSpPr>
+        <a:xfrm>
+          <a:off x="0" y="0"/>
+          <a:ext cx="0" cy="0"/>
+          <a:chOff x="0" y="0"/>
+          <a:chExt cx="0" cy="0"/>
+        </a:xfrm>
+      </p:grpSpPr>
+      <p:sp>
+        <p:nvSpPr>
+          <p:cNvPr id="2" name="Slide Image Placeholder 1"/>
+          <p:cNvSpPr>
+            <a:spLocks noGrp="1" noRot="1" noChangeAspect="1"/>
+          </p:cNvSpPr>
+          <p:nvPr>
+            <p:ph type="sldImg"/>
+          </p:nvPr>
+        </p:nvSpPr>
+        <p:spPr/>
+      </p:sp>
+      <p:sp>
+        <p:nvSpPr>
+          <p:cNvPr id="3" name="Notes Placeholder 2"/>
+          <p:cNvSpPr>
+            <a:spLocks noGrp="1"/>
+          </p:cNvSpPr>
+          <p:nvPr>
+            <p:ph type="body" idx="1"/>
+          </p:nvPr>
+        </p:nvSpPr>
+        <p:spPr/>
+        <p:txBody>
+          <a:bodyPr/>
+          <a:lstStyle/>
+          <a:p>
+            <a:endParaRPr lang="en-US"/>
+          </a:p>
+        </p:txBody>
+      </p:sp>
+      <p:sp>
+        <p:nvSpPr>
+          <p:cNvPr id="4" name="Slide Number Placeholder 3"/>
+          <p:cNvSpPr>
+            <a:spLocks noGrp="1"/>
+          </p:cNvSpPr>
+          <p:nvPr>
+            <p:ph type="sldNum" sz="quarter" idx="10"/>
+          </p:nvPr>
+        </p:nvSpPr>
+        <p:spPr/>
+        <p:txBody>
+          <a:bodyPr/>
+          <a:lstStyle/>
+          <a:p>
+            <a:fld id="{728E3497-A358-B14F-AE0E-969A2D296615}" type="slidenum">
+              <a:rPr lang="en-US" smtClean="0"/>
+              <a:t>8</a:t>
             </a:fld>
             <a:endParaRPr lang="en-US"/>
           </a:p>
@@ -13202,7 +13541,7 @@
           <a:p>
             <a:r>
               <a:rPr lang="en-US" dirty="0" err="1" smtClean="0"/>
-              <a:t>Evolução</a:t>
+              <a:t>Problemas</a:t>
             </a:r>
             <a:r>
               <a:rPr lang="en-US" dirty="0" smtClean="0"/>
@@ -13210,11 +13549,7 @@
             </a:r>
             <a:r>
               <a:rPr lang="en-US" dirty="0" err="1" smtClean="0"/>
-              <a:t>Algoritmos</a:t>
-            </a:r>
-            <a:r>
-              <a:rPr lang="en-US" dirty="0" smtClean="0"/>
-              <a:t> de tuning</a:t>
+              <a:t>Escolha</a:t>
             </a:r>
             <a:endParaRPr lang="en-US" dirty="0"/>
           </a:p>
@@ -13230,22 +13565,35 @@
             <p:ph idx="1"/>
           </p:nvPr>
         </p:nvSpPr>
-        <p:spPr/>
+        <p:spPr>
+          <a:xfrm>
+            <a:off x="1154954" y="2603500"/>
+            <a:ext cx="9464278" cy="3416300"/>
+          </a:xfrm>
+        </p:spPr>
         <p:txBody>
           <a:bodyPr/>
           <a:lstStyle/>
           <a:p>
             <a:r>
               <a:rPr lang="en-US" dirty="0" smtClean="0"/>
-              <a:t>“</a:t>
-            </a:r>
-            <a:r>
-              <a:rPr lang="en-US" dirty="0" err="1" smtClean="0"/>
-              <a:t>Chutar</a:t>
-            </a:r>
-            <a:r>
-              <a:rPr lang="en-US" dirty="0" smtClean="0"/>
-              <a:t>” </a:t>
+              <a:t>Para </a:t>
+            </a:r>
+            <a:r>
+              <a:rPr lang="en-US" dirty="0" err="1" smtClean="0"/>
+              <a:t>testarem</a:t>
+            </a:r>
+            <a:r>
+              <a:rPr lang="en-US" dirty="0" smtClean="0"/>
+              <a:t> o </a:t>
+            </a:r>
+            <a:r>
+              <a:rPr lang="en-US" dirty="0" err="1" smtClean="0"/>
+              <a:t>funcionamento</a:t>
+            </a:r>
+            <a:r>
+              <a:rPr lang="en-US" dirty="0" smtClean="0"/>
+              <a:t> do AE, </a:t>
             </a:r>
             <a:r>
               <a:rPr lang="en-US" dirty="0" err="1" smtClean="0"/>
@@ -13257,7 +13605,239 @@
             </a:r>
             <a:r>
               <a:rPr lang="en-US" dirty="0" err="1" smtClean="0"/>
-              <a:t>parâmetros</a:t>
+              <a:t>problemas</a:t>
+            </a:r>
+            <a:r>
+              <a:rPr lang="en-US" dirty="0" smtClean="0"/>
+              <a:t> </a:t>
+            </a:r>
+            <a:r>
+              <a:rPr lang="en-US" dirty="0" err="1" smtClean="0"/>
+              <a:t>devem</a:t>
+            </a:r>
+            <a:r>
+              <a:rPr lang="en-US" dirty="0" smtClean="0"/>
+              <a:t> </a:t>
+            </a:r>
+            <a:r>
+              <a:rPr lang="en-US" dirty="0" err="1" smtClean="0"/>
+              <a:t>ser</a:t>
+            </a:r>
+            <a:r>
+              <a:rPr lang="en-US" dirty="0" smtClean="0"/>
+              <a:t> simples o </a:t>
+            </a:r>
+            <a:r>
+              <a:rPr lang="en-US" dirty="0" err="1" smtClean="0"/>
+              <a:t>suficiente</a:t>
+            </a:r>
+            <a:r>
+              <a:rPr lang="en-US" dirty="0" smtClean="0"/>
+              <a:t> para </a:t>
+            </a:r>
+            <a:r>
+              <a:rPr lang="en-US" dirty="0" err="1" smtClean="0"/>
+              <a:t>serem</a:t>
+            </a:r>
+            <a:r>
+              <a:rPr lang="en-US" dirty="0" smtClean="0"/>
+              <a:t> </a:t>
+            </a:r>
+            <a:r>
+              <a:rPr lang="en-US" dirty="0" err="1" smtClean="0"/>
+              <a:t>testados</a:t>
+            </a:r>
+            <a:r>
+              <a:rPr lang="en-US" dirty="0" smtClean="0"/>
+              <a:t> com </a:t>
+            </a:r>
+            <a:r>
+              <a:rPr lang="en-US" dirty="0" err="1" smtClean="0"/>
+              <a:t>resultados</a:t>
+            </a:r>
+            <a:r>
+              <a:rPr lang="en-US" dirty="0" smtClean="0"/>
+              <a:t> </a:t>
+            </a:r>
+            <a:r>
+              <a:rPr lang="en-US" dirty="0" err="1" smtClean="0"/>
+              <a:t>existentes</a:t>
+            </a:r>
+            <a:r>
+              <a:rPr lang="en-US" dirty="0" smtClean="0"/>
+              <a:t> (</a:t>
+            </a:r>
+            <a:r>
+              <a:rPr lang="en-US" dirty="0" err="1" smtClean="0"/>
+              <a:t>problemas</a:t>
+            </a:r>
+            <a:r>
+              <a:rPr lang="en-US" dirty="0" smtClean="0"/>
+              <a:t> </a:t>
+            </a:r>
+            <a:r>
+              <a:rPr lang="en-US" dirty="0" err="1" smtClean="0"/>
+              <a:t>clássicos</a:t>
+            </a:r>
+            <a:r>
+              <a:rPr lang="en-US" dirty="0" smtClean="0"/>
+              <a:t>)</a:t>
+            </a:r>
+          </a:p>
+          <a:p>
+            <a:r>
+              <a:rPr lang="en-US" dirty="0" err="1" smtClean="0"/>
+              <a:t>Escolha</a:t>
+            </a:r>
+            <a:r>
+              <a:rPr lang="en-US" dirty="0" smtClean="0"/>
+              <a:t> </a:t>
+            </a:r>
+            <a:r>
+              <a:rPr lang="en-US" dirty="0" err="1" smtClean="0"/>
+              <a:t>inicial</a:t>
+            </a:r>
+            <a:r>
+              <a:rPr lang="en-US" dirty="0" smtClean="0"/>
+              <a:t>:</a:t>
+            </a:r>
+          </a:p>
+          <a:p>
+            <a:pPr lvl="1"/>
+            <a:r>
+              <a:rPr lang="en-US" b="1" dirty="0" err="1" smtClean="0"/>
+              <a:t>Problema</a:t>
+            </a:r>
+            <a:r>
+              <a:rPr lang="en-US" b="1" dirty="0" smtClean="0"/>
+              <a:t> </a:t>
+            </a:r>
+            <a:r>
+              <a:rPr lang="en-US" b="1" dirty="0" err="1" smtClean="0"/>
+              <a:t>OneMax</a:t>
+            </a:r>
+            <a:r>
+              <a:rPr lang="en-US" b="1" dirty="0" smtClean="0"/>
+              <a:t> </a:t>
+            </a:r>
+            <a:r>
+              <a:rPr lang="en-US" dirty="0" smtClean="0"/>
+              <a:t>(</a:t>
+            </a:r>
+            <a:r>
+              <a:rPr lang="en-US" dirty="0" err="1" smtClean="0"/>
+              <a:t>vetor</a:t>
+            </a:r>
+            <a:r>
+              <a:rPr lang="en-US" dirty="0" smtClean="0"/>
+              <a:t> de 100 bits </a:t>
+            </a:r>
+            <a:r>
+              <a:rPr lang="en-US" dirty="0" err="1" smtClean="0"/>
+              <a:t>começa</a:t>
+            </a:r>
+            <a:r>
+              <a:rPr lang="en-US" dirty="0" smtClean="0"/>
+              <a:t> </a:t>
+            </a:r>
+            <a:r>
+              <a:rPr lang="en-US" dirty="0" err="1" smtClean="0"/>
+              <a:t>em</a:t>
+            </a:r>
+            <a:r>
+              <a:rPr lang="en-US" dirty="0" smtClean="0"/>
+              <a:t> 0, </a:t>
+            </a:r>
+            <a:r>
+              <a:rPr lang="en-US" dirty="0" err="1" smtClean="0"/>
+              <a:t>todos</a:t>
+            </a:r>
+            <a:r>
+              <a:rPr lang="en-US" dirty="0" smtClean="0"/>
+              <a:t> </a:t>
+            </a:r>
+            <a:r>
+              <a:rPr lang="en-US" dirty="0" err="1" smtClean="0"/>
+              <a:t>devem</a:t>
+            </a:r>
+            <a:r>
+              <a:rPr lang="en-US" dirty="0" smtClean="0"/>
+              <a:t> </a:t>
+            </a:r>
+            <a:r>
+              <a:rPr lang="en-US" dirty="0" err="1" smtClean="0"/>
+              <a:t>mudar</a:t>
+            </a:r>
+            <a:r>
+              <a:rPr lang="en-US" dirty="0" smtClean="0"/>
+              <a:t> para 1); </a:t>
+            </a:r>
+            <a:r>
+              <a:rPr lang="en-US" b="1" baseline="30000" dirty="0" smtClean="0">
+                <a:solidFill>
+                  <a:srgbClr val="0432FF"/>
+                </a:solidFill>
+              </a:rPr>
+              <a:t>[3]</a:t>
+            </a:r>
+          </a:p>
+          <a:p>
+            <a:pPr lvl="1"/>
+            <a:r>
+              <a:rPr lang="en-US" b="1" dirty="0" err="1" smtClean="0"/>
+              <a:t>Problema</a:t>
+            </a:r>
+            <a:r>
+              <a:rPr lang="en-US" b="1" dirty="0" smtClean="0"/>
+              <a:t> das 8 </a:t>
+            </a:r>
+            <a:r>
+              <a:rPr lang="en-US" b="1" dirty="0" err="1" smtClean="0"/>
+              <a:t>Rainhas</a:t>
+            </a:r>
+            <a:r>
+              <a:rPr lang="en-US" b="1" dirty="0" smtClean="0"/>
+              <a:t> </a:t>
+            </a:r>
+            <a:r>
+              <a:rPr lang="en-US" dirty="0" smtClean="0"/>
+              <a:t>(</a:t>
+            </a:r>
+            <a:r>
+              <a:rPr lang="en-US" dirty="0" err="1" smtClean="0"/>
+              <a:t>não</a:t>
+            </a:r>
+            <a:r>
+              <a:rPr lang="en-US" dirty="0" smtClean="0"/>
+              <a:t> </a:t>
+            </a:r>
+            <a:r>
+              <a:rPr lang="en-US" dirty="0" err="1" smtClean="0"/>
+              <a:t>podem</a:t>
+            </a:r>
+            <a:r>
+              <a:rPr lang="en-US" dirty="0" smtClean="0"/>
+              <a:t> se </a:t>
+            </a:r>
+            <a:r>
+              <a:rPr lang="en-US" dirty="0" err="1" smtClean="0"/>
+              <a:t>atacar</a:t>
+            </a:r>
+            <a:r>
+              <a:rPr lang="en-US" dirty="0" smtClean="0"/>
+              <a:t> </a:t>
+            </a:r>
+            <a:r>
+              <a:rPr lang="en-US" dirty="0" err="1" smtClean="0"/>
+              <a:t>em</a:t>
+            </a:r>
+            <a:r>
+              <a:rPr lang="en-US" dirty="0" smtClean="0"/>
+              <a:t> um </a:t>
+            </a:r>
+            <a:r>
+              <a:rPr lang="en-US" dirty="0" err="1" smtClean="0"/>
+              <a:t>tabuleiro</a:t>
             </a:r>
             <a:r>
               <a:rPr lang="en-US" dirty="0" smtClean="0"/>
@@ -13265,67 +13845,11 @@
             </a:r>
             <a:r>
               <a:rPr lang="en-US" dirty="0" err="1" smtClean="0"/>
-              <a:t>evolução</a:t>
-            </a:r>
-            <a:r>
-              <a:rPr lang="en-US" dirty="0" smtClean="0"/>
-              <a:t> se </a:t>
-            </a:r>
-            <a:r>
-              <a:rPr lang="en-US" dirty="0" err="1" smtClean="0"/>
-              <a:t>mostrou</a:t>
-            </a:r>
-            <a:r>
-              <a:rPr lang="en-US" dirty="0" smtClean="0"/>
-              <a:t> </a:t>
-            </a:r>
-            <a:r>
-              <a:rPr lang="en-US" dirty="0" err="1" smtClean="0"/>
-              <a:t>menos</a:t>
-            </a:r>
-            <a:r>
-              <a:rPr lang="en-US" dirty="0" smtClean="0"/>
-              <a:t> </a:t>
-            </a:r>
-            <a:r>
-              <a:rPr lang="en-US" dirty="0" err="1" smtClean="0"/>
-              <a:t>eficiente</a:t>
-            </a:r>
-            <a:r>
-              <a:rPr lang="en-US" dirty="0" smtClean="0"/>
-              <a:t> do </a:t>
-            </a:r>
-            <a:r>
-              <a:rPr lang="en-US" dirty="0" err="1" smtClean="0"/>
-              <a:t>que</a:t>
-            </a:r>
-            <a:r>
-              <a:rPr lang="en-US" dirty="0" smtClean="0"/>
-              <a:t> </a:t>
-            </a:r>
-            <a:r>
-              <a:rPr lang="en-US" dirty="0" err="1" smtClean="0"/>
-              <a:t>ajustá</a:t>
-            </a:r>
-            <a:r>
-              <a:rPr lang="en-US" dirty="0" smtClean="0"/>
-              <a:t>-los </a:t>
-            </a:r>
-            <a:r>
-              <a:rPr lang="en-US" dirty="0" err="1" smtClean="0"/>
-              <a:t>por</a:t>
-            </a:r>
-            <a:r>
-              <a:rPr lang="en-US" dirty="0" smtClean="0"/>
-              <a:t> outros </a:t>
-            </a:r>
-            <a:r>
-              <a:rPr lang="en-US" dirty="0" err="1" smtClean="0"/>
-              <a:t>algoritmos</a:t>
-            </a:r>
-            <a:r>
-              <a:rPr lang="en-US" dirty="0" smtClean="0"/>
-              <a:t> </a:t>
+              <a:t>xadrez</a:t>
+            </a:r>
+            <a:r>
+              <a:rPr lang="en-US" dirty="0" smtClean="0"/>
+              <a:t> 8x8). </a:t>
             </a:r>
             <a:r>
               <a:rPr lang="en-US" b="1" baseline="30000" dirty="0" smtClean="0">
@@ -13333,159 +13857,9 @@
                   <a:srgbClr val="0432FF"/>
                 </a:solidFill>
               </a:rPr>
-              <a:t>[6]</a:t>
-            </a:r>
-          </a:p>
-          <a:p>
-            <a:r>
-              <a:rPr lang="en-US" dirty="0" err="1" smtClean="0"/>
-              <a:t>Maior</a:t>
-            </a:r>
-            <a:r>
-              <a:rPr lang="en-US" dirty="0" smtClean="0"/>
-              <a:t> </a:t>
-            </a:r>
-            <a:r>
-              <a:rPr lang="en-US" dirty="0" err="1" smtClean="0"/>
-              <a:t>eficiência</a:t>
-            </a:r>
-            <a:r>
-              <a:rPr lang="en-US" dirty="0" smtClean="0"/>
-              <a:t>: </a:t>
-            </a:r>
-            <a:r>
-              <a:rPr lang="en-US" dirty="0" err="1" smtClean="0"/>
-              <a:t>algoritmos</a:t>
-            </a:r>
-            <a:r>
-              <a:rPr lang="en-US" dirty="0" smtClean="0"/>
-              <a:t> de </a:t>
-            </a:r>
-            <a:r>
-              <a:rPr lang="en-US" dirty="0" err="1" smtClean="0"/>
-              <a:t>ajuste</a:t>
-            </a:r>
-            <a:r>
-              <a:rPr lang="en-US" dirty="0" smtClean="0"/>
-              <a:t> </a:t>
-            </a:r>
-            <a:r>
-              <a:rPr lang="en-US" dirty="0" err="1" smtClean="0"/>
-              <a:t>ou</a:t>
-            </a:r>
-            <a:r>
-              <a:rPr lang="en-US" dirty="0" smtClean="0"/>
-              <a:t> de tuning</a:t>
-            </a:r>
-          </a:p>
-          <a:p>
-            <a:r>
-              <a:rPr lang="en-US" dirty="0" err="1" smtClean="0"/>
-              <a:t>Esta</a:t>
-            </a:r>
-            <a:r>
-              <a:rPr lang="en-US" dirty="0" smtClean="0"/>
-              <a:t> </a:t>
-            </a:r>
-            <a:r>
-              <a:rPr lang="en-US" dirty="0" err="1" smtClean="0"/>
-              <a:t>etapa</a:t>
-            </a:r>
-            <a:r>
-              <a:rPr lang="en-US" dirty="0" smtClean="0"/>
-              <a:t> </a:t>
-            </a:r>
-            <a:r>
-              <a:rPr lang="en-US" dirty="0" err="1" smtClean="0"/>
-              <a:t>pode</a:t>
-            </a:r>
-            <a:r>
-              <a:rPr lang="en-US" dirty="0" smtClean="0"/>
-              <a:t> </a:t>
-            </a:r>
-            <a:r>
-              <a:rPr lang="en-US" dirty="0" err="1" smtClean="0"/>
-              <a:t>ser</a:t>
-            </a:r>
-            <a:r>
-              <a:rPr lang="en-US" dirty="0" smtClean="0"/>
-              <a:t> vista </a:t>
-            </a:r>
-            <a:r>
-              <a:rPr lang="en-US" dirty="0" err="1" smtClean="0"/>
-              <a:t>como</a:t>
-            </a:r>
-            <a:r>
-              <a:rPr lang="en-US" dirty="0" smtClean="0"/>
-              <a:t> </a:t>
-            </a:r>
-            <a:r>
-              <a:rPr lang="en-US" dirty="0" err="1" smtClean="0"/>
-              <a:t>uma</a:t>
-            </a:r>
-            <a:r>
-              <a:rPr lang="en-US" dirty="0" smtClean="0"/>
-              <a:t> </a:t>
-            </a:r>
-            <a:r>
-              <a:rPr lang="en-US" dirty="0" err="1" smtClean="0"/>
-              <a:t>etapa</a:t>
-            </a:r>
-            <a:r>
-              <a:rPr lang="en-US" dirty="0" smtClean="0"/>
-              <a:t> de </a:t>
-            </a:r>
-            <a:r>
-              <a:rPr lang="en-US" dirty="0" err="1" smtClean="0"/>
-              <a:t>aprendizado</a:t>
-            </a:r>
-            <a:r>
-              <a:rPr lang="en-US" dirty="0" smtClean="0"/>
-              <a:t> do AE</a:t>
-            </a:r>
-          </a:p>
-          <a:p>
-            <a:r>
-              <a:rPr lang="en-US" dirty="0" err="1" smtClean="0"/>
-              <a:t>Escolha</a:t>
-            </a:r>
-            <a:r>
-              <a:rPr lang="en-US" dirty="0" smtClean="0"/>
-              <a:t> do </a:t>
-            </a:r>
-            <a:r>
-              <a:rPr lang="en-US" dirty="0" err="1" smtClean="0"/>
-              <a:t>melhor</a:t>
-            </a:r>
-            <a:r>
-              <a:rPr lang="en-US" dirty="0" smtClean="0"/>
-              <a:t> </a:t>
-            </a:r>
-            <a:r>
-              <a:rPr lang="en-US" dirty="0" err="1" smtClean="0"/>
-              <a:t>segundo</a:t>
-            </a:r>
-            <a:r>
-              <a:rPr lang="en-US" dirty="0" smtClean="0"/>
-              <a:t> a </a:t>
-            </a:r>
-            <a:r>
-              <a:rPr lang="en-US" dirty="0" err="1" smtClean="0"/>
-              <a:t>literatura</a:t>
+              <a:t>[4]</a:t>
             </a:r>
             <a:endParaRPr lang="en-US" dirty="0" smtClean="0"/>
-          </a:p>
-          <a:p>
-            <a:r>
-              <a:rPr lang="en-US" dirty="0" smtClean="0"/>
-              <a:t>CMA-ES: Covariance Matrix Adaptation Evolution Strategy</a:t>
-            </a:r>
-          </a:p>
-          <a:p>
-            <a:endParaRPr lang="en-US" dirty="0" smtClean="0"/>
-          </a:p>
-          <a:p>
-            <a:endParaRPr lang="en-US" dirty="0"/>
           </a:p>
         </p:txBody>
       </p:sp>
@@ -13515,7 +13889,7 @@
     </p:spTree>
     <p:extLst>
       <p:ext uri="{BB962C8B-B14F-4D97-AF65-F5344CB8AC3E}">
-        <p14:creationId xmlns:p14="http://schemas.microsoft.com/office/powerpoint/2010/main" val="1226811926"/>
+        <p14:creationId xmlns:p14="http://schemas.microsoft.com/office/powerpoint/2010/main" val="1313138351"/>
       </p:ext>
     </p:extLst>
   </p:cSld>
@@ -13566,6 +13940,1067 @@
           <a:p>
             <a:r>
               <a:rPr lang="en-US" dirty="0" err="1" smtClean="0"/>
+              <a:t>Função</a:t>
+            </a:r>
+            <a:r>
+              <a:rPr lang="en-US" dirty="0" smtClean="0"/>
+              <a:t> de fitness </a:t>
+            </a:r>
+            <a:r>
+              <a:rPr lang="en-US" b="1" baseline="30000" dirty="0" smtClean="0">
+                <a:solidFill>
+                  <a:srgbClr val="00B0F0"/>
+                </a:solidFill>
+              </a:rPr>
+              <a:t>[1,2]</a:t>
+            </a:r>
+            <a:endParaRPr lang="en-US" b="1" baseline="30000" dirty="0">
+              <a:solidFill>
+                <a:srgbClr val="00B0F0"/>
+              </a:solidFill>
+            </a:endParaRPr>
+          </a:p>
+        </p:txBody>
+      </p:sp>
+      <p:sp>
+        <p:nvSpPr>
+          <p:cNvPr id="3" name="Content Placeholder 2"/>
+          <p:cNvSpPr>
+            <a:spLocks noGrp="1"/>
+          </p:cNvSpPr>
+          <p:nvPr>
+            <p:ph idx="1"/>
+          </p:nvPr>
+        </p:nvSpPr>
+        <p:spPr>
+          <a:xfrm>
+            <a:off x="1154954" y="2603500"/>
+            <a:ext cx="9000982" cy="3416300"/>
+          </a:xfrm>
+        </p:spPr>
+        <p:txBody>
+          <a:bodyPr/>
+          <a:lstStyle/>
+          <a:p>
+            <a:r>
+              <a:rPr lang="en-US" dirty="0" err="1" smtClean="0"/>
+              <a:t>Qualifica</a:t>
+            </a:r>
+            <a:r>
+              <a:rPr lang="en-US" dirty="0" smtClean="0"/>
+              <a:t> a </a:t>
+            </a:r>
+            <a:r>
+              <a:rPr lang="en-US" dirty="0" err="1" smtClean="0"/>
+              <a:t>solução</a:t>
+            </a:r>
+            <a:r>
+              <a:rPr lang="en-US" dirty="0" smtClean="0"/>
+              <a:t> dada </a:t>
+            </a:r>
+            <a:r>
+              <a:rPr lang="en-US" dirty="0" err="1" smtClean="0"/>
+              <a:t>por</a:t>
+            </a:r>
+            <a:r>
+              <a:rPr lang="en-US" dirty="0" smtClean="0"/>
+              <a:t> </a:t>
+            </a:r>
+            <a:r>
+              <a:rPr lang="en-US" dirty="0" err="1" smtClean="0"/>
+              <a:t>uma</a:t>
+            </a:r>
+            <a:r>
+              <a:rPr lang="en-US" dirty="0" smtClean="0"/>
+              <a:t> </a:t>
+            </a:r>
+            <a:r>
+              <a:rPr lang="en-US" dirty="0" err="1" smtClean="0"/>
+              <a:t>determinada</a:t>
+            </a:r>
+            <a:r>
+              <a:rPr lang="en-US" dirty="0" smtClean="0"/>
+              <a:t> </a:t>
+            </a:r>
+            <a:r>
+              <a:rPr lang="en-US" dirty="0" err="1" smtClean="0"/>
+              <a:t>geração</a:t>
+            </a:r>
+            <a:endParaRPr lang="en-US" dirty="0" smtClean="0"/>
+          </a:p>
+          <a:p>
+            <a:r>
+              <a:rPr lang="en-US" dirty="0" err="1" smtClean="0"/>
+              <a:t>Escala</a:t>
+            </a:r>
+            <a:r>
+              <a:rPr lang="en-US" dirty="0" smtClean="0"/>
+              <a:t> </a:t>
+            </a:r>
+            <a:r>
+              <a:rPr lang="en-US" dirty="0" err="1" smtClean="0"/>
+              <a:t>numérica</a:t>
+            </a:r>
+            <a:endParaRPr lang="en-US" dirty="0" smtClean="0"/>
+          </a:p>
+          <a:p>
+            <a:r>
+              <a:rPr lang="en-US" dirty="0" err="1" smtClean="0"/>
+              <a:t>Pode</a:t>
+            </a:r>
+            <a:r>
+              <a:rPr lang="en-US" dirty="0" smtClean="0"/>
+              <a:t> </a:t>
+            </a:r>
+            <a:r>
+              <a:rPr lang="en-US" dirty="0" err="1" smtClean="0"/>
+              <a:t>retornar</a:t>
+            </a:r>
+            <a:r>
+              <a:rPr lang="en-US" dirty="0" smtClean="0"/>
+              <a:t> </a:t>
+            </a:r>
+            <a:r>
+              <a:rPr lang="en-US" dirty="0" err="1" smtClean="0"/>
+              <a:t>também</a:t>
+            </a:r>
+            <a:r>
+              <a:rPr lang="en-US" dirty="0" smtClean="0"/>
+              <a:t> se </a:t>
+            </a:r>
+            <a:r>
+              <a:rPr lang="en-US" dirty="0" err="1" smtClean="0"/>
+              <a:t>foi</a:t>
+            </a:r>
+            <a:r>
+              <a:rPr lang="en-US" dirty="0" smtClean="0"/>
+              <a:t> </a:t>
+            </a:r>
+            <a:r>
+              <a:rPr lang="en-US" dirty="0" err="1" smtClean="0"/>
+              <a:t>possível</a:t>
+            </a:r>
+            <a:r>
+              <a:rPr lang="en-US" dirty="0" smtClean="0"/>
+              <a:t> </a:t>
+            </a:r>
+            <a:r>
+              <a:rPr lang="en-US" dirty="0" err="1" smtClean="0"/>
+              <a:t>chegar</a:t>
+            </a:r>
+            <a:r>
+              <a:rPr lang="en-US" dirty="0" smtClean="0"/>
+              <a:t> a </a:t>
+            </a:r>
+            <a:r>
+              <a:rPr lang="en-US" dirty="0" err="1" smtClean="0"/>
+              <a:t>uma</a:t>
+            </a:r>
+            <a:r>
+              <a:rPr lang="en-US" dirty="0" smtClean="0"/>
+              <a:t> </a:t>
+            </a:r>
+            <a:r>
+              <a:rPr lang="en-US" dirty="0" err="1" smtClean="0"/>
+              <a:t>solução</a:t>
+            </a:r>
+            <a:endParaRPr lang="en-US" dirty="0" smtClean="0"/>
+          </a:p>
+          <a:p>
+            <a:r>
+              <a:rPr lang="en-US" b="1" dirty="0" err="1" smtClean="0"/>
+              <a:t>OneMax</a:t>
+            </a:r>
+            <a:r>
+              <a:rPr lang="en-US" b="1" dirty="0" smtClean="0"/>
+              <a:t>:</a:t>
+            </a:r>
+            <a:r>
+              <a:rPr lang="en-US" dirty="0" smtClean="0"/>
+              <a:t> </a:t>
+            </a:r>
+            <a:r>
+              <a:rPr lang="en-US" dirty="0" err="1" smtClean="0"/>
+              <a:t>quantos</a:t>
+            </a:r>
+            <a:r>
+              <a:rPr lang="en-US" dirty="0" smtClean="0"/>
+              <a:t> bits </a:t>
+            </a:r>
+            <a:r>
+              <a:rPr lang="en-US" dirty="0" err="1" smtClean="0"/>
+              <a:t>estão</a:t>
+            </a:r>
+            <a:r>
+              <a:rPr lang="en-US" dirty="0" smtClean="0"/>
+              <a:t> </a:t>
+            </a:r>
+            <a:r>
+              <a:rPr lang="en-US" dirty="0" err="1" smtClean="0"/>
+              <a:t>setados</a:t>
+            </a:r>
+            <a:r>
+              <a:rPr lang="en-US" dirty="0" smtClean="0"/>
+              <a:t> com valor 1; </a:t>
+            </a:r>
+            <a:r>
+              <a:rPr lang="en-US" dirty="0" err="1" smtClean="0"/>
+              <a:t>busca</a:t>
+            </a:r>
+            <a:r>
+              <a:rPr lang="en-US" dirty="0" smtClean="0"/>
+              <a:t> </a:t>
+            </a:r>
+            <a:r>
+              <a:rPr lang="en-US" dirty="0" err="1" smtClean="0"/>
+              <a:t>pelo</a:t>
+            </a:r>
+            <a:r>
+              <a:rPr lang="en-US" dirty="0" smtClean="0"/>
+              <a:t> </a:t>
+            </a:r>
+            <a:r>
+              <a:rPr lang="en-US" dirty="0" err="1" smtClean="0"/>
+              <a:t>maior</a:t>
+            </a:r>
+            <a:endParaRPr lang="en-US" dirty="0" smtClean="0"/>
+          </a:p>
+          <a:p>
+            <a:r>
+              <a:rPr lang="en-US" b="1" dirty="0" smtClean="0"/>
+              <a:t>8 </a:t>
+            </a:r>
+            <a:r>
+              <a:rPr lang="en-US" b="1" dirty="0" err="1" smtClean="0"/>
+              <a:t>rainhas</a:t>
+            </a:r>
+            <a:r>
+              <a:rPr lang="en-US" b="1" dirty="0" smtClean="0"/>
+              <a:t>:</a:t>
+            </a:r>
+            <a:r>
+              <a:rPr lang="en-US" dirty="0" smtClean="0"/>
+              <a:t> </a:t>
+            </a:r>
+            <a:r>
+              <a:rPr lang="en-US" dirty="0" err="1" smtClean="0"/>
+              <a:t>quantas</a:t>
+            </a:r>
+            <a:r>
+              <a:rPr lang="en-US" dirty="0" smtClean="0"/>
+              <a:t> </a:t>
+            </a:r>
+            <a:r>
+              <a:rPr lang="en-US" dirty="0" err="1" smtClean="0"/>
+              <a:t>rainhas</a:t>
+            </a:r>
+            <a:r>
+              <a:rPr lang="en-US" dirty="0" smtClean="0"/>
+              <a:t> </a:t>
+            </a:r>
+            <a:r>
+              <a:rPr lang="en-US" dirty="0" err="1" smtClean="0"/>
+              <a:t>podem</a:t>
+            </a:r>
+            <a:r>
+              <a:rPr lang="en-US" dirty="0" smtClean="0"/>
+              <a:t> se </a:t>
+            </a:r>
+            <a:r>
+              <a:rPr lang="en-US" dirty="0" err="1" smtClean="0"/>
+              <a:t>atacar</a:t>
+            </a:r>
+            <a:r>
+              <a:rPr lang="en-US" dirty="0" smtClean="0"/>
+              <a:t> no </a:t>
+            </a:r>
+            <a:r>
+              <a:rPr lang="en-US" dirty="0" err="1" smtClean="0"/>
+              <a:t>tabuleiro</a:t>
+            </a:r>
+            <a:r>
+              <a:rPr lang="en-US" dirty="0" smtClean="0"/>
+              <a:t>; </a:t>
+            </a:r>
+            <a:r>
+              <a:rPr lang="en-US" dirty="0" err="1" smtClean="0"/>
+              <a:t>busca</a:t>
+            </a:r>
+            <a:r>
+              <a:rPr lang="en-US" dirty="0" smtClean="0"/>
+              <a:t> </a:t>
+            </a:r>
+            <a:r>
+              <a:rPr lang="en-US" dirty="0" err="1" smtClean="0"/>
+              <a:t>pelo</a:t>
+            </a:r>
+            <a:r>
+              <a:rPr lang="en-US" dirty="0" smtClean="0"/>
+              <a:t> </a:t>
+            </a:r>
+            <a:r>
+              <a:rPr lang="en-US" dirty="0" err="1" smtClean="0"/>
+              <a:t>menor</a:t>
+            </a:r>
+            <a:endParaRPr lang="en-US" dirty="0" smtClean="0"/>
+          </a:p>
+        </p:txBody>
+      </p:sp>
+      <p:sp>
+        <p:nvSpPr>
+          <p:cNvPr id="5" name="Slide Number Placeholder 4"/>
+          <p:cNvSpPr>
+            <a:spLocks noGrp="1"/>
+          </p:cNvSpPr>
+          <p:nvPr>
+            <p:ph type="sldNum" sz="quarter" idx="12"/>
+          </p:nvPr>
+        </p:nvSpPr>
+        <p:spPr/>
+        <p:txBody>
+          <a:bodyPr/>
+          <a:lstStyle/>
+          <a:p>
+            <a:fld id="{55774153-6BEA-8641-B7A1-86CE42693FE2}" type="slidenum">
+              <a:rPr lang="en-US" smtClean="0"/>
+              <a:t>10</a:t>
+            </a:fld>
+            <a:endParaRPr lang="en-US"/>
+          </a:p>
+        </p:txBody>
+      </p:sp>
+    </p:spTree>
+    <p:extLst>
+      <p:ext uri="{BB962C8B-B14F-4D97-AF65-F5344CB8AC3E}">
+        <p14:creationId xmlns:p14="http://schemas.microsoft.com/office/powerpoint/2010/main" val="947778203"/>
+      </p:ext>
+    </p:extLst>
+  </p:cSld>
+  <p:clrMapOvr>
+    <a:masterClrMapping/>
+  </p:clrMapOvr>
+  <p:timing>
+    <p:tnLst>
+      <p:par>
+        <p:cTn id="1" dur="indefinite" restart="never" nodeType="tmRoot"/>
+      </p:par>
+    </p:tnLst>
+  </p:timing>
+</p:sld>
+</file>
+
+<file path=ppt/slides/slide12.xml><?xml version="1.0" encoding="utf-8"?>
+<p:sld xmlns:a="http://schemas.openxmlformats.org/drawingml/2006/main" xmlns:r="http://schemas.openxmlformats.org/officeDocument/2006/relationships" xmlns:p="http://schemas.openxmlformats.org/presentationml/2006/main">
+  <p:cSld>
+    <p:spTree>
+      <p:nvGrpSpPr>
+        <p:cNvPr id="1" name=""/>
+        <p:cNvGrpSpPr/>
+        <p:nvPr/>
+      </p:nvGrpSpPr>
+      <p:grpSpPr>
+        <a:xfrm>
+          <a:off x="0" y="0"/>
+          <a:ext cx="0" cy="0"/>
+          <a:chOff x="0" y="0"/>
+          <a:chExt cx="0" cy="0"/>
+        </a:xfrm>
+      </p:grpSpPr>
+      <p:sp>
+        <p:nvSpPr>
+          <p:cNvPr id="2" name="Title 1"/>
+          <p:cNvSpPr>
+            <a:spLocks noGrp="1"/>
+          </p:cNvSpPr>
+          <p:nvPr>
+            <p:ph type="title"/>
+          </p:nvPr>
+        </p:nvSpPr>
+        <p:spPr/>
+        <p:txBody>
+          <a:bodyPr/>
+          <a:lstStyle/>
+          <a:p>
+            <a:r>
+              <a:rPr lang="en-US" dirty="0" err="1" smtClean="0"/>
+              <a:t>Evolução</a:t>
+            </a:r>
+            <a:r>
+              <a:rPr lang="en-US" dirty="0" smtClean="0"/>
+              <a:t> - </a:t>
+            </a:r>
+            <a:r>
+              <a:rPr lang="en-US" dirty="0" err="1" smtClean="0"/>
+              <a:t>Parâmetros</a:t>
+            </a:r>
+            <a:endParaRPr lang="en-US" dirty="0"/>
+          </a:p>
+        </p:txBody>
+      </p:sp>
+      <p:sp>
+        <p:nvSpPr>
+          <p:cNvPr id="3" name="Content Placeholder 2"/>
+          <p:cNvSpPr>
+            <a:spLocks noGrp="1"/>
+          </p:cNvSpPr>
+          <p:nvPr>
+            <p:ph idx="1"/>
+          </p:nvPr>
+        </p:nvSpPr>
+        <p:spPr/>
+        <p:txBody>
+          <a:bodyPr/>
+          <a:lstStyle/>
+          <a:p>
+            <a:r>
+              <a:rPr lang="en-US" dirty="0" smtClean="0"/>
+              <a:t>As </a:t>
+            </a:r>
+            <a:r>
+              <a:rPr lang="en-US" dirty="0" err="1" smtClean="0"/>
+              <a:t>expressividades</a:t>
+            </a:r>
+            <a:r>
+              <a:rPr lang="en-US" dirty="0" smtClean="0"/>
+              <a:t> das </a:t>
+            </a:r>
+            <a:r>
+              <a:rPr lang="en-US" dirty="0" err="1" smtClean="0"/>
+              <a:t>ações</a:t>
+            </a:r>
+            <a:r>
+              <a:rPr lang="en-US" dirty="0" smtClean="0"/>
+              <a:t> de </a:t>
+            </a:r>
+            <a:r>
+              <a:rPr lang="en-US" dirty="0" err="1" smtClean="0"/>
+              <a:t>variação</a:t>
+            </a:r>
+            <a:r>
+              <a:rPr lang="en-US" dirty="0" smtClean="0"/>
+              <a:t> / </a:t>
+            </a:r>
+            <a:r>
+              <a:rPr lang="en-US" dirty="0" err="1" smtClean="0"/>
+              <a:t>seleção</a:t>
+            </a:r>
+            <a:r>
+              <a:rPr lang="en-US" dirty="0"/>
+              <a:t> </a:t>
+            </a:r>
+            <a:r>
+              <a:rPr lang="en-US" dirty="0" err="1" smtClean="0"/>
+              <a:t>podem</a:t>
+            </a:r>
+            <a:r>
+              <a:rPr lang="en-US" dirty="0" smtClean="0"/>
+              <a:t> </a:t>
+            </a:r>
+            <a:r>
+              <a:rPr lang="en-US" dirty="0" err="1" smtClean="0"/>
+              <a:t>ser</a:t>
+            </a:r>
+            <a:r>
+              <a:rPr lang="en-US" dirty="0" smtClean="0"/>
+              <a:t> </a:t>
+            </a:r>
+            <a:r>
+              <a:rPr lang="en-US" dirty="0" err="1" smtClean="0"/>
+              <a:t>descritas</a:t>
+            </a:r>
+            <a:r>
+              <a:rPr lang="en-US" dirty="0" smtClean="0"/>
+              <a:t> </a:t>
+            </a:r>
+            <a:r>
+              <a:rPr lang="en-US" dirty="0" err="1" smtClean="0"/>
+              <a:t>por</a:t>
+            </a:r>
+            <a:r>
+              <a:rPr lang="en-US" dirty="0" smtClean="0"/>
+              <a:t> </a:t>
+            </a:r>
+            <a:r>
+              <a:rPr lang="en-US" dirty="0" err="1" smtClean="0"/>
+              <a:t>parâmetros</a:t>
+            </a:r>
+            <a:r>
+              <a:rPr lang="en-US" dirty="0" smtClean="0"/>
+              <a:t> </a:t>
+            </a:r>
+            <a:r>
+              <a:rPr lang="en-US" dirty="0" err="1" smtClean="0"/>
+              <a:t>setados</a:t>
+            </a:r>
+            <a:r>
+              <a:rPr lang="en-US" dirty="0" smtClean="0"/>
+              <a:t> </a:t>
+            </a:r>
+            <a:r>
+              <a:rPr lang="en-US" dirty="0" err="1" smtClean="0"/>
+              <a:t>inicialmente</a:t>
+            </a:r>
+            <a:r>
+              <a:rPr lang="en-US" dirty="0" smtClean="0"/>
+              <a:t> no AE </a:t>
+            </a:r>
+            <a:r>
+              <a:rPr lang="en-US" dirty="0" err="1" smtClean="0"/>
+              <a:t>numa</a:t>
+            </a:r>
+            <a:r>
+              <a:rPr lang="en-US" dirty="0" smtClean="0"/>
+              <a:t> </a:t>
+            </a:r>
+            <a:r>
+              <a:rPr lang="en-US" dirty="0" err="1" smtClean="0"/>
+              <a:t>escala</a:t>
+            </a:r>
+            <a:r>
+              <a:rPr lang="en-US" dirty="0" smtClean="0"/>
+              <a:t> de 100%</a:t>
+            </a:r>
+          </a:p>
+          <a:p>
+            <a:r>
+              <a:rPr lang="en-US" dirty="0" err="1" smtClean="0"/>
+              <a:t>Normalmente</a:t>
+            </a:r>
+            <a:r>
+              <a:rPr lang="en-US" dirty="0" smtClean="0"/>
+              <a:t> expressos </a:t>
+            </a:r>
+            <a:r>
+              <a:rPr lang="en-US" dirty="0" err="1" smtClean="0"/>
+              <a:t>por</a:t>
+            </a:r>
+            <a:r>
+              <a:rPr lang="en-US" dirty="0" smtClean="0"/>
+              <a:t> um </a:t>
+            </a:r>
+            <a:r>
+              <a:rPr lang="en-US" dirty="0" err="1" smtClean="0"/>
+              <a:t>vetor</a:t>
+            </a:r>
+            <a:endParaRPr lang="en-US" dirty="0" smtClean="0"/>
+          </a:p>
+          <a:p>
+            <a:r>
+              <a:rPr lang="en-US" dirty="0" err="1" smtClean="0"/>
+              <a:t>Ajustar</a:t>
+            </a:r>
+            <a:r>
+              <a:rPr lang="en-US" dirty="0" smtClean="0"/>
+              <a:t> </a:t>
+            </a:r>
+            <a:r>
+              <a:rPr lang="en-US" dirty="0" err="1" smtClean="0"/>
+              <a:t>tais</a:t>
+            </a:r>
+            <a:r>
+              <a:rPr lang="en-US" dirty="0" smtClean="0"/>
+              <a:t> </a:t>
+            </a:r>
+            <a:r>
+              <a:rPr lang="en-US" dirty="0" err="1" smtClean="0"/>
+              <a:t>parâmetros</a:t>
+            </a:r>
+            <a:r>
+              <a:rPr lang="en-US" dirty="0" smtClean="0"/>
+              <a:t> </a:t>
+            </a:r>
+            <a:r>
+              <a:rPr lang="en-US" dirty="0" err="1" smtClean="0"/>
+              <a:t>determina</a:t>
+            </a:r>
+            <a:r>
+              <a:rPr lang="en-US" dirty="0" smtClean="0"/>
+              <a:t> a </a:t>
+            </a:r>
+            <a:r>
+              <a:rPr lang="en-US" dirty="0" err="1" smtClean="0"/>
+              <a:t>qualidade</a:t>
+            </a:r>
+            <a:r>
+              <a:rPr lang="en-US" dirty="0" smtClean="0"/>
+              <a:t> das </a:t>
+            </a:r>
+            <a:r>
+              <a:rPr lang="en-US" dirty="0" err="1" smtClean="0"/>
+              <a:t>soluções</a:t>
+            </a:r>
+            <a:r>
+              <a:rPr lang="en-US" dirty="0" smtClean="0"/>
+              <a:t> e a </a:t>
+            </a:r>
+            <a:r>
+              <a:rPr lang="en-US" dirty="0" err="1" smtClean="0"/>
+              <a:t>velocidade</a:t>
+            </a:r>
+            <a:r>
+              <a:rPr lang="en-US" dirty="0" smtClean="0"/>
+              <a:t> de </a:t>
+            </a:r>
+            <a:r>
+              <a:rPr lang="en-US" dirty="0" err="1" smtClean="0"/>
+              <a:t>convergência</a:t>
+            </a:r>
+            <a:r>
+              <a:rPr lang="en-US" dirty="0" smtClean="0"/>
+              <a:t> </a:t>
+            </a:r>
+            <a:r>
+              <a:rPr lang="en-US" b="1" baseline="30000" dirty="0" smtClean="0">
+                <a:solidFill>
+                  <a:srgbClr val="0432FF"/>
+                </a:solidFill>
+              </a:rPr>
+              <a:t>[5]</a:t>
+            </a:r>
+          </a:p>
+        </p:txBody>
+      </p:sp>
+      <p:sp>
+        <p:nvSpPr>
+          <p:cNvPr id="5" name="Slide Number Placeholder 4"/>
+          <p:cNvSpPr>
+            <a:spLocks noGrp="1"/>
+          </p:cNvSpPr>
+          <p:nvPr>
+            <p:ph type="sldNum" sz="quarter" idx="12"/>
+          </p:nvPr>
+        </p:nvSpPr>
+        <p:spPr/>
+        <p:txBody>
+          <a:bodyPr/>
+          <a:lstStyle/>
+          <a:p>
+            <a:fld id="{55774153-6BEA-8641-B7A1-86CE42693FE2}" type="slidenum">
+              <a:rPr lang="en-US" smtClean="0"/>
+              <a:t>11</a:t>
+            </a:fld>
+            <a:endParaRPr lang="en-US"/>
+          </a:p>
+        </p:txBody>
+      </p:sp>
+    </p:spTree>
+    <p:extLst>
+      <p:ext uri="{BB962C8B-B14F-4D97-AF65-F5344CB8AC3E}">
+        <p14:creationId xmlns:p14="http://schemas.microsoft.com/office/powerpoint/2010/main" val="855487981"/>
+      </p:ext>
+    </p:extLst>
+  </p:cSld>
+  <p:clrMapOvr>
+    <a:masterClrMapping/>
+  </p:clrMapOvr>
+  <p:timing>
+    <p:tnLst>
+      <p:par>
+        <p:cTn id="1" dur="indefinite" restart="never" nodeType="tmRoot"/>
+      </p:par>
+    </p:tnLst>
+  </p:timing>
+</p:sld>
+</file>
+
+<file path=ppt/slides/slide13.xml><?xml version="1.0" encoding="utf-8"?>
+<p:sld xmlns:a="http://schemas.openxmlformats.org/drawingml/2006/main" xmlns:r="http://schemas.openxmlformats.org/officeDocument/2006/relationships" xmlns:p="http://schemas.openxmlformats.org/presentationml/2006/main">
+  <p:cSld>
+    <p:spTree>
+      <p:nvGrpSpPr>
+        <p:cNvPr id="1" name=""/>
+        <p:cNvGrpSpPr/>
+        <p:nvPr/>
+      </p:nvGrpSpPr>
+      <p:grpSpPr>
+        <a:xfrm>
+          <a:off x="0" y="0"/>
+          <a:ext cx="0" cy="0"/>
+          <a:chOff x="0" y="0"/>
+          <a:chExt cx="0" cy="0"/>
+        </a:xfrm>
+      </p:grpSpPr>
+      <p:sp>
+        <p:nvSpPr>
+          <p:cNvPr id="2" name="Title 1"/>
+          <p:cNvSpPr>
+            <a:spLocks noGrp="1"/>
+          </p:cNvSpPr>
+          <p:nvPr>
+            <p:ph type="title"/>
+          </p:nvPr>
+        </p:nvSpPr>
+        <p:spPr/>
+        <p:txBody>
+          <a:bodyPr/>
+          <a:lstStyle/>
+          <a:p>
+            <a:r>
+              <a:rPr lang="en-US" dirty="0" err="1" smtClean="0"/>
+              <a:t>Evolução</a:t>
+            </a:r>
+            <a:r>
+              <a:rPr lang="en-US" dirty="0" smtClean="0"/>
+              <a:t> - </a:t>
+            </a:r>
+            <a:r>
+              <a:rPr lang="en-US" dirty="0" err="1" smtClean="0"/>
+              <a:t>Algoritmos</a:t>
+            </a:r>
+            <a:r>
+              <a:rPr lang="en-US" dirty="0" smtClean="0"/>
+              <a:t> de tuning</a:t>
+            </a:r>
+            <a:endParaRPr lang="en-US" dirty="0"/>
+          </a:p>
+        </p:txBody>
+      </p:sp>
+      <p:sp>
+        <p:nvSpPr>
+          <p:cNvPr id="3" name="Content Placeholder 2"/>
+          <p:cNvSpPr>
+            <a:spLocks noGrp="1"/>
+          </p:cNvSpPr>
+          <p:nvPr>
+            <p:ph idx="1"/>
+          </p:nvPr>
+        </p:nvSpPr>
+        <p:spPr/>
+        <p:txBody>
+          <a:bodyPr/>
+          <a:lstStyle/>
+          <a:p>
+            <a:r>
+              <a:rPr lang="en-US" dirty="0" smtClean="0"/>
+              <a:t>“</a:t>
+            </a:r>
+            <a:r>
+              <a:rPr lang="en-US" dirty="0" err="1" smtClean="0"/>
+              <a:t>Chutar</a:t>
+            </a:r>
+            <a:r>
+              <a:rPr lang="en-US" dirty="0" smtClean="0"/>
+              <a:t>” </a:t>
+            </a:r>
+            <a:r>
+              <a:rPr lang="en-US" dirty="0" err="1" smtClean="0"/>
+              <a:t>os</a:t>
+            </a:r>
+            <a:r>
+              <a:rPr lang="en-US" dirty="0" smtClean="0"/>
+              <a:t> </a:t>
+            </a:r>
+            <a:r>
+              <a:rPr lang="en-US" dirty="0" err="1" smtClean="0"/>
+              <a:t>parâmetros</a:t>
+            </a:r>
+            <a:r>
+              <a:rPr lang="en-US" dirty="0" smtClean="0"/>
+              <a:t> de </a:t>
+            </a:r>
+            <a:r>
+              <a:rPr lang="en-US" dirty="0" err="1" smtClean="0"/>
+              <a:t>evolução</a:t>
+            </a:r>
+            <a:r>
+              <a:rPr lang="en-US" dirty="0" smtClean="0"/>
+              <a:t> se </a:t>
+            </a:r>
+            <a:r>
+              <a:rPr lang="en-US" dirty="0" err="1" smtClean="0"/>
+              <a:t>mostrou</a:t>
+            </a:r>
+            <a:r>
+              <a:rPr lang="en-US" dirty="0" smtClean="0"/>
+              <a:t> </a:t>
+            </a:r>
+            <a:r>
+              <a:rPr lang="en-US" dirty="0" err="1" smtClean="0"/>
+              <a:t>menos</a:t>
+            </a:r>
+            <a:r>
+              <a:rPr lang="en-US" dirty="0" smtClean="0"/>
+              <a:t> </a:t>
+            </a:r>
+            <a:r>
+              <a:rPr lang="en-US" dirty="0" err="1" smtClean="0"/>
+              <a:t>eficiente</a:t>
+            </a:r>
+            <a:r>
+              <a:rPr lang="en-US" dirty="0" smtClean="0"/>
+              <a:t> do </a:t>
+            </a:r>
+            <a:r>
+              <a:rPr lang="en-US" dirty="0" err="1" smtClean="0"/>
+              <a:t>que</a:t>
+            </a:r>
+            <a:r>
+              <a:rPr lang="en-US" dirty="0" smtClean="0"/>
+              <a:t> </a:t>
+            </a:r>
+            <a:r>
+              <a:rPr lang="en-US" dirty="0" err="1" smtClean="0"/>
+              <a:t>ajustá</a:t>
+            </a:r>
+            <a:r>
+              <a:rPr lang="en-US" dirty="0" smtClean="0"/>
+              <a:t>-los </a:t>
+            </a:r>
+            <a:r>
+              <a:rPr lang="en-US" dirty="0" err="1" smtClean="0"/>
+              <a:t>por</a:t>
+            </a:r>
+            <a:r>
+              <a:rPr lang="en-US" dirty="0" smtClean="0"/>
+              <a:t> outros </a:t>
+            </a:r>
+            <a:r>
+              <a:rPr lang="en-US" dirty="0" err="1" smtClean="0"/>
+              <a:t>algoritmos</a:t>
+            </a:r>
+            <a:r>
+              <a:rPr lang="en-US" dirty="0" smtClean="0"/>
+              <a:t> </a:t>
+            </a:r>
+            <a:r>
+              <a:rPr lang="en-US" b="1" baseline="30000" dirty="0" smtClean="0">
+                <a:solidFill>
+                  <a:srgbClr val="0432FF"/>
+                </a:solidFill>
+              </a:rPr>
+              <a:t>[6]</a:t>
+            </a:r>
+          </a:p>
+          <a:p>
+            <a:r>
+              <a:rPr lang="en-US" dirty="0" err="1" smtClean="0"/>
+              <a:t>Maior</a:t>
+            </a:r>
+            <a:r>
+              <a:rPr lang="en-US" dirty="0" smtClean="0"/>
+              <a:t> </a:t>
+            </a:r>
+            <a:r>
+              <a:rPr lang="en-US" dirty="0" err="1" smtClean="0"/>
+              <a:t>eficiência</a:t>
+            </a:r>
+            <a:r>
+              <a:rPr lang="en-US" dirty="0" smtClean="0"/>
+              <a:t>: </a:t>
+            </a:r>
+            <a:r>
+              <a:rPr lang="en-US" dirty="0" err="1" smtClean="0"/>
+              <a:t>algoritmos</a:t>
+            </a:r>
+            <a:r>
+              <a:rPr lang="en-US" dirty="0" smtClean="0"/>
+              <a:t> de </a:t>
+            </a:r>
+            <a:r>
+              <a:rPr lang="en-US" dirty="0" err="1" smtClean="0"/>
+              <a:t>ajuste</a:t>
+            </a:r>
+            <a:r>
+              <a:rPr lang="en-US" dirty="0" smtClean="0"/>
+              <a:t> </a:t>
+            </a:r>
+            <a:r>
+              <a:rPr lang="en-US" dirty="0" err="1" smtClean="0"/>
+              <a:t>ou</a:t>
+            </a:r>
+            <a:r>
+              <a:rPr lang="en-US" dirty="0" smtClean="0"/>
+              <a:t> de tuning</a:t>
+            </a:r>
+          </a:p>
+          <a:p>
+            <a:r>
+              <a:rPr lang="en-US" dirty="0" err="1" smtClean="0"/>
+              <a:t>Esta</a:t>
+            </a:r>
+            <a:r>
+              <a:rPr lang="en-US" dirty="0" smtClean="0"/>
+              <a:t> </a:t>
+            </a:r>
+            <a:r>
+              <a:rPr lang="en-US" dirty="0" err="1" smtClean="0"/>
+              <a:t>etapa</a:t>
+            </a:r>
+            <a:r>
+              <a:rPr lang="en-US" dirty="0" smtClean="0"/>
+              <a:t> </a:t>
+            </a:r>
+            <a:r>
+              <a:rPr lang="en-US" dirty="0" err="1" smtClean="0"/>
+              <a:t>pode</a:t>
+            </a:r>
+            <a:r>
+              <a:rPr lang="en-US" dirty="0" smtClean="0"/>
+              <a:t> </a:t>
+            </a:r>
+            <a:r>
+              <a:rPr lang="en-US" dirty="0" err="1" smtClean="0"/>
+              <a:t>ser</a:t>
+            </a:r>
+            <a:r>
+              <a:rPr lang="en-US" dirty="0" smtClean="0"/>
+              <a:t> vista </a:t>
+            </a:r>
+            <a:r>
+              <a:rPr lang="en-US" dirty="0" err="1" smtClean="0"/>
+              <a:t>como</a:t>
+            </a:r>
+            <a:r>
+              <a:rPr lang="en-US" dirty="0" smtClean="0"/>
+              <a:t> </a:t>
+            </a:r>
+            <a:r>
+              <a:rPr lang="en-US" dirty="0" err="1" smtClean="0"/>
+              <a:t>uma</a:t>
+            </a:r>
+            <a:r>
+              <a:rPr lang="en-US" dirty="0" smtClean="0"/>
+              <a:t> </a:t>
+            </a:r>
+            <a:r>
+              <a:rPr lang="en-US" dirty="0" err="1" smtClean="0"/>
+              <a:t>etapa</a:t>
+            </a:r>
+            <a:r>
+              <a:rPr lang="en-US" dirty="0" smtClean="0"/>
+              <a:t> de </a:t>
+            </a:r>
+            <a:r>
+              <a:rPr lang="en-US" dirty="0" err="1" smtClean="0"/>
+              <a:t>aprendizado</a:t>
+            </a:r>
+            <a:r>
+              <a:rPr lang="en-US" dirty="0" smtClean="0"/>
+              <a:t> do AE</a:t>
+            </a:r>
+          </a:p>
+          <a:p>
+            <a:r>
+              <a:rPr lang="en-US" dirty="0" err="1" smtClean="0"/>
+              <a:t>Escolha</a:t>
+            </a:r>
+            <a:r>
+              <a:rPr lang="en-US" dirty="0" smtClean="0"/>
+              <a:t> do </a:t>
+            </a:r>
+            <a:r>
+              <a:rPr lang="en-US" dirty="0" err="1" smtClean="0"/>
+              <a:t>melhor</a:t>
+            </a:r>
+            <a:r>
+              <a:rPr lang="en-US" dirty="0" smtClean="0"/>
+              <a:t> </a:t>
+            </a:r>
+            <a:r>
+              <a:rPr lang="en-US" dirty="0" err="1" smtClean="0"/>
+              <a:t>segundo</a:t>
+            </a:r>
+            <a:r>
+              <a:rPr lang="en-US" dirty="0" smtClean="0"/>
+              <a:t> a </a:t>
+            </a:r>
+            <a:r>
+              <a:rPr lang="en-US" dirty="0" err="1" smtClean="0"/>
+              <a:t>literatura</a:t>
+            </a:r>
+            <a:endParaRPr lang="en-US" dirty="0" smtClean="0"/>
+          </a:p>
+          <a:p>
+            <a:r>
+              <a:rPr lang="en-US" dirty="0" smtClean="0"/>
+              <a:t>CMA-ES: Covariance Matrix Adaptation Evolution Strategy</a:t>
+            </a:r>
+          </a:p>
+          <a:p>
+            <a:endParaRPr lang="en-US" dirty="0" smtClean="0"/>
+          </a:p>
+          <a:p>
+            <a:endParaRPr lang="en-US" dirty="0"/>
+          </a:p>
+        </p:txBody>
+      </p:sp>
+      <p:sp>
+        <p:nvSpPr>
+          <p:cNvPr id="5" name="Slide Number Placeholder 4"/>
+          <p:cNvSpPr>
+            <a:spLocks noGrp="1"/>
+          </p:cNvSpPr>
+          <p:nvPr>
+            <p:ph type="sldNum" sz="quarter" idx="12"/>
+          </p:nvPr>
+        </p:nvSpPr>
+        <p:spPr/>
+        <p:txBody>
+          <a:bodyPr/>
+          <a:lstStyle/>
+          <a:p>
+            <a:fld id="{55774153-6BEA-8641-B7A1-86CE42693FE2}" type="slidenum">
+              <a:rPr lang="en-US" smtClean="0"/>
+              <a:t>12</a:t>
+            </a:fld>
+            <a:endParaRPr lang="en-US"/>
+          </a:p>
+        </p:txBody>
+      </p:sp>
+    </p:spTree>
+    <p:extLst>
+      <p:ext uri="{BB962C8B-B14F-4D97-AF65-F5344CB8AC3E}">
+        <p14:creationId xmlns:p14="http://schemas.microsoft.com/office/powerpoint/2010/main" val="1226811926"/>
+      </p:ext>
+    </p:extLst>
+  </p:cSld>
+  <p:clrMapOvr>
+    <a:masterClrMapping/>
+  </p:clrMapOvr>
+  <p:timing>
+    <p:tnLst>
+      <p:par>
+        <p:cTn id="1" dur="indefinite" restart="never" nodeType="tmRoot"/>
+      </p:par>
+    </p:tnLst>
+  </p:timing>
+</p:sld>
+</file>
+
+<file path=ppt/slides/slide14.xml><?xml version="1.0" encoding="utf-8"?>
+<p:sld xmlns:a="http://schemas.openxmlformats.org/drawingml/2006/main" xmlns:r="http://schemas.openxmlformats.org/officeDocument/2006/relationships" xmlns:p="http://schemas.openxmlformats.org/presentationml/2006/main">
+  <p:cSld>
+    <p:spTree>
+      <p:nvGrpSpPr>
+        <p:cNvPr id="1" name=""/>
+        <p:cNvGrpSpPr/>
+        <p:nvPr/>
+      </p:nvGrpSpPr>
+      <p:grpSpPr>
+        <a:xfrm>
+          <a:off x="0" y="0"/>
+          <a:ext cx="0" cy="0"/>
+          <a:chOff x="0" y="0"/>
+          <a:chExt cx="0" cy="0"/>
+        </a:xfrm>
+      </p:grpSpPr>
+      <p:sp>
+        <p:nvSpPr>
+          <p:cNvPr id="2" name="Title 1"/>
+          <p:cNvSpPr>
+            <a:spLocks noGrp="1"/>
+          </p:cNvSpPr>
+          <p:nvPr>
+            <p:ph type="title"/>
+          </p:nvPr>
+        </p:nvSpPr>
+        <p:spPr/>
+        <p:txBody>
+          <a:bodyPr/>
+          <a:lstStyle/>
+          <a:p>
+            <a:r>
+              <a:rPr lang="en-US" dirty="0" err="1" smtClean="0"/>
               <a:t>Evolução</a:t>
             </a:r>
             <a:r>
@@ -14066,7 +15501,7 @@
           <a:p>
             <a:fld id="{55774153-6BEA-8641-B7A1-86CE42693FE2}" type="slidenum">
               <a:rPr lang="en-US" smtClean="0"/>
-              <a:t>10</a:t>
+              <a:t>13</a:t>
             </a:fld>
             <a:endParaRPr lang="en-US"/>
           </a:p>
@@ -14092,7 +15527,7 @@
 </p:sld>
 </file>
 
-<file path=ppt/slides/slide12.xml><?xml version="1.0" encoding="utf-8"?>
+<file path=ppt/slides/slide15.xml><?xml version="1.0" encoding="utf-8"?>
 <p:sld xmlns:a="http://schemas.openxmlformats.org/drawingml/2006/main" xmlns:r="http://schemas.openxmlformats.org/officeDocument/2006/relationships" xmlns:p="http://schemas.openxmlformats.org/presentationml/2006/main">
   <p:cSld>
     <p:spTree>
@@ -14225,7 +15660,7 @@
           <a:p>
             <a:fld id="{55774153-6BEA-8641-B7A1-86CE42693FE2}" type="slidenum">
               <a:rPr lang="en-US" smtClean="0"/>
-              <a:t>11</a:t>
+              <a:t>14</a:t>
             </a:fld>
             <a:endParaRPr lang="en-US"/>
           </a:p>
@@ -14235,1009 +15670,6 @@
     <p:extLst>
       <p:ext uri="{BB962C8B-B14F-4D97-AF65-F5344CB8AC3E}">
         <p14:creationId xmlns:p14="http://schemas.microsoft.com/office/powerpoint/2010/main" val="328765274"/>
-      </p:ext>
-    </p:extLst>
-  </p:cSld>
-  <p:clrMapOvr>
-    <a:masterClrMapping/>
-  </p:clrMapOvr>
-  <p:timing>
-    <p:tnLst>
-      <p:par>
-        <p:cTn id="1" dur="indefinite" restart="never" nodeType="tmRoot"/>
-      </p:par>
-    </p:tnLst>
-  </p:timing>
-</p:sld>
-</file>
-
-<file path=ppt/slides/slide13.xml><?xml version="1.0" encoding="utf-8"?>
-<p:sld xmlns:a="http://schemas.openxmlformats.org/drawingml/2006/main" xmlns:r="http://schemas.openxmlformats.org/officeDocument/2006/relationships" xmlns:p="http://schemas.openxmlformats.org/presentationml/2006/main">
-  <p:cSld>
-    <p:spTree>
-      <p:nvGrpSpPr>
-        <p:cNvPr id="1" name=""/>
-        <p:cNvGrpSpPr/>
-        <p:nvPr/>
-      </p:nvGrpSpPr>
-      <p:grpSpPr>
-        <a:xfrm>
-          <a:off x="0" y="0"/>
-          <a:ext cx="0" cy="0"/>
-          <a:chOff x="0" y="0"/>
-          <a:chExt cx="0" cy="0"/>
-        </a:xfrm>
-      </p:grpSpPr>
-      <p:sp>
-        <p:nvSpPr>
-          <p:cNvPr id="2" name="Title 1"/>
-          <p:cNvSpPr>
-            <a:spLocks noGrp="1"/>
-          </p:cNvSpPr>
-          <p:nvPr>
-            <p:ph type="title"/>
-          </p:nvPr>
-        </p:nvSpPr>
-        <p:spPr/>
-        <p:txBody>
-          <a:bodyPr/>
-          <a:lstStyle/>
-          <a:p>
-            <a:r>
-              <a:rPr lang="en-US" dirty="0" err="1" smtClean="0"/>
-              <a:t>Função</a:t>
-            </a:r>
-            <a:r>
-              <a:rPr lang="en-US" dirty="0" smtClean="0"/>
-              <a:t> </a:t>
-            </a:r>
-            <a:r>
-              <a:rPr lang="en-US" dirty="0" err="1" smtClean="0"/>
-              <a:t>Utilidade</a:t>
-            </a:r>
-            <a:r>
-              <a:rPr lang="en-US" dirty="0" smtClean="0"/>
-              <a:t> </a:t>
-            </a:r>
-            <a:r>
-              <a:rPr lang="en-US" b="1" baseline="30000" dirty="0" smtClean="0">
-                <a:solidFill>
-                  <a:srgbClr val="00B0F0"/>
-                </a:solidFill>
-              </a:rPr>
-              <a:t>[1,2,6]</a:t>
-            </a:r>
-            <a:endParaRPr lang="en-US" b="1" baseline="30000" dirty="0">
-              <a:solidFill>
-                <a:srgbClr val="00B0F0"/>
-              </a:solidFill>
-            </a:endParaRPr>
-          </a:p>
-        </p:txBody>
-      </p:sp>
-      <p:sp>
-        <p:nvSpPr>
-          <p:cNvPr id="3" name="Content Placeholder 2"/>
-          <p:cNvSpPr>
-            <a:spLocks noGrp="1"/>
-          </p:cNvSpPr>
-          <p:nvPr>
-            <p:ph idx="1"/>
-          </p:nvPr>
-        </p:nvSpPr>
-        <p:spPr>
-          <a:xfrm>
-            <a:off x="1154954" y="2603500"/>
-            <a:ext cx="9197586" cy="3416300"/>
-          </a:xfrm>
-        </p:spPr>
-        <p:txBody>
-          <a:bodyPr>
-            <a:normAutofit/>
-          </a:bodyPr>
-          <a:lstStyle/>
-          <a:p>
-            <a:r>
-              <a:rPr lang="en-US" dirty="0" err="1" smtClean="0"/>
-              <a:t>Cálculo</a:t>
-            </a:r>
-            <a:r>
-              <a:rPr lang="en-US" dirty="0" smtClean="0"/>
-              <a:t> de um </a:t>
-            </a:r>
-            <a:r>
-              <a:rPr lang="en-US" dirty="0" err="1" smtClean="0"/>
-              <a:t>ou</a:t>
-            </a:r>
-            <a:r>
-              <a:rPr lang="en-US" dirty="0" smtClean="0"/>
-              <a:t> </a:t>
-            </a:r>
-            <a:r>
-              <a:rPr lang="en-US" dirty="0" err="1" smtClean="0"/>
-              <a:t>mais</a:t>
-            </a:r>
-            <a:r>
-              <a:rPr lang="en-US" dirty="0" smtClean="0"/>
-              <a:t> </a:t>
-            </a:r>
-            <a:r>
-              <a:rPr lang="en-US" dirty="0" err="1" smtClean="0"/>
-              <a:t>valores</a:t>
-            </a:r>
-            <a:r>
-              <a:rPr lang="en-US" dirty="0" smtClean="0"/>
-              <a:t> (</a:t>
-            </a:r>
-            <a:r>
-              <a:rPr lang="en-US" dirty="0" err="1" smtClean="0"/>
-              <a:t>ou</a:t>
-            </a:r>
-            <a:r>
-              <a:rPr lang="en-US" dirty="0" smtClean="0"/>
-              <a:t> </a:t>
-            </a:r>
-            <a:r>
-              <a:rPr lang="en-US" dirty="0" err="1" smtClean="0"/>
-              <a:t>métricas</a:t>
-            </a:r>
-            <a:r>
-              <a:rPr lang="en-US" dirty="0" smtClean="0"/>
-              <a:t>) </a:t>
-            </a:r>
-            <a:r>
-              <a:rPr lang="en-US" dirty="0" err="1" smtClean="0"/>
-              <a:t>obtidos</a:t>
-            </a:r>
-            <a:r>
-              <a:rPr lang="en-US" dirty="0" smtClean="0"/>
-              <a:t> </a:t>
-            </a:r>
-            <a:r>
-              <a:rPr lang="en-US" dirty="0" err="1" smtClean="0"/>
-              <a:t>através</a:t>
-            </a:r>
-            <a:r>
-              <a:rPr lang="en-US" dirty="0" smtClean="0"/>
-              <a:t> das </a:t>
-            </a:r>
-            <a:r>
-              <a:rPr lang="en-US" dirty="0" err="1" smtClean="0"/>
-              <a:t>gerações</a:t>
-            </a:r>
-            <a:r>
-              <a:rPr lang="en-US" dirty="0" smtClean="0"/>
-              <a:t> </a:t>
-            </a:r>
-            <a:r>
-              <a:rPr lang="en-US" dirty="0" err="1" smtClean="0"/>
-              <a:t>criadas</a:t>
-            </a:r>
-            <a:r>
-              <a:rPr lang="en-US" dirty="0" smtClean="0"/>
-              <a:t> </a:t>
-            </a:r>
-            <a:r>
-              <a:rPr lang="en-US" dirty="0" err="1" smtClean="0"/>
-              <a:t>em</a:t>
-            </a:r>
-            <a:r>
-              <a:rPr lang="en-US" dirty="0" smtClean="0"/>
-              <a:t> </a:t>
-            </a:r>
-            <a:r>
-              <a:rPr lang="en-US" dirty="0" err="1" smtClean="0"/>
-              <a:t>uma</a:t>
-            </a:r>
-            <a:r>
-              <a:rPr lang="en-US" dirty="0" smtClean="0"/>
-              <a:t> </a:t>
-            </a:r>
-            <a:r>
-              <a:rPr lang="en-US" dirty="0" err="1" smtClean="0"/>
-              <a:t>execução</a:t>
-            </a:r>
-            <a:r>
-              <a:rPr lang="en-US" dirty="0" smtClean="0"/>
-              <a:t> do AE</a:t>
-            </a:r>
-          </a:p>
-          <a:p>
-            <a:r>
-              <a:rPr lang="en-US" dirty="0" err="1" smtClean="0"/>
-              <a:t>Pedem</a:t>
-            </a:r>
-            <a:r>
-              <a:rPr lang="en-US" dirty="0" smtClean="0"/>
-              <a:t> </a:t>
-            </a:r>
-            <a:r>
-              <a:rPr lang="en-US" dirty="0" err="1" smtClean="0"/>
-              <a:t>múltiplas</a:t>
-            </a:r>
-            <a:r>
-              <a:rPr lang="en-US" dirty="0" smtClean="0"/>
-              <a:t> </a:t>
-            </a:r>
-            <a:r>
-              <a:rPr lang="en-US" dirty="0" err="1" smtClean="0"/>
-              <a:t>execuções</a:t>
-            </a:r>
-            <a:r>
-              <a:rPr lang="en-US" dirty="0" smtClean="0"/>
-              <a:t> do AE </a:t>
-            </a:r>
-            <a:r>
-              <a:rPr lang="en-US" dirty="0" err="1" smtClean="0"/>
-              <a:t>sobre</a:t>
-            </a:r>
-            <a:r>
-              <a:rPr lang="en-US" dirty="0" smtClean="0"/>
-              <a:t> o </a:t>
-            </a:r>
-            <a:r>
-              <a:rPr lang="en-US" dirty="0" err="1" smtClean="0"/>
-              <a:t>problema</a:t>
-            </a:r>
-            <a:r>
-              <a:rPr lang="en-US" dirty="0" smtClean="0"/>
-              <a:t> (</a:t>
-            </a:r>
-            <a:r>
-              <a:rPr lang="en-US" dirty="0" err="1" smtClean="0"/>
-              <a:t>máximo</a:t>
-            </a:r>
-            <a:r>
-              <a:rPr lang="en-US" dirty="0" smtClean="0"/>
-              <a:t> de </a:t>
-            </a:r>
-            <a:r>
-              <a:rPr lang="en-US" dirty="0" err="1" smtClean="0"/>
-              <a:t>gerações</a:t>
-            </a:r>
-            <a:r>
-              <a:rPr lang="en-US" dirty="0" smtClean="0"/>
-              <a:t>)</a:t>
-            </a:r>
-          </a:p>
-          <a:p>
-            <a:r>
-              <a:rPr lang="en-US" dirty="0" err="1" smtClean="0"/>
-              <a:t>Métricas</a:t>
-            </a:r>
-            <a:r>
-              <a:rPr lang="en-US" dirty="0" smtClean="0"/>
-              <a:t> </a:t>
-            </a:r>
-            <a:r>
-              <a:rPr lang="en-US" dirty="0" err="1" smtClean="0"/>
-              <a:t>estatísticas</a:t>
-            </a:r>
-            <a:r>
-              <a:rPr lang="en-US" dirty="0" smtClean="0"/>
-              <a:t> – </a:t>
-            </a:r>
-            <a:r>
-              <a:rPr lang="en-US" dirty="0" err="1" smtClean="0"/>
-              <a:t>natureza</a:t>
-            </a:r>
-            <a:r>
-              <a:rPr lang="en-US" dirty="0" smtClean="0"/>
-              <a:t> de </a:t>
-            </a:r>
-            <a:r>
-              <a:rPr lang="en-US" dirty="0" err="1" smtClean="0"/>
-              <a:t>tentativa</a:t>
-            </a:r>
-            <a:r>
-              <a:rPr lang="en-US" dirty="0" smtClean="0"/>
-              <a:t>-e-</a:t>
-            </a:r>
-            <a:r>
-              <a:rPr lang="en-US" dirty="0" err="1" smtClean="0"/>
-              <a:t>erro</a:t>
-            </a:r>
-            <a:endParaRPr lang="en-US" dirty="0" smtClean="0"/>
-          </a:p>
-          <a:p>
-            <a:r>
-              <a:rPr lang="en-US" dirty="0" err="1" smtClean="0"/>
-              <a:t>Mais</a:t>
-            </a:r>
-            <a:r>
-              <a:rPr lang="en-US" dirty="0" smtClean="0"/>
-              <a:t> </a:t>
-            </a:r>
-            <a:r>
-              <a:rPr lang="en-US" dirty="0" err="1" smtClean="0"/>
-              <a:t>comuns</a:t>
-            </a:r>
-            <a:r>
-              <a:rPr lang="en-US" dirty="0" smtClean="0"/>
-              <a:t>: </a:t>
-            </a:r>
-            <a:r>
-              <a:rPr lang="en-US" b="1" baseline="30000" dirty="0" smtClean="0">
-                <a:solidFill>
-                  <a:srgbClr val="0432FF"/>
-                </a:solidFill>
-              </a:rPr>
-              <a:t>[2]</a:t>
-            </a:r>
-          </a:p>
-          <a:p>
-            <a:pPr lvl="1"/>
-            <a:r>
-              <a:rPr lang="en-US" dirty="0" smtClean="0"/>
-              <a:t>Mean Best Fitness (MBF)</a:t>
-            </a:r>
-          </a:p>
-          <a:p>
-            <a:pPr lvl="1"/>
-            <a:r>
-              <a:rPr lang="en-US" dirty="0" smtClean="0"/>
-              <a:t>AES (Average number of Evaluations to Solution)</a:t>
-            </a:r>
-          </a:p>
-          <a:p>
-            <a:pPr lvl="1"/>
-            <a:r>
-              <a:rPr lang="en-US" dirty="0" smtClean="0"/>
-              <a:t>SR (Success Rate)</a:t>
-            </a:r>
-          </a:p>
-          <a:p>
-            <a:r>
-              <a:rPr lang="en-US" dirty="0" err="1" smtClean="0"/>
-              <a:t>Outras</a:t>
-            </a:r>
-            <a:r>
-              <a:rPr lang="en-US" dirty="0" smtClean="0"/>
-              <a:t> </a:t>
-            </a:r>
-            <a:r>
-              <a:rPr lang="en-US" dirty="0" err="1" smtClean="0"/>
-              <a:t>variáveis</a:t>
-            </a:r>
-            <a:r>
-              <a:rPr lang="en-US" dirty="0" smtClean="0"/>
-              <a:t> </a:t>
-            </a:r>
-            <a:r>
-              <a:rPr lang="en-US" dirty="0" err="1" smtClean="0"/>
-              <a:t>podem</a:t>
-            </a:r>
-            <a:r>
-              <a:rPr lang="en-US" dirty="0" smtClean="0"/>
-              <a:t> </a:t>
-            </a:r>
-            <a:r>
-              <a:rPr lang="en-US" dirty="0" err="1" smtClean="0"/>
-              <a:t>ter</a:t>
-            </a:r>
-            <a:r>
-              <a:rPr lang="en-US" dirty="0" smtClean="0"/>
-              <a:t> </a:t>
-            </a:r>
-            <a:r>
-              <a:rPr lang="en-US" dirty="0" err="1" smtClean="0"/>
-              <a:t>mais</a:t>
-            </a:r>
-            <a:r>
-              <a:rPr lang="en-US" dirty="0" smtClean="0"/>
-              <a:t> </a:t>
-            </a:r>
-            <a:r>
-              <a:rPr lang="en-US" dirty="0" err="1" smtClean="0"/>
-              <a:t>significado</a:t>
-            </a:r>
-            <a:r>
-              <a:rPr lang="en-US" dirty="0" smtClean="0"/>
-              <a:t> (</a:t>
-            </a:r>
-            <a:r>
-              <a:rPr lang="en-US" dirty="0" err="1" smtClean="0"/>
-              <a:t>mediana</a:t>
-            </a:r>
-            <a:r>
-              <a:rPr lang="en-US" dirty="0" smtClean="0"/>
-              <a:t>, </a:t>
-            </a:r>
-            <a:r>
-              <a:rPr lang="en-US" dirty="0" err="1" smtClean="0"/>
-              <a:t>melhor</a:t>
-            </a:r>
-            <a:r>
-              <a:rPr lang="en-US" dirty="0" smtClean="0"/>
-              <a:t> fitness, </a:t>
-            </a:r>
-            <a:r>
-              <a:rPr lang="en-US" dirty="0" err="1" smtClean="0"/>
-              <a:t>etc</a:t>
-            </a:r>
-            <a:r>
-              <a:rPr lang="en-US" dirty="0" smtClean="0"/>
-              <a:t>)</a:t>
-            </a:r>
-          </a:p>
-          <a:p>
-            <a:endParaRPr lang="en-US" dirty="0"/>
-          </a:p>
-        </p:txBody>
-      </p:sp>
-      <p:sp>
-        <p:nvSpPr>
-          <p:cNvPr id="5" name="Slide Number Placeholder 4"/>
-          <p:cNvSpPr>
-            <a:spLocks noGrp="1"/>
-          </p:cNvSpPr>
-          <p:nvPr>
-            <p:ph type="sldNum" sz="quarter" idx="12"/>
-          </p:nvPr>
-        </p:nvSpPr>
-        <p:spPr/>
-        <p:txBody>
-          <a:bodyPr/>
-          <a:lstStyle/>
-          <a:p>
-            <a:fld id="{55774153-6BEA-8641-B7A1-86CE42693FE2}" type="slidenum">
-              <a:rPr lang="en-US" smtClean="0"/>
-              <a:t>12</a:t>
-            </a:fld>
-            <a:endParaRPr lang="en-US"/>
-          </a:p>
-        </p:txBody>
-      </p:sp>
-    </p:spTree>
-    <p:extLst>
-      <p:ext uri="{BB962C8B-B14F-4D97-AF65-F5344CB8AC3E}">
-        <p14:creationId xmlns:p14="http://schemas.microsoft.com/office/powerpoint/2010/main" val="2001263119"/>
-      </p:ext>
-    </p:extLst>
-  </p:cSld>
-  <p:clrMapOvr>
-    <a:masterClrMapping/>
-  </p:clrMapOvr>
-  <p:timing>
-    <p:tnLst>
-      <p:par>
-        <p:cTn id="1" dur="indefinite" restart="never" nodeType="tmRoot"/>
-      </p:par>
-    </p:tnLst>
-  </p:timing>
-</p:sld>
-</file>
-
-<file path=ppt/slides/slide14.xml><?xml version="1.0" encoding="utf-8"?>
-<p:sld xmlns:a="http://schemas.openxmlformats.org/drawingml/2006/main" xmlns:r="http://schemas.openxmlformats.org/officeDocument/2006/relationships" xmlns:p="http://schemas.openxmlformats.org/presentationml/2006/main">
-  <p:cSld>
-    <p:spTree>
-      <p:nvGrpSpPr>
-        <p:cNvPr id="1" name=""/>
-        <p:cNvGrpSpPr/>
-        <p:nvPr/>
-      </p:nvGrpSpPr>
-      <p:grpSpPr>
-        <a:xfrm>
-          <a:off x="0" y="0"/>
-          <a:ext cx="0" cy="0"/>
-          <a:chOff x="0" y="0"/>
-          <a:chExt cx="0" cy="0"/>
-        </a:xfrm>
-      </p:grpSpPr>
-      <p:sp>
-        <p:nvSpPr>
-          <p:cNvPr id="2" name="Title 1"/>
-          <p:cNvSpPr>
-            <a:spLocks noGrp="1"/>
-          </p:cNvSpPr>
-          <p:nvPr>
-            <p:ph type="title"/>
-          </p:nvPr>
-        </p:nvSpPr>
-        <p:spPr/>
-        <p:txBody>
-          <a:bodyPr/>
-          <a:lstStyle/>
-          <a:p>
-            <a:r>
-              <a:rPr lang="en-US" dirty="0" err="1" smtClean="0"/>
-              <a:t>Objetivos</a:t>
-            </a:r>
-            <a:r>
-              <a:rPr lang="en-US" dirty="0" smtClean="0"/>
-              <a:t> do TG</a:t>
-            </a:r>
-            <a:endParaRPr lang="en-US" dirty="0"/>
-          </a:p>
-        </p:txBody>
-      </p:sp>
-      <p:sp>
-        <p:nvSpPr>
-          <p:cNvPr id="3" name="Content Placeholder 2"/>
-          <p:cNvSpPr>
-            <a:spLocks noGrp="1"/>
-          </p:cNvSpPr>
-          <p:nvPr>
-            <p:ph idx="1"/>
-          </p:nvPr>
-        </p:nvSpPr>
-        <p:spPr/>
-        <p:txBody>
-          <a:bodyPr/>
-          <a:lstStyle/>
-          <a:p>
-            <a:r>
-              <a:rPr lang="en-US" dirty="0" err="1" smtClean="0"/>
-              <a:t>Implementar</a:t>
-            </a:r>
-            <a:r>
-              <a:rPr lang="en-US" dirty="0" smtClean="0"/>
-              <a:t> um </a:t>
-            </a:r>
-            <a:r>
-              <a:rPr lang="en-US" dirty="0" err="1" smtClean="0"/>
-              <a:t>algoritmo</a:t>
-            </a:r>
-            <a:r>
-              <a:rPr lang="en-US" dirty="0" smtClean="0"/>
-              <a:t> </a:t>
-            </a:r>
-            <a:r>
-              <a:rPr lang="en-US" dirty="0" err="1" smtClean="0"/>
-              <a:t>evolutivo</a:t>
-            </a:r>
-            <a:r>
-              <a:rPr lang="en-US" dirty="0" smtClean="0"/>
-              <a:t> (AE)</a:t>
-            </a:r>
-          </a:p>
-          <a:p>
-            <a:r>
-              <a:rPr lang="en-US" dirty="0" err="1" smtClean="0"/>
-              <a:t>Implementar</a:t>
-            </a:r>
-            <a:r>
-              <a:rPr lang="en-US" dirty="0" smtClean="0"/>
-              <a:t> </a:t>
-            </a:r>
-            <a:r>
-              <a:rPr lang="en-US" dirty="0" err="1" smtClean="0"/>
-              <a:t>problemas</a:t>
-            </a:r>
-            <a:r>
-              <a:rPr lang="en-US" dirty="0"/>
-              <a:t> </a:t>
-            </a:r>
-            <a:r>
-              <a:rPr lang="en-US" dirty="0" err="1" smtClean="0"/>
-              <a:t>compatíveis</a:t>
-            </a:r>
-            <a:r>
-              <a:rPr lang="en-US" dirty="0" smtClean="0"/>
-              <a:t> com </a:t>
-            </a:r>
-            <a:r>
-              <a:rPr lang="en-US" dirty="0" err="1" smtClean="0"/>
-              <a:t>este</a:t>
-            </a:r>
-            <a:r>
-              <a:rPr lang="en-US" dirty="0" smtClean="0"/>
-              <a:t> AE</a:t>
-            </a:r>
-          </a:p>
-          <a:p>
-            <a:r>
-              <a:rPr lang="en-US" dirty="0" err="1" smtClean="0"/>
-              <a:t>Otimizar</a:t>
-            </a:r>
-            <a:r>
-              <a:rPr lang="en-US" dirty="0" smtClean="0"/>
-              <a:t> o AE</a:t>
-            </a:r>
-          </a:p>
-          <a:p>
-            <a:r>
-              <a:rPr lang="en-US" dirty="0" err="1" smtClean="0"/>
-              <a:t>Analisar</a:t>
-            </a:r>
-            <a:r>
-              <a:rPr lang="en-US" dirty="0" smtClean="0"/>
-              <a:t> as </a:t>
-            </a:r>
-            <a:r>
-              <a:rPr lang="en-US" dirty="0" err="1" smtClean="0"/>
-              <a:t>soluções</a:t>
-            </a:r>
-            <a:r>
-              <a:rPr lang="en-US" dirty="0" smtClean="0"/>
-              <a:t> </a:t>
-            </a:r>
-            <a:r>
-              <a:rPr lang="en-US" dirty="0" err="1" smtClean="0"/>
-              <a:t>obtidas</a:t>
-            </a:r>
-            <a:r>
-              <a:rPr lang="en-US" dirty="0" smtClean="0"/>
-              <a:t> </a:t>
-            </a:r>
-            <a:r>
-              <a:rPr lang="en-US" dirty="0" err="1" smtClean="0"/>
-              <a:t>pelo</a:t>
-            </a:r>
-            <a:r>
-              <a:rPr lang="en-US" dirty="0" smtClean="0"/>
-              <a:t> AE para </a:t>
-            </a:r>
-            <a:r>
-              <a:rPr lang="en-US" dirty="0" err="1" smtClean="0"/>
-              <a:t>os</a:t>
-            </a:r>
-            <a:r>
-              <a:rPr lang="en-US" dirty="0" smtClean="0"/>
-              <a:t> </a:t>
-            </a:r>
-            <a:r>
-              <a:rPr lang="en-US" dirty="0" err="1" smtClean="0"/>
-              <a:t>problemas</a:t>
-            </a:r>
-            <a:endParaRPr lang="en-US" dirty="0"/>
-          </a:p>
-        </p:txBody>
-      </p:sp>
-      <p:sp>
-        <p:nvSpPr>
-          <p:cNvPr id="5" name="Slide Number Placeholder 4"/>
-          <p:cNvSpPr>
-            <a:spLocks noGrp="1"/>
-          </p:cNvSpPr>
-          <p:nvPr>
-            <p:ph type="sldNum" sz="quarter" idx="12"/>
-          </p:nvPr>
-        </p:nvSpPr>
-        <p:spPr/>
-        <p:txBody>
-          <a:bodyPr/>
-          <a:lstStyle/>
-          <a:p>
-            <a:fld id="{55774153-6BEA-8641-B7A1-86CE42693FE2}" type="slidenum">
-              <a:rPr lang="en-US" smtClean="0"/>
-              <a:t>13</a:t>
-            </a:fld>
-            <a:endParaRPr lang="en-US"/>
-          </a:p>
-        </p:txBody>
-      </p:sp>
-    </p:spTree>
-    <p:extLst>
-      <p:ext uri="{BB962C8B-B14F-4D97-AF65-F5344CB8AC3E}">
-        <p14:creationId xmlns:p14="http://schemas.microsoft.com/office/powerpoint/2010/main" val="537306771"/>
-      </p:ext>
-    </p:extLst>
-  </p:cSld>
-  <p:clrMapOvr>
-    <a:masterClrMapping/>
-  </p:clrMapOvr>
-  <p:timing>
-    <p:tnLst>
-      <p:par>
-        <p:cTn id="1" dur="indefinite" restart="never" nodeType="tmRoot"/>
-      </p:par>
-    </p:tnLst>
-  </p:timing>
-</p:sld>
-</file>
-
-<file path=ppt/slides/slide15.xml><?xml version="1.0" encoding="utf-8"?>
-<p:sld xmlns:a="http://schemas.openxmlformats.org/drawingml/2006/main" xmlns:r="http://schemas.openxmlformats.org/officeDocument/2006/relationships" xmlns:p="http://schemas.openxmlformats.org/presentationml/2006/main">
-  <p:cSld>
-    <p:spTree>
-      <p:nvGrpSpPr>
-        <p:cNvPr id="1" name=""/>
-        <p:cNvGrpSpPr/>
-        <p:nvPr/>
-      </p:nvGrpSpPr>
-      <p:grpSpPr>
-        <a:xfrm>
-          <a:off x="0" y="0"/>
-          <a:ext cx="0" cy="0"/>
-          <a:chOff x="0" y="0"/>
-          <a:chExt cx="0" cy="0"/>
-        </a:xfrm>
-      </p:grpSpPr>
-      <p:sp>
-        <p:nvSpPr>
-          <p:cNvPr id="2" name="Title 1"/>
-          <p:cNvSpPr>
-            <a:spLocks noGrp="1"/>
-          </p:cNvSpPr>
-          <p:nvPr>
-            <p:ph type="title"/>
-          </p:nvPr>
-        </p:nvSpPr>
-        <p:spPr/>
-        <p:txBody>
-          <a:bodyPr/>
-          <a:lstStyle/>
-          <a:p>
-            <a:r>
-              <a:rPr lang="en-US" dirty="0" err="1" smtClean="0"/>
-              <a:t>Desenvolvimento</a:t>
-            </a:r>
-            <a:r>
-              <a:rPr lang="en-US" dirty="0" smtClean="0"/>
-              <a:t> </a:t>
-            </a:r>
-            <a:r>
-              <a:rPr lang="en-US" dirty="0" err="1" smtClean="0"/>
-              <a:t>previsto</a:t>
-            </a:r>
-            <a:endParaRPr lang="en-US" dirty="0"/>
-          </a:p>
-        </p:txBody>
-      </p:sp>
-      <p:sp>
-        <p:nvSpPr>
-          <p:cNvPr id="3" name="Content Placeholder 2"/>
-          <p:cNvSpPr>
-            <a:spLocks noGrp="1"/>
-          </p:cNvSpPr>
-          <p:nvPr>
-            <p:ph idx="1"/>
-          </p:nvPr>
-        </p:nvSpPr>
-        <p:spPr/>
-        <p:txBody>
-          <a:bodyPr/>
-          <a:lstStyle/>
-          <a:p>
-            <a:r>
-              <a:rPr lang="en-US" dirty="0" err="1" smtClean="0"/>
-              <a:t>Implementação</a:t>
-            </a:r>
-            <a:r>
-              <a:rPr lang="en-US" dirty="0" smtClean="0"/>
-              <a:t> do AE e de </a:t>
-            </a:r>
-            <a:r>
-              <a:rPr lang="en-US" dirty="0" err="1" smtClean="0"/>
-              <a:t>seus</a:t>
-            </a:r>
-            <a:r>
-              <a:rPr lang="en-US" dirty="0" smtClean="0"/>
-              <a:t> </a:t>
-            </a:r>
-            <a:r>
-              <a:rPr lang="en-US" dirty="0" err="1" smtClean="0"/>
-              <a:t>algoritmos</a:t>
-            </a:r>
-            <a:r>
-              <a:rPr lang="en-US" dirty="0" smtClean="0"/>
-              <a:t> de </a:t>
-            </a:r>
-            <a:r>
-              <a:rPr lang="en-US" dirty="0" err="1" smtClean="0"/>
-              <a:t>variação</a:t>
-            </a:r>
-            <a:r>
-              <a:rPr lang="en-US" dirty="0" smtClean="0"/>
-              <a:t> e </a:t>
-            </a:r>
-            <a:r>
-              <a:rPr lang="en-US" dirty="0" err="1" smtClean="0"/>
-              <a:t>seleção</a:t>
-            </a:r>
-            <a:endParaRPr lang="en-US" dirty="0"/>
-          </a:p>
-          <a:p>
-            <a:r>
-              <a:rPr lang="en-US" dirty="0" err="1" smtClean="0"/>
-              <a:t>Implementação</a:t>
-            </a:r>
-            <a:r>
-              <a:rPr lang="en-US" dirty="0" smtClean="0"/>
-              <a:t> dos </a:t>
-            </a:r>
-            <a:r>
-              <a:rPr lang="en-US" dirty="0" err="1" smtClean="0"/>
-              <a:t>problemas</a:t>
-            </a:r>
-            <a:r>
-              <a:rPr lang="en-US" dirty="0" smtClean="0"/>
-              <a:t> e de </a:t>
-            </a:r>
-            <a:r>
-              <a:rPr lang="en-US" dirty="0" err="1" smtClean="0"/>
-              <a:t>suas</a:t>
-            </a:r>
-            <a:r>
-              <a:rPr lang="en-US" dirty="0" smtClean="0"/>
-              <a:t> </a:t>
-            </a:r>
-            <a:r>
-              <a:rPr lang="en-US" dirty="0" err="1" smtClean="0"/>
-              <a:t>funções</a:t>
-            </a:r>
-            <a:r>
-              <a:rPr lang="en-US" dirty="0" smtClean="0"/>
-              <a:t> de fitness</a:t>
-            </a:r>
-          </a:p>
-          <a:p>
-            <a:r>
-              <a:rPr lang="en-US" dirty="0" err="1" smtClean="0"/>
-              <a:t>Implementação</a:t>
-            </a:r>
-            <a:r>
-              <a:rPr lang="en-US" dirty="0" smtClean="0"/>
-              <a:t> do </a:t>
-            </a:r>
-            <a:r>
-              <a:rPr lang="en-US" dirty="0" err="1" smtClean="0"/>
-              <a:t>algoritmo</a:t>
-            </a:r>
-            <a:r>
-              <a:rPr lang="en-US" dirty="0" smtClean="0"/>
-              <a:t> CMA-ES para tuning do AE </a:t>
-            </a:r>
-            <a:r>
-              <a:rPr lang="en-US" dirty="0" err="1" smtClean="0"/>
-              <a:t>sobre</a:t>
-            </a:r>
-            <a:r>
-              <a:rPr lang="en-US" dirty="0" smtClean="0"/>
-              <a:t> </a:t>
-            </a:r>
-            <a:r>
-              <a:rPr lang="en-US" dirty="0" err="1" smtClean="0"/>
-              <a:t>os</a:t>
-            </a:r>
-            <a:r>
-              <a:rPr lang="en-US" dirty="0" smtClean="0"/>
-              <a:t> </a:t>
-            </a:r>
-            <a:r>
-              <a:rPr lang="en-US" dirty="0" err="1" smtClean="0"/>
-              <a:t>problemas</a:t>
-            </a:r>
-            <a:endParaRPr lang="en-US" dirty="0" smtClean="0"/>
-          </a:p>
-          <a:p>
-            <a:r>
-              <a:rPr lang="en-US" dirty="0" err="1" smtClean="0"/>
-              <a:t>Definição</a:t>
-            </a:r>
-            <a:r>
-              <a:rPr lang="en-US" dirty="0" smtClean="0"/>
-              <a:t> e </a:t>
-            </a:r>
-            <a:r>
-              <a:rPr lang="en-US" dirty="0" err="1" smtClean="0"/>
-              <a:t>implementação</a:t>
-            </a:r>
-            <a:r>
-              <a:rPr lang="en-US" dirty="0" smtClean="0"/>
-              <a:t> da </a:t>
-            </a:r>
-            <a:r>
-              <a:rPr lang="en-US" dirty="0" err="1" smtClean="0"/>
-              <a:t>função</a:t>
-            </a:r>
-            <a:r>
-              <a:rPr lang="en-US" dirty="0" smtClean="0"/>
-              <a:t> </a:t>
-            </a:r>
-            <a:r>
-              <a:rPr lang="en-US" dirty="0" err="1" smtClean="0"/>
-              <a:t>utilidade</a:t>
-            </a:r>
-            <a:endParaRPr lang="en-US" dirty="0"/>
-          </a:p>
-          <a:p>
-            <a:r>
-              <a:rPr lang="en-US" dirty="0" err="1" smtClean="0"/>
-              <a:t>Execução</a:t>
-            </a:r>
-            <a:r>
-              <a:rPr lang="en-US" dirty="0" smtClean="0"/>
-              <a:t> </a:t>
-            </a:r>
-            <a:r>
-              <a:rPr lang="en-US" dirty="0" err="1" smtClean="0"/>
-              <a:t>contínua</a:t>
-            </a:r>
-            <a:r>
-              <a:rPr lang="en-US" dirty="0" smtClean="0"/>
-              <a:t> do AE </a:t>
-            </a:r>
-            <a:r>
-              <a:rPr lang="en-US" dirty="0" err="1" smtClean="0"/>
-              <a:t>pós</a:t>
-            </a:r>
-            <a:r>
-              <a:rPr lang="en-US" dirty="0" smtClean="0"/>
-              <a:t>-tuning e </a:t>
-            </a:r>
-            <a:r>
-              <a:rPr lang="en-US" dirty="0" err="1" smtClean="0"/>
-              <a:t>análise</a:t>
-            </a:r>
-            <a:r>
-              <a:rPr lang="en-US" dirty="0" smtClean="0"/>
-              <a:t> dos </a:t>
-            </a:r>
-            <a:r>
-              <a:rPr lang="en-US" dirty="0" err="1" smtClean="0"/>
-              <a:t>valores</a:t>
-            </a:r>
-            <a:r>
-              <a:rPr lang="en-US" dirty="0" smtClean="0"/>
-              <a:t> da </a:t>
-            </a:r>
-            <a:r>
-              <a:rPr lang="en-US" dirty="0" err="1" smtClean="0"/>
-              <a:t>função</a:t>
-            </a:r>
-            <a:r>
-              <a:rPr lang="en-US" dirty="0" smtClean="0"/>
-              <a:t> </a:t>
-            </a:r>
-            <a:r>
-              <a:rPr lang="en-US" dirty="0" err="1" smtClean="0"/>
-              <a:t>utilidade</a:t>
-            </a:r>
-            <a:endParaRPr lang="en-US" dirty="0" smtClean="0"/>
-          </a:p>
-          <a:p>
-            <a:pPr marL="0" indent="0">
-              <a:buNone/>
-            </a:pPr>
-            <a:endParaRPr lang="en-US" dirty="0"/>
-          </a:p>
-          <a:p>
-            <a:r>
-              <a:rPr lang="en-US" dirty="0" err="1" smtClean="0"/>
-              <a:t>Nesta</a:t>
-            </a:r>
-            <a:r>
-              <a:rPr lang="en-US" dirty="0" smtClean="0"/>
-              <a:t> </a:t>
-            </a:r>
-            <a:r>
-              <a:rPr lang="en-US" dirty="0" err="1" smtClean="0"/>
-              <a:t>ordem</a:t>
-            </a:r>
-            <a:endParaRPr lang="en-US" dirty="0"/>
-          </a:p>
-        </p:txBody>
-      </p:sp>
-      <p:sp>
-        <p:nvSpPr>
-          <p:cNvPr id="5" name="Slide Number Placeholder 4"/>
-          <p:cNvSpPr>
-            <a:spLocks noGrp="1"/>
-          </p:cNvSpPr>
-          <p:nvPr>
-            <p:ph type="sldNum" sz="quarter" idx="12"/>
-          </p:nvPr>
-        </p:nvSpPr>
-        <p:spPr/>
-        <p:txBody>
-          <a:bodyPr/>
-          <a:lstStyle/>
-          <a:p>
-            <a:fld id="{55774153-6BEA-8641-B7A1-86CE42693FE2}" type="slidenum">
-              <a:rPr lang="en-US" smtClean="0"/>
-              <a:t>14</a:t>
-            </a:fld>
-            <a:endParaRPr lang="en-US"/>
-          </a:p>
-        </p:txBody>
-      </p:sp>
-    </p:spTree>
-    <p:extLst>
-      <p:ext uri="{BB962C8B-B14F-4D97-AF65-F5344CB8AC3E}">
-        <p14:creationId xmlns:p14="http://schemas.microsoft.com/office/powerpoint/2010/main" val="2114913759"/>
       </p:ext>
     </p:extLst>
   </p:cSld>
@@ -15288,9 +15720,33 @@
           <a:p>
             <a:r>
               <a:rPr lang="en-US" dirty="0" err="1" smtClean="0"/>
-              <a:t>Referências</a:t>
-            </a:r>
-            <a:endParaRPr lang="en-US" dirty="0"/>
+              <a:t>Função</a:t>
+            </a:r>
+            <a:r>
+              <a:rPr lang="en-US" dirty="0" smtClean="0"/>
+              <a:t> </a:t>
+            </a:r>
+            <a:r>
+              <a:rPr lang="en-US" dirty="0" err="1" smtClean="0"/>
+              <a:t>Utilidade</a:t>
+            </a:r>
+            <a:r>
+              <a:rPr lang="en-US" dirty="0" smtClean="0"/>
+              <a:t> </a:t>
+            </a:r>
+            <a:r>
+              <a:rPr lang="en-US" b="1" baseline="30000" dirty="0" smtClean="0">
+                <a:solidFill>
+                  <a:srgbClr val="00B0F0"/>
+                </a:solidFill>
+              </a:rPr>
+              <a:t>[1,2,6]</a:t>
+            </a:r>
+            <a:endParaRPr lang="en-US" b="1" baseline="30000" dirty="0">
+              <a:solidFill>
+                <a:srgbClr val="00B0F0"/>
+              </a:solidFill>
+            </a:endParaRPr>
           </a:p>
         </p:txBody>
       </p:sp>
@@ -15307,293 +15763,337 @@
         <p:spPr>
           <a:xfrm>
             <a:off x="1154954" y="2603500"/>
-            <a:ext cx="8825659" cy="4102100"/>
+            <a:ext cx="9197586" cy="3416300"/>
           </a:xfrm>
         </p:spPr>
         <p:txBody>
           <a:bodyPr>
-            <a:normAutofit lnSpcReduction="10000"/>
+            <a:normAutofit/>
           </a:bodyPr>
           <a:lstStyle/>
           <a:p>
             <a:r>
-              <a:rPr lang="en-US" dirty="0" smtClean="0"/>
-              <a:t>[1] </a:t>
-            </a:r>
-            <a:r>
-              <a:rPr lang="en-US" dirty="0"/>
-              <a:t>A. E. </a:t>
-            </a:r>
-            <a:r>
-              <a:rPr lang="en-US" dirty="0" err="1" smtClean="0"/>
-              <a:t>Eiben</a:t>
-            </a:r>
-            <a:r>
-              <a:rPr lang="en-US" dirty="0" smtClean="0"/>
-              <a:t>, J</a:t>
-            </a:r>
-            <a:r>
-              <a:rPr lang="en-US" dirty="0"/>
-              <a:t>. E. Smith. </a:t>
-            </a:r>
-            <a:r>
-              <a:rPr lang="en-US" dirty="0" smtClean="0"/>
-              <a:t>“</a:t>
-            </a:r>
-            <a:r>
-              <a:rPr lang="en-US" i="1" dirty="0" smtClean="0"/>
-              <a:t>Introduction </a:t>
-            </a:r>
-            <a:r>
-              <a:rPr lang="en-US" i="1" dirty="0"/>
-              <a:t>To Evolutionary </a:t>
-            </a:r>
-            <a:r>
-              <a:rPr lang="en-US" i="1" dirty="0" smtClean="0"/>
-              <a:t>Computing”</a:t>
-            </a:r>
-            <a:r>
-              <a:rPr lang="en-US" dirty="0" smtClean="0"/>
-              <a:t>. </a:t>
-            </a:r>
-            <a:r>
-              <a:rPr lang="en-US" dirty="0"/>
-              <a:t>V</a:t>
-            </a:r>
-            <a:r>
-              <a:rPr lang="en-US" dirty="0" smtClean="0"/>
-              <a:t>olume 53. </a:t>
-            </a:r>
-            <a:r>
-              <a:rPr lang="en-US" dirty="0"/>
-              <a:t>Springer-</a:t>
-            </a:r>
-            <a:r>
-              <a:rPr lang="en-US" dirty="0" err="1"/>
-              <a:t>Verlag</a:t>
-            </a:r>
-            <a:r>
-              <a:rPr lang="en-US" dirty="0"/>
-              <a:t>, 2003. </a:t>
+              <a:rPr lang="en-US" dirty="0" err="1" smtClean="0"/>
+              <a:t>Cálculo</a:t>
+            </a:r>
+            <a:r>
+              <a:rPr lang="en-US" dirty="0" smtClean="0"/>
+              <a:t> de um </a:t>
+            </a:r>
+            <a:r>
+              <a:rPr lang="en-US" dirty="0" err="1" smtClean="0"/>
+              <a:t>ou</a:t>
+            </a:r>
+            <a:r>
+              <a:rPr lang="en-US" dirty="0" smtClean="0"/>
+              <a:t> </a:t>
+            </a:r>
+            <a:r>
+              <a:rPr lang="en-US" dirty="0" err="1" smtClean="0"/>
+              <a:t>mais</a:t>
+            </a:r>
+            <a:r>
+              <a:rPr lang="en-US" dirty="0" smtClean="0"/>
+              <a:t> </a:t>
+            </a:r>
+            <a:r>
+              <a:rPr lang="en-US" dirty="0" err="1" smtClean="0"/>
+              <a:t>valores</a:t>
+            </a:r>
+            <a:r>
+              <a:rPr lang="en-US" dirty="0" smtClean="0"/>
+              <a:t> (</a:t>
+            </a:r>
+            <a:r>
+              <a:rPr lang="en-US" dirty="0" err="1" smtClean="0"/>
+              <a:t>ou</a:t>
+            </a:r>
+            <a:r>
+              <a:rPr lang="en-US" dirty="0" smtClean="0"/>
+              <a:t> </a:t>
+            </a:r>
+            <a:r>
+              <a:rPr lang="en-US" dirty="0" err="1" smtClean="0"/>
+              <a:t>métricas</a:t>
+            </a:r>
+            <a:r>
+              <a:rPr lang="en-US" dirty="0" smtClean="0"/>
+              <a:t>) </a:t>
+            </a:r>
+            <a:r>
+              <a:rPr lang="en-US" dirty="0" err="1" smtClean="0"/>
+              <a:t>obtidos</a:t>
+            </a:r>
+            <a:r>
+              <a:rPr lang="en-US" dirty="0" smtClean="0"/>
+              <a:t> </a:t>
+            </a:r>
+            <a:r>
+              <a:rPr lang="en-US" dirty="0" err="1" smtClean="0"/>
+              <a:t>através</a:t>
+            </a:r>
+            <a:r>
+              <a:rPr lang="en-US" dirty="0" smtClean="0"/>
+              <a:t> das </a:t>
+            </a:r>
+            <a:r>
+              <a:rPr lang="en-US" dirty="0" err="1" smtClean="0"/>
+              <a:t>gerações</a:t>
+            </a:r>
+            <a:r>
+              <a:rPr lang="en-US" dirty="0" smtClean="0"/>
+              <a:t> </a:t>
+            </a:r>
+            <a:r>
+              <a:rPr lang="en-US" dirty="0" err="1" smtClean="0"/>
+              <a:t>criadas</a:t>
+            </a:r>
+            <a:r>
+              <a:rPr lang="en-US" dirty="0" smtClean="0"/>
+              <a:t> </a:t>
+            </a:r>
+            <a:r>
+              <a:rPr lang="en-US" dirty="0" err="1" smtClean="0"/>
+              <a:t>em</a:t>
+            </a:r>
+            <a:r>
+              <a:rPr lang="en-US" dirty="0" smtClean="0"/>
+              <a:t> </a:t>
+            </a:r>
+            <a:r>
+              <a:rPr lang="en-US" dirty="0" err="1" smtClean="0"/>
+              <a:t>uma</a:t>
+            </a:r>
+            <a:r>
+              <a:rPr lang="en-US" dirty="0" smtClean="0"/>
+              <a:t> </a:t>
+            </a:r>
+            <a:r>
+              <a:rPr lang="en-US" dirty="0" err="1" smtClean="0"/>
+              <a:t>execução</a:t>
+            </a:r>
+            <a:r>
+              <a:rPr lang="en-US" dirty="0" smtClean="0"/>
+              <a:t> do AE</a:t>
+            </a:r>
+          </a:p>
+          <a:p>
+            <a:r>
+              <a:rPr lang="en-US" dirty="0" err="1" smtClean="0"/>
+              <a:t>Pedem</a:t>
+            </a:r>
+            <a:r>
+              <a:rPr lang="en-US" dirty="0" smtClean="0"/>
+              <a:t> </a:t>
+            </a:r>
+            <a:r>
+              <a:rPr lang="en-US" dirty="0" err="1" smtClean="0"/>
+              <a:t>múltiplas</a:t>
+            </a:r>
+            <a:r>
+              <a:rPr lang="en-US" dirty="0" smtClean="0"/>
+              <a:t> </a:t>
+            </a:r>
+            <a:r>
+              <a:rPr lang="en-US" dirty="0" err="1" smtClean="0"/>
+              <a:t>execuções</a:t>
+            </a:r>
+            <a:r>
+              <a:rPr lang="en-US" dirty="0" smtClean="0"/>
+              <a:t> do AE </a:t>
+            </a:r>
+            <a:r>
+              <a:rPr lang="en-US" dirty="0" err="1" smtClean="0"/>
+              <a:t>sobre</a:t>
+            </a:r>
+            <a:r>
+              <a:rPr lang="en-US" dirty="0" smtClean="0"/>
+              <a:t> o </a:t>
+            </a:r>
+            <a:r>
+              <a:rPr lang="en-US" dirty="0" err="1" smtClean="0"/>
+              <a:t>problema</a:t>
+            </a:r>
+            <a:r>
+              <a:rPr lang="en-US" dirty="0" smtClean="0"/>
+              <a:t> (</a:t>
+            </a:r>
+            <a:r>
+              <a:rPr lang="en-US" dirty="0" err="1" smtClean="0"/>
+              <a:t>máximo</a:t>
+            </a:r>
+            <a:r>
+              <a:rPr lang="en-US" dirty="0" smtClean="0"/>
+              <a:t> de </a:t>
+            </a:r>
+            <a:r>
+              <a:rPr lang="en-US" dirty="0" err="1" smtClean="0"/>
+              <a:t>gerações</a:t>
+            </a:r>
+            <a:r>
+              <a:rPr lang="en-US" dirty="0" smtClean="0"/>
+              <a:t>)</a:t>
+            </a:r>
+          </a:p>
+          <a:p>
+            <a:r>
+              <a:rPr lang="en-US" dirty="0" err="1" smtClean="0"/>
+              <a:t>Métricas</a:t>
+            </a:r>
+            <a:r>
+              <a:rPr lang="en-US" dirty="0" smtClean="0"/>
+              <a:t> </a:t>
+            </a:r>
+            <a:r>
+              <a:rPr lang="en-US" dirty="0" err="1" smtClean="0"/>
+              <a:t>estatísticas</a:t>
+            </a:r>
+            <a:r>
+              <a:rPr lang="en-US" dirty="0" smtClean="0"/>
+              <a:t> – </a:t>
+            </a:r>
+            <a:r>
+              <a:rPr lang="en-US" dirty="0" err="1" smtClean="0"/>
+              <a:t>natureza</a:t>
+            </a:r>
+            <a:r>
+              <a:rPr lang="en-US" dirty="0" smtClean="0"/>
+              <a:t> de </a:t>
+            </a:r>
+            <a:r>
+              <a:rPr lang="en-US" dirty="0" err="1" smtClean="0"/>
+              <a:t>tentativa</a:t>
+            </a:r>
+            <a:r>
+              <a:rPr lang="en-US" dirty="0" smtClean="0"/>
+              <a:t>-e-</a:t>
+            </a:r>
+            <a:r>
+              <a:rPr lang="en-US" dirty="0" err="1" smtClean="0"/>
+              <a:t>erro</a:t>
             </a:r>
             <a:endParaRPr lang="en-US" dirty="0" smtClean="0"/>
           </a:p>
           <a:p>
             <a:r>
-              <a:rPr lang="en-US" dirty="0" smtClean="0"/>
-              <a:t>[2] A</a:t>
-            </a:r>
-            <a:r>
-              <a:rPr lang="en-US" dirty="0"/>
-              <a:t>. E. </a:t>
-            </a:r>
-            <a:r>
-              <a:rPr lang="en-US" dirty="0" err="1" smtClean="0"/>
-              <a:t>Eiben</a:t>
-            </a:r>
-            <a:r>
-              <a:rPr lang="en-US" dirty="0" smtClean="0"/>
-              <a:t>, S</a:t>
-            </a:r>
-            <a:r>
-              <a:rPr lang="en-US" dirty="0"/>
-              <a:t>. K. </a:t>
-            </a:r>
-            <a:r>
-              <a:rPr lang="en-US" dirty="0" err="1"/>
-              <a:t>Smit</a:t>
-            </a:r>
-            <a:r>
-              <a:rPr lang="en-US" dirty="0"/>
-              <a:t>. </a:t>
-            </a:r>
-            <a:r>
-              <a:rPr lang="en-US" dirty="0" smtClean="0"/>
-              <a:t>“Parameter </a:t>
-            </a:r>
-            <a:r>
-              <a:rPr lang="en-US" dirty="0"/>
-              <a:t>tuning for configuring and analyzing evolutionary </a:t>
-            </a:r>
-            <a:r>
-              <a:rPr lang="en-US" dirty="0" smtClean="0"/>
-              <a:t>algorithms”. </a:t>
-            </a:r>
-            <a:r>
-              <a:rPr lang="en-US" i="1" dirty="0"/>
-              <a:t>Swarm and Evolutionary Computation</a:t>
-            </a:r>
-            <a:r>
-              <a:rPr lang="en-US" dirty="0"/>
-              <a:t>, 1(1):19–31, 2011</a:t>
-            </a:r>
-            <a:r>
-              <a:rPr lang="en-US" dirty="0" smtClean="0"/>
-              <a:t>.</a:t>
-            </a:r>
-          </a:p>
-          <a:p>
-            <a:r>
-              <a:rPr lang="en-US" dirty="0" smtClean="0"/>
-              <a:t>[3] </a:t>
-            </a:r>
-            <a:r>
-              <a:rPr lang="en-US" dirty="0"/>
-              <a:t>P. </a:t>
-            </a:r>
-            <a:r>
-              <a:rPr lang="en-US" dirty="0" err="1"/>
-              <a:t>Giguere</a:t>
-            </a:r>
-            <a:r>
-              <a:rPr lang="en-US" dirty="0"/>
-              <a:t> and D. E. Goldberg. </a:t>
-            </a:r>
-            <a:r>
-              <a:rPr lang="en-US" dirty="0" smtClean="0"/>
-              <a:t>“Population </a:t>
-            </a:r>
-            <a:r>
-              <a:rPr lang="en-US" dirty="0"/>
-              <a:t>sizing for optimum sampling with genetic algorithms: A case study of the </a:t>
-            </a:r>
-            <a:r>
-              <a:rPr lang="en-US" dirty="0" err="1"/>
-              <a:t>onemax</a:t>
-            </a:r>
-            <a:r>
-              <a:rPr lang="en-US" dirty="0"/>
+              <a:rPr lang="en-US" dirty="0" err="1" smtClean="0"/>
+              <a:t>Mais</a:t>
+            </a:r>
+            <a:r>
+              <a:rPr lang="en-US" dirty="0" smtClean="0"/>
               <a:t> </a:t>
             </a:r>
             <a:r>
-              <a:rPr lang="en-US" dirty="0" smtClean="0"/>
-              <a:t>problem”. </a:t>
-            </a:r>
-            <a:r>
-              <a:rPr lang="en-US" i="1" dirty="0"/>
-              <a:t>Genetic Programming</a:t>
-            </a:r>
-            <a:r>
-              <a:rPr lang="en-US" dirty="0"/>
-              <a:t>, 98:496–503, 1998. </a:t>
-            </a:r>
-            <a:endParaRPr lang="en-US" dirty="0" smtClean="0"/>
-          </a:p>
-          <a:p>
-            <a:r>
-              <a:rPr lang="en-US" dirty="0" smtClean="0"/>
-              <a:t>[4] P. J. </a:t>
-            </a:r>
-            <a:r>
-              <a:rPr lang="en-US" dirty="0"/>
-              <a:t>Campbell. </a:t>
-            </a:r>
-            <a:r>
-              <a:rPr lang="en-US" dirty="0" smtClean="0"/>
-              <a:t>"Gauss </a:t>
-            </a:r>
-            <a:r>
-              <a:rPr lang="en-US" dirty="0"/>
-              <a:t>and the eight queens problem: a study in miniature of the propagation of historical </a:t>
-            </a:r>
-            <a:r>
-              <a:rPr lang="en-US" dirty="0" smtClean="0"/>
-              <a:t>error". </a:t>
-            </a:r>
-            <a:r>
-              <a:rPr lang="en-US" i="1" dirty="0" err="1"/>
-              <a:t>Historia</a:t>
-            </a:r>
-            <a:r>
-              <a:rPr lang="en-US" i="1" dirty="0"/>
+              <a:rPr lang="en-US" dirty="0" err="1" smtClean="0"/>
+              <a:t>comuns</a:t>
+            </a:r>
+            <a:r>
+              <a:rPr lang="en-US" dirty="0" smtClean="0"/>
+              <a:t>: </a:t>
+            </a:r>
+            <a:r>
+              <a:rPr lang="en-US" b="1" baseline="30000" dirty="0" smtClean="0">
+                <a:solidFill>
+                  <a:srgbClr val="0432FF"/>
+                </a:solidFill>
+              </a:rPr>
+              <a:t>[2]</a:t>
+            </a:r>
+          </a:p>
+          <a:p>
+            <a:pPr lvl="1"/>
+            <a:r>
+              <a:rPr lang="en-US" dirty="0" smtClean="0"/>
+              <a:t>Mean Best Fitness (MBF)</a:t>
+            </a:r>
+          </a:p>
+          <a:p>
+            <a:pPr lvl="1"/>
+            <a:r>
+              <a:rPr lang="en-US" dirty="0" smtClean="0"/>
+              <a:t>AES (Average number of Evaluations to Solution)</a:t>
+            </a:r>
+          </a:p>
+          <a:p>
+            <a:pPr lvl="1"/>
+            <a:r>
+              <a:rPr lang="en-US" dirty="0" smtClean="0"/>
+              <a:t>SR (Success Rate)</a:t>
+            </a:r>
+          </a:p>
+          <a:p>
+            <a:r>
+              <a:rPr lang="en-US" dirty="0" err="1" smtClean="0"/>
+              <a:t>Outras</a:t>
+            </a:r>
+            <a:r>
+              <a:rPr lang="en-US" dirty="0" smtClean="0"/>
               <a:t> </a:t>
             </a:r>
             <a:r>
-              <a:rPr lang="en-US" i="1" dirty="0" err="1"/>
-              <a:t>mathematica</a:t>
-            </a:r>
-            <a:r>
-              <a:rPr lang="en-US" dirty="0"/>
-              <a:t>, 4(4):397–404, 1977. </a:t>
-            </a:r>
-            <a:endParaRPr lang="en-US" dirty="0" smtClean="0"/>
-          </a:p>
-          <a:p>
-            <a:r>
-              <a:rPr lang="en-US" dirty="0" smtClean="0"/>
-              <a:t>[5] </a:t>
-            </a:r>
-            <a:r>
-              <a:rPr lang="en-US" dirty="0"/>
-              <a:t>A. E. </a:t>
-            </a:r>
-            <a:r>
-              <a:rPr lang="en-US" dirty="0" err="1"/>
-              <a:t>Eiben</a:t>
-            </a:r>
-            <a:r>
-              <a:rPr lang="en-US" dirty="0"/>
-              <a:t>, R. </a:t>
-            </a:r>
-            <a:r>
-              <a:rPr lang="en-US" dirty="0" err="1"/>
-              <a:t>Hinterding</a:t>
-            </a:r>
-            <a:r>
-              <a:rPr lang="en-US" dirty="0"/>
+              <a:rPr lang="en-US" dirty="0" err="1" smtClean="0"/>
+              <a:t>variáveis</a:t>
+            </a:r>
+            <a:r>
+              <a:rPr lang="en-US" dirty="0" smtClean="0"/>
+              <a:t> </a:t>
+            </a:r>
+            <a:r>
+              <a:rPr lang="en-US" dirty="0" err="1" smtClean="0"/>
+              <a:t>podem</a:t>
+            </a:r>
+            <a:r>
+              <a:rPr lang="en-US" dirty="0" smtClean="0"/>
+              <a:t> </a:t>
+            </a:r>
+            <a:r>
+              <a:rPr lang="en-US" dirty="0" err="1" smtClean="0"/>
+              <a:t>ter</a:t>
+            </a:r>
+            <a:r>
+              <a:rPr lang="en-US" dirty="0" smtClean="0"/>
+              <a:t> </a:t>
+            </a:r>
+            <a:r>
+              <a:rPr lang="en-US" dirty="0" err="1" smtClean="0"/>
+              <a:t>mais</a:t>
+            </a:r>
+            <a:r>
+              <a:rPr lang="en-US" dirty="0" smtClean="0"/>
+              <a:t> </a:t>
+            </a:r>
+            <a:r>
+              <a:rPr lang="en-US" dirty="0" err="1" smtClean="0"/>
+              <a:t>significado</a:t>
+            </a:r>
+            <a:r>
+              <a:rPr lang="en-US" dirty="0" smtClean="0"/>
+              <a:t> (</a:t>
+            </a:r>
+            <a:r>
+              <a:rPr lang="en-US" dirty="0" err="1" smtClean="0"/>
+              <a:t>mediana</a:t>
+            </a:r>
+            <a:r>
+              <a:rPr lang="en-US" dirty="0" smtClean="0"/>
               <a:t>, </a:t>
             </a:r>
             <a:r>
-              <a:rPr lang="en-US" dirty="0" smtClean="0"/>
-              <a:t>Z</a:t>
-            </a:r>
-            <a:r>
-              <a:rPr lang="en-US" dirty="0"/>
-              <a:t>. </a:t>
-            </a:r>
-            <a:r>
-              <a:rPr lang="en-US" dirty="0" err="1"/>
-              <a:t>Michalewicz</a:t>
-            </a:r>
-            <a:r>
-              <a:rPr lang="en-US" dirty="0"/>
-              <a:t>. </a:t>
-            </a:r>
-            <a:r>
-              <a:rPr lang="en-US" dirty="0" smtClean="0"/>
-              <a:t>“Parameter </a:t>
-            </a:r>
-            <a:r>
-              <a:rPr lang="en-US" dirty="0"/>
-              <a:t>control in evolutionary </a:t>
-            </a:r>
-            <a:r>
-              <a:rPr lang="en-US" dirty="0" smtClean="0"/>
-              <a:t>algorithms”. </a:t>
-            </a:r>
-            <a:r>
-              <a:rPr lang="en-US" dirty="0"/>
-              <a:t>Evolutionary Computation, </a:t>
-            </a:r>
-            <a:r>
-              <a:rPr lang="en-US" i="1" dirty="0"/>
-              <a:t>IEEE Transactions</a:t>
-            </a:r>
-            <a:r>
-              <a:rPr lang="en-US" dirty="0"/>
-              <a:t>, 3(2):124–141, 1999</a:t>
-            </a:r>
-            <a:r>
-              <a:rPr lang="en-US" dirty="0" smtClean="0"/>
-              <a:t>. </a:t>
-            </a:r>
-            <a:endParaRPr lang="en-US" dirty="0"/>
-          </a:p>
-          <a:p>
-            <a:endParaRPr lang="en-US" dirty="0"/>
-          </a:p>
-          <a:p>
-            <a:endParaRPr lang="en-US" dirty="0"/>
+              <a:rPr lang="en-US" dirty="0" err="1" smtClean="0"/>
+              <a:t>melhor</a:t>
+            </a:r>
+            <a:r>
+              <a:rPr lang="en-US" dirty="0" smtClean="0"/>
+              <a:t> fitness, </a:t>
+            </a:r>
+            <a:r>
+              <a:rPr lang="en-US" dirty="0" err="1" smtClean="0"/>
+              <a:t>etc</a:t>
+            </a:r>
+            <a:r>
+              <a:rPr lang="en-US" dirty="0" smtClean="0"/>
+              <a:t>)</a:t>
+            </a:r>
           </a:p>
           <a:p>
             <a:endParaRPr lang="en-US" dirty="0"/>
@@ -15626,7 +16126,7 @@
     </p:spTree>
     <p:extLst>
       <p:ext uri="{BB962C8B-B14F-4D97-AF65-F5344CB8AC3E}">
-        <p14:creationId xmlns:p14="http://schemas.microsoft.com/office/powerpoint/2010/main" val="530941430"/>
+        <p14:creationId xmlns:p14="http://schemas.microsoft.com/office/powerpoint/2010/main" val="2001263119"/>
       </p:ext>
     </p:extLst>
   </p:cSld>
@@ -15677,7 +16177,11 @@
           <a:p>
             <a:r>
               <a:rPr lang="en-US" dirty="0" err="1" smtClean="0"/>
-              <a:t>Referências</a:t>
+              <a:t>Objetivos</a:t>
+            </a:r>
+            <a:r>
+              <a:rPr lang="en-US" dirty="0" smtClean="0"/>
+              <a:t> do TG</a:t>
             </a:r>
             <a:endParaRPr lang="en-US" dirty="0"/>
           </a:p>
@@ -15699,104 +16203,126 @@
           <a:lstStyle/>
           <a:p>
             <a:r>
-              <a:rPr lang="en-US" dirty="0" smtClean="0"/>
-              <a:t>[6] </a:t>
+              <a:rPr lang="en-US" dirty="0" err="1" smtClean="0"/>
+              <a:t>Implementar</a:t>
+            </a:r>
+            <a:r>
+              <a:rPr lang="en-US" dirty="0" smtClean="0"/>
+              <a:t> um </a:t>
+            </a:r>
+            <a:r>
+              <a:rPr lang="en-US" dirty="0" err="1" smtClean="0"/>
+              <a:t>algoritmo</a:t>
+            </a:r>
+            <a:r>
+              <a:rPr lang="en-US" dirty="0" smtClean="0"/>
+              <a:t> </a:t>
+            </a:r>
+            <a:r>
+              <a:rPr lang="en-US" dirty="0" err="1" smtClean="0"/>
+              <a:t>evolutivo</a:t>
+            </a:r>
+            <a:r>
+              <a:rPr lang="en-US" dirty="0" smtClean="0"/>
+              <a:t> (AE)</a:t>
+            </a:r>
+          </a:p>
+          <a:p>
+            <a:r>
+              <a:rPr lang="en-US" dirty="0" err="1" smtClean="0"/>
+              <a:t>Implementar</a:t>
+            </a:r>
+            <a:r>
+              <a:rPr lang="en-US" dirty="0" smtClean="0"/>
+              <a:t> </a:t>
+            </a:r>
+            <a:r>
+              <a:rPr lang="en-US" dirty="0" err="1" smtClean="0"/>
+              <a:t>problemas</a:t>
             </a:r>
             <a:r>
               <a:rPr lang="en-US" dirty="0"/>
-              <a:t>K. S. </a:t>
-            </a:r>
-            <a:r>
-              <a:rPr lang="en-US" dirty="0" err="1" smtClean="0"/>
-              <a:t>Smit</a:t>
-            </a:r>
-            <a:r>
-              <a:rPr lang="en-US" dirty="0" smtClean="0"/>
-              <a:t>, A</a:t>
-            </a:r>
-            <a:r>
-              <a:rPr lang="en-US" dirty="0"/>
-              <a:t>. E. </a:t>
-            </a:r>
-            <a:r>
-              <a:rPr lang="en-US" dirty="0" err="1"/>
-              <a:t>Eiben</a:t>
-            </a:r>
-            <a:r>
-              <a:rPr lang="en-US" dirty="0"/>
-              <a:t>. </a:t>
-            </a:r>
-            <a:r>
-              <a:rPr lang="en-US" dirty="0" smtClean="0"/>
-              <a:t>“Comparing </a:t>
-            </a:r>
-            <a:r>
-              <a:rPr lang="en-US" dirty="0"/>
-              <a:t>parameter tuning methods for evolutionary </a:t>
-            </a:r>
-            <a:r>
-              <a:rPr lang="en-US" dirty="0" smtClean="0"/>
-              <a:t>algorithms”. </a:t>
-            </a:r>
-            <a:r>
-              <a:rPr lang="en-US" dirty="0"/>
-              <a:t>In Evolutionary Computation, 2009. CEC’09. </a:t>
-            </a:r>
-            <a:r>
-              <a:rPr lang="en-US" i="1" dirty="0"/>
-              <a:t>IEEE Congress</a:t>
-            </a:r>
-            <a:r>
-              <a:rPr lang="en-US" dirty="0"/>
-              <a:t>, pages 399–406. IEEE, 2009. </a:t>
-            </a:r>
-            <a:endParaRPr lang="en-US" dirty="0" smtClean="0"/>
-          </a:p>
-          <a:p>
-            <a:r>
-              <a:rPr lang="en-US" dirty="0" smtClean="0"/>
-              <a:t>[7] N. </a:t>
-            </a:r>
-            <a:r>
-              <a:rPr lang="en-US" dirty="0"/>
-              <a:t>Hansen. </a:t>
-            </a:r>
-            <a:r>
-              <a:rPr lang="en-US" dirty="0" smtClean="0"/>
-              <a:t>“The CMA evolution </a:t>
-            </a:r>
-            <a:r>
-              <a:rPr lang="en-US" dirty="0"/>
-              <a:t>strategy: a comparing </a:t>
-            </a:r>
-            <a:r>
-              <a:rPr lang="en-US" dirty="0" smtClean="0"/>
-              <a:t>review”. </a:t>
-            </a:r>
-            <a:r>
-              <a:rPr lang="en-US" dirty="0"/>
-              <a:t>In </a:t>
-            </a:r>
-            <a:r>
-              <a:rPr lang="en-US" i="1" dirty="0"/>
-              <a:t>Towards a new evolutionary computation</a:t>
-            </a:r>
-            <a:r>
-              <a:rPr lang="en-US" dirty="0"/>
-              <a:t>, pages 75–102. Springer, 2006. </a:t>
-            </a:r>
-          </a:p>
-          <a:p>
-            <a:endParaRPr lang="en-US" dirty="0"/>
-          </a:p>
-          <a:p>
+              <a:t> </a:t>
+            </a:r>
+            <a:r>
+              <a:rPr lang="en-US" dirty="0" err="1" smtClean="0"/>
+              <a:t>compatíveis</a:t>
+            </a:r>
+            <a:r>
+              <a:rPr lang="en-US" dirty="0" smtClean="0"/>
+              <a:t> com </a:t>
+            </a:r>
+            <a:r>
+              <a:rPr lang="en-US" dirty="0" err="1" smtClean="0"/>
+              <a:t>este</a:t>
+            </a:r>
+            <a:r>
+              <a:rPr lang="en-US" dirty="0" smtClean="0"/>
+              <a:t> AE</a:t>
+            </a:r>
+          </a:p>
+          <a:p>
+            <a:r>
+              <a:rPr lang="en-US" dirty="0" err="1" smtClean="0"/>
+              <a:t>Otimizar</a:t>
+            </a:r>
+            <a:r>
+              <a:rPr lang="en-US" dirty="0" smtClean="0"/>
+              <a:t> o AE</a:t>
+            </a:r>
+          </a:p>
+          <a:p>
+            <a:r>
+              <a:rPr lang="en-US" dirty="0" err="1" smtClean="0"/>
+              <a:t>Analisar</a:t>
+            </a:r>
+            <a:r>
+              <a:rPr lang="en-US" dirty="0" smtClean="0"/>
+              <a:t> as </a:t>
+            </a:r>
+            <a:r>
+              <a:rPr lang="en-US" dirty="0" err="1" smtClean="0"/>
+              <a:t>soluções</a:t>
+            </a:r>
+            <a:r>
+              <a:rPr lang="en-US" dirty="0" smtClean="0"/>
+              <a:t> </a:t>
+            </a:r>
+            <a:r>
+              <a:rPr lang="en-US" dirty="0" err="1" smtClean="0"/>
+              <a:t>obtidas</a:t>
+            </a:r>
+            <a:r>
+              <a:rPr lang="en-US" dirty="0" smtClean="0"/>
+              <a:t> </a:t>
+            </a:r>
+            <a:r>
+              <a:rPr lang="en-US" dirty="0" err="1" smtClean="0"/>
+              <a:t>pelo</a:t>
+            </a:r>
+            <a:r>
+              <a:rPr lang="en-US" dirty="0" smtClean="0"/>
+              <a:t> AE para </a:t>
+            </a:r>
+            <a:r>
+              <a:rPr lang="en-US" dirty="0" err="1" smtClean="0"/>
+              <a:t>os</a:t>
+            </a:r>
+            <a:r>
+              <a:rPr lang="en-US" dirty="0" smtClean="0"/>
+              <a:t> </a:t>
+            </a:r>
+            <a:r>
+              <a:rPr lang="en-US" dirty="0" err="1" smtClean="0"/>
+              <a:t>problemas</a:t>
+            </a:r>
             <a:endParaRPr lang="en-US" dirty="0"/>
           </a:p>
         </p:txBody>
       </p:sp>
       <p:sp>
         <p:nvSpPr>
-          <p:cNvPr id="4" name="Slide Number Placeholder 3"/>
+          <p:cNvPr id="5" name="Slide Number Placeholder 4"/>
           <p:cNvSpPr>
             <a:spLocks noGrp="1"/>
           </p:cNvSpPr>
@@ -15820,7 +16346,722 @@
     </p:spTree>
     <p:extLst>
       <p:ext uri="{BB962C8B-B14F-4D97-AF65-F5344CB8AC3E}">
-        <p14:creationId xmlns:p14="http://schemas.microsoft.com/office/powerpoint/2010/main" val="2080831962"/>
+        <p14:creationId xmlns:p14="http://schemas.microsoft.com/office/powerpoint/2010/main" val="537306771"/>
+      </p:ext>
+    </p:extLst>
+  </p:cSld>
+  <p:clrMapOvr>
+    <a:masterClrMapping/>
+  </p:clrMapOvr>
+  <p:timing>
+    <p:tnLst>
+      <p:par>
+        <p:cTn id="1" dur="indefinite" restart="never" nodeType="tmRoot"/>
+      </p:par>
+    </p:tnLst>
+  </p:timing>
+</p:sld>
+</file>
+
+<file path=ppt/slides/slide18.xml><?xml version="1.0" encoding="utf-8"?>
+<p:sld xmlns:a="http://schemas.openxmlformats.org/drawingml/2006/main" xmlns:r="http://schemas.openxmlformats.org/officeDocument/2006/relationships" xmlns:p="http://schemas.openxmlformats.org/presentationml/2006/main">
+  <p:cSld>
+    <p:spTree>
+      <p:nvGrpSpPr>
+        <p:cNvPr id="1" name=""/>
+        <p:cNvGrpSpPr/>
+        <p:nvPr/>
+      </p:nvGrpSpPr>
+      <p:grpSpPr>
+        <a:xfrm>
+          <a:off x="0" y="0"/>
+          <a:ext cx="0" cy="0"/>
+          <a:chOff x="0" y="0"/>
+          <a:chExt cx="0" cy="0"/>
+        </a:xfrm>
+      </p:grpSpPr>
+      <p:sp>
+        <p:nvSpPr>
+          <p:cNvPr id="2" name="Title 1"/>
+          <p:cNvSpPr>
+            <a:spLocks noGrp="1"/>
+          </p:cNvSpPr>
+          <p:nvPr>
+            <p:ph type="title"/>
+          </p:nvPr>
+        </p:nvSpPr>
+        <p:spPr/>
+        <p:txBody>
+          <a:bodyPr/>
+          <a:lstStyle/>
+          <a:p>
+            <a:r>
+              <a:rPr lang="en-US" dirty="0" err="1" smtClean="0"/>
+              <a:t>Desenvolvimento</a:t>
+            </a:r>
+            <a:r>
+              <a:rPr lang="en-US" dirty="0" smtClean="0"/>
+              <a:t> </a:t>
+            </a:r>
+            <a:r>
+              <a:rPr lang="en-US" dirty="0" err="1" smtClean="0"/>
+              <a:t>previsto</a:t>
+            </a:r>
+            <a:endParaRPr lang="en-US" dirty="0"/>
+          </a:p>
+        </p:txBody>
+      </p:sp>
+      <p:sp>
+        <p:nvSpPr>
+          <p:cNvPr id="3" name="Content Placeholder 2"/>
+          <p:cNvSpPr>
+            <a:spLocks noGrp="1"/>
+          </p:cNvSpPr>
+          <p:nvPr>
+            <p:ph idx="1"/>
+          </p:nvPr>
+        </p:nvSpPr>
+        <p:spPr/>
+        <p:txBody>
+          <a:bodyPr/>
+          <a:lstStyle/>
+          <a:p>
+            <a:r>
+              <a:rPr lang="en-US" dirty="0" err="1" smtClean="0"/>
+              <a:t>Implementação</a:t>
+            </a:r>
+            <a:r>
+              <a:rPr lang="en-US" dirty="0" smtClean="0"/>
+              <a:t> do AE e de </a:t>
+            </a:r>
+            <a:r>
+              <a:rPr lang="en-US" dirty="0" err="1" smtClean="0"/>
+              <a:t>seus</a:t>
+            </a:r>
+            <a:r>
+              <a:rPr lang="en-US" dirty="0" smtClean="0"/>
+              <a:t> </a:t>
+            </a:r>
+            <a:r>
+              <a:rPr lang="en-US" dirty="0" err="1" smtClean="0"/>
+              <a:t>algoritmos</a:t>
+            </a:r>
+            <a:r>
+              <a:rPr lang="en-US" dirty="0" smtClean="0"/>
+              <a:t> de </a:t>
+            </a:r>
+            <a:r>
+              <a:rPr lang="en-US" dirty="0" err="1" smtClean="0"/>
+              <a:t>variação</a:t>
+            </a:r>
+            <a:r>
+              <a:rPr lang="en-US" dirty="0" smtClean="0"/>
+              <a:t> e </a:t>
+            </a:r>
+            <a:r>
+              <a:rPr lang="en-US" dirty="0" err="1" smtClean="0"/>
+              <a:t>seleção</a:t>
+            </a:r>
+            <a:endParaRPr lang="en-US" dirty="0"/>
+          </a:p>
+          <a:p>
+            <a:r>
+              <a:rPr lang="en-US" dirty="0" err="1" smtClean="0"/>
+              <a:t>Implementação</a:t>
+            </a:r>
+            <a:r>
+              <a:rPr lang="en-US" dirty="0" smtClean="0"/>
+              <a:t> dos </a:t>
+            </a:r>
+            <a:r>
+              <a:rPr lang="en-US" dirty="0" err="1" smtClean="0"/>
+              <a:t>problemas</a:t>
+            </a:r>
+            <a:r>
+              <a:rPr lang="en-US" dirty="0" smtClean="0"/>
+              <a:t> e de </a:t>
+            </a:r>
+            <a:r>
+              <a:rPr lang="en-US" dirty="0" err="1" smtClean="0"/>
+              <a:t>suas</a:t>
+            </a:r>
+            <a:r>
+              <a:rPr lang="en-US" dirty="0" smtClean="0"/>
+              <a:t> </a:t>
+            </a:r>
+            <a:r>
+              <a:rPr lang="en-US" dirty="0" err="1" smtClean="0"/>
+              <a:t>funções</a:t>
+            </a:r>
+            <a:r>
+              <a:rPr lang="en-US" dirty="0" smtClean="0"/>
+              <a:t> de fitness</a:t>
+            </a:r>
+          </a:p>
+          <a:p>
+            <a:r>
+              <a:rPr lang="en-US" dirty="0" err="1" smtClean="0"/>
+              <a:t>Implementação</a:t>
+            </a:r>
+            <a:r>
+              <a:rPr lang="en-US" dirty="0" smtClean="0"/>
+              <a:t> do </a:t>
+            </a:r>
+            <a:r>
+              <a:rPr lang="en-US" dirty="0" err="1" smtClean="0"/>
+              <a:t>algoritmo</a:t>
+            </a:r>
+            <a:r>
+              <a:rPr lang="en-US" dirty="0" smtClean="0"/>
+              <a:t> CMA-ES para tuning do AE </a:t>
+            </a:r>
+            <a:r>
+              <a:rPr lang="en-US" dirty="0" err="1" smtClean="0"/>
+              <a:t>sobre</a:t>
+            </a:r>
+            <a:r>
+              <a:rPr lang="en-US" dirty="0" smtClean="0"/>
+              <a:t> </a:t>
+            </a:r>
+            <a:r>
+              <a:rPr lang="en-US" dirty="0" err="1" smtClean="0"/>
+              <a:t>os</a:t>
+            </a:r>
+            <a:r>
+              <a:rPr lang="en-US" dirty="0" smtClean="0"/>
+              <a:t> </a:t>
+            </a:r>
+            <a:r>
+              <a:rPr lang="en-US" dirty="0" err="1" smtClean="0"/>
+              <a:t>problemas</a:t>
+            </a:r>
+            <a:endParaRPr lang="en-US" dirty="0" smtClean="0"/>
+          </a:p>
+          <a:p>
+            <a:r>
+              <a:rPr lang="en-US" dirty="0" err="1" smtClean="0"/>
+              <a:t>Definição</a:t>
+            </a:r>
+            <a:r>
+              <a:rPr lang="en-US" dirty="0" smtClean="0"/>
+              <a:t> e </a:t>
+            </a:r>
+            <a:r>
+              <a:rPr lang="en-US" dirty="0" err="1" smtClean="0"/>
+              <a:t>implementação</a:t>
+            </a:r>
+            <a:r>
+              <a:rPr lang="en-US" dirty="0" smtClean="0"/>
+              <a:t> da </a:t>
+            </a:r>
+            <a:r>
+              <a:rPr lang="en-US" dirty="0" err="1" smtClean="0"/>
+              <a:t>função</a:t>
+            </a:r>
+            <a:r>
+              <a:rPr lang="en-US" dirty="0" smtClean="0"/>
+              <a:t> </a:t>
+            </a:r>
+            <a:r>
+              <a:rPr lang="en-US" dirty="0" err="1" smtClean="0"/>
+              <a:t>utilidade</a:t>
+            </a:r>
+            <a:endParaRPr lang="en-US" dirty="0"/>
+          </a:p>
+          <a:p>
+            <a:r>
+              <a:rPr lang="en-US" dirty="0" err="1" smtClean="0"/>
+              <a:t>Execução</a:t>
+            </a:r>
+            <a:r>
+              <a:rPr lang="en-US" dirty="0" smtClean="0"/>
+              <a:t> </a:t>
+            </a:r>
+            <a:r>
+              <a:rPr lang="en-US" dirty="0" err="1" smtClean="0"/>
+              <a:t>contínua</a:t>
+            </a:r>
+            <a:r>
+              <a:rPr lang="en-US" dirty="0" smtClean="0"/>
+              <a:t> do AE </a:t>
+            </a:r>
+            <a:r>
+              <a:rPr lang="en-US" dirty="0" err="1" smtClean="0"/>
+              <a:t>pós</a:t>
+            </a:r>
+            <a:r>
+              <a:rPr lang="en-US" dirty="0" smtClean="0"/>
+              <a:t>-tuning e </a:t>
+            </a:r>
+            <a:r>
+              <a:rPr lang="en-US" dirty="0" err="1" smtClean="0"/>
+              <a:t>análise</a:t>
+            </a:r>
+            <a:r>
+              <a:rPr lang="en-US" dirty="0" smtClean="0"/>
+              <a:t> dos </a:t>
+            </a:r>
+            <a:r>
+              <a:rPr lang="en-US" dirty="0" err="1" smtClean="0"/>
+              <a:t>valores</a:t>
+            </a:r>
+            <a:r>
+              <a:rPr lang="en-US" dirty="0" smtClean="0"/>
+              <a:t> da </a:t>
+            </a:r>
+            <a:r>
+              <a:rPr lang="en-US" dirty="0" err="1" smtClean="0"/>
+              <a:t>função</a:t>
+            </a:r>
+            <a:r>
+              <a:rPr lang="en-US" dirty="0" smtClean="0"/>
+              <a:t> </a:t>
+            </a:r>
+            <a:r>
+              <a:rPr lang="en-US" dirty="0" err="1" smtClean="0"/>
+              <a:t>utilidade</a:t>
+            </a:r>
+            <a:endParaRPr lang="en-US" dirty="0" smtClean="0"/>
+          </a:p>
+          <a:p>
+            <a:pPr marL="0" indent="0">
+              <a:buNone/>
+            </a:pPr>
+            <a:endParaRPr lang="en-US" dirty="0"/>
+          </a:p>
+          <a:p>
+            <a:r>
+              <a:rPr lang="en-US" dirty="0" err="1" smtClean="0"/>
+              <a:t>Nesta</a:t>
+            </a:r>
+            <a:r>
+              <a:rPr lang="en-US" dirty="0" smtClean="0"/>
+              <a:t> </a:t>
+            </a:r>
+            <a:r>
+              <a:rPr lang="en-US" dirty="0" err="1" smtClean="0"/>
+              <a:t>ordem</a:t>
+            </a:r>
+            <a:endParaRPr lang="en-US" dirty="0"/>
+          </a:p>
+        </p:txBody>
+      </p:sp>
+      <p:sp>
+        <p:nvSpPr>
+          <p:cNvPr id="5" name="Slide Number Placeholder 4"/>
+          <p:cNvSpPr>
+            <a:spLocks noGrp="1"/>
+          </p:cNvSpPr>
+          <p:nvPr>
+            <p:ph type="sldNum" sz="quarter" idx="12"/>
+          </p:nvPr>
+        </p:nvSpPr>
+        <p:spPr/>
+        <p:txBody>
+          <a:bodyPr/>
+          <a:lstStyle/>
+          <a:p>
+            <a:fld id="{55774153-6BEA-8641-B7A1-86CE42693FE2}" type="slidenum">
+              <a:rPr lang="en-US" smtClean="0"/>
+              <a:t>17</a:t>
+            </a:fld>
+            <a:endParaRPr lang="en-US"/>
+          </a:p>
+        </p:txBody>
+      </p:sp>
+    </p:spTree>
+    <p:extLst>
+      <p:ext uri="{BB962C8B-B14F-4D97-AF65-F5344CB8AC3E}">
+        <p14:creationId xmlns:p14="http://schemas.microsoft.com/office/powerpoint/2010/main" val="2114913759"/>
+      </p:ext>
+    </p:extLst>
+  </p:cSld>
+  <p:clrMapOvr>
+    <a:masterClrMapping/>
+  </p:clrMapOvr>
+  <p:timing>
+    <p:tnLst>
+      <p:par>
+        <p:cTn id="1" dur="indefinite" restart="never" nodeType="tmRoot"/>
+      </p:par>
+    </p:tnLst>
+  </p:timing>
+</p:sld>
+</file>
+
+<file path=ppt/slides/slide19.xml><?xml version="1.0" encoding="utf-8"?>
+<p:sld xmlns:a="http://schemas.openxmlformats.org/drawingml/2006/main" xmlns:r="http://schemas.openxmlformats.org/officeDocument/2006/relationships" xmlns:p="http://schemas.openxmlformats.org/presentationml/2006/main">
+  <p:cSld>
+    <p:spTree>
+      <p:nvGrpSpPr>
+        <p:cNvPr id="1" name=""/>
+        <p:cNvGrpSpPr/>
+        <p:nvPr/>
+      </p:nvGrpSpPr>
+      <p:grpSpPr>
+        <a:xfrm>
+          <a:off x="0" y="0"/>
+          <a:ext cx="0" cy="0"/>
+          <a:chOff x="0" y="0"/>
+          <a:chExt cx="0" cy="0"/>
+        </a:xfrm>
+      </p:grpSpPr>
+      <p:sp>
+        <p:nvSpPr>
+          <p:cNvPr id="2" name="Title 1"/>
+          <p:cNvSpPr>
+            <a:spLocks noGrp="1"/>
+          </p:cNvSpPr>
+          <p:nvPr>
+            <p:ph type="title"/>
+          </p:nvPr>
+        </p:nvSpPr>
+        <p:spPr/>
+        <p:txBody>
+          <a:bodyPr/>
+          <a:lstStyle/>
+          <a:p>
+            <a:r>
+              <a:rPr lang="en-US" dirty="0" err="1" smtClean="0"/>
+              <a:t>Referências</a:t>
+            </a:r>
+            <a:endParaRPr lang="en-US" dirty="0"/>
+          </a:p>
+        </p:txBody>
+      </p:sp>
+      <p:sp>
+        <p:nvSpPr>
+          <p:cNvPr id="3" name="Content Placeholder 2"/>
+          <p:cNvSpPr>
+            <a:spLocks noGrp="1"/>
+          </p:cNvSpPr>
+          <p:nvPr>
+            <p:ph idx="1"/>
+          </p:nvPr>
+        </p:nvSpPr>
+        <p:spPr>
+          <a:xfrm>
+            <a:off x="1154954" y="2603500"/>
+            <a:ext cx="8825659" cy="4102100"/>
+          </a:xfrm>
+        </p:spPr>
+        <p:txBody>
+          <a:bodyPr>
+            <a:normAutofit lnSpcReduction="10000"/>
+          </a:bodyPr>
+          <a:lstStyle/>
+          <a:p>
+            <a:r>
+              <a:rPr lang="en-US" dirty="0" smtClean="0"/>
+              <a:t>[1] </a:t>
+            </a:r>
+            <a:r>
+              <a:rPr lang="en-US" dirty="0"/>
+              <a:t>A. E. </a:t>
+            </a:r>
+            <a:r>
+              <a:rPr lang="en-US" dirty="0" err="1" smtClean="0"/>
+              <a:t>Eiben</a:t>
+            </a:r>
+            <a:r>
+              <a:rPr lang="en-US" dirty="0" smtClean="0"/>
+              <a:t>, J</a:t>
+            </a:r>
+            <a:r>
+              <a:rPr lang="en-US" dirty="0"/>
+              <a:t>. E. Smith. </a:t>
+            </a:r>
+            <a:r>
+              <a:rPr lang="en-US" dirty="0" smtClean="0"/>
+              <a:t>“</a:t>
+            </a:r>
+            <a:r>
+              <a:rPr lang="en-US" i="1" dirty="0" smtClean="0"/>
+              <a:t>Introduction </a:t>
+            </a:r>
+            <a:r>
+              <a:rPr lang="en-US" i="1" dirty="0"/>
+              <a:t>To Evolutionary </a:t>
+            </a:r>
+            <a:r>
+              <a:rPr lang="en-US" i="1" dirty="0" smtClean="0"/>
+              <a:t>Computing”</a:t>
+            </a:r>
+            <a:r>
+              <a:rPr lang="en-US" dirty="0" smtClean="0"/>
+              <a:t>. </a:t>
+            </a:r>
+            <a:r>
+              <a:rPr lang="en-US" dirty="0"/>
+              <a:t>V</a:t>
+            </a:r>
+            <a:r>
+              <a:rPr lang="en-US" dirty="0" smtClean="0"/>
+              <a:t>olume 53. </a:t>
+            </a:r>
+            <a:r>
+              <a:rPr lang="en-US" dirty="0"/>
+              <a:t>Springer-</a:t>
+            </a:r>
+            <a:r>
+              <a:rPr lang="en-US" dirty="0" err="1"/>
+              <a:t>Verlag</a:t>
+            </a:r>
+            <a:r>
+              <a:rPr lang="en-US" dirty="0"/>
+              <a:t>, 2003. </a:t>
+            </a:r>
+            <a:endParaRPr lang="en-US" dirty="0" smtClean="0"/>
+          </a:p>
+          <a:p>
+            <a:r>
+              <a:rPr lang="en-US" dirty="0" smtClean="0"/>
+              <a:t>[2] A</a:t>
+            </a:r>
+            <a:r>
+              <a:rPr lang="en-US" dirty="0"/>
+              <a:t>. E. </a:t>
+            </a:r>
+            <a:r>
+              <a:rPr lang="en-US" dirty="0" err="1" smtClean="0"/>
+              <a:t>Eiben</a:t>
+            </a:r>
+            <a:r>
+              <a:rPr lang="en-US" dirty="0" smtClean="0"/>
+              <a:t>, S</a:t>
+            </a:r>
+            <a:r>
+              <a:rPr lang="en-US" dirty="0"/>
+              <a:t>. K. </a:t>
+            </a:r>
+            <a:r>
+              <a:rPr lang="en-US" dirty="0" err="1"/>
+              <a:t>Smit</a:t>
+            </a:r>
+            <a:r>
+              <a:rPr lang="en-US" dirty="0"/>
+              <a:t>. </a:t>
+            </a:r>
+            <a:r>
+              <a:rPr lang="en-US" dirty="0" smtClean="0"/>
+              <a:t>“Parameter </a:t>
+            </a:r>
+            <a:r>
+              <a:rPr lang="en-US" dirty="0"/>
+              <a:t>tuning for configuring and analyzing evolutionary </a:t>
+            </a:r>
+            <a:r>
+              <a:rPr lang="en-US" dirty="0" smtClean="0"/>
+              <a:t>algorithms”. </a:t>
+            </a:r>
+            <a:r>
+              <a:rPr lang="en-US" i="1" dirty="0"/>
+              <a:t>Swarm and Evolutionary Computation</a:t>
+            </a:r>
+            <a:r>
+              <a:rPr lang="en-US" dirty="0"/>
+              <a:t>, 1(1):19–31, 2011</a:t>
+            </a:r>
+            <a:r>
+              <a:rPr lang="en-US" dirty="0" smtClean="0"/>
+              <a:t>.</a:t>
+            </a:r>
+          </a:p>
+          <a:p>
+            <a:r>
+              <a:rPr lang="en-US" dirty="0" smtClean="0"/>
+              <a:t>[3] </a:t>
+            </a:r>
+            <a:r>
+              <a:rPr lang="en-US" dirty="0"/>
+              <a:t>P. </a:t>
+            </a:r>
+            <a:r>
+              <a:rPr lang="en-US" dirty="0" err="1"/>
+              <a:t>Giguere</a:t>
+            </a:r>
+            <a:r>
+              <a:rPr lang="en-US" dirty="0"/>
+              <a:t> and D. E. Goldberg. </a:t>
+            </a:r>
+            <a:r>
+              <a:rPr lang="en-US" dirty="0" smtClean="0"/>
+              <a:t>“Population </a:t>
+            </a:r>
+            <a:r>
+              <a:rPr lang="en-US" dirty="0"/>
+              <a:t>sizing for optimum sampling with genetic algorithms: A case study of the </a:t>
+            </a:r>
+            <a:r>
+              <a:rPr lang="en-US" dirty="0" err="1"/>
+              <a:t>onemax</a:t>
+            </a:r>
+            <a:r>
+              <a:rPr lang="en-US" dirty="0"/>
+              <a:t> </a:t>
+            </a:r>
+            <a:r>
+              <a:rPr lang="en-US" dirty="0" smtClean="0"/>
+              <a:t>problem”. </a:t>
+            </a:r>
+            <a:r>
+              <a:rPr lang="en-US" i="1" dirty="0"/>
+              <a:t>Genetic Programming</a:t>
+            </a:r>
+            <a:r>
+              <a:rPr lang="en-US" dirty="0"/>
+              <a:t>, 98:496–503, 1998. </a:t>
+            </a:r>
+            <a:endParaRPr lang="en-US" dirty="0" smtClean="0"/>
+          </a:p>
+          <a:p>
+            <a:r>
+              <a:rPr lang="en-US" dirty="0" smtClean="0"/>
+              <a:t>[4] P. J. </a:t>
+            </a:r>
+            <a:r>
+              <a:rPr lang="en-US" dirty="0"/>
+              <a:t>Campbell. </a:t>
+            </a:r>
+            <a:r>
+              <a:rPr lang="en-US" dirty="0" smtClean="0"/>
+              <a:t>"Gauss </a:t>
+            </a:r>
+            <a:r>
+              <a:rPr lang="en-US" dirty="0"/>
+              <a:t>and the eight queens problem: a study in miniature of the propagation of historical </a:t>
+            </a:r>
+            <a:r>
+              <a:rPr lang="en-US" dirty="0" smtClean="0"/>
+              <a:t>error". </a:t>
+            </a:r>
+            <a:r>
+              <a:rPr lang="en-US" i="1" dirty="0" err="1"/>
+              <a:t>Historia</a:t>
+            </a:r>
+            <a:r>
+              <a:rPr lang="en-US" i="1" dirty="0"/>
+              <a:t> </a:t>
+            </a:r>
+            <a:r>
+              <a:rPr lang="en-US" i="1" dirty="0" err="1"/>
+              <a:t>mathematica</a:t>
+            </a:r>
+            <a:r>
+              <a:rPr lang="en-US" dirty="0"/>
+              <a:t>, 4(4):397–404, 1977. </a:t>
+            </a:r>
+            <a:endParaRPr lang="en-US" dirty="0" smtClean="0"/>
+          </a:p>
+          <a:p>
+            <a:r>
+              <a:rPr lang="en-US" dirty="0" smtClean="0"/>
+              <a:t>[5] </a:t>
+            </a:r>
+            <a:r>
+              <a:rPr lang="en-US" dirty="0"/>
+              <a:t>A. E. </a:t>
+            </a:r>
+            <a:r>
+              <a:rPr lang="en-US" dirty="0" err="1"/>
+              <a:t>Eiben</a:t>
+            </a:r>
+            <a:r>
+              <a:rPr lang="en-US" dirty="0"/>
+              <a:t>, R. </a:t>
+            </a:r>
+            <a:r>
+              <a:rPr lang="en-US" dirty="0" err="1"/>
+              <a:t>Hinterding</a:t>
+            </a:r>
+            <a:r>
+              <a:rPr lang="en-US" dirty="0"/>
+              <a:t>, </a:t>
+            </a:r>
+            <a:r>
+              <a:rPr lang="en-US" dirty="0" smtClean="0"/>
+              <a:t>Z</a:t>
+            </a:r>
+            <a:r>
+              <a:rPr lang="en-US" dirty="0"/>
+              <a:t>. </a:t>
+            </a:r>
+            <a:r>
+              <a:rPr lang="en-US" dirty="0" err="1"/>
+              <a:t>Michalewicz</a:t>
+            </a:r>
+            <a:r>
+              <a:rPr lang="en-US" dirty="0"/>
+              <a:t>. </a:t>
+            </a:r>
+            <a:r>
+              <a:rPr lang="en-US" dirty="0" smtClean="0"/>
+              <a:t>“Parameter </a:t>
+            </a:r>
+            <a:r>
+              <a:rPr lang="en-US" dirty="0"/>
+              <a:t>control in evolutionary </a:t>
+            </a:r>
+            <a:r>
+              <a:rPr lang="en-US" dirty="0" smtClean="0"/>
+              <a:t>algorithms”. </a:t>
+            </a:r>
+            <a:r>
+              <a:rPr lang="en-US" dirty="0"/>
+              <a:t>Evolutionary Computation, </a:t>
+            </a:r>
+            <a:r>
+              <a:rPr lang="en-US" i="1" dirty="0"/>
+              <a:t>IEEE Transactions</a:t>
+            </a:r>
+            <a:r>
+              <a:rPr lang="en-US" dirty="0"/>
+              <a:t>, 3(2):124–141, 1999</a:t>
+            </a:r>
+            <a:r>
+              <a:rPr lang="en-US" dirty="0" smtClean="0"/>
+              <a:t>. </a:t>
+            </a:r>
+            <a:endParaRPr lang="en-US" dirty="0"/>
+          </a:p>
+          <a:p>
+            <a:endParaRPr lang="en-US" dirty="0"/>
+          </a:p>
+          <a:p>
+            <a:endParaRPr lang="en-US" dirty="0"/>
+          </a:p>
+          <a:p>
+            <a:endParaRPr lang="en-US" dirty="0"/>
+          </a:p>
+        </p:txBody>
+      </p:sp>
+      <p:sp>
+        <p:nvSpPr>
+          <p:cNvPr id="5" name="Slide Number Placeholder 4"/>
+          <p:cNvSpPr>
+            <a:spLocks noGrp="1"/>
+          </p:cNvSpPr>
+          <p:nvPr>
+            <p:ph type="sldNum" sz="quarter" idx="12"/>
+          </p:nvPr>
+        </p:nvSpPr>
+        <p:spPr/>
+        <p:txBody>
+          <a:bodyPr/>
+          <a:lstStyle/>
+          <a:p>
+            <a:fld id="{55774153-6BEA-8641-B7A1-86CE42693FE2}" type="slidenum">
+              <a:rPr lang="en-US" smtClean="0"/>
+              <a:t>18</a:t>
+            </a:fld>
+            <a:endParaRPr lang="en-US"/>
+          </a:p>
+        </p:txBody>
+      </p:sp>
+    </p:spTree>
+    <p:extLst>
+      <p:ext uri="{BB962C8B-B14F-4D97-AF65-F5344CB8AC3E}">
+        <p14:creationId xmlns:p14="http://schemas.microsoft.com/office/powerpoint/2010/main" val="530941430"/>
       </p:ext>
     </p:extLst>
   </p:cSld>
@@ -16209,6 +17450,200 @@
 </p:sld>
 </file>
 
+<file path=ppt/slides/slide20.xml><?xml version="1.0" encoding="utf-8"?>
+<p:sld xmlns:a="http://schemas.openxmlformats.org/drawingml/2006/main" xmlns:r="http://schemas.openxmlformats.org/officeDocument/2006/relationships" xmlns:p="http://schemas.openxmlformats.org/presentationml/2006/main">
+  <p:cSld>
+    <p:spTree>
+      <p:nvGrpSpPr>
+        <p:cNvPr id="1" name=""/>
+        <p:cNvGrpSpPr/>
+        <p:nvPr/>
+      </p:nvGrpSpPr>
+      <p:grpSpPr>
+        <a:xfrm>
+          <a:off x="0" y="0"/>
+          <a:ext cx="0" cy="0"/>
+          <a:chOff x="0" y="0"/>
+          <a:chExt cx="0" cy="0"/>
+        </a:xfrm>
+      </p:grpSpPr>
+      <p:sp>
+        <p:nvSpPr>
+          <p:cNvPr id="2" name="Title 1"/>
+          <p:cNvSpPr>
+            <a:spLocks noGrp="1"/>
+          </p:cNvSpPr>
+          <p:nvPr>
+            <p:ph type="title"/>
+          </p:nvPr>
+        </p:nvSpPr>
+        <p:spPr/>
+        <p:txBody>
+          <a:bodyPr/>
+          <a:lstStyle/>
+          <a:p>
+            <a:r>
+              <a:rPr lang="en-US" dirty="0" err="1" smtClean="0"/>
+              <a:t>Referências</a:t>
+            </a:r>
+            <a:endParaRPr lang="en-US" dirty="0"/>
+          </a:p>
+        </p:txBody>
+      </p:sp>
+      <p:sp>
+        <p:nvSpPr>
+          <p:cNvPr id="3" name="Content Placeholder 2"/>
+          <p:cNvSpPr>
+            <a:spLocks noGrp="1"/>
+          </p:cNvSpPr>
+          <p:nvPr>
+            <p:ph idx="1"/>
+          </p:nvPr>
+        </p:nvSpPr>
+        <p:spPr/>
+        <p:txBody>
+          <a:bodyPr/>
+          <a:lstStyle/>
+          <a:p>
+            <a:r>
+              <a:rPr lang="en-US" dirty="0" smtClean="0"/>
+              <a:t>[6] </a:t>
+            </a:r>
+            <a:r>
+              <a:rPr lang="en-US" dirty="0"/>
+              <a:t>K. S. </a:t>
+            </a:r>
+            <a:r>
+              <a:rPr lang="en-US" dirty="0" err="1" smtClean="0"/>
+              <a:t>Smit</a:t>
+            </a:r>
+            <a:r>
+              <a:rPr lang="en-US" dirty="0" smtClean="0"/>
+              <a:t>, A</a:t>
+            </a:r>
+            <a:r>
+              <a:rPr lang="en-US" dirty="0"/>
+              <a:t>. E. </a:t>
+            </a:r>
+            <a:r>
+              <a:rPr lang="en-US" dirty="0" err="1"/>
+              <a:t>Eiben</a:t>
+            </a:r>
+            <a:r>
+              <a:rPr lang="en-US" dirty="0"/>
+              <a:t>. </a:t>
+            </a:r>
+            <a:r>
+              <a:rPr lang="en-US" dirty="0" smtClean="0"/>
+              <a:t>“Comparing </a:t>
+            </a:r>
+            <a:r>
+              <a:rPr lang="en-US" dirty="0"/>
+              <a:t>parameter tuning methods for evolutionary </a:t>
+            </a:r>
+            <a:r>
+              <a:rPr lang="en-US" dirty="0" smtClean="0"/>
+              <a:t>algorithms”. </a:t>
+            </a:r>
+            <a:r>
+              <a:rPr lang="en-US" dirty="0"/>
+              <a:t>In Evolutionary Computation, 2009. CEC’09. </a:t>
+            </a:r>
+            <a:r>
+              <a:rPr lang="en-US" i="1" dirty="0"/>
+              <a:t>IEEE Congress</a:t>
+            </a:r>
+            <a:r>
+              <a:rPr lang="en-US" dirty="0"/>
+              <a:t>, pages 399–406. IEEE, 2009. </a:t>
+            </a:r>
+            <a:endParaRPr lang="en-US" dirty="0" smtClean="0"/>
+          </a:p>
+          <a:p>
+            <a:r>
+              <a:rPr lang="en-US" dirty="0" smtClean="0"/>
+              <a:t>[7] N. </a:t>
+            </a:r>
+            <a:r>
+              <a:rPr lang="en-US" dirty="0"/>
+              <a:t>Hansen. </a:t>
+            </a:r>
+            <a:r>
+              <a:rPr lang="en-US" dirty="0" smtClean="0"/>
+              <a:t>“The CMA evolution </a:t>
+            </a:r>
+            <a:r>
+              <a:rPr lang="en-US" dirty="0"/>
+              <a:t>strategy: a comparing </a:t>
+            </a:r>
+            <a:r>
+              <a:rPr lang="en-US" dirty="0" smtClean="0"/>
+              <a:t>review”. </a:t>
+            </a:r>
+            <a:r>
+              <a:rPr lang="en-US" dirty="0"/>
+              <a:t>In </a:t>
+            </a:r>
+            <a:r>
+              <a:rPr lang="en-US" i="1" dirty="0"/>
+              <a:t>Towards a new evolutionary computation</a:t>
+            </a:r>
+            <a:r>
+              <a:rPr lang="en-US" dirty="0"/>
+              <a:t>, pages 75–102. Springer, 2006. </a:t>
+            </a:r>
+          </a:p>
+          <a:p>
+            <a:endParaRPr lang="en-US" dirty="0"/>
+          </a:p>
+          <a:p>
+            <a:endParaRPr lang="en-US" dirty="0"/>
+          </a:p>
+        </p:txBody>
+      </p:sp>
+      <p:sp>
+        <p:nvSpPr>
+          <p:cNvPr id="4" name="Slide Number Placeholder 3"/>
+          <p:cNvSpPr>
+            <a:spLocks noGrp="1"/>
+          </p:cNvSpPr>
+          <p:nvPr>
+            <p:ph type="sldNum" sz="quarter" idx="12"/>
+          </p:nvPr>
+        </p:nvSpPr>
+        <p:spPr/>
+        <p:txBody>
+          <a:bodyPr/>
+          <a:lstStyle/>
+          <a:p>
+            <a:fld id="{55774153-6BEA-8641-B7A1-86CE42693FE2}" type="slidenum">
+              <a:rPr lang="en-US" smtClean="0"/>
+              <a:t>19</a:t>
+            </a:fld>
+            <a:endParaRPr lang="en-US"/>
+          </a:p>
+        </p:txBody>
+      </p:sp>
+    </p:spTree>
+    <p:extLst>
+      <p:ext uri="{BB962C8B-B14F-4D97-AF65-F5344CB8AC3E}">
+        <p14:creationId xmlns:p14="http://schemas.microsoft.com/office/powerpoint/2010/main" val="2080831962"/>
+      </p:ext>
+    </p:extLst>
+  </p:cSld>
+  <p:clrMapOvr>
+    <a:masterClrMapping/>
+  </p:clrMapOvr>
+  <p:timing>
+    <p:tnLst>
+      <p:par>
+        <p:cTn id="1" dur="indefinite" restart="never" nodeType="tmRoot"/>
+      </p:par>
+    </p:tnLst>
+  </p:timing>
+</p:sld>
+</file>
+
 <file path=ppt/slides/slide3.xml><?xml version="1.0" encoding="utf-8"?>
 <p:sld xmlns:a="http://schemas.openxmlformats.org/drawingml/2006/main" xmlns:r="http://schemas.openxmlformats.org/officeDocument/2006/relationships" xmlns:p="http://schemas.openxmlformats.org/presentationml/2006/main">
   <p:cSld>
@@ -16976,6 +18411,159 @@
                 <a:cs typeface="Helvetica" charset="0"/>
               </a:rPr>
               <a:t>indivíduos</a:t>
+            </a:r>
+            <a:endParaRPr lang="en-US" sz="2000" dirty="0" smtClean="0">
+              <a:solidFill>
+                <a:schemeClr val="tx1"/>
+              </a:solidFill>
+              <a:latin typeface="Helvetica" charset="0"/>
+              <a:ea typeface="Helvetica" charset="0"/>
+              <a:cs typeface="Helvetica" charset="0"/>
+            </a:endParaRPr>
+          </a:p>
+          <a:p>
+            <a:r>
+              <a:rPr lang="en-US" sz="2000" b="1" dirty="0" err="1" smtClean="0">
+                <a:solidFill>
+                  <a:schemeClr val="tx1"/>
+                </a:solidFill>
+                <a:latin typeface="Helvetica" charset="0"/>
+                <a:ea typeface="Helvetica" charset="0"/>
+                <a:cs typeface="Helvetica" charset="0"/>
+              </a:rPr>
+              <a:t>Gera</a:t>
+            </a:r>
+            <a:r>
+              <a:rPr lang="en-US" sz="2000" b="1" dirty="0" err="1" smtClean="0">
+                <a:solidFill>
+                  <a:schemeClr val="tx1"/>
+                </a:solidFill>
+                <a:latin typeface="Helvetica" charset="0"/>
+                <a:ea typeface="Helvetica" charset="0"/>
+                <a:cs typeface="Helvetica" charset="0"/>
+              </a:rPr>
+              <a:t>ção</a:t>
+            </a:r>
+            <a:r>
+              <a:rPr lang="en-US" sz="2000" dirty="0" smtClean="0">
+                <a:solidFill>
+                  <a:schemeClr val="tx1"/>
+                </a:solidFill>
+                <a:latin typeface="Helvetica" charset="0"/>
+                <a:ea typeface="Helvetica" charset="0"/>
+                <a:cs typeface="Helvetica" charset="0"/>
+              </a:rPr>
+              <a:t> </a:t>
+            </a:r>
+            <a:r>
+              <a:rPr lang="mr-IN" sz="2000" dirty="0" smtClean="0">
+                <a:solidFill>
+                  <a:schemeClr val="tx1"/>
+                </a:solidFill>
+                <a:latin typeface="Helvetica" charset="0"/>
+                <a:ea typeface="Helvetica" charset="0"/>
+                <a:cs typeface="Helvetica" charset="0"/>
+              </a:rPr>
+              <a:t>–</a:t>
+            </a:r>
+            <a:r>
+              <a:rPr lang="en-US" sz="2000" dirty="0" smtClean="0">
+                <a:solidFill>
+                  <a:schemeClr val="tx1"/>
+                </a:solidFill>
+                <a:latin typeface="Helvetica" charset="0"/>
+                <a:ea typeface="Helvetica" charset="0"/>
+                <a:cs typeface="Helvetica" charset="0"/>
+              </a:rPr>
+              <a:t> </a:t>
+            </a:r>
+            <a:r>
+              <a:rPr lang="en-US" sz="2000" dirty="0" err="1" smtClean="0">
+                <a:solidFill>
+                  <a:schemeClr val="tx1"/>
+                </a:solidFill>
+                <a:latin typeface="Helvetica" charset="0"/>
+                <a:ea typeface="Helvetica" charset="0"/>
+                <a:cs typeface="Helvetica" charset="0"/>
+              </a:rPr>
+              <a:t>população</a:t>
+            </a:r>
+            <a:r>
+              <a:rPr lang="en-US" sz="2000" dirty="0" smtClean="0">
+                <a:solidFill>
+                  <a:schemeClr val="tx1"/>
+                </a:solidFill>
+                <a:latin typeface="Helvetica" charset="0"/>
+                <a:ea typeface="Helvetica" charset="0"/>
+                <a:cs typeface="Helvetica" charset="0"/>
+              </a:rPr>
+              <a:t> </a:t>
+            </a:r>
+            <a:r>
+              <a:rPr lang="en-US" sz="2000" dirty="0" err="1" smtClean="0">
+                <a:solidFill>
+                  <a:schemeClr val="tx1"/>
+                </a:solidFill>
+                <a:latin typeface="Helvetica" charset="0"/>
+                <a:ea typeface="Helvetica" charset="0"/>
+                <a:cs typeface="Helvetica" charset="0"/>
+              </a:rPr>
+              <a:t>após</a:t>
+            </a:r>
+            <a:r>
+              <a:rPr lang="en-US" sz="2000" dirty="0" smtClean="0">
+                <a:solidFill>
+                  <a:schemeClr val="tx1"/>
+                </a:solidFill>
+                <a:latin typeface="Helvetica" charset="0"/>
+                <a:ea typeface="Helvetica" charset="0"/>
+                <a:cs typeface="Helvetica" charset="0"/>
+              </a:rPr>
+              <a:t> um </a:t>
+            </a:r>
+            <a:r>
+              <a:rPr lang="en-US" sz="2000" dirty="0" err="1" smtClean="0">
+                <a:solidFill>
+                  <a:schemeClr val="tx1"/>
+                </a:solidFill>
+                <a:latin typeface="Helvetica" charset="0"/>
+                <a:ea typeface="Helvetica" charset="0"/>
+                <a:cs typeface="Helvetica" charset="0"/>
+              </a:rPr>
+              <a:t>ciclo</a:t>
+            </a:r>
+            <a:r>
+              <a:rPr lang="en-US" sz="2000" dirty="0" smtClean="0">
+                <a:solidFill>
+                  <a:schemeClr val="tx1"/>
+                </a:solidFill>
+                <a:latin typeface="Helvetica" charset="0"/>
+                <a:ea typeface="Helvetica" charset="0"/>
+                <a:cs typeface="Helvetica" charset="0"/>
+              </a:rPr>
+              <a:t> de </a:t>
+            </a:r>
+            <a:r>
+              <a:rPr lang="en-US" sz="2000" dirty="0" err="1" smtClean="0">
+                <a:solidFill>
+                  <a:schemeClr val="tx1"/>
+                </a:solidFill>
+                <a:latin typeface="Helvetica" charset="0"/>
+                <a:ea typeface="Helvetica" charset="0"/>
+                <a:cs typeface="Helvetica" charset="0"/>
+              </a:rPr>
+              <a:t>iterações</a:t>
+            </a:r>
+            <a:r>
+              <a:rPr lang="en-US" sz="2000" dirty="0" smtClean="0">
+                <a:solidFill>
+                  <a:schemeClr val="tx1"/>
+                </a:solidFill>
+                <a:latin typeface="Helvetica" charset="0"/>
+                <a:ea typeface="Helvetica" charset="0"/>
+                <a:cs typeface="Helvetica" charset="0"/>
+              </a:rPr>
+              <a:t> de um AE</a:t>
             </a:r>
             <a:endParaRPr lang="en-US" sz="2000" dirty="0" smtClean="0">
               <a:solidFill>
@@ -17121,7 +18709,12 @@
             <p:ph idx="1"/>
           </p:nvPr>
         </p:nvSpPr>
-        <p:spPr/>
+        <p:spPr>
+          <a:xfrm>
+            <a:off x="1154954" y="2603500"/>
+            <a:ext cx="8825659" cy="3894836"/>
+          </a:xfrm>
+        </p:spPr>
         <p:txBody>
           <a:bodyPr>
             <a:normAutofit/>
@@ -17137,7 +18730,18 @@
                 <a:ea typeface="Helvetica" charset="0"/>
                 <a:cs typeface="Helvetica" charset="0"/>
               </a:rPr>
-              <a:t>Encontrar</a:t>
+              <a:t>Princ</a:t>
+            </a:r>
+            <a:r>
+              <a:rPr lang="en-US" dirty="0" err="1" smtClean="0">
+                <a:solidFill>
+                  <a:schemeClr val="tx1"/>
+                </a:solidFill>
+                <a:latin typeface="Helvetica" charset="0"/>
+                <a:ea typeface="Helvetica" charset="0"/>
+                <a:cs typeface="Helvetica" charset="0"/>
+              </a:rPr>
+              <a:t>ípio</a:t>
             </a:r>
             <a:r>
               <a:rPr lang="en-US" dirty="0" smtClean="0">
@@ -17148,6 +18752,129 @@
                 <a:ea typeface="Helvetica" charset="0"/>
                 <a:cs typeface="Helvetica" charset="0"/>
               </a:rPr>
+              <a:t>: “</a:t>
+            </a:r>
+            <a:r>
+              <a:rPr lang="en-US" dirty="0" err="1" smtClean="0">
+                <a:solidFill>
+                  <a:schemeClr val="tx1"/>
+                </a:solidFill>
+                <a:latin typeface="Helvetica" charset="0"/>
+                <a:ea typeface="Helvetica" charset="0"/>
+                <a:cs typeface="Helvetica" charset="0"/>
+              </a:rPr>
+              <a:t>chutar</a:t>
+            </a:r>
+            <a:r>
+              <a:rPr lang="en-US" dirty="0" smtClean="0">
+                <a:solidFill>
+                  <a:schemeClr val="tx1"/>
+                </a:solidFill>
+                <a:latin typeface="Helvetica" charset="0"/>
+                <a:ea typeface="Helvetica" charset="0"/>
+                <a:cs typeface="Helvetica" charset="0"/>
+              </a:rPr>
+              <a:t>” </a:t>
+            </a:r>
+            <a:r>
+              <a:rPr lang="en-US" dirty="0" err="1" smtClean="0">
+                <a:solidFill>
+                  <a:schemeClr val="tx1"/>
+                </a:solidFill>
+                <a:latin typeface="Helvetica" charset="0"/>
+                <a:ea typeface="Helvetica" charset="0"/>
+                <a:cs typeface="Helvetica" charset="0"/>
+              </a:rPr>
+              <a:t>soluções</a:t>
+            </a:r>
+            <a:r>
+              <a:rPr lang="en-US" dirty="0" smtClean="0">
+                <a:solidFill>
+                  <a:schemeClr val="tx1"/>
+                </a:solidFill>
+                <a:latin typeface="Helvetica" charset="0"/>
+                <a:ea typeface="Helvetica" charset="0"/>
+                <a:cs typeface="Helvetica" charset="0"/>
+              </a:rPr>
+              <a:t> (</a:t>
+            </a:r>
+            <a:r>
+              <a:rPr lang="en-US" dirty="0" err="1" smtClean="0">
+                <a:solidFill>
+                  <a:schemeClr val="tx1"/>
+                </a:solidFill>
+                <a:latin typeface="Helvetica" charset="0"/>
+                <a:ea typeface="Helvetica" charset="0"/>
+                <a:cs typeface="Helvetica" charset="0"/>
+              </a:rPr>
+              <a:t>tentativa</a:t>
+            </a:r>
+            <a:r>
+              <a:rPr lang="en-US" dirty="0" smtClean="0">
+                <a:solidFill>
+                  <a:schemeClr val="tx1"/>
+                </a:solidFill>
+                <a:latin typeface="Helvetica" charset="0"/>
+                <a:ea typeface="Helvetica" charset="0"/>
+                <a:cs typeface="Helvetica" charset="0"/>
+              </a:rPr>
+              <a:t>-e-</a:t>
+            </a:r>
+            <a:r>
+              <a:rPr lang="en-US" dirty="0" err="1" smtClean="0">
+                <a:solidFill>
+                  <a:schemeClr val="tx1"/>
+                </a:solidFill>
+                <a:latin typeface="Helvetica" charset="0"/>
+                <a:ea typeface="Helvetica" charset="0"/>
+                <a:cs typeface="Helvetica" charset="0"/>
+              </a:rPr>
+              <a:t>erro</a:t>
+            </a:r>
+            <a:r>
+              <a:rPr lang="en-US" dirty="0" smtClean="0">
+                <a:solidFill>
+                  <a:schemeClr val="tx1"/>
+                </a:solidFill>
+                <a:latin typeface="Helvetica" charset="0"/>
+                <a:ea typeface="Helvetica" charset="0"/>
+                <a:cs typeface="Helvetica" charset="0"/>
+              </a:rPr>
+              <a:t>) </a:t>
+            </a:r>
+            <a:r>
+              <a:rPr lang="en-US" b="1" baseline="30000" dirty="0" smtClean="0">
+                <a:solidFill>
+                  <a:srgbClr val="0432FF"/>
+                </a:solidFill>
+                <a:latin typeface="Helvetica" charset="0"/>
+                <a:ea typeface="Helvetica" charset="0"/>
+                <a:cs typeface="Helvetica" charset="0"/>
+              </a:rPr>
+              <a:t>[1]</a:t>
+            </a:r>
+          </a:p>
+          <a:p>
+            <a:r>
+              <a:rPr lang="en-US" dirty="0" err="1" smtClean="0">
+                <a:solidFill>
+                  <a:schemeClr val="tx1"/>
+                </a:solidFill>
+                <a:latin typeface="Helvetica" charset="0"/>
+                <a:ea typeface="Helvetica" charset="0"/>
+                <a:cs typeface="Helvetica" charset="0"/>
+              </a:rPr>
+              <a:t>Mesmos</a:t>
+            </a:r>
+            <a:r>
+              <a:rPr lang="en-US" dirty="0" smtClean="0">
+                <a:solidFill>
+                  <a:schemeClr val="tx1"/>
+                </a:solidFill>
+                <a:latin typeface="Helvetica" charset="0"/>
+                <a:ea typeface="Helvetica" charset="0"/>
+                <a:cs typeface="Helvetica" charset="0"/>
+              </a:rPr>
               <a:t> </a:t>
             </a:r>
             <a:r>
@@ -17159,7 +18886,7 @@
                 <a:ea typeface="Helvetica" charset="0"/>
                 <a:cs typeface="Helvetica" charset="0"/>
               </a:rPr>
-              <a:t>soluções</a:t>
+              <a:t>princípios</a:t>
             </a:r>
             <a:r>
               <a:rPr lang="en-US" dirty="0" smtClean="0">
@@ -17170,20 +18897,31 @@
                 <a:ea typeface="Helvetica" charset="0"/>
                 <a:cs typeface="Helvetica" charset="0"/>
               </a:rPr>
+              <a:t> da </a:t>
+            </a:r>
+            <a:r>
+              <a:rPr lang="en-US" dirty="0" err="1" smtClean="0">
+                <a:solidFill>
+                  <a:schemeClr val="tx1"/>
+                </a:solidFill>
+                <a:latin typeface="Helvetica" charset="0"/>
+                <a:ea typeface="Helvetica" charset="0"/>
+                <a:cs typeface="Helvetica" charset="0"/>
+              </a:rPr>
+              <a:t>seleção</a:t>
+            </a:r>
+            <a:r>
+              <a:rPr lang="en-US" dirty="0" smtClean="0">
+                <a:solidFill>
+                  <a:schemeClr val="tx1"/>
+                </a:solidFill>
+                <a:latin typeface="Helvetica" charset="0"/>
+                <a:ea typeface="Helvetica" charset="0"/>
+                <a:cs typeface="Helvetica" charset="0"/>
+              </a:rPr>
               <a:t> </a:t>
             </a:r>
             <a:r>
-              <a:rPr lang="en-US" dirty="0" err="1" smtClean="0">
-                <a:solidFill>
-                  <a:schemeClr val="tx1"/>
-                </a:solidFill>
-                <a:latin typeface="Helvetica" charset="0"/>
-                <a:ea typeface="Helvetica" charset="0"/>
-                <a:cs typeface="Helvetica" charset="0"/>
-              </a:rPr>
-              <a:t>enquanto</a:t>
-            </a:r>
-            <a:r>
               <a:rPr lang="en-US" dirty="0" smtClean="0">
                 <a:solidFill>
                   <a:schemeClr val="tx1"/>
@@ -17192,18 +18930,62 @@
                 <a:ea typeface="Helvetica" charset="0"/>
                 <a:cs typeface="Helvetica" charset="0"/>
               </a:rPr>
-              <a:t> se </a:t>
-            </a:r>
-            <a:r>
-              <a:rPr lang="en-US" dirty="0" err="1" smtClean="0">
-                <a:solidFill>
-                  <a:schemeClr val="tx1"/>
-                </a:solidFill>
-                <a:latin typeface="Helvetica" charset="0"/>
-                <a:ea typeface="Helvetica" charset="0"/>
-                <a:cs typeface="Helvetica" charset="0"/>
-              </a:rPr>
-              <a:t>interage</a:t>
+              <a:t>natural (</a:t>
+            </a:r>
+            <a:r>
+              <a:rPr lang="en-US" i="1" dirty="0" err="1" smtClean="0">
+                <a:solidFill>
+                  <a:schemeClr val="tx1"/>
+                </a:solidFill>
+                <a:latin typeface="Helvetica" charset="0"/>
+                <a:ea typeface="Helvetica" charset="0"/>
+                <a:cs typeface="Helvetica" charset="0"/>
+              </a:rPr>
+              <a:t>opera</a:t>
+            </a:r>
+            <a:r>
+              <a:rPr lang="en-US" i="1" dirty="0" err="1" smtClean="0">
+                <a:solidFill>
+                  <a:schemeClr val="tx1"/>
+                </a:solidFill>
+                <a:latin typeface="Helvetica" charset="0"/>
+                <a:ea typeface="Helvetica" charset="0"/>
+                <a:cs typeface="Helvetica" charset="0"/>
+              </a:rPr>
+              <a:t>ções</a:t>
+            </a:r>
+            <a:r>
+              <a:rPr lang="en-US" i="1" dirty="0" smtClean="0">
+                <a:solidFill>
+                  <a:schemeClr val="tx1"/>
+                </a:solidFill>
+                <a:latin typeface="Helvetica" charset="0"/>
+                <a:ea typeface="Helvetica" charset="0"/>
+                <a:cs typeface="Helvetica" charset="0"/>
+              </a:rPr>
+              <a:t> de </a:t>
+            </a:r>
+            <a:r>
+              <a:rPr lang="en-US" i="1" dirty="0" err="1" smtClean="0">
+                <a:solidFill>
+                  <a:schemeClr val="tx1"/>
+                </a:solidFill>
+                <a:latin typeface="Helvetica" charset="0"/>
+                <a:ea typeface="Helvetica" charset="0"/>
+                <a:cs typeface="Helvetica" charset="0"/>
+              </a:rPr>
+              <a:t>evolu</a:t>
+            </a:r>
+            <a:r>
+              <a:rPr lang="en-US" i="1" dirty="0" err="1" smtClean="0">
+                <a:solidFill>
+                  <a:schemeClr val="tx1"/>
+                </a:solidFill>
+                <a:latin typeface="Helvetica" charset="0"/>
+                <a:ea typeface="Helvetica" charset="0"/>
+                <a:cs typeface="Helvetica" charset="0"/>
+              </a:rPr>
+              <a:t>ção</a:t>
             </a:r>
             <a:r>
               <a:rPr lang="en-US" dirty="0" smtClean="0">
@@ -17214,18 +18996,18 @@
                 <a:ea typeface="Helvetica" charset="0"/>
                 <a:cs typeface="Helvetica" charset="0"/>
               </a:rPr>
-              <a:t> com o </a:t>
-            </a:r>
-            <a:r>
-              <a:rPr lang="en-US" dirty="0" err="1" smtClean="0">
-                <a:solidFill>
-                  <a:schemeClr val="tx1"/>
-                </a:solidFill>
-                <a:latin typeface="Helvetica" charset="0"/>
-                <a:ea typeface="Helvetica" charset="0"/>
-                <a:cs typeface="Helvetica" charset="0"/>
-              </a:rPr>
-              <a:t>problema</a:t>
+              <a:t>)</a:t>
+            </a:r>
+            <a:r>
+              <a:rPr lang="en-US" dirty="0" smtClean="0">
+                <a:solidFill>
+                  <a:schemeClr val="tx1"/>
+                </a:solidFill>
+                <a:latin typeface="Helvetica" charset="0"/>
+                <a:ea typeface="Helvetica" charset="0"/>
+                <a:cs typeface="Helvetica" charset="0"/>
+              </a:rPr>
+              <a:t>:</a:t>
             </a:r>
             <a:endParaRPr lang="en-US" dirty="0" smtClean="0">
               <a:solidFill>
@@ -17237,6 +19019,167 @@
             </a:endParaRPr>
           </a:p>
           <a:p>
+            <a:pPr lvl="1"/>
+            <a:r>
+              <a:rPr lang="en-US" b="1" dirty="0" err="1" smtClean="0">
+                <a:solidFill>
+                  <a:schemeClr val="tx1"/>
+                </a:solidFill>
+                <a:latin typeface="Helvetica" charset="0"/>
+                <a:ea typeface="Helvetica" charset="0"/>
+                <a:cs typeface="Helvetica" charset="0"/>
+              </a:rPr>
+              <a:t>Sele</a:t>
+            </a:r>
+            <a:r>
+              <a:rPr lang="en-US" b="1" dirty="0" err="1" smtClean="0">
+                <a:solidFill>
+                  <a:schemeClr val="tx1"/>
+                </a:solidFill>
+                <a:latin typeface="Helvetica" charset="0"/>
+                <a:ea typeface="Helvetica" charset="0"/>
+                <a:cs typeface="Helvetica" charset="0"/>
+              </a:rPr>
+              <a:t>ção</a:t>
+            </a:r>
+            <a:endParaRPr lang="en-US" b="1" dirty="0" smtClean="0">
+              <a:solidFill>
+                <a:schemeClr val="tx1"/>
+              </a:solidFill>
+              <a:latin typeface="Helvetica" charset="0"/>
+              <a:ea typeface="Helvetica" charset="0"/>
+              <a:cs typeface="Helvetica" charset="0"/>
+            </a:endParaRPr>
+          </a:p>
+          <a:p>
+            <a:pPr lvl="1"/>
+            <a:r>
+              <a:rPr lang="en-US" b="1" dirty="0" err="1" smtClean="0">
+                <a:solidFill>
+                  <a:schemeClr val="tx1"/>
+                </a:solidFill>
+                <a:latin typeface="Helvetica" charset="0"/>
+                <a:ea typeface="Helvetica" charset="0"/>
+                <a:cs typeface="Helvetica" charset="0"/>
+              </a:rPr>
+              <a:t>Recombinação</a:t>
+            </a:r>
+            <a:r>
+              <a:rPr lang="en-US" i="1" dirty="0" smtClean="0">
+                <a:solidFill>
+                  <a:schemeClr val="tx1"/>
+                </a:solidFill>
+                <a:latin typeface="Helvetica" charset="0"/>
+                <a:ea typeface="Helvetica" charset="0"/>
+                <a:cs typeface="Helvetica" charset="0"/>
+              </a:rPr>
+              <a:t> (</a:t>
+            </a:r>
+            <a:r>
+              <a:rPr lang="en-US" i="1" dirty="0" err="1" smtClean="0">
+                <a:solidFill>
+                  <a:schemeClr val="tx1"/>
+                </a:solidFill>
+                <a:latin typeface="Helvetica" charset="0"/>
+                <a:ea typeface="Helvetica" charset="0"/>
+                <a:cs typeface="Helvetica" charset="0"/>
+              </a:rPr>
+              <a:t>Variação</a:t>
+            </a:r>
+            <a:r>
+              <a:rPr lang="en-US" i="1" dirty="0" smtClean="0">
+                <a:solidFill>
+                  <a:schemeClr val="tx1"/>
+                </a:solidFill>
+                <a:latin typeface="Helvetica" charset="0"/>
+                <a:ea typeface="Helvetica" charset="0"/>
+                <a:cs typeface="Helvetica" charset="0"/>
+              </a:rPr>
+              <a:t>)</a:t>
+            </a:r>
+            <a:endParaRPr lang="en-US" i="1" dirty="0" smtClean="0">
+              <a:solidFill>
+                <a:schemeClr val="tx1"/>
+              </a:solidFill>
+              <a:latin typeface="Helvetica" charset="0"/>
+              <a:ea typeface="Helvetica" charset="0"/>
+              <a:cs typeface="Helvetica" charset="0"/>
+            </a:endParaRPr>
+          </a:p>
+          <a:p>
+            <a:pPr lvl="1"/>
+            <a:r>
+              <a:rPr lang="en-US" b="1" dirty="0" err="1" smtClean="0">
+                <a:solidFill>
+                  <a:schemeClr val="tx1"/>
+                </a:solidFill>
+                <a:latin typeface="Helvetica" charset="0"/>
+                <a:ea typeface="Helvetica" charset="0"/>
+                <a:cs typeface="Helvetica" charset="0"/>
+              </a:rPr>
+              <a:t>Muta</a:t>
+            </a:r>
+            <a:r>
+              <a:rPr lang="en-US" b="1" dirty="0" err="1" smtClean="0">
+                <a:solidFill>
+                  <a:schemeClr val="tx1"/>
+                </a:solidFill>
+                <a:latin typeface="Helvetica" charset="0"/>
+                <a:ea typeface="Helvetica" charset="0"/>
+                <a:cs typeface="Helvetica" charset="0"/>
+              </a:rPr>
+              <a:t>ção</a:t>
+            </a:r>
+            <a:r>
+              <a:rPr lang="en-US" i="1" dirty="0" smtClean="0">
+                <a:solidFill>
+                  <a:schemeClr val="tx1"/>
+                </a:solidFill>
+                <a:latin typeface="Helvetica" charset="0"/>
+                <a:ea typeface="Helvetica" charset="0"/>
+                <a:cs typeface="Helvetica" charset="0"/>
+              </a:rPr>
+              <a:t> (</a:t>
+            </a:r>
+            <a:r>
+              <a:rPr lang="en-US" i="1" dirty="0" err="1" smtClean="0">
+                <a:solidFill>
+                  <a:schemeClr val="tx1"/>
+                </a:solidFill>
+                <a:latin typeface="Helvetica" charset="0"/>
+                <a:ea typeface="Helvetica" charset="0"/>
+                <a:cs typeface="Helvetica" charset="0"/>
+              </a:rPr>
+              <a:t>Variação</a:t>
+            </a:r>
+            <a:r>
+              <a:rPr lang="en-US" i="1" dirty="0" smtClean="0">
+                <a:solidFill>
+                  <a:schemeClr val="tx1"/>
+                </a:solidFill>
+                <a:latin typeface="Helvetica" charset="0"/>
+                <a:ea typeface="Helvetica" charset="0"/>
+                <a:cs typeface="Helvetica" charset="0"/>
+              </a:rPr>
+              <a:t>)</a:t>
+            </a:r>
+          </a:p>
+          <a:p>
+            <a:pPr lvl="1"/>
+            <a:r>
+              <a:rPr lang="en-US" b="1" dirty="0" err="1" smtClean="0">
+                <a:solidFill>
+                  <a:schemeClr val="tx1"/>
+                </a:solidFill>
+                <a:latin typeface="Helvetica" charset="0"/>
+                <a:ea typeface="Helvetica" charset="0"/>
+                <a:cs typeface="Helvetica" charset="0"/>
+              </a:rPr>
+              <a:t>Sobrevivência</a:t>
+            </a:r>
+            <a:endParaRPr lang="en-US" b="1" dirty="0"/>
+          </a:p>
+          <a:p>
             <a:r>
               <a:rPr lang="en-US" dirty="0" smtClean="0">
                 <a:solidFill>
@@ -17246,7 +19189,7 @@
                 <a:ea typeface="Helvetica" charset="0"/>
                 <a:cs typeface="Helvetica" charset="0"/>
               </a:rPr>
-              <a:t>Base </a:t>
+              <a:t>As </a:t>
             </a:r>
             <a:r>
               <a:rPr lang="en-US" dirty="0" err="1" smtClean="0">
@@ -17257,7 +19200,7 @@
                 <a:ea typeface="Helvetica" charset="0"/>
                 <a:cs typeface="Helvetica" charset="0"/>
               </a:rPr>
-              <a:t>na</a:t>
+              <a:t>operações</a:t>
             </a:r>
             <a:r>
               <a:rPr lang="en-US" dirty="0" smtClean="0">
@@ -17268,6 +19211,28 @@
                 <a:ea typeface="Helvetica" charset="0"/>
                 <a:cs typeface="Helvetica" charset="0"/>
               </a:rPr>
+              <a:t> de </a:t>
+            </a:r>
+            <a:r>
+              <a:rPr lang="en-US" dirty="0" err="1" smtClean="0">
+                <a:solidFill>
+                  <a:schemeClr val="tx1"/>
+                </a:solidFill>
+                <a:latin typeface="Helvetica" charset="0"/>
+                <a:ea typeface="Helvetica" charset="0"/>
+                <a:cs typeface="Helvetica" charset="0"/>
+              </a:rPr>
+              <a:t>variação</a:t>
+            </a:r>
+            <a:r>
+              <a:rPr lang="en-US" dirty="0" smtClean="0">
+                <a:solidFill>
+                  <a:schemeClr val="tx1"/>
+                </a:solidFill>
+                <a:latin typeface="Helvetica" charset="0"/>
+                <a:ea typeface="Helvetica" charset="0"/>
+                <a:cs typeface="Helvetica" charset="0"/>
+              </a:rPr>
               <a:t> </a:t>
             </a:r>
             <a:r>
@@ -17279,7 +19244,7 @@
                 <a:ea typeface="Helvetica" charset="0"/>
                 <a:cs typeface="Helvetica" charset="0"/>
               </a:rPr>
-              <a:t>tentativa</a:t>
+              <a:t>garantem</a:t>
             </a:r>
             <a:r>
               <a:rPr lang="en-US" dirty="0" smtClean="0">
@@ -17290,7 +19255,7 @@
                 <a:ea typeface="Helvetica" charset="0"/>
                 <a:cs typeface="Helvetica" charset="0"/>
               </a:rPr>
-              <a:t>-e-</a:t>
+              <a:t> </a:t>
             </a:r>
             <a:r>
               <a:rPr lang="en-US" dirty="0" err="1" smtClean="0">
@@ -17301,7 +19266,7 @@
                 <a:ea typeface="Helvetica" charset="0"/>
                 <a:cs typeface="Helvetica" charset="0"/>
               </a:rPr>
-              <a:t>erro</a:t>
+              <a:t>que</a:t>
             </a:r>
             <a:r>
               <a:rPr lang="en-US" dirty="0" smtClean="0">
@@ -17315,19 +19280,6 @@
               <a:t> </a:t>
             </a:r>
             <a:r>
-              <a:rPr lang="en-US" b="1" baseline="30000" dirty="0" smtClean="0">
-                <a:solidFill>
-                  <a:schemeClr val="tx1"/>
-                </a:solidFill>
-                <a:latin typeface="Helvetica" charset="0"/>
-                <a:ea typeface="Helvetica" charset="0"/>
-                <a:cs typeface="Helvetica" charset="0"/>
-              </a:rPr>
-              <a:t>[1]</a:t>
-            </a:r>
-          </a:p>
-          <a:p>
-            <a:r>
               <a:rPr lang="en-US" dirty="0" err="1" smtClean="0">
                 <a:solidFill>
                   <a:schemeClr val="tx1"/>
@@ -17336,7 +19288,7 @@
                 <a:ea typeface="Helvetica" charset="0"/>
                 <a:cs typeface="Helvetica" charset="0"/>
               </a:rPr>
-              <a:t>Mesmos</a:t>
+              <a:t>novas</a:t>
             </a:r>
             <a:r>
               <a:rPr lang="en-US" dirty="0" smtClean="0">
@@ -17358,7 +19310,7 @@
                 <a:ea typeface="Helvetica" charset="0"/>
                 <a:cs typeface="Helvetica" charset="0"/>
               </a:rPr>
-              <a:t>princípios</a:t>
+              <a:t>soluções</a:t>
             </a:r>
             <a:r>
               <a:rPr lang="en-US" dirty="0" smtClean="0">
@@ -17369,7 +19321,7 @@
                 <a:ea typeface="Helvetica" charset="0"/>
                 <a:cs typeface="Helvetica" charset="0"/>
               </a:rPr>
-              <a:t> da </a:t>
+              <a:t> </a:t>
             </a:r>
             <a:r>
               <a:rPr lang="en-US" dirty="0" err="1" smtClean="0">
@@ -17380,7 +19332,7 @@
                 <a:ea typeface="Helvetica" charset="0"/>
                 <a:cs typeface="Helvetica" charset="0"/>
               </a:rPr>
-              <a:t>seleção</a:t>
+              <a:t>serão</a:t>
             </a:r>
             <a:r>
               <a:rPr lang="en-US" dirty="0" smtClean="0">
@@ -17391,11 +19343,8 @@
                 <a:ea typeface="Helvetica" charset="0"/>
                 <a:cs typeface="Helvetica" charset="0"/>
               </a:rPr>
-              <a:t> natural:</a:t>
-            </a:r>
-          </a:p>
-          <a:p>
-            <a:pPr lvl="1"/>
+              <a:t> </a:t>
+            </a:r>
             <a:r>
               <a:rPr lang="en-US" dirty="0" err="1" smtClean="0">
                 <a:solidFill>
@@ -17405,120 +19354,7 @@
                 <a:ea typeface="Helvetica" charset="0"/>
                 <a:cs typeface="Helvetica" charset="0"/>
               </a:rPr>
-              <a:t>Variação</a:t>
-            </a:r>
-            <a:r>
-              <a:rPr lang="en-US" dirty="0" smtClean="0">
-                <a:solidFill>
-                  <a:schemeClr val="tx1"/>
-                </a:solidFill>
-                <a:latin typeface="Helvetica" charset="0"/>
-                <a:ea typeface="Helvetica" charset="0"/>
-                <a:cs typeface="Helvetica" charset="0"/>
-              </a:rPr>
-              <a:t> (</a:t>
-            </a:r>
-            <a:r>
-              <a:rPr lang="en-US" dirty="0" err="1" smtClean="0">
-                <a:solidFill>
-                  <a:schemeClr val="tx1"/>
-                </a:solidFill>
-                <a:latin typeface="Helvetica" charset="0"/>
-                <a:ea typeface="Helvetica" charset="0"/>
-                <a:cs typeface="Helvetica" charset="0"/>
-              </a:rPr>
-              <a:t>Mutação</a:t>
-            </a:r>
-            <a:r>
-              <a:rPr lang="en-US" dirty="0">
-                <a:solidFill>
-                  <a:schemeClr val="tx1"/>
-                </a:solidFill>
-                <a:latin typeface="Helvetica" charset="0"/>
-                <a:ea typeface="Helvetica" charset="0"/>
-                <a:cs typeface="Helvetica" charset="0"/>
-              </a:rPr>
-              <a:t> </a:t>
-            </a:r>
-            <a:r>
-              <a:rPr lang="en-US" dirty="0" smtClean="0">
-                <a:solidFill>
-                  <a:schemeClr val="tx1"/>
-                </a:solidFill>
-                <a:latin typeface="Helvetica" charset="0"/>
-                <a:ea typeface="Helvetica" charset="0"/>
-                <a:cs typeface="Helvetica" charset="0"/>
-              </a:rPr>
-              <a:t>/ </a:t>
-            </a:r>
-            <a:r>
-              <a:rPr lang="en-US" dirty="0" err="1" smtClean="0">
-                <a:solidFill>
-                  <a:schemeClr val="tx1"/>
-                </a:solidFill>
-                <a:latin typeface="Helvetica" charset="0"/>
-                <a:ea typeface="Helvetica" charset="0"/>
-                <a:cs typeface="Helvetica" charset="0"/>
-              </a:rPr>
-              <a:t>Recombinação</a:t>
-            </a:r>
-            <a:r>
-              <a:rPr lang="en-US" dirty="0" smtClean="0">
-                <a:solidFill>
-                  <a:schemeClr val="tx1"/>
-                </a:solidFill>
-                <a:latin typeface="Helvetica" charset="0"/>
-                <a:ea typeface="Helvetica" charset="0"/>
-                <a:cs typeface="Helvetica" charset="0"/>
-              </a:rPr>
-              <a:t>)</a:t>
-            </a:r>
-          </a:p>
-          <a:p>
-            <a:pPr lvl="1"/>
-            <a:r>
-              <a:rPr lang="en-US" dirty="0" err="1" smtClean="0">
-                <a:solidFill>
-                  <a:schemeClr val="tx1"/>
-                </a:solidFill>
-                <a:latin typeface="Helvetica" charset="0"/>
-                <a:ea typeface="Helvetica" charset="0"/>
-                <a:cs typeface="Helvetica" charset="0"/>
-              </a:rPr>
-              <a:t>Seleção</a:t>
-            </a:r>
-            <a:r>
-              <a:rPr lang="en-US" dirty="0">
-                <a:solidFill>
-                  <a:schemeClr val="tx1"/>
-                </a:solidFill>
-                <a:latin typeface="Helvetica" charset="0"/>
-                <a:ea typeface="Helvetica" charset="0"/>
-                <a:cs typeface="Helvetica" charset="0"/>
-              </a:rPr>
-              <a:t> </a:t>
-            </a:r>
-            <a:r>
-              <a:rPr lang="en-US" dirty="0" smtClean="0">
-                <a:solidFill>
-                  <a:schemeClr val="tx1"/>
-                </a:solidFill>
-                <a:latin typeface="Helvetica" charset="0"/>
-                <a:ea typeface="Helvetica" charset="0"/>
-                <a:cs typeface="Helvetica" charset="0"/>
-              </a:rPr>
-              <a:t>/ </a:t>
-            </a:r>
-            <a:r>
-              <a:rPr lang="en-US" dirty="0" err="1" smtClean="0">
-                <a:solidFill>
-                  <a:schemeClr val="tx1"/>
-                </a:solidFill>
-                <a:latin typeface="Helvetica" charset="0"/>
-                <a:ea typeface="Helvetica" charset="0"/>
-                <a:cs typeface="Helvetica" charset="0"/>
-              </a:rPr>
-              <a:t>Sobrevivência</a:t>
+              <a:t>exploradas</a:t>
             </a:r>
             <a:endParaRPr lang="en-US" dirty="0" smtClean="0">
               <a:solidFill>
@@ -17531,26 +19367,15 @@
           </a:p>
           <a:p>
             <a:r>
-              <a:rPr lang="en-US" b="1" dirty="0" err="1" smtClean="0">
-                <a:solidFill>
-                  <a:schemeClr val="tx1"/>
-                </a:solidFill>
-                <a:latin typeface="Helvetica" charset="0"/>
-                <a:ea typeface="Helvetica" charset="0"/>
-                <a:cs typeface="Helvetica" charset="0"/>
-              </a:rPr>
-              <a:t>População</a:t>
-            </a:r>
-            <a:r>
-              <a:rPr lang="en-US" b="1" dirty="0" smtClean="0">
-                <a:solidFill>
-                  <a:schemeClr val="tx1"/>
-                </a:solidFill>
-                <a:latin typeface="Helvetica" charset="0"/>
-                <a:ea typeface="Helvetica" charset="0"/>
-                <a:cs typeface="Helvetica" charset="0"/>
-              </a:rPr>
-              <a:t>:</a:t>
+              <a:rPr lang="en-US" dirty="0" err="1" smtClean="0">
+                <a:solidFill>
+                  <a:schemeClr val="tx1"/>
+                </a:solidFill>
+                <a:latin typeface="Helvetica" charset="0"/>
+                <a:ea typeface="Helvetica" charset="0"/>
+                <a:cs typeface="Helvetica" charset="0"/>
+              </a:rPr>
+              <a:t>Os</a:t>
             </a:r>
             <a:r>
               <a:rPr lang="en-US" dirty="0" smtClean="0">
@@ -17572,7 +19397,7 @@
                 <a:ea typeface="Helvetica" charset="0"/>
                 <a:cs typeface="Helvetica" charset="0"/>
               </a:rPr>
-              <a:t>parâmetros</a:t>
+              <a:t>melhores</a:t>
             </a:r>
             <a:r>
               <a:rPr lang="en-US" dirty="0" smtClean="0">
@@ -17583,7 +19408,7 @@
                 <a:ea typeface="Helvetica" charset="0"/>
                 <a:cs typeface="Helvetica" charset="0"/>
               </a:rPr>
-              <a:t> de </a:t>
+              <a:t> (</a:t>
             </a:r>
             <a:r>
               <a:rPr lang="en-US" dirty="0" err="1" smtClean="0">
@@ -17594,7 +19419,7 @@
                 <a:ea typeface="Helvetica" charset="0"/>
                 <a:cs typeface="Helvetica" charset="0"/>
               </a:rPr>
-              <a:t>interesse</a:t>
+              <a:t>ou</a:t>
             </a:r>
             <a:r>
               <a:rPr lang="en-US" dirty="0" smtClean="0">
@@ -17616,7 +19441,7 @@
                 <a:ea typeface="Helvetica" charset="0"/>
                 <a:cs typeface="Helvetica" charset="0"/>
               </a:rPr>
-              <a:t>retornados</a:t>
+              <a:t>mais</a:t>
             </a:r>
             <a:r>
               <a:rPr lang="en-US" dirty="0" smtClean="0">
@@ -17638,7 +19463,7 @@
                 <a:ea typeface="Helvetica" charset="0"/>
                 <a:cs typeface="Helvetica" charset="0"/>
               </a:rPr>
-              <a:t>pelo</a:t>
+              <a:t>adaptados</a:t>
             </a:r>
             <a:r>
               <a:rPr lang="en-US" dirty="0" smtClean="0">
@@ -17649,6 +19474,28 @@
                 <a:ea typeface="Helvetica" charset="0"/>
                 <a:cs typeface="Helvetica" charset="0"/>
               </a:rPr>
+              <a:t>) </a:t>
+            </a:r>
+            <a:r>
+              <a:rPr lang="en-US" dirty="0" err="1" smtClean="0">
+                <a:solidFill>
+                  <a:schemeClr val="tx1"/>
+                </a:solidFill>
+                <a:latin typeface="Helvetica" charset="0"/>
+                <a:ea typeface="Helvetica" charset="0"/>
+                <a:cs typeface="Helvetica" charset="0"/>
+              </a:rPr>
+              <a:t>indivíduos</a:t>
+            </a:r>
+            <a:r>
+              <a:rPr lang="en-US" dirty="0" smtClean="0">
+                <a:solidFill>
+                  <a:schemeClr val="tx1"/>
+                </a:solidFill>
+                <a:latin typeface="Helvetica" charset="0"/>
+                <a:ea typeface="Helvetica" charset="0"/>
+                <a:cs typeface="Helvetica" charset="0"/>
+              </a:rPr>
               <a:t> </a:t>
             </a:r>
             <a:r>
@@ -17660,7 +19507,51 @@
                 <a:ea typeface="Helvetica" charset="0"/>
                 <a:cs typeface="Helvetica" charset="0"/>
               </a:rPr>
-              <a:t>problema</a:t>
+              <a:t>formam</a:t>
+            </a:r>
+            <a:r>
+              <a:rPr lang="en-US" dirty="0" smtClean="0">
+                <a:solidFill>
+                  <a:schemeClr val="tx1"/>
+                </a:solidFill>
+                <a:latin typeface="Helvetica" charset="0"/>
+                <a:ea typeface="Helvetica" charset="0"/>
+                <a:cs typeface="Helvetica" charset="0"/>
+              </a:rPr>
+              <a:t> a </a:t>
+            </a:r>
+            <a:r>
+              <a:rPr lang="en-US" dirty="0" err="1" smtClean="0">
+                <a:solidFill>
+                  <a:schemeClr val="tx1"/>
+                </a:solidFill>
+                <a:latin typeface="Helvetica" charset="0"/>
+                <a:ea typeface="Helvetica" charset="0"/>
+                <a:cs typeface="Helvetica" charset="0"/>
+              </a:rPr>
+              <a:t>geração</a:t>
+            </a:r>
+            <a:r>
+              <a:rPr lang="en-US" dirty="0" smtClean="0">
+                <a:solidFill>
+                  <a:schemeClr val="tx1"/>
+                </a:solidFill>
+                <a:latin typeface="Helvetica" charset="0"/>
+                <a:ea typeface="Helvetica" charset="0"/>
+                <a:cs typeface="Helvetica" charset="0"/>
+              </a:rPr>
+              <a:t> </a:t>
+            </a:r>
+            <a:r>
+              <a:rPr lang="en-US" dirty="0" err="1" smtClean="0">
+                <a:solidFill>
+                  <a:schemeClr val="tx1"/>
+                </a:solidFill>
+                <a:latin typeface="Helvetica" charset="0"/>
+                <a:ea typeface="Helvetica" charset="0"/>
+                <a:cs typeface="Helvetica" charset="0"/>
+              </a:rPr>
+              <a:t>seguinte</a:t>
             </a:r>
             <a:endParaRPr lang="en-US" dirty="0" smtClean="0">
               <a:solidFill>
@@ -17673,6 +19564,51 @@
           </a:p>
           <a:p>
             <a:r>
+              <a:rPr lang="en-US" dirty="0" err="1" smtClean="0">
+                <a:solidFill>
+                  <a:schemeClr val="tx1"/>
+                </a:solidFill>
+                <a:latin typeface="Helvetica" charset="0"/>
+                <a:ea typeface="Helvetica" charset="0"/>
+                <a:cs typeface="Helvetica" charset="0"/>
+              </a:rPr>
+              <a:t>Adaptação</a:t>
+            </a:r>
+            <a:r>
+              <a:rPr lang="en-US" dirty="0" smtClean="0">
+                <a:solidFill>
+                  <a:schemeClr val="tx1"/>
+                </a:solidFill>
+                <a:latin typeface="Helvetica" charset="0"/>
+                <a:ea typeface="Helvetica" charset="0"/>
+                <a:cs typeface="Helvetica" charset="0"/>
+              </a:rPr>
+              <a:t> </a:t>
+            </a:r>
+            <a:r>
+              <a:rPr lang="en-US" dirty="0" smtClean="0">
+                <a:solidFill>
+                  <a:schemeClr val="tx1"/>
+                </a:solidFill>
+                <a:latin typeface="Helvetica" charset="0"/>
+                <a:ea typeface="Helvetica" charset="0"/>
+                <a:cs typeface="Helvetica" charset="0"/>
+                <a:sym typeface="Wingdings"/>
+              </a:rPr>
+              <a:t></a:t>
+            </a:r>
+            <a:r>
+              <a:rPr lang="en-US" dirty="0" smtClean="0">
+                <a:solidFill>
+                  <a:schemeClr val="tx1"/>
+                </a:solidFill>
+                <a:latin typeface="Helvetica" charset="0"/>
+                <a:ea typeface="Helvetica" charset="0"/>
+                <a:cs typeface="Helvetica" charset="0"/>
+              </a:rPr>
+              <a:t> </a:t>
+            </a:r>
+            <a:r>
               <a:rPr lang="en-US" b="1" dirty="0" err="1" smtClean="0">
                 <a:solidFill>
                   <a:schemeClr val="tx1"/>
@@ -17681,7 +19617,7 @@
                 <a:ea typeface="Helvetica" charset="0"/>
                 <a:cs typeface="Helvetica" charset="0"/>
               </a:rPr>
-              <a:t>Geração</a:t>
+              <a:t>função</a:t>
             </a:r>
             <a:r>
               <a:rPr lang="en-US" b="1" dirty="0" smtClean="0">
@@ -17692,7 +19628,7 @@
                 <a:ea typeface="Helvetica" charset="0"/>
                 <a:cs typeface="Helvetica" charset="0"/>
               </a:rPr>
-              <a:t>:</a:t>
+              <a:t> de fitness </a:t>
             </a:r>
             <a:r>
               <a:rPr lang="en-US" dirty="0" smtClean="0">
@@ -17703,6 +19639,50 @@
                 <a:ea typeface="Helvetica" charset="0"/>
                 <a:cs typeface="Helvetica" charset="0"/>
               </a:rPr>
+              <a:t>(</a:t>
+            </a:r>
+            <a:r>
+              <a:rPr lang="en-US" dirty="0" err="1" smtClean="0">
+                <a:solidFill>
+                  <a:schemeClr val="tx1"/>
+                </a:solidFill>
+                <a:latin typeface="Helvetica" charset="0"/>
+                <a:ea typeface="Helvetica" charset="0"/>
+                <a:cs typeface="Helvetica" charset="0"/>
+              </a:rPr>
+              <a:t>própria</a:t>
+            </a:r>
+            <a:r>
+              <a:rPr lang="en-US" dirty="0" smtClean="0">
+                <a:solidFill>
+                  <a:schemeClr val="tx1"/>
+                </a:solidFill>
+                <a:latin typeface="Helvetica" charset="0"/>
+                <a:ea typeface="Helvetica" charset="0"/>
+                <a:cs typeface="Helvetica" charset="0"/>
+              </a:rPr>
+              <a:t> de </a:t>
+            </a:r>
+            <a:r>
+              <a:rPr lang="en-US" dirty="0" err="1" smtClean="0">
+                <a:solidFill>
+                  <a:schemeClr val="tx1"/>
+                </a:solidFill>
+                <a:latin typeface="Helvetica" charset="0"/>
+                <a:ea typeface="Helvetica" charset="0"/>
+                <a:cs typeface="Helvetica" charset="0"/>
+              </a:rPr>
+              <a:t>cada</a:t>
+            </a:r>
+            <a:r>
+              <a:rPr lang="en-US" dirty="0" smtClean="0">
+                <a:solidFill>
+                  <a:schemeClr val="tx1"/>
+                </a:solidFill>
+                <a:latin typeface="Helvetica" charset="0"/>
+                <a:ea typeface="Helvetica" charset="0"/>
+                <a:cs typeface="Helvetica" charset="0"/>
+              </a:rPr>
               <a:t> </a:t>
             </a:r>
             <a:r>
@@ -17714,7 +19694,7 @@
                 <a:ea typeface="Helvetica" charset="0"/>
                 <a:cs typeface="Helvetica" charset="0"/>
               </a:rPr>
-              <a:t>população</a:t>
+              <a:t>problema</a:t>
             </a:r>
             <a:r>
               <a:rPr lang="en-US" dirty="0" smtClean="0">
@@ -17725,77 +19705,8 @@
                 <a:ea typeface="Helvetica" charset="0"/>
                 <a:cs typeface="Helvetica" charset="0"/>
               </a:rPr>
-              <a:t> </a:t>
-            </a:r>
-            <a:r>
-              <a:rPr lang="en-US" dirty="0" err="1" smtClean="0">
-                <a:solidFill>
-                  <a:schemeClr val="tx1"/>
-                </a:solidFill>
-                <a:latin typeface="Helvetica" charset="0"/>
-                <a:ea typeface="Helvetica" charset="0"/>
-                <a:cs typeface="Helvetica" charset="0"/>
-              </a:rPr>
-              <a:t>após</a:t>
-            </a:r>
-            <a:r>
-              <a:rPr lang="en-US" dirty="0" smtClean="0">
-                <a:solidFill>
-                  <a:schemeClr val="tx1"/>
-                </a:solidFill>
-                <a:latin typeface="Helvetica" charset="0"/>
-                <a:ea typeface="Helvetica" charset="0"/>
-                <a:cs typeface="Helvetica" charset="0"/>
-              </a:rPr>
-              <a:t> um </a:t>
-            </a:r>
-            <a:r>
-              <a:rPr lang="en-US" dirty="0" err="1" smtClean="0">
-                <a:solidFill>
-                  <a:schemeClr val="tx1"/>
-                </a:solidFill>
-                <a:latin typeface="Helvetica" charset="0"/>
-                <a:ea typeface="Helvetica" charset="0"/>
-                <a:cs typeface="Helvetica" charset="0"/>
-              </a:rPr>
-              <a:t>ciclo</a:t>
-            </a:r>
-            <a:r>
-              <a:rPr lang="en-US" dirty="0" smtClean="0">
-                <a:solidFill>
-                  <a:schemeClr val="tx1"/>
-                </a:solidFill>
-                <a:latin typeface="Helvetica" charset="0"/>
-                <a:ea typeface="Helvetica" charset="0"/>
-                <a:cs typeface="Helvetica" charset="0"/>
-              </a:rPr>
-              <a:t> de </a:t>
-            </a:r>
-            <a:r>
-              <a:rPr lang="en-US" dirty="0" err="1" smtClean="0">
-                <a:solidFill>
-                  <a:schemeClr val="tx1"/>
-                </a:solidFill>
-                <a:latin typeface="Helvetica" charset="0"/>
-                <a:ea typeface="Helvetica" charset="0"/>
-                <a:cs typeface="Helvetica" charset="0"/>
-              </a:rPr>
-              <a:t>iterações</a:t>
-            </a:r>
-            <a:r>
-              <a:rPr lang="en-US" dirty="0" smtClean="0">
-                <a:solidFill>
-                  <a:schemeClr val="tx1"/>
-                </a:solidFill>
-                <a:latin typeface="Helvetica" charset="0"/>
-                <a:ea typeface="Helvetica" charset="0"/>
-                <a:cs typeface="Helvetica" charset="0"/>
-              </a:rPr>
-              <a:t> do AE</a:t>
-            </a:r>
-          </a:p>
-          <a:p>
-            <a:endParaRPr lang="en-US" dirty="0" smtClean="0"/>
+              <a:t>)</a:t>
+            </a:r>
           </a:p>
         </p:txBody>
       </p:sp>
@@ -17875,28 +19786,117 @@
           <a:lstStyle/>
           <a:p>
             <a:r>
-              <a:rPr lang="en-US" dirty="0" err="1" smtClean="0"/>
+              <a:rPr lang="en-US" b="1" dirty="0" err="1" smtClean="0">
+                <a:latin typeface="Helvetica" charset="0"/>
+                <a:ea typeface="Helvetica" charset="0"/>
+                <a:cs typeface="Helvetica" charset="0"/>
+              </a:rPr>
               <a:t>Algoritmo</a:t>
             </a:r>
             <a:r>
-              <a:rPr lang="en-US" dirty="0" smtClean="0"/>
+              <a:rPr lang="en-US" b="1" dirty="0" smtClean="0">
+                <a:latin typeface="Helvetica" charset="0"/>
+                <a:ea typeface="Helvetica" charset="0"/>
+                <a:cs typeface="Helvetica" charset="0"/>
+              </a:rPr>
               <a:t> </a:t>
             </a:r>
             <a:r>
-              <a:rPr lang="en-US" dirty="0" err="1" smtClean="0"/>
+              <a:rPr lang="en-US" b="1" dirty="0" err="1" smtClean="0">
+                <a:latin typeface="Helvetica" charset="0"/>
+                <a:ea typeface="Helvetica" charset="0"/>
+                <a:cs typeface="Helvetica" charset="0"/>
+              </a:rPr>
               <a:t>Evolutivo</a:t>
             </a:r>
             <a:r>
-              <a:rPr lang="en-US" dirty="0" smtClean="0"/>
-              <a:t> (AE) - Framework</a:t>
-            </a:r>
-            <a:endParaRPr lang="en-US" dirty="0"/>
+              <a:rPr lang="en-US" b="1" dirty="0" smtClean="0">
+                <a:latin typeface="Helvetica" charset="0"/>
+                <a:ea typeface="Helvetica" charset="0"/>
+                <a:cs typeface="Helvetica" charset="0"/>
+              </a:rPr>
+              <a:t> (AE</a:t>
+            </a:r>
+            <a:r>
+              <a:rPr lang="en-US" b="1" dirty="0" smtClean="0">
+                <a:latin typeface="Helvetica" charset="0"/>
+                <a:ea typeface="Helvetica" charset="0"/>
+                <a:cs typeface="Helvetica" charset="0"/>
+              </a:rPr>
+              <a:t>) </a:t>
+            </a:r>
+            <a:r>
+              <a:rPr lang="mr-IN" b="1" dirty="0" smtClean="0">
+                <a:latin typeface="Helvetica" charset="0"/>
+                <a:ea typeface="Helvetica" charset="0"/>
+                <a:cs typeface="Helvetica" charset="0"/>
+              </a:rPr>
+              <a:t>–</a:t>
+            </a:r>
+            <a:r>
+              <a:rPr lang="en-US" b="1" dirty="0" smtClean="0">
+                <a:latin typeface="Helvetica" charset="0"/>
+                <a:ea typeface="Helvetica" charset="0"/>
+                <a:cs typeface="Helvetica" charset="0"/>
+              </a:rPr>
+              <a:t> </a:t>
+            </a:r>
+            <a:r>
+              <a:rPr lang="en-US" sz="3200" b="1" dirty="0" smtClean="0">
+                <a:latin typeface="Helvetica" charset="0"/>
+                <a:ea typeface="Helvetica" charset="0"/>
+                <a:cs typeface="Helvetica" charset="0"/>
+              </a:rPr>
+              <a:t>Framework</a:t>
+            </a:r>
+            <a:r>
+              <a:rPr lang="en-US" sz="3200" b="1" baseline="30000" dirty="0" smtClean="0">
+                <a:solidFill>
+                  <a:srgbClr val="00B0F0"/>
+                </a:solidFill>
+                <a:latin typeface="Helvetica" charset="0"/>
+                <a:ea typeface="Helvetica" charset="0"/>
+                <a:cs typeface="Helvetica" charset="0"/>
+              </a:rPr>
+              <a:t>[2]</a:t>
+            </a:r>
+            <a:endParaRPr lang="en-US" sz="1100" b="1" baseline="30000" dirty="0">
+              <a:solidFill>
+                <a:srgbClr val="00B0F0"/>
+              </a:solidFill>
+              <a:latin typeface="Helvetica" charset="0"/>
+              <a:ea typeface="Helvetica" charset="0"/>
+              <a:cs typeface="Helvetica" charset="0"/>
+            </a:endParaRPr>
+          </a:p>
+        </p:txBody>
+      </p:sp>
+      <p:sp>
+        <p:nvSpPr>
+          <p:cNvPr id="5" name="Slide Number Placeholder 4"/>
+          <p:cNvSpPr>
+            <a:spLocks noGrp="1"/>
+          </p:cNvSpPr>
+          <p:nvPr>
+            <p:ph type="sldNum" sz="quarter" idx="12"/>
+          </p:nvPr>
+        </p:nvSpPr>
+        <p:spPr/>
+        <p:txBody>
+          <a:bodyPr/>
+          <a:lstStyle/>
+          <a:p>
+            <a:fld id="{55774153-6BEA-8641-B7A1-86CE42693FE2}" type="slidenum">
+              <a:rPr lang="en-US" smtClean="0"/>
+              <a:t>4</a:t>
+            </a:fld>
+            <a:endParaRPr lang="en-US"/>
           </a:p>
         </p:txBody>
       </p:sp>
       <p:pic>
         <p:nvPicPr>
-          <p:cNvPr id="4" name="Content Placeholder 3"/>
+          <p:cNvPr id="7" name="Content Placeholder 3"/>
           <p:cNvPicPr>
             <a:picLocks noGrp="1" noChangeAspect="1"/>
           </p:cNvPicPr>
@@ -17905,7 +19905,7 @@
           </p:nvPr>
         </p:nvPicPr>
         <p:blipFill>
-          <a:blip r:embed="rId2">
+          <a:blip r:embed="rId3">
             <a:extLst>
               <a:ext uri="{28A0092B-C50C-407E-A947-70E740481C1C}">
                 <a14:useLocalDpi xmlns:a14="http://schemas.microsoft.com/office/drawing/2010/main" val="0"/>
@@ -17918,38 +19918,15 @@
         </p:blipFill>
         <p:spPr>
           <a:xfrm>
-            <a:off x="1682495" y="2550697"/>
-            <a:ext cx="8298117" cy="3760647"/>
+            <a:off x="1718284" y="2634121"/>
+            <a:ext cx="8634256" cy="3912983"/>
           </a:xfrm>
         </p:spPr>
       </p:pic>
-      <p:sp>
-        <p:nvSpPr>
-          <p:cNvPr id="6" name="Slide Number Placeholder 5"/>
-          <p:cNvSpPr>
-            <a:spLocks noGrp="1"/>
-          </p:cNvSpPr>
-          <p:nvPr>
-            <p:ph type="sldNum" sz="quarter" idx="12"/>
-          </p:nvPr>
-        </p:nvSpPr>
-        <p:spPr/>
-        <p:txBody>
-          <a:bodyPr/>
-          <a:lstStyle/>
-          <a:p>
-            <a:fld id="{55774153-6BEA-8641-B7A1-86CE42693FE2}" type="slidenum">
-              <a:rPr lang="en-US" smtClean="0"/>
-              <a:t>4</a:t>
-            </a:fld>
-            <a:endParaRPr lang="en-US"/>
-          </a:p>
-        </p:txBody>
-      </p:sp>
     </p:spTree>
     <p:extLst>
       <p:ext uri="{BB962C8B-B14F-4D97-AF65-F5344CB8AC3E}">
-        <p14:creationId xmlns:p14="http://schemas.microsoft.com/office/powerpoint/2010/main" val="252538037"/>
+        <p14:creationId xmlns:p14="http://schemas.microsoft.com/office/powerpoint/2010/main" val="499565086"/>
       </p:ext>
     </p:extLst>
   </p:cSld>
@@ -17993,33 +19970,56 @@
             <p:ph type="title"/>
           </p:nvPr>
         </p:nvSpPr>
-        <p:spPr>
-          <a:xfrm>
-            <a:off x="1154954" y="973669"/>
-            <a:ext cx="9622774" cy="706964"/>
-          </a:xfrm>
-        </p:spPr>
+        <p:spPr/>
         <p:txBody>
           <a:bodyPr/>
           <a:lstStyle/>
           <a:p>
             <a:r>
-              <a:rPr lang="en-US" dirty="0" err="1" smtClean="0"/>
+              <a:rPr lang="en-US" b="1" dirty="0" err="1" smtClean="0">
+                <a:latin typeface="Helvetica" charset="0"/>
+                <a:ea typeface="Helvetica" charset="0"/>
+                <a:cs typeface="Helvetica" charset="0"/>
+              </a:rPr>
               <a:t>Algoritmo</a:t>
             </a:r>
             <a:r>
-              <a:rPr lang="en-US" dirty="0"/>
+              <a:rPr lang="en-US" b="1" dirty="0" smtClean="0">
+                <a:latin typeface="Helvetica" charset="0"/>
+                <a:ea typeface="Helvetica" charset="0"/>
+                <a:cs typeface="Helvetica" charset="0"/>
+              </a:rPr>
               <a:t> </a:t>
             </a:r>
             <a:r>
-              <a:rPr lang="en-US" dirty="0" err="1" smtClean="0"/>
-              <a:t>Evolutivo</a:t>
-            </a:r>
-            <a:r>
-              <a:rPr lang="en-US" dirty="0" smtClean="0"/>
-              <a:t> (AE)</a:t>
-            </a:r>
-            <a:endParaRPr lang="en-US" dirty="0"/>
+              <a:rPr lang="en-US" b="1" dirty="0" err="1" smtClean="0">
+                <a:latin typeface="Helvetica" charset="0"/>
+                <a:ea typeface="Helvetica" charset="0"/>
+                <a:cs typeface="Helvetica" charset="0"/>
+              </a:rPr>
+              <a:t>Gen</a:t>
+            </a:r>
+            <a:r>
+              <a:rPr lang="en-US" b="1" dirty="0" err="1" smtClean="0">
+                <a:latin typeface="Helvetica" charset="0"/>
+                <a:ea typeface="Helvetica" charset="0"/>
+                <a:cs typeface="Helvetica" charset="0"/>
+              </a:rPr>
+              <a:t>ético</a:t>
+            </a:r>
+            <a:r>
+              <a:rPr lang="en-US" b="1" dirty="0" smtClean="0">
+                <a:latin typeface="Helvetica" charset="0"/>
+                <a:ea typeface="Helvetica" charset="0"/>
+                <a:cs typeface="Helvetica" charset="0"/>
+              </a:rPr>
+              <a:t> (AG)</a:t>
+            </a:r>
+            <a:endParaRPr lang="en-US" b="1" dirty="0">
+              <a:latin typeface="Helvetica" charset="0"/>
+              <a:ea typeface="Helvetica" charset="0"/>
+              <a:cs typeface="Helvetica" charset="0"/>
+            </a:endParaRPr>
           </a:p>
         </p:txBody>
       </p:sp>
@@ -18036,389 +20036,1098 @@
         <p:spPr>
           <a:xfrm>
             <a:off x="1154954" y="2603500"/>
-            <a:ext cx="8825659" cy="3955796"/>
+            <a:ext cx="9647158" cy="3760724"/>
           </a:xfrm>
         </p:spPr>
         <p:txBody>
-          <a:bodyPr/>
+          <a:bodyPr>
+            <a:normAutofit/>
+          </a:bodyPr>
           <a:lstStyle/>
           <a:p>
             <a:r>
-              <a:rPr lang="en-US" dirty="0" err="1" smtClean="0"/>
-              <a:t>Implementação</a:t>
-            </a:r>
-            <a:r>
-              <a:rPr lang="en-US" dirty="0" smtClean="0"/>
+              <a:rPr lang="en-US" dirty="0" err="1" smtClean="0">
+                <a:solidFill>
+                  <a:schemeClr val="tx1"/>
+                </a:solidFill>
+                <a:latin typeface="Helvetica" charset="0"/>
+                <a:ea typeface="Helvetica" charset="0"/>
+                <a:cs typeface="Helvetica" charset="0"/>
+              </a:rPr>
+              <a:t>Menor</a:t>
+            </a:r>
+            <a:r>
+              <a:rPr lang="en-US" dirty="0" smtClean="0">
+                <a:solidFill>
+                  <a:schemeClr val="tx1"/>
+                </a:solidFill>
+                <a:latin typeface="Helvetica" charset="0"/>
+                <a:ea typeface="Helvetica" charset="0"/>
+                <a:cs typeface="Helvetica" charset="0"/>
+              </a:rPr>
+              <a:t> parte: gene (</a:t>
+            </a:r>
+            <a:r>
+              <a:rPr lang="en-US" dirty="0" err="1" smtClean="0">
+                <a:solidFill>
+                  <a:schemeClr val="tx1"/>
+                </a:solidFill>
+                <a:latin typeface="Helvetica" charset="0"/>
+                <a:ea typeface="Helvetica" charset="0"/>
+                <a:cs typeface="Helvetica" charset="0"/>
+              </a:rPr>
+              <a:t>cont</a:t>
+            </a:r>
+            <a:r>
+              <a:rPr lang="en-US" dirty="0" err="1" smtClean="0">
+                <a:solidFill>
+                  <a:schemeClr val="tx1"/>
+                </a:solidFill>
+                <a:latin typeface="Helvetica" charset="0"/>
+                <a:ea typeface="Helvetica" charset="0"/>
+                <a:cs typeface="Helvetica" charset="0"/>
+              </a:rPr>
+              <a:t>ém</a:t>
+            </a:r>
+            <a:r>
+              <a:rPr lang="en-US" dirty="0" smtClean="0">
+                <a:solidFill>
+                  <a:schemeClr val="tx1"/>
+                </a:solidFill>
+                <a:latin typeface="Helvetica" charset="0"/>
+                <a:ea typeface="Helvetica" charset="0"/>
+                <a:cs typeface="Helvetica" charset="0"/>
+              </a:rPr>
+              <a:t> um valor/</a:t>
+            </a:r>
+            <a:r>
+              <a:rPr lang="en-US" dirty="0" err="1" smtClean="0">
+                <a:solidFill>
+                  <a:schemeClr val="tx1"/>
+                </a:solidFill>
+                <a:latin typeface="Helvetica" charset="0"/>
+                <a:ea typeface="Helvetica" charset="0"/>
+                <a:cs typeface="Helvetica" charset="0"/>
+              </a:rPr>
+              <a:t>expressividade</a:t>
+            </a:r>
+            <a:r>
+              <a:rPr lang="en-US" dirty="0" smtClean="0">
+                <a:solidFill>
+                  <a:schemeClr val="tx1"/>
+                </a:solidFill>
+                <a:latin typeface="Helvetica" charset="0"/>
+                <a:ea typeface="Helvetica" charset="0"/>
+                <a:cs typeface="Helvetica" charset="0"/>
+              </a:rPr>
+              <a:t>)</a:t>
+            </a:r>
+          </a:p>
+          <a:p>
+            <a:r>
+              <a:rPr lang="en-US" dirty="0" smtClean="0">
+                <a:solidFill>
+                  <a:schemeClr val="tx1"/>
+                </a:solidFill>
+                <a:latin typeface="Helvetica" charset="0"/>
+                <a:ea typeface="Helvetica" charset="0"/>
+                <a:cs typeface="Helvetica" charset="0"/>
+              </a:rPr>
+              <a:t>O </a:t>
+            </a:r>
+            <a:r>
+              <a:rPr lang="en-US" dirty="0" err="1" smtClean="0">
+                <a:solidFill>
+                  <a:schemeClr val="tx1"/>
+                </a:solidFill>
+                <a:latin typeface="Helvetica" charset="0"/>
+                <a:ea typeface="Helvetica" charset="0"/>
+                <a:cs typeface="Helvetica" charset="0"/>
+              </a:rPr>
+              <a:t>problema</a:t>
+            </a:r>
+            <a:r>
+              <a:rPr lang="en-US" dirty="0" smtClean="0">
+                <a:solidFill>
+                  <a:schemeClr val="tx1"/>
+                </a:solidFill>
+                <a:latin typeface="Helvetica" charset="0"/>
+                <a:ea typeface="Helvetica" charset="0"/>
+                <a:cs typeface="Helvetica" charset="0"/>
+              </a:rPr>
               <a:t> </a:t>
             </a:r>
             <a:r>
-              <a:rPr lang="en-US" dirty="0" err="1" smtClean="0"/>
-              <a:t>baseada</a:t>
-            </a:r>
-            <a:r>
-              <a:rPr lang="en-US" dirty="0" smtClean="0"/>
-              <a:t> no framework </a:t>
-            </a:r>
-            <a:r>
-              <a:rPr lang="en-US" b="1" baseline="30000" dirty="0" smtClean="0">
-                <a:solidFill>
-                  <a:srgbClr val="0432FF"/>
-                </a:solidFill>
-              </a:rPr>
-              <a:t>[2]</a:t>
-            </a:r>
-          </a:p>
-          <a:p>
-            <a:r>
-              <a:rPr lang="en-US" dirty="0" err="1" smtClean="0"/>
-              <a:t>Desenvolver</a:t>
-            </a:r>
-            <a:r>
-              <a:rPr lang="en-US" dirty="0" smtClean="0"/>
+              <a:rPr lang="en-US" dirty="0" err="1" smtClean="0">
+                <a:solidFill>
+                  <a:schemeClr val="tx1"/>
+                </a:solidFill>
+                <a:latin typeface="Helvetica" charset="0"/>
+                <a:ea typeface="Helvetica" charset="0"/>
+                <a:cs typeface="Helvetica" charset="0"/>
+              </a:rPr>
+              <a:t>deve</a:t>
+            </a:r>
+            <a:r>
+              <a:rPr lang="en-US" dirty="0" smtClean="0">
+                <a:solidFill>
+                  <a:schemeClr val="tx1"/>
+                </a:solidFill>
+                <a:latin typeface="Helvetica" charset="0"/>
+                <a:ea typeface="Helvetica" charset="0"/>
+                <a:cs typeface="Helvetica" charset="0"/>
+              </a:rPr>
               <a:t> </a:t>
             </a:r>
             <a:r>
-              <a:rPr lang="en-US" dirty="0" err="1" smtClean="0"/>
-              <a:t>diferentes</a:t>
-            </a:r>
-            <a:r>
-              <a:rPr lang="en-US" dirty="0" smtClean="0"/>
+              <a:rPr lang="en-US" dirty="0" err="1" smtClean="0">
+                <a:solidFill>
+                  <a:schemeClr val="tx1"/>
+                </a:solidFill>
+                <a:latin typeface="Helvetica" charset="0"/>
+                <a:ea typeface="Helvetica" charset="0"/>
+                <a:cs typeface="Helvetica" charset="0"/>
+              </a:rPr>
+              <a:t>organizar</a:t>
+            </a:r>
+            <a:r>
+              <a:rPr lang="en-US" dirty="0" smtClean="0">
+                <a:solidFill>
+                  <a:schemeClr val="tx1"/>
+                </a:solidFill>
+                <a:latin typeface="Helvetica" charset="0"/>
+                <a:ea typeface="Helvetica" charset="0"/>
+                <a:cs typeface="Helvetica" charset="0"/>
+              </a:rPr>
               <a:t> </a:t>
             </a:r>
             <a:r>
-              <a:rPr lang="en-US" dirty="0" err="1" smtClean="0"/>
-              <a:t>ações</a:t>
-            </a:r>
-            <a:r>
-              <a:rPr lang="en-US" dirty="0" smtClean="0"/>
+              <a:rPr lang="en-US" dirty="0" err="1" smtClean="0">
+                <a:solidFill>
+                  <a:schemeClr val="tx1"/>
+                </a:solidFill>
+                <a:latin typeface="Helvetica" charset="0"/>
+                <a:ea typeface="Helvetica" charset="0"/>
+                <a:cs typeface="Helvetica" charset="0"/>
+              </a:rPr>
+              <a:t>como</a:t>
+            </a:r>
+            <a:r>
+              <a:rPr lang="en-US" dirty="0" smtClean="0">
+                <a:solidFill>
+                  <a:schemeClr val="tx1"/>
+                </a:solidFill>
+                <a:latin typeface="Helvetica" charset="0"/>
+                <a:ea typeface="Helvetica" charset="0"/>
+                <a:cs typeface="Helvetica" charset="0"/>
+              </a:rPr>
+              <a:t> </a:t>
+            </a:r>
+            <a:r>
+              <a:rPr lang="en-US" dirty="0" err="1" smtClean="0">
+                <a:solidFill>
+                  <a:schemeClr val="tx1"/>
+                </a:solidFill>
+                <a:latin typeface="Helvetica" charset="0"/>
+                <a:ea typeface="Helvetica" charset="0"/>
+                <a:cs typeface="Helvetica" charset="0"/>
+              </a:rPr>
+              <a:t>os</a:t>
+            </a:r>
+            <a:r>
+              <a:rPr lang="en-US" dirty="0" smtClean="0">
+                <a:solidFill>
+                  <a:schemeClr val="tx1"/>
+                </a:solidFill>
+                <a:latin typeface="Helvetica" charset="0"/>
+                <a:ea typeface="Helvetica" charset="0"/>
+                <a:cs typeface="Helvetica" charset="0"/>
+              </a:rPr>
+              <a:t> genes </a:t>
+            </a:r>
+            <a:r>
+              <a:rPr lang="en-US" dirty="0" err="1" smtClean="0">
+                <a:solidFill>
+                  <a:schemeClr val="tx1"/>
+                </a:solidFill>
+                <a:latin typeface="Helvetica" charset="0"/>
+                <a:ea typeface="Helvetica" charset="0"/>
+                <a:cs typeface="Helvetica" charset="0"/>
+              </a:rPr>
+              <a:t>estarão</a:t>
+            </a:r>
+            <a:r>
+              <a:rPr lang="en-US" dirty="0" smtClean="0">
+                <a:solidFill>
+                  <a:schemeClr val="tx1"/>
+                </a:solidFill>
+                <a:latin typeface="Helvetica" charset="0"/>
+                <a:ea typeface="Helvetica" charset="0"/>
+                <a:cs typeface="Helvetica" charset="0"/>
+              </a:rPr>
+              <a:t> </a:t>
+            </a:r>
+            <a:r>
+              <a:rPr lang="en-US" dirty="0" err="1" smtClean="0">
+                <a:solidFill>
+                  <a:schemeClr val="tx1"/>
+                </a:solidFill>
+                <a:latin typeface="Helvetica" charset="0"/>
+                <a:ea typeface="Helvetica" charset="0"/>
+                <a:cs typeface="Helvetica" charset="0"/>
+              </a:rPr>
+              <a:t>dispostos</a:t>
+            </a:r>
+            <a:r>
+              <a:rPr lang="en-US" dirty="0" smtClean="0">
+                <a:solidFill>
+                  <a:schemeClr val="tx1"/>
+                </a:solidFill>
+                <a:latin typeface="Helvetica" charset="0"/>
+                <a:ea typeface="Helvetica" charset="0"/>
+                <a:cs typeface="Helvetica" charset="0"/>
+              </a:rPr>
+              <a:t> </a:t>
+            </a:r>
+            <a:r>
+              <a:rPr lang="en-US" dirty="0" err="1" smtClean="0">
+                <a:solidFill>
+                  <a:schemeClr val="tx1"/>
+                </a:solidFill>
+                <a:latin typeface="Helvetica" charset="0"/>
+                <a:ea typeface="Helvetica" charset="0"/>
+                <a:cs typeface="Helvetica" charset="0"/>
+              </a:rPr>
+              <a:t>nos</a:t>
+            </a:r>
+            <a:r>
+              <a:rPr lang="en-US" dirty="0" smtClean="0">
+                <a:solidFill>
+                  <a:schemeClr val="tx1"/>
+                </a:solidFill>
+                <a:latin typeface="Helvetica" charset="0"/>
+                <a:ea typeface="Helvetica" charset="0"/>
+                <a:cs typeface="Helvetica" charset="0"/>
+              </a:rPr>
+              <a:t> </a:t>
+            </a:r>
+            <a:r>
+              <a:rPr lang="en-US" dirty="0" err="1" smtClean="0">
+                <a:solidFill>
+                  <a:schemeClr val="tx1"/>
+                </a:solidFill>
+                <a:latin typeface="Helvetica" charset="0"/>
+                <a:ea typeface="Helvetica" charset="0"/>
+                <a:cs typeface="Helvetica" charset="0"/>
+              </a:rPr>
+              <a:t>indivíduos</a:t>
+            </a:r>
+            <a:endParaRPr lang="en-US" dirty="0">
+              <a:solidFill>
+                <a:schemeClr val="tx1"/>
+              </a:solidFill>
+              <a:latin typeface="Helvetica" charset="0"/>
+              <a:ea typeface="Helvetica" charset="0"/>
+              <a:cs typeface="Helvetica" charset="0"/>
+            </a:endParaRPr>
+          </a:p>
+          <a:p>
+            <a:endParaRPr lang="en-US" dirty="0" smtClean="0">
+              <a:solidFill>
+                <a:schemeClr val="tx1"/>
+              </a:solidFill>
+              <a:latin typeface="Helvetica" charset="0"/>
+              <a:ea typeface="Helvetica" charset="0"/>
+              <a:cs typeface="Helvetica" charset="0"/>
+            </a:endParaRPr>
+          </a:p>
+          <a:p>
+            <a:r>
+              <a:rPr lang="en-US" b="1" dirty="0" err="1" smtClean="0">
+                <a:solidFill>
+                  <a:schemeClr val="tx1"/>
+                </a:solidFill>
+                <a:latin typeface="Helvetica" charset="0"/>
+                <a:ea typeface="Helvetica" charset="0"/>
+                <a:cs typeface="Helvetica" charset="0"/>
+              </a:rPr>
+              <a:t>Sele</a:t>
+            </a:r>
+            <a:r>
+              <a:rPr lang="en-US" b="1" dirty="0" err="1" smtClean="0">
+                <a:solidFill>
+                  <a:schemeClr val="tx1"/>
+                </a:solidFill>
+                <a:latin typeface="Helvetica" charset="0"/>
+                <a:ea typeface="Helvetica" charset="0"/>
+                <a:cs typeface="Helvetica" charset="0"/>
+              </a:rPr>
+              <a:t>ção</a:t>
+            </a:r>
+            <a:r>
+              <a:rPr lang="en-US" b="1" dirty="0" smtClean="0">
+                <a:solidFill>
+                  <a:schemeClr val="tx1"/>
+                </a:solidFill>
+                <a:latin typeface="Helvetica" charset="0"/>
+                <a:ea typeface="Helvetica" charset="0"/>
+                <a:cs typeface="Helvetica" charset="0"/>
+              </a:rPr>
+              <a:t> </a:t>
+            </a:r>
+            <a:r>
+              <a:rPr lang="mr-IN" b="1" dirty="0" smtClean="0">
+                <a:solidFill>
+                  <a:schemeClr val="tx1"/>
+                </a:solidFill>
+                <a:latin typeface="Helvetica" charset="0"/>
+                <a:ea typeface="Helvetica" charset="0"/>
+                <a:cs typeface="Helvetica" charset="0"/>
+              </a:rPr>
+              <a:t>–</a:t>
+            </a:r>
+            <a:r>
+              <a:rPr lang="en-US" b="1" dirty="0" smtClean="0">
+                <a:solidFill>
+                  <a:schemeClr val="tx1"/>
+                </a:solidFill>
+                <a:latin typeface="Helvetica" charset="0"/>
+                <a:ea typeface="Helvetica" charset="0"/>
+                <a:cs typeface="Helvetica" charset="0"/>
+              </a:rPr>
+              <a:t> </a:t>
+            </a:r>
+            <a:r>
+              <a:rPr lang="en-US" dirty="0" err="1" smtClean="0">
+                <a:solidFill>
+                  <a:schemeClr val="tx1"/>
+                </a:solidFill>
+                <a:latin typeface="Helvetica" charset="0"/>
+                <a:ea typeface="Helvetica" charset="0"/>
+                <a:cs typeface="Helvetica" charset="0"/>
+              </a:rPr>
+              <a:t>os</a:t>
+            </a:r>
+            <a:r>
+              <a:rPr lang="en-US" dirty="0" smtClean="0">
+                <a:solidFill>
+                  <a:schemeClr val="tx1"/>
+                </a:solidFill>
+                <a:latin typeface="Helvetica" charset="0"/>
+                <a:ea typeface="Helvetica" charset="0"/>
+                <a:cs typeface="Helvetica" charset="0"/>
+              </a:rPr>
+              <a:t> </a:t>
+            </a:r>
+            <a:r>
+              <a:rPr lang="en-US" dirty="0" err="1" smtClean="0">
+                <a:solidFill>
+                  <a:schemeClr val="tx1"/>
+                </a:solidFill>
+                <a:latin typeface="Helvetica" charset="0"/>
+                <a:ea typeface="Helvetica" charset="0"/>
+                <a:cs typeface="Helvetica" charset="0"/>
+              </a:rPr>
+              <a:t>melhores</a:t>
+            </a:r>
+            <a:r>
+              <a:rPr lang="en-US" dirty="0" smtClean="0">
+                <a:solidFill>
+                  <a:schemeClr val="tx1"/>
+                </a:solidFill>
+                <a:latin typeface="Helvetica" charset="0"/>
+                <a:ea typeface="Helvetica" charset="0"/>
+                <a:cs typeface="Helvetica" charset="0"/>
+              </a:rPr>
+              <a:t> </a:t>
+            </a:r>
+            <a:r>
+              <a:rPr lang="en-US" dirty="0" err="1" smtClean="0">
+                <a:solidFill>
+                  <a:schemeClr val="tx1"/>
+                </a:solidFill>
+                <a:latin typeface="Helvetica" charset="0"/>
+                <a:ea typeface="Helvetica" charset="0"/>
+                <a:cs typeface="Helvetica" charset="0"/>
+              </a:rPr>
+              <a:t>indivíduos</a:t>
+            </a:r>
+            <a:r>
+              <a:rPr lang="en-US" dirty="0" smtClean="0">
+                <a:solidFill>
+                  <a:schemeClr val="tx1"/>
+                </a:solidFill>
+                <a:latin typeface="Helvetica" charset="0"/>
+                <a:ea typeface="Helvetica" charset="0"/>
+                <a:cs typeface="Helvetica" charset="0"/>
+              </a:rPr>
+              <a:t> da </a:t>
+            </a:r>
+            <a:r>
+              <a:rPr lang="en-US" dirty="0" err="1" smtClean="0">
+                <a:solidFill>
+                  <a:schemeClr val="tx1"/>
+                </a:solidFill>
+                <a:latin typeface="Helvetica" charset="0"/>
+                <a:ea typeface="Helvetica" charset="0"/>
+                <a:cs typeface="Helvetica" charset="0"/>
+              </a:rPr>
+              <a:t>geração</a:t>
+            </a:r>
+            <a:r>
+              <a:rPr lang="en-US" dirty="0" smtClean="0">
+                <a:solidFill>
+                  <a:schemeClr val="tx1"/>
+                </a:solidFill>
+                <a:latin typeface="Helvetica" charset="0"/>
+                <a:ea typeface="Helvetica" charset="0"/>
+                <a:cs typeface="Helvetica" charset="0"/>
+              </a:rPr>
+              <a:t> </a:t>
+            </a:r>
+            <a:r>
+              <a:rPr lang="en-US" dirty="0" err="1" smtClean="0">
+                <a:solidFill>
+                  <a:schemeClr val="tx1"/>
+                </a:solidFill>
+                <a:latin typeface="Helvetica" charset="0"/>
+                <a:ea typeface="Helvetica" charset="0"/>
+                <a:cs typeface="Helvetica" charset="0"/>
+              </a:rPr>
+              <a:t>pai</a:t>
+            </a:r>
+            <a:r>
+              <a:rPr lang="en-US" dirty="0" smtClean="0">
+                <a:solidFill>
+                  <a:schemeClr val="tx1"/>
+                </a:solidFill>
+                <a:latin typeface="Helvetica" charset="0"/>
+                <a:ea typeface="Helvetica" charset="0"/>
+                <a:cs typeface="Helvetica" charset="0"/>
+              </a:rPr>
+              <a:t> </a:t>
+            </a:r>
+            <a:r>
+              <a:rPr lang="en-US" dirty="0" err="1" smtClean="0">
+                <a:solidFill>
+                  <a:schemeClr val="tx1"/>
+                </a:solidFill>
+                <a:latin typeface="Helvetica" charset="0"/>
+                <a:ea typeface="Helvetica" charset="0"/>
+                <a:cs typeface="Helvetica" charset="0"/>
+              </a:rPr>
+              <a:t>são</a:t>
+            </a:r>
+            <a:r>
+              <a:rPr lang="en-US" dirty="0" smtClean="0">
+                <a:solidFill>
+                  <a:schemeClr val="tx1"/>
+                </a:solidFill>
+                <a:latin typeface="Helvetica" charset="0"/>
+                <a:ea typeface="Helvetica" charset="0"/>
+                <a:cs typeface="Helvetica" charset="0"/>
+              </a:rPr>
+              <a:t> </a:t>
+            </a:r>
+            <a:r>
+              <a:rPr lang="en-US" dirty="0" err="1" smtClean="0">
+                <a:solidFill>
+                  <a:schemeClr val="tx1"/>
+                </a:solidFill>
+                <a:latin typeface="Helvetica" charset="0"/>
+                <a:ea typeface="Helvetica" charset="0"/>
+                <a:cs typeface="Helvetica" charset="0"/>
+              </a:rPr>
+              <a:t>pareados</a:t>
+            </a:r>
+            <a:endParaRPr lang="en-US" dirty="0" smtClean="0">
+              <a:solidFill>
+                <a:schemeClr val="tx1"/>
+              </a:solidFill>
+              <a:latin typeface="Helvetica" charset="0"/>
+              <a:ea typeface="Helvetica" charset="0"/>
+              <a:cs typeface="Helvetica" charset="0"/>
+            </a:endParaRPr>
+          </a:p>
+          <a:p>
+            <a:r>
+              <a:rPr lang="en-US" b="1" dirty="0" err="1" smtClean="0">
+                <a:solidFill>
+                  <a:schemeClr val="tx1"/>
+                </a:solidFill>
+                <a:latin typeface="Helvetica" charset="0"/>
+                <a:ea typeface="Helvetica" charset="0"/>
+                <a:cs typeface="Helvetica" charset="0"/>
+              </a:rPr>
+              <a:t>Recombinação</a:t>
+            </a:r>
+            <a:r>
+              <a:rPr lang="en-US" dirty="0" smtClean="0">
+                <a:solidFill>
+                  <a:schemeClr val="tx1"/>
+                </a:solidFill>
+                <a:latin typeface="Helvetica" charset="0"/>
+                <a:ea typeface="Helvetica" charset="0"/>
+                <a:cs typeface="Helvetica" charset="0"/>
+              </a:rPr>
+              <a:t> </a:t>
+            </a:r>
+            <a:r>
+              <a:rPr lang="mr-IN" dirty="0" smtClean="0">
+                <a:solidFill>
+                  <a:schemeClr val="tx1"/>
+                </a:solidFill>
+                <a:latin typeface="Helvetica" charset="0"/>
+                <a:ea typeface="Helvetica" charset="0"/>
+                <a:cs typeface="Helvetica" charset="0"/>
+              </a:rPr>
+              <a:t>–</a:t>
+            </a:r>
+            <a:r>
+              <a:rPr lang="en-US" dirty="0" smtClean="0">
+                <a:solidFill>
+                  <a:schemeClr val="tx1"/>
+                </a:solidFill>
+                <a:latin typeface="Helvetica" charset="0"/>
+                <a:ea typeface="Helvetica" charset="0"/>
+                <a:cs typeface="Helvetica" charset="0"/>
+              </a:rPr>
+              <a:t> </a:t>
+            </a:r>
+            <a:r>
+              <a:rPr lang="en-US" dirty="0" err="1" smtClean="0">
+                <a:solidFill>
+                  <a:schemeClr val="tx1"/>
+                </a:solidFill>
+                <a:latin typeface="Helvetica" charset="0"/>
+                <a:ea typeface="Helvetica" charset="0"/>
+                <a:cs typeface="Helvetica" charset="0"/>
+              </a:rPr>
+              <a:t>os</a:t>
+            </a:r>
+            <a:r>
+              <a:rPr lang="en-US" dirty="0" smtClean="0">
+                <a:solidFill>
+                  <a:schemeClr val="tx1"/>
+                </a:solidFill>
+                <a:latin typeface="Helvetica" charset="0"/>
+                <a:ea typeface="Helvetica" charset="0"/>
+                <a:cs typeface="Helvetica" charset="0"/>
+              </a:rPr>
+              <a:t> genes dos </a:t>
+            </a:r>
+            <a:r>
+              <a:rPr lang="en-US" dirty="0" err="1" smtClean="0">
+                <a:solidFill>
+                  <a:schemeClr val="tx1"/>
+                </a:solidFill>
+                <a:latin typeface="Helvetica" charset="0"/>
+                <a:ea typeface="Helvetica" charset="0"/>
+                <a:cs typeface="Helvetica" charset="0"/>
+              </a:rPr>
+              <a:t>pais</a:t>
+            </a:r>
+            <a:r>
+              <a:rPr lang="en-US" dirty="0" smtClean="0">
+                <a:solidFill>
+                  <a:schemeClr val="tx1"/>
+                </a:solidFill>
+                <a:latin typeface="Helvetica" charset="0"/>
+                <a:ea typeface="Helvetica" charset="0"/>
+                <a:cs typeface="Helvetica" charset="0"/>
+              </a:rPr>
+              <a:t> </a:t>
+            </a:r>
+            <a:r>
+              <a:rPr lang="en-US" dirty="0" err="1" smtClean="0">
+                <a:solidFill>
+                  <a:schemeClr val="tx1"/>
+                </a:solidFill>
+                <a:latin typeface="Helvetica" charset="0"/>
+                <a:ea typeface="Helvetica" charset="0"/>
+                <a:cs typeface="Helvetica" charset="0"/>
+              </a:rPr>
+              <a:t>são</a:t>
+            </a:r>
+            <a:r>
+              <a:rPr lang="en-US" dirty="0" smtClean="0">
+                <a:solidFill>
+                  <a:schemeClr val="tx1"/>
+                </a:solidFill>
+                <a:latin typeface="Helvetica" charset="0"/>
+                <a:ea typeface="Helvetica" charset="0"/>
+                <a:cs typeface="Helvetica" charset="0"/>
+              </a:rPr>
+              <a:t> </a:t>
+            </a:r>
+            <a:r>
+              <a:rPr lang="en-US" dirty="0" err="1" smtClean="0">
+                <a:solidFill>
+                  <a:schemeClr val="tx1"/>
+                </a:solidFill>
+                <a:latin typeface="Helvetica" charset="0"/>
+                <a:ea typeface="Helvetica" charset="0"/>
+                <a:cs typeface="Helvetica" charset="0"/>
+              </a:rPr>
+              <a:t>trocados</a:t>
+            </a:r>
+            <a:r>
+              <a:rPr lang="en-US" dirty="0" smtClean="0">
+                <a:solidFill>
+                  <a:schemeClr val="tx1"/>
+                </a:solidFill>
+                <a:latin typeface="Helvetica" charset="0"/>
+                <a:ea typeface="Helvetica" charset="0"/>
+                <a:cs typeface="Helvetica" charset="0"/>
+              </a:rPr>
+              <a:t> (</a:t>
+            </a:r>
+            <a:r>
+              <a:rPr lang="en-US" i="1" dirty="0" smtClean="0">
+                <a:solidFill>
+                  <a:schemeClr val="tx1"/>
+                </a:solidFill>
+                <a:latin typeface="Helvetica" charset="0"/>
+                <a:ea typeface="Helvetica" charset="0"/>
+                <a:cs typeface="Helvetica" charset="0"/>
+              </a:rPr>
+              <a:t>crossover</a:t>
+            </a:r>
+            <a:r>
+              <a:rPr lang="en-US" dirty="0" smtClean="0">
+                <a:solidFill>
+                  <a:schemeClr val="tx1"/>
+                </a:solidFill>
+                <a:latin typeface="Helvetica" charset="0"/>
+                <a:ea typeface="Helvetica" charset="0"/>
+                <a:cs typeface="Helvetica" charset="0"/>
+              </a:rPr>
+              <a:t>) para a </a:t>
+            </a:r>
+            <a:r>
+              <a:rPr lang="en-US" dirty="0" err="1" smtClean="0">
+                <a:solidFill>
+                  <a:schemeClr val="tx1"/>
+                </a:solidFill>
+                <a:latin typeface="Helvetica" charset="0"/>
+                <a:ea typeface="Helvetica" charset="0"/>
+                <a:cs typeface="Helvetica" charset="0"/>
+              </a:rPr>
+              <a:t>criação</a:t>
+            </a:r>
+            <a:r>
+              <a:rPr lang="en-US" dirty="0" smtClean="0">
+                <a:solidFill>
+                  <a:schemeClr val="tx1"/>
+                </a:solidFill>
+                <a:latin typeface="Helvetica" charset="0"/>
+                <a:ea typeface="Helvetica" charset="0"/>
+                <a:cs typeface="Helvetica" charset="0"/>
+              </a:rPr>
               <a:t> de </a:t>
             </a:r>
             <a:r>
-              <a:rPr lang="en-US" dirty="0" err="1" smtClean="0"/>
-              <a:t>variação</a:t>
-            </a:r>
-            <a:r>
-              <a:rPr lang="en-US" dirty="0" smtClean="0"/>
-              <a:t>/</a:t>
-            </a:r>
-            <a:r>
-              <a:rPr lang="en-US" dirty="0" err="1" smtClean="0"/>
-              <a:t>seleção</a:t>
-            </a:r>
-            <a:r>
-              <a:rPr lang="en-US" dirty="0" smtClean="0"/>
-              <a:t> para </a:t>
-            </a:r>
-            <a:r>
-              <a:rPr lang="en-US" dirty="0" err="1" smtClean="0"/>
-              <a:t>cada</a:t>
-            </a:r>
-            <a:r>
-              <a:rPr lang="en-US" dirty="0" smtClean="0"/>
+              <a:rPr lang="en-US" dirty="0" err="1" smtClean="0">
+                <a:solidFill>
+                  <a:schemeClr val="tx1"/>
+                </a:solidFill>
+                <a:latin typeface="Helvetica" charset="0"/>
+                <a:ea typeface="Helvetica" charset="0"/>
+                <a:cs typeface="Helvetica" charset="0"/>
+              </a:rPr>
+              <a:t>filhos</a:t>
+            </a:r>
+            <a:endParaRPr lang="en-US" dirty="0" smtClean="0">
+              <a:solidFill>
+                <a:schemeClr val="tx1"/>
+              </a:solidFill>
+              <a:latin typeface="Helvetica" charset="0"/>
+              <a:ea typeface="Helvetica" charset="0"/>
+              <a:cs typeface="Helvetica" charset="0"/>
+            </a:endParaRPr>
+          </a:p>
+          <a:p>
+            <a:r>
+              <a:rPr lang="en-US" b="1" dirty="0" err="1" smtClean="0">
+                <a:solidFill>
+                  <a:schemeClr val="tx1"/>
+                </a:solidFill>
+                <a:latin typeface="Helvetica" charset="0"/>
+                <a:ea typeface="Helvetica" charset="0"/>
+                <a:cs typeface="Helvetica" charset="0"/>
+              </a:rPr>
+              <a:t>Muta</a:t>
+            </a:r>
+            <a:r>
+              <a:rPr lang="en-US" b="1" dirty="0" err="1" smtClean="0">
+                <a:solidFill>
+                  <a:schemeClr val="tx1"/>
+                </a:solidFill>
+                <a:latin typeface="Helvetica" charset="0"/>
+                <a:ea typeface="Helvetica" charset="0"/>
+                <a:cs typeface="Helvetica" charset="0"/>
+              </a:rPr>
+              <a:t>ção</a:t>
+            </a:r>
+            <a:r>
+              <a:rPr lang="en-US" dirty="0" smtClean="0">
+                <a:solidFill>
+                  <a:schemeClr val="tx1"/>
+                </a:solidFill>
+                <a:latin typeface="Helvetica" charset="0"/>
+                <a:ea typeface="Helvetica" charset="0"/>
+                <a:cs typeface="Helvetica" charset="0"/>
+              </a:rPr>
               <a:t> </a:t>
             </a:r>
             <a:r>
-              <a:rPr lang="en-US" dirty="0" err="1" smtClean="0"/>
-              <a:t>população</a:t>
-            </a:r>
-            <a:endParaRPr lang="en-US" dirty="0" smtClean="0"/>
-          </a:p>
-          <a:p>
-            <a:r>
-              <a:rPr lang="en-US" dirty="0" err="1" smtClean="0"/>
-              <a:t>Esqueleto</a:t>
-            </a:r>
-            <a:r>
-              <a:rPr lang="en-US" dirty="0" smtClean="0"/>
+              <a:rPr lang="mr-IN" dirty="0" smtClean="0">
+                <a:solidFill>
+                  <a:schemeClr val="tx1"/>
+                </a:solidFill>
+                <a:latin typeface="Helvetica" charset="0"/>
+                <a:ea typeface="Helvetica" charset="0"/>
+                <a:cs typeface="Helvetica" charset="0"/>
+              </a:rPr>
+              <a:t>–</a:t>
+            </a:r>
+            <a:r>
+              <a:rPr lang="en-US" dirty="0" smtClean="0">
+                <a:solidFill>
+                  <a:schemeClr val="tx1"/>
+                </a:solidFill>
+                <a:latin typeface="Helvetica" charset="0"/>
+                <a:ea typeface="Helvetica" charset="0"/>
+                <a:cs typeface="Helvetica" charset="0"/>
+              </a:rPr>
+              <a:t> a </a:t>
+            </a:r>
+            <a:r>
+              <a:rPr lang="en-US" dirty="0" err="1" smtClean="0">
+                <a:solidFill>
+                  <a:schemeClr val="tx1"/>
+                </a:solidFill>
+                <a:latin typeface="Helvetica" charset="0"/>
+                <a:ea typeface="Helvetica" charset="0"/>
+                <a:cs typeface="Helvetica" charset="0"/>
+              </a:rPr>
+              <a:t>expressividade</a:t>
+            </a:r>
+            <a:r>
+              <a:rPr lang="en-US" dirty="0" smtClean="0">
+                <a:solidFill>
+                  <a:schemeClr val="tx1"/>
+                </a:solidFill>
+                <a:latin typeface="Helvetica" charset="0"/>
+                <a:ea typeface="Helvetica" charset="0"/>
+                <a:cs typeface="Helvetica" charset="0"/>
+              </a:rPr>
+              <a:t> dos genes </a:t>
+            </a:r>
+            <a:r>
+              <a:rPr lang="en-US" dirty="0" err="1" smtClean="0">
+                <a:solidFill>
+                  <a:schemeClr val="tx1"/>
+                </a:solidFill>
+                <a:latin typeface="Helvetica" charset="0"/>
+                <a:ea typeface="Helvetica" charset="0"/>
+                <a:cs typeface="Helvetica" charset="0"/>
+              </a:rPr>
+              <a:t>muda</a:t>
+            </a:r>
+            <a:r>
+              <a:rPr lang="en-US" dirty="0" smtClean="0">
+                <a:solidFill>
+                  <a:schemeClr val="tx1"/>
+                </a:solidFill>
+                <a:latin typeface="Helvetica" charset="0"/>
+                <a:ea typeface="Helvetica" charset="0"/>
+                <a:cs typeface="Helvetica" charset="0"/>
+              </a:rPr>
+              <a:t> de </a:t>
+            </a:r>
+            <a:r>
+              <a:rPr lang="en-US" dirty="0" err="1" smtClean="0">
+                <a:solidFill>
+                  <a:schemeClr val="tx1"/>
+                </a:solidFill>
+                <a:latin typeface="Helvetica" charset="0"/>
+                <a:ea typeface="Helvetica" charset="0"/>
+                <a:cs typeface="Helvetica" charset="0"/>
+              </a:rPr>
+              <a:t>uma</a:t>
+            </a:r>
+            <a:r>
+              <a:rPr lang="en-US" dirty="0" smtClean="0">
+                <a:solidFill>
+                  <a:schemeClr val="tx1"/>
+                </a:solidFill>
+                <a:latin typeface="Helvetica" charset="0"/>
+                <a:ea typeface="Helvetica" charset="0"/>
+                <a:cs typeface="Helvetica" charset="0"/>
+              </a:rPr>
               <a:t> </a:t>
             </a:r>
             <a:r>
-              <a:rPr lang="en-US" dirty="0" err="1" smtClean="0"/>
-              <a:t>deve</a:t>
-            </a:r>
-            <a:r>
-              <a:rPr lang="en-US" dirty="0" smtClean="0"/>
+              <a:rPr lang="en-US" dirty="0" err="1" smtClean="0">
+                <a:solidFill>
+                  <a:schemeClr val="tx1"/>
+                </a:solidFill>
+                <a:latin typeface="Helvetica" charset="0"/>
+                <a:ea typeface="Helvetica" charset="0"/>
+                <a:cs typeface="Helvetica" charset="0"/>
+              </a:rPr>
+              <a:t>geração</a:t>
+            </a:r>
+            <a:r>
+              <a:rPr lang="en-US" dirty="0" smtClean="0">
+                <a:solidFill>
+                  <a:schemeClr val="tx1"/>
+                </a:solidFill>
+                <a:latin typeface="Helvetica" charset="0"/>
+                <a:ea typeface="Helvetica" charset="0"/>
+                <a:cs typeface="Helvetica" charset="0"/>
+              </a:rPr>
+              <a:t> para a </a:t>
+            </a:r>
+            <a:r>
+              <a:rPr lang="en-US" dirty="0" err="1" smtClean="0">
+                <a:solidFill>
+                  <a:schemeClr val="tx1"/>
+                </a:solidFill>
+                <a:latin typeface="Helvetica" charset="0"/>
+                <a:ea typeface="Helvetica" charset="0"/>
+                <a:cs typeface="Helvetica" charset="0"/>
+              </a:rPr>
+              <a:t>seguinte</a:t>
+            </a:r>
+            <a:endParaRPr lang="en-US" dirty="0" smtClean="0">
+              <a:solidFill>
+                <a:schemeClr val="tx1"/>
+              </a:solidFill>
+              <a:latin typeface="Helvetica" charset="0"/>
+              <a:ea typeface="Helvetica" charset="0"/>
+              <a:cs typeface="Helvetica" charset="0"/>
+            </a:endParaRPr>
+          </a:p>
+          <a:p>
+            <a:r>
+              <a:rPr lang="en-US" b="1" dirty="0" err="1" smtClean="0">
+                <a:solidFill>
+                  <a:schemeClr val="tx1"/>
+                </a:solidFill>
+                <a:latin typeface="Helvetica" charset="0"/>
+                <a:ea typeface="Helvetica" charset="0"/>
+                <a:cs typeface="Helvetica" charset="0"/>
+              </a:rPr>
+              <a:t>Sobrevivência</a:t>
+            </a:r>
+            <a:r>
+              <a:rPr lang="en-US" dirty="0" smtClean="0">
+                <a:solidFill>
+                  <a:schemeClr val="tx1"/>
+                </a:solidFill>
+                <a:latin typeface="Helvetica" charset="0"/>
+                <a:ea typeface="Helvetica" charset="0"/>
+                <a:cs typeface="Helvetica" charset="0"/>
+              </a:rPr>
               <a:t> </a:t>
             </a:r>
             <a:r>
-              <a:rPr lang="en-US" dirty="0" err="1" smtClean="0"/>
-              <a:t>ser</a:t>
-            </a:r>
-            <a:r>
-              <a:rPr lang="en-US" dirty="0" smtClean="0"/>
+              <a:rPr lang="mr-IN" dirty="0" smtClean="0">
+                <a:solidFill>
+                  <a:schemeClr val="tx1"/>
+                </a:solidFill>
+                <a:latin typeface="Helvetica" charset="0"/>
+                <a:ea typeface="Helvetica" charset="0"/>
+                <a:cs typeface="Helvetica" charset="0"/>
+              </a:rPr>
+              <a:t>–</a:t>
+            </a:r>
+            <a:r>
+              <a:rPr lang="en-US" dirty="0" smtClean="0">
+                <a:solidFill>
+                  <a:schemeClr val="tx1"/>
+                </a:solidFill>
+                <a:latin typeface="Helvetica" charset="0"/>
+                <a:ea typeface="Helvetica" charset="0"/>
+                <a:cs typeface="Helvetica" charset="0"/>
+              </a:rPr>
               <a:t> </a:t>
             </a:r>
             <a:r>
-              <a:rPr lang="en-US" dirty="0" err="1" smtClean="0"/>
-              <a:t>receptivo</a:t>
-            </a:r>
-            <a:r>
-              <a:rPr lang="en-US" dirty="0" smtClean="0"/>
-              <a:t> a </a:t>
-            </a:r>
-            <a:r>
-              <a:rPr lang="en-US" dirty="0" err="1" smtClean="0"/>
-              <a:t>diferentes</a:t>
-            </a:r>
-            <a:r>
-              <a:rPr lang="en-US" dirty="0" smtClean="0"/>
+              <a:rPr lang="en-US" dirty="0" err="1" smtClean="0">
+                <a:solidFill>
+                  <a:schemeClr val="tx1"/>
+                </a:solidFill>
+                <a:latin typeface="Helvetica" charset="0"/>
+                <a:ea typeface="Helvetica" charset="0"/>
+                <a:cs typeface="Helvetica" charset="0"/>
+              </a:rPr>
+              <a:t>apenas</a:t>
+            </a:r>
+            <a:r>
+              <a:rPr lang="en-US" dirty="0" smtClean="0">
+                <a:solidFill>
+                  <a:schemeClr val="tx1"/>
+                </a:solidFill>
+                <a:latin typeface="Helvetica" charset="0"/>
+                <a:ea typeface="Helvetica" charset="0"/>
+                <a:cs typeface="Helvetica" charset="0"/>
+              </a:rPr>
               <a:t> </a:t>
             </a:r>
             <a:r>
-              <a:rPr lang="en-US" dirty="0" err="1" smtClean="0"/>
-              <a:t>problemas</a:t>
-            </a:r>
-            <a:endParaRPr lang="en-US" dirty="0" smtClean="0"/>
-          </a:p>
-          <a:p>
-            <a:pPr lvl="1"/>
-            <a:r>
-              <a:rPr lang="en-US" dirty="0" err="1" smtClean="0"/>
-              <a:t>Mínimo</a:t>
-            </a:r>
-            <a:r>
-              <a:rPr lang="en-US" dirty="0" smtClean="0"/>
-              <a:t> / </a:t>
-            </a:r>
-            <a:r>
-              <a:rPr lang="en-US" dirty="0" err="1" smtClean="0"/>
-              <a:t>Máximo</a:t>
-            </a:r>
-            <a:endParaRPr lang="en-US" dirty="0" smtClean="0"/>
-          </a:p>
-          <a:p>
-            <a:pPr lvl="1"/>
-            <a:r>
-              <a:rPr lang="en-US" dirty="0" err="1" smtClean="0"/>
-              <a:t>Complexidade</a:t>
-            </a:r>
-            <a:r>
-              <a:rPr lang="en-US" dirty="0" smtClean="0"/>
-              <a:t> da </a:t>
-            </a:r>
-            <a:r>
-              <a:rPr lang="en-US" dirty="0" err="1" smtClean="0"/>
-              <a:t>população</a:t>
-            </a:r>
-            <a:endParaRPr lang="en-US" dirty="0" smtClean="0"/>
-          </a:p>
-          <a:p>
-            <a:r>
-              <a:rPr lang="en-US" b="1" dirty="0" err="1" smtClean="0"/>
-              <a:t>Mutação</a:t>
-            </a:r>
-            <a:r>
-              <a:rPr lang="en-US" dirty="0" smtClean="0"/>
+              <a:rPr lang="en-US" dirty="0" err="1" smtClean="0">
+                <a:solidFill>
+                  <a:schemeClr val="tx1"/>
+                </a:solidFill>
+                <a:latin typeface="Helvetica" charset="0"/>
+                <a:ea typeface="Helvetica" charset="0"/>
+                <a:cs typeface="Helvetica" charset="0"/>
+              </a:rPr>
+              <a:t>os</a:t>
+            </a:r>
+            <a:r>
+              <a:rPr lang="en-US" dirty="0" smtClean="0">
+                <a:solidFill>
+                  <a:schemeClr val="tx1"/>
+                </a:solidFill>
+                <a:latin typeface="Helvetica" charset="0"/>
+                <a:ea typeface="Helvetica" charset="0"/>
+                <a:cs typeface="Helvetica" charset="0"/>
+              </a:rPr>
               <a:t> </a:t>
             </a:r>
             <a:r>
+              <a:rPr lang="en-US" dirty="0" err="1" smtClean="0">
+                <a:solidFill>
+                  <a:schemeClr val="tx1"/>
+                </a:solidFill>
+                <a:latin typeface="Helvetica" charset="0"/>
+                <a:ea typeface="Helvetica" charset="0"/>
+                <a:cs typeface="Helvetica" charset="0"/>
+              </a:rPr>
+              <a:t>melhores</a:t>
+            </a:r>
+            <a:r>
               <a:rPr lang="en-US" dirty="0" smtClean="0">
-                <a:sym typeface="Wingdings"/>
-              </a:rPr>
-              <a:t> Valor </a:t>
+                <a:solidFill>
+                  <a:schemeClr val="tx1"/>
+                </a:solidFill>
+                <a:latin typeface="Helvetica" charset="0"/>
+                <a:ea typeface="Helvetica" charset="0"/>
+                <a:cs typeface="Helvetica" charset="0"/>
+              </a:rPr>
+              <a:t> </a:t>
             </a:r>
             <a:r>
               <a:rPr lang="en-US" dirty="0" err="1" smtClean="0">
-                <a:sym typeface="Wingdings"/>
-              </a:rPr>
-              <a:t>aleatório</a:t>
+                <a:solidFill>
+                  <a:schemeClr val="tx1"/>
+                </a:solidFill>
+                <a:latin typeface="Helvetica" charset="0"/>
+                <a:ea typeface="Helvetica" charset="0"/>
+                <a:cs typeface="Helvetica" charset="0"/>
+              </a:rPr>
+              <a:t>indivíduos</a:t>
+            </a:r>
+            <a:r>
+              <a:rPr lang="en-US" dirty="0" smtClean="0">
+                <a:solidFill>
+                  <a:schemeClr val="tx1"/>
+                </a:solidFill>
+                <a:latin typeface="Helvetica" charset="0"/>
+                <a:ea typeface="Helvetica" charset="0"/>
+                <a:cs typeface="Helvetica" charset="0"/>
+              </a:rPr>
+              <a:t> (</a:t>
+            </a:r>
+            <a:r>
+              <a:rPr lang="en-US" dirty="0" err="1" smtClean="0">
+                <a:solidFill>
+                  <a:schemeClr val="tx1"/>
+                </a:solidFill>
+                <a:latin typeface="Helvetica" charset="0"/>
+                <a:ea typeface="Helvetica" charset="0"/>
+                <a:cs typeface="Helvetica" charset="0"/>
+              </a:rPr>
+              <a:t>dentre</a:t>
+            </a:r>
+            <a:r>
+              <a:rPr lang="en-US" dirty="0" smtClean="0">
+                <a:solidFill>
+                  <a:schemeClr val="tx1"/>
+                </a:solidFill>
+                <a:latin typeface="Helvetica" charset="0"/>
+                <a:ea typeface="Helvetica" charset="0"/>
+                <a:cs typeface="Helvetica" charset="0"/>
+              </a:rPr>
+              <a:t> </a:t>
+            </a:r>
+            <a:r>
+              <a:rPr lang="en-US" dirty="0" err="1" smtClean="0">
+                <a:solidFill>
+                  <a:schemeClr val="tx1"/>
+                </a:solidFill>
+                <a:latin typeface="Helvetica" charset="0"/>
+                <a:ea typeface="Helvetica" charset="0"/>
+                <a:cs typeface="Helvetica" charset="0"/>
+              </a:rPr>
+              <a:t>pais</a:t>
+            </a:r>
+            <a:r>
+              <a:rPr lang="en-US" dirty="0" smtClean="0">
+                <a:solidFill>
+                  <a:schemeClr val="tx1"/>
+                </a:solidFill>
+                <a:latin typeface="Helvetica" charset="0"/>
+                <a:ea typeface="Helvetica" charset="0"/>
+                <a:cs typeface="Helvetica" charset="0"/>
+              </a:rPr>
+              <a:t> e </a:t>
+            </a:r>
+            <a:r>
+              <a:rPr lang="en-US" dirty="0" err="1" smtClean="0">
+                <a:solidFill>
+                  <a:schemeClr val="tx1"/>
+                </a:solidFill>
+                <a:latin typeface="Helvetica" charset="0"/>
+                <a:ea typeface="Helvetica" charset="0"/>
+                <a:cs typeface="Helvetica" charset="0"/>
+              </a:rPr>
+              <a:t>filhos</a:t>
+            </a:r>
+            <a:r>
+              <a:rPr lang="en-US" dirty="0" smtClean="0">
+                <a:solidFill>
+                  <a:schemeClr val="tx1"/>
+                </a:solidFill>
+                <a:latin typeface="Helvetica" charset="0"/>
+                <a:ea typeface="Helvetica" charset="0"/>
+                <a:cs typeface="Helvetica" charset="0"/>
+              </a:rPr>
+              <a:t>) </a:t>
+            </a:r>
+            <a:r>
+              <a:rPr lang="en-US" dirty="0" err="1" smtClean="0">
+                <a:solidFill>
+                  <a:schemeClr val="tx1"/>
+                </a:solidFill>
+                <a:latin typeface="Helvetica" charset="0"/>
+                <a:ea typeface="Helvetica" charset="0"/>
+                <a:cs typeface="Helvetica" charset="0"/>
+              </a:rPr>
+              <a:t>sobrevivem</a:t>
             </a:r>
             <a:endParaRPr lang="en-US" dirty="0" smtClean="0">
-              <a:sym typeface="Wingdings"/>
+              <a:solidFill>
+                <a:schemeClr val="tx1"/>
+              </a:solidFill>
+              <a:latin typeface="Helvetica" charset="0"/>
+              <a:ea typeface="Helvetica" charset="0"/>
+              <a:cs typeface="Helvetica" charset="0"/>
             </a:endParaRPr>
-          </a:p>
-          <a:p>
-            <a:r>
-              <a:rPr lang="en-US" b="1" dirty="0" err="1" smtClean="0">
-                <a:sym typeface="Wingdings"/>
-              </a:rPr>
-              <a:t>Recombinação</a:t>
-            </a:r>
-            <a:r>
-              <a:rPr lang="en-US" dirty="0" smtClean="0">
-                <a:sym typeface="Wingdings"/>
-              </a:rPr>
-              <a:t>  </a:t>
-            </a:r>
-            <a:r>
-              <a:rPr lang="en-US" dirty="0" err="1" smtClean="0">
-                <a:sym typeface="Wingdings"/>
-              </a:rPr>
-              <a:t>Troca</a:t>
-            </a:r>
-            <a:r>
-              <a:rPr lang="en-US" dirty="0" smtClean="0">
-                <a:sym typeface="Wingdings"/>
-              </a:rPr>
-              <a:t> de </a:t>
-            </a:r>
-            <a:r>
-              <a:rPr lang="en-US" dirty="0" err="1" smtClean="0">
-                <a:sym typeface="Wingdings"/>
-              </a:rPr>
-              <a:t>valores</a:t>
-            </a:r>
-            <a:r>
-              <a:rPr lang="en-US" dirty="0" smtClean="0">
-                <a:sym typeface="Wingdings"/>
-              </a:rPr>
-              <a:t> entre </a:t>
-            </a:r>
-            <a:r>
-              <a:rPr lang="en-US" dirty="0" err="1" smtClean="0">
-                <a:sym typeface="Wingdings"/>
-              </a:rPr>
-              <a:t>os</a:t>
-            </a:r>
-            <a:r>
-              <a:rPr lang="en-US" dirty="0" smtClean="0">
-                <a:sym typeface="Wingdings"/>
-              </a:rPr>
-              <a:t> </a:t>
-            </a:r>
-            <a:r>
-              <a:rPr lang="en-US" dirty="0" err="1" smtClean="0">
-                <a:sym typeface="Wingdings"/>
-              </a:rPr>
-              <a:t>pais</a:t>
-            </a:r>
-            <a:endParaRPr lang="en-US" dirty="0" smtClean="0">
-              <a:sym typeface="Wingdings"/>
-            </a:endParaRPr>
-          </a:p>
-          <a:p>
-            <a:r>
-              <a:rPr lang="en-US" b="1" dirty="0" err="1" smtClean="0">
-                <a:sym typeface="Wingdings"/>
-              </a:rPr>
-              <a:t>Seleção</a:t>
-            </a:r>
-            <a:r>
-              <a:rPr lang="en-US" dirty="0" smtClean="0">
-                <a:sym typeface="Wingdings"/>
-              </a:rPr>
-              <a:t>  </a:t>
-            </a:r>
-            <a:r>
-              <a:rPr lang="en-US" dirty="0" err="1" smtClean="0">
-                <a:sym typeface="Wingdings"/>
-              </a:rPr>
-              <a:t>Os</a:t>
-            </a:r>
-            <a:r>
-              <a:rPr lang="en-US" dirty="0" smtClean="0">
-                <a:sym typeface="Wingdings"/>
-              </a:rPr>
-              <a:t> </a:t>
-            </a:r>
-            <a:r>
-              <a:rPr lang="en-US" dirty="0" err="1" smtClean="0">
-                <a:sym typeface="Wingdings"/>
-              </a:rPr>
-              <a:t>melhores</a:t>
-            </a:r>
-            <a:r>
-              <a:rPr lang="en-US" dirty="0" smtClean="0">
-                <a:sym typeface="Wingdings"/>
-              </a:rPr>
-              <a:t> </a:t>
-            </a:r>
-            <a:r>
-              <a:rPr lang="en-US" dirty="0" err="1" smtClean="0">
-                <a:sym typeface="Wingdings"/>
-              </a:rPr>
-              <a:t>indivíduos</a:t>
-            </a:r>
-            <a:r>
-              <a:rPr lang="en-US" dirty="0" smtClean="0">
-                <a:sym typeface="Wingdings"/>
-              </a:rPr>
-              <a:t> </a:t>
-            </a:r>
-            <a:r>
-              <a:rPr lang="en-US" dirty="0" err="1" smtClean="0">
-                <a:sym typeface="Wingdings"/>
-              </a:rPr>
-              <a:t>são</a:t>
-            </a:r>
-            <a:r>
-              <a:rPr lang="en-US" dirty="0" smtClean="0">
-                <a:sym typeface="Wingdings"/>
-              </a:rPr>
-              <a:t> </a:t>
-            </a:r>
-          </a:p>
-          <a:p>
-            <a:r>
-              <a:rPr lang="en-US" b="1" dirty="0" err="1" smtClean="0">
-                <a:sym typeface="Wingdings"/>
-              </a:rPr>
-              <a:t>Sobrevivência</a:t>
-            </a:r>
-            <a:r>
-              <a:rPr lang="en-US" dirty="0" smtClean="0">
-                <a:sym typeface="Wingdings"/>
-              </a:rPr>
-              <a:t>  </a:t>
-            </a:r>
-            <a:r>
-              <a:rPr lang="en-US" dirty="0" err="1" smtClean="0">
-                <a:sym typeface="Wingdings"/>
-              </a:rPr>
-              <a:t>Rejeição</a:t>
-            </a:r>
-            <a:r>
-              <a:rPr lang="en-US" dirty="0" smtClean="0">
-                <a:sym typeface="Wingdings"/>
-              </a:rPr>
-              <a:t> de </a:t>
-            </a:r>
-            <a:r>
-              <a:rPr lang="en-US" dirty="0" err="1">
-                <a:sym typeface="Wingdings"/>
-              </a:rPr>
-              <a:t>espécimes</a:t>
-            </a:r>
-            <a:r>
-              <a:rPr lang="en-US" dirty="0">
-                <a:sym typeface="Wingdings"/>
-              </a:rPr>
-              <a:t> </a:t>
-            </a:r>
-            <a:r>
-              <a:rPr lang="en-US" dirty="0" smtClean="0">
-                <a:sym typeface="Wingdings"/>
-              </a:rPr>
-              <a:t>de </a:t>
-            </a:r>
-            <a:r>
-              <a:rPr lang="en-US" dirty="0" err="1" smtClean="0">
-                <a:sym typeface="Wingdings"/>
-              </a:rPr>
-              <a:t>menor</a:t>
-            </a:r>
-            <a:r>
-              <a:rPr lang="en-US" dirty="0" smtClean="0">
-                <a:sym typeface="Wingdings"/>
-              </a:rPr>
-              <a:t> </a:t>
-            </a:r>
-            <a:r>
-              <a:rPr lang="en-US" dirty="0" err="1" smtClean="0">
-                <a:sym typeface="Wingdings"/>
-              </a:rPr>
-              <a:t>qualidade</a:t>
-            </a:r>
-            <a:endParaRPr lang="en-US" dirty="0" smtClean="0"/>
-          </a:p>
-          <a:p>
-            <a:pPr marL="0" indent="0">
-              <a:buNone/>
-            </a:pPr>
-            <a:endParaRPr lang="en-US" dirty="0" smtClean="0"/>
-          </a:p>
-          <a:p>
-            <a:endParaRPr lang="en-US" dirty="0"/>
           </a:p>
         </p:txBody>
       </p:sp>
@@ -18448,7 +21157,7 @@
     </p:spTree>
     <p:extLst>
       <p:ext uri="{BB962C8B-B14F-4D97-AF65-F5344CB8AC3E}">
-        <p14:creationId xmlns:p14="http://schemas.microsoft.com/office/powerpoint/2010/main" val="315967827"/>
+        <p14:creationId xmlns:p14="http://schemas.microsoft.com/office/powerpoint/2010/main" val="957613397"/>
       </p:ext>
     </p:extLst>
   </p:cSld>
@@ -18498,18 +21207,58 @@
           <a:lstStyle/>
           <a:p>
             <a:r>
-              <a:rPr lang="en-US" dirty="0" err="1" smtClean="0"/>
-              <a:t>Problemas</a:t>
-            </a:r>
-            <a:r>
-              <a:rPr lang="en-US" dirty="0" smtClean="0"/>
-              <a:t> - </a:t>
-            </a:r>
-            <a:r>
-              <a:rPr lang="en-US" dirty="0" err="1" smtClean="0"/>
-              <a:t>Escolha</a:t>
-            </a:r>
-            <a:endParaRPr lang="en-US" dirty="0"/>
+              <a:rPr lang="en-US" b="1" dirty="0" smtClean="0">
+                <a:latin typeface="Helvetica" charset="0"/>
+                <a:ea typeface="Helvetica" charset="0"/>
+                <a:cs typeface="Helvetica" charset="0"/>
+              </a:rPr>
+              <a:t>AG </a:t>
+            </a:r>
+            <a:r>
+              <a:rPr lang="mr-IN" b="1" dirty="0" smtClean="0">
+                <a:latin typeface="Helvetica" charset="0"/>
+                <a:ea typeface="Helvetica" charset="0"/>
+                <a:cs typeface="Helvetica" charset="0"/>
+              </a:rPr>
+              <a:t>–</a:t>
+            </a:r>
+            <a:r>
+              <a:rPr lang="en-US" b="1" dirty="0" smtClean="0">
+                <a:latin typeface="Helvetica" charset="0"/>
+                <a:ea typeface="Helvetica" charset="0"/>
+                <a:cs typeface="Helvetica" charset="0"/>
+              </a:rPr>
+              <a:t> </a:t>
+            </a:r>
+            <a:r>
+              <a:rPr lang="en-US" b="1" dirty="0" err="1" smtClean="0">
+                <a:latin typeface="Helvetica" charset="0"/>
+                <a:ea typeface="Helvetica" charset="0"/>
+                <a:cs typeface="Helvetica" charset="0"/>
+              </a:rPr>
+              <a:t>Sele</a:t>
+            </a:r>
+            <a:r>
+              <a:rPr lang="en-US" b="1" dirty="0" err="1" smtClean="0">
+                <a:latin typeface="Helvetica" charset="0"/>
+                <a:ea typeface="Helvetica" charset="0"/>
+                <a:cs typeface="Helvetica" charset="0"/>
+              </a:rPr>
+              <a:t>ção</a:t>
+            </a:r>
+            <a:r>
+              <a:rPr lang="en-US" b="1" dirty="0" smtClean="0">
+                <a:latin typeface="Helvetica" charset="0"/>
+                <a:ea typeface="Helvetica" charset="0"/>
+                <a:cs typeface="Helvetica" charset="0"/>
+              </a:rPr>
+              <a:t> / Crossover</a:t>
+            </a:r>
+            <a:endParaRPr lang="en-US" b="1" dirty="0">
+              <a:latin typeface="Helvetica" charset="0"/>
+              <a:ea typeface="Helvetica" charset="0"/>
+              <a:cs typeface="Helvetica" charset="0"/>
+            </a:endParaRPr>
           </a:p>
         </p:txBody>
       </p:sp>
@@ -18526,297 +21275,658 @@
         <p:spPr>
           <a:xfrm>
             <a:off x="1154954" y="2603500"/>
-            <a:ext cx="9464278" cy="3416300"/>
+            <a:ext cx="9647158" cy="3416300"/>
           </a:xfrm>
         </p:spPr>
         <p:txBody>
-          <a:bodyPr/>
+          <a:bodyPr>
+            <a:normAutofit/>
+          </a:bodyPr>
           <a:lstStyle/>
           <a:p>
             <a:r>
-              <a:rPr lang="en-US" dirty="0" smtClean="0"/>
-              <a:t>Para </a:t>
-            </a:r>
-            <a:r>
-              <a:rPr lang="en-US" dirty="0" err="1" smtClean="0"/>
-              <a:t>testarem</a:t>
-            </a:r>
-            <a:r>
-              <a:rPr lang="en-US" dirty="0" smtClean="0"/>
-              <a:t> o </a:t>
-            </a:r>
-            <a:r>
-              <a:rPr lang="en-US" dirty="0" err="1" smtClean="0"/>
-              <a:t>funcionamento</a:t>
-            </a:r>
-            <a:r>
-              <a:rPr lang="en-US" dirty="0" smtClean="0"/>
-              <a:t> do AE, </a:t>
-            </a:r>
-            <a:r>
-              <a:rPr lang="en-US" dirty="0" err="1" smtClean="0"/>
-              <a:t>os</a:t>
-            </a:r>
-            <a:r>
-              <a:rPr lang="en-US" dirty="0" smtClean="0"/>
+              <a:rPr lang="en-US" dirty="0" smtClean="0">
+                <a:solidFill>
+                  <a:schemeClr val="tx1"/>
+                </a:solidFill>
+                <a:latin typeface="Helvetica" charset="0"/>
+                <a:ea typeface="Helvetica" charset="0"/>
+                <a:cs typeface="Helvetica" charset="0"/>
+              </a:rPr>
+              <a:t>A </a:t>
+            </a:r>
+            <a:r>
+              <a:rPr lang="en-US" dirty="0" err="1" smtClean="0">
+                <a:solidFill>
+                  <a:schemeClr val="tx1"/>
+                </a:solidFill>
+                <a:latin typeface="Helvetica" charset="0"/>
+                <a:ea typeface="Helvetica" charset="0"/>
+                <a:cs typeface="Helvetica" charset="0"/>
+              </a:rPr>
+              <a:t>gera</a:t>
+            </a:r>
+            <a:r>
+              <a:rPr lang="en-US" dirty="0" err="1" smtClean="0">
+                <a:solidFill>
+                  <a:schemeClr val="tx1"/>
+                </a:solidFill>
+                <a:latin typeface="Helvetica" charset="0"/>
+                <a:ea typeface="Helvetica" charset="0"/>
+                <a:cs typeface="Helvetica" charset="0"/>
+              </a:rPr>
+              <a:t>ção</a:t>
+            </a:r>
+            <a:r>
+              <a:rPr lang="en-US" dirty="0" smtClean="0">
+                <a:solidFill>
+                  <a:schemeClr val="tx1"/>
+                </a:solidFill>
+                <a:latin typeface="Helvetica" charset="0"/>
+                <a:ea typeface="Helvetica" charset="0"/>
+                <a:cs typeface="Helvetica" charset="0"/>
+              </a:rPr>
               <a:t> </a:t>
             </a:r>
             <a:r>
-              <a:rPr lang="en-US" dirty="0" err="1" smtClean="0"/>
-              <a:t>problemas</a:t>
-            </a:r>
-            <a:r>
-              <a:rPr lang="en-US" dirty="0" smtClean="0"/>
+              <a:rPr lang="en-US" dirty="0" err="1" smtClean="0">
+                <a:solidFill>
+                  <a:schemeClr val="tx1"/>
+                </a:solidFill>
+                <a:latin typeface="Helvetica" charset="0"/>
+                <a:ea typeface="Helvetica" charset="0"/>
+                <a:cs typeface="Helvetica" charset="0"/>
+              </a:rPr>
+              <a:t>pai</a:t>
+            </a:r>
+            <a:r>
+              <a:rPr lang="en-US" dirty="0" smtClean="0">
+                <a:solidFill>
+                  <a:schemeClr val="tx1"/>
+                </a:solidFill>
+                <a:latin typeface="Helvetica" charset="0"/>
+                <a:ea typeface="Helvetica" charset="0"/>
+                <a:cs typeface="Helvetica" charset="0"/>
+              </a:rPr>
               <a:t> </a:t>
             </a:r>
             <a:r>
-              <a:rPr lang="en-US" dirty="0" err="1" smtClean="0"/>
-              <a:t>devem</a:t>
-            </a:r>
-            <a:r>
-              <a:rPr lang="en-US" dirty="0" smtClean="0"/>
+              <a:rPr lang="en-US" dirty="0" err="1" smtClean="0">
+                <a:solidFill>
+                  <a:schemeClr val="tx1"/>
+                </a:solidFill>
+                <a:latin typeface="Helvetica" charset="0"/>
+                <a:ea typeface="Helvetica" charset="0"/>
+                <a:cs typeface="Helvetica" charset="0"/>
+              </a:rPr>
+              <a:t>é</a:t>
+            </a:r>
+            <a:r>
+              <a:rPr lang="en-US" dirty="0" smtClean="0">
+                <a:solidFill>
+                  <a:schemeClr val="tx1"/>
+                </a:solidFill>
+                <a:latin typeface="Helvetica" charset="0"/>
+                <a:ea typeface="Helvetica" charset="0"/>
+                <a:cs typeface="Helvetica" charset="0"/>
+              </a:rPr>
               <a:t> </a:t>
             </a:r>
             <a:r>
-              <a:rPr lang="en-US" dirty="0" err="1" smtClean="0"/>
-              <a:t>ser</a:t>
-            </a:r>
-            <a:r>
-              <a:rPr lang="en-US" dirty="0" smtClean="0"/>
-              <a:t> simples o </a:t>
-            </a:r>
-            <a:r>
-              <a:rPr lang="en-US" dirty="0" err="1" smtClean="0"/>
-              <a:t>suficiente</a:t>
-            </a:r>
-            <a:r>
-              <a:rPr lang="en-US" dirty="0" smtClean="0"/>
-              <a:t> para </a:t>
-            </a:r>
-            <a:r>
-              <a:rPr lang="en-US" dirty="0" err="1" smtClean="0"/>
-              <a:t>serem</a:t>
-            </a:r>
-            <a:r>
-              <a:rPr lang="en-US" dirty="0" smtClean="0"/>
+              <a:rPr lang="en-US" dirty="0" err="1" smtClean="0">
+                <a:solidFill>
+                  <a:schemeClr val="tx1"/>
+                </a:solidFill>
+                <a:latin typeface="Helvetica" charset="0"/>
+                <a:ea typeface="Helvetica" charset="0"/>
+                <a:cs typeface="Helvetica" charset="0"/>
+              </a:rPr>
+              <a:t>ordenada</a:t>
+            </a:r>
+            <a:r>
+              <a:rPr lang="en-US" dirty="0" smtClean="0">
+                <a:solidFill>
+                  <a:schemeClr val="tx1"/>
+                </a:solidFill>
+                <a:latin typeface="Helvetica" charset="0"/>
+                <a:ea typeface="Helvetica" charset="0"/>
+                <a:cs typeface="Helvetica" charset="0"/>
+              </a:rPr>
               <a:t> </a:t>
             </a:r>
             <a:r>
-              <a:rPr lang="en-US" dirty="0" err="1" smtClean="0"/>
-              <a:t>testados</a:t>
-            </a:r>
-            <a:r>
-              <a:rPr lang="en-US" dirty="0" smtClean="0"/>
-              <a:t> com </a:t>
-            </a:r>
-            <a:r>
-              <a:rPr lang="en-US" dirty="0" err="1" smtClean="0"/>
-              <a:t>resultados</a:t>
-            </a:r>
-            <a:r>
-              <a:rPr lang="en-US" dirty="0" smtClean="0"/>
+              <a:rPr lang="en-US" dirty="0" err="1" smtClean="0">
+                <a:solidFill>
+                  <a:schemeClr val="tx1"/>
+                </a:solidFill>
+                <a:latin typeface="Helvetica" charset="0"/>
+                <a:ea typeface="Helvetica" charset="0"/>
+                <a:cs typeface="Helvetica" charset="0"/>
+              </a:rPr>
+              <a:t>pelos</a:t>
+            </a:r>
+            <a:r>
+              <a:rPr lang="en-US" dirty="0" smtClean="0">
+                <a:solidFill>
+                  <a:schemeClr val="tx1"/>
+                </a:solidFill>
+                <a:latin typeface="Helvetica" charset="0"/>
+                <a:ea typeface="Helvetica" charset="0"/>
+                <a:cs typeface="Helvetica" charset="0"/>
+              </a:rPr>
               <a:t> </a:t>
             </a:r>
             <a:r>
-              <a:rPr lang="en-US" dirty="0" err="1" smtClean="0"/>
-              <a:t>existentes</a:t>
-            </a:r>
-            <a:r>
-              <a:rPr lang="en-US" dirty="0" smtClean="0"/>
+              <a:rPr lang="en-US" dirty="0" err="1" smtClean="0">
+                <a:solidFill>
+                  <a:schemeClr val="tx1"/>
+                </a:solidFill>
+                <a:latin typeface="Helvetica" charset="0"/>
+                <a:ea typeface="Helvetica" charset="0"/>
+                <a:cs typeface="Helvetica" charset="0"/>
+              </a:rPr>
+              <a:t>melhores</a:t>
+            </a:r>
+            <a:r>
+              <a:rPr lang="en-US" dirty="0" smtClean="0">
+                <a:solidFill>
+                  <a:schemeClr val="tx1"/>
+                </a:solidFill>
+                <a:latin typeface="Helvetica" charset="0"/>
+                <a:ea typeface="Helvetica" charset="0"/>
+                <a:cs typeface="Helvetica" charset="0"/>
+              </a:rPr>
+              <a:t> </a:t>
+            </a:r>
+            <a:r>
+              <a:rPr lang="en-US" dirty="0" err="1" smtClean="0">
+                <a:solidFill>
+                  <a:schemeClr val="tx1"/>
+                </a:solidFill>
+                <a:latin typeface="Helvetica" charset="0"/>
+                <a:ea typeface="Helvetica" charset="0"/>
+                <a:cs typeface="Helvetica" charset="0"/>
+              </a:rPr>
+              <a:t>indivíduos</a:t>
+            </a:r>
+            <a:r>
+              <a:rPr lang="en-US" dirty="0" smtClean="0">
+                <a:solidFill>
+                  <a:schemeClr val="tx1"/>
+                </a:solidFill>
+                <a:latin typeface="Helvetica" charset="0"/>
+                <a:ea typeface="Helvetica" charset="0"/>
+                <a:cs typeface="Helvetica" charset="0"/>
+              </a:rPr>
+              <a:t> (de </a:t>
+            </a:r>
+            <a:r>
+              <a:rPr lang="en-US" dirty="0" err="1" smtClean="0">
+                <a:solidFill>
+                  <a:schemeClr val="tx1"/>
+                </a:solidFill>
+                <a:latin typeface="Helvetica" charset="0"/>
+                <a:ea typeface="Helvetica" charset="0"/>
+                <a:cs typeface="Helvetica" charset="0"/>
+              </a:rPr>
+              <a:t>acordo</a:t>
+            </a:r>
+            <a:r>
+              <a:rPr lang="en-US" dirty="0" smtClean="0">
+                <a:solidFill>
+                  <a:schemeClr val="tx1"/>
+                </a:solidFill>
+                <a:latin typeface="Helvetica" charset="0"/>
+                <a:ea typeface="Helvetica" charset="0"/>
+                <a:cs typeface="Helvetica" charset="0"/>
+              </a:rPr>
+              <a:t> com o fitness)</a:t>
+            </a:r>
+          </a:p>
+          <a:p>
+            <a:r>
+              <a:rPr lang="en-US" dirty="0" err="1" smtClean="0">
+                <a:solidFill>
+                  <a:schemeClr val="tx1"/>
+                </a:solidFill>
+                <a:latin typeface="Helvetica" charset="0"/>
+                <a:ea typeface="Helvetica" charset="0"/>
+                <a:cs typeface="Helvetica" charset="0"/>
+              </a:rPr>
+              <a:t>Os</a:t>
+            </a:r>
+            <a:r>
+              <a:rPr lang="en-US" dirty="0" smtClean="0">
+                <a:solidFill>
+                  <a:schemeClr val="tx1"/>
+                </a:solidFill>
+                <a:latin typeface="Helvetica" charset="0"/>
+                <a:ea typeface="Helvetica" charset="0"/>
+                <a:cs typeface="Helvetica" charset="0"/>
+              </a:rPr>
+              <a:t> </a:t>
+            </a:r>
+            <a:r>
+              <a:rPr lang="en-US" dirty="0" err="1" smtClean="0">
+                <a:solidFill>
+                  <a:schemeClr val="tx1"/>
+                </a:solidFill>
+                <a:latin typeface="Helvetica" charset="0"/>
+                <a:ea typeface="Helvetica" charset="0"/>
+                <a:cs typeface="Helvetica" charset="0"/>
+              </a:rPr>
+              <a:t>pais</a:t>
+            </a:r>
+            <a:r>
+              <a:rPr lang="en-US" dirty="0" smtClean="0">
+                <a:solidFill>
+                  <a:schemeClr val="tx1"/>
+                </a:solidFill>
+                <a:latin typeface="Helvetica" charset="0"/>
+                <a:ea typeface="Helvetica" charset="0"/>
+                <a:cs typeface="Helvetica" charset="0"/>
+              </a:rPr>
+              <a:t> </a:t>
+            </a:r>
+            <a:r>
+              <a:rPr lang="en-US" dirty="0" err="1" smtClean="0">
+                <a:solidFill>
+                  <a:schemeClr val="tx1"/>
+                </a:solidFill>
+                <a:latin typeface="Helvetica" charset="0"/>
+                <a:ea typeface="Helvetica" charset="0"/>
+                <a:cs typeface="Helvetica" charset="0"/>
+              </a:rPr>
+              <a:t>são</a:t>
+            </a:r>
+            <a:r>
+              <a:rPr lang="en-US" dirty="0" smtClean="0">
+                <a:solidFill>
+                  <a:schemeClr val="tx1"/>
+                </a:solidFill>
+                <a:latin typeface="Helvetica" charset="0"/>
+                <a:ea typeface="Helvetica" charset="0"/>
+                <a:cs typeface="Helvetica" charset="0"/>
+              </a:rPr>
+              <a:t> cruzados </a:t>
+            </a:r>
+            <a:r>
+              <a:rPr lang="en-US" dirty="0" err="1" smtClean="0">
+                <a:solidFill>
+                  <a:schemeClr val="tx1"/>
+                </a:solidFill>
+                <a:latin typeface="Helvetica" charset="0"/>
+                <a:ea typeface="Helvetica" charset="0"/>
+                <a:cs typeface="Helvetica" charset="0"/>
+              </a:rPr>
+              <a:t>dois</a:t>
+            </a:r>
+            <a:r>
+              <a:rPr lang="en-US" dirty="0" smtClean="0">
+                <a:solidFill>
+                  <a:schemeClr val="tx1"/>
+                </a:solidFill>
+                <a:latin typeface="Helvetica" charset="0"/>
+                <a:ea typeface="Helvetica" charset="0"/>
+                <a:cs typeface="Helvetica" charset="0"/>
+              </a:rPr>
+              <a:t> a </a:t>
+            </a:r>
+            <a:r>
+              <a:rPr lang="en-US" dirty="0" err="1" smtClean="0">
+                <a:solidFill>
+                  <a:schemeClr val="tx1"/>
+                </a:solidFill>
+                <a:latin typeface="Helvetica" charset="0"/>
+                <a:ea typeface="Helvetica" charset="0"/>
+                <a:cs typeface="Helvetica" charset="0"/>
+              </a:rPr>
+              <a:t>dois</a:t>
+            </a:r>
+            <a:r>
+              <a:rPr lang="en-US" dirty="0" smtClean="0">
+                <a:solidFill>
+                  <a:schemeClr val="tx1"/>
+                </a:solidFill>
+                <a:latin typeface="Helvetica" charset="0"/>
+                <a:ea typeface="Helvetica" charset="0"/>
+                <a:cs typeface="Helvetica" charset="0"/>
+              </a:rPr>
+              <a:t>, e </a:t>
+            </a:r>
+            <a:r>
+              <a:rPr lang="en-US" dirty="0" err="1" smtClean="0">
+                <a:solidFill>
+                  <a:schemeClr val="tx1"/>
+                </a:solidFill>
+                <a:latin typeface="Helvetica" charset="0"/>
+                <a:ea typeface="Helvetica" charset="0"/>
+                <a:cs typeface="Helvetica" charset="0"/>
+              </a:rPr>
+              <a:t>poderão</a:t>
+            </a:r>
+            <a:r>
+              <a:rPr lang="en-US" dirty="0" smtClean="0">
+                <a:solidFill>
+                  <a:schemeClr val="tx1"/>
+                </a:solidFill>
+                <a:latin typeface="Helvetica" charset="0"/>
+                <a:ea typeface="Helvetica" charset="0"/>
+                <a:cs typeface="Helvetica" charset="0"/>
+              </a:rPr>
+              <a:t> </a:t>
+            </a:r>
+            <a:r>
+              <a:rPr lang="en-US" dirty="0" err="1" smtClean="0">
+                <a:solidFill>
+                  <a:schemeClr val="tx1"/>
+                </a:solidFill>
+                <a:latin typeface="Helvetica" charset="0"/>
+                <a:ea typeface="Helvetica" charset="0"/>
+                <a:cs typeface="Helvetica" charset="0"/>
+              </a:rPr>
+              <a:t>gerar</a:t>
+            </a:r>
+            <a:r>
+              <a:rPr lang="en-US" dirty="0" smtClean="0">
+                <a:solidFill>
+                  <a:schemeClr val="tx1"/>
+                </a:solidFill>
+                <a:latin typeface="Helvetica" charset="0"/>
+                <a:ea typeface="Helvetica" charset="0"/>
+                <a:cs typeface="Helvetica" charset="0"/>
+              </a:rPr>
+              <a:t> </a:t>
+            </a:r>
+            <a:r>
+              <a:rPr lang="en-US" dirty="0" err="1" smtClean="0">
+                <a:solidFill>
+                  <a:schemeClr val="tx1"/>
+                </a:solidFill>
+                <a:latin typeface="Helvetica" charset="0"/>
+                <a:ea typeface="Helvetica" charset="0"/>
+                <a:cs typeface="Helvetica" charset="0"/>
+              </a:rPr>
+              <a:t>dois</a:t>
+            </a:r>
+            <a:r>
+              <a:rPr lang="en-US" dirty="0" smtClean="0">
+                <a:solidFill>
+                  <a:schemeClr val="tx1"/>
+                </a:solidFill>
+                <a:latin typeface="Helvetica" charset="0"/>
+                <a:ea typeface="Helvetica" charset="0"/>
+                <a:cs typeface="Helvetica" charset="0"/>
+              </a:rPr>
+              <a:t> </a:t>
+            </a:r>
+            <a:r>
+              <a:rPr lang="en-US" dirty="0" err="1" smtClean="0">
+                <a:solidFill>
+                  <a:schemeClr val="tx1"/>
+                </a:solidFill>
+                <a:latin typeface="Helvetica" charset="0"/>
+                <a:ea typeface="Helvetica" charset="0"/>
+                <a:cs typeface="Helvetica" charset="0"/>
+              </a:rPr>
+              <a:t>filhos</a:t>
+            </a:r>
+            <a:r>
+              <a:rPr lang="en-US" dirty="0" smtClean="0">
+                <a:solidFill>
+                  <a:schemeClr val="tx1"/>
+                </a:solidFill>
+                <a:latin typeface="Helvetica" charset="0"/>
+                <a:ea typeface="Helvetica" charset="0"/>
+                <a:cs typeface="Helvetica" charset="0"/>
+              </a:rPr>
               <a:t> (</a:t>
             </a:r>
             <a:r>
-              <a:rPr lang="en-US" dirty="0" err="1" smtClean="0"/>
-              <a:t>problemas</a:t>
-            </a:r>
-            <a:r>
-              <a:rPr lang="en-US" dirty="0" smtClean="0"/>
+              <a:rPr lang="en-US" dirty="0" err="1" smtClean="0">
+                <a:solidFill>
+                  <a:schemeClr val="tx1"/>
+                </a:solidFill>
+                <a:latin typeface="Helvetica" charset="0"/>
+                <a:ea typeface="Helvetica" charset="0"/>
+                <a:cs typeface="Helvetica" charset="0"/>
+              </a:rPr>
+              <a:t>probabilidade</a:t>
+            </a:r>
+            <a:r>
+              <a:rPr lang="en-US" dirty="0" smtClean="0">
+                <a:solidFill>
+                  <a:schemeClr val="tx1"/>
+                </a:solidFill>
+                <a:latin typeface="Helvetica" charset="0"/>
+                <a:ea typeface="Helvetica" charset="0"/>
+                <a:cs typeface="Helvetica" charset="0"/>
+              </a:rPr>
               <a:t> </a:t>
             </a:r>
             <a:r>
-              <a:rPr lang="en-US" dirty="0" err="1" smtClean="0"/>
-              <a:t>clássicos</a:t>
-            </a:r>
-            <a:r>
-              <a:rPr lang="en-US" dirty="0" smtClean="0"/>
+              <a:rPr lang="en-US" i="1" dirty="0" smtClean="0">
+                <a:solidFill>
+                  <a:schemeClr val="tx1"/>
+                </a:solidFill>
+                <a:latin typeface="Helvetica" charset="0"/>
+                <a:ea typeface="Helvetica" charset="0"/>
+                <a:cs typeface="Helvetica" charset="0"/>
+              </a:rPr>
+              <a:t>p</a:t>
+            </a:r>
+            <a:r>
+              <a:rPr lang="en-US" i="1" baseline="-25000" dirty="0" smtClean="0">
+                <a:solidFill>
+                  <a:schemeClr val="tx1"/>
+                </a:solidFill>
+                <a:latin typeface="Helvetica" charset="0"/>
+                <a:ea typeface="Helvetica" charset="0"/>
+                <a:cs typeface="Helvetica" charset="0"/>
+              </a:rPr>
+              <a:t>c</a:t>
+            </a:r>
+            <a:r>
+              <a:rPr lang="en-US" dirty="0" smtClean="0">
+                <a:solidFill>
+                  <a:schemeClr val="tx1"/>
+                </a:solidFill>
+                <a:latin typeface="Helvetica" charset="0"/>
+                <a:ea typeface="Helvetica" charset="0"/>
+                <a:cs typeface="Helvetica" charset="0"/>
+              </a:rPr>
               <a:t>)</a:t>
             </a:r>
           </a:p>
           <a:p>
             <a:r>
-              <a:rPr lang="en-US" dirty="0" err="1" smtClean="0"/>
-              <a:t>Escolha</a:t>
-            </a:r>
-            <a:r>
-              <a:rPr lang="en-US" dirty="0" smtClean="0"/>
+              <a:rPr lang="en-US" i="1" dirty="0">
+                <a:solidFill>
+                  <a:schemeClr val="tx1"/>
+                </a:solidFill>
+                <a:latin typeface="Helvetica" charset="0"/>
+                <a:ea typeface="Helvetica" charset="0"/>
+                <a:cs typeface="Helvetica" charset="0"/>
+              </a:rPr>
+              <a:t>p</a:t>
+            </a:r>
+            <a:r>
+              <a:rPr lang="en-US" i="1" baseline="-25000" dirty="0">
+                <a:solidFill>
+                  <a:schemeClr val="tx1"/>
+                </a:solidFill>
+                <a:latin typeface="Helvetica" charset="0"/>
+                <a:ea typeface="Helvetica" charset="0"/>
+                <a:cs typeface="Helvetica" charset="0"/>
+              </a:rPr>
+              <a:t>c</a:t>
+            </a:r>
+            <a:r>
+              <a:rPr lang="en-US" dirty="0" smtClean="0">
+                <a:solidFill>
+                  <a:schemeClr val="tx1"/>
+                </a:solidFill>
+                <a:latin typeface="Helvetica" charset="0"/>
+                <a:ea typeface="Helvetica" charset="0"/>
+                <a:cs typeface="Helvetica" charset="0"/>
+              </a:rPr>
               <a:t> </a:t>
             </a:r>
             <a:r>
-              <a:rPr lang="en-US" dirty="0" err="1" smtClean="0"/>
-              <a:t>inicial</a:t>
-            </a:r>
-            <a:r>
-              <a:rPr lang="en-US" dirty="0" smtClean="0"/>
-              <a:t>:</a:t>
-            </a:r>
-          </a:p>
-          <a:p>
-            <a:pPr lvl="1"/>
-            <a:r>
-              <a:rPr lang="en-US" b="1" dirty="0" err="1" smtClean="0"/>
-              <a:t>Problema</a:t>
-            </a:r>
-            <a:r>
-              <a:rPr lang="en-US" b="1" dirty="0" smtClean="0"/>
+              <a:rPr lang="mr-IN" dirty="0" smtClean="0">
+                <a:solidFill>
+                  <a:schemeClr val="tx1"/>
+                </a:solidFill>
+                <a:latin typeface="Helvetica" charset="0"/>
+                <a:ea typeface="Helvetica" charset="0"/>
+                <a:cs typeface="Helvetica" charset="0"/>
+              </a:rPr>
+              <a:t>–</a:t>
+            </a:r>
+            <a:r>
+              <a:rPr lang="en-US" dirty="0" smtClean="0">
+                <a:solidFill>
+                  <a:schemeClr val="tx1"/>
+                </a:solidFill>
+                <a:latin typeface="Helvetica" charset="0"/>
+                <a:ea typeface="Helvetica" charset="0"/>
+                <a:cs typeface="Helvetica" charset="0"/>
+              </a:rPr>
               <a:t> </a:t>
             </a:r>
             <a:r>
-              <a:rPr lang="en-US" b="1" dirty="0" err="1" smtClean="0"/>
-              <a:t>OneMax</a:t>
-            </a:r>
-            <a:r>
-              <a:rPr lang="en-US" b="1" dirty="0" smtClean="0"/>
+              <a:rPr lang="en-US" b="1" dirty="0" err="1" smtClean="0">
+                <a:solidFill>
+                  <a:schemeClr val="tx1"/>
+                </a:solidFill>
+                <a:latin typeface="Helvetica" charset="0"/>
+                <a:ea typeface="Helvetica" charset="0"/>
+                <a:cs typeface="Helvetica" charset="0"/>
+              </a:rPr>
+              <a:t>Probabilidade</a:t>
+            </a:r>
+            <a:r>
+              <a:rPr lang="en-US" b="1" dirty="0" smtClean="0">
+                <a:solidFill>
+                  <a:schemeClr val="tx1"/>
+                </a:solidFill>
+                <a:latin typeface="Helvetica" charset="0"/>
+                <a:ea typeface="Helvetica" charset="0"/>
+                <a:cs typeface="Helvetica" charset="0"/>
+              </a:rPr>
+              <a:t> de crossover</a:t>
+            </a:r>
+          </a:p>
+          <a:p>
+            <a:r>
+              <a:rPr lang="en-US" dirty="0" smtClean="0">
+                <a:solidFill>
+                  <a:schemeClr val="tx1"/>
+                </a:solidFill>
+                <a:latin typeface="Helvetica" charset="0"/>
+                <a:ea typeface="Helvetica" charset="0"/>
+                <a:cs typeface="Helvetica" charset="0"/>
+              </a:rPr>
+              <a:t>Material </a:t>
+            </a:r>
+            <a:r>
+              <a:rPr lang="en-US" dirty="0" err="1" smtClean="0">
+                <a:solidFill>
+                  <a:schemeClr val="tx1"/>
+                </a:solidFill>
+                <a:latin typeface="Helvetica" charset="0"/>
+                <a:ea typeface="Helvetica" charset="0"/>
+                <a:cs typeface="Helvetica" charset="0"/>
+              </a:rPr>
+              <a:t>genético</a:t>
+            </a:r>
+            <a:r>
+              <a:rPr lang="en-US" dirty="0" smtClean="0">
+                <a:solidFill>
+                  <a:schemeClr val="tx1"/>
+                </a:solidFill>
+                <a:latin typeface="Helvetica" charset="0"/>
+                <a:ea typeface="Helvetica" charset="0"/>
+                <a:cs typeface="Helvetica" charset="0"/>
+              </a:rPr>
               <a:t> </a:t>
             </a:r>
             <a:r>
-              <a:rPr lang="en-US" dirty="0" smtClean="0"/>
-              <a:t>(</a:t>
-            </a:r>
-            <a:r>
-              <a:rPr lang="en-US" dirty="0" err="1" smtClean="0"/>
-              <a:t>vetor</a:t>
-            </a:r>
-            <a:r>
-              <a:rPr lang="en-US" dirty="0" smtClean="0"/>
-              <a:t> de 100 bits </a:t>
-            </a:r>
-            <a:r>
-              <a:rPr lang="en-US" dirty="0" err="1" smtClean="0"/>
-              <a:t>começa</a:t>
-            </a:r>
-            <a:r>
-              <a:rPr lang="en-US" dirty="0" smtClean="0"/>
+              <a:rPr lang="en-US" dirty="0" err="1" smtClean="0">
+                <a:solidFill>
+                  <a:schemeClr val="tx1"/>
+                </a:solidFill>
+                <a:latin typeface="Helvetica" charset="0"/>
+                <a:ea typeface="Helvetica" charset="0"/>
+                <a:cs typeface="Helvetica" charset="0"/>
+              </a:rPr>
+              <a:t>trocado</a:t>
+            </a:r>
+            <a:r>
+              <a:rPr lang="en-US" dirty="0" smtClean="0">
+                <a:solidFill>
+                  <a:schemeClr val="tx1"/>
+                </a:solidFill>
+                <a:latin typeface="Helvetica" charset="0"/>
+                <a:ea typeface="Helvetica" charset="0"/>
+                <a:cs typeface="Helvetica" charset="0"/>
+              </a:rPr>
+              <a:t> via </a:t>
+            </a:r>
+            <a:r>
+              <a:rPr lang="en-US" i="1" dirty="0" smtClean="0">
+                <a:solidFill>
+                  <a:schemeClr val="tx1"/>
+                </a:solidFill>
+                <a:latin typeface="Helvetica" charset="0"/>
+                <a:ea typeface="Helvetica" charset="0"/>
+                <a:cs typeface="Helvetica" charset="0"/>
+              </a:rPr>
+              <a:t>crossover de </a:t>
+            </a:r>
+            <a:r>
+              <a:rPr lang="en-US" i="1" dirty="0" err="1" smtClean="0">
+                <a:solidFill>
+                  <a:schemeClr val="tx1"/>
+                </a:solidFill>
+                <a:latin typeface="Helvetica" charset="0"/>
+                <a:ea typeface="Helvetica" charset="0"/>
+                <a:cs typeface="Helvetica" charset="0"/>
+              </a:rPr>
+              <a:t>dois</a:t>
+            </a:r>
+            <a:r>
+              <a:rPr lang="en-US" i="1" dirty="0" smtClean="0">
+                <a:solidFill>
+                  <a:schemeClr val="tx1"/>
+                </a:solidFill>
+                <a:latin typeface="Helvetica" charset="0"/>
+                <a:ea typeface="Helvetica" charset="0"/>
+                <a:cs typeface="Helvetica" charset="0"/>
+              </a:rPr>
               <a:t> </a:t>
             </a:r>
             <a:r>
-              <a:rPr lang="en-US" dirty="0" err="1" smtClean="0"/>
-              <a:t>em</a:t>
-            </a:r>
-            <a:r>
-              <a:rPr lang="en-US" dirty="0" smtClean="0"/>
-              <a:t> 0, </a:t>
-            </a:r>
-            <a:r>
-              <a:rPr lang="en-US" dirty="0" err="1" smtClean="0"/>
-              <a:t>todos</a:t>
-            </a:r>
-            <a:r>
-              <a:rPr lang="en-US" dirty="0" smtClean="0"/>
-              <a:t> </a:t>
-            </a:r>
-            <a:r>
-              <a:rPr lang="en-US" dirty="0" err="1" smtClean="0"/>
-              <a:t>devem</a:t>
-            </a:r>
-            <a:r>
-              <a:rPr lang="en-US" dirty="0" smtClean="0"/>
-              <a:t> </a:t>
-            </a:r>
-            <a:r>
-              <a:rPr lang="en-US" dirty="0" err="1" smtClean="0"/>
-              <a:t>mudar</a:t>
-            </a:r>
-            <a:r>
-              <a:rPr lang="en-US" dirty="0" smtClean="0"/>
-              <a:t> para 1); </a:t>
-            </a:r>
-            <a:r>
-              <a:rPr lang="en-US" b="1" baseline="30000" dirty="0" smtClean="0">
-                <a:solidFill>
-                  <a:srgbClr val="0432FF"/>
-                </a:solidFill>
-              </a:rPr>
-              <a:t>[3]</a:t>
-            </a:r>
-          </a:p>
-          <a:p>
-            <a:pPr lvl="1"/>
-            <a:r>
-              <a:rPr lang="en-US" b="1" dirty="0" err="1" smtClean="0"/>
-              <a:t>Problema</a:t>
-            </a:r>
-            <a:r>
-              <a:rPr lang="en-US" b="1" dirty="0" smtClean="0"/>
-              <a:t> das 8 </a:t>
-            </a:r>
-            <a:r>
-              <a:rPr lang="en-US" b="1" dirty="0" err="1" smtClean="0"/>
-              <a:t>Rainhas</a:t>
-            </a:r>
-            <a:r>
-              <a:rPr lang="en-US" b="1" dirty="0" smtClean="0"/>
-              <a:t> </a:t>
-            </a:r>
-            <a:r>
-              <a:rPr lang="en-US" dirty="0" smtClean="0"/>
-              <a:t>(</a:t>
-            </a:r>
-            <a:r>
-              <a:rPr lang="en-US" dirty="0" err="1" smtClean="0"/>
-              <a:t>não</a:t>
-            </a:r>
-            <a:r>
-              <a:rPr lang="en-US" dirty="0" smtClean="0"/>
-              <a:t> </a:t>
-            </a:r>
-            <a:r>
-              <a:rPr lang="en-US" dirty="0" err="1" smtClean="0"/>
-              <a:t>podem</a:t>
-            </a:r>
-            <a:r>
-              <a:rPr lang="en-US" dirty="0" smtClean="0"/>
-              <a:t> se </a:t>
-            </a:r>
-            <a:r>
-              <a:rPr lang="en-US" dirty="0" err="1" smtClean="0"/>
-              <a:t>atacar</a:t>
-            </a:r>
-            <a:r>
-              <a:rPr lang="en-US" dirty="0" smtClean="0"/>
-              <a:t> </a:t>
-            </a:r>
-            <a:r>
-              <a:rPr lang="en-US" dirty="0" err="1" smtClean="0"/>
-              <a:t>em</a:t>
-            </a:r>
-            <a:r>
-              <a:rPr lang="en-US" dirty="0" smtClean="0"/>
-              <a:t> um </a:t>
-            </a:r>
-            <a:r>
-              <a:rPr lang="en-US" dirty="0" err="1" smtClean="0"/>
-              <a:t>tabuleiro</a:t>
-            </a:r>
-            <a:r>
-              <a:rPr lang="en-US" dirty="0" smtClean="0"/>
-              <a:t> de </a:t>
-            </a:r>
-            <a:r>
-              <a:rPr lang="en-US" dirty="0" err="1" smtClean="0"/>
-              <a:t>xadrez</a:t>
-            </a:r>
-            <a:r>
-              <a:rPr lang="en-US" dirty="0" smtClean="0"/>
-              <a:t> 8x8). </a:t>
-            </a:r>
-            <a:r>
-              <a:rPr lang="en-US" b="1" baseline="30000" dirty="0" smtClean="0">
-                <a:solidFill>
-                  <a:srgbClr val="0432FF"/>
-                </a:solidFill>
-              </a:rPr>
-              <a:t>[4]</a:t>
-            </a:r>
+              <a:rPr lang="en-US" i="1" dirty="0" err="1" smtClean="0">
+                <a:solidFill>
+                  <a:schemeClr val="tx1"/>
+                </a:solidFill>
+                <a:latin typeface="Helvetica" charset="0"/>
+                <a:ea typeface="Helvetica" charset="0"/>
+                <a:cs typeface="Helvetica" charset="0"/>
+              </a:rPr>
+              <a:t>pontos</a:t>
+            </a:r>
+            <a:endParaRPr lang="en-US" i="1" dirty="0" smtClean="0">
+              <a:solidFill>
+                <a:schemeClr val="tx1"/>
+              </a:solidFill>
+              <a:latin typeface="Helvetica" charset="0"/>
+              <a:ea typeface="Helvetica" charset="0"/>
+              <a:cs typeface="Helvetica" charset="0"/>
+            </a:endParaRPr>
+          </a:p>
+          <a:p>
             <a:endParaRPr lang="en-US" dirty="0" smtClean="0"/>
           </a:p>
         </p:txBody>
@@ -18847,7 +21957,7 @@
     </p:spTree>
     <p:extLst>
       <p:ext uri="{BB962C8B-B14F-4D97-AF65-F5344CB8AC3E}">
-        <p14:creationId xmlns:p14="http://schemas.microsoft.com/office/powerpoint/2010/main" val="1313138351"/>
+        <p14:creationId xmlns:p14="http://schemas.microsoft.com/office/powerpoint/2010/main" val="994278100"/>
       </p:ext>
     </p:extLst>
   </p:cSld>
@@ -18897,313 +22007,106 @@
           <a:lstStyle/>
           <a:p>
             <a:r>
-              <a:rPr lang="en-US" dirty="0" err="1" smtClean="0"/>
-              <a:t>Função</a:t>
-            </a:r>
-            <a:r>
-              <a:rPr lang="en-US" dirty="0" smtClean="0"/>
-              <a:t> de fitness </a:t>
-            </a:r>
-            <a:r>
-              <a:rPr lang="en-US" b="1" baseline="30000" dirty="0" smtClean="0">
-                <a:solidFill>
-                  <a:srgbClr val="00B0F0"/>
-                </a:solidFill>
-              </a:rPr>
-              <a:t>[1,2]</a:t>
-            </a:r>
-            <a:endParaRPr lang="en-US" b="1" baseline="30000" dirty="0">
-              <a:solidFill>
-                <a:srgbClr val="00B0F0"/>
-              </a:solidFill>
+              <a:rPr lang="en-US" b="1" dirty="0" smtClean="0">
+                <a:latin typeface="Helvetica" charset="0"/>
+                <a:ea typeface="Helvetica" charset="0"/>
+                <a:cs typeface="Helvetica" charset="0"/>
+              </a:rPr>
+              <a:t>AG </a:t>
+            </a:r>
+            <a:r>
+              <a:rPr lang="mr-IN" b="1" dirty="0" smtClean="0">
+                <a:latin typeface="Helvetica" charset="0"/>
+                <a:ea typeface="Helvetica" charset="0"/>
+                <a:cs typeface="Helvetica" charset="0"/>
+              </a:rPr>
+              <a:t>–</a:t>
+            </a:r>
+            <a:r>
+              <a:rPr lang="en-US" b="1" dirty="0" smtClean="0">
+                <a:latin typeface="Helvetica" charset="0"/>
+                <a:ea typeface="Helvetica" charset="0"/>
+                <a:cs typeface="Helvetica" charset="0"/>
+              </a:rPr>
+              <a:t> </a:t>
+            </a:r>
+            <a:r>
+              <a:rPr lang="en-US" b="1" dirty="0" smtClean="0">
+                <a:latin typeface="Helvetica" charset="0"/>
+                <a:ea typeface="Helvetica" charset="0"/>
+                <a:cs typeface="Helvetica" charset="0"/>
+              </a:rPr>
+              <a:t>Crossover de </a:t>
+            </a:r>
+            <a:r>
+              <a:rPr lang="en-US" b="1" dirty="0" err="1" smtClean="0">
+                <a:latin typeface="Helvetica" charset="0"/>
+                <a:ea typeface="Helvetica" charset="0"/>
+                <a:cs typeface="Helvetica" charset="0"/>
+              </a:rPr>
+              <a:t>dois</a:t>
+            </a:r>
+            <a:r>
+              <a:rPr lang="en-US" b="1" dirty="0" smtClean="0">
+                <a:latin typeface="Helvetica" charset="0"/>
+                <a:ea typeface="Helvetica" charset="0"/>
+                <a:cs typeface="Helvetica" charset="0"/>
+              </a:rPr>
+              <a:t> </a:t>
+            </a:r>
+            <a:r>
+              <a:rPr lang="en-US" b="1" dirty="0" err="1" smtClean="0">
+                <a:latin typeface="Helvetica" charset="0"/>
+                <a:ea typeface="Helvetica" charset="0"/>
+                <a:cs typeface="Helvetica" charset="0"/>
+              </a:rPr>
+              <a:t>po</a:t>
+            </a:r>
+            <a:r>
+              <a:rPr lang="en-US" b="1" dirty="0" err="1" smtClean="0">
+                <a:latin typeface="Helvetica" charset="0"/>
+                <a:ea typeface="Helvetica" charset="0"/>
+                <a:cs typeface="Helvetica" charset="0"/>
+              </a:rPr>
+              <a:t>ntos</a:t>
+            </a:r>
+            <a:endParaRPr lang="en-US" b="1" dirty="0">
+              <a:latin typeface="Helvetica" charset="0"/>
+              <a:ea typeface="Helvetica" charset="0"/>
+              <a:cs typeface="Helvetica" charset="0"/>
             </a:endParaRPr>
           </a:p>
         </p:txBody>
       </p:sp>
-      <p:sp>
-        <p:nvSpPr>
-          <p:cNvPr id="3" name="Content Placeholder 2"/>
-          <p:cNvSpPr>
-            <a:spLocks noGrp="1"/>
-          </p:cNvSpPr>
+      <p:pic>
+        <p:nvPicPr>
+          <p:cNvPr id="4" name="Content Placeholder 3"/>
+          <p:cNvPicPr>
+            <a:picLocks noGrp="1" noChangeAspect="1"/>
+          </p:cNvPicPr>
           <p:nvPr>
             <p:ph idx="1"/>
           </p:nvPr>
-        </p:nvSpPr>
+        </p:nvPicPr>
+        <p:blipFill>
+          <a:blip r:embed="rId3">
+            <a:extLst>
+              <a:ext uri="{28A0092B-C50C-407E-A947-70E740481C1C}">
+                <a14:useLocalDpi xmlns:a14="http://schemas.microsoft.com/office/drawing/2010/main" val="0"/>
+              </a:ext>
+            </a:extLst>
+          </a:blip>
+          <a:stretch>
+            <a:fillRect/>
+          </a:stretch>
+        </p:blipFill>
         <p:spPr>
           <a:xfrm>
-            <a:off x="1154954" y="2603500"/>
-            <a:ext cx="9000982" cy="3416300"/>
+            <a:off x="1155700" y="3012792"/>
+            <a:ext cx="9645650" cy="2597715"/>
           </a:xfrm>
         </p:spPr>
-        <p:txBody>
-          <a:bodyPr/>
-          <a:lstStyle/>
-          <a:p>
-            <a:r>
-              <a:rPr lang="en-US" dirty="0" err="1" smtClean="0"/>
-              <a:t>Qualifica</a:t>
-            </a:r>
-            <a:r>
-              <a:rPr lang="en-US" dirty="0" smtClean="0"/>
-              <a:t> a </a:t>
-            </a:r>
-            <a:r>
-              <a:rPr lang="en-US" dirty="0" err="1" smtClean="0"/>
-              <a:t>solução</a:t>
-            </a:r>
-            <a:r>
-              <a:rPr lang="en-US" dirty="0" smtClean="0"/>
-              <a:t> dada </a:t>
-            </a:r>
-            <a:r>
-              <a:rPr lang="en-US" dirty="0" err="1" smtClean="0"/>
-              <a:t>por</a:t>
-            </a:r>
-            <a:r>
-              <a:rPr lang="en-US" dirty="0" smtClean="0"/>
-              <a:t> </a:t>
-            </a:r>
-            <a:r>
-              <a:rPr lang="en-US" dirty="0" err="1" smtClean="0"/>
-              <a:t>uma</a:t>
-            </a:r>
-            <a:r>
-              <a:rPr lang="en-US" dirty="0" smtClean="0"/>
-              <a:t> </a:t>
-            </a:r>
-            <a:r>
-              <a:rPr lang="en-US" dirty="0" err="1" smtClean="0"/>
-              <a:t>determinada</a:t>
-            </a:r>
-            <a:r>
-              <a:rPr lang="en-US" dirty="0" smtClean="0"/>
-              <a:t> </a:t>
-            </a:r>
-            <a:r>
-              <a:rPr lang="en-US" dirty="0" err="1" smtClean="0"/>
-              <a:t>geração</a:t>
-            </a:r>
-            <a:endParaRPr lang="en-US" dirty="0" smtClean="0"/>
-          </a:p>
-          <a:p>
-            <a:r>
-              <a:rPr lang="en-US" dirty="0" err="1" smtClean="0"/>
-              <a:t>Escala</a:t>
-            </a:r>
-            <a:r>
-              <a:rPr lang="en-US" dirty="0" smtClean="0"/>
-              <a:t> </a:t>
-            </a:r>
-            <a:r>
-              <a:rPr lang="en-US" dirty="0" err="1" smtClean="0"/>
-              <a:t>numérica</a:t>
-            </a:r>
-            <a:endParaRPr lang="en-US" dirty="0" smtClean="0"/>
-          </a:p>
-          <a:p>
-            <a:r>
-              <a:rPr lang="en-US" dirty="0" err="1" smtClean="0"/>
-              <a:t>Pode</a:t>
-            </a:r>
-            <a:r>
-              <a:rPr lang="en-US" dirty="0" smtClean="0"/>
-              <a:t> </a:t>
-            </a:r>
-            <a:r>
-              <a:rPr lang="en-US" dirty="0" err="1" smtClean="0"/>
-              <a:t>retornar</a:t>
-            </a:r>
-            <a:r>
-              <a:rPr lang="en-US" dirty="0" smtClean="0"/>
-              <a:t> </a:t>
-            </a:r>
-            <a:r>
-              <a:rPr lang="en-US" dirty="0" err="1" smtClean="0"/>
-              <a:t>também</a:t>
-            </a:r>
-            <a:r>
-              <a:rPr lang="en-US" dirty="0" smtClean="0"/>
-              <a:t> se </a:t>
-            </a:r>
-            <a:r>
-              <a:rPr lang="en-US" dirty="0" err="1" smtClean="0"/>
-              <a:t>foi</a:t>
-            </a:r>
-            <a:r>
-              <a:rPr lang="en-US" dirty="0" smtClean="0"/>
-              <a:t> </a:t>
-            </a:r>
-            <a:r>
-              <a:rPr lang="en-US" dirty="0" err="1" smtClean="0"/>
-              <a:t>possível</a:t>
-            </a:r>
-            <a:r>
-              <a:rPr lang="en-US" dirty="0" smtClean="0"/>
-              <a:t> </a:t>
-            </a:r>
-            <a:r>
-              <a:rPr lang="en-US" dirty="0" err="1" smtClean="0"/>
-              <a:t>chegar</a:t>
-            </a:r>
-            <a:r>
-              <a:rPr lang="en-US" dirty="0" smtClean="0"/>
-              <a:t> a </a:t>
-            </a:r>
-            <a:r>
-              <a:rPr lang="en-US" dirty="0" err="1" smtClean="0"/>
-              <a:t>uma</a:t>
-            </a:r>
-            <a:r>
-              <a:rPr lang="en-US" dirty="0" smtClean="0"/>
-              <a:t> </a:t>
-            </a:r>
-            <a:r>
-              <a:rPr lang="en-US" dirty="0" err="1" smtClean="0"/>
-              <a:t>solução</a:t>
-            </a:r>
-            <a:endParaRPr lang="en-US" dirty="0" smtClean="0"/>
-          </a:p>
-          <a:p>
-            <a:r>
-              <a:rPr lang="en-US" b="1" dirty="0" err="1" smtClean="0"/>
-              <a:t>OneMax</a:t>
-            </a:r>
-            <a:r>
-              <a:rPr lang="en-US" b="1" dirty="0" smtClean="0"/>
-              <a:t>:</a:t>
-            </a:r>
-            <a:r>
-              <a:rPr lang="en-US" dirty="0" smtClean="0"/>
-              <a:t> </a:t>
-            </a:r>
-            <a:r>
-              <a:rPr lang="en-US" dirty="0" err="1" smtClean="0"/>
-              <a:t>quantos</a:t>
-            </a:r>
-            <a:r>
-              <a:rPr lang="en-US" dirty="0" smtClean="0"/>
-              <a:t> bits </a:t>
-            </a:r>
-            <a:r>
-              <a:rPr lang="en-US" dirty="0" err="1" smtClean="0"/>
-              <a:t>estão</a:t>
-            </a:r>
-            <a:r>
-              <a:rPr lang="en-US" dirty="0" smtClean="0"/>
-              <a:t> </a:t>
-            </a:r>
-            <a:r>
-              <a:rPr lang="en-US" dirty="0" err="1" smtClean="0"/>
-              <a:t>setados</a:t>
-            </a:r>
-            <a:r>
-              <a:rPr lang="en-US" dirty="0" smtClean="0"/>
-              <a:t> com valor 1; </a:t>
-            </a:r>
-            <a:r>
-              <a:rPr lang="en-US" dirty="0" err="1" smtClean="0"/>
-              <a:t>busca</a:t>
-            </a:r>
-            <a:r>
-              <a:rPr lang="en-US" dirty="0" smtClean="0"/>
-              <a:t> </a:t>
-            </a:r>
-            <a:r>
-              <a:rPr lang="en-US" dirty="0" err="1" smtClean="0"/>
-              <a:t>pelo</a:t>
-            </a:r>
-            <a:r>
-              <a:rPr lang="en-US" dirty="0" smtClean="0"/>
-              <a:t> </a:t>
-            </a:r>
-            <a:r>
-              <a:rPr lang="en-US" dirty="0" err="1" smtClean="0"/>
-              <a:t>maior</a:t>
-            </a:r>
-            <a:endParaRPr lang="en-US" dirty="0" smtClean="0"/>
-          </a:p>
-          <a:p>
-            <a:r>
-              <a:rPr lang="en-US" b="1" dirty="0" smtClean="0"/>
-              <a:t>8 </a:t>
-            </a:r>
-            <a:r>
-              <a:rPr lang="en-US" b="1" dirty="0" err="1" smtClean="0"/>
-              <a:t>rainhas</a:t>
-            </a:r>
-            <a:r>
-              <a:rPr lang="en-US" b="1" dirty="0" smtClean="0"/>
-              <a:t>:</a:t>
-            </a:r>
-            <a:r>
-              <a:rPr lang="en-US" dirty="0" smtClean="0"/>
-              <a:t> </a:t>
-            </a:r>
-            <a:r>
-              <a:rPr lang="en-US" dirty="0" err="1" smtClean="0"/>
-              <a:t>quantas</a:t>
-            </a:r>
-            <a:r>
-              <a:rPr lang="en-US" dirty="0" smtClean="0"/>
-              <a:t> </a:t>
-            </a:r>
-            <a:r>
-              <a:rPr lang="en-US" dirty="0" err="1" smtClean="0"/>
-              <a:t>rainhas</a:t>
-            </a:r>
-            <a:r>
-              <a:rPr lang="en-US" dirty="0" smtClean="0"/>
-              <a:t> </a:t>
-            </a:r>
-            <a:r>
-              <a:rPr lang="en-US" dirty="0" err="1" smtClean="0"/>
-              <a:t>podem</a:t>
-            </a:r>
-            <a:r>
-              <a:rPr lang="en-US" dirty="0" smtClean="0"/>
-              <a:t> se </a:t>
-            </a:r>
-            <a:r>
-              <a:rPr lang="en-US" dirty="0" err="1" smtClean="0"/>
-              <a:t>atacar</a:t>
-            </a:r>
-            <a:r>
-              <a:rPr lang="en-US" dirty="0" smtClean="0"/>
-              <a:t> no </a:t>
-            </a:r>
-            <a:r>
-              <a:rPr lang="en-US" dirty="0" err="1" smtClean="0"/>
-              <a:t>tabuleiro</a:t>
-            </a:r>
-            <a:r>
-              <a:rPr lang="en-US" dirty="0" smtClean="0"/>
-              <a:t>; </a:t>
-            </a:r>
-            <a:r>
-              <a:rPr lang="en-US" dirty="0" err="1" smtClean="0"/>
-              <a:t>busca</a:t>
-            </a:r>
-            <a:r>
-              <a:rPr lang="en-US" dirty="0" smtClean="0"/>
-              <a:t> </a:t>
-            </a:r>
-            <a:r>
-              <a:rPr lang="en-US" dirty="0" err="1" smtClean="0"/>
-              <a:t>pelo</a:t>
-            </a:r>
-            <a:r>
-              <a:rPr lang="en-US" dirty="0" smtClean="0"/>
-              <a:t> </a:t>
-            </a:r>
-            <a:r>
-              <a:rPr lang="en-US" dirty="0" err="1" smtClean="0"/>
-              <a:t>menor</a:t>
-            </a:r>
-            <a:endParaRPr lang="en-US" dirty="0" smtClean="0"/>
-          </a:p>
-        </p:txBody>
-      </p:sp>
+      </p:pic>
       <p:sp>
         <p:nvSpPr>
           <p:cNvPr id="5" name="Slide Number Placeholder 4"/>
@@ -19230,7 +22133,7 @@
     </p:spTree>
     <p:extLst>
       <p:ext uri="{BB962C8B-B14F-4D97-AF65-F5344CB8AC3E}">
-        <p14:creationId xmlns:p14="http://schemas.microsoft.com/office/powerpoint/2010/main" val="947778203"/>
+        <p14:creationId xmlns:p14="http://schemas.microsoft.com/office/powerpoint/2010/main" val="1184266042"/>
       </p:ext>
     </p:extLst>
   </p:cSld>
@@ -19274,22 +22177,31 @@
             <p:ph type="title"/>
           </p:nvPr>
         </p:nvSpPr>
-        <p:spPr/>
+        <p:spPr>
+          <a:xfrm>
+            <a:off x="1154954" y="973669"/>
+            <a:ext cx="9622774" cy="706964"/>
+          </a:xfrm>
+        </p:spPr>
         <p:txBody>
           <a:bodyPr/>
           <a:lstStyle/>
           <a:p>
             <a:r>
               <a:rPr lang="en-US" dirty="0" err="1" smtClean="0"/>
-              <a:t>Evolução</a:t>
-            </a:r>
-            <a:r>
-              <a:rPr lang="en-US" dirty="0" smtClean="0"/>
-              <a:t> - </a:t>
-            </a:r>
-            <a:r>
-              <a:rPr lang="en-US" dirty="0" err="1" smtClean="0"/>
-              <a:t>Parâmetros</a:t>
+              <a:t>Algoritmo</a:t>
+            </a:r>
+            <a:r>
+              <a:rPr lang="en-US" dirty="0"/>
+              <a:t> </a:t>
+            </a:r>
+            <a:r>
+              <a:rPr lang="en-US" dirty="0" err="1" smtClean="0"/>
+              <a:t>Evolutivo</a:t>
+            </a:r>
+            <a:r>
+              <a:rPr lang="en-US" dirty="0" smtClean="0"/>
+              <a:t> (AE)</a:t>
             </a:r>
             <a:endParaRPr lang="en-US" dirty="0"/>
           </a:p>
@@ -19305,22 +22217,57 @@
             <p:ph idx="1"/>
           </p:nvPr>
         </p:nvSpPr>
-        <p:spPr/>
+        <p:spPr>
+          <a:xfrm>
+            <a:off x="1154954" y="2603500"/>
+            <a:ext cx="8825659" cy="3955796"/>
+          </a:xfrm>
+        </p:spPr>
         <p:txBody>
           <a:bodyPr/>
           <a:lstStyle/>
           <a:p>
             <a:r>
-              <a:rPr lang="en-US" dirty="0" smtClean="0"/>
-              <a:t>As </a:t>
-            </a:r>
-            <a:r>
-              <a:rPr lang="en-US" dirty="0" err="1" smtClean="0"/>
-              <a:t>expressividades</a:t>
-            </a:r>
-            <a:r>
-              <a:rPr lang="en-US" dirty="0" smtClean="0"/>
-              <a:t> das </a:t>
+              <a:rPr lang="en-US" dirty="0" err="1" smtClean="0"/>
+              <a:t>Implementação</a:t>
+            </a:r>
+            <a:r>
+              <a:rPr lang="en-US" dirty="0" smtClean="0"/>
+              <a:t> </a:t>
+            </a:r>
+            <a:r>
+              <a:rPr lang="en-US" dirty="0" err="1" smtClean="0"/>
+              <a:t>baseada</a:t>
+            </a:r>
+            <a:r>
+              <a:rPr lang="en-US" dirty="0" smtClean="0"/>
+              <a:t> no framework </a:t>
+            </a:r>
+            <a:r>
+              <a:rPr lang="en-US" b="1" baseline="30000" dirty="0" smtClean="0">
+                <a:solidFill>
+                  <a:srgbClr val="0432FF"/>
+                </a:solidFill>
+              </a:rPr>
+              <a:t>[2]</a:t>
+            </a:r>
+          </a:p>
+          <a:p>
+            <a:r>
+              <a:rPr lang="en-US" dirty="0" err="1" smtClean="0"/>
+              <a:t>Desenvolver</a:t>
+            </a:r>
+            <a:r>
+              <a:rPr lang="en-US" dirty="0" smtClean="0"/>
+              <a:t> </a:t>
+            </a:r>
+            <a:r>
+              <a:rPr lang="en-US" dirty="0" err="1" smtClean="0"/>
+              <a:t>diferentes</a:t>
+            </a:r>
+            <a:r>
+              <a:rPr lang="en-US" dirty="0" smtClean="0"/>
+              <a:t> </a:t>
             </a:r>
             <a:r>
               <a:rPr lang="en-US" dirty="0" err="1" smtClean="0"/>
@@ -19336,185 +22283,326 @@
             </a:r>
             <a:r>
               <a:rPr lang="en-US" dirty="0" smtClean="0"/>
+              <a:t>/</a:t>
+            </a:r>
+            <a:r>
+              <a:rPr lang="en-US" dirty="0" err="1" smtClean="0"/>
+              <a:t>seleção</a:t>
+            </a:r>
+            <a:r>
+              <a:rPr lang="en-US" dirty="0" smtClean="0"/>
+              <a:t> para </a:t>
+            </a:r>
+            <a:r>
+              <a:rPr lang="en-US" dirty="0" err="1" smtClean="0"/>
+              <a:t>cada</a:t>
+            </a:r>
+            <a:r>
+              <a:rPr lang="en-US" dirty="0" smtClean="0"/>
+              <a:t> </a:t>
+            </a:r>
+            <a:r>
+              <a:rPr lang="en-US" dirty="0" err="1" smtClean="0"/>
+              <a:t>população</a:t>
+            </a:r>
+            <a:endParaRPr lang="en-US" dirty="0" smtClean="0"/>
+          </a:p>
+          <a:p>
+            <a:r>
+              <a:rPr lang="en-US" dirty="0" err="1" smtClean="0"/>
+              <a:t>Esqueleto</a:t>
+            </a:r>
+            <a:r>
+              <a:rPr lang="en-US" dirty="0" smtClean="0"/>
+              <a:t> </a:t>
+            </a:r>
+            <a:r>
+              <a:rPr lang="en-US" dirty="0" err="1" smtClean="0"/>
+              <a:t>deve</a:t>
+            </a:r>
+            <a:r>
+              <a:rPr lang="en-US" dirty="0" smtClean="0"/>
+              <a:t> </a:t>
+            </a:r>
+            <a:r>
+              <a:rPr lang="en-US" dirty="0" err="1" smtClean="0"/>
+              <a:t>ser</a:t>
+            </a:r>
+            <a:r>
+              <a:rPr lang="en-US" dirty="0" smtClean="0"/>
+              <a:t> </a:t>
+            </a:r>
+            <a:r>
+              <a:rPr lang="en-US" dirty="0" err="1" smtClean="0"/>
+              <a:t>receptivo</a:t>
+            </a:r>
+            <a:r>
+              <a:rPr lang="en-US" dirty="0" smtClean="0"/>
+              <a:t> a </a:t>
+            </a:r>
+            <a:r>
+              <a:rPr lang="en-US" dirty="0" err="1" smtClean="0"/>
+              <a:t>diferentes</a:t>
+            </a:r>
+            <a:r>
+              <a:rPr lang="en-US" dirty="0" smtClean="0"/>
+              <a:t> </a:t>
+            </a:r>
+            <a:r>
+              <a:rPr lang="en-US" dirty="0" err="1" smtClean="0"/>
+              <a:t>problemas</a:t>
+            </a:r>
+            <a:endParaRPr lang="en-US" dirty="0" smtClean="0"/>
+          </a:p>
+          <a:p>
+            <a:pPr lvl="1"/>
+            <a:r>
+              <a:rPr lang="en-US" dirty="0" err="1" smtClean="0"/>
+              <a:t>Mínimo</a:t>
+            </a:r>
+            <a:r>
+              <a:rPr lang="en-US" dirty="0" smtClean="0"/>
               <a:t> / </a:t>
             </a:r>
             <a:r>
               <a:rPr lang="en-US" dirty="0" err="1" smtClean="0"/>
-              <a:t>seleção</a:t>
-            </a:r>
-            <a:r>
-              <a:rPr lang="en-US" dirty="0"/>
+              <a:t>Máximo</a:t>
+            </a:r>
+            <a:endParaRPr lang="en-US" dirty="0" smtClean="0"/>
+          </a:p>
+          <a:p>
+            <a:pPr lvl="1"/>
+            <a:r>
+              <a:rPr lang="en-US" dirty="0" err="1" smtClean="0"/>
+              <a:t>Complexidade</a:t>
+            </a:r>
+            <a:r>
+              <a:rPr lang="en-US" dirty="0" smtClean="0"/>
+              <a:t> da </a:t>
+            </a:r>
+            <a:r>
+              <a:rPr lang="en-US" dirty="0" err="1" smtClean="0"/>
+              <a:t>população</a:t>
+            </a:r>
+            <a:endParaRPr lang="en-US" dirty="0" smtClean="0"/>
+          </a:p>
+          <a:p>
+            <a:r>
+              <a:rPr lang="en-US" b="1" dirty="0" err="1" smtClean="0"/>
+              <a:t>Mutação</a:t>
+            </a:r>
+            <a:r>
+              <a:rPr lang="en-US" dirty="0" smtClean="0"/>
               <a:t> </a:t>
             </a:r>
             <a:r>
-              <a:rPr lang="en-US" dirty="0" err="1" smtClean="0"/>
-              <a:t>podem</a:t>
-            </a:r>
-            <a:r>
-              <a:rPr lang="en-US" dirty="0" smtClean="0"/>
+              <a:rPr lang="en-US" dirty="0" smtClean="0">
+                <a:sym typeface="Wingdings"/>
+              </a:rPr>
+              <a:t> Valor </a:t>
+            </a:r>
+            <a:r>
+              <a:rPr lang="en-US" dirty="0" err="1" smtClean="0">
+                <a:sym typeface="Wingdings"/>
+              </a:rPr>
+              <a:t>aleatório</a:t>
+            </a:r>
+            <a:endParaRPr lang="en-US" dirty="0" smtClean="0">
+              <a:sym typeface="Wingdings"/>
+            </a:endParaRPr>
+          </a:p>
+          <a:p>
+            <a:r>
+              <a:rPr lang="en-US" b="1" dirty="0" err="1" smtClean="0">
+                <a:sym typeface="Wingdings"/>
+              </a:rPr>
+              <a:t>Recombinação</a:t>
+            </a:r>
+            <a:r>
+              <a:rPr lang="en-US" dirty="0" smtClean="0">
+                <a:sym typeface="Wingdings"/>
+              </a:rPr>
+              <a:t>  </a:t>
+            </a:r>
+            <a:r>
+              <a:rPr lang="en-US" dirty="0" err="1" smtClean="0">
+                <a:sym typeface="Wingdings"/>
+              </a:rPr>
+              <a:t>Troca</a:t>
+            </a:r>
+            <a:r>
+              <a:rPr lang="en-US" dirty="0" smtClean="0">
+                <a:sym typeface="Wingdings"/>
+              </a:rPr>
+              <a:t> de </a:t>
+            </a:r>
+            <a:r>
+              <a:rPr lang="en-US" dirty="0" err="1" smtClean="0">
+                <a:sym typeface="Wingdings"/>
+              </a:rPr>
+              <a:t>valores</a:t>
+            </a:r>
+            <a:r>
+              <a:rPr lang="en-US" dirty="0" smtClean="0">
+                <a:sym typeface="Wingdings"/>
+              </a:rPr>
+              <a:t> entre </a:t>
+            </a:r>
+            <a:r>
+              <a:rPr lang="en-US" dirty="0" err="1" smtClean="0">
+                <a:sym typeface="Wingdings"/>
+              </a:rPr>
+              <a:t>os</a:t>
+            </a:r>
+            <a:r>
+              <a:rPr lang="en-US" dirty="0" smtClean="0">
+                <a:sym typeface="Wingdings"/>
+              </a:rPr>
               <a:t> </a:t>
             </a:r>
             <a:r>
-              <a:rPr lang="en-US" dirty="0" err="1" smtClean="0"/>
-              <a:t>ser</a:t>
-            </a:r>
-            <a:r>
-              <a:rPr lang="en-US" dirty="0" smtClean="0"/>
+              <a:rPr lang="en-US" dirty="0" err="1" smtClean="0">
+                <a:sym typeface="Wingdings"/>
+              </a:rPr>
+              <a:t>pais</a:t>
+            </a:r>
+            <a:endParaRPr lang="en-US" dirty="0" smtClean="0">
+              <a:sym typeface="Wingdings"/>
+            </a:endParaRPr>
+          </a:p>
+          <a:p>
+            <a:r>
+              <a:rPr lang="en-US" b="1" dirty="0" err="1" smtClean="0">
+                <a:sym typeface="Wingdings"/>
+              </a:rPr>
+              <a:t>Seleção</a:t>
+            </a:r>
+            <a:r>
+              <a:rPr lang="en-US" dirty="0" smtClean="0">
+                <a:sym typeface="Wingdings"/>
+              </a:rPr>
+              <a:t>  </a:t>
+            </a:r>
+            <a:r>
+              <a:rPr lang="en-US" dirty="0" err="1" smtClean="0">
+                <a:sym typeface="Wingdings"/>
+              </a:rPr>
+              <a:t>Os</a:t>
+            </a:r>
+            <a:r>
+              <a:rPr lang="en-US" dirty="0" smtClean="0">
+                <a:sym typeface="Wingdings"/>
+              </a:rPr>
               <a:t> </a:t>
             </a:r>
             <a:r>
-              <a:rPr lang="en-US" dirty="0" err="1" smtClean="0"/>
-              <a:t>descritas</a:t>
-            </a:r>
-            <a:r>
-              <a:rPr lang="en-US" dirty="0" smtClean="0"/>
+              <a:rPr lang="en-US" dirty="0" err="1" smtClean="0">
+                <a:sym typeface="Wingdings"/>
+              </a:rPr>
+              <a:t>melhores</a:t>
+            </a:r>
+            <a:r>
+              <a:rPr lang="en-US" dirty="0" smtClean="0">
+                <a:sym typeface="Wingdings"/>
+              </a:rPr>
               <a:t> </a:t>
             </a:r>
             <a:r>
-              <a:rPr lang="en-US" dirty="0" err="1" smtClean="0"/>
-              <a:t>por</a:t>
-            </a:r>
-            <a:r>
-              <a:rPr lang="en-US" dirty="0" smtClean="0"/>
+              <a:rPr lang="en-US" dirty="0" err="1" smtClean="0">
+                <a:sym typeface="Wingdings"/>
+              </a:rPr>
+              <a:t>indivíduos</a:t>
+            </a:r>
+            <a:r>
+              <a:rPr lang="en-US" dirty="0" smtClean="0">
+                <a:sym typeface="Wingdings"/>
+              </a:rPr>
               <a:t> </a:t>
             </a:r>
             <a:r>
-              <a:rPr lang="en-US" dirty="0" err="1" smtClean="0"/>
-              <a:t>parâmetros</a:t>
-            </a:r>
-            <a:r>
-              <a:rPr lang="en-US" dirty="0" smtClean="0"/>
+              <a:rPr lang="en-US" dirty="0" err="1" smtClean="0">
+                <a:sym typeface="Wingdings"/>
+              </a:rPr>
+              <a:t>são</a:t>
+            </a:r>
+            <a:r>
+              <a:rPr lang="en-US" dirty="0" smtClean="0">
+                <a:sym typeface="Wingdings"/>
+              </a:rPr>
               <a:t> </a:t>
             </a:r>
-            <a:r>
-              <a:rPr lang="en-US" dirty="0" err="1" smtClean="0"/>
-              <a:t>setados</a:t>
-            </a:r>
-            <a:r>
-              <a:rPr lang="en-US" dirty="0" smtClean="0"/>
+          </a:p>
+          <a:p>
+            <a:r>
+              <a:rPr lang="en-US" b="1" dirty="0" err="1" smtClean="0">
+                <a:sym typeface="Wingdings"/>
+              </a:rPr>
+              <a:t>Sobrevivência</a:t>
+            </a:r>
+            <a:r>
+              <a:rPr lang="en-US" dirty="0" smtClean="0">
+                <a:sym typeface="Wingdings"/>
+              </a:rPr>
+              <a:t>  </a:t>
+            </a:r>
+            <a:r>
+              <a:rPr lang="en-US" dirty="0" err="1" smtClean="0">
+                <a:sym typeface="Wingdings"/>
+              </a:rPr>
+              <a:t>Rejeição</a:t>
+            </a:r>
+            <a:r>
+              <a:rPr lang="en-US" dirty="0" smtClean="0">
+                <a:sym typeface="Wingdings"/>
+              </a:rPr>
+              <a:t> de </a:t>
+            </a:r>
+            <a:r>
+              <a:rPr lang="en-US" dirty="0" err="1">
+                <a:sym typeface="Wingdings"/>
+              </a:rPr>
+              <a:t>espécimes</a:t>
+            </a:r>
+            <a:r>
+              <a:rPr lang="en-US" dirty="0">
+                <a:sym typeface="Wingdings"/>
+              </a:rPr>
               <a:t> </a:t>
             </a:r>
             <a:r>
-              <a:rPr lang="en-US" dirty="0" err="1" smtClean="0"/>
-              <a:t>inicialmente</a:t>
-            </a:r>
-            <a:r>
-              <a:rPr lang="en-US" dirty="0" smtClean="0"/>
-              <a:t> no AE </a:t>
-            </a:r>
-            <a:r>
-              <a:rPr lang="en-US" dirty="0" err="1" smtClean="0"/>
-              <a:t>numa</a:t>
-            </a:r>
-            <a:r>
-              <a:rPr lang="en-US" dirty="0" smtClean="0"/>
+              <a:rPr lang="en-US" dirty="0" smtClean="0">
+                <a:sym typeface="Wingdings"/>
+              </a:rPr>
+              <a:t>de </a:t>
+            </a:r>
+            <a:r>
+              <a:rPr lang="en-US" dirty="0" err="1" smtClean="0">
+                <a:sym typeface="Wingdings"/>
+              </a:rPr>
+              <a:t>menor</a:t>
+            </a:r>
+            <a:r>
+              <a:rPr lang="en-US" dirty="0" smtClean="0">
+                <a:sym typeface="Wingdings"/>
+              </a:rPr>
               <a:t> </a:t>
             </a:r>
             <a:r>
-              <a:rPr lang="en-US" dirty="0" err="1" smtClean="0"/>
-              <a:t>escala</a:t>
-            </a:r>
-            <a:r>
-              <a:rPr lang="en-US" dirty="0" smtClean="0"/>
-              <a:t> de 100%</a:t>
-            </a:r>
-          </a:p>
-          <a:p>
-            <a:r>
-              <a:rPr lang="en-US" dirty="0" err="1" smtClean="0"/>
-              <a:t>Normalmente</a:t>
-            </a:r>
-            <a:r>
-              <a:rPr lang="en-US" dirty="0" smtClean="0"/>
-              <a:t> expressos </a:t>
-            </a:r>
-            <a:r>
-              <a:rPr lang="en-US" dirty="0" err="1" smtClean="0"/>
-              <a:t>por</a:t>
-            </a:r>
-            <a:r>
-              <a:rPr lang="en-US" dirty="0" smtClean="0"/>
-              <a:t> um </a:t>
-            </a:r>
-            <a:r>
-              <a:rPr lang="en-US" dirty="0" err="1" smtClean="0"/>
-              <a:t>vetor</a:t>
+              <a:rPr lang="en-US" dirty="0" err="1" smtClean="0">
+                <a:sym typeface="Wingdings"/>
+              </a:rPr>
+              <a:t>qualidade</a:t>
             </a:r>
             <a:endParaRPr lang="en-US" dirty="0" smtClean="0"/>
           </a:p>
           <a:p>
-            <a:r>
-              <a:rPr lang="en-US" dirty="0" err="1" smtClean="0"/>
-              <a:t>Ajustar</a:t>
-            </a:r>
-            <a:r>
-              <a:rPr lang="en-US" dirty="0" smtClean="0"/>
-              <a:t> </a:t>
-            </a:r>
-            <a:r>
-              <a:rPr lang="en-US" dirty="0" err="1" smtClean="0"/>
-              <a:t>tais</a:t>
-            </a:r>
-            <a:r>
-              <a:rPr lang="en-US" dirty="0" smtClean="0"/>
-              <a:t> </a:t>
-            </a:r>
-            <a:r>
-              <a:rPr lang="en-US" dirty="0" err="1" smtClean="0"/>
-              <a:t>parâmetros</a:t>
-            </a:r>
-            <a:r>
-              <a:rPr lang="en-US" dirty="0" smtClean="0"/>
-              <a:t> </a:t>
-            </a:r>
-            <a:r>
-              <a:rPr lang="en-US" dirty="0" err="1" smtClean="0"/>
-              <a:t>determina</a:t>
-            </a:r>
-            <a:r>
-              <a:rPr lang="en-US" dirty="0" smtClean="0"/>
-              <a:t> a </a:t>
-            </a:r>
-            <a:r>
-              <a:rPr lang="en-US" dirty="0" err="1" smtClean="0"/>
-              <a:t>qualidade</a:t>
-            </a:r>
-            <a:r>
-              <a:rPr lang="en-US" dirty="0" smtClean="0"/>
-              <a:t> das </a:t>
-            </a:r>
-            <a:r>
-              <a:rPr lang="en-US" dirty="0" err="1" smtClean="0"/>
-              <a:t>soluções</a:t>
-            </a:r>
-            <a:r>
-              <a:rPr lang="en-US" dirty="0" smtClean="0"/>
-              <a:t> e a </a:t>
-            </a:r>
-            <a:r>
-              <a:rPr lang="en-US" dirty="0" err="1" smtClean="0"/>
-              <a:t>velocidade</a:t>
-            </a:r>
-            <a:r>
-              <a:rPr lang="en-US" dirty="0" smtClean="0"/>
-              <a:t> de </a:t>
-            </a:r>
-            <a:r>
-              <a:rPr lang="en-US" dirty="0" err="1" smtClean="0"/>
-              <a:t>convergência</a:t>
-            </a:r>
-            <a:r>
-              <a:rPr lang="en-US" dirty="0" smtClean="0"/>
-              <a:t> </a:t>
-            </a:r>
-            <a:r>
-              <a:rPr lang="en-US" b="1" baseline="30000" dirty="0" smtClean="0">
-                <a:solidFill>
-                  <a:srgbClr val="0432FF"/>
-                </a:solidFill>
-              </a:rPr>
-              <a:t>[5]</a:t>
-            </a:r>
+            <a:pPr marL="0" indent="0">
+              <a:buNone/>
+            </a:pPr>
+            <a:endParaRPr lang="en-US" dirty="0" smtClean="0"/>
+          </a:p>
+          <a:p>
+            <a:endParaRPr lang="en-US" dirty="0"/>
           </a:p>
         </p:txBody>
       </p:sp>
@@ -19544,7 +22632,7 @@
     </p:spTree>
     <p:extLst>
       <p:ext uri="{BB962C8B-B14F-4D97-AF65-F5344CB8AC3E}">
-        <p14:creationId xmlns:p14="http://schemas.microsoft.com/office/powerpoint/2010/main" val="855487981"/>
+        <p14:creationId xmlns:p14="http://schemas.microsoft.com/office/powerpoint/2010/main" val="315967827"/>
       </p:ext>
     </p:extLst>
   </p:cSld>

--- a/presentations/TG2_Apresentacao_Cassio.pptx
+++ b/presentations/TG2_Apresentacao_Cassio.pptx
@@ -5,7 +5,7 @@
     <p:sldMasterId id="2147484198" r:id="rId1"/>
   </p:sldMasterIdLst>
   <p:notesMasterIdLst>
-    <p:notesMasterId r:id="rId22"/>
+    <p:notesMasterId r:id="rId15"/>
   </p:notesMasterIdLst>
   <p:sldIdLst>
     <p:sldId id="256" r:id="rId2"/>
@@ -16,18 +16,11 @@
     <p:sldId id="275" r:id="rId7"/>
     <p:sldId id="276" r:id="rId8"/>
     <p:sldId id="277" r:id="rId9"/>
-    <p:sldId id="260" r:id="rId10"/>
-    <p:sldId id="261" r:id="rId11"/>
-    <p:sldId id="262" r:id="rId12"/>
-    <p:sldId id="263" r:id="rId13"/>
-    <p:sldId id="264" r:id="rId14"/>
-    <p:sldId id="265" r:id="rId15"/>
-    <p:sldId id="266" r:id="rId16"/>
-    <p:sldId id="267" r:id="rId17"/>
-    <p:sldId id="268" r:id="rId18"/>
-    <p:sldId id="259" r:id="rId19"/>
-    <p:sldId id="269" r:id="rId20"/>
-    <p:sldId id="271" r:id="rId21"/>
+    <p:sldId id="278" r:id="rId10"/>
+    <p:sldId id="279" r:id="rId11"/>
+    <p:sldId id="280" r:id="rId12"/>
+    <p:sldId id="269" r:id="rId13"/>
+    <p:sldId id="271" r:id="rId14"/>
   </p:sldIdLst>
   <p:sldSz cx="12192000" cy="6858000"/>
   <p:notesSz cx="6858000" cy="9144000"/>
@@ -978,7 +971,175 @@
     </p:spTree>
     <p:extLst>
       <p:ext uri="{BB962C8B-B14F-4D97-AF65-F5344CB8AC3E}">
-        <p14:creationId xmlns:p14="http://schemas.microsoft.com/office/powerpoint/2010/main" val="1712714750"/>
+        <p14:creationId xmlns:p14="http://schemas.microsoft.com/office/powerpoint/2010/main" val="1227569567"/>
+      </p:ext>
+    </p:extLst>
+  </p:cSld>
+  <p:clrMapOvr>
+    <a:masterClrMapping/>
+  </p:clrMapOvr>
+</p:notes>
+</file>
+
+<file path=ppt/notesSlides/notesSlide7.xml><?xml version="1.0" encoding="utf-8"?>
+<p:notes xmlns:a="http://schemas.openxmlformats.org/drawingml/2006/main" xmlns:r="http://schemas.openxmlformats.org/officeDocument/2006/relationships" xmlns:p="http://schemas.openxmlformats.org/presentationml/2006/main">
+  <p:cSld>
+    <p:spTree>
+      <p:nvGrpSpPr>
+        <p:cNvPr id="1" name=""/>
+        <p:cNvGrpSpPr/>
+        <p:nvPr/>
+      </p:nvGrpSpPr>
+      <p:grpSpPr>
+        <a:xfrm>
+          <a:off x="0" y="0"/>
+          <a:ext cx="0" cy="0"/>
+          <a:chOff x="0" y="0"/>
+          <a:chExt cx="0" cy="0"/>
+        </a:xfrm>
+      </p:grpSpPr>
+      <p:sp>
+        <p:nvSpPr>
+          <p:cNvPr id="2" name="Slide Image Placeholder 1"/>
+          <p:cNvSpPr>
+            <a:spLocks noGrp="1" noRot="1" noChangeAspect="1"/>
+          </p:cNvSpPr>
+          <p:nvPr>
+            <p:ph type="sldImg"/>
+          </p:nvPr>
+        </p:nvSpPr>
+        <p:spPr/>
+      </p:sp>
+      <p:sp>
+        <p:nvSpPr>
+          <p:cNvPr id="3" name="Notes Placeholder 2"/>
+          <p:cNvSpPr>
+            <a:spLocks noGrp="1"/>
+          </p:cNvSpPr>
+          <p:nvPr>
+            <p:ph type="body" idx="1"/>
+          </p:nvPr>
+        </p:nvSpPr>
+        <p:spPr/>
+        <p:txBody>
+          <a:bodyPr/>
+          <a:lstStyle/>
+          <a:p>
+            <a:endParaRPr lang="en-US"/>
+          </a:p>
+        </p:txBody>
+      </p:sp>
+      <p:sp>
+        <p:nvSpPr>
+          <p:cNvPr id="4" name="Slide Number Placeholder 3"/>
+          <p:cNvSpPr>
+            <a:spLocks noGrp="1"/>
+          </p:cNvSpPr>
+          <p:nvPr>
+            <p:ph type="sldNum" sz="quarter" idx="10"/>
+          </p:nvPr>
+        </p:nvSpPr>
+        <p:spPr/>
+        <p:txBody>
+          <a:bodyPr/>
+          <a:lstStyle/>
+          <a:p>
+            <a:fld id="{728E3497-A358-B14F-AE0E-969A2D296615}" type="slidenum">
+              <a:rPr lang="en-US" smtClean="0"/>
+              <a:t>9</a:t>
+            </a:fld>
+            <a:endParaRPr lang="en-US"/>
+          </a:p>
+        </p:txBody>
+      </p:sp>
+    </p:spTree>
+    <p:extLst>
+      <p:ext uri="{BB962C8B-B14F-4D97-AF65-F5344CB8AC3E}">
+        <p14:creationId xmlns:p14="http://schemas.microsoft.com/office/powerpoint/2010/main" val="1048123468"/>
+      </p:ext>
+    </p:extLst>
+  </p:cSld>
+  <p:clrMapOvr>
+    <a:masterClrMapping/>
+  </p:clrMapOvr>
+</p:notes>
+</file>
+
+<file path=ppt/notesSlides/notesSlide8.xml><?xml version="1.0" encoding="utf-8"?>
+<p:notes xmlns:a="http://schemas.openxmlformats.org/drawingml/2006/main" xmlns:r="http://schemas.openxmlformats.org/officeDocument/2006/relationships" xmlns:p="http://schemas.openxmlformats.org/presentationml/2006/main">
+  <p:cSld>
+    <p:spTree>
+      <p:nvGrpSpPr>
+        <p:cNvPr id="1" name=""/>
+        <p:cNvGrpSpPr/>
+        <p:nvPr/>
+      </p:nvGrpSpPr>
+      <p:grpSpPr>
+        <a:xfrm>
+          <a:off x="0" y="0"/>
+          <a:ext cx="0" cy="0"/>
+          <a:chOff x="0" y="0"/>
+          <a:chExt cx="0" cy="0"/>
+        </a:xfrm>
+      </p:grpSpPr>
+      <p:sp>
+        <p:nvSpPr>
+          <p:cNvPr id="2" name="Slide Image Placeholder 1"/>
+          <p:cNvSpPr>
+            <a:spLocks noGrp="1" noRot="1" noChangeAspect="1"/>
+          </p:cNvSpPr>
+          <p:nvPr>
+            <p:ph type="sldImg"/>
+          </p:nvPr>
+        </p:nvSpPr>
+        <p:spPr/>
+      </p:sp>
+      <p:sp>
+        <p:nvSpPr>
+          <p:cNvPr id="3" name="Notes Placeholder 2"/>
+          <p:cNvSpPr>
+            <a:spLocks noGrp="1"/>
+          </p:cNvSpPr>
+          <p:nvPr>
+            <p:ph type="body" idx="1"/>
+          </p:nvPr>
+        </p:nvSpPr>
+        <p:spPr/>
+        <p:txBody>
+          <a:bodyPr/>
+          <a:lstStyle/>
+          <a:p>
+            <a:endParaRPr lang="en-US"/>
+          </a:p>
+        </p:txBody>
+      </p:sp>
+      <p:sp>
+        <p:nvSpPr>
+          <p:cNvPr id="4" name="Slide Number Placeholder 3"/>
+          <p:cNvSpPr>
+            <a:spLocks noGrp="1"/>
+          </p:cNvSpPr>
+          <p:nvPr>
+            <p:ph type="sldNum" sz="quarter" idx="10"/>
+          </p:nvPr>
+        </p:nvSpPr>
+        <p:spPr/>
+        <p:txBody>
+          <a:bodyPr/>
+          <a:lstStyle/>
+          <a:p>
+            <a:fld id="{728E3497-A358-B14F-AE0E-969A2D296615}" type="slidenum">
+              <a:rPr lang="en-US" smtClean="0"/>
+              <a:t>10</a:t>
+            </a:fld>
+            <a:endParaRPr lang="en-US"/>
+          </a:p>
+        </p:txBody>
+      </p:sp>
+    </p:spTree>
+    <p:extLst>
+      <p:ext uri="{BB962C8B-B14F-4D97-AF65-F5344CB8AC3E}">
+        <p14:creationId xmlns:p14="http://schemas.microsoft.com/office/powerpoint/2010/main" val="986116962"/>
       </p:ext>
     </p:extLst>
   </p:cSld>
@@ -13540,18 +13701,50 @@
           <a:lstStyle/>
           <a:p>
             <a:r>
-              <a:rPr lang="en-US" dirty="0" err="1" smtClean="0"/>
-              <a:t>Problemas</a:t>
-            </a:r>
-            <a:r>
-              <a:rPr lang="en-US" dirty="0" smtClean="0"/>
-              <a:t> - </a:t>
-            </a:r>
-            <a:r>
-              <a:rPr lang="en-US" dirty="0" err="1" smtClean="0"/>
-              <a:t>Escolha</a:t>
-            </a:r>
-            <a:endParaRPr lang="en-US" dirty="0"/>
+              <a:rPr lang="en-US" b="1" dirty="0" smtClean="0">
+                <a:latin typeface="Helvetica" charset="0"/>
+                <a:ea typeface="Helvetica" charset="0"/>
+                <a:cs typeface="Helvetica" charset="0"/>
+              </a:rPr>
+              <a:t>AG </a:t>
+            </a:r>
+            <a:r>
+              <a:rPr lang="mr-IN" b="1" dirty="0" smtClean="0">
+                <a:latin typeface="Helvetica" charset="0"/>
+                <a:ea typeface="Helvetica" charset="0"/>
+                <a:cs typeface="Helvetica" charset="0"/>
+              </a:rPr>
+              <a:t>–</a:t>
+            </a:r>
+            <a:r>
+              <a:rPr lang="en-US" b="1" dirty="0" smtClean="0">
+                <a:latin typeface="Helvetica" charset="0"/>
+                <a:ea typeface="Helvetica" charset="0"/>
+                <a:cs typeface="Helvetica" charset="0"/>
+              </a:rPr>
+              <a:t> </a:t>
+            </a:r>
+            <a:r>
+              <a:rPr lang="en-US" b="1" dirty="0" err="1" smtClean="0">
+                <a:latin typeface="Helvetica" charset="0"/>
+                <a:ea typeface="Helvetica" charset="0"/>
+                <a:cs typeface="Helvetica" charset="0"/>
+              </a:rPr>
+              <a:t>Sobreviv</a:t>
+            </a:r>
+            <a:r>
+              <a:rPr lang="en-US" b="1" dirty="0" err="1" smtClean="0">
+                <a:latin typeface="Helvetica" charset="0"/>
+                <a:ea typeface="Helvetica" charset="0"/>
+                <a:cs typeface="Helvetica" charset="0"/>
+              </a:rPr>
+              <a:t>ência</a:t>
+            </a:r>
+            <a:endParaRPr lang="en-US" b="1" dirty="0">
+              <a:latin typeface="Helvetica" charset="0"/>
+              <a:ea typeface="Helvetica" charset="0"/>
+              <a:cs typeface="Helvetica" charset="0"/>
+            </a:endParaRPr>
           </a:p>
         </p:txBody>
       </p:sp>
@@ -13568,298 +13761,610 @@
         <p:spPr>
           <a:xfrm>
             <a:off x="1154954" y="2603500"/>
-            <a:ext cx="9464278" cy="3416300"/>
+            <a:ext cx="9647158" cy="3416300"/>
           </a:xfrm>
         </p:spPr>
         <p:txBody>
-          <a:bodyPr/>
+          <a:bodyPr>
+            <a:normAutofit/>
+          </a:bodyPr>
           <a:lstStyle/>
           <a:p>
             <a:r>
-              <a:rPr lang="en-US" dirty="0" smtClean="0"/>
-              <a:t>Para </a:t>
-            </a:r>
-            <a:r>
-              <a:rPr lang="en-US" dirty="0" err="1" smtClean="0"/>
-              <a:t>testarem</a:t>
-            </a:r>
-            <a:r>
-              <a:rPr lang="en-US" dirty="0" smtClean="0"/>
-              <a:t> o </a:t>
-            </a:r>
-            <a:r>
-              <a:rPr lang="en-US" dirty="0" err="1" smtClean="0"/>
-              <a:t>funcionamento</a:t>
-            </a:r>
-            <a:r>
-              <a:rPr lang="en-US" dirty="0" smtClean="0"/>
-              <a:t> do AE, </a:t>
-            </a:r>
-            <a:r>
-              <a:rPr lang="en-US" dirty="0" err="1" smtClean="0"/>
+              <a:rPr lang="en-US" dirty="0" err="1" smtClean="0">
+                <a:solidFill>
+                  <a:schemeClr val="tx1"/>
+                </a:solidFill>
+                <a:latin typeface="Helvetica" charset="0"/>
+                <a:ea typeface="Helvetica" charset="0"/>
+                <a:cs typeface="Helvetica" charset="0"/>
+              </a:rPr>
+              <a:t>Pais</a:t>
+            </a:r>
+            <a:r>
+              <a:rPr lang="en-US" dirty="0" smtClean="0">
+                <a:solidFill>
+                  <a:schemeClr val="tx1"/>
+                </a:solidFill>
+                <a:latin typeface="Helvetica" charset="0"/>
+                <a:ea typeface="Helvetica" charset="0"/>
+                <a:cs typeface="Helvetica" charset="0"/>
+              </a:rPr>
+              <a:t> e </a:t>
+            </a:r>
+            <a:r>
+              <a:rPr lang="en-US" dirty="0" err="1" smtClean="0">
+                <a:solidFill>
+                  <a:schemeClr val="tx1"/>
+                </a:solidFill>
+                <a:latin typeface="Helvetica" charset="0"/>
+                <a:ea typeface="Helvetica" charset="0"/>
+                <a:cs typeface="Helvetica" charset="0"/>
+              </a:rPr>
+              <a:t>filhos</a:t>
+            </a:r>
+            <a:r>
+              <a:rPr lang="en-US" dirty="0" smtClean="0">
+                <a:solidFill>
+                  <a:schemeClr val="tx1"/>
+                </a:solidFill>
+                <a:latin typeface="Helvetica" charset="0"/>
+                <a:ea typeface="Helvetica" charset="0"/>
+                <a:cs typeface="Helvetica" charset="0"/>
+              </a:rPr>
+              <a:t> </a:t>
+            </a:r>
+            <a:r>
+              <a:rPr lang="en-US" dirty="0" err="1" smtClean="0">
+                <a:solidFill>
+                  <a:schemeClr val="tx1"/>
+                </a:solidFill>
+                <a:latin typeface="Helvetica" charset="0"/>
+                <a:ea typeface="Helvetica" charset="0"/>
+                <a:cs typeface="Helvetica" charset="0"/>
+              </a:rPr>
+              <a:t>t</a:t>
+            </a:r>
+            <a:r>
+              <a:rPr lang="en-US" dirty="0" err="1" smtClean="0">
+                <a:solidFill>
+                  <a:schemeClr val="tx1"/>
+                </a:solidFill>
+                <a:latin typeface="Helvetica" charset="0"/>
+                <a:ea typeface="Helvetica" charset="0"/>
+                <a:cs typeface="Helvetica" charset="0"/>
+              </a:rPr>
+              <a:t>êm</a:t>
+            </a:r>
+            <a:r>
+              <a:rPr lang="en-US" dirty="0" smtClean="0">
+                <a:solidFill>
+                  <a:schemeClr val="tx1"/>
+                </a:solidFill>
+                <a:latin typeface="Helvetica" charset="0"/>
+                <a:ea typeface="Helvetica" charset="0"/>
+                <a:cs typeface="Helvetica" charset="0"/>
+              </a:rPr>
+              <a:t> </a:t>
+            </a:r>
+            <a:r>
+              <a:rPr lang="en-US" dirty="0" err="1" smtClean="0">
+                <a:solidFill>
+                  <a:schemeClr val="tx1"/>
+                </a:solidFill>
+                <a:latin typeface="Helvetica" charset="0"/>
+                <a:ea typeface="Helvetica" charset="0"/>
+                <a:cs typeface="Helvetica" charset="0"/>
+              </a:rPr>
+              <a:t>seus</a:t>
+            </a:r>
+            <a:r>
+              <a:rPr lang="en-US" dirty="0" smtClean="0">
+                <a:solidFill>
+                  <a:schemeClr val="tx1"/>
+                </a:solidFill>
+                <a:latin typeface="Helvetica" charset="0"/>
+                <a:ea typeface="Helvetica" charset="0"/>
+                <a:cs typeface="Helvetica" charset="0"/>
+              </a:rPr>
+              <a:t> </a:t>
+            </a:r>
+            <a:r>
+              <a:rPr lang="en-US" dirty="0" err="1" smtClean="0">
+                <a:solidFill>
+                  <a:schemeClr val="tx1"/>
+                </a:solidFill>
+                <a:latin typeface="Helvetica" charset="0"/>
+                <a:ea typeface="Helvetica" charset="0"/>
+                <a:cs typeface="Helvetica" charset="0"/>
+              </a:rPr>
+              <a:t>valores</a:t>
+            </a:r>
+            <a:r>
+              <a:rPr lang="en-US" dirty="0" smtClean="0">
+                <a:solidFill>
+                  <a:schemeClr val="tx1"/>
+                </a:solidFill>
+                <a:latin typeface="Helvetica" charset="0"/>
+                <a:ea typeface="Helvetica" charset="0"/>
+                <a:cs typeface="Helvetica" charset="0"/>
+              </a:rPr>
+              <a:t> de fitness (re)</a:t>
+            </a:r>
+            <a:r>
+              <a:rPr lang="en-US" dirty="0" err="1" smtClean="0">
+                <a:solidFill>
+                  <a:schemeClr val="tx1"/>
+                </a:solidFill>
+                <a:latin typeface="Helvetica" charset="0"/>
+                <a:ea typeface="Helvetica" charset="0"/>
+                <a:cs typeface="Helvetica" charset="0"/>
+              </a:rPr>
+              <a:t>calculados</a:t>
+            </a:r>
+            <a:endParaRPr lang="en-US" dirty="0" smtClean="0">
+              <a:solidFill>
+                <a:schemeClr val="tx1"/>
+              </a:solidFill>
+              <a:latin typeface="Helvetica" charset="0"/>
+              <a:ea typeface="Helvetica" charset="0"/>
+              <a:cs typeface="Helvetica" charset="0"/>
+            </a:endParaRPr>
+          </a:p>
+          <a:p>
+            <a:r>
+              <a:rPr lang="en-US" dirty="0" err="1" smtClean="0">
+                <a:solidFill>
+                  <a:schemeClr val="tx1"/>
+                </a:solidFill>
+                <a:latin typeface="Helvetica" charset="0"/>
+                <a:ea typeface="Helvetica" charset="0"/>
+                <a:cs typeface="Helvetica" charset="0"/>
+              </a:rPr>
+              <a:t>Todos</a:t>
+            </a:r>
+            <a:r>
+              <a:rPr lang="en-US" dirty="0" smtClean="0">
+                <a:solidFill>
+                  <a:schemeClr val="tx1"/>
+                </a:solidFill>
+                <a:latin typeface="Helvetica" charset="0"/>
+                <a:ea typeface="Helvetica" charset="0"/>
+                <a:cs typeface="Helvetica" charset="0"/>
+              </a:rPr>
+              <a:t> </a:t>
+            </a:r>
+            <a:r>
+              <a:rPr lang="en-US" dirty="0" err="1" smtClean="0">
+                <a:solidFill>
+                  <a:schemeClr val="tx1"/>
+                </a:solidFill>
+                <a:latin typeface="Helvetica" charset="0"/>
+                <a:ea typeface="Helvetica" charset="0"/>
+                <a:cs typeface="Helvetica" charset="0"/>
+              </a:rPr>
               <a:t>os</a:t>
             </a:r>
             <a:r>
-              <a:rPr lang="en-US" dirty="0" smtClean="0"/>
+              <a:rPr lang="en-US" dirty="0" smtClean="0">
+                <a:solidFill>
+                  <a:schemeClr val="tx1"/>
+                </a:solidFill>
+                <a:latin typeface="Helvetica" charset="0"/>
+                <a:ea typeface="Helvetica" charset="0"/>
+                <a:cs typeface="Helvetica" charset="0"/>
+              </a:rPr>
               <a:t> </a:t>
             </a:r>
             <a:r>
-              <a:rPr lang="en-US" dirty="0" err="1" smtClean="0"/>
-              <a:t>problemas</a:t>
-            </a:r>
-            <a:r>
-              <a:rPr lang="en-US" dirty="0" smtClean="0"/>
+              <a:rPr lang="en-US" dirty="0" err="1" smtClean="0">
+                <a:solidFill>
+                  <a:schemeClr val="tx1"/>
+                </a:solidFill>
+                <a:latin typeface="Helvetica" charset="0"/>
+                <a:ea typeface="Helvetica" charset="0"/>
+                <a:cs typeface="Helvetica" charset="0"/>
+              </a:rPr>
+              <a:t>indivíduos</a:t>
+            </a:r>
+            <a:r>
+              <a:rPr lang="en-US" dirty="0" smtClean="0">
+                <a:solidFill>
+                  <a:schemeClr val="tx1"/>
+                </a:solidFill>
+                <a:latin typeface="Helvetica" charset="0"/>
+                <a:ea typeface="Helvetica" charset="0"/>
+                <a:cs typeface="Helvetica" charset="0"/>
+              </a:rPr>
               <a:t> </a:t>
             </a:r>
             <a:r>
-              <a:rPr lang="en-US" dirty="0" err="1" smtClean="0"/>
-              <a:t>devem</a:t>
-            </a:r>
-            <a:r>
-              <a:rPr lang="en-US" dirty="0" smtClean="0"/>
+              <a:rPr lang="en-US" dirty="0" err="1" smtClean="0">
+                <a:solidFill>
+                  <a:schemeClr val="tx1"/>
+                </a:solidFill>
+                <a:latin typeface="Helvetica" charset="0"/>
+                <a:ea typeface="Helvetica" charset="0"/>
+                <a:cs typeface="Helvetica" charset="0"/>
+              </a:rPr>
+              <a:t>são</a:t>
+            </a:r>
+            <a:r>
+              <a:rPr lang="en-US" dirty="0" smtClean="0">
+                <a:solidFill>
+                  <a:schemeClr val="tx1"/>
+                </a:solidFill>
+                <a:latin typeface="Helvetica" charset="0"/>
+                <a:ea typeface="Helvetica" charset="0"/>
+                <a:cs typeface="Helvetica" charset="0"/>
+              </a:rPr>
               <a:t> </a:t>
             </a:r>
             <a:r>
-              <a:rPr lang="en-US" dirty="0" err="1" smtClean="0"/>
-              <a:t>ser</a:t>
-            </a:r>
-            <a:r>
-              <a:rPr lang="en-US" dirty="0" smtClean="0"/>
-              <a:t> simples o </a:t>
-            </a:r>
-            <a:r>
-              <a:rPr lang="en-US" dirty="0" err="1" smtClean="0"/>
-              <a:t>suficiente</a:t>
-            </a:r>
-            <a:r>
-              <a:rPr lang="en-US" dirty="0" smtClean="0"/>
-              <a:t> para </a:t>
-            </a:r>
-            <a:r>
-              <a:rPr lang="en-US" dirty="0" err="1" smtClean="0"/>
-              <a:t>serem</a:t>
-            </a:r>
-            <a:r>
-              <a:rPr lang="en-US" dirty="0" smtClean="0"/>
+              <a:rPr lang="en-US" dirty="0" err="1" smtClean="0">
+                <a:solidFill>
+                  <a:schemeClr val="tx1"/>
+                </a:solidFill>
+                <a:latin typeface="Helvetica" charset="0"/>
+                <a:ea typeface="Helvetica" charset="0"/>
+                <a:cs typeface="Helvetica" charset="0"/>
+              </a:rPr>
+              <a:t>ordenados</a:t>
+            </a:r>
+            <a:r>
+              <a:rPr lang="en-US" dirty="0" smtClean="0">
+                <a:solidFill>
+                  <a:schemeClr val="tx1"/>
+                </a:solidFill>
+                <a:latin typeface="Helvetica" charset="0"/>
+                <a:ea typeface="Helvetica" charset="0"/>
+                <a:cs typeface="Helvetica" charset="0"/>
+              </a:rPr>
               <a:t> </a:t>
             </a:r>
             <a:r>
-              <a:rPr lang="en-US" dirty="0" err="1" smtClean="0"/>
-              <a:t>testados</a:t>
-            </a:r>
-            <a:r>
-              <a:rPr lang="en-US" dirty="0" smtClean="0"/>
-              <a:t> com </a:t>
-            </a:r>
-            <a:r>
-              <a:rPr lang="en-US" dirty="0" err="1" smtClean="0"/>
-              <a:t>resultados</a:t>
-            </a:r>
-            <a:r>
-              <a:rPr lang="en-US" dirty="0" smtClean="0"/>
+              <a:rPr lang="en-US" dirty="0" err="1" smtClean="0">
+                <a:solidFill>
+                  <a:schemeClr val="tx1"/>
+                </a:solidFill>
+                <a:latin typeface="Helvetica" charset="0"/>
+                <a:ea typeface="Helvetica" charset="0"/>
+                <a:cs typeface="Helvetica" charset="0"/>
+              </a:rPr>
+              <a:t>novamente</a:t>
+            </a:r>
+            <a:r>
+              <a:rPr lang="en-US" dirty="0" smtClean="0">
+                <a:solidFill>
+                  <a:schemeClr val="tx1"/>
+                </a:solidFill>
+                <a:latin typeface="Helvetica" charset="0"/>
+                <a:ea typeface="Helvetica" charset="0"/>
+                <a:cs typeface="Helvetica" charset="0"/>
+              </a:rPr>
+              <a:t> (o </a:t>
+            </a:r>
+            <a:r>
+              <a:rPr lang="en-US" dirty="0" err="1" smtClean="0">
+                <a:solidFill>
+                  <a:schemeClr val="tx1"/>
+                </a:solidFill>
+                <a:latin typeface="Helvetica" charset="0"/>
+                <a:ea typeface="Helvetica" charset="0"/>
+                <a:cs typeface="Helvetica" charset="0"/>
+              </a:rPr>
+              <a:t>mais</a:t>
+            </a:r>
+            <a:r>
+              <a:rPr lang="en-US" dirty="0" smtClean="0">
+                <a:solidFill>
+                  <a:schemeClr val="tx1"/>
+                </a:solidFill>
+                <a:latin typeface="Helvetica" charset="0"/>
+                <a:ea typeface="Helvetica" charset="0"/>
+                <a:cs typeface="Helvetica" charset="0"/>
+              </a:rPr>
               <a:t> </a:t>
             </a:r>
             <a:r>
-              <a:rPr lang="en-US" dirty="0" err="1" smtClean="0"/>
-              <a:t>existentes</a:t>
-            </a:r>
-            <a:r>
-              <a:rPr lang="en-US" dirty="0" smtClean="0"/>
-              <a:t> (</a:t>
-            </a:r>
-            <a:r>
-              <a:rPr lang="en-US" dirty="0" err="1" smtClean="0"/>
-              <a:t>problemas</a:t>
-            </a:r>
-            <a:r>
-              <a:rPr lang="en-US" dirty="0" smtClean="0"/>
+              <a:rPr lang="en-US" dirty="0" err="1" smtClean="0">
+                <a:solidFill>
+                  <a:schemeClr val="tx1"/>
+                </a:solidFill>
+                <a:latin typeface="Helvetica" charset="0"/>
+                <a:ea typeface="Helvetica" charset="0"/>
+                <a:cs typeface="Helvetica" charset="0"/>
+              </a:rPr>
+              <a:t>adaptado</a:t>
+            </a:r>
+            <a:r>
+              <a:rPr lang="en-US" dirty="0" smtClean="0">
+                <a:solidFill>
+                  <a:schemeClr val="tx1"/>
+                </a:solidFill>
+                <a:latin typeface="Helvetica" charset="0"/>
+                <a:ea typeface="Helvetica" charset="0"/>
+                <a:cs typeface="Helvetica" charset="0"/>
+              </a:rPr>
               <a:t> </a:t>
             </a:r>
             <a:r>
-              <a:rPr lang="en-US" dirty="0" err="1" smtClean="0"/>
-              <a:t>clássicos</a:t>
-            </a:r>
-            <a:r>
-              <a:rPr lang="en-US" dirty="0" smtClean="0"/>
+              <a:rPr lang="en-US" dirty="0" err="1" smtClean="0">
+                <a:solidFill>
+                  <a:schemeClr val="tx1"/>
+                </a:solidFill>
+                <a:latin typeface="Helvetica" charset="0"/>
+                <a:ea typeface="Helvetica" charset="0"/>
+                <a:cs typeface="Helvetica" charset="0"/>
+              </a:rPr>
+              <a:t>aparece</a:t>
+            </a:r>
+            <a:r>
+              <a:rPr lang="en-US" dirty="0" smtClean="0">
+                <a:solidFill>
+                  <a:schemeClr val="tx1"/>
+                </a:solidFill>
+                <a:latin typeface="Helvetica" charset="0"/>
+                <a:ea typeface="Helvetica" charset="0"/>
+                <a:cs typeface="Helvetica" charset="0"/>
+              </a:rPr>
+              <a:t> </a:t>
+            </a:r>
+            <a:r>
+              <a:rPr lang="en-US" dirty="0" err="1" smtClean="0">
+                <a:solidFill>
+                  <a:schemeClr val="tx1"/>
+                </a:solidFill>
+                <a:latin typeface="Helvetica" charset="0"/>
+                <a:ea typeface="Helvetica" charset="0"/>
+                <a:cs typeface="Helvetica" charset="0"/>
+              </a:rPr>
+              <a:t>primeiro</a:t>
+            </a:r>
+            <a:r>
+              <a:rPr lang="en-US" dirty="0" smtClean="0">
+                <a:solidFill>
+                  <a:schemeClr val="tx1"/>
+                </a:solidFill>
+                <a:latin typeface="Helvetica" charset="0"/>
+                <a:ea typeface="Helvetica" charset="0"/>
+                <a:cs typeface="Helvetica" charset="0"/>
+              </a:rPr>
               <a:t>)</a:t>
             </a:r>
           </a:p>
           <a:p>
             <a:r>
-              <a:rPr lang="en-US" dirty="0" err="1" smtClean="0"/>
-              <a:t>Escolha</a:t>
-            </a:r>
-            <a:r>
-              <a:rPr lang="en-US" dirty="0" smtClean="0"/>
+              <a:rPr lang="en-US" dirty="0" smtClean="0">
+                <a:solidFill>
+                  <a:schemeClr val="tx1"/>
+                </a:solidFill>
+                <a:latin typeface="Helvetica" charset="0"/>
+                <a:ea typeface="Helvetica" charset="0"/>
+                <a:cs typeface="Helvetica" charset="0"/>
+              </a:rPr>
+              <a:t>O </a:t>
+            </a:r>
+            <a:r>
+              <a:rPr lang="en-US" dirty="0" err="1" smtClean="0">
+                <a:solidFill>
+                  <a:schemeClr val="tx1"/>
+                </a:solidFill>
+                <a:latin typeface="Helvetica" charset="0"/>
+                <a:ea typeface="Helvetica" charset="0"/>
+                <a:cs typeface="Helvetica" charset="0"/>
+              </a:rPr>
+              <a:t>tamanho</a:t>
+            </a:r>
+            <a:r>
+              <a:rPr lang="en-US" dirty="0" smtClean="0">
+                <a:solidFill>
+                  <a:schemeClr val="tx1"/>
+                </a:solidFill>
+                <a:latin typeface="Helvetica" charset="0"/>
+                <a:ea typeface="Helvetica" charset="0"/>
+                <a:cs typeface="Helvetica" charset="0"/>
+              </a:rPr>
+              <a:t> da </a:t>
+            </a:r>
+            <a:r>
+              <a:rPr lang="en-US" dirty="0" err="1" smtClean="0">
+                <a:solidFill>
+                  <a:schemeClr val="tx1"/>
+                </a:solidFill>
+                <a:latin typeface="Helvetica" charset="0"/>
+                <a:ea typeface="Helvetica" charset="0"/>
+                <a:cs typeface="Helvetica" charset="0"/>
+              </a:rPr>
+              <a:t>população</a:t>
+            </a:r>
+            <a:r>
+              <a:rPr lang="en-US" dirty="0" smtClean="0">
+                <a:solidFill>
+                  <a:schemeClr val="tx1"/>
+                </a:solidFill>
+                <a:latin typeface="Helvetica" charset="0"/>
+                <a:ea typeface="Helvetica" charset="0"/>
+                <a:cs typeface="Helvetica" charset="0"/>
+              </a:rPr>
               <a:t> </a:t>
             </a:r>
             <a:r>
-              <a:rPr lang="en-US" dirty="0" err="1" smtClean="0"/>
-              <a:t>inicial</a:t>
-            </a:r>
-            <a:r>
-              <a:rPr lang="en-US" dirty="0" smtClean="0"/>
-              <a:t>:</a:t>
-            </a:r>
-          </a:p>
-          <a:p>
-            <a:pPr lvl="1"/>
-            <a:r>
-              <a:rPr lang="en-US" b="1" dirty="0" err="1" smtClean="0"/>
-              <a:t>Problema</a:t>
-            </a:r>
-            <a:r>
-              <a:rPr lang="en-US" b="1" dirty="0" smtClean="0"/>
+              <a:rPr lang="en-US" dirty="0" err="1" smtClean="0">
+                <a:solidFill>
+                  <a:schemeClr val="tx1"/>
+                </a:solidFill>
+                <a:latin typeface="Helvetica" charset="0"/>
+                <a:ea typeface="Helvetica" charset="0"/>
+                <a:cs typeface="Helvetica" charset="0"/>
+              </a:rPr>
+              <a:t>não</a:t>
+            </a:r>
+            <a:r>
+              <a:rPr lang="en-US" dirty="0" smtClean="0">
+                <a:solidFill>
+                  <a:schemeClr val="tx1"/>
+                </a:solidFill>
+                <a:latin typeface="Helvetica" charset="0"/>
+                <a:ea typeface="Helvetica" charset="0"/>
+                <a:cs typeface="Helvetica" charset="0"/>
+              </a:rPr>
               <a:t> </a:t>
             </a:r>
             <a:r>
-              <a:rPr lang="en-US" b="1" dirty="0" err="1" smtClean="0"/>
-              <a:t>OneMax</a:t>
-            </a:r>
-            <a:r>
-              <a:rPr lang="en-US" b="1" dirty="0" smtClean="0"/>
+              <a:rPr lang="en-US" dirty="0" err="1" smtClean="0">
+                <a:solidFill>
+                  <a:schemeClr val="tx1"/>
+                </a:solidFill>
+                <a:latin typeface="Helvetica" charset="0"/>
+                <a:ea typeface="Helvetica" charset="0"/>
+                <a:cs typeface="Helvetica" charset="0"/>
+              </a:rPr>
+              <a:t>aumenta</a:t>
+            </a:r>
+            <a:r>
+              <a:rPr lang="en-US" dirty="0" smtClean="0">
+                <a:solidFill>
+                  <a:schemeClr val="tx1"/>
+                </a:solidFill>
+                <a:latin typeface="Helvetica" charset="0"/>
+                <a:ea typeface="Helvetica" charset="0"/>
+                <a:cs typeface="Helvetica" charset="0"/>
+              </a:rPr>
+              <a:t> de </a:t>
+            </a:r>
+            <a:r>
+              <a:rPr lang="en-US" dirty="0" err="1" smtClean="0">
+                <a:solidFill>
+                  <a:schemeClr val="tx1"/>
+                </a:solidFill>
+                <a:latin typeface="Helvetica" charset="0"/>
+                <a:ea typeface="Helvetica" charset="0"/>
+                <a:cs typeface="Helvetica" charset="0"/>
+              </a:rPr>
+              <a:t>uma</a:t>
+            </a:r>
+            <a:r>
+              <a:rPr lang="en-US" dirty="0" smtClean="0">
+                <a:solidFill>
+                  <a:schemeClr val="tx1"/>
+                </a:solidFill>
+                <a:latin typeface="Helvetica" charset="0"/>
+                <a:ea typeface="Helvetica" charset="0"/>
+                <a:cs typeface="Helvetica" charset="0"/>
+              </a:rPr>
               <a:t> </a:t>
             </a:r>
             <a:r>
-              <a:rPr lang="en-US" dirty="0" smtClean="0"/>
-              <a:t>(</a:t>
-            </a:r>
-            <a:r>
-              <a:rPr lang="en-US" dirty="0" err="1" smtClean="0"/>
-              <a:t>vetor</a:t>
-            </a:r>
-            <a:r>
-              <a:rPr lang="en-US" dirty="0" smtClean="0"/>
-              <a:t> de 100 bits </a:t>
-            </a:r>
-            <a:r>
-              <a:rPr lang="en-US" dirty="0" err="1" smtClean="0"/>
-              <a:t>começa</a:t>
-            </a:r>
-            <a:r>
-              <a:rPr lang="en-US" dirty="0" smtClean="0"/>
+              <a:rPr lang="en-US" dirty="0" err="1" smtClean="0">
+                <a:solidFill>
+                  <a:schemeClr val="tx1"/>
+                </a:solidFill>
+                <a:latin typeface="Helvetica" charset="0"/>
+                <a:ea typeface="Helvetica" charset="0"/>
+                <a:cs typeface="Helvetica" charset="0"/>
+              </a:rPr>
+              <a:t>geração</a:t>
+            </a:r>
+            <a:r>
+              <a:rPr lang="en-US" dirty="0" smtClean="0">
+                <a:solidFill>
+                  <a:schemeClr val="tx1"/>
+                </a:solidFill>
+                <a:latin typeface="Helvetica" charset="0"/>
+                <a:ea typeface="Helvetica" charset="0"/>
+                <a:cs typeface="Helvetica" charset="0"/>
+              </a:rPr>
+              <a:t> para a </a:t>
+            </a:r>
+            <a:r>
+              <a:rPr lang="en-US" dirty="0" err="1" smtClean="0">
+                <a:solidFill>
+                  <a:schemeClr val="tx1"/>
+                </a:solidFill>
+                <a:latin typeface="Helvetica" charset="0"/>
+                <a:ea typeface="Helvetica" charset="0"/>
+                <a:cs typeface="Helvetica" charset="0"/>
+              </a:rPr>
+              <a:t>próxima</a:t>
+            </a:r>
+            <a:endParaRPr lang="en-US" dirty="0" smtClean="0">
+              <a:solidFill>
+                <a:schemeClr val="tx1"/>
+              </a:solidFill>
+              <a:latin typeface="Helvetica" charset="0"/>
+              <a:ea typeface="Helvetica" charset="0"/>
+              <a:cs typeface="Helvetica" charset="0"/>
+            </a:endParaRPr>
+          </a:p>
+          <a:p>
+            <a:r>
+              <a:rPr lang="en-US" dirty="0" err="1" smtClean="0">
+                <a:solidFill>
+                  <a:schemeClr val="tx1"/>
+                </a:solidFill>
+                <a:latin typeface="Helvetica" charset="0"/>
+                <a:ea typeface="Helvetica" charset="0"/>
+                <a:cs typeface="Helvetica" charset="0"/>
+              </a:rPr>
+              <a:t>Tamanho</a:t>
+            </a:r>
+            <a:r>
+              <a:rPr lang="en-US" dirty="0" smtClean="0">
+                <a:solidFill>
+                  <a:schemeClr val="tx1"/>
+                </a:solidFill>
+                <a:latin typeface="Helvetica" charset="0"/>
+                <a:ea typeface="Helvetica" charset="0"/>
+                <a:cs typeface="Helvetica" charset="0"/>
+              </a:rPr>
               <a:t> </a:t>
             </a:r>
             <a:r>
-              <a:rPr lang="en-US" dirty="0" err="1" smtClean="0"/>
-              <a:t>em</a:t>
-            </a:r>
-            <a:r>
-              <a:rPr lang="en-US" dirty="0" smtClean="0"/>
-              <a:t> 0, </a:t>
-            </a:r>
-            <a:r>
-              <a:rPr lang="en-US" dirty="0" err="1" smtClean="0"/>
-              <a:t>todos</a:t>
-            </a:r>
-            <a:r>
-              <a:rPr lang="en-US" dirty="0" smtClean="0"/>
-              <a:t> </a:t>
-            </a:r>
-            <a:r>
-              <a:rPr lang="en-US" dirty="0" err="1" smtClean="0"/>
-              <a:t>devem</a:t>
-            </a:r>
-            <a:r>
-              <a:rPr lang="en-US" dirty="0" smtClean="0"/>
-              <a:t> </a:t>
-            </a:r>
-            <a:r>
-              <a:rPr lang="en-US" dirty="0" err="1" smtClean="0"/>
-              <a:t>mudar</a:t>
-            </a:r>
-            <a:r>
-              <a:rPr lang="en-US" dirty="0" smtClean="0"/>
-              <a:t> para 1); </a:t>
-            </a:r>
-            <a:r>
-              <a:rPr lang="en-US" b="1" baseline="30000" dirty="0" smtClean="0">
-                <a:solidFill>
-                  <a:srgbClr val="0432FF"/>
-                </a:solidFill>
-              </a:rPr>
-              <a:t>[3]</a:t>
-            </a:r>
-          </a:p>
-          <a:p>
-            <a:pPr lvl="1"/>
-            <a:r>
-              <a:rPr lang="en-US" b="1" dirty="0" err="1" smtClean="0"/>
-              <a:t>Problema</a:t>
-            </a:r>
-            <a:r>
-              <a:rPr lang="en-US" b="1" dirty="0" smtClean="0"/>
-              <a:t> das 8 </a:t>
-            </a:r>
-            <a:r>
-              <a:rPr lang="en-US" b="1" dirty="0" err="1" smtClean="0"/>
-              <a:t>Rainhas</a:t>
-            </a:r>
-            <a:r>
-              <a:rPr lang="en-US" b="1" dirty="0" smtClean="0"/>
-              <a:t> </a:t>
-            </a:r>
-            <a:r>
-              <a:rPr lang="en-US" dirty="0" smtClean="0"/>
-              <a:t>(</a:t>
-            </a:r>
-            <a:r>
-              <a:rPr lang="en-US" dirty="0" err="1" smtClean="0"/>
-              <a:t>não</a:t>
-            </a:r>
-            <a:r>
-              <a:rPr lang="en-US" dirty="0" smtClean="0"/>
-              <a:t> </a:t>
-            </a:r>
-            <a:r>
-              <a:rPr lang="en-US" dirty="0" err="1" smtClean="0"/>
-              <a:t>podem</a:t>
-            </a:r>
-            <a:r>
-              <a:rPr lang="en-US" dirty="0" smtClean="0"/>
-              <a:t> se </a:t>
-            </a:r>
-            <a:r>
-              <a:rPr lang="en-US" dirty="0" err="1" smtClean="0"/>
-              <a:t>atacar</a:t>
-            </a:r>
-            <a:r>
-              <a:rPr lang="en-US" dirty="0" smtClean="0"/>
-              <a:t> </a:t>
-            </a:r>
-            <a:r>
-              <a:rPr lang="en-US" dirty="0" err="1" smtClean="0"/>
-              <a:t>em</a:t>
-            </a:r>
-            <a:r>
-              <a:rPr lang="en-US" dirty="0" smtClean="0"/>
-              <a:t> um </a:t>
-            </a:r>
-            <a:r>
-              <a:rPr lang="en-US" dirty="0" err="1" smtClean="0"/>
-              <a:t>tabuleiro</a:t>
-            </a:r>
-            <a:r>
-              <a:rPr lang="en-US" dirty="0" smtClean="0"/>
-              <a:t> de </a:t>
-            </a:r>
-            <a:r>
-              <a:rPr lang="en-US" dirty="0" err="1" smtClean="0"/>
-              <a:t>xadrez</a:t>
-            </a:r>
-            <a:r>
-              <a:rPr lang="en-US" dirty="0" smtClean="0"/>
-              <a:t> 8x8). </a:t>
-            </a:r>
-            <a:r>
-              <a:rPr lang="en-US" b="1" baseline="30000" dirty="0" smtClean="0">
-                <a:solidFill>
-                  <a:srgbClr val="0432FF"/>
-                </a:solidFill>
-              </a:rPr>
-              <a:t>[4]</a:t>
-            </a:r>
-            <a:endParaRPr lang="en-US" dirty="0" smtClean="0"/>
+              <a:rPr lang="en-US" dirty="0" err="1" smtClean="0">
+                <a:solidFill>
+                  <a:schemeClr val="tx1"/>
+                </a:solidFill>
+                <a:latin typeface="Helvetica" charset="0"/>
+                <a:ea typeface="Helvetica" charset="0"/>
+                <a:cs typeface="Helvetica" charset="0"/>
+              </a:rPr>
+              <a:t>padronizado</a:t>
+            </a:r>
+            <a:r>
+              <a:rPr lang="en-US" dirty="0" smtClean="0">
+                <a:solidFill>
+                  <a:schemeClr val="tx1"/>
+                </a:solidFill>
+                <a:latin typeface="Helvetica" charset="0"/>
+                <a:ea typeface="Helvetica" charset="0"/>
+                <a:cs typeface="Helvetica" charset="0"/>
+              </a:rPr>
+              <a:t>: </a:t>
+            </a:r>
+            <a:r>
+              <a:rPr lang="en-US" i="1" dirty="0" smtClean="0">
+                <a:solidFill>
+                  <a:schemeClr val="tx1"/>
+                </a:solidFill>
+                <a:latin typeface="Helvetica" charset="0"/>
+                <a:ea typeface="Helvetica" charset="0"/>
+                <a:cs typeface="Helvetica" charset="0"/>
+              </a:rPr>
+              <a:t>100 </a:t>
+            </a:r>
+            <a:r>
+              <a:rPr lang="en-US" i="1" dirty="0" err="1" smtClean="0">
+                <a:solidFill>
+                  <a:schemeClr val="tx1"/>
+                </a:solidFill>
+                <a:latin typeface="Helvetica" charset="0"/>
+                <a:ea typeface="Helvetica" charset="0"/>
+                <a:cs typeface="Helvetica" charset="0"/>
+              </a:rPr>
+              <a:t>indivíduos</a:t>
+            </a:r>
+            <a:endParaRPr lang="en-US" i="1" dirty="0" smtClean="0"/>
           </a:p>
         </p:txBody>
       </p:sp>
@@ -13889,7 +14394,7 @@
     </p:spTree>
     <p:extLst>
       <p:ext uri="{BB962C8B-B14F-4D97-AF65-F5344CB8AC3E}">
-        <p14:creationId xmlns:p14="http://schemas.microsoft.com/office/powerpoint/2010/main" val="1313138351"/>
+        <p14:creationId xmlns:p14="http://schemas.microsoft.com/office/powerpoint/2010/main" val="946350450"/>
       </p:ext>
     </p:extLst>
   </p:cSld>
@@ -13939,25 +14444,33 @@
           <a:lstStyle/>
           <a:p>
             <a:r>
-              <a:rPr lang="en-US" dirty="0" err="1" smtClean="0"/>
-              <a:t>Função</a:t>
-            </a:r>
-            <a:r>
-              <a:rPr lang="en-US" dirty="0" smtClean="0"/>
-              <a:t> de fitness </a:t>
-            </a:r>
-            <a:r>
-              <a:rPr lang="en-US" b="1" baseline="30000" dirty="0" smtClean="0">
-                <a:solidFill>
-                  <a:srgbClr val="00B0F0"/>
-                </a:solidFill>
-              </a:rPr>
-              <a:t>[1,2]</a:t>
-            </a:r>
-            <a:endParaRPr lang="en-US" b="1" baseline="30000" dirty="0">
-              <a:solidFill>
-                <a:srgbClr val="00B0F0"/>
-              </a:solidFill>
+              <a:rPr lang="en-US" b="1" dirty="0" err="1" smtClean="0">
+                <a:latin typeface="Helvetica" charset="0"/>
+                <a:ea typeface="Helvetica" charset="0"/>
+                <a:cs typeface="Helvetica" charset="0"/>
+              </a:rPr>
+              <a:t>Problemas</a:t>
+            </a:r>
+            <a:r>
+              <a:rPr lang="en-US" b="1" dirty="0" smtClean="0">
+                <a:latin typeface="Helvetica" charset="0"/>
+                <a:ea typeface="Helvetica" charset="0"/>
+                <a:cs typeface="Helvetica" charset="0"/>
+              </a:rPr>
+              <a:t> </a:t>
+            </a:r>
+            <a:r>
+              <a:rPr lang="en-US" b="1" dirty="0" err="1" smtClean="0">
+                <a:latin typeface="Helvetica" charset="0"/>
+                <a:ea typeface="Helvetica" charset="0"/>
+                <a:cs typeface="Helvetica" charset="0"/>
+              </a:rPr>
+              <a:t>escolhidos</a:t>
+            </a:r>
+            <a:endParaRPr lang="en-US" b="1" dirty="0">
+              <a:latin typeface="Helvetica" charset="0"/>
+              <a:ea typeface="Helvetica" charset="0"/>
+              <a:cs typeface="Helvetica" charset="0"/>
             </a:endParaRPr>
           </a:p>
         </p:txBody>
@@ -13975,274 +14488,1130 @@
         <p:spPr>
           <a:xfrm>
             <a:off x="1154954" y="2603500"/>
-            <a:ext cx="9000982" cy="3416300"/>
+            <a:ext cx="9647158" cy="3416300"/>
           </a:xfrm>
         </p:spPr>
         <p:txBody>
-          <a:bodyPr/>
+          <a:bodyPr>
+            <a:normAutofit/>
+          </a:bodyPr>
           <a:lstStyle/>
           <a:p>
             <a:r>
-              <a:rPr lang="en-US" dirty="0" err="1" smtClean="0"/>
-              <a:t>Qualifica</a:t>
-            </a:r>
-            <a:r>
-              <a:rPr lang="en-US" dirty="0" smtClean="0"/>
-              <a:t> a </a:t>
-            </a:r>
-            <a:r>
-              <a:rPr lang="en-US" dirty="0" err="1" smtClean="0"/>
-              <a:t>solução</a:t>
-            </a:r>
-            <a:r>
-              <a:rPr lang="en-US" dirty="0" smtClean="0"/>
-              <a:t> dada </a:t>
-            </a:r>
-            <a:r>
-              <a:rPr lang="en-US" dirty="0" err="1" smtClean="0"/>
+              <a:rPr lang="en-US" b="1" dirty="0" err="1" smtClean="0">
+                <a:solidFill>
+                  <a:schemeClr val="tx1"/>
+                </a:solidFill>
+                <a:latin typeface="Helvetica" charset="0"/>
+                <a:ea typeface="Helvetica" charset="0"/>
+                <a:cs typeface="Helvetica" charset="0"/>
+              </a:rPr>
+              <a:t>OneMax</a:t>
+            </a:r>
+            <a:r>
+              <a:rPr lang="en-US" b="1" dirty="0" smtClean="0">
+                <a:solidFill>
+                  <a:schemeClr val="tx1"/>
+                </a:solidFill>
+                <a:latin typeface="Helvetica" charset="0"/>
+                <a:ea typeface="Helvetica" charset="0"/>
+                <a:cs typeface="Helvetica" charset="0"/>
+              </a:rPr>
+              <a:t> </a:t>
+            </a:r>
+            <a:r>
+              <a:rPr lang="en-US" b="1" dirty="0" err="1" smtClean="0">
+                <a:solidFill>
+                  <a:schemeClr val="tx1"/>
+                </a:solidFill>
+                <a:latin typeface="Helvetica" charset="0"/>
+                <a:ea typeface="Helvetica" charset="0"/>
+                <a:cs typeface="Helvetica" charset="0"/>
+              </a:rPr>
+              <a:t>Booleano</a:t>
+            </a:r>
+            <a:r>
+              <a:rPr lang="en-US" b="1" dirty="0" smtClean="0">
+                <a:solidFill>
+                  <a:schemeClr val="tx1"/>
+                </a:solidFill>
+                <a:latin typeface="Helvetica" charset="0"/>
+                <a:ea typeface="Helvetica" charset="0"/>
+                <a:cs typeface="Helvetica" charset="0"/>
+              </a:rPr>
+              <a:t> </a:t>
+            </a:r>
+            <a:r>
+              <a:rPr lang="en-US" dirty="0" smtClean="0">
+                <a:solidFill>
+                  <a:schemeClr val="tx1"/>
+                </a:solidFill>
+                <a:latin typeface="Helvetica" charset="0"/>
+                <a:ea typeface="Helvetica" charset="0"/>
+                <a:cs typeface="Helvetica" charset="0"/>
+              </a:rPr>
+              <a:t>(100 bits </a:t>
+            </a:r>
+            <a:r>
+              <a:rPr lang="en-US" dirty="0" err="1" smtClean="0">
+                <a:solidFill>
+                  <a:schemeClr val="tx1"/>
+                </a:solidFill>
+                <a:latin typeface="Helvetica" charset="0"/>
+                <a:ea typeface="Helvetica" charset="0"/>
+                <a:cs typeface="Helvetica" charset="0"/>
+              </a:rPr>
+              <a:t>iniciam</a:t>
+            </a:r>
+            <a:r>
+              <a:rPr lang="en-US" dirty="0" smtClean="0">
+                <a:solidFill>
+                  <a:schemeClr val="tx1"/>
+                </a:solidFill>
+                <a:latin typeface="Helvetica" charset="0"/>
+                <a:ea typeface="Helvetica" charset="0"/>
+                <a:cs typeface="Helvetica" charset="0"/>
+              </a:rPr>
+              <a:t> </a:t>
+            </a:r>
+            <a:r>
+              <a:rPr lang="en-US" dirty="0" err="1" smtClean="0">
+                <a:solidFill>
+                  <a:schemeClr val="tx1"/>
+                </a:solidFill>
+                <a:latin typeface="Helvetica" charset="0"/>
+                <a:ea typeface="Helvetica" charset="0"/>
+                <a:cs typeface="Helvetica" charset="0"/>
+              </a:rPr>
+              <a:t>em</a:t>
+            </a:r>
+            <a:r>
+              <a:rPr lang="en-US" dirty="0" smtClean="0">
+                <a:solidFill>
+                  <a:schemeClr val="tx1"/>
+                </a:solidFill>
+                <a:latin typeface="Helvetica" charset="0"/>
+                <a:ea typeface="Helvetica" charset="0"/>
+                <a:cs typeface="Helvetica" charset="0"/>
+              </a:rPr>
+              <a:t> 0; </a:t>
+            </a:r>
+            <a:r>
+              <a:rPr lang="en-US" dirty="0" err="1" smtClean="0">
+                <a:solidFill>
+                  <a:schemeClr val="tx1"/>
+                </a:solidFill>
+                <a:latin typeface="Helvetica" charset="0"/>
+                <a:ea typeface="Helvetica" charset="0"/>
+                <a:cs typeface="Helvetica" charset="0"/>
+              </a:rPr>
+              <a:t>Todos</a:t>
+            </a:r>
+            <a:r>
+              <a:rPr lang="en-US" dirty="0" smtClean="0">
+                <a:solidFill>
+                  <a:schemeClr val="tx1"/>
+                </a:solidFill>
+                <a:latin typeface="Helvetica" charset="0"/>
+                <a:ea typeface="Helvetica" charset="0"/>
+                <a:cs typeface="Helvetica" charset="0"/>
+              </a:rPr>
+              <a:t> </a:t>
+            </a:r>
+            <a:r>
+              <a:rPr lang="en-US" dirty="0" err="1" smtClean="0">
+                <a:solidFill>
+                  <a:schemeClr val="tx1"/>
+                </a:solidFill>
+                <a:latin typeface="Helvetica" charset="0"/>
+                <a:ea typeface="Helvetica" charset="0"/>
+                <a:cs typeface="Helvetica" charset="0"/>
+              </a:rPr>
+              <a:t>devem</a:t>
+            </a:r>
+            <a:r>
+              <a:rPr lang="en-US" dirty="0" smtClean="0">
+                <a:solidFill>
+                  <a:schemeClr val="tx1"/>
+                </a:solidFill>
+                <a:latin typeface="Helvetica" charset="0"/>
+                <a:ea typeface="Helvetica" charset="0"/>
+                <a:cs typeface="Helvetica" charset="0"/>
+              </a:rPr>
+              <a:t> </a:t>
+            </a:r>
+            <a:r>
+              <a:rPr lang="en-US" dirty="0" err="1" smtClean="0">
+                <a:solidFill>
+                  <a:schemeClr val="tx1"/>
+                </a:solidFill>
+                <a:latin typeface="Helvetica" charset="0"/>
+                <a:ea typeface="Helvetica" charset="0"/>
+                <a:cs typeface="Helvetica" charset="0"/>
+              </a:rPr>
+              <a:t>ficar</a:t>
+            </a:r>
+            <a:r>
+              <a:rPr lang="en-US" dirty="0" smtClean="0">
+                <a:solidFill>
+                  <a:schemeClr val="tx1"/>
+                </a:solidFill>
+                <a:latin typeface="Helvetica" charset="0"/>
+                <a:ea typeface="Helvetica" charset="0"/>
+                <a:cs typeface="Helvetica" charset="0"/>
+              </a:rPr>
+              <a:t> </a:t>
+            </a:r>
+            <a:r>
+              <a:rPr lang="en-US" dirty="0" err="1" smtClean="0">
+                <a:solidFill>
+                  <a:schemeClr val="tx1"/>
+                </a:solidFill>
+                <a:latin typeface="Helvetica" charset="0"/>
+                <a:ea typeface="Helvetica" charset="0"/>
+                <a:cs typeface="Helvetica" charset="0"/>
+              </a:rPr>
+              <a:t>iguais</a:t>
+            </a:r>
+            <a:r>
+              <a:rPr lang="en-US" dirty="0" smtClean="0">
+                <a:solidFill>
+                  <a:schemeClr val="tx1"/>
+                </a:solidFill>
+                <a:latin typeface="Helvetica" charset="0"/>
+                <a:ea typeface="Helvetica" charset="0"/>
+                <a:cs typeface="Helvetica" charset="0"/>
+              </a:rPr>
+              <a:t> a 1) </a:t>
+            </a:r>
+            <a:r>
+              <a:rPr lang="en-US" b="1" baseline="30000" dirty="0" smtClean="0">
+                <a:solidFill>
+                  <a:srgbClr val="0432FF"/>
+                </a:solidFill>
+                <a:latin typeface="Helvetica" charset="0"/>
+                <a:ea typeface="Helvetica" charset="0"/>
+                <a:cs typeface="Helvetica" charset="0"/>
+              </a:rPr>
+              <a:t>[6]</a:t>
+            </a:r>
+          </a:p>
+          <a:p>
+            <a:r>
+              <a:rPr lang="en-US" b="1" dirty="0" err="1" smtClean="0">
+                <a:solidFill>
+                  <a:schemeClr val="tx1"/>
+                </a:solidFill>
+                <a:latin typeface="Helvetica" charset="0"/>
+                <a:ea typeface="Helvetica" charset="0"/>
+                <a:cs typeface="Helvetica" charset="0"/>
+              </a:rPr>
+              <a:t>OneMax</a:t>
+            </a:r>
+            <a:r>
+              <a:rPr lang="en-US" b="1" dirty="0" smtClean="0">
+                <a:solidFill>
+                  <a:schemeClr val="tx1"/>
+                </a:solidFill>
+                <a:latin typeface="Helvetica" charset="0"/>
+                <a:ea typeface="Helvetica" charset="0"/>
+                <a:cs typeface="Helvetica" charset="0"/>
+              </a:rPr>
+              <a:t> Real</a:t>
+            </a:r>
+            <a:r>
+              <a:rPr lang="en-US" dirty="0" smtClean="0">
+                <a:solidFill>
+                  <a:schemeClr val="tx1"/>
+                </a:solidFill>
+                <a:latin typeface="Helvetica" charset="0"/>
+                <a:ea typeface="Helvetica" charset="0"/>
+                <a:cs typeface="Helvetica" charset="0"/>
+              </a:rPr>
+              <a:t> (100 </a:t>
+            </a:r>
+            <a:r>
+              <a:rPr lang="en-US" dirty="0" err="1" smtClean="0">
+                <a:solidFill>
+                  <a:schemeClr val="tx1"/>
+                </a:solidFill>
+                <a:latin typeface="Helvetica" charset="0"/>
+                <a:ea typeface="Helvetica" charset="0"/>
+                <a:cs typeface="Helvetica" charset="0"/>
+              </a:rPr>
+              <a:t>vari</a:t>
+            </a:r>
+            <a:r>
+              <a:rPr lang="en-US" dirty="0" err="1" smtClean="0">
+                <a:solidFill>
+                  <a:schemeClr val="tx1"/>
+                </a:solidFill>
+                <a:latin typeface="Helvetica" charset="0"/>
+                <a:ea typeface="Helvetica" charset="0"/>
+                <a:cs typeface="Helvetica" charset="0"/>
+              </a:rPr>
+              <a:t>áveis</a:t>
+            </a:r>
+            <a:r>
+              <a:rPr lang="en-US" dirty="0" smtClean="0">
+                <a:solidFill>
+                  <a:schemeClr val="tx1"/>
+                </a:solidFill>
+                <a:latin typeface="Helvetica" charset="0"/>
+                <a:ea typeface="Helvetica" charset="0"/>
+                <a:cs typeface="Helvetica" charset="0"/>
+              </a:rPr>
+              <a:t> </a:t>
+            </a:r>
+            <a:r>
+              <a:rPr lang="en-US" dirty="0" err="1" smtClean="0">
+                <a:solidFill>
+                  <a:schemeClr val="tx1"/>
+                </a:solidFill>
+                <a:latin typeface="Helvetica" charset="0"/>
+                <a:ea typeface="Helvetica" charset="0"/>
+                <a:cs typeface="Helvetica" charset="0"/>
+              </a:rPr>
+              <a:t>reais</a:t>
+            </a:r>
+            <a:r>
+              <a:rPr lang="en-US" dirty="0" smtClean="0">
+                <a:solidFill>
+                  <a:schemeClr val="tx1"/>
+                </a:solidFill>
+                <a:latin typeface="Helvetica" charset="0"/>
+                <a:ea typeface="Helvetica" charset="0"/>
+                <a:cs typeface="Helvetica" charset="0"/>
+              </a:rPr>
+              <a:t> </a:t>
+            </a:r>
+            <a:r>
+              <a:rPr lang="en-US" dirty="0" err="1" smtClean="0">
+                <a:solidFill>
+                  <a:schemeClr val="tx1"/>
+                </a:solidFill>
+                <a:latin typeface="Helvetica" charset="0"/>
+                <a:ea typeface="Helvetica" charset="0"/>
+                <a:cs typeface="Helvetica" charset="0"/>
+              </a:rPr>
+              <a:t>iniciam</a:t>
+            </a:r>
+            <a:r>
+              <a:rPr lang="en-US" dirty="0" smtClean="0">
+                <a:solidFill>
+                  <a:schemeClr val="tx1"/>
+                </a:solidFill>
+                <a:latin typeface="Helvetica" charset="0"/>
+                <a:ea typeface="Helvetica" charset="0"/>
+                <a:cs typeface="Helvetica" charset="0"/>
+              </a:rPr>
+              <a:t> </a:t>
+            </a:r>
+            <a:r>
+              <a:rPr lang="en-US" dirty="0" err="1" smtClean="0">
+                <a:solidFill>
+                  <a:schemeClr val="tx1"/>
+                </a:solidFill>
+                <a:latin typeface="Helvetica" charset="0"/>
+                <a:ea typeface="Helvetica" charset="0"/>
+                <a:cs typeface="Helvetica" charset="0"/>
+              </a:rPr>
+              <a:t>em</a:t>
+            </a:r>
+            <a:r>
+              <a:rPr lang="en-US" dirty="0" smtClean="0">
+                <a:solidFill>
+                  <a:schemeClr val="tx1"/>
+                </a:solidFill>
+                <a:latin typeface="Helvetica" charset="0"/>
+                <a:ea typeface="Helvetica" charset="0"/>
+                <a:cs typeface="Helvetica" charset="0"/>
+              </a:rPr>
+              <a:t> 0.0; </a:t>
+            </a:r>
+            <a:r>
+              <a:rPr lang="en-US" dirty="0" err="1" smtClean="0">
+                <a:solidFill>
+                  <a:schemeClr val="tx1"/>
+                </a:solidFill>
+                <a:latin typeface="Helvetica" charset="0"/>
+                <a:ea typeface="Helvetica" charset="0"/>
+                <a:cs typeface="Helvetica" charset="0"/>
+              </a:rPr>
+              <a:t>Todas</a:t>
+            </a:r>
+            <a:r>
+              <a:rPr lang="en-US" dirty="0" smtClean="0">
+                <a:solidFill>
+                  <a:schemeClr val="tx1"/>
+                </a:solidFill>
+                <a:latin typeface="Helvetica" charset="0"/>
+                <a:ea typeface="Helvetica" charset="0"/>
+                <a:cs typeface="Helvetica" charset="0"/>
+              </a:rPr>
+              <a:t> </a:t>
+            </a:r>
+            <a:r>
+              <a:rPr lang="en-US" dirty="0" err="1" smtClean="0">
+                <a:solidFill>
+                  <a:schemeClr val="tx1"/>
+                </a:solidFill>
+                <a:latin typeface="Helvetica" charset="0"/>
+                <a:ea typeface="Helvetica" charset="0"/>
+                <a:cs typeface="Helvetica" charset="0"/>
+              </a:rPr>
+              <a:t>devem</a:t>
+            </a:r>
+            <a:r>
+              <a:rPr lang="en-US" dirty="0" smtClean="0">
+                <a:solidFill>
+                  <a:schemeClr val="tx1"/>
+                </a:solidFill>
+                <a:latin typeface="Helvetica" charset="0"/>
+                <a:ea typeface="Helvetica" charset="0"/>
+                <a:cs typeface="Helvetica" charset="0"/>
+              </a:rPr>
+              <a:t> se </a:t>
+            </a:r>
+            <a:r>
+              <a:rPr lang="en-US" dirty="0" err="1" smtClean="0">
+                <a:solidFill>
+                  <a:schemeClr val="tx1"/>
+                </a:solidFill>
+                <a:latin typeface="Helvetica" charset="0"/>
+                <a:ea typeface="Helvetica" charset="0"/>
+                <a:cs typeface="Helvetica" charset="0"/>
+              </a:rPr>
+              <a:t>aproximar</a:t>
+            </a:r>
+            <a:r>
+              <a:rPr lang="en-US" dirty="0" smtClean="0">
+                <a:solidFill>
+                  <a:schemeClr val="tx1"/>
+                </a:solidFill>
+                <a:latin typeface="Helvetica" charset="0"/>
+                <a:ea typeface="Helvetica" charset="0"/>
+                <a:cs typeface="Helvetica" charset="0"/>
+              </a:rPr>
+              <a:t> de 1.0)</a:t>
+            </a:r>
+          </a:p>
+          <a:p>
+            <a:r>
+              <a:rPr lang="en-US" b="1" dirty="0" err="1" smtClean="0">
+                <a:solidFill>
+                  <a:schemeClr val="tx1"/>
+                </a:solidFill>
+                <a:latin typeface="Helvetica" charset="0"/>
+                <a:ea typeface="Helvetica" charset="0"/>
+                <a:cs typeface="Helvetica" charset="0"/>
+              </a:rPr>
+              <a:t>Caixeiro</a:t>
+            </a:r>
+            <a:r>
+              <a:rPr lang="en-US" b="1" dirty="0" smtClean="0">
+                <a:solidFill>
+                  <a:schemeClr val="tx1"/>
+                </a:solidFill>
+                <a:latin typeface="Helvetica" charset="0"/>
+                <a:ea typeface="Helvetica" charset="0"/>
+                <a:cs typeface="Helvetica" charset="0"/>
+              </a:rPr>
+              <a:t> </a:t>
+            </a:r>
+            <a:r>
+              <a:rPr lang="en-US" b="1" dirty="0" err="1" smtClean="0">
+                <a:solidFill>
+                  <a:schemeClr val="tx1"/>
+                </a:solidFill>
+                <a:latin typeface="Helvetica" charset="0"/>
+                <a:ea typeface="Helvetica" charset="0"/>
+                <a:cs typeface="Helvetica" charset="0"/>
+              </a:rPr>
+              <a:t>Viajante</a:t>
+            </a:r>
+            <a:r>
+              <a:rPr lang="en-US" b="1" dirty="0" smtClean="0">
+                <a:solidFill>
+                  <a:schemeClr val="tx1"/>
+                </a:solidFill>
+                <a:latin typeface="Helvetica" charset="0"/>
+                <a:ea typeface="Helvetica" charset="0"/>
+                <a:cs typeface="Helvetica" charset="0"/>
+              </a:rPr>
+              <a:t> </a:t>
+            </a:r>
+            <a:r>
+              <a:rPr lang="en-US" b="1" dirty="0" err="1" smtClean="0">
+                <a:solidFill>
+                  <a:schemeClr val="tx1"/>
+                </a:solidFill>
+                <a:latin typeface="Helvetica" charset="0"/>
+                <a:ea typeface="Helvetica" charset="0"/>
+                <a:cs typeface="Helvetica" charset="0"/>
+              </a:rPr>
+              <a:t>Adaptado</a:t>
+            </a:r>
+            <a:r>
+              <a:rPr lang="en-US" b="1" dirty="0" smtClean="0">
+                <a:solidFill>
+                  <a:schemeClr val="tx1"/>
+                </a:solidFill>
+                <a:latin typeface="Helvetica" charset="0"/>
+                <a:ea typeface="Helvetica" charset="0"/>
+                <a:cs typeface="Helvetica" charset="0"/>
+              </a:rPr>
+              <a:t> </a:t>
+            </a:r>
+            <a:r>
+              <a:rPr lang="en-US" b="1" baseline="30000" dirty="0" smtClean="0">
+                <a:solidFill>
+                  <a:srgbClr val="0432FF"/>
+                </a:solidFill>
+                <a:latin typeface="Helvetica" charset="0"/>
+                <a:ea typeface="Helvetica" charset="0"/>
+                <a:cs typeface="Helvetica" charset="0"/>
+              </a:rPr>
+              <a:t>[7]</a:t>
+            </a:r>
+            <a:r>
+              <a:rPr lang="en-US" dirty="0" smtClean="0">
+                <a:solidFill>
+                  <a:schemeClr val="tx1"/>
+                </a:solidFill>
+                <a:latin typeface="Helvetica" charset="0"/>
+                <a:ea typeface="Helvetica" charset="0"/>
+                <a:cs typeface="Helvetica" charset="0"/>
+              </a:rPr>
+              <a:t> (Dado um </a:t>
+            </a:r>
+            <a:r>
+              <a:rPr lang="en-US" dirty="0" err="1" smtClean="0">
+                <a:solidFill>
+                  <a:schemeClr val="tx1"/>
+                </a:solidFill>
+                <a:latin typeface="Helvetica" charset="0"/>
+                <a:ea typeface="Helvetica" charset="0"/>
+                <a:cs typeface="Helvetica" charset="0"/>
+              </a:rPr>
+              <a:t>grupo</a:t>
+            </a:r>
+            <a:r>
+              <a:rPr lang="en-US" dirty="0" smtClean="0">
+                <a:solidFill>
+                  <a:schemeClr val="tx1"/>
+                </a:solidFill>
+                <a:latin typeface="Helvetica" charset="0"/>
+                <a:ea typeface="Helvetica" charset="0"/>
+                <a:cs typeface="Helvetica" charset="0"/>
+              </a:rPr>
+              <a:t> de </a:t>
+            </a:r>
+            <a:r>
+              <a:rPr lang="en-US" dirty="0" err="1" smtClean="0">
+                <a:solidFill>
+                  <a:schemeClr val="tx1"/>
+                </a:solidFill>
+                <a:latin typeface="Helvetica" charset="0"/>
+                <a:ea typeface="Helvetica" charset="0"/>
+                <a:cs typeface="Helvetica" charset="0"/>
+              </a:rPr>
+              <a:t>cidades</a:t>
+            </a:r>
+            <a:r>
+              <a:rPr lang="en-US" dirty="0" smtClean="0">
+                <a:solidFill>
+                  <a:schemeClr val="tx1"/>
+                </a:solidFill>
+                <a:latin typeface="Helvetica" charset="0"/>
+                <a:ea typeface="Helvetica" charset="0"/>
+                <a:cs typeface="Helvetica" charset="0"/>
+              </a:rPr>
+              <a:t>, </a:t>
+            </a:r>
+            <a:r>
+              <a:rPr lang="en-US" dirty="0" err="1" smtClean="0">
+                <a:solidFill>
+                  <a:schemeClr val="tx1"/>
+                </a:solidFill>
+                <a:latin typeface="Helvetica" charset="0"/>
+                <a:ea typeface="Helvetica" charset="0"/>
+                <a:cs typeface="Helvetica" charset="0"/>
+              </a:rPr>
+              <a:t>descobrir</a:t>
+            </a:r>
+            <a:r>
+              <a:rPr lang="en-US" dirty="0" smtClean="0">
+                <a:solidFill>
+                  <a:schemeClr val="tx1"/>
+                </a:solidFill>
+                <a:latin typeface="Helvetica" charset="0"/>
+                <a:ea typeface="Helvetica" charset="0"/>
+                <a:cs typeface="Helvetica" charset="0"/>
+              </a:rPr>
+              <a:t> </a:t>
+            </a:r>
+            <a:r>
+              <a:rPr lang="en-US" dirty="0" err="1" smtClean="0">
+                <a:solidFill>
+                  <a:schemeClr val="tx1"/>
+                </a:solidFill>
+                <a:latin typeface="Helvetica" charset="0"/>
+                <a:ea typeface="Helvetica" charset="0"/>
+                <a:cs typeface="Helvetica" charset="0"/>
+              </a:rPr>
+              <a:t>qual</a:t>
+            </a:r>
+            <a:r>
+              <a:rPr lang="en-US" dirty="0" smtClean="0">
+                <a:solidFill>
+                  <a:schemeClr val="tx1"/>
+                </a:solidFill>
+                <a:latin typeface="Helvetica" charset="0"/>
+                <a:ea typeface="Helvetica" charset="0"/>
+                <a:cs typeface="Helvetica" charset="0"/>
+              </a:rPr>
+              <a:t> o </a:t>
+            </a:r>
+            <a:r>
+              <a:rPr lang="en-US" dirty="0" err="1" smtClean="0">
+                <a:solidFill>
+                  <a:schemeClr val="tx1"/>
+                </a:solidFill>
+                <a:latin typeface="Helvetica" charset="0"/>
+                <a:ea typeface="Helvetica" charset="0"/>
+                <a:cs typeface="Helvetica" charset="0"/>
+              </a:rPr>
+              <a:t>caminho</a:t>
+            </a:r>
+            <a:r>
+              <a:rPr lang="en-US" dirty="0" smtClean="0">
+                <a:solidFill>
+                  <a:schemeClr val="tx1"/>
+                </a:solidFill>
+                <a:latin typeface="Helvetica" charset="0"/>
+                <a:ea typeface="Helvetica" charset="0"/>
+                <a:cs typeface="Helvetica" charset="0"/>
+              </a:rPr>
+              <a:t> </a:t>
+            </a:r>
+            <a:r>
+              <a:rPr lang="en-US" dirty="0" err="1" smtClean="0">
+                <a:solidFill>
+                  <a:schemeClr val="tx1"/>
+                </a:solidFill>
+                <a:latin typeface="Helvetica" charset="0"/>
+                <a:ea typeface="Helvetica" charset="0"/>
+                <a:cs typeface="Helvetica" charset="0"/>
+              </a:rPr>
+              <a:t>mais</a:t>
+            </a:r>
+            <a:r>
+              <a:rPr lang="en-US" dirty="0" smtClean="0">
+                <a:solidFill>
+                  <a:schemeClr val="tx1"/>
+                </a:solidFill>
+                <a:latin typeface="Helvetica" charset="0"/>
+                <a:ea typeface="Helvetica" charset="0"/>
+                <a:cs typeface="Helvetica" charset="0"/>
+              </a:rPr>
+              <a:t> </a:t>
+            </a:r>
+            <a:r>
+              <a:rPr lang="en-US" dirty="0" err="1" smtClean="0">
+                <a:solidFill>
+                  <a:schemeClr val="tx1"/>
+                </a:solidFill>
+                <a:latin typeface="Helvetica" charset="0"/>
+                <a:ea typeface="Helvetica" charset="0"/>
+                <a:cs typeface="Helvetica" charset="0"/>
+              </a:rPr>
+              <a:t>r</a:t>
+            </a:r>
+            <a:r>
+              <a:rPr lang="en-US" dirty="0" err="1" smtClean="0">
+                <a:solidFill>
+                  <a:schemeClr val="tx1"/>
+                </a:solidFill>
+                <a:latin typeface="Helvetica" charset="0"/>
+                <a:ea typeface="Helvetica" charset="0"/>
+                <a:cs typeface="Helvetica" charset="0"/>
+              </a:rPr>
+              <a:t>ápido</a:t>
+            </a:r>
+            <a:r>
+              <a:rPr lang="en-US" dirty="0" smtClean="0">
+                <a:solidFill>
+                  <a:schemeClr val="tx1"/>
+                </a:solidFill>
+                <a:latin typeface="Helvetica" charset="0"/>
+                <a:ea typeface="Helvetica" charset="0"/>
+                <a:cs typeface="Helvetica" charset="0"/>
+              </a:rPr>
+              <a:t> </a:t>
+            </a:r>
+            <a:r>
+              <a:rPr lang="en-US" dirty="0" err="1" smtClean="0">
+                <a:solidFill>
+                  <a:schemeClr val="tx1"/>
+                </a:solidFill>
+                <a:latin typeface="Helvetica" charset="0"/>
+                <a:ea typeface="Helvetica" charset="0"/>
+                <a:cs typeface="Helvetica" charset="0"/>
+              </a:rPr>
+              <a:t>que</a:t>
+            </a:r>
+            <a:r>
+              <a:rPr lang="en-US" dirty="0" smtClean="0">
+                <a:solidFill>
+                  <a:schemeClr val="tx1"/>
+                </a:solidFill>
+                <a:latin typeface="Helvetica" charset="0"/>
+                <a:ea typeface="Helvetica" charset="0"/>
+                <a:cs typeface="Helvetica" charset="0"/>
+              </a:rPr>
+              <a:t> </a:t>
+            </a:r>
+            <a:r>
+              <a:rPr lang="en-US" dirty="0" err="1" smtClean="0">
+                <a:solidFill>
+                  <a:schemeClr val="tx1"/>
+                </a:solidFill>
+                <a:latin typeface="Helvetica" charset="0"/>
+                <a:ea typeface="Helvetica" charset="0"/>
+                <a:cs typeface="Helvetica" charset="0"/>
+              </a:rPr>
+              <a:t>passa</a:t>
+            </a:r>
+            <a:r>
+              <a:rPr lang="en-US" dirty="0" smtClean="0">
+                <a:solidFill>
+                  <a:schemeClr val="tx1"/>
+                </a:solidFill>
+                <a:latin typeface="Helvetica" charset="0"/>
+                <a:ea typeface="Helvetica" charset="0"/>
+                <a:cs typeface="Helvetica" charset="0"/>
+              </a:rPr>
+              <a:t> </a:t>
+            </a:r>
+            <a:r>
+              <a:rPr lang="en-US" dirty="0" err="1" smtClean="0">
+                <a:solidFill>
+                  <a:schemeClr val="tx1"/>
+                </a:solidFill>
+                <a:latin typeface="Helvetica" charset="0"/>
+                <a:ea typeface="Helvetica" charset="0"/>
+                <a:cs typeface="Helvetica" charset="0"/>
+              </a:rPr>
               <a:t>por</a:t>
             </a:r>
             <a:r>
-              <a:rPr lang="en-US" dirty="0" smtClean="0"/>
+              <a:rPr lang="en-US" dirty="0">
+                <a:solidFill>
+                  <a:schemeClr val="tx1"/>
+                </a:solidFill>
+                <a:latin typeface="Helvetica" charset="0"/>
+                <a:ea typeface="Helvetica" charset="0"/>
+                <a:cs typeface="Helvetica" charset="0"/>
+              </a:rPr>
               <a:t> </a:t>
             </a:r>
             <a:r>
-              <a:rPr lang="en-US" dirty="0" err="1" smtClean="0"/>
+              <a:rPr lang="en-US" dirty="0" err="1" smtClean="0">
+                <a:solidFill>
+                  <a:schemeClr val="tx1"/>
+                </a:solidFill>
+                <a:latin typeface="Helvetica" charset="0"/>
+                <a:ea typeface="Helvetica" charset="0"/>
+                <a:cs typeface="Helvetica" charset="0"/>
+              </a:rPr>
+              <a:t>todas</a:t>
+            </a:r>
+            <a:r>
+              <a:rPr lang="en-US" dirty="0" smtClean="0">
+                <a:solidFill>
+                  <a:schemeClr val="tx1"/>
+                </a:solidFill>
+                <a:latin typeface="Helvetica" charset="0"/>
+                <a:ea typeface="Helvetica" charset="0"/>
+                <a:cs typeface="Helvetica" charset="0"/>
+              </a:rPr>
+              <a:t> as </a:t>
+            </a:r>
+            <a:r>
+              <a:rPr lang="en-US" dirty="0" err="1" smtClean="0">
+                <a:solidFill>
+                  <a:schemeClr val="tx1"/>
+                </a:solidFill>
+                <a:latin typeface="Helvetica" charset="0"/>
+                <a:ea typeface="Helvetica" charset="0"/>
+                <a:cs typeface="Helvetica" charset="0"/>
+              </a:rPr>
+              <a:t>cidades</a:t>
+            </a:r>
+            <a:r>
+              <a:rPr lang="en-US" dirty="0" smtClean="0">
+                <a:solidFill>
+                  <a:schemeClr val="tx1"/>
+                </a:solidFill>
+                <a:latin typeface="Helvetica" charset="0"/>
+                <a:ea typeface="Helvetica" charset="0"/>
+                <a:cs typeface="Helvetica" charset="0"/>
+              </a:rPr>
+              <a:t> e </a:t>
+            </a:r>
+            <a:r>
+              <a:rPr lang="en-US" dirty="0" err="1" smtClean="0">
+                <a:solidFill>
+                  <a:schemeClr val="tx1"/>
+                </a:solidFill>
+                <a:latin typeface="Helvetica" charset="0"/>
+                <a:ea typeface="Helvetica" charset="0"/>
+                <a:cs typeface="Helvetica" charset="0"/>
+              </a:rPr>
+              <a:t>retorna</a:t>
+            </a:r>
+            <a:r>
+              <a:rPr lang="en-US" dirty="0" smtClean="0">
+                <a:solidFill>
+                  <a:schemeClr val="tx1"/>
+                </a:solidFill>
+                <a:latin typeface="Helvetica" charset="0"/>
+                <a:ea typeface="Helvetica" charset="0"/>
+                <a:cs typeface="Helvetica" charset="0"/>
+              </a:rPr>
+              <a:t> </a:t>
+            </a:r>
+            <a:r>
+              <a:rPr lang="en-US" dirty="0" err="1" smtClean="0">
+                <a:solidFill>
+                  <a:schemeClr val="tx1"/>
+                </a:solidFill>
+                <a:latin typeface="Helvetica" charset="0"/>
+                <a:ea typeface="Helvetica" charset="0"/>
+                <a:cs typeface="Helvetica" charset="0"/>
+              </a:rPr>
+              <a:t>à</a:t>
+            </a:r>
+            <a:r>
+              <a:rPr lang="en-US" dirty="0" smtClean="0">
+                <a:solidFill>
+                  <a:schemeClr val="tx1"/>
+                </a:solidFill>
+                <a:latin typeface="Helvetica" charset="0"/>
+                <a:ea typeface="Helvetica" charset="0"/>
+                <a:cs typeface="Helvetica" charset="0"/>
+              </a:rPr>
+              <a:t> </a:t>
+            </a:r>
+            <a:r>
+              <a:rPr lang="en-US" dirty="0" err="1" smtClean="0">
+                <a:solidFill>
+                  <a:schemeClr val="tx1"/>
+                </a:solidFill>
+                <a:latin typeface="Helvetica" charset="0"/>
+                <a:ea typeface="Helvetica" charset="0"/>
+                <a:cs typeface="Helvetica" charset="0"/>
+              </a:rPr>
+              <a:t>cidade</a:t>
+            </a:r>
+            <a:r>
+              <a:rPr lang="en-US" dirty="0" smtClean="0">
+                <a:solidFill>
+                  <a:schemeClr val="tx1"/>
+                </a:solidFill>
+                <a:latin typeface="Helvetica" charset="0"/>
+                <a:ea typeface="Helvetica" charset="0"/>
+                <a:cs typeface="Helvetica" charset="0"/>
+              </a:rPr>
+              <a:t> </a:t>
+            </a:r>
+            <a:r>
+              <a:rPr lang="en-US" dirty="0" err="1" smtClean="0">
+                <a:solidFill>
+                  <a:schemeClr val="tx1"/>
+                </a:solidFill>
+                <a:latin typeface="Helvetica" charset="0"/>
+                <a:ea typeface="Helvetica" charset="0"/>
+                <a:cs typeface="Helvetica" charset="0"/>
+              </a:rPr>
+              <a:t>inicial</a:t>
+            </a:r>
+            <a:r>
+              <a:rPr lang="en-US" dirty="0" smtClean="0">
+                <a:solidFill>
+                  <a:schemeClr val="tx1"/>
+                </a:solidFill>
+                <a:latin typeface="Helvetica" charset="0"/>
+                <a:ea typeface="Helvetica" charset="0"/>
+                <a:cs typeface="Helvetica" charset="0"/>
+              </a:rPr>
+              <a:t>)</a:t>
+            </a:r>
+          </a:p>
+          <a:p>
+            <a:pPr lvl="1"/>
+            <a:r>
+              <a:rPr lang="en-US" i="1" dirty="0" err="1" smtClean="0">
+                <a:solidFill>
+                  <a:schemeClr val="tx1"/>
+                </a:solidFill>
+                <a:latin typeface="Helvetica" charset="0"/>
+                <a:ea typeface="Helvetica" charset="0"/>
+                <a:cs typeface="Helvetica" charset="0"/>
+              </a:rPr>
+              <a:t>Adapta</a:t>
+            </a:r>
+            <a:r>
+              <a:rPr lang="en-US" i="1" dirty="0" err="1" smtClean="0">
+                <a:solidFill>
+                  <a:schemeClr val="tx1"/>
+                </a:solidFill>
+                <a:latin typeface="Helvetica" charset="0"/>
+                <a:ea typeface="Helvetica" charset="0"/>
+                <a:cs typeface="Helvetica" charset="0"/>
+              </a:rPr>
+              <a:t>ção</a:t>
+            </a:r>
+            <a:r>
+              <a:rPr lang="en-US" i="1" dirty="0" smtClean="0">
+                <a:solidFill>
+                  <a:schemeClr val="tx1"/>
+                </a:solidFill>
+                <a:latin typeface="Helvetica" charset="0"/>
+                <a:ea typeface="Helvetica" charset="0"/>
+                <a:cs typeface="Helvetica" charset="0"/>
+              </a:rPr>
+              <a:t>: </a:t>
+            </a:r>
+            <a:r>
+              <a:rPr lang="en-US" dirty="0" err="1" smtClean="0">
+                <a:solidFill>
+                  <a:schemeClr val="tx1"/>
+                </a:solidFill>
+                <a:latin typeface="Helvetica" charset="0"/>
+                <a:ea typeface="Helvetica" charset="0"/>
+                <a:cs typeface="Helvetica" charset="0"/>
+              </a:rPr>
+              <a:t>é</a:t>
+            </a:r>
+            <a:r>
+              <a:rPr lang="en-US" dirty="0" smtClean="0">
+                <a:solidFill>
+                  <a:schemeClr val="tx1"/>
+                </a:solidFill>
+                <a:latin typeface="Helvetica" charset="0"/>
+                <a:ea typeface="Helvetica" charset="0"/>
+                <a:cs typeface="Helvetica" charset="0"/>
+              </a:rPr>
+              <a:t> </a:t>
+            </a:r>
+            <a:r>
+              <a:rPr lang="en-US" dirty="0" err="1" smtClean="0">
+                <a:solidFill>
+                  <a:schemeClr val="tx1"/>
+                </a:solidFill>
+                <a:latin typeface="Helvetica" charset="0"/>
+                <a:ea typeface="Helvetica" charset="0"/>
+                <a:cs typeface="Helvetica" charset="0"/>
+              </a:rPr>
+              <a:t>possível</a:t>
+            </a:r>
+            <a:r>
+              <a:rPr lang="en-US" dirty="0" smtClean="0">
+                <a:solidFill>
+                  <a:schemeClr val="tx1"/>
+                </a:solidFill>
+                <a:latin typeface="Helvetica" charset="0"/>
+                <a:ea typeface="Helvetica" charset="0"/>
+                <a:cs typeface="Helvetica" charset="0"/>
+              </a:rPr>
+              <a:t> </a:t>
+            </a:r>
+            <a:r>
+              <a:rPr lang="en-US" dirty="0" err="1" smtClean="0">
+                <a:solidFill>
+                  <a:schemeClr val="tx1"/>
+                </a:solidFill>
+                <a:latin typeface="Helvetica" charset="0"/>
+                <a:ea typeface="Helvetica" charset="0"/>
+                <a:cs typeface="Helvetica" charset="0"/>
+              </a:rPr>
+              <a:t>visitar</a:t>
+            </a:r>
+            <a:r>
+              <a:rPr lang="en-US" dirty="0" smtClean="0">
+                <a:solidFill>
+                  <a:schemeClr val="tx1"/>
+                </a:solidFill>
+                <a:latin typeface="Helvetica" charset="0"/>
+                <a:ea typeface="Helvetica" charset="0"/>
+                <a:cs typeface="Helvetica" charset="0"/>
+              </a:rPr>
+              <a:t> </a:t>
+            </a:r>
+            <a:r>
+              <a:rPr lang="en-US" dirty="0" err="1" smtClean="0">
+                <a:solidFill>
+                  <a:schemeClr val="tx1"/>
+                </a:solidFill>
+                <a:latin typeface="Helvetica" charset="0"/>
+                <a:ea typeface="Helvetica" charset="0"/>
+                <a:cs typeface="Helvetica" charset="0"/>
+              </a:rPr>
               <a:t>uma</a:t>
             </a:r>
             <a:r>
-              <a:rPr lang="en-US" dirty="0" smtClean="0"/>
+              <a:rPr lang="en-US" dirty="0" smtClean="0">
+                <a:solidFill>
+                  <a:schemeClr val="tx1"/>
+                </a:solidFill>
+                <a:latin typeface="Helvetica" charset="0"/>
+                <a:ea typeface="Helvetica" charset="0"/>
+                <a:cs typeface="Helvetica" charset="0"/>
+              </a:rPr>
               <a:t> </a:t>
             </a:r>
             <a:r>
-              <a:rPr lang="en-US" dirty="0" err="1" smtClean="0"/>
-              <a:t>determinada</a:t>
-            </a:r>
-            <a:r>
-              <a:rPr lang="en-US" dirty="0" smtClean="0"/>
+              <a:rPr lang="en-US" dirty="0" err="1" smtClean="0">
+                <a:solidFill>
+                  <a:schemeClr val="tx1"/>
+                </a:solidFill>
+                <a:latin typeface="Helvetica" charset="0"/>
+                <a:ea typeface="Helvetica" charset="0"/>
+                <a:cs typeface="Helvetica" charset="0"/>
+              </a:rPr>
+              <a:t>cidade</a:t>
+            </a:r>
+            <a:r>
+              <a:rPr lang="en-US" dirty="0" smtClean="0">
+                <a:solidFill>
+                  <a:schemeClr val="tx1"/>
+                </a:solidFill>
+                <a:latin typeface="Helvetica" charset="0"/>
+                <a:ea typeface="Helvetica" charset="0"/>
+                <a:cs typeface="Helvetica" charset="0"/>
+              </a:rPr>
               <a:t> </a:t>
             </a:r>
             <a:r>
-              <a:rPr lang="en-US" dirty="0" err="1" smtClean="0"/>
-              <a:t>geração</a:t>
-            </a:r>
-            <a:endParaRPr lang="en-US" dirty="0" smtClean="0"/>
-          </a:p>
-          <a:p>
-            <a:r>
-              <a:rPr lang="en-US" dirty="0" err="1" smtClean="0"/>
-              <a:t>Escala</a:t>
-            </a:r>
-            <a:r>
-              <a:rPr lang="en-US" dirty="0" smtClean="0"/>
+              <a:rPr lang="en-US" dirty="0" err="1" smtClean="0">
+                <a:solidFill>
+                  <a:schemeClr val="tx1"/>
+                </a:solidFill>
+                <a:latin typeface="Helvetica" charset="0"/>
+                <a:ea typeface="Helvetica" charset="0"/>
+                <a:cs typeface="Helvetica" charset="0"/>
+              </a:rPr>
+              <a:t>mais</a:t>
+            </a:r>
+            <a:r>
+              <a:rPr lang="en-US" dirty="0" smtClean="0">
+                <a:solidFill>
+                  <a:schemeClr val="tx1"/>
+                </a:solidFill>
+                <a:latin typeface="Helvetica" charset="0"/>
+                <a:ea typeface="Helvetica" charset="0"/>
+                <a:cs typeface="Helvetica" charset="0"/>
+              </a:rPr>
+              <a:t> de </a:t>
+            </a:r>
+            <a:r>
+              <a:rPr lang="en-US" dirty="0" err="1" smtClean="0">
+                <a:solidFill>
+                  <a:schemeClr val="tx1"/>
+                </a:solidFill>
+                <a:latin typeface="Helvetica" charset="0"/>
+                <a:ea typeface="Helvetica" charset="0"/>
+                <a:cs typeface="Helvetica" charset="0"/>
+              </a:rPr>
+              <a:t>uma</a:t>
+            </a:r>
+            <a:r>
+              <a:rPr lang="en-US" dirty="0" smtClean="0">
+                <a:solidFill>
+                  <a:schemeClr val="tx1"/>
+                </a:solidFill>
+                <a:latin typeface="Helvetica" charset="0"/>
+                <a:ea typeface="Helvetica" charset="0"/>
+                <a:cs typeface="Helvetica" charset="0"/>
+              </a:rPr>
               <a:t> </a:t>
             </a:r>
             <a:r>
-              <a:rPr lang="en-US" dirty="0" err="1" smtClean="0"/>
-              <a:t>numérica</a:t>
-            </a:r>
-            <a:endParaRPr lang="en-US" dirty="0" smtClean="0"/>
-          </a:p>
-          <a:p>
-            <a:r>
-              <a:rPr lang="en-US" dirty="0" err="1" smtClean="0"/>
-              <a:t>Pode</a:t>
-            </a:r>
-            <a:r>
-              <a:rPr lang="en-US" dirty="0" smtClean="0"/>
+              <a:rPr lang="en-US" dirty="0" err="1" smtClean="0">
+                <a:solidFill>
+                  <a:schemeClr val="tx1"/>
+                </a:solidFill>
+                <a:latin typeface="Helvetica" charset="0"/>
+                <a:ea typeface="Helvetica" charset="0"/>
+                <a:cs typeface="Helvetica" charset="0"/>
+              </a:rPr>
+              <a:t>vez</a:t>
+            </a:r>
+            <a:r>
+              <a:rPr lang="en-US" dirty="0" smtClean="0">
+                <a:solidFill>
+                  <a:schemeClr val="tx1"/>
+                </a:solidFill>
+                <a:latin typeface="Helvetica" charset="0"/>
+                <a:ea typeface="Helvetica" charset="0"/>
+                <a:cs typeface="Helvetica" charset="0"/>
+              </a:rPr>
+              <a:t>, e </a:t>
+            </a:r>
+            <a:r>
+              <a:rPr lang="en-US" dirty="0" err="1" smtClean="0">
+                <a:solidFill>
+                  <a:schemeClr val="tx1"/>
+                </a:solidFill>
+                <a:latin typeface="Helvetica" charset="0"/>
+                <a:ea typeface="Helvetica" charset="0"/>
+                <a:cs typeface="Helvetica" charset="0"/>
+              </a:rPr>
+              <a:t>percorrer</a:t>
+            </a:r>
+            <a:r>
+              <a:rPr lang="en-US" dirty="0" smtClean="0">
+                <a:solidFill>
+                  <a:schemeClr val="tx1"/>
+                </a:solidFill>
+                <a:latin typeface="Helvetica" charset="0"/>
+                <a:ea typeface="Helvetica" charset="0"/>
+                <a:cs typeface="Helvetica" charset="0"/>
+              </a:rPr>
               <a:t> </a:t>
             </a:r>
             <a:r>
-              <a:rPr lang="en-US" dirty="0" err="1" smtClean="0"/>
-              <a:t>retornar</a:t>
-            </a:r>
-            <a:r>
-              <a:rPr lang="en-US" dirty="0" smtClean="0"/>
-              <a:t> </a:t>
-            </a:r>
-            <a:r>
-              <a:rPr lang="en-US" dirty="0" err="1" smtClean="0"/>
-              <a:t>também</a:t>
-            </a:r>
-            <a:r>
-              <a:rPr lang="en-US" dirty="0" smtClean="0"/>
-              <a:t> se </a:t>
-            </a:r>
-            <a:r>
-              <a:rPr lang="en-US" dirty="0" err="1" smtClean="0"/>
-              <a:t>foi</a:t>
-            </a:r>
-            <a:r>
-              <a:rPr lang="en-US" dirty="0" smtClean="0"/>
-              <a:t> </a:t>
-            </a:r>
-            <a:r>
-              <a:rPr lang="en-US" dirty="0" err="1" smtClean="0"/>
-              <a:t>possível</a:t>
-            </a:r>
-            <a:r>
-              <a:rPr lang="en-US" dirty="0" smtClean="0"/>
-              <a:t> </a:t>
-            </a:r>
-            <a:r>
-              <a:rPr lang="en-US" dirty="0" err="1" smtClean="0"/>
-              <a:t>chegar</a:t>
-            </a:r>
-            <a:r>
-              <a:rPr lang="en-US" dirty="0" smtClean="0"/>
-              <a:t> a </a:t>
-            </a:r>
-            <a:r>
-              <a:rPr lang="en-US" dirty="0" err="1" smtClean="0"/>
-              <a:t>uma</a:t>
-            </a:r>
-            <a:r>
-              <a:rPr lang="en-US" dirty="0" smtClean="0"/>
-              <a:t> </a:t>
-            </a:r>
-            <a:r>
-              <a:rPr lang="en-US" dirty="0" err="1" smtClean="0"/>
-              <a:t>solução</a:t>
-            </a:r>
-            <a:endParaRPr lang="en-US" dirty="0" smtClean="0"/>
-          </a:p>
-          <a:p>
-            <a:r>
-              <a:rPr lang="en-US" b="1" dirty="0" err="1" smtClean="0"/>
-              <a:t>OneMax</a:t>
-            </a:r>
-            <a:r>
-              <a:rPr lang="en-US" b="1" dirty="0" smtClean="0"/>
-              <a:t>:</a:t>
-            </a:r>
-            <a:r>
-              <a:rPr lang="en-US" dirty="0" smtClean="0"/>
-              <a:t> </a:t>
-            </a:r>
-            <a:r>
-              <a:rPr lang="en-US" dirty="0" err="1" smtClean="0"/>
-              <a:t>quantos</a:t>
-            </a:r>
-            <a:r>
-              <a:rPr lang="en-US" dirty="0" smtClean="0"/>
-              <a:t> bits </a:t>
-            </a:r>
-            <a:r>
-              <a:rPr lang="en-US" dirty="0" err="1" smtClean="0"/>
-              <a:t>estão</a:t>
-            </a:r>
-            <a:r>
-              <a:rPr lang="en-US" dirty="0" smtClean="0"/>
-              <a:t> </a:t>
-            </a:r>
-            <a:r>
-              <a:rPr lang="en-US" dirty="0" err="1" smtClean="0"/>
-              <a:t>setados</a:t>
-            </a:r>
-            <a:r>
-              <a:rPr lang="en-US" dirty="0" smtClean="0"/>
-              <a:t> com valor 1; </a:t>
-            </a:r>
-            <a:r>
-              <a:rPr lang="en-US" dirty="0" err="1" smtClean="0"/>
-              <a:t>busca</a:t>
-            </a:r>
-            <a:r>
-              <a:rPr lang="en-US" dirty="0" smtClean="0"/>
-              <a:t> </a:t>
-            </a:r>
-            <a:r>
-              <a:rPr lang="en-US" dirty="0" err="1" smtClean="0"/>
-              <a:t>pelo</a:t>
-            </a:r>
-            <a:r>
-              <a:rPr lang="en-US" dirty="0" smtClean="0"/>
-              <a:t> </a:t>
-            </a:r>
-            <a:r>
-              <a:rPr lang="en-US" dirty="0" err="1" smtClean="0"/>
-              <a:t>maior</a:t>
-            </a:r>
-            <a:endParaRPr lang="en-US" dirty="0" smtClean="0"/>
-          </a:p>
-          <a:p>
-            <a:r>
-              <a:rPr lang="en-US" b="1" dirty="0" smtClean="0"/>
-              <a:t>8 </a:t>
-            </a:r>
-            <a:r>
-              <a:rPr lang="en-US" b="1" dirty="0" err="1" smtClean="0"/>
-              <a:t>rainhas</a:t>
-            </a:r>
-            <a:r>
-              <a:rPr lang="en-US" b="1" dirty="0" smtClean="0"/>
-              <a:t>:</a:t>
-            </a:r>
-            <a:r>
-              <a:rPr lang="en-US" dirty="0" smtClean="0"/>
-              <a:t> </a:t>
-            </a:r>
-            <a:r>
-              <a:rPr lang="en-US" dirty="0" err="1" smtClean="0"/>
-              <a:t>quantas</a:t>
-            </a:r>
-            <a:r>
-              <a:rPr lang="en-US" dirty="0" smtClean="0"/>
-              <a:t> </a:t>
-            </a:r>
-            <a:r>
-              <a:rPr lang="en-US" dirty="0" err="1" smtClean="0"/>
-              <a:t>rainhas</a:t>
-            </a:r>
-            <a:r>
-              <a:rPr lang="en-US" dirty="0" smtClean="0"/>
-              <a:t> </a:t>
-            </a:r>
-            <a:r>
-              <a:rPr lang="en-US" dirty="0" err="1" smtClean="0"/>
-              <a:t>podem</a:t>
-            </a:r>
-            <a:r>
-              <a:rPr lang="en-US" dirty="0" smtClean="0"/>
-              <a:t> se </a:t>
-            </a:r>
-            <a:r>
-              <a:rPr lang="en-US" dirty="0" err="1" smtClean="0"/>
-              <a:t>atacar</a:t>
-            </a:r>
-            <a:r>
-              <a:rPr lang="en-US" dirty="0" smtClean="0"/>
-              <a:t> no </a:t>
-            </a:r>
-            <a:r>
-              <a:rPr lang="en-US" dirty="0" err="1" smtClean="0"/>
-              <a:t>tabuleiro</a:t>
-            </a:r>
-            <a:r>
-              <a:rPr lang="en-US" dirty="0" smtClean="0"/>
-              <a:t>; </a:t>
-            </a:r>
-            <a:r>
-              <a:rPr lang="en-US" dirty="0" err="1" smtClean="0"/>
-              <a:t>busca</a:t>
-            </a:r>
-            <a:r>
-              <a:rPr lang="en-US" dirty="0" smtClean="0"/>
-              <a:t> </a:t>
-            </a:r>
-            <a:r>
-              <a:rPr lang="en-US" dirty="0" err="1" smtClean="0"/>
-              <a:t>pelo</a:t>
-            </a:r>
-            <a:r>
-              <a:rPr lang="en-US" dirty="0" smtClean="0"/>
-              <a:t> </a:t>
-            </a:r>
-            <a:r>
-              <a:rPr lang="en-US" dirty="0" err="1" smtClean="0"/>
-              <a:t>menor</a:t>
-            </a:r>
-            <a:endParaRPr lang="en-US" dirty="0" smtClean="0"/>
+              <a:rPr lang="en-US" dirty="0" err="1" smtClean="0">
+                <a:solidFill>
+                  <a:schemeClr val="tx1"/>
+                </a:solidFill>
+                <a:latin typeface="Helvetica" charset="0"/>
+                <a:ea typeface="Helvetica" charset="0"/>
+                <a:cs typeface="Helvetica" charset="0"/>
+              </a:rPr>
+              <a:t>atalhos</a:t>
+            </a:r>
+            <a:r>
+              <a:rPr lang="en-US" dirty="0" smtClean="0">
+                <a:solidFill>
+                  <a:schemeClr val="tx1"/>
+                </a:solidFill>
+                <a:latin typeface="Helvetica" charset="0"/>
+                <a:ea typeface="Helvetica" charset="0"/>
+                <a:cs typeface="Helvetica" charset="0"/>
+              </a:rPr>
+              <a:t>.</a:t>
+            </a:r>
+            <a:endParaRPr lang="en-US" dirty="0" smtClean="0">
+              <a:solidFill>
+                <a:schemeClr val="tx1"/>
+              </a:solidFill>
+              <a:latin typeface="Helvetica" charset="0"/>
+              <a:ea typeface="Helvetica" charset="0"/>
+              <a:cs typeface="Helvetica" charset="0"/>
+            </a:endParaRPr>
           </a:p>
         </p:txBody>
       </p:sp>
@@ -14272,7 +15641,7 @@
     </p:spTree>
     <p:extLst>
       <p:ext uri="{BB962C8B-B14F-4D97-AF65-F5344CB8AC3E}">
-        <p14:creationId xmlns:p14="http://schemas.microsoft.com/office/powerpoint/2010/main" val="947778203"/>
+        <p14:creationId xmlns:p14="http://schemas.microsoft.com/office/powerpoint/2010/main" val="709583079"/>
       </p:ext>
     </p:extLst>
   </p:cSld>
@@ -14322,18 +15691,18 @@
           <a:lstStyle/>
           <a:p>
             <a:r>
-              <a:rPr lang="en-US" dirty="0" err="1" smtClean="0"/>
-              <a:t>Evolução</a:t>
-            </a:r>
-            <a:r>
-              <a:rPr lang="en-US" dirty="0" smtClean="0"/>
-              <a:t> - </a:t>
-            </a:r>
-            <a:r>
-              <a:rPr lang="en-US" dirty="0" err="1" smtClean="0"/>
-              <a:t>Parâmetros</a:t>
-            </a:r>
-            <a:endParaRPr lang="en-US" dirty="0"/>
+              <a:rPr lang="en-US" b="1" dirty="0" err="1" smtClean="0">
+                <a:latin typeface="Helvetica" charset="0"/>
+                <a:ea typeface="Helvetica" charset="0"/>
+                <a:cs typeface="Helvetica" charset="0"/>
+              </a:rPr>
+              <a:t>Referências</a:t>
+            </a:r>
+            <a:endParaRPr lang="en-US" b="1" dirty="0">
+              <a:latin typeface="Helvetica" charset="0"/>
+              <a:ea typeface="Helvetica" charset="0"/>
+              <a:cs typeface="Helvetica" charset="0"/>
+            </a:endParaRPr>
           </a:p>
         </p:txBody>
       </p:sp>
@@ -14347,216 +15716,935 @@
             <p:ph idx="1"/>
           </p:nvPr>
         </p:nvSpPr>
-        <p:spPr/>
+        <p:spPr>
+          <a:xfrm>
+            <a:off x="1154954" y="2603500"/>
+            <a:ext cx="10035785" cy="4102100"/>
+          </a:xfrm>
+        </p:spPr>
         <p:txBody>
-          <a:bodyPr/>
+          <a:bodyPr>
+            <a:normAutofit/>
+          </a:bodyPr>
           <a:lstStyle/>
           <a:p>
             <a:r>
-              <a:rPr lang="en-US" dirty="0" smtClean="0"/>
-              <a:t>As </a:t>
-            </a:r>
-            <a:r>
-              <a:rPr lang="en-US" dirty="0" err="1" smtClean="0"/>
-              <a:t>expressividades</a:t>
-            </a:r>
-            <a:r>
-              <a:rPr lang="en-US" dirty="0" smtClean="0"/>
-              <a:t> das </a:t>
-            </a:r>
-            <a:r>
-              <a:rPr lang="en-US" dirty="0" err="1" smtClean="0"/>
-              <a:t>ações</a:t>
-            </a:r>
-            <a:r>
-              <a:rPr lang="en-US" dirty="0" smtClean="0"/>
-              <a:t> de </a:t>
-            </a:r>
-            <a:r>
-              <a:rPr lang="en-US" dirty="0" err="1" smtClean="0"/>
-              <a:t>variação</a:t>
-            </a:r>
-            <a:r>
-              <a:rPr lang="en-US" dirty="0" smtClean="0"/>
-              <a:t> / </a:t>
-            </a:r>
-            <a:r>
-              <a:rPr lang="en-US" dirty="0" err="1" smtClean="0"/>
-              <a:t>seleção</a:t>
-            </a:r>
-            <a:r>
-              <a:rPr lang="en-US" dirty="0"/>
+              <a:rPr lang="en-US" dirty="0" smtClean="0">
+                <a:solidFill>
+                  <a:schemeClr val="tx1"/>
+                </a:solidFill>
+                <a:latin typeface="Helvetica" charset="0"/>
+                <a:ea typeface="Helvetica" charset="0"/>
+                <a:cs typeface="Helvetica" charset="0"/>
+              </a:rPr>
+              <a:t>[1] </a:t>
+            </a:r>
+            <a:r>
+              <a:rPr lang="en-US" dirty="0">
+                <a:solidFill>
+                  <a:schemeClr val="tx1"/>
+                </a:solidFill>
+                <a:latin typeface="Helvetica" charset="0"/>
+                <a:ea typeface="Helvetica" charset="0"/>
+                <a:cs typeface="Helvetica" charset="0"/>
+              </a:rPr>
+              <a:t>A. E. </a:t>
+            </a:r>
+            <a:r>
+              <a:rPr lang="en-US" dirty="0" err="1" smtClean="0">
+                <a:solidFill>
+                  <a:schemeClr val="tx1"/>
+                </a:solidFill>
+                <a:latin typeface="Helvetica" charset="0"/>
+                <a:ea typeface="Helvetica" charset="0"/>
+                <a:cs typeface="Helvetica" charset="0"/>
+              </a:rPr>
+              <a:t>Eiben</a:t>
+            </a:r>
+            <a:r>
+              <a:rPr lang="en-US" dirty="0" smtClean="0">
+                <a:solidFill>
+                  <a:schemeClr val="tx1"/>
+                </a:solidFill>
+                <a:latin typeface="Helvetica" charset="0"/>
+                <a:ea typeface="Helvetica" charset="0"/>
+                <a:cs typeface="Helvetica" charset="0"/>
+              </a:rPr>
+              <a:t>, J</a:t>
+            </a:r>
+            <a:r>
+              <a:rPr lang="en-US" dirty="0">
+                <a:solidFill>
+                  <a:schemeClr val="tx1"/>
+                </a:solidFill>
+                <a:latin typeface="Helvetica" charset="0"/>
+                <a:ea typeface="Helvetica" charset="0"/>
+                <a:cs typeface="Helvetica" charset="0"/>
+              </a:rPr>
+              <a:t>. E. Smith. </a:t>
+            </a:r>
+            <a:r>
+              <a:rPr lang="en-US" dirty="0" smtClean="0">
+                <a:solidFill>
+                  <a:schemeClr val="tx1"/>
+                </a:solidFill>
+                <a:latin typeface="Helvetica" charset="0"/>
+                <a:ea typeface="Helvetica" charset="0"/>
+                <a:cs typeface="Helvetica" charset="0"/>
+              </a:rPr>
+              <a:t>“</a:t>
+            </a:r>
+            <a:r>
+              <a:rPr lang="en-US" i="1" dirty="0" smtClean="0">
+                <a:solidFill>
+                  <a:schemeClr val="tx1"/>
+                </a:solidFill>
+                <a:latin typeface="Helvetica" charset="0"/>
+                <a:ea typeface="Helvetica" charset="0"/>
+                <a:cs typeface="Helvetica" charset="0"/>
+              </a:rPr>
+              <a:t>Introduction </a:t>
+            </a:r>
+            <a:r>
+              <a:rPr lang="en-US" i="1" dirty="0">
+                <a:solidFill>
+                  <a:schemeClr val="tx1"/>
+                </a:solidFill>
+                <a:latin typeface="Helvetica" charset="0"/>
+                <a:ea typeface="Helvetica" charset="0"/>
+                <a:cs typeface="Helvetica" charset="0"/>
+              </a:rPr>
+              <a:t>To Evolutionary </a:t>
+            </a:r>
+            <a:r>
+              <a:rPr lang="en-US" i="1" dirty="0" smtClean="0">
+                <a:solidFill>
+                  <a:schemeClr val="tx1"/>
+                </a:solidFill>
+                <a:latin typeface="Helvetica" charset="0"/>
+                <a:ea typeface="Helvetica" charset="0"/>
+                <a:cs typeface="Helvetica" charset="0"/>
+              </a:rPr>
+              <a:t>Computing”</a:t>
+            </a:r>
+            <a:r>
+              <a:rPr lang="en-US" dirty="0" smtClean="0">
+                <a:solidFill>
+                  <a:schemeClr val="tx1"/>
+                </a:solidFill>
+                <a:latin typeface="Helvetica" charset="0"/>
+                <a:ea typeface="Helvetica" charset="0"/>
+                <a:cs typeface="Helvetica" charset="0"/>
+              </a:rPr>
+              <a:t>. </a:t>
+            </a:r>
+            <a:r>
+              <a:rPr lang="en-US" dirty="0">
+                <a:solidFill>
+                  <a:schemeClr val="tx1"/>
+                </a:solidFill>
+                <a:latin typeface="Helvetica" charset="0"/>
+                <a:ea typeface="Helvetica" charset="0"/>
+                <a:cs typeface="Helvetica" charset="0"/>
+              </a:rPr>
+              <a:t>V</a:t>
+            </a:r>
+            <a:r>
+              <a:rPr lang="en-US" dirty="0" smtClean="0">
+                <a:solidFill>
+                  <a:schemeClr val="tx1"/>
+                </a:solidFill>
+                <a:latin typeface="Helvetica" charset="0"/>
+                <a:ea typeface="Helvetica" charset="0"/>
+                <a:cs typeface="Helvetica" charset="0"/>
+              </a:rPr>
+              <a:t>olume 53. </a:t>
+            </a:r>
+            <a:r>
+              <a:rPr lang="en-US" dirty="0">
+                <a:solidFill>
+                  <a:schemeClr val="tx1"/>
+                </a:solidFill>
+                <a:latin typeface="Helvetica" charset="0"/>
+                <a:ea typeface="Helvetica" charset="0"/>
+                <a:cs typeface="Helvetica" charset="0"/>
+              </a:rPr>
+              <a:t>Springer-</a:t>
+            </a:r>
+            <a:r>
+              <a:rPr lang="en-US" dirty="0" err="1">
+                <a:solidFill>
+                  <a:schemeClr val="tx1"/>
+                </a:solidFill>
+                <a:latin typeface="Helvetica" charset="0"/>
+                <a:ea typeface="Helvetica" charset="0"/>
+                <a:cs typeface="Helvetica" charset="0"/>
+              </a:rPr>
+              <a:t>Verlag</a:t>
+            </a:r>
+            <a:r>
+              <a:rPr lang="en-US" dirty="0">
+                <a:solidFill>
+                  <a:schemeClr val="tx1"/>
+                </a:solidFill>
+                <a:latin typeface="Helvetica" charset="0"/>
+                <a:ea typeface="Helvetica" charset="0"/>
+                <a:cs typeface="Helvetica" charset="0"/>
+              </a:rPr>
+              <a:t>, 2003. </a:t>
+            </a:r>
+            <a:endParaRPr lang="en-US" dirty="0" smtClean="0">
+              <a:solidFill>
+                <a:schemeClr val="tx1"/>
+              </a:solidFill>
+              <a:latin typeface="Helvetica" charset="0"/>
+              <a:ea typeface="Helvetica" charset="0"/>
+              <a:cs typeface="Helvetica" charset="0"/>
+            </a:endParaRPr>
+          </a:p>
+          <a:p>
+            <a:r>
+              <a:rPr lang="en-US" dirty="0" smtClean="0">
+                <a:solidFill>
+                  <a:schemeClr val="tx1"/>
+                </a:solidFill>
+                <a:latin typeface="Helvetica" charset="0"/>
+                <a:ea typeface="Helvetica" charset="0"/>
+                <a:cs typeface="Helvetica" charset="0"/>
+              </a:rPr>
+              <a:t>[2] A</a:t>
+            </a:r>
+            <a:r>
+              <a:rPr lang="en-US" dirty="0">
+                <a:solidFill>
+                  <a:schemeClr val="tx1"/>
+                </a:solidFill>
+                <a:latin typeface="Helvetica" charset="0"/>
+                <a:ea typeface="Helvetica" charset="0"/>
+                <a:cs typeface="Helvetica" charset="0"/>
+              </a:rPr>
+              <a:t>. E. </a:t>
+            </a:r>
+            <a:r>
+              <a:rPr lang="en-US" dirty="0" err="1" smtClean="0">
+                <a:solidFill>
+                  <a:schemeClr val="tx1"/>
+                </a:solidFill>
+                <a:latin typeface="Helvetica" charset="0"/>
+                <a:ea typeface="Helvetica" charset="0"/>
+                <a:cs typeface="Helvetica" charset="0"/>
+              </a:rPr>
+              <a:t>Eiben</a:t>
+            </a:r>
+            <a:r>
+              <a:rPr lang="en-US" dirty="0" smtClean="0">
+                <a:solidFill>
+                  <a:schemeClr val="tx1"/>
+                </a:solidFill>
+                <a:latin typeface="Helvetica" charset="0"/>
+                <a:ea typeface="Helvetica" charset="0"/>
+                <a:cs typeface="Helvetica" charset="0"/>
+              </a:rPr>
+              <a:t>, S</a:t>
+            </a:r>
+            <a:r>
+              <a:rPr lang="en-US" dirty="0">
+                <a:solidFill>
+                  <a:schemeClr val="tx1"/>
+                </a:solidFill>
+                <a:latin typeface="Helvetica" charset="0"/>
+                <a:ea typeface="Helvetica" charset="0"/>
+                <a:cs typeface="Helvetica" charset="0"/>
+              </a:rPr>
+              <a:t>. K. </a:t>
+            </a:r>
+            <a:r>
+              <a:rPr lang="en-US" dirty="0" err="1">
+                <a:solidFill>
+                  <a:schemeClr val="tx1"/>
+                </a:solidFill>
+                <a:latin typeface="Helvetica" charset="0"/>
+                <a:ea typeface="Helvetica" charset="0"/>
+                <a:cs typeface="Helvetica" charset="0"/>
+              </a:rPr>
+              <a:t>Smit</a:t>
+            </a:r>
+            <a:r>
+              <a:rPr lang="en-US" dirty="0">
+                <a:solidFill>
+                  <a:schemeClr val="tx1"/>
+                </a:solidFill>
+                <a:latin typeface="Helvetica" charset="0"/>
+                <a:ea typeface="Helvetica" charset="0"/>
+                <a:cs typeface="Helvetica" charset="0"/>
+              </a:rPr>
+              <a:t>. </a:t>
+            </a:r>
+            <a:r>
+              <a:rPr lang="en-US" dirty="0" smtClean="0">
+                <a:solidFill>
+                  <a:schemeClr val="tx1"/>
+                </a:solidFill>
+                <a:latin typeface="Helvetica" charset="0"/>
+                <a:ea typeface="Helvetica" charset="0"/>
+                <a:cs typeface="Helvetica" charset="0"/>
+              </a:rPr>
+              <a:t>“Parameter </a:t>
+            </a:r>
+            <a:r>
+              <a:rPr lang="en-US" dirty="0">
+                <a:solidFill>
+                  <a:schemeClr val="tx1"/>
+                </a:solidFill>
+                <a:latin typeface="Helvetica" charset="0"/>
+                <a:ea typeface="Helvetica" charset="0"/>
+                <a:cs typeface="Helvetica" charset="0"/>
+              </a:rPr>
+              <a:t>tuning for configuring and analyzing evolutionary </a:t>
+            </a:r>
+            <a:r>
+              <a:rPr lang="en-US" dirty="0" smtClean="0">
+                <a:solidFill>
+                  <a:schemeClr val="tx1"/>
+                </a:solidFill>
+                <a:latin typeface="Helvetica" charset="0"/>
+                <a:ea typeface="Helvetica" charset="0"/>
+                <a:cs typeface="Helvetica" charset="0"/>
+              </a:rPr>
+              <a:t>algorithms”. </a:t>
+            </a:r>
+            <a:r>
+              <a:rPr lang="en-US" i="1" dirty="0">
+                <a:solidFill>
+                  <a:schemeClr val="tx1"/>
+                </a:solidFill>
+                <a:latin typeface="Helvetica" charset="0"/>
+                <a:ea typeface="Helvetica" charset="0"/>
+                <a:cs typeface="Helvetica" charset="0"/>
+              </a:rPr>
+              <a:t>Swarm and Evolutionary Computation</a:t>
+            </a:r>
+            <a:r>
+              <a:rPr lang="en-US" dirty="0">
+                <a:solidFill>
+                  <a:schemeClr val="tx1"/>
+                </a:solidFill>
+                <a:latin typeface="Helvetica" charset="0"/>
+                <a:ea typeface="Helvetica" charset="0"/>
+                <a:cs typeface="Helvetica" charset="0"/>
+              </a:rPr>
+              <a:t>, 1(1):19–31, 2011</a:t>
+            </a:r>
+            <a:r>
+              <a:rPr lang="en-US" dirty="0" smtClean="0">
+                <a:solidFill>
+                  <a:schemeClr val="tx1"/>
+                </a:solidFill>
+                <a:latin typeface="Helvetica" charset="0"/>
+                <a:ea typeface="Helvetica" charset="0"/>
+                <a:cs typeface="Helvetica" charset="0"/>
+              </a:rPr>
+              <a:t>.</a:t>
+            </a:r>
+          </a:p>
+          <a:p>
+            <a:r>
+              <a:rPr lang="en-US" dirty="0" smtClean="0">
+                <a:solidFill>
+                  <a:schemeClr val="tx1"/>
+                </a:solidFill>
+                <a:latin typeface="Helvetica" charset="0"/>
+                <a:ea typeface="Helvetica" charset="0"/>
+                <a:cs typeface="Helvetica" charset="0"/>
+              </a:rPr>
+              <a:t>[3] </a:t>
+            </a:r>
+            <a:r>
+              <a:rPr lang="en-US" dirty="0">
+                <a:solidFill>
+                  <a:schemeClr val="tx1"/>
+                </a:solidFill>
+                <a:latin typeface="Helvetica" charset="0"/>
+                <a:ea typeface="Helvetica" charset="0"/>
+                <a:cs typeface="Helvetica" charset="0"/>
+              </a:rPr>
+              <a:t>K. Matthias, T. </a:t>
+            </a:r>
+            <a:r>
+              <a:rPr lang="en-US" dirty="0" err="1">
+                <a:solidFill>
+                  <a:schemeClr val="tx1"/>
+                </a:solidFill>
+                <a:latin typeface="Helvetica" charset="0"/>
+                <a:ea typeface="Helvetica" charset="0"/>
+                <a:cs typeface="Helvetica" charset="0"/>
+              </a:rPr>
+              <a:t>Severin</a:t>
+            </a:r>
+            <a:r>
+              <a:rPr lang="en-US" dirty="0">
+                <a:solidFill>
+                  <a:schemeClr val="tx1"/>
+                </a:solidFill>
+                <a:latin typeface="Helvetica" charset="0"/>
+                <a:ea typeface="Helvetica" charset="0"/>
+                <a:cs typeface="Helvetica" charset="0"/>
+              </a:rPr>
+              <a:t>, and H. </a:t>
+            </a:r>
+            <a:r>
+              <a:rPr lang="en-US" dirty="0" err="1">
+                <a:solidFill>
+                  <a:schemeClr val="tx1"/>
+                </a:solidFill>
+                <a:latin typeface="Helvetica" charset="0"/>
+                <a:ea typeface="Helvetica" charset="0"/>
+                <a:cs typeface="Helvetica" charset="0"/>
+              </a:rPr>
+              <a:t>Salzwedel</a:t>
+            </a:r>
+            <a:r>
+              <a:rPr lang="en-US" dirty="0">
+                <a:solidFill>
+                  <a:schemeClr val="tx1"/>
+                </a:solidFill>
+                <a:latin typeface="Helvetica" charset="0"/>
+                <a:ea typeface="Helvetica" charset="0"/>
+                <a:cs typeface="Helvetica" charset="0"/>
+              </a:rPr>
+              <a:t>. </a:t>
+            </a:r>
+            <a:r>
+              <a:rPr lang="en-US" dirty="0" smtClean="0">
+                <a:solidFill>
+                  <a:schemeClr val="tx1"/>
+                </a:solidFill>
+                <a:latin typeface="Helvetica" charset="0"/>
+                <a:ea typeface="Helvetica" charset="0"/>
+                <a:cs typeface="Helvetica" charset="0"/>
+              </a:rPr>
+              <a:t>"</a:t>
+            </a:r>
+            <a:r>
+              <a:rPr lang="en-US" dirty="0" smtClean="0">
+                <a:solidFill>
+                  <a:schemeClr val="tx1"/>
+                </a:solidFill>
+                <a:latin typeface="Helvetica" charset="0"/>
+                <a:ea typeface="Helvetica" charset="0"/>
+                <a:cs typeface="Helvetica" charset="0"/>
+              </a:rPr>
+              <a:t>Variable </a:t>
+            </a:r>
+            <a:r>
+              <a:rPr lang="en-US" dirty="0">
+                <a:solidFill>
+                  <a:schemeClr val="tx1"/>
+                </a:solidFill>
+                <a:latin typeface="Helvetica" charset="0"/>
+                <a:ea typeface="Helvetica" charset="0"/>
+                <a:cs typeface="Helvetica" charset="0"/>
+              </a:rPr>
+              <a:t>mutation rate at genetic algorithms: introduction of chromosome fitness in connection with multi-chromosome </a:t>
+            </a:r>
+            <a:r>
+              <a:rPr lang="en-US" dirty="0" smtClean="0">
+                <a:solidFill>
+                  <a:schemeClr val="tx1"/>
+                </a:solidFill>
+                <a:latin typeface="Helvetica" charset="0"/>
+                <a:ea typeface="Helvetica" charset="0"/>
+                <a:cs typeface="Helvetica" charset="0"/>
+              </a:rPr>
+              <a:t>representation</a:t>
+            </a:r>
+            <a:r>
+              <a:rPr lang="en-US" dirty="0" smtClean="0">
+                <a:solidFill>
+                  <a:schemeClr val="tx1"/>
+                </a:solidFill>
+                <a:latin typeface="Helvetica" charset="0"/>
+                <a:ea typeface="Helvetica" charset="0"/>
+                <a:cs typeface="Helvetica" charset="0"/>
+              </a:rPr>
+              <a:t>"</a:t>
+            </a:r>
+            <a:r>
+              <a:rPr lang="en-US" dirty="0" smtClean="0">
+                <a:solidFill>
+                  <a:schemeClr val="tx1"/>
+                </a:solidFill>
+                <a:latin typeface="Helvetica" charset="0"/>
+                <a:ea typeface="Helvetica" charset="0"/>
+                <a:cs typeface="Helvetica" charset="0"/>
+              </a:rPr>
+              <a:t>. </a:t>
+            </a:r>
+            <a:r>
+              <a:rPr lang="en-US" i="1" dirty="0">
+                <a:solidFill>
+                  <a:schemeClr val="tx1"/>
+                </a:solidFill>
+                <a:latin typeface="Helvetica" charset="0"/>
+                <a:ea typeface="Helvetica" charset="0"/>
+                <a:cs typeface="Helvetica" charset="0"/>
+              </a:rPr>
+              <a:t>International Journal of Computer Applications</a:t>
+            </a:r>
+            <a:r>
+              <a:rPr lang="en-US" dirty="0">
+                <a:solidFill>
+                  <a:schemeClr val="tx1"/>
+                </a:solidFill>
+                <a:latin typeface="Helvetica" charset="0"/>
+                <a:ea typeface="Helvetica" charset="0"/>
+                <a:cs typeface="Helvetica" charset="0"/>
+              </a:rPr>
+              <a:t>, 72(17), 2013. </a:t>
+            </a:r>
+            <a:endParaRPr lang="en-US" dirty="0" smtClean="0">
+              <a:solidFill>
+                <a:schemeClr val="tx1"/>
+              </a:solidFill>
+              <a:latin typeface="Helvetica" charset="0"/>
+              <a:ea typeface="Helvetica" charset="0"/>
+              <a:cs typeface="Helvetica" charset="0"/>
+            </a:endParaRPr>
+          </a:p>
+          <a:p>
+            <a:r>
+              <a:rPr lang="en-US" dirty="0" smtClean="0">
+                <a:solidFill>
+                  <a:schemeClr val="tx1"/>
+                </a:solidFill>
+                <a:latin typeface="Helvetica" charset="0"/>
+                <a:ea typeface="Helvetica" charset="0"/>
+                <a:cs typeface="Helvetica" charset="0"/>
+              </a:rPr>
+              <a:t>[4] </a:t>
+            </a:r>
+            <a:r>
+              <a:rPr lang="en-US" dirty="0">
+                <a:solidFill>
+                  <a:schemeClr val="tx1"/>
+                </a:solidFill>
+                <a:latin typeface="Helvetica" charset="0"/>
+                <a:ea typeface="Helvetica" charset="0"/>
+                <a:cs typeface="Helvetica" charset="0"/>
+              </a:rPr>
+              <a:t>M. </a:t>
+            </a:r>
+            <a:r>
+              <a:rPr lang="en-US" dirty="0" err="1">
+                <a:solidFill>
+                  <a:schemeClr val="tx1"/>
+                </a:solidFill>
+                <a:latin typeface="Helvetica" charset="0"/>
+                <a:ea typeface="Helvetica" charset="0"/>
+                <a:cs typeface="Helvetica" charset="0"/>
+              </a:rPr>
+              <a:t>Obitko</a:t>
+            </a:r>
+            <a:r>
+              <a:rPr lang="en-US" dirty="0">
+                <a:solidFill>
+                  <a:schemeClr val="tx1"/>
+                </a:solidFill>
+                <a:latin typeface="Helvetica" charset="0"/>
+                <a:ea typeface="Helvetica" charset="0"/>
+                <a:cs typeface="Helvetica" charset="0"/>
+              </a:rPr>
+              <a:t>. </a:t>
+            </a:r>
+            <a:r>
+              <a:rPr lang="en-US" dirty="0" smtClean="0">
+                <a:solidFill>
+                  <a:schemeClr val="tx1"/>
+                </a:solidFill>
+                <a:latin typeface="Helvetica" charset="0"/>
+                <a:ea typeface="Helvetica" charset="0"/>
+                <a:cs typeface="Helvetica" charset="0"/>
+              </a:rPr>
+              <a:t>"</a:t>
+            </a:r>
+            <a:r>
+              <a:rPr lang="en-US" dirty="0" smtClean="0">
+                <a:solidFill>
+                  <a:schemeClr val="tx1"/>
+                </a:solidFill>
+                <a:latin typeface="Helvetica" charset="0"/>
+                <a:ea typeface="Helvetica" charset="0"/>
+                <a:cs typeface="Helvetica" charset="0"/>
+              </a:rPr>
+              <a:t>Introduction </a:t>
+            </a:r>
+            <a:r>
+              <a:rPr lang="en-US" dirty="0">
+                <a:solidFill>
+                  <a:schemeClr val="tx1"/>
+                </a:solidFill>
+                <a:latin typeface="Helvetica" charset="0"/>
+                <a:ea typeface="Helvetica" charset="0"/>
+                <a:cs typeface="Helvetica" charset="0"/>
+              </a:rPr>
+              <a:t>to genetic algorithms - </a:t>
+            </a:r>
+            <a:r>
+              <a:rPr lang="en-US" dirty="0" smtClean="0">
+                <a:solidFill>
+                  <a:schemeClr val="tx1"/>
+                </a:solidFill>
+                <a:latin typeface="Helvetica" charset="0"/>
+                <a:ea typeface="Helvetica" charset="0"/>
+                <a:cs typeface="Helvetica" charset="0"/>
+              </a:rPr>
+              <a:t>XIII. Recommendations</a:t>
+            </a:r>
+            <a:r>
+              <a:rPr lang="en-US" dirty="0" smtClean="0">
+                <a:solidFill>
+                  <a:schemeClr val="tx1"/>
+                </a:solidFill>
+                <a:latin typeface="Helvetica" charset="0"/>
+                <a:ea typeface="Helvetica" charset="0"/>
+                <a:cs typeface="Helvetica" charset="0"/>
+              </a:rPr>
+              <a:t>"</a:t>
+            </a:r>
+            <a:r>
+              <a:rPr lang="en-US" dirty="0" smtClean="0">
+                <a:solidFill>
+                  <a:schemeClr val="tx1"/>
+                </a:solidFill>
+                <a:latin typeface="Helvetica" charset="0"/>
+                <a:ea typeface="Helvetica" charset="0"/>
+                <a:cs typeface="Helvetica" charset="0"/>
+              </a:rPr>
+              <a:t>. </a:t>
+            </a:r>
+            <a:r>
+              <a:rPr lang="en-US" dirty="0">
+                <a:solidFill>
+                  <a:srgbClr val="0432FF"/>
+                </a:solidFill>
+                <a:latin typeface="Helvetica" charset="0"/>
+                <a:ea typeface="Helvetica" charset="0"/>
+                <a:cs typeface="Helvetica" charset="0"/>
+                <a:hlinkClick r:id="rId2"/>
+              </a:rPr>
+              <a:t>http://www.obitko.com/tutorials/genetic-algorithms/recommendations.php</a:t>
+            </a:r>
+            <a:r>
+              <a:rPr lang="en-US" dirty="0" smtClean="0">
+                <a:solidFill>
+                  <a:srgbClr val="0432FF"/>
+                </a:solidFill>
+                <a:latin typeface="Helvetica" charset="0"/>
+                <a:ea typeface="Helvetica" charset="0"/>
+                <a:cs typeface="Helvetica" charset="0"/>
+                <a:hlinkClick r:id="rId2"/>
+              </a:rPr>
+              <a:t>/</a:t>
+            </a:r>
+            <a:r>
+              <a:rPr lang="en-US" dirty="0" smtClean="0">
+                <a:solidFill>
+                  <a:srgbClr val="0432FF"/>
+                </a:solidFill>
+                <a:latin typeface="Helvetica" charset="0"/>
+                <a:ea typeface="Helvetica" charset="0"/>
+                <a:cs typeface="Helvetica" charset="0"/>
+              </a:rPr>
               <a:t> </a:t>
             </a:r>
             <a:r>
-              <a:rPr lang="en-US" dirty="0" err="1" smtClean="0"/>
-              <a:t>podem</a:t>
-            </a:r>
-            <a:r>
-              <a:rPr lang="en-US" dirty="0" smtClean="0"/>
+              <a:rPr lang="en-US" dirty="0" smtClean="0">
+                <a:solidFill>
+                  <a:schemeClr val="tx1"/>
+                </a:solidFill>
+                <a:latin typeface="Helvetica" charset="0"/>
+                <a:ea typeface="Helvetica" charset="0"/>
+                <a:cs typeface="Helvetica" charset="0"/>
+              </a:rPr>
+              <a:t>[</a:t>
+            </a:r>
+            <a:r>
+              <a:rPr lang="en-US" dirty="0">
+                <a:solidFill>
+                  <a:schemeClr val="tx1"/>
+                </a:solidFill>
+                <a:latin typeface="Helvetica" charset="0"/>
+                <a:ea typeface="Helvetica" charset="0"/>
+                <a:cs typeface="Helvetica" charset="0"/>
+              </a:rPr>
+              <a:t>Online; </a:t>
+            </a:r>
+            <a:r>
+              <a:rPr lang="en-US" dirty="0" err="1">
+                <a:solidFill>
+                  <a:schemeClr val="tx1"/>
+                </a:solidFill>
+                <a:latin typeface="Helvetica" charset="0"/>
+                <a:ea typeface="Helvetica" charset="0"/>
+                <a:cs typeface="Helvetica" charset="0"/>
+              </a:rPr>
+              <a:t>acessado</a:t>
+            </a:r>
+            <a:r>
+              <a:rPr lang="en-US" dirty="0">
+                <a:solidFill>
+                  <a:schemeClr val="tx1"/>
+                </a:solidFill>
+                <a:latin typeface="Helvetica" charset="0"/>
+                <a:ea typeface="Helvetica" charset="0"/>
+                <a:cs typeface="Helvetica" charset="0"/>
+              </a:rPr>
               <a:t> </a:t>
             </a:r>
             <a:r>
-              <a:rPr lang="en-US" dirty="0" err="1" smtClean="0"/>
-              <a:t>ser</a:t>
-            </a:r>
-            <a:r>
-              <a:rPr lang="en-US" dirty="0" smtClean="0"/>
-              <a:t> </a:t>
-            </a:r>
-            <a:r>
-              <a:rPr lang="en-US" dirty="0" err="1" smtClean="0"/>
-              <a:t>descritas</a:t>
-            </a:r>
-            <a:r>
-              <a:rPr lang="en-US" dirty="0" smtClean="0"/>
-              <a:t> </a:t>
-            </a:r>
-            <a:r>
-              <a:rPr lang="en-US" dirty="0" err="1" smtClean="0"/>
-              <a:t>por</a:t>
-            </a:r>
-            <a:r>
-              <a:rPr lang="en-US" dirty="0" smtClean="0"/>
-              <a:t> </a:t>
-            </a:r>
-            <a:r>
-              <a:rPr lang="en-US" dirty="0" err="1" smtClean="0"/>
-              <a:t>parâmetros</a:t>
-            </a:r>
-            <a:r>
-              <a:rPr lang="en-US" dirty="0" smtClean="0"/>
-              <a:t> </a:t>
-            </a:r>
-            <a:r>
-              <a:rPr lang="en-US" dirty="0" err="1" smtClean="0"/>
-              <a:t>setados</a:t>
-            </a:r>
-            <a:r>
-              <a:rPr lang="en-US" dirty="0" smtClean="0"/>
-              <a:t> </a:t>
-            </a:r>
-            <a:r>
-              <a:rPr lang="en-US" dirty="0" err="1" smtClean="0"/>
-              <a:t>inicialmente</a:t>
-            </a:r>
-            <a:r>
-              <a:rPr lang="en-US" dirty="0" smtClean="0"/>
-              <a:t> no AE </a:t>
-            </a:r>
-            <a:r>
-              <a:rPr lang="en-US" dirty="0" err="1" smtClean="0"/>
-              <a:t>numa</a:t>
-            </a:r>
-            <a:r>
-              <a:rPr lang="en-US" dirty="0" smtClean="0"/>
-              <a:t> </a:t>
-            </a:r>
-            <a:r>
-              <a:rPr lang="en-US" dirty="0" err="1" smtClean="0"/>
-              <a:t>escala</a:t>
-            </a:r>
-            <a:r>
-              <a:rPr lang="en-US" dirty="0" smtClean="0"/>
-              <a:t> de 100%</a:t>
-            </a:r>
-          </a:p>
-          <a:p>
-            <a:r>
-              <a:rPr lang="en-US" dirty="0" err="1" smtClean="0"/>
-              <a:t>Normalmente</a:t>
-            </a:r>
-            <a:r>
-              <a:rPr lang="en-US" dirty="0" smtClean="0"/>
-              <a:t> expressos </a:t>
-            </a:r>
-            <a:r>
-              <a:rPr lang="en-US" dirty="0" err="1" smtClean="0"/>
-              <a:t>por</a:t>
-            </a:r>
-            <a:r>
-              <a:rPr lang="en-US" dirty="0" smtClean="0"/>
-              <a:t> um </a:t>
-            </a:r>
-            <a:r>
-              <a:rPr lang="en-US" dirty="0" err="1" smtClean="0"/>
-              <a:t>vetor</a:t>
-            </a:r>
-            <a:endParaRPr lang="en-US" dirty="0" smtClean="0"/>
-          </a:p>
-          <a:p>
-            <a:r>
-              <a:rPr lang="en-US" dirty="0" err="1" smtClean="0"/>
-              <a:t>Ajustar</a:t>
-            </a:r>
-            <a:r>
-              <a:rPr lang="en-US" dirty="0" smtClean="0"/>
-              <a:t> </a:t>
-            </a:r>
-            <a:r>
-              <a:rPr lang="en-US" dirty="0" err="1" smtClean="0"/>
-              <a:t>tais</a:t>
-            </a:r>
-            <a:r>
-              <a:rPr lang="en-US" dirty="0" smtClean="0"/>
-              <a:t> </a:t>
-            </a:r>
-            <a:r>
-              <a:rPr lang="en-US" dirty="0" err="1" smtClean="0"/>
-              <a:t>parâmetros</a:t>
-            </a:r>
-            <a:r>
-              <a:rPr lang="en-US" dirty="0" smtClean="0"/>
-              <a:t> </a:t>
-            </a:r>
-            <a:r>
-              <a:rPr lang="en-US" dirty="0" err="1" smtClean="0"/>
-              <a:t>determina</a:t>
-            </a:r>
-            <a:r>
-              <a:rPr lang="en-US" dirty="0" smtClean="0"/>
-              <a:t> a </a:t>
-            </a:r>
-            <a:r>
-              <a:rPr lang="en-US" dirty="0" err="1" smtClean="0"/>
-              <a:t>qualidade</a:t>
-            </a:r>
-            <a:r>
-              <a:rPr lang="en-US" dirty="0" smtClean="0"/>
-              <a:t> das </a:t>
-            </a:r>
-            <a:r>
-              <a:rPr lang="en-US" dirty="0" err="1" smtClean="0"/>
-              <a:t>soluções</a:t>
-            </a:r>
-            <a:r>
-              <a:rPr lang="en-US" dirty="0" smtClean="0"/>
-              <a:t> e a </a:t>
-            </a:r>
-            <a:r>
-              <a:rPr lang="en-US" dirty="0" err="1" smtClean="0"/>
-              <a:t>velocidade</a:t>
-            </a:r>
-            <a:r>
-              <a:rPr lang="en-US" dirty="0" smtClean="0"/>
-              <a:t> de </a:t>
-            </a:r>
-            <a:r>
-              <a:rPr lang="en-US" dirty="0" err="1" smtClean="0"/>
-              <a:t>convergência</a:t>
-            </a:r>
-            <a:r>
-              <a:rPr lang="en-US" dirty="0" smtClean="0"/>
-              <a:t> </a:t>
-            </a:r>
-            <a:r>
-              <a:rPr lang="en-US" b="1" baseline="30000" dirty="0" smtClean="0">
-                <a:solidFill>
-                  <a:srgbClr val="0432FF"/>
-                </a:solidFill>
-              </a:rPr>
-              <a:t>[5]</a:t>
-            </a:r>
+              <a:rPr lang="en-US" dirty="0" err="1">
+                <a:solidFill>
+                  <a:schemeClr val="tx1"/>
+                </a:solidFill>
+                <a:latin typeface="Helvetica" charset="0"/>
+                <a:ea typeface="Helvetica" charset="0"/>
+                <a:cs typeface="Helvetica" charset="0"/>
+              </a:rPr>
+              <a:t>em</a:t>
+            </a:r>
+            <a:r>
+              <a:rPr lang="en-US" dirty="0">
+                <a:solidFill>
+                  <a:schemeClr val="tx1"/>
+                </a:solidFill>
+                <a:latin typeface="Helvetica" charset="0"/>
+                <a:ea typeface="Helvetica" charset="0"/>
+                <a:cs typeface="Helvetica" charset="0"/>
+              </a:rPr>
+              <a:t> 17 de </a:t>
+            </a:r>
+            <a:r>
+              <a:rPr lang="en-US" dirty="0" err="1">
+                <a:solidFill>
+                  <a:schemeClr val="tx1"/>
+                </a:solidFill>
+                <a:latin typeface="Helvetica" charset="0"/>
+                <a:ea typeface="Helvetica" charset="0"/>
+                <a:cs typeface="Helvetica" charset="0"/>
+              </a:rPr>
+              <a:t>novembro</a:t>
+            </a:r>
+            <a:r>
+              <a:rPr lang="en-US" dirty="0">
+                <a:solidFill>
+                  <a:schemeClr val="tx1"/>
+                </a:solidFill>
+                <a:latin typeface="Helvetica" charset="0"/>
+                <a:ea typeface="Helvetica" charset="0"/>
+                <a:cs typeface="Helvetica" charset="0"/>
+              </a:rPr>
+              <a:t> de 2016</a:t>
+            </a:r>
+            <a:r>
+              <a:rPr lang="en-US" dirty="0" smtClean="0">
+                <a:solidFill>
+                  <a:schemeClr val="tx1"/>
+                </a:solidFill>
+                <a:latin typeface="Helvetica" charset="0"/>
+                <a:ea typeface="Helvetica" charset="0"/>
+                <a:cs typeface="Helvetica" charset="0"/>
+              </a:rPr>
+              <a:t>].</a:t>
+            </a:r>
+            <a:endParaRPr lang="en-US" dirty="0" smtClean="0">
+              <a:solidFill>
+                <a:schemeClr val="tx1"/>
+              </a:solidFill>
+              <a:latin typeface="Helvetica" charset="0"/>
+              <a:ea typeface="Helvetica" charset="0"/>
+              <a:cs typeface="Helvetica" charset="0"/>
+            </a:endParaRPr>
+          </a:p>
+          <a:p>
+            <a:r>
+              <a:rPr lang="en-US" dirty="0" smtClean="0">
+                <a:solidFill>
+                  <a:schemeClr val="tx1"/>
+                </a:solidFill>
+                <a:latin typeface="Helvetica" charset="0"/>
+                <a:ea typeface="Helvetica" charset="0"/>
+                <a:cs typeface="Helvetica" charset="0"/>
+              </a:rPr>
+              <a:t>[5] </a:t>
+            </a:r>
+            <a:r>
+              <a:rPr lang="en-US" dirty="0">
+                <a:solidFill>
+                  <a:schemeClr val="tx1"/>
+                </a:solidFill>
+                <a:latin typeface="Helvetica" charset="0"/>
+                <a:ea typeface="Helvetica" charset="0"/>
+                <a:cs typeface="Helvetica" charset="0"/>
+              </a:rPr>
+              <a:t>K. </a:t>
+            </a:r>
+            <a:r>
+              <a:rPr lang="en-US" dirty="0" err="1">
+                <a:solidFill>
+                  <a:schemeClr val="tx1"/>
+                </a:solidFill>
+                <a:latin typeface="Helvetica" charset="0"/>
+                <a:ea typeface="Helvetica" charset="0"/>
+                <a:cs typeface="Helvetica" charset="0"/>
+              </a:rPr>
+              <a:t>DeJong</a:t>
+            </a:r>
+            <a:r>
+              <a:rPr lang="en-US" dirty="0">
+                <a:solidFill>
+                  <a:schemeClr val="tx1"/>
+                </a:solidFill>
+                <a:latin typeface="Helvetica" charset="0"/>
+                <a:ea typeface="Helvetica" charset="0"/>
+                <a:cs typeface="Helvetica" charset="0"/>
+              </a:rPr>
+              <a:t>. </a:t>
+            </a:r>
+            <a:r>
+              <a:rPr lang="en-US" dirty="0" smtClean="0">
+                <a:solidFill>
+                  <a:schemeClr val="tx1"/>
+                </a:solidFill>
+                <a:latin typeface="Helvetica" charset="0"/>
+                <a:ea typeface="Helvetica" charset="0"/>
+                <a:cs typeface="Helvetica" charset="0"/>
+              </a:rPr>
+              <a:t>“</a:t>
+            </a:r>
+            <a:r>
+              <a:rPr lang="en-US" dirty="0" smtClean="0">
+                <a:solidFill>
+                  <a:schemeClr val="tx1"/>
+                </a:solidFill>
+                <a:latin typeface="Helvetica" charset="0"/>
+                <a:ea typeface="Helvetica" charset="0"/>
+                <a:cs typeface="Helvetica" charset="0"/>
+              </a:rPr>
+              <a:t>An </a:t>
+            </a:r>
+            <a:r>
+              <a:rPr lang="en-US" dirty="0">
+                <a:solidFill>
+                  <a:schemeClr val="tx1"/>
+                </a:solidFill>
+                <a:latin typeface="Helvetica" charset="0"/>
+                <a:ea typeface="Helvetica" charset="0"/>
+                <a:cs typeface="Helvetica" charset="0"/>
+              </a:rPr>
+              <a:t>analysis of the behavior of a class of genetic adaptive </a:t>
+            </a:r>
+            <a:r>
+              <a:rPr lang="en-US" dirty="0" smtClean="0">
+                <a:solidFill>
+                  <a:schemeClr val="tx1"/>
+                </a:solidFill>
+                <a:latin typeface="Helvetica" charset="0"/>
+                <a:ea typeface="Helvetica" charset="0"/>
+                <a:cs typeface="Helvetica" charset="0"/>
+              </a:rPr>
+              <a:t>systems</a:t>
+            </a:r>
+            <a:r>
+              <a:rPr lang="en-US" dirty="0" smtClean="0">
+                <a:solidFill>
+                  <a:schemeClr val="tx1"/>
+                </a:solidFill>
+                <a:latin typeface="Helvetica" charset="0"/>
+                <a:ea typeface="Helvetica" charset="0"/>
+                <a:cs typeface="Helvetica" charset="0"/>
+              </a:rPr>
+              <a:t>”</a:t>
+            </a:r>
+            <a:r>
+              <a:rPr lang="en-US" dirty="0" smtClean="0">
+                <a:solidFill>
+                  <a:schemeClr val="tx1"/>
+                </a:solidFill>
+                <a:latin typeface="Helvetica" charset="0"/>
+                <a:ea typeface="Helvetica" charset="0"/>
+                <a:cs typeface="Helvetica" charset="0"/>
+              </a:rPr>
+              <a:t>. </a:t>
+            </a:r>
+            <a:r>
+              <a:rPr lang="en-US" i="1" dirty="0" smtClean="0">
+                <a:solidFill>
+                  <a:schemeClr val="tx1"/>
+                </a:solidFill>
+                <a:latin typeface="Helvetica" charset="0"/>
+                <a:ea typeface="Helvetica" charset="0"/>
+                <a:cs typeface="Helvetica" charset="0"/>
+              </a:rPr>
+              <a:t>Ph.D</a:t>
+            </a:r>
+            <a:r>
+              <a:rPr lang="en-US" i="1" dirty="0">
+                <a:solidFill>
+                  <a:schemeClr val="tx1"/>
+                </a:solidFill>
+                <a:latin typeface="Helvetica" charset="0"/>
+                <a:ea typeface="Helvetica" charset="0"/>
+                <a:cs typeface="Helvetica" charset="0"/>
+              </a:rPr>
+              <a:t>. </a:t>
+            </a:r>
+            <a:r>
+              <a:rPr lang="en-US" i="1" dirty="0" smtClean="0">
+                <a:solidFill>
+                  <a:schemeClr val="tx1"/>
+                </a:solidFill>
+                <a:latin typeface="Helvetica" charset="0"/>
+                <a:ea typeface="Helvetica" charset="0"/>
+                <a:cs typeface="Helvetica" charset="0"/>
+              </a:rPr>
+              <a:t>Thesis</a:t>
+            </a:r>
+            <a:r>
+              <a:rPr lang="en-US" dirty="0">
+                <a:solidFill>
+                  <a:schemeClr val="tx1"/>
+                </a:solidFill>
+                <a:latin typeface="Helvetica" charset="0"/>
+                <a:ea typeface="Helvetica" charset="0"/>
+                <a:cs typeface="Helvetica" charset="0"/>
+              </a:rPr>
+              <a:t>, University of Michigan, 1975</a:t>
+            </a:r>
+            <a:r>
+              <a:rPr lang="en-US" dirty="0" smtClean="0">
+                <a:solidFill>
+                  <a:schemeClr val="tx1"/>
+                </a:solidFill>
+                <a:latin typeface="Helvetica" charset="0"/>
+                <a:ea typeface="Helvetica" charset="0"/>
+                <a:cs typeface="Helvetica" charset="0"/>
+              </a:rPr>
+              <a:t>.</a:t>
+            </a:r>
+            <a:endParaRPr lang="en-US" dirty="0">
+              <a:solidFill>
+                <a:schemeClr val="tx1"/>
+              </a:solidFill>
+              <a:latin typeface="Helvetica" charset="0"/>
+              <a:ea typeface="Helvetica" charset="0"/>
+              <a:cs typeface="Helvetica" charset="0"/>
+            </a:endParaRPr>
+          </a:p>
+          <a:p>
+            <a:endParaRPr lang="en-US" dirty="0"/>
+          </a:p>
+          <a:p>
+            <a:endParaRPr lang="en-US" dirty="0"/>
           </a:p>
         </p:txBody>
       </p:sp>
@@ -14586,7 +16674,7 @@
     </p:spTree>
     <p:extLst>
       <p:ext uri="{BB962C8B-B14F-4D97-AF65-F5344CB8AC3E}">
-        <p14:creationId xmlns:p14="http://schemas.microsoft.com/office/powerpoint/2010/main" val="855487981"/>
+        <p14:creationId xmlns:p14="http://schemas.microsoft.com/office/powerpoint/2010/main" val="530941430"/>
       </p:ext>
     </p:extLst>
   </p:cSld>
@@ -14636,1116 +16724,17 @@
           <a:lstStyle/>
           <a:p>
             <a:r>
-              <a:rPr lang="en-US" dirty="0" err="1" smtClean="0"/>
-              <a:t>Evolução</a:t>
-            </a:r>
-            <a:r>
-              <a:rPr lang="en-US" dirty="0" smtClean="0"/>
-              <a:t> - </a:t>
-            </a:r>
-            <a:r>
-              <a:rPr lang="en-US" dirty="0" err="1" smtClean="0"/>
-              <a:t>Algoritmos</a:t>
-            </a:r>
-            <a:r>
-              <a:rPr lang="en-US" dirty="0" smtClean="0"/>
-              <a:t> de tuning</a:t>
-            </a:r>
-            <a:endParaRPr lang="en-US" dirty="0"/>
-          </a:p>
-        </p:txBody>
-      </p:sp>
-      <p:sp>
-        <p:nvSpPr>
-          <p:cNvPr id="3" name="Content Placeholder 2"/>
-          <p:cNvSpPr>
-            <a:spLocks noGrp="1"/>
-          </p:cNvSpPr>
-          <p:nvPr>
-            <p:ph idx="1"/>
-          </p:nvPr>
-        </p:nvSpPr>
-        <p:spPr/>
-        <p:txBody>
-          <a:bodyPr/>
-          <a:lstStyle/>
-          <a:p>
-            <a:r>
-              <a:rPr lang="en-US" dirty="0" smtClean="0"/>
-              <a:t>“</a:t>
-            </a:r>
-            <a:r>
-              <a:rPr lang="en-US" dirty="0" err="1" smtClean="0"/>
-              <a:t>Chutar</a:t>
-            </a:r>
-            <a:r>
-              <a:rPr lang="en-US" dirty="0" smtClean="0"/>
-              <a:t>” </a:t>
-            </a:r>
-            <a:r>
-              <a:rPr lang="en-US" dirty="0" err="1" smtClean="0"/>
-              <a:t>os</a:t>
-            </a:r>
-            <a:r>
-              <a:rPr lang="en-US" dirty="0" smtClean="0"/>
-              <a:t> </a:t>
-            </a:r>
-            <a:r>
-              <a:rPr lang="en-US" dirty="0" err="1" smtClean="0"/>
-              <a:t>parâmetros</a:t>
-            </a:r>
-            <a:r>
-              <a:rPr lang="en-US" dirty="0" smtClean="0"/>
-              <a:t> de </a:t>
-            </a:r>
-            <a:r>
-              <a:rPr lang="en-US" dirty="0" err="1" smtClean="0"/>
-              <a:t>evolução</a:t>
-            </a:r>
-            <a:r>
-              <a:rPr lang="en-US" dirty="0" smtClean="0"/>
-              <a:t> se </a:t>
-            </a:r>
-            <a:r>
-              <a:rPr lang="en-US" dirty="0" err="1" smtClean="0"/>
-              <a:t>mostrou</a:t>
-            </a:r>
-            <a:r>
-              <a:rPr lang="en-US" dirty="0" smtClean="0"/>
-              <a:t> </a:t>
-            </a:r>
-            <a:r>
-              <a:rPr lang="en-US" dirty="0" err="1" smtClean="0"/>
-              <a:t>menos</a:t>
-            </a:r>
-            <a:r>
-              <a:rPr lang="en-US" dirty="0" smtClean="0"/>
-              <a:t> </a:t>
-            </a:r>
-            <a:r>
-              <a:rPr lang="en-US" dirty="0" err="1" smtClean="0"/>
-              <a:t>eficiente</a:t>
-            </a:r>
-            <a:r>
-              <a:rPr lang="en-US" dirty="0" smtClean="0"/>
-              <a:t> do </a:t>
-            </a:r>
-            <a:r>
-              <a:rPr lang="en-US" dirty="0" err="1" smtClean="0"/>
-              <a:t>que</a:t>
-            </a:r>
-            <a:r>
-              <a:rPr lang="en-US" dirty="0" smtClean="0"/>
-              <a:t> </a:t>
-            </a:r>
-            <a:r>
-              <a:rPr lang="en-US" dirty="0" err="1" smtClean="0"/>
-              <a:t>ajustá</a:t>
-            </a:r>
-            <a:r>
-              <a:rPr lang="en-US" dirty="0" smtClean="0"/>
-              <a:t>-los </a:t>
-            </a:r>
-            <a:r>
-              <a:rPr lang="en-US" dirty="0" err="1" smtClean="0"/>
-              <a:t>por</a:t>
-            </a:r>
-            <a:r>
-              <a:rPr lang="en-US" dirty="0" smtClean="0"/>
-              <a:t> outros </a:t>
-            </a:r>
-            <a:r>
-              <a:rPr lang="en-US" dirty="0" err="1" smtClean="0"/>
-              <a:t>algoritmos</a:t>
-            </a:r>
-            <a:r>
-              <a:rPr lang="en-US" dirty="0" smtClean="0"/>
-              <a:t> </a:t>
-            </a:r>
-            <a:r>
-              <a:rPr lang="en-US" b="1" baseline="30000" dirty="0" smtClean="0">
-                <a:solidFill>
-                  <a:srgbClr val="0432FF"/>
-                </a:solidFill>
-              </a:rPr>
-              <a:t>[6]</a:t>
-            </a:r>
-          </a:p>
-          <a:p>
-            <a:r>
-              <a:rPr lang="en-US" dirty="0" err="1" smtClean="0"/>
-              <a:t>Maior</a:t>
-            </a:r>
-            <a:r>
-              <a:rPr lang="en-US" dirty="0" smtClean="0"/>
-              <a:t> </a:t>
-            </a:r>
-            <a:r>
-              <a:rPr lang="en-US" dirty="0" err="1" smtClean="0"/>
-              <a:t>eficiência</a:t>
-            </a:r>
-            <a:r>
-              <a:rPr lang="en-US" dirty="0" smtClean="0"/>
-              <a:t>: </a:t>
-            </a:r>
-            <a:r>
-              <a:rPr lang="en-US" dirty="0" err="1" smtClean="0"/>
-              <a:t>algoritmos</a:t>
-            </a:r>
-            <a:r>
-              <a:rPr lang="en-US" dirty="0" smtClean="0"/>
-              <a:t> de </a:t>
-            </a:r>
-            <a:r>
-              <a:rPr lang="en-US" dirty="0" err="1" smtClean="0"/>
-              <a:t>ajuste</a:t>
-            </a:r>
-            <a:r>
-              <a:rPr lang="en-US" dirty="0" smtClean="0"/>
-              <a:t> </a:t>
-            </a:r>
-            <a:r>
-              <a:rPr lang="en-US" dirty="0" err="1" smtClean="0"/>
-              <a:t>ou</a:t>
-            </a:r>
-            <a:r>
-              <a:rPr lang="en-US" dirty="0" smtClean="0"/>
-              <a:t> de tuning</a:t>
-            </a:r>
-          </a:p>
-          <a:p>
-            <a:r>
-              <a:rPr lang="en-US" dirty="0" err="1" smtClean="0"/>
-              <a:t>Esta</a:t>
-            </a:r>
-            <a:r>
-              <a:rPr lang="en-US" dirty="0" smtClean="0"/>
-              <a:t> </a:t>
-            </a:r>
-            <a:r>
-              <a:rPr lang="en-US" dirty="0" err="1" smtClean="0"/>
-              <a:t>etapa</a:t>
-            </a:r>
-            <a:r>
-              <a:rPr lang="en-US" dirty="0" smtClean="0"/>
-              <a:t> </a:t>
-            </a:r>
-            <a:r>
-              <a:rPr lang="en-US" dirty="0" err="1" smtClean="0"/>
-              <a:t>pode</a:t>
-            </a:r>
-            <a:r>
-              <a:rPr lang="en-US" dirty="0" smtClean="0"/>
-              <a:t> </a:t>
-            </a:r>
-            <a:r>
-              <a:rPr lang="en-US" dirty="0" err="1" smtClean="0"/>
-              <a:t>ser</a:t>
-            </a:r>
-            <a:r>
-              <a:rPr lang="en-US" dirty="0" smtClean="0"/>
-              <a:t> vista </a:t>
-            </a:r>
-            <a:r>
-              <a:rPr lang="en-US" dirty="0" err="1" smtClean="0"/>
-              <a:t>como</a:t>
-            </a:r>
-            <a:r>
-              <a:rPr lang="en-US" dirty="0" smtClean="0"/>
-              <a:t> </a:t>
-            </a:r>
-            <a:r>
-              <a:rPr lang="en-US" dirty="0" err="1" smtClean="0"/>
-              <a:t>uma</a:t>
-            </a:r>
-            <a:r>
-              <a:rPr lang="en-US" dirty="0" smtClean="0"/>
-              <a:t> </a:t>
-            </a:r>
-            <a:r>
-              <a:rPr lang="en-US" dirty="0" err="1" smtClean="0"/>
-              <a:t>etapa</a:t>
-            </a:r>
-            <a:r>
-              <a:rPr lang="en-US" dirty="0" smtClean="0"/>
-              <a:t> de </a:t>
-            </a:r>
-            <a:r>
-              <a:rPr lang="en-US" dirty="0" err="1" smtClean="0"/>
-              <a:t>aprendizado</a:t>
-            </a:r>
-            <a:r>
-              <a:rPr lang="en-US" dirty="0" smtClean="0"/>
-              <a:t> do AE</a:t>
-            </a:r>
-          </a:p>
-          <a:p>
-            <a:r>
-              <a:rPr lang="en-US" dirty="0" err="1" smtClean="0"/>
-              <a:t>Escolha</a:t>
-            </a:r>
-            <a:r>
-              <a:rPr lang="en-US" dirty="0" smtClean="0"/>
-              <a:t> do </a:t>
-            </a:r>
-            <a:r>
-              <a:rPr lang="en-US" dirty="0" err="1" smtClean="0"/>
-              <a:t>melhor</a:t>
-            </a:r>
-            <a:r>
-              <a:rPr lang="en-US" dirty="0" smtClean="0"/>
-              <a:t> </a:t>
-            </a:r>
-            <a:r>
-              <a:rPr lang="en-US" dirty="0" err="1" smtClean="0"/>
-              <a:t>segundo</a:t>
-            </a:r>
-            <a:r>
-              <a:rPr lang="en-US" dirty="0" smtClean="0"/>
-              <a:t> a </a:t>
-            </a:r>
-            <a:r>
-              <a:rPr lang="en-US" dirty="0" err="1" smtClean="0"/>
-              <a:t>literatura</a:t>
-            </a:r>
-            <a:endParaRPr lang="en-US" dirty="0" smtClean="0"/>
-          </a:p>
-          <a:p>
-            <a:r>
-              <a:rPr lang="en-US" dirty="0" smtClean="0"/>
-              <a:t>CMA-ES: Covariance Matrix Adaptation Evolution Strategy</a:t>
-            </a:r>
-          </a:p>
-          <a:p>
-            <a:endParaRPr lang="en-US" dirty="0" smtClean="0"/>
-          </a:p>
-          <a:p>
-            <a:endParaRPr lang="en-US" dirty="0"/>
-          </a:p>
-        </p:txBody>
-      </p:sp>
-      <p:sp>
-        <p:nvSpPr>
-          <p:cNvPr id="5" name="Slide Number Placeholder 4"/>
-          <p:cNvSpPr>
-            <a:spLocks noGrp="1"/>
-          </p:cNvSpPr>
-          <p:nvPr>
-            <p:ph type="sldNum" sz="quarter" idx="12"/>
-          </p:nvPr>
-        </p:nvSpPr>
-        <p:spPr/>
-        <p:txBody>
-          <a:bodyPr/>
-          <a:lstStyle/>
-          <a:p>
-            <a:fld id="{55774153-6BEA-8641-B7A1-86CE42693FE2}" type="slidenum">
-              <a:rPr lang="en-US" smtClean="0"/>
-              <a:t>12</a:t>
-            </a:fld>
-            <a:endParaRPr lang="en-US"/>
-          </a:p>
-        </p:txBody>
-      </p:sp>
-    </p:spTree>
-    <p:extLst>
-      <p:ext uri="{BB962C8B-B14F-4D97-AF65-F5344CB8AC3E}">
-        <p14:creationId xmlns:p14="http://schemas.microsoft.com/office/powerpoint/2010/main" val="1226811926"/>
-      </p:ext>
-    </p:extLst>
-  </p:cSld>
-  <p:clrMapOvr>
-    <a:masterClrMapping/>
-  </p:clrMapOvr>
-  <p:timing>
-    <p:tnLst>
-      <p:par>
-        <p:cTn id="1" dur="indefinite" restart="never" nodeType="tmRoot"/>
-      </p:par>
-    </p:tnLst>
-  </p:timing>
-</p:sld>
-</file>
-
-<file path=ppt/slides/slide14.xml><?xml version="1.0" encoding="utf-8"?>
-<p:sld xmlns:a="http://schemas.openxmlformats.org/drawingml/2006/main" xmlns:r="http://schemas.openxmlformats.org/officeDocument/2006/relationships" xmlns:p="http://schemas.openxmlformats.org/presentationml/2006/main">
-  <p:cSld>
-    <p:spTree>
-      <p:nvGrpSpPr>
-        <p:cNvPr id="1" name=""/>
-        <p:cNvGrpSpPr/>
-        <p:nvPr/>
-      </p:nvGrpSpPr>
-      <p:grpSpPr>
-        <a:xfrm>
-          <a:off x="0" y="0"/>
-          <a:ext cx="0" cy="0"/>
-          <a:chOff x="0" y="0"/>
-          <a:chExt cx="0" cy="0"/>
-        </a:xfrm>
-      </p:grpSpPr>
-      <p:sp>
-        <p:nvSpPr>
-          <p:cNvPr id="2" name="Title 1"/>
-          <p:cNvSpPr>
-            <a:spLocks noGrp="1"/>
-          </p:cNvSpPr>
-          <p:nvPr>
-            <p:ph type="title"/>
-          </p:nvPr>
-        </p:nvSpPr>
-        <p:spPr/>
-        <p:txBody>
-          <a:bodyPr/>
-          <a:lstStyle/>
-          <a:p>
-            <a:r>
-              <a:rPr lang="en-US" dirty="0" err="1" smtClean="0"/>
-              <a:t>Evolução</a:t>
-            </a:r>
-            <a:r>
-              <a:rPr lang="en-US" dirty="0" smtClean="0"/>
-              <a:t> - </a:t>
-            </a:r>
-            <a:r>
-              <a:rPr lang="en-US" dirty="0" err="1" smtClean="0"/>
-              <a:t>Algoritmo</a:t>
-            </a:r>
-            <a:r>
-              <a:rPr lang="en-US" dirty="0" smtClean="0"/>
-              <a:t> CMA-ES </a:t>
-            </a:r>
-            <a:r>
-              <a:rPr lang="en-US" b="1" baseline="30000" dirty="0" smtClean="0">
-                <a:solidFill>
-                  <a:srgbClr val="00B0F0"/>
-                </a:solidFill>
-              </a:rPr>
-              <a:t>[7]</a:t>
-            </a:r>
-            <a:endParaRPr lang="en-US" b="1" baseline="30000" dirty="0">
-              <a:solidFill>
-                <a:srgbClr val="00B0F0"/>
-              </a:solidFill>
-            </a:endParaRPr>
-          </a:p>
-        </p:txBody>
-      </p:sp>
-      <p:sp>
-        <p:nvSpPr>
-          <p:cNvPr id="3" name="Content Placeholder 2"/>
-          <p:cNvSpPr>
-            <a:spLocks noGrp="1"/>
-          </p:cNvSpPr>
-          <p:nvPr>
-            <p:ph idx="1"/>
-          </p:nvPr>
-        </p:nvSpPr>
-        <p:spPr>
-          <a:xfrm>
-            <a:off x="1154954" y="2450592"/>
-            <a:ext cx="10329910" cy="3986784"/>
-          </a:xfrm>
-        </p:spPr>
-        <p:txBody>
-          <a:bodyPr>
-            <a:normAutofit/>
-          </a:bodyPr>
-          <a:lstStyle/>
-          <a:p>
-            <a:r>
-              <a:rPr lang="en-US" dirty="0" err="1" smtClean="0"/>
-              <a:t>Atua</a:t>
-            </a:r>
-            <a:r>
-              <a:rPr lang="en-US" dirty="0" smtClean="0"/>
-              <a:t> </a:t>
-            </a:r>
-            <a:r>
-              <a:rPr lang="en-US" dirty="0" err="1" smtClean="0"/>
-              <a:t>sobre</a:t>
-            </a:r>
-            <a:r>
-              <a:rPr lang="en-US" dirty="0" smtClean="0"/>
-              <a:t> </a:t>
-            </a:r>
-            <a:r>
-              <a:rPr lang="en-US" dirty="0" err="1" smtClean="0"/>
-              <a:t>uma</a:t>
-            </a:r>
-            <a:r>
-              <a:rPr lang="en-US" dirty="0" smtClean="0"/>
-              <a:t> </a:t>
-            </a:r>
-            <a:r>
-              <a:rPr lang="en-US" dirty="0" err="1" smtClean="0"/>
-              <a:t>amostra</a:t>
-            </a:r>
-            <a:r>
-              <a:rPr lang="en-US" dirty="0" smtClean="0"/>
-              <a:t> de </a:t>
-            </a:r>
-            <a:r>
-              <a:rPr lang="en-US" dirty="0" err="1" smtClean="0"/>
-              <a:t>populações</a:t>
-            </a:r>
-            <a:r>
-              <a:rPr lang="en-US" dirty="0" smtClean="0"/>
-              <a:t> para </a:t>
-            </a:r>
-            <a:r>
-              <a:rPr lang="en-US" dirty="0" err="1" smtClean="0"/>
-              <a:t>encontrar</a:t>
-            </a:r>
-            <a:r>
-              <a:rPr lang="en-US" dirty="0" smtClean="0"/>
-              <a:t> </a:t>
-            </a:r>
-            <a:r>
-              <a:rPr lang="en-US" dirty="0" err="1" smtClean="0"/>
-              <a:t>valores</a:t>
-            </a:r>
-            <a:r>
-              <a:rPr lang="en-US" dirty="0" smtClean="0"/>
-              <a:t> </a:t>
-            </a:r>
-            <a:r>
-              <a:rPr lang="en-US" dirty="0" err="1" smtClean="0"/>
-              <a:t>ótimos</a:t>
-            </a:r>
-            <a:r>
-              <a:rPr lang="en-US" dirty="0" smtClean="0"/>
-              <a:t> de </a:t>
-            </a:r>
-            <a:r>
-              <a:rPr lang="en-US" dirty="0" err="1" smtClean="0"/>
-              <a:t>parâmetros</a:t>
-            </a:r>
-            <a:r>
-              <a:rPr lang="en-US" dirty="0" smtClean="0"/>
-              <a:t> de </a:t>
-            </a:r>
-            <a:r>
-              <a:rPr lang="en-US" dirty="0" err="1" smtClean="0"/>
-              <a:t>evolução</a:t>
-            </a:r>
-            <a:r>
-              <a:rPr lang="en-US" dirty="0" smtClean="0"/>
-              <a:t> (default)</a:t>
-            </a:r>
-          </a:p>
-          <a:p>
-            <a:r>
-              <a:rPr lang="en-US" dirty="0" err="1" smtClean="0"/>
-              <a:t>Execução</a:t>
-            </a:r>
-            <a:r>
-              <a:rPr lang="en-US" dirty="0" smtClean="0"/>
-              <a:t> (loop):</a:t>
-            </a:r>
-          </a:p>
-          <a:p>
-            <a:pPr lvl="1"/>
-            <a:r>
-              <a:rPr lang="en-US" dirty="0" err="1" smtClean="0"/>
-              <a:t>Aplica</a:t>
-            </a:r>
-            <a:r>
-              <a:rPr lang="en-US" dirty="0" smtClean="0"/>
-              <a:t>-se </a:t>
-            </a:r>
-            <a:r>
-              <a:rPr lang="en-US" dirty="0" err="1" smtClean="0"/>
-              <a:t>uma</a:t>
-            </a:r>
-            <a:r>
-              <a:rPr lang="en-US" dirty="0" smtClean="0"/>
-              <a:t> </a:t>
-            </a:r>
-            <a:r>
-              <a:rPr lang="en-US" dirty="0" err="1" smtClean="0"/>
-              <a:t>iteração</a:t>
-            </a:r>
-            <a:r>
-              <a:rPr lang="en-US" dirty="0" smtClean="0"/>
-              <a:t> do AE </a:t>
-            </a:r>
-            <a:r>
-              <a:rPr lang="en-US" dirty="0" err="1" smtClean="0"/>
-              <a:t>sobre</a:t>
-            </a:r>
-            <a:r>
-              <a:rPr lang="en-US" dirty="0" smtClean="0"/>
-              <a:t> </a:t>
-            </a:r>
-            <a:r>
-              <a:rPr lang="en-US" dirty="0" err="1" smtClean="0"/>
-              <a:t>cada</a:t>
-            </a:r>
-            <a:r>
-              <a:rPr lang="en-US" dirty="0" smtClean="0"/>
-              <a:t> </a:t>
-            </a:r>
-            <a:r>
-              <a:rPr lang="en-US" dirty="0" err="1" smtClean="0"/>
-              <a:t>uma</a:t>
-            </a:r>
-            <a:r>
-              <a:rPr lang="en-US" dirty="0" smtClean="0"/>
-              <a:t> das </a:t>
-            </a:r>
-            <a:r>
-              <a:rPr lang="en-US" dirty="0" err="1" smtClean="0"/>
-              <a:t>populações</a:t>
-            </a:r>
-            <a:endParaRPr lang="en-US" dirty="0" smtClean="0"/>
-          </a:p>
-          <a:p>
-            <a:pPr lvl="1"/>
-            <a:r>
-              <a:rPr lang="en-US" dirty="0" err="1" smtClean="0"/>
-              <a:t>Cálculos</a:t>
-            </a:r>
-            <a:r>
-              <a:rPr lang="en-US" dirty="0" smtClean="0"/>
-              <a:t> </a:t>
-            </a:r>
-            <a:r>
-              <a:rPr lang="en-US" dirty="0" err="1" smtClean="0"/>
-              <a:t>estatísticos</a:t>
-            </a:r>
-            <a:r>
-              <a:rPr lang="en-US" dirty="0" smtClean="0"/>
-              <a:t> </a:t>
-            </a:r>
-            <a:r>
-              <a:rPr lang="en-US" dirty="0" err="1" smtClean="0"/>
-              <a:t>são</a:t>
-            </a:r>
-            <a:r>
-              <a:rPr lang="en-US" dirty="0" smtClean="0"/>
-              <a:t> </a:t>
-            </a:r>
-            <a:r>
-              <a:rPr lang="en-US" dirty="0" err="1" smtClean="0"/>
-              <a:t>feitos</a:t>
-            </a:r>
-            <a:r>
-              <a:rPr lang="en-US" dirty="0" smtClean="0"/>
-              <a:t> </a:t>
-            </a:r>
-            <a:r>
-              <a:rPr lang="en-US" dirty="0" err="1" smtClean="0"/>
-              <a:t>em</a:t>
-            </a:r>
-            <a:r>
-              <a:rPr lang="en-US" dirty="0" smtClean="0"/>
-              <a:t> </a:t>
-            </a:r>
-            <a:r>
-              <a:rPr lang="en-US" dirty="0" err="1" smtClean="0"/>
-              <a:t>cima</a:t>
-            </a:r>
-            <a:r>
-              <a:rPr lang="en-US" dirty="0" smtClean="0"/>
-              <a:t> da nova </a:t>
-            </a:r>
-            <a:r>
-              <a:rPr lang="en-US" dirty="0" err="1" smtClean="0"/>
-              <a:t>amostra</a:t>
-            </a:r>
-            <a:r>
-              <a:rPr lang="en-US" dirty="0" smtClean="0"/>
-              <a:t> </a:t>
-            </a:r>
-            <a:r>
-              <a:rPr lang="en-US" dirty="0" err="1" smtClean="0"/>
-              <a:t>sobre</a:t>
-            </a:r>
-            <a:r>
-              <a:rPr lang="en-US" dirty="0" smtClean="0"/>
-              <a:t> a anterior (</a:t>
-            </a:r>
-            <a:r>
-              <a:rPr lang="en-US" dirty="0" err="1" smtClean="0"/>
-              <a:t>usa</a:t>
-            </a:r>
-            <a:r>
-              <a:rPr lang="en-US" dirty="0" smtClean="0"/>
-              <a:t>-se fitness)</a:t>
-            </a:r>
-          </a:p>
-          <a:p>
-            <a:pPr lvl="1"/>
-            <a:r>
-              <a:rPr lang="en-US" dirty="0" err="1" smtClean="0"/>
-              <a:t>Parâmetros</a:t>
-            </a:r>
-            <a:r>
-              <a:rPr lang="en-US" dirty="0" smtClean="0"/>
-              <a:t> de </a:t>
-            </a:r>
-            <a:r>
-              <a:rPr lang="en-US" dirty="0" err="1" smtClean="0"/>
-              <a:t>evolução</a:t>
-            </a:r>
-            <a:r>
-              <a:rPr lang="en-US" dirty="0" smtClean="0"/>
-              <a:t> </a:t>
-            </a:r>
-            <a:r>
-              <a:rPr lang="en-US" dirty="0" err="1" smtClean="0"/>
-              <a:t>são</a:t>
-            </a:r>
-            <a:r>
-              <a:rPr lang="en-US" dirty="0" smtClean="0"/>
-              <a:t> </a:t>
-            </a:r>
-            <a:r>
-              <a:rPr lang="en-US" dirty="0" err="1" smtClean="0"/>
-              <a:t>modificados</a:t>
-            </a:r>
-            <a:r>
-              <a:rPr lang="en-US" dirty="0" smtClean="0"/>
-              <a:t> de </a:t>
-            </a:r>
-            <a:r>
-              <a:rPr lang="en-US" dirty="0" err="1" smtClean="0"/>
-              <a:t>acordo</a:t>
-            </a:r>
-            <a:r>
-              <a:rPr lang="en-US" dirty="0" smtClean="0"/>
-              <a:t> com </a:t>
-            </a:r>
-            <a:r>
-              <a:rPr lang="en-US" dirty="0" err="1" smtClean="0"/>
-              <a:t>tais</a:t>
-            </a:r>
-            <a:r>
-              <a:rPr lang="en-US" dirty="0" smtClean="0"/>
-              <a:t> </a:t>
-            </a:r>
-            <a:r>
-              <a:rPr lang="en-US" dirty="0" err="1" smtClean="0"/>
-              <a:t>cálculos</a:t>
-            </a:r>
-            <a:endParaRPr lang="en-US" dirty="0"/>
-          </a:p>
-          <a:p>
-            <a:r>
-              <a:rPr lang="en-US" dirty="0" smtClean="0"/>
-              <a:t>As entradas do CMA-ES </a:t>
-            </a:r>
-            <a:r>
-              <a:rPr lang="en-US" dirty="0" err="1" smtClean="0"/>
-              <a:t>são</a:t>
-            </a:r>
-            <a:r>
-              <a:rPr lang="en-US" dirty="0" smtClean="0"/>
-              <a:t>, </a:t>
-            </a:r>
-            <a:r>
-              <a:rPr lang="en-US" dirty="0" err="1" smtClean="0"/>
-              <a:t>além</a:t>
-            </a:r>
-            <a:r>
-              <a:rPr lang="en-US" dirty="0" smtClean="0"/>
-              <a:t> do AE + fitness:</a:t>
-            </a:r>
-          </a:p>
-          <a:p>
-            <a:pPr lvl="1"/>
-            <a:r>
-              <a:rPr lang="en-US" dirty="0"/>
-              <a:t>U</a:t>
-            </a:r>
-            <a:r>
-              <a:rPr lang="en-US" dirty="0" smtClean="0"/>
-              <a:t>m </a:t>
-            </a:r>
-            <a:r>
-              <a:rPr lang="en-US" dirty="0" err="1" smtClean="0"/>
-              <a:t>conjunto</a:t>
-            </a:r>
-            <a:r>
-              <a:rPr lang="en-US" dirty="0" smtClean="0"/>
-              <a:t> de </a:t>
-            </a:r>
-            <a:r>
-              <a:rPr lang="en-US" dirty="0" err="1" smtClean="0"/>
-              <a:t>populações</a:t>
-            </a:r>
-            <a:r>
-              <a:rPr lang="en-US" dirty="0" smtClean="0"/>
-              <a:t> </a:t>
-            </a:r>
-            <a:r>
-              <a:rPr lang="en-US" dirty="0" err="1" smtClean="0"/>
-              <a:t>iniciais</a:t>
-            </a:r>
-            <a:r>
-              <a:rPr lang="en-US" dirty="0" smtClean="0"/>
-              <a:t> (ideal entre 3 e 100)</a:t>
-            </a:r>
-            <a:endParaRPr lang="en-US" dirty="0"/>
-          </a:p>
-          <a:p>
-            <a:pPr lvl="1"/>
-            <a:r>
-              <a:rPr lang="en-US" dirty="0"/>
-              <a:t>O</a:t>
-            </a:r>
-            <a:r>
-              <a:rPr lang="en-US" dirty="0" smtClean="0"/>
-              <a:t> </a:t>
-            </a:r>
-            <a:r>
-              <a:rPr lang="en-US" dirty="0" err="1" smtClean="0"/>
-              <a:t>desvio</a:t>
-            </a:r>
-            <a:r>
-              <a:rPr lang="en-US" dirty="0" smtClean="0"/>
-              <a:t> </a:t>
-            </a:r>
-            <a:r>
-              <a:rPr lang="en-US" dirty="0" err="1" smtClean="0"/>
-              <a:t>padrão</a:t>
-            </a:r>
-            <a:r>
-              <a:rPr lang="en-US" dirty="0" smtClean="0"/>
-              <a:t> </a:t>
-            </a:r>
-            <a:r>
-              <a:rPr lang="en-US" dirty="0" err="1" smtClean="0"/>
-              <a:t>inicial</a:t>
-            </a:r>
-            <a:r>
-              <a:rPr lang="en-US" dirty="0" smtClean="0"/>
-              <a:t> de </a:t>
-            </a:r>
-            <a:r>
-              <a:rPr lang="en-US" dirty="0" err="1" smtClean="0"/>
-              <a:t>cada</a:t>
-            </a:r>
-            <a:r>
-              <a:rPr lang="en-US" dirty="0" smtClean="0"/>
-              <a:t> </a:t>
-            </a:r>
-            <a:r>
-              <a:rPr lang="en-US" dirty="0" err="1" smtClean="0"/>
-              <a:t>parâmetro</a:t>
-            </a:r>
-            <a:r>
-              <a:rPr lang="en-US" dirty="0" smtClean="0"/>
-              <a:t> </a:t>
-            </a:r>
-          </a:p>
-          <a:p>
-            <a:pPr lvl="1"/>
-            <a:r>
-              <a:rPr lang="en-US" dirty="0" smtClean="0"/>
-              <a:t>A </a:t>
-            </a:r>
-            <a:r>
-              <a:rPr lang="en-US" dirty="0" err="1" smtClean="0"/>
-              <a:t>tolerância</a:t>
-            </a:r>
-            <a:r>
-              <a:rPr lang="en-US" dirty="0" smtClean="0"/>
-              <a:t> do </a:t>
-            </a:r>
-            <a:r>
-              <a:rPr lang="en-US" dirty="0" err="1" smtClean="0"/>
-              <a:t>algoritmo</a:t>
-            </a:r>
-            <a:r>
-              <a:rPr lang="en-US" dirty="0" smtClean="0"/>
-              <a:t> (para </a:t>
-            </a:r>
-            <a:r>
-              <a:rPr lang="en-US" dirty="0" err="1" smtClean="0"/>
-              <a:t>critério</a:t>
-            </a:r>
-            <a:r>
-              <a:rPr lang="en-US" dirty="0" smtClean="0"/>
-              <a:t> de </a:t>
-            </a:r>
-            <a:r>
-              <a:rPr lang="en-US" dirty="0" err="1" smtClean="0"/>
-              <a:t>parada</a:t>
-            </a:r>
-            <a:r>
-              <a:rPr lang="en-US" dirty="0" smtClean="0"/>
-              <a:t>)</a:t>
-            </a:r>
-          </a:p>
-          <a:p>
-            <a:endParaRPr lang="en-US" dirty="0"/>
-          </a:p>
-        </p:txBody>
-      </p:sp>
-      <p:sp>
-        <p:nvSpPr>
-          <p:cNvPr id="5" name="Slide Number Placeholder 4"/>
-          <p:cNvSpPr>
-            <a:spLocks noGrp="1"/>
-          </p:cNvSpPr>
-          <p:nvPr>
-            <p:ph type="sldNum" sz="quarter" idx="12"/>
-          </p:nvPr>
-        </p:nvSpPr>
-        <p:spPr/>
-        <p:txBody>
-          <a:bodyPr/>
-          <a:lstStyle/>
-          <a:p>
-            <a:fld id="{55774153-6BEA-8641-B7A1-86CE42693FE2}" type="slidenum">
-              <a:rPr lang="en-US" smtClean="0"/>
-              <a:t>13</a:t>
-            </a:fld>
-            <a:endParaRPr lang="en-US"/>
-          </a:p>
-        </p:txBody>
-      </p:sp>
-    </p:spTree>
-    <p:extLst>
-      <p:ext uri="{BB962C8B-B14F-4D97-AF65-F5344CB8AC3E}">
-        <p14:creationId xmlns:p14="http://schemas.microsoft.com/office/powerpoint/2010/main" val="1908878755"/>
-      </p:ext>
-    </p:extLst>
-  </p:cSld>
-  <p:clrMapOvr>
-    <a:masterClrMapping/>
-  </p:clrMapOvr>
-  <p:timing>
-    <p:tnLst>
-      <p:par>
-        <p:cTn id="1" dur="indefinite" restart="never" nodeType="tmRoot"/>
-      </p:par>
-    </p:tnLst>
-  </p:timing>
-</p:sld>
-</file>
-
-<file path=ppt/slides/slide15.xml><?xml version="1.0" encoding="utf-8"?>
-<p:sld xmlns:a="http://schemas.openxmlformats.org/drawingml/2006/main" xmlns:r="http://schemas.openxmlformats.org/officeDocument/2006/relationships" xmlns:p="http://schemas.openxmlformats.org/presentationml/2006/main">
-  <p:cSld>
-    <p:spTree>
-      <p:nvGrpSpPr>
-        <p:cNvPr id="1" name=""/>
-        <p:cNvGrpSpPr/>
-        <p:nvPr/>
-      </p:nvGrpSpPr>
-      <p:grpSpPr>
-        <a:xfrm>
-          <a:off x="0" y="0"/>
-          <a:ext cx="0" cy="0"/>
-          <a:chOff x="0" y="0"/>
-          <a:chExt cx="0" cy="0"/>
-        </a:xfrm>
-      </p:grpSpPr>
-      <p:sp>
-        <p:nvSpPr>
-          <p:cNvPr id="2" name="Title 1"/>
-          <p:cNvSpPr>
-            <a:spLocks noGrp="1"/>
-          </p:cNvSpPr>
-          <p:nvPr>
-            <p:ph type="title"/>
-          </p:nvPr>
-        </p:nvSpPr>
-        <p:spPr/>
-        <p:txBody>
-          <a:bodyPr/>
-          <a:lstStyle/>
-          <a:p>
-            <a:r>
-              <a:rPr lang="en-US" dirty="0" err="1" smtClean="0"/>
-              <a:t>Evolução</a:t>
-            </a:r>
-            <a:r>
-              <a:rPr lang="en-US" dirty="0" smtClean="0"/>
-              <a:t> - </a:t>
-            </a:r>
-            <a:r>
-              <a:rPr lang="en-US" dirty="0" err="1" smtClean="0"/>
-              <a:t>Algoritmo</a:t>
-            </a:r>
-            <a:r>
-              <a:rPr lang="en-US" dirty="0" smtClean="0"/>
-              <a:t> CMA-ES</a:t>
-            </a:r>
-            <a:endParaRPr lang="en-US" dirty="0"/>
-          </a:p>
-        </p:txBody>
-      </p:sp>
-      <p:pic>
-        <p:nvPicPr>
-          <p:cNvPr id="4" name="Content Placeholder 3"/>
-          <p:cNvPicPr>
-            <a:picLocks noGrp="1" noChangeAspect="1"/>
-          </p:cNvPicPr>
-          <p:nvPr>
-            <p:ph idx="1"/>
-          </p:nvPr>
-        </p:nvPicPr>
-        <p:blipFill>
-          <a:blip r:embed="rId2">
-            <a:extLst>
-              <a:ext uri="{28A0092B-C50C-407E-A947-70E740481C1C}">
-                <a14:useLocalDpi xmlns:a14="http://schemas.microsoft.com/office/drawing/2010/main" val="0"/>
-              </a:ext>
-            </a:extLst>
-          </a:blip>
-          <a:stretch>
-            <a:fillRect/>
-          </a:stretch>
-        </p:blipFill>
-        <p:spPr>
-          <a:xfrm>
-            <a:off x="3002754" y="2310891"/>
-            <a:ext cx="5812807" cy="3850985"/>
-          </a:xfrm>
-        </p:spPr>
-      </p:pic>
-      <p:sp>
-        <p:nvSpPr>
-          <p:cNvPr id="5" name="Rectangle 4"/>
-          <p:cNvSpPr/>
-          <p:nvPr/>
-        </p:nvSpPr>
-        <p:spPr>
-          <a:xfrm>
-            <a:off x="1578871" y="6161876"/>
-            <a:ext cx="9192768" cy="276999"/>
-          </a:xfrm>
-          <a:prstGeom prst="rect">
-            <a:avLst/>
-          </a:prstGeom>
-        </p:spPr>
-        <p:txBody>
-          <a:bodyPr wrap="square">
-            <a:spAutoFit/>
-          </a:bodyPr>
-          <a:lstStyle/>
-          <a:p>
-            <a:r>
-              <a:rPr lang="en-US" sz="1200" dirty="0" smtClean="0">
-                <a:hlinkClick r:id="rId3"/>
-              </a:rPr>
-              <a:t>https://upload.wikimedia.org/wikipedia/commons/d/d8/Concept_of_directional_optimization_in_CMA-ES_algorithm.png</a:t>
-            </a:r>
-            <a:r>
-              <a:rPr lang="en-US" sz="1200" dirty="0" smtClean="0"/>
-              <a:t> </a:t>
-            </a:r>
-            <a:endParaRPr lang="en-US" sz="1200" dirty="0"/>
-          </a:p>
-        </p:txBody>
-      </p:sp>
-      <p:sp>
-        <p:nvSpPr>
-          <p:cNvPr id="7" name="Slide Number Placeholder 6"/>
-          <p:cNvSpPr>
-            <a:spLocks noGrp="1"/>
-          </p:cNvSpPr>
-          <p:nvPr>
-            <p:ph type="sldNum" sz="quarter" idx="12"/>
-          </p:nvPr>
-        </p:nvSpPr>
-        <p:spPr/>
-        <p:txBody>
-          <a:bodyPr/>
-          <a:lstStyle/>
-          <a:p>
-            <a:fld id="{55774153-6BEA-8641-B7A1-86CE42693FE2}" type="slidenum">
-              <a:rPr lang="en-US" smtClean="0"/>
-              <a:t>14</a:t>
-            </a:fld>
-            <a:endParaRPr lang="en-US"/>
-          </a:p>
-        </p:txBody>
-      </p:sp>
-    </p:spTree>
-    <p:extLst>
-      <p:ext uri="{BB962C8B-B14F-4D97-AF65-F5344CB8AC3E}">
-        <p14:creationId xmlns:p14="http://schemas.microsoft.com/office/powerpoint/2010/main" val="328765274"/>
-      </p:ext>
-    </p:extLst>
-  </p:cSld>
-  <p:clrMapOvr>
-    <a:masterClrMapping/>
-  </p:clrMapOvr>
-  <p:timing>
-    <p:tnLst>
-      <p:par>
-        <p:cTn id="1" dur="indefinite" restart="never" nodeType="tmRoot"/>
-      </p:par>
-    </p:tnLst>
-  </p:timing>
-</p:sld>
-</file>
-
-<file path=ppt/slides/slide16.xml><?xml version="1.0" encoding="utf-8"?>
-<p:sld xmlns:a="http://schemas.openxmlformats.org/drawingml/2006/main" xmlns:r="http://schemas.openxmlformats.org/officeDocument/2006/relationships" xmlns:p="http://schemas.openxmlformats.org/presentationml/2006/main">
-  <p:cSld>
-    <p:spTree>
-      <p:nvGrpSpPr>
-        <p:cNvPr id="1" name=""/>
-        <p:cNvGrpSpPr/>
-        <p:nvPr/>
-      </p:nvGrpSpPr>
-      <p:grpSpPr>
-        <a:xfrm>
-          <a:off x="0" y="0"/>
-          <a:ext cx="0" cy="0"/>
-          <a:chOff x="0" y="0"/>
-          <a:chExt cx="0" cy="0"/>
-        </a:xfrm>
-      </p:grpSpPr>
-      <p:sp>
-        <p:nvSpPr>
-          <p:cNvPr id="2" name="Title 1"/>
-          <p:cNvSpPr>
-            <a:spLocks noGrp="1"/>
-          </p:cNvSpPr>
-          <p:nvPr>
-            <p:ph type="title"/>
-          </p:nvPr>
-        </p:nvSpPr>
-        <p:spPr/>
-        <p:txBody>
-          <a:bodyPr/>
-          <a:lstStyle/>
-          <a:p>
-            <a:r>
-              <a:rPr lang="en-US" dirty="0" err="1" smtClean="0"/>
-              <a:t>Função</a:t>
-            </a:r>
-            <a:r>
-              <a:rPr lang="en-US" dirty="0" smtClean="0"/>
-              <a:t> </a:t>
-            </a:r>
-            <a:r>
-              <a:rPr lang="en-US" dirty="0" err="1" smtClean="0"/>
-              <a:t>Utilidade</a:t>
-            </a:r>
-            <a:r>
-              <a:rPr lang="en-US" dirty="0" smtClean="0"/>
-              <a:t> </a:t>
-            </a:r>
-            <a:r>
-              <a:rPr lang="en-US" b="1" baseline="30000" dirty="0" smtClean="0">
-                <a:solidFill>
-                  <a:srgbClr val="00B0F0"/>
-                </a:solidFill>
-              </a:rPr>
-              <a:t>[1,2,6]</a:t>
-            </a:r>
-            <a:endParaRPr lang="en-US" b="1" baseline="30000" dirty="0">
-              <a:solidFill>
-                <a:srgbClr val="00B0F0"/>
-              </a:solidFill>
+              <a:rPr lang="en-US" b="1" dirty="0" err="1" smtClean="0">
+                <a:latin typeface="Helvetica" charset="0"/>
+                <a:ea typeface="Helvetica" charset="0"/>
+                <a:cs typeface="Helvetica" charset="0"/>
+              </a:rPr>
+              <a:t>Referências</a:t>
+            </a:r>
+            <a:endParaRPr lang="en-US" b="1" dirty="0">
+              <a:latin typeface="Helvetica" charset="0"/>
+              <a:ea typeface="Helvetica" charset="0"/>
+              <a:cs typeface="Helvetica" charset="0"/>
             </a:endParaRPr>
           </a:p>
         </p:txBody>
@@ -15763,337 +16752,293 @@
         <p:spPr>
           <a:xfrm>
             <a:off x="1154954" y="2603500"/>
-            <a:ext cx="9197586" cy="3416300"/>
+            <a:ext cx="10035785" cy="3416300"/>
           </a:xfrm>
         </p:spPr>
         <p:txBody>
-          <a:bodyPr>
-            <a:normAutofit/>
-          </a:bodyPr>
+          <a:bodyPr/>
           <a:lstStyle/>
           <a:p>
             <a:r>
-              <a:rPr lang="en-US" dirty="0" err="1" smtClean="0"/>
-              <a:t>Cálculo</a:t>
-            </a:r>
-            <a:r>
-              <a:rPr lang="en-US" dirty="0" smtClean="0"/>
-              <a:t> de um </a:t>
-            </a:r>
-            <a:r>
-              <a:rPr lang="en-US" dirty="0" err="1" smtClean="0"/>
-              <a:t>ou</a:t>
-            </a:r>
-            <a:r>
-              <a:rPr lang="en-US" dirty="0" smtClean="0"/>
-              <a:t> </a:t>
-            </a:r>
-            <a:r>
-              <a:rPr lang="en-US" dirty="0" err="1" smtClean="0"/>
-              <a:t>mais</a:t>
-            </a:r>
-            <a:r>
-              <a:rPr lang="en-US" dirty="0" smtClean="0"/>
-              <a:t> </a:t>
-            </a:r>
-            <a:r>
-              <a:rPr lang="en-US" dirty="0" err="1" smtClean="0"/>
-              <a:t>valores</a:t>
-            </a:r>
-            <a:r>
-              <a:rPr lang="en-US" dirty="0" smtClean="0"/>
-              <a:t> (</a:t>
-            </a:r>
-            <a:r>
-              <a:rPr lang="en-US" dirty="0" err="1" smtClean="0"/>
-              <a:t>ou</a:t>
-            </a:r>
-            <a:r>
-              <a:rPr lang="en-US" dirty="0" smtClean="0"/>
-              <a:t> </a:t>
-            </a:r>
-            <a:r>
-              <a:rPr lang="en-US" dirty="0" err="1" smtClean="0"/>
-              <a:t>métricas</a:t>
-            </a:r>
-            <a:r>
-              <a:rPr lang="en-US" dirty="0" smtClean="0"/>
-              <a:t>) </a:t>
-            </a:r>
-            <a:r>
-              <a:rPr lang="en-US" dirty="0" err="1" smtClean="0"/>
-              <a:t>obtidos</a:t>
-            </a:r>
-            <a:r>
-              <a:rPr lang="en-US" dirty="0" smtClean="0"/>
-              <a:t> </a:t>
-            </a:r>
-            <a:r>
-              <a:rPr lang="en-US" dirty="0" err="1" smtClean="0"/>
-              <a:t>através</a:t>
-            </a:r>
-            <a:r>
-              <a:rPr lang="en-US" dirty="0" smtClean="0"/>
-              <a:t> das </a:t>
-            </a:r>
-            <a:r>
-              <a:rPr lang="en-US" dirty="0" err="1" smtClean="0"/>
-              <a:t>gerações</a:t>
-            </a:r>
-            <a:r>
-              <a:rPr lang="en-US" dirty="0" smtClean="0"/>
-              <a:t> </a:t>
-            </a:r>
-            <a:r>
-              <a:rPr lang="en-US" dirty="0" err="1" smtClean="0"/>
-              <a:t>criadas</a:t>
-            </a:r>
-            <a:r>
-              <a:rPr lang="en-US" dirty="0" smtClean="0"/>
-              <a:t> </a:t>
-            </a:r>
-            <a:r>
-              <a:rPr lang="en-US" dirty="0" err="1" smtClean="0"/>
-              <a:t>em</a:t>
-            </a:r>
-            <a:r>
-              <a:rPr lang="en-US" dirty="0" smtClean="0"/>
-              <a:t> </a:t>
-            </a:r>
-            <a:r>
-              <a:rPr lang="en-US" dirty="0" err="1" smtClean="0"/>
-              <a:t>uma</a:t>
-            </a:r>
-            <a:r>
-              <a:rPr lang="en-US" dirty="0" smtClean="0"/>
-              <a:t> </a:t>
-            </a:r>
-            <a:r>
-              <a:rPr lang="en-US" dirty="0" err="1" smtClean="0"/>
-              <a:t>execução</a:t>
-            </a:r>
-            <a:r>
-              <a:rPr lang="en-US" dirty="0" smtClean="0"/>
-              <a:t> do AE</a:t>
-            </a:r>
-          </a:p>
-          <a:p>
-            <a:r>
-              <a:rPr lang="en-US" dirty="0" err="1" smtClean="0"/>
-              <a:t>Pedem</a:t>
-            </a:r>
-            <a:r>
-              <a:rPr lang="en-US" dirty="0" smtClean="0"/>
-              <a:t> </a:t>
-            </a:r>
-            <a:r>
-              <a:rPr lang="en-US" dirty="0" err="1" smtClean="0"/>
-              <a:t>múltiplas</a:t>
-            </a:r>
-            <a:r>
-              <a:rPr lang="en-US" dirty="0" smtClean="0"/>
-              <a:t> </a:t>
-            </a:r>
-            <a:r>
-              <a:rPr lang="en-US" dirty="0" err="1" smtClean="0"/>
-              <a:t>execuções</a:t>
-            </a:r>
-            <a:r>
-              <a:rPr lang="en-US" dirty="0" smtClean="0"/>
-              <a:t> do AE </a:t>
-            </a:r>
-            <a:r>
-              <a:rPr lang="en-US" dirty="0" err="1" smtClean="0"/>
-              <a:t>sobre</a:t>
-            </a:r>
-            <a:r>
-              <a:rPr lang="en-US" dirty="0" smtClean="0"/>
-              <a:t> o </a:t>
-            </a:r>
-            <a:r>
-              <a:rPr lang="en-US" dirty="0" err="1" smtClean="0"/>
-              <a:t>problema</a:t>
-            </a:r>
-            <a:r>
-              <a:rPr lang="en-US" dirty="0" smtClean="0"/>
-              <a:t> (</a:t>
-            </a:r>
-            <a:r>
-              <a:rPr lang="en-US" dirty="0" err="1" smtClean="0"/>
-              <a:t>máximo</a:t>
-            </a:r>
-            <a:r>
-              <a:rPr lang="en-US" dirty="0" smtClean="0"/>
-              <a:t> de </a:t>
-            </a:r>
-            <a:r>
-              <a:rPr lang="en-US" dirty="0" err="1" smtClean="0"/>
-              <a:t>gerações</a:t>
-            </a:r>
-            <a:r>
-              <a:rPr lang="en-US" dirty="0" smtClean="0"/>
-              <a:t>)</a:t>
-            </a:r>
-          </a:p>
-          <a:p>
-            <a:r>
-              <a:rPr lang="en-US" dirty="0" err="1" smtClean="0"/>
-              <a:t>Métricas</a:t>
-            </a:r>
-            <a:r>
-              <a:rPr lang="en-US" dirty="0" smtClean="0"/>
-              <a:t> </a:t>
-            </a:r>
-            <a:r>
-              <a:rPr lang="en-US" dirty="0" err="1" smtClean="0"/>
-              <a:t>estatísticas</a:t>
-            </a:r>
-            <a:r>
-              <a:rPr lang="en-US" dirty="0" smtClean="0"/>
-              <a:t> – </a:t>
-            </a:r>
-            <a:r>
-              <a:rPr lang="en-US" dirty="0" err="1" smtClean="0"/>
-              <a:t>natureza</a:t>
-            </a:r>
-            <a:r>
-              <a:rPr lang="en-US" dirty="0" smtClean="0"/>
-              <a:t> de </a:t>
-            </a:r>
-            <a:r>
-              <a:rPr lang="en-US" dirty="0" err="1" smtClean="0"/>
-              <a:t>tentativa</a:t>
-            </a:r>
-            <a:r>
-              <a:rPr lang="en-US" dirty="0" smtClean="0"/>
-              <a:t>-e-</a:t>
-            </a:r>
-            <a:r>
-              <a:rPr lang="en-US" dirty="0" err="1" smtClean="0"/>
-              <a:t>erro</a:t>
-            </a:r>
-            <a:endParaRPr lang="en-US" dirty="0" smtClean="0"/>
-          </a:p>
-          <a:p>
-            <a:r>
-              <a:rPr lang="en-US" dirty="0" err="1" smtClean="0"/>
-              <a:t>Mais</a:t>
-            </a:r>
-            <a:r>
-              <a:rPr lang="en-US" dirty="0" smtClean="0"/>
-              <a:t> </a:t>
-            </a:r>
-            <a:r>
-              <a:rPr lang="en-US" dirty="0" err="1" smtClean="0"/>
-              <a:t>comuns</a:t>
-            </a:r>
-            <a:r>
-              <a:rPr lang="en-US" dirty="0" smtClean="0"/>
-              <a:t>: </a:t>
-            </a:r>
-            <a:r>
-              <a:rPr lang="en-US" b="1" baseline="30000" dirty="0" smtClean="0">
-                <a:solidFill>
-                  <a:srgbClr val="0432FF"/>
-                </a:solidFill>
-              </a:rPr>
-              <a:t>[2]</a:t>
-            </a:r>
-          </a:p>
-          <a:p>
-            <a:pPr lvl="1"/>
-            <a:r>
-              <a:rPr lang="en-US" dirty="0" smtClean="0"/>
-              <a:t>Mean Best Fitness (MBF)</a:t>
-            </a:r>
-          </a:p>
-          <a:p>
-            <a:pPr lvl="1"/>
-            <a:r>
-              <a:rPr lang="en-US" dirty="0" smtClean="0"/>
-              <a:t>AES (Average number of Evaluations to Solution)</a:t>
-            </a:r>
-          </a:p>
-          <a:p>
-            <a:pPr lvl="1"/>
-            <a:r>
-              <a:rPr lang="en-US" dirty="0" smtClean="0"/>
-              <a:t>SR (Success Rate)</a:t>
-            </a:r>
-          </a:p>
-          <a:p>
-            <a:r>
-              <a:rPr lang="en-US" dirty="0" err="1" smtClean="0"/>
-              <a:t>Outras</a:t>
-            </a:r>
-            <a:r>
-              <a:rPr lang="en-US" dirty="0" smtClean="0"/>
-              <a:t> </a:t>
-            </a:r>
-            <a:r>
-              <a:rPr lang="en-US" dirty="0" err="1" smtClean="0"/>
-              <a:t>variáveis</a:t>
-            </a:r>
-            <a:r>
-              <a:rPr lang="en-US" dirty="0" smtClean="0"/>
-              <a:t> </a:t>
-            </a:r>
-            <a:r>
-              <a:rPr lang="en-US" dirty="0" err="1" smtClean="0"/>
-              <a:t>podem</a:t>
-            </a:r>
-            <a:r>
-              <a:rPr lang="en-US" dirty="0" smtClean="0"/>
-              <a:t> </a:t>
-            </a:r>
-            <a:r>
-              <a:rPr lang="en-US" dirty="0" err="1" smtClean="0"/>
-              <a:t>ter</a:t>
-            </a:r>
-            <a:r>
-              <a:rPr lang="en-US" dirty="0" smtClean="0"/>
-              <a:t> </a:t>
-            </a:r>
-            <a:r>
-              <a:rPr lang="en-US" dirty="0" err="1" smtClean="0"/>
-              <a:t>mais</a:t>
-            </a:r>
-            <a:r>
-              <a:rPr lang="en-US" dirty="0" smtClean="0"/>
-              <a:t> </a:t>
-            </a:r>
-            <a:r>
-              <a:rPr lang="en-US" dirty="0" err="1" smtClean="0"/>
-              <a:t>significado</a:t>
-            </a:r>
-            <a:r>
-              <a:rPr lang="en-US" dirty="0" smtClean="0"/>
-              <a:t> (</a:t>
-            </a:r>
-            <a:r>
-              <a:rPr lang="en-US" dirty="0" err="1" smtClean="0"/>
-              <a:t>mediana</a:t>
-            </a:r>
-            <a:r>
-              <a:rPr lang="en-US" dirty="0" smtClean="0"/>
-              <a:t>, </a:t>
-            </a:r>
-            <a:r>
-              <a:rPr lang="en-US" dirty="0" err="1" smtClean="0"/>
-              <a:t>melhor</a:t>
-            </a:r>
-            <a:r>
-              <a:rPr lang="en-US" dirty="0" smtClean="0"/>
-              <a:t> fitness, </a:t>
-            </a:r>
-            <a:r>
-              <a:rPr lang="en-US" dirty="0" err="1" smtClean="0"/>
-              <a:t>etc</a:t>
-            </a:r>
-            <a:r>
-              <a:rPr lang="en-US" dirty="0" smtClean="0"/>
-              <a:t>)</a:t>
-            </a:r>
+              <a:rPr lang="en-US" dirty="0">
+                <a:solidFill>
+                  <a:schemeClr val="tx1"/>
+                </a:solidFill>
+                <a:latin typeface="Helvetica" charset="0"/>
+                <a:ea typeface="Helvetica" charset="0"/>
+                <a:cs typeface="Helvetica" charset="0"/>
+              </a:rPr>
+              <a:t>[6] </a:t>
+            </a:r>
+            <a:r>
+              <a:rPr lang="en-US" dirty="0" smtClean="0">
+                <a:solidFill>
+                  <a:schemeClr val="tx1"/>
+                </a:solidFill>
+                <a:latin typeface="Helvetica" charset="0"/>
+                <a:ea typeface="Helvetica" charset="0"/>
+                <a:cs typeface="Helvetica" charset="0"/>
+              </a:rPr>
+              <a:t>P</a:t>
+            </a:r>
+            <a:r>
+              <a:rPr lang="en-US" dirty="0">
+                <a:solidFill>
+                  <a:schemeClr val="tx1"/>
+                </a:solidFill>
+                <a:latin typeface="Helvetica" charset="0"/>
+                <a:ea typeface="Helvetica" charset="0"/>
+                <a:cs typeface="Helvetica" charset="0"/>
+              </a:rPr>
+              <a:t>. </a:t>
+            </a:r>
+            <a:r>
+              <a:rPr lang="en-US" dirty="0" err="1">
+                <a:solidFill>
+                  <a:schemeClr val="tx1"/>
+                </a:solidFill>
+                <a:latin typeface="Helvetica" charset="0"/>
+                <a:ea typeface="Helvetica" charset="0"/>
+                <a:cs typeface="Helvetica" charset="0"/>
+              </a:rPr>
+              <a:t>Giguere</a:t>
+            </a:r>
+            <a:r>
+              <a:rPr lang="en-US" dirty="0">
+                <a:solidFill>
+                  <a:schemeClr val="tx1"/>
+                </a:solidFill>
+                <a:latin typeface="Helvetica" charset="0"/>
+                <a:ea typeface="Helvetica" charset="0"/>
+                <a:cs typeface="Helvetica" charset="0"/>
+              </a:rPr>
+              <a:t> and D. E. Goldberg. “Population sizing for optimum sampling with genetic algorithms: A case study of the </a:t>
+            </a:r>
+            <a:r>
+              <a:rPr lang="en-US" dirty="0" err="1">
+                <a:solidFill>
+                  <a:schemeClr val="tx1"/>
+                </a:solidFill>
+                <a:latin typeface="Helvetica" charset="0"/>
+                <a:ea typeface="Helvetica" charset="0"/>
+                <a:cs typeface="Helvetica" charset="0"/>
+              </a:rPr>
+              <a:t>onemax</a:t>
+            </a:r>
+            <a:r>
+              <a:rPr lang="en-US" dirty="0">
+                <a:solidFill>
+                  <a:schemeClr val="tx1"/>
+                </a:solidFill>
+                <a:latin typeface="Helvetica" charset="0"/>
+                <a:ea typeface="Helvetica" charset="0"/>
+                <a:cs typeface="Helvetica" charset="0"/>
+              </a:rPr>
+              <a:t> problem”. </a:t>
+            </a:r>
+            <a:r>
+              <a:rPr lang="en-US" i="1" dirty="0">
+                <a:solidFill>
+                  <a:schemeClr val="tx1"/>
+                </a:solidFill>
+                <a:latin typeface="Helvetica" charset="0"/>
+                <a:ea typeface="Helvetica" charset="0"/>
+                <a:cs typeface="Helvetica" charset="0"/>
+              </a:rPr>
+              <a:t>Genetic Programming</a:t>
+            </a:r>
+            <a:r>
+              <a:rPr lang="en-US" dirty="0">
+                <a:solidFill>
+                  <a:schemeClr val="tx1"/>
+                </a:solidFill>
+                <a:latin typeface="Helvetica" charset="0"/>
+                <a:ea typeface="Helvetica" charset="0"/>
+                <a:cs typeface="Helvetica" charset="0"/>
+              </a:rPr>
+              <a:t>, 98:496–503, 1998. </a:t>
+            </a:r>
+          </a:p>
+          <a:p>
+            <a:r>
+              <a:rPr lang="en-US" dirty="0" smtClean="0">
+                <a:solidFill>
+                  <a:schemeClr val="tx1"/>
+                </a:solidFill>
+                <a:latin typeface="Helvetica" charset="0"/>
+                <a:ea typeface="Helvetica" charset="0"/>
+                <a:cs typeface="Helvetica" charset="0"/>
+              </a:rPr>
+              <a:t>[7]</a:t>
+            </a:r>
+            <a:r>
+              <a:rPr lang="en-US" dirty="0">
+                <a:solidFill>
+                  <a:schemeClr val="tx1"/>
+                </a:solidFill>
+                <a:latin typeface="Helvetica" charset="0"/>
+                <a:ea typeface="Helvetica" charset="0"/>
+                <a:cs typeface="Helvetica" charset="0"/>
+              </a:rPr>
+              <a:t> D. L. Applegate, R. E. Bixby, V. </a:t>
+            </a:r>
+            <a:r>
+              <a:rPr lang="en-US" dirty="0" err="1">
+                <a:solidFill>
+                  <a:schemeClr val="tx1"/>
+                </a:solidFill>
+                <a:latin typeface="Helvetica" charset="0"/>
+                <a:ea typeface="Helvetica" charset="0"/>
+                <a:cs typeface="Helvetica" charset="0"/>
+              </a:rPr>
+              <a:t>Chvatal</a:t>
+            </a:r>
+            <a:r>
+              <a:rPr lang="en-US" dirty="0">
+                <a:solidFill>
+                  <a:schemeClr val="tx1"/>
+                </a:solidFill>
+                <a:latin typeface="Helvetica" charset="0"/>
+                <a:ea typeface="Helvetica" charset="0"/>
+                <a:cs typeface="Helvetica" charset="0"/>
+              </a:rPr>
+              <a:t>, and W. J. Cook. </a:t>
+            </a:r>
+            <a:r>
+              <a:rPr lang="en-US" dirty="0" smtClean="0">
+                <a:solidFill>
+                  <a:schemeClr val="tx1"/>
+                </a:solidFill>
+                <a:latin typeface="Helvetica" charset="0"/>
+                <a:ea typeface="Helvetica" charset="0"/>
+                <a:cs typeface="Helvetica" charset="0"/>
+              </a:rPr>
+              <a:t>"</a:t>
+            </a:r>
+            <a:r>
+              <a:rPr lang="en-US" dirty="0" smtClean="0">
+                <a:solidFill>
+                  <a:schemeClr val="tx1"/>
+                </a:solidFill>
+                <a:latin typeface="Helvetica" charset="0"/>
+                <a:ea typeface="Helvetica" charset="0"/>
+                <a:cs typeface="Helvetica" charset="0"/>
+              </a:rPr>
+              <a:t>The </a:t>
+            </a:r>
+            <a:r>
+              <a:rPr lang="en-US" dirty="0">
+                <a:solidFill>
+                  <a:schemeClr val="tx1"/>
+                </a:solidFill>
+                <a:latin typeface="Helvetica" charset="0"/>
+                <a:ea typeface="Helvetica" charset="0"/>
+                <a:cs typeface="Helvetica" charset="0"/>
+              </a:rPr>
+              <a:t>Traveling Salesman Problem: a computational </a:t>
+            </a:r>
+            <a:r>
+              <a:rPr lang="en-US" dirty="0" smtClean="0">
+                <a:solidFill>
+                  <a:schemeClr val="tx1"/>
+                </a:solidFill>
+                <a:latin typeface="Helvetica" charset="0"/>
+                <a:ea typeface="Helvetica" charset="0"/>
+                <a:cs typeface="Helvetica" charset="0"/>
+              </a:rPr>
+              <a:t>study</a:t>
+            </a:r>
+            <a:r>
+              <a:rPr lang="en-US" dirty="0" smtClean="0">
+                <a:solidFill>
+                  <a:schemeClr val="tx1"/>
+                </a:solidFill>
+                <a:latin typeface="Helvetica" charset="0"/>
+                <a:ea typeface="Helvetica" charset="0"/>
+                <a:cs typeface="Helvetica" charset="0"/>
+              </a:rPr>
+              <a:t>"</a:t>
+            </a:r>
+            <a:r>
+              <a:rPr lang="en-US" dirty="0" smtClean="0">
+                <a:solidFill>
+                  <a:schemeClr val="tx1"/>
+                </a:solidFill>
+                <a:latin typeface="Helvetica" charset="0"/>
+                <a:ea typeface="Helvetica" charset="0"/>
+                <a:cs typeface="Helvetica" charset="0"/>
+              </a:rPr>
+              <a:t>. </a:t>
+            </a:r>
+            <a:r>
+              <a:rPr lang="en-US" i="1" dirty="0">
+                <a:solidFill>
+                  <a:schemeClr val="tx1"/>
+                </a:solidFill>
+                <a:latin typeface="Helvetica" charset="0"/>
+                <a:ea typeface="Helvetica" charset="0"/>
+                <a:cs typeface="Helvetica" charset="0"/>
+              </a:rPr>
+              <a:t>Princeton </a:t>
+            </a:r>
+            <a:r>
+              <a:rPr lang="en-US" i="1" dirty="0" smtClean="0">
+                <a:solidFill>
+                  <a:schemeClr val="tx1"/>
+                </a:solidFill>
+                <a:latin typeface="Helvetica" charset="0"/>
+                <a:ea typeface="Helvetica" charset="0"/>
+                <a:cs typeface="Helvetica" charset="0"/>
+              </a:rPr>
+              <a:t>University </a:t>
+            </a:r>
+            <a:r>
+              <a:rPr lang="en-US" i="1" dirty="0">
+                <a:solidFill>
+                  <a:schemeClr val="tx1"/>
+                </a:solidFill>
+                <a:latin typeface="Helvetica" charset="0"/>
+                <a:ea typeface="Helvetica" charset="0"/>
+                <a:cs typeface="Helvetica" charset="0"/>
+              </a:rPr>
+              <a:t>P</a:t>
+            </a:r>
+            <a:r>
+              <a:rPr lang="en-US" i="1" dirty="0" smtClean="0">
+                <a:solidFill>
+                  <a:schemeClr val="tx1"/>
+                </a:solidFill>
+                <a:latin typeface="Helvetica" charset="0"/>
+                <a:ea typeface="Helvetica" charset="0"/>
+                <a:cs typeface="Helvetica" charset="0"/>
+              </a:rPr>
+              <a:t>ress</a:t>
+            </a:r>
+            <a:r>
+              <a:rPr lang="en-US" dirty="0">
+                <a:solidFill>
+                  <a:schemeClr val="tx1"/>
+                </a:solidFill>
+                <a:latin typeface="Helvetica" charset="0"/>
+                <a:ea typeface="Helvetica" charset="0"/>
+                <a:cs typeface="Helvetica" charset="0"/>
+              </a:rPr>
+              <a:t>, 2011. </a:t>
+            </a:r>
+            <a:endParaRPr lang="en-US" dirty="0">
+              <a:solidFill>
+                <a:schemeClr val="tx1"/>
+              </a:solidFill>
+              <a:latin typeface="Helvetica" charset="0"/>
+              <a:ea typeface="Helvetica" charset="0"/>
+              <a:cs typeface="Helvetica" charset="0"/>
+            </a:endParaRPr>
+          </a:p>
+          <a:p>
+            <a:pPr marL="0" indent="0">
+              <a:buNone/>
+            </a:pPr>
+            <a:endParaRPr lang="en-US" dirty="0"/>
           </a:p>
           <a:p>
             <a:endParaRPr lang="en-US" dirty="0"/>
@@ -16102,7 +17047,7 @@
       </p:sp>
       <p:sp>
         <p:nvSpPr>
-          <p:cNvPr id="5" name="Slide Number Placeholder 4"/>
+          <p:cNvPr id="4" name="Slide Number Placeholder 3"/>
           <p:cNvSpPr>
             <a:spLocks noGrp="1"/>
           </p:cNvSpPr>
@@ -16117,7 +17062,7 @@
           <a:p>
             <a:fld id="{55774153-6BEA-8641-B7A1-86CE42693FE2}" type="slidenum">
               <a:rPr lang="en-US" smtClean="0"/>
-              <a:t>15</a:t>
+              <a:t>12</a:t>
             </a:fld>
             <a:endParaRPr lang="en-US"/>
           </a:p>
@@ -16126,942 +17071,7 @@
     </p:spTree>
     <p:extLst>
       <p:ext uri="{BB962C8B-B14F-4D97-AF65-F5344CB8AC3E}">
-        <p14:creationId xmlns:p14="http://schemas.microsoft.com/office/powerpoint/2010/main" val="2001263119"/>
-      </p:ext>
-    </p:extLst>
-  </p:cSld>
-  <p:clrMapOvr>
-    <a:masterClrMapping/>
-  </p:clrMapOvr>
-  <p:timing>
-    <p:tnLst>
-      <p:par>
-        <p:cTn id="1" dur="indefinite" restart="never" nodeType="tmRoot"/>
-      </p:par>
-    </p:tnLst>
-  </p:timing>
-</p:sld>
-</file>
-
-<file path=ppt/slides/slide17.xml><?xml version="1.0" encoding="utf-8"?>
-<p:sld xmlns:a="http://schemas.openxmlformats.org/drawingml/2006/main" xmlns:r="http://schemas.openxmlformats.org/officeDocument/2006/relationships" xmlns:p="http://schemas.openxmlformats.org/presentationml/2006/main">
-  <p:cSld>
-    <p:spTree>
-      <p:nvGrpSpPr>
-        <p:cNvPr id="1" name=""/>
-        <p:cNvGrpSpPr/>
-        <p:nvPr/>
-      </p:nvGrpSpPr>
-      <p:grpSpPr>
-        <a:xfrm>
-          <a:off x="0" y="0"/>
-          <a:ext cx="0" cy="0"/>
-          <a:chOff x="0" y="0"/>
-          <a:chExt cx="0" cy="0"/>
-        </a:xfrm>
-      </p:grpSpPr>
-      <p:sp>
-        <p:nvSpPr>
-          <p:cNvPr id="2" name="Title 1"/>
-          <p:cNvSpPr>
-            <a:spLocks noGrp="1"/>
-          </p:cNvSpPr>
-          <p:nvPr>
-            <p:ph type="title"/>
-          </p:nvPr>
-        </p:nvSpPr>
-        <p:spPr/>
-        <p:txBody>
-          <a:bodyPr/>
-          <a:lstStyle/>
-          <a:p>
-            <a:r>
-              <a:rPr lang="en-US" dirty="0" err="1" smtClean="0"/>
-              <a:t>Objetivos</a:t>
-            </a:r>
-            <a:r>
-              <a:rPr lang="en-US" dirty="0" smtClean="0"/>
-              <a:t> do TG</a:t>
-            </a:r>
-            <a:endParaRPr lang="en-US" dirty="0"/>
-          </a:p>
-        </p:txBody>
-      </p:sp>
-      <p:sp>
-        <p:nvSpPr>
-          <p:cNvPr id="3" name="Content Placeholder 2"/>
-          <p:cNvSpPr>
-            <a:spLocks noGrp="1"/>
-          </p:cNvSpPr>
-          <p:nvPr>
-            <p:ph idx="1"/>
-          </p:nvPr>
-        </p:nvSpPr>
-        <p:spPr/>
-        <p:txBody>
-          <a:bodyPr/>
-          <a:lstStyle/>
-          <a:p>
-            <a:r>
-              <a:rPr lang="en-US" dirty="0" err="1" smtClean="0"/>
-              <a:t>Implementar</a:t>
-            </a:r>
-            <a:r>
-              <a:rPr lang="en-US" dirty="0" smtClean="0"/>
-              <a:t> um </a:t>
-            </a:r>
-            <a:r>
-              <a:rPr lang="en-US" dirty="0" err="1" smtClean="0"/>
-              <a:t>algoritmo</a:t>
-            </a:r>
-            <a:r>
-              <a:rPr lang="en-US" dirty="0" smtClean="0"/>
-              <a:t> </a:t>
-            </a:r>
-            <a:r>
-              <a:rPr lang="en-US" dirty="0" err="1" smtClean="0"/>
-              <a:t>evolutivo</a:t>
-            </a:r>
-            <a:r>
-              <a:rPr lang="en-US" dirty="0" smtClean="0"/>
-              <a:t> (AE)</a:t>
-            </a:r>
-          </a:p>
-          <a:p>
-            <a:r>
-              <a:rPr lang="en-US" dirty="0" err="1" smtClean="0"/>
-              <a:t>Implementar</a:t>
-            </a:r>
-            <a:r>
-              <a:rPr lang="en-US" dirty="0" smtClean="0"/>
-              <a:t> </a:t>
-            </a:r>
-            <a:r>
-              <a:rPr lang="en-US" dirty="0" err="1" smtClean="0"/>
-              <a:t>problemas</a:t>
-            </a:r>
-            <a:r>
-              <a:rPr lang="en-US" dirty="0"/>
-              <a:t> </a:t>
-            </a:r>
-            <a:r>
-              <a:rPr lang="en-US" dirty="0" err="1" smtClean="0"/>
-              <a:t>compatíveis</a:t>
-            </a:r>
-            <a:r>
-              <a:rPr lang="en-US" dirty="0" smtClean="0"/>
-              <a:t> com </a:t>
-            </a:r>
-            <a:r>
-              <a:rPr lang="en-US" dirty="0" err="1" smtClean="0"/>
-              <a:t>este</a:t>
-            </a:r>
-            <a:r>
-              <a:rPr lang="en-US" dirty="0" smtClean="0"/>
-              <a:t> AE</a:t>
-            </a:r>
-          </a:p>
-          <a:p>
-            <a:r>
-              <a:rPr lang="en-US" dirty="0" err="1" smtClean="0"/>
-              <a:t>Otimizar</a:t>
-            </a:r>
-            <a:r>
-              <a:rPr lang="en-US" dirty="0" smtClean="0"/>
-              <a:t> o AE</a:t>
-            </a:r>
-          </a:p>
-          <a:p>
-            <a:r>
-              <a:rPr lang="en-US" dirty="0" err="1" smtClean="0"/>
-              <a:t>Analisar</a:t>
-            </a:r>
-            <a:r>
-              <a:rPr lang="en-US" dirty="0" smtClean="0"/>
-              <a:t> as </a:t>
-            </a:r>
-            <a:r>
-              <a:rPr lang="en-US" dirty="0" err="1" smtClean="0"/>
-              <a:t>soluções</a:t>
-            </a:r>
-            <a:r>
-              <a:rPr lang="en-US" dirty="0" smtClean="0"/>
-              <a:t> </a:t>
-            </a:r>
-            <a:r>
-              <a:rPr lang="en-US" dirty="0" err="1" smtClean="0"/>
-              <a:t>obtidas</a:t>
-            </a:r>
-            <a:r>
-              <a:rPr lang="en-US" dirty="0" smtClean="0"/>
-              <a:t> </a:t>
-            </a:r>
-            <a:r>
-              <a:rPr lang="en-US" dirty="0" err="1" smtClean="0"/>
-              <a:t>pelo</a:t>
-            </a:r>
-            <a:r>
-              <a:rPr lang="en-US" dirty="0" smtClean="0"/>
-              <a:t> AE para </a:t>
-            </a:r>
-            <a:r>
-              <a:rPr lang="en-US" dirty="0" err="1" smtClean="0"/>
-              <a:t>os</a:t>
-            </a:r>
-            <a:r>
-              <a:rPr lang="en-US" dirty="0" smtClean="0"/>
-              <a:t> </a:t>
-            </a:r>
-            <a:r>
-              <a:rPr lang="en-US" dirty="0" err="1" smtClean="0"/>
-              <a:t>problemas</a:t>
-            </a:r>
-            <a:endParaRPr lang="en-US" dirty="0"/>
-          </a:p>
-        </p:txBody>
-      </p:sp>
-      <p:sp>
-        <p:nvSpPr>
-          <p:cNvPr id="5" name="Slide Number Placeholder 4"/>
-          <p:cNvSpPr>
-            <a:spLocks noGrp="1"/>
-          </p:cNvSpPr>
-          <p:nvPr>
-            <p:ph type="sldNum" sz="quarter" idx="12"/>
-          </p:nvPr>
-        </p:nvSpPr>
-        <p:spPr/>
-        <p:txBody>
-          <a:bodyPr/>
-          <a:lstStyle/>
-          <a:p>
-            <a:fld id="{55774153-6BEA-8641-B7A1-86CE42693FE2}" type="slidenum">
-              <a:rPr lang="en-US" smtClean="0"/>
-              <a:t>16</a:t>
-            </a:fld>
-            <a:endParaRPr lang="en-US"/>
-          </a:p>
-        </p:txBody>
-      </p:sp>
-    </p:spTree>
-    <p:extLst>
-      <p:ext uri="{BB962C8B-B14F-4D97-AF65-F5344CB8AC3E}">
-        <p14:creationId xmlns:p14="http://schemas.microsoft.com/office/powerpoint/2010/main" val="537306771"/>
-      </p:ext>
-    </p:extLst>
-  </p:cSld>
-  <p:clrMapOvr>
-    <a:masterClrMapping/>
-  </p:clrMapOvr>
-  <p:timing>
-    <p:tnLst>
-      <p:par>
-        <p:cTn id="1" dur="indefinite" restart="never" nodeType="tmRoot"/>
-      </p:par>
-    </p:tnLst>
-  </p:timing>
-</p:sld>
-</file>
-
-<file path=ppt/slides/slide18.xml><?xml version="1.0" encoding="utf-8"?>
-<p:sld xmlns:a="http://schemas.openxmlformats.org/drawingml/2006/main" xmlns:r="http://schemas.openxmlformats.org/officeDocument/2006/relationships" xmlns:p="http://schemas.openxmlformats.org/presentationml/2006/main">
-  <p:cSld>
-    <p:spTree>
-      <p:nvGrpSpPr>
-        <p:cNvPr id="1" name=""/>
-        <p:cNvGrpSpPr/>
-        <p:nvPr/>
-      </p:nvGrpSpPr>
-      <p:grpSpPr>
-        <a:xfrm>
-          <a:off x="0" y="0"/>
-          <a:ext cx="0" cy="0"/>
-          <a:chOff x="0" y="0"/>
-          <a:chExt cx="0" cy="0"/>
-        </a:xfrm>
-      </p:grpSpPr>
-      <p:sp>
-        <p:nvSpPr>
-          <p:cNvPr id="2" name="Title 1"/>
-          <p:cNvSpPr>
-            <a:spLocks noGrp="1"/>
-          </p:cNvSpPr>
-          <p:nvPr>
-            <p:ph type="title"/>
-          </p:nvPr>
-        </p:nvSpPr>
-        <p:spPr/>
-        <p:txBody>
-          <a:bodyPr/>
-          <a:lstStyle/>
-          <a:p>
-            <a:r>
-              <a:rPr lang="en-US" dirty="0" err="1" smtClean="0"/>
-              <a:t>Desenvolvimento</a:t>
-            </a:r>
-            <a:r>
-              <a:rPr lang="en-US" dirty="0" smtClean="0"/>
-              <a:t> </a:t>
-            </a:r>
-            <a:r>
-              <a:rPr lang="en-US" dirty="0" err="1" smtClean="0"/>
-              <a:t>previsto</a:t>
-            </a:r>
-            <a:endParaRPr lang="en-US" dirty="0"/>
-          </a:p>
-        </p:txBody>
-      </p:sp>
-      <p:sp>
-        <p:nvSpPr>
-          <p:cNvPr id="3" name="Content Placeholder 2"/>
-          <p:cNvSpPr>
-            <a:spLocks noGrp="1"/>
-          </p:cNvSpPr>
-          <p:nvPr>
-            <p:ph idx="1"/>
-          </p:nvPr>
-        </p:nvSpPr>
-        <p:spPr/>
-        <p:txBody>
-          <a:bodyPr/>
-          <a:lstStyle/>
-          <a:p>
-            <a:r>
-              <a:rPr lang="en-US" dirty="0" err="1" smtClean="0"/>
-              <a:t>Implementação</a:t>
-            </a:r>
-            <a:r>
-              <a:rPr lang="en-US" dirty="0" smtClean="0"/>
-              <a:t> do AE e de </a:t>
-            </a:r>
-            <a:r>
-              <a:rPr lang="en-US" dirty="0" err="1" smtClean="0"/>
-              <a:t>seus</a:t>
-            </a:r>
-            <a:r>
-              <a:rPr lang="en-US" dirty="0" smtClean="0"/>
-              <a:t> </a:t>
-            </a:r>
-            <a:r>
-              <a:rPr lang="en-US" dirty="0" err="1" smtClean="0"/>
-              <a:t>algoritmos</a:t>
-            </a:r>
-            <a:r>
-              <a:rPr lang="en-US" dirty="0" smtClean="0"/>
-              <a:t> de </a:t>
-            </a:r>
-            <a:r>
-              <a:rPr lang="en-US" dirty="0" err="1" smtClean="0"/>
-              <a:t>variação</a:t>
-            </a:r>
-            <a:r>
-              <a:rPr lang="en-US" dirty="0" smtClean="0"/>
-              <a:t> e </a:t>
-            </a:r>
-            <a:r>
-              <a:rPr lang="en-US" dirty="0" err="1" smtClean="0"/>
-              <a:t>seleção</a:t>
-            </a:r>
-            <a:endParaRPr lang="en-US" dirty="0"/>
-          </a:p>
-          <a:p>
-            <a:r>
-              <a:rPr lang="en-US" dirty="0" err="1" smtClean="0"/>
-              <a:t>Implementação</a:t>
-            </a:r>
-            <a:r>
-              <a:rPr lang="en-US" dirty="0" smtClean="0"/>
-              <a:t> dos </a:t>
-            </a:r>
-            <a:r>
-              <a:rPr lang="en-US" dirty="0" err="1" smtClean="0"/>
-              <a:t>problemas</a:t>
-            </a:r>
-            <a:r>
-              <a:rPr lang="en-US" dirty="0" smtClean="0"/>
-              <a:t> e de </a:t>
-            </a:r>
-            <a:r>
-              <a:rPr lang="en-US" dirty="0" err="1" smtClean="0"/>
-              <a:t>suas</a:t>
-            </a:r>
-            <a:r>
-              <a:rPr lang="en-US" dirty="0" smtClean="0"/>
-              <a:t> </a:t>
-            </a:r>
-            <a:r>
-              <a:rPr lang="en-US" dirty="0" err="1" smtClean="0"/>
-              <a:t>funções</a:t>
-            </a:r>
-            <a:r>
-              <a:rPr lang="en-US" dirty="0" smtClean="0"/>
-              <a:t> de fitness</a:t>
-            </a:r>
-          </a:p>
-          <a:p>
-            <a:r>
-              <a:rPr lang="en-US" dirty="0" err="1" smtClean="0"/>
-              <a:t>Implementação</a:t>
-            </a:r>
-            <a:r>
-              <a:rPr lang="en-US" dirty="0" smtClean="0"/>
-              <a:t> do </a:t>
-            </a:r>
-            <a:r>
-              <a:rPr lang="en-US" dirty="0" err="1" smtClean="0"/>
-              <a:t>algoritmo</a:t>
-            </a:r>
-            <a:r>
-              <a:rPr lang="en-US" dirty="0" smtClean="0"/>
-              <a:t> CMA-ES para tuning do AE </a:t>
-            </a:r>
-            <a:r>
-              <a:rPr lang="en-US" dirty="0" err="1" smtClean="0"/>
-              <a:t>sobre</a:t>
-            </a:r>
-            <a:r>
-              <a:rPr lang="en-US" dirty="0" smtClean="0"/>
-              <a:t> </a:t>
-            </a:r>
-            <a:r>
-              <a:rPr lang="en-US" dirty="0" err="1" smtClean="0"/>
-              <a:t>os</a:t>
-            </a:r>
-            <a:r>
-              <a:rPr lang="en-US" dirty="0" smtClean="0"/>
-              <a:t> </a:t>
-            </a:r>
-            <a:r>
-              <a:rPr lang="en-US" dirty="0" err="1" smtClean="0"/>
-              <a:t>problemas</a:t>
-            </a:r>
-            <a:endParaRPr lang="en-US" dirty="0" smtClean="0"/>
-          </a:p>
-          <a:p>
-            <a:r>
-              <a:rPr lang="en-US" dirty="0" err="1" smtClean="0"/>
-              <a:t>Definição</a:t>
-            </a:r>
-            <a:r>
-              <a:rPr lang="en-US" dirty="0" smtClean="0"/>
-              <a:t> e </a:t>
-            </a:r>
-            <a:r>
-              <a:rPr lang="en-US" dirty="0" err="1" smtClean="0"/>
-              <a:t>implementação</a:t>
-            </a:r>
-            <a:r>
-              <a:rPr lang="en-US" dirty="0" smtClean="0"/>
-              <a:t> da </a:t>
-            </a:r>
-            <a:r>
-              <a:rPr lang="en-US" dirty="0" err="1" smtClean="0"/>
-              <a:t>função</a:t>
-            </a:r>
-            <a:r>
-              <a:rPr lang="en-US" dirty="0" smtClean="0"/>
-              <a:t> </a:t>
-            </a:r>
-            <a:r>
-              <a:rPr lang="en-US" dirty="0" err="1" smtClean="0"/>
-              <a:t>utilidade</a:t>
-            </a:r>
-            <a:endParaRPr lang="en-US" dirty="0"/>
-          </a:p>
-          <a:p>
-            <a:r>
-              <a:rPr lang="en-US" dirty="0" err="1" smtClean="0"/>
-              <a:t>Execução</a:t>
-            </a:r>
-            <a:r>
-              <a:rPr lang="en-US" dirty="0" smtClean="0"/>
-              <a:t> </a:t>
-            </a:r>
-            <a:r>
-              <a:rPr lang="en-US" dirty="0" err="1" smtClean="0"/>
-              <a:t>contínua</a:t>
-            </a:r>
-            <a:r>
-              <a:rPr lang="en-US" dirty="0" smtClean="0"/>
-              <a:t> do AE </a:t>
-            </a:r>
-            <a:r>
-              <a:rPr lang="en-US" dirty="0" err="1" smtClean="0"/>
-              <a:t>pós</a:t>
-            </a:r>
-            <a:r>
-              <a:rPr lang="en-US" dirty="0" smtClean="0"/>
-              <a:t>-tuning e </a:t>
-            </a:r>
-            <a:r>
-              <a:rPr lang="en-US" dirty="0" err="1" smtClean="0"/>
-              <a:t>análise</a:t>
-            </a:r>
-            <a:r>
-              <a:rPr lang="en-US" dirty="0" smtClean="0"/>
-              <a:t> dos </a:t>
-            </a:r>
-            <a:r>
-              <a:rPr lang="en-US" dirty="0" err="1" smtClean="0"/>
-              <a:t>valores</a:t>
-            </a:r>
-            <a:r>
-              <a:rPr lang="en-US" dirty="0" smtClean="0"/>
-              <a:t> da </a:t>
-            </a:r>
-            <a:r>
-              <a:rPr lang="en-US" dirty="0" err="1" smtClean="0"/>
-              <a:t>função</a:t>
-            </a:r>
-            <a:r>
-              <a:rPr lang="en-US" dirty="0" smtClean="0"/>
-              <a:t> </a:t>
-            </a:r>
-            <a:r>
-              <a:rPr lang="en-US" dirty="0" err="1" smtClean="0"/>
-              <a:t>utilidade</a:t>
-            </a:r>
-            <a:endParaRPr lang="en-US" dirty="0" smtClean="0"/>
-          </a:p>
-          <a:p>
-            <a:pPr marL="0" indent="0">
-              <a:buNone/>
-            </a:pPr>
-            <a:endParaRPr lang="en-US" dirty="0"/>
-          </a:p>
-          <a:p>
-            <a:r>
-              <a:rPr lang="en-US" dirty="0" err="1" smtClean="0"/>
-              <a:t>Nesta</a:t>
-            </a:r>
-            <a:r>
-              <a:rPr lang="en-US" dirty="0" smtClean="0"/>
-              <a:t> </a:t>
-            </a:r>
-            <a:r>
-              <a:rPr lang="en-US" dirty="0" err="1" smtClean="0"/>
-              <a:t>ordem</a:t>
-            </a:r>
-            <a:endParaRPr lang="en-US" dirty="0"/>
-          </a:p>
-        </p:txBody>
-      </p:sp>
-      <p:sp>
-        <p:nvSpPr>
-          <p:cNvPr id="5" name="Slide Number Placeholder 4"/>
-          <p:cNvSpPr>
-            <a:spLocks noGrp="1"/>
-          </p:cNvSpPr>
-          <p:nvPr>
-            <p:ph type="sldNum" sz="quarter" idx="12"/>
-          </p:nvPr>
-        </p:nvSpPr>
-        <p:spPr/>
-        <p:txBody>
-          <a:bodyPr/>
-          <a:lstStyle/>
-          <a:p>
-            <a:fld id="{55774153-6BEA-8641-B7A1-86CE42693FE2}" type="slidenum">
-              <a:rPr lang="en-US" smtClean="0"/>
-              <a:t>17</a:t>
-            </a:fld>
-            <a:endParaRPr lang="en-US"/>
-          </a:p>
-        </p:txBody>
-      </p:sp>
-    </p:spTree>
-    <p:extLst>
-      <p:ext uri="{BB962C8B-B14F-4D97-AF65-F5344CB8AC3E}">
-        <p14:creationId xmlns:p14="http://schemas.microsoft.com/office/powerpoint/2010/main" val="2114913759"/>
-      </p:ext>
-    </p:extLst>
-  </p:cSld>
-  <p:clrMapOvr>
-    <a:masterClrMapping/>
-  </p:clrMapOvr>
-  <p:timing>
-    <p:tnLst>
-      <p:par>
-        <p:cTn id="1" dur="indefinite" restart="never" nodeType="tmRoot"/>
-      </p:par>
-    </p:tnLst>
-  </p:timing>
-</p:sld>
-</file>
-
-<file path=ppt/slides/slide19.xml><?xml version="1.0" encoding="utf-8"?>
-<p:sld xmlns:a="http://schemas.openxmlformats.org/drawingml/2006/main" xmlns:r="http://schemas.openxmlformats.org/officeDocument/2006/relationships" xmlns:p="http://schemas.openxmlformats.org/presentationml/2006/main">
-  <p:cSld>
-    <p:spTree>
-      <p:nvGrpSpPr>
-        <p:cNvPr id="1" name=""/>
-        <p:cNvGrpSpPr/>
-        <p:nvPr/>
-      </p:nvGrpSpPr>
-      <p:grpSpPr>
-        <a:xfrm>
-          <a:off x="0" y="0"/>
-          <a:ext cx="0" cy="0"/>
-          <a:chOff x="0" y="0"/>
-          <a:chExt cx="0" cy="0"/>
-        </a:xfrm>
-      </p:grpSpPr>
-      <p:sp>
-        <p:nvSpPr>
-          <p:cNvPr id="2" name="Title 1"/>
-          <p:cNvSpPr>
-            <a:spLocks noGrp="1"/>
-          </p:cNvSpPr>
-          <p:nvPr>
-            <p:ph type="title"/>
-          </p:nvPr>
-        </p:nvSpPr>
-        <p:spPr/>
-        <p:txBody>
-          <a:bodyPr/>
-          <a:lstStyle/>
-          <a:p>
-            <a:r>
-              <a:rPr lang="en-US" dirty="0" err="1" smtClean="0"/>
-              <a:t>Referências</a:t>
-            </a:r>
-            <a:endParaRPr lang="en-US" dirty="0"/>
-          </a:p>
-        </p:txBody>
-      </p:sp>
-      <p:sp>
-        <p:nvSpPr>
-          <p:cNvPr id="3" name="Content Placeholder 2"/>
-          <p:cNvSpPr>
-            <a:spLocks noGrp="1"/>
-          </p:cNvSpPr>
-          <p:nvPr>
-            <p:ph idx="1"/>
-          </p:nvPr>
-        </p:nvSpPr>
-        <p:spPr>
-          <a:xfrm>
-            <a:off x="1154954" y="2603500"/>
-            <a:ext cx="8825659" cy="4102100"/>
-          </a:xfrm>
-        </p:spPr>
-        <p:txBody>
-          <a:bodyPr>
-            <a:normAutofit lnSpcReduction="10000"/>
-          </a:bodyPr>
-          <a:lstStyle/>
-          <a:p>
-            <a:r>
-              <a:rPr lang="en-US" dirty="0" smtClean="0"/>
-              <a:t>[1] </a:t>
-            </a:r>
-            <a:r>
-              <a:rPr lang="en-US" dirty="0"/>
-              <a:t>A. E. </a:t>
-            </a:r>
-            <a:r>
-              <a:rPr lang="en-US" dirty="0" err="1" smtClean="0"/>
-              <a:t>Eiben</a:t>
-            </a:r>
-            <a:r>
-              <a:rPr lang="en-US" dirty="0" smtClean="0"/>
-              <a:t>, J</a:t>
-            </a:r>
-            <a:r>
-              <a:rPr lang="en-US" dirty="0"/>
-              <a:t>. E. Smith. </a:t>
-            </a:r>
-            <a:r>
-              <a:rPr lang="en-US" dirty="0" smtClean="0"/>
-              <a:t>“</a:t>
-            </a:r>
-            <a:r>
-              <a:rPr lang="en-US" i="1" dirty="0" smtClean="0"/>
-              <a:t>Introduction </a:t>
-            </a:r>
-            <a:r>
-              <a:rPr lang="en-US" i="1" dirty="0"/>
-              <a:t>To Evolutionary </a:t>
-            </a:r>
-            <a:r>
-              <a:rPr lang="en-US" i="1" dirty="0" smtClean="0"/>
-              <a:t>Computing”</a:t>
-            </a:r>
-            <a:r>
-              <a:rPr lang="en-US" dirty="0" smtClean="0"/>
-              <a:t>. </a:t>
-            </a:r>
-            <a:r>
-              <a:rPr lang="en-US" dirty="0"/>
-              <a:t>V</a:t>
-            </a:r>
-            <a:r>
-              <a:rPr lang="en-US" dirty="0" smtClean="0"/>
-              <a:t>olume 53. </a:t>
-            </a:r>
-            <a:r>
-              <a:rPr lang="en-US" dirty="0"/>
-              <a:t>Springer-</a:t>
-            </a:r>
-            <a:r>
-              <a:rPr lang="en-US" dirty="0" err="1"/>
-              <a:t>Verlag</a:t>
-            </a:r>
-            <a:r>
-              <a:rPr lang="en-US" dirty="0"/>
-              <a:t>, 2003. </a:t>
-            </a:r>
-            <a:endParaRPr lang="en-US" dirty="0" smtClean="0"/>
-          </a:p>
-          <a:p>
-            <a:r>
-              <a:rPr lang="en-US" dirty="0" smtClean="0"/>
-              <a:t>[2] A</a:t>
-            </a:r>
-            <a:r>
-              <a:rPr lang="en-US" dirty="0"/>
-              <a:t>. E. </a:t>
-            </a:r>
-            <a:r>
-              <a:rPr lang="en-US" dirty="0" err="1" smtClean="0"/>
-              <a:t>Eiben</a:t>
-            </a:r>
-            <a:r>
-              <a:rPr lang="en-US" dirty="0" smtClean="0"/>
-              <a:t>, S</a:t>
-            </a:r>
-            <a:r>
-              <a:rPr lang="en-US" dirty="0"/>
-              <a:t>. K. </a:t>
-            </a:r>
-            <a:r>
-              <a:rPr lang="en-US" dirty="0" err="1"/>
-              <a:t>Smit</a:t>
-            </a:r>
-            <a:r>
-              <a:rPr lang="en-US" dirty="0"/>
-              <a:t>. </a:t>
-            </a:r>
-            <a:r>
-              <a:rPr lang="en-US" dirty="0" smtClean="0"/>
-              <a:t>“Parameter </a:t>
-            </a:r>
-            <a:r>
-              <a:rPr lang="en-US" dirty="0"/>
-              <a:t>tuning for configuring and analyzing evolutionary </a:t>
-            </a:r>
-            <a:r>
-              <a:rPr lang="en-US" dirty="0" smtClean="0"/>
-              <a:t>algorithms”. </a:t>
-            </a:r>
-            <a:r>
-              <a:rPr lang="en-US" i="1" dirty="0"/>
-              <a:t>Swarm and Evolutionary Computation</a:t>
-            </a:r>
-            <a:r>
-              <a:rPr lang="en-US" dirty="0"/>
-              <a:t>, 1(1):19–31, 2011</a:t>
-            </a:r>
-            <a:r>
-              <a:rPr lang="en-US" dirty="0" smtClean="0"/>
-              <a:t>.</a:t>
-            </a:r>
-          </a:p>
-          <a:p>
-            <a:r>
-              <a:rPr lang="en-US" dirty="0" smtClean="0"/>
-              <a:t>[3] </a:t>
-            </a:r>
-            <a:r>
-              <a:rPr lang="en-US" dirty="0"/>
-              <a:t>P. </a:t>
-            </a:r>
-            <a:r>
-              <a:rPr lang="en-US" dirty="0" err="1"/>
-              <a:t>Giguere</a:t>
-            </a:r>
-            <a:r>
-              <a:rPr lang="en-US" dirty="0"/>
-              <a:t> and D. E. Goldberg. </a:t>
-            </a:r>
-            <a:r>
-              <a:rPr lang="en-US" dirty="0" smtClean="0"/>
-              <a:t>“Population </a:t>
-            </a:r>
-            <a:r>
-              <a:rPr lang="en-US" dirty="0"/>
-              <a:t>sizing for optimum sampling with genetic algorithms: A case study of the </a:t>
-            </a:r>
-            <a:r>
-              <a:rPr lang="en-US" dirty="0" err="1"/>
-              <a:t>onemax</a:t>
-            </a:r>
-            <a:r>
-              <a:rPr lang="en-US" dirty="0"/>
-              <a:t> </a:t>
-            </a:r>
-            <a:r>
-              <a:rPr lang="en-US" dirty="0" smtClean="0"/>
-              <a:t>problem”. </a:t>
-            </a:r>
-            <a:r>
-              <a:rPr lang="en-US" i="1" dirty="0"/>
-              <a:t>Genetic Programming</a:t>
-            </a:r>
-            <a:r>
-              <a:rPr lang="en-US" dirty="0"/>
-              <a:t>, 98:496–503, 1998. </a:t>
-            </a:r>
-            <a:endParaRPr lang="en-US" dirty="0" smtClean="0"/>
-          </a:p>
-          <a:p>
-            <a:r>
-              <a:rPr lang="en-US" dirty="0" smtClean="0"/>
-              <a:t>[4] P. J. </a:t>
-            </a:r>
-            <a:r>
-              <a:rPr lang="en-US" dirty="0"/>
-              <a:t>Campbell. </a:t>
-            </a:r>
-            <a:r>
-              <a:rPr lang="en-US" dirty="0" smtClean="0"/>
-              <a:t>"Gauss </a:t>
-            </a:r>
-            <a:r>
-              <a:rPr lang="en-US" dirty="0"/>
-              <a:t>and the eight queens problem: a study in miniature of the propagation of historical </a:t>
-            </a:r>
-            <a:r>
-              <a:rPr lang="en-US" dirty="0" smtClean="0"/>
-              <a:t>error". </a:t>
-            </a:r>
-            <a:r>
-              <a:rPr lang="en-US" i="1" dirty="0" err="1"/>
-              <a:t>Historia</a:t>
-            </a:r>
-            <a:r>
-              <a:rPr lang="en-US" i="1" dirty="0"/>
-              <a:t> </a:t>
-            </a:r>
-            <a:r>
-              <a:rPr lang="en-US" i="1" dirty="0" err="1"/>
-              <a:t>mathematica</a:t>
-            </a:r>
-            <a:r>
-              <a:rPr lang="en-US" dirty="0"/>
-              <a:t>, 4(4):397–404, 1977. </a:t>
-            </a:r>
-            <a:endParaRPr lang="en-US" dirty="0" smtClean="0"/>
-          </a:p>
-          <a:p>
-            <a:r>
-              <a:rPr lang="en-US" dirty="0" smtClean="0"/>
-              <a:t>[5] </a:t>
-            </a:r>
-            <a:r>
-              <a:rPr lang="en-US" dirty="0"/>
-              <a:t>A. E. </a:t>
-            </a:r>
-            <a:r>
-              <a:rPr lang="en-US" dirty="0" err="1"/>
-              <a:t>Eiben</a:t>
-            </a:r>
-            <a:r>
-              <a:rPr lang="en-US" dirty="0"/>
-              <a:t>, R. </a:t>
-            </a:r>
-            <a:r>
-              <a:rPr lang="en-US" dirty="0" err="1"/>
-              <a:t>Hinterding</a:t>
-            </a:r>
-            <a:r>
-              <a:rPr lang="en-US" dirty="0"/>
-              <a:t>, </a:t>
-            </a:r>
-            <a:r>
-              <a:rPr lang="en-US" dirty="0" smtClean="0"/>
-              <a:t>Z</a:t>
-            </a:r>
-            <a:r>
-              <a:rPr lang="en-US" dirty="0"/>
-              <a:t>. </a:t>
-            </a:r>
-            <a:r>
-              <a:rPr lang="en-US" dirty="0" err="1"/>
-              <a:t>Michalewicz</a:t>
-            </a:r>
-            <a:r>
-              <a:rPr lang="en-US" dirty="0"/>
-              <a:t>. </a:t>
-            </a:r>
-            <a:r>
-              <a:rPr lang="en-US" dirty="0" smtClean="0"/>
-              <a:t>“Parameter </a:t>
-            </a:r>
-            <a:r>
-              <a:rPr lang="en-US" dirty="0"/>
-              <a:t>control in evolutionary </a:t>
-            </a:r>
-            <a:r>
-              <a:rPr lang="en-US" dirty="0" smtClean="0"/>
-              <a:t>algorithms”. </a:t>
-            </a:r>
-            <a:r>
-              <a:rPr lang="en-US" dirty="0"/>
-              <a:t>Evolutionary Computation, </a:t>
-            </a:r>
-            <a:r>
-              <a:rPr lang="en-US" i="1" dirty="0"/>
-              <a:t>IEEE Transactions</a:t>
-            </a:r>
-            <a:r>
-              <a:rPr lang="en-US" dirty="0"/>
-              <a:t>, 3(2):124–141, 1999</a:t>
-            </a:r>
-            <a:r>
-              <a:rPr lang="en-US" dirty="0" smtClean="0"/>
-              <a:t>. </a:t>
-            </a:r>
-            <a:endParaRPr lang="en-US" dirty="0"/>
-          </a:p>
-          <a:p>
-            <a:endParaRPr lang="en-US" dirty="0"/>
-          </a:p>
-          <a:p>
-            <a:endParaRPr lang="en-US" dirty="0"/>
-          </a:p>
-          <a:p>
-            <a:endParaRPr lang="en-US" dirty="0"/>
-          </a:p>
-        </p:txBody>
-      </p:sp>
-      <p:sp>
-        <p:nvSpPr>
-          <p:cNvPr id="5" name="Slide Number Placeholder 4"/>
-          <p:cNvSpPr>
-            <a:spLocks noGrp="1"/>
-          </p:cNvSpPr>
-          <p:nvPr>
-            <p:ph type="sldNum" sz="quarter" idx="12"/>
-          </p:nvPr>
-        </p:nvSpPr>
-        <p:spPr/>
-        <p:txBody>
-          <a:bodyPr/>
-          <a:lstStyle/>
-          <a:p>
-            <a:fld id="{55774153-6BEA-8641-B7A1-86CE42693FE2}" type="slidenum">
-              <a:rPr lang="en-US" smtClean="0"/>
-              <a:t>18</a:t>
-            </a:fld>
-            <a:endParaRPr lang="en-US"/>
-          </a:p>
-        </p:txBody>
-      </p:sp>
-    </p:spTree>
-    <p:extLst>
-      <p:ext uri="{BB962C8B-B14F-4D97-AF65-F5344CB8AC3E}">
-        <p14:creationId xmlns:p14="http://schemas.microsoft.com/office/powerpoint/2010/main" val="530941430"/>
+        <p14:creationId xmlns:p14="http://schemas.microsoft.com/office/powerpoint/2010/main" val="2080831962"/>
       </p:ext>
     </p:extLst>
   </p:cSld>
@@ -17178,6 +17188,98 @@
                 <a:ea typeface="Helvetica" charset="0"/>
                 <a:cs typeface="Helvetica" charset="0"/>
               </a:rPr>
+              <a:t>Algoritmo</a:t>
+            </a:r>
+            <a:r>
+              <a:rPr lang="en-US" sz="2000" dirty="0" smtClean="0">
+                <a:solidFill>
+                  <a:schemeClr val="tx1"/>
+                </a:solidFill>
+                <a:latin typeface="Helvetica" charset="0"/>
+                <a:ea typeface="Helvetica" charset="0"/>
+                <a:cs typeface="Helvetica" charset="0"/>
+              </a:rPr>
+              <a:t> </a:t>
+            </a:r>
+            <a:r>
+              <a:rPr lang="en-US" sz="2000" dirty="0" err="1" smtClean="0">
+                <a:solidFill>
+                  <a:schemeClr val="tx1"/>
+                </a:solidFill>
+                <a:latin typeface="Helvetica" charset="0"/>
+                <a:ea typeface="Helvetica" charset="0"/>
+                <a:cs typeface="Helvetica" charset="0"/>
+              </a:rPr>
+              <a:t>Evolutivo</a:t>
+            </a:r>
+            <a:r>
+              <a:rPr lang="en-US" sz="2000" dirty="0" smtClean="0">
+                <a:solidFill>
+                  <a:schemeClr val="tx1"/>
+                </a:solidFill>
+                <a:latin typeface="Helvetica" charset="0"/>
+                <a:ea typeface="Helvetica" charset="0"/>
+                <a:cs typeface="Helvetica" charset="0"/>
+              </a:rPr>
+              <a:t> (AE)</a:t>
+            </a:r>
+          </a:p>
+          <a:p>
+            <a:r>
+              <a:rPr lang="en-US" sz="2000" dirty="0" err="1" smtClean="0">
+                <a:solidFill>
+                  <a:schemeClr val="tx1"/>
+                </a:solidFill>
+                <a:latin typeface="Helvetica" charset="0"/>
+                <a:ea typeface="Helvetica" charset="0"/>
+                <a:cs typeface="Helvetica" charset="0"/>
+              </a:rPr>
+              <a:t>Algoritmo</a:t>
+            </a:r>
+            <a:r>
+              <a:rPr lang="en-US" sz="2000" dirty="0" smtClean="0">
+                <a:solidFill>
+                  <a:schemeClr val="tx1"/>
+                </a:solidFill>
+                <a:latin typeface="Helvetica" charset="0"/>
+                <a:ea typeface="Helvetica" charset="0"/>
+                <a:cs typeface="Helvetica" charset="0"/>
+              </a:rPr>
+              <a:t> </a:t>
+            </a:r>
+            <a:r>
+              <a:rPr lang="en-US" sz="2000" dirty="0" err="1" smtClean="0">
+                <a:solidFill>
+                  <a:schemeClr val="tx1"/>
+                </a:solidFill>
+                <a:latin typeface="Helvetica" charset="0"/>
+                <a:ea typeface="Helvetica" charset="0"/>
+                <a:cs typeface="Helvetica" charset="0"/>
+              </a:rPr>
+              <a:t>Genético</a:t>
+            </a:r>
+            <a:r>
+              <a:rPr lang="en-US" sz="2000" dirty="0" smtClean="0">
+                <a:solidFill>
+                  <a:schemeClr val="tx1"/>
+                </a:solidFill>
+                <a:latin typeface="Helvetica" charset="0"/>
+                <a:ea typeface="Helvetica" charset="0"/>
+                <a:cs typeface="Helvetica" charset="0"/>
+              </a:rPr>
+              <a:t> (AG)</a:t>
+            </a:r>
+          </a:p>
+          <a:p>
+            <a:r>
+              <a:rPr lang="en-US" sz="2000" dirty="0" err="1" smtClean="0">
+                <a:solidFill>
+                  <a:schemeClr val="tx1"/>
+                </a:solidFill>
+                <a:latin typeface="Helvetica" charset="0"/>
+                <a:ea typeface="Helvetica" charset="0"/>
+                <a:cs typeface="Helvetica" charset="0"/>
+              </a:rPr>
               <a:t>Problemas</a:t>
             </a:r>
             <a:r>
@@ -17201,49 +17303,6 @@
                 <a:cs typeface="Helvetica" charset="0"/>
               </a:rPr>
               <a:t>Escolhidos</a:t>
-            </a:r>
-            <a:endParaRPr lang="en-US" sz="2000" dirty="0" smtClean="0">
-              <a:solidFill>
-                <a:schemeClr val="tx1"/>
-              </a:solidFill>
-              <a:latin typeface="Helvetica" charset="0"/>
-              <a:ea typeface="Helvetica" charset="0"/>
-              <a:cs typeface="Helvetica" charset="0"/>
-            </a:endParaRPr>
-          </a:p>
-          <a:p>
-            <a:r>
-              <a:rPr lang="en-US" sz="2000" dirty="0" err="1" smtClean="0">
-                <a:solidFill>
-                  <a:schemeClr val="tx1"/>
-                </a:solidFill>
-                <a:latin typeface="Helvetica" charset="0"/>
-                <a:ea typeface="Helvetica" charset="0"/>
-                <a:cs typeface="Helvetica" charset="0"/>
-              </a:rPr>
-              <a:t>Algoritmo</a:t>
-            </a:r>
-            <a:r>
-              <a:rPr lang="en-US" sz="2000" dirty="0" smtClean="0">
-                <a:solidFill>
-                  <a:schemeClr val="tx1"/>
-                </a:solidFill>
-                <a:latin typeface="Helvetica" charset="0"/>
-                <a:ea typeface="Helvetica" charset="0"/>
-                <a:cs typeface="Helvetica" charset="0"/>
-              </a:rPr>
-              <a:t> </a:t>
-            </a:r>
-            <a:r>
-              <a:rPr lang="en-US" sz="2000" dirty="0" err="1" smtClean="0">
-                <a:solidFill>
-                  <a:schemeClr val="tx1"/>
-                </a:solidFill>
-                <a:latin typeface="Helvetica" charset="0"/>
-                <a:ea typeface="Helvetica" charset="0"/>
-                <a:cs typeface="Helvetica" charset="0"/>
-              </a:rPr>
-              <a:t>Genético</a:t>
             </a:r>
             <a:endParaRPr lang="en-US" sz="2000" dirty="0" smtClean="0">
               <a:solidFill>
@@ -17434,200 +17493,6 @@
     <p:extLst>
       <p:ext uri="{BB962C8B-B14F-4D97-AF65-F5344CB8AC3E}">
         <p14:creationId xmlns:p14="http://schemas.microsoft.com/office/powerpoint/2010/main" val="77962714"/>
-      </p:ext>
-    </p:extLst>
-  </p:cSld>
-  <p:clrMapOvr>
-    <a:masterClrMapping/>
-  </p:clrMapOvr>
-  <p:timing>
-    <p:tnLst>
-      <p:par>
-        <p:cTn id="1" dur="indefinite" restart="never" nodeType="tmRoot"/>
-      </p:par>
-    </p:tnLst>
-  </p:timing>
-</p:sld>
-</file>
-
-<file path=ppt/slides/slide20.xml><?xml version="1.0" encoding="utf-8"?>
-<p:sld xmlns:a="http://schemas.openxmlformats.org/drawingml/2006/main" xmlns:r="http://schemas.openxmlformats.org/officeDocument/2006/relationships" xmlns:p="http://schemas.openxmlformats.org/presentationml/2006/main">
-  <p:cSld>
-    <p:spTree>
-      <p:nvGrpSpPr>
-        <p:cNvPr id="1" name=""/>
-        <p:cNvGrpSpPr/>
-        <p:nvPr/>
-      </p:nvGrpSpPr>
-      <p:grpSpPr>
-        <a:xfrm>
-          <a:off x="0" y="0"/>
-          <a:ext cx="0" cy="0"/>
-          <a:chOff x="0" y="0"/>
-          <a:chExt cx="0" cy="0"/>
-        </a:xfrm>
-      </p:grpSpPr>
-      <p:sp>
-        <p:nvSpPr>
-          <p:cNvPr id="2" name="Title 1"/>
-          <p:cNvSpPr>
-            <a:spLocks noGrp="1"/>
-          </p:cNvSpPr>
-          <p:nvPr>
-            <p:ph type="title"/>
-          </p:nvPr>
-        </p:nvSpPr>
-        <p:spPr/>
-        <p:txBody>
-          <a:bodyPr/>
-          <a:lstStyle/>
-          <a:p>
-            <a:r>
-              <a:rPr lang="en-US" dirty="0" err="1" smtClean="0"/>
-              <a:t>Referências</a:t>
-            </a:r>
-            <a:endParaRPr lang="en-US" dirty="0"/>
-          </a:p>
-        </p:txBody>
-      </p:sp>
-      <p:sp>
-        <p:nvSpPr>
-          <p:cNvPr id="3" name="Content Placeholder 2"/>
-          <p:cNvSpPr>
-            <a:spLocks noGrp="1"/>
-          </p:cNvSpPr>
-          <p:nvPr>
-            <p:ph idx="1"/>
-          </p:nvPr>
-        </p:nvSpPr>
-        <p:spPr/>
-        <p:txBody>
-          <a:bodyPr/>
-          <a:lstStyle/>
-          <a:p>
-            <a:r>
-              <a:rPr lang="en-US" dirty="0" smtClean="0"/>
-              <a:t>[6] </a:t>
-            </a:r>
-            <a:r>
-              <a:rPr lang="en-US" dirty="0"/>
-              <a:t>K. S. </a:t>
-            </a:r>
-            <a:r>
-              <a:rPr lang="en-US" dirty="0" err="1" smtClean="0"/>
-              <a:t>Smit</a:t>
-            </a:r>
-            <a:r>
-              <a:rPr lang="en-US" dirty="0" smtClean="0"/>
-              <a:t>, A</a:t>
-            </a:r>
-            <a:r>
-              <a:rPr lang="en-US" dirty="0"/>
-              <a:t>. E. </a:t>
-            </a:r>
-            <a:r>
-              <a:rPr lang="en-US" dirty="0" err="1"/>
-              <a:t>Eiben</a:t>
-            </a:r>
-            <a:r>
-              <a:rPr lang="en-US" dirty="0"/>
-              <a:t>. </a:t>
-            </a:r>
-            <a:r>
-              <a:rPr lang="en-US" dirty="0" smtClean="0"/>
-              <a:t>“Comparing </a:t>
-            </a:r>
-            <a:r>
-              <a:rPr lang="en-US" dirty="0"/>
-              <a:t>parameter tuning methods for evolutionary </a:t>
-            </a:r>
-            <a:r>
-              <a:rPr lang="en-US" dirty="0" smtClean="0"/>
-              <a:t>algorithms”. </a:t>
-            </a:r>
-            <a:r>
-              <a:rPr lang="en-US" dirty="0"/>
-              <a:t>In Evolutionary Computation, 2009. CEC’09. </a:t>
-            </a:r>
-            <a:r>
-              <a:rPr lang="en-US" i="1" dirty="0"/>
-              <a:t>IEEE Congress</a:t>
-            </a:r>
-            <a:r>
-              <a:rPr lang="en-US" dirty="0"/>
-              <a:t>, pages 399–406. IEEE, 2009. </a:t>
-            </a:r>
-            <a:endParaRPr lang="en-US" dirty="0" smtClean="0"/>
-          </a:p>
-          <a:p>
-            <a:r>
-              <a:rPr lang="en-US" dirty="0" smtClean="0"/>
-              <a:t>[7] N. </a:t>
-            </a:r>
-            <a:r>
-              <a:rPr lang="en-US" dirty="0"/>
-              <a:t>Hansen. </a:t>
-            </a:r>
-            <a:r>
-              <a:rPr lang="en-US" dirty="0" smtClean="0"/>
-              <a:t>“The CMA evolution </a:t>
-            </a:r>
-            <a:r>
-              <a:rPr lang="en-US" dirty="0"/>
-              <a:t>strategy: a comparing </a:t>
-            </a:r>
-            <a:r>
-              <a:rPr lang="en-US" dirty="0" smtClean="0"/>
-              <a:t>review”. </a:t>
-            </a:r>
-            <a:r>
-              <a:rPr lang="en-US" dirty="0"/>
-              <a:t>In </a:t>
-            </a:r>
-            <a:r>
-              <a:rPr lang="en-US" i="1" dirty="0"/>
-              <a:t>Towards a new evolutionary computation</a:t>
-            </a:r>
-            <a:r>
-              <a:rPr lang="en-US" dirty="0"/>
-              <a:t>, pages 75–102. Springer, 2006. </a:t>
-            </a:r>
-          </a:p>
-          <a:p>
-            <a:endParaRPr lang="en-US" dirty="0"/>
-          </a:p>
-          <a:p>
-            <a:endParaRPr lang="en-US" dirty="0"/>
-          </a:p>
-        </p:txBody>
-      </p:sp>
-      <p:sp>
-        <p:nvSpPr>
-          <p:cNvPr id="4" name="Slide Number Placeholder 3"/>
-          <p:cNvSpPr>
-            <a:spLocks noGrp="1"/>
-          </p:cNvSpPr>
-          <p:nvPr>
-            <p:ph type="sldNum" sz="quarter" idx="12"/>
-          </p:nvPr>
-        </p:nvSpPr>
-        <p:spPr/>
-        <p:txBody>
-          <a:bodyPr/>
-          <a:lstStyle/>
-          <a:p>
-            <a:fld id="{55774153-6BEA-8641-B7A1-86CE42693FE2}" type="slidenum">
-              <a:rPr lang="en-US" smtClean="0"/>
-              <a:t>19</a:t>
-            </a:fld>
-            <a:endParaRPr lang="en-US"/>
-          </a:p>
-        </p:txBody>
-      </p:sp>
-    </p:spTree>
-    <p:extLst>
-      <p:ext uri="{BB962C8B-B14F-4D97-AF65-F5344CB8AC3E}">
-        <p14:creationId xmlns:p14="http://schemas.microsoft.com/office/powerpoint/2010/main" val="2080831962"/>
       </p:ext>
     </p:extLst>
   </p:cSld>
@@ -21603,29 +21468,7 @@
                 <a:ea typeface="Helvetica" charset="0"/>
                 <a:cs typeface="Helvetica" charset="0"/>
               </a:rPr>
-              <a:t>poderão</a:t>
-            </a:r>
-            <a:r>
-              <a:rPr lang="en-US" dirty="0" smtClean="0">
-                <a:solidFill>
-                  <a:schemeClr val="tx1"/>
-                </a:solidFill>
-                <a:latin typeface="Helvetica" charset="0"/>
-                <a:ea typeface="Helvetica" charset="0"/>
-                <a:cs typeface="Helvetica" charset="0"/>
-              </a:rPr>
-              <a:t> </a:t>
-            </a:r>
-            <a:r>
-              <a:rPr lang="en-US" dirty="0" err="1" smtClean="0">
-                <a:solidFill>
-                  <a:schemeClr val="tx1"/>
-                </a:solidFill>
-                <a:latin typeface="Helvetica" charset="0"/>
-                <a:ea typeface="Helvetica" charset="0"/>
-                <a:cs typeface="Helvetica" charset="0"/>
-              </a:rPr>
-              <a:t>gerar</a:t>
+              <a:t>criação</a:t>
             </a:r>
             <a:r>
               <a:rPr lang="en-US" dirty="0" smtClean="0">
@@ -21927,6 +21770,329 @@
             </a:endParaRPr>
           </a:p>
           <a:p>
+            <a:r>
+              <a:rPr lang="en-US" dirty="0" smtClean="0">
+                <a:solidFill>
+                  <a:schemeClr val="tx1"/>
+                </a:solidFill>
+                <a:latin typeface="Helvetica" charset="0"/>
+                <a:ea typeface="Helvetica" charset="0"/>
+                <a:cs typeface="Helvetica" charset="0"/>
+              </a:rPr>
+              <a:t>Valor </a:t>
+            </a:r>
+            <a:r>
+              <a:rPr lang="en-US" dirty="0" err="1" smtClean="0">
+                <a:solidFill>
+                  <a:schemeClr val="tx1"/>
+                </a:solidFill>
+                <a:latin typeface="Helvetica" charset="0"/>
+                <a:ea typeface="Helvetica" charset="0"/>
+                <a:cs typeface="Helvetica" charset="0"/>
+              </a:rPr>
+              <a:t>padronizado</a:t>
+            </a:r>
+            <a:r>
+              <a:rPr lang="en-US" dirty="0" smtClean="0">
+                <a:solidFill>
+                  <a:schemeClr val="tx1"/>
+                </a:solidFill>
+                <a:latin typeface="Helvetica" charset="0"/>
+                <a:ea typeface="Helvetica" charset="0"/>
+                <a:cs typeface="Helvetica" charset="0"/>
+              </a:rPr>
+              <a:t>: </a:t>
+            </a:r>
+            <a:r>
+              <a:rPr lang="en-US" i="1" dirty="0" smtClean="0">
+                <a:solidFill>
+                  <a:schemeClr val="tx1"/>
+                </a:solidFill>
+                <a:latin typeface="Helvetica" charset="0"/>
+                <a:ea typeface="Helvetica" charset="0"/>
+                <a:cs typeface="Helvetica" charset="0"/>
+              </a:rPr>
+              <a:t>0.9; </a:t>
+            </a:r>
+            <a:r>
+              <a:rPr lang="en-US" dirty="0" err="1" smtClean="0">
+                <a:solidFill>
+                  <a:schemeClr val="tx1"/>
+                </a:solidFill>
+                <a:latin typeface="Helvetica" charset="0"/>
+                <a:ea typeface="Helvetica" charset="0"/>
+                <a:cs typeface="Helvetica" charset="0"/>
+              </a:rPr>
+              <a:t>Faixa</a:t>
+            </a:r>
+            <a:r>
+              <a:rPr lang="en-US" dirty="0" smtClean="0">
+                <a:solidFill>
+                  <a:schemeClr val="tx1"/>
+                </a:solidFill>
+                <a:latin typeface="Helvetica" charset="0"/>
+                <a:ea typeface="Helvetica" charset="0"/>
+                <a:cs typeface="Helvetica" charset="0"/>
+              </a:rPr>
+              <a:t> </a:t>
+            </a:r>
+            <a:r>
+              <a:rPr lang="en-US" dirty="0" err="1" smtClean="0">
+                <a:solidFill>
+                  <a:schemeClr val="tx1"/>
+                </a:solidFill>
+                <a:latin typeface="Helvetica" charset="0"/>
+                <a:ea typeface="Helvetica" charset="0"/>
+                <a:cs typeface="Helvetica" charset="0"/>
+              </a:rPr>
+              <a:t>comum</a:t>
+            </a:r>
+            <a:r>
+              <a:rPr lang="en-US" dirty="0" smtClean="0">
+                <a:solidFill>
+                  <a:schemeClr val="tx1"/>
+                </a:solidFill>
+                <a:latin typeface="Helvetica" charset="0"/>
+                <a:ea typeface="Helvetica" charset="0"/>
+                <a:cs typeface="Helvetica" charset="0"/>
+              </a:rPr>
+              <a:t>: </a:t>
+            </a:r>
+            <a:r>
+              <a:rPr lang="en-US" i="1" dirty="0" smtClean="0">
+                <a:solidFill>
+                  <a:schemeClr val="tx1"/>
+                </a:solidFill>
+                <a:latin typeface="Helvetica" charset="0"/>
+                <a:ea typeface="Helvetica" charset="0"/>
+                <a:cs typeface="Helvetica" charset="0"/>
+              </a:rPr>
+              <a:t>0.6 a 0.95 </a:t>
+            </a:r>
+            <a:r>
+              <a:rPr lang="en-US" b="1" baseline="30000" dirty="0" smtClean="0">
+                <a:solidFill>
+                  <a:srgbClr val="0432FF"/>
+                </a:solidFill>
+                <a:latin typeface="Helvetica" charset="0"/>
+                <a:ea typeface="Helvetica" charset="0"/>
+                <a:cs typeface="Helvetica" charset="0"/>
+              </a:rPr>
+              <a:t>[3,4,5]</a:t>
+            </a:r>
+            <a:r>
+              <a:rPr lang="en-US" baseline="30000" dirty="0" smtClean="0">
+                <a:solidFill>
+                  <a:schemeClr val="tx1"/>
+                </a:solidFill>
+                <a:latin typeface="Helvetica" charset="0"/>
+                <a:ea typeface="Helvetica" charset="0"/>
+                <a:cs typeface="Helvetica" charset="0"/>
+              </a:rPr>
+              <a:t> </a:t>
+            </a:r>
+          </a:p>
+          <a:p>
+            <a:r>
+              <a:rPr lang="en-US" i="1" dirty="0">
+                <a:solidFill>
+                  <a:schemeClr val="tx1"/>
+                </a:solidFill>
+                <a:latin typeface="Helvetica" charset="0"/>
+                <a:ea typeface="Helvetica" charset="0"/>
+                <a:cs typeface="Helvetica" charset="0"/>
+              </a:rPr>
+              <a:t>p</a:t>
+            </a:r>
+            <a:r>
+              <a:rPr lang="en-US" i="1" baseline="-25000" dirty="0" smtClean="0">
+                <a:solidFill>
+                  <a:schemeClr val="tx1"/>
+                </a:solidFill>
+                <a:latin typeface="Helvetica" charset="0"/>
+                <a:ea typeface="Helvetica" charset="0"/>
+                <a:cs typeface="Helvetica" charset="0"/>
+              </a:rPr>
+              <a:t>c</a:t>
+            </a:r>
+            <a:r>
+              <a:rPr lang="en-US" dirty="0" smtClean="0">
+                <a:solidFill>
+                  <a:schemeClr val="tx1"/>
+                </a:solidFill>
+                <a:latin typeface="Helvetica" charset="0"/>
+                <a:ea typeface="Helvetica" charset="0"/>
+                <a:cs typeface="Helvetica" charset="0"/>
+              </a:rPr>
+              <a:t> </a:t>
+            </a:r>
+            <a:r>
+              <a:rPr lang="en-US" dirty="0" err="1" smtClean="0">
+                <a:solidFill>
+                  <a:schemeClr val="tx1"/>
+                </a:solidFill>
+                <a:latin typeface="Helvetica" charset="0"/>
+                <a:ea typeface="Helvetica" charset="0"/>
+                <a:cs typeface="Helvetica" charset="0"/>
+              </a:rPr>
+              <a:t>d</a:t>
+            </a:r>
+            <a:r>
+              <a:rPr lang="en-US" dirty="0" err="1" smtClean="0">
+                <a:solidFill>
+                  <a:schemeClr val="tx1"/>
+                </a:solidFill>
+                <a:latin typeface="Helvetica" charset="0"/>
+                <a:ea typeface="Helvetica" charset="0"/>
+                <a:cs typeface="Helvetica" charset="0"/>
+              </a:rPr>
+              <a:t>eve</a:t>
+            </a:r>
+            <a:r>
+              <a:rPr lang="en-US" dirty="0" smtClean="0">
+                <a:solidFill>
+                  <a:schemeClr val="tx1"/>
+                </a:solidFill>
+                <a:latin typeface="Helvetica" charset="0"/>
+                <a:ea typeface="Helvetica" charset="0"/>
+                <a:cs typeface="Helvetica" charset="0"/>
+              </a:rPr>
+              <a:t> </a:t>
+            </a:r>
+            <a:r>
+              <a:rPr lang="en-US" dirty="0" err="1" smtClean="0">
+                <a:solidFill>
+                  <a:schemeClr val="tx1"/>
+                </a:solidFill>
+                <a:latin typeface="Helvetica" charset="0"/>
+                <a:ea typeface="Helvetica" charset="0"/>
+                <a:cs typeface="Helvetica" charset="0"/>
+              </a:rPr>
+              <a:t>ser</a:t>
+            </a:r>
+            <a:r>
+              <a:rPr lang="en-US" dirty="0" smtClean="0">
+                <a:solidFill>
+                  <a:schemeClr val="tx1"/>
+                </a:solidFill>
+                <a:latin typeface="Helvetica" charset="0"/>
+                <a:ea typeface="Helvetica" charset="0"/>
+                <a:cs typeface="Helvetica" charset="0"/>
+              </a:rPr>
+              <a:t> alto para </a:t>
+            </a:r>
+            <a:r>
+              <a:rPr lang="en-US" dirty="0" err="1" smtClean="0">
+                <a:solidFill>
+                  <a:schemeClr val="tx1"/>
+                </a:solidFill>
+                <a:latin typeface="Helvetica" charset="0"/>
+                <a:ea typeface="Helvetica" charset="0"/>
+                <a:cs typeface="Helvetica" charset="0"/>
+              </a:rPr>
+              <a:t>aumentar</a:t>
+            </a:r>
+            <a:r>
+              <a:rPr lang="en-US" dirty="0" smtClean="0">
+                <a:solidFill>
+                  <a:schemeClr val="tx1"/>
+                </a:solidFill>
+                <a:latin typeface="Helvetica" charset="0"/>
+                <a:ea typeface="Helvetica" charset="0"/>
+                <a:cs typeface="Helvetica" charset="0"/>
+              </a:rPr>
+              <a:t> a </a:t>
+            </a:r>
+            <a:r>
+              <a:rPr lang="en-US" dirty="0" err="1" smtClean="0">
+                <a:solidFill>
+                  <a:schemeClr val="tx1"/>
+                </a:solidFill>
+                <a:latin typeface="Helvetica" charset="0"/>
+                <a:ea typeface="Helvetica" charset="0"/>
+                <a:cs typeface="Helvetica" charset="0"/>
+              </a:rPr>
+              <a:t>variação</a:t>
+            </a:r>
+            <a:r>
+              <a:rPr lang="en-US" dirty="0" smtClean="0">
+                <a:solidFill>
+                  <a:schemeClr val="tx1"/>
+                </a:solidFill>
+                <a:latin typeface="Helvetica" charset="0"/>
+                <a:ea typeface="Helvetica" charset="0"/>
+                <a:cs typeface="Helvetica" charset="0"/>
+              </a:rPr>
+              <a:t> e </a:t>
+            </a:r>
+            <a:r>
+              <a:rPr lang="en-US" dirty="0" err="1" smtClean="0">
+                <a:solidFill>
+                  <a:schemeClr val="tx1"/>
+                </a:solidFill>
+                <a:latin typeface="Helvetica" charset="0"/>
+                <a:ea typeface="Helvetica" charset="0"/>
+                <a:cs typeface="Helvetica" charset="0"/>
+              </a:rPr>
+              <a:t>trazer</a:t>
+            </a:r>
+            <a:r>
+              <a:rPr lang="en-US" dirty="0" smtClean="0">
+                <a:solidFill>
+                  <a:schemeClr val="tx1"/>
+                </a:solidFill>
+                <a:latin typeface="Helvetica" charset="0"/>
+                <a:ea typeface="Helvetica" charset="0"/>
+                <a:cs typeface="Helvetica" charset="0"/>
+              </a:rPr>
+              <a:t> </a:t>
+            </a:r>
+            <a:r>
+              <a:rPr lang="en-US" dirty="0" err="1" smtClean="0">
+                <a:solidFill>
+                  <a:schemeClr val="tx1"/>
+                </a:solidFill>
+                <a:latin typeface="Helvetica" charset="0"/>
+                <a:ea typeface="Helvetica" charset="0"/>
+                <a:cs typeface="Helvetica" charset="0"/>
+              </a:rPr>
+              <a:t>novas</a:t>
+            </a:r>
+            <a:r>
+              <a:rPr lang="en-US" dirty="0" smtClean="0">
+                <a:solidFill>
+                  <a:schemeClr val="tx1"/>
+                </a:solidFill>
+                <a:latin typeface="Helvetica" charset="0"/>
+                <a:ea typeface="Helvetica" charset="0"/>
+                <a:cs typeface="Helvetica" charset="0"/>
+              </a:rPr>
+              <a:t> </a:t>
+            </a:r>
+            <a:r>
+              <a:rPr lang="en-US" dirty="0" err="1" smtClean="0">
+                <a:solidFill>
+                  <a:schemeClr val="tx1"/>
+                </a:solidFill>
+                <a:latin typeface="Helvetica" charset="0"/>
+                <a:ea typeface="Helvetica" charset="0"/>
+                <a:cs typeface="Helvetica" charset="0"/>
+              </a:rPr>
+              <a:t>respostas</a:t>
+            </a:r>
+            <a:endParaRPr lang="en-US" dirty="0" smtClean="0">
+              <a:solidFill>
+                <a:schemeClr val="tx1"/>
+              </a:solidFill>
+              <a:latin typeface="Helvetica" charset="0"/>
+              <a:ea typeface="Helvetica" charset="0"/>
+              <a:cs typeface="Helvetica" charset="0"/>
+            </a:endParaRPr>
+          </a:p>
+          <a:p>
+            <a:pPr marL="0" indent="0">
+              <a:buNone/>
+            </a:pPr>
             <a:endParaRPr lang="en-US" dirty="0" smtClean="0"/>
           </a:p>
         </p:txBody>
@@ -22177,33 +22343,56 @@
             <p:ph type="title"/>
           </p:nvPr>
         </p:nvSpPr>
-        <p:spPr>
-          <a:xfrm>
-            <a:off x="1154954" y="973669"/>
-            <a:ext cx="9622774" cy="706964"/>
-          </a:xfrm>
-        </p:spPr>
+        <p:spPr/>
         <p:txBody>
           <a:bodyPr/>
           <a:lstStyle/>
           <a:p>
             <a:r>
-              <a:rPr lang="en-US" dirty="0" err="1" smtClean="0"/>
-              <a:t>Algoritmo</a:t>
-            </a:r>
-            <a:r>
-              <a:rPr lang="en-US" dirty="0"/>
+              <a:rPr lang="en-US" b="1" dirty="0" smtClean="0">
+                <a:latin typeface="Helvetica" charset="0"/>
+                <a:ea typeface="Helvetica" charset="0"/>
+                <a:cs typeface="Helvetica" charset="0"/>
+              </a:rPr>
+              <a:t>AG </a:t>
+            </a:r>
+            <a:r>
+              <a:rPr lang="mr-IN" b="1" dirty="0" smtClean="0">
+                <a:latin typeface="Helvetica" charset="0"/>
+                <a:ea typeface="Helvetica" charset="0"/>
+                <a:cs typeface="Helvetica" charset="0"/>
+              </a:rPr>
+              <a:t>–</a:t>
+            </a:r>
+            <a:r>
+              <a:rPr lang="en-US" b="1" dirty="0" smtClean="0">
+                <a:latin typeface="Helvetica" charset="0"/>
+                <a:ea typeface="Helvetica" charset="0"/>
+                <a:cs typeface="Helvetica" charset="0"/>
+              </a:rPr>
               <a:t> </a:t>
             </a:r>
             <a:r>
-              <a:rPr lang="en-US" dirty="0" err="1" smtClean="0"/>
-              <a:t>Evolutivo</a:t>
-            </a:r>
-            <a:r>
-              <a:rPr lang="en-US" dirty="0" smtClean="0"/>
-              <a:t> (AE)</a:t>
-            </a:r>
-            <a:endParaRPr lang="en-US" dirty="0"/>
+              <a:rPr lang="en-US" b="1" dirty="0" err="1" smtClean="0">
+                <a:latin typeface="Helvetica" charset="0"/>
+                <a:ea typeface="Helvetica" charset="0"/>
+                <a:cs typeface="Helvetica" charset="0"/>
+              </a:rPr>
+              <a:t>Muta</a:t>
+            </a:r>
+            <a:r>
+              <a:rPr lang="en-US" b="1" dirty="0" err="1" smtClean="0">
+                <a:latin typeface="Helvetica" charset="0"/>
+                <a:ea typeface="Helvetica" charset="0"/>
+                <a:cs typeface="Helvetica" charset="0"/>
+              </a:rPr>
+              <a:t>ção</a:t>
+            </a:r>
+            <a:endParaRPr lang="en-US" b="1" dirty="0">
+              <a:latin typeface="Helvetica" charset="0"/>
+              <a:ea typeface="Helvetica" charset="0"/>
+              <a:cs typeface="Helvetica" charset="0"/>
+            </a:endParaRPr>
           </a:p>
         </p:txBody>
       </p:sp>
@@ -22220,389 +22409,921 @@
         <p:spPr>
           <a:xfrm>
             <a:off x="1154954" y="2603500"/>
-            <a:ext cx="8825659" cy="3955796"/>
+            <a:ext cx="9647158" cy="3416300"/>
           </a:xfrm>
         </p:spPr>
         <p:txBody>
-          <a:bodyPr/>
+          <a:bodyPr>
+            <a:normAutofit/>
+          </a:bodyPr>
           <a:lstStyle/>
           <a:p>
             <a:r>
-              <a:rPr lang="en-US" dirty="0" err="1" smtClean="0"/>
-              <a:t>Implementação</a:t>
-            </a:r>
-            <a:r>
-              <a:rPr lang="en-US" dirty="0" smtClean="0"/>
+              <a:rPr lang="en-US" dirty="0" smtClean="0">
+                <a:solidFill>
+                  <a:schemeClr val="tx1"/>
+                </a:solidFill>
+                <a:latin typeface="Helvetica" charset="0"/>
+                <a:ea typeface="Helvetica" charset="0"/>
+                <a:cs typeface="Helvetica" charset="0"/>
+              </a:rPr>
+              <a:t>O gene </a:t>
+            </a:r>
+            <a:r>
+              <a:rPr lang="en-US" dirty="0" err="1" smtClean="0">
+                <a:solidFill>
+                  <a:schemeClr val="tx1"/>
+                </a:solidFill>
+                <a:latin typeface="Helvetica" charset="0"/>
+                <a:ea typeface="Helvetica" charset="0"/>
+                <a:cs typeface="Helvetica" charset="0"/>
+              </a:rPr>
+              <a:t>mudar</a:t>
+            </a:r>
+            <a:r>
+              <a:rPr lang="en-US" dirty="0" err="1" smtClean="0">
+                <a:solidFill>
+                  <a:schemeClr val="tx1"/>
+                </a:solidFill>
+                <a:latin typeface="Helvetica" charset="0"/>
+                <a:ea typeface="Helvetica" charset="0"/>
+                <a:cs typeface="Helvetica" charset="0"/>
+              </a:rPr>
+              <a:t>á</a:t>
+            </a:r>
+            <a:r>
+              <a:rPr lang="en-US" dirty="0" smtClean="0">
+                <a:solidFill>
+                  <a:schemeClr val="tx1"/>
+                </a:solidFill>
+                <a:latin typeface="Helvetica" charset="0"/>
+                <a:ea typeface="Helvetica" charset="0"/>
+                <a:cs typeface="Helvetica" charset="0"/>
+              </a:rPr>
               <a:t> </a:t>
             </a:r>
             <a:r>
-              <a:rPr lang="en-US" dirty="0" err="1" smtClean="0"/>
-              <a:t>baseada</a:t>
-            </a:r>
-            <a:r>
-              <a:rPr lang="en-US" dirty="0" smtClean="0"/>
-              <a:t> no framework </a:t>
+              <a:rPr lang="en-US" dirty="0" err="1" smtClean="0">
+                <a:solidFill>
+                  <a:schemeClr val="tx1"/>
+                </a:solidFill>
+                <a:latin typeface="Helvetica" charset="0"/>
+                <a:ea typeface="Helvetica" charset="0"/>
+                <a:cs typeface="Helvetica" charset="0"/>
+              </a:rPr>
+              <a:t>seu</a:t>
+            </a:r>
+            <a:r>
+              <a:rPr lang="en-US" dirty="0" smtClean="0">
+                <a:solidFill>
+                  <a:schemeClr val="tx1"/>
+                </a:solidFill>
+                <a:latin typeface="Helvetica" charset="0"/>
+                <a:ea typeface="Helvetica" charset="0"/>
+                <a:cs typeface="Helvetica" charset="0"/>
+              </a:rPr>
+              <a:t> valor </a:t>
+            </a:r>
+            <a:r>
+              <a:rPr lang="en-US" dirty="0" err="1" smtClean="0">
+                <a:solidFill>
+                  <a:schemeClr val="tx1"/>
+                </a:solidFill>
+                <a:latin typeface="Helvetica" charset="0"/>
+                <a:ea typeface="Helvetica" charset="0"/>
+                <a:cs typeface="Helvetica" charset="0"/>
+              </a:rPr>
+              <a:t>aleatoriamente</a:t>
+            </a:r>
+            <a:r>
+              <a:rPr lang="en-US" dirty="0" smtClean="0">
+                <a:solidFill>
+                  <a:schemeClr val="tx1"/>
+                </a:solidFill>
+                <a:latin typeface="Helvetica" charset="0"/>
+                <a:ea typeface="Helvetica" charset="0"/>
+                <a:cs typeface="Helvetica" charset="0"/>
+              </a:rPr>
+              <a:t> (com </a:t>
+            </a:r>
+            <a:r>
+              <a:rPr lang="en-US" b="1" dirty="0" err="1" smtClean="0">
+                <a:solidFill>
+                  <a:schemeClr val="tx1"/>
+                </a:solidFill>
+                <a:latin typeface="Helvetica" charset="0"/>
+                <a:ea typeface="Helvetica" charset="0"/>
+                <a:cs typeface="Helvetica" charset="0"/>
+              </a:rPr>
+              <a:t>probabilidade</a:t>
+            </a:r>
+            <a:r>
+              <a:rPr lang="en-US" b="1" dirty="0" smtClean="0">
+                <a:solidFill>
+                  <a:schemeClr val="tx1"/>
+                </a:solidFill>
+                <a:latin typeface="Helvetica" charset="0"/>
+                <a:ea typeface="Helvetica" charset="0"/>
+                <a:cs typeface="Helvetica" charset="0"/>
+              </a:rPr>
+              <a:t> de </a:t>
+            </a:r>
+            <a:r>
+              <a:rPr lang="en-US" b="1" dirty="0" err="1" smtClean="0">
+                <a:solidFill>
+                  <a:schemeClr val="tx1"/>
+                </a:solidFill>
+                <a:latin typeface="Helvetica" charset="0"/>
+                <a:ea typeface="Helvetica" charset="0"/>
+                <a:cs typeface="Helvetica" charset="0"/>
+              </a:rPr>
+              <a:t>mutação</a:t>
+            </a:r>
+            <a:r>
+              <a:rPr lang="en-US" b="1" dirty="0" smtClean="0">
+                <a:solidFill>
+                  <a:schemeClr val="tx1"/>
+                </a:solidFill>
+                <a:latin typeface="Helvetica" charset="0"/>
+                <a:ea typeface="Helvetica" charset="0"/>
+                <a:cs typeface="Helvetica" charset="0"/>
+              </a:rPr>
+              <a:t> </a:t>
+            </a:r>
+            <a:r>
+              <a:rPr lang="en-US" i="1" dirty="0" smtClean="0">
+                <a:solidFill>
+                  <a:schemeClr val="tx1"/>
+                </a:solidFill>
+                <a:latin typeface="Helvetica" charset="0"/>
+                <a:ea typeface="Helvetica" charset="0"/>
+                <a:cs typeface="Helvetica" charset="0"/>
+              </a:rPr>
+              <a:t>p</a:t>
+            </a:r>
+            <a:r>
+              <a:rPr lang="en-US" i="1" baseline="-25000" dirty="0" smtClean="0">
+                <a:solidFill>
+                  <a:schemeClr val="tx1"/>
+                </a:solidFill>
+                <a:latin typeface="Helvetica" charset="0"/>
+                <a:ea typeface="Helvetica" charset="0"/>
+                <a:cs typeface="Helvetica" charset="0"/>
+              </a:rPr>
+              <a:t>m</a:t>
+            </a:r>
+            <a:r>
+              <a:rPr lang="en-US" dirty="0" smtClean="0">
+                <a:solidFill>
+                  <a:schemeClr val="tx1"/>
+                </a:solidFill>
+                <a:latin typeface="Helvetica" charset="0"/>
+                <a:ea typeface="Helvetica" charset="0"/>
+                <a:cs typeface="Helvetica" charset="0"/>
+              </a:rPr>
+              <a:t>)</a:t>
+            </a:r>
+          </a:p>
+          <a:p>
+            <a:endParaRPr lang="en-US" dirty="0" smtClean="0">
+              <a:solidFill>
+                <a:schemeClr val="tx1"/>
+              </a:solidFill>
+              <a:latin typeface="Helvetica" charset="0"/>
+              <a:ea typeface="Helvetica" charset="0"/>
+              <a:cs typeface="Helvetica" charset="0"/>
+            </a:endParaRPr>
+          </a:p>
+          <a:p>
+            <a:r>
+              <a:rPr lang="en-US" b="1" i="1" dirty="0" err="1" smtClean="0">
+                <a:solidFill>
+                  <a:schemeClr val="tx1"/>
+                </a:solidFill>
+                <a:latin typeface="Helvetica" charset="0"/>
+                <a:ea typeface="Helvetica" charset="0"/>
+                <a:cs typeface="Helvetica" charset="0"/>
+              </a:rPr>
+              <a:t>BooleanGene</a:t>
+            </a:r>
+            <a:r>
+              <a:rPr lang="en-US" i="1" dirty="0" smtClean="0">
+                <a:solidFill>
+                  <a:schemeClr val="tx1"/>
+                </a:solidFill>
+                <a:latin typeface="Helvetica" charset="0"/>
+                <a:ea typeface="Helvetica" charset="0"/>
+                <a:cs typeface="Helvetica" charset="0"/>
+              </a:rPr>
+              <a:t> (</a:t>
+            </a:r>
+            <a:r>
+              <a:rPr lang="en-US" i="1" dirty="0" err="1" smtClean="0">
+                <a:solidFill>
+                  <a:schemeClr val="tx1"/>
+                </a:solidFill>
+                <a:latin typeface="Helvetica" charset="0"/>
+                <a:ea typeface="Helvetica" charset="0"/>
+                <a:cs typeface="Helvetica" charset="0"/>
+              </a:rPr>
+              <a:t>expressividade</a:t>
+            </a:r>
+            <a:r>
+              <a:rPr lang="en-US" i="1" dirty="0">
+                <a:solidFill>
+                  <a:schemeClr val="tx1"/>
+                </a:solidFill>
+                <a:latin typeface="Helvetica" charset="0"/>
+                <a:ea typeface="Helvetica" charset="0"/>
+                <a:cs typeface="Helvetica" charset="0"/>
+              </a:rPr>
+              <a:t> </a:t>
+            </a:r>
+            <a:r>
+              <a:rPr lang="en-US" i="1" dirty="0" smtClean="0">
+                <a:solidFill>
+                  <a:schemeClr val="tx1"/>
+                </a:solidFill>
+                <a:latin typeface="Helvetica" charset="0"/>
+                <a:ea typeface="Helvetica" charset="0"/>
+                <a:cs typeface="Helvetica" charset="0"/>
+              </a:rPr>
+              <a:t>0 </a:t>
+            </a:r>
+            <a:r>
+              <a:rPr lang="en-US" i="1" dirty="0" err="1" smtClean="0">
+                <a:solidFill>
+                  <a:schemeClr val="tx1"/>
+                </a:solidFill>
+                <a:latin typeface="Helvetica" charset="0"/>
+                <a:ea typeface="Helvetica" charset="0"/>
+                <a:cs typeface="Helvetica" charset="0"/>
+              </a:rPr>
+              <a:t>ou</a:t>
+            </a:r>
+            <a:r>
+              <a:rPr lang="en-US" i="1" dirty="0" smtClean="0">
+                <a:solidFill>
+                  <a:schemeClr val="tx1"/>
+                </a:solidFill>
+                <a:latin typeface="Helvetica" charset="0"/>
+                <a:ea typeface="Helvetica" charset="0"/>
+                <a:cs typeface="Helvetica" charset="0"/>
+              </a:rPr>
+              <a:t> 1) </a:t>
+            </a:r>
+            <a:r>
+              <a:rPr lang="mr-IN" i="1" dirty="0" smtClean="0">
+                <a:solidFill>
+                  <a:schemeClr val="tx1"/>
+                </a:solidFill>
+                <a:latin typeface="Helvetica" charset="0"/>
+                <a:ea typeface="Helvetica" charset="0"/>
+                <a:cs typeface="Helvetica" charset="0"/>
+              </a:rPr>
+              <a:t>–</a:t>
+            </a:r>
+            <a:r>
+              <a:rPr lang="en-US" i="1" dirty="0" smtClean="0">
+                <a:solidFill>
+                  <a:schemeClr val="tx1"/>
+                </a:solidFill>
+                <a:latin typeface="Helvetica" charset="0"/>
+                <a:ea typeface="Helvetica" charset="0"/>
+                <a:cs typeface="Helvetica" charset="0"/>
+              </a:rPr>
+              <a:t> </a:t>
+            </a:r>
+            <a:r>
+              <a:rPr lang="en-US" dirty="0" err="1" smtClean="0">
+                <a:solidFill>
+                  <a:schemeClr val="tx1"/>
+                </a:solidFill>
+                <a:latin typeface="Helvetica" charset="0"/>
+                <a:ea typeface="Helvetica" charset="0"/>
+                <a:cs typeface="Helvetica" charset="0"/>
+              </a:rPr>
+              <a:t>equivalente</a:t>
+            </a:r>
+            <a:r>
+              <a:rPr lang="en-US" dirty="0" smtClean="0">
+                <a:solidFill>
+                  <a:schemeClr val="tx1"/>
+                </a:solidFill>
+                <a:latin typeface="Helvetica" charset="0"/>
+                <a:ea typeface="Helvetica" charset="0"/>
+                <a:cs typeface="Helvetica" charset="0"/>
+              </a:rPr>
+              <a:t> a </a:t>
+            </a:r>
+            <a:r>
+              <a:rPr lang="en-US" dirty="0" err="1" smtClean="0">
+                <a:solidFill>
+                  <a:schemeClr val="tx1"/>
+                </a:solidFill>
+                <a:latin typeface="Helvetica" charset="0"/>
+                <a:ea typeface="Helvetica" charset="0"/>
+                <a:cs typeface="Helvetica" charset="0"/>
+              </a:rPr>
+              <a:t>cara-ou-coroa</a:t>
+            </a:r>
+            <a:endParaRPr lang="en-US" dirty="0" smtClean="0">
+              <a:solidFill>
+                <a:schemeClr val="tx1"/>
+              </a:solidFill>
+              <a:latin typeface="Helvetica" charset="0"/>
+              <a:ea typeface="Helvetica" charset="0"/>
+              <a:cs typeface="Helvetica" charset="0"/>
+            </a:endParaRPr>
+          </a:p>
+          <a:p>
+            <a:r>
+              <a:rPr lang="en-US" b="1" i="1" dirty="0" err="1" smtClean="0">
+                <a:solidFill>
+                  <a:schemeClr val="tx1"/>
+                </a:solidFill>
+                <a:latin typeface="Helvetica" charset="0"/>
+                <a:ea typeface="Helvetica" charset="0"/>
+                <a:cs typeface="Helvetica" charset="0"/>
+              </a:rPr>
+              <a:t>IntegerGene</a:t>
+            </a:r>
+            <a:r>
+              <a:rPr lang="en-US" i="1" dirty="0" smtClean="0">
+                <a:solidFill>
+                  <a:schemeClr val="tx1"/>
+                </a:solidFill>
+                <a:latin typeface="Helvetica" charset="0"/>
+                <a:ea typeface="Helvetica" charset="0"/>
+                <a:cs typeface="Helvetica" charset="0"/>
+              </a:rPr>
+              <a:t> (</a:t>
+            </a:r>
+            <a:r>
+              <a:rPr lang="en-US" i="1" dirty="0" err="1" smtClean="0">
+                <a:solidFill>
+                  <a:schemeClr val="tx1"/>
+                </a:solidFill>
+                <a:latin typeface="Helvetica" charset="0"/>
+                <a:ea typeface="Helvetica" charset="0"/>
+                <a:cs typeface="Helvetica" charset="0"/>
+              </a:rPr>
+              <a:t>expressividade</a:t>
+            </a:r>
+            <a:r>
+              <a:rPr lang="en-US" i="1" dirty="0" smtClean="0">
+                <a:solidFill>
+                  <a:schemeClr val="tx1"/>
+                </a:solidFill>
+                <a:latin typeface="Helvetica" charset="0"/>
+                <a:ea typeface="Helvetica" charset="0"/>
+                <a:cs typeface="Helvetica" charset="0"/>
+              </a:rPr>
+              <a:t> de 0 a k-1) </a:t>
+            </a:r>
+            <a:r>
+              <a:rPr lang="mr-IN" dirty="0" smtClean="0">
+                <a:solidFill>
+                  <a:schemeClr val="tx1"/>
+                </a:solidFill>
+                <a:latin typeface="Helvetica" charset="0"/>
+                <a:ea typeface="Helvetica" charset="0"/>
+                <a:cs typeface="Helvetica" charset="0"/>
+              </a:rPr>
+              <a:t>–</a:t>
+            </a:r>
+            <a:r>
+              <a:rPr lang="en-US" dirty="0" smtClean="0">
+                <a:solidFill>
+                  <a:schemeClr val="tx1"/>
+                </a:solidFill>
+                <a:latin typeface="Helvetica" charset="0"/>
+                <a:ea typeface="Helvetica" charset="0"/>
+                <a:cs typeface="Helvetica" charset="0"/>
+              </a:rPr>
+              <a:t> </a:t>
+            </a:r>
+            <a:r>
+              <a:rPr lang="en-US" dirty="0" err="1" smtClean="0">
+                <a:solidFill>
+                  <a:schemeClr val="tx1"/>
+                </a:solidFill>
+                <a:latin typeface="Helvetica" charset="0"/>
+                <a:ea typeface="Helvetica" charset="0"/>
+                <a:cs typeface="Helvetica" charset="0"/>
+              </a:rPr>
+              <a:t>escolhe</a:t>
+            </a:r>
+            <a:r>
+              <a:rPr lang="en-US" dirty="0" smtClean="0">
+                <a:solidFill>
+                  <a:schemeClr val="tx1"/>
+                </a:solidFill>
+                <a:latin typeface="Helvetica" charset="0"/>
+                <a:ea typeface="Helvetica" charset="0"/>
+                <a:cs typeface="Helvetica" charset="0"/>
+              </a:rPr>
+              <a:t> um dos </a:t>
+            </a:r>
+            <a:r>
+              <a:rPr lang="en-US" dirty="0" err="1" smtClean="0">
+                <a:solidFill>
+                  <a:schemeClr val="tx1"/>
+                </a:solidFill>
+                <a:latin typeface="Helvetica" charset="0"/>
+                <a:ea typeface="Helvetica" charset="0"/>
+                <a:cs typeface="Helvetica" charset="0"/>
+              </a:rPr>
+              <a:t>inteiros</a:t>
+            </a:r>
+            <a:r>
+              <a:rPr lang="en-US" dirty="0" smtClean="0">
+                <a:solidFill>
+                  <a:schemeClr val="tx1"/>
+                </a:solidFill>
+                <a:latin typeface="Helvetica" charset="0"/>
+                <a:ea typeface="Helvetica" charset="0"/>
+                <a:cs typeface="Helvetica" charset="0"/>
+              </a:rPr>
+              <a:t> do </a:t>
+            </a:r>
+            <a:r>
+              <a:rPr lang="en-US" dirty="0" err="1" smtClean="0">
+                <a:solidFill>
+                  <a:schemeClr val="tx1"/>
+                </a:solidFill>
+                <a:latin typeface="Helvetica" charset="0"/>
+                <a:ea typeface="Helvetica" charset="0"/>
+                <a:cs typeface="Helvetica" charset="0"/>
+              </a:rPr>
+              <a:t>intervalo</a:t>
+            </a:r>
+            <a:endParaRPr lang="en-US" dirty="0" smtClean="0">
+              <a:solidFill>
+                <a:schemeClr val="tx1"/>
+              </a:solidFill>
+              <a:latin typeface="Helvetica" charset="0"/>
+              <a:ea typeface="Helvetica" charset="0"/>
+              <a:cs typeface="Helvetica" charset="0"/>
+            </a:endParaRPr>
+          </a:p>
+          <a:p>
+            <a:r>
+              <a:rPr lang="en-US" b="1" i="1" dirty="0" err="1" smtClean="0">
+                <a:solidFill>
+                  <a:schemeClr val="tx1"/>
+                </a:solidFill>
+                <a:latin typeface="Helvetica" charset="0"/>
+                <a:ea typeface="Helvetica" charset="0"/>
+                <a:cs typeface="Helvetica" charset="0"/>
+              </a:rPr>
+              <a:t>RealGene</a:t>
+            </a:r>
+            <a:r>
+              <a:rPr lang="en-US" i="1" dirty="0" smtClean="0">
+                <a:solidFill>
+                  <a:schemeClr val="tx1"/>
+                </a:solidFill>
+                <a:latin typeface="Helvetica" charset="0"/>
+                <a:ea typeface="Helvetica" charset="0"/>
+                <a:cs typeface="Helvetica" charset="0"/>
+              </a:rPr>
+              <a:t> (</a:t>
+            </a:r>
+            <a:r>
+              <a:rPr lang="en-US" i="1" dirty="0" err="1" smtClean="0">
+                <a:solidFill>
+                  <a:schemeClr val="tx1"/>
+                </a:solidFill>
+                <a:latin typeface="Helvetica" charset="0"/>
+                <a:ea typeface="Helvetica" charset="0"/>
+                <a:cs typeface="Helvetica" charset="0"/>
+              </a:rPr>
+              <a:t>expressividade</a:t>
+            </a:r>
+            <a:r>
+              <a:rPr lang="en-US" i="1" dirty="0" smtClean="0">
+                <a:solidFill>
+                  <a:schemeClr val="tx1"/>
+                </a:solidFill>
+                <a:latin typeface="Helvetica" charset="0"/>
+                <a:ea typeface="Helvetica" charset="0"/>
+                <a:cs typeface="Helvetica" charset="0"/>
+              </a:rPr>
+              <a:t> no </a:t>
+            </a:r>
+            <a:r>
+              <a:rPr lang="en-US" i="1" dirty="0" err="1" smtClean="0">
+                <a:solidFill>
+                  <a:schemeClr val="tx1"/>
+                </a:solidFill>
+                <a:latin typeface="Helvetica" charset="0"/>
+                <a:ea typeface="Helvetica" charset="0"/>
+                <a:cs typeface="Helvetica" charset="0"/>
+              </a:rPr>
+              <a:t>intervalo</a:t>
+            </a:r>
+            <a:r>
+              <a:rPr lang="en-US" i="1" dirty="0" smtClean="0">
+                <a:solidFill>
+                  <a:schemeClr val="tx1"/>
+                </a:solidFill>
+                <a:latin typeface="Helvetica" charset="0"/>
+                <a:ea typeface="Helvetica" charset="0"/>
+                <a:cs typeface="Helvetica" charset="0"/>
+              </a:rPr>
+              <a:t> [0, 1)) </a:t>
+            </a:r>
+            <a:r>
+              <a:rPr lang="mr-IN" dirty="0" smtClean="0">
+                <a:solidFill>
+                  <a:schemeClr val="tx1"/>
+                </a:solidFill>
+                <a:latin typeface="Helvetica" charset="0"/>
+                <a:ea typeface="Helvetica" charset="0"/>
+                <a:cs typeface="Helvetica" charset="0"/>
+              </a:rPr>
+              <a:t>–</a:t>
+            </a:r>
+            <a:r>
+              <a:rPr lang="en-US" dirty="0" smtClean="0">
+                <a:solidFill>
+                  <a:schemeClr val="tx1"/>
+                </a:solidFill>
+                <a:latin typeface="Helvetica" charset="0"/>
+                <a:ea typeface="Helvetica" charset="0"/>
+                <a:cs typeface="Helvetica" charset="0"/>
+              </a:rPr>
+              <a:t> </a:t>
+            </a:r>
+            <a:r>
+              <a:rPr lang="en-US" dirty="0" err="1" smtClean="0">
+                <a:solidFill>
+                  <a:schemeClr val="tx1"/>
+                </a:solidFill>
+                <a:latin typeface="Helvetica" charset="0"/>
+                <a:ea typeface="Helvetica" charset="0"/>
+                <a:cs typeface="Helvetica" charset="0"/>
+              </a:rPr>
+              <a:t>escolhe</a:t>
+            </a:r>
+            <a:r>
+              <a:rPr lang="en-US" dirty="0" smtClean="0">
+                <a:solidFill>
+                  <a:schemeClr val="tx1"/>
+                </a:solidFill>
+                <a:latin typeface="Helvetica" charset="0"/>
+                <a:ea typeface="Helvetica" charset="0"/>
+                <a:cs typeface="Helvetica" charset="0"/>
+              </a:rPr>
+              <a:t> um valor real do </a:t>
+            </a:r>
+            <a:r>
+              <a:rPr lang="en-US" dirty="0" err="1" smtClean="0">
+                <a:solidFill>
+                  <a:schemeClr val="tx1"/>
+                </a:solidFill>
+                <a:latin typeface="Helvetica" charset="0"/>
+                <a:ea typeface="Helvetica" charset="0"/>
+                <a:cs typeface="Helvetica" charset="0"/>
+              </a:rPr>
+              <a:t>intervalo</a:t>
+            </a:r>
+            <a:endParaRPr lang="en-US" dirty="0" smtClean="0">
+              <a:solidFill>
+                <a:schemeClr val="tx1"/>
+              </a:solidFill>
+              <a:latin typeface="Helvetica" charset="0"/>
+              <a:ea typeface="Helvetica" charset="0"/>
+              <a:cs typeface="Helvetica" charset="0"/>
+            </a:endParaRPr>
+          </a:p>
+          <a:p>
+            <a:endParaRPr lang="en-US" dirty="0" smtClean="0">
+              <a:solidFill>
+                <a:schemeClr val="tx1"/>
+              </a:solidFill>
+              <a:latin typeface="Helvetica" charset="0"/>
+              <a:ea typeface="Helvetica" charset="0"/>
+              <a:cs typeface="Helvetica" charset="0"/>
+            </a:endParaRPr>
+          </a:p>
+          <a:p>
+            <a:r>
+              <a:rPr lang="en-US" dirty="0" err="1" smtClean="0">
+                <a:solidFill>
+                  <a:schemeClr val="tx1"/>
+                </a:solidFill>
+                <a:latin typeface="Helvetica" charset="0"/>
+                <a:ea typeface="Helvetica" charset="0"/>
+                <a:cs typeface="Helvetica" charset="0"/>
+              </a:rPr>
+              <a:t>Cada</a:t>
+            </a:r>
+            <a:r>
+              <a:rPr lang="en-US" dirty="0" smtClean="0">
+                <a:solidFill>
+                  <a:schemeClr val="tx1"/>
+                </a:solidFill>
+                <a:latin typeface="Helvetica" charset="0"/>
+                <a:ea typeface="Helvetica" charset="0"/>
+                <a:cs typeface="Helvetica" charset="0"/>
+              </a:rPr>
+              <a:t> gene </a:t>
+            </a:r>
+            <a:r>
+              <a:rPr lang="en-US" dirty="0" err="1" smtClean="0">
+                <a:solidFill>
+                  <a:schemeClr val="tx1"/>
+                </a:solidFill>
+                <a:latin typeface="Helvetica" charset="0"/>
+                <a:ea typeface="Helvetica" charset="0"/>
+                <a:cs typeface="Helvetica" charset="0"/>
+              </a:rPr>
+              <a:t>é</a:t>
+            </a:r>
+            <a:r>
+              <a:rPr lang="en-US" dirty="0">
+                <a:solidFill>
+                  <a:schemeClr val="tx1"/>
+                </a:solidFill>
+                <a:latin typeface="Helvetica" charset="0"/>
+                <a:ea typeface="Helvetica" charset="0"/>
+                <a:cs typeface="Helvetica" charset="0"/>
+              </a:rPr>
+              <a:t> </a:t>
+            </a:r>
+            <a:r>
+              <a:rPr lang="en-US" dirty="0" err="1" smtClean="0">
+                <a:solidFill>
+                  <a:schemeClr val="tx1"/>
+                </a:solidFill>
+                <a:latin typeface="Helvetica" charset="0"/>
+                <a:ea typeface="Helvetica" charset="0"/>
+                <a:cs typeface="Helvetica" charset="0"/>
+              </a:rPr>
+              <a:t>levado</a:t>
+            </a:r>
+            <a:r>
+              <a:rPr lang="en-US" dirty="0" smtClean="0">
+                <a:solidFill>
+                  <a:schemeClr val="tx1"/>
+                </a:solidFill>
+                <a:latin typeface="Helvetica" charset="0"/>
+                <a:ea typeface="Helvetica" charset="0"/>
+                <a:cs typeface="Helvetica" charset="0"/>
+              </a:rPr>
+              <a:t> para </a:t>
+            </a:r>
+            <a:r>
+              <a:rPr lang="en-US" dirty="0" err="1" smtClean="0">
+                <a:solidFill>
+                  <a:schemeClr val="tx1"/>
+                </a:solidFill>
+                <a:latin typeface="Helvetica" charset="0"/>
+                <a:ea typeface="Helvetica" charset="0"/>
+                <a:cs typeface="Helvetica" charset="0"/>
+              </a:rPr>
+              <a:t>mutação</a:t>
+            </a:r>
+            <a:r>
+              <a:rPr lang="en-US" dirty="0" smtClean="0">
+                <a:solidFill>
+                  <a:schemeClr val="tx1"/>
+                </a:solidFill>
+                <a:latin typeface="Helvetica" charset="0"/>
+                <a:ea typeface="Helvetica" charset="0"/>
+                <a:cs typeface="Helvetica" charset="0"/>
+              </a:rPr>
+              <a:t> de </a:t>
+            </a:r>
+            <a:r>
+              <a:rPr lang="en-US" dirty="0" err="1" smtClean="0">
+                <a:solidFill>
+                  <a:schemeClr val="tx1"/>
+                </a:solidFill>
+                <a:latin typeface="Helvetica" charset="0"/>
+                <a:ea typeface="Helvetica" charset="0"/>
+                <a:cs typeface="Helvetica" charset="0"/>
+              </a:rPr>
+              <a:t>modo</a:t>
+            </a:r>
+            <a:r>
+              <a:rPr lang="en-US" dirty="0" smtClean="0">
+                <a:solidFill>
+                  <a:schemeClr val="tx1"/>
+                </a:solidFill>
+                <a:latin typeface="Helvetica" charset="0"/>
+                <a:ea typeface="Helvetica" charset="0"/>
+                <a:cs typeface="Helvetica" charset="0"/>
+              </a:rPr>
+              <a:t> </a:t>
+            </a:r>
+            <a:r>
+              <a:rPr lang="en-US" dirty="0" err="1" smtClean="0">
+                <a:solidFill>
+                  <a:schemeClr val="tx1"/>
+                </a:solidFill>
+                <a:latin typeface="Helvetica" charset="0"/>
+                <a:ea typeface="Helvetica" charset="0"/>
+                <a:cs typeface="Helvetica" charset="0"/>
+              </a:rPr>
+              <a:t>independente</a:t>
+            </a:r>
+            <a:r>
+              <a:rPr lang="en-US" dirty="0" smtClean="0">
+                <a:solidFill>
+                  <a:schemeClr val="tx1"/>
+                </a:solidFill>
+                <a:latin typeface="Helvetica" charset="0"/>
+                <a:ea typeface="Helvetica" charset="0"/>
+                <a:cs typeface="Helvetica" charset="0"/>
+              </a:rPr>
+              <a:t> (</a:t>
+            </a:r>
+            <a:r>
+              <a:rPr lang="en-US" dirty="0" err="1" smtClean="0">
+                <a:solidFill>
+                  <a:schemeClr val="tx1"/>
+                </a:solidFill>
+                <a:latin typeface="Helvetica" charset="0"/>
+                <a:ea typeface="Helvetica" charset="0"/>
+                <a:cs typeface="Helvetica" charset="0"/>
+              </a:rPr>
+              <a:t>neste</a:t>
+            </a:r>
+            <a:r>
+              <a:rPr lang="en-US" dirty="0" smtClean="0">
+                <a:solidFill>
+                  <a:schemeClr val="tx1"/>
+                </a:solidFill>
+                <a:latin typeface="Helvetica" charset="0"/>
+                <a:ea typeface="Helvetica" charset="0"/>
+                <a:cs typeface="Helvetica" charset="0"/>
+              </a:rPr>
+              <a:t> </a:t>
+            </a:r>
+            <a:r>
+              <a:rPr lang="en-US" dirty="0" err="1" smtClean="0">
+                <a:solidFill>
+                  <a:schemeClr val="tx1"/>
+                </a:solidFill>
+                <a:latin typeface="Helvetica" charset="0"/>
+                <a:ea typeface="Helvetica" charset="0"/>
+                <a:cs typeface="Helvetica" charset="0"/>
+              </a:rPr>
+              <a:t>trabalho</a:t>
+            </a:r>
+            <a:r>
+              <a:rPr lang="en-US" dirty="0" smtClean="0">
+                <a:solidFill>
+                  <a:schemeClr val="tx1"/>
+                </a:solidFill>
+                <a:latin typeface="Helvetica" charset="0"/>
+                <a:ea typeface="Helvetica" charset="0"/>
+                <a:cs typeface="Helvetica" charset="0"/>
+              </a:rPr>
+              <a:t>)</a:t>
+            </a:r>
+          </a:p>
+          <a:p>
+            <a:r>
+              <a:rPr lang="en-US" dirty="0" smtClean="0">
+                <a:solidFill>
+                  <a:schemeClr val="tx1"/>
+                </a:solidFill>
+                <a:latin typeface="Helvetica" charset="0"/>
+                <a:ea typeface="Helvetica" charset="0"/>
+                <a:cs typeface="Helvetica" charset="0"/>
+              </a:rPr>
+              <a:t>Valor </a:t>
+            </a:r>
+            <a:r>
+              <a:rPr lang="en-US" dirty="0" err="1" smtClean="0">
+                <a:solidFill>
+                  <a:schemeClr val="tx1"/>
+                </a:solidFill>
+                <a:latin typeface="Helvetica" charset="0"/>
+                <a:ea typeface="Helvetica" charset="0"/>
+                <a:cs typeface="Helvetica" charset="0"/>
+              </a:rPr>
+              <a:t>padronizado</a:t>
+            </a:r>
+            <a:r>
+              <a:rPr lang="en-US" dirty="0" smtClean="0">
+                <a:solidFill>
+                  <a:schemeClr val="tx1"/>
+                </a:solidFill>
+                <a:latin typeface="Helvetica" charset="0"/>
+                <a:ea typeface="Helvetica" charset="0"/>
+                <a:cs typeface="Helvetica" charset="0"/>
+              </a:rPr>
+              <a:t>: </a:t>
+            </a:r>
+            <a:r>
+              <a:rPr lang="en-US" i="1" dirty="0" smtClean="0">
+                <a:solidFill>
+                  <a:schemeClr val="tx1"/>
+                </a:solidFill>
+                <a:latin typeface="Helvetica" charset="0"/>
+                <a:ea typeface="Helvetica" charset="0"/>
+                <a:cs typeface="Helvetica" charset="0"/>
+              </a:rPr>
+              <a:t>0.01</a:t>
+            </a:r>
+            <a:r>
+              <a:rPr lang="en-US" dirty="0" smtClean="0">
+                <a:solidFill>
+                  <a:schemeClr val="tx1"/>
+                </a:solidFill>
+                <a:latin typeface="Helvetica" charset="0"/>
+                <a:ea typeface="Helvetica" charset="0"/>
+                <a:cs typeface="Helvetica" charset="0"/>
+              </a:rPr>
+              <a:t>; </a:t>
+            </a:r>
+            <a:r>
+              <a:rPr lang="en-US" dirty="0" err="1" smtClean="0">
+                <a:solidFill>
+                  <a:schemeClr val="tx1"/>
+                </a:solidFill>
+                <a:latin typeface="Helvetica" charset="0"/>
+                <a:ea typeface="Helvetica" charset="0"/>
+                <a:cs typeface="Helvetica" charset="0"/>
+              </a:rPr>
+              <a:t>Faixa</a:t>
+            </a:r>
+            <a:r>
+              <a:rPr lang="en-US" dirty="0" smtClean="0">
+                <a:solidFill>
+                  <a:schemeClr val="tx1"/>
+                </a:solidFill>
+                <a:latin typeface="Helvetica" charset="0"/>
+                <a:ea typeface="Helvetica" charset="0"/>
+                <a:cs typeface="Helvetica" charset="0"/>
+              </a:rPr>
+              <a:t> </a:t>
+            </a:r>
+            <a:r>
+              <a:rPr lang="en-US" dirty="0" err="1" smtClean="0">
+                <a:solidFill>
+                  <a:schemeClr val="tx1"/>
+                </a:solidFill>
+                <a:latin typeface="Helvetica" charset="0"/>
+                <a:ea typeface="Helvetica" charset="0"/>
+                <a:cs typeface="Helvetica" charset="0"/>
+              </a:rPr>
+              <a:t>adequada</a:t>
+            </a:r>
+            <a:r>
+              <a:rPr lang="en-US" dirty="0" smtClean="0">
+                <a:solidFill>
+                  <a:schemeClr val="tx1"/>
+                </a:solidFill>
+                <a:latin typeface="Helvetica" charset="0"/>
+                <a:ea typeface="Helvetica" charset="0"/>
+                <a:cs typeface="Helvetica" charset="0"/>
+              </a:rPr>
+              <a:t>: de </a:t>
+            </a:r>
+            <a:r>
+              <a:rPr lang="en-US" i="1" dirty="0" smtClean="0">
+                <a:solidFill>
+                  <a:schemeClr val="tx1"/>
+                </a:solidFill>
+                <a:latin typeface="Helvetica" charset="0"/>
+                <a:ea typeface="Helvetica" charset="0"/>
+                <a:cs typeface="Helvetica" charset="0"/>
+              </a:rPr>
+              <a:t>0.001 a 0.5</a:t>
+            </a:r>
+            <a:r>
+              <a:rPr lang="en-US" dirty="0" smtClean="0">
+                <a:solidFill>
+                  <a:schemeClr val="tx1"/>
+                </a:solidFill>
+                <a:latin typeface="Helvetica" charset="0"/>
+                <a:ea typeface="Helvetica" charset="0"/>
+                <a:cs typeface="Helvetica" charset="0"/>
+              </a:rPr>
+              <a:t> </a:t>
             </a:r>
             <a:r>
               <a:rPr lang="en-US" b="1" baseline="30000" dirty="0" smtClean="0">
                 <a:solidFill>
                   <a:srgbClr val="0432FF"/>
                 </a:solidFill>
-              </a:rPr>
-              <a:t>[2]</a:t>
-            </a:r>
-          </a:p>
-          <a:p>
-            <a:r>
-              <a:rPr lang="en-US" dirty="0" err="1" smtClean="0"/>
-              <a:t>Desenvolver</a:t>
-            </a:r>
-            <a:r>
-              <a:rPr lang="en-US" dirty="0" smtClean="0"/>
-              <a:t> </a:t>
-            </a:r>
-            <a:r>
-              <a:rPr lang="en-US" dirty="0" err="1" smtClean="0"/>
-              <a:t>diferentes</a:t>
-            </a:r>
-            <a:r>
-              <a:rPr lang="en-US" dirty="0" smtClean="0"/>
-              <a:t> </a:t>
-            </a:r>
-            <a:r>
-              <a:rPr lang="en-US" dirty="0" err="1" smtClean="0"/>
-              <a:t>ações</a:t>
-            </a:r>
-            <a:r>
-              <a:rPr lang="en-US" dirty="0" smtClean="0"/>
-              <a:t> de </a:t>
-            </a:r>
-            <a:r>
-              <a:rPr lang="en-US" dirty="0" err="1" smtClean="0"/>
-              <a:t>variação</a:t>
-            </a:r>
-            <a:r>
-              <a:rPr lang="en-US" dirty="0" smtClean="0"/>
-              <a:t>/</a:t>
-            </a:r>
-            <a:r>
-              <a:rPr lang="en-US" dirty="0" err="1" smtClean="0"/>
-              <a:t>seleção</a:t>
-            </a:r>
-            <a:r>
-              <a:rPr lang="en-US" dirty="0" smtClean="0"/>
-              <a:t> para </a:t>
-            </a:r>
-            <a:r>
-              <a:rPr lang="en-US" dirty="0" err="1" smtClean="0"/>
-              <a:t>cada</a:t>
-            </a:r>
-            <a:r>
-              <a:rPr lang="en-US" dirty="0" smtClean="0"/>
-              <a:t> </a:t>
-            </a:r>
-            <a:r>
-              <a:rPr lang="en-US" dirty="0" err="1" smtClean="0"/>
-              <a:t>população</a:t>
-            </a:r>
-            <a:endParaRPr lang="en-US" dirty="0" smtClean="0"/>
-          </a:p>
-          <a:p>
-            <a:r>
-              <a:rPr lang="en-US" dirty="0" err="1" smtClean="0"/>
-              <a:t>Esqueleto</a:t>
-            </a:r>
-            <a:r>
-              <a:rPr lang="en-US" dirty="0" smtClean="0"/>
-              <a:t> </a:t>
-            </a:r>
-            <a:r>
-              <a:rPr lang="en-US" dirty="0" err="1" smtClean="0"/>
-              <a:t>deve</a:t>
-            </a:r>
-            <a:r>
-              <a:rPr lang="en-US" dirty="0" smtClean="0"/>
-              <a:t> </a:t>
-            </a:r>
-            <a:r>
-              <a:rPr lang="en-US" dirty="0" err="1" smtClean="0"/>
-              <a:t>ser</a:t>
-            </a:r>
-            <a:r>
-              <a:rPr lang="en-US" dirty="0" smtClean="0"/>
-              <a:t> </a:t>
-            </a:r>
-            <a:r>
-              <a:rPr lang="en-US" dirty="0" err="1" smtClean="0"/>
-              <a:t>receptivo</a:t>
-            </a:r>
-            <a:r>
-              <a:rPr lang="en-US" dirty="0" smtClean="0"/>
-              <a:t> a </a:t>
-            </a:r>
-            <a:r>
-              <a:rPr lang="en-US" dirty="0" err="1" smtClean="0"/>
-              <a:t>diferentes</a:t>
-            </a:r>
-            <a:r>
-              <a:rPr lang="en-US" dirty="0" smtClean="0"/>
-              <a:t> </a:t>
-            </a:r>
-            <a:r>
-              <a:rPr lang="en-US" dirty="0" err="1" smtClean="0"/>
-              <a:t>problemas</a:t>
-            </a:r>
-            <a:endParaRPr lang="en-US" dirty="0" smtClean="0"/>
-          </a:p>
-          <a:p>
-            <a:pPr lvl="1"/>
-            <a:r>
-              <a:rPr lang="en-US" dirty="0" err="1" smtClean="0"/>
-              <a:t>Mínimo</a:t>
-            </a:r>
-            <a:r>
-              <a:rPr lang="en-US" dirty="0" smtClean="0"/>
-              <a:t> / </a:t>
-            </a:r>
-            <a:r>
-              <a:rPr lang="en-US" dirty="0" err="1" smtClean="0"/>
-              <a:t>Máximo</a:t>
-            </a:r>
-            <a:endParaRPr lang="en-US" dirty="0" smtClean="0"/>
-          </a:p>
-          <a:p>
-            <a:pPr lvl="1"/>
-            <a:r>
-              <a:rPr lang="en-US" dirty="0" err="1" smtClean="0"/>
-              <a:t>Complexidade</a:t>
-            </a:r>
-            <a:r>
-              <a:rPr lang="en-US" dirty="0" smtClean="0"/>
-              <a:t> da </a:t>
-            </a:r>
-            <a:r>
-              <a:rPr lang="en-US" dirty="0" err="1" smtClean="0"/>
-              <a:t>população</a:t>
-            </a:r>
-            <a:endParaRPr lang="en-US" dirty="0" smtClean="0"/>
-          </a:p>
-          <a:p>
-            <a:r>
-              <a:rPr lang="en-US" b="1" dirty="0" err="1" smtClean="0"/>
-              <a:t>Mutação</a:t>
-            </a:r>
-            <a:r>
-              <a:rPr lang="en-US" dirty="0" smtClean="0"/>
-              <a:t> </a:t>
-            </a:r>
-            <a:r>
-              <a:rPr lang="en-US" dirty="0" smtClean="0">
-                <a:sym typeface="Wingdings"/>
-              </a:rPr>
-              <a:t> Valor </a:t>
-            </a:r>
-            <a:r>
-              <a:rPr lang="en-US" dirty="0" err="1" smtClean="0">
-                <a:sym typeface="Wingdings"/>
-              </a:rPr>
-              <a:t>aleatório</a:t>
-            </a:r>
-            <a:endParaRPr lang="en-US" dirty="0" smtClean="0">
-              <a:sym typeface="Wingdings"/>
+                <a:latin typeface="Helvetica" charset="0"/>
+                <a:ea typeface="Helvetica" charset="0"/>
+                <a:cs typeface="Helvetica" charset="0"/>
+              </a:rPr>
+              <a:t>[3,4,5]</a:t>
+            </a:r>
+            <a:endParaRPr lang="en-US" b="1" baseline="30000" dirty="0" smtClean="0">
+              <a:solidFill>
+                <a:srgbClr val="0432FF"/>
+              </a:solidFill>
             </a:endParaRPr>
-          </a:p>
-          <a:p>
-            <a:r>
-              <a:rPr lang="en-US" b="1" dirty="0" err="1" smtClean="0">
-                <a:sym typeface="Wingdings"/>
-              </a:rPr>
-              <a:t>Recombinação</a:t>
-            </a:r>
-            <a:r>
-              <a:rPr lang="en-US" dirty="0" smtClean="0">
-                <a:sym typeface="Wingdings"/>
-              </a:rPr>
-              <a:t>  </a:t>
-            </a:r>
-            <a:r>
-              <a:rPr lang="en-US" dirty="0" err="1" smtClean="0">
-                <a:sym typeface="Wingdings"/>
-              </a:rPr>
-              <a:t>Troca</a:t>
-            </a:r>
-            <a:r>
-              <a:rPr lang="en-US" dirty="0" smtClean="0">
-                <a:sym typeface="Wingdings"/>
-              </a:rPr>
-              <a:t> de </a:t>
-            </a:r>
-            <a:r>
-              <a:rPr lang="en-US" dirty="0" err="1" smtClean="0">
-                <a:sym typeface="Wingdings"/>
-              </a:rPr>
-              <a:t>valores</a:t>
-            </a:r>
-            <a:r>
-              <a:rPr lang="en-US" dirty="0" smtClean="0">
-                <a:sym typeface="Wingdings"/>
-              </a:rPr>
-              <a:t> entre </a:t>
-            </a:r>
-            <a:r>
-              <a:rPr lang="en-US" dirty="0" err="1" smtClean="0">
-                <a:sym typeface="Wingdings"/>
-              </a:rPr>
-              <a:t>os</a:t>
-            </a:r>
-            <a:r>
-              <a:rPr lang="en-US" dirty="0" smtClean="0">
-                <a:sym typeface="Wingdings"/>
-              </a:rPr>
-              <a:t> </a:t>
-            </a:r>
-            <a:r>
-              <a:rPr lang="en-US" dirty="0" err="1" smtClean="0">
-                <a:sym typeface="Wingdings"/>
-              </a:rPr>
-              <a:t>pais</a:t>
-            </a:r>
-            <a:endParaRPr lang="en-US" dirty="0" smtClean="0">
-              <a:sym typeface="Wingdings"/>
-            </a:endParaRPr>
-          </a:p>
-          <a:p>
-            <a:r>
-              <a:rPr lang="en-US" b="1" dirty="0" err="1" smtClean="0">
-                <a:sym typeface="Wingdings"/>
-              </a:rPr>
-              <a:t>Seleção</a:t>
-            </a:r>
-            <a:r>
-              <a:rPr lang="en-US" dirty="0" smtClean="0">
-                <a:sym typeface="Wingdings"/>
-              </a:rPr>
-              <a:t>  </a:t>
-            </a:r>
-            <a:r>
-              <a:rPr lang="en-US" dirty="0" err="1" smtClean="0">
-                <a:sym typeface="Wingdings"/>
-              </a:rPr>
-              <a:t>Os</a:t>
-            </a:r>
-            <a:r>
-              <a:rPr lang="en-US" dirty="0" smtClean="0">
-                <a:sym typeface="Wingdings"/>
-              </a:rPr>
-              <a:t> </a:t>
-            </a:r>
-            <a:r>
-              <a:rPr lang="en-US" dirty="0" err="1" smtClean="0">
-                <a:sym typeface="Wingdings"/>
-              </a:rPr>
-              <a:t>melhores</a:t>
-            </a:r>
-            <a:r>
-              <a:rPr lang="en-US" dirty="0" smtClean="0">
-                <a:sym typeface="Wingdings"/>
-              </a:rPr>
-              <a:t> </a:t>
-            </a:r>
-            <a:r>
-              <a:rPr lang="en-US" dirty="0" err="1" smtClean="0">
-                <a:sym typeface="Wingdings"/>
-              </a:rPr>
-              <a:t>indivíduos</a:t>
-            </a:r>
-            <a:r>
-              <a:rPr lang="en-US" dirty="0" smtClean="0">
-                <a:sym typeface="Wingdings"/>
-              </a:rPr>
-              <a:t> </a:t>
-            </a:r>
-            <a:r>
-              <a:rPr lang="en-US" dirty="0" err="1" smtClean="0">
-                <a:sym typeface="Wingdings"/>
-              </a:rPr>
-              <a:t>são</a:t>
-            </a:r>
-            <a:r>
-              <a:rPr lang="en-US" dirty="0" smtClean="0">
-                <a:sym typeface="Wingdings"/>
-              </a:rPr>
-              <a:t> </a:t>
-            </a:r>
-          </a:p>
-          <a:p>
-            <a:r>
-              <a:rPr lang="en-US" b="1" dirty="0" err="1" smtClean="0">
-                <a:sym typeface="Wingdings"/>
-              </a:rPr>
-              <a:t>Sobrevivência</a:t>
-            </a:r>
-            <a:r>
-              <a:rPr lang="en-US" dirty="0" smtClean="0">
-                <a:sym typeface="Wingdings"/>
-              </a:rPr>
-              <a:t>  </a:t>
-            </a:r>
-            <a:r>
-              <a:rPr lang="en-US" dirty="0" err="1" smtClean="0">
-                <a:sym typeface="Wingdings"/>
-              </a:rPr>
-              <a:t>Rejeição</a:t>
-            </a:r>
-            <a:r>
-              <a:rPr lang="en-US" dirty="0" smtClean="0">
-                <a:sym typeface="Wingdings"/>
-              </a:rPr>
-              <a:t> de </a:t>
-            </a:r>
-            <a:r>
-              <a:rPr lang="en-US" dirty="0" err="1">
-                <a:sym typeface="Wingdings"/>
-              </a:rPr>
-              <a:t>espécimes</a:t>
-            </a:r>
-            <a:r>
-              <a:rPr lang="en-US" dirty="0">
-                <a:sym typeface="Wingdings"/>
-              </a:rPr>
-              <a:t> </a:t>
-            </a:r>
-            <a:r>
-              <a:rPr lang="en-US" dirty="0" smtClean="0">
-                <a:sym typeface="Wingdings"/>
-              </a:rPr>
-              <a:t>de </a:t>
-            </a:r>
-            <a:r>
-              <a:rPr lang="en-US" dirty="0" err="1" smtClean="0">
-                <a:sym typeface="Wingdings"/>
-              </a:rPr>
-              <a:t>menor</a:t>
-            </a:r>
-            <a:r>
-              <a:rPr lang="en-US" dirty="0" smtClean="0">
-                <a:sym typeface="Wingdings"/>
-              </a:rPr>
-              <a:t> </a:t>
-            </a:r>
-            <a:r>
-              <a:rPr lang="en-US" dirty="0" err="1" smtClean="0">
-                <a:sym typeface="Wingdings"/>
-              </a:rPr>
-              <a:t>qualidade</a:t>
-            </a:r>
-            <a:endParaRPr lang="en-US" dirty="0" smtClean="0"/>
-          </a:p>
-          <a:p>
-            <a:pPr marL="0" indent="0">
-              <a:buNone/>
-            </a:pPr>
-            <a:endParaRPr lang="en-US" dirty="0" smtClean="0"/>
-          </a:p>
-          <a:p>
-            <a:endParaRPr lang="en-US" dirty="0"/>
           </a:p>
         </p:txBody>
       </p:sp>
@@ -22632,7 +23353,7 @@
     </p:spTree>
     <p:extLst>
       <p:ext uri="{BB962C8B-B14F-4D97-AF65-F5344CB8AC3E}">
-        <p14:creationId xmlns:p14="http://schemas.microsoft.com/office/powerpoint/2010/main" val="315967827"/>
+        <p14:creationId xmlns:p14="http://schemas.microsoft.com/office/powerpoint/2010/main" val="255874923"/>
       </p:ext>
     </p:extLst>
   </p:cSld>

--- a/presentations/TG2_Apresentacao_Cassio.pptx
+++ b/presentations/TG2_Apresentacao_Cassio.pptx
@@ -5,7 +5,7 @@
     <p:sldMasterId id="2147484198" r:id="rId1"/>
   </p:sldMasterIdLst>
   <p:notesMasterIdLst>
-    <p:notesMasterId r:id="rId15"/>
+    <p:notesMasterId r:id="rId17"/>
   </p:notesMasterIdLst>
   <p:sldIdLst>
     <p:sldId id="256" r:id="rId2"/>
@@ -19,8 +19,10 @@
     <p:sldId id="278" r:id="rId10"/>
     <p:sldId id="279" r:id="rId11"/>
     <p:sldId id="280" r:id="rId12"/>
-    <p:sldId id="269" r:id="rId13"/>
-    <p:sldId id="271" r:id="rId14"/>
+    <p:sldId id="281" r:id="rId13"/>
+    <p:sldId id="282" r:id="rId14"/>
+    <p:sldId id="269" r:id="rId15"/>
+    <p:sldId id="271" r:id="rId16"/>
   </p:sldIdLst>
   <p:sldSz cx="12192000" cy="6858000"/>
   <p:notesSz cx="6858000" cy="9144000"/>
@@ -209,7 +211,7 @@
           <a:p>
             <a:fld id="{7CDA9EC1-9FF2-0E46-B2FE-07EA8F5F1A10}" type="datetimeFigureOut">
               <a:rPr lang="en-US" smtClean="0"/>
-              <a:t>11/17/16</a:t>
+              <a:t>11/18/16</a:t>
             </a:fld>
             <a:endParaRPr lang="en-US"/>
           </a:p>
@@ -561,6 +563,90 @@
 </p:notes>
 </file>
 
+<file path=ppt/notesSlides/notesSlide10.xml><?xml version="1.0" encoding="utf-8"?>
+<p:notes xmlns:a="http://schemas.openxmlformats.org/drawingml/2006/main" xmlns:r="http://schemas.openxmlformats.org/officeDocument/2006/relationships" xmlns:p="http://schemas.openxmlformats.org/presentationml/2006/main">
+  <p:cSld>
+    <p:spTree>
+      <p:nvGrpSpPr>
+        <p:cNvPr id="1" name=""/>
+        <p:cNvGrpSpPr/>
+        <p:nvPr/>
+      </p:nvGrpSpPr>
+      <p:grpSpPr>
+        <a:xfrm>
+          <a:off x="0" y="0"/>
+          <a:ext cx="0" cy="0"/>
+          <a:chOff x="0" y="0"/>
+          <a:chExt cx="0" cy="0"/>
+        </a:xfrm>
+      </p:grpSpPr>
+      <p:sp>
+        <p:nvSpPr>
+          <p:cNvPr id="2" name="Slide Image Placeholder 1"/>
+          <p:cNvSpPr>
+            <a:spLocks noGrp="1" noRot="1" noChangeAspect="1"/>
+          </p:cNvSpPr>
+          <p:nvPr>
+            <p:ph type="sldImg"/>
+          </p:nvPr>
+        </p:nvSpPr>
+        <p:spPr/>
+      </p:sp>
+      <p:sp>
+        <p:nvSpPr>
+          <p:cNvPr id="3" name="Notes Placeholder 2"/>
+          <p:cNvSpPr>
+            <a:spLocks noGrp="1"/>
+          </p:cNvSpPr>
+          <p:nvPr>
+            <p:ph type="body" idx="1"/>
+          </p:nvPr>
+        </p:nvSpPr>
+        <p:spPr/>
+        <p:txBody>
+          <a:bodyPr/>
+          <a:lstStyle/>
+          <a:p>
+            <a:endParaRPr lang="en-US"/>
+          </a:p>
+        </p:txBody>
+      </p:sp>
+      <p:sp>
+        <p:nvSpPr>
+          <p:cNvPr id="4" name="Slide Number Placeholder 3"/>
+          <p:cNvSpPr>
+            <a:spLocks noGrp="1"/>
+          </p:cNvSpPr>
+          <p:nvPr>
+            <p:ph type="sldNum" sz="quarter" idx="10"/>
+          </p:nvPr>
+        </p:nvSpPr>
+        <p:spPr/>
+        <p:txBody>
+          <a:bodyPr/>
+          <a:lstStyle/>
+          <a:p>
+            <a:fld id="{728E3497-A358-B14F-AE0E-969A2D296615}" type="slidenum">
+              <a:rPr lang="en-US" smtClean="0"/>
+              <a:t>12</a:t>
+            </a:fld>
+            <a:endParaRPr lang="en-US"/>
+          </a:p>
+        </p:txBody>
+      </p:sp>
+    </p:spTree>
+    <p:extLst>
+      <p:ext uri="{BB962C8B-B14F-4D97-AF65-F5344CB8AC3E}">
+        <p14:creationId xmlns:p14="http://schemas.microsoft.com/office/powerpoint/2010/main" val="1288882310"/>
+      </p:ext>
+    </p:extLst>
+  </p:cSld>
+  <p:clrMapOvr>
+    <a:masterClrMapping/>
+  </p:clrMapOvr>
+</p:notes>
+</file>
+
 <file path=ppt/notesSlides/notesSlide2.xml><?xml version="1.0" encoding="utf-8"?>
 <p:notes xmlns:a="http://schemas.openxmlformats.org/drawingml/2006/main" xmlns:r="http://schemas.openxmlformats.org/officeDocument/2006/relationships" xmlns:p="http://schemas.openxmlformats.org/presentationml/2006/main">
   <p:cSld>
@@ -1140,6 +1226,90 @@
     <p:extLst>
       <p:ext uri="{BB962C8B-B14F-4D97-AF65-F5344CB8AC3E}">
         <p14:creationId xmlns:p14="http://schemas.microsoft.com/office/powerpoint/2010/main" val="986116962"/>
+      </p:ext>
+    </p:extLst>
+  </p:cSld>
+  <p:clrMapOvr>
+    <a:masterClrMapping/>
+  </p:clrMapOvr>
+</p:notes>
+</file>
+
+<file path=ppt/notesSlides/notesSlide9.xml><?xml version="1.0" encoding="utf-8"?>
+<p:notes xmlns:a="http://schemas.openxmlformats.org/drawingml/2006/main" xmlns:r="http://schemas.openxmlformats.org/officeDocument/2006/relationships" xmlns:p="http://schemas.openxmlformats.org/presentationml/2006/main">
+  <p:cSld>
+    <p:spTree>
+      <p:nvGrpSpPr>
+        <p:cNvPr id="1" name=""/>
+        <p:cNvGrpSpPr/>
+        <p:nvPr/>
+      </p:nvGrpSpPr>
+      <p:grpSpPr>
+        <a:xfrm>
+          <a:off x="0" y="0"/>
+          <a:ext cx="0" cy="0"/>
+          <a:chOff x="0" y="0"/>
+          <a:chExt cx="0" cy="0"/>
+        </a:xfrm>
+      </p:grpSpPr>
+      <p:sp>
+        <p:nvSpPr>
+          <p:cNvPr id="2" name="Slide Image Placeholder 1"/>
+          <p:cNvSpPr>
+            <a:spLocks noGrp="1" noRot="1" noChangeAspect="1"/>
+          </p:cNvSpPr>
+          <p:nvPr>
+            <p:ph type="sldImg"/>
+          </p:nvPr>
+        </p:nvSpPr>
+        <p:spPr/>
+      </p:sp>
+      <p:sp>
+        <p:nvSpPr>
+          <p:cNvPr id="3" name="Notes Placeholder 2"/>
+          <p:cNvSpPr>
+            <a:spLocks noGrp="1"/>
+          </p:cNvSpPr>
+          <p:nvPr>
+            <p:ph type="body" idx="1"/>
+          </p:nvPr>
+        </p:nvSpPr>
+        <p:spPr/>
+        <p:txBody>
+          <a:bodyPr/>
+          <a:lstStyle/>
+          <a:p>
+            <a:endParaRPr lang="en-US"/>
+          </a:p>
+        </p:txBody>
+      </p:sp>
+      <p:sp>
+        <p:nvSpPr>
+          <p:cNvPr id="4" name="Slide Number Placeholder 3"/>
+          <p:cNvSpPr>
+            <a:spLocks noGrp="1"/>
+          </p:cNvSpPr>
+          <p:nvPr>
+            <p:ph type="sldNum" sz="quarter" idx="10"/>
+          </p:nvPr>
+        </p:nvSpPr>
+        <p:spPr/>
+        <p:txBody>
+          <a:bodyPr/>
+          <a:lstStyle/>
+          <a:p>
+            <a:fld id="{728E3497-A358-B14F-AE0E-969A2D296615}" type="slidenum">
+              <a:rPr lang="en-US" smtClean="0"/>
+              <a:t>11</a:t>
+            </a:fld>
+            <a:endParaRPr lang="en-US"/>
+          </a:p>
+        </p:txBody>
+      </p:sp>
+    </p:spTree>
+    <p:extLst>
+      <p:ext uri="{BB962C8B-B14F-4D97-AF65-F5344CB8AC3E}">
+        <p14:creationId xmlns:p14="http://schemas.microsoft.com/office/powerpoint/2010/main" val="352126248"/>
       </p:ext>
     </p:extLst>
   </p:cSld>
@@ -1657,7 +1827,7 @@
           <a:p>
             <a:fld id="{B95531F0-7D46-4A43-A343-9A720F56E8FD}" type="datetime1">
               <a:rPr lang="en-US" smtClean="0"/>
-              <a:t>11/17/16</a:t>
+              <a:t>11/18/16</a:t>
             </a:fld>
             <a:endParaRPr lang="en-US"/>
           </a:p>
@@ -2644,7 +2814,7 @@
           <a:p>
             <a:fld id="{F435AD97-0A67-2C45-AE8B-2B8591FF5D6C}" type="datetime1">
               <a:rPr lang="en-US" smtClean="0"/>
-              <a:t>11/17/16</a:t>
+              <a:t>11/18/16</a:t>
             </a:fld>
             <a:endParaRPr lang="en-US"/>
           </a:p>
@@ -3514,7 +3684,7 @@
           <a:p>
             <a:fld id="{9E4B5003-0778-EA40-B828-7E4D015DFBA4}" type="datetime1">
               <a:rPr lang="en-US" smtClean="0"/>
-              <a:t>11/17/16</a:t>
+              <a:t>11/18/16</a:t>
             </a:fld>
             <a:endParaRPr lang="en-US"/>
           </a:p>
@@ -4535,7 +4705,7 @@
           <a:p>
             <a:fld id="{ADAE3BDB-1B20-3745-A530-985E7F3920B3}" type="datetime1">
               <a:rPr lang="en-US" smtClean="0"/>
-              <a:t>11/17/16</a:t>
+              <a:t>11/18/16</a:t>
             </a:fld>
             <a:endParaRPr lang="en-US"/>
           </a:p>
@@ -5455,7 +5625,7 @@
           <a:p>
             <a:fld id="{C55A703E-90FD-714F-8944-51221692724F}" type="datetime1">
               <a:rPr lang="en-US" smtClean="0"/>
-              <a:t>11/17/16</a:t>
+              <a:t>11/18/16</a:t>
             </a:fld>
             <a:endParaRPr lang="en-US"/>
           </a:p>
@@ -6111,7 +6281,7 @@
           <a:p>
             <a:fld id="{83D04EA7-B7D0-0C4C-8B74-A050CE5BEBB2}" type="datetime1">
               <a:rPr lang="en-US" smtClean="0"/>
-              <a:t>11/17/16</a:t>
+              <a:t>11/18/16</a:t>
             </a:fld>
             <a:endParaRPr lang="en-US"/>
           </a:p>
@@ -6968,7 +7138,7 @@
           <a:p>
             <a:fld id="{DBDB68CD-C4A5-F640-9F17-C5F496A2B526}" type="datetime1">
               <a:rPr lang="en-US" smtClean="0"/>
-              <a:t>11/17/16</a:t>
+              <a:t>11/18/16</a:t>
             </a:fld>
             <a:endParaRPr lang="en-US"/>
           </a:p>
@@ -7151,7 +7321,7 @@
           <a:p>
             <a:fld id="{CDC6AF7C-9055-CD49-B5B9-F120B1AB3571}" type="datetime1">
               <a:rPr lang="en-US" smtClean="0"/>
-              <a:t>11/17/16</a:t>
+              <a:t>11/18/16</a:t>
             </a:fld>
             <a:endParaRPr lang="en-US"/>
           </a:p>
@@ -8008,7 +8178,7 @@
           <a:p>
             <a:fld id="{4AE42515-A517-D44B-940E-E41C792E779D}" type="datetime1">
               <a:rPr lang="en-US" smtClean="0"/>
-              <a:t>11/17/16</a:t>
+              <a:t>11/18/16</a:t>
             </a:fld>
             <a:endParaRPr lang="en-US"/>
           </a:p>
@@ -8232,7 +8402,7 @@
           <a:p>
             <a:fld id="{F20BEB36-C475-9A44-8608-8FEE2B7F390D}" type="datetime1">
               <a:rPr lang="en-US" smtClean="0"/>
-              <a:t>11/17/16</a:t>
+              <a:t>11/18/16</a:t>
             </a:fld>
             <a:endParaRPr lang="en-US"/>
           </a:p>
@@ -9157,7 +9327,7 @@
           <a:p>
             <a:fld id="{2A8867D1-E654-6B47-8BA0-7E05F767CDFF}" type="datetime1">
               <a:rPr lang="en-US" smtClean="0"/>
-              <a:t>11/17/16</a:t>
+              <a:t>11/18/16</a:t>
             </a:fld>
             <a:endParaRPr lang="en-US"/>
           </a:p>
@@ -9446,7 +9616,7 @@
           <a:p>
             <a:fld id="{0A347673-BF0E-DF43-BEED-BFB014A1AC71}" type="datetime1">
               <a:rPr lang="en-US" smtClean="0"/>
-              <a:t>11/17/16</a:t>
+              <a:t>11/18/16</a:t>
             </a:fld>
             <a:endParaRPr lang="en-US"/>
           </a:p>
@@ -9836,7 +10006,7 @@
           <a:p>
             <a:fld id="{E4FBF619-EEB5-254E-A8B0-229A8B9C6CED}" type="datetime1">
               <a:rPr lang="en-US" smtClean="0"/>
-              <a:t>11/17/16</a:t>
+              <a:t>11/18/16</a:t>
             </a:fld>
             <a:endParaRPr lang="en-US"/>
           </a:p>
@@ -9962,7 +10132,7 @@
           <a:p>
             <a:fld id="{0482079F-C31D-3444-8B7D-A62FFEBC2304}" type="datetime1">
               <a:rPr lang="en-US" smtClean="0"/>
-              <a:t>11/17/16</a:t>
+              <a:t>11/18/16</a:t>
             </a:fld>
             <a:endParaRPr lang="en-US"/>
           </a:p>
@@ -10057,7 +10227,7 @@
           <a:p>
             <a:fld id="{4BBCF8D0-02FB-E043-9D13-CB6CF6E94FBA}" type="datetime1">
               <a:rPr lang="en-US" smtClean="0"/>
-              <a:t>11/17/16</a:t>
+              <a:t>11/18/16</a:t>
             </a:fld>
             <a:endParaRPr lang="en-US"/>
           </a:p>
@@ -11028,7 +11198,7 @@
           <a:p>
             <a:fld id="{34AB9DC5-D280-3D49-8C84-E04B42D002DA}" type="datetime1">
               <a:rPr lang="en-US" smtClean="0"/>
-              <a:t>11/17/16</a:t>
+              <a:t>11/18/16</a:t>
             </a:fld>
             <a:endParaRPr lang="en-US"/>
           </a:p>
@@ -12023,7 +12193,7 @@
           <a:p>
             <a:fld id="{69D3B358-6744-4D44-A371-FA16E6DCD0C3}" type="datetime1">
               <a:rPr lang="en-US" smtClean="0"/>
-              <a:t>11/17/16</a:t>
+              <a:t>11/18/16</a:t>
             </a:fld>
             <a:endParaRPr lang="en-US"/>
           </a:p>
@@ -12907,7 +13077,7 @@
           <a:p>
             <a:fld id="{AA984BF0-9811-DC42-BCB0-A38ECDAD6224}" type="datetime1">
               <a:rPr lang="en-US" smtClean="0"/>
-              <a:t>11/17/16</a:t>
+              <a:t>11/18/16</a:t>
             </a:fld>
             <a:endParaRPr lang="en-US"/>
           </a:p>
@@ -13730,15 +13900,7 @@
                 <a:ea typeface="Helvetica" charset="0"/>
                 <a:cs typeface="Helvetica" charset="0"/>
               </a:rPr>
-              <a:t>Sobreviv</a:t>
-            </a:r>
-            <a:r>
-              <a:rPr lang="en-US" b="1" dirty="0" err="1" smtClean="0">
-                <a:latin typeface="Helvetica" charset="0"/>
-                <a:ea typeface="Helvetica" charset="0"/>
-                <a:cs typeface="Helvetica" charset="0"/>
-              </a:rPr>
-              <a:t>ência</a:t>
+              <a:t>Sobrevivência</a:t>
             </a:r>
             <a:endParaRPr lang="en-US" b="1" dirty="0">
               <a:latin typeface="Helvetica" charset="0"/>
@@ -13823,18 +13985,7 @@
                 <a:ea typeface="Helvetica" charset="0"/>
                 <a:cs typeface="Helvetica" charset="0"/>
               </a:rPr>
-              <a:t>t</a:t>
-            </a:r>
-            <a:r>
-              <a:rPr lang="en-US" dirty="0" err="1" smtClean="0">
-                <a:solidFill>
-                  <a:schemeClr val="tx1"/>
-                </a:solidFill>
-                <a:latin typeface="Helvetica" charset="0"/>
-                <a:ea typeface="Helvetica" charset="0"/>
-                <a:cs typeface="Helvetica" charset="0"/>
-              </a:rPr>
-              <a:t>êm</a:t>
+              <a:t>têm</a:t>
             </a:r>
             <a:r>
               <a:rPr lang="en-US" dirty="0" smtClean="0">
@@ -14693,7 +14844,18 @@
                 <a:ea typeface="Helvetica" charset="0"/>
                 <a:cs typeface="Helvetica" charset="0"/>
               </a:rPr>
-              <a:t>[6]</a:t>
+              <a:t>[6</a:t>
+            </a:r>
+            <a:r>
+              <a:rPr lang="en-US" b="1" baseline="30000" dirty="0" smtClean="0">
+                <a:solidFill>
+                  <a:srgbClr val="0432FF"/>
+                </a:solidFill>
+                <a:latin typeface="Helvetica" charset="0"/>
+                <a:ea typeface="Helvetica" charset="0"/>
+                <a:cs typeface="Helvetica" charset="0"/>
+              </a:rPr>
+              <a:t>]</a:t>
             </a:r>
           </a:p>
           <a:p>
@@ -14717,7 +14879,18 @@
                 <a:ea typeface="Helvetica" charset="0"/>
                 <a:cs typeface="Helvetica" charset="0"/>
               </a:rPr>
-              <a:t> Real</a:t>
+              <a:t> </a:t>
+            </a:r>
+            <a:r>
+              <a:rPr lang="en-US" b="1" dirty="0" smtClean="0">
+                <a:solidFill>
+                  <a:schemeClr val="tx1"/>
+                </a:solidFill>
+                <a:latin typeface="Helvetica" charset="0"/>
+                <a:ea typeface="Helvetica" charset="0"/>
+                <a:cs typeface="Helvetica" charset="0"/>
+              </a:rPr>
+              <a:t>Real</a:t>
             </a:r>
             <a:r>
               <a:rPr lang="en-US" dirty="0" smtClean="0">
@@ -14739,7 +14912,18 @@
                 <a:ea typeface="Helvetica" charset="0"/>
                 <a:cs typeface="Helvetica" charset="0"/>
               </a:rPr>
-              <a:t>vari</a:t>
+              <a:t>variáveis</a:t>
+            </a:r>
+            <a:r>
+              <a:rPr lang="en-US" dirty="0" smtClean="0">
+                <a:solidFill>
+                  <a:schemeClr val="tx1"/>
+                </a:solidFill>
+                <a:latin typeface="Helvetica" charset="0"/>
+                <a:ea typeface="Helvetica" charset="0"/>
+                <a:cs typeface="Helvetica" charset="0"/>
+              </a:rPr>
+              <a:t> </a:t>
             </a:r>
             <a:r>
               <a:rPr lang="en-US" dirty="0" err="1" smtClean="0">
@@ -14750,7 +14934,7 @@
                 <a:ea typeface="Helvetica" charset="0"/>
                 <a:cs typeface="Helvetica" charset="0"/>
               </a:rPr>
-              <a:t>áveis</a:t>
+              <a:t>reais</a:t>
             </a:r>
             <a:r>
               <a:rPr lang="en-US" dirty="0" smtClean="0">
@@ -14772,7 +14956,7 @@
                 <a:ea typeface="Helvetica" charset="0"/>
                 <a:cs typeface="Helvetica" charset="0"/>
               </a:rPr>
-              <a:t>reais</a:t>
+              <a:t>iniciam</a:t>
             </a:r>
             <a:r>
               <a:rPr lang="en-US" dirty="0" smtClean="0">
@@ -14794,7 +14978,29 @@
                 <a:ea typeface="Helvetica" charset="0"/>
                 <a:cs typeface="Helvetica" charset="0"/>
               </a:rPr>
-              <a:t>iniciam</a:t>
+              <a:t>em</a:t>
+            </a:r>
+            <a:r>
+              <a:rPr lang="en-US" dirty="0" smtClean="0">
+                <a:solidFill>
+                  <a:schemeClr val="tx1"/>
+                </a:solidFill>
+                <a:latin typeface="Helvetica" charset="0"/>
+                <a:ea typeface="Helvetica" charset="0"/>
+                <a:cs typeface="Helvetica" charset="0"/>
+              </a:rPr>
+              <a:t> 0.0; </a:t>
+            </a:r>
+            <a:r>
+              <a:rPr lang="en-US" dirty="0" err="1" smtClean="0">
+                <a:solidFill>
+                  <a:schemeClr val="tx1"/>
+                </a:solidFill>
+                <a:latin typeface="Helvetica" charset="0"/>
+                <a:ea typeface="Helvetica" charset="0"/>
+                <a:cs typeface="Helvetica" charset="0"/>
+              </a:rPr>
+              <a:t>Todas</a:t>
             </a:r>
             <a:r>
               <a:rPr lang="en-US" dirty="0" smtClean="0">
@@ -14816,18 +15022,18 @@
                 <a:ea typeface="Helvetica" charset="0"/>
                 <a:cs typeface="Helvetica" charset="0"/>
               </a:rPr>
-              <a:t>em</a:t>
-            </a:r>
-            <a:r>
-              <a:rPr lang="en-US" dirty="0" smtClean="0">
-                <a:solidFill>
-                  <a:schemeClr val="tx1"/>
-                </a:solidFill>
-                <a:latin typeface="Helvetica" charset="0"/>
-                <a:ea typeface="Helvetica" charset="0"/>
-                <a:cs typeface="Helvetica" charset="0"/>
-              </a:rPr>
-              <a:t> 0.0; </a:t>
+              <a:t>devem</a:t>
+            </a:r>
+            <a:r>
+              <a:rPr lang="en-US" dirty="0" smtClean="0">
+                <a:solidFill>
+                  <a:schemeClr val="tx1"/>
+                </a:solidFill>
+                <a:latin typeface="Helvetica" charset="0"/>
+                <a:ea typeface="Helvetica" charset="0"/>
+                <a:cs typeface="Helvetica" charset="0"/>
+              </a:rPr>
+              <a:t> se </a:t>
             </a:r>
             <a:r>
               <a:rPr lang="en-US" dirty="0" err="1" smtClean="0">
@@ -14838,10 +15044,45 @@
                 <a:ea typeface="Helvetica" charset="0"/>
                 <a:cs typeface="Helvetica" charset="0"/>
               </a:rPr>
-              <a:t>Todas</a:t>
-            </a:r>
-            <a:r>
-              <a:rPr lang="en-US" dirty="0" smtClean="0">
+              <a:t>aproximar</a:t>
+            </a:r>
+            <a:r>
+              <a:rPr lang="en-US" dirty="0" smtClean="0">
+                <a:solidFill>
+                  <a:schemeClr val="tx1"/>
+                </a:solidFill>
+                <a:latin typeface="Helvetica" charset="0"/>
+                <a:ea typeface="Helvetica" charset="0"/>
+                <a:cs typeface="Helvetica" charset="0"/>
+              </a:rPr>
+              <a:t> de 1.0</a:t>
+            </a:r>
+            <a:r>
+              <a:rPr lang="en-US" dirty="0" smtClean="0">
+                <a:solidFill>
+                  <a:schemeClr val="tx1"/>
+                </a:solidFill>
+                <a:latin typeface="Helvetica" charset="0"/>
+                <a:ea typeface="Helvetica" charset="0"/>
+                <a:cs typeface="Helvetica" charset="0"/>
+              </a:rPr>
+              <a:t>)</a:t>
+            </a:r>
+          </a:p>
+          <a:p>
+            <a:r>
+              <a:rPr lang="en-US" b="1" dirty="0" err="1" smtClean="0">
+                <a:solidFill>
+                  <a:schemeClr val="tx1"/>
+                </a:solidFill>
+                <a:latin typeface="Helvetica" charset="0"/>
+                <a:ea typeface="Helvetica" charset="0"/>
+                <a:cs typeface="Helvetica" charset="0"/>
+              </a:rPr>
+              <a:t>Caixeiro</a:t>
+            </a:r>
+            <a:r>
+              <a:rPr lang="en-US" b="1" dirty="0" smtClean="0">
                 <a:solidFill>
                   <a:schemeClr val="tx1"/>
                 </a:solidFill>
@@ -14852,6 +15093,72 @@
               <a:t> </a:t>
             </a:r>
             <a:r>
+              <a:rPr lang="en-US" b="1" dirty="0" err="1" smtClean="0">
+                <a:solidFill>
+                  <a:schemeClr val="tx1"/>
+                </a:solidFill>
+                <a:latin typeface="Helvetica" charset="0"/>
+                <a:ea typeface="Helvetica" charset="0"/>
+                <a:cs typeface="Helvetica" charset="0"/>
+              </a:rPr>
+              <a:t>Viajante</a:t>
+            </a:r>
+            <a:r>
+              <a:rPr lang="en-US" b="1" dirty="0" smtClean="0">
+                <a:solidFill>
+                  <a:schemeClr val="tx1"/>
+                </a:solidFill>
+                <a:latin typeface="Helvetica" charset="0"/>
+                <a:ea typeface="Helvetica" charset="0"/>
+                <a:cs typeface="Helvetica" charset="0"/>
+              </a:rPr>
+              <a:t> </a:t>
+            </a:r>
+            <a:r>
+              <a:rPr lang="en-US" b="1" dirty="0" err="1" smtClean="0">
+                <a:solidFill>
+                  <a:schemeClr val="tx1"/>
+                </a:solidFill>
+                <a:latin typeface="Helvetica" charset="0"/>
+                <a:ea typeface="Helvetica" charset="0"/>
+                <a:cs typeface="Helvetica" charset="0"/>
+              </a:rPr>
+              <a:t>Adaptado</a:t>
+            </a:r>
+            <a:r>
+              <a:rPr lang="en-US" b="1" dirty="0" smtClean="0">
+                <a:solidFill>
+                  <a:schemeClr val="tx1"/>
+                </a:solidFill>
+                <a:latin typeface="Helvetica" charset="0"/>
+                <a:ea typeface="Helvetica" charset="0"/>
+                <a:cs typeface="Helvetica" charset="0"/>
+              </a:rPr>
+              <a:t> </a:t>
+            </a:r>
+            <a:r>
+              <a:rPr lang="en-US" b="1" baseline="30000" dirty="0" smtClean="0">
+                <a:solidFill>
+                  <a:srgbClr val="0432FF"/>
+                </a:solidFill>
+                <a:latin typeface="Helvetica" charset="0"/>
+                <a:ea typeface="Helvetica" charset="0"/>
+                <a:cs typeface="Helvetica" charset="0"/>
+              </a:rPr>
+              <a:t>[7]</a:t>
+            </a:r>
+            <a:r>
+              <a:rPr lang="en-US" dirty="0" smtClean="0">
+                <a:solidFill>
+                  <a:schemeClr val="tx1"/>
+                </a:solidFill>
+                <a:latin typeface="Helvetica" charset="0"/>
+                <a:ea typeface="Helvetica" charset="0"/>
+                <a:cs typeface="Helvetica" charset="0"/>
+              </a:rPr>
+              <a:t> (Dado um </a:t>
+            </a:r>
+            <a:r>
               <a:rPr lang="en-US" dirty="0" err="1" smtClean="0">
                 <a:solidFill>
                   <a:schemeClr val="tx1"/>
@@ -14860,18 +15167,18 @@
                 <a:ea typeface="Helvetica" charset="0"/>
                 <a:cs typeface="Helvetica" charset="0"/>
               </a:rPr>
-              <a:t>devem</a:t>
-            </a:r>
-            <a:r>
-              <a:rPr lang="en-US" dirty="0" smtClean="0">
-                <a:solidFill>
-                  <a:schemeClr val="tx1"/>
-                </a:solidFill>
-                <a:latin typeface="Helvetica" charset="0"/>
-                <a:ea typeface="Helvetica" charset="0"/>
-                <a:cs typeface="Helvetica" charset="0"/>
-              </a:rPr>
-              <a:t> se </a:t>
+              <a:t>grupo</a:t>
+            </a:r>
+            <a:r>
+              <a:rPr lang="en-US" dirty="0" smtClean="0">
+                <a:solidFill>
+                  <a:schemeClr val="tx1"/>
+                </a:solidFill>
+                <a:latin typeface="Helvetica" charset="0"/>
+                <a:ea typeface="Helvetica" charset="0"/>
+                <a:cs typeface="Helvetica" charset="0"/>
+              </a:rPr>
+              <a:t> de </a:t>
             </a:r>
             <a:r>
               <a:rPr lang="en-US" dirty="0" err="1" smtClean="0">
@@ -14882,34 +15189,32 @@
                 <a:ea typeface="Helvetica" charset="0"/>
                 <a:cs typeface="Helvetica" charset="0"/>
               </a:rPr>
-              <a:t>aproximar</a:t>
-            </a:r>
-            <a:r>
-              <a:rPr lang="en-US" dirty="0" smtClean="0">
-                <a:solidFill>
-                  <a:schemeClr val="tx1"/>
-                </a:solidFill>
-                <a:latin typeface="Helvetica" charset="0"/>
-                <a:ea typeface="Helvetica" charset="0"/>
-                <a:cs typeface="Helvetica" charset="0"/>
-              </a:rPr>
-              <a:t> de 1.0)</a:t>
-            </a:r>
-          </a:p>
-          <a:p>
-            <a:r>
-              <a:rPr lang="en-US" b="1" dirty="0" err="1" smtClean="0">
-                <a:solidFill>
-                  <a:schemeClr val="tx1"/>
-                </a:solidFill>
-                <a:latin typeface="Helvetica" charset="0"/>
-                <a:ea typeface="Helvetica" charset="0"/>
-                <a:cs typeface="Helvetica" charset="0"/>
-              </a:rPr>
-              <a:t>Caixeiro</a:t>
-            </a:r>
-            <a:r>
-              <a:rPr lang="en-US" b="1" dirty="0" smtClean="0">
+              <a:t>cidades</a:t>
+            </a:r>
+            <a:r>
+              <a:rPr lang="en-US" dirty="0" smtClean="0">
+                <a:solidFill>
+                  <a:schemeClr val="tx1"/>
+                </a:solidFill>
+                <a:latin typeface="Helvetica" charset="0"/>
+                <a:ea typeface="Helvetica" charset="0"/>
+                <a:cs typeface="Helvetica" charset="0"/>
+              </a:rPr>
+              <a:t>, </a:t>
+            </a:r>
+            <a:r>
+              <a:rPr lang="en-US" dirty="0" err="1" smtClean="0">
+                <a:solidFill>
+                  <a:schemeClr val="tx1"/>
+                </a:solidFill>
+                <a:latin typeface="Helvetica" charset="0"/>
+                <a:ea typeface="Helvetica" charset="0"/>
+                <a:cs typeface="Helvetica" charset="0"/>
+              </a:rPr>
+              <a:t>descobrir</a:t>
+            </a:r>
+            <a:r>
+              <a:rPr lang="en-US" dirty="0" smtClean="0">
                 <a:solidFill>
                   <a:schemeClr val="tx1"/>
                 </a:solidFill>
@@ -14920,18 +15225,40 @@
               <a:t> </a:t>
             </a:r>
             <a:r>
-              <a:rPr lang="en-US" b="1" dirty="0" err="1" smtClean="0">
-                <a:solidFill>
-                  <a:schemeClr val="tx1"/>
-                </a:solidFill>
-                <a:latin typeface="Helvetica" charset="0"/>
-                <a:ea typeface="Helvetica" charset="0"/>
-                <a:cs typeface="Helvetica" charset="0"/>
-              </a:rPr>
-              <a:t>Viajante</a:t>
-            </a:r>
-            <a:r>
-              <a:rPr lang="en-US" b="1" dirty="0" smtClean="0">
+              <a:rPr lang="en-US" dirty="0" err="1" smtClean="0">
+                <a:solidFill>
+                  <a:schemeClr val="tx1"/>
+                </a:solidFill>
+                <a:latin typeface="Helvetica" charset="0"/>
+                <a:ea typeface="Helvetica" charset="0"/>
+                <a:cs typeface="Helvetica" charset="0"/>
+              </a:rPr>
+              <a:t>qual</a:t>
+            </a:r>
+            <a:r>
+              <a:rPr lang="en-US" dirty="0" smtClean="0">
+                <a:solidFill>
+                  <a:schemeClr val="tx1"/>
+                </a:solidFill>
+                <a:latin typeface="Helvetica" charset="0"/>
+                <a:ea typeface="Helvetica" charset="0"/>
+                <a:cs typeface="Helvetica" charset="0"/>
+              </a:rPr>
+              <a:t> o </a:t>
+            </a:r>
+            <a:r>
+              <a:rPr lang="en-US" dirty="0" err="1" smtClean="0">
+                <a:solidFill>
+                  <a:schemeClr val="tx1"/>
+                </a:solidFill>
+                <a:latin typeface="Helvetica" charset="0"/>
+                <a:ea typeface="Helvetica" charset="0"/>
+                <a:cs typeface="Helvetica" charset="0"/>
+              </a:rPr>
+              <a:t>caminho</a:t>
+            </a:r>
+            <a:r>
+              <a:rPr lang="en-US" dirty="0" smtClean="0">
                 <a:solidFill>
                   <a:schemeClr val="tx1"/>
                 </a:solidFill>
@@ -14942,18 +15269,18 @@
               <a:t> </a:t>
             </a:r>
             <a:r>
-              <a:rPr lang="en-US" b="1" dirty="0" err="1" smtClean="0">
-                <a:solidFill>
-                  <a:schemeClr val="tx1"/>
-                </a:solidFill>
-                <a:latin typeface="Helvetica" charset="0"/>
-                <a:ea typeface="Helvetica" charset="0"/>
-                <a:cs typeface="Helvetica" charset="0"/>
-              </a:rPr>
-              <a:t>Adaptado</a:t>
-            </a:r>
-            <a:r>
-              <a:rPr lang="en-US" b="1" dirty="0" smtClean="0">
+              <a:rPr lang="en-US" dirty="0" err="1" smtClean="0">
+                <a:solidFill>
+                  <a:schemeClr val="tx1"/>
+                </a:solidFill>
+                <a:latin typeface="Helvetica" charset="0"/>
+                <a:ea typeface="Helvetica" charset="0"/>
+                <a:cs typeface="Helvetica" charset="0"/>
+              </a:rPr>
+              <a:t>mais</a:t>
+            </a:r>
+            <a:r>
+              <a:rPr lang="en-US" dirty="0" smtClean="0">
                 <a:solidFill>
                   <a:schemeClr val="tx1"/>
                 </a:solidFill>
@@ -14964,28 +15291,6 @@
               <a:t> </a:t>
             </a:r>
             <a:r>
-              <a:rPr lang="en-US" b="1" baseline="30000" dirty="0" smtClean="0">
-                <a:solidFill>
-                  <a:srgbClr val="0432FF"/>
-                </a:solidFill>
-                <a:latin typeface="Helvetica" charset="0"/>
-                <a:ea typeface="Helvetica" charset="0"/>
-                <a:cs typeface="Helvetica" charset="0"/>
-              </a:rPr>
-              <a:t>[7]</a:t>
-            </a:r>
-            <a:r>
-              <a:rPr lang="en-US" dirty="0" smtClean="0">
-                <a:solidFill>
-                  <a:schemeClr val="tx1"/>
-                </a:solidFill>
-                <a:latin typeface="Helvetica" charset="0"/>
-                <a:ea typeface="Helvetica" charset="0"/>
-                <a:cs typeface="Helvetica" charset="0"/>
-              </a:rPr>
-              <a:t> (Dado um </a:t>
-            </a:r>
-            <a:r>
               <a:rPr lang="en-US" dirty="0" err="1" smtClean="0">
                 <a:solidFill>
                   <a:schemeClr val="tx1"/>
@@ -14994,7 +15299,362 @@
                 <a:ea typeface="Helvetica" charset="0"/>
                 <a:cs typeface="Helvetica" charset="0"/>
               </a:rPr>
-              <a:t>grupo</a:t>
+              <a:t>rápido</a:t>
+            </a:r>
+            <a:r>
+              <a:rPr lang="en-US" dirty="0" smtClean="0">
+                <a:solidFill>
+                  <a:schemeClr val="tx1"/>
+                </a:solidFill>
+                <a:latin typeface="Helvetica" charset="0"/>
+                <a:ea typeface="Helvetica" charset="0"/>
+                <a:cs typeface="Helvetica" charset="0"/>
+              </a:rPr>
+              <a:t> </a:t>
+            </a:r>
+            <a:r>
+              <a:rPr lang="en-US" dirty="0" err="1" smtClean="0">
+                <a:solidFill>
+                  <a:schemeClr val="tx1"/>
+                </a:solidFill>
+                <a:latin typeface="Helvetica" charset="0"/>
+                <a:ea typeface="Helvetica" charset="0"/>
+                <a:cs typeface="Helvetica" charset="0"/>
+              </a:rPr>
+              <a:t>que</a:t>
+            </a:r>
+            <a:r>
+              <a:rPr lang="en-US" dirty="0" smtClean="0">
+                <a:solidFill>
+                  <a:schemeClr val="tx1"/>
+                </a:solidFill>
+                <a:latin typeface="Helvetica" charset="0"/>
+                <a:ea typeface="Helvetica" charset="0"/>
+                <a:cs typeface="Helvetica" charset="0"/>
+              </a:rPr>
+              <a:t> </a:t>
+            </a:r>
+            <a:r>
+              <a:rPr lang="en-US" dirty="0" err="1" smtClean="0">
+                <a:solidFill>
+                  <a:schemeClr val="tx1"/>
+                </a:solidFill>
+                <a:latin typeface="Helvetica" charset="0"/>
+                <a:ea typeface="Helvetica" charset="0"/>
+                <a:cs typeface="Helvetica" charset="0"/>
+              </a:rPr>
+              <a:t>passa</a:t>
+            </a:r>
+            <a:r>
+              <a:rPr lang="en-US" dirty="0" smtClean="0">
+                <a:solidFill>
+                  <a:schemeClr val="tx1"/>
+                </a:solidFill>
+                <a:latin typeface="Helvetica" charset="0"/>
+                <a:ea typeface="Helvetica" charset="0"/>
+                <a:cs typeface="Helvetica" charset="0"/>
+              </a:rPr>
+              <a:t> </a:t>
+            </a:r>
+            <a:r>
+              <a:rPr lang="en-US" dirty="0" err="1" smtClean="0">
+                <a:solidFill>
+                  <a:schemeClr val="tx1"/>
+                </a:solidFill>
+                <a:latin typeface="Helvetica" charset="0"/>
+                <a:ea typeface="Helvetica" charset="0"/>
+                <a:cs typeface="Helvetica" charset="0"/>
+              </a:rPr>
+              <a:t>por</a:t>
+            </a:r>
+            <a:r>
+              <a:rPr lang="en-US" dirty="0">
+                <a:solidFill>
+                  <a:schemeClr val="tx1"/>
+                </a:solidFill>
+                <a:latin typeface="Helvetica" charset="0"/>
+                <a:ea typeface="Helvetica" charset="0"/>
+                <a:cs typeface="Helvetica" charset="0"/>
+              </a:rPr>
+              <a:t> </a:t>
+            </a:r>
+            <a:r>
+              <a:rPr lang="en-US" dirty="0" err="1" smtClean="0">
+                <a:solidFill>
+                  <a:schemeClr val="tx1"/>
+                </a:solidFill>
+                <a:latin typeface="Helvetica" charset="0"/>
+                <a:ea typeface="Helvetica" charset="0"/>
+                <a:cs typeface="Helvetica" charset="0"/>
+              </a:rPr>
+              <a:t>todas</a:t>
+            </a:r>
+            <a:r>
+              <a:rPr lang="en-US" dirty="0" smtClean="0">
+                <a:solidFill>
+                  <a:schemeClr val="tx1"/>
+                </a:solidFill>
+                <a:latin typeface="Helvetica" charset="0"/>
+                <a:ea typeface="Helvetica" charset="0"/>
+                <a:cs typeface="Helvetica" charset="0"/>
+              </a:rPr>
+              <a:t> as </a:t>
+            </a:r>
+            <a:r>
+              <a:rPr lang="en-US" dirty="0" err="1" smtClean="0">
+                <a:solidFill>
+                  <a:schemeClr val="tx1"/>
+                </a:solidFill>
+                <a:latin typeface="Helvetica" charset="0"/>
+                <a:ea typeface="Helvetica" charset="0"/>
+                <a:cs typeface="Helvetica" charset="0"/>
+              </a:rPr>
+              <a:t>cidades</a:t>
+            </a:r>
+            <a:r>
+              <a:rPr lang="en-US" dirty="0" smtClean="0">
+                <a:solidFill>
+                  <a:schemeClr val="tx1"/>
+                </a:solidFill>
+                <a:latin typeface="Helvetica" charset="0"/>
+                <a:ea typeface="Helvetica" charset="0"/>
+                <a:cs typeface="Helvetica" charset="0"/>
+              </a:rPr>
+              <a:t> e </a:t>
+            </a:r>
+            <a:r>
+              <a:rPr lang="en-US" dirty="0" err="1" smtClean="0">
+                <a:solidFill>
+                  <a:schemeClr val="tx1"/>
+                </a:solidFill>
+                <a:latin typeface="Helvetica" charset="0"/>
+                <a:ea typeface="Helvetica" charset="0"/>
+                <a:cs typeface="Helvetica" charset="0"/>
+              </a:rPr>
+              <a:t>retorna</a:t>
+            </a:r>
+            <a:r>
+              <a:rPr lang="en-US" dirty="0" smtClean="0">
+                <a:solidFill>
+                  <a:schemeClr val="tx1"/>
+                </a:solidFill>
+                <a:latin typeface="Helvetica" charset="0"/>
+                <a:ea typeface="Helvetica" charset="0"/>
+                <a:cs typeface="Helvetica" charset="0"/>
+              </a:rPr>
+              <a:t> </a:t>
+            </a:r>
+            <a:r>
+              <a:rPr lang="en-US" dirty="0" err="1" smtClean="0">
+                <a:solidFill>
+                  <a:schemeClr val="tx1"/>
+                </a:solidFill>
+                <a:latin typeface="Helvetica" charset="0"/>
+                <a:ea typeface="Helvetica" charset="0"/>
+                <a:cs typeface="Helvetica" charset="0"/>
+              </a:rPr>
+              <a:t>à</a:t>
+            </a:r>
+            <a:r>
+              <a:rPr lang="en-US" dirty="0" smtClean="0">
+                <a:solidFill>
+                  <a:schemeClr val="tx1"/>
+                </a:solidFill>
+                <a:latin typeface="Helvetica" charset="0"/>
+                <a:ea typeface="Helvetica" charset="0"/>
+                <a:cs typeface="Helvetica" charset="0"/>
+              </a:rPr>
+              <a:t> </a:t>
+            </a:r>
+            <a:r>
+              <a:rPr lang="en-US" dirty="0" err="1" smtClean="0">
+                <a:solidFill>
+                  <a:schemeClr val="tx1"/>
+                </a:solidFill>
+                <a:latin typeface="Helvetica" charset="0"/>
+                <a:ea typeface="Helvetica" charset="0"/>
+                <a:cs typeface="Helvetica" charset="0"/>
+              </a:rPr>
+              <a:t>cidade</a:t>
+            </a:r>
+            <a:r>
+              <a:rPr lang="en-US" dirty="0" smtClean="0">
+                <a:solidFill>
+                  <a:schemeClr val="tx1"/>
+                </a:solidFill>
+                <a:latin typeface="Helvetica" charset="0"/>
+                <a:ea typeface="Helvetica" charset="0"/>
+                <a:cs typeface="Helvetica" charset="0"/>
+              </a:rPr>
+              <a:t> </a:t>
+            </a:r>
+            <a:r>
+              <a:rPr lang="en-US" dirty="0" err="1" smtClean="0">
+                <a:solidFill>
+                  <a:schemeClr val="tx1"/>
+                </a:solidFill>
+                <a:latin typeface="Helvetica" charset="0"/>
+                <a:ea typeface="Helvetica" charset="0"/>
+                <a:cs typeface="Helvetica" charset="0"/>
+              </a:rPr>
+              <a:t>inicial</a:t>
+            </a:r>
+            <a:r>
+              <a:rPr lang="en-US" dirty="0" smtClean="0">
+                <a:solidFill>
+                  <a:schemeClr val="tx1"/>
+                </a:solidFill>
+                <a:latin typeface="Helvetica" charset="0"/>
+                <a:ea typeface="Helvetica" charset="0"/>
+                <a:cs typeface="Helvetica" charset="0"/>
+              </a:rPr>
+              <a:t>)</a:t>
+            </a:r>
+          </a:p>
+          <a:p>
+            <a:pPr lvl="1"/>
+            <a:r>
+              <a:rPr lang="en-US" i="1" dirty="0" err="1" smtClean="0">
+                <a:solidFill>
+                  <a:schemeClr val="tx1"/>
+                </a:solidFill>
+                <a:latin typeface="Helvetica" charset="0"/>
+                <a:ea typeface="Helvetica" charset="0"/>
+                <a:cs typeface="Helvetica" charset="0"/>
+              </a:rPr>
+              <a:t>Adaptação</a:t>
+            </a:r>
+            <a:r>
+              <a:rPr lang="en-US" i="1" dirty="0" smtClean="0">
+                <a:solidFill>
+                  <a:schemeClr val="tx1"/>
+                </a:solidFill>
+                <a:latin typeface="Helvetica" charset="0"/>
+                <a:ea typeface="Helvetica" charset="0"/>
+                <a:cs typeface="Helvetica" charset="0"/>
+              </a:rPr>
+              <a:t>: </a:t>
+            </a:r>
+            <a:r>
+              <a:rPr lang="en-US" dirty="0" err="1" smtClean="0">
+                <a:solidFill>
+                  <a:schemeClr val="tx1"/>
+                </a:solidFill>
+                <a:latin typeface="Helvetica" charset="0"/>
+                <a:ea typeface="Helvetica" charset="0"/>
+                <a:cs typeface="Helvetica" charset="0"/>
+              </a:rPr>
+              <a:t>é</a:t>
+            </a:r>
+            <a:r>
+              <a:rPr lang="en-US" dirty="0" smtClean="0">
+                <a:solidFill>
+                  <a:schemeClr val="tx1"/>
+                </a:solidFill>
+                <a:latin typeface="Helvetica" charset="0"/>
+                <a:ea typeface="Helvetica" charset="0"/>
+                <a:cs typeface="Helvetica" charset="0"/>
+              </a:rPr>
+              <a:t> </a:t>
+            </a:r>
+            <a:r>
+              <a:rPr lang="en-US" dirty="0" err="1" smtClean="0">
+                <a:solidFill>
+                  <a:schemeClr val="tx1"/>
+                </a:solidFill>
+                <a:latin typeface="Helvetica" charset="0"/>
+                <a:ea typeface="Helvetica" charset="0"/>
+                <a:cs typeface="Helvetica" charset="0"/>
+              </a:rPr>
+              <a:t>possível</a:t>
+            </a:r>
+            <a:r>
+              <a:rPr lang="en-US" dirty="0" smtClean="0">
+                <a:solidFill>
+                  <a:schemeClr val="tx1"/>
+                </a:solidFill>
+                <a:latin typeface="Helvetica" charset="0"/>
+                <a:ea typeface="Helvetica" charset="0"/>
+                <a:cs typeface="Helvetica" charset="0"/>
+              </a:rPr>
+              <a:t> </a:t>
+            </a:r>
+            <a:r>
+              <a:rPr lang="en-US" dirty="0" err="1" smtClean="0">
+                <a:solidFill>
+                  <a:schemeClr val="tx1"/>
+                </a:solidFill>
+                <a:latin typeface="Helvetica" charset="0"/>
+                <a:ea typeface="Helvetica" charset="0"/>
+                <a:cs typeface="Helvetica" charset="0"/>
+              </a:rPr>
+              <a:t>visitar</a:t>
+            </a:r>
+            <a:r>
+              <a:rPr lang="en-US" dirty="0" smtClean="0">
+                <a:solidFill>
+                  <a:schemeClr val="tx1"/>
+                </a:solidFill>
+                <a:latin typeface="Helvetica" charset="0"/>
+                <a:ea typeface="Helvetica" charset="0"/>
+                <a:cs typeface="Helvetica" charset="0"/>
+              </a:rPr>
+              <a:t> </a:t>
+            </a:r>
+            <a:r>
+              <a:rPr lang="en-US" dirty="0" err="1" smtClean="0">
+                <a:solidFill>
+                  <a:schemeClr val="tx1"/>
+                </a:solidFill>
+                <a:latin typeface="Helvetica" charset="0"/>
+                <a:ea typeface="Helvetica" charset="0"/>
+                <a:cs typeface="Helvetica" charset="0"/>
+              </a:rPr>
+              <a:t>uma</a:t>
+            </a:r>
+            <a:r>
+              <a:rPr lang="en-US" dirty="0" smtClean="0">
+                <a:solidFill>
+                  <a:schemeClr val="tx1"/>
+                </a:solidFill>
+                <a:latin typeface="Helvetica" charset="0"/>
+                <a:ea typeface="Helvetica" charset="0"/>
+                <a:cs typeface="Helvetica" charset="0"/>
+              </a:rPr>
+              <a:t> </a:t>
+            </a:r>
+            <a:r>
+              <a:rPr lang="en-US" dirty="0" err="1" smtClean="0">
+                <a:solidFill>
+                  <a:schemeClr val="tx1"/>
+                </a:solidFill>
+                <a:latin typeface="Helvetica" charset="0"/>
+                <a:ea typeface="Helvetica" charset="0"/>
+                <a:cs typeface="Helvetica" charset="0"/>
+              </a:rPr>
+              <a:t>cidade</a:t>
+            </a:r>
+            <a:r>
+              <a:rPr lang="en-US" dirty="0" smtClean="0">
+                <a:solidFill>
+                  <a:schemeClr val="tx1"/>
+                </a:solidFill>
+                <a:latin typeface="Helvetica" charset="0"/>
+                <a:ea typeface="Helvetica" charset="0"/>
+                <a:cs typeface="Helvetica" charset="0"/>
+              </a:rPr>
+              <a:t> </a:t>
+            </a:r>
+            <a:r>
+              <a:rPr lang="en-US" dirty="0" err="1" smtClean="0">
+                <a:solidFill>
+                  <a:schemeClr val="tx1"/>
+                </a:solidFill>
+                <a:latin typeface="Helvetica" charset="0"/>
+                <a:ea typeface="Helvetica" charset="0"/>
+                <a:cs typeface="Helvetica" charset="0"/>
+              </a:rPr>
+              <a:t>mais</a:t>
             </a:r>
             <a:r>
               <a:rPr lang="en-US" dirty="0" smtClean="0">
@@ -15016,18 +15676,18 @@
                 <a:ea typeface="Helvetica" charset="0"/>
                 <a:cs typeface="Helvetica" charset="0"/>
               </a:rPr>
-              <a:t>cidades</a:t>
-            </a:r>
-            <a:r>
-              <a:rPr lang="en-US" dirty="0" smtClean="0">
-                <a:solidFill>
-                  <a:schemeClr val="tx1"/>
-                </a:solidFill>
-                <a:latin typeface="Helvetica" charset="0"/>
-                <a:ea typeface="Helvetica" charset="0"/>
-                <a:cs typeface="Helvetica" charset="0"/>
-              </a:rPr>
-              <a:t>, </a:t>
+              <a:t>uma</a:t>
+            </a:r>
+            <a:r>
+              <a:rPr lang="en-US" dirty="0" smtClean="0">
+                <a:solidFill>
+                  <a:schemeClr val="tx1"/>
+                </a:solidFill>
+                <a:latin typeface="Helvetica" charset="0"/>
+                <a:ea typeface="Helvetica" charset="0"/>
+                <a:cs typeface="Helvetica" charset="0"/>
+              </a:rPr>
+              <a:t> </a:t>
             </a:r>
             <a:r>
               <a:rPr lang="en-US" dirty="0" err="1" smtClean="0">
@@ -15038,7 +15698,29 @@
                 <a:ea typeface="Helvetica" charset="0"/>
                 <a:cs typeface="Helvetica" charset="0"/>
               </a:rPr>
-              <a:t>descobrir</a:t>
+              <a:t>vez</a:t>
+            </a:r>
+            <a:r>
+              <a:rPr lang="en-US" dirty="0" smtClean="0">
+                <a:solidFill>
+                  <a:schemeClr val="tx1"/>
+                </a:solidFill>
+                <a:latin typeface="Helvetica" charset="0"/>
+                <a:ea typeface="Helvetica" charset="0"/>
+                <a:cs typeface="Helvetica" charset="0"/>
+              </a:rPr>
+              <a:t>, e </a:t>
+            </a:r>
+            <a:r>
+              <a:rPr lang="en-US" dirty="0" err="1" smtClean="0">
+                <a:solidFill>
+                  <a:schemeClr val="tx1"/>
+                </a:solidFill>
+                <a:latin typeface="Helvetica" charset="0"/>
+                <a:ea typeface="Helvetica" charset="0"/>
+                <a:cs typeface="Helvetica" charset="0"/>
+              </a:rPr>
+              <a:t>percorrer</a:t>
             </a:r>
             <a:r>
               <a:rPr lang="en-US" dirty="0" smtClean="0">
@@ -15060,551 +15742,9 @@
                 <a:ea typeface="Helvetica" charset="0"/>
                 <a:cs typeface="Helvetica" charset="0"/>
               </a:rPr>
-              <a:t>qual</a:t>
-            </a:r>
-            <a:r>
-              <a:rPr lang="en-US" dirty="0" smtClean="0">
-                <a:solidFill>
-                  <a:schemeClr val="tx1"/>
-                </a:solidFill>
-                <a:latin typeface="Helvetica" charset="0"/>
-                <a:ea typeface="Helvetica" charset="0"/>
-                <a:cs typeface="Helvetica" charset="0"/>
-              </a:rPr>
-              <a:t> o </a:t>
-            </a:r>
-            <a:r>
-              <a:rPr lang="en-US" dirty="0" err="1" smtClean="0">
-                <a:solidFill>
-                  <a:schemeClr val="tx1"/>
-                </a:solidFill>
-                <a:latin typeface="Helvetica" charset="0"/>
-                <a:ea typeface="Helvetica" charset="0"/>
-                <a:cs typeface="Helvetica" charset="0"/>
-              </a:rPr>
-              <a:t>caminho</a:t>
-            </a:r>
-            <a:r>
-              <a:rPr lang="en-US" dirty="0" smtClean="0">
-                <a:solidFill>
-                  <a:schemeClr val="tx1"/>
-                </a:solidFill>
-                <a:latin typeface="Helvetica" charset="0"/>
-                <a:ea typeface="Helvetica" charset="0"/>
-                <a:cs typeface="Helvetica" charset="0"/>
-              </a:rPr>
-              <a:t> </a:t>
-            </a:r>
-            <a:r>
-              <a:rPr lang="en-US" dirty="0" err="1" smtClean="0">
-                <a:solidFill>
-                  <a:schemeClr val="tx1"/>
-                </a:solidFill>
-                <a:latin typeface="Helvetica" charset="0"/>
-                <a:ea typeface="Helvetica" charset="0"/>
-                <a:cs typeface="Helvetica" charset="0"/>
-              </a:rPr>
-              <a:t>mais</a:t>
-            </a:r>
-            <a:r>
-              <a:rPr lang="en-US" dirty="0" smtClean="0">
-                <a:solidFill>
-                  <a:schemeClr val="tx1"/>
-                </a:solidFill>
-                <a:latin typeface="Helvetica" charset="0"/>
-                <a:ea typeface="Helvetica" charset="0"/>
-                <a:cs typeface="Helvetica" charset="0"/>
-              </a:rPr>
-              <a:t> </a:t>
-            </a:r>
-            <a:r>
-              <a:rPr lang="en-US" dirty="0" err="1" smtClean="0">
-                <a:solidFill>
-                  <a:schemeClr val="tx1"/>
-                </a:solidFill>
-                <a:latin typeface="Helvetica" charset="0"/>
-                <a:ea typeface="Helvetica" charset="0"/>
-                <a:cs typeface="Helvetica" charset="0"/>
-              </a:rPr>
-              <a:t>r</a:t>
-            </a:r>
-            <a:r>
-              <a:rPr lang="en-US" dirty="0" err="1" smtClean="0">
-                <a:solidFill>
-                  <a:schemeClr val="tx1"/>
-                </a:solidFill>
-                <a:latin typeface="Helvetica" charset="0"/>
-                <a:ea typeface="Helvetica" charset="0"/>
-                <a:cs typeface="Helvetica" charset="0"/>
-              </a:rPr>
-              <a:t>ápido</a:t>
-            </a:r>
-            <a:r>
-              <a:rPr lang="en-US" dirty="0" smtClean="0">
-                <a:solidFill>
-                  <a:schemeClr val="tx1"/>
-                </a:solidFill>
-                <a:latin typeface="Helvetica" charset="0"/>
-                <a:ea typeface="Helvetica" charset="0"/>
-                <a:cs typeface="Helvetica" charset="0"/>
-              </a:rPr>
-              <a:t> </a:t>
-            </a:r>
-            <a:r>
-              <a:rPr lang="en-US" dirty="0" err="1" smtClean="0">
-                <a:solidFill>
-                  <a:schemeClr val="tx1"/>
-                </a:solidFill>
-                <a:latin typeface="Helvetica" charset="0"/>
-                <a:ea typeface="Helvetica" charset="0"/>
-                <a:cs typeface="Helvetica" charset="0"/>
-              </a:rPr>
-              <a:t>que</a:t>
-            </a:r>
-            <a:r>
-              <a:rPr lang="en-US" dirty="0" smtClean="0">
-                <a:solidFill>
-                  <a:schemeClr val="tx1"/>
-                </a:solidFill>
-                <a:latin typeface="Helvetica" charset="0"/>
-                <a:ea typeface="Helvetica" charset="0"/>
-                <a:cs typeface="Helvetica" charset="0"/>
-              </a:rPr>
-              <a:t> </a:t>
-            </a:r>
-            <a:r>
-              <a:rPr lang="en-US" dirty="0" err="1" smtClean="0">
-                <a:solidFill>
-                  <a:schemeClr val="tx1"/>
-                </a:solidFill>
-                <a:latin typeface="Helvetica" charset="0"/>
-                <a:ea typeface="Helvetica" charset="0"/>
-                <a:cs typeface="Helvetica" charset="0"/>
-              </a:rPr>
-              <a:t>passa</a:t>
-            </a:r>
-            <a:r>
-              <a:rPr lang="en-US" dirty="0" smtClean="0">
-                <a:solidFill>
-                  <a:schemeClr val="tx1"/>
-                </a:solidFill>
-                <a:latin typeface="Helvetica" charset="0"/>
-                <a:ea typeface="Helvetica" charset="0"/>
-                <a:cs typeface="Helvetica" charset="0"/>
-              </a:rPr>
-              <a:t> </a:t>
-            </a:r>
-            <a:r>
-              <a:rPr lang="en-US" dirty="0" err="1" smtClean="0">
-                <a:solidFill>
-                  <a:schemeClr val="tx1"/>
-                </a:solidFill>
-                <a:latin typeface="Helvetica" charset="0"/>
-                <a:ea typeface="Helvetica" charset="0"/>
-                <a:cs typeface="Helvetica" charset="0"/>
-              </a:rPr>
-              <a:t>por</a:t>
-            </a:r>
-            <a:r>
-              <a:rPr lang="en-US" dirty="0">
-                <a:solidFill>
-                  <a:schemeClr val="tx1"/>
-                </a:solidFill>
-                <a:latin typeface="Helvetica" charset="0"/>
-                <a:ea typeface="Helvetica" charset="0"/>
-                <a:cs typeface="Helvetica" charset="0"/>
-              </a:rPr>
-              <a:t> </a:t>
-            </a:r>
-            <a:r>
-              <a:rPr lang="en-US" dirty="0" err="1" smtClean="0">
-                <a:solidFill>
-                  <a:schemeClr val="tx1"/>
-                </a:solidFill>
-                <a:latin typeface="Helvetica" charset="0"/>
-                <a:ea typeface="Helvetica" charset="0"/>
-                <a:cs typeface="Helvetica" charset="0"/>
-              </a:rPr>
-              <a:t>todas</a:t>
-            </a:r>
-            <a:r>
-              <a:rPr lang="en-US" dirty="0" smtClean="0">
-                <a:solidFill>
-                  <a:schemeClr val="tx1"/>
-                </a:solidFill>
-                <a:latin typeface="Helvetica" charset="0"/>
-                <a:ea typeface="Helvetica" charset="0"/>
-                <a:cs typeface="Helvetica" charset="0"/>
-              </a:rPr>
-              <a:t> as </a:t>
-            </a:r>
-            <a:r>
-              <a:rPr lang="en-US" dirty="0" err="1" smtClean="0">
-                <a:solidFill>
-                  <a:schemeClr val="tx1"/>
-                </a:solidFill>
-                <a:latin typeface="Helvetica" charset="0"/>
-                <a:ea typeface="Helvetica" charset="0"/>
-                <a:cs typeface="Helvetica" charset="0"/>
-              </a:rPr>
-              <a:t>cidades</a:t>
-            </a:r>
-            <a:r>
-              <a:rPr lang="en-US" dirty="0" smtClean="0">
-                <a:solidFill>
-                  <a:schemeClr val="tx1"/>
-                </a:solidFill>
-                <a:latin typeface="Helvetica" charset="0"/>
-                <a:ea typeface="Helvetica" charset="0"/>
-                <a:cs typeface="Helvetica" charset="0"/>
-              </a:rPr>
-              <a:t> e </a:t>
-            </a:r>
-            <a:r>
-              <a:rPr lang="en-US" dirty="0" err="1" smtClean="0">
-                <a:solidFill>
-                  <a:schemeClr val="tx1"/>
-                </a:solidFill>
-                <a:latin typeface="Helvetica" charset="0"/>
-                <a:ea typeface="Helvetica" charset="0"/>
-                <a:cs typeface="Helvetica" charset="0"/>
-              </a:rPr>
-              <a:t>retorna</a:t>
-            </a:r>
-            <a:r>
-              <a:rPr lang="en-US" dirty="0" smtClean="0">
-                <a:solidFill>
-                  <a:schemeClr val="tx1"/>
-                </a:solidFill>
-                <a:latin typeface="Helvetica" charset="0"/>
-                <a:ea typeface="Helvetica" charset="0"/>
-                <a:cs typeface="Helvetica" charset="0"/>
-              </a:rPr>
-              <a:t> </a:t>
-            </a:r>
-            <a:r>
-              <a:rPr lang="en-US" dirty="0" err="1" smtClean="0">
-                <a:solidFill>
-                  <a:schemeClr val="tx1"/>
-                </a:solidFill>
-                <a:latin typeface="Helvetica" charset="0"/>
-                <a:ea typeface="Helvetica" charset="0"/>
-                <a:cs typeface="Helvetica" charset="0"/>
-              </a:rPr>
-              <a:t>à</a:t>
-            </a:r>
-            <a:r>
-              <a:rPr lang="en-US" dirty="0" smtClean="0">
-                <a:solidFill>
-                  <a:schemeClr val="tx1"/>
-                </a:solidFill>
-                <a:latin typeface="Helvetica" charset="0"/>
-                <a:ea typeface="Helvetica" charset="0"/>
-                <a:cs typeface="Helvetica" charset="0"/>
-              </a:rPr>
-              <a:t> </a:t>
-            </a:r>
-            <a:r>
-              <a:rPr lang="en-US" dirty="0" err="1" smtClean="0">
-                <a:solidFill>
-                  <a:schemeClr val="tx1"/>
-                </a:solidFill>
-                <a:latin typeface="Helvetica" charset="0"/>
-                <a:ea typeface="Helvetica" charset="0"/>
-                <a:cs typeface="Helvetica" charset="0"/>
-              </a:rPr>
-              <a:t>cidade</a:t>
-            </a:r>
-            <a:r>
-              <a:rPr lang="en-US" dirty="0" smtClean="0">
-                <a:solidFill>
-                  <a:schemeClr val="tx1"/>
-                </a:solidFill>
-                <a:latin typeface="Helvetica" charset="0"/>
-                <a:ea typeface="Helvetica" charset="0"/>
-                <a:cs typeface="Helvetica" charset="0"/>
-              </a:rPr>
-              <a:t> </a:t>
-            </a:r>
-            <a:r>
-              <a:rPr lang="en-US" dirty="0" err="1" smtClean="0">
-                <a:solidFill>
-                  <a:schemeClr val="tx1"/>
-                </a:solidFill>
-                <a:latin typeface="Helvetica" charset="0"/>
-                <a:ea typeface="Helvetica" charset="0"/>
-                <a:cs typeface="Helvetica" charset="0"/>
-              </a:rPr>
-              <a:t>inicial</a:t>
-            </a:r>
-            <a:r>
-              <a:rPr lang="en-US" dirty="0" smtClean="0">
-                <a:solidFill>
-                  <a:schemeClr val="tx1"/>
-                </a:solidFill>
-                <a:latin typeface="Helvetica" charset="0"/>
-                <a:ea typeface="Helvetica" charset="0"/>
-                <a:cs typeface="Helvetica" charset="0"/>
-              </a:rPr>
-              <a:t>)</a:t>
-            </a:r>
-          </a:p>
-          <a:p>
-            <a:pPr lvl="1"/>
-            <a:r>
-              <a:rPr lang="en-US" i="1" dirty="0" err="1" smtClean="0">
-                <a:solidFill>
-                  <a:schemeClr val="tx1"/>
-                </a:solidFill>
-                <a:latin typeface="Helvetica" charset="0"/>
-                <a:ea typeface="Helvetica" charset="0"/>
-                <a:cs typeface="Helvetica" charset="0"/>
-              </a:rPr>
-              <a:t>Adapta</a:t>
-            </a:r>
-            <a:r>
-              <a:rPr lang="en-US" i="1" dirty="0" err="1" smtClean="0">
-                <a:solidFill>
-                  <a:schemeClr val="tx1"/>
-                </a:solidFill>
-                <a:latin typeface="Helvetica" charset="0"/>
-                <a:ea typeface="Helvetica" charset="0"/>
-                <a:cs typeface="Helvetica" charset="0"/>
-              </a:rPr>
-              <a:t>ção</a:t>
-            </a:r>
-            <a:r>
-              <a:rPr lang="en-US" i="1" dirty="0" smtClean="0">
-                <a:solidFill>
-                  <a:schemeClr val="tx1"/>
-                </a:solidFill>
-                <a:latin typeface="Helvetica" charset="0"/>
-                <a:ea typeface="Helvetica" charset="0"/>
-                <a:cs typeface="Helvetica" charset="0"/>
-              </a:rPr>
-              <a:t>: </a:t>
-            </a:r>
-            <a:r>
-              <a:rPr lang="en-US" dirty="0" err="1" smtClean="0">
-                <a:solidFill>
-                  <a:schemeClr val="tx1"/>
-                </a:solidFill>
-                <a:latin typeface="Helvetica" charset="0"/>
-                <a:ea typeface="Helvetica" charset="0"/>
-                <a:cs typeface="Helvetica" charset="0"/>
-              </a:rPr>
-              <a:t>é</a:t>
-            </a:r>
-            <a:r>
-              <a:rPr lang="en-US" dirty="0" smtClean="0">
-                <a:solidFill>
-                  <a:schemeClr val="tx1"/>
-                </a:solidFill>
-                <a:latin typeface="Helvetica" charset="0"/>
-                <a:ea typeface="Helvetica" charset="0"/>
-                <a:cs typeface="Helvetica" charset="0"/>
-              </a:rPr>
-              <a:t> </a:t>
-            </a:r>
-            <a:r>
-              <a:rPr lang="en-US" dirty="0" err="1" smtClean="0">
-                <a:solidFill>
-                  <a:schemeClr val="tx1"/>
-                </a:solidFill>
-                <a:latin typeface="Helvetica" charset="0"/>
-                <a:ea typeface="Helvetica" charset="0"/>
-                <a:cs typeface="Helvetica" charset="0"/>
-              </a:rPr>
-              <a:t>possível</a:t>
-            </a:r>
-            <a:r>
-              <a:rPr lang="en-US" dirty="0" smtClean="0">
-                <a:solidFill>
-                  <a:schemeClr val="tx1"/>
-                </a:solidFill>
-                <a:latin typeface="Helvetica" charset="0"/>
-                <a:ea typeface="Helvetica" charset="0"/>
-                <a:cs typeface="Helvetica" charset="0"/>
-              </a:rPr>
-              <a:t> </a:t>
-            </a:r>
-            <a:r>
-              <a:rPr lang="en-US" dirty="0" err="1" smtClean="0">
-                <a:solidFill>
-                  <a:schemeClr val="tx1"/>
-                </a:solidFill>
-                <a:latin typeface="Helvetica" charset="0"/>
-                <a:ea typeface="Helvetica" charset="0"/>
-                <a:cs typeface="Helvetica" charset="0"/>
-              </a:rPr>
-              <a:t>visitar</a:t>
-            </a:r>
-            <a:r>
-              <a:rPr lang="en-US" dirty="0" smtClean="0">
-                <a:solidFill>
-                  <a:schemeClr val="tx1"/>
-                </a:solidFill>
-                <a:latin typeface="Helvetica" charset="0"/>
-                <a:ea typeface="Helvetica" charset="0"/>
-                <a:cs typeface="Helvetica" charset="0"/>
-              </a:rPr>
-              <a:t> </a:t>
-            </a:r>
-            <a:r>
-              <a:rPr lang="en-US" dirty="0" err="1" smtClean="0">
-                <a:solidFill>
-                  <a:schemeClr val="tx1"/>
-                </a:solidFill>
-                <a:latin typeface="Helvetica" charset="0"/>
-                <a:ea typeface="Helvetica" charset="0"/>
-                <a:cs typeface="Helvetica" charset="0"/>
-              </a:rPr>
-              <a:t>uma</a:t>
-            </a:r>
-            <a:r>
-              <a:rPr lang="en-US" dirty="0" smtClean="0">
-                <a:solidFill>
-                  <a:schemeClr val="tx1"/>
-                </a:solidFill>
-                <a:latin typeface="Helvetica" charset="0"/>
-                <a:ea typeface="Helvetica" charset="0"/>
-                <a:cs typeface="Helvetica" charset="0"/>
-              </a:rPr>
-              <a:t> </a:t>
-            </a:r>
-            <a:r>
-              <a:rPr lang="en-US" dirty="0" err="1" smtClean="0">
-                <a:solidFill>
-                  <a:schemeClr val="tx1"/>
-                </a:solidFill>
-                <a:latin typeface="Helvetica" charset="0"/>
-                <a:ea typeface="Helvetica" charset="0"/>
-                <a:cs typeface="Helvetica" charset="0"/>
-              </a:rPr>
-              <a:t>cidade</a:t>
-            </a:r>
-            <a:r>
-              <a:rPr lang="en-US" dirty="0" smtClean="0">
-                <a:solidFill>
-                  <a:schemeClr val="tx1"/>
-                </a:solidFill>
-                <a:latin typeface="Helvetica" charset="0"/>
-                <a:ea typeface="Helvetica" charset="0"/>
-                <a:cs typeface="Helvetica" charset="0"/>
-              </a:rPr>
-              <a:t> </a:t>
-            </a:r>
-            <a:r>
-              <a:rPr lang="en-US" dirty="0" err="1" smtClean="0">
-                <a:solidFill>
-                  <a:schemeClr val="tx1"/>
-                </a:solidFill>
-                <a:latin typeface="Helvetica" charset="0"/>
-                <a:ea typeface="Helvetica" charset="0"/>
-                <a:cs typeface="Helvetica" charset="0"/>
-              </a:rPr>
-              <a:t>mais</a:t>
-            </a:r>
-            <a:r>
-              <a:rPr lang="en-US" dirty="0" smtClean="0">
-                <a:solidFill>
-                  <a:schemeClr val="tx1"/>
-                </a:solidFill>
-                <a:latin typeface="Helvetica" charset="0"/>
-                <a:ea typeface="Helvetica" charset="0"/>
-                <a:cs typeface="Helvetica" charset="0"/>
-              </a:rPr>
-              <a:t> de </a:t>
-            </a:r>
-            <a:r>
-              <a:rPr lang="en-US" dirty="0" err="1" smtClean="0">
-                <a:solidFill>
-                  <a:schemeClr val="tx1"/>
-                </a:solidFill>
-                <a:latin typeface="Helvetica" charset="0"/>
-                <a:ea typeface="Helvetica" charset="0"/>
-                <a:cs typeface="Helvetica" charset="0"/>
-              </a:rPr>
-              <a:t>uma</a:t>
-            </a:r>
-            <a:r>
-              <a:rPr lang="en-US" dirty="0" smtClean="0">
-                <a:solidFill>
-                  <a:schemeClr val="tx1"/>
-                </a:solidFill>
-                <a:latin typeface="Helvetica" charset="0"/>
-                <a:ea typeface="Helvetica" charset="0"/>
-                <a:cs typeface="Helvetica" charset="0"/>
-              </a:rPr>
-              <a:t> </a:t>
-            </a:r>
-            <a:r>
-              <a:rPr lang="en-US" dirty="0" err="1" smtClean="0">
-                <a:solidFill>
-                  <a:schemeClr val="tx1"/>
-                </a:solidFill>
-                <a:latin typeface="Helvetica" charset="0"/>
-                <a:ea typeface="Helvetica" charset="0"/>
-                <a:cs typeface="Helvetica" charset="0"/>
-              </a:rPr>
-              <a:t>vez</a:t>
-            </a:r>
-            <a:r>
-              <a:rPr lang="en-US" dirty="0" smtClean="0">
-                <a:solidFill>
-                  <a:schemeClr val="tx1"/>
-                </a:solidFill>
-                <a:latin typeface="Helvetica" charset="0"/>
-                <a:ea typeface="Helvetica" charset="0"/>
-                <a:cs typeface="Helvetica" charset="0"/>
-              </a:rPr>
-              <a:t>, e </a:t>
-            </a:r>
-            <a:r>
-              <a:rPr lang="en-US" dirty="0" err="1" smtClean="0">
-                <a:solidFill>
-                  <a:schemeClr val="tx1"/>
-                </a:solidFill>
-                <a:latin typeface="Helvetica" charset="0"/>
-                <a:ea typeface="Helvetica" charset="0"/>
-                <a:cs typeface="Helvetica" charset="0"/>
-              </a:rPr>
-              <a:t>percorrer</a:t>
-            </a:r>
-            <a:r>
-              <a:rPr lang="en-US" dirty="0" smtClean="0">
-                <a:solidFill>
-                  <a:schemeClr val="tx1"/>
-                </a:solidFill>
-                <a:latin typeface="Helvetica" charset="0"/>
-                <a:ea typeface="Helvetica" charset="0"/>
-                <a:cs typeface="Helvetica" charset="0"/>
-              </a:rPr>
-              <a:t> </a:t>
-            </a:r>
-            <a:r>
-              <a:rPr lang="en-US" dirty="0" err="1" smtClean="0">
-                <a:solidFill>
-                  <a:schemeClr val="tx1"/>
-                </a:solidFill>
-                <a:latin typeface="Helvetica" charset="0"/>
-                <a:ea typeface="Helvetica" charset="0"/>
-                <a:cs typeface="Helvetica" charset="0"/>
-              </a:rPr>
               <a:t>atalhos</a:t>
             </a:r>
-            <a:r>
-              <a:rPr lang="en-US" dirty="0" smtClean="0">
-                <a:solidFill>
-                  <a:schemeClr val="tx1"/>
-                </a:solidFill>
-                <a:latin typeface="Helvetica" charset="0"/>
-                <a:ea typeface="Helvetica" charset="0"/>
-                <a:cs typeface="Helvetica" charset="0"/>
-              </a:rPr>
-              <a:t>.</a:t>
-            </a:r>
-            <a:endParaRPr lang="en-US" dirty="0" smtClean="0">
+            <a:endParaRPr lang="en-US" dirty="0">
               <a:solidFill>
                 <a:schemeClr val="tx1"/>
               </a:solidFill>
@@ -15696,7 +15836,23 @@
                 <a:ea typeface="Helvetica" charset="0"/>
                 <a:cs typeface="Helvetica" charset="0"/>
               </a:rPr>
-              <a:t>Referências</a:t>
+              <a:t>Problemas</a:t>
+            </a:r>
+            <a:r>
+              <a:rPr lang="en-US" b="1" dirty="0" smtClean="0">
+                <a:latin typeface="Helvetica" charset="0"/>
+                <a:ea typeface="Helvetica" charset="0"/>
+                <a:cs typeface="Helvetica" charset="0"/>
+              </a:rPr>
+              <a:t> - </a:t>
+            </a:r>
+            <a:r>
+              <a:rPr lang="en-US" b="1" dirty="0" err="1" smtClean="0">
+                <a:latin typeface="Helvetica" charset="0"/>
+                <a:ea typeface="Helvetica" charset="0"/>
+                <a:cs typeface="Helvetica" charset="0"/>
+              </a:rPr>
+              <a:t>OneMax</a:t>
             </a:r>
             <a:endParaRPr lang="en-US" b="1" dirty="0">
               <a:latin typeface="Helvetica" charset="0"/>
@@ -15719,7 +15875,7 @@
         <p:spPr>
           <a:xfrm>
             <a:off x="1154954" y="2603500"/>
-            <a:ext cx="10035785" cy="4102100"/>
+            <a:ext cx="9647158" cy="3687572"/>
           </a:xfrm>
         </p:spPr>
         <p:txBody>
@@ -15729,26 +15885,70 @@
           <a:lstStyle/>
           <a:p>
             <a:r>
-              <a:rPr lang="en-US" dirty="0" smtClean="0">
-                <a:solidFill>
-                  <a:schemeClr val="tx1"/>
-                </a:solidFill>
-                <a:latin typeface="Helvetica" charset="0"/>
-                <a:ea typeface="Helvetica" charset="0"/>
-                <a:cs typeface="Helvetica" charset="0"/>
-              </a:rPr>
-              <a:t>[1] </a:t>
-            </a:r>
-            <a:r>
-              <a:rPr lang="en-US" dirty="0">
-                <a:solidFill>
-                  <a:schemeClr val="tx1"/>
-                </a:solidFill>
-                <a:latin typeface="Helvetica" charset="0"/>
-                <a:ea typeface="Helvetica" charset="0"/>
-                <a:cs typeface="Helvetica" charset="0"/>
-              </a:rPr>
-              <a:t>A. E. </a:t>
+              <a:rPr lang="en-US" b="1" dirty="0" err="1" smtClean="0">
+                <a:solidFill>
+                  <a:schemeClr val="tx1"/>
+                </a:solidFill>
+                <a:latin typeface="Helvetica" charset="0"/>
+                <a:ea typeface="Helvetica" charset="0"/>
+                <a:cs typeface="Helvetica" charset="0"/>
+              </a:rPr>
+              <a:t>OneMax</a:t>
+            </a:r>
+            <a:r>
+              <a:rPr lang="en-US" b="1" dirty="0" smtClean="0">
+                <a:solidFill>
+                  <a:schemeClr val="tx1"/>
+                </a:solidFill>
+                <a:latin typeface="Helvetica" charset="0"/>
+                <a:ea typeface="Helvetica" charset="0"/>
+                <a:cs typeface="Helvetica" charset="0"/>
+              </a:rPr>
+              <a:t> </a:t>
+            </a:r>
+            <a:r>
+              <a:rPr lang="en-US" b="1" dirty="0" err="1" smtClean="0">
+                <a:solidFill>
+                  <a:schemeClr val="tx1"/>
+                </a:solidFill>
+                <a:latin typeface="Helvetica" charset="0"/>
+                <a:ea typeface="Helvetica" charset="0"/>
+                <a:cs typeface="Helvetica" charset="0"/>
+              </a:rPr>
+              <a:t>Booleano</a:t>
+            </a:r>
+            <a:r>
+              <a:rPr lang="en-US" b="1" dirty="0" smtClean="0">
+                <a:solidFill>
+                  <a:schemeClr val="tx1"/>
+                </a:solidFill>
+                <a:latin typeface="Helvetica" charset="0"/>
+                <a:ea typeface="Helvetica" charset="0"/>
+                <a:cs typeface="Helvetica" charset="0"/>
+              </a:rPr>
+              <a:t> </a:t>
+            </a:r>
+            <a:r>
+              <a:rPr lang="en-US" dirty="0" smtClean="0">
+                <a:solidFill>
+                  <a:schemeClr val="tx1"/>
+                </a:solidFill>
+                <a:latin typeface="Helvetica" charset="0"/>
+                <a:ea typeface="Helvetica" charset="0"/>
+                <a:cs typeface="Helvetica" charset="0"/>
+              </a:rPr>
+              <a:t>- </a:t>
+            </a:r>
+            <a:r>
+              <a:rPr lang="en-US" dirty="0" smtClean="0">
+                <a:solidFill>
+                  <a:schemeClr val="tx1"/>
+                </a:solidFill>
+                <a:latin typeface="Helvetica" charset="0"/>
+                <a:ea typeface="Helvetica" charset="0"/>
+                <a:cs typeface="Helvetica" charset="0"/>
+              </a:rPr>
+              <a:t>100 </a:t>
             </a:r>
             <a:r>
               <a:rPr lang="en-US" dirty="0" err="1" smtClean="0">
@@ -15759,139 +15959,120 @@
                 <a:ea typeface="Helvetica" charset="0"/>
                 <a:cs typeface="Helvetica" charset="0"/>
               </a:rPr>
-              <a:t>Eiben</a:t>
-            </a:r>
-            <a:r>
-              <a:rPr lang="en-US" dirty="0" smtClean="0">
-                <a:solidFill>
-                  <a:schemeClr val="tx1"/>
-                </a:solidFill>
-                <a:latin typeface="Helvetica" charset="0"/>
-                <a:ea typeface="Helvetica" charset="0"/>
-                <a:cs typeface="Helvetica" charset="0"/>
-              </a:rPr>
-              <a:t>, J</a:t>
-            </a:r>
-            <a:r>
-              <a:rPr lang="en-US" dirty="0">
-                <a:solidFill>
-                  <a:schemeClr val="tx1"/>
-                </a:solidFill>
-                <a:latin typeface="Helvetica" charset="0"/>
-                <a:ea typeface="Helvetica" charset="0"/>
-                <a:cs typeface="Helvetica" charset="0"/>
-              </a:rPr>
-              <a:t>. E. Smith. </a:t>
-            </a:r>
-            <a:r>
-              <a:rPr lang="en-US" dirty="0" smtClean="0">
-                <a:solidFill>
-                  <a:schemeClr val="tx1"/>
-                </a:solidFill>
-                <a:latin typeface="Helvetica" charset="0"/>
-                <a:ea typeface="Helvetica" charset="0"/>
-                <a:cs typeface="Helvetica" charset="0"/>
-              </a:rPr>
-              <a:t>“</a:t>
-            </a:r>
-            <a:r>
-              <a:rPr lang="en-US" i="1" dirty="0" smtClean="0">
-                <a:solidFill>
-                  <a:schemeClr val="tx1"/>
-                </a:solidFill>
-                <a:latin typeface="Helvetica" charset="0"/>
-                <a:ea typeface="Helvetica" charset="0"/>
-                <a:cs typeface="Helvetica" charset="0"/>
-              </a:rPr>
-              <a:t>Introduction </a:t>
-            </a:r>
-            <a:r>
-              <a:rPr lang="en-US" i="1" dirty="0">
-                <a:solidFill>
-                  <a:schemeClr val="tx1"/>
-                </a:solidFill>
-                <a:latin typeface="Helvetica" charset="0"/>
-                <a:ea typeface="Helvetica" charset="0"/>
-                <a:cs typeface="Helvetica" charset="0"/>
-              </a:rPr>
-              <a:t>To Evolutionary </a:t>
-            </a:r>
-            <a:r>
-              <a:rPr lang="en-US" i="1" dirty="0" smtClean="0">
-                <a:solidFill>
-                  <a:schemeClr val="tx1"/>
-                </a:solidFill>
-                <a:latin typeface="Helvetica" charset="0"/>
-                <a:ea typeface="Helvetica" charset="0"/>
-                <a:cs typeface="Helvetica" charset="0"/>
-              </a:rPr>
-              <a:t>Computing”</a:t>
-            </a:r>
-            <a:r>
-              <a:rPr lang="en-US" dirty="0" smtClean="0">
-                <a:solidFill>
-                  <a:schemeClr val="tx1"/>
-                </a:solidFill>
-                <a:latin typeface="Helvetica" charset="0"/>
-                <a:ea typeface="Helvetica" charset="0"/>
-                <a:cs typeface="Helvetica" charset="0"/>
-              </a:rPr>
-              <a:t>. </a:t>
-            </a:r>
-            <a:r>
-              <a:rPr lang="en-US" dirty="0">
-                <a:solidFill>
-                  <a:schemeClr val="tx1"/>
-                </a:solidFill>
-                <a:latin typeface="Helvetica" charset="0"/>
-                <a:ea typeface="Helvetica" charset="0"/>
-                <a:cs typeface="Helvetica" charset="0"/>
-              </a:rPr>
-              <a:t>V</a:t>
-            </a:r>
-            <a:r>
-              <a:rPr lang="en-US" dirty="0" smtClean="0">
-                <a:solidFill>
-                  <a:schemeClr val="tx1"/>
-                </a:solidFill>
-                <a:latin typeface="Helvetica" charset="0"/>
-                <a:ea typeface="Helvetica" charset="0"/>
-                <a:cs typeface="Helvetica" charset="0"/>
-              </a:rPr>
-              <a:t>olume 53. </a:t>
-            </a:r>
-            <a:r>
-              <a:rPr lang="en-US" dirty="0">
-                <a:solidFill>
-                  <a:schemeClr val="tx1"/>
-                </a:solidFill>
-                <a:latin typeface="Helvetica" charset="0"/>
-                <a:ea typeface="Helvetica" charset="0"/>
-                <a:cs typeface="Helvetica" charset="0"/>
-              </a:rPr>
-              <a:t>Springer-</a:t>
-            </a:r>
-            <a:r>
-              <a:rPr lang="en-US" dirty="0" err="1">
-                <a:solidFill>
-                  <a:schemeClr val="tx1"/>
-                </a:solidFill>
-                <a:latin typeface="Helvetica" charset="0"/>
-                <a:ea typeface="Helvetica" charset="0"/>
-                <a:cs typeface="Helvetica" charset="0"/>
-              </a:rPr>
-              <a:t>Verlag</a:t>
-            </a:r>
-            <a:r>
-              <a:rPr lang="en-US" dirty="0">
-                <a:solidFill>
-                  <a:schemeClr val="tx1"/>
-                </a:solidFill>
-                <a:latin typeface="Helvetica" charset="0"/>
-                <a:ea typeface="Helvetica" charset="0"/>
-                <a:cs typeface="Helvetica" charset="0"/>
-              </a:rPr>
-              <a:t>, 2003. </a:t>
+              <a:t>BooleanGene</a:t>
+            </a:r>
+            <a:r>
+              <a:rPr lang="en-US" dirty="0" err="1" smtClean="0">
+                <a:solidFill>
+                  <a:schemeClr val="tx1"/>
+                </a:solidFill>
+                <a:latin typeface="Helvetica" charset="0"/>
+                <a:ea typeface="Helvetica" charset="0"/>
+                <a:cs typeface="Helvetica" charset="0"/>
+              </a:rPr>
+              <a:t>s</a:t>
+            </a:r>
+            <a:r>
+              <a:rPr lang="en-US" dirty="0" smtClean="0">
+                <a:solidFill>
+                  <a:schemeClr val="tx1"/>
+                </a:solidFill>
+                <a:latin typeface="Helvetica" charset="0"/>
+                <a:ea typeface="Helvetica" charset="0"/>
+                <a:cs typeface="Helvetica" charset="0"/>
+              </a:rPr>
+              <a:t> com valor </a:t>
+            </a:r>
+            <a:r>
+              <a:rPr lang="en-US" dirty="0" err="1" smtClean="0">
+                <a:solidFill>
+                  <a:schemeClr val="tx1"/>
+                </a:solidFill>
+                <a:latin typeface="Helvetica" charset="0"/>
+                <a:ea typeface="Helvetica" charset="0"/>
+                <a:cs typeface="Helvetica" charset="0"/>
+              </a:rPr>
+              <a:t>inicial</a:t>
+            </a:r>
+            <a:r>
+              <a:rPr lang="en-US" dirty="0" smtClean="0">
+                <a:solidFill>
+                  <a:schemeClr val="tx1"/>
+                </a:solidFill>
+                <a:latin typeface="Helvetica" charset="0"/>
+                <a:ea typeface="Helvetica" charset="0"/>
+                <a:cs typeface="Helvetica" charset="0"/>
+              </a:rPr>
+              <a:t> 0</a:t>
+            </a:r>
+          </a:p>
+          <a:p>
+            <a:pPr lvl="1"/>
+            <a:r>
+              <a:rPr lang="en-US" dirty="0" smtClean="0">
+                <a:solidFill>
+                  <a:schemeClr val="tx1"/>
+                </a:solidFill>
+                <a:latin typeface="Helvetica" charset="0"/>
+                <a:ea typeface="Helvetica" charset="0"/>
+                <a:cs typeface="Helvetica" charset="0"/>
+              </a:rPr>
+              <a:t>Simples de </a:t>
+            </a:r>
+            <a:r>
+              <a:rPr lang="en-US" dirty="0" err="1" smtClean="0">
+                <a:solidFill>
+                  <a:schemeClr val="tx1"/>
+                </a:solidFill>
+                <a:latin typeface="Helvetica" charset="0"/>
+                <a:ea typeface="Helvetica" charset="0"/>
+                <a:cs typeface="Helvetica" charset="0"/>
+              </a:rPr>
+              <a:t>convergir</a:t>
+            </a:r>
+            <a:r>
+              <a:rPr lang="en-US" dirty="0" smtClean="0">
+                <a:solidFill>
+                  <a:schemeClr val="tx1"/>
+                </a:solidFill>
+                <a:latin typeface="Helvetica" charset="0"/>
+                <a:ea typeface="Helvetica" charset="0"/>
+                <a:cs typeface="Helvetica" charset="0"/>
+              </a:rPr>
+              <a:t> para a </a:t>
+            </a:r>
+            <a:r>
+              <a:rPr lang="en-US" dirty="0" err="1" smtClean="0">
+                <a:solidFill>
+                  <a:schemeClr val="tx1"/>
+                </a:solidFill>
+                <a:latin typeface="Helvetica" charset="0"/>
+                <a:ea typeface="Helvetica" charset="0"/>
+                <a:cs typeface="Helvetica" charset="0"/>
+              </a:rPr>
+              <a:t>solução</a:t>
+            </a:r>
+            <a:r>
+              <a:rPr lang="en-US" dirty="0" smtClean="0">
+                <a:solidFill>
+                  <a:schemeClr val="tx1"/>
+                </a:solidFill>
+                <a:latin typeface="Helvetica" charset="0"/>
+                <a:ea typeface="Helvetica" charset="0"/>
+                <a:cs typeface="Helvetica" charset="0"/>
+              </a:rPr>
+              <a:t> </a:t>
+            </a:r>
+            <a:r>
+              <a:rPr lang="en-US" dirty="0" err="1" smtClean="0">
+                <a:solidFill>
+                  <a:schemeClr val="tx1"/>
+                </a:solidFill>
+                <a:latin typeface="Helvetica" charset="0"/>
+                <a:ea typeface="Helvetica" charset="0"/>
+                <a:cs typeface="Helvetica" charset="0"/>
+              </a:rPr>
+              <a:t>ótima</a:t>
             </a:r>
             <a:endParaRPr lang="en-US" dirty="0" smtClean="0">
               <a:solidFill>
@@ -15903,28 +16084,7 @@
             </a:endParaRPr>
           </a:p>
           <a:p>
-            <a:r>
-              <a:rPr lang="en-US" dirty="0" smtClean="0">
-                <a:solidFill>
-                  <a:schemeClr val="tx1"/>
-                </a:solidFill>
-                <a:latin typeface="Helvetica" charset="0"/>
-                <a:ea typeface="Helvetica" charset="0"/>
-                <a:cs typeface="Helvetica" charset="0"/>
-              </a:rPr>
-              <a:t>[2] A</a:t>
-            </a:r>
-            <a:r>
-              <a:rPr lang="en-US" dirty="0">
-                <a:solidFill>
-                  <a:schemeClr val="tx1"/>
-                </a:solidFill>
-                <a:latin typeface="Helvetica" charset="0"/>
-                <a:ea typeface="Helvetica" charset="0"/>
-                <a:cs typeface="Helvetica" charset="0"/>
-              </a:rPr>
-              <a:t>. E. </a:t>
-            </a:r>
+            <a:pPr lvl="1"/>
             <a:r>
               <a:rPr lang="en-US" dirty="0" err="1" smtClean="0">
                 <a:solidFill>
@@ -15934,273 +16094,29 @@
                 <a:ea typeface="Helvetica" charset="0"/>
                 <a:cs typeface="Helvetica" charset="0"/>
               </a:rPr>
-              <a:t>Eiben</a:t>
-            </a:r>
-            <a:r>
-              <a:rPr lang="en-US" dirty="0" smtClean="0">
-                <a:solidFill>
-                  <a:schemeClr val="tx1"/>
-                </a:solidFill>
-                <a:latin typeface="Helvetica" charset="0"/>
-                <a:ea typeface="Helvetica" charset="0"/>
-                <a:cs typeface="Helvetica" charset="0"/>
-              </a:rPr>
-              <a:t>, S</a:t>
-            </a:r>
-            <a:r>
-              <a:rPr lang="en-US" dirty="0">
-                <a:solidFill>
-                  <a:schemeClr val="tx1"/>
-                </a:solidFill>
-                <a:latin typeface="Helvetica" charset="0"/>
-                <a:ea typeface="Helvetica" charset="0"/>
-                <a:cs typeface="Helvetica" charset="0"/>
-              </a:rPr>
-              <a:t>. K. </a:t>
-            </a:r>
-            <a:r>
-              <a:rPr lang="en-US" dirty="0" err="1">
-                <a:solidFill>
-                  <a:schemeClr val="tx1"/>
-                </a:solidFill>
-                <a:latin typeface="Helvetica" charset="0"/>
-                <a:ea typeface="Helvetica" charset="0"/>
-                <a:cs typeface="Helvetica" charset="0"/>
-              </a:rPr>
-              <a:t>Smit</a:t>
-            </a:r>
-            <a:r>
-              <a:rPr lang="en-US" dirty="0">
-                <a:solidFill>
-                  <a:schemeClr val="tx1"/>
-                </a:solidFill>
-                <a:latin typeface="Helvetica" charset="0"/>
-                <a:ea typeface="Helvetica" charset="0"/>
-                <a:cs typeface="Helvetica" charset="0"/>
-              </a:rPr>
-              <a:t>. </a:t>
-            </a:r>
-            <a:r>
-              <a:rPr lang="en-US" dirty="0" smtClean="0">
-                <a:solidFill>
-                  <a:schemeClr val="tx1"/>
-                </a:solidFill>
-                <a:latin typeface="Helvetica" charset="0"/>
-                <a:ea typeface="Helvetica" charset="0"/>
-                <a:cs typeface="Helvetica" charset="0"/>
-              </a:rPr>
-              <a:t>“Parameter </a:t>
-            </a:r>
-            <a:r>
-              <a:rPr lang="en-US" dirty="0">
-                <a:solidFill>
-                  <a:schemeClr val="tx1"/>
-                </a:solidFill>
-                <a:latin typeface="Helvetica" charset="0"/>
-                <a:ea typeface="Helvetica" charset="0"/>
-                <a:cs typeface="Helvetica" charset="0"/>
-              </a:rPr>
-              <a:t>tuning for configuring and analyzing evolutionary </a:t>
-            </a:r>
-            <a:r>
-              <a:rPr lang="en-US" dirty="0" smtClean="0">
-                <a:solidFill>
-                  <a:schemeClr val="tx1"/>
-                </a:solidFill>
-                <a:latin typeface="Helvetica" charset="0"/>
-                <a:ea typeface="Helvetica" charset="0"/>
-                <a:cs typeface="Helvetica" charset="0"/>
-              </a:rPr>
-              <a:t>algorithms”. </a:t>
-            </a:r>
-            <a:r>
-              <a:rPr lang="en-US" i="1" dirty="0">
-                <a:solidFill>
-                  <a:schemeClr val="tx1"/>
-                </a:solidFill>
-                <a:latin typeface="Helvetica" charset="0"/>
-                <a:ea typeface="Helvetica" charset="0"/>
-                <a:cs typeface="Helvetica" charset="0"/>
-              </a:rPr>
-              <a:t>Swarm and Evolutionary Computation</a:t>
-            </a:r>
-            <a:r>
-              <a:rPr lang="en-US" dirty="0">
-                <a:solidFill>
-                  <a:schemeClr val="tx1"/>
-                </a:solidFill>
-                <a:latin typeface="Helvetica" charset="0"/>
-                <a:ea typeface="Helvetica" charset="0"/>
-                <a:cs typeface="Helvetica" charset="0"/>
-              </a:rPr>
-              <a:t>, 1(1):19–31, 2011</a:t>
-            </a:r>
-            <a:r>
-              <a:rPr lang="en-US" dirty="0" smtClean="0">
-                <a:solidFill>
-                  <a:schemeClr val="tx1"/>
-                </a:solidFill>
-                <a:latin typeface="Helvetica" charset="0"/>
-                <a:ea typeface="Helvetica" charset="0"/>
-                <a:cs typeface="Helvetica" charset="0"/>
-              </a:rPr>
-              <a:t>.</a:t>
-            </a:r>
-          </a:p>
-          <a:p>
-            <a:r>
-              <a:rPr lang="en-US" dirty="0" smtClean="0">
-                <a:solidFill>
-                  <a:schemeClr val="tx1"/>
-                </a:solidFill>
-                <a:latin typeface="Helvetica" charset="0"/>
-                <a:ea typeface="Helvetica" charset="0"/>
-                <a:cs typeface="Helvetica" charset="0"/>
-              </a:rPr>
-              <a:t>[3] </a:t>
-            </a:r>
-            <a:r>
-              <a:rPr lang="en-US" dirty="0">
-                <a:solidFill>
-                  <a:schemeClr val="tx1"/>
-                </a:solidFill>
-                <a:latin typeface="Helvetica" charset="0"/>
-                <a:ea typeface="Helvetica" charset="0"/>
-                <a:cs typeface="Helvetica" charset="0"/>
-              </a:rPr>
-              <a:t>K. Matthias, T. </a:t>
-            </a:r>
-            <a:r>
-              <a:rPr lang="en-US" dirty="0" err="1">
-                <a:solidFill>
-                  <a:schemeClr val="tx1"/>
-                </a:solidFill>
-                <a:latin typeface="Helvetica" charset="0"/>
-                <a:ea typeface="Helvetica" charset="0"/>
-                <a:cs typeface="Helvetica" charset="0"/>
-              </a:rPr>
-              <a:t>Severin</a:t>
-            </a:r>
-            <a:r>
-              <a:rPr lang="en-US" dirty="0">
-                <a:solidFill>
-                  <a:schemeClr val="tx1"/>
-                </a:solidFill>
-                <a:latin typeface="Helvetica" charset="0"/>
-                <a:ea typeface="Helvetica" charset="0"/>
-                <a:cs typeface="Helvetica" charset="0"/>
-              </a:rPr>
-              <a:t>, and H. </a:t>
-            </a:r>
-            <a:r>
-              <a:rPr lang="en-US" dirty="0" err="1">
-                <a:solidFill>
-                  <a:schemeClr val="tx1"/>
-                </a:solidFill>
-                <a:latin typeface="Helvetica" charset="0"/>
-                <a:ea typeface="Helvetica" charset="0"/>
-                <a:cs typeface="Helvetica" charset="0"/>
-              </a:rPr>
-              <a:t>Salzwedel</a:t>
-            </a:r>
-            <a:r>
-              <a:rPr lang="en-US" dirty="0">
-                <a:solidFill>
-                  <a:schemeClr val="tx1"/>
-                </a:solidFill>
-                <a:latin typeface="Helvetica" charset="0"/>
-                <a:ea typeface="Helvetica" charset="0"/>
-                <a:cs typeface="Helvetica" charset="0"/>
-              </a:rPr>
-              <a:t>. </a:t>
-            </a:r>
-            <a:r>
-              <a:rPr lang="en-US" dirty="0" smtClean="0">
-                <a:solidFill>
-                  <a:schemeClr val="tx1"/>
-                </a:solidFill>
-                <a:latin typeface="Helvetica" charset="0"/>
-                <a:ea typeface="Helvetica" charset="0"/>
-                <a:cs typeface="Helvetica" charset="0"/>
-              </a:rPr>
-              <a:t>"</a:t>
-            </a:r>
-            <a:r>
-              <a:rPr lang="en-US" dirty="0" smtClean="0">
-                <a:solidFill>
-                  <a:schemeClr val="tx1"/>
-                </a:solidFill>
-                <a:latin typeface="Helvetica" charset="0"/>
-                <a:ea typeface="Helvetica" charset="0"/>
-                <a:cs typeface="Helvetica" charset="0"/>
-              </a:rPr>
-              <a:t>Variable </a:t>
-            </a:r>
-            <a:r>
-              <a:rPr lang="en-US" dirty="0">
-                <a:solidFill>
-                  <a:schemeClr val="tx1"/>
-                </a:solidFill>
-                <a:latin typeface="Helvetica" charset="0"/>
-                <a:ea typeface="Helvetica" charset="0"/>
-                <a:cs typeface="Helvetica" charset="0"/>
-              </a:rPr>
-              <a:t>mutation rate at genetic algorithms: introduction of chromosome fitness in connection with multi-chromosome </a:t>
-            </a:r>
-            <a:r>
-              <a:rPr lang="en-US" dirty="0" smtClean="0">
-                <a:solidFill>
-                  <a:schemeClr val="tx1"/>
-                </a:solidFill>
-                <a:latin typeface="Helvetica" charset="0"/>
-                <a:ea typeface="Helvetica" charset="0"/>
-                <a:cs typeface="Helvetica" charset="0"/>
-              </a:rPr>
-              <a:t>representation</a:t>
-            </a:r>
-            <a:r>
-              <a:rPr lang="en-US" dirty="0" smtClean="0">
-                <a:solidFill>
-                  <a:schemeClr val="tx1"/>
-                </a:solidFill>
-                <a:latin typeface="Helvetica" charset="0"/>
-                <a:ea typeface="Helvetica" charset="0"/>
-                <a:cs typeface="Helvetica" charset="0"/>
-              </a:rPr>
-              <a:t>"</a:t>
-            </a:r>
-            <a:r>
-              <a:rPr lang="en-US" dirty="0" smtClean="0">
-                <a:solidFill>
-                  <a:schemeClr val="tx1"/>
-                </a:solidFill>
-                <a:latin typeface="Helvetica" charset="0"/>
-                <a:ea typeface="Helvetica" charset="0"/>
-                <a:cs typeface="Helvetica" charset="0"/>
-              </a:rPr>
-              <a:t>. </a:t>
-            </a:r>
-            <a:r>
-              <a:rPr lang="en-US" i="1" dirty="0">
-                <a:solidFill>
-                  <a:schemeClr val="tx1"/>
-                </a:solidFill>
-                <a:latin typeface="Helvetica" charset="0"/>
-                <a:ea typeface="Helvetica" charset="0"/>
-                <a:cs typeface="Helvetica" charset="0"/>
-              </a:rPr>
-              <a:t>International Journal of Computer Applications</a:t>
-            </a:r>
-            <a:r>
-              <a:rPr lang="en-US" dirty="0">
-                <a:solidFill>
-                  <a:schemeClr val="tx1"/>
-                </a:solidFill>
-                <a:latin typeface="Helvetica" charset="0"/>
-                <a:ea typeface="Helvetica" charset="0"/>
-                <a:cs typeface="Helvetica" charset="0"/>
-              </a:rPr>
-              <a:t>, 72(17), 2013. </a:t>
+              <a:t>Fácil</a:t>
+            </a:r>
+            <a:r>
+              <a:rPr lang="en-US" dirty="0" smtClean="0">
+                <a:solidFill>
+                  <a:schemeClr val="tx1"/>
+                </a:solidFill>
+                <a:latin typeface="Helvetica" charset="0"/>
+                <a:ea typeface="Helvetica" charset="0"/>
+                <a:cs typeface="Helvetica" charset="0"/>
+              </a:rPr>
+              <a:t> de </a:t>
+            </a:r>
+            <a:r>
+              <a:rPr lang="en-US" dirty="0" err="1" smtClean="0">
+                <a:solidFill>
+                  <a:schemeClr val="tx1"/>
+                </a:solidFill>
+                <a:latin typeface="Helvetica" charset="0"/>
+                <a:ea typeface="Helvetica" charset="0"/>
+                <a:cs typeface="Helvetica" charset="0"/>
+              </a:rPr>
+              <a:t>implementar</a:t>
             </a:r>
             <a:endParaRPr lang="en-US" dirty="0" smtClean="0">
               <a:solidFill>
@@ -16212,250 +16128,6 @@
             </a:endParaRPr>
           </a:p>
           <a:p>
-            <a:r>
-              <a:rPr lang="en-US" dirty="0" smtClean="0">
-                <a:solidFill>
-                  <a:schemeClr val="tx1"/>
-                </a:solidFill>
-                <a:latin typeface="Helvetica" charset="0"/>
-                <a:ea typeface="Helvetica" charset="0"/>
-                <a:cs typeface="Helvetica" charset="0"/>
-              </a:rPr>
-              <a:t>[4] </a:t>
-            </a:r>
-            <a:r>
-              <a:rPr lang="en-US" dirty="0">
-                <a:solidFill>
-                  <a:schemeClr val="tx1"/>
-                </a:solidFill>
-                <a:latin typeface="Helvetica" charset="0"/>
-                <a:ea typeface="Helvetica" charset="0"/>
-                <a:cs typeface="Helvetica" charset="0"/>
-              </a:rPr>
-              <a:t>M. </a:t>
-            </a:r>
-            <a:r>
-              <a:rPr lang="en-US" dirty="0" err="1">
-                <a:solidFill>
-                  <a:schemeClr val="tx1"/>
-                </a:solidFill>
-                <a:latin typeface="Helvetica" charset="0"/>
-                <a:ea typeface="Helvetica" charset="0"/>
-                <a:cs typeface="Helvetica" charset="0"/>
-              </a:rPr>
-              <a:t>Obitko</a:t>
-            </a:r>
-            <a:r>
-              <a:rPr lang="en-US" dirty="0">
-                <a:solidFill>
-                  <a:schemeClr val="tx1"/>
-                </a:solidFill>
-                <a:latin typeface="Helvetica" charset="0"/>
-                <a:ea typeface="Helvetica" charset="0"/>
-                <a:cs typeface="Helvetica" charset="0"/>
-              </a:rPr>
-              <a:t>. </a:t>
-            </a:r>
-            <a:r>
-              <a:rPr lang="en-US" dirty="0" smtClean="0">
-                <a:solidFill>
-                  <a:schemeClr val="tx1"/>
-                </a:solidFill>
-                <a:latin typeface="Helvetica" charset="0"/>
-                <a:ea typeface="Helvetica" charset="0"/>
-                <a:cs typeface="Helvetica" charset="0"/>
-              </a:rPr>
-              <a:t>"</a:t>
-            </a:r>
-            <a:r>
-              <a:rPr lang="en-US" dirty="0" smtClean="0">
-                <a:solidFill>
-                  <a:schemeClr val="tx1"/>
-                </a:solidFill>
-                <a:latin typeface="Helvetica" charset="0"/>
-                <a:ea typeface="Helvetica" charset="0"/>
-                <a:cs typeface="Helvetica" charset="0"/>
-              </a:rPr>
-              <a:t>Introduction </a:t>
-            </a:r>
-            <a:r>
-              <a:rPr lang="en-US" dirty="0">
-                <a:solidFill>
-                  <a:schemeClr val="tx1"/>
-                </a:solidFill>
-                <a:latin typeface="Helvetica" charset="0"/>
-                <a:ea typeface="Helvetica" charset="0"/>
-                <a:cs typeface="Helvetica" charset="0"/>
-              </a:rPr>
-              <a:t>to genetic algorithms - </a:t>
-            </a:r>
-            <a:r>
-              <a:rPr lang="en-US" dirty="0" smtClean="0">
-                <a:solidFill>
-                  <a:schemeClr val="tx1"/>
-                </a:solidFill>
-                <a:latin typeface="Helvetica" charset="0"/>
-                <a:ea typeface="Helvetica" charset="0"/>
-                <a:cs typeface="Helvetica" charset="0"/>
-              </a:rPr>
-              <a:t>XIII. Recommendations</a:t>
-            </a:r>
-            <a:r>
-              <a:rPr lang="en-US" dirty="0" smtClean="0">
-                <a:solidFill>
-                  <a:schemeClr val="tx1"/>
-                </a:solidFill>
-                <a:latin typeface="Helvetica" charset="0"/>
-                <a:ea typeface="Helvetica" charset="0"/>
-                <a:cs typeface="Helvetica" charset="0"/>
-              </a:rPr>
-              <a:t>"</a:t>
-            </a:r>
-            <a:r>
-              <a:rPr lang="en-US" dirty="0" smtClean="0">
-                <a:solidFill>
-                  <a:schemeClr val="tx1"/>
-                </a:solidFill>
-                <a:latin typeface="Helvetica" charset="0"/>
-                <a:ea typeface="Helvetica" charset="0"/>
-                <a:cs typeface="Helvetica" charset="0"/>
-              </a:rPr>
-              <a:t>. </a:t>
-            </a:r>
-            <a:r>
-              <a:rPr lang="en-US" dirty="0">
-                <a:solidFill>
-                  <a:srgbClr val="0432FF"/>
-                </a:solidFill>
-                <a:latin typeface="Helvetica" charset="0"/>
-                <a:ea typeface="Helvetica" charset="0"/>
-                <a:cs typeface="Helvetica" charset="0"/>
-                <a:hlinkClick r:id="rId2"/>
-              </a:rPr>
-              <a:t>http://www.obitko.com/tutorials/genetic-algorithms/recommendations.php</a:t>
-            </a:r>
-            <a:r>
-              <a:rPr lang="en-US" dirty="0" smtClean="0">
-                <a:solidFill>
-                  <a:srgbClr val="0432FF"/>
-                </a:solidFill>
-                <a:latin typeface="Helvetica" charset="0"/>
-                <a:ea typeface="Helvetica" charset="0"/>
-                <a:cs typeface="Helvetica" charset="0"/>
-                <a:hlinkClick r:id="rId2"/>
-              </a:rPr>
-              <a:t>/</a:t>
-            </a:r>
-            <a:r>
-              <a:rPr lang="en-US" dirty="0" smtClean="0">
-                <a:solidFill>
-                  <a:srgbClr val="0432FF"/>
-                </a:solidFill>
-                <a:latin typeface="Helvetica" charset="0"/>
-                <a:ea typeface="Helvetica" charset="0"/>
-                <a:cs typeface="Helvetica" charset="0"/>
-              </a:rPr>
-              <a:t> </a:t>
-            </a:r>
-            <a:r>
-              <a:rPr lang="en-US" dirty="0" smtClean="0">
-                <a:solidFill>
-                  <a:schemeClr val="tx1"/>
-                </a:solidFill>
-                <a:latin typeface="Helvetica" charset="0"/>
-                <a:ea typeface="Helvetica" charset="0"/>
-                <a:cs typeface="Helvetica" charset="0"/>
-              </a:rPr>
-              <a:t>[</a:t>
-            </a:r>
-            <a:r>
-              <a:rPr lang="en-US" dirty="0">
-                <a:solidFill>
-                  <a:schemeClr val="tx1"/>
-                </a:solidFill>
-                <a:latin typeface="Helvetica" charset="0"/>
-                <a:ea typeface="Helvetica" charset="0"/>
-                <a:cs typeface="Helvetica" charset="0"/>
-              </a:rPr>
-              <a:t>Online; </a:t>
-            </a:r>
-            <a:r>
-              <a:rPr lang="en-US" dirty="0" err="1">
-                <a:solidFill>
-                  <a:schemeClr val="tx1"/>
-                </a:solidFill>
-                <a:latin typeface="Helvetica" charset="0"/>
-                <a:ea typeface="Helvetica" charset="0"/>
-                <a:cs typeface="Helvetica" charset="0"/>
-              </a:rPr>
-              <a:t>acessado</a:t>
-            </a:r>
-            <a:r>
-              <a:rPr lang="en-US" dirty="0">
-                <a:solidFill>
-                  <a:schemeClr val="tx1"/>
-                </a:solidFill>
-                <a:latin typeface="Helvetica" charset="0"/>
-                <a:ea typeface="Helvetica" charset="0"/>
-                <a:cs typeface="Helvetica" charset="0"/>
-              </a:rPr>
-              <a:t> </a:t>
-            </a:r>
-            <a:r>
-              <a:rPr lang="en-US" dirty="0" err="1">
-                <a:solidFill>
-                  <a:schemeClr val="tx1"/>
-                </a:solidFill>
-                <a:latin typeface="Helvetica" charset="0"/>
-                <a:ea typeface="Helvetica" charset="0"/>
-                <a:cs typeface="Helvetica" charset="0"/>
-              </a:rPr>
-              <a:t>em</a:t>
-            </a:r>
-            <a:r>
-              <a:rPr lang="en-US" dirty="0">
-                <a:solidFill>
-                  <a:schemeClr val="tx1"/>
-                </a:solidFill>
-                <a:latin typeface="Helvetica" charset="0"/>
-                <a:ea typeface="Helvetica" charset="0"/>
-                <a:cs typeface="Helvetica" charset="0"/>
-              </a:rPr>
-              <a:t> 17 de </a:t>
-            </a:r>
-            <a:r>
-              <a:rPr lang="en-US" dirty="0" err="1">
-                <a:solidFill>
-                  <a:schemeClr val="tx1"/>
-                </a:solidFill>
-                <a:latin typeface="Helvetica" charset="0"/>
-                <a:ea typeface="Helvetica" charset="0"/>
-                <a:cs typeface="Helvetica" charset="0"/>
-              </a:rPr>
-              <a:t>novembro</a:t>
-            </a:r>
-            <a:r>
-              <a:rPr lang="en-US" dirty="0">
-                <a:solidFill>
-                  <a:schemeClr val="tx1"/>
-                </a:solidFill>
-                <a:latin typeface="Helvetica" charset="0"/>
-                <a:ea typeface="Helvetica" charset="0"/>
-                <a:cs typeface="Helvetica" charset="0"/>
-              </a:rPr>
-              <a:t> de 2016</a:t>
-            </a:r>
-            <a:r>
-              <a:rPr lang="en-US" dirty="0" smtClean="0">
-                <a:solidFill>
-                  <a:schemeClr val="tx1"/>
-                </a:solidFill>
-                <a:latin typeface="Helvetica" charset="0"/>
-                <a:ea typeface="Helvetica" charset="0"/>
-                <a:cs typeface="Helvetica" charset="0"/>
-              </a:rPr>
-              <a:t>].</a:t>
-            </a:r>
             <a:endParaRPr lang="en-US" dirty="0" smtClean="0">
               <a:solidFill>
                 <a:schemeClr val="tx1"/>
@@ -16467,171 +16139,375 @@
           </a:p>
           <a:p>
             <a:r>
-              <a:rPr lang="en-US" dirty="0" smtClean="0">
-                <a:solidFill>
-                  <a:schemeClr val="tx1"/>
-                </a:solidFill>
-                <a:latin typeface="Helvetica" charset="0"/>
-                <a:ea typeface="Helvetica" charset="0"/>
-                <a:cs typeface="Helvetica" charset="0"/>
-              </a:rPr>
-              <a:t>[5] </a:t>
-            </a:r>
-            <a:r>
-              <a:rPr lang="en-US" dirty="0">
-                <a:solidFill>
-                  <a:schemeClr val="tx1"/>
-                </a:solidFill>
-                <a:latin typeface="Helvetica" charset="0"/>
-                <a:ea typeface="Helvetica" charset="0"/>
-                <a:cs typeface="Helvetica" charset="0"/>
-              </a:rPr>
-              <a:t>K. </a:t>
-            </a:r>
-            <a:r>
-              <a:rPr lang="en-US" dirty="0" err="1">
-                <a:solidFill>
-                  <a:schemeClr val="tx1"/>
-                </a:solidFill>
-                <a:latin typeface="Helvetica" charset="0"/>
-                <a:ea typeface="Helvetica" charset="0"/>
-                <a:cs typeface="Helvetica" charset="0"/>
-              </a:rPr>
-              <a:t>DeJong</a:t>
-            </a:r>
-            <a:r>
-              <a:rPr lang="en-US" dirty="0">
-                <a:solidFill>
-                  <a:schemeClr val="tx1"/>
-                </a:solidFill>
-                <a:latin typeface="Helvetica" charset="0"/>
-                <a:ea typeface="Helvetica" charset="0"/>
-                <a:cs typeface="Helvetica" charset="0"/>
-              </a:rPr>
-              <a:t>. </a:t>
-            </a:r>
-            <a:r>
-              <a:rPr lang="en-US" dirty="0" smtClean="0">
-                <a:solidFill>
-                  <a:schemeClr val="tx1"/>
-                </a:solidFill>
-                <a:latin typeface="Helvetica" charset="0"/>
-                <a:ea typeface="Helvetica" charset="0"/>
-                <a:cs typeface="Helvetica" charset="0"/>
-              </a:rPr>
-              <a:t>“</a:t>
-            </a:r>
-            <a:r>
-              <a:rPr lang="en-US" dirty="0" smtClean="0">
-                <a:solidFill>
-                  <a:schemeClr val="tx1"/>
-                </a:solidFill>
-                <a:latin typeface="Helvetica" charset="0"/>
-                <a:ea typeface="Helvetica" charset="0"/>
-                <a:cs typeface="Helvetica" charset="0"/>
-              </a:rPr>
-              <a:t>An </a:t>
-            </a:r>
-            <a:r>
-              <a:rPr lang="en-US" dirty="0">
-                <a:solidFill>
-                  <a:schemeClr val="tx1"/>
-                </a:solidFill>
-                <a:latin typeface="Helvetica" charset="0"/>
-                <a:ea typeface="Helvetica" charset="0"/>
-                <a:cs typeface="Helvetica" charset="0"/>
-              </a:rPr>
-              <a:t>analysis of the behavior of a class of genetic adaptive </a:t>
-            </a:r>
-            <a:r>
-              <a:rPr lang="en-US" dirty="0" smtClean="0">
-                <a:solidFill>
-                  <a:schemeClr val="tx1"/>
-                </a:solidFill>
-                <a:latin typeface="Helvetica" charset="0"/>
-                <a:ea typeface="Helvetica" charset="0"/>
-                <a:cs typeface="Helvetica" charset="0"/>
-              </a:rPr>
-              <a:t>systems</a:t>
-            </a:r>
-            <a:r>
-              <a:rPr lang="en-US" dirty="0" smtClean="0">
-                <a:solidFill>
-                  <a:schemeClr val="tx1"/>
-                </a:solidFill>
-                <a:latin typeface="Helvetica" charset="0"/>
-                <a:ea typeface="Helvetica" charset="0"/>
-                <a:cs typeface="Helvetica" charset="0"/>
-              </a:rPr>
-              <a:t>”</a:t>
-            </a:r>
-            <a:r>
-              <a:rPr lang="en-US" dirty="0" smtClean="0">
-                <a:solidFill>
-                  <a:schemeClr val="tx1"/>
-                </a:solidFill>
-                <a:latin typeface="Helvetica" charset="0"/>
-                <a:ea typeface="Helvetica" charset="0"/>
-                <a:cs typeface="Helvetica" charset="0"/>
-              </a:rPr>
-              <a:t>. </a:t>
-            </a:r>
-            <a:r>
-              <a:rPr lang="en-US" i="1" dirty="0" smtClean="0">
-                <a:solidFill>
-                  <a:schemeClr val="tx1"/>
-                </a:solidFill>
-                <a:latin typeface="Helvetica" charset="0"/>
-                <a:ea typeface="Helvetica" charset="0"/>
-                <a:cs typeface="Helvetica" charset="0"/>
-              </a:rPr>
-              <a:t>Ph.D</a:t>
-            </a:r>
-            <a:r>
-              <a:rPr lang="en-US" i="1" dirty="0">
-                <a:solidFill>
-                  <a:schemeClr val="tx1"/>
-                </a:solidFill>
-                <a:latin typeface="Helvetica" charset="0"/>
-                <a:ea typeface="Helvetica" charset="0"/>
-                <a:cs typeface="Helvetica" charset="0"/>
-              </a:rPr>
-              <a:t>. </a:t>
-            </a:r>
-            <a:r>
-              <a:rPr lang="en-US" i="1" dirty="0" smtClean="0">
-                <a:solidFill>
-                  <a:schemeClr val="tx1"/>
-                </a:solidFill>
-                <a:latin typeface="Helvetica" charset="0"/>
-                <a:ea typeface="Helvetica" charset="0"/>
-                <a:cs typeface="Helvetica" charset="0"/>
-              </a:rPr>
-              <a:t>Thesis</a:t>
-            </a:r>
-            <a:r>
-              <a:rPr lang="en-US" dirty="0">
-                <a:solidFill>
-                  <a:schemeClr val="tx1"/>
-                </a:solidFill>
-                <a:latin typeface="Helvetica" charset="0"/>
-                <a:ea typeface="Helvetica" charset="0"/>
-                <a:cs typeface="Helvetica" charset="0"/>
-              </a:rPr>
-              <a:t>, University of Michigan, 1975</a:t>
-            </a:r>
-            <a:r>
-              <a:rPr lang="en-US" dirty="0" smtClean="0">
-                <a:solidFill>
-                  <a:schemeClr val="tx1"/>
-                </a:solidFill>
-                <a:latin typeface="Helvetica" charset="0"/>
-                <a:ea typeface="Helvetica" charset="0"/>
-                <a:cs typeface="Helvetica" charset="0"/>
-              </a:rPr>
-              <a:t>.</a:t>
-            </a:r>
-            <a:endParaRPr lang="en-US" dirty="0">
+              <a:rPr lang="en-US" b="1" dirty="0" err="1" smtClean="0">
+                <a:solidFill>
+                  <a:schemeClr val="tx1"/>
+                </a:solidFill>
+                <a:latin typeface="Helvetica" charset="0"/>
+                <a:ea typeface="Helvetica" charset="0"/>
+                <a:cs typeface="Helvetica" charset="0"/>
+              </a:rPr>
+              <a:t>OneMax</a:t>
+            </a:r>
+            <a:r>
+              <a:rPr lang="en-US" b="1" dirty="0" smtClean="0">
+                <a:solidFill>
+                  <a:schemeClr val="tx1"/>
+                </a:solidFill>
+                <a:latin typeface="Helvetica" charset="0"/>
+                <a:ea typeface="Helvetica" charset="0"/>
+                <a:cs typeface="Helvetica" charset="0"/>
+              </a:rPr>
+              <a:t> Real </a:t>
+            </a:r>
+            <a:r>
+              <a:rPr lang="mr-IN" dirty="0" smtClean="0">
+                <a:solidFill>
+                  <a:schemeClr val="tx1"/>
+                </a:solidFill>
+                <a:latin typeface="Helvetica" charset="0"/>
+                <a:ea typeface="Helvetica" charset="0"/>
+                <a:cs typeface="Helvetica" charset="0"/>
+              </a:rPr>
+              <a:t>–</a:t>
+            </a:r>
+            <a:r>
+              <a:rPr lang="en-US" dirty="0" smtClean="0">
+                <a:solidFill>
+                  <a:schemeClr val="tx1"/>
+                </a:solidFill>
+                <a:latin typeface="Helvetica" charset="0"/>
+                <a:ea typeface="Helvetica" charset="0"/>
+                <a:cs typeface="Helvetica" charset="0"/>
+              </a:rPr>
+              <a:t> 100 </a:t>
+            </a:r>
+            <a:r>
+              <a:rPr lang="en-US" dirty="0" err="1" smtClean="0">
+                <a:solidFill>
+                  <a:schemeClr val="tx1"/>
+                </a:solidFill>
+                <a:latin typeface="Helvetica" charset="0"/>
+                <a:ea typeface="Helvetica" charset="0"/>
+                <a:cs typeface="Helvetica" charset="0"/>
+              </a:rPr>
+              <a:t>RealGenes</a:t>
+            </a:r>
+            <a:r>
+              <a:rPr lang="en-US" dirty="0" smtClean="0">
+                <a:solidFill>
+                  <a:schemeClr val="tx1"/>
+                </a:solidFill>
+                <a:latin typeface="Helvetica" charset="0"/>
+                <a:ea typeface="Helvetica" charset="0"/>
+                <a:cs typeface="Helvetica" charset="0"/>
+              </a:rPr>
+              <a:t> com valor </a:t>
+            </a:r>
+            <a:r>
+              <a:rPr lang="en-US" dirty="0" err="1" smtClean="0">
+                <a:solidFill>
+                  <a:schemeClr val="tx1"/>
+                </a:solidFill>
+                <a:latin typeface="Helvetica" charset="0"/>
+                <a:ea typeface="Helvetica" charset="0"/>
+                <a:cs typeface="Helvetica" charset="0"/>
+              </a:rPr>
+              <a:t>inicial</a:t>
+            </a:r>
+            <a:r>
+              <a:rPr lang="en-US" dirty="0" smtClean="0">
+                <a:solidFill>
+                  <a:schemeClr val="tx1"/>
+                </a:solidFill>
+                <a:latin typeface="Helvetica" charset="0"/>
+                <a:ea typeface="Helvetica" charset="0"/>
+                <a:cs typeface="Helvetica" charset="0"/>
+              </a:rPr>
+              <a:t> 0.0</a:t>
+            </a:r>
+          </a:p>
+          <a:p>
+            <a:pPr lvl="1"/>
+            <a:r>
+              <a:rPr lang="en-US" dirty="0" err="1" smtClean="0">
+                <a:solidFill>
+                  <a:schemeClr val="tx1"/>
+                </a:solidFill>
+                <a:latin typeface="Helvetica" charset="0"/>
+                <a:ea typeface="Helvetica" charset="0"/>
+                <a:cs typeface="Helvetica" charset="0"/>
+              </a:rPr>
+              <a:t>Mais</a:t>
+            </a:r>
+            <a:r>
+              <a:rPr lang="en-US" dirty="0" smtClean="0">
+                <a:solidFill>
+                  <a:schemeClr val="tx1"/>
+                </a:solidFill>
+                <a:latin typeface="Helvetica" charset="0"/>
+                <a:ea typeface="Helvetica" charset="0"/>
+                <a:cs typeface="Helvetica" charset="0"/>
+              </a:rPr>
+              <a:t> </a:t>
+            </a:r>
+            <a:r>
+              <a:rPr lang="en-US" dirty="0" err="1" smtClean="0">
+                <a:solidFill>
+                  <a:schemeClr val="tx1"/>
+                </a:solidFill>
+                <a:latin typeface="Helvetica" charset="0"/>
+                <a:ea typeface="Helvetica" charset="0"/>
+                <a:cs typeface="Helvetica" charset="0"/>
+              </a:rPr>
+              <a:t>difícil</a:t>
+            </a:r>
+            <a:r>
+              <a:rPr lang="en-US" dirty="0" smtClean="0">
+                <a:solidFill>
+                  <a:schemeClr val="tx1"/>
+                </a:solidFill>
+                <a:latin typeface="Helvetica" charset="0"/>
+                <a:ea typeface="Helvetica" charset="0"/>
+                <a:cs typeface="Helvetica" charset="0"/>
+              </a:rPr>
+              <a:t> de </a:t>
+            </a:r>
+            <a:r>
+              <a:rPr lang="en-US" dirty="0" err="1" smtClean="0">
+                <a:solidFill>
+                  <a:schemeClr val="tx1"/>
+                </a:solidFill>
+                <a:latin typeface="Helvetica" charset="0"/>
+                <a:ea typeface="Helvetica" charset="0"/>
+                <a:cs typeface="Helvetica" charset="0"/>
+              </a:rPr>
+              <a:t>convergir</a:t>
+            </a:r>
+            <a:r>
+              <a:rPr lang="en-US" dirty="0" smtClean="0">
+                <a:solidFill>
+                  <a:schemeClr val="tx1"/>
+                </a:solidFill>
+                <a:latin typeface="Helvetica" charset="0"/>
+                <a:ea typeface="Helvetica" charset="0"/>
+                <a:cs typeface="Helvetica" charset="0"/>
+              </a:rPr>
+              <a:t> do </a:t>
+            </a:r>
+            <a:r>
+              <a:rPr lang="en-US" dirty="0" err="1" smtClean="0">
+                <a:solidFill>
+                  <a:schemeClr val="tx1"/>
+                </a:solidFill>
+                <a:latin typeface="Helvetica" charset="0"/>
+                <a:ea typeface="Helvetica" charset="0"/>
+                <a:cs typeface="Helvetica" charset="0"/>
+              </a:rPr>
+              <a:t>que</a:t>
+            </a:r>
+            <a:r>
+              <a:rPr lang="en-US" dirty="0" smtClean="0">
+                <a:solidFill>
+                  <a:schemeClr val="tx1"/>
+                </a:solidFill>
+                <a:latin typeface="Helvetica" charset="0"/>
+                <a:ea typeface="Helvetica" charset="0"/>
+                <a:cs typeface="Helvetica" charset="0"/>
+              </a:rPr>
+              <a:t> o </a:t>
+            </a:r>
+            <a:r>
+              <a:rPr lang="en-US" dirty="0" err="1" smtClean="0">
+                <a:solidFill>
+                  <a:schemeClr val="tx1"/>
+                </a:solidFill>
+                <a:latin typeface="Helvetica" charset="0"/>
+                <a:ea typeface="Helvetica" charset="0"/>
+                <a:cs typeface="Helvetica" charset="0"/>
+              </a:rPr>
+              <a:t>OneMax</a:t>
+            </a:r>
+            <a:r>
+              <a:rPr lang="en-US" dirty="0" smtClean="0">
+                <a:solidFill>
+                  <a:schemeClr val="tx1"/>
+                </a:solidFill>
+                <a:latin typeface="Helvetica" charset="0"/>
+                <a:ea typeface="Helvetica" charset="0"/>
+                <a:cs typeface="Helvetica" charset="0"/>
+              </a:rPr>
+              <a:t> Real (a chance de se </a:t>
+            </a:r>
+            <a:r>
+              <a:rPr lang="en-US" dirty="0" err="1" smtClean="0">
+                <a:solidFill>
+                  <a:schemeClr val="tx1"/>
+                </a:solidFill>
+                <a:latin typeface="Helvetica" charset="0"/>
+                <a:ea typeface="Helvetica" charset="0"/>
+                <a:cs typeface="Helvetica" charset="0"/>
+              </a:rPr>
+              <a:t>atingir</a:t>
+            </a:r>
+            <a:r>
+              <a:rPr lang="en-US" dirty="0" smtClean="0">
+                <a:solidFill>
+                  <a:schemeClr val="tx1"/>
+                </a:solidFill>
+                <a:latin typeface="Helvetica" charset="0"/>
+                <a:ea typeface="Helvetica" charset="0"/>
+                <a:cs typeface="Helvetica" charset="0"/>
+              </a:rPr>
+              <a:t> 1.0 </a:t>
+            </a:r>
+            <a:r>
+              <a:rPr lang="en-US" dirty="0" err="1" smtClean="0">
+                <a:solidFill>
+                  <a:schemeClr val="tx1"/>
+                </a:solidFill>
+                <a:latin typeface="Helvetica" charset="0"/>
+                <a:ea typeface="Helvetica" charset="0"/>
+                <a:cs typeface="Helvetica" charset="0"/>
+              </a:rPr>
+              <a:t>é</a:t>
+            </a:r>
+            <a:r>
+              <a:rPr lang="en-US" dirty="0" smtClean="0">
+                <a:solidFill>
+                  <a:schemeClr val="tx1"/>
+                </a:solidFill>
+                <a:latin typeface="Helvetica" charset="0"/>
+                <a:ea typeface="Helvetica" charset="0"/>
+                <a:cs typeface="Helvetica" charset="0"/>
+              </a:rPr>
+              <a:t> </a:t>
+            </a:r>
+            <a:r>
+              <a:rPr lang="en-US" dirty="0" err="1" smtClean="0">
+                <a:solidFill>
+                  <a:schemeClr val="tx1"/>
+                </a:solidFill>
+                <a:latin typeface="Helvetica" charset="0"/>
+                <a:ea typeface="Helvetica" charset="0"/>
+                <a:cs typeface="Helvetica" charset="0"/>
+              </a:rPr>
+              <a:t>nula</a:t>
+            </a:r>
+            <a:r>
+              <a:rPr lang="en-US" dirty="0" smtClean="0">
+                <a:solidFill>
+                  <a:schemeClr val="tx1"/>
+                </a:solidFill>
+                <a:latin typeface="Helvetica" charset="0"/>
+                <a:ea typeface="Helvetica" charset="0"/>
+                <a:cs typeface="Helvetica" charset="0"/>
+              </a:rPr>
+              <a:t>)</a:t>
+            </a:r>
+          </a:p>
+          <a:p>
+            <a:pPr lvl="1"/>
+            <a:r>
+              <a:rPr lang="en-US" dirty="0" err="1" smtClean="0">
+                <a:solidFill>
+                  <a:schemeClr val="tx1"/>
+                </a:solidFill>
+                <a:latin typeface="Helvetica" charset="0"/>
+                <a:ea typeface="Helvetica" charset="0"/>
+                <a:cs typeface="Helvetica" charset="0"/>
+              </a:rPr>
+              <a:t>Mais</a:t>
+            </a:r>
+            <a:r>
+              <a:rPr lang="en-US" dirty="0" smtClean="0">
+                <a:solidFill>
+                  <a:schemeClr val="tx1"/>
+                </a:solidFill>
+                <a:latin typeface="Helvetica" charset="0"/>
+                <a:ea typeface="Helvetica" charset="0"/>
+                <a:cs typeface="Helvetica" charset="0"/>
+              </a:rPr>
+              <a:t> </a:t>
+            </a:r>
+            <a:r>
+              <a:rPr lang="en-US" dirty="0" err="1" smtClean="0">
+                <a:solidFill>
+                  <a:schemeClr val="tx1"/>
+                </a:solidFill>
+                <a:latin typeface="Helvetica" charset="0"/>
+                <a:ea typeface="Helvetica" charset="0"/>
+                <a:cs typeface="Helvetica" charset="0"/>
+              </a:rPr>
+              <a:t>interessante</a:t>
+            </a:r>
+            <a:r>
+              <a:rPr lang="en-US" dirty="0" smtClean="0">
+                <a:solidFill>
+                  <a:schemeClr val="tx1"/>
+                </a:solidFill>
+                <a:latin typeface="Helvetica" charset="0"/>
+                <a:ea typeface="Helvetica" charset="0"/>
+                <a:cs typeface="Helvetica" charset="0"/>
+              </a:rPr>
+              <a:t> para </a:t>
+            </a:r>
+            <a:r>
+              <a:rPr lang="en-US" dirty="0" err="1" smtClean="0">
+                <a:solidFill>
+                  <a:schemeClr val="tx1"/>
+                </a:solidFill>
+                <a:latin typeface="Helvetica" charset="0"/>
+                <a:ea typeface="Helvetica" charset="0"/>
+                <a:cs typeface="Helvetica" charset="0"/>
+              </a:rPr>
+              <a:t>avaliar</a:t>
+            </a:r>
+            <a:r>
+              <a:rPr lang="en-US" dirty="0" smtClean="0">
+                <a:solidFill>
+                  <a:schemeClr val="tx1"/>
+                </a:solidFill>
+                <a:latin typeface="Helvetica" charset="0"/>
+                <a:ea typeface="Helvetica" charset="0"/>
+                <a:cs typeface="Helvetica" charset="0"/>
+              </a:rPr>
+              <a:t> a </a:t>
+            </a:r>
+            <a:r>
+              <a:rPr lang="en-US" dirty="0" err="1" smtClean="0">
+                <a:solidFill>
+                  <a:schemeClr val="tx1"/>
+                </a:solidFill>
+                <a:latin typeface="Helvetica" charset="0"/>
+                <a:ea typeface="Helvetica" charset="0"/>
+                <a:cs typeface="Helvetica" charset="0"/>
+              </a:rPr>
+              <a:t>evolução</a:t>
+            </a:r>
+            <a:r>
+              <a:rPr lang="en-US" dirty="0" smtClean="0">
+                <a:solidFill>
+                  <a:schemeClr val="tx1"/>
+                </a:solidFill>
+                <a:latin typeface="Helvetica" charset="0"/>
+                <a:ea typeface="Helvetica" charset="0"/>
+                <a:cs typeface="Helvetica" charset="0"/>
+              </a:rPr>
+              <a:t> da </a:t>
+            </a:r>
+            <a:r>
+              <a:rPr lang="en-US" dirty="0" err="1" smtClean="0">
+                <a:solidFill>
+                  <a:schemeClr val="tx1"/>
+                </a:solidFill>
+                <a:latin typeface="Helvetica" charset="0"/>
+                <a:ea typeface="Helvetica" charset="0"/>
+                <a:cs typeface="Helvetica" charset="0"/>
+              </a:rPr>
+              <a:t>população</a:t>
+            </a:r>
+            <a:endParaRPr lang="en-US" dirty="0" smtClean="0">
               <a:solidFill>
                 <a:schemeClr val="tx1"/>
               </a:solidFill>
@@ -16641,10 +16517,169 @@
             </a:endParaRPr>
           </a:p>
           <a:p>
-            <a:endParaRPr lang="en-US" dirty="0"/>
-          </a:p>
-          <a:p>
-            <a:endParaRPr lang="en-US" dirty="0"/>
+            <a:endParaRPr lang="en-US" dirty="0" smtClean="0">
+              <a:solidFill>
+                <a:schemeClr val="tx1"/>
+              </a:solidFill>
+              <a:latin typeface="Helvetica" charset="0"/>
+              <a:ea typeface="Helvetica" charset="0"/>
+              <a:cs typeface="Helvetica" charset="0"/>
+            </a:endParaRPr>
+          </a:p>
+          <a:p>
+            <a:r>
+              <a:rPr lang="en-US" i="1" dirty="0" err="1" smtClean="0">
+                <a:solidFill>
+                  <a:schemeClr val="tx1"/>
+                </a:solidFill>
+                <a:latin typeface="Helvetica" charset="0"/>
+                <a:ea typeface="Helvetica" charset="0"/>
+                <a:cs typeface="Helvetica" charset="0"/>
+              </a:rPr>
+              <a:t>Fun</a:t>
+            </a:r>
+            <a:r>
+              <a:rPr lang="en-US" i="1" dirty="0" err="1" smtClean="0">
+                <a:solidFill>
+                  <a:schemeClr val="tx1"/>
+                </a:solidFill>
+                <a:latin typeface="Helvetica" charset="0"/>
+                <a:ea typeface="Helvetica" charset="0"/>
+                <a:cs typeface="Helvetica" charset="0"/>
+              </a:rPr>
+              <a:t>ção</a:t>
+            </a:r>
+            <a:r>
+              <a:rPr lang="en-US" i="1" dirty="0" smtClean="0">
+                <a:solidFill>
+                  <a:schemeClr val="tx1"/>
+                </a:solidFill>
+                <a:latin typeface="Helvetica" charset="0"/>
+                <a:ea typeface="Helvetica" charset="0"/>
+                <a:cs typeface="Helvetica" charset="0"/>
+              </a:rPr>
+              <a:t> de fitness</a:t>
+            </a:r>
+            <a:r>
+              <a:rPr lang="en-US" dirty="0" smtClean="0">
+                <a:solidFill>
+                  <a:schemeClr val="tx1"/>
+                </a:solidFill>
+                <a:latin typeface="Helvetica" charset="0"/>
+                <a:ea typeface="Helvetica" charset="0"/>
+                <a:cs typeface="Helvetica" charset="0"/>
+              </a:rPr>
+              <a:t>: soma das </a:t>
+            </a:r>
+            <a:r>
+              <a:rPr lang="en-US" dirty="0" err="1" smtClean="0">
+                <a:solidFill>
+                  <a:schemeClr val="tx1"/>
+                </a:solidFill>
+                <a:latin typeface="Helvetica" charset="0"/>
+                <a:ea typeface="Helvetica" charset="0"/>
+                <a:cs typeface="Helvetica" charset="0"/>
+              </a:rPr>
+              <a:t>expressividade</a:t>
+            </a:r>
+            <a:r>
+              <a:rPr lang="en-US" dirty="0" err="1" smtClean="0">
+                <a:solidFill>
+                  <a:schemeClr val="tx1"/>
+                </a:solidFill>
+                <a:latin typeface="Helvetica" charset="0"/>
+                <a:ea typeface="Helvetica" charset="0"/>
+                <a:cs typeface="Helvetica" charset="0"/>
+              </a:rPr>
+              <a:t>s</a:t>
+            </a:r>
+            <a:r>
+              <a:rPr lang="en-US" dirty="0" smtClean="0">
+                <a:solidFill>
+                  <a:schemeClr val="tx1"/>
+                </a:solidFill>
+                <a:latin typeface="Helvetica" charset="0"/>
+                <a:ea typeface="Helvetica" charset="0"/>
+                <a:cs typeface="Helvetica" charset="0"/>
+              </a:rPr>
+              <a:t> dos genes de um </a:t>
+            </a:r>
+            <a:r>
+              <a:rPr lang="en-US" dirty="0" err="1" smtClean="0">
+                <a:solidFill>
+                  <a:schemeClr val="tx1"/>
+                </a:solidFill>
+                <a:latin typeface="Helvetica" charset="0"/>
+                <a:ea typeface="Helvetica" charset="0"/>
+                <a:cs typeface="Helvetica" charset="0"/>
+              </a:rPr>
+              <a:t>indivíduo</a:t>
+            </a:r>
+            <a:r>
+              <a:rPr lang="en-US" dirty="0" smtClean="0">
+                <a:solidFill>
+                  <a:schemeClr val="tx1"/>
+                </a:solidFill>
+                <a:latin typeface="Helvetica" charset="0"/>
+                <a:ea typeface="Helvetica" charset="0"/>
+                <a:cs typeface="Helvetica" charset="0"/>
+              </a:rPr>
+              <a:t> (</a:t>
+            </a:r>
+            <a:r>
+              <a:rPr lang="en-US" dirty="0" err="1" smtClean="0">
+                <a:solidFill>
+                  <a:schemeClr val="tx1"/>
+                </a:solidFill>
+                <a:latin typeface="Helvetica" charset="0"/>
+                <a:ea typeface="Helvetica" charset="0"/>
+                <a:cs typeface="Helvetica" charset="0"/>
+              </a:rPr>
+              <a:t>maior</a:t>
+            </a:r>
+            <a:r>
+              <a:rPr lang="en-US" dirty="0" smtClean="0">
+                <a:solidFill>
+                  <a:schemeClr val="tx1"/>
+                </a:solidFill>
+                <a:latin typeface="Helvetica" charset="0"/>
+                <a:ea typeface="Helvetica" charset="0"/>
+                <a:cs typeface="Helvetica" charset="0"/>
+              </a:rPr>
+              <a:t>, </a:t>
+            </a:r>
+            <a:r>
+              <a:rPr lang="en-US" dirty="0" err="1" smtClean="0">
+                <a:solidFill>
+                  <a:schemeClr val="tx1"/>
+                </a:solidFill>
+                <a:latin typeface="Helvetica" charset="0"/>
+                <a:ea typeface="Helvetica" charset="0"/>
+                <a:cs typeface="Helvetica" charset="0"/>
+              </a:rPr>
+              <a:t>melhor</a:t>
+            </a:r>
+            <a:r>
+              <a:rPr lang="en-US" dirty="0" smtClean="0">
+                <a:solidFill>
+                  <a:schemeClr val="tx1"/>
+                </a:solidFill>
+                <a:latin typeface="Helvetica" charset="0"/>
+                <a:ea typeface="Helvetica" charset="0"/>
+                <a:cs typeface="Helvetica" charset="0"/>
+              </a:rPr>
+              <a:t>)</a:t>
+            </a:r>
+          </a:p>
+          <a:p>
+            <a:endParaRPr lang="en-US" dirty="0" smtClean="0">
+              <a:solidFill>
+                <a:schemeClr val="tx1"/>
+              </a:solidFill>
+              <a:latin typeface="Helvetica" charset="0"/>
+              <a:ea typeface="Helvetica" charset="0"/>
+              <a:cs typeface="Helvetica" charset="0"/>
+            </a:endParaRPr>
           </a:p>
         </p:txBody>
       </p:sp>
@@ -16674,7 +16709,7 @@
     </p:spTree>
     <p:extLst>
       <p:ext uri="{BB962C8B-B14F-4D97-AF65-F5344CB8AC3E}">
-        <p14:creationId xmlns:p14="http://schemas.microsoft.com/office/powerpoint/2010/main" val="530941430"/>
+        <p14:creationId xmlns:p14="http://schemas.microsoft.com/office/powerpoint/2010/main" val="1078937588"/>
       </p:ext>
     </p:extLst>
   </p:cSld>
@@ -16729,6 +16764,1404 @@
                 <a:ea typeface="Helvetica" charset="0"/>
                 <a:cs typeface="Helvetica" charset="0"/>
               </a:rPr>
+              <a:t>Problemas</a:t>
+            </a:r>
+            <a:r>
+              <a:rPr lang="en-US" b="1" dirty="0" smtClean="0">
+                <a:latin typeface="Helvetica" charset="0"/>
+                <a:ea typeface="Helvetica" charset="0"/>
+                <a:cs typeface="Helvetica" charset="0"/>
+              </a:rPr>
+              <a:t> </a:t>
+            </a:r>
+            <a:r>
+              <a:rPr lang="mr-IN" b="1" dirty="0" smtClean="0">
+                <a:latin typeface="Helvetica" charset="0"/>
+                <a:ea typeface="Helvetica" charset="0"/>
+                <a:cs typeface="Helvetica" charset="0"/>
+              </a:rPr>
+              <a:t>–</a:t>
+            </a:r>
+            <a:r>
+              <a:rPr lang="en-US" b="1" dirty="0" smtClean="0">
+                <a:latin typeface="Helvetica" charset="0"/>
+                <a:ea typeface="Helvetica" charset="0"/>
+                <a:cs typeface="Helvetica" charset="0"/>
+              </a:rPr>
+              <a:t> </a:t>
+            </a:r>
+            <a:r>
+              <a:rPr lang="en-US" b="1" dirty="0" err="1" smtClean="0">
+                <a:latin typeface="Helvetica" charset="0"/>
+                <a:ea typeface="Helvetica" charset="0"/>
+                <a:cs typeface="Helvetica" charset="0"/>
+              </a:rPr>
+              <a:t>Caixeiro</a:t>
+            </a:r>
+            <a:r>
+              <a:rPr lang="en-US" b="1" dirty="0" smtClean="0">
+                <a:latin typeface="Helvetica" charset="0"/>
+                <a:ea typeface="Helvetica" charset="0"/>
+                <a:cs typeface="Helvetica" charset="0"/>
+              </a:rPr>
+              <a:t> </a:t>
+            </a:r>
+            <a:r>
+              <a:rPr lang="en-US" b="1" dirty="0" err="1" smtClean="0">
+                <a:latin typeface="Helvetica" charset="0"/>
+                <a:ea typeface="Helvetica" charset="0"/>
+                <a:cs typeface="Helvetica" charset="0"/>
+              </a:rPr>
+              <a:t>Viajante</a:t>
+            </a:r>
+            <a:endParaRPr lang="en-US" b="1" dirty="0">
+              <a:latin typeface="Helvetica" charset="0"/>
+              <a:ea typeface="Helvetica" charset="0"/>
+              <a:cs typeface="Helvetica" charset="0"/>
+            </a:endParaRPr>
+          </a:p>
+        </p:txBody>
+      </p:sp>
+      <p:sp>
+        <p:nvSpPr>
+          <p:cNvPr id="3" name="Content Placeholder 2"/>
+          <p:cNvSpPr>
+            <a:spLocks noGrp="1"/>
+          </p:cNvSpPr>
+          <p:nvPr>
+            <p:ph idx="1"/>
+          </p:nvPr>
+        </p:nvSpPr>
+        <p:spPr>
+          <a:xfrm>
+            <a:off x="1154954" y="2603500"/>
+            <a:ext cx="9647158" cy="3687572"/>
+          </a:xfrm>
+        </p:spPr>
+        <p:txBody>
+          <a:bodyPr>
+            <a:normAutofit/>
+          </a:bodyPr>
+          <a:lstStyle/>
+          <a:p>
+            <a:r>
+              <a:rPr lang="en-US" dirty="0" err="1" smtClean="0">
+                <a:solidFill>
+                  <a:schemeClr val="tx1"/>
+                </a:solidFill>
+                <a:latin typeface="Helvetica" charset="0"/>
+                <a:ea typeface="Helvetica" charset="0"/>
+                <a:cs typeface="Helvetica" charset="0"/>
+              </a:rPr>
+              <a:t>Grafo</a:t>
+            </a:r>
+            <a:r>
+              <a:rPr lang="en-US" dirty="0" smtClean="0">
+                <a:solidFill>
+                  <a:schemeClr val="tx1"/>
+                </a:solidFill>
+                <a:latin typeface="Helvetica" charset="0"/>
+                <a:ea typeface="Helvetica" charset="0"/>
+                <a:cs typeface="Helvetica" charset="0"/>
+              </a:rPr>
+              <a:t> </a:t>
+            </a:r>
+            <a:r>
+              <a:rPr lang="en-US" dirty="0" err="1" smtClean="0">
+                <a:solidFill>
+                  <a:schemeClr val="tx1"/>
+                </a:solidFill>
+                <a:latin typeface="Helvetica" charset="0"/>
+                <a:ea typeface="Helvetica" charset="0"/>
+                <a:cs typeface="Helvetica" charset="0"/>
+              </a:rPr>
+              <a:t>conexo</a:t>
+            </a:r>
+            <a:r>
+              <a:rPr lang="en-US" dirty="0" smtClean="0">
+                <a:solidFill>
+                  <a:schemeClr val="tx1"/>
+                </a:solidFill>
+                <a:latin typeface="Helvetica" charset="0"/>
+                <a:ea typeface="Helvetica" charset="0"/>
+                <a:cs typeface="Helvetica" charset="0"/>
+              </a:rPr>
+              <a:t> entre as </a:t>
+            </a:r>
+            <a:r>
+              <a:rPr lang="en-US" dirty="0" err="1" smtClean="0">
+                <a:solidFill>
+                  <a:schemeClr val="tx1"/>
+                </a:solidFill>
+                <a:latin typeface="Helvetica" charset="0"/>
+                <a:ea typeface="Helvetica" charset="0"/>
+                <a:cs typeface="Helvetica" charset="0"/>
+              </a:rPr>
+              <a:t>cidades</a:t>
+            </a:r>
+            <a:r>
+              <a:rPr lang="en-US" dirty="0" smtClean="0">
+                <a:solidFill>
+                  <a:schemeClr val="tx1"/>
+                </a:solidFill>
+                <a:latin typeface="Helvetica" charset="0"/>
+                <a:ea typeface="Helvetica" charset="0"/>
+                <a:cs typeface="Helvetica" charset="0"/>
+              </a:rPr>
+              <a:t> (</a:t>
+            </a:r>
+            <a:r>
+              <a:rPr lang="en-US" dirty="0" err="1" smtClean="0">
+                <a:solidFill>
+                  <a:schemeClr val="tx1"/>
+                </a:solidFill>
+                <a:latin typeface="Helvetica" charset="0"/>
+                <a:ea typeface="Helvetica" charset="0"/>
+                <a:cs typeface="Helvetica" charset="0"/>
+              </a:rPr>
+              <a:t>n</a:t>
+            </a:r>
+            <a:r>
+              <a:rPr lang="en-US" dirty="0" err="1" smtClean="0">
+                <a:solidFill>
+                  <a:schemeClr val="tx1"/>
+                </a:solidFill>
+                <a:latin typeface="Helvetica" charset="0"/>
+                <a:ea typeface="Helvetica" charset="0"/>
+                <a:cs typeface="Helvetica" charset="0"/>
+              </a:rPr>
+              <a:t>ão</a:t>
+            </a:r>
+            <a:r>
+              <a:rPr lang="en-US" dirty="0" smtClean="0">
+                <a:solidFill>
+                  <a:schemeClr val="tx1"/>
+                </a:solidFill>
+                <a:latin typeface="Helvetica" charset="0"/>
+                <a:ea typeface="Helvetica" charset="0"/>
+                <a:cs typeface="Helvetica" charset="0"/>
+              </a:rPr>
+              <a:t> </a:t>
+            </a:r>
+            <a:r>
+              <a:rPr lang="en-US" dirty="0" err="1" smtClean="0">
+                <a:solidFill>
+                  <a:schemeClr val="tx1"/>
+                </a:solidFill>
+                <a:latin typeface="Helvetica" charset="0"/>
+                <a:ea typeface="Helvetica" charset="0"/>
+                <a:cs typeface="Helvetica" charset="0"/>
+              </a:rPr>
+              <a:t>precisa</a:t>
+            </a:r>
+            <a:r>
+              <a:rPr lang="en-US" dirty="0" smtClean="0">
+                <a:solidFill>
+                  <a:schemeClr val="tx1"/>
+                </a:solidFill>
+                <a:latin typeface="Helvetica" charset="0"/>
+                <a:ea typeface="Helvetica" charset="0"/>
+                <a:cs typeface="Helvetica" charset="0"/>
+              </a:rPr>
+              <a:t> </a:t>
+            </a:r>
+            <a:r>
+              <a:rPr lang="en-US" dirty="0" err="1" smtClean="0">
+                <a:solidFill>
+                  <a:schemeClr val="tx1"/>
+                </a:solidFill>
+                <a:latin typeface="Helvetica" charset="0"/>
+                <a:ea typeface="Helvetica" charset="0"/>
+                <a:cs typeface="Helvetica" charset="0"/>
+              </a:rPr>
+              <a:t>ser</a:t>
+            </a:r>
+            <a:r>
+              <a:rPr lang="en-US" dirty="0" smtClean="0">
+                <a:solidFill>
+                  <a:schemeClr val="tx1"/>
+                </a:solidFill>
+                <a:latin typeface="Helvetica" charset="0"/>
+                <a:ea typeface="Helvetica" charset="0"/>
+                <a:cs typeface="Helvetica" charset="0"/>
+              </a:rPr>
+              <a:t> </a:t>
+            </a:r>
+            <a:r>
+              <a:rPr lang="en-US" dirty="0" err="1" smtClean="0">
+                <a:solidFill>
+                  <a:schemeClr val="tx1"/>
+                </a:solidFill>
+                <a:latin typeface="Helvetica" charset="0"/>
+                <a:ea typeface="Helvetica" charset="0"/>
+                <a:cs typeface="Helvetica" charset="0"/>
+              </a:rPr>
+              <a:t>completo</a:t>
+            </a:r>
+            <a:r>
+              <a:rPr lang="en-US" dirty="0" smtClean="0">
+                <a:solidFill>
+                  <a:schemeClr val="tx1"/>
+                </a:solidFill>
+                <a:latin typeface="Helvetica" charset="0"/>
+                <a:ea typeface="Helvetica" charset="0"/>
+                <a:cs typeface="Helvetica" charset="0"/>
+              </a:rPr>
+              <a:t>)</a:t>
+            </a:r>
+          </a:p>
+          <a:p>
+            <a:r>
+              <a:rPr lang="en-US" dirty="0" err="1" smtClean="0">
+                <a:solidFill>
+                  <a:schemeClr val="tx1"/>
+                </a:solidFill>
+                <a:latin typeface="Helvetica" charset="0"/>
+                <a:ea typeface="Helvetica" charset="0"/>
+                <a:cs typeface="Helvetica" charset="0"/>
+              </a:rPr>
+              <a:t>Completude</a:t>
+            </a:r>
+            <a:r>
+              <a:rPr lang="en-US" dirty="0" smtClean="0">
+                <a:solidFill>
+                  <a:schemeClr val="tx1"/>
+                </a:solidFill>
+                <a:latin typeface="Helvetica" charset="0"/>
+                <a:ea typeface="Helvetica" charset="0"/>
+                <a:cs typeface="Helvetica" charset="0"/>
+              </a:rPr>
+              <a:t> </a:t>
+            </a:r>
+            <a:r>
+              <a:rPr lang="en-US" dirty="0" err="1" smtClean="0">
+                <a:solidFill>
+                  <a:schemeClr val="tx1"/>
+                </a:solidFill>
+                <a:latin typeface="Helvetica" charset="0"/>
+                <a:ea typeface="Helvetica" charset="0"/>
+                <a:cs typeface="Helvetica" charset="0"/>
+              </a:rPr>
+              <a:t>feita</a:t>
+            </a:r>
+            <a:r>
+              <a:rPr lang="en-US" dirty="0" smtClean="0">
+                <a:solidFill>
+                  <a:schemeClr val="tx1"/>
+                </a:solidFill>
+                <a:latin typeface="Helvetica" charset="0"/>
+                <a:ea typeface="Helvetica" charset="0"/>
+                <a:cs typeface="Helvetica" charset="0"/>
+              </a:rPr>
+              <a:t> </a:t>
+            </a:r>
+            <a:r>
+              <a:rPr lang="en-US" dirty="0" err="1" smtClean="0">
+                <a:solidFill>
+                  <a:schemeClr val="tx1"/>
+                </a:solidFill>
+                <a:latin typeface="Helvetica" charset="0"/>
+                <a:ea typeface="Helvetica" charset="0"/>
+                <a:cs typeface="Helvetica" charset="0"/>
+              </a:rPr>
+              <a:t>pelo</a:t>
+            </a:r>
+            <a:r>
+              <a:rPr lang="en-US" dirty="0" smtClean="0">
+                <a:solidFill>
+                  <a:schemeClr val="tx1"/>
+                </a:solidFill>
+                <a:latin typeface="Helvetica" charset="0"/>
+                <a:ea typeface="Helvetica" charset="0"/>
+                <a:cs typeface="Helvetica" charset="0"/>
+              </a:rPr>
+              <a:t> </a:t>
+            </a:r>
+            <a:r>
+              <a:rPr lang="en-US" dirty="0" err="1" smtClean="0">
+                <a:solidFill>
+                  <a:schemeClr val="tx1"/>
+                </a:solidFill>
+                <a:latin typeface="Helvetica" charset="0"/>
+                <a:ea typeface="Helvetica" charset="0"/>
+                <a:cs typeface="Helvetica" charset="0"/>
+              </a:rPr>
+              <a:t>algoritmo</a:t>
+            </a:r>
+            <a:r>
+              <a:rPr lang="en-US" dirty="0" smtClean="0">
+                <a:solidFill>
+                  <a:schemeClr val="tx1"/>
+                </a:solidFill>
+                <a:latin typeface="Helvetica" charset="0"/>
+                <a:ea typeface="Helvetica" charset="0"/>
+                <a:cs typeface="Helvetica" charset="0"/>
+              </a:rPr>
+              <a:t> de </a:t>
+            </a:r>
+            <a:r>
+              <a:rPr lang="en-US" dirty="0" err="1" smtClean="0">
+                <a:solidFill>
+                  <a:schemeClr val="tx1"/>
+                </a:solidFill>
+                <a:latin typeface="Helvetica" charset="0"/>
+                <a:ea typeface="Helvetica" charset="0"/>
+                <a:cs typeface="Helvetica" charset="0"/>
+              </a:rPr>
+              <a:t>Dijkstra</a:t>
+            </a:r>
+            <a:r>
+              <a:rPr lang="en-US" dirty="0" smtClean="0">
+                <a:solidFill>
+                  <a:schemeClr val="tx1"/>
+                </a:solidFill>
+                <a:latin typeface="Helvetica" charset="0"/>
+                <a:ea typeface="Helvetica" charset="0"/>
+                <a:cs typeface="Helvetica" charset="0"/>
+              </a:rPr>
+              <a:t> </a:t>
+            </a:r>
+            <a:r>
+              <a:rPr lang="en-US" b="1" baseline="30000" dirty="0" smtClean="0">
+                <a:solidFill>
+                  <a:srgbClr val="0432FF"/>
+                </a:solidFill>
+                <a:latin typeface="Helvetica" charset="0"/>
+                <a:ea typeface="Helvetica" charset="0"/>
+                <a:cs typeface="Helvetica" charset="0"/>
+              </a:rPr>
+              <a:t>[8]</a:t>
+            </a:r>
+          </a:p>
+          <a:p>
+            <a:endParaRPr lang="en-US" dirty="0" smtClean="0">
+              <a:solidFill>
+                <a:schemeClr val="tx1"/>
+              </a:solidFill>
+              <a:latin typeface="Helvetica" charset="0"/>
+              <a:ea typeface="Helvetica" charset="0"/>
+              <a:cs typeface="Helvetica" charset="0"/>
+            </a:endParaRPr>
+          </a:p>
+          <a:p>
+            <a:endParaRPr lang="en-US" dirty="0" smtClean="0">
+              <a:solidFill>
+                <a:schemeClr val="tx1"/>
+              </a:solidFill>
+              <a:latin typeface="Helvetica" charset="0"/>
+              <a:ea typeface="Helvetica" charset="0"/>
+              <a:cs typeface="Helvetica" charset="0"/>
+            </a:endParaRPr>
+          </a:p>
+        </p:txBody>
+      </p:sp>
+      <p:sp>
+        <p:nvSpPr>
+          <p:cNvPr id="5" name="Slide Number Placeholder 4"/>
+          <p:cNvSpPr>
+            <a:spLocks noGrp="1"/>
+          </p:cNvSpPr>
+          <p:nvPr>
+            <p:ph type="sldNum" sz="quarter" idx="12"/>
+          </p:nvPr>
+        </p:nvSpPr>
+        <p:spPr/>
+        <p:txBody>
+          <a:bodyPr/>
+          <a:lstStyle/>
+          <a:p>
+            <a:fld id="{55774153-6BEA-8641-B7A1-86CE42693FE2}" type="slidenum">
+              <a:rPr lang="en-US" smtClean="0"/>
+              <a:t>12</a:t>
+            </a:fld>
+            <a:endParaRPr lang="en-US"/>
+          </a:p>
+        </p:txBody>
+      </p:sp>
+    </p:spTree>
+    <p:extLst>
+      <p:ext uri="{BB962C8B-B14F-4D97-AF65-F5344CB8AC3E}">
+        <p14:creationId xmlns:p14="http://schemas.microsoft.com/office/powerpoint/2010/main" val="232368308"/>
+      </p:ext>
+    </p:extLst>
+  </p:cSld>
+  <p:clrMapOvr>
+    <a:masterClrMapping/>
+  </p:clrMapOvr>
+  <p:timing>
+    <p:tnLst>
+      <p:par>
+        <p:cTn id="1" dur="indefinite" restart="never" nodeType="tmRoot"/>
+      </p:par>
+    </p:tnLst>
+  </p:timing>
+</p:sld>
+</file>
+
+<file path=ppt/slides/slide14.xml><?xml version="1.0" encoding="utf-8"?>
+<p:sld xmlns:a="http://schemas.openxmlformats.org/drawingml/2006/main" xmlns:r="http://schemas.openxmlformats.org/officeDocument/2006/relationships" xmlns:p="http://schemas.openxmlformats.org/presentationml/2006/main">
+  <p:cSld>
+    <p:spTree>
+      <p:nvGrpSpPr>
+        <p:cNvPr id="1" name=""/>
+        <p:cNvGrpSpPr/>
+        <p:nvPr/>
+      </p:nvGrpSpPr>
+      <p:grpSpPr>
+        <a:xfrm>
+          <a:off x="0" y="0"/>
+          <a:ext cx="0" cy="0"/>
+          <a:chOff x="0" y="0"/>
+          <a:chExt cx="0" cy="0"/>
+        </a:xfrm>
+      </p:grpSpPr>
+      <p:sp>
+        <p:nvSpPr>
+          <p:cNvPr id="2" name="Title 1"/>
+          <p:cNvSpPr>
+            <a:spLocks noGrp="1"/>
+          </p:cNvSpPr>
+          <p:nvPr>
+            <p:ph type="title"/>
+          </p:nvPr>
+        </p:nvSpPr>
+        <p:spPr/>
+        <p:txBody>
+          <a:bodyPr/>
+          <a:lstStyle/>
+          <a:p>
+            <a:r>
+              <a:rPr lang="en-US" b="1" dirty="0" err="1" smtClean="0">
+                <a:latin typeface="Helvetica" charset="0"/>
+                <a:ea typeface="Helvetica" charset="0"/>
+                <a:cs typeface="Helvetica" charset="0"/>
+              </a:rPr>
+              <a:t>Referências</a:t>
+            </a:r>
+            <a:endParaRPr lang="en-US" b="1" dirty="0">
+              <a:latin typeface="Helvetica" charset="0"/>
+              <a:ea typeface="Helvetica" charset="0"/>
+              <a:cs typeface="Helvetica" charset="0"/>
+            </a:endParaRPr>
+          </a:p>
+        </p:txBody>
+      </p:sp>
+      <p:sp>
+        <p:nvSpPr>
+          <p:cNvPr id="3" name="Content Placeholder 2"/>
+          <p:cNvSpPr>
+            <a:spLocks noGrp="1"/>
+          </p:cNvSpPr>
+          <p:nvPr>
+            <p:ph idx="1"/>
+          </p:nvPr>
+        </p:nvSpPr>
+        <p:spPr>
+          <a:xfrm>
+            <a:off x="1154954" y="2603500"/>
+            <a:ext cx="10035785" cy="4102100"/>
+          </a:xfrm>
+        </p:spPr>
+        <p:txBody>
+          <a:bodyPr>
+            <a:normAutofit/>
+          </a:bodyPr>
+          <a:lstStyle/>
+          <a:p>
+            <a:r>
+              <a:rPr lang="en-US" dirty="0" smtClean="0">
+                <a:solidFill>
+                  <a:schemeClr val="tx1"/>
+                </a:solidFill>
+                <a:latin typeface="Helvetica" charset="0"/>
+                <a:ea typeface="Helvetica" charset="0"/>
+                <a:cs typeface="Helvetica" charset="0"/>
+              </a:rPr>
+              <a:t>[1] </a:t>
+            </a:r>
+            <a:r>
+              <a:rPr lang="en-US" dirty="0">
+                <a:solidFill>
+                  <a:schemeClr val="tx1"/>
+                </a:solidFill>
+                <a:latin typeface="Helvetica" charset="0"/>
+                <a:ea typeface="Helvetica" charset="0"/>
+                <a:cs typeface="Helvetica" charset="0"/>
+              </a:rPr>
+              <a:t>A. E. </a:t>
+            </a:r>
+            <a:r>
+              <a:rPr lang="en-US" dirty="0" err="1" smtClean="0">
+                <a:solidFill>
+                  <a:schemeClr val="tx1"/>
+                </a:solidFill>
+                <a:latin typeface="Helvetica" charset="0"/>
+                <a:ea typeface="Helvetica" charset="0"/>
+                <a:cs typeface="Helvetica" charset="0"/>
+              </a:rPr>
+              <a:t>Eiben</a:t>
+            </a:r>
+            <a:r>
+              <a:rPr lang="en-US" dirty="0" smtClean="0">
+                <a:solidFill>
+                  <a:schemeClr val="tx1"/>
+                </a:solidFill>
+                <a:latin typeface="Helvetica" charset="0"/>
+                <a:ea typeface="Helvetica" charset="0"/>
+                <a:cs typeface="Helvetica" charset="0"/>
+              </a:rPr>
+              <a:t>, J</a:t>
+            </a:r>
+            <a:r>
+              <a:rPr lang="en-US" dirty="0">
+                <a:solidFill>
+                  <a:schemeClr val="tx1"/>
+                </a:solidFill>
+                <a:latin typeface="Helvetica" charset="0"/>
+                <a:ea typeface="Helvetica" charset="0"/>
+                <a:cs typeface="Helvetica" charset="0"/>
+              </a:rPr>
+              <a:t>. E. Smith. </a:t>
+            </a:r>
+            <a:r>
+              <a:rPr lang="en-US" dirty="0" smtClean="0">
+                <a:solidFill>
+                  <a:schemeClr val="tx1"/>
+                </a:solidFill>
+                <a:latin typeface="Helvetica" charset="0"/>
+                <a:ea typeface="Helvetica" charset="0"/>
+                <a:cs typeface="Helvetica" charset="0"/>
+              </a:rPr>
+              <a:t>“</a:t>
+            </a:r>
+            <a:r>
+              <a:rPr lang="en-US" i="1" dirty="0" smtClean="0">
+                <a:solidFill>
+                  <a:schemeClr val="tx1"/>
+                </a:solidFill>
+                <a:latin typeface="Helvetica" charset="0"/>
+                <a:ea typeface="Helvetica" charset="0"/>
+                <a:cs typeface="Helvetica" charset="0"/>
+              </a:rPr>
+              <a:t>Introduction </a:t>
+            </a:r>
+            <a:r>
+              <a:rPr lang="en-US" i="1" dirty="0">
+                <a:solidFill>
+                  <a:schemeClr val="tx1"/>
+                </a:solidFill>
+                <a:latin typeface="Helvetica" charset="0"/>
+                <a:ea typeface="Helvetica" charset="0"/>
+                <a:cs typeface="Helvetica" charset="0"/>
+              </a:rPr>
+              <a:t>To Evolutionary </a:t>
+            </a:r>
+            <a:r>
+              <a:rPr lang="en-US" i="1" dirty="0" smtClean="0">
+                <a:solidFill>
+                  <a:schemeClr val="tx1"/>
+                </a:solidFill>
+                <a:latin typeface="Helvetica" charset="0"/>
+                <a:ea typeface="Helvetica" charset="0"/>
+                <a:cs typeface="Helvetica" charset="0"/>
+              </a:rPr>
+              <a:t>Computing”</a:t>
+            </a:r>
+            <a:r>
+              <a:rPr lang="en-US" dirty="0" smtClean="0">
+                <a:solidFill>
+                  <a:schemeClr val="tx1"/>
+                </a:solidFill>
+                <a:latin typeface="Helvetica" charset="0"/>
+                <a:ea typeface="Helvetica" charset="0"/>
+                <a:cs typeface="Helvetica" charset="0"/>
+              </a:rPr>
+              <a:t>. </a:t>
+            </a:r>
+            <a:r>
+              <a:rPr lang="en-US" dirty="0">
+                <a:solidFill>
+                  <a:schemeClr val="tx1"/>
+                </a:solidFill>
+                <a:latin typeface="Helvetica" charset="0"/>
+                <a:ea typeface="Helvetica" charset="0"/>
+                <a:cs typeface="Helvetica" charset="0"/>
+              </a:rPr>
+              <a:t>V</a:t>
+            </a:r>
+            <a:r>
+              <a:rPr lang="en-US" dirty="0" smtClean="0">
+                <a:solidFill>
+                  <a:schemeClr val="tx1"/>
+                </a:solidFill>
+                <a:latin typeface="Helvetica" charset="0"/>
+                <a:ea typeface="Helvetica" charset="0"/>
+                <a:cs typeface="Helvetica" charset="0"/>
+              </a:rPr>
+              <a:t>olume 53. </a:t>
+            </a:r>
+            <a:r>
+              <a:rPr lang="en-US" dirty="0">
+                <a:solidFill>
+                  <a:schemeClr val="tx1"/>
+                </a:solidFill>
+                <a:latin typeface="Helvetica" charset="0"/>
+                <a:ea typeface="Helvetica" charset="0"/>
+                <a:cs typeface="Helvetica" charset="0"/>
+              </a:rPr>
+              <a:t>Springer-</a:t>
+            </a:r>
+            <a:r>
+              <a:rPr lang="en-US" dirty="0" err="1">
+                <a:solidFill>
+                  <a:schemeClr val="tx1"/>
+                </a:solidFill>
+                <a:latin typeface="Helvetica" charset="0"/>
+                <a:ea typeface="Helvetica" charset="0"/>
+                <a:cs typeface="Helvetica" charset="0"/>
+              </a:rPr>
+              <a:t>Verlag</a:t>
+            </a:r>
+            <a:r>
+              <a:rPr lang="en-US" dirty="0">
+                <a:solidFill>
+                  <a:schemeClr val="tx1"/>
+                </a:solidFill>
+                <a:latin typeface="Helvetica" charset="0"/>
+                <a:ea typeface="Helvetica" charset="0"/>
+                <a:cs typeface="Helvetica" charset="0"/>
+              </a:rPr>
+              <a:t>, 2003. </a:t>
+            </a:r>
+            <a:endParaRPr lang="en-US" dirty="0" smtClean="0">
+              <a:solidFill>
+                <a:schemeClr val="tx1"/>
+              </a:solidFill>
+              <a:latin typeface="Helvetica" charset="0"/>
+              <a:ea typeface="Helvetica" charset="0"/>
+              <a:cs typeface="Helvetica" charset="0"/>
+            </a:endParaRPr>
+          </a:p>
+          <a:p>
+            <a:r>
+              <a:rPr lang="en-US" dirty="0" smtClean="0">
+                <a:solidFill>
+                  <a:schemeClr val="tx1"/>
+                </a:solidFill>
+                <a:latin typeface="Helvetica" charset="0"/>
+                <a:ea typeface="Helvetica" charset="0"/>
+                <a:cs typeface="Helvetica" charset="0"/>
+              </a:rPr>
+              <a:t>[2] A</a:t>
+            </a:r>
+            <a:r>
+              <a:rPr lang="en-US" dirty="0">
+                <a:solidFill>
+                  <a:schemeClr val="tx1"/>
+                </a:solidFill>
+                <a:latin typeface="Helvetica" charset="0"/>
+                <a:ea typeface="Helvetica" charset="0"/>
+                <a:cs typeface="Helvetica" charset="0"/>
+              </a:rPr>
+              <a:t>. E. </a:t>
+            </a:r>
+            <a:r>
+              <a:rPr lang="en-US" dirty="0" err="1" smtClean="0">
+                <a:solidFill>
+                  <a:schemeClr val="tx1"/>
+                </a:solidFill>
+                <a:latin typeface="Helvetica" charset="0"/>
+                <a:ea typeface="Helvetica" charset="0"/>
+                <a:cs typeface="Helvetica" charset="0"/>
+              </a:rPr>
+              <a:t>Eiben</a:t>
+            </a:r>
+            <a:r>
+              <a:rPr lang="en-US" dirty="0" smtClean="0">
+                <a:solidFill>
+                  <a:schemeClr val="tx1"/>
+                </a:solidFill>
+                <a:latin typeface="Helvetica" charset="0"/>
+                <a:ea typeface="Helvetica" charset="0"/>
+                <a:cs typeface="Helvetica" charset="0"/>
+              </a:rPr>
+              <a:t>, S</a:t>
+            </a:r>
+            <a:r>
+              <a:rPr lang="en-US" dirty="0">
+                <a:solidFill>
+                  <a:schemeClr val="tx1"/>
+                </a:solidFill>
+                <a:latin typeface="Helvetica" charset="0"/>
+                <a:ea typeface="Helvetica" charset="0"/>
+                <a:cs typeface="Helvetica" charset="0"/>
+              </a:rPr>
+              <a:t>. K. </a:t>
+            </a:r>
+            <a:r>
+              <a:rPr lang="en-US" dirty="0" err="1">
+                <a:solidFill>
+                  <a:schemeClr val="tx1"/>
+                </a:solidFill>
+                <a:latin typeface="Helvetica" charset="0"/>
+                <a:ea typeface="Helvetica" charset="0"/>
+                <a:cs typeface="Helvetica" charset="0"/>
+              </a:rPr>
+              <a:t>Smit</a:t>
+            </a:r>
+            <a:r>
+              <a:rPr lang="en-US" dirty="0">
+                <a:solidFill>
+                  <a:schemeClr val="tx1"/>
+                </a:solidFill>
+                <a:latin typeface="Helvetica" charset="0"/>
+                <a:ea typeface="Helvetica" charset="0"/>
+                <a:cs typeface="Helvetica" charset="0"/>
+              </a:rPr>
+              <a:t>. </a:t>
+            </a:r>
+            <a:r>
+              <a:rPr lang="en-US" dirty="0" smtClean="0">
+                <a:solidFill>
+                  <a:schemeClr val="tx1"/>
+                </a:solidFill>
+                <a:latin typeface="Helvetica" charset="0"/>
+                <a:ea typeface="Helvetica" charset="0"/>
+                <a:cs typeface="Helvetica" charset="0"/>
+              </a:rPr>
+              <a:t>“Parameter </a:t>
+            </a:r>
+            <a:r>
+              <a:rPr lang="en-US" dirty="0">
+                <a:solidFill>
+                  <a:schemeClr val="tx1"/>
+                </a:solidFill>
+                <a:latin typeface="Helvetica" charset="0"/>
+                <a:ea typeface="Helvetica" charset="0"/>
+                <a:cs typeface="Helvetica" charset="0"/>
+              </a:rPr>
+              <a:t>tuning for configuring and analyzing evolutionary </a:t>
+            </a:r>
+            <a:r>
+              <a:rPr lang="en-US" dirty="0" smtClean="0">
+                <a:solidFill>
+                  <a:schemeClr val="tx1"/>
+                </a:solidFill>
+                <a:latin typeface="Helvetica" charset="0"/>
+                <a:ea typeface="Helvetica" charset="0"/>
+                <a:cs typeface="Helvetica" charset="0"/>
+              </a:rPr>
+              <a:t>algorithms”. </a:t>
+            </a:r>
+            <a:r>
+              <a:rPr lang="en-US" i="1" dirty="0">
+                <a:solidFill>
+                  <a:schemeClr val="tx1"/>
+                </a:solidFill>
+                <a:latin typeface="Helvetica" charset="0"/>
+                <a:ea typeface="Helvetica" charset="0"/>
+                <a:cs typeface="Helvetica" charset="0"/>
+              </a:rPr>
+              <a:t>Swarm and Evolutionary Computation</a:t>
+            </a:r>
+            <a:r>
+              <a:rPr lang="en-US" dirty="0">
+                <a:solidFill>
+                  <a:schemeClr val="tx1"/>
+                </a:solidFill>
+                <a:latin typeface="Helvetica" charset="0"/>
+                <a:ea typeface="Helvetica" charset="0"/>
+                <a:cs typeface="Helvetica" charset="0"/>
+              </a:rPr>
+              <a:t>, 1(1):19–31, 2011</a:t>
+            </a:r>
+            <a:r>
+              <a:rPr lang="en-US" dirty="0" smtClean="0">
+                <a:solidFill>
+                  <a:schemeClr val="tx1"/>
+                </a:solidFill>
+                <a:latin typeface="Helvetica" charset="0"/>
+                <a:ea typeface="Helvetica" charset="0"/>
+                <a:cs typeface="Helvetica" charset="0"/>
+              </a:rPr>
+              <a:t>.</a:t>
+            </a:r>
+          </a:p>
+          <a:p>
+            <a:r>
+              <a:rPr lang="en-US" dirty="0" smtClean="0">
+                <a:solidFill>
+                  <a:schemeClr val="tx1"/>
+                </a:solidFill>
+                <a:latin typeface="Helvetica" charset="0"/>
+                <a:ea typeface="Helvetica" charset="0"/>
+                <a:cs typeface="Helvetica" charset="0"/>
+              </a:rPr>
+              <a:t>[3] </a:t>
+            </a:r>
+            <a:r>
+              <a:rPr lang="en-US" dirty="0">
+                <a:solidFill>
+                  <a:schemeClr val="tx1"/>
+                </a:solidFill>
+                <a:latin typeface="Helvetica" charset="0"/>
+                <a:ea typeface="Helvetica" charset="0"/>
+                <a:cs typeface="Helvetica" charset="0"/>
+              </a:rPr>
+              <a:t>K. Matthias, T. </a:t>
+            </a:r>
+            <a:r>
+              <a:rPr lang="en-US" dirty="0" err="1">
+                <a:solidFill>
+                  <a:schemeClr val="tx1"/>
+                </a:solidFill>
+                <a:latin typeface="Helvetica" charset="0"/>
+                <a:ea typeface="Helvetica" charset="0"/>
+                <a:cs typeface="Helvetica" charset="0"/>
+              </a:rPr>
+              <a:t>Severin</a:t>
+            </a:r>
+            <a:r>
+              <a:rPr lang="en-US" dirty="0">
+                <a:solidFill>
+                  <a:schemeClr val="tx1"/>
+                </a:solidFill>
+                <a:latin typeface="Helvetica" charset="0"/>
+                <a:ea typeface="Helvetica" charset="0"/>
+                <a:cs typeface="Helvetica" charset="0"/>
+              </a:rPr>
+              <a:t>, and H. </a:t>
+            </a:r>
+            <a:r>
+              <a:rPr lang="en-US" dirty="0" err="1">
+                <a:solidFill>
+                  <a:schemeClr val="tx1"/>
+                </a:solidFill>
+                <a:latin typeface="Helvetica" charset="0"/>
+                <a:ea typeface="Helvetica" charset="0"/>
+                <a:cs typeface="Helvetica" charset="0"/>
+              </a:rPr>
+              <a:t>Salzwedel</a:t>
+            </a:r>
+            <a:r>
+              <a:rPr lang="en-US" dirty="0">
+                <a:solidFill>
+                  <a:schemeClr val="tx1"/>
+                </a:solidFill>
+                <a:latin typeface="Helvetica" charset="0"/>
+                <a:ea typeface="Helvetica" charset="0"/>
+                <a:cs typeface="Helvetica" charset="0"/>
+              </a:rPr>
+              <a:t>. </a:t>
+            </a:r>
+            <a:r>
+              <a:rPr lang="en-US" dirty="0" smtClean="0">
+                <a:solidFill>
+                  <a:schemeClr val="tx1"/>
+                </a:solidFill>
+                <a:latin typeface="Helvetica" charset="0"/>
+                <a:ea typeface="Helvetica" charset="0"/>
+                <a:cs typeface="Helvetica" charset="0"/>
+              </a:rPr>
+              <a:t>"Variable </a:t>
+            </a:r>
+            <a:r>
+              <a:rPr lang="en-US" dirty="0">
+                <a:solidFill>
+                  <a:schemeClr val="tx1"/>
+                </a:solidFill>
+                <a:latin typeface="Helvetica" charset="0"/>
+                <a:ea typeface="Helvetica" charset="0"/>
+                <a:cs typeface="Helvetica" charset="0"/>
+              </a:rPr>
+              <a:t>mutation rate at genetic algorithms: introduction of chromosome fitness in connection with multi-chromosome </a:t>
+            </a:r>
+            <a:r>
+              <a:rPr lang="en-US" dirty="0" smtClean="0">
+                <a:solidFill>
+                  <a:schemeClr val="tx1"/>
+                </a:solidFill>
+                <a:latin typeface="Helvetica" charset="0"/>
+                <a:ea typeface="Helvetica" charset="0"/>
+                <a:cs typeface="Helvetica" charset="0"/>
+              </a:rPr>
+              <a:t>representation". </a:t>
+            </a:r>
+            <a:r>
+              <a:rPr lang="en-US" i="1" dirty="0">
+                <a:solidFill>
+                  <a:schemeClr val="tx1"/>
+                </a:solidFill>
+                <a:latin typeface="Helvetica" charset="0"/>
+                <a:ea typeface="Helvetica" charset="0"/>
+                <a:cs typeface="Helvetica" charset="0"/>
+              </a:rPr>
+              <a:t>International Journal of Computer Applications</a:t>
+            </a:r>
+            <a:r>
+              <a:rPr lang="en-US" dirty="0">
+                <a:solidFill>
+                  <a:schemeClr val="tx1"/>
+                </a:solidFill>
+                <a:latin typeface="Helvetica" charset="0"/>
+                <a:ea typeface="Helvetica" charset="0"/>
+                <a:cs typeface="Helvetica" charset="0"/>
+              </a:rPr>
+              <a:t>, 72(17), 2013. </a:t>
+            </a:r>
+            <a:endParaRPr lang="en-US" dirty="0" smtClean="0">
+              <a:solidFill>
+                <a:schemeClr val="tx1"/>
+              </a:solidFill>
+              <a:latin typeface="Helvetica" charset="0"/>
+              <a:ea typeface="Helvetica" charset="0"/>
+              <a:cs typeface="Helvetica" charset="0"/>
+            </a:endParaRPr>
+          </a:p>
+          <a:p>
+            <a:r>
+              <a:rPr lang="en-US" dirty="0" smtClean="0">
+                <a:solidFill>
+                  <a:schemeClr val="tx1"/>
+                </a:solidFill>
+                <a:latin typeface="Helvetica" charset="0"/>
+                <a:ea typeface="Helvetica" charset="0"/>
+                <a:cs typeface="Helvetica" charset="0"/>
+              </a:rPr>
+              <a:t>[4] </a:t>
+            </a:r>
+            <a:r>
+              <a:rPr lang="en-US" dirty="0">
+                <a:solidFill>
+                  <a:schemeClr val="tx1"/>
+                </a:solidFill>
+                <a:latin typeface="Helvetica" charset="0"/>
+                <a:ea typeface="Helvetica" charset="0"/>
+                <a:cs typeface="Helvetica" charset="0"/>
+              </a:rPr>
+              <a:t>M. </a:t>
+            </a:r>
+            <a:r>
+              <a:rPr lang="en-US" dirty="0" err="1">
+                <a:solidFill>
+                  <a:schemeClr val="tx1"/>
+                </a:solidFill>
+                <a:latin typeface="Helvetica" charset="0"/>
+                <a:ea typeface="Helvetica" charset="0"/>
+                <a:cs typeface="Helvetica" charset="0"/>
+              </a:rPr>
+              <a:t>Obitko</a:t>
+            </a:r>
+            <a:r>
+              <a:rPr lang="en-US" dirty="0">
+                <a:solidFill>
+                  <a:schemeClr val="tx1"/>
+                </a:solidFill>
+                <a:latin typeface="Helvetica" charset="0"/>
+                <a:ea typeface="Helvetica" charset="0"/>
+                <a:cs typeface="Helvetica" charset="0"/>
+              </a:rPr>
+              <a:t>. </a:t>
+            </a:r>
+            <a:r>
+              <a:rPr lang="en-US" dirty="0" smtClean="0">
+                <a:solidFill>
+                  <a:schemeClr val="tx1"/>
+                </a:solidFill>
+                <a:latin typeface="Helvetica" charset="0"/>
+                <a:ea typeface="Helvetica" charset="0"/>
+                <a:cs typeface="Helvetica" charset="0"/>
+              </a:rPr>
+              <a:t>"Introduction </a:t>
+            </a:r>
+            <a:r>
+              <a:rPr lang="en-US" dirty="0">
+                <a:solidFill>
+                  <a:schemeClr val="tx1"/>
+                </a:solidFill>
+                <a:latin typeface="Helvetica" charset="0"/>
+                <a:ea typeface="Helvetica" charset="0"/>
+                <a:cs typeface="Helvetica" charset="0"/>
+              </a:rPr>
+              <a:t>to genetic algorithms - </a:t>
+            </a:r>
+            <a:r>
+              <a:rPr lang="en-US" dirty="0" smtClean="0">
+                <a:solidFill>
+                  <a:schemeClr val="tx1"/>
+                </a:solidFill>
+                <a:latin typeface="Helvetica" charset="0"/>
+                <a:ea typeface="Helvetica" charset="0"/>
+                <a:cs typeface="Helvetica" charset="0"/>
+              </a:rPr>
+              <a:t>XIII. Recommendations". </a:t>
+            </a:r>
+            <a:r>
+              <a:rPr lang="en-US" dirty="0">
+                <a:solidFill>
+                  <a:srgbClr val="0432FF"/>
+                </a:solidFill>
+                <a:latin typeface="Helvetica" charset="0"/>
+                <a:ea typeface="Helvetica" charset="0"/>
+                <a:cs typeface="Helvetica" charset="0"/>
+                <a:hlinkClick r:id="rId2"/>
+              </a:rPr>
+              <a:t>http://www.obitko.com/tutorials/genetic-algorithms/recommendations.php</a:t>
+            </a:r>
+            <a:r>
+              <a:rPr lang="en-US" dirty="0" smtClean="0">
+                <a:solidFill>
+                  <a:srgbClr val="0432FF"/>
+                </a:solidFill>
+                <a:latin typeface="Helvetica" charset="0"/>
+                <a:ea typeface="Helvetica" charset="0"/>
+                <a:cs typeface="Helvetica" charset="0"/>
+                <a:hlinkClick r:id="rId2"/>
+              </a:rPr>
+              <a:t>/</a:t>
+            </a:r>
+            <a:r>
+              <a:rPr lang="en-US" dirty="0" smtClean="0">
+                <a:solidFill>
+                  <a:srgbClr val="0432FF"/>
+                </a:solidFill>
+                <a:latin typeface="Helvetica" charset="0"/>
+                <a:ea typeface="Helvetica" charset="0"/>
+                <a:cs typeface="Helvetica" charset="0"/>
+              </a:rPr>
+              <a:t> </a:t>
+            </a:r>
+            <a:r>
+              <a:rPr lang="en-US" dirty="0" smtClean="0">
+                <a:solidFill>
+                  <a:schemeClr val="tx1"/>
+                </a:solidFill>
+                <a:latin typeface="Helvetica" charset="0"/>
+                <a:ea typeface="Helvetica" charset="0"/>
+                <a:cs typeface="Helvetica" charset="0"/>
+              </a:rPr>
+              <a:t>[</a:t>
+            </a:r>
+            <a:r>
+              <a:rPr lang="en-US" dirty="0">
+                <a:solidFill>
+                  <a:schemeClr val="tx1"/>
+                </a:solidFill>
+                <a:latin typeface="Helvetica" charset="0"/>
+                <a:ea typeface="Helvetica" charset="0"/>
+                <a:cs typeface="Helvetica" charset="0"/>
+              </a:rPr>
+              <a:t>Online; </a:t>
+            </a:r>
+            <a:r>
+              <a:rPr lang="en-US" dirty="0" err="1">
+                <a:solidFill>
+                  <a:schemeClr val="tx1"/>
+                </a:solidFill>
+                <a:latin typeface="Helvetica" charset="0"/>
+                <a:ea typeface="Helvetica" charset="0"/>
+                <a:cs typeface="Helvetica" charset="0"/>
+              </a:rPr>
+              <a:t>acessado</a:t>
+            </a:r>
+            <a:r>
+              <a:rPr lang="en-US" dirty="0">
+                <a:solidFill>
+                  <a:schemeClr val="tx1"/>
+                </a:solidFill>
+                <a:latin typeface="Helvetica" charset="0"/>
+                <a:ea typeface="Helvetica" charset="0"/>
+                <a:cs typeface="Helvetica" charset="0"/>
+              </a:rPr>
+              <a:t> </a:t>
+            </a:r>
+            <a:r>
+              <a:rPr lang="en-US" dirty="0" err="1">
+                <a:solidFill>
+                  <a:schemeClr val="tx1"/>
+                </a:solidFill>
+                <a:latin typeface="Helvetica" charset="0"/>
+                <a:ea typeface="Helvetica" charset="0"/>
+                <a:cs typeface="Helvetica" charset="0"/>
+              </a:rPr>
+              <a:t>em</a:t>
+            </a:r>
+            <a:r>
+              <a:rPr lang="en-US" dirty="0">
+                <a:solidFill>
+                  <a:schemeClr val="tx1"/>
+                </a:solidFill>
+                <a:latin typeface="Helvetica" charset="0"/>
+                <a:ea typeface="Helvetica" charset="0"/>
+                <a:cs typeface="Helvetica" charset="0"/>
+              </a:rPr>
+              <a:t> 17 de </a:t>
+            </a:r>
+            <a:r>
+              <a:rPr lang="en-US" dirty="0" err="1">
+                <a:solidFill>
+                  <a:schemeClr val="tx1"/>
+                </a:solidFill>
+                <a:latin typeface="Helvetica" charset="0"/>
+                <a:ea typeface="Helvetica" charset="0"/>
+                <a:cs typeface="Helvetica" charset="0"/>
+              </a:rPr>
+              <a:t>novembro</a:t>
+            </a:r>
+            <a:r>
+              <a:rPr lang="en-US" dirty="0">
+                <a:solidFill>
+                  <a:schemeClr val="tx1"/>
+                </a:solidFill>
+                <a:latin typeface="Helvetica" charset="0"/>
+                <a:ea typeface="Helvetica" charset="0"/>
+                <a:cs typeface="Helvetica" charset="0"/>
+              </a:rPr>
+              <a:t> de 2016</a:t>
+            </a:r>
+            <a:r>
+              <a:rPr lang="en-US" dirty="0" smtClean="0">
+                <a:solidFill>
+                  <a:schemeClr val="tx1"/>
+                </a:solidFill>
+                <a:latin typeface="Helvetica" charset="0"/>
+                <a:ea typeface="Helvetica" charset="0"/>
+                <a:cs typeface="Helvetica" charset="0"/>
+              </a:rPr>
+              <a:t>].</a:t>
+            </a:r>
+          </a:p>
+          <a:p>
+            <a:r>
+              <a:rPr lang="en-US" dirty="0" smtClean="0">
+                <a:solidFill>
+                  <a:schemeClr val="tx1"/>
+                </a:solidFill>
+                <a:latin typeface="Helvetica" charset="0"/>
+                <a:ea typeface="Helvetica" charset="0"/>
+                <a:cs typeface="Helvetica" charset="0"/>
+              </a:rPr>
+              <a:t>[5] </a:t>
+            </a:r>
+            <a:r>
+              <a:rPr lang="en-US" dirty="0">
+                <a:solidFill>
+                  <a:schemeClr val="tx1"/>
+                </a:solidFill>
+                <a:latin typeface="Helvetica" charset="0"/>
+                <a:ea typeface="Helvetica" charset="0"/>
+                <a:cs typeface="Helvetica" charset="0"/>
+              </a:rPr>
+              <a:t>K. </a:t>
+            </a:r>
+            <a:r>
+              <a:rPr lang="en-US" dirty="0" err="1">
+                <a:solidFill>
+                  <a:schemeClr val="tx1"/>
+                </a:solidFill>
+                <a:latin typeface="Helvetica" charset="0"/>
+                <a:ea typeface="Helvetica" charset="0"/>
+                <a:cs typeface="Helvetica" charset="0"/>
+              </a:rPr>
+              <a:t>DeJong</a:t>
+            </a:r>
+            <a:r>
+              <a:rPr lang="en-US" dirty="0">
+                <a:solidFill>
+                  <a:schemeClr val="tx1"/>
+                </a:solidFill>
+                <a:latin typeface="Helvetica" charset="0"/>
+                <a:ea typeface="Helvetica" charset="0"/>
+                <a:cs typeface="Helvetica" charset="0"/>
+              </a:rPr>
+              <a:t>. </a:t>
+            </a:r>
+            <a:r>
+              <a:rPr lang="en-US" dirty="0" smtClean="0">
+                <a:solidFill>
+                  <a:schemeClr val="tx1"/>
+                </a:solidFill>
+                <a:latin typeface="Helvetica" charset="0"/>
+                <a:ea typeface="Helvetica" charset="0"/>
+                <a:cs typeface="Helvetica" charset="0"/>
+              </a:rPr>
+              <a:t>“An </a:t>
+            </a:r>
+            <a:r>
+              <a:rPr lang="en-US" dirty="0">
+                <a:solidFill>
+                  <a:schemeClr val="tx1"/>
+                </a:solidFill>
+                <a:latin typeface="Helvetica" charset="0"/>
+                <a:ea typeface="Helvetica" charset="0"/>
+                <a:cs typeface="Helvetica" charset="0"/>
+              </a:rPr>
+              <a:t>analysis of the behavior of a class of genetic adaptive </a:t>
+            </a:r>
+            <a:r>
+              <a:rPr lang="en-US" dirty="0" smtClean="0">
+                <a:solidFill>
+                  <a:schemeClr val="tx1"/>
+                </a:solidFill>
+                <a:latin typeface="Helvetica" charset="0"/>
+                <a:ea typeface="Helvetica" charset="0"/>
+                <a:cs typeface="Helvetica" charset="0"/>
+              </a:rPr>
+              <a:t>systems”. </a:t>
+            </a:r>
+            <a:r>
+              <a:rPr lang="en-US" i="1" dirty="0" smtClean="0">
+                <a:solidFill>
+                  <a:schemeClr val="tx1"/>
+                </a:solidFill>
+                <a:latin typeface="Helvetica" charset="0"/>
+                <a:ea typeface="Helvetica" charset="0"/>
+                <a:cs typeface="Helvetica" charset="0"/>
+              </a:rPr>
+              <a:t>Ph.D</a:t>
+            </a:r>
+            <a:r>
+              <a:rPr lang="en-US" i="1" dirty="0">
+                <a:solidFill>
+                  <a:schemeClr val="tx1"/>
+                </a:solidFill>
+                <a:latin typeface="Helvetica" charset="0"/>
+                <a:ea typeface="Helvetica" charset="0"/>
+                <a:cs typeface="Helvetica" charset="0"/>
+              </a:rPr>
+              <a:t>. </a:t>
+            </a:r>
+            <a:r>
+              <a:rPr lang="en-US" i="1" dirty="0" smtClean="0">
+                <a:solidFill>
+                  <a:schemeClr val="tx1"/>
+                </a:solidFill>
+                <a:latin typeface="Helvetica" charset="0"/>
+                <a:ea typeface="Helvetica" charset="0"/>
+                <a:cs typeface="Helvetica" charset="0"/>
+              </a:rPr>
+              <a:t>Thesis</a:t>
+            </a:r>
+            <a:r>
+              <a:rPr lang="en-US" dirty="0">
+                <a:solidFill>
+                  <a:schemeClr val="tx1"/>
+                </a:solidFill>
+                <a:latin typeface="Helvetica" charset="0"/>
+                <a:ea typeface="Helvetica" charset="0"/>
+                <a:cs typeface="Helvetica" charset="0"/>
+              </a:rPr>
+              <a:t>, University of Michigan, 1975</a:t>
+            </a:r>
+            <a:r>
+              <a:rPr lang="en-US" dirty="0" smtClean="0">
+                <a:solidFill>
+                  <a:schemeClr val="tx1"/>
+                </a:solidFill>
+                <a:latin typeface="Helvetica" charset="0"/>
+                <a:ea typeface="Helvetica" charset="0"/>
+                <a:cs typeface="Helvetica" charset="0"/>
+              </a:rPr>
+              <a:t>.</a:t>
+            </a:r>
+            <a:endParaRPr lang="en-US" dirty="0">
+              <a:solidFill>
+                <a:schemeClr val="tx1"/>
+              </a:solidFill>
+              <a:latin typeface="Helvetica" charset="0"/>
+              <a:ea typeface="Helvetica" charset="0"/>
+              <a:cs typeface="Helvetica" charset="0"/>
+            </a:endParaRPr>
+          </a:p>
+          <a:p>
+            <a:endParaRPr lang="en-US" dirty="0"/>
+          </a:p>
+          <a:p>
+            <a:endParaRPr lang="en-US" dirty="0"/>
+          </a:p>
+        </p:txBody>
+      </p:sp>
+      <p:sp>
+        <p:nvSpPr>
+          <p:cNvPr id="5" name="Slide Number Placeholder 4"/>
+          <p:cNvSpPr>
+            <a:spLocks noGrp="1"/>
+          </p:cNvSpPr>
+          <p:nvPr>
+            <p:ph type="sldNum" sz="quarter" idx="12"/>
+          </p:nvPr>
+        </p:nvSpPr>
+        <p:spPr/>
+        <p:txBody>
+          <a:bodyPr/>
+          <a:lstStyle/>
+          <a:p>
+            <a:fld id="{55774153-6BEA-8641-B7A1-86CE42693FE2}" type="slidenum">
+              <a:rPr lang="en-US" smtClean="0"/>
+              <a:t>13</a:t>
+            </a:fld>
+            <a:endParaRPr lang="en-US"/>
+          </a:p>
+        </p:txBody>
+      </p:sp>
+    </p:spTree>
+    <p:extLst>
+      <p:ext uri="{BB962C8B-B14F-4D97-AF65-F5344CB8AC3E}">
+        <p14:creationId xmlns:p14="http://schemas.microsoft.com/office/powerpoint/2010/main" val="530941430"/>
+      </p:ext>
+    </p:extLst>
+  </p:cSld>
+  <p:clrMapOvr>
+    <a:masterClrMapping/>
+  </p:clrMapOvr>
+  <p:timing>
+    <p:tnLst>
+      <p:par>
+        <p:cTn id="1" dur="indefinite" restart="never" nodeType="tmRoot"/>
+      </p:par>
+    </p:tnLst>
+  </p:timing>
+</p:sld>
+</file>
+
+<file path=ppt/slides/slide15.xml><?xml version="1.0" encoding="utf-8"?>
+<p:sld xmlns:a="http://schemas.openxmlformats.org/drawingml/2006/main" xmlns:r="http://schemas.openxmlformats.org/officeDocument/2006/relationships" xmlns:p="http://schemas.openxmlformats.org/presentationml/2006/main">
+  <p:cSld>
+    <p:spTree>
+      <p:nvGrpSpPr>
+        <p:cNvPr id="1" name=""/>
+        <p:cNvGrpSpPr/>
+        <p:nvPr/>
+      </p:nvGrpSpPr>
+      <p:grpSpPr>
+        <a:xfrm>
+          <a:off x="0" y="0"/>
+          <a:ext cx="0" cy="0"/>
+          <a:chOff x="0" y="0"/>
+          <a:chExt cx="0" cy="0"/>
+        </a:xfrm>
+      </p:grpSpPr>
+      <p:sp>
+        <p:nvSpPr>
+          <p:cNvPr id="2" name="Title 1"/>
+          <p:cNvSpPr>
+            <a:spLocks noGrp="1"/>
+          </p:cNvSpPr>
+          <p:nvPr>
+            <p:ph type="title"/>
+          </p:nvPr>
+        </p:nvSpPr>
+        <p:spPr/>
+        <p:txBody>
+          <a:bodyPr/>
+          <a:lstStyle/>
+          <a:p>
+            <a:r>
+              <a:rPr lang="en-US" b="1" dirty="0" err="1" smtClean="0">
+                <a:latin typeface="Helvetica" charset="0"/>
+                <a:ea typeface="Helvetica" charset="0"/>
+                <a:cs typeface="Helvetica" charset="0"/>
+              </a:rPr>
               <a:t>Referências</a:t>
             </a:r>
             <a:endParaRPr lang="en-US" b="1" dirty="0">
@@ -16913,18 +18346,7 @@
                 <a:ea typeface="Helvetica" charset="0"/>
                 <a:cs typeface="Helvetica" charset="0"/>
               </a:rPr>
-              <a:t>"</a:t>
-            </a:r>
-            <a:r>
-              <a:rPr lang="en-US" dirty="0" smtClean="0">
-                <a:solidFill>
-                  <a:schemeClr val="tx1"/>
-                </a:solidFill>
-                <a:latin typeface="Helvetica" charset="0"/>
-                <a:ea typeface="Helvetica" charset="0"/>
-                <a:cs typeface="Helvetica" charset="0"/>
-              </a:rPr>
-              <a:t>The </a:t>
+              <a:t>"The </a:t>
             </a:r>
             <a:r>
               <a:rPr lang="en-US" dirty="0">
@@ -16946,29 +18368,7 @@
                 <a:ea typeface="Helvetica" charset="0"/>
                 <a:cs typeface="Helvetica" charset="0"/>
               </a:rPr>
-              <a:t>study</a:t>
-            </a:r>
-            <a:r>
-              <a:rPr lang="en-US" dirty="0" smtClean="0">
-                <a:solidFill>
-                  <a:schemeClr val="tx1"/>
-                </a:solidFill>
-                <a:latin typeface="Helvetica" charset="0"/>
-                <a:ea typeface="Helvetica" charset="0"/>
-                <a:cs typeface="Helvetica" charset="0"/>
-              </a:rPr>
-              <a:t>"</a:t>
-            </a:r>
-            <a:r>
-              <a:rPr lang="en-US" dirty="0" smtClean="0">
-                <a:solidFill>
-                  <a:schemeClr val="tx1"/>
-                </a:solidFill>
-                <a:latin typeface="Helvetica" charset="0"/>
-                <a:ea typeface="Helvetica" charset="0"/>
-                <a:cs typeface="Helvetica" charset="0"/>
-              </a:rPr>
-              <a:t>. </a:t>
+              <a:t>study". </a:t>
             </a:r>
             <a:r>
               <a:rPr lang="en-US" i="1" dirty="0">
@@ -17025,14 +18425,6 @@
               </a:rPr>
               <a:t>, 2011. </a:t>
             </a:r>
-            <a:endParaRPr lang="en-US" dirty="0">
-              <a:solidFill>
-                <a:schemeClr val="tx1"/>
-              </a:solidFill>
-              <a:latin typeface="Helvetica" charset="0"/>
-              <a:ea typeface="Helvetica" charset="0"/>
-              <a:cs typeface="Helvetica" charset="0"/>
-            </a:endParaRPr>
           </a:p>
           <a:p>
             <a:pPr marL="0" indent="0">
@@ -17062,7 +18454,7 @@
           <a:p>
             <a:fld id="{55774153-6BEA-8641-B7A1-86CE42693FE2}" type="slidenum">
               <a:rPr lang="en-US" smtClean="0"/>
-              <a:t>12</a:t>
+              <a:t>14</a:t>
             </a:fld>
             <a:endParaRPr lang="en-US"/>
           </a:p>
@@ -18296,18 +19688,7 @@
                 <a:ea typeface="Helvetica" charset="0"/>
                 <a:cs typeface="Helvetica" charset="0"/>
               </a:rPr>
-              <a:t>Gera</a:t>
-            </a:r>
-            <a:r>
-              <a:rPr lang="en-US" sz="2000" b="1" dirty="0" err="1" smtClean="0">
-                <a:solidFill>
-                  <a:schemeClr val="tx1"/>
-                </a:solidFill>
-                <a:latin typeface="Helvetica" charset="0"/>
-                <a:ea typeface="Helvetica" charset="0"/>
-                <a:cs typeface="Helvetica" charset="0"/>
-              </a:rPr>
-              <a:t>ção</a:t>
+              <a:t>Geração</a:t>
             </a:r>
             <a:r>
               <a:rPr lang="en-US" sz="2000" dirty="0" smtClean="0">
@@ -18430,14 +19811,6 @@
               </a:rPr>
               <a:t> de um AE</a:t>
             </a:r>
-            <a:endParaRPr lang="en-US" sz="2000" dirty="0" smtClean="0">
-              <a:solidFill>
-                <a:schemeClr val="tx1"/>
-              </a:solidFill>
-              <a:latin typeface="Helvetica" charset="0"/>
-              <a:ea typeface="Helvetica" charset="0"/>
-              <a:cs typeface="Helvetica" charset="0"/>
-            </a:endParaRPr>
           </a:p>
         </p:txBody>
       </p:sp>
@@ -18546,15 +19919,7 @@
                 <a:ea typeface="Helvetica" charset="0"/>
                 <a:cs typeface="Helvetica" charset="0"/>
               </a:rPr>
-              <a:t> (AE</a:t>
-            </a:r>
-            <a:r>
-              <a:rPr lang="en-US" b="1" dirty="0" smtClean="0">
-                <a:latin typeface="Helvetica" charset="0"/>
-                <a:ea typeface="Helvetica" charset="0"/>
-                <a:cs typeface="Helvetica" charset="0"/>
-              </a:rPr>
-              <a:t>)</a:t>
+              <a:t> (AE)</a:t>
             </a:r>
             <a:endParaRPr lang="en-US" b="1" dirty="0">
               <a:latin typeface="Helvetica" charset="0"/>
@@ -18595,7 +19960,18 @@
                 <a:ea typeface="Helvetica" charset="0"/>
                 <a:cs typeface="Helvetica" charset="0"/>
               </a:rPr>
-              <a:t>Princ</a:t>
+              <a:t>Princípio</a:t>
+            </a:r>
+            <a:r>
+              <a:rPr lang="en-US" dirty="0" smtClean="0">
+                <a:solidFill>
+                  <a:schemeClr val="tx1"/>
+                </a:solidFill>
+                <a:latin typeface="Helvetica" charset="0"/>
+                <a:ea typeface="Helvetica" charset="0"/>
+                <a:cs typeface="Helvetica" charset="0"/>
+              </a:rPr>
+              <a:t>: “</a:t>
             </a:r>
             <a:r>
               <a:rPr lang="en-US" dirty="0" err="1" smtClean="0">
@@ -18606,18 +19982,18 @@
                 <a:ea typeface="Helvetica" charset="0"/>
                 <a:cs typeface="Helvetica" charset="0"/>
               </a:rPr>
-              <a:t>ípio</a:t>
-            </a:r>
-            <a:r>
-              <a:rPr lang="en-US" dirty="0" smtClean="0">
-                <a:solidFill>
-                  <a:schemeClr val="tx1"/>
-                </a:solidFill>
-                <a:latin typeface="Helvetica" charset="0"/>
-                <a:ea typeface="Helvetica" charset="0"/>
-                <a:cs typeface="Helvetica" charset="0"/>
-              </a:rPr>
-              <a:t>: “</a:t>
+              <a:t>chutar</a:t>
+            </a:r>
+            <a:r>
+              <a:rPr lang="en-US" dirty="0" smtClean="0">
+                <a:solidFill>
+                  <a:schemeClr val="tx1"/>
+                </a:solidFill>
+                <a:latin typeface="Helvetica" charset="0"/>
+                <a:ea typeface="Helvetica" charset="0"/>
+                <a:cs typeface="Helvetica" charset="0"/>
+              </a:rPr>
+              <a:t>” </a:t>
             </a:r>
             <a:r>
               <a:rPr lang="en-US" dirty="0" err="1" smtClean="0">
@@ -18628,18 +20004,18 @@
                 <a:ea typeface="Helvetica" charset="0"/>
                 <a:cs typeface="Helvetica" charset="0"/>
               </a:rPr>
-              <a:t>chutar</a:t>
-            </a:r>
-            <a:r>
-              <a:rPr lang="en-US" dirty="0" smtClean="0">
-                <a:solidFill>
-                  <a:schemeClr val="tx1"/>
-                </a:solidFill>
-                <a:latin typeface="Helvetica" charset="0"/>
-                <a:ea typeface="Helvetica" charset="0"/>
-                <a:cs typeface="Helvetica" charset="0"/>
-              </a:rPr>
-              <a:t>” </a:t>
+              <a:t>soluções</a:t>
+            </a:r>
+            <a:r>
+              <a:rPr lang="en-US" dirty="0" smtClean="0">
+                <a:solidFill>
+                  <a:schemeClr val="tx1"/>
+                </a:solidFill>
+                <a:latin typeface="Helvetica" charset="0"/>
+                <a:ea typeface="Helvetica" charset="0"/>
+                <a:cs typeface="Helvetica" charset="0"/>
+              </a:rPr>
+              <a:t> (</a:t>
             </a:r>
             <a:r>
               <a:rPr lang="en-US" dirty="0" err="1" smtClean="0">
@@ -18650,6 +20026,427 @@
                 <a:ea typeface="Helvetica" charset="0"/>
                 <a:cs typeface="Helvetica" charset="0"/>
               </a:rPr>
+              <a:t>tentativa</a:t>
+            </a:r>
+            <a:r>
+              <a:rPr lang="en-US" dirty="0" smtClean="0">
+                <a:solidFill>
+                  <a:schemeClr val="tx1"/>
+                </a:solidFill>
+                <a:latin typeface="Helvetica" charset="0"/>
+                <a:ea typeface="Helvetica" charset="0"/>
+                <a:cs typeface="Helvetica" charset="0"/>
+              </a:rPr>
+              <a:t>-e-</a:t>
+            </a:r>
+            <a:r>
+              <a:rPr lang="en-US" dirty="0" err="1" smtClean="0">
+                <a:solidFill>
+                  <a:schemeClr val="tx1"/>
+                </a:solidFill>
+                <a:latin typeface="Helvetica" charset="0"/>
+                <a:ea typeface="Helvetica" charset="0"/>
+                <a:cs typeface="Helvetica" charset="0"/>
+              </a:rPr>
+              <a:t>erro</a:t>
+            </a:r>
+            <a:r>
+              <a:rPr lang="en-US" dirty="0" smtClean="0">
+                <a:solidFill>
+                  <a:schemeClr val="tx1"/>
+                </a:solidFill>
+                <a:latin typeface="Helvetica" charset="0"/>
+                <a:ea typeface="Helvetica" charset="0"/>
+                <a:cs typeface="Helvetica" charset="0"/>
+              </a:rPr>
+              <a:t>) </a:t>
+            </a:r>
+            <a:r>
+              <a:rPr lang="en-US" b="1" baseline="30000" dirty="0" smtClean="0">
+                <a:solidFill>
+                  <a:srgbClr val="0432FF"/>
+                </a:solidFill>
+                <a:latin typeface="Helvetica" charset="0"/>
+                <a:ea typeface="Helvetica" charset="0"/>
+                <a:cs typeface="Helvetica" charset="0"/>
+              </a:rPr>
+              <a:t>[1]</a:t>
+            </a:r>
+          </a:p>
+          <a:p>
+            <a:r>
+              <a:rPr lang="en-US" dirty="0" err="1" smtClean="0">
+                <a:solidFill>
+                  <a:schemeClr val="tx1"/>
+                </a:solidFill>
+                <a:latin typeface="Helvetica" charset="0"/>
+                <a:ea typeface="Helvetica" charset="0"/>
+                <a:cs typeface="Helvetica" charset="0"/>
+              </a:rPr>
+              <a:t>Mesmos</a:t>
+            </a:r>
+            <a:r>
+              <a:rPr lang="en-US" dirty="0" smtClean="0">
+                <a:solidFill>
+                  <a:schemeClr val="tx1"/>
+                </a:solidFill>
+                <a:latin typeface="Helvetica" charset="0"/>
+                <a:ea typeface="Helvetica" charset="0"/>
+                <a:cs typeface="Helvetica" charset="0"/>
+              </a:rPr>
+              <a:t> </a:t>
+            </a:r>
+            <a:r>
+              <a:rPr lang="en-US" dirty="0" err="1" smtClean="0">
+                <a:solidFill>
+                  <a:schemeClr val="tx1"/>
+                </a:solidFill>
+                <a:latin typeface="Helvetica" charset="0"/>
+                <a:ea typeface="Helvetica" charset="0"/>
+                <a:cs typeface="Helvetica" charset="0"/>
+              </a:rPr>
+              <a:t>princípios</a:t>
+            </a:r>
+            <a:r>
+              <a:rPr lang="en-US" dirty="0" smtClean="0">
+                <a:solidFill>
+                  <a:schemeClr val="tx1"/>
+                </a:solidFill>
+                <a:latin typeface="Helvetica" charset="0"/>
+                <a:ea typeface="Helvetica" charset="0"/>
+                <a:cs typeface="Helvetica" charset="0"/>
+              </a:rPr>
+              <a:t> da </a:t>
+            </a:r>
+            <a:r>
+              <a:rPr lang="en-US" dirty="0" err="1" smtClean="0">
+                <a:solidFill>
+                  <a:schemeClr val="tx1"/>
+                </a:solidFill>
+                <a:latin typeface="Helvetica" charset="0"/>
+                <a:ea typeface="Helvetica" charset="0"/>
+                <a:cs typeface="Helvetica" charset="0"/>
+              </a:rPr>
+              <a:t>seleção</a:t>
+            </a:r>
+            <a:r>
+              <a:rPr lang="en-US" dirty="0" smtClean="0">
+                <a:solidFill>
+                  <a:schemeClr val="tx1"/>
+                </a:solidFill>
+                <a:latin typeface="Helvetica" charset="0"/>
+                <a:ea typeface="Helvetica" charset="0"/>
+                <a:cs typeface="Helvetica" charset="0"/>
+              </a:rPr>
+              <a:t> natural (</a:t>
+            </a:r>
+            <a:r>
+              <a:rPr lang="en-US" i="1" dirty="0" err="1" smtClean="0">
+                <a:solidFill>
+                  <a:schemeClr val="tx1"/>
+                </a:solidFill>
+                <a:latin typeface="Helvetica" charset="0"/>
+                <a:ea typeface="Helvetica" charset="0"/>
+                <a:cs typeface="Helvetica" charset="0"/>
+              </a:rPr>
+              <a:t>operações</a:t>
+            </a:r>
+            <a:r>
+              <a:rPr lang="en-US" i="1" dirty="0" smtClean="0">
+                <a:solidFill>
+                  <a:schemeClr val="tx1"/>
+                </a:solidFill>
+                <a:latin typeface="Helvetica" charset="0"/>
+                <a:ea typeface="Helvetica" charset="0"/>
+                <a:cs typeface="Helvetica" charset="0"/>
+              </a:rPr>
+              <a:t> de </a:t>
+            </a:r>
+            <a:r>
+              <a:rPr lang="en-US" i="1" dirty="0" err="1" smtClean="0">
+                <a:solidFill>
+                  <a:schemeClr val="tx1"/>
+                </a:solidFill>
+                <a:latin typeface="Helvetica" charset="0"/>
+                <a:ea typeface="Helvetica" charset="0"/>
+                <a:cs typeface="Helvetica" charset="0"/>
+              </a:rPr>
+              <a:t>evolução</a:t>
+            </a:r>
+            <a:r>
+              <a:rPr lang="en-US" dirty="0" smtClean="0">
+                <a:solidFill>
+                  <a:schemeClr val="tx1"/>
+                </a:solidFill>
+                <a:latin typeface="Helvetica" charset="0"/>
+                <a:ea typeface="Helvetica" charset="0"/>
+                <a:cs typeface="Helvetica" charset="0"/>
+              </a:rPr>
+              <a:t>):</a:t>
+            </a:r>
+          </a:p>
+          <a:p>
+            <a:pPr lvl="1"/>
+            <a:r>
+              <a:rPr lang="en-US" b="1" dirty="0" err="1" smtClean="0">
+                <a:solidFill>
+                  <a:schemeClr val="tx1"/>
+                </a:solidFill>
+                <a:latin typeface="Helvetica" charset="0"/>
+                <a:ea typeface="Helvetica" charset="0"/>
+                <a:cs typeface="Helvetica" charset="0"/>
+              </a:rPr>
+              <a:t>Seleção</a:t>
+            </a:r>
+            <a:endParaRPr lang="en-US" b="1" dirty="0" smtClean="0">
+              <a:solidFill>
+                <a:schemeClr val="tx1"/>
+              </a:solidFill>
+              <a:latin typeface="Helvetica" charset="0"/>
+              <a:ea typeface="Helvetica" charset="0"/>
+              <a:cs typeface="Helvetica" charset="0"/>
+            </a:endParaRPr>
+          </a:p>
+          <a:p>
+            <a:pPr lvl="1"/>
+            <a:r>
+              <a:rPr lang="en-US" b="1" dirty="0" err="1" smtClean="0">
+                <a:solidFill>
+                  <a:schemeClr val="tx1"/>
+                </a:solidFill>
+                <a:latin typeface="Helvetica" charset="0"/>
+                <a:ea typeface="Helvetica" charset="0"/>
+                <a:cs typeface="Helvetica" charset="0"/>
+              </a:rPr>
+              <a:t>Recombinação</a:t>
+            </a:r>
+            <a:r>
+              <a:rPr lang="en-US" i="1" dirty="0" smtClean="0">
+                <a:solidFill>
+                  <a:schemeClr val="tx1"/>
+                </a:solidFill>
+                <a:latin typeface="Helvetica" charset="0"/>
+                <a:ea typeface="Helvetica" charset="0"/>
+                <a:cs typeface="Helvetica" charset="0"/>
+              </a:rPr>
+              <a:t> (</a:t>
+            </a:r>
+            <a:r>
+              <a:rPr lang="en-US" i="1" dirty="0" err="1" smtClean="0">
+                <a:solidFill>
+                  <a:schemeClr val="tx1"/>
+                </a:solidFill>
+                <a:latin typeface="Helvetica" charset="0"/>
+                <a:ea typeface="Helvetica" charset="0"/>
+                <a:cs typeface="Helvetica" charset="0"/>
+              </a:rPr>
+              <a:t>Variação</a:t>
+            </a:r>
+            <a:r>
+              <a:rPr lang="en-US" i="1" dirty="0" smtClean="0">
+                <a:solidFill>
+                  <a:schemeClr val="tx1"/>
+                </a:solidFill>
+                <a:latin typeface="Helvetica" charset="0"/>
+                <a:ea typeface="Helvetica" charset="0"/>
+                <a:cs typeface="Helvetica" charset="0"/>
+              </a:rPr>
+              <a:t>)</a:t>
+            </a:r>
+          </a:p>
+          <a:p>
+            <a:pPr lvl="1"/>
+            <a:r>
+              <a:rPr lang="en-US" b="1" dirty="0" err="1" smtClean="0">
+                <a:solidFill>
+                  <a:schemeClr val="tx1"/>
+                </a:solidFill>
+                <a:latin typeface="Helvetica" charset="0"/>
+                <a:ea typeface="Helvetica" charset="0"/>
+                <a:cs typeface="Helvetica" charset="0"/>
+              </a:rPr>
+              <a:t>Mutação</a:t>
+            </a:r>
+            <a:r>
+              <a:rPr lang="en-US" i="1" dirty="0" smtClean="0">
+                <a:solidFill>
+                  <a:schemeClr val="tx1"/>
+                </a:solidFill>
+                <a:latin typeface="Helvetica" charset="0"/>
+                <a:ea typeface="Helvetica" charset="0"/>
+                <a:cs typeface="Helvetica" charset="0"/>
+              </a:rPr>
+              <a:t> (</a:t>
+            </a:r>
+            <a:r>
+              <a:rPr lang="en-US" i="1" dirty="0" err="1" smtClean="0">
+                <a:solidFill>
+                  <a:schemeClr val="tx1"/>
+                </a:solidFill>
+                <a:latin typeface="Helvetica" charset="0"/>
+                <a:ea typeface="Helvetica" charset="0"/>
+                <a:cs typeface="Helvetica" charset="0"/>
+              </a:rPr>
+              <a:t>Variação</a:t>
+            </a:r>
+            <a:r>
+              <a:rPr lang="en-US" i="1" dirty="0" smtClean="0">
+                <a:solidFill>
+                  <a:schemeClr val="tx1"/>
+                </a:solidFill>
+                <a:latin typeface="Helvetica" charset="0"/>
+                <a:ea typeface="Helvetica" charset="0"/>
+                <a:cs typeface="Helvetica" charset="0"/>
+              </a:rPr>
+              <a:t>)</a:t>
+            </a:r>
+          </a:p>
+          <a:p>
+            <a:pPr lvl="1"/>
+            <a:r>
+              <a:rPr lang="en-US" b="1" dirty="0" err="1" smtClean="0">
+                <a:solidFill>
+                  <a:schemeClr val="tx1"/>
+                </a:solidFill>
+                <a:latin typeface="Helvetica" charset="0"/>
+                <a:ea typeface="Helvetica" charset="0"/>
+                <a:cs typeface="Helvetica" charset="0"/>
+              </a:rPr>
+              <a:t>Sobrevivência</a:t>
+            </a:r>
+            <a:endParaRPr lang="en-US" b="1" dirty="0"/>
+          </a:p>
+          <a:p>
+            <a:r>
+              <a:rPr lang="en-US" dirty="0" smtClean="0">
+                <a:solidFill>
+                  <a:schemeClr val="tx1"/>
+                </a:solidFill>
+                <a:latin typeface="Helvetica" charset="0"/>
+                <a:ea typeface="Helvetica" charset="0"/>
+                <a:cs typeface="Helvetica" charset="0"/>
+              </a:rPr>
+              <a:t>As </a:t>
+            </a:r>
+            <a:r>
+              <a:rPr lang="en-US" dirty="0" err="1" smtClean="0">
+                <a:solidFill>
+                  <a:schemeClr val="tx1"/>
+                </a:solidFill>
+                <a:latin typeface="Helvetica" charset="0"/>
+                <a:ea typeface="Helvetica" charset="0"/>
+                <a:cs typeface="Helvetica" charset="0"/>
+              </a:rPr>
+              <a:t>operações</a:t>
+            </a:r>
+            <a:r>
+              <a:rPr lang="en-US" dirty="0" smtClean="0">
+                <a:solidFill>
+                  <a:schemeClr val="tx1"/>
+                </a:solidFill>
+                <a:latin typeface="Helvetica" charset="0"/>
+                <a:ea typeface="Helvetica" charset="0"/>
+                <a:cs typeface="Helvetica" charset="0"/>
+              </a:rPr>
+              <a:t> de </a:t>
+            </a:r>
+            <a:r>
+              <a:rPr lang="en-US" dirty="0" err="1" smtClean="0">
+                <a:solidFill>
+                  <a:schemeClr val="tx1"/>
+                </a:solidFill>
+                <a:latin typeface="Helvetica" charset="0"/>
+                <a:ea typeface="Helvetica" charset="0"/>
+                <a:cs typeface="Helvetica" charset="0"/>
+              </a:rPr>
+              <a:t>variação</a:t>
+            </a:r>
+            <a:r>
+              <a:rPr lang="en-US" dirty="0" smtClean="0">
+                <a:solidFill>
+                  <a:schemeClr val="tx1"/>
+                </a:solidFill>
+                <a:latin typeface="Helvetica" charset="0"/>
+                <a:ea typeface="Helvetica" charset="0"/>
+                <a:cs typeface="Helvetica" charset="0"/>
+              </a:rPr>
+              <a:t> </a:t>
+            </a:r>
+            <a:r>
+              <a:rPr lang="en-US" dirty="0" err="1" smtClean="0">
+                <a:solidFill>
+                  <a:schemeClr val="tx1"/>
+                </a:solidFill>
+                <a:latin typeface="Helvetica" charset="0"/>
+                <a:ea typeface="Helvetica" charset="0"/>
+                <a:cs typeface="Helvetica" charset="0"/>
+              </a:rPr>
+              <a:t>garantem</a:t>
+            </a:r>
+            <a:r>
+              <a:rPr lang="en-US" dirty="0" smtClean="0">
+                <a:solidFill>
+                  <a:schemeClr val="tx1"/>
+                </a:solidFill>
+                <a:latin typeface="Helvetica" charset="0"/>
+                <a:ea typeface="Helvetica" charset="0"/>
+                <a:cs typeface="Helvetica" charset="0"/>
+              </a:rPr>
+              <a:t> </a:t>
+            </a:r>
+            <a:r>
+              <a:rPr lang="en-US" dirty="0" err="1" smtClean="0">
+                <a:solidFill>
+                  <a:schemeClr val="tx1"/>
+                </a:solidFill>
+                <a:latin typeface="Helvetica" charset="0"/>
+                <a:ea typeface="Helvetica" charset="0"/>
+                <a:cs typeface="Helvetica" charset="0"/>
+              </a:rPr>
+              <a:t>que</a:t>
+            </a:r>
+            <a:r>
+              <a:rPr lang="en-US" dirty="0" smtClean="0">
+                <a:solidFill>
+                  <a:schemeClr val="tx1"/>
+                </a:solidFill>
+                <a:latin typeface="Helvetica" charset="0"/>
+                <a:ea typeface="Helvetica" charset="0"/>
+                <a:cs typeface="Helvetica" charset="0"/>
+              </a:rPr>
+              <a:t> </a:t>
+            </a:r>
+            <a:r>
+              <a:rPr lang="en-US" dirty="0" err="1" smtClean="0">
+                <a:solidFill>
+                  <a:schemeClr val="tx1"/>
+                </a:solidFill>
+                <a:latin typeface="Helvetica" charset="0"/>
+                <a:ea typeface="Helvetica" charset="0"/>
+                <a:cs typeface="Helvetica" charset="0"/>
+              </a:rPr>
+              <a:t>novas</a:t>
+            </a:r>
+            <a:r>
+              <a:rPr lang="en-US" dirty="0" smtClean="0">
+                <a:solidFill>
+                  <a:schemeClr val="tx1"/>
+                </a:solidFill>
+                <a:latin typeface="Helvetica" charset="0"/>
+                <a:ea typeface="Helvetica" charset="0"/>
+                <a:cs typeface="Helvetica" charset="0"/>
+              </a:rPr>
+              <a:t> </a:t>
+            </a:r>
+            <a:r>
+              <a:rPr lang="en-US" dirty="0" err="1" smtClean="0">
+                <a:solidFill>
+                  <a:schemeClr val="tx1"/>
+                </a:solidFill>
+                <a:latin typeface="Helvetica" charset="0"/>
+                <a:ea typeface="Helvetica" charset="0"/>
+                <a:cs typeface="Helvetica" charset="0"/>
+              </a:rPr>
               <a:t>soluções</a:t>
             </a:r>
             <a:r>
@@ -18661,7 +20458,7 @@
                 <a:ea typeface="Helvetica" charset="0"/>
                 <a:cs typeface="Helvetica" charset="0"/>
               </a:rPr>
-              <a:t> (</a:t>
+              <a:t> </a:t>
             </a:r>
             <a:r>
               <a:rPr lang="en-US" dirty="0" err="1" smtClean="0">
@@ -18672,18 +20469,18 @@
                 <a:ea typeface="Helvetica" charset="0"/>
                 <a:cs typeface="Helvetica" charset="0"/>
               </a:rPr>
-              <a:t>tentativa</a:t>
-            </a:r>
-            <a:r>
-              <a:rPr lang="en-US" dirty="0" smtClean="0">
-                <a:solidFill>
-                  <a:schemeClr val="tx1"/>
-                </a:solidFill>
-                <a:latin typeface="Helvetica" charset="0"/>
-                <a:ea typeface="Helvetica" charset="0"/>
-                <a:cs typeface="Helvetica" charset="0"/>
-              </a:rPr>
-              <a:t>-e-</a:t>
+              <a:t>serão</a:t>
+            </a:r>
+            <a:r>
+              <a:rPr lang="en-US" dirty="0" smtClean="0">
+                <a:solidFill>
+                  <a:schemeClr val="tx1"/>
+                </a:solidFill>
+                <a:latin typeface="Helvetica" charset="0"/>
+                <a:ea typeface="Helvetica" charset="0"/>
+                <a:cs typeface="Helvetica" charset="0"/>
+              </a:rPr>
+              <a:t> </a:t>
             </a:r>
             <a:r>
               <a:rPr lang="en-US" dirty="0" err="1" smtClean="0">
@@ -18694,185 +20491,7 @@
                 <a:ea typeface="Helvetica" charset="0"/>
                 <a:cs typeface="Helvetica" charset="0"/>
               </a:rPr>
-              <a:t>erro</a:t>
-            </a:r>
-            <a:r>
-              <a:rPr lang="en-US" dirty="0" smtClean="0">
-                <a:solidFill>
-                  <a:schemeClr val="tx1"/>
-                </a:solidFill>
-                <a:latin typeface="Helvetica" charset="0"/>
-                <a:ea typeface="Helvetica" charset="0"/>
-                <a:cs typeface="Helvetica" charset="0"/>
-              </a:rPr>
-              <a:t>) </a:t>
-            </a:r>
-            <a:r>
-              <a:rPr lang="en-US" b="1" baseline="30000" dirty="0" smtClean="0">
-                <a:solidFill>
-                  <a:srgbClr val="0432FF"/>
-                </a:solidFill>
-                <a:latin typeface="Helvetica" charset="0"/>
-                <a:ea typeface="Helvetica" charset="0"/>
-                <a:cs typeface="Helvetica" charset="0"/>
-              </a:rPr>
-              <a:t>[1]</a:t>
-            </a:r>
-          </a:p>
-          <a:p>
-            <a:r>
-              <a:rPr lang="en-US" dirty="0" err="1" smtClean="0">
-                <a:solidFill>
-                  <a:schemeClr val="tx1"/>
-                </a:solidFill>
-                <a:latin typeface="Helvetica" charset="0"/>
-                <a:ea typeface="Helvetica" charset="0"/>
-                <a:cs typeface="Helvetica" charset="0"/>
-              </a:rPr>
-              <a:t>Mesmos</a:t>
-            </a:r>
-            <a:r>
-              <a:rPr lang="en-US" dirty="0" smtClean="0">
-                <a:solidFill>
-                  <a:schemeClr val="tx1"/>
-                </a:solidFill>
-                <a:latin typeface="Helvetica" charset="0"/>
-                <a:ea typeface="Helvetica" charset="0"/>
-                <a:cs typeface="Helvetica" charset="0"/>
-              </a:rPr>
-              <a:t> </a:t>
-            </a:r>
-            <a:r>
-              <a:rPr lang="en-US" dirty="0" err="1" smtClean="0">
-                <a:solidFill>
-                  <a:schemeClr val="tx1"/>
-                </a:solidFill>
-                <a:latin typeface="Helvetica" charset="0"/>
-                <a:ea typeface="Helvetica" charset="0"/>
-                <a:cs typeface="Helvetica" charset="0"/>
-              </a:rPr>
-              <a:t>princípios</a:t>
-            </a:r>
-            <a:r>
-              <a:rPr lang="en-US" dirty="0" smtClean="0">
-                <a:solidFill>
-                  <a:schemeClr val="tx1"/>
-                </a:solidFill>
-                <a:latin typeface="Helvetica" charset="0"/>
-                <a:ea typeface="Helvetica" charset="0"/>
-                <a:cs typeface="Helvetica" charset="0"/>
-              </a:rPr>
-              <a:t> da </a:t>
-            </a:r>
-            <a:r>
-              <a:rPr lang="en-US" dirty="0" err="1" smtClean="0">
-                <a:solidFill>
-                  <a:schemeClr val="tx1"/>
-                </a:solidFill>
-                <a:latin typeface="Helvetica" charset="0"/>
-                <a:ea typeface="Helvetica" charset="0"/>
-                <a:cs typeface="Helvetica" charset="0"/>
-              </a:rPr>
-              <a:t>seleção</a:t>
-            </a:r>
-            <a:r>
-              <a:rPr lang="en-US" dirty="0" smtClean="0">
-                <a:solidFill>
-                  <a:schemeClr val="tx1"/>
-                </a:solidFill>
-                <a:latin typeface="Helvetica" charset="0"/>
-                <a:ea typeface="Helvetica" charset="0"/>
-                <a:cs typeface="Helvetica" charset="0"/>
-              </a:rPr>
-              <a:t> </a:t>
-            </a:r>
-            <a:r>
-              <a:rPr lang="en-US" dirty="0" smtClean="0">
-                <a:solidFill>
-                  <a:schemeClr val="tx1"/>
-                </a:solidFill>
-                <a:latin typeface="Helvetica" charset="0"/>
-                <a:ea typeface="Helvetica" charset="0"/>
-                <a:cs typeface="Helvetica" charset="0"/>
-              </a:rPr>
-              <a:t>natural (</a:t>
-            </a:r>
-            <a:r>
-              <a:rPr lang="en-US" i="1" dirty="0" err="1" smtClean="0">
-                <a:solidFill>
-                  <a:schemeClr val="tx1"/>
-                </a:solidFill>
-                <a:latin typeface="Helvetica" charset="0"/>
-                <a:ea typeface="Helvetica" charset="0"/>
-                <a:cs typeface="Helvetica" charset="0"/>
-              </a:rPr>
-              <a:t>opera</a:t>
-            </a:r>
-            <a:r>
-              <a:rPr lang="en-US" i="1" dirty="0" err="1" smtClean="0">
-                <a:solidFill>
-                  <a:schemeClr val="tx1"/>
-                </a:solidFill>
-                <a:latin typeface="Helvetica" charset="0"/>
-                <a:ea typeface="Helvetica" charset="0"/>
-                <a:cs typeface="Helvetica" charset="0"/>
-              </a:rPr>
-              <a:t>ções</a:t>
-            </a:r>
-            <a:r>
-              <a:rPr lang="en-US" i="1" dirty="0" smtClean="0">
-                <a:solidFill>
-                  <a:schemeClr val="tx1"/>
-                </a:solidFill>
-                <a:latin typeface="Helvetica" charset="0"/>
-                <a:ea typeface="Helvetica" charset="0"/>
-                <a:cs typeface="Helvetica" charset="0"/>
-              </a:rPr>
-              <a:t> de </a:t>
-            </a:r>
-            <a:r>
-              <a:rPr lang="en-US" i="1" dirty="0" err="1" smtClean="0">
-                <a:solidFill>
-                  <a:schemeClr val="tx1"/>
-                </a:solidFill>
-                <a:latin typeface="Helvetica" charset="0"/>
-                <a:ea typeface="Helvetica" charset="0"/>
-                <a:cs typeface="Helvetica" charset="0"/>
-              </a:rPr>
-              <a:t>evolu</a:t>
-            </a:r>
-            <a:r>
-              <a:rPr lang="en-US" i="1" dirty="0" err="1" smtClean="0">
-                <a:solidFill>
-                  <a:schemeClr val="tx1"/>
-                </a:solidFill>
-                <a:latin typeface="Helvetica" charset="0"/>
-                <a:ea typeface="Helvetica" charset="0"/>
-                <a:cs typeface="Helvetica" charset="0"/>
-              </a:rPr>
-              <a:t>ção</a:t>
-            </a:r>
-            <a:r>
-              <a:rPr lang="en-US" dirty="0" smtClean="0">
-                <a:solidFill>
-                  <a:schemeClr val="tx1"/>
-                </a:solidFill>
-                <a:latin typeface="Helvetica" charset="0"/>
-                <a:ea typeface="Helvetica" charset="0"/>
-                <a:cs typeface="Helvetica" charset="0"/>
-              </a:rPr>
-              <a:t>)</a:t>
-            </a:r>
-            <a:r>
-              <a:rPr lang="en-US" dirty="0" smtClean="0">
-                <a:solidFill>
-                  <a:schemeClr val="tx1"/>
-                </a:solidFill>
-                <a:latin typeface="Helvetica" charset="0"/>
-                <a:ea typeface="Helvetica" charset="0"/>
-                <a:cs typeface="Helvetica" charset="0"/>
-              </a:rPr>
-              <a:t>:</a:t>
+              <a:t>exploradas</a:t>
             </a:r>
             <a:endParaRPr lang="en-US" dirty="0" smtClean="0">
               <a:solidFill>
@@ -18884,53 +20503,41 @@
             </a:endParaRPr>
           </a:p>
           <a:p>
-            <a:pPr lvl="1"/>
-            <a:r>
-              <a:rPr lang="en-US" b="1" dirty="0" err="1" smtClean="0">
-                <a:solidFill>
-                  <a:schemeClr val="tx1"/>
-                </a:solidFill>
-                <a:latin typeface="Helvetica" charset="0"/>
-                <a:ea typeface="Helvetica" charset="0"/>
-                <a:cs typeface="Helvetica" charset="0"/>
-              </a:rPr>
-              <a:t>Sele</a:t>
-            </a:r>
-            <a:r>
-              <a:rPr lang="en-US" b="1" dirty="0" err="1" smtClean="0">
-                <a:solidFill>
-                  <a:schemeClr val="tx1"/>
-                </a:solidFill>
-                <a:latin typeface="Helvetica" charset="0"/>
-                <a:ea typeface="Helvetica" charset="0"/>
-                <a:cs typeface="Helvetica" charset="0"/>
-              </a:rPr>
-              <a:t>ção</a:t>
-            </a:r>
-            <a:endParaRPr lang="en-US" b="1" dirty="0" smtClean="0">
-              <a:solidFill>
-                <a:schemeClr val="tx1"/>
-              </a:solidFill>
-              <a:latin typeface="Helvetica" charset="0"/>
-              <a:ea typeface="Helvetica" charset="0"/>
-              <a:cs typeface="Helvetica" charset="0"/>
-            </a:endParaRPr>
-          </a:p>
-          <a:p>
-            <a:pPr lvl="1"/>
-            <a:r>
-              <a:rPr lang="en-US" b="1" dirty="0" err="1" smtClean="0">
-                <a:solidFill>
-                  <a:schemeClr val="tx1"/>
-                </a:solidFill>
-                <a:latin typeface="Helvetica" charset="0"/>
-                <a:ea typeface="Helvetica" charset="0"/>
-                <a:cs typeface="Helvetica" charset="0"/>
-              </a:rPr>
-              <a:t>Recombinação</a:t>
-            </a:r>
-            <a:r>
-              <a:rPr lang="en-US" i="1" dirty="0" smtClean="0">
+            <a:r>
+              <a:rPr lang="en-US" dirty="0" err="1" smtClean="0">
+                <a:solidFill>
+                  <a:schemeClr val="tx1"/>
+                </a:solidFill>
+                <a:latin typeface="Helvetica" charset="0"/>
+                <a:ea typeface="Helvetica" charset="0"/>
+                <a:cs typeface="Helvetica" charset="0"/>
+              </a:rPr>
+              <a:t>Os</a:t>
+            </a:r>
+            <a:r>
+              <a:rPr lang="en-US" dirty="0" smtClean="0">
+                <a:solidFill>
+                  <a:schemeClr val="tx1"/>
+                </a:solidFill>
+                <a:latin typeface="Helvetica" charset="0"/>
+                <a:ea typeface="Helvetica" charset="0"/>
+                <a:cs typeface="Helvetica" charset="0"/>
+              </a:rPr>
+              <a:t> </a:t>
+            </a:r>
+            <a:r>
+              <a:rPr lang="en-US" dirty="0" err="1" smtClean="0">
+                <a:solidFill>
+                  <a:schemeClr val="tx1"/>
+                </a:solidFill>
+                <a:latin typeface="Helvetica" charset="0"/>
+                <a:ea typeface="Helvetica" charset="0"/>
+                <a:cs typeface="Helvetica" charset="0"/>
+              </a:rPr>
+              <a:t>melhores</a:t>
+            </a:r>
+            <a:r>
+              <a:rPr lang="en-US" dirty="0" smtClean="0">
                 <a:solidFill>
                   <a:schemeClr val="tx1"/>
                 </a:solidFill>
@@ -18941,122 +20548,6 @@
               <a:t> (</a:t>
             </a:r>
             <a:r>
-              <a:rPr lang="en-US" i="1" dirty="0" err="1" smtClean="0">
-                <a:solidFill>
-                  <a:schemeClr val="tx1"/>
-                </a:solidFill>
-                <a:latin typeface="Helvetica" charset="0"/>
-                <a:ea typeface="Helvetica" charset="0"/>
-                <a:cs typeface="Helvetica" charset="0"/>
-              </a:rPr>
-              <a:t>Variação</a:t>
-            </a:r>
-            <a:r>
-              <a:rPr lang="en-US" i="1" dirty="0" smtClean="0">
-                <a:solidFill>
-                  <a:schemeClr val="tx1"/>
-                </a:solidFill>
-                <a:latin typeface="Helvetica" charset="0"/>
-                <a:ea typeface="Helvetica" charset="0"/>
-                <a:cs typeface="Helvetica" charset="0"/>
-              </a:rPr>
-              <a:t>)</a:t>
-            </a:r>
-            <a:endParaRPr lang="en-US" i="1" dirty="0" smtClean="0">
-              <a:solidFill>
-                <a:schemeClr val="tx1"/>
-              </a:solidFill>
-              <a:latin typeface="Helvetica" charset="0"/>
-              <a:ea typeface="Helvetica" charset="0"/>
-              <a:cs typeface="Helvetica" charset="0"/>
-            </a:endParaRPr>
-          </a:p>
-          <a:p>
-            <a:pPr lvl="1"/>
-            <a:r>
-              <a:rPr lang="en-US" b="1" dirty="0" err="1" smtClean="0">
-                <a:solidFill>
-                  <a:schemeClr val="tx1"/>
-                </a:solidFill>
-                <a:latin typeface="Helvetica" charset="0"/>
-                <a:ea typeface="Helvetica" charset="0"/>
-                <a:cs typeface="Helvetica" charset="0"/>
-              </a:rPr>
-              <a:t>Muta</a:t>
-            </a:r>
-            <a:r>
-              <a:rPr lang="en-US" b="1" dirty="0" err="1" smtClean="0">
-                <a:solidFill>
-                  <a:schemeClr val="tx1"/>
-                </a:solidFill>
-                <a:latin typeface="Helvetica" charset="0"/>
-                <a:ea typeface="Helvetica" charset="0"/>
-                <a:cs typeface="Helvetica" charset="0"/>
-              </a:rPr>
-              <a:t>ção</a:t>
-            </a:r>
-            <a:r>
-              <a:rPr lang="en-US" i="1" dirty="0" smtClean="0">
-                <a:solidFill>
-                  <a:schemeClr val="tx1"/>
-                </a:solidFill>
-                <a:latin typeface="Helvetica" charset="0"/>
-                <a:ea typeface="Helvetica" charset="0"/>
-                <a:cs typeface="Helvetica" charset="0"/>
-              </a:rPr>
-              <a:t> (</a:t>
-            </a:r>
-            <a:r>
-              <a:rPr lang="en-US" i="1" dirty="0" err="1" smtClean="0">
-                <a:solidFill>
-                  <a:schemeClr val="tx1"/>
-                </a:solidFill>
-                <a:latin typeface="Helvetica" charset="0"/>
-                <a:ea typeface="Helvetica" charset="0"/>
-                <a:cs typeface="Helvetica" charset="0"/>
-              </a:rPr>
-              <a:t>Variação</a:t>
-            </a:r>
-            <a:r>
-              <a:rPr lang="en-US" i="1" dirty="0" smtClean="0">
-                <a:solidFill>
-                  <a:schemeClr val="tx1"/>
-                </a:solidFill>
-                <a:latin typeface="Helvetica" charset="0"/>
-                <a:ea typeface="Helvetica" charset="0"/>
-                <a:cs typeface="Helvetica" charset="0"/>
-              </a:rPr>
-              <a:t>)</a:t>
-            </a:r>
-          </a:p>
-          <a:p>
-            <a:pPr lvl="1"/>
-            <a:r>
-              <a:rPr lang="en-US" b="1" dirty="0" err="1" smtClean="0">
-                <a:solidFill>
-                  <a:schemeClr val="tx1"/>
-                </a:solidFill>
-                <a:latin typeface="Helvetica" charset="0"/>
-                <a:ea typeface="Helvetica" charset="0"/>
-                <a:cs typeface="Helvetica" charset="0"/>
-              </a:rPr>
-              <a:t>Sobrevivência</a:t>
-            </a:r>
-            <a:endParaRPr lang="en-US" b="1" dirty="0"/>
-          </a:p>
-          <a:p>
-            <a:r>
-              <a:rPr lang="en-US" dirty="0" smtClean="0">
-                <a:solidFill>
-                  <a:schemeClr val="tx1"/>
-                </a:solidFill>
-                <a:latin typeface="Helvetica" charset="0"/>
-                <a:ea typeface="Helvetica" charset="0"/>
-                <a:cs typeface="Helvetica" charset="0"/>
-              </a:rPr>
-              <a:t>As </a:t>
-            </a:r>
-            <a:r>
               <a:rPr lang="en-US" dirty="0" err="1" smtClean="0">
                 <a:solidFill>
                   <a:schemeClr val="tx1"/>
@@ -19065,18 +20556,18 @@
                 <a:ea typeface="Helvetica" charset="0"/>
                 <a:cs typeface="Helvetica" charset="0"/>
               </a:rPr>
-              <a:t>operações</a:t>
-            </a:r>
-            <a:r>
-              <a:rPr lang="en-US" dirty="0" smtClean="0">
-                <a:solidFill>
-                  <a:schemeClr val="tx1"/>
-                </a:solidFill>
-                <a:latin typeface="Helvetica" charset="0"/>
-                <a:ea typeface="Helvetica" charset="0"/>
-                <a:cs typeface="Helvetica" charset="0"/>
-              </a:rPr>
-              <a:t> de </a:t>
+              <a:t>ou</a:t>
+            </a:r>
+            <a:r>
+              <a:rPr lang="en-US" dirty="0" smtClean="0">
+                <a:solidFill>
+                  <a:schemeClr val="tx1"/>
+                </a:solidFill>
+                <a:latin typeface="Helvetica" charset="0"/>
+                <a:ea typeface="Helvetica" charset="0"/>
+                <a:cs typeface="Helvetica" charset="0"/>
+              </a:rPr>
+              <a:t> </a:t>
             </a:r>
             <a:r>
               <a:rPr lang="en-US" dirty="0" err="1" smtClean="0">
@@ -19087,7 +20578,7 @@
                 <a:ea typeface="Helvetica" charset="0"/>
                 <a:cs typeface="Helvetica" charset="0"/>
               </a:rPr>
-              <a:t>variação</a:t>
+              <a:t>mais</a:t>
             </a:r>
             <a:r>
               <a:rPr lang="en-US" dirty="0" smtClean="0">
@@ -19109,7 +20600,29 @@
                 <a:ea typeface="Helvetica" charset="0"/>
                 <a:cs typeface="Helvetica" charset="0"/>
               </a:rPr>
-              <a:t>garantem</a:t>
+              <a:t>adaptados</a:t>
+            </a:r>
+            <a:r>
+              <a:rPr lang="en-US" dirty="0" smtClean="0">
+                <a:solidFill>
+                  <a:schemeClr val="tx1"/>
+                </a:solidFill>
+                <a:latin typeface="Helvetica" charset="0"/>
+                <a:ea typeface="Helvetica" charset="0"/>
+                <a:cs typeface="Helvetica" charset="0"/>
+              </a:rPr>
+              <a:t>) </a:t>
+            </a:r>
+            <a:r>
+              <a:rPr lang="en-US" dirty="0" err="1" smtClean="0">
+                <a:solidFill>
+                  <a:schemeClr val="tx1"/>
+                </a:solidFill>
+                <a:latin typeface="Helvetica" charset="0"/>
+                <a:ea typeface="Helvetica" charset="0"/>
+                <a:cs typeface="Helvetica" charset="0"/>
+              </a:rPr>
+              <a:t>indivíduos</a:t>
             </a:r>
             <a:r>
               <a:rPr lang="en-US" dirty="0" smtClean="0">
@@ -19131,7 +20644,29 @@
                 <a:ea typeface="Helvetica" charset="0"/>
                 <a:cs typeface="Helvetica" charset="0"/>
               </a:rPr>
-              <a:t>que</a:t>
+              <a:t>formam</a:t>
+            </a:r>
+            <a:r>
+              <a:rPr lang="en-US" dirty="0" smtClean="0">
+                <a:solidFill>
+                  <a:schemeClr val="tx1"/>
+                </a:solidFill>
+                <a:latin typeface="Helvetica" charset="0"/>
+                <a:ea typeface="Helvetica" charset="0"/>
+                <a:cs typeface="Helvetica" charset="0"/>
+              </a:rPr>
+              <a:t> a </a:t>
+            </a:r>
+            <a:r>
+              <a:rPr lang="en-US" dirty="0" err="1" smtClean="0">
+                <a:solidFill>
+                  <a:schemeClr val="tx1"/>
+                </a:solidFill>
+                <a:latin typeface="Helvetica" charset="0"/>
+                <a:ea typeface="Helvetica" charset="0"/>
+                <a:cs typeface="Helvetica" charset="0"/>
+              </a:rPr>
+              <a:t>geração</a:t>
             </a:r>
             <a:r>
               <a:rPr lang="en-US" dirty="0" smtClean="0">
@@ -19153,73 +20688,7 @@
                 <a:ea typeface="Helvetica" charset="0"/>
                 <a:cs typeface="Helvetica" charset="0"/>
               </a:rPr>
-              <a:t>novas</a:t>
-            </a:r>
-            <a:r>
-              <a:rPr lang="en-US" dirty="0" smtClean="0">
-                <a:solidFill>
-                  <a:schemeClr val="tx1"/>
-                </a:solidFill>
-                <a:latin typeface="Helvetica" charset="0"/>
-                <a:ea typeface="Helvetica" charset="0"/>
-                <a:cs typeface="Helvetica" charset="0"/>
-              </a:rPr>
-              <a:t> </a:t>
-            </a:r>
-            <a:r>
-              <a:rPr lang="en-US" dirty="0" err="1" smtClean="0">
-                <a:solidFill>
-                  <a:schemeClr val="tx1"/>
-                </a:solidFill>
-                <a:latin typeface="Helvetica" charset="0"/>
-                <a:ea typeface="Helvetica" charset="0"/>
-                <a:cs typeface="Helvetica" charset="0"/>
-              </a:rPr>
-              <a:t>soluções</a:t>
-            </a:r>
-            <a:r>
-              <a:rPr lang="en-US" dirty="0" smtClean="0">
-                <a:solidFill>
-                  <a:schemeClr val="tx1"/>
-                </a:solidFill>
-                <a:latin typeface="Helvetica" charset="0"/>
-                <a:ea typeface="Helvetica" charset="0"/>
-                <a:cs typeface="Helvetica" charset="0"/>
-              </a:rPr>
-              <a:t> </a:t>
-            </a:r>
-            <a:r>
-              <a:rPr lang="en-US" dirty="0" err="1" smtClean="0">
-                <a:solidFill>
-                  <a:schemeClr val="tx1"/>
-                </a:solidFill>
-                <a:latin typeface="Helvetica" charset="0"/>
-                <a:ea typeface="Helvetica" charset="0"/>
-                <a:cs typeface="Helvetica" charset="0"/>
-              </a:rPr>
-              <a:t>serão</a:t>
-            </a:r>
-            <a:r>
-              <a:rPr lang="en-US" dirty="0" smtClean="0">
-                <a:solidFill>
-                  <a:schemeClr val="tx1"/>
-                </a:solidFill>
-                <a:latin typeface="Helvetica" charset="0"/>
-                <a:ea typeface="Helvetica" charset="0"/>
-                <a:cs typeface="Helvetica" charset="0"/>
-              </a:rPr>
-              <a:t> </a:t>
-            </a:r>
-            <a:r>
-              <a:rPr lang="en-US" dirty="0" err="1" smtClean="0">
-                <a:solidFill>
-                  <a:schemeClr val="tx1"/>
-                </a:solidFill>
-                <a:latin typeface="Helvetica" charset="0"/>
-                <a:ea typeface="Helvetica" charset="0"/>
-                <a:cs typeface="Helvetica" charset="0"/>
-              </a:rPr>
-              <a:t>exploradas</a:t>
+              <a:t>seguinte</a:t>
             </a:r>
             <a:endParaRPr lang="en-US" dirty="0" smtClean="0">
               <a:solidFill>
@@ -19240,7 +20709,7 @@
                 <a:ea typeface="Helvetica" charset="0"/>
                 <a:cs typeface="Helvetica" charset="0"/>
               </a:rPr>
-              <a:t>Os</a:t>
+              <a:t>Adaptação</a:t>
             </a:r>
             <a:r>
               <a:rPr lang="en-US" dirty="0" smtClean="0">
@@ -19254,6 +20723,106 @@
               <a:t> </a:t>
             </a:r>
             <a:r>
+              <a:rPr lang="en-US" dirty="0" smtClean="0">
+                <a:solidFill>
+                  <a:schemeClr val="tx1"/>
+                </a:solidFill>
+                <a:latin typeface="Helvetica" charset="0"/>
+                <a:ea typeface="Helvetica" charset="0"/>
+                <a:cs typeface="Helvetica" charset="0"/>
+                <a:sym typeface="Wingdings"/>
+              </a:rPr>
+              <a:t></a:t>
+            </a:r>
+            <a:r>
+              <a:rPr lang="en-US" dirty="0" smtClean="0">
+                <a:solidFill>
+                  <a:schemeClr val="tx1"/>
+                </a:solidFill>
+                <a:latin typeface="Helvetica" charset="0"/>
+                <a:ea typeface="Helvetica" charset="0"/>
+                <a:cs typeface="Helvetica" charset="0"/>
+              </a:rPr>
+              <a:t> </a:t>
+            </a:r>
+            <a:r>
+              <a:rPr lang="en-US" b="1" dirty="0" err="1" smtClean="0">
+                <a:solidFill>
+                  <a:schemeClr val="tx1"/>
+                </a:solidFill>
+                <a:latin typeface="Helvetica" charset="0"/>
+                <a:ea typeface="Helvetica" charset="0"/>
+                <a:cs typeface="Helvetica" charset="0"/>
+              </a:rPr>
+              <a:t>função</a:t>
+            </a:r>
+            <a:r>
+              <a:rPr lang="en-US" b="1" dirty="0" smtClean="0">
+                <a:solidFill>
+                  <a:schemeClr val="tx1"/>
+                </a:solidFill>
+                <a:latin typeface="Helvetica" charset="0"/>
+                <a:ea typeface="Helvetica" charset="0"/>
+                <a:cs typeface="Helvetica" charset="0"/>
+              </a:rPr>
+              <a:t> de fitness </a:t>
+            </a:r>
+            <a:r>
+              <a:rPr lang="en-US" b="1" baseline="30000" dirty="0" smtClean="0">
+                <a:solidFill>
+                  <a:srgbClr val="0432FF"/>
+                </a:solidFill>
+                <a:latin typeface="Helvetica" charset="0"/>
+                <a:ea typeface="Helvetica" charset="0"/>
+                <a:cs typeface="Helvetica" charset="0"/>
+              </a:rPr>
+              <a:t>[</a:t>
+            </a:r>
+            <a:r>
+              <a:rPr lang="en-US" b="1" baseline="30000" dirty="0" smtClean="0">
+                <a:solidFill>
+                  <a:srgbClr val="0432FF"/>
+                </a:solidFill>
+                <a:latin typeface="Helvetica" charset="0"/>
+                <a:ea typeface="Helvetica" charset="0"/>
+                <a:cs typeface="Helvetica" charset="0"/>
+              </a:rPr>
+              <a:t>1,2</a:t>
+            </a:r>
+            <a:r>
+              <a:rPr lang="en-US" b="1" baseline="30000" dirty="0" smtClean="0">
+                <a:solidFill>
+                  <a:srgbClr val="0432FF"/>
+                </a:solidFill>
+                <a:latin typeface="Helvetica" charset="0"/>
+                <a:ea typeface="Helvetica" charset="0"/>
+                <a:cs typeface="Helvetica" charset="0"/>
+              </a:rPr>
+              <a:t>]</a:t>
+            </a:r>
+            <a:r>
+              <a:rPr lang="en-US" b="1" dirty="0" smtClean="0">
+                <a:solidFill>
+                  <a:schemeClr val="tx1"/>
+                </a:solidFill>
+                <a:latin typeface="Helvetica" charset="0"/>
+                <a:ea typeface="Helvetica" charset="0"/>
+                <a:cs typeface="Helvetica" charset="0"/>
+              </a:rPr>
+              <a:t> </a:t>
+            </a:r>
+            <a:r>
+              <a:rPr lang="en-US" dirty="0" smtClean="0">
+                <a:solidFill>
+                  <a:schemeClr val="tx1"/>
+                </a:solidFill>
+                <a:latin typeface="Helvetica" charset="0"/>
+                <a:ea typeface="Helvetica" charset="0"/>
+                <a:cs typeface="Helvetica" charset="0"/>
+              </a:rPr>
+              <a:t>(</a:t>
+            </a:r>
+            <a:r>
               <a:rPr lang="en-US" dirty="0" err="1" smtClean="0">
                 <a:solidFill>
                   <a:schemeClr val="tx1"/>
@@ -19262,18 +20831,18 @@
                 <a:ea typeface="Helvetica" charset="0"/>
                 <a:cs typeface="Helvetica" charset="0"/>
               </a:rPr>
-              <a:t>melhores</a:t>
-            </a:r>
-            <a:r>
-              <a:rPr lang="en-US" dirty="0" smtClean="0">
-                <a:solidFill>
-                  <a:schemeClr val="tx1"/>
-                </a:solidFill>
-                <a:latin typeface="Helvetica" charset="0"/>
-                <a:ea typeface="Helvetica" charset="0"/>
-                <a:cs typeface="Helvetica" charset="0"/>
-              </a:rPr>
-              <a:t> (</a:t>
+              <a:t>escala</a:t>
+            </a:r>
+            <a:r>
+              <a:rPr lang="en-US" dirty="0" smtClean="0">
+                <a:solidFill>
+                  <a:schemeClr val="tx1"/>
+                </a:solidFill>
+                <a:latin typeface="Helvetica" charset="0"/>
+                <a:ea typeface="Helvetica" charset="0"/>
+                <a:cs typeface="Helvetica" charset="0"/>
+              </a:rPr>
+              <a:t> </a:t>
             </a:r>
             <a:r>
               <a:rPr lang="en-US" dirty="0" err="1" smtClean="0">
@@ -19284,18 +20853,7 @@
                 <a:ea typeface="Helvetica" charset="0"/>
                 <a:cs typeface="Helvetica" charset="0"/>
               </a:rPr>
-              <a:t>ou</a:t>
-            </a:r>
-            <a:r>
-              <a:rPr lang="en-US" dirty="0" smtClean="0">
-                <a:solidFill>
-                  <a:schemeClr val="tx1"/>
-                </a:solidFill>
-                <a:latin typeface="Helvetica" charset="0"/>
-                <a:ea typeface="Helvetica" charset="0"/>
-                <a:cs typeface="Helvetica" charset="0"/>
-              </a:rPr>
-              <a:t> </a:t>
+              <a:t>num</a:t>
             </a:r>
             <a:r>
               <a:rPr lang="en-US" dirty="0" err="1" smtClean="0">
@@ -19306,18 +20864,18 @@
                 <a:ea typeface="Helvetica" charset="0"/>
                 <a:cs typeface="Helvetica" charset="0"/>
               </a:rPr>
-              <a:t>mais</a:t>
-            </a:r>
-            <a:r>
-              <a:rPr lang="en-US" dirty="0" smtClean="0">
-                <a:solidFill>
-                  <a:schemeClr val="tx1"/>
-                </a:solidFill>
-                <a:latin typeface="Helvetica" charset="0"/>
-                <a:ea typeface="Helvetica" charset="0"/>
-                <a:cs typeface="Helvetica" charset="0"/>
-              </a:rPr>
-              <a:t> </a:t>
+              <a:t>érica</a:t>
+            </a:r>
+            <a:r>
+              <a:rPr lang="en-US" dirty="0" smtClean="0">
+                <a:solidFill>
+                  <a:schemeClr val="tx1"/>
+                </a:solidFill>
+                <a:latin typeface="Helvetica" charset="0"/>
+                <a:ea typeface="Helvetica" charset="0"/>
+                <a:cs typeface="Helvetica" charset="0"/>
+              </a:rPr>
+              <a:t>, </a:t>
             </a:r>
             <a:r>
               <a:rPr lang="en-US" dirty="0" err="1" smtClean="0">
@@ -19328,18 +20886,18 @@
                 <a:ea typeface="Helvetica" charset="0"/>
                 <a:cs typeface="Helvetica" charset="0"/>
               </a:rPr>
-              <a:t>adaptados</a:t>
-            </a:r>
-            <a:r>
-              <a:rPr lang="en-US" dirty="0" smtClean="0">
-                <a:solidFill>
-                  <a:schemeClr val="tx1"/>
-                </a:solidFill>
-                <a:latin typeface="Helvetica" charset="0"/>
-                <a:ea typeface="Helvetica" charset="0"/>
-                <a:cs typeface="Helvetica" charset="0"/>
-              </a:rPr>
-              <a:t>) </a:t>
+              <a:t>própria</a:t>
+            </a:r>
+            <a:r>
+              <a:rPr lang="en-US" dirty="0" smtClean="0">
+                <a:solidFill>
+                  <a:schemeClr val="tx1"/>
+                </a:solidFill>
+                <a:latin typeface="Helvetica" charset="0"/>
+                <a:ea typeface="Helvetica" charset="0"/>
+                <a:cs typeface="Helvetica" charset="0"/>
+              </a:rPr>
+              <a:t> do </a:t>
             </a:r>
             <a:r>
               <a:rPr lang="en-US" dirty="0" err="1" smtClean="0">
@@ -19350,73 +20908,18 @@
                 <a:ea typeface="Helvetica" charset="0"/>
                 <a:cs typeface="Helvetica" charset="0"/>
               </a:rPr>
-              <a:t>indivíduos</a:t>
-            </a:r>
-            <a:r>
-              <a:rPr lang="en-US" dirty="0" smtClean="0">
-                <a:solidFill>
-                  <a:schemeClr val="tx1"/>
-                </a:solidFill>
-                <a:latin typeface="Helvetica" charset="0"/>
-                <a:ea typeface="Helvetica" charset="0"/>
-                <a:cs typeface="Helvetica" charset="0"/>
-              </a:rPr>
-              <a:t> </a:t>
-            </a:r>
-            <a:r>
-              <a:rPr lang="en-US" dirty="0" err="1" smtClean="0">
-                <a:solidFill>
-                  <a:schemeClr val="tx1"/>
-                </a:solidFill>
-                <a:latin typeface="Helvetica" charset="0"/>
-                <a:ea typeface="Helvetica" charset="0"/>
-                <a:cs typeface="Helvetica" charset="0"/>
-              </a:rPr>
-              <a:t>formam</a:t>
-            </a:r>
-            <a:r>
-              <a:rPr lang="en-US" dirty="0" smtClean="0">
-                <a:solidFill>
-                  <a:schemeClr val="tx1"/>
-                </a:solidFill>
-                <a:latin typeface="Helvetica" charset="0"/>
-                <a:ea typeface="Helvetica" charset="0"/>
-                <a:cs typeface="Helvetica" charset="0"/>
-              </a:rPr>
-              <a:t> a </a:t>
-            </a:r>
-            <a:r>
-              <a:rPr lang="en-US" dirty="0" err="1" smtClean="0">
-                <a:solidFill>
-                  <a:schemeClr val="tx1"/>
-                </a:solidFill>
-                <a:latin typeface="Helvetica" charset="0"/>
-                <a:ea typeface="Helvetica" charset="0"/>
-                <a:cs typeface="Helvetica" charset="0"/>
-              </a:rPr>
-              <a:t>geração</a:t>
-            </a:r>
-            <a:r>
-              <a:rPr lang="en-US" dirty="0" smtClean="0">
-                <a:solidFill>
-                  <a:schemeClr val="tx1"/>
-                </a:solidFill>
-                <a:latin typeface="Helvetica" charset="0"/>
-                <a:ea typeface="Helvetica" charset="0"/>
-                <a:cs typeface="Helvetica" charset="0"/>
-              </a:rPr>
-              <a:t> </a:t>
-            </a:r>
-            <a:r>
-              <a:rPr lang="en-US" dirty="0" err="1" smtClean="0">
-                <a:solidFill>
-                  <a:schemeClr val="tx1"/>
-                </a:solidFill>
-                <a:latin typeface="Helvetica" charset="0"/>
-                <a:ea typeface="Helvetica" charset="0"/>
-                <a:cs typeface="Helvetica" charset="0"/>
-              </a:rPr>
-              <a:t>seguinte</a:t>
+              <a:t>problema</a:t>
+            </a:r>
+            <a:r>
+              <a:rPr lang="en-US" dirty="0" smtClean="0">
+                <a:solidFill>
+                  <a:schemeClr val="tx1"/>
+                </a:solidFill>
+                <a:latin typeface="Helvetica" charset="0"/>
+                <a:ea typeface="Helvetica" charset="0"/>
+                <a:cs typeface="Helvetica" charset="0"/>
+              </a:rPr>
+              <a:t>)</a:t>
             </a:r>
             <a:endParaRPr lang="en-US" dirty="0" smtClean="0">
               <a:solidFill>
@@ -19426,152 +20929,6 @@
               <a:ea typeface="Helvetica" charset="0"/>
               <a:cs typeface="Helvetica" charset="0"/>
             </a:endParaRPr>
-          </a:p>
-          <a:p>
-            <a:r>
-              <a:rPr lang="en-US" dirty="0" err="1" smtClean="0">
-                <a:solidFill>
-                  <a:schemeClr val="tx1"/>
-                </a:solidFill>
-                <a:latin typeface="Helvetica" charset="0"/>
-                <a:ea typeface="Helvetica" charset="0"/>
-                <a:cs typeface="Helvetica" charset="0"/>
-              </a:rPr>
-              <a:t>Adaptação</a:t>
-            </a:r>
-            <a:r>
-              <a:rPr lang="en-US" dirty="0" smtClean="0">
-                <a:solidFill>
-                  <a:schemeClr val="tx1"/>
-                </a:solidFill>
-                <a:latin typeface="Helvetica" charset="0"/>
-                <a:ea typeface="Helvetica" charset="0"/>
-                <a:cs typeface="Helvetica" charset="0"/>
-              </a:rPr>
-              <a:t> </a:t>
-            </a:r>
-            <a:r>
-              <a:rPr lang="en-US" dirty="0" smtClean="0">
-                <a:solidFill>
-                  <a:schemeClr val="tx1"/>
-                </a:solidFill>
-                <a:latin typeface="Helvetica" charset="0"/>
-                <a:ea typeface="Helvetica" charset="0"/>
-                <a:cs typeface="Helvetica" charset="0"/>
-                <a:sym typeface="Wingdings"/>
-              </a:rPr>
-              <a:t></a:t>
-            </a:r>
-            <a:r>
-              <a:rPr lang="en-US" dirty="0" smtClean="0">
-                <a:solidFill>
-                  <a:schemeClr val="tx1"/>
-                </a:solidFill>
-                <a:latin typeface="Helvetica" charset="0"/>
-                <a:ea typeface="Helvetica" charset="0"/>
-                <a:cs typeface="Helvetica" charset="0"/>
-              </a:rPr>
-              <a:t> </a:t>
-            </a:r>
-            <a:r>
-              <a:rPr lang="en-US" b="1" dirty="0" err="1" smtClean="0">
-                <a:solidFill>
-                  <a:schemeClr val="tx1"/>
-                </a:solidFill>
-                <a:latin typeface="Helvetica" charset="0"/>
-                <a:ea typeface="Helvetica" charset="0"/>
-                <a:cs typeface="Helvetica" charset="0"/>
-              </a:rPr>
-              <a:t>função</a:t>
-            </a:r>
-            <a:r>
-              <a:rPr lang="en-US" b="1" dirty="0" smtClean="0">
-                <a:solidFill>
-                  <a:schemeClr val="tx1"/>
-                </a:solidFill>
-                <a:latin typeface="Helvetica" charset="0"/>
-                <a:ea typeface="Helvetica" charset="0"/>
-                <a:cs typeface="Helvetica" charset="0"/>
-              </a:rPr>
-              <a:t> de fitness </a:t>
-            </a:r>
-            <a:r>
-              <a:rPr lang="en-US" dirty="0" smtClean="0">
-                <a:solidFill>
-                  <a:schemeClr val="tx1"/>
-                </a:solidFill>
-                <a:latin typeface="Helvetica" charset="0"/>
-                <a:ea typeface="Helvetica" charset="0"/>
-                <a:cs typeface="Helvetica" charset="0"/>
-              </a:rPr>
-              <a:t>(</a:t>
-            </a:r>
-            <a:r>
-              <a:rPr lang="en-US" dirty="0" err="1" smtClean="0">
-                <a:solidFill>
-                  <a:schemeClr val="tx1"/>
-                </a:solidFill>
-                <a:latin typeface="Helvetica" charset="0"/>
-                <a:ea typeface="Helvetica" charset="0"/>
-                <a:cs typeface="Helvetica" charset="0"/>
-              </a:rPr>
-              <a:t>própria</a:t>
-            </a:r>
-            <a:r>
-              <a:rPr lang="en-US" dirty="0" smtClean="0">
-                <a:solidFill>
-                  <a:schemeClr val="tx1"/>
-                </a:solidFill>
-                <a:latin typeface="Helvetica" charset="0"/>
-                <a:ea typeface="Helvetica" charset="0"/>
-                <a:cs typeface="Helvetica" charset="0"/>
-              </a:rPr>
-              <a:t> de </a:t>
-            </a:r>
-            <a:r>
-              <a:rPr lang="en-US" dirty="0" err="1" smtClean="0">
-                <a:solidFill>
-                  <a:schemeClr val="tx1"/>
-                </a:solidFill>
-                <a:latin typeface="Helvetica" charset="0"/>
-                <a:ea typeface="Helvetica" charset="0"/>
-                <a:cs typeface="Helvetica" charset="0"/>
-              </a:rPr>
-              <a:t>cada</a:t>
-            </a:r>
-            <a:r>
-              <a:rPr lang="en-US" dirty="0" smtClean="0">
-                <a:solidFill>
-                  <a:schemeClr val="tx1"/>
-                </a:solidFill>
-                <a:latin typeface="Helvetica" charset="0"/>
-                <a:ea typeface="Helvetica" charset="0"/>
-                <a:cs typeface="Helvetica" charset="0"/>
-              </a:rPr>
-              <a:t> </a:t>
-            </a:r>
-            <a:r>
-              <a:rPr lang="en-US" dirty="0" err="1" smtClean="0">
-                <a:solidFill>
-                  <a:schemeClr val="tx1"/>
-                </a:solidFill>
-                <a:latin typeface="Helvetica" charset="0"/>
-                <a:ea typeface="Helvetica" charset="0"/>
-                <a:cs typeface="Helvetica" charset="0"/>
-              </a:rPr>
-              <a:t>problema</a:t>
-            </a:r>
-            <a:r>
-              <a:rPr lang="en-US" dirty="0" smtClean="0">
-                <a:solidFill>
-                  <a:schemeClr val="tx1"/>
-                </a:solidFill>
-                <a:latin typeface="Helvetica" charset="0"/>
-                <a:ea typeface="Helvetica" charset="0"/>
-                <a:cs typeface="Helvetica" charset="0"/>
-              </a:rPr>
-              <a:t>)</a:t>
-            </a:r>
           </a:p>
         </p:txBody>
       </p:sp>
@@ -19680,15 +21037,7 @@
                 <a:ea typeface="Helvetica" charset="0"/>
                 <a:cs typeface="Helvetica" charset="0"/>
               </a:rPr>
-              <a:t> (AE</a:t>
-            </a:r>
-            <a:r>
-              <a:rPr lang="en-US" b="1" dirty="0" smtClean="0">
-                <a:latin typeface="Helvetica" charset="0"/>
-                <a:ea typeface="Helvetica" charset="0"/>
-                <a:cs typeface="Helvetica" charset="0"/>
-              </a:rPr>
-              <a:t>) </a:t>
+              <a:t> (AE) </a:t>
             </a:r>
             <a:r>
               <a:rPr lang="mr-IN" b="1" dirty="0" smtClean="0">
@@ -19862,15 +21211,7 @@
                 <a:ea typeface="Helvetica" charset="0"/>
                 <a:cs typeface="Helvetica" charset="0"/>
               </a:rPr>
-              <a:t>Gen</a:t>
-            </a:r>
-            <a:r>
-              <a:rPr lang="en-US" b="1" dirty="0" err="1" smtClean="0">
-                <a:latin typeface="Helvetica" charset="0"/>
-                <a:ea typeface="Helvetica" charset="0"/>
-                <a:cs typeface="Helvetica" charset="0"/>
-              </a:rPr>
-              <a:t>ético</a:t>
+              <a:t>Genético</a:t>
             </a:r>
             <a:r>
               <a:rPr lang="en-US" b="1" dirty="0" smtClean="0">
@@ -19941,18 +21282,7 @@
                 <a:ea typeface="Helvetica" charset="0"/>
                 <a:cs typeface="Helvetica" charset="0"/>
               </a:rPr>
-              <a:t>cont</a:t>
-            </a:r>
-            <a:r>
-              <a:rPr lang="en-US" dirty="0" err="1" smtClean="0">
-                <a:solidFill>
-                  <a:schemeClr val="tx1"/>
-                </a:solidFill>
-                <a:latin typeface="Helvetica" charset="0"/>
-                <a:ea typeface="Helvetica" charset="0"/>
-                <a:cs typeface="Helvetica" charset="0"/>
-              </a:rPr>
-              <a:t>ém</a:t>
+              <a:t>contém</a:t>
             </a:r>
             <a:r>
               <a:rPr lang="en-US" dirty="0" smtClean="0">
@@ -20216,18 +21546,7 @@
                 <a:ea typeface="Helvetica" charset="0"/>
                 <a:cs typeface="Helvetica" charset="0"/>
               </a:rPr>
-              <a:t>Sele</a:t>
-            </a:r>
-            <a:r>
-              <a:rPr lang="en-US" b="1" dirty="0" err="1" smtClean="0">
-                <a:solidFill>
-                  <a:schemeClr val="tx1"/>
-                </a:solidFill>
-                <a:latin typeface="Helvetica" charset="0"/>
-                <a:ea typeface="Helvetica" charset="0"/>
-                <a:cs typeface="Helvetica" charset="0"/>
-              </a:rPr>
-              <a:t>ção</a:t>
+              <a:t>Seleção</a:t>
             </a:r>
             <a:r>
               <a:rPr lang="en-US" b="1" dirty="0" smtClean="0">
@@ -20621,18 +21940,7 @@
                 <a:ea typeface="Helvetica" charset="0"/>
                 <a:cs typeface="Helvetica" charset="0"/>
               </a:rPr>
-              <a:t>Muta</a:t>
-            </a:r>
-            <a:r>
-              <a:rPr lang="en-US" b="1" dirty="0" err="1" smtClean="0">
-                <a:solidFill>
-                  <a:schemeClr val="tx1"/>
-                </a:solidFill>
-                <a:latin typeface="Helvetica" charset="0"/>
-                <a:ea typeface="Helvetica" charset="0"/>
-                <a:cs typeface="Helvetica" charset="0"/>
-              </a:rPr>
-              <a:t>ção</a:t>
+              <a:t>Mutação</a:t>
             </a:r>
             <a:r>
               <a:rPr lang="en-US" dirty="0" smtClean="0">
@@ -21101,15 +22409,7 @@
                 <a:ea typeface="Helvetica" charset="0"/>
                 <a:cs typeface="Helvetica" charset="0"/>
               </a:rPr>
-              <a:t>Sele</a:t>
-            </a:r>
-            <a:r>
-              <a:rPr lang="en-US" b="1" dirty="0" err="1" smtClean="0">
-                <a:latin typeface="Helvetica" charset="0"/>
-                <a:ea typeface="Helvetica" charset="0"/>
-                <a:cs typeface="Helvetica" charset="0"/>
-              </a:rPr>
-              <a:t>ção</a:t>
+              <a:t>Seleção</a:t>
             </a:r>
             <a:r>
               <a:rPr lang="en-US" b="1" dirty="0" smtClean="0">
@@ -21169,18 +22469,7 @@
                 <a:ea typeface="Helvetica" charset="0"/>
                 <a:cs typeface="Helvetica" charset="0"/>
               </a:rPr>
-              <a:t>gera</a:t>
-            </a:r>
-            <a:r>
-              <a:rPr lang="en-US" dirty="0" err="1" smtClean="0">
-                <a:solidFill>
-                  <a:schemeClr val="tx1"/>
-                </a:solidFill>
-                <a:latin typeface="Helvetica" charset="0"/>
-                <a:ea typeface="Helvetica" charset="0"/>
-                <a:cs typeface="Helvetica" charset="0"/>
-              </a:rPr>
-              <a:t>ção</a:t>
+              <a:t>geração</a:t>
             </a:r>
             <a:r>
               <a:rPr lang="en-US" dirty="0" smtClean="0">
@@ -21935,18 +23224,7 @@
                 <a:ea typeface="Helvetica" charset="0"/>
                 <a:cs typeface="Helvetica" charset="0"/>
               </a:rPr>
-              <a:t>d</a:t>
-            </a:r>
-            <a:r>
-              <a:rPr lang="en-US" dirty="0" err="1" smtClean="0">
-                <a:solidFill>
-                  <a:schemeClr val="tx1"/>
-                </a:solidFill>
-                <a:latin typeface="Helvetica" charset="0"/>
-                <a:ea typeface="Helvetica" charset="0"/>
-                <a:cs typeface="Helvetica" charset="0"/>
-              </a:rPr>
-              <a:t>eve</a:t>
+              <a:t>deve</a:t>
             </a:r>
             <a:r>
               <a:rPr lang="en-US" dirty="0" smtClean="0">
@@ -22194,47 +23472,31 @@
                 <a:ea typeface="Helvetica" charset="0"/>
                 <a:cs typeface="Helvetica" charset="0"/>
               </a:rPr>
+              <a:t> Crossover de </a:t>
+            </a:r>
+            <a:r>
+              <a:rPr lang="en-US" b="1" dirty="0" err="1" smtClean="0">
+                <a:latin typeface="Helvetica" charset="0"/>
+                <a:ea typeface="Helvetica" charset="0"/>
+                <a:cs typeface="Helvetica" charset="0"/>
+              </a:rPr>
+              <a:t>dois</a:t>
+            </a:r>
+            <a:r>
+              <a:rPr lang="en-US" b="1" dirty="0" smtClean="0">
+                <a:latin typeface="Helvetica" charset="0"/>
+                <a:ea typeface="Helvetica" charset="0"/>
+                <a:cs typeface="Helvetica" charset="0"/>
+              </a:rPr>
               <a:t> </a:t>
             </a:r>
             <a:r>
-              <a:rPr lang="en-US" b="1" dirty="0" smtClean="0">
-                <a:latin typeface="Helvetica" charset="0"/>
-                <a:ea typeface="Helvetica" charset="0"/>
-                <a:cs typeface="Helvetica" charset="0"/>
-              </a:rPr>
-              <a:t>Crossover de </a:t>
-            </a:r>
-            <a:r>
               <a:rPr lang="en-US" b="1" dirty="0" err="1" smtClean="0">
                 <a:latin typeface="Helvetica" charset="0"/>
                 <a:ea typeface="Helvetica" charset="0"/>
                 <a:cs typeface="Helvetica" charset="0"/>
               </a:rPr>
-              <a:t>dois</a:t>
-            </a:r>
-            <a:r>
-              <a:rPr lang="en-US" b="1" dirty="0" smtClean="0">
-                <a:latin typeface="Helvetica" charset="0"/>
-                <a:ea typeface="Helvetica" charset="0"/>
-                <a:cs typeface="Helvetica" charset="0"/>
-              </a:rPr>
-              <a:t> </a:t>
-            </a:r>
-            <a:r>
-              <a:rPr lang="en-US" b="1" dirty="0" err="1" smtClean="0">
-                <a:latin typeface="Helvetica" charset="0"/>
-                <a:ea typeface="Helvetica" charset="0"/>
-                <a:cs typeface="Helvetica" charset="0"/>
-              </a:rPr>
-              <a:t>po</a:t>
-            </a:r>
-            <a:r>
-              <a:rPr lang="en-US" b="1" dirty="0" err="1" smtClean="0">
-                <a:latin typeface="Helvetica" charset="0"/>
-                <a:ea typeface="Helvetica" charset="0"/>
-                <a:cs typeface="Helvetica" charset="0"/>
-              </a:rPr>
-              <a:t>ntos</a:t>
+              <a:t>pontos</a:t>
             </a:r>
             <a:endParaRPr lang="en-US" b="1" dirty="0">
               <a:latin typeface="Helvetica" charset="0"/>
@@ -22378,15 +23640,7 @@
                 <a:ea typeface="Helvetica" charset="0"/>
                 <a:cs typeface="Helvetica" charset="0"/>
               </a:rPr>
-              <a:t>Muta</a:t>
-            </a:r>
-            <a:r>
-              <a:rPr lang="en-US" b="1" dirty="0" err="1" smtClean="0">
-                <a:latin typeface="Helvetica" charset="0"/>
-                <a:ea typeface="Helvetica" charset="0"/>
-                <a:cs typeface="Helvetica" charset="0"/>
-              </a:rPr>
-              <a:t>ção</a:t>
+              <a:t>Mutação</a:t>
             </a:r>
             <a:endParaRPr lang="en-US" b="1" dirty="0">
               <a:latin typeface="Helvetica" charset="0"/>
@@ -22438,18 +23692,7 @@
                 <a:ea typeface="Helvetica" charset="0"/>
                 <a:cs typeface="Helvetica" charset="0"/>
               </a:rPr>
-              <a:t>mudar</a:t>
-            </a:r>
-            <a:r>
-              <a:rPr lang="en-US" dirty="0" err="1" smtClean="0">
-                <a:solidFill>
-                  <a:schemeClr val="tx1"/>
-                </a:solidFill>
-                <a:latin typeface="Helvetica" charset="0"/>
-                <a:ea typeface="Helvetica" charset="0"/>
-                <a:cs typeface="Helvetica" charset="0"/>
-              </a:rPr>
-              <a:t>á</a:t>
+              <a:t>mudará</a:t>
             </a:r>
             <a:r>
               <a:rPr lang="en-US" dirty="0" smtClean="0">

--- a/presentations/TG2_Apresentacao_Cassio.pptx
+++ b/presentations/TG2_Apresentacao_Cassio.pptx
@@ -26860,7 +26860,7 @@
           <a:lstStyle/>
           <a:p>
             <a:r>
-              <a:rPr lang="en-US">
+              <a:rPr lang="en-US" dirty="0" err="1">
                 <a:solidFill>
                   <a:schemeClr val="tx1"/>
                 </a:solidFill>
@@ -26871,7 +26871,7 @@
               <a:t>T</a:t>
             </a:r>
             <a:r>
-              <a:rPr lang="en-US" smtClean="0">
+              <a:rPr lang="en-US" dirty="0" err="1" smtClean="0">
                 <a:solidFill>
                   <a:schemeClr val="tx1"/>
                 </a:solidFill>

--- a/presentations/TG2_Apresentacao_Cassio.pptx
+++ b/presentations/TG2_Apresentacao_Cassio.pptx
@@ -220,7 +220,7 @@
           <a:p>
             <a:fld id="{7CDA9EC1-9FF2-0E46-B2FE-07EA8F5F1A10}" type="datetimeFigureOut">
               <a:rPr lang="en-US" smtClean="0"/>
-              <a:t>11/18/16</a:t>
+              <a:t>11/19/16</a:t>
             </a:fld>
             <a:endParaRPr lang="en-US"/>
           </a:p>
@@ -2424,7 +2424,7 @@
           <a:p>
             <a:fld id="{B95531F0-7D46-4A43-A343-9A720F56E8FD}" type="datetime1">
               <a:rPr lang="en-US" smtClean="0"/>
-              <a:t>11/18/16</a:t>
+              <a:t>11/19/16</a:t>
             </a:fld>
             <a:endParaRPr lang="en-US"/>
           </a:p>
@@ -3411,7 +3411,7 @@
           <a:p>
             <a:fld id="{F435AD97-0A67-2C45-AE8B-2B8591FF5D6C}" type="datetime1">
               <a:rPr lang="en-US" smtClean="0"/>
-              <a:t>11/18/16</a:t>
+              <a:t>11/19/16</a:t>
             </a:fld>
             <a:endParaRPr lang="en-US"/>
           </a:p>
@@ -4281,7 +4281,7 @@
           <a:p>
             <a:fld id="{9E4B5003-0778-EA40-B828-7E4D015DFBA4}" type="datetime1">
               <a:rPr lang="en-US" smtClean="0"/>
-              <a:t>11/18/16</a:t>
+              <a:t>11/19/16</a:t>
             </a:fld>
             <a:endParaRPr lang="en-US"/>
           </a:p>
@@ -5302,7 +5302,7 @@
           <a:p>
             <a:fld id="{ADAE3BDB-1B20-3745-A530-985E7F3920B3}" type="datetime1">
               <a:rPr lang="en-US" smtClean="0"/>
-              <a:t>11/18/16</a:t>
+              <a:t>11/19/16</a:t>
             </a:fld>
             <a:endParaRPr lang="en-US"/>
           </a:p>
@@ -6222,7 +6222,7 @@
           <a:p>
             <a:fld id="{C55A703E-90FD-714F-8944-51221692724F}" type="datetime1">
               <a:rPr lang="en-US" smtClean="0"/>
-              <a:t>11/18/16</a:t>
+              <a:t>11/19/16</a:t>
             </a:fld>
             <a:endParaRPr lang="en-US"/>
           </a:p>
@@ -6878,7 +6878,7 @@
           <a:p>
             <a:fld id="{83D04EA7-B7D0-0C4C-8B74-A050CE5BEBB2}" type="datetime1">
               <a:rPr lang="en-US" smtClean="0"/>
-              <a:t>11/18/16</a:t>
+              <a:t>11/19/16</a:t>
             </a:fld>
             <a:endParaRPr lang="en-US"/>
           </a:p>
@@ -7735,7 +7735,7 @@
           <a:p>
             <a:fld id="{DBDB68CD-C4A5-F640-9F17-C5F496A2B526}" type="datetime1">
               <a:rPr lang="en-US" smtClean="0"/>
-              <a:t>11/18/16</a:t>
+              <a:t>11/19/16</a:t>
             </a:fld>
             <a:endParaRPr lang="en-US"/>
           </a:p>
@@ -7918,7 +7918,7 @@
           <a:p>
             <a:fld id="{CDC6AF7C-9055-CD49-B5B9-F120B1AB3571}" type="datetime1">
               <a:rPr lang="en-US" smtClean="0"/>
-              <a:t>11/18/16</a:t>
+              <a:t>11/19/16</a:t>
             </a:fld>
             <a:endParaRPr lang="en-US"/>
           </a:p>
@@ -8775,7 +8775,7 @@
           <a:p>
             <a:fld id="{4AE42515-A517-D44B-940E-E41C792E779D}" type="datetime1">
               <a:rPr lang="en-US" smtClean="0"/>
-              <a:t>11/18/16</a:t>
+              <a:t>11/19/16</a:t>
             </a:fld>
             <a:endParaRPr lang="en-US"/>
           </a:p>
@@ -8999,7 +8999,7 @@
           <a:p>
             <a:fld id="{F20BEB36-C475-9A44-8608-8FEE2B7F390D}" type="datetime1">
               <a:rPr lang="en-US" smtClean="0"/>
-              <a:t>11/18/16</a:t>
+              <a:t>11/19/16</a:t>
             </a:fld>
             <a:endParaRPr lang="en-US"/>
           </a:p>
@@ -9924,7 +9924,7 @@
           <a:p>
             <a:fld id="{2A8867D1-E654-6B47-8BA0-7E05F767CDFF}" type="datetime1">
               <a:rPr lang="en-US" smtClean="0"/>
-              <a:t>11/18/16</a:t>
+              <a:t>11/19/16</a:t>
             </a:fld>
             <a:endParaRPr lang="en-US"/>
           </a:p>
@@ -10213,7 +10213,7 @@
           <a:p>
             <a:fld id="{0A347673-BF0E-DF43-BEED-BFB014A1AC71}" type="datetime1">
               <a:rPr lang="en-US" smtClean="0"/>
-              <a:t>11/18/16</a:t>
+              <a:t>11/19/16</a:t>
             </a:fld>
             <a:endParaRPr lang="en-US"/>
           </a:p>
@@ -10603,7 +10603,7 @@
           <a:p>
             <a:fld id="{E4FBF619-EEB5-254E-A8B0-229A8B9C6CED}" type="datetime1">
               <a:rPr lang="en-US" smtClean="0"/>
-              <a:t>11/18/16</a:t>
+              <a:t>11/19/16</a:t>
             </a:fld>
             <a:endParaRPr lang="en-US"/>
           </a:p>
@@ -10729,7 +10729,7 @@
           <a:p>
             <a:fld id="{0482079F-C31D-3444-8B7D-A62FFEBC2304}" type="datetime1">
               <a:rPr lang="en-US" smtClean="0"/>
-              <a:t>11/18/16</a:t>
+              <a:t>11/19/16</a:t>
             </a:fld>
             <a:endParaRPr lang="en-US"/>
           </a:p>
@@ -10824,7 +10824,7 @@
           <a:p>
             <a:fld id="{4BBCF8D0-02FB-E043-9D13-CB6CF6E94FBA}" type="datetime1">
               <a:rPr lang="en-US" smtClean="0"/>
-              <a:t>11/18/16</a:t>
+              <a:t>11/19/16</a:t>
             </a:fld>
             <a:endParaRPr lang="en-US"/>
           </a:p>
@@ -11795,7 +11795,7 @@
           <a:p>
             <a:fld id="{34AB9DC5-D280-3D49-8C84-E04B42D002DA}" type="datetime1">
               <a:rPr lang="en-US" smtClean="0"/>
-              <a:t>11/18/16</a:t>
+              <a:t>11/19/16</a:t>
             </a:fld>
             <a:endParaRPr lang="en-US"/>
           </a:p>
@@ -12790,7 +12790,7 @@
           <a:p>
             <a:fld id="{69D3B358-6744-4D44-A371-FA16E6DCD0C3}" type="datetime1">
               <a:rPr lang="en-US" smtClean="0"/>
-              <a:t>11/18/16</a:t>
+              <a:t>11/19/16</a:t>
             </a:fld>
             <a:endParaRPr lang="en-US"/>
           </a:p>
@@ -13674,7 +13674,7 @@
           <a:p>
             <a:fld id="{AA984BF0-9811-DC42-BCB0-A38ECDAD6224}" type="datetime1">
               <a:rPr lang="en-US" smtClean="0"/>
-              <a:t>11/18/16</a:t>
+              <a:t>11/19/16</a:t>
             </a:fld>
             <a:endParaRPr lang="en-US"/>
           </a:p>
@@ -14868,18 +14868,7 @@
                 <a:ea typeface="Helvetica" charset="0"/>
                 <a:cs typeface="Helvetica" charset="0"/>
               </a:rPr>
-              <a:t> </a:t>
-            </a:r>
-            <a:r>
-              <a:rPr lang="en-US" i="1" dirty="0" smtClean="0">
-                <a:solidFill>
-                  <a:schemeClr val="tx1"/>
-                </a:solidFill>
-                <a:latin typeface="Helvetica" charset="0"/>
-                <a:ea typeface="Helvetica" charset="0"/>
-                <a:cs typeface="Helvetica" charset="0"/>
-              </a:rPr>
-              <a:t>(</a:t>
+              <a:t> (</a:t>
             </a:r>
             <a:r>
               <a:rPr lang="en-US" i="1" dirty="0" err="1" smtClean="0">
@@ -16498,18 +16487,7 @@
                 <a:ea typeface="Helvetica" charset="0"/>
                 <a:cs typeface="Helvetica" charset="0"/>
               </a:rPr>
-              <a:t>[6</a:t>
-            </a:r>
-            <a:r>
-              <a:rPr lang="en-US" b="1" baseline="30000" dirty="0" smtClean="0">
-                <a:solidFill>
-                  <a:srgbClr val="0432FF"/>
-                </a:solidFill>
-                <a:latin typeface="Helvetica" charset="0"/>
-                <a:ea typeface="Helvetica" charset="0"/>
-                <a:cs typeface="Helvetica" charset="0"/>
-              </a:rPr>
-              <a:t>]</a:t>
+              <a:t>[6]</a:t>
             </a:r>
           </a:p>
           <a:p>
@@ -16533,40 +16511,51 @@
                 <a:ea typeface="Helvetica" charset="0"/>
                 <a:cs typeface="Helvetica" charset="0"/>
               </a:rPr>
+              <a:t> Real</a:t>
+            </a:r>
+            <a:r>
+              <a:rPr lang="en-US" dirty="0" smtClean="0">
+                <a:solidFill>
+                  <a:schemeClr val="tx1"/>
+                </a:solidFill>
+                <a:latin typeface="Helvetica" charset="0"/>
+                <a:ea typeface="Helvetica" charset="0"/>
+                <a:cs typeface="Helvetica" charset="0"/>
+              </a:rPr>
+              <a:t> (100 </a:t>
+            </a:r>
+            <a:r>
+              <a:rPr lang="en-US" dirty="0" err="1" smtClean="0">
+                <a:solidFill>
+                  <a:schemeClr val="tx1"/>
+                </a:solidFill>
+                <a:latin typeface="Helvetica" charset="0"/>
+                <a:ea typeface="Helvetica" charset="0"/>
+                <a:cs typeface="Helvetica" charset="0"/>
+              </a:rPr>
+              <a:t>variáveis</a:t>
+            </a:r>
+            <a:r>
+              <a:rPr lang="en-US" dirty="0" smtClean="0">
+                <a:solidFill>
+                  <a:schemeClr val="tx1"/>
+                </a:solidFill>
+                <a:latin typeface="Helvetica" charset="0"/>
+                <a:ea typeface="Helvetica" charset="0"/>
+                <a:cs typeface="Helvetica" charset="0"/>
+              </a:rPr>
               <a:t> </a:t>
             </a:r>
             <a:r>
-              <a:rPr lang="en-US" b="1" dirty="0" smtClean="0">
-                <a:solidFill>
-                  <a:schemeClr val="tx1"/>
-                </a:solidFill>
-                <a:latin typeface="Helvetica" charset="0"/>
-                <a:ea typeface="Helvetica" charset="0"/>
-                <a:cs typeface="Helvetica" charset="0"/>
-              </a:rPr>
-              <a:t>Real</a:t>
-            </a:r>
-            <a:r>
-              <a:rPr lang="en-US" dirty="0" smtClean="0">
-                <a:solidFill>
-                  <a:schemeClr val="tx1"/>
-                </a:solidFill>
-                <a:latin typeface="Helvetica" charset="0"/>
-                <a:ea typeface="Helvetica" charset="0"/>
-                <a:cs typeface="Helvetica" charset="0"/>
-              </a:rPr>
-              <a:t> (100 </a:t>
-            </a:r>
-            <a:r>
-              <a:rPr lang="en-US" dirty="0" err="1" smtClean="0">
-                <a:solidFill>
-                  <a:schemeClr val="tx1"/>
-                </a:solidFill>
-                <a:latin typeface="Helvetica" charset="0"/>
-                <a:ea typeface="Helvetica" charset="0"/>
-                <a:cs typeface="Helvetica" charset="0"/>
-              </a:rPr>
-              <a:t>variáveis</a:t>
+              <a:rPr lang="en-US" dirty="0" err="1" smtClean="0">
+                <a:solidFill>
+                  <a:schemeClr val="tx1"/>
+                </a:solidFill>
+                <a:latin typeface="Helvetica" charset="0"/>
+                <a:ea typeface="Helvetica" charset="0"/>
+                <a:cs typeface="Helvetica" charset="0"/>
+              </a:rPr>
+              <a:t>reais</a:t>
             </a:r>
             <a:r>
               <a:rPr lang="en-US" dirty="0" smtClean="0">
@@ -16588,7 +16577,7 @@
                 <a:ea typeface="Helvetica" charset="0"/>
                 <a:cs typeface="Helvetica" charset="0"/>
               </a:rPr>
-              <a:t>reais</a:t>
+              <a:t>iniciam</a:t>
             </a:r>
             <a:r>
               <a:rPr lang="en-US" dirty="0" smtClean="0">
@@ -16610,7 +16599,29 @@
                 <a:ea typeface="Helvetica" charset="0"/>
                 <a:cs typeface="Helvetica" charset="0"/>
               </a:rPr>
-              <a:t>iniciam</a:t>
+              <a:t>em</a:t>
+            </a:r>
+            <a:r>
+              <a:rPr lang="en-US" dirty="0" smtClean="0">
+                <a:solidFill>
+                  <a:schemeClr val="tx1"/>
+                </a:solidFill>
+                <a:latin typeface="Helvetica" charset="0"/>
+                <a:ea typeface="Helvetica" charset="0"/>
+                <a:cs typeface="Helvetica" charset="0"/>
+              </a:rPr>
+              <a:t> 0.0; </a:t>
+            </a:r>
+            <a:r>
+              <a:rPr lang="en-US" dirty="0" err="1" smtClean="0">
+                <a:solidFill>
+                  <a:schemeClr val="tx1"/>
+                </a:solidFill>
+                <a:latin typeface="Helvetica" charset="0"/>
+                <a:ea typeface="Helvetica" charset="0"/>
+                <a:cs typeface="Helvetica" charset="0"/>
+              </a:rPr>
+              <a:t>Todas</a:t>
             </a:r>
             <a:r>
               <a:rPr lang="en-US" dirty="0" smtClean="0">
@@ -16632,50 +16643,6 @@
                 <a:ea typeface="Helvetica" charset="0"/>
                 <a:cs typeface="Helvetica" charset="0"/>
               </a:rPr>
-              <a:t>em</a:t>
-            </a:r>
-            <a:r>
-              <a:rPr lang="en-US" dirty="0" smtClean="0">
-                <a:solidFill>
-                  <a:schemeClr val="tx1"/>
-                </a:solidFill>
-                <a:latin typeface="Helvetica" charset="0"/>
-                <a:ea typeface="Helvetica" charset="0"/>
-                <a:cs typeface="Helvetica" charset="0"/>
-              </a:rPr>
-              <a:t> 0.0; </a:t>
-            </a:r>
-            <a:r>
-              <a:rPr lang="en-US" dirty="0" err="1" smtClean="0">
-                <a:solidFill>
-                  <a:schemeClr val="tx1"/>
-                </a:solidFill>
-                <a:latin typeface="Helvetica" charset="0"/>
-                <a:ea typeface="Helvetica" charset="0"/>
-                <a:cs typeface="Helvetica" charset="0"/>
-              </a:rPr>
-              <a:t>Todas</a:t>
-            </a:r>
-            <a:r>
-              <a:rPr lang="en-US" dirty="0" smtClean="0">
-                <a:solidFill>
-                  <a:schemeClr val="tx1"/>
-                </a:solidFill>
-                <a:latin typeface="Helvetica" charset="0"/>
-                <a:ea typeface="Helvetica" charset="0"/>
-                <a:cs typeface="Helvetica" charset="0"/>
-              </a:rPr>
-              <a:t> </a:t>
-            </a:r>
-            <a:r>
-              <a:rPr lang="en-US" dirty="0" err="1" smtClean="0">
-                <a:solidFill>
-                  <a:schemeClr val="tx1"/>
-                </a:solidFill>
-                <a:latin typeface="Helvetica" charset="0"/>
-                <a:ea typeface="Helvetica" charset="0"/>
-                <a:cs typeface="Helvetica" charset="0"/>
-              </a:rPr>
               <a:t>devem</a:t>
             </a:r>
             <a:r>
@@ -16709,18 +16676,7 @@
                 <a:ea typeface="Helvetica" charset="0"/>
                 <a:cs typeface="Helvetica" charset="0"/>
               </a:rPr>
-              <a:t> de 1.0</a:t>
-            </a:r>
-            <a:r>
-              <a:rPr lang="en-US" dirty="0" smtClean="0">
-                <a:solidFill>
-                  <a:schemeClr val="tx1"/>
-                </a:solidFill>
-                <a:latin typeface="Helvetica" charset="0"/>
-                <a:ea typeface="Helvetica" charset="0"/>
-                <a:cs typeface="Helvetica" charset="0"/>
-              </a:rPr>
-              <a:t>)</a:t>
+              <a:t> de 1.0)</a:t>
             </a:r>
           </a:p>
           <a:p>
@@ -17607,40 +17563,18 @@
                 <a:ea typeface="Helvetica" charset="0"/>
                 <a:cs typeface="Helvetica" charset="0"/>
               </a:rPr>
-              <a:t>- </a:t>
-            </a:r>
-            <a:r>
-              <a:rPr lang="en-US" dirty="0" smtClean="0">
-                <a:solidFill>
-                  <a:schemeClr val="tx1"/>
-                </a:solidFill>
-                <a:latin typeface="Helvetica" charset="0"/>
-                <a:ea typeface="Helvetica" charset="0"/>
-                <a:cs typeface="Helvetica" charset="0"/>
-              </a:rPr>
-              <a:t>100 </a:t>
-            </a:r>
-            <a:r>
-              <a:rPr lang="en-US" dirty="0" err="1" smtClean="0">
-                <a:solidFill>
-                  <a:schemeClr val="tx1"/>
-                </a:solidFill>
-                <a:latin typeface="Helvetica" charset="0"/>
-                <a:ea typeface="Helvetica" charset="0"/>
-                <a:cs typeface="Helvetica" charset="0"/>
-              </a:rPr>
-              <a:t>BooleanGene</a:t>
-            </a:r>
-            <a:r>
-              <a:rPr lang="en-US" dirty="0" err="1" smtClean="0">
-                <a:solidFill>
-                  <a:schemeClr val="tx1"/>
-                </a:solidFill>
-                <a:latin typeface="Helvetica" charset="0"/>
-                <a:ea typeface="Helvetica" charset="0"/>
-                <a:cs typeface="Helvetica" charset="0"/>
-              </a:rPr>
-              <a:t>s</a:t>
+              <a:t>- 100 </a:t>
+            </a:r>
+            <a:r>
+              <a:rPr lang="en-US" dirty="0" err="1" smtClean="0">
+                <a:solidFill>
+                  <a:schemeClr val="tx1"/>
+                </a:solidFill>
+                <a:latin typeface="Helvetica" charset="0"/>
+                <a:ea typeface="Helvetica" charset="0"/>
+                <a:cs typeface="Helvetica" charset="0"/>
+              </a:rPr>
+              <a:t>BooleanGenes</a:t>
             </a:r>
             <a:r>
               <a:rPr lang="en-US" dirty="0" smtClean="0">
@@ -18206,18 +18140,7 @@
                 <a:ea typeface="Helvetica" charset="0"/>
                 <a:cs typeface="Helvetica" charset="0"/>
               </a:rPr>
-              <a:t>Fun</a:t>
-            </a:r>
-            <a:r>
-              <a:rPr lang="en-US" i="1" dirty="0" err="1" smtClean="0">
-                <a:solidFill>
-                  <a:schemeClr val="tx1"/>
-                </a:solidFill>
-                <a:latin typeface="Helvetica" charset="0"/>
-                <a:ea typeface="Helvetica" charset="0"/>
-                <a:cs typeface="Helvetica" charset="0"/>
-              </a:rPr>
-              <a:t>ção</a:t>
+              <a:t>Função</a:t>
             </a:r>
             <a:r>
               <a:rPr lang="en-US" i="1" dirty="0" smtClean="0">
@@ -18250,18 +18173,7 @@
                 <a:ea typeface="Helvetica" charset="0"/>
                 <a:cs typeface="Helvetica" charset="0"/>
               </a:rPr>
-              <a:t>expressividade</a:t>
-            </a:r>
-            <a:r>
-              <a:rPr lang="en-US" dirty="0" err="1" smtClean="0">
-                <a:solidFill>
-                  <a:schemeClr val="tx1"/>
-                </a:solidFill>
-                <a:latin typeface="Helvetica" charset="0"/>
-                <a:ea typeface="Helvetica" charset="0"/>
-                <a:cs typeface="Helvetica" charset="0"/>
-              </a:rPr>
-              <a:t>s</a:t>
+              <a:t>expressividades</a:t>
             </a:r>
             <a:r>
               <a:rPr lang="en-US" dirty="0" smtClean="0">
@@ -18611,18 +18523,7 @@
                 <a:ea typeface="Helvetica" charset="0"/>
                 <a:cs typeface="Helvetica" charset="0"/>
               </a:rPr>
-              <a:t>n</a:t>
-            </a:r>
-            <a:r>
-              <a:rPr lang="en-US" dirty="0" err="1" smtClean="0">
-                <a:solidFill>
-                  <a:schemeClr val="tx1"/>
-                </a:solidFill>
-                <a:latin typeface="Helvetica" charset="0"/>
-                <a:ea typeface="Helvetica" charset="0"/>
-                <a:cs typeface="Helvetica" charset="0"/>
-              </a:rPr>
-              <a:t>ão</a:t>
+              <a:t>não</a:t>
             </a:r>
             <a:r>
               <a:rPr lang="en-US" dirty="0" smtClean="0">
@@ -21882,15 +21783,7 @@
                 <a:ea typeface="Helvetica" charset="0"/>
                 <a:cs typeface="Helvetica" charset="0"/>
               </a:rPr>
-              <a:t>Otimiza</a:t>
-            </a:r>
-            <a:r>
-              <a:rPr lang="en-US" b="1" dirty="0" err="1" smtClean="0">
-                <a:latin typeface="Helvetica" charset="0"/>
-                <a:ea typeface="Helvetica" charset="0"/>
-                <a:cs typeface="Helvetica" charset="0"/>
-              </a:rPr>
-              <a:t>ções</a:t>
+              <a:t>Otimizações</a:t>
             </a:r>
             <a:endParaRPr lang="en-US" sz="2800" b="1" dirty="0">
               <a:latin typeface="Helvetica" charset="0"/>
@@ -22305,15 +22198,7 @@
                 <a:ea typeface="Helvetica" charset="0"/>
                 <a:cs typeface="Helvetica" charset="0"/>
               </a:rPr>
-              <a:t>Otimiza</a:t>
-            </a:r>
-            <a:r>
-              <a:rPr lang="en-US" b="1" dirty="0" err="1" smtClean="0">
-                <a:latin typeface="Helvetica" charset="0"/>
-                <a:ea typeface="Helvetica" charset="0"/>
-                <a:cs typeface="Helvetica" charset="0"/>
-              </a:rPr>
-              <a:t>ções</a:t>
+              <a:t>Otimizações</a:t>
             </a:r>
             <a:r>
               <a:rPr lang="en-US" b="1" dirty="0" smtClean="0">
@@ -23126,15 +23011,7 @@
                 <a:ea typeface="Helvetica" charset="0"/>
                 <a:cs typeface="Helvetica" charset="0"/>
               </a:rPr>
-              <a:t>Otimiza</a:t>
-            </a:r>
-            <a:r>
-              <a:rPr lang="en-US" b="1" dirty="0" err="1" smtClean="0">
-                <a:latin typeface="Helvetica" charset="0"/>
-                <a:ea typeface="Helvetica" charset="0"/>
-                <a:cs typeface="Helvetica" charset="0"/>
-              </a:rPr>
-              <a:t>ções</a:t>
+              <a:t>Otimizações</a:t>
             </a:r>
             <a:r>
               <a:rPr lang="en-US" b="1" dirty="0" smtClean="0">
@@ -24402,15 +24279,7 @@
                 <a:ea typeface="Helvetica" charset="0"/>
                 <a:cs typeface="Helvetica" charset="0"/>
               </a:rPr>
-              <a:t>Otimiza</a:t>
-            </a:r>
-            <a:r>
-              <a:rPr lang="en-US" b="1" dirty="0" err="1" smtClean="0">
-                <a:latin typeface="Helvetica" charset="0"/>
-                <a:ea typeface="Helvetica" charset="0"/>
-                <a:cs typeface="Helvetica" charset="0"/>
-              </a:rPr>
-              <a:t>ções</a:t>
+              <a:t>Otimizações</a:t>
             </a:r>
             <a:r>
               <a:rPr lang="en-US" b="1" dirty="0" smtClean="0">
@@ -26263,7 +26132,7 @@
           </a:p>
           <a:p>
             <a:r>
-              <a:rPr lang="en-US" sz="2000" dirty="0" err="1" smtClean="0">
+              <a:rPr lang="en-US" sz="2000" smtClean="0">
                 <a:solidFill>
                   <a:schemeClr val="tx1"/>
                 </a:solidFill>
@@ -26651,15 +26520,7 @@
                 <a:ea typeface="Helvetica" charset="0"/>
                 <a:cs typeface="Helvetica" charset="0"/>
               </a:rPr>
-              <a:t>Otimiza</a:t>
-            </a:r>
-            <a:r>
-              <a:rPr lang="en-US" b="1" dirty="0" err="1" smtClean="0">
-                <a:latin typeface="Helvetica" charset="0"/>
-                <a:ea typeface="Helvetica" charset="0"/>
-                <a:cs typeface="Helvetica" charset="0"/>
-              </a:rPr>
-              <a:t>ções</a:t>
+              <a:t>Otimizações</a:t>
             </a:r>
             <a:r>
               <a:rPr lang="en-US" b="1" dirty="0" smtClean="0">
@@ -26803,15 +26664,7 @@
                 <a:ea typeface="Helvetica" charset="0"/>
                 <a:cs typeface="Helvetica" charset="0"/>
               </a:rPr>
-              <a:t>An</a:t>
-            </a:r>
-            <a:r>
-              <a:rPr lang="en-US" b="1" dirty="0" err="1" smtClean="0">
-                <a:latin typeface="Helvetica" charset="0"/>
-                <a:ea typeface="Helvetica" charset="0"/>
-                <a:cs typeface="Helvetica" charset="0"/>
-              </a:rPr>
-              <a:t>álises</a:t>
+              <a:t>Análises</a:t>
             </a:r>
             <a:r>
               <a:rPr lang="en-US" b="1" dirty="0" smtClean="0">
@@ -28291,18 +28144,7 @@
                 <a:ea typeface="Helvetica" charset="0"/>
                 <a:cs typeface="Helvetica" charset="0"/>
               </a:rPr>
-              <a:t>"</a:t>
-            </a:r>
-            <a:r>
-              <a:rPr lang="en-US" dirty="0" smtClean="0">
-                <a:solidFill>
-                  <a:schemeClr val="tx1"/>
-                </a:solidFill>
-                <a:latin typeface="Helvetica" charset="0"/>
-                <a:ea typeface="Helvetica" charset="0"/>
-                <a:cs typeface="Helvetica" charset="0"/>
-              </a:rPr>
-              <a:t>Section </a:t>
+              <a:t>"Section </a:t>
             </a:r>
             <a:r>
               <a:rPr lang="en-US" dirty="0">
@@ -28346,29 +28188,7 @@
                 <a:ea typeface="Helvetica" charset="0"/>
                 <a:cs typeface="Helvetica" charset="0"/>
               </a:rPr>
-              <a:t>algorithm</a:t>
-            </a:r>
-            <a:r>
-              <a:rPr lang="en-US" dirty="0" smtClean="0">
-                <a:solidFill>
-                  <a:schemeClr val="tx1"/>
-                </a:solidFill>
-                <a:latin typeface="Helvetica" charset="0"/>
-                <a:ea typeface="Helvetica" charset="0"/>
-                <a:cs typeface="Helvetica" charset="0"/>
-              </a:rPr>
-              <a:t>”</a:t>
-            </a:r>
-            <a:r>
-              <a:rPr lang="en-US" dirty="0" smtClean="0">
-                <a:solidFill>
-                  <a:schemeClr val="tx1"/>
-                </a:solidFill>
-                <a:latin typeface="Helvetica" charset="0"/>
-                <a:ea typeface="Helvetica" charset="0"/>
-                <a:cs typeface="Helvetica" charset="0"/>
-              </a:rPr>
-              <a:t>. </a:t>
+              <a:t>algorithm”. </a:t>
             </a:r>
             <a:r>
               <a:rPr lang="en-US" i="1" dirty="0" smtClean="0">
@@ -28444,18 +28264,7 @@
                 <a:ea typeface="Helvetica" charset="0"/>
                 <a:cs typeface="Helvetica" charset="0"/>
               </a:rPr>
-              <a:t>"</a:t>
-            </a:r>
-            <a:r>
-              <a:rPr lang="en-US" dirty="0" smtClean="0">
-                <a:solidFill>
-                  <a:schemeClr val="tx1"/>
-                </a:solidFill>
-                <a:latin typeface="Helvetica" charset="0"/>
-                <a:ea typeface="Helvetica" charset="0"/>
-                <a:cs typeface="Helvetica" charset="0"/>
-              </a:rPr>
-              <a:t>An </a:t>
+              <a:t>"An </a:t>
             </a:r>
             <a:r>
               <a:rPr lang="en-US" dirty="0">
@@ -28477,29 +28286,7 @@
                 <a:ea typeface="Helvetica" charset="0"/>
                 <a:cs typeface="Helvetica" charset="0"/>
               </a:rPr>
-              <a:t>algorithms</a:t>
-            </a:r>
-            <a:r>
-              <a:rPr lang="en-US" dirty="0" smtClean="0">
-                <a:solidFill>
-                  <a:schemeClr val="tx1"/>
-                </a:solidFill>
-                <a:latin typeface="Helvetica" charset="0"/>
-                <a:ea typeface="Helvetica" charset="0"/>
-                <a:cs typeface="Helvetica" charset="0"/>
-              </a:rPr>
-              <a:t>"</a:t>
-            </a:r>
-            <a:r>
-              <a:rPr lang="en-US" dirty="0" smtClean="0">
-                <a:solidFill>
-                  <a:schemeClr val="tx1"/>
-                </a:solidFill>
-                <a:latin typeface="Helvetica" charset="0"/>
-                <a:ea typeface="Helvetica" charset="0"/>
-                <a:cs typeface="Helvetica" charset="0"/>
-              </a:rPr>
-              <a:t>. </a:t>
+              <a:t>algorithms". </a:t>
             </a:r>
             <a:r>
               <a:rPr lang="en-US" i="1" dirty="0">
@@ -28553,18 +28340,7 @@
                 <a:ea typeface="Helvetica" charset="0"/>
                 <a:cs typeface="Helvetica" charset="0"/>
               </a:rPr>
-              <a:t>[10] </a:t>
-            </a:r>
-            <a:r>
-              <a:rPr lang="en-US" dirty="0" smtClean="0">
-                <a:solidFill>
-                  <a:schemeClr val="tx1"/>
-                </a:solidFill>
-                <a:latin typeface="Helvetica" charset="0"/>
-                <a:ea typeface="Helvetica" charset="0"/>
-                <a:cs typeface="Helvetica" charset="0"/>
-              </a:rPr>
-              <a:t>M</a:t>
+              <a:t>[10] M</a:t>
             </a:r>
             <a:r>
               <a:rPr lang="en-US" dirty="0">
@@ -28608,18 +28384,7 @@
                 <a:ea typeface="Helvetica" charset="0"/>
                 <a:cs typeface="Helvetica" charset="0"/>
               </a:rPr>
-              <a:t>"</a:t>
-            </a:r>
-            <a:r>
-              <a:rPr lang="en-US" dirty="0" smtClean="0">
-                <a:solidFill>
-                  <a:schemeClr val="tx1"/>
-                </a:solidFill>
-                <a:latin typeface="Helvetica" charset="0"/>
-                <a:ea typeface="Helvetica" charset="0"/>
-                <a:cs typeface="Helvetica" charset="0"/>
-              </a:rPr>
-              <a:t>Adaptive </a:t>
+              <a:t>"Adaptive </a:t>
             </a:r>
             <a:r>
               <a:rPr lang="en-US" dirty="0">
@@ -28641,29 +28406,7 @@
                 <a:ea typeface="Helvetica" charset="0"/>
                 <a:cs typeface="Helvetica" charset="0"/>
               </a:rPr>
-              <a:t>algorithms</a:t>
-            </a:r>
-            <a:r>
-              <a:rPr lang="en-US" dirty="0" smtClean="0">
-                <a:solidFill>
-                  <a:schemeClr val="tx1"/>
-                </a:solidFill>
-                <a:latin typeface="Helvetica" charset="0"/>
-                <a:ea typeface="Helvetica" charset="0"/>
-                <a:cs typeface="Helvetica" charset="0"/>
-              </a:rPr>
-              <a:t>"</a:t>
-            </a:r>
-            <a:r>
-              <a:rPr lang="en-US" dirty="0" smtClean="0">
-                <a:solidFill>
-                  <a:schemeClr val="tx1"/>
-                </a:solidFill>
-                <a:latin typeface="Helvetica" charset="0"/>
-                <a:ea typeface="Helvetica" charset="0"/>
-                <a:cs typeface="Helvetica" charset="0"/>
-              </a:rPr>
-              <a:t>. </a:t>
+              <a:t>algorithms". </a:t>
             </a:r>
             <a:r>
               <a:rPr lang="en-US" i="1" dirty="0">
@@ -28687,14 +28430,6 @@
               </a:rPr>
               <a:t>, 24(4):656–667, 1994. </a:t>
             </a:r>
-            <a:endParaRPr lang="en-US" dirty="0">
-              <a:solidFill>
-                <a:schemeClr val="tx1"/>
-              </a:solidFill>
-              <a:latin typeface="Helvetica" charset="0"/>
-              <a:ea typeface="Helvetica" charset="0"/>
-              <a:cs typeface="Helvetica" charset="0"/>
-            </a:endParaRPr>
           </a:p>
           <a:p>
             <a:endParaRPr lang="en-US" dirty="0">
@@ -28904,18 +28639,7 @@
                 <a:ea typeface="Helvetica" charset="0"/>
                 <a:cs typeface="Helvetica" charset="0"/>
               </a:rPr>
-              <a:t>“</a:t>
-            </a:r>
-            <a:r>
-              <a:rPr lang="en-US" dirty="0" smtClean="0">
-                <a:solidFill>
-                  <a:schemeClr val="tx1"/>
-                </a:solidFill>
-                <a:latin typeface="Helvetica" charset="0"/>
-                <a:ea typeface="Helvetica" charset="0"/>
-                <a:cs typeface="Helvetica" charset="0"/>
-              </a:rPr>
-              <a:t>Adaptive </a:t>
+              <a:t>“Adaptive </a:t>
             </a:r>
             <a:r>
               <a:rPr lang="en-US" dirty="0">
@@ -28937,29 +28661,7 @@
                 <a:ea typeface="Helvetica" charset="0"/>
                 <a:cs typeface="Helvetica" charset="0"/>
               </a:rPr>
-              <a:t>enetic Algorithm</a:t>
-            </a:r>
-            <a:r>
-              <a:rPr lang="en-US" dirty="0" smtClean="0">
-                <a:solidFill>
-                  <a:schemeClr val="tx1"/>
-                </a:solidFill>
-                <a:latin typeface="Helvetica" charset="0"/>
-                <a:ea typeface="Helvetica" charset="0"/>
-                <a:cs typeface="Helvetica" charset="0"/>
-              </a:rPr>
-              <a:t>”</a:t>
-            </a:r>
-            <a:r>
-              <a:rPr lang="en-US" dirty="0" smtClean="0">
-                <a:solidFill>
-                  <a:schemeClr val="tx1"/>
-                </a:solidFill>
-                <a:latin typeface="Helvetica" charset="0"/>
-                <a:ea typeface="Helvetica" charset="0"/>
-                <a:cs typeface="Helvetica" charset="0"/>
-              </a:rPr>
-              <a:t>. </a:t>
+              <a:t>enetic Algorithm”. </a:t>
             </a:r>
             <a:r>
               <a:rPr lang="en-US" i="1" dirty="0">
@@ -28983,14 +28685,6 @@
               </a:rPr>
               <a:t>, 7(3):229–235, 1999. </a:t>
             </a:r>
-            <a:endParaRPr lang="en-US" dirty="0">
-              <a:solidFill>
-                <a:schemeClr val="tx1"/>
-              </a:solidFill>
-              <a:latin typeface="Helvetica" charset="0"/>
-              <a:ea typeface="Helvetica" charset="0"/>
-              <a:cs typeface="Helvetica" charset="0"/>
-            </a:endParaRPr>
           </a:p>
           <a:p>
             <a:r>
@@ -29024,18 +28718,7 @@
                 <a:ea typeface="Helvetica" charset="0"/>
                 <a:cs typeface="Helvetica" charset="0"/>
               </a:rPr>
-              <a:t>"</a:t>
-            </a:r>
-            <a:r>
-              <a:rPr lang="en-US" dirty="0" smtClean="0">
-                <a:solidFill>
-                  <a:schemeClr val="tx1"/>
-                </a:solidFill>
-                <a:latin typeface="Helvetica" charset="0"/>
-                <a:ea typeface="Helvetica" charset="0"/>
-                <a:cs typeface="Helvetica" charset="0"/>
-              </a:rPr>
-              <a:t>Improved </a:t>
+              <a:t>"Improved </a:t>
             </a:r>
             <a:r>
               <a:rPr lang="en-US" dirty="0">
@@ -29057,29 +28740,7 @@
                 <a:ea typeface="Helvetica" charset="0"/>
                 <a:cs typeface="Helvetica" charset="0"/>
               </a:rPr>
-              <a:t>segmentation</a:t>
-            </a:r>
-            <a:r>
-              <a:rPr lang="en-US" dirty="0" smtClean="0">
-                <a:solidFill>
-                  <a:schemeClr val="tx1"/>
-                </a:solidFill>
-                <a:latin typeface="Helvetica" charset="0"/>
-                <a:ea typeface="Helvetica" charset="0"/>
-                <a:cs typeface="Helvetica" charset="0"/>
-              </a:rPr>
-              <a:t>"</a:t>
-            </a:r>
-            <a:r>
-              <a:rPr lang="en-US" dirty="0" smtClean="0">
-                <a:solidFill>
-                  <a:schemeClr val="tx1"/>
-                </a:solidFill>
-                <a:latin typeface="Helvetica" charset="0"/>
-                <a:ea typeface="Helvetica" charset="0"/>
-                <a:cs typeface="Helvetica" charset="0"/>
-              </a:rPr>
-              <a:t>. </a:t>
+              <a:t>segmentation". </a:t>
             </a:r>
             <a:r>
               <a:rPr lang="en-US" i="1" dirty="0">
@@ -29188,18 +28849,7 @@
                 <a:ea typeface="Helvetica" charset="0"/>
                 <a:cs typeface="Helvetica" charset="0"/>
               </a:rPr>
-              <a:t>"</a:t>
-            </a:r>
-            <a:r>
-              <a:rPr lang="en-US" dirty="0" smtClean="0">
-                <a:solidFill>
-                  <a:schemeClr val="tx1"/>
-                </a:solidFill>
-                <a:latin typeface="Helvetica" charset="0"/>
-                <a:ea typeface="Helvetica" charset="0"/>
-                <a:cs typeface="Helvetica" charset="0"/>
-              </a:rPr>
-              <a:t>Variable </a:t>
+              <a:t>"Variable </a:t>
             </a:r>
             <a:r>
               <a:rPr lang="en-US" dirty="0">
@@ -29221,29 +28871,7 @@
                 <a:ea typeface="Helvetica" charset="0"/>
                 <a:cs typeface="Helvetica" charset="0"/>
               </a:rPr>
-              <a:t>representation</a:t>
-            </a:r>
-            <a:r>
-              <a:rPr lang="en-US" dirty="0" smtClean="0">
-                <a:solidFill>
-                  <a:schemeClr val="tx1"/>
-                </a:solidFill>
-                <a:latin typeface="Helvetica" charset="0"/>
-                <a:ea typeface="Helvetica" charset="0"/>
-                <a:cs typeface="Helvetica" charset="0"/>
-              </a:rPr>
-              <a:t>"</a:t>
-            </a:r>
-            <a:r>
-              <a:rPr lang="en-US" dirty="0" smtClean="0">
-                <a:solidFill>
-                  <a:schemeClr val="tx1"/>
-                </a:solidFill>
-                <a:latin typeface="Helvetica" charset="0"/>
-                <a:ea typeface="Helvetica" charset="0"/>
-                <a:cs typeface="Helvetica" charset="0"/>
-              </a:rPr>
-              <a:t>. </a:t>
+              <a:t>representation". </a:t>
             </a:r>
             <a:r>
               <a:rPr lang="en-US" i="1" dirty="0">
@@ -30469,18 +30097,7 @@
                 <a:ea typeface="Helvetica" charset="0"/>
                 <a:cs typeface="Helvetica" charset="0"/>
               </a:rPr>
-              <a:t>solu</a:t>
-            </a:r>
-            <a:r>
-              <a:rPr lang="en-US" sz="2000" b="1" dirty="0" err="1" smtClean="0">
-                <a:solidFill>
-                  <a:schemeClr val="tx1"/>
-                </a:solidFill>
-                <a:latin typeface="Helvetica" charset="0"/>
-                <a:ea typeface="Helvetica" charset="0"/>
-                <a:cs typeface="Helvetica" charset="0"/>
-              </a:rPr>
-              <a:t>ções</a:t>
+              <a:t>soluções</a:t>
             </a:r>
             <a:r>
               <a:rPr lang="en-US" sz="2000" b="1" dirty="0" smtClean="0">
@@ -30491,18 +30108,7 @@
                 <a:ea typeface="Helvetica" charset="0"/>
                 <a:cs typeface="Helvetica" charset="0"/>
               </a:rPr>
-              <a:t> </a:t>
-            </a:r>
-            <a:r>
-              <a:rPr lang="en-US" sz="2000" b="1" dirty="0" smtClean="0">
-                <a:solidFill>
-                  <a:schemeClr val="tx1"/>
-                </a:solidFill>
-                <a:latin typeface="Helvetica" charset="0"/>
-                <a:ea typeface="Helvetica" charset="0"/>
-                <a:cs typeface="Helvetica" charset="0"/>
-              </a:rPr>
-              <a:t>antes de performance</a:t>
+              <a:t> antes de performance</a:t>
             </a:r>
             <a:endParaRPr lang="en-US" sz="2000" dirty="0" smtClean="0">
               <a:solidFill>
@@ -31477,29 +31083,7 @@
                 <a:ea typeface="Helvetica" charset="0"/>
                 <a:cs typeface="Helvetica" charset="0"/>
               </a:rPr>
-              <a:t>[</a:t>
-            </a:r>
-            <a:r>
-              <a:rPr lang="en-US" b="1" baseline="30000" dirty="0" smtClean="0">
-                <a:solidFill>
-                  <a:srgbClr val="0432FF"/>
-                </a:solidFill>
-                <a:latin typeface="Helvetica" charset="0"/>
-                <a:ea typeface="Helvetica" charset="0"/>
-                <a:cs typeface="Helvetica" charset="0"/>
-              </a:rPr>
-              <a:t>1,2</a:t>
-            </a:r>
-            <a:r>
-              <a:rPr lang="en-US" b="1" baseline="30000" dirty="0" smtClean="0">
-                <a:solidFill>
-                  <a:srgbClr val="0432FF"/>
-                </a:solidFill>
-                <a:latin typeface="Helvetica" charset="0"/>
-                <a:ea typeface="Helvetica" charset="0"/>
-                <a:cs typeface="Helvetica" charset="0"/>
-              </a:rPr>
-              <a:t>]</a:t>
+              <a:t>[1,2]</a:t>
             </a:r>
             <a:r>
               <a:rPr lang="en-US" b="1" dirty="0" smtClean="0">
@@ -31554,18 +31138,7 @@
                 <a:ea typeface="Helvetica" charset="0"/>
                 <a:cs typeface="Helvetica" charset="0"/>
               </a:rPr>
-              <a:t>num</a:t>
-            </a:r>
-            <a:r>
-              <a:rPr lang="en-US" dirty="0" err="1" smtClean="0">
-                <a:solidFill>
-                  <a:schemeClr val="tx1"/>
-                </a:solidFill>
-                <a:latin typeface="Helvetica" charset="0"/>
-                <a:ea typeface="Helvetica" charset="0"/>
-                <a:cs typeface="Helvetica" charset="0"/>
-              </a:rPr>
-              <a:t>érica</a:t>
+              <a:t>numérica</a:t>
             </a:r>
             <a:r>
               <a:rPr lang="en-US" dirty="0" smtClean="0">
@@ -31622,14 +31195,6 @@
               </a:rPr>
               <a:t>)</a:t>
             </a:r>
-            <a:endParaRPr lang="en-US" dirty="0" smtClean="0">
-              <a:solidFill>
-                <a:schemeClr val="tx1"/>
-              </a:solidFill>
-              <a:latin typeface="Helvetica" charset="0"/>
-              <a:ea typeface="Helvetica" charset="0"/>
-              <a:cs typeface="Helvetica" charset="0"/>
-            </a:endParaRPr>
           </a:p>
         </p:txBody>
       </p:sp>
@@ -31749,18 +31314,7 @@
                 <a:ea typeface="Helvetica" charset="0"/>
                 <a:cs typeface="Helvetica" charset="0"/>
               </a:rPr>
-              <a:t>[2</a:t>
-            </a:r>
-            <a:r>
-              <a:rPr lang="en-US" b="1" baseline="30000" dirty="0" smtClean="0">
-                <a:solidFill>
-                  <a:srgbClr val="00B0F0"/>
-                </a:solidFill>
-                <a:latin typeface="Helvetica" charset="0"/>
-                <a:ea typeface="Helvetica" charset="0"/>
-                <a:cs typeface="Helvetica" charset="0"/>
-              </a:rPr>
-              <a:t>]</a:t>
+              <a:t>[2]</a:t>
             </a:r>
             <a:endParaRPr lang="en-US" b="1" baseline="30000" dirty="0">
               <a:solidFill>

--- a/presentations/TG2_Apresentacao_Cassio.pptx
+++ b/presentations/TG2_Apresentacao_Cassio.pptx
@@ -5,7 +5,7 @@
     <p:sldMasterId id="2147484198" r:id="rId1"/>
   </p:sldMasterIdLst>
   <p:notesMasterIdLst>
-    <p:notesMasterId r:id="rId26"/>
+    <p:notesMasterId r:id="rId29"/>
   </p:notesMasterIdLst>
   <p:sldIdLst>
     <p:sldId id="256" r:id="rId2"/>
@@ -28,10 +28,13 @@
     <p:sldId id="286" r:id="rId19"/>
     <p:sldId id="288" r:id="rId20"/>
     <p:sldId id="287" r:id="rId21"/>
-    <p:sldId id="291" r:id="rId22"/>
-    <p:sldId id="269" r:id="rId23"/>
-    <p:sldId id="271" r:id="rId24"/>
-    <p:sldId id="289" r:id="rId25"/>
+    <p:sldId id="293" r:id="rId22"/>
+    <p:sldId id="292" r:id="rId23"/>
+    <p:sldId id="294" r:id="rId24"/>
+    <p:sldId id="291" r:id="rId25"/>
+    <p:sldId id="269" r:id="rId26"/>
+    <p:sldId id="271" r:id="rId27"/>
+    <p:sldId id="289" r:id="rId28"/>
   </p:sldIdLst>
   <p:sldSz cx="12192000" cy="6858000"/>
   <p:notesSz cx="6858000" cy="9144000"/>
@@ -1234,7 +1237,175 @@
     </p:spTree>
     <p:extLst>
       <p:ext uri="{BB962C8B-B14F-4D97-AF65-F5344CB8AC3E}">
-        <p14:creationId xmlns:p14="http://schemas.microsoft.com/office/powerpoint/2010/main" val="2072068894"/>
+        <p14:creationId xmlns:p14="http://schemas.microsoft.com/office/powerpoint/2010/main" val="1437822982"/>
+      </p:ext>
+    </p:extLst>
+  </p:cSld>
+  <p:clrMapOvr>
+    <a:masterClrMapping/>
+  </p:clrMapOvr>
+</p:notes>
+</file>
+
+<file path=ppt/notesSlides/notesSlide18.xml><?xml version="1.0" encoding="utf-8"?>
+<p:notes xmlns:a="http://schemas.openxmlformats.org/drawingml/2006/main" xmlns:r="http://schemas.openxmlformats.org/officeDocument/2006/relationships" xmlns:p="http://schemas.openxmlformats.org/presentationml/2006/main">
+  <p:cSld>
+    <p:spTree>
+      <p:nvGrpSpPr>
+        <p:cNvPr id="1" name=""/>
+        <p:cNvGrpSpPr/>
+        <p:nvPr/>
+      </p:nvGrpSpPr>
+      <p:grpSpPr>
+        <a:xfrm>
+          <a:off x="0" y="0"/>
+          <a:ext cx="0" cy="0"/>
+          <a:chOff x="0" y="0"/>
+          <a:chExt cx="0" cy="0"/>
+        </a:xfrm>
+      </p:grpSpPr>
+      <p:sp>
+        <p:nvSpPr>
+          <p:cNvPr id="2" name="Slide Image Placeholder 1"/>
+          <p:cNvSpPr>
+            <a:spLocks noGrp="1" noRot="1" noChangeAspect="1"/>
+          </p:cNvSpPr>
+          <p:nvPr>
+            <p:ph type="sldImg"/>
+          </p:nvPr>
+        </p:nvSpPr>
+        <p:spPr/>
+      </p:sp>
+      <p:sp>
+        <p:nvSpPr>
+          <p:cNvPr id="3" name="Notes Placeholder 2"/>
+          <p:cNvSpPr>
+            <a:spLocks noGrp="1"/>
+          </p:cNvSpPr>
+          <p:nvPr>
+            <p:ph type="body" idx="1"/>
+          </p:nvPr>
+        </p:nvSpPr>
+        <p:spPr/>
+        <p:txBody>
+          <a:bodyPr/>
+          <a:lstStyle/>
+          <a:p>
+            <a:endParaRPr lang="en-US"/>
+          </a:p>
+        </p:txBody>
+      </p:sp>
+      <p:sp>
+        <p:nvSpPr>
+          <p:cNvPr id="4" name="Slide Number Placeholder 3"/>
+          <p:cNvSpPr>
+            <a:spLocks noGrp="1"/>
+          </p:cNvSpPr>
+          <p:nvPr>
+            <p:ph type="sldNum" sz="quarter" idx="10"/>
+          </p:nvPr>
+        </p:nvSpPr>
+        <p:spPr/>
+        <p:txBody>
+          <a:bodyPr/>
+          <a:lstStyle/>
+          <a:p>
+            <a:fld id="{728E3497-A358-B14F-AE0E-969A2D296615}" type="slidenum">
+              <a:rPr lang="en-US" smtClean="0"/>
+              <a:t>21</a:t>
+            </a:fld>
+            <a:endParaRPr lang="en-US"/>
+          </a:p>
+        </p:txBody>
+      </p:sp>
+    </p:spTree>
+    <p:extLst>
+      <p:ext uri="{BB962C8B-B14F-4D97-AF65-F5344CB8AC3E}">
+        <p14:creationId xmlns:p14="http://schemas.microsoft.com/office/powerpoint/2010/main" val="1234342965"/>
+      </p:ext>
+    </p:extLst>
+  </p:cSld>
+  <p:clrMapOvr>
+    <a:masterClrMapping/>
+  </p:clrMapOvr>
+</p:notes>
+</file>
+
+<file path=ppt/notesSlides/notesSlide19.xml><?xml version="1.0" encoding="utf-8"?>
+<p:notes xmlns:a="http://schemas.openxmlformats.org/drawingml/2006/main" xmlns:r="http://schemas.openxmlformats.org/officeDocument/2006/relationships" xmlns:p="http://schemas.openxmlformats.org/presentationml/2006/main">
+  <p:cSld>
+    <p:spTree>
+      <p:nvGrpSpPr>
+        <p:cNvPr id="1" name=""/>
+        <p:cNvGrpSpPr/>
+        <p:nvPr/>
+      </p:nvGrpSpPr>
+      <p:grpSpPr>
+        <a:xfrm>
+          <a:off x="0" y="0"/>
+          <a:ext cx="0" cy="0"/>
+          <a:chOff x="0" y="0"/>
+          <a:chExt cx="0" cy="0"/>
+        </a:xfrm>
+      </p:grpSpPr>
+      <p:sp>
+        <p:nvSpPr>
+          <p:cNvPr id="2" name="Slide Image Placeholder 1"/>
+          <p:cNvSpPr>
+            <a:spLocks noGrp="1" noRot="1" noChangeAspect="1"/>
+          </p:cNvSpPr>
+          <p:nvPr>
+            <p:ph type="sldImg"/>
+          </p:nvPr>
+        </p:nvSpPr>
+        <p:spPr/>
+      </p:sp>
+      <p:sp>
+        <p:nvSpPr>
+          <p:cNvPr id="3" name="Notes Placeholder 2"/>
+          <p:cNvSpPr>
+            <a:spLocks noGrp="1"/>
+          </p:cNvSpPr>
+          <p:nvPr>
+            <p:ph type="body" idx="1"/>
+          </p:nvPr>
+        </p:nvSpPr>
+        <p:spPr/>
+        <p:txBody>
+          <a:bodyPr/>
+          <a:lstStyle/>
+          <a:p>
+            <a:endParaRPr lang="en-US"/>
+          </a:p>
+        </p:txBody>
+      </p:sp>
+      <p:sp>
+        <p:nvSpPr>
+          <p:cNvPr id="4" name="Slide Number Placeholder 3"/>
+          <p:cNvSpPr>
+            <a:spLocks noGrp="1"/>
+          </p:cNvSpPr>
+          <p:nvPr>
+            <p:ph type="sldNum" sz="quarter" idx="10"/>
+          </p:nvPr>
+        </p:nvSpPr>
+        <p:spPr/>
+        <p:txBody>
+          <a:bodyPr/>
+          <a:lstStyle/>
+          <a:p>
+            <a:fld id="{728E3497-A358-B14F-AE0E-969A2D296615}" type="slidenum">
+              <a:rPr lang="en-US" smtClean="0"/>
+              <a:t>22</a:t>
+            </a:fld>
+            <a:endParaRPr lang="en-US"/>
+          </a:p>
+        </p:txBody>
+      </p:sp>
+    </p:spTree>
+    <p:extLst>
+      <p:ext uri="{BB962C8B-B14F-4D97-AF65-F5344CB8AC3E}">
+        <p14:creationId xmlns:p14="http://schemas.microsoft.com/office/powerpoint/2010/main" val="1923837116"/>
       </p:ext>
     </p:extLst>
   </p:cSld>
@@ -1319,6 +1490,90 @@
     <p:extLst>
       <p:ext uri="{BB962C8B-B14F-4D97-AF65-F5344CB8AC3E}">
         <p14:creationId xmlns:p14="http://schemas.microsoft.com/office/powerpoint/2010/main" val="1676824279"/>
+      </p:ext>
+    </p:extLst>
+  </p:cSld>
+  <p:clrMapOvr>
+    <a:masterClrMapping/>
+  </p:clrMapOvr>
+</p:notes>
+</file>
+
+<file path=ppt/notesSlides/notesSlide20.xml><?xml version="1.0" encoding="utf-8"?>
+<p:notes xmlns:a="http://schemas.openxmlformats.org/drawingml/2006/main" xmlns:r="http://schemas.openxmlformats.org/officeDocument/2006/relationships" xmlns:p="http://schemas.openxmlformats.org/presentationml/2006/main">
+  <p:cSld>
+    <p:spTree>
+      <p:nvGrpSpPr>
+        <p:cNvPr id="1" name=""/>
+        <p:cNvGrpSpPr/>
+        <p:nvPr/>
+      </p:nvGrpSpPr>
+      <p:grpSpPr>
+        <a:xfrm>
+          <a:off x="0" y="0"/>
+          <a:ext cx="0" cy="0"/>
+          <a:chOff x="0" y="0"/>
+          <a:chExt cx="0" cy="0"/>
+        </a:xfrm>
+      </p:grpSpPr>
+      <p:sp>
+        <p:nvSpPr>
+          <p:cNvPr id="2" name="Slide Image Placeholder 1"/>
+          <p:cNvSpPr>
+            <a:spLocks noGrp="1" noRot="1" noChangeAspect="1"/>
+          </p:cNvSpPr>
+          <p:nvPr>
+            <p:ph type="sldImg"/>
+          </p:nvPr>
+        </p:nvSpPr>
+        <p:spPr/>
+      </p:sp>
+      <p:sp>
+        <p:nvSpPr>
+          <p:cNvPr id="3" name="Notes Placeholder 2"/>
+          <p:cNvSpPr>
+            <a:spLocks noGrp="1"/>
+          </p:cNvSpPr>
+          <p:nvPr>
+            <p:ph type="body" idx="1"/>
+          </p:nvPr>
+        </p:nvSpPr>
+        <p:spPr/>
+        <p:txBody>
+          <a:bodyPr/>
+          <a:lstStyle/>
+          <a:p>
+            <a:endParaRPr lang="en-US"/>
+          </a:p>
+        </p:txBody>
+      </p:sp>
+      <p:sp>
+        <p:nvSpPr>
+          <p:cNvPr id="4" name="Slide Number Placeholder 3"/>
+          <p:cNvSpPr>
+            <a:spLocks noGrp="1"/>
+          </p:cNvSpPr>
+          <p:nvPr>
+            <p:ph type="sldNum" sz="quarter" idx="10"/>
+          </p:nvPr>
+        </p:nvSpPr>
+        <p:spPr/>
+        <p:txBody>
+          <a:bodyPr/>
+          <a:lstStyle/>
+          <a:p>
+            <a:fld id="{728E3497-A358-B14F-AE0E-969A2D296615}" type="slidenum">
+              <a:rPr lang="en-US" smtClean="0"/>
+              <a:t>23</a:t>
+            </a:fld>
+            <a:endParaRPr lang="en-US"/>
+          </a:p>
+        </p:txBody>
+      </p:sp>
+    </p:spTree>
+    <p:extLst>
+      <p:ext uri="{BB962C8B-B14F-4D97-AF65-F5344CB8AC3E}">
+        <p14:creationId xmlns:p14="http://schemas.microsoft.com/office/powerpoint/2010/main" val="2072068894"/>
       </p:ext>
     </p:extLst>
   </p:cSld>
@@ -26132,7 +26387,7 @@
           </a:p>
           <a:p>
             <a:r>
-              <a:rPr lang="en-US" sz="2000" smtClean="0">
+              <a:rPr lang="en-US" sz="2000" dirty="0" err="1" smtClean="0">
                 <a:solidFill>
                   <a:schemeClr val="tx1"/>
                 </a:solidFill>
@@ -26664,7 +26919,7 @@
                 <a:ea typeface="Helvetica" charset="0"/>
                 <a:cs typeface="Helvetica" charset="0"/>
               </a:rPr>
-              <a:t>Análises</a:t>
+              <a:t>Otimizações</a:t>
             </a:r>
             <a:r>
               <a:rPr lang="en-US" b="1" dirty="0" smtClean="0">
@@ -26672,7 +26927,31 @@
                 <a:ea typeface="Helvetica" charset="0"/>
                 <a:cs typeface="Helvetica" charset="0"/>
               </a:rPr>
-              <a:t> e </a:t>
+              <a:t> </a:t>
+            </a:r>
+            <a:r>
+              <a:rPr lang="mr-IN" b="1" dirty="0" smtClean="0">
+                <a:latin typeface="Helvetica" charset="0"/>
+                <a:ea typeface="Helvetica" charset="0"/>
+                <a:cs typeface="Helvetica" charset="0"/>
+              </a:rPr>
+              <a:t>–</a:t>
+            </a:r>
+            <a:r>
+              <a:rPr lang="en-US" b="1" dirty="0" smtClean="0">
+                <a:latin typeface="Helvetica" charset="0"/>
+                <a:ea typeface="Helvetica" charset="0"/>
+                <a:cs typeface="Helvetica" charset="0"/>
+              </a:rPr>
+              <a:t> </a:t>
+            </a:r>
+            <a:r>
+              <a:rPr lang="en-US" b="1" dirty="0" smtClean="0">
+                <a:latin typeface="Helvetica" charset="0"/>
+                <a:ea typeface="Helvetica" charset="0"/>
+                <a:cs typeface="Helvetica" charset="0"/>
+              </a:rPr>
+              <a:t>AGA (</a:t>
             </a:r>
             <a:r>
               <a:rPr lang="en-US" b="1" dirty="0" err="1" smtClean="0">
@@ -26680,86 +26959,17 @@
                 <a:ea typeface="Helvetica" charset="0"/>
                 <a:cs typeface="Helvetica" charset="0"/>
               </a:rPr>
-              <a:t>Resultados</a:t>
+              <a:t>Exemplos</a:t>
+            </a:r>
+            <a:r>
+              <a:rPr lang="en-US" b="1" dirty="0" smtClean="0">
+                <a:latin typeface="Helvetica" charset="0"/>
+                <a:ea typeface="Helvetica" charset="0"/>
+                <a:cs typeface="Helvetica" charset="0"/>
+              </a:rPr>
+              <a:t>)</a:t>
             </a:r>
             <a:endParaRPr lang="en-US" sz="2800" b="1" dirty="0">
-              <a:latin typeface="Helvetica" charset="0"/>
-              <a:ea typeface="Helvetica" charset="0"/>
-              <a:cs typeface="Helvetica" charset="0"/>
-            </a:endParaRPr>
-          </a:p>
-        </p:txBody>
-      </p:sp>
-      <p:sp>
-        <p:nvSpPr>
-          <p:cNvPr id="3" name="Content Placeholder 2"/>
-          <p:cNvSpPr>
-            <a:spLocks noGrp="1"/>
-          </p:cNvSpPr>
-          <p:nvPr>
-            <p:ph idx="1"/>
-          </p:nvPr>
-        </p:nvSpPr>
-        <p:spPr>
-          <a:xfrm>
-            <a:off x="1154954" y="2603500"/>
-            <a:ext cx="9647158" cy="4126484"/>
-          </a:xfrm>
-        </p:spPr>
-        <p:txBody>
-          <a:bodyPr>
-            <a:normAutofit/>
-          </a:bodyPr>
-          <a:lstStyle/>
-          <a:p>
-            <a:r>
-              <a:rPr lang="en-US" dirty="0" err="1">
-                <a:solidFill>
-                  <a:schemeClr val="tx1"/>
-                </a:solidFill>
-                <a:latin typeface="Helvetica" charset="0"/>
-                <a:ea typeface="Helvetica" charset="0"/>
-                <a:cs typeface="Helvetica" charset="0"/>
-              </a:rPr>
-              <a:t>T</a:t>
-            </a:r>
-            <a:r>
-              <a:rPr lang="en-US" dirty="0" err="1" smtClean="0">
-                <a:solidFill>
-                  <a:schemeClr val="tx1"/>
-                </a:solidFill>
-                <a:latin typeface="Helvetica" charset="0"/>
-                <a:ea typeface="Helvetica" charset="0"/>
-                <a:cs typeface="Helvetica" charset="0"/>
-              </a:rPr>
-              <a:t>exto</a:t>
-            </a:r>
-            <a:r>
-              <a:rPr lang="en-US" dirty="0" smtClean="0">
-                <a:solidFill>
-                  <a:schemeClr val="tx1"/>
-                </a:solidFill>
-                <a:latin typeface="Helvetica" charset="0"/>
-                <a:ea typeface="Helvetica" charset="0"/>
-                <a:cs typeface="Helvetica" charset="0"/>
-              </a:rPr>
-              <a:t> </a:t>
-            </a:r>
-            <a:r>
-              <a:rPr lang="en-US" dirty="0" err="1" smtClean="0">
-                <a:solidFill>
-                  <a:schemeClr val="tx1"/>
-                </a:solidFill>
-                <a:latin typeface="Helvetica" charset="0"/>
-                <a:ea typeface="Helvetica" charset="0"/>
-                <a:cs typeface="Helvetica" charset="0"/>
-              </a:rPr>
-              <a:t>aqui</a:t>
-            </a:r>
-            <a:endParaRPr lang="en-US" i="1" baseline="-25000" dirty="0" smtClean="0">
-              <a:solidFill>
-                <a:schemeClr val="tx1"/>
-              </a:solidFill>
               <a:latin typeface="Helvetica" charset="0"/>
               <a:ea typeface="Helvetica" charset="0"/>
               <a:cs typeface="Helvetica" charset="0"/>
@@ -26790,10 +27000,39 @@
           </a:p>
         </p:txBody>
       </p:sp>
+      <p:pic>
+        <p:nvPicPr>
+          <p:cNvPr id="8" name="Content Placeholder 7"/>
+          <p:cNvPicPr>
+            <a:picLocks noGrp="1" noChangeAspect="1"/>
+          </p:cNvPicPr>
+          <p:nvPr>
+            <p:ph idx="1"/>
+          </p:nvPr>
+        </p:nvPicPr>
+        <p:blipFill>
+          <a:blip r:embed="rId3">
+            <a:extLst>
+              <a:ext uri="{28A0092B-C50C-407E-A947-70E740481C1C}">
+                <a14:useLocalDpi xmlns:a14="http://schemas.microsoft.com/office/drawing/2010/main" val="0"/>
+              </a:ext>
+            </a:extLst>
+          </a:blip>
+          <a:stretch>
+            <a:fillRect/>
+          </a:stretch>
+        </p:blipFill>
+        <p:spPr>
+          <a:xfrm>
+            <a:off x="2288874" y="2603500"/>
+            <a:ext cx="6558564" cy="3416300"/>
+          </a:xfrm>
+        </p:spPr>
+      </p:pic>
     </p:spTree>
     <p:extLst>
       <p:ext uri="{BB962C8B-B14F-4D97-AF65-F5344CB8AC3E}">
-        <p14:creationId xmlns:p14="http://schemas.microsoft.com/office/powerpoint/2010/main" val="1732599681"/>
+        <p14:creationId xmlns:p14="http://schemas.microsoft.com/office/powerpoint/2010/main" val="1106345644"/>
       </p:ext>
     </p:extLst>
   </p:cSld>
@@ -26848,848 +27087,61 @@
                 <a:ea typeface="Helvetica" charset="0"/>
                 <a:cs typeface="Helvetica" charset="0"/>
               </a:rPr>
-              <a:t>Referências</a:t>
-            </a:r>
-            <a:endParaRPr lang="en-US" b="1" dirty="0">
+              <a:t>Otimizações</a:t>
+            </a:r>
+            <a:r>
+              <a:rPr lang="en-US" b="1" dirty="0" smtClean="0">
+                <a:latin typeface="Helvetica" charset="0"/>
+                <a:ea typeface="Helvetica" charset="0"/>
+                <a:cs typeface="Helvetica" charset="0"/>
+              </a:rPr>
+              <a:t> </a:t>
+            </a:r>
+            <a:r>
+              <a:rPr lang="mr-IN" b="1" dirty="0" smtClean="0">
+                <a:latin typeface="Helvetica" charset="0"/>
+                <a:ea typeface="Helvetica" charset="0"/>
+                <a:cs typeface="Helvetica" charset="0"/>
+              </a:rPr>
+              <a:t>–</a:t>
+            </a:r>
+            <a:r>
+              <a:rPr lang="en-US" b="1" dirty="0" smtClean="0">
+                <a:latin typeface="Helvetica" charset="0"/>
+                <a:ea typeface="Helvetica" charset="0"/>
+                <a:cs typeface="Helvetica" charset="0"/>
+              </a:rPr>
+              <a:t> </a:t>
+            </a:r>
+            <a:r>
+              <a:rPr lang="en-US" b="1" dirty="0" smtClean="0">
+                <a:latin typeface="Helvetica" charset="0"/>
+                <a:ea typeface="Helvetica" charset="0"/>
+                <a:cs typeface="Helvetica" charset="0"/>
+              </a:rPr>
+              <a:t>AGA (</a:t>
+            </a:r>
+            <a:r>
+              <a:rPr lang="en-US" b="1" dirty="0" err="1" smtClean="0">
+                <a:latin typeface="Helvetica" charset="0"/>
+                <a:ea typeface="Helvetica" charset="0"/>
+                <a:cs typeface="Helvetica" charset="0"/>
+              </a:rPr>
+              <a:t>Exemplos</a:t>
+            </a:r>
+            <a:r>
+              <a:rPr lang="en-US" b="1" dirty="0" smtClean="0">
+                <a:latin typeface="Helvetica" charset="0"/>
+                <a:ea typeface="Helvetica" charset="0"/>
+                <a:cs typeface="Helvetica" charset="0"/>
+              </a:rPr>
+              <a:t>)</a:t>
+            </a:r>
+            <a:endParaRPr lang="en-US" sz="2800" b="1" dirty="0">
               <a:latin typeface="Helvetica" charset="0"/>
               <a:ea typeface="Helvetica" charset="0"/>
               <a:cs typeface="Helvetica" charset="0"/>
             </a:endParaRPr>
-          </a:p>
-        </p:txBody>
-      </p:sp>
-      <p:sp>
-        <p:nvSpPr>
-          <p:cNvPr id="3" name="Content Placeholder 2"/>
-          <p:cNvSpPr>
-            <a:spLocks noGrp="1"/>
-          </p:cNvSpPr>
-          <p:nvPr>
-            <p:ph idx="1"/>
-          </p:nvPr>
-        </p:nvSpPr>
-        <p:spPr>
-          <a:xfrm>
-            <a:off x="1154954" y="2603500"/>
-            <a:ext cx="10035785" cy="4102100"/>
-          </a:xfrm>
-        </p:spPr>
-        <p:txBody>
-          <a:bodyPr>
-            <a:normAutofit/>
-          </a:bodyPr>
-          <a:lstStyle/>
-          <a:p>
-            <a:r>
-              <a:rPr lang="en-US" dirty="0" smtClean="0">
-                <a:solidFill>
-                  <a:schemeClr val="tx1"/>
-                </a:solidFill>
-                <a:latin typeface="Helvetica" charset="0"/>
-                <a:ea typeface="Helvetica" charset="0"/>
-                <a:cs typeface="Helvetica" charset="0"/>
-              </a:rPr>
-              <a:t>[1] </a:t>
-            </a:r>
-            <a:r>
-              <a:rPr lang="en-US" dirty="0">
-                <a:solidFill>
-                  <a:schemeClr val="tx1"/>
-                </a:solidFill>
-                <a:latin typeface="Helvetica" charset="0"/>
-                <a:ea typeface="Helvetica" charset="0"/>
-                <a:cs typeface="Helvetica" charset="0"/>
-              </a:rPr>
-              <a:t>A. E. </a:t>
-            </a:r>
-            <a:r>
-              <a:rPr lang="en-US" dirty="0" err="1" smtClean="0">
-                <a:solidFill>
-                  <a:schemeClr val="tx1"/>
-                </a:solidFill>
-                <a:latin typeface="Helvetica" charset="0"/>
-                <a:ea typeface="Helvetica" charset="0"/>
-                <a:cs typeface="Helvetica" charset="0"/>
-              </a:rPr>
-              <a:t>Eiben</a:t>
-            </a:r>
-            <a:r>
-              <a:rPr lang="en-US" dirty="0" smtClean="0">
-                <a:solidFill>
-                  <a:schemeClr val="tx1"/>
-                </a:solidFill>
-                <a:latin typeface="Helvetica" charset="0"/>
-                <a:ea typeface="Helvetica" charset="0"/>
-                <a:cs typeface="Helvetica" charset="0"/>
-              </a:rPr>
-              <a:t>, J</a:t>
-            </a:r>
-            <a:r>
-              <a:rPr lang="en-US" dirty="0">
-                <a:solidFill>
-                  <a:schemeClr val="tx1"/>
-                </a:solidFill>
-                <a:latin typeface="Helvetica" charset="0"/>
-                <a:ea typeface="Helvetica" charset="0"/>
-                <a:cs typeface="Helvetica" charset="0"/>
-              </a:rPr>
-              <a:t>. E. Smith. </a:t>
-            </a:r>
-            <a:r>
-              <a:rPr lang="en-US" dirty="0" smtClean="0">
-                <a:solidFill>
-                  <a:schemeClr val="tx1"/>
-                </a:solidFill>
-                <a:latin typeface="Helvetica" charset="0"/>
-                <a:ea typeface="Helvetica" charset="0"/>
-                <a:cs typeface="Helvetica" charset="0"/>
-              </a:rPr>
-              <a:t>“</a:t>
-            </a:r>
-            <a:r>
-              <a:rPr lang="en-US" i="1" dirty="0" smtClean="0">
-                <a:solidFill>
-                  <a:schemeClr val="tx1"/>
-                </a:solidFill>
-                <a:latin typeface="Helvetica" charset="0"/>
-                <a:ea typeface="Helvetica" charset="0"/>
-                <a:cs typeface="Helvetica" charset="0"/>
-              </a:rPr>
-              <a:t>Introduction </a:t>
-            </a:r>
-            <a:r>
-              <a:rPr lang="en-US" i="1" dirty="0">
-                <a:solidFill>
-                  <a:schemeClr val="tx1"/>
-                </a:solidFill>
-                <a:latin typeface="Helvetica" charset="0"/>
-                <a:ea typeface="Helvetica" charset="0"/>
-                <a:cs typeface="Helvetica" charset="0"/>
-              </a:rPr>
-              <a:t>To Evolutionary </a:t>
-            </a:r>
-            <a:r>
-              <a:rPr lang="en-US" i="1" dirty="0" smtClean="0">
-                <a:solidFill>
-                  <a:schemeClr val="tx1"/>
-                </a:solidFill>
-                <a:latin typeface="Helvetica" charset="0"/>
-                <a:ea typeface="Helvetica" charset="0"/>
-                <a:cs typeface="Helvetica" charset="0"/>
-              </a:rPr>
-              <a:t>Computing”</a:t>
-            </a:r>
-            <a:r>
-              <a:rPr lang="en-US" dirty="0" smtClean="0">
-                <a:solidFill>
-                  <a:schemeClr val="tx1"/>
-                </a:solidFill>
-                <a:latin typeface="Helvetica" charset="0"/>
-                <a:ea typeface="Helvetica" charset="0"/>
-                <a:cs typeface="Helvetica" charset="0"/>
-              </a:rPr>
-              <a:t>. </a:t>
-            </a:r>
-            <a:r>
-              <a:rPr lang="en-US" dirty="0">
-                <a:solidFill>
-                  <a:schemeClr val="tx1"/>
-                </a:solidFill>
-                <a:latin typeface="Helvetica" charset="0"/>
-                <a:ea typeface="Helvetica" charset="0"/>
-                <a:cs typeface="Helvetica" charset="0"/>
-              </a:rPr>
-              <a:t>V</a:t>
-            </a:r>
-            <a:r>
-              <a:rPr lang="en-US" dirty="0" smtClean="0">
-                <a:solidFill>
-                  <a:schemeClr val="tx1"/>
-                </a:solidFill>
-                <a:latin typeface="Helvetica" charset="0"/>
-                <a:ea typeface="Helvetica" charset="0"/>
-                <a:cs typeface="Helvetica" charset="0"/>
-              </a:rPr>
-              <a:t>olume 53. </a:t>
-            </a:r>
-            <a:r>
-              <a:rPr lang="en-US" dirty="0">
-                <a:solidFill>
-                  <a:schemeClr val="tx1"/>
-                </a:solidFill>
-                <a:latin typeface="Helvetica" charset="0"/>
-                <a:ea typeface="Helvetica" charset="0"/>
-                <a:cs typeface="Helvetica" charset="0"/>
-              </a:rPr>
-              <a:t>Springer-</a:t>
-            </a:r>
-            <a:r>
-              <a:rPr lang="en-US" dirty="0" err="1">
-                <a:solidFill>
-                  <a:schemeClr val="tx1"/>
-                </a:solidFill>
-                <a:latin typeface="Helvetica" charset="0"/>
-                <a:ea typeface="Helvetica" charset="0"/>
-                <a:cs typeface="Helvetica" charset="0"/>
-              </a:rPr>
-              <a:t>Verlag</a:t>
-            </a:r>
-            <a:r>
-              <a:rPr lang="en-US" dirty="0">
-                <a:solidFill>
-                  <a:schemeClr val="tx1"/>
-                </a:solidFill>
-                <a:latin typeface="Helvetica" charset="0"/>
-                <a:ea typeface="Helvetica" charset="0"/>
-                <a:cs typeface="Helvetica" charset="0"/>
-              </a:rPr>
-              <a:t>, 2003. </a:t>
-            </a:r>
-            <a:endParaRPr lang="en-US" dirty="0" smtClean="0">
-              <a:solidFill>
-                <a:schemeClr val="tx1"/>
-              </a:solidFill>
-              <a:latin typeface="Helvetica" charset="0"/>
-              <a:ea typeface="Helvetica" charset="0"/>
-              <a:cs typeface="Helvetica" charset="0"/>
-            </a:endParaRPr>
-          </a:p>
-          <a:p>
-            <a:r>
-              <a:rPr lang="en-US" dirty="0" smtClean="0">
-                <a:solidFill>
-                  <a:schemeClr val="tx1"/>
-                </a:solidFill>
-                <a:latin typeface="Helvetica" charset="0"/>
-                <a:ea typeface="Helvetica" charset="0"/>
-                <a:cs typeface="Helvetica" charset="0"/>
-              </a:rPr>
-              <a:t>[2] A</a:t>
-            </a:r>
-            <a:r>
-              <a:rPr lang="en-US" dirty="0">
-                <a:solidFill>
-                  <a:schemeClr val="tx1"/>
-                </a:solidFill>
-                <a:latin typeface="Helvetica" charset="0"/>
-                <a:ea typeface="Helvetica" charset="0"/>
-                <a:cs typeface="Helvetica" charset="0"/>
-              </a:rPr>
-              <a:t>. E. </a:t>
-            </a:r>
-            <a:r>
-              <a:rPr lang="en-US" dirty="0" err="1" smtClean="0">
-                <a:solidFill>
-                  <a:schemeClr val="tx1"/>
-                </a:solidFill>
-                <a:latin typeface="Helvetica" charset="0"/>
-                <a:ea typeface="Helvetica" charset="0"/>
-                <a:cs typeface="Helvetica" charset="0"/>
-              </a:rPr>
-              <a:t>Eiben</a:t>
-            </a:r>
-            <a:r>
-              <a:rPr lang="en-US" dirty="0" smtClean="0">
-                <a:solidFill>
-                  <a:schemeClr val="tx1"/>
-                </a:solidFill>
-                <a:latin typeface="Helvetica" charset="0"/>
-                <a:ea typeface="Helvetica" charset="0"/>
-                <a:cs typeface="Helvetica" charset="0"/>
-              </a:rPr>
-              <a:t>, S</a:t>
-            </a:r>
-            <a:r>
-              <a:rPr lang="en-US" dirty="0">
-                <a:solidFill>
-                  <a:schemeClr val="tx1"/>
-                </a:solidFill>
-                <a:latin typeface="Helvetica" charset="0"/>
-                <a:ea typeface="Helvetica" charset="0"/>
-                <a:cs typeface="Helvetica" charset="0"/>
-              </a:rPr>
-              <a:t>. K. </a:t>
-            </a:r>
-            <a:r>
-              <a:rPr lang="en-US" dirty="0" err="1">
-                <a:solidFill>
-                  <a:schemeClr val="tx1"/>
-                </a:solidFill>
-                <a:latin typeface="Helvetica" charset="0"/>
-                <a:ea typeface="Helvetica" charset="0"/>
-                <a:cs typeface="Helvetica" charset="0"/>
-              </a:rPr>
-              <a:t>Smit</a:t>
-            </a:r>
-            <a:r>
-              <a:rPr lang="en-US" dirty="0">
-                <a:solidFill>
-                  <a:schemeClr val="tx1"/>
-                </a:solidFill>
-                <a:latin typeface="Helvetica" charset="0"/>
-                <a:ea typeface="Helvetica" charset="0"/>
-                <a:cs typeface="Helvetica" charset="0"/>
-              </a:rPr>
-              <a:t>. </a:t>
-            </a:r>
-            <a:r>
-              <a:rPr lang="en-US" dirty="0" smtClean="0">
-                <a:solidFill>
-                  <a:schemeClr val="tx1"/>
-                </a:solidFill>
-                <a:latin typeface="Helvetica" charset="0"/>
-                <a:ea typeface="Helvetica" charset="0"/>
-                <a:cs typeface="Helvetica" charset="0"/>
-              </a:rPr>
-              <a:t>“Parameter </a:t>
-            </a:r>
-            <a:r>
-              <a:rPr lang="en-US" dirty="0">
-                <a:solidFill>
-                  <a:schemeClr val="tx1"/>
-                </a:solidFill>
-                <a:latin typeface="Helvetica" charset="0"/>
-                <a:ea typeface="Helvetica" charset="0"/>
-                <a:cs typeface="Helvetica" charset="0"/>
-              </a:rPr>
-              <a:t>tuning for configuring and analyzing evolutionary </a:t>
-            </a:r>
-            <a:r>
-              <a:rPr lang="en-US" dirty="0" smtClean="0">
-                <a:solidFill>
-                  <a:schemeClr val="tx1"/>
-                </a:solidFill>
-                <a:latin typeface="Helvetica" charset="0"/>
-                <a:ea typeface="Helvetica" charset="0"/>
-                <a:cs typeface="Helvetica" charset="0"/>
-              </a:rPr>
-              <a:t>algorithms”. </a:t>
-            </a:r>
-            <a:r>
-              <a:rPr lang="en-US" i="1" dirty="0">
-                <a:solidFill>
-                  <a:schemeClr val="tx1"/>
-                </a:solidFill>
-                <a:latin typeface="Helvetica" charset="0"/>
-                <a:ea typeface="Helvetica" charset="0"/>
-                <a:cs typeface="Helvetica" charset="0"/>
-              </a:rPr>
-              <a:t>Swarm and Evolutionary Computation</a:t>
-            </a:r>
-            <a:r>
-              <a:rPr lang="en-US" dirty="0">
-                <a:solidFill>
-                  <a:schemeClr val="tx1"/>
-                </a:solidFill>
-                <a:latin typeface="Helvetica" charset="0"/>
-                <a:ea typeface="Helvetica" charset="0"/>
-                <a:cs typeface="Helvetica" charset="0"/>
-              </a:rPr>
-              <a:t>, 1(1):19–31, 2011</a:t>
-            </a:r>
-            <a:r>
-              <a:rPr lang="en-US" dirty="0" smtClean="0">
-                <a:solidFill>
-                  <a:schemeClr val="tx1"/>
-                </a:solidFill>
-                <a:latin typeface="Helvetica" charset="0"/>
-                <a:ea typeface="Helvetica" charset="0"/>
-                <a:cs typeface="Helvetica" charset="0"/>
-              </a:rPr>
-              <a:t>.</a:t>
-            </a:r>
-          </a:p>
-          <a:p>
-            <a:r>
-              <a:rPr lang="en-US" dirty="0" smtClean="0">
-                <a:solidFill>
-                  <a:schemeClr val="tx1"/>
-                </a:solidFill>
-                <a:latin typeface="Helvetica" charset="0"/>
-                <a:ea typeface="Helvetica" charset="0"/>
-                <a:cs typeface="Helvetica" charset="0"/>
-              </a:rPr>
-              <a:t>[3] </a:t>
-            </a:r>
-            <a:r>
-              <a:rPr lang="en-US" dirty="0">
-                <a:solidFill>
-                  <a:schemeClr val="tx1"/>
-                </a:solidFill>
-                <a:latin typeface="Helvetica" charset="0"/>
-                <a:ea typeface="Helvetica" charset="0"/>
-                <a:cs typeface="Helvetica" charset="0"/>
-              </a:rPr>
-              <a:t>K. Matthias, T. </a:t>
-            </a:r>
-            <a:r>
-              <a:rPr lang="en-US" dirty="0" err="1">
-                <a:solidFill>
-                  <a:schemeClr val="tx1"/>
-                </a:solidFill>
-                <a:latin typeface="Helvetica" charset="0"/>
-                <a:ea typeface="Helvetica" charset="0"/>
-                <a:cs typeface="Helvetica" charset="0"/>
-              </a:rPr>
-              <a:t>Severin</a:t>
-            </a:r>
-            <a:r>
-              <a:rPr lang="en-US" dirty="0">
-                <a:solidFill>
-                  <a:schemeClr val="tx1"/>
-                </a:solidFill>
-                <a:latin typeface="Helvetica" charset="0"/>
-                <a:ea typeface="Helvetica" charset="0"/>
-                <a:cs typeface="Helvetica" charset="0"/>
-              </a:rPr>
-              <a:t>, and H. </a:t>
-            </a:r>
-            <a:r>
-              <a:rPr lang="en-US" dirty="0" err="1">
-                <a:solidFill>
-                  <a:schemeClr val="tx1"/>
-                </a:solidFill>
-                <a:latin typeface="Helvetica" charset="0"/>
-                <a:ea typeface="Helvetica" charset="0"/>
-                <a:cs typeface="Helvetica" charset="0"/>
-              </a:rPr>
-              <a:t>Salzwedel</a:t>
-            </a:r>
-            <a:r>
-              <a:rPr lang="en-US" dirty="0">
-                <a:solidFill>
-                  <a:schemeClr val="tx1"/>
-                </a:solidFill>
-                <a:latin typeface="Helvetica" charset="0"/>
-                <a:ea typeface="Helvetica" charset="0"/>
-                <a:cs typeface="Helvetica" charset="0"/>
-              </a:rPr>
-              <a:t>. </a:t>
-            </a:r>
-            <a:r>
-              <a:rPr lang="en-US" dirty="0" smtClean="0">
-                <a:solidFill>
-                  <a:schemeClr val="tx1"/>
-                </a:solidFill>
-                <a:latin typeface="Helvetica" charset="0"/>
-                <a:ea typeface="Helvetica" charset="0"/>
-                <a:cs typeface="Helvetica" charset="0"/>
-              </a:rPr>
-              <a:t>"Variable </a:t>
-            </a:r>
-            <a:r>
-              <a:rPr lang="en-US" dirty="0">
-                <a:solidFill>
-                  <a:schemeClr val="tx1"/>
-                </a:solidFill>
-                <a:latin typeface="Helvetica" charset="0"/>
-                <a:ea typeface="Helvetica" charset="0"/>
-                <a:cs typeface="Helvetica" charset="0"/>
-              </a:rPr>
-              <a:t>mutation rate at genetic algorithms: introduction of chromosome fitness in connection with multi-chromosome </a:t>
-            </a:r>
-            <a:r>
-              <a:rPr lang="en-US" dirty="0" smtClean="0">
-                <a:solidFill>
-                  <a:schemeClr val="tx1"/>
-                </a:solidFill>
-                <a:latin typeface="Helvetica" charset="0"/>
-                <a:ea typeface="Helvetica" charset="0"/>
-                <a:cs typeface="Helvetica" charset="0"/>
-              </a:rPr>
-              <a:t>representation". </a:t>
-            </a:r>
-            <a:r>
-              <a:rPr lang="en-US" i="1" dirty="0">
-                <a:solidFill>
-                  <a:schemeClr val="tx1"/>
-                </a:solidFill>
-                <a:latin typeface="Helvetica" charset="0"/>
-                <a:ea typeface="Helvetica" charset="0"/>
-                <a:cs typeface="Helvetica" charset="0"/>
-              </a:rPr>
-              <a:t>International Journal of Computer Applications</a:t>
-            </a:r>
-            <a:r>
-              <a:rPr lang="en-US" dirty="0">
-                <a:solidFill>
-                  <a:schemeClr val="tx1"/>
-                </a:solidFill>
-                <a:latin typeface="Helvetica" charset="0"/>
-                <a:ea typeface="Helvetica" charset="0"/>
-                <a:cs typeface="Helvetica" charset="0"/>
-              </a:rPr>
-              <a:t>, 72(17), 2013. </a:t>
-            </a:r>
-            <a:endParaRPr lang="en-US" dirty="0" smtClean="0">
-              <a:solidFill>
-                <a:schemeClr val="tx1"/>
-              </a:solidFill>
-              <a:latin typeface="Helvetica" charset="0"/>
-              <a:ea typeface="Helvetica" charset="0"/>
-              <a:cs typeface="Helvetica" charset="0"/>
-            </a:endParaRPr>
-          </a:p>
-          <a:p>
-            <a:r>
-              <a:rPr lang="en-US" dirty="0" smtClean="0">
-                <a:solidFill>
-                  <a:schemeClr val="tx1"/>
-                </a:solidFill>
-                <a:latin typeface="Helvetica" charset="0"/>
-                <a:ea typeface="Helvetica" charset="0"/>
-                <a:cs typeface="Helvetica" charset="0"/>
-              </a:rPr>
-              <a:t>[4] </a:t>
-            </a:r>
-            <a:r>
-              <a:rPr lang="en-US" dirty="0">
-                <a:solidFill>
-                  <a:schemeClr val="tx1"/>
-                </a:solidFill>
-                <a:latin typeface="Helvetica" charset="0"/>
-                <a:ea typeface="Helvetica" charset="0"/>
-                <a:cs typeface="Helvetica" charset="0"/>
-              </a:rPr>
-              <a:t>M. </a:t>
-            </a:r>
-            <a:r>
-              <a:rPr lang="en-US" dirty="0" err="1">
-                <a:solidFill>
-                  <a:schemeClr val="tx1"/>
-                </a:solidFill>
-                <a:latin typeface="Helvetica" charset="0"/>
-                <a:ea typeface="Helvetica" charset="0"/>
-                <a:cs typeface="Helvetica" charset="0"/>
-              </a:rPr>
-              <a:t>Obitko</a:t>
-            </a:r>
-            <a:r>
-              <a:rPr lang="en-US" dirty="0">
-                <a:solidFill>
-                  <a:schemeClr val="tx1"/>
-                </a:solidFill>
-                <a:latin typeface="Helvetica" charset="0"/>
-                <a:ea typeface="Helvetica" charset="0"/>
-                <a:cs typeface="Helvetica" charset="0"/>
-              </a:rPr>
-              <a:t>. </a:t>
-            </a:r>
-            <a:r>
-              <a:rPr lang="en-US" dirty="0" smtClean="0">
-                <a:solidFill>
-                  <a:schemeClr val="tx1"/>
-                </a:solidFill>
-                <a:latin typeface="Helvetica" charset="0"/>
-                <a:ea typeface="Helvetica" charset="0"/>
-                <a:cs typeface="Helvetica" charset="0"/>
-              </a:rPr>
-              <a:t>"Introduction </a:t>
-            </a:r>
-            <a:r>
-              <a:rPr lang="en-US" dirty="0">
-                <a:solidFill>
-                  <a:schemeClr val="tx1"/>
-                </a:solidFill>
-                <a:latin typeface="Helvetica" charset="0"/>
-                <a:ea typeface="Helvetica" charset="0"/>
-                <a:cs typeface="Helvetica" charset="0"/>
-              </a:rPr>
-              <a:t>to genetic algorithms - </a:t>
-            </a:r>
-            <a:r>
-              <a:rPr lang="en-US" dirty="0" smtClean="0">
-                <a:solidFill>
-                  <a:schemeClr val="tx1"/>
-                </a:solidFill>
-                <a:latin typeface="Helvetica" charset="0"/>
-                <a:ea typeface="Helvetica" charset="0"/>
-                <a:cs typeface="Helvetica" charset="0"/>
-              </a:rPr>
-              <a:t>XIII. Recommendations". </a:t>
-            </a:r>
-            <a:r>
-              <a:rPr lang="en-US" dirty="0">
-                <a:solidFill>
-                  <a:srgbClr val="0432FF"/>
-                </a:solidFill>
-                <a:latin typeface="Helvetica" charset="0"/>
-                <a:ea typeface="Helvetica" charset="0"/>
-                <a:cs typeface="Helvetica" charset="0"/>
-                <a:hlinkClick r:id="rId2"/>
-              </a:rPr>
-              <a:t>http://www.obitko.com/tutorials/genetic-algorithms/recommendations.php</a:t>
-            </a:r>
-            <a:r>
-              <a:rPr lang="en-US" dirty="0" smtClean="0">
-                <a:solidFill>
-                  <a:srgbClr val="0432FF"/>
-                </a:solidFill>
-                <a:latin typeface="Helvetica" charset="0"/>
-                <a:ea typeface="Helvetica" charset="0"/>
-                <a:cs typeface="Helvetica" charset="0"/>
-                <a:hlinkClick r:id="rId2"/>
-              </a:rPr>
-              <a:t>/</a:t>
-            </a:r>
-            <a:r>
-              <a:rPr lang="en-US" dirty="0" smtClean="0">
-                <a:solidFill>
-                  <a:srgbClr val="0432FF"/>
-                </a:solidFill>
-                <a:latin typeface="Helvetica" charset="0"/>
-                <a:ea typeface="Helvetica" charset="0"/>
-                <a:cs typeface="Helvetica" charset="0"/>
-              </a:rPr>
-              <a:t> </a:t>
-            </a:r>
-            <a:r>
-              <a:rPr lang="en-US" dirty="0" smtClean="0">
-                <a:solidFill>
-                  <a:schemeClr val="tx1"/>
-                </a:solidFill>
-                <a:latin typeface="Helvetica" charset="0"/>
-                <a:ea typeface="Helvetica" charset="0"/>
-                <a:cs typeface="Helvetica" charset="0"/>
-              </a:rPr>
-              <a:t>[</a:t>
-            </a:r>
-            <a:r>
-              <a:rPr lang="en-US" dirty="0">
-                <a:solidFill>
-                  <a:schemeClr val="tx1"/>
-                </a:solidFill>
-                <a:latin typeface="Helvetica" charset="0"/>
-                <a:ea typeface="Helvetica" charset="0"/>
-                <a:cs typeface="Helvetica" charset="0"/>
-              </a:rPr>
-              <a:t>Online; </a:t>
-            </a:r>
-            <a:r>
-              <a:rPr lang="en-US" dirty="0" err="1">
-                <a:solidFill>
-                  <a:schemeClr val="tx1"/>
-                </a:solidFill>
-                <a:latin typeface="Helvetica" charset="0"/>
-                <a:ea typeface="Helvetica" charset="0"/>
-                <a:cs typeface="Helvetica" charset="0"/>
-              </a:rPr>
-              <a:t>acessado</a:t>
-            </a:r>
-            <a:r>
-              <a:rPr lang="en-US" dirty="0">
-                <a:solidFill>
-                  <a:schemeClr val="tx1"/>
-                </a:solidFill>
-                <a:latin typeface="Helvetica" charset="0"/>
-                <a:ea typeface="Helvetica" charset="0"/>
-                <a:cs typeface="Helvetica" charset="0"/>
-              </a:rPr>
-              <a:t> </a:t>
-            </a:r>
-            <a:r>
-              <a:rPr lang="en-US" dirty="0" err="1">
-                <a:solidFill>
-                  <a:schemeClr val="tx1"/>
-                </a:solidFill>
-                <a:latin typeface="Helvetica" charset="0"/>
-                <a:ea typeface="Helvetica" charset="0"/>
-                <a:cs typeface="Helvetica" charset="0"/>
-              </a:rPr>
-              <a:t>em</a:t>
-            </a:r>
-            <a:r>
-              <a:rPr lang="en-US" dirty="0">
-                <a:solidFill>
-                  <a:schemeClr val="tx1"/>
-                </a:solidFill>
-                <a:latin typeface="Helvetica" charset="0"/>
-                <a:ea typeface="Helvetica" charset="0"/>
-                <a:cs typeface="Helvetica" charset="0"/>
-              </a:rPr>
-              <a:t> 17 de </a:t>
-            </a:r>
-            <a:r>
-              <a:rPr lang="en-US" dirty="0" err="1">
-                <a:solidFill>
-                  <a:schemeClr val="tx1"/>
-                </a:solidFill>
-                <a:latin typeface="Helvetica" charset="0"/>
-                <a:ea typeface="Helvetica" charset="0"/>
-                <a:cs typeface="Helvetica" charset="0"/>
-              </a:rPr>
-              <a:t>novembro</a:t>
-            </a:r>
-            <a:r>
-              <a:rPr lang="en-US" dirty="0">
-                <a:solidFill>
-                  <a:schemeClr val="tx1"/>
-                </a:solidFill>
-                <a:latin typeface="Helvetica" charset="0"/>
-                <a:ea typeface="Helvetica" charset="0"/>
-                <a:cs typeface="Helvetica" charset="0"/>
-              </a:rPr>
-              <a:t> de 2016</a:t>
-            </a:r>
-            <a:r>
-              <a:rPr lang="en-US" dirty="0" smtClean="0">
-                <a:solidFill>
-                  <a:schemeClr val="tx1"/>
-                </a:solidFill>
-                <a:latin typeface="Helvetica" charset="0"/>
-                <a:ea typeface="Helvetica" charset="0"/>
-                <a:cs typeface="Helvetica" charset="0"/>
-              </a:rPr>
-              <a:t>].</a:t>
-            </a:r>
-          </a:p>
-          <a:p>
-            <a:r>
-              <a:rPr lang="en-US" dirty="0" smtClean="0">
-                <a:solidFill>
-                  <a:schemeClr val="tx1"/>
-                </a:solidFill>
-                <a:latin typeface="Helvetica" charset="0"/>
-                <a:ea typeface="Helvetica" charset="0"/>
-                <a:cs typeface="Helvetica" charset="0"/>
-              </a:rPr>
-              <a:t>[5] </a:t>
-            </a:r>
-            <a:r>
-              <a:rPr lang="en-US" dirty="0">
-                <a:solidFill>
-                  <a:schemeClr val="tx1"/>
-                </a:solidFill>
-                <a:latin typeface="Helvetica" charset="0"/>
-                <a:ea typeface="Helvetica" charset="0"/>
-                <a:cs typeface="Helvetica" charset="0"/>
-              </a:rPr>
-              <a:t>K. </a:t>
-            </a:r>
-            <a:r>
-              <a:rPr lang="en-US" dirty="0" err="1">
-                <a:solidFill>
-                  <a:schemeClr val="tx1"/>
-                </a:solidFill>
-                <a:latin typeface="Helvetica" charset="0"/>
-                <a:ea typeface="Helvetica" charset="0"/>
-                <a:cs typeface="Helvetica" charset="0"/>
-              </a:rPr>
-              <a:t>DeJong</a:t>
-            </a:r>
-            <a:r>
-              <a:rPr lang="en-US" dirty="0">
-                <a:solidFill>
-                  <a:schemeClr val="tx1"/>
-                </a:solidFill>
-                <a:latin typeface="Helvetica" charset="0"/>
-                <a:ea typeface="Helvetica" charset="0"/>
-                <a:cs typeface="Helvetica" charset="0"/>
-              </a:rPr>
-              <a:t>. </a:t>
-            </a:r>
-            <a:r>
-              <a:rPr lang="en-US" dirty="0" smtClean="0">
-                <a:solidFill>
-                  <a:schemeClr val="tx1"/>
-                </a:solidFill>
-                <a:latin typeface="Helvetica" charset="0"/>
-                <a:ea typeface="Helvetica" charset="0"/>
-                <a:cs typeface="Helvetica" charset="0"/>
-              </a:rPr>
-              <a:t>“An </a:t>
-            </a:r>
-            <a:r>
-              <a:rPr lang="en-US" dirty="0">
-                <a:solidFill>
-                  <a:schemeClr val="tx1"/>
-                </a:solidFill>
-                <a:latin typeface="Helvetica" charset="0"/>
-                <a:ea typeface="Helvetica" charset="0"/>
-                <a:cs typeface="Helvetica" charset="0"/>
-              </a:rPr>
-              <a:t>analysis of the behavior of a class of genetic adaptive </a:t>
-            </a:r>
-            <a:r>
-              <a:rPr lang="en-US" dirty="0" smtClean="0">
-                <a:solidFill>
-                  <a:schemeClr val="tx1"/>
-                </a:solidFill>
-                <a:latin typeface="Helvetica" charset="0"/>
-                <a:ea typeface="Helvetica" charset="0"/>
-                <a:cs typeface="Helvetica" charset="0"/>
-              </a:rPr>
-              <a:t>systems”. </a:t>
-            </a:r>
-            <a:r>
-              <a:rPr lang="en-US" i="1" dirty="0" smtClean="0">
-                <a:solidFill>
-                  <a:schemeClr val="tx1"/>
-                </a:solidFill>
-                <a:latin typeface="Helvetica" charset="0"/>
-                <a:ea typeface="Helvetica" charset="0"/>
-                <a:cs typeface="Helvetica" charset="0"/>
-              </a:rPr>
-              <a:t>Ph.D</a:t>
-            </a:r>
-            <a:r>
-              <a:rPr lang="en-US" i="1" dirty="0">
-                <a:solidFill>
-                  <a:schemeClr val="tx1"/>
-                </a:solidFill>
-                <a:latin typeface="Helvetica" charset="0"/>
-                <a:ea typeface="Helvetica" charset="0"/>
-                <a:cs typeface="Helvetica" charset="0"/>
-              </a:rPr>
-              <a:t>. </a:t>
-            </a:r>
-            <a:r>
-              <a:rPr lang="en-US" i="1" dirty="0" smtClean="0">
-                <a:solidFill>
-                  <a:schemeClr val="tx1"/>
-                </a:solidFill>
-                <a:latin typeface="Helvetica" charset="0"/>
-                <a:ea typeface="Helvetica" charset="0"/>
-                <a:cs typeface="Helvetica" charset="0"/>
-              </a:rPr>
-              <a:t>Thesis</a:t>
-            </a:r>
-            <a:r>
-              <a:rPr lang="en-US" dirty="0">
-                <a:solidFill>
-                  <a:schemeClr val="tx1"/>
-                </a:solidFill>
-                <a:latin typeface="Helvetica" charset="0"/>
-                <a:ea typeface="Helvetica" charset="0"/>
-                <a:cs typeface="Helvetica" charset="0"/>
-              </a:rPr>
-              <a:t>, University of Michigan, 1975</a:t>
-            </a:r>
-            <a:r>
-              <a:rPr lang="en-US" dirty="0" smtClean="0">
-                <a:solidFill>
-                  <a:schemeClr val="tx1"/>
-                </a:solidFill>
-                <a:latin typeface="Helvetica" charset="0"/>
-                <a:ea typeface="Helvetica" charset="0"/>
-                <a:cs typeface="Helvetica" charset="0"/>
-              </a:rPr>
-              <a:t>.</a:t>
-            </a:r>
-            <a:endParaRPr lang="en-US" dirty="0">
-              <a:solidFill>
-                <a:schemeClr val="tx1"/>
-              </a:solidFill>
-              <a:latin typeface="Helvetica" charset="0"/>
-              <a:ea typeface="Helvetica" charset="0"/>
-              <a:cs typeface="Helvetica" charset="0"/>
-            </a:endParaRPr>
-          </a:p>
-          <a:p>
-            <a:endParaRPr lang="en-US" dirty="0"/>
-          </a:p>
-          <a:p>
-            <a:endParaRPr lang="en-US" dirty="0"/>
           </a:p>
         </p:txBody>
       </p:sp>
@@ -27716,10 +27168,39 @@
           </a:p>
         </p:txBody>
       </p:sp>
+      <p:pic>
+        <p:nvPicPr>
+          <p:cNvPr id="7" name="Content Placeholder 6"/>
+          <p:cNvPicPr>
+            <a:picLocks noGrp="1" noChangeAspect="1"/>
+          </p:cNvPicPr>
+          <p:nvPr>
+            <p:ph idx="1"/>
+          </p:nvPr>
+        </p:nvPicPr>
+        <p:blipFill>
+          <a:blip r:embed="rId3">
+            <a:extLst>
+              <a:ext uri="{28A0092B-C50C-407E-A947-70E740481C1C}">
+                <a14:useLocalDpi xmlns:a14="http://schemas.microsoft.com/office/drawing/2010/main" val="0"/>
+              </a:ext>
+            </a:extLst>
+          </a:blip>
+          <a:stretch>
+            <a:fillRect/>
+          </a:stretch>
+        </p:blipFill>
+        <p:spPr>
+          <a:xfrm>
+            <a:off x="2261470" y="2603500"/>
+            <a:ext cx="6613372" cy="3416300"/>
+          </a:xfrm>
+        </p:spPr>
+      </p:pic>
     </p:spTree>
     <p:extLst>
       <p:ext uri="{BB962C8B-B14F-4D97-AF65-F5344CB8AC3E}">
-        <p14:creationId xmlns:p14="http://schemas.microsoft.com/office/powerpoint/2010/main" val="530941430"/>
+        <p14:creationId xmlns:p14="http://schemas.microsoft.com/office/powerpoint/2010/main" val="306601274"/>
       </p:ext>
     </p:extLst>
   </p:cSld>
@@ -27774,9 +27255,57 @@
                 <a:ea typeface="Helvetica" charset="0"/>
                 <a:cs typeface="Helvetica" charset="0"/>
               </a:rPr>
-              <a:t>Referências</a:t>
-            </a:r>
-            <a:endParaRPr lang="en-US" b="1" dirty="0">
+              <a:t>Otimizações</a:t>
+            </a:r>
+            <a:r>
+              <a:rPr lang="en-US" b="1" dirty="0" smtClean="0">
+                <a:latin typeface="Helvetica" charset="0"/>
+                <a:ea typeface="Helvetica" charset="0"/>
+                <a:cs typeface="Helvetica" charset="0"/>
+              </a:rPr>
+              <a:t> </a:t>
+            </a:r>
+            <a:r>
+              <a:rPr lang="mr-IN" b="1" dirty="0" smtClean="0">
+                <a:latin typeface="Helvetica" charset="0"/>
+                <a:ea typeface="Helvetica" charset="0"/>
+                <a:cs typeface="Helvetica" charset="0"/>
+              </a:rPr>
+              <a:t>–</a:t>
+            </a:r>
+            <a:r>
+              <a:rPr lang="en-US" b="1" dirty="0" smtClean="0">
+                <a:latin typeface="Helvetica" charset="0"/>
+                <a:ea typeface="Helvetica" charset="0"/>
+                <a:cs typeface="Helvetica" charset="0"/>
+              </a:rPr>
+              <a:t> </a:t>
+            </a:r>
+            <a:r>
+              <a:rPr lang="en-US" b="1" dirty="0" smtClean="0">
+                <a:latin typeface="Helvetica" charset="0"/>
+                <a:ea typeface="Helvetica" charset="0"/>
+                <a:cs typeface="Helvetica" charset="0"/>
+              </a:rPr>
+              <a:t>AGA (</a:t>
+            </a:r>
+            <a:r>
+              <a:rPr lang="en-US" b="1" dirty="0" err="1" smtClean="0">
+                <a:latin typeface="Helvetica" charset="0"/>
+                <a:ea typeface="Helvetica" charset="0"/>
+                <a:cs typeface="Helvetica" charset="0"/>
+              </a:rPr>
+              <a:t>Exemplos</a:t>
+            </a:r>
+            <a:r>
+              <a:rPr lang="en-US" b="1" dirty="0" smtClean="0">
+                <a:latin typeface="Helvetica" charset="0"/>
+                <a:ea typeface="Helvetica" charset="0"/>
+                <a:cs typeface="Helvetica" charset="0"/>
+              </a:rPr>
+              <a:t>)</a:t>
+            </a:r>
+            <a:endParaRPr lang="en-US" sz="2800" b="1" dirty="0">
               <a:latin typeface="Helvetica" charset="0"/>
               <a:ea typeface="Helvetica" charset="0"/>
               <a:cs typeface="Helvetica" charset="0"/>
@@ -27786,676 +27315,7 @@
       </p:sp>
       <p:sp>
         <p:nvSpPr>
-          <p:cNvPr id="3" name="Content Placeholder 2"/>
-          <p:cNvSpPr>
-            <a:spLocks noGrp="1"/>
-          </p:cNvSpPr>
-          <p:nvPr>
-            <p:ph idx="1"/>
-          </p:nvPr>
-        </p:nvSpPr>
-        <p:spPr>
-          <a:xfrm>
-            <a:off x="1154954" y="2603500"/>
-            <a:ext cx="10035785" cy="3416300"/>
-          </a:xfrm>
-        </p:spPr>
-        <p:txBody>
-          <a:bodyPr/>
-          <a:lstStyle/>
-          <a:p>
-            <a:r>
-              <a:rPr lang="en-US" dirty="0">
-                <a:solidFill>
-                  <a:schemeClr val="tx1"/>
-                </a:solidFill>
-                <a:latin typeface="Helvetica" charset="0"/>
-                <a:ea typeface="Helvetica" charset="0"/>
-                <a:cs typeface="Helvetica" charset="0"/>
-              </a:rPr>
-              <a:t>[6] </a:t>
-            </a:r>
-            <a:r>
-              <a:rPr lang="en-US" dirty="0" smtClean="0">
-                <a:solidFill>
-                  <a:schemeClr val="tx1"/>
-                </a:solidFill>
-                <a:latin typeface="Helvetica" charset="0"/>
-                <a:ea typeface="Helvetica" charset="0"/>
-                <a:cs typeface="Helvetica" charset="0"/>
-              </a:rPr>
-              <a:t>P</a:t>
-            </a:r>
-            <a:r>
-              <a:rPr lang="en-US" dirty="0">
-                <a:solidFill>
-                  <a:schemeClr val="tx1"/>
-                </a:solidFill>
-                <a:latin typeface="Helvetica" charset="0"/>
-                <a:ea typeface="Helvetica" charset="0"/>
-                <a:cs typeface="Helvetica" charset="0"/>
-              </a:rPr>
-              <a:t>. </a:t>
-            </a:r>
-            <a:r>
-              <a:rPr lang="en-US" dirty="0" err="1">
-                <a:solidFill>
-                  <a:schemeClr val="tx1"/>
-                </a:solidFill>
-                <a:latin typeface="Helvetica" charset="0"/>
-                <a:ea typeface="Helvetica" charset="0"/>
-                <a:cs typeface="Helvetica" charset="0"/>
-              </a:rPr>
-              <a:t>Giguere</a:t>
-            </a:r>
-            <a:r>
-              <a:rPr lang="en-US" dirty="0">
-                <a:solidFill>
-                  <a:schemeClr val="tx1"/>
-                </a:solidFill>
-                <a:latin typeface="Helvetica" charset="0"/>
-                <a:ea typeface="Helvetica" charset="0"/>
-                <a:cs typeface="Helvetica" charset="0"/>
-              </a:rPr>
-              <a:t> and D. E. Goldberg. “Population sizing for optimum sampling with genetic algorithms: A case study of the </a:t>
-            </a:r>
-            <a:r>
-              <a:rPr lang="en-US" dirty="0" err="1">
-                <a:solidFill>
-                  <a:schemeClr val="tx1"/>
-                </a:solidFill>
-                <a:latin typeface="Helvetica" charset="0"/>
-                <a:ea typeface="Helvetica" charset="0"/>
-                <a:cs typeface="Helvetica" charset="0"/>
-              </a:rPr>
-              <a:t>onemax</a:t>
-            </a:r>
-            <a:r>
-              <a:rPr lang="en-US" dirty="0">
-                <a:solidFill>
-                  <a:schemeClr val="tx1"/>
-                </a:solidFill>
-                <a:latin typeface="Helvetica" charset="0"/>
-                <a:ea typeface="Helvetica" charset="0"/>
-                <a:cs typeface="Helvetica" charset="0"/>
-              </a:rPr>
-              <a:t> problem”. </a:t>
-            </a:r>
-            <a:r>
-              <a:rPr lang="en-US" i="1" dirty="0">
-                <a:solidFill>
-                  <a:schemeClr val="tx1"/>
-                </a:solidFill>
-                <a:latin typeface="Helvetica" charset="0"/>
-                <a:ea typeface="Helvetica" charset="0"/>
-                <a:cs typeface="Helvetica" charset="0"/>
-              </a:rPr>
-              <a:t>Genetic Programming</a:t>
-            </a:r>
-            <a:r>
-              <a:rPr lang="en-US" dirty="0">
-                <a:solidFill>
-                  <a:schemeClr val="tx1"/>
-                </a:solidFill>
-                <a:latin typeface="Helvetica" charset="0"/>
-                <a:ea typeface="Helvetica" charset="0"/>
-                <a:cs typeface="Helvetica" charset="0"/>
-              </a:rPr>
-              <a:t>, 98:496–503, 1998. </a:t>
-            </a:r>
-          </a:p>
-          <a:p>
-            <a:r>
-              <a:rPr lang="en-US" dirty="0" smtClean="0">
-                <a:solidFill>
-                  <a:schemeClr val="tx1"/>
-                </a:solidFill>
-                <a:latin typeface="Helvetica" charset="0"/>
-                <a:ea typeface="Helvetica" charset="0"/>
-                <a:cs typeface="Helvetica" charset="0"/>
-              </a:rPr>
-              <a:t>[7]</a:t>
-            </a:r>
-            <a:r>
-              <a:rPr lang="en-US" dirty="0">
-                <a:solidFill>
-                  <a:schemeClr val="tx1"/>
-                </a:solidFill>
-                <a:latin typeface="Helvetica" charset="0"/>
-                <a:ea typeface="Helvetica" charset="0"/>
-                <a:cs typeface="Helvetica" charset="0"/>
-              </a:rPr>
-              <a:t> D. L. Applegate, R. E. Bixby, V. </a:t>
-            </a:r>
-            <a:r>
-              <a:rPr lang="en-US" dirty="0" err="1">
-                <a:solidFill>
-                  <a:schemeClr val="tx1"/>
-                </a:solidFill>
-                <a:latin typeface="Helvetica" charset="0"/>
-                <a:ea typeface="Helvetica" charset="0"/>
-                <a:cs typeface="Helvetica" charset="0"/>
-              </a:rPr>
-              <a:t>Chvatal</a:t>
-            </a:r>
-            <a:r>
-              <a:rPr lang="en-US" dirty="0">
-                <a:solidFill>
-                  <a:schemeClr val="tx1"/>
-                </a:solidFill>
-                <a:latin typeface="Helvetica" charset="0"/>
-                <a:ea typeface="Helvetica" charset="0"/>
-                <a:cs typeface="Helvetica" charset="0"/>
-              </a:rPr>
-              <a:t>, and W. J. Cook. </a:t>
-            </a:r>
-            <a:r>
-              <a:rPr lang="en-US" dirty="0" smtClean="0">
-                <a:solidFill>
-                  <a:schemeClr val="tx1"/>
-                </a:solidFill>
-                <a:latin typeface="Helvetica" charset="0"/>
-                <a:ea typeface="Helvetica" charset="0"/>
-                <a:cs typeface="Helvetica" charset="0"/>
-              </a:rPr>
-              <a:t>"The </a:t>
-            </a:r>
-            <a:r>
-              <a:rPr lang="en-US" dirty="0">
-                <a:solidFill>
-                  <a:schemeClr val="tx1"/>
-                </a:solidFill>
-                <a:latin typeface="Helvetica" charset="0"/>
-                <a:ea typeface="Helvetica" charset="0"/>
-                <a:cs typeface="Helvetica" charset="0"/>
-              </a:rPr>
-              <a:t>Traveling Salesman Problem: a computational </a:t>
-            </a:r>
-            <a:r>
-              <a:rPr lang="en-US" dirty="0" smtClean="0">
-                <a:solidFill>
-                  <a:schemeClr val="tx1"/>
-                </a:solidFill>
-                <a:latin typeface="Helvetica" charset="0"/>
-                <a:ea typeface="Helvetica" charset="0"/>
-                <a:cs typeface="Helvetica" charset="0"/>
-              </a:rPr>
-              <a:t>study". </a:t>
-            </a:r>
-            <a:r>
-              <a:rPr lang="en-US" i="1" dirty="0">
-                <a:solidFill>
-                  <a:schemeClr val="tx1"/>
-                </a:solidFill>
-                <a:latin typeface="Helvetica" charset="0"/>
-                <a:ea typeface="Helvetica" charset="0"/>
-                <a:cs typeface="Helvetica" charset="0"/>
-              </a:rPr>
-              <a:t>Princeton </a:t>
-            </a:r>
-            <a:r>
-              <a:rPr lang="en-US" i="1" dirty="0" smtClean="0">
-                <a:solidFill>
-                  <a:schemeClr val="tx1"/>
-                </a:solidFill>
-                <a:latin typeface="Helvetica" charset="0"/>
-                <a:ea typeface="Helvetica" charset="0"/>
-                <a:cs typeface="Helvetica" charset="0"/>
-              </a:rPr>
-              <a:t>University </a:t>
-            </a:r>
-            <a:r>
-              <a:rPr lang="en-US" i="1" dirty="0">
-                <a:solidFill>
-                  <a:schemeClr val="tx1"/>
-                </a:solidFill>
-                <a:latin typeface="Helvetica" charset="0"/>
-                <a:ea typeface="Helvetica" charset="0"/>
-                <a:cs typeface="Helvetica" charset="0"/>
-              </a:rPr>
-              <a:t>P</a:t>
-            </a:r>
-            <a:r>
-              <a:rPr lang="en-US" i="1" dirty="0" smtClean="0">
-                <a:solidFill>
-                  <a:schemeClr val="tx1"/>
-                </a:solidFill>
-                <a:latin typeface="Helvetica" charset="0"/>
-                <a:ea typeface="Helvetica" charset="0"/>
-                <a:cs typeface="Helvetica" charset="0"/>
-              </a:rPr>
-              <a:t>ress</a:t>
-            </a:r>
-            <a:r>
-              <a:rPr lang="en-US" dirty="0">
-                <a:solidFill>
-                  <a:schemeClr val="tx1"/>
-                </a:solidFill>
-                <a:latin typeface="Helvetica" charset="0"/>
-                <a:ea typeface="Helvetica" charset="0"/>
-                <a:cs typeface="Helvetica" charset="0"/>
-              </a:rPr>
-              <a:t>, 2011. </a:t>
-            </a:r>
-            <a:endParaRPr lang="en-US" dirty="0" smtClean="0">
-              <a:solidFill>
-                <a:schemeClr val="tx1"/>
-              </a:solidFill>
-              <a:latin typeface="Helvetica" charset="0"/>
-              <a:ea typeface="Helvetica" charset="0"/>
-              <a:cs typeface="Helvetica" charset="0"/>
-            </a:endParaRPr>
-          </a:p>
-          <a:p>
-            <a:r>
-              <a:rPr lang="en-US" dirty="0" smtClean="0">
-                <a:solidFill>
-                  <a:schemeClr val="tx1"/>
-                </a:solidFill>
-                <a:latin typeface="Helvetica" charset="0"/>
-                <a:ea typeface="Helvetica" charset="0"/>
-                <a:cs typeface="Helvetica" charset="0"/>
-              </a:rPr>
-              <a:t>[8] </a:t>
-            </a:r>
-            <a:r>
-              <a:rPr lang="en-US" dirty="0">
-                <a:solidFill>
-                  <a:schemeClr val="tx1"/>
-                </a:solidFill>
-                <a:latin typeface="Helvetica" charset="0"/>
-                <a:ea typeface="Helvetica" charset="0"/>
-                <a:cs typeface="Helvetica" charset="0"/>
-              </a:rPr>
-              <a:t>T. H. </a:t>
-            </a:r>
-            <a:r>
-              <a:rPr lang="en-US" dirty="0" err="1">
-                <a:solidFill>
-                  <a:schemeClr val="tx1"/>
-                </a:solidFill>
-                <a:latin typeface="Helvetica" charset="0"/>
-                <a:ea typeface="Helvetica" charset="0"/>
-                <a:cs typeface="Helvetica" charset="0"/>
-              </a:rPr>
-              <a:t>Cormen</a:t>
-            </a:r>
-            <a:r>
-              <a:rPr lang="en-US" dirty="0">
-                <a:solidFill>
-                  <a:schemeClr val="tx1"/>
-                </a:solidFill>
-                <a:latin typeface="Helvetica" charset="0"/>
-                <a:ea typeface="Helvetica" charset="0"/>
-                <a:cs typeface="Helvetica" charset="0"/>
-              </a:rPr>
-              <a:t>, C. E. </a:t>
-            </a:r>
-            <a:r>
-              <a:rPr lang="en-US" dirty="0" err="1">
-                <a:solidFill>
-                  <a:schemeClr val="tx1"/>
-                </a:solidFill>
-                <a:latin typeface="Helvetica" charset="0"/>
-                <a:ea typeface="Helvetica" charset="0"/>
-                <a:cs typeface="Helvetica" charset="0"/>
-              </a:rPr>
-              <a:t>Leiserson</a:t>
-            </a:r>
-            <a:r>
-              <a:rPr lang="en-US" dirty="0">
-                <a:solidFill>
-                  <a:schemeClr val="tx1"/>
-                </a:solidFill>
-                <a:latin typeface="Helvetica" charset="0"/>
-                <a:ea typeface="Helvetica" charset="0"/>
-                <a:cs typeface="Helvetica" charset="0"/>
-              </a:rPr>
-              <a:t>, R. L. </a:t>
-            </a:r>
-            <a:r>
-              <a:rPr lang="en-US" dirty="0" err="1">
-                <a:solidFill>
-                  <a:schemeClr val="tx1"/>
-                </a:solidFill>
-                <a:latin typeface="Helvetica" charset="0"/>
-                <a:ea typeface="Helvetica" charset="0"/>
-                <a:cs typeface="Helvetica" charset="0"/>
-              </a:rPr>
-              <a:t>Rivest</a:t>
-            </a:r>
-            <a:r>
-              <a:rPr lang="en-US" dirty="0">
-                <a:solidFill>
-                  <a:schemeClr val="tx1"/>
-                </a:solidFill>
-                <a:latin typeface="Helvetica" charset="0"/>
-                <a:ea typeface="Helvetica" charset="0"/>
-                <a:cs typeface="Helvetica" charset="0"/>
-              </a:rPr>
-              <a:t>, et al. </a:t>
-            </a:r>
-            <a:r>
-              <a:rPr lang="en-US" dirty="0" smtClean="0">
-                <a:solidFill>
-                  <a:schemeClr val="tx1"/>
-                </a:solidFill>
-                <a:latin typeface="Helvetica" charset="0"/>
-                <a:ea typeface="Helvetica" charset="0"/>
-                <a:cs typeface="Helvetica" charset="0"/>
-              </a:rPr>
-              <a:t>"Section </a:t>
-            </a:r>
-            <a:r>
-              <a:rPr lang="en-US" dirty="0">
-                <a:solidFill>
-                  <a:schemeClr val="tx1"/>
-                </a:solidFill>
-                <a:latin typeface="Helvetica" charset="0"/>
-                <a:ea typeface="Helvetica" charset="0"/>
-                <a:cs typeface="Helvetica" charset="0"/>
-              </a:rPr>
-              <a:t>24.3: </a:t>
-            </a:r>
-            <a:r>
-              <a:rPr lang="en-US" dirty="0" err="1">
-                <a:solidFill>
-                  <a:schemeClr val="tx1"/>
-                </a:solidFill>
-                <a:latin typeface="Helvetica" charset="0"/>
-                <a:ea typeface="Helvetica" charset="0"/>
-                <a:cs typeface="Helvetica" charset="0"/>
-              </a:rPr>
-              <a:t>Dijkstra’s</a:t>
-            </a:r>
-            <a:r>
-              <a:rPr lang="en-US" dirty="0">
-                <a:solidFill>
-                  <a:schemeClr val="tx1"/>
-                </a:solidFill>
-                <a:latin typeface="Helvetica" charset="0"/>
-                <a:ea typeface="Helvetica" charset="0"/>
-                <a:cs typeface="Helvetica" charset="0"/>
-              </a:rPr>
-              <a:t> </a:t>
-            </a:r>
-            <a:r>
-              <a:rPr lang="en-US" dirty="0" smtClean="0">
-                <a:solidFill>
-                  <a:schemeClr val="tx1"/>
-                </a:solidFill>
-                <a:latin typeface="Helvetica" charset="0"/>
-                <a:ea typeface="Helvetica" charset="0"/>
-                <a:cs typeface="Helvetica" charset="0"/>
-              </a:rPr>
-              <a:t>algorithm”. </a:t>
-            </a:r>
-            <a:r>
-              <a:rPr lang="en-US" i="1" dirty="0" smtClean="0">
-                <a:solidFill>
-                  <a:schemeClr val="tx1"/>
-                </a:solidFill>
-                <a:latin typeface="Helvetica" charset="0"/>
-                <a:ea typeface="Helvetica" charset="0"/>
-                <a:cs typeface="Helvetica" charset="0"/>
-              </a:rPr>
-              <a:t>MIT Press </a:t>
-            </a:r>
-            <a:r>
-              <a:rPr lang="en-US" i="1" dirty="0">
-                <a:solidFill>
-                  <a:schemeClr val="tx1"/>
-                </a:solidFill>
-                <a:latin typeface="Helvetica" charset="0"/>
-                <a:ea typeface="Helvetica" charset="0"/>
-                <a:cs typeface="Helvetica" charset="0"/>
-              </a:rPr>
-              <a:t>and McGraw-Hill</a:t>
-            </a:r>
-            <a:r>
-              <a:rPr lang="en-US" dirty="0">
-                <a:solidFill>
-                  <a:schemeClr val="tx1"/>
-                </a:solidFill>
-                <a:latin typeface="Helvetica" charset="0"/>
-                <a:ea typeface="Helvetica" charset="0"/>
-                <a:cs typeface="Helvetica" charset="0"/>
-              </a:rPr>
-              <a:t>, 2001. </a:t>
-            </a:r>
-            <a:endParaRPr lang="en-US" dirty="0" smtClean="0">
-              <a:solidFill>
-                <a:schemeClr val="tx1"/>
-              </a:solidFill>
-              <a:latin typeface="Helvetica" charset="0"/>
-              <a:ea typeface="Helvetica" charset="0"/>
-              <a:cs typeface="Helvetica" charset="0"/>
-            </a:endParaRPr>
-          </a:p>
-          <a:p>
-            <a:r>
-              <a:rPr lang="en-US" dirty="0" smtClean="0">
-                <a:solidFill>
-                  <a:schemeClr val="tx1"/>
-                </a:solidFill>
-                <a:latin typeface="Helvetica" charset="0"/>
-                <a:ea typeface="Helvetica" charset="0"/>
-                <a:cs typeface="Helvetica" charset="0"/>
-              </a:rPr>
-              <a:t>[9] </a:t>
-            </a:r>
-            <a:r>
-              <a:rPr lang="en-US" dirty="0">
-                <a:solidFill>
-                  <a:schemeClr val="tx1"/>
-                </a:solidFill>
-                <a:latin typeface="Helvetica" charset="0"/>
-                <a:ea typeface="Helvetica" charset="0"/>
-                <a:cs typeface="Helvetica" charset="0"/>
-              </a:rPr>
-              <a:t>M. Mitchell. </a:t>
-            </a:r>
-            <a:r>
-              <a:rPr lang="en-US" dirty="0" smtClean="0">
-                <a:solidFill>
-                  <a:schemeClr val="tx1"/>
-                </a:solidFill>
-                <a:latin typeface="Helvetica" charset="0"/>
-                <a:ea typeface="Helvetica" charset="0"/>
-                <a:cs typeface="Helvetica" charset="0"/>
-              </a:rPr>
-              <a:t>"An </a:t>
-            </a:r>
-            <a:r>
-              <a:rPr lang="en-US" dirty="0">
-                <a:solidFill>
-                  <a:schemeClr val="tx1"/>
-                </a:solidFill>
-                <a:latin typeface="Helvetica" charset="0"/>
-                <a:ea typeface="Helvetica" charset="0"/>
-                <a:cs typeface="Helvetica" charset="0"/>
-              </a:rPr>
-              <a:t>introduction to genetic </a:t>
-            </a:r>
-            <a:r>
-              <a:rPr lang="en-US" dirty="0" smtClean="0">
-                <a:solidFill>
-                  <a:schemeClr val="tx1"/>
-                </a:solidFill>
-                <a:latin typeface="Helvetica" charset="0"/>
-                <a:ea typeface="Helvetica" charset="0"/>
-                <a:cs typeface="Helvetica" charset="0"/>
-              </a:rPr>
-              <a:t>algorithms". </a:t>
-            </a:r>
-            <a:r>
-              <a:rPr lang="en-US" i="1" dirty="0">
-                <a:solidFill>
-                  <a:schemeClr val="tx1"/>
-                </a:solidFill>
-                <a:latin typeface="Helvetica" charset="0"/>
-                <a:ea typeface="Helvetica" charset="0"/>
-                <a:cs typeface="Helvetica" charset="0"/>
-              </a:rPr>
-              <a:t>MIT </a:t>
-            </a:r>
-            <a:r>
-              <a:rPr lang="en-US" i="1" dirty="0" smtClean="0">
-                <a:solidFill>
-                  <a:schemeClr val="tx1"/>
-                </a:solidFill>
-                <a:latin typeface="Helvetica" charset="0"/>
-                <a:ea typeface="Helvetica" charset="0"/>
-                <a:cs typeface="Helvetica" charset="0"/>
-              </a:rPr>
-              <a:t>Press</a:t>
-            </a:r>
-            <a:r>
-              <a:rPr lang="en-US" dirty="0">
-                <a:solidFill>
-                  <a:schemeClr val="tx1"/>
-                </a:solidFill>
-                <a:latin typeface="Helvetica" charset="0"/>
-                <a:ea typeface="Helvetica" charset="0"/>
-                <a:cs typeface="Helvetica" charset="0"/>
-              </a:rPr>
-              <a:t>, 1998. </a:t>
-            </a:r>
-            <a:endParaRPr lang="en-US" dirty="0" smtClean="0">
-              <a:solidFill>
-                <a:schemeClr val="tx1"/>
-              </a:solidFill>
-              <a:latin typeface="Helvetica" charset="0"/>
-              <a:ea typeface="Helvetica" charset="0"/>
-              <a:cs typeface="Helvetica" charset="0"/>
-            </a:endParaRPr>
-          </a:p>
-          <a:p>
-            <a:r>
-              <a:rPr lang="en-US" dirty="0" smtClean="0">
-                <a:solidFill>
-                  <a:schemeClr val="tx1"/>
-                </a:solidFill>
-                <a:latin typeface="Helvetica" charset="0"/>
-                <a:ea typeface="Helvetica" charset="0"/>
-                <a:cs typeface="Helvetica" charset="0"/>
-              </a:rPr>
-              <a:t>[10] M</a:t>
-            </a:r>
-            <a:r>
-              <a:rPr lang="en-US" dirty="0">
-                <a:solidFill>
-                  <a:schemeClr val="tx1"/>
-                </a:solidFill>
-                <a:latin typeface="Helvetica" charset="0"/>
-                <a:ea typeface="Helvetica" charset="0"/>
-                <a:cs typeface="Helvetica" charset="0"/>
-              </a:rPr>
-              <a:t>. Srinivas and L. M. </a:t>
-            </a:r>
-            <a:r>
-              <a:rPr lang="en-US" dirty="0" err="1">
-                <a:solidFill>
-                  <a:schemeClr val="tx1"/>
-                </a:solidFill>
-                <a:latin typeface="Helvetica" charset="0"/>
-                <a:ea typeface="Helvetica" charset="0"/>
-                <a:cs typeface="Helvetica" charset="0"/>
-              </a:rPr>
-              <a:t>Patnaik</a:t>
-            </a:r>
-            <a:r>
-              <a:rPr lang="en-US" dirty="0">
-                <a:solidFill>
-                  <a:schemeClr val="tx1"/>
-                </a:solidFill>
-                <a:latin typeface="Helvetica" charset="0"/>
-                <a:ea typeface="Helvetica" charset="0"/>
-                <a:cs typeface="Helvetica" charset="0"/>
-              </a:rPr>
-              <a:t>. </a:t>
-            </a:r>
-            <a:r>
-              <a:rPr lang="en-US" dirty="0" smtClean="0">
-                <a:solidFill>
-                  <a:schemeClr val="tx1"/>
-                </a:solidFill>
-                <a:latin typeface="Helvetica" charset="0"/>
-                <a:ea typeface="Helvetica" charset="0"/>
-                <a:cs typeface="Helvetica" charset="0"/>
-              </a:rPr>
-              <a:t>"Adaptive </a:t>
-            </a:r>
-            <a:r>
-              <a:rPr lang="en-US" dirty="0">
-                <a:solidFill>
-                  <a:schemeClr val="tx1"/>
-                </a:solidFill>
-                <a:latin typeface="Helvetica" charset="0"/>
-                <a:ea typeface="Helvetica" charset="0"/>
-                <a:cs typeface="Helvetica" charset="0"/>
-              </a:rPr>
-              <a:t>probabilities of crossover and mutation in genetic </a:t>
-            </a:r>
-            <a:r>
-              <a:rPr lang="en-US" dirty="0" smtClean="0">
-                <a:solidFill>
-                  <a:schemeClr val="tx1"/>
-                </a:solidFill>
-                <a:latin typeface="Helvetica" charset="0"/>
-                <a:ea typeface="Helvetica" charset="0"/>
-                <a:cs typeface="Helvetica" charset="0"/>
-              </a:rPr>
-              <a:t>algorithms". </a:t>
-            </a:r>
-            <a:r>
-              <a:rPr lang="en-US" i="1" dirty="0">
-                <a:solidFill>
-                  <a:schemeClr val="tx1"/>
-                </a:solidFill>
-                <a:latin typeface="Helvetica" charset="0"/>
-                <a:ea typeface="Helvetica" charset="0"/>
-                <a:cs typeface="Helvetica" charset="0"/>
-              </a:rPr>
-              <a:t>IEEE Transactions on Systems, Man, and Cybernetics</a:t>
-            </a:r>
-            <a:r>
-              <a:rPr lang="en-US" dirty="0">
-                <a:solidFill>
-                  <a:schemeClr val="tx1"/>
-                </a:solidFill>
-                <a:latin typeface="Helvetica" charset="0"/>
-                <a:ea typeface="Helvetica" charset="0"/>
-                <a:cs typeface="Helvetica" charset="0"/>
-              </a:rPr>
-              <a:t>, 24(4):656–667, 1994. </a:t>
-            </a:r>
-          </a:p>
-          <a:p>
-            <a:endParaRPr lang="en-US" dirty="0">
-              <a:solidFill>
-                <a:schemeClr val="tx1"/>
-              </a:solidFill>
-              <a:latin typeface="Helvetica" charset="0"/>
-              <a:ea typeface="Helvetica" charset="0"/>
-              <a:cs typeface="Helvetica" charset="0"/>
-            </a:endParaRPr>
-          </a:p>
-          <a:p>
-            <a:endParaRPr lang="en-US" dirty="0">
-              <a:solidFill>
-                <a:schemeClr val="tx1"/>
-              </a:solidFill>
-              <a:latin typeface="Helvetica" charset="0"/>
-              <a:ea typeface="Helvetica" charset="0"/>
-              <a:cs typeface="Helvetica" charset="0"/>
-            </a:endParaRPr>
-          </a:p>
-        </p:txBody>
-      </p:sp>
-      <p:sp>
-        <p:nvSpPr>
-          <p:cNvPr id="4" name="Slide Number Placeholder 3"/>
+          <p:cNvPr id="5" name="Slide Number Placeholder 4"/>
           <p:cNvSpPr>
             <a:spLocks noGrp="1"/>
           </p:cNvSpPr>
@@ -28476,10 +27336,39 @@
           </a:p>
         </p:txBody>
       </p:sp>
+      <p:pic>
+        <p:nvPicPr>
+          <p:cNvPr id="4" name="Content Placeholder 3"/>
+          <p:cNvPicPr>
+            <a:picLocks noGrp="1" noChangeAspect="1"/>
+          </p:cNvPicPr>
+          <p:nvPr>
+            <p:ph idx="1"/>
+          </p:nvPr>
+        </p:nvPicPr>
+        <p:blipFill>
+          <a:blip r:embed="rId3">
+            <a:extLst>
+              <a:ext uri="{28A0092B-C50C-407E-A947-70E740481C1C}">
+                <a14:useLocalDpi xmlns:a14="http://schemas.microsoft.com/office/drawing/2010/main" val="0"/>
+              </a:ext>
+            </a:extLst>
+          </a:blip>
+          <a:stretch>
+            <a:fillRect/>
+          </a:stretch>
+        </p:blipFill>
+        <p:spPr>
+          <a:xfrm>
+            <a:off x="2261470" y="2603500"/>
+            <a:ext cx="6613372" cy="3416300"/>
+          </a:xfrm>
+        </p:spPr>
+      </p:pic>
     </p:spTree>
     <p:extLst>
       <p:ext uri="{BB962C8B-B14F-4D97-AF65-F5344CB8AC3E}">
-        <p14:creationId xmlns:p14="http://schemas.microsoft.com/office/powerpoint/2010/main" val="2080831962"/>
+        <p14:creationId xmlns:p14="http://schemas.microsoft.com/office/powerpoint/2010/main" val="1936772385"/>
       </p:ext>
     </p:extLst>
   </p:cSld>
@@ -28534,6 +27423,1116 @@
                 <a:ea typeface="Helvetica" charset="0"/>
                 <a:cs typeface="Helvetica" charset="0"/>
               </a:rPr>
+              <a:t>Análises</a:t>
+            </a:r>
+            <a:r>
+              <a:rPr lang="en-US" b="1" dirty="0" smtClean="0">
+                <a:latin typeface="Helvetica" charset="0"/>
+                <a:ea typeface="Helvetica" charset="0"/>
+                <a:cs typeface="Helvetica" charset="0"/>
+              </a:rPr>
+              <a:t> e </a:t>
+            </a:r>
+            <a:r>
+              <a:rPr lang="en-US" b="1" dirty="0" err="1" smtClean="0">
+                <a:latin typeface="Helvetica" charset="0"/>
+                <a:ea typeface="Helvetica" charset="0"/>
+                <a:cs typeface="Helvetica" charset="0"/>
+              </a:rPr>
+              <a:t>Resultados</a:t>
+            </a:r>
+            <a:endParaRPr lang="en-US" sz="2800" b="1" dirty="0">
+              <a:latin typeface="Helvetica" charset="0"/>
+              <a:ea typeface="Helvetica" charset="0"/>
+              <a:cs typeface="Helvetica" charset="0"/>
+            </a:endParaRPr>
+          </a:p>
+        </p:txBody>
+      </p:sp>
+      <p:sp>
+        <p:nvSpPr>
+          <p:cNvPr id="3" name="Content Placeholder 2"/>
+          <p:cNvSpPr>
+            <a:spLocks noGrp="1"/>
+          </p:cNvSpPr>
+          <p:nvPr>
+            <p:ph idx="1"/>
+          </p:nvPr>
+        </p:nvSpPr>
+        <p:spPr>
+          <a:xfrm>
+            <a:off x="1154954" y="2603500"/>
+            <a:ext cx="9647158" cy="4126484"/>
+          </a:xfrm>
+        </p:spPr>
+        <p:txBody>
+          <a:bodyPr>
+            <a:normAutofit/>
+          </a:bodyPr>
+          <a:lstStyle/>
+          <a:p>
+            <a:r>
+              <a:rPr lang="en-US" dirty="0" err="1">
+                <a:solidFill>
+                  <a:schemeClr val="tx1"/>
+                </a:solidFill>
+                <a:latin typeface="Helvetica" charset="0"/>
+                <a:ea typeface="Helvetica" charset="0"/>
+                <a:cs typeface="Helvetica" charset="0"/>
+              </a:rPr>
+              <a:t>T</a:t>
+            </a:r>
+            <a:r>
+              <a:rPr lang="en-US" dirty="0" err="1" smtClean="0">
+                <a:solidFill>
+                  <a:schemeClr val="tx1"/>
+                </a:solidFill>
+                <a:latin typeface="Helvetica" charset="0"/>
+                <a:ea typeface="Helvetica" charset="0"/>
+                <a:cs typeface="Helvetica" charset="0"/>
+              </a:rPr>
+              <a:t>exto</a:t>
+            </a:r>
+            <a:r>
+              <a:rPr lang="en-US" dirty="0" smtClean="0">
+                <a:solidFill>
+                  <a:schemeClr val="tx1"/>
+                </a:solidFill>
+                <a:latin typeface="Helvetica" charset="0"/>
+                <a:ea typeface="Helvetica" charset="0"/>
+                <a:cs typeface="Helvetica" charset="0"/>
+              </a:rPr>
+              <a:t> </a:t>
+            </a:r>
+            <a:r>
+              <a:rPr lang="en-US" dirty="0" err="1" smtClean="0">
+                <a:solidFill>
+                  <a:schemeClr val="tx1"/>
+                </a:solidFill>
+                <a:latin typeface="Helvetica" charset="0"/>
+                <a:ea typeface="Helvetica" charset="0"/>
+                <a:cs typeface="Helvetica" charset="0"/>
+              </a:rPr>
+              <a:t>aqui</a:t>
+            </a:r>
+            <a:endParaRPr lang="en-US" i="1" baseline="-25000" dirty="0" smtClean="0">
+              <a:solidFill>
+                <a:schemeClr val="tx1"/>
+              </a:solidFill>
+              <a:latin typeface="Helvetica" charset="0"/>
+              <a:ea typeface="Helvetica" charset="0"/>
+              <a:cs typeface="Helvetica" charset="0"/>
+            </a:endParaRPr>
+          </a:p>
+        </p:txBody>
+      </p:sp>
+      <p:sp>
+        <p:nvSpPr>
+          <p:cNvPr id="5" name="Slide Number Placeholder 4"/>
+          <p:cNvSpPr>
+            <a:spLocks noGrp="1"/>
+          </p:cNvSpPr>
+          <p:nvPr>
+            <p:ph type="sldNum" sz="quarter" idx="12"/>
+          </p:nvPr>
+        </p:nvSpPr>
+        <p:spPr/>
+        <p:txBody>
+          <a:bodyPr/>
+          <a:lstStyle/>
+          <a:p>
+            <a:fld id="{55774153-6BEA-8641-B7A1-86CE42693FE2}" type="slidenum">
+              <a:rPr lang="en-US" smtClean="0"/>
+              <a:t>23</a:t>
+            </a:fld>
+            <a:endParaRPr lang="en-US"/>
+          </a:p>
+        </p:txBody>
+      </p:sp>
+    </p:spTree>
+    <p:extLst>
+      <p:ext uri="{BB962C8B-B14F-4D97-AF65-F5344CB8AC3E}">
+        <p14:creationId xmlns:p14="http://schemas.microsoft.com/office/powerpoint/2010/main" val="1732599681"/>
+      </p:ext>
+    </p:extLst>
+  </p:cSld>
+  <p:clrMapOvr>
+    <a:masterClrMapping/>
+  </p:clrMapOvr>
+  <p:timing>
+    <p:tnLst>
+      <p:par>
+        <p:cTn id="1" dur="indefinite" restart="never" nodeType="tmRoot"/>
+      </p:par>
+    </p:tnLst>
+  </p:timing>
+</p:sld>
+</file>
+
+<file path=ppt/slides/slide25.xml><?xml version="1.0" encoding="utf-8"?>
+<p:sld xmlns:a="http://schemas.openxmlformats.org/drawingml/2006/main" xmlns:r="http://schemas.openxmlformats.org/officeDocument/2006/relationships" xmlns:p="http://schemas.openxmlformats.org/presentationml/2006/main">
+  <p:cSld>
+    <p:spTree>
+      <p:nvGrpSpPr>
+        <p:cNvPr id="1" name=""/>
+        <p:cNvGrpSpPr/>
+        <p:nvPr/>
+      </p:nvGrpSpPr>
+      <p:grpSpPr>
+        <a:xfrm>
+          <a:off x="0" y="0"/>
+          <a:ext cx="0" cy="0"/>
+          <a:chOff x="0" y="0"/>
+          <a:chExt cx="0" cy="0"/>
+        </a:xfrm>
+      </p:grpSpPr>
+      <p:sp>
+        <p:nvSpPr>
+          <p:cNvPr id="2" name="Title 1"/>
+          <p:cNvSpPr>
+            <a:spLocks noGrp="1"/>
+          </p:cNvSpPr>
+          <p:nvPr>
+            <p:ph type="title"/>
+          </p:nvPr>
+        </p:nvSpPr>
+        <p:spPr/>
+        <p:txBody>
+          <a:bodyPr/>
+          <a:lstStyle/>
+          <a:p>
+            <a:r>
+              <a:rPr lang="en-US" b="1" dirty="0" err="1" smtClean="0">
+                <a:latin typeface="Helvetica" charset="0"/>
+                <a:ea typeface="Helvetica" charset="0"/>
+                <a:cs typeface="Helvetica" charset="0"/>
+              </a:rPr>
+              <a:t>Referências</a:t>
+            </a:r>
+            <a:endParaRPr lang="en-US" b="1" dirty="0">
+              <a:latin typeface="Helvetica" charset="0"/>
+              <a:ea typeface="Helvetica" charset="0"/>
+              <a:cs typeface="Helvetica" charset="0"/>
+            </a:endParaRPr>
+          </a:p>
+        </p:txBody>
+      </p:sp>
+      <p:sp>
+        <p:nvSpPr>
+          <p:cNvPr id="3" name="Content Placeholder 2"/>
+          <p:cNvSpPr>
+            <a:spLocks noGrp="1"/>
+          </p:cNvSpPr>
+          <p:nvPr>
+            <p:ph idx="1"/>
+          </p:nvPr>
+        </p:nvSpPr>
+        <p:spPr>
+          <a:xfrm>
+            <a:off x="1154954" y="2603500"/>
+            <a:ext cx="10035785" cy="4102100"/>
+          </a:xfrm>
+        </p:spPr>
+        <p:txBody>
+          <a:bodyPr>
+            <a:normAutofit/>
+          </a:bodyPr>
+          <a:lstStyle/>
+          <a:p>
+            <a:r>
+              <a:rPr lang="en-US" dirty="0" smtClean="0">
+                <a:solidFill>
+                  <a:schemeClr val="tx1"/>
+                </a:solidFill>
+                <a:latin typeface="Helvetica" charset="0"/>
+                <a:ea typeface="Helvetica" charset="0"/>
+                <a:cs typeface="Helvetica" charset="0"/>
+              </a:rPr>
+              <a:t>[1] </a:t>
+            </a:r>
+            <a:r>
+              <a:rPr lang="en-US" dirty="0">
+                <a:solidFill>
+                  <a:schemeClr val="tx1"/>
+                </a:solidFill>
+                <a:latin typeface="Helvetica" charset="0"/>
+                <a:ea typeface="Helvetica" charset="0"/>
+                <a:cs typeface="Helvetica" charset="0"/>
+              </a:rPr>
+              <a:t>A. E. </a:t>
+            </a:r>
+            <a:r>
+              <a:rPr lang="en-US" dirty="0" err="1" smtClean="0">
+                <a:solidFill>
+                  <a:schemeClr val="tx1"/>
+                </a:solidFill>
+                <a:latin typeface="Helvetica" charset="0"/>
+                <a:ea typeface="Helvetica" charset="0"/>
+                <a:cs typeface="Helvetica" charset="0"/>
+              </a:rPr>
+              <a:t>Eiben</a:t>
+            </a:r>
+            <a:r>
+              <a:rPr lang="en-US" dirty="0" smtClean="0">
+                <a:solidFill>
+                  <a:schemeClr val="tx1"/>
+                </a:solidFill>
+                <a:latin typeface="Helvetica" charset="0"/>
+                <a:ea typeface="Helvetica" charset="0"/>
+                <a:cs typeface="Helvetica" charset="0"/>
+              </a:rPr>
+              <a:t>, J</a:t>
+            </a:r>
+            <a:r>
+              <a:rPr lang="en-US" dirty="0">
+                <a:solidFill>
+                  <a:schemeClr val="tx1"/>
+                </a:solidFill>
+                <a:latin typeface="Helvetica" charset="0"/>
+                <a:ea typeface="Helvetica" charset="0"/>
+                <a:cs typeface="Helvetica" charset="0"/>
+              </a:rPr>
+              <a:t>. E. Smith. </a:t>
+            </a:r>
+            <a:r>
+              <a:rPr lang="en-US" dirty="0" smtClean="0">
+                <a:solidFill>
+                  <a:schemeClr val="tx1"/>
+                </a:solidFill>
+                <a:latin typeface="Helvetica" charset="0"/>
+                <a:ea typeface="Helvetica" charset="0"/>
+                <a:cs typeface="Helvetica" charset="0"/>
+              </a:rPr>
+              <a:t>“</a:t>
+            </a:r>
+            <a:r>
+              <a:rPr lang="en-US" i="1" dirty="0" smtClean="0">
+                <a:solidFill>
+                  <a:schemeClr val="tx1"/>
+                </a:solidFill>
+                <a:latin typeface="Helvetica" charset="0"/>
+                <a:ea typeface="Helvetica" charset="0"/>
+                <a:cs typeface="Helvetica" charset="0"/>
+              </a:rPr>
+              <a:t>Introduction </a:t>
+            </a:r>
+            <a:r>
+              <a:rPr lang="en-US" i="1" dirty="0">
+                <a:solidFill>
+                  <a:schemeClr val="tx1"/>
+                </a:solidFill>
+                <a:latin typeface="Helvetica" charset="0"/>
+                <a:ea typeface="Helvetica" charset="0"/>
+                <a:cs typeface="Helvetica" charset="0"/>
+              </a:rPr>
+              <a:t>To Evolutionary </a:t>
+            </a:r>
+            <a:r>
+              <a:rPr lang="en-US" i="1" dirty="0" smtClean="0">
+                <a:solidFill>
+                  <a:schemeClr val="tx1"/>
+                </a:solidFill>
+                <a:latin typeface="Helvetica" charset="0"/>
+                <a:ea typeface="Helvetica" charset="0"/>
+                <a:cs typeface="Helvetica" charset="0"/>
+              </a:rPr>
+              <a:t>Computing”</a:t>
+            </a:r>
+            <a:r>
+              <a:rPr lang="en-US" dirty="0" smtClean="0">
+                <a:solidFill>
+                  <a:schemeClr val="tx1"/>
+                </a:solidFill>
+                <a:latin typeface="Helvetica" charset="0"/>
+                <a:ea typeface="Helvetica" charset="0"/>
+                <a:cs typeface="Helvetica" charset="0"/>
+              </a:rPr>
+              <a:t>. </a:t>
+            </a:r>
+            <a:r>
+              <a:rPr lang="en-US" dirty="0">
+                <a:solidFill>
+                  <a:schemeClr val="tx1"/>
+                </a:solidFill>
+                <a:latin typeface="Helvetica" charset="0"/>
+                <a:ea typeface="Helvetica" charset="0"/>
+                <a:cs typeface="Helvetica" charset="0"/>
+              </a:rPr>
+              <a:t>V</a:t>
+            </a:r>
+            <a:r>
+              <a:rPr lang="en-US" dirty="0" smtClean="0">
+                <a:solidFill>
+                  <a:schemeClr val="tx1"/>
+                </a:solidFill>
+                <a:latin typeface="Helvetica" charset="0"/>
+                <a:ea typeface="Helvetica" charset="0"/>
+                <a:cs typeface="Helvetica" charset="0"/>
+              </a:rPr>
+              <a:t>olume 53. </a:t>
+            </a:r>
+            <a:r>
+              <a:rPr lang="en-US" dirty="0">
+                <a:solidFill>
+                  <a:schemeClr val="tx1"/>
+                </a:solidFill>
+                <a:latin typeface="Helvetica" charset="0"/>
+                <a:ea typeface="Helvetica" charset="0"/>
+                <a:cs typeface="Helvetica" charset="0"/>
+              </a:rPr>
+              <a:t>Springer-</a:t>
+            </a:r>
+            <a:r>
+              <a:rPr lang="en-US" dirty="0" err="1">
+                <a:solidFill>
+                  <a:schemeClr val="tx1"/>
+                </a:solidFill>
+                <a:latin typeface="Helvetica" charset="0"/>
+                <a:ea typeface="Helvetica" charset="0"/>
+                <a:cs typeface="Helvetica" charset="0"/>
+              </a:rPr>
+              <a:t>Verlag</a:t>
+            </a:r>
+            <a:r>
+              <a:rPr lang="en-US" dirty="0">
+                <a:solidFill>
+                  <a:schemeClr val="tx1"/>
+                </a:solidFill>
+                <a:latin typeface="Helvetica" charset="0"/>
+                <a:ea typeface="Helvetica" charset="0"/>
+                <a:cs typeface="Helvetica" charset="0"/>
+              </a:rPr>
+              <a:t>, 2003. </a:t>
+            </a:r>
+            <a:endParaRPr lang="en-US" dirty="0" smtClean="0">
+              <a:solidFill>
+                <a:schemeClr val="tx1"/>
+              </a:solidFill>
+              <a:latin typeface="Helvetica" charset="0"/>
+              <a:ea typeface="Helvetica" charset="0"/>
+              <a:cs typeface="Helvetica" charset="0"/>
+            </a:endParaRPr>
+          </a:p>
+          <a:p>
+            <a:r>
+              <a:rPr lang="en-US" dirty="0" smtClean="0">
+                <a:solidFill>
+                  <a:schemeClr val="tx1"/>
+                </a:solidFill>
+                <a:latin typeface="Helvetica" charset="0"/>
+                <a:ea typeface="Helvetica" charset="0"/>
+                <a:cs typeface="Helvetica" charset="0"/>
+              </a:rPr>
+              <a:t>[2] A</a:t>
+            </a:r>
+            <a:r>
+              <a:rPr lang="en-US" dirty="0">
+                <a:solidFill>
+                  <a:schemeClr val="tx1"/>
+                </a:solidFill>
+                <a:latin typeface="Helvetica" charset="0"/>
+                <a:ea typeface="Helvetica" charset="0"/>
+                <a:cs typeface="Helvetica" charset="0"/>
+              </a:rPr>
+              <a:t>. E. </a:t>
+            </a:r>
+            <a:r>
+              <a:rPr lang="en-US" dirty="0" err="1" smtClean="0">
+                <a:solidFill>
+                  <a:schemeClr val="tx1"/>
+                </a:solidFill>
+                <a:latin typeface="Helvetica" charset="0"/>
+                <a:ea typeface="Helvetica" charset="0"/>
+                <a:cs typeface="Helvetica" charset="0"/>
+              </a:rPr>
+              <a:t>Eiben</a:t>
+            </a:r>
+            <a:r>
+              <a:rPr lang="en-US" dirty="0" smtClean="0">
+                <a:solidFill>
+                  <a:schemeClr val="tx1"/>
+                </a:solidFill>
+                <a:latin typeface="Helvetica" charset="0"/>
+                <a:ea typeface="Helvetica" charset="0"/>
+                <a:cs typeface="Helvetica" charset="0"/>
+              </a:rPr>
+              <a:t>, S</a:t>
+            </a:r>
+            <a:r>
+              <a:rPr lang="en-US" dirty="0">
+                <a:solidFill>
+                  <a:schemeClr val="tx1"/>
+                </a:solidFill>
+                <a:latin typeface="Helvetica" charset="0"/>
+                <a:ea typeface="Helvetica" charset="0"/>
+                <a:cs typeface="Helvetica" charset="0"/>
+              </a:rPr>
+              <a:t>. K. </a:t>
+            </a:r>
+            <a:r>
+              <a:rPr lang="en-US" dirty="0" err="1">
+                <a:solidFill>
+                  <a:schemeClr val="tx1"/>
+                </a:solidFill>
+                <a:latin typeface="Helvetica" charset="0"/>
+                <a:ea typeface="Helvetica" charset="0"/>
+                <a:cs typeface="Helvetica" charset="0"/>
+              </a:rPr>
+              <a:t>Smit</a:t>
+            </a:r>
+            <a:r>
+              <a:rPr lang="en-US" dirty="0">
+                <a:solidFill>
+                  <a:schemeClr val="tx1"/>
+                </a:solidFill>
+                <a:latin typeface="Helvetica" charset="0"/>
+                <a:ea typeface="Helvetica" charset="0"/>
+                <a:cs typeface="Helvetica" charset="0"/>
+              </a:rPr>
+              <a:t>. </a:t>
+            </a:r>
+            <a:r>
+              <a:rPr lang="en-US" dirty="0" smtClean="0">
+                <a:solidFill>
+                  <a:schemeClr val="tx1"/>
+                </a:solidFill>
+                <a:latin typeface="Helvetica" charset="0"/>
+                <a:ea typeface="Helvetica" charset="0"/>
+                <a:cs typeface="Helvetica" charset="0"/>
+              </a:rPr>
+              <a:t>“Parameter </a:t>
+            </a:r>
+            <a:r>
+              <a:rPr lang="en-US" dirty="0">
+                <a:solidFill>
+                  <a:schemeClr val="tx1"/>
+                </a:solidFill>
+                <a:latin typeface="Helvetica" charset="0"/>
+                <a:ea typeface="Helvetica" charset="0"/>
+                <a:cs typeface="Helvetica" charset="0"/>
+              </a:rPr>
+              <a:t>tuning for configuring and analyzing evolutionary </a:t>
+            </a:r>
+            <a:r>
+              <a:rPr lang="en-US" dirty="0" smtClean="0">
+                <a:solidFill>
+                  <a:schemeClr val="tx1"/>
+                </a:solidFill>
+                <a:latin typeface="Helvetica" charset="0"/>
+                <a:ea typeface="Helvetica" charset="0"/>
+                <a:cs typeface="Helvetica" charset="0"/>
+              </a:rPr>
+              <a:t>algorithms”. </a:t>
+            </a:r>
+            <a:r>
+              <a:rPr lang="en-US" i="1" dirty="0">
+                <a:solidFill>
+                  <a:schemeClr val="tx1"/>
+                </a:solidFill>
+                <a:latin typeface="Helvetica" charset="0"/>
+                <a:ea typeface="Helvetica" charset="0"/>
+                <a:cs typeface="Helvetica" charset="0"/>
+              </a:rPr>
+              <a:t>Swarm and Evolutionary Computation</a:t>
+            </a:r>
+            <a:r>
+              <a:rPr lang="en-US" dirty="0">
+                <a:solidFill>
+                  <a:schemeClr val="tx1"/>
+                </a:solidFill>
+                <a:latin typeface="Helvetica" charset="0"/>
+                <a:ea typeface="Helvetica" charset="0"/>
+                <a:cs typeface="Helvetica" charset="0"/>
+              </a:rPr>
+              <a:t>, 1(1):19–31, 2011</a:t>
+            </a:r>
+            <a:r>
+              <a:rPr lang="en-US" dirty="0" smtClean="0">
+                <a:solidFill>
+                  <a:schemeClr val="tx1"/>
+                </a:solidFill>
+                <a:latin typeface="Helvetica" charset="0"/>
+                <a:ea typeface="Helvetica" charset="0"/>
+                <a:cs typeface="Helvetica" charset="0"/>
+              </a:rPr>
+              <a:t>.</a:t>
+            </a:r>
+          </a:p>
+          <a:p>
+            <a:r>
+              <a:rPr lang="en-US" dirty="0" smtClean="0">
+                <a:solidFill>
+                  <a:schemeClr val="tx1"/>
+                </a:solidFill>
+                <a:latin typeface="Helvetica" charset="0"/>
+                <a:ea typeface="Helvetica" charset="0"/>
+                <a:cs typeface="Helvetica" charset="0"/>
+              </a:rPr>
+              <a:t>[3] </a:t>
+            </a:r>
+            <a:r>
+              <a:rPr lang="en-US" dirty="0">
+                <a:solidFill>
+                  <a:schemeClr val="tx1"/>
+                </a:solidFill>
+                <a:latin typeface="Helvetica" charset="0"/>
+                <a:ea typeface="Helvetica" charset="0"/>
+                <a:cs typeface="Helvetica" charset="0"/>
+              </a:rPr>
+              <a:t>K. Matthias, T. </a:t>
+            </a:r>
+            <a:r>
+              <a:rPr lang="en-US" dirty="0" err="1">
+                <a:solidFill>
+                  <a:schemeClr val="tx1"/>
+                </a:solidFill>
+                <a:latin typeface="Helvetica" charset="0"/>
+                <a:ea typeface="Helvetica" charset="0"/>
+                <a:cs typeface="Helvetica" charset="0"/>
+              </a:rPr>
+              <a:t>Severin</a:t>
+            </a:r>
+            <a:r>
+              <a:rPr lang="en-US" dirty="0">
+                <a:solidFill>
+                  <a:schemeClr val="tx1"/>
+                </a:solidFill>
+                <a:latin typeface="Helvetica" charset="0"/>
+                <a:ea typeface="Helvetica" charset="0"/>
+                <a:cs typeface="Helvetica" charset="0"/>
+              </a:rPr>
+              <a:t>, and H. </a:t>
+            </a:r>
+            <a:r>
+              <a:rPr lang="en-US" dirty="0" err="1">
+                <a:solidFill>
+                  <a:schemeClr val="tx1"/>
+                </a:solidFill>
+                <a:latin typeface="Helvetica" charset="0"/>
+                <a:ea typeface="Helvetica" charset="0"/>
+                <a:cs typeface="Helvetica" charset="0"/>
+              </a:rPr>
+              <a:t>Salzwedel</a:t>
+            </a:r>
+            <a:r>
+              <a:rPr lang="en-US" dirty="0">
+                <a:solidFill>
+                  <a:schemeClr val="tx1"/>
+                </a:solidFill>
+                <a:latin typeface="Helvetica" charset="0"/>
+                <a:ea typeface="Helvetica" charset="0"/>
+                <a:cs typeface="Helvetica" charset="0"/>
+              </a:rPr>
+              <a:t>. </a:t>
+            </a:r>
+            <a:r>
+              <a:rPr lang="en-US" dirty="0" smtClean="0">
+                <a:solidFill>
+                  <a:schemeClr val="tx1"/>
+                </a:solidFill>
+                <a:latin typeface="Helvetica" charset="0"/>
+                <a:ea typeface="Helvetica" charset="0"/>
+                <a:cs typeface="Helvetica" charset="0"/>
+              </a:rPr>
+              <a:t>"Variable </a:t>
+            </a:r>
+            <a:r>
+              <a:rPr lang="en-US" dirty="0">
+                <a:solidFill>
+                  <a:schemeClr val="tx1"/>
+                </a:solidFill>
+                <a:latin typeface="Helvetica" charset="0"/>
+                <a:ea typeface="Helvetica" charset="0"/>
+                <a:cs typeface="Helvetica" charset="0"/>
+              </a:rPr>
+              <a:t>mutation rate at genetic algorithms: introduction of chromosome fitness in connection with multi-chromosome </a:t>
+            </a:r>
+            <a:r>
+              <a:rPr lang="en-US" dirty="0" smtClean="0">
+                <a:solidFill>
+                  <a:schemeClr val="tx1"/>
+                </a:solidFill>
+                <a:latin typeface="Helvetica" charset="0"/>
+                <a:ea typeface="Helvetica" charset="0"/>
+                <a:cs typeface="Helvetica" charset="0"/>
+              </a:rPr>
+              <a:t>representation". </a:t>
+            </a:r>
+            <a:r>
+              <a:rPr lang="en-US" i="1" dirty="0">
+                <a:solidFill>
+                  <a:schemeClr val="tx1"/>
+                </a:solidFill>
+                <a:latin typeface="Helvetica" charset="0"/>
+                <a:ea typeface="Helvetica" charset="0"/>
+                <a:cs typeface="Helvetica" charset="0"/>
+              </a:rPr>
+              <a:t>International Journal of Computer Applications</a:t>
+            </a:r>
+            <a:r>
+              <a:rPr lang="en-US" dirty="0">
+                <a:solidFill>
+                  <a:schemeClr val="tx1"/>
+                </a:solidFill>
+                <a:latin typeface="Helvetica" charset="0"/>
+                <a:ea typeface="Helvetica" charset="0"/>
+                <a:cs typeface="Helvetica" charset="0"/>
+              </a:rPr>
+              <a:t>, 72(17), 2013. </a:t>
+            </a:r>
+            <a:endParaRPr lang="en-US" dirty="0" smtClean="0">
+              <a:solidFill>
+                <a:schemeClr val="tx1"/>
+              </a:solidFill>
+              <a:latin typeface="Helvetica" charset="0"/>
+              <a:ea typeface="Helvetica" charset="0"/>
+              <a:cs typeface="Helvetica" charset="0"/>
+            </a:endParaRPr>
+          </a:p>
+          <a:p>
+            <a:r>
+              <a:rPr lang="en-US" dirty="0" smtClean="0">
+                <a:solidFill>
+                  <a:schemeClr val="tx1"/>
+                </a:solidFill>
+                <a:latin typeface="Helvetica" charset="0"/>
+                <a:ea typeface="Helvetica" charset="0"/>
+                <a:cs typeface="Helvetica" charset="0"/>
+              </a:rPr>
+              <a:t>[4] </a:t>
+            </a:r>
+            <a:r>
+              <a:rPr lang="en-US" dirty="0">
+                <a:solidFill>
+                  <a:schemeClr val="tx1"/>
+                </a:solidFill>
+                <a:latin typeface="Helvetica" charset="0"/>
+                <a:ea typeface="Helvetica" charset="0"/>
+                <a:cs typeface="Helvetica" charset="0"/>
+              </a:rPr>
+              <a:t>M. </a:t>
+            </a:r>
+            <a:r>
+              <a:rPr lang="en-US" dirty="0" err="1">
+                <a:solidFill>
+                  <a:schemeClr val="tx1"/>
+                </a:solidFill>
+                <a:latin typeface="Helvetica" charset="0"/>
+                <a:ea typeface="Helvetica" charset="0"/>
+                <a:cs typeface="Helvetica" charset="0"/>
+              </a:rPr>
+              <a:t>Obitko</a:t>
+            </a:r>
+            <a:r>
+              <a:rPr lang="en-US" dirty="0">
+                <a:solidFill>
+                  <a:schemeClr val="tx1"/>
+                </a:solidFill>
+                <a:latin typeface="Helvetica" charset="0"/>
+                <a:ea typeface="Helvetica" charset="0"/>
+                <a:cs typeface="Helvetica" charset="0"/>
+              </a:rPr>
+              <a:t>. </a:t>
+            </a:r>
+            <a:r>
+              <a:rPr lang="en-US" dirty="0" smtClean="0">
+                <a:solidFill>
+                  <a:schemeClr val="tx1"/>
+                </a:solidFill>
+                <a:latin typeface="Helvetica" charset="0"/>
+                <a:ea typeface="Helvetica" charset="0"/>
+                <a:cs typeface="Helvetica" charset="0"/>
+              </a:rPr>
+              <a:t>"Introduction </a:t>
+            </a:r>
+            <a:r>
+              <a:rPr lang="en-US" dirty="0">
+                <a:solidFill>
+                  <a:schemeClr val="tx1"/>
+                </a:solidFill>
+                <a:latin typeface="Helvetica" charset="0"/>
+                <a:ea typeface="Helvetica" charset="0"/>
+                <a:cs typeface="Helvetica" charset="0"/>
+              </a:rPr>
+              <a:t>to genetic algorithms - </a:t>
+            </a:r>
+            <a:r>
+              <a:rPr lang="en-US" dirty="0" smtClean="0">
+                <a:solidFill>
+                  <a:schemeClr val="tx1"/>
+                </a:solidFill>
+                <a:latin typeface="Helvetica" charset="0"/>
+                <a:ea typeface="Helvetica" charset="0"/>
+                <a:cs typeface="Helvetica" charset="0"/>
+              </a:rPr>
+              <a:t>XIII. Recommendations". </a:t>
+            </a:r>
+            <a:r>
+              <a:rPr lang="en-US" dirty="0">
+                <a:solidFill>
+                  <a:srgbClr val="0432FF"/>
+                </a:solidFill>
+                <a:latin typeface="Helvetica" charset="0"/>
+                <a:ea typeface="Helvetica" charset="0"/>
+                <a:cs typeface="Helvetica" charset="0"/>
+                <a:hlinkClick r:id="rId2"/>
+              </a:rPr>
+              <a:t>http://www.obitko.com/tutorials/genetic-algorithms/recommendations.php</a:t>
+            </a:r>
+            <a:r>
+              <a:rPr lang="en-US" dirty="0" smtClean="0">
+                <a:solidFill>
+                  <a:srgbClr val="0432FF"/>
+                </a:solidFill>
+                <a:latin typeface="Helvetica" charset="0"/>
+                <a:ea typeface="Helvetica" charset="0"/>
+                <a:cs typeface="Helvetica" charset="0"/>
+                <a:hlinkClick r:id="rId2"/>
+              </a:rPr>
+              <a:t>/</a:t>
+            </a:r>
+            <a:r>
+              <a:rPr lang="en-US" dirty="0" smtClean="0">
+                <a:solidFill>
+                  <a:srgbClr val="0432FF"/>
+                </a:solidFill>
+                <a:latin typeface="Helvetica" charset="0"/>
+                <a:ea typeface="Helvetica" charset="0"/>
+                <a:cs typeface="Helvetica" charset="0"/>
+              </a:rPr>
+              <a:t> </a:t>
+            </a:r>
+            <a:r>
+              <a:rPr lang="en-US" dirty="0" smtClean="0">
+                <a:solidFill>
+                  <a:schemeClr val="tx1"/>
+                </a:solidFill>
+                <a:latin typeface="Helvetica" charset="0"/>
+                <a:ea typeface="Helvetica" charset="0"/>
+                <a:cs typeface="Helvetica" charset="0"/>
+              </a:rPr>
+              <a:t>[</a:t>
+            </a:r>
+            <a:r>
+              <a:rPr lang="en-US" dirty="0">
+                <a:solidFill>
+                  <a:schemeClr val="tx1"/>
+                </a:solidFill>
+                <a:latin typeface="Helvetica" charset="0"/>
+                <a:ea typeface="Helvetica" charset="0"/>
+                <a:cs typeface="Helvetica" charset="0"/>
+              </a:rPr>
+              <a:t>Online; </a:t>
+            </a:r>
+            <a:r>
+              <a:rPr lang="en-US" dirty="0" err="1">
+                <a:solidFill>
+                  <a:schemeClr val="tx1"/>
+                </a:solidFill>
+                <a:latin typeface="Helvetica" charset="0"/>
+                <a:ea typeface="Helvetica" charset="0"/>
+                <a:cs typeface="Helvetica" charset="0"/>
+              </a:rPr>
+              <a:t>acessado</a:t>
+            </a:r>
+            <a:r>
+              <a:rPr lang="en-US" dirty="0">
+                <a:solidFill>
+                  <a:schemeClr val="tx1"/>
+                </a:solidFill>
+                <a:latin typeface="Helvetica" charset="0"/>
+                <a:ea typeface="Helvetica" charset="0"/>
+                <a:cs typeface="Helvetica" charset="0"/>
+              </a:rPr>
+              <a:t> </a:t>
+            </a:r>
+            <a:r>
+              <a:rPr lang="en-US" dirty="0" err="1">
+                <a:solidFill>
+                  <a:schemeClr val="tx1"/>
+                </a:solidFill>
+                <a:latin typeface="Helvetica" charset="0"/>
+                <a:ea typeface="Helvetica" charset="0"/>
+                <a:cs typeface="Helvetica" charset="0"/>
+              </a:rPr>
+              <a:t>em</a:t>
+            </a:r>
+            <a:r>
+              <a:rPr lang="en-US" dirty="0">
+                <a:solidFill>
+                  <a:schemeClr val="tx1"/>
+                </a:solidFill>
+                <a:latin typeface="Helvetica" charset="0"/>
+                <a:ea typeface="Helvetica" charset="0"/>
+                <a:cs typeface="Helvetica" charset="0"/>
+              </a:rPr>
+              <a:t> 17 de </a:t>
+            </a:r>
+            <a:r>
+              <a:rPr lang="en-US" dirty="0" err="1">
+                <a:solidFill>
+                  <a:schemeClr val="tx1"/>
+                </a:solidFill>
+                <a:latin typeface="Helvetica" charset="0"/>
+                <a:ea typeface="Helvetica" charset="0"/>
+                <a:cs typeface="Helvetica" charset="0"/>
+              </a:rPr>
+              <a:t>novembro</a:t>
+            </a:r>
+            <a:r>
+              <a:rPr lang="en-US" dirty="0">
+                <a:solidFill>
+                  <a:schemeClr val="tx1"/>
+                </a:solidFill>
+                <a:latin typeface="Helvetica" charset="0"/>
+                <a:ea typeface="Helvetica" charset="0"/>
+                <a:cs typeface="Helvetica" charset="0"/>
+              </a:rPr>
+              <a:t> de 2016</a:t>
+            </a:r>
+            <a:r>
+              <a:rPr lang="en-US" dirty="0" smtClean="0">
+                <a:solidFill>
+                  <a:schemeClr val="tx1"/>
+                </a:solidFill>
+                <a:latin typeface="Helvetica" charset="0"/>
+                <a:ea typeface="Helvetica" charset="0"/>
+                <a:cs typeface="Helvetica" charset="0"/>
+              </a:rPr>
+              <a:t>].</a:t>
+            </a:r>
+          </a:p>
+          <a:p>
+            <a:r>
+              <a:rPr lang="en-US" dirty="0" smtClean="0">
+                <a:solidFill>
+                  <a:schemeClr val="tx1"/>
+                </a:solidFill>
+                <a:latin typeface="Helvetica" charset="0"/>
+                <a:ea typeface="Helvetica" charset="0"/>
+                <a:cs typeface="Helvetica" charset="0"/>
+              </a:rPr>
+              <a:t>[5] </a:t>
+            </a:r>
+            <a:r>
+              <a:rPr lang="en-US" dirty="0">
+                <a:solidFill>
+                  <a:schemeClr val="tx1"/>
+                </a:solidFill>
+                <a:latin typeface="Helvetica" charset="0"/>
+                <a:ea typeface="Helvetica" charset="0"/>
+                <a:cs typeface="Helvetica" charset="0"/>
+              </a:rPr>
+              <a:t>K. </a:t>
+            </a:r>
+            <a:r>
+              <a:rPr lang="en-US" dirty="0" err="1">
+                <a:solidFill>
+                  <a:schemeClr val="tx1"/>
+                </a:solidFill>
+                <a:latin typeface="Helvetica" charset="0"/>
+                <a:ea typeface="Helvetica" charset="0"/>
+                <a:cs typeface="Helvetica" charset="0"/>
+              </a:rPr>
+              <a:t>DeJong</a:t>
+            </a:r>
+            <a:r>
+              <a:rPr lang="en-US" dirty="0">
+                <a:solidFill>
+                  <a:schemeClr val="tx1"/>
+                </a:solidFill>
+                <a:latin typeface="Helvetica" charset="0"/>
+                <a:ea typeface="Helvetica" charset="0"/>
+                <a:cs typeface="Helvetica" charset="0"/>
+              </a:rPr>
+              <a:t>. </a:t>
+            </a:r>
+            <a:r>
+              <a:rPr lang="en-US" dirty="0" smtClean="0">
+                <a:solidFill>
+                  <a:schemeClr val="tx1"/>
+                </a:solidFill>
+                <a:latin typeface="Helvetica" charset="0"/>
+                <a:ea typeface="Helvetica" charset="0"/>
+                <a:cs typeface="Helvetica" charset="0"/>
+              </a:rPr>
+              <a:t>“An </a:t>
+            </a:r>
+            <a:r>
+              <a:rPr lang="en-US" dirty="0">
+                <a:solidFill>
+                  <a:schemeClr val="tx1"/>
+                </a:solidFill>
+                <a:latin typeface="Helvetica" charset="0"/>
+                <a:ea typeface="Helvetica" charset="0"/>
+                <a:cs typeface="Helvetica" charset="0"/>
+              </a:rPr>
+              <a:t>analysis of the behavior of a class of genetic adaptive </a:t>
+            </a:r>
+            <a:r>
+              <a:rPr lang="en-US" dirty="0" smtClean="0">
+                <a:solidFill>
+                  <a:schemeClr val="tx1"/>
+                </a:solidFill>
+                <a:latin typeface="Helvetica" charset="0"/>
+                <a:ea typeface="Helvetica" charset="0"/>
+                <a:cs typeface="Helvetica" charset="0"/>
+              </a:rPr>
+              <a:t>systems”. </a:t>
+            </a:r>
+            <a:r>
+              <a:rPr lang="en-US" i="1" dirty="0" smtClean="0">
+                <a:solidFill>
+                  <a:schemeClr val="tx1"/>
+                </a:solidFill>
+                <a:latin typeface="Helvetica" charset="0"/>
+                <a:ea typeface="Helvetica" charset="0"/>
+                <a:cs typeface="Helvetica" charset="0"/>
+              </a:rPr>
+              <a:t>Ph.D</a:t>
+            </a:r>
+            <a:r>
+              <a:rPr lang="en-US" i="1" dirty="0">
+                <a:solidFill>
+                  <a:schemeClr val="tx1"/>
+                </a:solidFill>
+                <a:latin typeface="Helvetica" charset="0"/>
+                <a:ea typeface="Helvetica" charset="0"/>
+                <a:cs typeface="Helvetica" charset="0"/>
+              </a:rPr>
+              <a:t>. </a:t>
+            </a:r>
+            <a:r>
+              <a:rPr lang="en-US" i="1" dirty="0" smtClean="0">
+                <a:solidFill>
+                  <a:schemeClr val="tx1"/>
+                </a:solidFill>
+                <a:latin typeface="Helvetica" charset="0"/>
+                <a:ea typeface="Helvetica" charset="0"/>
+                <a:cs typeface="Helvetica" charset="0"/>
+              </a:rPr>
+              <a:t>Thesis</a:t>
+            </a:r>
+            <a:r>
+              <a:rPr lang="en-US" dirty="0">
+                <a:solidFill>
+                  <a:schemeClr val="tx1"/>
+                </a:solidFill>
+                <a:latin typeface="Helvetica" charset="0"/>
+                <a:ea typeface="Helvetica" charset="0"/>
+                <a:cs typeface="Helvetica" charset="0"/>
+              </a:rPr>
+              <a:t>, University of Michigan, 1975</a:t>
+            </a:r>
+            <a:r>
+              <a:rPr lang="en-US" dirty="0" smtClean="0">
+                <a:solidFill>
+                  <a:schemeClr val="tx1"/>
+                </a:solidFill>
+                <a:latin typeface="Helvetica" charset="0"/>
+                <a:ea typeface="Helvetica" charset="0"/>
+                <a:cs typeface="Helvetica" charset="0"/>
+              </a:rPr>
+              <a:t>.</a:t>
+            </a:r>
+            <a:endParaRPr lang="en-US" dirty="0">
+              <a:solidFill>
+                <a:schemeClr val="tx1"/>
+              </a:solidFill>
+              <a:latin typeface="Helvetica" charset="0"/>
+              <a:ea typeface="Helvetica" charset="0"/>
+              <a:cs typeface="Helvetica" charset="0"/>
+            </a:endParaRPr>
+          </a:p>
+          <a:p>
+            <a:endParaRPr lang="en-US" dirty="0"/>
+          </a:p>
+          <a:p>
+            <a:endParaRPr lang="en-US" dirty="0"/>
+          </a:p>
+        </p:txBody>
+      </p:sp>
+      <p:sp>
+        <p:nvSpPr>
+          <p:cNvPr id="5" name="Slide Number Placeholder 4"/>
+          <p:cNvSpPr>
+            <a:spLocks noGrp="1"/>
+          </p:cNvSpPr>
+          <p:nvPr>
+            <p:ph type="sldNum" sz="quarter" idx="12"/>
+          </p:nvPr>
+        </p:nvSpPr>
+        <p:spPr/>
+        <p:txBody>
+          <a:bodyPr/>
+          <a:lstStyle/>
+          <a:p>
+            <a:fld id="{55774153-6BEA-8641-B7A1-86CE42693FE2}" type="slidenum">
+              <a:rPr lang="en-US" smtClean="0"/>
+              <a:t>24</a:t>
+            </a:fld>
+            <a:endParaRPr lang="en-US"/>
+          </a:p>
+        </p:txBody>
+      </p:sp>
+    </p:spTree>
+    <p:extLst>
+      <p:ext uri="{BB962C8B-B14F-4D97-AF65-F5344CB8AC3E}">
+        <p14:creationId xmlns:p14="http://schemas.microsoft.com/office/powerpoint/2010/main" val="530941430"/>
+      </p:ext>
+    </p:extLst>
+  </p:cSld>
+  <p:clrMapOvr>
+    <a:masterClrMapping/>
+  </p:clrMapOvr>
+  <p:timing>
+    <p:tnLst>
+      <p:par>
+        <p:cTn id="1" dur="indefinite" restart="never" nodeType="tmRoot"/>
+      </p:par>
+    </p:tnLst>
+  </p:timing>
+</p:sld>
+</file>
+
+<file path=ppt/slides/slide26.xml><?xml version="1.0" encoding="utf-8"?>
+<p:sld xmlns:a="http://schemas.openxmlformats.org/drawingml/2006/main" xmlns:r="http://schemas.openxmlformats.org/officeDocument/2006/relationships" xmlns:p="http://schemas.openxmlformats.org/presentationml/2006/main">
+  <p:cSld>
+    <p:spTree>
+      <p:nvGrpSpPr>
+        <p:cNvPr id="1" name=""/>
+        <p:cNvGrpSpPr/>
+        <p:nvPr/>
+      </p:nvGrpSpPr>
+      <p:grpSpPr>
+        <a:xfrm>
+          <a:off x="0" y="0"/>
+          <a:ext cx="0" cy="0"/>
+          <a:chOff x="0" y="0"/>
+          <a:chExt cx="0" cy="0"/>
+        </a:xfrm>
+      </p:grpSpPr>
+      <p:sp>
+        <p:nvSpPr>
+          <p:cNvPr id="2" name="Title 1"/>
+          <p:cNvSpPr>
+            <a:spLocks noGrp="1"/>
+          </p:cNvSpPr>
+          <p:nvPr>
+            <p:ph type="title"/>
+          </p:nvPr>
+        </p:nvSpPr>
+        <p:spPr/>
+        <p:txBody>
+          <a:bodyPr/>
+          <a:lstStyle/>
+          <a:p>
+            <a:r>
+              <a:rPr lang="en-US" b="1" dirty="0" err="1" smtClean="0">
+                <a:latin typeface="Helvetica" charset="0"/>
+                <a:ea typeface="Helvetica" charset="0"/>
+                <a:cs typeface="Helvetica" charset="0"/>
+              </a:rPr>
               <a:t>Referências</a:t>
             </a:r>
             <a:endParaRPr lang="en-US" b="1" dirty="0">
@@ -28565,17 +28564,6 @@
           <a:lstStyle/>
           <a:p>
             <a:r>
-              <a:rPr lang="en-US" dirty="0" smtClean="0">
-                <a:solidFill>
-                  <a:schemeClr val="tx1"/>
-                </a:solidFill>
-                <a:latin typeface="Helvetica" charset="0"/>
-                <a:ea typeface="Helvetica" charset="0"/>
-                <a:cs typeface="Helvetica" charset="0"/>
-              </a:rPr>
-              <a:t>[11] </a:t>
-            </a:r>
-            <a:r>
               <a:rPr lang="en-US" dirty="0">
                 <a:solidFill>
                   <a:schemeClr val="tx1"/>
@@ -28584,7 +28572,29 @@
                 <a:ea typeface="Helvetica" charset="0"/>
                 <a:cs typeface="Helvetica" charset="0"/>
               </a:rPr>
-              <a:t>D. </a:t>
+              <a:t>[6] </a:t>
+            </a:r>
+            <a:r>
+              <a:rPr lang="en-US" dirty="0" smtClean="0">
+                <a:solidFill>
+                  <a:schemeClr val="tx1"/>
+                </a:solidFill>
+                <a:latin typeface="Helvetica" charset="0"/>
+                <a:ea typeface="Helvetica" charset="0"/>
+                <a:cs typeface="Helvetica" charset="0"/>
+              </a:rPr>
+              <a:t>P</a:t>
+            </a:r>
+            <a:r>
+              <a:rPr lang="en-US" dirty="0">
+                <a:solidFill>
+                  <a:schemeClr val="tx1"/>
+                </a:solidFill>
+                <a:latin typeface="Helvetica" charset="0"/>
+                <a:ea typeface="Helvetica" charset="0"/>
+                <a:cs typeface="Helvetica" charset="0"/>
+              </a:rPr>
+              <a:t>. </a:t>
             </a:r>
             <a:r>
               <a:rPr lang="en-US" dirty="0" err="1">
@@ -28595,7 +28605,7 @@
                 <a:ea typeface="Helvetica" charset="0"/>
                 <a:cs typeface="Helvetica" charset="0"/>
               </a:rPr>
-              <a:t>Jakobovic</a:t>
+              <a:t>Giguere</a:t>
             </a:r>
             <a:r>
               <a:rPr lang="en-US" dirty="0">
@@ -28606,7 +28616,7 @@
                 <a:ea typeface="Helvetica" charset="0"/>
                 <a:cs typeface="Helvetica" charset="0"/>
               </a:rPr>
-              <a:t>́ and M. </a:t>
+              <a:t> and D. E. Goldberg. “Population sizing for optimum sampling with genetic algorithms: A case study of the </a:t>
             </a:r>
             <a:r>
               <a:rPr lang="en-US" dirty="0" err="1">
@@ -28617,7 +28627,7 @@
                 <a:ea typeface="Helvetica" charset="0"/>
                 <a:cs typeface="Helvetica" charset="0"/>
               </a:rPr>
-              <a:t>Golub</a:t>
+              <a:t>onemax</a:t>
             </a:r>
             <a:r>
               <a:rPr lang="en-US" dirty="0">
@@ -28628,18 +28638,18 @@
                 <a:ea typeface="Helvetica" charset="0"/>
                 <a:cs typeface="Helvetica" charset="0"/>
               </a:rPr>
-              <a:t>. </a:t>
-            </a:r>
-            <a:r>
-              <a:rPr lang="en-US" dirty="0" smtClean="0">
-                <a:solidFill>
-                  <a:schemeClr val="tx1"/>
-                </a:solidFill>
-                <a:latin typeface="Helvetica" charset="0"/>
-                <a:ea typeface="Helvetica" charset="0"/>
-                <a:cs typeface="Helvetica" charset="0"/>
-              </a:rPr>
-              <a:t>“Adaptive </a:t>
+              <a:t> problem”. </a:t>
+            </a:r>
+            <a:r>
+              <a:rPr lang="en-US" i="1" dirty="0">
+                <a:solidFill>
+                  <a:schemeClr val="tx1"/>
+                </a:solidFill>
+                <a:latin typeface="Helvetica" charset="0"/>
+                <a:ea typeface="Helvetica" charset="0"/>
+                <a:cs typeface="Helvetica" charset="0"/>
+              </a:rPr>
+              <a:t>Genetic Programming</a:t>
             </a:r>
             <a:r>
               <a:rPr lang="en-US" dirty="0">
@@ -28650,18 +28660,86 @@
                 <a:ea typeface="Helvetica" charset="0"/>
                 <a:cs typeface="Helvetica" charset="0"/>
               </a:rPr>
-              <a:t>G</a:t>
-            </a:r>
-            <a:r>
-              <a:rPr lang="en-US" dirty="0" smtClean="0">
-                <a:solidFill>
-                  <a:schemeClr val="tx1"/>
-                </a:solidFill>
-                <a:latin typeface="Helvetica" charset="0"/>
-                <a:ea typeface="Helvetica" charset="0"/>
-                <a:cs typeface="Helvetica" charset="0"/>
-              </a:rPr>
-              <a:t>enetic Algorithm”. </a:t>
+              <a:t>, 98:496–503, 1998. </a:t>
+            </a:r>
+          </a:p>
+          <a:p>
+            <a:r>
+              <a:rPr lang="en-US" dirty="0" smtClean="0">
+                <a:solidFill>
+                  <a:schemeClr val="tx1"/>
+                </a:solidFill>
+                <a:latin typeface="Helvetica" charset="0"/>
+                <a:ea typeface="Helvetica" charset="0"/>
+                <a:cs typeface="Helvetica" charset="0"/>
+              </a:rPr>
+              <a:t>[7]</a:t>
+            </a:r>
+            <a:r>
+              <a:rPr lang="en-US" dirty="0">
+                <a:solidFill>
+                  <a:schemeClr val="tx1"/>
+                </a:solidFill>
+                <a:latin typeface="Helvetica" charset="0"/>
+                <a:ea typeface="Helvetica" charset="0"/>
+                <a:cs typeface="Helvetica" charset="0"/>
+              </a:rPr>
+              <a:t> D. L. Applegate, R. E. Bixby, V. </a:t>
+            </a:r>
+            <a:r>
+              <a:rPr lang="en-US" dirty="0" err="1">
+                <a:solidFill>
+                  <a:schemeClr val="tx1"/>
+                </a:solidFill>
+                <a:latin typeface="Helvetica" charset="0"/>
+                <a:ea typeface="Helvetica" charset="0"/>
+                <a:cs typeface="Helvetica" charset="0"/>
+              </a:rPr>
+              <a:t>Chvatal</a:t>
+            </a:r>
+            <a:r>
+              <a:rPr lang="en-US" dirty="0">
+                <a:solidFill>
+                  <a:schemeClr val="tx1"/>
+                </a:solidFill>
+                <a:latin typeface="Helvetica" charset="0"/>
+                <a:ea typeface="Helvetica" charset="0"/>
+                <a:cs typeface="Helvetica" charset="0"/>
+              </a:rPr>
+              <a:t>, and W. J. Cook. </a:t>
+            </a:r>
+            <a:r>
+              <a:rPr lang="en-US" dirty="0" smtClean="0">
+                <a:solidFill>
+                  <a:schemeClr val="tx1"/>
+                </a:solidFill>
+                <a:latin typeface="Helvetica" charset="0"/>
+                <a:ea typeface="Helvetica" charset="0"/>
+                <a:cs typeface="Helvetica" charset="0"/>
+              </a:rPr>
+              <a:t>"The </a:t>
+            </a:r>
+            <a:r>
+              <a:rPr lang="en-US" dirty="0">
+                <a:solidFill>
+                  <a:schemeClr val="tx1"/>
+                </a:solidFill>
+                <a:latin typeface="Helvetica" charset="0"/>
+                <a:ea typeface="Helvetica" charset="0"/>
+                <a:cs typeface="Helvetica" charset="0"/>
+              </a:rPr>
+              <a:t>Traveling Salesman Problem: a computational </a:t>
+            </a:r>
+            <a:r>
+              <a:rPr lang="en-US" dirty="0" smtClean="0">
+                <a:solidFill>
+                  <a:schemeClr val="tx1"/>
+                </a:solidFill>
+                <a:latin typeface="Helvetica" charset="0"/>
+                <a:ea typeface="Helvetica" charset="0"/>
+                <a:cs typeface="Helvetica" charset="0"/>
+              </a:rPr>
+              <a:t>study". </a:t>
             </a:r>
             <a:r>
               <a:rPr lang="en-US" i="1" dirty="0">
@@ -28672,7 +28750,40 @@
                 <a:ea typeface="Helvetica" charset="0"/>
                 <a:cs typeface="Helvetica" charset="0"/>
               </a:rPr>
-              <a:t>CIT. Journal of computing and information technology</a:t>
+              <a:t>Princeton </a:t>
+            </a:r>
+            <a:r>
+              <a:rPr lang="en-US" i="1" dirty="0" smtClean="0">
+                <a:solidFill>
+                  <a:schemeClr val="tx1"/>
+                </a:solidFill>
+                <a:latin typeface="Helvetica" charset="0"/>
+                <a:ea typeface="Helvetica" charset="0"/>
+                <a:cs typeface="Helvetica" charset="0"/>
+              </a:rPr>
+              <a:t>University </a:t>
+            </a:r>
+            <a:r>
+              <a:rPr lang="en-US" i="1" dirty="0">
+                <a:solidFill>
+                  <a:schemeClr val="tx1"/>
+                </a:solidFill>
+                <a:latin typeface="Helvetica" charset="0"/>
+                <a:ea typeface="Helvetica" charset="0"/>
+                <a:cs typeface="Helvetica" charset="0"/>
+              </a:rPr>
+              <a:t>P</a:t>
+            </a:r>
+            <a:r>
+              <a:rPr lang="en-US" i="1" dirty="0" smtClean="0">
+                <a:solidFill>
+                  <a:schemeClr val="tx1"/>
+                </a:solidFill>
+                <a:latin typeface="Helvetica" charset="0"/>
+                <a:ea typeface="Helvetica" charset="0"/>
+                <a:cs typeface="Helvetica" charset="0"/>
+              </a:rPr>
+              <a:t>ress</a:t>
             </a:r>
             <a:r>
               <a:rPr lang="en-US" dirty="0">
@@ -28683,86 +28794,7 @@
                 <a:ea typeface="Helvetica" charset="0"/>
                 <a:cs typeface="Helvetica" charset="0"/>
               </a:rPr>
-              <a:t>, 7(3):229–235, 1999. </a:t>
-            </a:r>
-          </a:p>
-          <a:p>
-            <a:r>
-              <a:rPr lang="en-US" dirty="0" smtClean="0">
-                <a:solidFill>
-                  <a:schemeClr val="tx1"/>
-                </a:solidFill>
-                <a:latin typeface="Helvetica" charset="0"/>
-                <a:ea typeface="Helvetica" charset="0"/>
-                <a:cs typeface="Helvetica" charset="0"/>
-              </a:rPr>
-              <a:t>[12] </a:t>
-            </a:r>
-            <a:r>
-              <a:rPr lang="en-US" dirty="0">
-                <a:solidFill>
-                  <a:schemeClr val="tx1"/>
-                </a:solidFill>
-                <a:latin typeface="Helvetica" charset="0"/>
-                <a:ea typeface="Helvetica" charset="0"/>
-                <a:cs typeface="Helvetica" charset="0"/>
-              </a:rPr>
-              <a:t>L. Wang and T. Shen. </a:t>
-            </a:r>
-            <a:r>
-              <a:rPr lang="en-US" dirty="0" smtClean="0">
-                <a:solidFill>
-                  <a:schemeClr val="tx1"/>
-                </a:solidFill>
-                <a:latin typeface="Helvetica" charset="0"/>
-                <a:ea typeface="Helvetica" charset="0"/>
-                <a:cs typeface="Helvetica" charset="0"/>
-              </a:rPr>
-              <a:t>"Improved </a:t>
-            </a:r>
-            <a:r>
-              <a:rPr lang="en-US" dirty="0">
-                <a:solidFill>
-                  <a:schemeClr val="tx1"/>
-                </a:solidFill>
-                <a:latin typeface="Helvetica" charset="0"/>
-                <a:ea typeface="Helvetica" charset="0"/>
-                <a:cs typeface="Helvetica" charset="0"/>
-              </a:rPr>
-              <a:t>adaptive genetic algorithm and its application to image </a:t>
-            </a:r>
-            <a:r>
-              <a:rPr lang="en-US" dirty="0" smtClean="0">
-                <a:solidFill>
-                  <a:schemeClr val="tx1"/>
-                </a:solidFill>
-                <a:latin typeface="Helvetica" charset="0"/>
-                <a:ea typeface="Helvetica" charset="0"/>
-                <a:cs typeface="Helvetica" charset="0"/>
-              </a:rPr>
-              <a:t>segmentation". </a:t>
-            </a:r>
-            <a:r>
-              <a:rPr lang="en-US" i="1" dirty="0">
-                <a:solidFill>
-                  <a:schemeClr val="tx1"/>
-                </a:solidFill>
-                <a:latin typeface="Helvetica" charset="0"/>
-                <a:ea typeface="Helvetica" charset="0"/>
-                <a:cs typeface="Helvetica" charset="0"/>
-              </a:rPr>
-              <a:t>In Multispectral Image Processing and Pattern Recognition</a:t>
-            </a:r>
-            <a:r>
-              <a:rPr lang="en-US" dirty="0">
-                <a:solidFill>
-                  <a:schemeClr val="tx1"/>
-                </a:solidFill>
-                <a:latin typeface="Helvetica" charset="0"/>
-                <a:ea typeface="Helvetica" charset="0"/>
-                <a:cs typeface="Helvetica" charset="0"/>
-              </a:rPr>
-              <a:t>, pages 115–120. International Society for Optics and Photonics, 2001. </a:t>
+              <a:t>, 2011. </a:t>
             </a:r>
             <a:endParaRPr lang="en-US" dirty="0" smtClean="0">
               <a:solidFill>
@@ -28783,7 +28815,7 @@
                 <a:ea typeface="Helvetica" charset="0"/>
                 <a:cs typeface="Helvetica" charset="0"/>
               </a:rPr>
-              <a:t>[13] </a:t>
+              <a:t>[8] </a:t>
             </a:r>
             <a:r>
               <a:rPr lang="en-US" dirty="0">
@@ -28794,7 +28826,7 @@
                 <a:ea typeface="Helvetica" charset="0"/>
                 <a:cs typeface="Helvetica" charset="0"/>
               </a:rPr>
-              <a:t>K. Matthias, T. </a:t>
+              <a:t>T. H. </a:t>
             </a:r>
             <a:r>
               <a:rPr lang="en-US" dirty="0" err="1">
@@ -28805,7 +28837,7 @@
                 <a:ea typeface="Helvetica" charset="0"/>
                 <a:cs typeface="Helvetica" charset="0"/>
               </a:rPr>
-              <a:t>Severin</a:t>
+              <a:t>Cormen</a:t>
             </a:r>
             <a:r>
               <a:rPr lang="en-US" dirty="0">
@@ -28816,7 +28848,7 @@
                 <a:ea typeface="Helvetica" charset="0"/>
                 <a:cs typeface="Helvetica" charset="0"/>
               </a:rPr>
-              <a:t>, and H. </a:t>
+              <a:t>, C. E. </a:t>
             </a:r>
             <a:r>
               <a:rPr lang="en-US" dirty="0" err="1">
@@ -28827,7 +28859,7 @@
                 <a:ea typeface="Helvetica" charset="0"/>
                 <a:cs typeface="Helvetica" charset="0"/>
               </a:rPr>
-              <a:t>Salzwedel</a:t>
+              <a:t>Leiserson</a:t>
             </a:r>
             <a:r>
               <a:rPr lang="en-US" dirty="0">
@@ -28838,6 +28870,268 @@
                 <a:ea typeface="Helvetica" charset="0"/>
                 <a:cs typeface="Helvetica" charset="0"/>
               </a:rPr>
+              <a:t>, R. L. </a:t>
+            </a:r>
+            <a:r>
+              <a:rPr lang="en-US" dirty="0" err="1">
+                <a:solidFill>
+                  <a:schemeClr val="tx1"/>
+                </a:solidFill>
+                <a:latin typeface="Helvetica" charset="0"/>
+                <a:ea typeface="Helvetica" charset="0"/>
+                <a:cs typeface="Helvetica" charset="0"/>
+              </a:rPr>
+              <a:t>Rivest</a:t>
+            </a:r>
+            <a:r>
+              <a:rPr lang="en-US" dirty="0">
+                <a:solidFill>
+                  <a:schemeClr val="tx1"/>
+                </a:solidFill>
+                <a:latin typeface="Helvetica" charset="0"/>
+                <a:ea typeface="Helvetica" charset="0"/>
+                <a:cs typeface="Helvetica" charset="0"/>
+              </a:rPr>
+              <a:t>, et al. </a:t>
+            </a:r>
+            <a:r>
+              <a:rPr lang="en-US" dirty="0" smtClean="0">
+                <a:solidFill>
+                  <a:schemeClr val="tx1"/>
+                </a:solidFill>
+                <a:latin typeface="Helvetica" charset="0"/>
+                <a:ea typeface="Helvetica" charset="0"/>
+                <a:cs typeface="Helvetica" charset="0"/>
+              </a:rPr>
+              <a:t>"Section </a:t>
+            </a:r>
+            <a:r>
+              <a:rPr lang="en-US" dirty="0">
+                <a:solidFill>
+                  <a:schemeClr val="tx1"/>
+                </a:solidFill>
+                <a:latin typeface="Helvetica" charset="0"/>
+                <a:ea typeface="Helvetica" charset="0"/>
+                <a:cs typeface="Helvetica" charset="0"/>
+              </a:rPr>
+              <a:t>24.3: </a:t>
+            </a:r>
+            <a:r>
+              <a:rPr lang="en-US" dirty="0" err="1">
+                <a:solidFill>
+                  <a:schemeClr val="tx1"/>
+                </a:solidFill>
+                <a:latin typeface="Helvetica" charset="0"/>
+                <a:ea typeface="Helvetica" charset="0"/>
+                <a:cs typeface="Helvetica" charset="0"/>
+              </a:rPr>
+              <a:t>Dijkstra’s</a:t>
+            </a:r>
+            <a:r>
+              <a:rPr lang="en-US" dirty="0">
+                <a:solidFill>
+                  <a:schemeClr val="tx1"/>
+                </a:solidFill>
+                <a:latin typeface="Helvetica" charset="0"/>
+                <a:ea typeface="Helvetica" charset="0"/>
+                <a:cs typeface="Helvetica" charset="0"/>
+              </a:rPr>
+              <a:t> </a:t>
+            </a:r>
+            <a:r>
+              <a:rPr lang="en-US" dirty="0" smtClean="0">
+                <a:solidFill>
+                  <a:schemeClr val="tx1"/>
+                </a:solidFill>
+                <a:latin typeface="Helvetica" charset="0"/>
+                <a:ea typeface="Helvetica" charset="0"/>
+                <a:cs typeface="Helvetica" charset="0"/>
+              </a:rPr>
+              <a:t>algorithm”. </a:t>
+            </a:r>
+            <a:r>
+              <a:rPr lang="en-US" i="1" dirty="0" smtClean="0">
+                <a:solidFill>
+                  <a:schemeClr val="tx1"/>
+                </a:solidFill>
+                <a:latin typeface="Helvetica" charset="0"/>
+                <a:ea typeface="Helvetica" charset="0"/>
+                <a:cs typeface="Helvetica" charset="0"/>
+              </a:rPr>
+              <a:t>MIT Press </a:t>
+            </a:r>
+            <a:r>
+              <a:rPr lang="en-US" i="1" dirty="0">
+                <a:solidFill>
+                  <a:schemeClr val="tx1"/>
+                </a:solidFill>
+                <a:latin typeface="Helvetica" charset="0"/>
+                <a:ea typeface="Helvetica" charset="0"/>
+                <a:cs typeface="Helvetica" charset="0"/>
+              </a:rPr>
+              <a:t>and McGraw-Hill</a:t>
+            </a:r>
+            <a:r>
+              <a:rPr lang="en-US" dirty="0">
+                <a:solidFill>
+                  <a:schemeClr val="tx1"/>
+                </a:solidFill>
+                <a:latin typeface="Helvetica" charset="0"/>
+                <a:ea typeface="Helvetica" charset="0"/>
+                <a:cs typeface="Helvetica" charset="0"/>
+              </a:rPr>
+              <a:t>, 2001. </a:t>
+            </a:r>
+            <a:endParaRPr lang="en-US" dirty="0" smtClean="0">
+              <a:solidFill>
+                <a:schemeClr val="tx1"/>
+              </a:solidFill>
+              <a:latin typeface="Helvetica" charset="0"/>
+              <a:ea typeface="Helvetica" charset="0"/>
+              <a:cs typeface="Helvetica" charset="0"/>
+            </a:endParaRPr>
+          </a:p>
+          <a:p>
+            <a:r>
+              <a:rPr lang="en-US" dirty="0" smtClean="0">
+                <a:solidFill>
+                  <a:schemeClr val="tx1"/>
+                </a:solidFill>
+                <a:latin typeface="Helvetica" charset="0"/>
+                <a:ea typeface="Helvetica" charset="0"/>
+                <a:cs typeface="Helvetica" charset="0"/>
+              </a:rPr>
+              <a:t>[9] </a:t>
+            </a:r>
+            <a:r>
+              <a:rPr lang="en-US" dirty="0">
+                <a:solidFill>
+                  <a:schemeClr val="tx1"/>
+                </a:solidFill>
+                <a:latin typeface="Helvetica" charset="0"/>
+                <a:ea typeface="Helvetica" charset="0"/>
+                <a:cs typeface="Helvetica" charset="0"/>
+              </a:rPr>
+              <a:t>M. Mitchell. </a:t>
+            </a:r>
+            <a:r>
+              <a:rPr lang="en-US" dirty="0" smtClean="0">
+                <a:solidFill>
+                  <a:schemeClr val="tx1"/>
+                </a:solidFill>
+                <a:latin typeface="Helvetica" charset="0"/>
+                <a:ea typeface="Helvetica" charset="0"/>
+                <a:cs typeface="Helvetica" charset="0"/>
+              </a:rPr>
+              <a:t>"An </a:t>
+            </a:r>
+            <a:r>
+              <a:rPr lang="en-US" dirty="0">
+                <a:solidFill>
+                  <a:schemeClr val="tx1"/>
+                </a:solidFill>
+                <a:latin typeface="Helvetica" charset="0"/>
+                <a:ea typeface="Helvetica" charset="0"/>
+                <a:cs typeface="Helvetica" charset="0"/>
+              </a:rPr>
+              <a:t>introduction to genetic </a:t>
+            </a:r>
+            <a:r>
+              <a:rPr lang="en-US" dirty="0" smtClean="0">
+                <a:solidFill>
+                  <a:schemeClr val="tx1"/>
+                </a:solidFill>
+                <a:latin typeface="Helvetica" charset="0"/>
+                <a:ea typeface="Helvetica" charset="0"/>
+                <a:cs typeface="Helvetica" charset="0"/>
+              </a:rPr>
+              <a:t>algorithms". </a:t>
+            </a:r>
+            <a:r>
+              <a:rPr lang="en-US" i="1" dirty="0">
+                <a:solidFill>
+                  <a:schemeClr val="tx1"/>
+                </a:solidFill>
+                <a:latin typeface="Helvetica" charset="0"/>
+                <a:ea typeface="Helvetica" charset="0"/>
+                <a:cs typeface="Helvetica" charset="0"/>
+              </a:rPr>
+              <a:t>MIT </a:t>
+            </a:r>
+            <a:r>
+              <a:rPr lang="en-US" i="1" dirty="0" smtClean="0">
+                <a:solidFill>
+                  <a:schemeClr val="tx1"/>
+                </a:solidFill>
+                <a:latin typeface="Helvetica" charset="0"/>
+                <a:ea typeface="Helvetica" charset="0"/>
+                <a:cs typeface="Helvetica" charset="0"/>
+              </a:rPr>
+              <a:t>Press</a:t>
+            </a:r>
+            <a:r>
+              <a:rPr lang="en-US" dirty="0">
+                <a:solidFill>
+                  <a:schemeClr val="tx1"/>
+                </a:solidFill>
+                <a:latin typeface="Helvetica" charset="0"/>
+                <a:ea typeface="Helvetica" charset="0"/>
+                <a:cs typeface="Helvetica" charset="0"/>
+              </a:rPr>
+              <a:t>, 1998. </a:t>
+            </a:r>
+            <a:endParaRPr lang="en-US" dirty="0" smtClean="0">
+              <a:solidFill>
+                <a:schemeClr val="tx1"/>
+              </a:solidFill>
+              <a:latin typeface="Helvetica" charset="0"/>
+              <a:ea typeface="Helvetica" charset="0"/>
+              <a:cs typeface="Helvetica" charset="0"/>
+            </a:endParaRPr>
+          </a:p>
+          <a:p>
+            <a:r>
+              <a:rPr lang="en-US" dirty="0" smtClean="0">
+                <a:solidFill>
+                  <a:schemeClr val="tx1"/>
+                </a:solidFill>
+                <a:latin typeface="Helvetica" charset="0"/>
+                <a:ea typeface="Helvetica" charset="0"/>
+                <a:cs typeface="Helvetica" charset="0"/>
+              </a:rPr>
+              <a:t>[10] M</a:t>
+            </a:r>
+            <a:r>
+              <a:rPr lang="en-US" dirty="0">
+                <a:solidFill>
+                  <a:schemeClr val="tx1"/>
+                </a:solidFill>
+                <a:latin typeface="Helvetica" charset="0"/>
+                <a:ea typeface="Helvetica" charset="0"/>
+                <a:cs typeface="Helvetica" charset="0"/>
+              </a:rPr>
+              <a:t>. Srinivas and L. M. </a:t>
+            </a:r>
+            <a:r>
+              <a:rPr lang="en-US" dirty="0" err="1">
+                <a:solidFill>
+                  <a:schemeClr val="tx1"/>
+                </a:solidFill>
+                <a:latin typeface="Helvetica" charset="0"/>
+                <a:ea typeface="Helvetica" charset="0"/>
+                <a:cs typeface="Helvetica" charset="0"/>
+              </a:rPr>
+              <a:t>Patnaik</a:t>
+            </a:r>
+            <a:r>
+              <a:rPr lang="en-US" dirty="0">
+                <a:solidFill>
+                  <a:schemeClr val="tx1"/>
+                </a:solidFill>
+                <a:latin typeface="Helvetica" charset="0"/>
+                <a:ea typeface="Helvetica" charset="0"/>
+                <a:cs typeface="Helvetica" charset="0"/>
+              </a:rPr>
               <a:t>. </a:t>
             </a:r>
             <a:r>
@@ -28849,7 +29143,7 @@
                 <a:ea typeface="Helvetica" charset="0"/>
                 <a:cs typeface="Helvetica" charset="0"/>
               </a:rPr>
-              <a:t>"Variable </a:t>
+              <a:t>"Adaptive </a:t>
             </a:r>
             <a:r>
               <a:rPr lang="en-US" dirty="0">
@@ -28860,18 +29154,18 @@
                 <a:ea typeface="Helvetica" charset="0"/>
                 <a:cs typeface="Helvetica" charset="0"/>
               </a:rPr>
-              <a:t>mutation rate at genetic algorithms: introduction of chromosome fitness in connection with multi-chromosome </a:t>
-            </a:r>
-            <a:r>
-              <a:rPr lang="en-US" dirty="0" smtClean="0">
-                <a:solidFill>
-                  <a:schemeClr val="tx1"/>
-                </a:solidFill>
-                <a:latin typeface="Helvetica" charset="0"/>
-                <a:ea typeface="Helvetica" charset="0"/>
-                <a:cs typeface="Helvetica" charset="0"/>
-              </a:rPr>
-              <a:t>representation". </a:t>
+              <a:t>probabilities of crossover and mutation in genetic </a:t>
+            </a:r>
+            <a:r>
+              <a:rPr lang="en-US" dirty="0" smtClean="0">
+                <a:solidFill>
+                  <a:schemeClr val="tx1"/>
+                </a:solidFill>
+                <a:latin typeface="Helvetica" charset="0"/>
+                <a:ea typeface="Helvetica" charset="0"/>
+                <a:cs typeface="Helvetica" charset="0"/>
+              </a:rPr>
+              <a:t>algorithms". </a:t>
             </a:r>
             <a:r>
               <a:rPr lang="en-US" i="1" dirty="0">
@@ -28882,7 +29176,7 @@
                 <a:ea typeface="Helvetica" charset="0"/>
                 <a:cs typeface="Helvetica" charset="0"/>
               </a:rPr>
-              <a:t>International Journal of Computer Applications</a:t>
+              <a:t>IEEE Transactions on Systems, Man, and Cybernetics</a:t>
             </a:r>
             <a:r>
               <a:rPr lang="en-US" dirty="0">
@@ -28893,18 +29187,7 @@
                 <a:ea typeface="Helvetica" charset="0"/>
                 <a:cs typeface="Helvetica" charset="0"/>
               </a:rPr>
-              <a:t>, 72(17), 2013</a:t>
-            </a:r>
-            <a:r>
-              <a:rPr lang="en-US" dirty="0" smtClean="0">
-                <a:solidFill>
-                  <a:schemeClr val="tx1"/>
-                </a:solidFill>
-                <a:latin typeface="Helvetica" charset="0"/>
-                <a:ea typeface="Helvetica" charset="0"/>
-                <a:cs typeface="Helvetica" charset="0"/>
-              </a:rPr>
-              <a:t>.</a:t>
+              <a:t>, 24(4):656–667, 1994. </a:t>
             </a:r>
           </a:p>
           <a:p>
@@ -28946,7 +29229,483 @@
           <a:p>
             <a:fld id="{55774153-6BEA-8641-B7A1-86CE42693FE2}" type="slidenum">
               <a:rPr lang="en-US" smtClean="0"/>
-              <a:t>23</a:t>
+              <a:t>25</a:t>
+            </a:fld>
+            <a:endParaRPr lang="en-US"/>
+          </a:p>
+        </p:txBody>
+      </p:sp>
+    </p:spTree>
+    <p:extLst>
+      <p:ext uri="{BB962C8B-B14F-4D97-AF65-F5344CB8AC3E}">
+        <p14:creationId xmlns:p14="http://schemas.microsoft.com/office/powerpoint/2010/main" val="2080831962"/>
+      </p:ext>
+    </p:extLst>
+  </p:cSld>
+  <p:clrMapOvr>
+    <a:masterClrMapping/>
+  </p:clrMapOvr>
+  <p:timing>
+    <p:tnLst>
+      <p:par>
+        <p:cTn id="1" dur="indefinite" restart="never" nodeType="tmRoot"/>
+      </p:par>
+    </p:tnLst>
+  </p:timing>
+</p:sld>
+</file>
+
+<file path=ppt/slides/slide27.xml><?xml version="1.0" encoding="utf-8"?>
+<p:sld xmlns:a="http://schemas.openxmlformats.org/drawingml/2006/main" xmlns:r="http://schemas.openxmlformats.org/officeDocument/2006/relationships" xmlns:p="http://schemas.openxmlformats.org/presentationml/2006/main">
+  <p:cSld>
+    <p:spTree>
+      <p:nvGrpSpPr>
+        <p:cNvPr id="1" name=""/>
+        <p:cNvGrpSpPr/>
+        <p:nvPr/>
+      </p:nvGrpSpPr>
+      <p:grpSpPr>
+        <a:xfrm>
+          <a:off x="0" y="0"/>
+          <a:ext cx="0" cy="0"/>
+          <a:chOff x="0" y="0"/>
+          <a:chExt cx="0" cy="0"/>
+        </a:xfrm>
+      </p:grpSpPr>
+      <p:sp>
+        <p:nvSpPr>
+          <p:cNvPr id="2" name="Title 1"/>
+          <p:cNvSpPr>
+            <a:spLocks noGrp="1"/>
+          </p:cNvSpPr>
+          <p:nvPr>
+            <p:ph type="title"/>
+          </p:nvPr>
+        </p:nvSpPr>
+        <p:spPr/>
+        <p:txBody>
+          <a:bodyPr/>
+          <a:lstStyle/>
+          <a:p>
+            <a:r>
+              <a:rPr lang="en-US" b="1" dirty="0" err="1" smtClean="0">
+                <a:latin typeface="Helvetica" charset="0"/>
+                <a:ea typeface="Helvetica" charset="0"/>
+                <a:cs typeface="Helvetica" charset="0"/>
+              </a:rPr>
+              <a:t>Referências</a:t>
+            </a:r>
+            <a:endParaRPr lang="en-US" b="1" dirty="0">
+              <a:latin typeface="Helvetica" charset="0"/>
+              <a:ea typeface="Helvetica" charset="0"/>
+              <a:cs typeface="Helvetica" charset="0"/>
+            </a:endParaRPr>
+          </a:p>
+        </p:txBody>
+      </p:sp>
+      <p:sp>
+        <p:nvSpPr>
+          <p:cNvPr id="3" name="Content Placeholder 2"/>
+          <p:cNvSpPr>
+            <a:spLocks noGrp="1"/>
+          </p:cNvSpPr>
+          <p:nvPr>
+            <p:ph idx="1"/>
+          </p:nvPr>
+        </p:nvSpPr>
+        <p:spPr>
+          <a:xfrm>
+            <a:off x="1154954" y="2603500"/>
+            <a:ext cx="10035785" cy="3416300"/>
+          </a:xfrm>
+        </p:spPr>
+        <p:txBody>
+          <a:bodyPr/>
+          <a:lstStyle/>
+          <a:p>
+            <a:r>
+              <a:rPr lang="en-US" dirty="0" smtClean="0">
+                <a:solidFill>
+                  <a:schemeClr val="tx1"/>
+                </a:solidFill>
+                <a:latin typeface="Helvetica" charset="0"/>
+                <a:ea typeface="Helvetica" charset="0"/>
+                <a:cs typeface="Helvetica" charset="0"/>
+              </a:rPr>
+              <a:t>[11] </a:t>
+            </a:r>
+            <a:r>
+              <a:rPr lang="en-US" dirty="0">
+                <a:solidFill>
+                  <a:schemeClr val="tx1"/>
+                </a:solidFill>
+                <a:latin typeface="Helvetica" charset="0"/>
+                <a:ea typeface="Helvetica" charset="0"/>
+                <a:cs typeface="Helvetica" charset="0"/>
+              </a:rPr>
+              <a:t>D. </a:t>
+            </a:r>
+            <a:r>
+              <a:rPr lang="en-US" dirty="0" err="1">
+                <a:solidFill>
+                  <a:schemeClr val="tx1"/>
+                </a:solidFill>
+                <a:latin typeface="Helvetica" charset="0"/>
+                <a:ea typeface="Helvetica" charset="0"/>
+                <a:cs typeface="Helvetica" charset="0"/>
+              </a:rPr>
+              <a:t>Jakobovic</a:t>
+            </a:r>
+            <a:r>
+              <a:rPr lang="en-US" dirty="0">
+                <a:solidFill>
+                  <a:schemeClr val="tx1"/>
+                </a:solidFill>
+                <a:latin typeface="Helvetica" charset="0"/>
+                <a:ea typeface="Helvetica" charset="0"/>
+                <a:cs typeface="Helvetica" charset="0"/>
+              </a:rPr>
+              <a:t>́ and M. </a:t>
+            </a:r>
+            <a:r>
+              <a:rPr lang="en-US" dirty="0" err="1">
+                <a:solidFill>
+                  <a:schemeClr val="tx1"/>
+                </a:solidFill>
+                <a:latin typeface="Helvetica" charset="0"/>
+                <a:ea typeface="Helvetica" charset="0"/>
+                <a:cs typeface="Helvetica" charset="0"/>
+              </a:rPr>
+              <a:t>Golub</a:t>
+            </a:r>
+            <a:r>
+              <a:rPr lang="en-US" dirty="0">
+                <a:solidFill>
+                  <a:schemeClr val="tx1"/>
+                </a:solidFill>
+                <a:latin typeface="Helvetica" charset="0"/>
+                <a:ea typeface="Helvetica" charset="0"/>
+                <a:cs typeface="Helvetica" charset="0"/>
+              </a:rPr>
+              <a:t>. </a:t>
+            </a:r>
+            <a:r>
+              <a:rPr lang="en-US" dirty="0" smtClean="0">
+                <a:solidFill>
+                  <a:schemeClr val="tx1"/>
+                </a:solidFill>
+                <a:latin typeface="Helvetica" charset="0"/>
+                <a:ea typeface="Helvetica" charset="0"/>
+                <a:cs typeface="Helvetica" charset="0"/>
+              </a:rPr>
+              <a:t>“Adaptive </a:t>
+            </a:r>
+            <a:r>
+              <a:rPr lang="en-US" dirty="0">
+                <a:solidFill>
+                  <a:schemeClr val="tx1"/>
+                </a:solidFill>
+                <a:latin typeface="Helvetica" charset="0"/>
+                <a:ea typeface="Helvetica" charset="0"/>
+                <a:cs typeface="Helvetica" charset="0"/>
+              </a:rPr>
+              <a:t>G</a:t>
+            </a:r>
+            <a:r>
+              <a:rPr lang="en-US" dirty="0" smtClean="0">
+                <a:solidFill>
+                  <a:schemeClr val="tx1"/>
+                </a:solidFill>
+                <a:latin typeface="Helvetica" charset="0"/>
+                <a:ea typeface="Helvetica" charset="0"/>
+                <a:cs typeface="Helvetica" charset="0"/>
+              </a:rPr>
+              <a:t>enetic Algorithm”. </a:t>
+            </a:r>
+            <a:r>
+              <a:rPr lang="en-US" i="1" dirty="0">
+                <a:solidFill>
+                  <a:schemeClr val="tx1"/>
+                </a:solidFill>
+                <a:latin typeface="Helvetica" charset="0"/>
+                <a:ea typeface="Helvetica" charset="0"/>
+                <a:cs typeface="Helvetica" charset="0"/>
+              </a:rPr>
+              <a:t>CIT. Journal of computing and information technology</a:t>
+            </a:r>
+            <a:r>
+              <a:rPr lang="en-US" dirty="0">
+                <a:solidFill>
+                  <a:schemeClr val="tx1"/>
+                </a:solidFill>
+                <a:latin typeface="Helvetica" charset="0"/>
+                <a:ea typeface="Helvetica" charset="0"/>
+                <a:cs typeface="Helvetica" charset="0"/>
+              </a:rPr>
+              <a:t>, 7(3):229–235, 1999. </a:t>
+            </a:r>
+          </a:p>
+          <a:p>
+            <a:r>
+              <a:rPr lang="en-US" dirty="0" smtClean="0">
+                <a:solidFill>
+                  <a:schemeClr val="tx1"/>
+                </a:solidFill>
+                <a:latin typeface="Helvetica" charset="0"/>
+                <a:ea typeface="Helvetica" charset="0"/>
+                <a:cs typeface="Helvetica" charset="0"/>
+              </a:rPr>
+              <a:t>[12] </a:t>
+            </a:r>
+            <a:r>
+              <a:rPr lang="en-US" dirty="0">
+                <a:solidFill>
+                  <a:schemeClr val="tx1"/>
+                </a:solidFill>
+                <a:latin typeface="Helvetica" charset="0"/>
+                <a:ea typeface="Helvetica" charset="0"/>
+                <a:cs typeface="Helvetica" charset="0"/>
+              </a:rPr>
+              <a:t>L. Wang and T. Shen. </a:t>
+            </a:r>
+            <a:r>
+              <a:rPr lang="en-US" dirty="0" smtClean="0">
+                <a:solidFill>
+                  <a:schemeClr val="tx1"/>
+                </a:solidFill>
+                <a:latin typeface="Helvetica" charset="0"/>
+                <a:ea typeface="Helvetica" charset="0"/>
+                <a:cs typeface="Helvetica" charset="0"/>
+              </a:rPr>
+              <a:t>"Improved </a:t>
+            </a:r>
+            <a:r>
+              <a:rPr lang="en-US" dirty="0">
+                <a:solidFill>
+                  <a:schemeClr val="tx1"/>
+                </a:solidFill>
+                <a:latin typeface="Helvetica" charset="0"/>
+                <a:ea typeface="Helvetica" charset="0"/>
+                <a:cs typeface="Helvetica" charset="0"/>
+              </a:rPr>
+              <a:t>adaptive genetic algorithm and its application to image </a:t>
+            </a:r>
+            <a:r>
+              <a:rPr lang="en-US" dirty="0" smtClean="0">
+                <a:solidFill>
+                  <a:schemeClr val="tx1"/>
+                </a:solidFill>
+                <a:latin typeface="Helvetica" charset="0"/>
+                <a:ea typeface="Helvetica" charset="0"/>
+                <a:cs typeface="Helvetica" charset="0"/>
+              </a:rPr>
+              <a:t>segmentation". </a:t>
+            </a:r>
+            <a:r>
+              <a:rPr lang="en-US" i="1" dirty="0">
+                <a:solidFill>
+                  <a:schemeClr val="tx1"/>
+                </a:solidFill>
+                <a:latin typeface="Helvetica" charset="0"/>
+                <a:ea typeface="Helvetica" charset="0"/>
+                <a:cs typeface="Helvetica" charset="0"/>
+              </a:rPr>
+              <a:t>In Multispectral Image Processing and Pattern Recognition</a:t>
+            </a:r>
+            <a:r>
+              <a:rPr lang="en-US" dirty="0">
+                <a:solidFill>
+                  <a:schemeClr val="tx1"/>
+                </a:solidFill>
+                <a:latin typeface="Helvetica" charset="0"/>
+                <a:ea typeface="Helvetica" charset="0"/>
+                <a:cs typeface="Helvetica" charset="0"/>
+              </a:rPr>
+              <a:t>, pages 115–120. International Society for Optics and Photonics, 2001. </a:t>
+            </a:r>
+            <a:endParaRPr lang="en-US" dirty="0" smtClean="0">
+              <a:solidFill>
+                <a:schemeClr val="tx1"/>
+              </a:solidFill>
+              <a:latin typeface="Helvetica" charset="0"/>
+              <a:ea typeface="Helvetica" charset="0"/>
+              <a:cs typeface="Helvetica" charset="0"/>
+            </a:endParaRPr>
+          </a:p>
+          <a:p>
+            <a:r>
+              <a:rPr lang="en-US" dirty="0" smtClean="0">
+                <a:solidFill>
+                  <a:schemeClr val="tx1"/>
+                </a:solidFill>
+                <a:latin typeface="Helvetica" charset="0"/>
+                <a:ea typeface="Helvetica" charset="0"/>
+                <a:cs typeface="Helvetica" charset="0"/>
+              </a:rPr>
+              <a:t>[13] </a:t>
+            </a:r>
+            <a:r>
+              <a:rPr lang="en-US" dirty="0">
+                <a:solidFill>
+                  <a:schemeClr val="tx1"/>
+                </a:solidFill>
+                <a:latin typeface="Helvetica" charset="0"/>
+                <a:ea typeface="Helvetica" charset="0"/>
+                <a:cs typeface="Helvetica" charset="0"/>
+              </a:rPr>
+              <a:t>K. Matthias, T. </a:t>
+            </a:r>
+            <a:r>
+              <a:rPr lang="en-US" dirty="0" err="1">
+                <a:solidFill>
+                  <a:schemeClr val="tx1"/>
+                </a:solidFill>
+                <a:latin typeface="Helvetica" charset="0"/>
+                <a:ea typeface="Helvetica" charset="0"/>
+                <a:cs typeface="Helvetica" charset="0"/>
+              </a:rPr>
+              <a:t>Severin</a:t>
+            </a:r>
+            <a:r>
+              <a:rPr lang="en-US" dirty="0">
+                <a:solidFill>
+                  <a:schemeClr val="tx1"/>
+                </a:solidFill>
+                <a:latin typeface="Helvetica" charset="0"/>
+                <a:ea typeface="Helvetica" charset="0"/>
+                <a:cs typeface="Helvetica" charset="0"/>
+              </a:rPr>
+              <a:t>, and H. </a:t>
+            </a:r>
+            <a:r>
+              <a:rPr lang="en-US" dirty="0" err="1">
+                <a:solidFill>
+                  <a:schemeClr val="tx1"/>
+                </a:solidFill>
+                <a:latin typeface="Helvetica" charset="0"/>
+                <a:ea typeface="Helvetica" charset="0"/>
+                <a:cs typeface="Helvetica" charset="0"/>
+              </a:rPr>
+              <a:t>Salzwedel</a:t>
+            </a:r>
+            <a:r>
+              <a:rPr lang="en-US" dirty="0">
+                <a:solidFill>
+                  <a:schemeClr val="tx1"/>
+                </a:solidFill>
+                <a:latin typeface="Helvetica" charset="0"/>
+                <a:ea typeface="Helvetica" charset="0"/>
+                <a:cs typeface="Helvetica" charset="0"/>
+              </a:rPr>
+              <a:t>. </a:t>
+            </a:r>
+            <a:r>
+              <a:rPr lang="en-US" dirty="0" smtClean="0">
+                <a:solidFill>
+                  <a:schemeClr val="tx1"/>
+                </a:solidFill>
+                <a:latin typeface="Helvetica" charset="0"/>
+                <a:ea typeface="Helvetica" charset="0"/>
+                <a:cs typeface="Helvetica" charset="0"/>
+              </a:rPr>
+              <a:t>"Variable </a:t>
+            </a:r>
+            <a:r>
+              <a:rPr lang="en-US" dirty="0">
+                <a:solidFill>
+                  <a:schemeClr val="tx1"/>
+                </a:solidFill>
+                <a:latin typeface="Helvetica" charset="0"/>
+                <a:ea typeface="Helvetica" charset="0"/>
+                <a:cs typeface="Helvetica" charset="0"/>
+              </a:rPr>
+              <a:t>mutation rate at genetic algorithms: introduction of chromosome fitness in connection with multi-chromosome </a:t>
+            </a:r>
+            <a:r>
+              <a:rPr lang="en-US" dirty="0" smtClean="0">
+                <a:solidFill>
+                  <a:schemeClr val="tx1"/>
+                </a:solidFill>
+                <a:latin typeface="Helvetica" charset="0"/>
+                <a:ea typeface="Helvetica" charset="0"/>
+                <a:cs typeface="Helvetica" charset="0"/>
+              </a:rPr>
+              <a:t>representation". </a:t>
+            </a:r>
+            <a:r>
+              <a:rPr lang="en-US" i="1" dirty="0">
+                <a:solidFill>
+                  <a:schemeClr val="tx1"/>
+                </a:solidFill>
+                <a:latin typeface="Helvetica" charset="0"/>
+                <a:ea typeface="Helvetica" charset="0"/>
+                <a:cs typeface="Helvetica" charset="0"/>
+              </a:rPr>
+              <a:t>International Journal of Computer Applications</a:t>
+            </a:r>
+            <a:r>
+              <a:rPr lang="en-US" dirty="0">
+                <a:solidFill>
+                  <a:schemeClr val="tx1"/>
+                </a:solidFill>
+                <a:latin typeface="Helvetica" charset="0"/>
+                <a:ea typeface="Helvetica" charset="0"/>
+                <a:cs typeface="Helvetica" charset="0"/>
+              </a:rPr>
+              <a:t>, 72(17), 2013</a:t>
+            </a:r>
+            <a:r>
+              <a:rPr lang="en-US" dirty="0" smtClean="0">
+                <a:solidFill>
+                  <a:schemeClr val="tx1"/>
+                </a:solidFill>
+                <a:latin typeface="Helvetica" charset="0"/>
+                <a:ea typeface="Helvetica" charset="0"/>
+                <a:cs typeface="Helvetica" charset="0"/>
+              </a:rPr>
+              <a:t>.</a:t>
+            </a:r>
+          </a:p>
+          <a:p>
+            <a:endParaRPr lang="en-US" dirty="0">
+              <a:solidFill>
+                <a:schemeClr val="tx1"/>
+              </a:solidFill>
+              <a:latin typeface="Helvetica" charset="0"/>
+              <a:ea typeface="Helvetica" charset="0"/>
+              <a:cs typeface="Helvetica" charset="0"/>
+            </a:endParaRPr>
+          </a:p>
+          <a:p>
+            <a:endParaRPr lang="en-US" dirty="0">
+              <a:solidFill>
+                <a:schemeClr val="tx1"/>
+              </a:solidFill>
+              <a:latin typeface="Helvetica" charset="0"/>
+              <a:ea typeface="Helvetica" charset="0"/>
+              <a:cs typeface="Helvetica" charset="0"/>
+            </a:endParaRPr>
+          </a:p>
+        </p:txBody>
+      </p:sp>
+      <p:sp>
+        <p:nvSpPr>
+          <p:cNvPr id="4" name="Slide Number Placeholder 3"/>
+          <p:cNvSpPr>
+            <a:spLocks noGrp="1"/>
+          </p:cNvSpPr>
+          <p:nvPr>
+            <p:ph type="sldNum" sz="quarter" idx="12"/>
+          </p:nvPr>
+        </p:nvSpPr>
+        <p:spPr/>
+        <p:txBody>
+          <a:bodyPr/>
+          <a:lstStyle/>
+          <a:p>
+            <a:fld id="{55774153-6BEA-8641-B7A1-86CE42693FE2}" type="slidenum">
+              <a:rPr lang="en-US" smtClean="0"/>
+              <a:t>26</a:t>
             </a:fld>
             <a:endParaRPr lang="en-US"/>
           </a:p>

--- a/presentations/TG2_Apresentacao_Cassio.pptx
+++ b/presentations/TG2_Apresentacao_Cassio.pptx
@@ -5,7 +5,7 @@
     <p:sldMasterId id="2147484198" r:id="rId1"/>
   </p:sldMasterIdLst>
   <p:notesMasterIdLst>
-    <p:notesMasterId r:id="rId29"/>
+    <p:notesMasterId r:id="rId32"/>
   </p:notesMasterIdLst>
   <p:sldIdLst>
     <p:sldId id="256" r:id="rId2"/>
@@ -28,13 +28,16 @@
     <p:sldId id="286" r:id="rId19"/>
     <p:sldId id="288" r:id="rId20"/>
     <p:sldId id="287" r:id="rId21"/>
-    <p:sldId id="293" r:id="rId22"/>
-    <p:sldId id="292" r:id="rId23"/>
-    <p:sldId id="294" r:id="rId24"/>
-    <p:sldId id="291" r:id="rId25"/>
-    <p:sldId id="269" r:id="rId26"/>
-    <p:sldId id="271" r:id="rId27"/>
-    <p:sldId id="289" r:id="rId28"/>
+    <p:sldId id="296" r:id="rId22"/>
+    <p:sldId id="297" r:id="rId23"/>
+    <p:sldId id="293" r:id="rId24"/>
+    <p:sldId id="292" r:id="rId25"/>
+    <p:sldId id="294" r:id="rId26"/>
+    <p:sldId id="295" r:id="rId27"/>
+    <p:sldId id="291" r:id="rId28"/>
+    <p:sldId id="269" r:id="rId29"/>
+    <p:sldId id="271" r:id="rId30"/>
+    <p:sldId id="289" r:id="rId31"/>
   </p:sldIdLst>
   <p:sldSz cx="12192000" cy="6858000"/>
   <p:notesSz cx="6858000" cy="9144000"/>
@@ -1237,7 +1240,7 @@
     </p:spTree>
     <p:extLst>
       <p:ext uri="{BB962C8B-B14F-4D97-AF65-F5344CB8AC3E}">
-        <p14:creationId xmlns:p14="http://schemas.microsoft.com/office/powerpoint/2010/main" val="1437822982"/>
+        <p14:creationId xmlns:p14="http://schemas.microsoft.com/office/powerpoint/2010/main" val="395274262"/>
       </p:ext>
     </p:extLst>
   </p:cSld>
@@ -1321,7 +1324,7 @@
     </p:spTree>
     <p:extLst>
       <p:ext uri="{BB962C8B-B14F-4D97-AF65-F5344CB8AC3E}">
-        <p14:creationId xmlns:p14="http://schemas.microsoft.com/office/powerpoint/2010/main" val="1234342965"/>
+        <p14:creationId xmlns:p14="http://schemas.microsoft.com/office/powerpoint/2010/main" val="1589888064"/>
       </p:ext>
     </p:extLst>
   </p:cSld>
@@ -1405,7 +1408,7 @@
     </p:spTree>
     <p:extLst>
       <p:ext uri="{BB962C8B-B14F-4D97-AF65-F5344CB8AC3E}">
-        <p14:creationId xmlns:p14="http://schemas.microsoft.com/office/powerpoint/2010/main" val="1923837116"/>
+        <p14:creationId xmlns:p14="http://schemas.microsoft.com/office/powerpoint/2010/main" val="1437822982"/>
       </p:ext>
     </p:extLst>
   </p:cSld>
@@ -1565,6 +1568,258 @@
             <a:fld id="{728E3497-A358-B14F-AE0E-969A2D296615}" type="slidenum">
               <a:rPr lang="en-US" smtClean="0"/>
               <a:t>23</a:t>
+            </a:fld>
+            <a:endParaRPr lang="en-US"/>
+          </a:p>
+        </p:txBody>
+      </p:sp>
+    </p:spTree>
+    <p:extLst>
+      <p:ext uri="{BB962C8B-B14F-4D97-AF65-F5344CB8AC3E}">
+        <p14:creationId xmlns:p14="http://schemas.microsoft.com/office/powerpoint/2010/main" val="1234342965"/>
+      </p:ext>
+    </p:extLst>
+  </p:cSld>
+  <p:clrMapOvr>
+    <a:masterClrMapping/>
+  </p:clrMapOvr>
+</p:notes>
+</file>
+
+<file path=ppt/notesSlides/notesSlide21.xml><?xml version="1.0" encoding="utf-8"?>
+<p:notes xmlns:a="http://schemas.openxmlformats.org/drawingml/2006/main" xmlns:r="http://schemas.openxmlformats.org/officeDocument/2006/relationships" xmlns:p="http://schemas.openxmlformats.org/presentationml/2006/main">
+  <p:cSld>
+    <p:spTree>
+      <p:nvGrpSpPr>
+        <p:cNvPr id="1" name=""/>
+        <p:cNvGrpSpPr/>
+        <p:nvPr/>
+      </p:nvGrpSpPr>
+      <p:grpSpPr>
+        <a:xfrm>
+          <a:off x="0" y="0"/>
+          <a:ext cx="0" cy="0"/>
+          <a:chOff x="0" y="0"/>
+          <a:chExt cx="0" cy="0"/>
+        </a:xfrm>
+      </p:grpSpPr>
+      <p:sp>
+        <p:nvSpPr>
+          <p:cNvPr id="2" name="Slide Image Placeholder 1"/>
+          <p:cNvSpPr>
+            <a:spLocks noGrp="1" noRot="1" noChangeAspect="1"/>
+          </p:cNvSpPr>
+          <p:nvPr>
+            <p:ph type="sldImg"/>
+          </p:nvPr>
+        </p:nvSpPr>
+        <p:spPr/>
+      </p:sp>
+      <p:sp>
+        <p:nvSpPr>
+          <p:cNvPr id="3" name="Notes Placeholder 2"/>
+          <p:cNvSpPr>
+            <a:spLocks noGrp="1"/>
+          </p:cNvSpPr>
+          <p:nvPr>
+            <p:ph type="body" idx="1"/>
+          </p:nvPr>
+        </p:nvSpPr>
+        <p:spPr/>
+        <p:txBody>
+          <a:bodyPr/>
+          <a:lstStyle/>
+          <a:p>
+            <a:endParaRPr lang="en-US"/>
+          </a:p>
+        </p:txBody>
+      </p:sp>
+      <p:sp>
+        <p:nvSpPr>
+          <p:cNvPr id="4" name="Slide Number Placeholder 3"/>
+          <p:cNvSpPr>
+            <a:spLocks noGrp="1"/>
+          </p:cNvSpPr>
+          <p:nvPr>
+            <p:ph type="sldNum" sz="quarter" idx="10"/>
+          </p:nvPr>
+        </p:nvSpPr>
+        <p:spPr/>
+        <p:txBody>
+          <a:bodyPr/>
+          <a:lstStyle/>
+          <a:p>
+            <a:fld id="{728E3497-A358-B14F-AE0E-969A2D296615}" type="slidenum">
+              <a:rPr lang="en-US" smtClean="0"/>
+              <a:t>24</a:t>
+            </a:fld>
+            <a:endParaRPr lang="en-US"/>
+          </a:p>
+        </p:txBody>
+      </p:sp>
+    </p:spTree>
+    <p:extLst>
+      <p:ext uri="{BB962C8B-B14F-4D97-AF65-F5344CB8AC3E}">
+        <p14:creationId xmlns:p14="http://schemas.microsoft.com/office/powerpoint/2010/main" val="1923837116"/>
+      </p:ext>
+    </p:extLst>
+  </p:cSld>
+  <p:clrMapOvr>
+    <a:masterClrMapping/>
+  </p:clrMapOvr>
+</p:notes>
+</file>
+
+<file path=ppt/notesSlides/notesSlide22.xml><?xml version="1.0" encoding="utf-8"?>
+<p:notes xmlns:a="http://schemas.openxmlformats.org/drawingml/2006/main" xmlns:r="http://schemas.openxmlformats.org/officeDocument/2006/relationships" xmlns:p="http://schemas.openxmlformats.org/presentationml/2006/main">
+  <p:cSld>
+    <p:spTree>
+      <p:nvGrpSpPr>
+        <p:cNvPr id="1" name=""/>
+        <p:cNvGrpSpPr/>
+        <p:nvPr/>
+      </p:nvGrpSpPr>
+      <p:grpSpPr>
+        <a:xfrm>
+          <a:off x="0" y="0"/>
+          <a:ext cx="0" cy="0"/>
+          <a:chOff x="0" y="0"/>
+          <a:chExt cx="0" cy="0"/>
+        </a:xfrm>
+      </p:grpSpPr>
+      <p:sp>
+        <p:nvSpPr>
+          <p:cNvPr id="2" name="Slide Image Placeholder 1"/>
+          <p:cNvSpPr>
+            <a:spLocks noGrp="1" noRot="1" noChangeAspect="1"/>
+          </p:cNvSpPr>
+          <p:nvPr>
+            <p:ph type="sldImg"/>
+          </p:nvPr>
+        </p:nvSpPr>
+        <p:spPr/>
+      </p:sp>
+      <p:sp>
+        <p:nvSpPr>
+          <p:cNvPr id="3" name="Notes Placeholder 2"/>
+          <p:cNvSpPr>
+            <a:spLocks noGrp="1"/>
+          </p:cNvSpPr>
+          <p:nvPr>
+            <p:ph type="body" idx="1"/>
+          </p:nvPr>
+        </p:nvSpPr>
+        <p:spPr/>
+        <p:txBody>
+          <a:bodyPr/>
+          <a:lstStyle/>
+          <a:p>
+            <a:endParaRPr lang="en-US"/>
+          </a:p>
+        </p:txBody>
+      </p:sp>
+      <p:sp>
+        <p:nvSpPr>
+          <p:cNvPr id="4" name="Slide Number Placeholder 3"/>
+          <p:cNvSpPr>
+            <a:spLocks noGrp="1"/>
+          </p:cNvSpPr>
+          <p:nvPr>
+            <p:ph type="sldNum" sz="quarter" idx="10"/>
+          </p:nvPr>
+        </p:nvSpPr>
+        <p:spPr/>
+        <p:txBody>
+          <a:bodyPr/>
+          <a:lstStyle/>
+          <a:p>
+            <a:fld id="{728E3497-A358-B14F-AE0E-969A2D296615}" type="slidenum">
+              <a:rPr lang="en-US" smtClean="0"/>
+              <a:t>25</a:t>
+            </a:fld>
+            <a:endParaRPr lang="en-US"/>
+          </a:p>
+        </p:txBody>
+      </p:sp>
+    </p:spTree>
+    <p:extLst>
+      <p:ext uri="{BB962C8B-B14F-4D97-AF65-F5344CB8AC3E}">
+        <p14:creationId xmlns:p14="http://schemas.microsoft.com/office/powerpoint/2010/main" val="38904631"/>
+      </p:ext>
+    </p:extLst>
+  </p:cSld>
+  <p:clrMapOvr>
+    <a:masterClrMapping/>
+  </p:clrMapOvr>
+</p:notes>
+</file>
+
+<file path=ppt/notesSlides/notesSlide23.xml><?xml version="1.0" encoding="utf-8"?>
+<p:notes xmlns:a="http://schemas.openxmlformats.org/drawingml/2006/main" xmlns:r="http://schemas.openxmlformats.org/officeDocument/2006/relationships" xmlns:p="http://schemas.openxmlformats.org/presentationml/2006/main">
+  <p:cSld>
+    <p:spTree>
+      <p:nvGrpSpPr>
+        <p:cNvPr id="1" name=""/>
+        <p:cNvGrpSpPr/>
+        <p:nvPr/>
+      </p:nvGrpSpPr>
+      <p:grpSpPr>
+        <a:xfrm>
+          <a:off x="0" y="0"/>
+          <a:ext cx="0" cy="0"/>
+          <a:chOff x="0" y="0"/>
+          <a:chExt cx="0" cy="0"/>
+        </a:xfrm>
+      </p:grpSpPr>
+      <p:sp>
+        <p:nvSpPr>
+          <p:cNvPr id="2" name="Slide Image Placeholder 1"/>
+          <p:cNvSpPr>
+            <a:spLocks noGrp="1" noRot="1" noChangeAspect="1"/>
+          </p:cNvSpPr>
+          <p:nvPr>
+            <p:ph type="sldImg"/>
+          </p:nvPr>
+        </p:nvSpPr>
+        <p:spPr/>
+      </p:sp>
+      <p:sp>
+        <p:nvSpPr>
+          <p:cNvPr id="3" name="Notes Placeholder 2"/>
+          <p:cNvSpPr>
+            <a:spLocks noGrp="1"/>
+          </p:cNvSpPr>
+          <p:nvPr>
+            <p:ph type="body" idx="1"/>
+          </p:nvPr>
+        </p:nvSpPr>
+        <p:spPr/>
+        <p:txBody>
+          <a:bodyPr/>
+          <a:lstStyle/>
+          <a:p>
+            <a:endParaRPr lang="en-US"/>
+          </a:p>
+        </p:txBody>
+      </p:sp>
+      <p:sp>
+        <p:nvSpPr>
+          <p:cNvPr id="4" name="Slide Number Placeholder 3"/>
+          <p:cNvSpPr>
+            <a:spLocks noGrp="1"/>
+          </p:cNvSpPr>
+          <p:nvPr>
+            <p:ph type="sldNum" sz="quarter" idx="10"/>
+          </p:nvPr>
+        </p:nvSpPr>
+        <p:spPr/>
+        <p:txBody>
+          <a:bodyPr/>
+          <a:lstStyle/>
+          <a:p>
+            <a:fld id="{728E3497-A358-B14F-AE0E-969A2D296615}" type="slidenum">
+              <a:rPr lang="en-US" smtClean="0"/>
+              <a:t>26</a:t>
             </a:fld>
             <a:endParaRPr lang="en-US"/>
           </a:p>
@@ -27002,6 +27257,342 @@
       </p:sp>
       <p:pic>
         <p:nvPicPr>
+          <p:cNvPr id="7" name="Content Placeholder 6"/>
+          <p:cNvPicPr>
+            <a:picLocks noGrp="1" noChangeAspect="1"/>
+          </p:cNvPicPr>
+          <p:nvPr>
+            <p:ph idx="1"/>
+          </p:nvPr>
+        </p:nvPicPr>
+        <p:blipFill>
+          <a:blip r:embed="rId3">
+            <a:extLst>
+              <a:ext uri="{28A0092B-C50C-407E-A947-70E740481C1C}">
+                <a14:useLocalDpi xmlns:a14="http://schemas.microsoft.com/office/drawing/2010/main" val="0"/>
+              </a:ext>
+            </a:extLst>
+          </a:blip>
+          <a:stretch>
+            <a:fillRect/>
+          </a:stretch>
+        </p:blipFill>
+        <p:spPr>
+          <a:xfrm>
+            <a:off x="2288874" y="2603500"/>
+            <a:ext cx="6558564" cy="3416300"/>
+          </a:xfrm>
+        </p:spPr>
+      </p:pic>
+    </p:spTree>
+    <p:extLst>
+      <p:ext uri="{BB962C8B-B14F-4D97-AF65-F5344CB8AC3E}">
+        <p14:creationId xmlns:p14="http://schemas.microsoft.com/office/powerpoint/2010/main" val="435857797"/>
+      </p:ext>
+    </p:extLst>
+  </p:cSld>
+  <p:clrMapOvr>
+    <a:masterClrMapping/>
+  </p:clrMapOvr>
+  <p:timing>
+    <p:tnLst>
+      <p:par>
+        <p:cTn id="1" dur="indefinite" restart="never" nodeType="tmRoot"/>
+      </p:par>
+    </p:tnLst>
+  </p:timing>
+</p:sld>
+</file>
+
+<file path=ppt/slides/slide22.xml><?xml version="1.0" encoding="utf-8"?>
+<p:sld xmlns:a="http://schemas.openxmlformats.org/drawingml/2006/main" xmlns:r="http://schemas.openxmlformats.org/officeDocument/2006/relationships" xmlns:p="http://schemas.openxmlformats.org/presentationml/2006/main">
+  <p:cSld>
+    <p:spTree>
+      <p:nvGrpSpPr>
+        <p:cNvPr id="1" name=""/>
+        <p:cNvGrpSpPr/>
+        <p:nvPr/>
+      </p:nvGrpSpPr>
+      <p:grpSpPr>
+        <a:xfrm>
+          <a:off x="0" y="0"/>
+          <a:ext cx="0" cy="0"/>
+          <a:chOff x="0" y="0"/>
+          <a:chExt cx="0" cy="0"/>
+        </a:xfrm>
+      </p:grpSpPr>
+      <p:sp>
+        <p:nvSpPr>
+          <p:cNvPr id="2" name="Title 1"/>
+          <p:cNvSpPr>
+            <a:spLocks noGrp="1"/>
+          </p:cNvSpPr>
+          <p:nvPr>
+            <p:ph type="title"/>
+          </p:nvPr>
+        </p:nvSpPr>
+        <p:spPr/>
+        <p:txBody>
+          <a:bodyPr/>
+          <a:lstStyle/>
+          <a:p>
+            <a:r>
+              <a:rPr lang="en-US" b="1" dirty="0" err="1" smtClean="0">
+                <a:latin typeface="Helvetica" charset="0"/>
+                <a:ea typeface="Helvetica" charset="0"/>
+                <a:cs typeface="Helvetica" charset="0"/>
+              </a:rPr>
+              <a:t>Otimizações</a:t>
+            </a:r>
+            <a:r>
+              <a:rPr lang="en-US" b="1" dirty="0" smtClean="0">
+                <a:latin typeface="Helvetica" charset="0"/>
+                <a:ea typeface="Helvetica" charset="0"/>
+                <a:cs typeface="Helvetica" charset="0"/>
+              </a:rPr>
+              <a:t> </a:t>
+            </a:r>
+            <a:r>
+              <a:rPr lang="mr-IN" b="1" dirty="0" smtClean="0">
+                <a:latin typeface="Helvetica" charset="0"/>
+                <a:ea typeface="Helvetica" charset="0"/>
+                <a:cs typeface="Helvetica" charset="0"/>
+              </a:rPr>
+              <a:t>–</a:t>
+            </a:r>
+            <a:r>
+              <a:rPr lang="en-US" b="1" dirty="0" smtClean="0">
+                <a:latin typeface="Helvetica" charset="0"/>
+                <a:ea typeface="Helvetica" charset="0"/>
+                <a:cs typeface="Helvetica" charset="0"/>
+              </a:rPr>
+              <a:t> </a:t>
+            </a:r>
+            <a:r>
+              <a:rPr lang="en-US" b="1" dirty="0" smtClean="0">
+                <a:latin typeface="Helvetica" charset="0"/>
+                <a:ea typeface="Helvetica" charset="0"/>
+                <a:cs typeface="Helvetica" charset="0"/>
+              </a:rPr>
+              <a:t>AGA (</a:t>
+            </a:r>
+            <a:r>
+              <a:rPr lang="en-US" b="1" dirty="0" err="1" smtClean="0">
+                <a:latin typeface="Helvetica" charset="0"/>
+                <a:ea typeface="Helvetica" charset="0"/>
+                <a:cs typeface="Helvetica" charset="0"/>
+              </a:rPr>
+              <a:t>Exemplos</a:t>
+            </a:r>
+            <a:r>
+              <a:rPr lang="en-US" b="1" dirty="0" smtClean="0">
+                <a:latin typeface="Helvetica" charset="0"/>
+                <a:ea typeface="Helvetica" charset="0"/>
+                <a:cs typeface="Helvetica" charset="0"/>
+              </a:rPr>
+              <a:t>)</a:t>
+            </a:r>
+            <a:endParaRPr lang="en-US" sz="2800" b="1" dirty="0">
+              <a:latin typeface="Helvetica" charset="0"/>
+              <a:ea typeface="Helvetica" charset="0"/>
+              <a:cs typeface="Helvetica" charset="0"/>
+            </a:endParaRPr>
+          </a:p>
+        </p:txBody>
+      </p:sp>
+      <p:sp>
+        <p:nvSpPr>
+          <p:cNvPr id="5" name="Slide Number Placeholder 4"/>
+          <p:cNvSpPr>
+            <a:spLocks noGrp="1"/>
+          </p:cNvSpPr>
+          <p:nvPr>
+            <p:ph type="sldNum" sz="quarter" idx="12"/>
+          </p:nvPr>
+        </p:nvSpPr>
+        <p:spPr/>
+        <p:txBody>
+          <a:bodyPr/>
+          <a:lstStyle/>
+          <a:p>
+            <a:fld id="{55774153-6BEA-8641-B7A1-86CE42693FE2}" type="slidenum">
+              <a:rPr lang="en-US" smtClean="0"/>
+              <a:t>21</a:t>
+            </a:fld>
+            <a:endParaRPr lang="en-US"/>
+          </a:p>
+        </p:txBody>
+      </p:sp>
+      <p:pic>
+        <p:nvPicPr>
+          <p:cNvPr id="4" name="Content Placeholder 3"/>
+          <p:cNvPicPr>
+            <a:picLocks noGrp="1" noChangeAspect="1"/>
+          </p:cNvPicPr>
+          <p:nvPr>
+            <p:ph idx="1"/>
+          </p:nvPr>
+        </p:nvPicPr>
+        <p:blipFill>
+          <a:blip r:embed="rId3">
+            <a:extLst>
+              <a:ext uri="{28A0092B-C50C-407E-A947-70E740481C1C}">
+                <a14:useLocalDpi xmlns:a14="http://schemas.microsoft.com/office/drawing/2010/main" val="0"/>
+              </a:ext>
+            </a:extLst>
+          </a:blip>
+          <a:stretch>
+            <a:fillRect/>
+          </a:stretch>
+        </p:blipFill>
+        <p:spPr>
+          <a:xfrm>
+            <a:off x="2288874" y="2603500"/>
+            <a:ext cx="6558564" cy="3416300"/>
+          </a:xfrm>
+        </p:spPr>
+      </p:pic>
+    </p:spTree>
+    <p:extLst>
+      <p:ext uri="{BB962C8B-B14F-4D97-AF65-F5344CB8AC3E}">
+        <p14:creationId xmlns:p14="http://schemas.microsoft.com/office/powerpoint/2010/main" val="1750203689"/>
+      </p:ext>
+    </p:extLst>
+  </p:cSld>
+  <p:clrMapOvr>
+    <a:masterClrMapping/>
+  </p:clrMapOvr>
+  <p:timing>
+    <p:tnLst>
+      <p:par>
+        <p:cTn id="1" dur="indefinite" restart="never" nodeType="tmRoot"/>
+      </p:par>
+    </p:tnLst>
+  </p:timing>
+</p:sld>
+</file>
+
+<file path=ppt/slides/slide23.xml><?xml version="1.0" encoding="utf-8"?>
+<p:sld xmlns:a="http://schemas.openxmlformats.org/drawingml/2006/main" xmlns:r="http://schemas.openxmlformats.org/officeDocument/2006/relationships" xmlns:p="http://schemas.openxmlformats.org/presentationml/2006/main">
+  <p:cSld>
+    <p:spTree>
+      <p:nvGrpSpPr>
+        <p:cNvPr id="1" name=""/>
+        <p:cNvGrpSpPr/>
+        <p:nvPr/>
+      </p:nvGrpSpPr>
+      <p:grpSpPr>
+        <a:xfrm>
+          <a:off x="0" y="0"/>
+          <a:ext cx="0" cy="0"/>
+          <a:chOff x="0" y="0"/>
+          <a:chExt cx="0" cy="0"/>
+        </a:xfrm>
+      </p:grpSpPr>
+      <p:sp>
+        <p:nvSpPr>
+          <p:cNvPr id="2" name="Title 1"/>
+          <p:cNvSpPr>
+            <a:spLocks noGrp="1"/>
+          </p:cNvSpPr>
+          <p:nvPr>
+            <p:ph type="title"/>
+          </p:nvPr>
+        </p:nvSpPr>
+        <p:spPr/>
+        <p:txBody>
+          <a:bodyPr/>
+          <a:lstStyle/>
+          <a:p>
+            <a:r>
+              <a:rPr lang="en-US" b="1" dirty="0" err="1" smtClean="0">
+                <a:latin typeface="Helvetica" charset="0"/>
+                <a:ea typeface="Helvetica" charset="0"/>
+                <a:cs typeface="Helvetica" charset="0"/>
+              </a:rPr>
+              <a:t>Otimizações</a:t>
+            </a:r>
+            <a:r>
+              <a:rPr lang="en-US" b="1" dirty="0" smtClean="0">
+                <a:latin typeface="Helvetica" charset="0"/>
+                <a:ea typeface="Helvetica" charset="0"/>
+                <a:cs typeface="Helvetica" charset="0"/>
+              </a:rPr>
+              <a:t> </a:t>
+            </a:r>
+            <a:r>
+              <a:rPr lang="mr-IN" b="1" dirty="0" smtClean="0">
+                <a:latin typeface="Helvetica" charset="0"/>
+                <a:ea typeface="Helvetica" charset="0"/>
+                <a:cs typeface="Helvetica" charset="0"/>
+              </a:rPr>
+              <a:t>–</a:t>
+            </a:r>
+            <a:r>
+              <a:rPr lang="en-US" b="1" dirty="0" smtClean="0">
+                <a:latin typeface="Helvetica" charset="0"/>
+                <a:ea typeface="Helvetica" charset="0"/>
+                <a:cs typeface="Helvetica" charset="0"/>
+              </a:rPr>
+              <a:t> </a:t>
+            </a:r>
+            <a:r>
+              <a:rPr lang="en-US" b="1" dirty="0" smtClean="0">
+                <a:latin typeface="Helvetica" charset="0"/>
+                <a:ea typeface="Helvetica" charset="0"/>
+                <a:cs typeface="Helvetica" charset="0"/>
+              </a:rPr>
+              <a:t>AGA (</a:t>
+            </a:r>
+            <a:r>
+              <a:rPr lang="en-US" b="1" dirty="0" err="1" smtClean="0">
+                <a:latin typeface="Helvetica" charset="0"/>
+                <a:ea typeface="Helvetica" charset="0"/>
+                <a:cs typeface="Helvetica" charset="0"/>
+              </a:rPr>
+              <a:t>Exemplos</a:t>
+            </a:r>
+            <a:r>
+              <a:rPr lang="en-US" b="1" dirty="0" smtClean="0">
+                <a:latin typeface="Helvetica" charset="0"/>
+                <a:ea typeface="Helvetica" charset="0"/>
+                <a:cs typeface="Helvetica" charset="0"/>
+              </a:rPr>
+              <a:t>)</a:t>
+            </a:r>
+            <a:endParaRPr lang="en-US" sz="2800" b="1" dirty="0">
+              <a:latin typeface="Helvetica" charset="0"/>
+              <a:ea typeface="Helvetica" charset="0"/>
+              <a:cs typeface="Helvetica" charset="0"/>
+            </a:endParaRPr>
+          </a:p>
+        </p:txBody>
+      </p:sp>
+      <p:sp>
+        <p:nvSpPr>
+          <p:cNvPr id="5" name="Slide Number Placeholder 4"/>
+          <p:cNvSpPr>
+            <a:spLocks noGrp="1"/>
+          </p:cNvSpPr>
+          <p:nvPr>
+            <p:ph type="sldNum" sz="quarter" idx="12"/>
+          </p:nvPr>
+        </p:nvSpPr>
+        <p:spPr/>
+        <p:txBody>
+          <a:bodyPr/>
+          <a:lstStyle/>
+          <a:p>
+            <a:fld id="{55774153-6BEA-8641-B7A1-86CE42693FE2}" type="slidenum">
+              <a:rPr lang="en-US" smtClean="0"/>
+              <a:t>22</a:t>
+            </a:fld>
+            <a:endParaRPr lang="en-US"/>
+          </a:p>
+        </p:txBody>
+      </p:sp>
+      <p:pic>
+        <p:nvPicPr>
           <p:cNvPr id="8" name="Content Placeholder 7"/>
           <p:cNvPicPr>
             <a:picLocks noGrp="1" noChangeAspect="1"/>
@@ -27049,7 +27640,7 @@
 </p:sld>
 </file>
 
-<file path=ppt/slides/slide22.xml><?xml version="1.0" encoding="utf-8"?>
+<file path=ppt/slides/slide24.xml><?xml version="1.0" encoding="utf-8"?>
 <p:sld xmlns:a="http://schemas.openxmlformats.org/drawingml/2006/main" xmlns:r="http://schemas.openxmlformats.org/officeDocument/2006/relationships" xmlns:p="http://schemas.openxmlformats.org/presentationml/2006/main">
   <p:cSld>
     <p:spTree>
@@ -27162,7 +27753,7 @@
           <a:p>
             <a:fld id="{55774153-6BEA-8641-B7A1-86CE42693FE2}" type="slidenum">
               <a:rPr lang="en-US" smtClean="0"/>
-              <a:t>21</a:t>
+              <a:t>23</a:t>
             </a:fld>
             <a:endParaRPr lang="en-US"/>
           </a:p>
@@ -27217,7 +27808,7 @@
 </p:sld>
 </file>
 
-<file path=ppt/slides/slide23.xml><?xml version="1.0" encoding="utf-8"?>
+<file path=ppt/slides/slide25.xml><?xml version="1.0" encoding="utf-8"?>
 <p:sld xmlns:a="http://schemas.openxmlformats.org/drawingml/2006/main" xmlns:r="http://schemas.openxmlformats.org/officeDocument/2006/relationships" xmlns:p="http://schemas.openxmlformats.org/presentationml/2006/main">
   <p:cSld>
     <p:spTree>
@@ -27330,7 +27921,7 @@
           <a:p>
             <a:fld id="{55774153-6BEA-8641-B7A1-86CE42693FE2}" type="slidenum">
               <a:rPr lang="en-US" smtClean="0"/>
-              <a:t>22</a:t>
+              <a:t>24</a:t>
             </a:fld>
             <a:endParaRPr lang="en-US"/>
           </a:p>
@@ -27385,1116 +27976,6 @@
 </p:sld>
 </file>
 
-<file path=ppt/slides/slide24.xml><?xml version="1.0" encoding="utf-8"?>
-<p:sld xmlns:a="http://schemas.openxmlformats.org/drawingml/2006/main" xmlns:r="http://schemas.openxmlformats.org/officeDocument/2006/relationships" xmlns:p="http://schemas.openxmlformats.org/presentationml/2006/main">
-  <p:cSld>
-    <p:spTree>
-      <p:nvGrpSpPr>
-        <p:cNvPr id="1" name=""/>
-        <p:cNvGrpSpPr/>
-        <p:nvPr/>
-      </p:nvGrpSpPr>
-      <p:grpSpPr>
-        <a:xfrm>
-          <a:off x="0" y="0"/>
-          <a:ext cx="0" cy="0"/>
-          <a:chOff x="0" y="0"/>
-          <a:chExt cx="0" cy="0"/>
-        </a:xfrm>
-      </p:grpSpPr>
-      <p:sp>
-        <p:nvSpPr>
-          <p:cNvPr id="2" name="Title 1"/>
-          <p:cNvSpPr>
-            <a:spLocks noGrp="1"/>
-          </p:cNvSpPr>
-          <p:nvPr>
-            <p:ph type="title"/>
-          </p:nvPr>
-        </p:nvSpPr>
-        <p:spPr/>
-        <p:txBody>
-          <a:bodyPr/>
-          <a:lstStyle/>
-          <a:p>
-            <a:r>
-              <a:rPr lang="en-US" b="1" dirty="0" err="1" smtClean="0">
-                <a:latin typeface="Helvetica" charset="0"/>
-                <a:ea typeface="Helvetica" charset="0"/>
-                <a:cs typeface="Helvetica" charset="0"/>
-              </a:rPr>
-              <a:t>Análises</a:t>
-            </a:r>
-            <a:r>
-              <a:rPr lang="en-US" b="1" dirty="0" smtClean="0">
-                <a:latin typeface="Helvetica" charset="0"/>
-                <a:ea typeface="Helvetica" charset="0"/>
-                <a:cs typeface="Helvetica" charset="0"/>
-              </a:rPr>
-              <a:t> e </a:t>
-            </a:r>
-            <a:r>
-              <a:rPr lang="en-US" b="1" dirty="0" err="1" smtClean="0">
-                <a:latin typeface="Helvetica" charset="0"/>
-                <a:ea typeface="Helvetica" charset="0"/>
-                <a:cs typeface="Helvetica" charset="0"/>
-              </a:rPr>
-              <a:t>Resultados</a:t>
-            </a:r>
-            <a:endParaRPr lang="en-US" sz="2800" b="1" dirty="0">
-              <a:latin typeface="Helvetica" charset="0"/>
-              <a:ea typeface="Helvetica" charset="0"/>
-              <a:cs typeface="Helvetica" charset="0"/>
-            </a:endParaRPr>
-          </a:p>
-        </p:txBody>
-      </p:sp>
-      <p:sp>
-        <p:nvSpPr>
-          <p:cNvPr id="3" name="Content Placeholder 2"/>
-          <p:cNvSpPr>
-            <a:spLocks noGrp="1"/>
-          </p:cNvSpPr>
-          <p:nvPr>
-            <p:ph idx="1"/>
-          </p:nvPr>
-        </p:nvSpPr>
-        <p:spPr>
-          <a:xfrm>
-            <a:off x="1154954" y="2603500"/>
-            <a:ext cx="9647158" cy="4126484"/>
-          </a:xfrm>
-        </p:spPr>
-        <p:txBody>
-          <a:bodyPr>
-            <a:normAutofit/>
-          </a:bodyPr>
-          <a:lstStyle/>
-          <a:p>
-            <a:r>
-              <a:rPr lang="en-US" dirty="0" err="1">
-                <a:solidFill>
-                  <a:schemeClr val="tx1"/>
-                </a:solidFill>
-                <a:latin typeface="Helvetica" charset="0"/>
-                <a:ea typeface="Helvetica" charset="0"/>
-                <a:cs typeface="Helvetica" charset="0"/>
-              </a:rPr>
-              <a:t>T</a:t>
-            </a:r>
-            <a:r>
-              <a:rPr lang="en-US" dirty="0" err="1" smtClean="0">
-                <a:solidFill>
-                  <a:schemeClr val="tx1"/>
-                </a:solidFill>
-                <a:latin typeface="Helvetica" charset="0"/>
-                <a:ea typeface="Helvetica" charset="0"/>
-                <a:cs typeface="Helvetica" charset="0"/>
-              </a:rPr>
-              <a:t>exto</a:t>
-            </a:r>
-            <a:r>
-              <a:rPr lang="en-US" dirty="0" smtClean="0">
-                <a:solidFill>
-                  <a:schemeClr val="tx1"/>
-                </a:solidFill>
-                <a:latin typeface="Helvetica" charset="0"/>
-                <a:ea typeface="Helvetica" charset="0"/>
-                <a:cs typeface="Helvetica" charset="0"/>
-              </a:rPr>
-              <a:t> </a:t>
-            </a:r>
-            <a:r>
-              <a:rPr lang="en-US" dirty="0" err="1" smtClean="0">
-                <a:solidFill>
-                  <a:schemeClr val="tx1"/>
-                </a:solidFill>
-                <a:latin typeface="Helvetica" charset="0"/>
-                <a:ea typeface="Helvetica" charset="0"/>
-                <a:cs typeface="Helvetica" charset="0"/>
-              </a:rPr>
-              <a:t>aqui</a:t>
-            </a:r>
-            <a:endParaRPr lang="en-US" i="1" baseline="-25000" dirty="0" smtClean="0">
-              <a:solidFill>
-                <a:schemeClr val="tx1"/>
-              </a:solidFill>
-              <a:latin typeface="Helvetica" charset="0"/>
-              <a:ea typeface="Helvetica" charset="0"/>
-              <a:cs typeface="Helvetica" charset="0"/>
-            </a:endParaRPr>
-          </a:p>
-        </p:txBody>
-      </p:sp>
-      <p:sp>
-        <p:nvSpPr>
-          <p:cNvPr id="5" name="Slide Number Placeholder 4"/>
-          <p:cNvSpPr>
-            <a:spLocks noGrp="1"/>
-          </p:cNvSpPr>
-          <p:nvPr>
-            <p:ph type="sldNum" sz="quarter" idx="12"/>
-          </p:nvPr>
-        </p:nvSpPr>
-        <p:spPr/>
-        <p:txBody>
-          <a:bodyPr/>
-          <a:lstStyle/>
-          <a:p>
-            <a:fld id="{55774153-6BEA-8641-B7A1-86CE42693FE2}" type="slidenum">
-              <a:rPr lang="en-US" smtClean="0"/>
-              <a:t>23</a:t>
-            </a:fld>
-            <a:endParaRPr lang="en-US"/>
-          </a:p>
-        </p:txBody>
-      </p:sp>
-    </p:spTree>
-    <p:extLst>
-      <p:ext uri="{BB962C8B-B14F-4D97-AF65-F5344CB8AC3E}">
-        <p14:creationId xmlns:p14="http://schemas.microsoft.com/office/powerpoint/2010/main" val="1732599681"/>
-      </p:ext>
-    </p:extLst>
-  </p:cSld>
-  <p:clrMapOvr>
-    <a:masterClrMapping/>
-  </p:clrMapOvr>
-  <p:timing>
-    <p:tnLst>
-      <p:par>
-        <p:cTn id="1" dur="indefinite" restart="never" nodeType="tmRoot"/>
-      </p:par>
-    </p:tnLst>
-  </p:timing>
-</p:sld>
-</file>
-
-<file path=ppt/slides/slide25.xml><?xml version="1.0" encoding="utf-8"?>
-<p:sld xmlns:a="http://schemas.openxmlformats.org/drawingml/2006/main" xmlns:r="http://schemas.openxmlformats.org/officeDocument/2006/relationships" xmlns:p="http://schemas.openxmlformats.org/presentationml/2006/main">
-  <p:cSld>
-    <p:spTree>
-      <p:nvGrpSpPr>
-        <p:cNvPr id="1" name=""/>
-        <p:cNvGrpSpPr/>
-        <p:nvPr/>
-      </p:nvGrpSpPr>
-      <p:grpSpPr>
-        <a:xfrm>
-          <a:off x="0" y="0"/>
-          <a:ext cx="0" cy="0"/>
-          <a:chOff x="0" y="0"/>
-          <a:chExt cx="0" cy="0"/>
-        </a:xfrm>
-      </p:grpSpPr>
-      <p:sp>
-        <p:nvSpPr>
-          <p:cNvPr id="2" name="Title 1"/>
-          <p:cNvSpPr>
-            <a:spLocks noGrp="1"/>
-          </p:cNvSpPr>
-          <p:nvPr>
-            <p:ph type="title"/>
-          </p:nvPr>
-        </p:nvSpPr>
-        <p:spPr/>
-        <p:txBody>
-          <a:bodyPr/>
-          <a:lstStyle/>
-          <a:p>
-            <a:r>
-              <a:rPr lang="en-US" b="1" dirty="0" err="1" smtClean="0">
-                <a:latin typeface="Helvetica" charset="0"/>
-                <a:ea typeface="Helvetica" charset="0"/>
-                <a:cs typeface="Helvetica" charset="0"/>
-              </a:rPr>
-              <a:t>Referências</a:t>
-            </a:r>
-            <a:endParaRPr lang="en-US" b="1" dirty="0">
-              <a:latin typeface="Helvetica" charset="0"/>
-              <a:ea typeface="Helvetica" charset="0"/>
-              <a:cs typeface="Helvetica" charset="0"/>
-            </a:endParaRPr>
-          </a:p>
-        </p:txBody>
-      </p:sp>
-      <p:sp>
-        <p:nvSpPr>
-          <p:cNvPr id="3" name="Content Placeholder 2"/>
-          <p:cNvSpPr>
-            <a:spLocks noGrp="1"/>
-          </p:cNvSpPr>
-          <p:nvPr>
-            <p:ph idx="1"/>
-          </p:nvPr>
-        </p:nvSpPr>
-        <p:spPr>
-          <a:xfrm>
-            <a:off x="1154954" y="2603500"/>
-            <a:ext cx="10035785" cy="4102100"/>
-          </a:xfrm>
-        </p:spPr>
-        <p:txBody>
-          <a:bodyPr>
-            <a:normAutofit/>
-          </a:bodyPr>
-          <a:lstStyle/>
-          <a:p>
-            <a:r>
-              <a:rPr lang="en-US" dirty="0" smtClean="0">
-                <a:solidFill>
-                  <a:schemeClr val="tx1"/>
-                </a:solidFill>
-                <a:latin typeface="Helvetica" charset="0"/>
-                <a:ea typeface="Helvetica" charset="0"/>
-                <a:cs typeface="Helvetica" charset="0"/>
-              </a:rPr>
-              <a:t>[1] </a:t>
-            </a:r>
-            <a:r>
-              <a:rPr lang="en-US" dirty="0">
-                <a:solidFill>
-                  <a:schemeClr val="tx1"/>
-                </a:solidFill>
-                <a:latin typeface="Helvetica" charset="0"/>
-                <a:ea typeface="Helvetica" charset="0"/>
-                <a:cs typeface="Helvetica" charset="0"/>
-              </a:rPr>
-              <a:t>A. E. </a:t>
-            </a:r>
-            <a:r>
-              <a:rPr lang="en-US" dirty="0" err="1" smtClean="0">
-                <a:solidFill>
-                  <a:schemeClr val="tx1"/>
-                </a:solidFill>
-                <a:latin typeface="Helvetica" charset="0"/>
-                <a:ea typeface="Helvetica" charset="0"/>
-                <a:cs typeface="Helvetica" charset="0"/>
-              </a:rPr>
-              <a:t>Eiben</a:t>
-            </a:r>
-            <a:r>
-              <a:rPr lang="en-US" dirty="0" smtClean="0">
-                <a:solidFill>
-                  <a:schemeClr val="tx1"/>
-                </a:solidFill>
-                <a:latin typeface="Helvetica" charset="0"/>
-                <a:ea typeface="Helvetica" charset="0"/>
-                <a:cs typeface="Helvetica" charset="0"/>
-              </a:rPr>
-              <a:t>, J</a:t>
-            </a:r>
-            <a:r>
-              <a:rPr lang="en-US" dirty="0">
-                <a:solidFill>
-                  <a:schemeClr val="tx1"/>
-                </a:solidFill>
-                <a:latin typeface="Helvetica" charset="0"/>
-                <a:ea typeface="Helvetica" charset="0"/>
-                <a:cs typeface="Helvetica" charset="0"/>
-              </a:rPr>
-              <a:t>. E. Smith. </a:t>
-            </a:r>
-            <a:r>
-              <a:rPr lang="en-US" dirty="0" smtClean="0">
-                <a:solidFill>
-                  <a:schemeClr val="tx1"/>
-                </a:solidFill>
-                <a:latin typeface="Helvetica" charset="0"/>
-                <a:ea typeface="Helvetica" charset="0"/>
-                <a:cs typeface="Helvetica" charset="0"/>
-              </a:rPr>
-              <a:t>“</a:t>
-            </a:r>
-            <a:r>
-              <a:rPr lang="en-US" i="1" dirty="0" smtClean="0">
-                <a:solidFill>
-                  <a:schemeClr val="tx1"/>
-                </a:solidFill>
-                <a:latin typeface="Helvetica" charset="0"/>
-                <a:ea typeface="Helvetica" charset="0"/>
-                <a:cs typeface="Helvetica" charset="0"/>
-              </a:rPr>
-              <a:t>Introduction </a:t>
-            </a:r>
-            <a:r>
-              <a:rPr lang="en-US" i="1" dirty="0">
-                <a:solidFill>
-                  <a:schemeClr val="tx1"/>
-                </a:solidFill>
-                <a:latin typeface="Helvetica" charset="0"/>
-                <a:ea typeface="Helvetica" charset="0"/>
-                <a:cs typeface="Helvetica" charset="0"/>
-              </a:rPr>
-              <a:t>To Evolutionary </a:t>
-            </a:r>
-            <a:r>
-              <a:rPr lang="en-US" i="1" dirty="0" smtClean="0">
-                <a:solidFill>
-                  <a:schemeClr val="tx1"/>
-                </a:solidFill>
-                <a:latin typeface="Helvetica" charset="0"/>
-                <a:ea typeface="Helvetica" charset="0"/>
-                <a:cs typeface="Helvetica" charset="0"/>
-              </a:rPr>
-              <a:t>Computing”</a:t>
-            </a:r>
-            <a:r>
-              <a:rPr lang="en-US" dirty="0" smtClean="0">
-                <a:solidFill>
-                  <a:schemeClr val="tx1"/>
-                </a:solidFill>
-                <a:latin typeface="Helvetica" charset="0"/>
-                <a:ea typeface="Helvetica" charset="0"/>
-                <a:cs typeface="Helvetica" charset="0"/>
-              </a:rPr>
-              <a:t>. </a:t>
-            </a:r>
-            <a:r>
-              <a:rPr lang="en-US" dirty="0">
-                <a:solidFill>
-                  <a:schemeClr val="tx1"/>
-                </a:solidFill>
-                <a:latin typeface="Helvetica" charset="0"/>
-                <a:ea typeface="Helvetica" charset="0"/>
-                <a:cs typeface="Helvetica" charset="0"/>
-              </a:rPr>
-              <a:t>V</a:t>
-            </a:r>
-            <a:r>
-              <a:rPr lang="en-US" dirty="0" smtClean="0">
-                <a:solidFill>
-                  <a:schemeClr val="tx1"/>
-                </a:solidFill>
-                <a:latin typeface="Helvetica" charset="0"/>
-                <a:ea typeface="Helvetica" charset="0"/>
-                <a:cs typeface="Helvetica" charset="0"/>
-              </a:rPr>
-              <a:t>olume 53. </a:t>
-            </a:r>
-            <a:r>
-              <a:rPr lang="en-US" dirty="0">
-                <a:solidFill>
-                  <a:schemeClr val="tx1"/>
-                </a:solidFill>
-                <a:latin typeface="Helvetica" charset="0"/>
-                <a:ea typeface="Helvetica" charset="0"/>
-                <a:cs typeface="Helvetica" charset="0"/>
-              </a:rPr>
-              <a:t>Springer-</a:t>
-            </a:r>
-            <a:r>
-              <a:rPr lang="en-US" dirty="0" err="1">
-                <a:solidFill>
-                  <a:schemeClr val="tx1"/>
-                </a:solidFill>
-                <a:latin typeface="Helvetica" charset="0"/>
-                <a:ea typeface="Helvetica" charset="0"/>
-                <a:cs typeface="Helvetica" charset="0"/>
-              </a:rPr>
-              <a:t>Verlag</a:t>
-            </a:r>
-            <a:r>
-              <a:rPr lang="en-US" dirty="0">
-                <a:solidFill>
-                  <a:schemeClr val="tx1"/>
-                </a:solidFill>
-                <a:latin typeface="Helvetica" charset="0"/>
-                <a:ea typeface="Helvetica" charset="0"/>
-                <a:cs typeface="Helvetica" charset="0"/>
-              </a:rPr>
-              <a:t>, 2003. </a:t>
-            </a:r>
-            <a:endParaRPr lang="en-US" dirty="0" smtClean="0">
-              <a:solidFill>
-                <a:schemeClr val="tx1"/>
-              </a:solidFill>
-              <a:latin typeface="Helvetica" charset="0"/>
-              <a:ea typeface="Helvetica" charset="0"/>
-              <a:cs typeface="Helvetica" charset="0"/>
-            </a:endParaRPr>
-          </a:p>
-          <a:p>
-            <a:r>
-              <a:rPr lang="en-US" dirty="0" smtClean="0">
-                <a:solidFill>
-                  <a:schemeClr val="tx1"/>
-                </a:solidFill>
-                <a:latin typeface="Helvetica" charset="0"/>
-                <a:ea typeface="Helvetica" charset="0"/>
-                <a:cs typeface="Helvetica" charset="0"/>
-              </a:rPr>
-              <a:t>[2] A</a:t>
-            </a:r>
-            <a:r>
-              <a:rPr lang="en-US" dirty="0">
-                <a:solidFill>
-                  <a:schemeClr val="tx1"/>
-                </a:solidFill>
-                <a:latin typeface="Helvetica" charset="0"/>
-                <a:ea typeface="Helvetica" charset="0"/>
-                <a:cs typeface="Helvetica" charset="0"/>
-              </a:rPr>
-              <a:t>. E. </a:t>
-            </a:r>
-            <a:r>
-              <a:rPr lang="en-US" dirty="0" err="1" smtClean="0">
-                <a:solidFill>
-                  <a:schemeClr val="tx1"/>
-                </a:solidFill>
-                <a:latin typeface="Helvetica" charset="0"/>
-                <a:ea typeface="Helvetica" charset="0"/>
-                <a:cs typeface="Helvetica" charset="0"/>
-              </a:rPr>
-              <a:t>Eiben</a:t>
-            </a:r>
-            <a:r>
-              <a:rPr lang="en-US" dirty="0" smtClean="0">
-                <a:solidFill>
-                  <a:schemeClr val="tx1"/>
-                </a:solidFill>
-                <a:latin typeface="Helvetica" charset="0"/>
-                <a:ea typeface="Helvetica" charset="0"/>
-                <a:cs typeface="Helvetica" charset="0"/>
-              </a:rPr>
-              <a:t>, S</a:t>
-            </a:r>
-            <a:r>
-              <a:rPr lang="en-US" dirty="0">
-                <a:solidFill>
-                  <a:schemeClr val="tx1"/>
-                </a:solidFill>
-                <a:latin typeface="Helvetica" charset="0"/>
-                <a:ea typeface="Helvetica" charset="0"/>
-                <a:cs typeface="Helvetica" charset="0"/>
-              </a:rPr>
-              <a:t>. K. </a:t>
-            </a:r>
-            <a:r>
-              <a:rPr lang="en-US" dirty="0" err="1">
-                <a:solidFill>
-                  <a:schemeClr val="tx1"/>
-                </a:solidFill>
-                <a:latin typeface="Helvetica" charset="0"/>
-                <a:ea typeface="Helvetica" charset="0"/>
-                <a:cs typeface="Helvetica" charset="0"/>
-              </a:rPr>
-              <a:t>Smit</a:t>
-            </a:r>
-            <a:r>
-              <a:rPr lang="en-US" dirty="0">
-                <a:solidFill>
-                  <a:schemeClr val="tx1"/>
-                </a:solidFill>
-                <a:latin typeface="Helvetica" charset="0"/>
-                <a:ea typeface="Helvetica" charset="0"/>
-                <a:cs typeface="Helvetica" charset="0"/>
-              </a:rPr>
-              <a:t>. </a:t>
-            </a:r>
-            <a:r>
-              <a:rPr lang="en-US" dirty="0" smtClean="0">
-                <a:solidFill>
-                  <a:schemeClr val="tx1"/>
-                </a:solidFill>
-                <a:latin typeface="Helvetica" charset="0"/>
-                <a:ea typeface="Helvetica" charset="0"/>
-                <a:cs typeface="Helvetica" charset="0"/>
-              </a:rPr>
-              <a:t>“Parameter </a:t>
-            </a:r>
-            <a:r>
-              <a:rPr lang="en-US" dirty="0">
-                <a:solidFill>
-                  <a:schemeClr val="tx1"/>
-                </a:solidFill>
-                <a:latin typeface="Helvetica" charset="0"/>
-                <a:ea typeface="Helvetica" charset="0"/>
-                <a:cs typeface="Helvetica" charset="0"/>
-              </a:rPr>
-              <a:t>tuning for configuring and analyzing evolutionary </a:t>
-            </a:r>
-            <a:r>
-              <a:rPr lang="en-US" dirty="0" smtClean="0">
-                <a:solidFill>
-                  <a:schemeClr val="tx1"/>
-                </a:solidFill>
-                <a:latin typeface="Helvetica" charset="0"/>
-                <a:ea typeface="Helvetica" charset="0"/>
-                <a:cs typeface="Helvetica" charset="0"/>
-              </a:rPr>
-              <a:t>algorithms”. </a:t>
-            </a:r>
-            <a:r>
-              <a:rPr lang="en-US" i="1" dirty="0">
-                <a:solidFill>
-                  <a:schemeClr val="tx1"/>
-                </a:solidFill>
-                <a:latin typeface="Helvetica" charset="0"/>
-                <a:ea typeface="Helvetica" charset="0"/>
-                <a:cs typeface="Helvetica" charset="0"/>
-              </a:rPr>
-              <a:t>Swarm and Evolutionary Computation</a:t>
-            </a:r>
-            <a:r>
-              <a:rPr lang="en-US" dirty="0">
-                <a:solidFill>
-                  <a:schemeClr val="tx1"/>
-                </a:solidFill>
-                <a:latin typeface="Helvetica" charset="0"/>
-                <a:ea typeface="Helvetica" charset="0"/>
-                <a:cs typeface="Helvetica" charset="0"/>
-              </a:rPr>
-              <a:t>, 1(1):19–31, 2011</a:t>
-            </a:r>
-            <a:r>
-              <a:rPr lang="en-US" dirty="0" smtClean="0">
-                <a:solidFill>
-                  <a:schemeClr val="tx1"/>
-                </a:solidFill>
-                <a:latin typeface="Helvetica" charset="0"/>
-                <a:ea typeface="Helvetica" charset="0"/>
-                <a:cs typeface="Helvetica" charset="0"/>
-              </a:rPr>
-              <a:t>.</a:t>
-            </a:r>
-          </a:p>
-          <a:p>
-            <a:r>
-              <a:rPr lang="en-US" dirty="0" smtClean="0">
-                <a:solidFill>
-                  <a:schemeClr val="tx1"/>
-                </a:solidFill>
-                <a:latin typeface="Helvetica" charset="0"/>
-                <a:ea typeface="Helvetica" charset="0"/>
-                <a:cs typeface="Helvetica" charset="0"/>
-              </a:rPr>
-              <a:t>[3] </a:t>
-            </a:r>
-            <a:r>
-              <a:rPr lang="en-US" dirty="0">
-                <a:solidFill>
-                  <a:schemeClr val="tx1"/>
-                </a:solidFill>
-                <a:latin typeface="Helvetica" charset="0"/>
-                <a:ea typeface="Helvetica" charset="0"/>
-                <a:cs typeface="Helvetica" charset="0"/>
-              </a:rPr>
-              <a:t>K. Matthias, T. </a:t>
-            </a:r>
-            <a:r>
-              <a:rPr lang="en-US" dirty="0" err="1">
-                <a:solidFill>
-                  <a:schemeClr val="tx1"/>
-                </a:solidFill>
-                <a:latin typeface="Helvetica" charset="0"/>
-                <a:ea typeface="Helvetica" charset="0"/>
-                <a:cs typeface="Helvetica" charset="0"/>
-              </a:rPr>
-              <a:t>Severin</a:t>
-            </a:r>
-            <a:r>
-              <a:rPr lang="en-US" dirty="0">
-                <a:solidFill>
-                  <a:schemeClr val="tx1"/>
-                </a:solidFill>
-                <a:latin typeface="Helvetica" charset="0"/>
-                <a:ea typeface="Helvetica" charset="0"/>
-                <a:cs typeface="Helvetica" charset="0"/>
-              </a:rPr>
-              <a:t>, and H. </a:t>
-            </a:r>
-            <a:r>
-              <a:rPr lang="en-US" dirty="0" err="1">
-                <a:solidFill>
-                  <a:schemeClr val="tx1"/>
-                </a:solidFill>
-                <a:latin typeface="Helvetica" charset="0"/>
-                <a:ea typeface="Helvetica" charset="0"/>
-                <a:cs typeface="Helvetica" charset="0"/>
-              </a:rPr>
-              <a:t>Salzwedel</a:t>
-            </a:r>
-            <a:r>
-              <a:rPr lang="en-US" dirty="0">
-                <a:solidFill>
-                  <a:schemeClr val="tx1"/>
-                </a:solidFill>
-                <a:latin typeface="Helvetica" charset="0"/>
-                <a:ea typeface="Helvetica" charset="0"/>
-                <a:cs typeface="Helvetica" charset="0"/>
-              </a:rPr>
-              <a:t>. </a:t>
-            </a:r>
-            <a:r>
-              <a:rPr lang="en-US" dirty="0" smtClean="0">
-                <a:solidFill>
-                  <a:schemeClr val="tx1"/>
-                </a:solidFill>
-                <a:latin typeface="Helvetica" charset="0"/>
-                <a:ea typeface="Helvetica" charset="0"/>
-                <a:cs typeface="Helvetica" charset="0"/>
-              </a:rPr>
-              <a:t>"Variable </a:t>
-            </a:r>
-            <a:r>
-              <a:rPr lang="en-US" dirty="0">
-                <a:solidFill>
-                  <a:schemeClr val="tx1"/>
-                </a:solidFill>
-                <a:latin typeface="Helvetica" charset="0"/>
-                <a:ea typeface="Helvetica" charset="0"/>
-                <a:cs typeface="Helvetica" charset="0"/>
-              </a:rPr>
-              <a:t>mutation rate at genetic algorithms: introduction of chromosome fitness in connection with multi-chromosome </a:t>
-            </a:r>
-            <a:r>
-              <a:rPr lang="en-US" dirty="0" smtClean="0">
-                <a:solidFill>
-                  <a:schemeClr val="tx1"/>
-                </a:solidFill>
-                <a:latin typeface="Helvetica" charset="0"/>
-                <a:ea typeface="Helvetica" charset="0"/>
-                <a:cs typeface="Helvetica" charset="0"/>
-              </a:rPr>
-              <a:t>representation". </a:t>
-            </a:r>
-            <a:r>
-              <a:rPr lang="en-US" i="1" dirty="0">
-                <a:solidFill>
-                  <a:schemeClr val="tx1"/>
-                </a:solidFill>
-                <a:latin typeface="Helvetica" charset="0"/>
-                <a:ea typeface="Helvetica" charset="0"/>
-                <a:cs typeface="Helvetica" charset="0"/>
-              </a:rPr>
-              <a:t>International Journal of Computer Applications</a:t>
-            </a:r>
-            <a:r>
-              <a:rPr lang="en-US" dirty="0">
-                <a:solidFill>
-                  <a:schemeClr val="tx1"/>
-                </a:solidFill>
-                <a:latin typeface="Helvetica" charset="0"/>
-                <a:ea typeface="Helvetica" charset="0"/>
-                <a:cs typeface="Helvetica" charset="0"/>
-              </a:rPr>
-              <a:t>, 72(17), 2013. </a:t>
-            </a:r>
-            <a:endParaRPr lang="en-US" dirty="0" smtClean="0">
-              <a:solidFill>
-                <a:schemeClr val="tx1"/>
-              </a:solidFill>
-              <a:latin typeface="Helvetica" charset="0"/>
-              <a:ea typeface="Helvetica" charset="0"/>
-              <a:cs typeface="Helvetica" charset="0"/>
-            </a:endParaRPr>
-          </a:p>
-          <a:p>
-            <a:r>
-              <a:rPr lang="en-US" dirty="0" smtClean="0">
-                <a:solidFill>
-                  <a:schemeClr val="tx1"/>
-                </a:solidFill>
-                <a:latin typeface="Helvetica" charset="0"/>
-                <a:ea typeface="Helvetica" charset="0"/>
-                <a:cs typeface="Helvetica" charset="0"/>
-              </a:rPr>
-              <a:t>[4] </a:t>
-            </a:r>
-            <a:r>
-              <a:rPr lang="en-US" dirty="0">
-                <a:solidFill>
-                  <a:schemeClr val="tx1"/>
-                </a:solidFill>
-                <a:latin typeface="Helvetica" charset="0"/>
-                <a:ea typeface="Helvetica" charset="0"/>
-                <a:cs typeface="Helvetica" charset="0"/>
-              </a:rPr>
-              <a:t>M. </a:t>
-            </a:r>
-            <a:r>
-              <a:rPr lang="en-US" dirty="0" err="1">
-                <a:solidFill>
-                  <a:schemeClr val="tx1"/>
-                </a:solidFill>
-                <a:latin typeface="Helvetica" charset="0"/>
-                <a:ea typeface="Helvetica" charset="0"/>
-                <a:cs typeface="Helvetica" charset="0"/>
-              </a:rPr>
-              <a:t>Obitko</a:t>
-            </a:r>
-            <a:r>
-              <a:rPr lang="en-US" dirty="0">
-                <a:solidFill>
-                  <a:schemeClr val="tx1"/>
-                </a:solidFill>
-                <a:latin typeface="Helvetica" charset="0"/>
-                <a:ea typeface="Helvetica" charset="0"/>
-                <a:cs typeface="Helvetica" charset="0"/>
-              </a:rPr>
-              <a:t>. </a:t>
-            </a:r>
-            <a:r>
-              <a:rPr lang="en-US" dirty="0" smtClean="0">
-                <a:solidFill>
-                  <a:schemeClr val="tx1"/>
-                </a:solidFill>
-                <a:latin typeface="Helvetica" charset="0"/>
-                <a:ea typeface="Helvetica" charset="0"/>
-                <a:cs typeface="Helvetica" charset="0"/>
-              </a:rPr>
-              <a:t>"Introduction </a:t>
-            </a:r>
-            <a:r>
-              <a:rPr lang="en-US" dirty="0">
-                <a:solidFill>
-                  <a:schemeClr val="tx1"/>
-                </a:solidFill>
-                <a:latin typeface="Helvetica" charset="0"/>
-                <a:ea typeface="Helvetica" charset="0"/>
-                <a:cs typeface="Helvetica" charset="0"/>
-              </a:rPr>
-              <a:t>to genetic algorithms - </a:t>
-            </a:r>
-            <a:r>
-              <a:rPr lang="en-US" dirty="0" smtClean="0">
-                <a:solidFill>
-                  <a:schemeClr val="tx1"/>
-                </a:solidFill>
-                <a:latin typeface="Helvetica" charset="0"/>
-                <a:ea typeface="Helvetica" charset="0"/>
-                <a:cs typeface="Helvetica" charset="0"/>
-              </a:rPr>
-              <a:t>XIII. Recommendations". </a:t>
-            </a:r>
-            <a:r>
-              <a:rPr lang="en-US" dirty="0">
-                <a:solidFill>
-                  <a:srgbClr val="0432FF"/>
-                </a:solidFill>
-                <a:latin typeface="Helvetica" charset="0"/>
-                <a:ea typeface="Helvetica" charset="0"/>
-                <a:cs typeface="Helvetica" charset="0"/>
-                <a:hlinkClick r:id="rId2"/>
-              </a:rPr>
-              <a:t>http://www.obitko.com/tutorials/genetic-algorithms/recommendations.php</a:t>
-            </a:r>
-            <a:r>
-              <a:rPr lang="en-US" dirty="0" smtClean="0">
-                <a:solidFill>
-                  <a:srgbClr val="0432FF"/>
-                </a:solidFill>
-                <a:latin typeface="Helvetica" charset="0"/>
-                <a:ea typeface="Helvetica" charset="0"/>
-                <a:cs typeface="Helvetica" charset="0"/>
-                <a:hlinkClick r:id="rId2"/>
-              </a:rPr>
-              <a:t>/</a:t>
-            </a:r>
-            <a:r>
-              <a:rPr lang="en-US" dirty="0" smtClean="0">
-                <a:solidFill>
-                  <a:srgbClr val="0432FF"/>
-                </a:solidFill>
-                <a:latin typeface="Helvetica" charset="0"/>
-                <a:ea typeface="Helvetica" charset="0"/>
-                <a:cs typeface="Helvetica" charset="0"/>
-              </a:rPr>
-              <a:t> </a:t>
-            </a:r>
-            <a:r>
-              <a:rPr lang="en-US" dirty="0" smtClean="0">
-                <a:solidFill>
-                  <a:schemeClr val="tx1"/>
-                </a:solidFill>
-                <a:latin typeface="Helvetica" charset="0"/>
-                <a:ea typeface="Helvetica" charset="0"/>
-                <a:cs typeface="Helvetica" charset="0"/>
-              </a:rPr>
-              <a:t>[</a:t>
-            </a:r>
-            <a:r>
-              <a:rPr lang="en-US" dirty="0">
-                <a:solidFill>
-                  <a:schemeClr val="tx1"/>
-                </a:solidFill>
-                <a:latin typeface="Helvetica" charset="0"/>
-                <a:ea typeface="Helvetica" charset="0"/>
-                <a:cs typeface="Helvetica" charset="0"/>
-              </a:rPr>
-              <a:t>Online; </a:t>
-            </a:r>
-            <a:r>
-              <a:rPr lang="en-US" dirty="0" err="1">
-                <a:solidFill>
-                  <a:schemeClr val="tx1"/>
-                </a:solidFill>
-                <a:latin typeface="Helvetica" charset="0"/>
-                <a:ea typeface="Helvetica" charset="0"/>
-                <a:cs typeface="Helvetica" charset="0"/>
-              </a:rPr>
-              <a:t>acessado</a:t>
-            </a:r>
-            <a:r>
-              <a:rPr lang="en-US" dirty="0">
-                <a:solidFill>
-                  <a:schemeClr val="tx1"/>
-                </a:solidFill>
-                <a:latin typeface="Helvetica" charset="0"/>
-                <a:ea typeface="Helvetica" charset="0"/>
-                <a:cs typeface="Helvetica" charset="0"/>
-              </a:rPr>
-              <a:t> </a:t>
-            </a:r>
-            <a:r>
-              <a:rPr lang="en-US" dirty="0" err="1">
-                <a:solidFill>
-                  <a:schemeClr val="tx1"/>
-                </a:solidFill>
-                <a:latin typeface="Helvetica" charset="0"/>
-                <a:ea typeface="Helvetica" charset="0"/>
-                <a:cs typeface="Helvetica" charset="0"/>
-              </a:rPr>
-              <a:t>em</a:t>
-            </a:r>
-            <a:r>
-              <a:rPr lang="en-US" dirty="0">
-                <a:solidFill>
-                  <a:schemeClr val="tx1"/>
-                </a:solidFill>
-                <a:latin typeface="Helvetica" charset="0"/>
-                <a:ea typeface="Helvetica" charset="0"/>
-                <a:cs typeface="Helvetica" charset="0"/>
-              </a:rPr>
-              <a:t> 17 de </a:t>
-            </a:r>
-            <a:r>
-              <a:rPr lang="en-US" dirty="0" err="1">
-                <a:solidFill>
-                  <a:schemeClr val="tx1"/>
-                </a:solidFill>
-                <a:latin typeface="Helvetica" charset="0"/>
-                <a:ea typeface="Helvetica" charset="0"/>
-                <a:cs typeface="Helvetica" charset="0"/>
-              </a:rPr>
-              <a:t>novembro</a:t>
-            </a:r>
-            <a:r>
-              <a:rPr lang="en-US" dirty="0">
-                <a:solidFill>
-                  <a:schemeClr val="tx1"/>
-                </a:solidFill>
-                <a:latin typeface="Helvetica" charset="0"/>
-                <a:ea typeface="Helvetica" charset="0"/>
-                <a:cs typeface="Helvetica" charset="0"/>
-              </a:rPr>
-              <a:t> de 2016</a:t>
-            </a:r>
-            <a:r>
-              <a:rPr lang="en-US" dirty="0" smtClean="0">
-                <a:solidFill>
-                  <a:schemeClr val="tx1"/>
-                </a:solidFill>
-                <a:latin typeface="Helvetica" charset="0"/>
-                <a:ea typeface="Helvetica" charset="0"/>
-                <a:cs typeface="Helvetica" charset="0"/>
-              </a:rPr>
-              <a:t>].</a:t>
-            </a:r>
-          </a:p>
-          <a:p>
-            <a:r>
-              <a:rPr lang="en-US" dirty="0" smtClean="0">
-                <a:solidFill>
-                  <a:schemeClr val="tx1"/>
-                </a:solidFill>
-                <a:latin typeface="Helvetica" charset="0"/>
-                <a:ea typeface="Helvetica" charset="0"/>
-                <a:cs typeface="Helvetica" charset="0"/>
-              </a:rPr>
-              <a:t>[5] </a:t>
-            </a:r>
-            <a:r>
-              <a:rPr lang="en-US" dirty="0">
-                <a:solidFill>
-                  <a:schemeClr val="tx1"/>
-                </a:solidFill>
-                <a:latin typeface="Helvetica" charset="0"/>
-                <a:ea typeface="Helvetica" charset="0"/>
-                <a:cs typeface="Helvetica" charset="0"/>
-              </a:rPr>
-              <a:t>K. </a:t>
-            </a:r>
-            <a:r>
-              <a:rPr lang="en-US" dirty="0" err="1">
-                <a:solidFill>
-                  <a:schemeClr val="tx1"/>
-                </a:solidFill>
-                <a:latin typeface="Helvetica" charset="0"/>
-                <a:ea typeface="Helvetica" charset="0"/>
-                <a:cs typeface="Helvetica" charset="0"/>
-              </a:rPr>
-              <a:t>DeJong</a:t>
-            </a:r>
-            <a:r>
-              <a:rPr lang="en-US" dirty="0">
-                <a:solidFill>
-                  <a:schemeClr val="tx1"/>
-                </a:solidFill>
-                <a:latin typeface="Helvetica" charset="0"/>
-                <a:ea typeface="Helvetica" charset="0"/>
-                <a:cs typeface="Helvetica" charset="0"/>
-              </a:rPr>
-              <a:t>. </a:t>
-            </a:r>
-            <a:r>
-              <a:rPr lang="en-US" dirty="0" smtClean="0">
-                <a:solidFill>
-                  <a:schemeClr val="tx1"/>
-                </a:solidFill>
-                <a:latin typeface="Helvetica" charset="0"/>
-                <a:ea typeface="Helvetica" charset="0"/>
-                <a:cs typeface="Helvetica" charset="0"/>
-              </a:rPr>
-              <a:t>“An </a:t>
-            </a:r>
-            <a:r>
-              <a:rPr lang="en-US" dirty="0">
-                <a:solidFill>
-                  <a:schemeClr val="tx1"/>
-                </a:solidFill>
-                <a:latin typeface="Helvetica" charset="0"/>
-                <a:ea typeface="Helvetica" charset="0"/>
-                <a:cs typeface="Helvetica" charset="0"/>
-              </a:rPr>
-              <a:t>analysis of the behavior of a class of genetic adaptive </a:t>
-            </a:r>
-            <a:r>
-              <a:rPr lang="en-US" dirty="0" smtClean="0">
-                <a:solidFill>
-                  <a:schemeClr val="tx1"/>
-                </a:solidFill>
-                <a:latin typeface="Helvetica" charset="0"/>
-                <a:ea typeface="Helvetica" charset="0"/>
-                <a:cs typeface="Helvetica" charset="0"/>
-              </a:rPr>
-              <a:t>systems”. </a:t>
-            </a:r>
-            <a:r>
-              <a:rPr lang="en-US" i="1" dirty="0" smtClean="0">
-                <a:solidFill>
-                  <a:schemeClr val="tx1"/>
-                </a:solidFill>
-                <a:latin typeface="Helvetica" charset="0"/>
-                <a:ea typeface="Helvetica" charset="0"/>
-                <a:cs typeface="Helvetica" charset="0"/>
-              </a:rPr>
-              <a:t>Ph.D</a:t>
-            </a:r>
-            <a:r>
-              <a:rPr lang="en-US" i="1" dirty="0">
-                <a:solidFill>
-                  <a:schemeClr val="tx1"/>
-                </a:solidFill>
-                <a:latin typeface="Helvetica" charset="0"/>
-                <a:ea typeface="Helvetica" charset="0"/>
-                <a:cs typeface="Helvetica" charset="0"/>
-              </a:rPr>
-              <a:t>. </a:t>
-            </a:r>
-            <a:r>
-              <a:rPr lang="en-US" i="1" dirty="0" smtClean="0">
-                <a:solidFill>
-                  <a:schemeClr val="tx1"/>
-                </a:solidFill>
-                <a:latin typeface="Helvetica" charset="0"/>
-                <a:ea typeface="Helvetica" charset="0"/>
-                <a:cs typeface="Helvetica" charset="0"/>
-              </a:rPr>
-              <a:t>Thesis</a:t>
-            </a:r>
-            <a:r>
-              <a:rPr lang="en-US" dirty="0">
-                <a:solidFill>
-                  <a:schemeClr val="tx1"/>
-                </a:solidFill>
-                <a:latin typeface="Helvetica" charset="0"/>
-                <a:ea typeface="Helvetica" charset="0"/>
-                <a:cs typeface="Helvetica" charset="0"/>
-              </a:rPr>
-              <a:t>, University of Michigan, 1975</a:t>
-            </a:r>
-            <a:r>
-              <a:rPr lang="en-US" dirty="0" smtClean="0">
-                <a:solidFill>
-                  <a:schemeClr val="tx1"/>
-                </a:solidFill>
-                <a:latin typeface="Helvetica" charset="0"/>
-                <a:ea typeface="Helvetica" charset="0"/>
-                <a:cs typeface="Helvetica" charset="0"/>
-              </a:rPr>
-              <a:t>.</a:t>
-            </a:r>
-            <a:endParaRPr lang="en-US" dirty="0">
-              <a:solidFill>
-                <a:schemeClr val="tx1"/>
-              </a:solidFill>
-              <a:latin typeface="Helvetica" charset="0"/>
-              <a:ea typeface="Helvetica" charset="0"/>
-              <a:cs typeface="Helvetica" charset="0"/>
-            </a:endParaRPr>
-          </a:p>
-          <a:p>
-            <a:endParaRPr lang="en-US" dirty="0"/>
-          </a:p>
-          <a:p>
-            <a:endParaRPr lang="en-US" dirty="0"/>
-          </a:p>
-        </p:txBody>
-      </p:sp>
-      <p:sp>
-        <p:nvSpPr>
-          <p:cNvPr id="5" name="Slide Number Placeholder 4"/>
-          <p:cNvSpPr>
-            <a:spLocks noGrp="1"/>
-          </p:cNvSpPr>
-          <p:nvPr>
-            <p:ph type="sldNum" sz="quarter" idx="12"/>
-          </p:nvPr>
-        </p:nvSpPr>
-        <p:spPr/>
-        <p:txBody>
-          <a:bodyPr/>
-          <a:lstStyle/>
-          <a:p>
-            <a:fld id="{55774153-6BEA-8641-B7A1-86CE42693FE2}" type="slidenum">
-              <a:rPr lang="en-US" smtClean="0"/>
-              <a:t>24</a:t>
-            </a:fld>
-            <a:endParaRPr lang="en-US"/>
-          </a:p>
-        </p:txBody>
-      </p:sp>
-    </p:spTree>
-    <p:extLst>
-      <p:ext uri="{BB962C8B-B14F-4D97-AF65-F5344CB8AC3E}">
-        <p14:creationId xmlns:p14="http://schemas.microsoft.com/office/powerpoint/2010/main" val="530941430"/>
-      </p:ext>
-    </p:extLst>
-  </p:cSld>
-  <p:clrMapOvr>
-    <a:masterClrMapping/>
-  </p:clrMapOvr>
-  <p:timing>
-    <p:tnLst>
-      <p:par>
-        <p:cTn id="1" dur="indefinite" restart="never" nodeType="tmRoot"/>
-      </p:par>
-    </p:tnLst>
-  </p:timing>
-</p:sld>
-</file>
-
 <file path=ppt/slides/slide26.xml><?xml version="1.0" encoding="utf-8"?>
 <p:sld xmlns:a="http://schemas.openxmlformats.org/drawingml/2006/main" xmlns:r="http://schemas.openxmlformats.org/officeDocument/2006/relationships" xmlns:p="http://schemas.openxmlformats.org/presentationml/2006/main">
   <p:cSld>
@@ -28533,9 +28014,57 @@
                 <a:ea typeface="Helvetica" charset="0"/>
                 <a:cs typeface="Helvetica" charset="0"/>
               </a:rPr>
-              <a:t>Referências</a:t>
-            </a:r>
-            <a:endParaRPr lang="en-US" b="1" dirty="0">
+              <a:t>Otimizações</a:t>
+            </a:r>
+            <a:r>
+              <a:rPr lang="en-US" b="1" dirty="0" smtClean="0">
+                <a:latin typeface="Helvetica" charset="0"/>
+                <a:ea typeface="Helvetica" charset="0"/>
+                <a:cs typeface="Helvetica" charset="0"/>
+              </a:rPr>
+              <a:t> </a:t>
+            </a:r>
+            <a:r>
+              <a:rPr lang="mr-IN" b="1" dirty="0" smtClean="0">
+                <a:latin typeface="Helvetica" charset="0"/>
+                <a:ea typeface="Helvetica" charset="0"/>
+                <a:cs typeface="Helvetica" charset="0"/>
+              </a:rPr>
+              <a:t>–</a:t>
+            </a:r>
+            <a:r>
+              <a:rPr lang="en-US" b="1" dirty="0" smtClean="0">
+                <a:latin typeface="Helvetica" charset="0"/>
+                <a:ea typeface="Helvetica" charset="0"/>
+                <a:cs typeface="Helvetica" charset="0"/>
+              </a:rPr>
+              <a:t> </a:t>
+            </a:r>
+            <a:r>
+              <a:rPr lang="en-US" b="1" dirty="0" smtClean="0">
+                <a:latin typeface="Helvetica" charset="0"/>
+                <a:ea typeface="Helvetica" charset="0"/>
+                <a:cs typeface="Helvetica" charset="0"/>
+              </a:rPr>
+              <a:t>AGA (</a:t>
+            </a:r>
+            <a:r>
+              <a:rPr lang="en-US" b="1" dirty="0" err="1" smtClean="0">
+                <a:latin typeface="Helvetica" charset="0"/>
+                <a:ea typeface="Helvetica" charset="0"/>
+                <a:cs typeface="Helvetica" charset="0"/>
+              </a:rPr>
+              <a:t>Exemplos</a:t>
+            </a:r>
+            <a:r>
+              <a:rPr lang="en-US" b="1" dirty="0" smtClean="0">
+                <a:latin typeface="Helvetica" charset="0"/>
+                <a:ea typeface="Helvetica" charset="0"/>
+                <a:cs typeface="Helvetica" charset="0"/>
+              </a:rPr>
+              <a:t>)</a:t>
+            </a:r>
+            <a:endParaRPr lang="en-US" sz="2800" b="1" dirty="0">
               <a:latin typeface="Helvetica" charset="0"/>
               <a:ea typeface="Helvetica" charset="0"/>
               <a:cs typeface="Helvetica" charset="0"/>
@@ -28545,676 +28074,7 @@
       </p:sp>
       <p:sp>
         <p:nvSpPr>
-          <p:cNvPr id="3" name="Content Placeholder 2"/>
-          <p:cNvSpPr>
-            <a:spLocks noGrp="1"/>
-          </p:cNvSpPr>
-          <p:nvPr>
-            <p:ph idx="1"/>
-          </p:nvPr>
-        </p:nvSpPr>
-        <p:spPr>
-          <a:xfrm>
-            <a:off x="1154954" y="2603500"/>
-            <a:ext cx="10035785" cy="3416300"/>
-          </a:xfrm>
-        </p:spPr>
-        <p:txBody>
-          <a:bodyPr/>
-          <a:lstStyle/>
-          <a:p>
-            <a:r>
-              <a:rPr lang="en-US" dirty="0">
-                <a:solidFill>
-                  <a:schemeClr val="tx1"/>
-                </a:solidFill>
-                <a:latin typeface="Helvetica" charset="0"/>
-                <a:ea typeface="Helvetica" charset="0"/>
-                <a:cs typeface="Helvetica" charset="0"/>
-              </a:rPr>
-              <a:t>[6] </a:t>
-            </a:r>
-            <a:r>
-              <a:rPr lang="en-US" dirty="0" smtClean="0">
-                <a:solidFill>
-                  <a:schemeClr val="tx1"/>
-                </a:solidFill>
-                <a:latin typeface="Helvetica" charset="0"/>
-                <a:ea typeface="Helvetica" charset="0"/>
-                <a:cs typeface="Helvetica" charset="0"/>
-              </a:rPr>
-              <a:t>P</a:t>
-            </a:r>
-            <a:r>
-              <a:rPr lang="en-US" dirty="0">
-                <a:solidFill>
-                  <a:schemeClr val="tx1"/>
-                </a:solidFill>
-                <a:latin typeface="Helvetica" charset="0"/>
-                <a:ea typeface="Helvetica" charset="0"/>
-                <a:cs typeface="Helvetica" charset="0"/>
-              </a:rPr>
-              <a:t>. </a:t>
-            </a:r>
-            <a:r>
-              <a:rPr lang="en-US" dirty="0" err="1">
-                <a:solidFill>
-                  <a:schemeClr val="tx1"/>
-                </a:solidFill>
-                <a:latin typeface="Helvetica" charset="0"/>
-                <a:ea typeface="Helvetica" charset="0"/>
-                <a:cs typeface="Helvetica" charset="0"/>
-              </a:rPr>
-              <a:t>Giguere</a:t>
-            </a:r>
-            <a:r>
-              <a:rPr lang="en-US" dirty="0">
-                <a:solidFill>
-                  <a:schemeClr val="tx1"/>
-                </a:solidFill>
-                <a:latin typeface="Helvetica" charset="0"/>
-                <a:ea typeface="Helvetica" charset="0"/>
-                <a:cs typeface="Helvetica" charset="0"/>
-              </a:rPr>
-              <a:t> and D. E. Goldberg. “Population sizing for optimum sampling with genetic algorithms: A case study of the </a:t>
-            </a:r>
-            <a:r>
-              <a:rPr lang="en-US" dirty="0" err="1">
-                <a:solidFill>
-                  <a:schemeClr val="tx1"/>
-                </a:solidFill>
-                <a:latin typeface="Helvetica" charset="0"/>
-                <a:ea typeface="Helvetica" charset="0"/>
-                <a:cs typeface="Helvetica" charset="0"/>
-              </a:rPr>
-              <a:t>onemax</a:t>
-            </a:r>
-            <a:r>
-              <a:rPr lang="en-US" dirty="0">
-                <a:solidFill>
-                  <a:schemeClr val="tx1"/>
-                </a:solidFill>
-                <a:latin typeface="Helvetica" charset="0"/>
-                <a:ea typeface="Helvetica" charset="0"/>
-                <a:cs typeface="Helvetica" charset="0"/>
-              </a:rPr>
-              <a:t> problem”. </a:t>
-            </a:r>
-            <a:r>
-              <a:rPr lang="en-US" i="1" dirty="0">
-                <a:solidFill>
-                  <a:schemeClr val="tx1"/>
-                </a:solidFill>
-                <a:latin typeface="Helvetica" charset="0"/>
-                <a:ea typeface="Helvetica" charset="0"/>
-                <a:cs typeface="Helvetica" charset="0"/>
-              </a:rPr>
-              <a:t>Genetic Programming</a:t>
-            </a:r>
-            <a:r>
-              <a:rPr lang="en-US" dirty="0">
-                <a:solidFill>
-                  <a:schemeClr val="tx1"/>
-                </a:solidFill>
-                <a:latin typeface="Helvetica" charset="0"/>
-                <a:ea typeface="Helvetica" charset="0"/>
-                <a:cs typeface="Helvetica" charset="0"/>
-              </a:rPr>
-              <a:t>, 98:496–503, 1998. </a:t>
-            </a:r>
-          </a:p>
-          <a:p>
-            <a:r>
-              <a:rPr lang="en-US" dirty="0" smtClean="0">
-                <a:solidFill>
-                  <a:schemeClr val="tx1"/>
-                </a:solidFill>
-                <a:latin typeface="Helvetica" charset="0"/>
-                <a:ea typeface="Helvetica" charset="0"/>
-                <a:cs typeface="Helvetica" charset="0"/>
-              </a:rPr>
-              <a:t>[7]</a:t>
-            </a:r>
-            <a:r>
-              <a:rPr lang="en-US" dirty="0">
-                <a:solidFill>
-                  <a:schemeClr val="tx1"/>
-                </a:solidFill>
-                <a:latin typeface="Helvetica" charset="0"/>
-                <a:ea typeface="Helvetica" charset="0"/>
-                <a:cs typeface="Helvetica" charset="0"/>
-              </a:rPr>
-              <a:t> D. L. Applegate, R. E. Bixby, V. </a:t>
-            </a:r>
-            <a:r>
-              <a:rPr lang="en-US" dirty="0" err="1">
-                <a:solidFill>
-                  <a:schemeClr val="tx1"/>
-                </a:solidFill>
-                <a:latin typeface="Helvetica" charset="0"/>
-                <a:ea typeface="Helvetica" charset="0"/>
-                <a:cs typeface="Helvetica" charset="0"/>
-              </a:rPr>
-              <a:t>Chvatal</a:t>
-            </a:r>
-            <a:r>
-              <a:rPr lang="en-US" dirty="0">
-                <a:solidFill>
-                  <a:schemeClr val="tx1"/>
-                </a:solidFill>
-                <a:latin typeface="Helvetica" charset="0"/>
-                <a:ea typeface="Helvetica" charset="0"/>
-                <a:cs typeface="Helvetica" charset="0"/>
-              </a:rPr>
-              <a:t>, and W. J. Cook. </a:t>
-            </a:r>
-            <a:r>
-              <a:rPr lang="en-US" dirty="0" smtClean="0">
-                <a:solidFill>
-                  <a:schemeClr val="tx1"/>
-                </a:solidFill>
-                <a:latin typeface="Helvetica" charset="0"/>
-                <a:ea typeface="Helvetica" charset="0"/>
-                <a:cs typeface="Helvetica" charset="0"/>
-              </a:rPr>
-              <a:t>"The </a:t>
-            </a:r>
-            <a:r>
-              <a:rPr lang="en-US" dirty="0">
-                <a:solidFill>
-                  <a:schemeClr val="tx1"/>
-                </a:solidFill>
-                <a:latin typeface="Helvetica" charset="0"/>
-                <a:ea typeface="Helvetica" charset="0"/>
-                <a:cs typeface="Helvetica" charset="0"/>
-              </a:rPr>
-              <a:t>Traveling Salesman Problem: a computational </a:t>
-            </a:r>
-            <a:r>
-              <a:rPr lang="en-US" dirty="0" smtClean="0">
-                <a:solidFill>
-                  <a:schemeClr val="tx1"/>
-                </a:solidFill>
-                <a:latin typeface="Helvetica" charset="0"/>
-                <a:ea typeface="Helvetica" charset="0"/>
-                <a:cs typeface="Helvetica" charset="0"/>
-              </a:rPr>
-              <a:t>study". </a:t>
-            </a:r>
-            <a:r>
-              <a:rPr lang="en-US" i="1" dirty="0">
-                <a:solidFill>
-                  <a:schemeClr val="tx1"/>
-                </a:solidFill>
-                <a:latin typeface="Helvetica" charset="0"/>
-                <a:ea typeface="Helvetica" charset="0"/>
-                <a:cs typeface="Helvetica" charset="0"/>
-              </a:rPr>
-              <a:t>Princeton </a:t>
-            </a:r>
-            <a:r>
-              <a:rPr lang="en-US" i="1" dirty="0" smtClean="0">
-                <a:solidFill>
-                  <a:schemeClr val="tx1"/>
-                </a:solidFill>
-                <a:latin typeface="Helvetica" charset="0"/>
-                <a:ea typeface="Helvetica" charset="0"/>
-                <a:cs typeface="Helvetica" charset="0"/>
-              </a:rPr>
-              <a:t>University </a:t>
-            </a:r>
-            <a:r>
-              <a:rPr lang="en-US" i="1" dirty="0">
-                <a:solidFill>
-                  <a:schemeClr val="tx1"/>
-                </a:solidFill>
-                <a:latin typeface="Helvetica" charset="0"/>
-                <a:ea typeface="Helvetica" charset="0"/>
-                <a:cs typeface="Helvetica" charset="0"/>
-              </a:rPr>
-              <a:t>P</a:t>
-            </a:r>
-            <a:r>
-              <a:rPr lang="en-US" i="1" dirty="0" smtClean="0">
-                <a:solidFill>
-                  <a:schemeClr val="tx1"/>
-                </a:solidFill>
-                <a:latin typeface="Helvetica" charset="0"/>
-                <a:ea typeface="Helvetica" charset="0"/>
-                <a:cs typeface="Helvetica" charset="0"/>
-              </a:rPr>
-              <a:t>ress</a:t>
-            </a:r>
-            <a:r>
-              <a:rPr lang="en-US" dirty="0">
-                <a:solidFill>
-                  <a:schemeClr val="tx1"/>
-                </a:solidFill>
-                <a:latin typeface="Helvetica" charset="0"/>
-                <a:ea typeface="Helvetica" charset="0"/>
-                <a:cs typeface="Helvetica" charset="0"/>
-              </a:rPr>
-              <a:t>, 2011. </a:t>
-            </a:r>
-            <a:endParaRPr lang="en-US" dirty="0" smtClean="0">
-              <a:solidFill>
-                <a:schemeClr val="tx1"/>
-              </a:solidFill>
-              <a:latin typeface="Helvetica" charset="0"/>
-              <a:ea typeface="Helvetica" charset="0"/>
-              <a:cs typeface="Helvetica" charset="0"/>
-            </a:endParaRPr>
-          </a:p>
-          <a:p>
-            <a:r>
-              <a:rPr lang="en-US" dirty="0" smtClean="0">
-                <a:solidFill>
-                  <a:schemeClr val="tx1"/>
-                </a:solidFill>
-                <a:latin typeface="Helvetica" charset="0"/>
-                <a:ea typeface="Helvetica" charset="0"/>
-                <a:cs typeface="Helvetica" charset="0"/>
-              </a:rPr>
-              <a:t>[8] </a:t>
-            </a:r>
-            <a:r>
-              <a:rPr lang="en-US" dirty="0">
-                <a:solidFill>
-                  <a:schemeClr val="tx1"/>
-                </a:solidFill>
-                <a:latin typeface="Helvetica" charset="0"/>
-                <a:ea typeface="Helvetica" charset="0"/>
-                <a:cs typeface="Helvetica" charset="0"/>
-              </a:rPr>
-              <a:t>T. H. </a:t>
-            </a:r>
-            <a:r>
-              <a:rPr lang="en-US" dirty="0" err="1">
-                <a:solidFill>
-                  <a:schemeClr val="tx1"/>
-                </a:solidFill>
-                <a:latin typeface="Helvetica" charset="0"/>
-                <a:ea typeface="Helvetica" charset="0"/>
-                <a:cs typeface="Helvetica" charset="0"/>
-              </a:rPr>
-              <a:t>Cormen</a:t>
-            </a:r>
-            <a:r>
-              <a:rPr lang="en-US" dirty="0">
-                <a:solidFill>
-                  <a:schemeClr val="tx1"/>
-                </a:solidFill>
-                <a:latin typeface="Helvetica" charset="0"/>
-                <a:ea typeface="Helvetica" charset="0"/>
-                <a:cs typeface="Helvetica" charset="0"/>
-              </a:rPr>
-              <a:t>, C. E. </a:t>
-            </a:r>
-            <a:r>
-              <a:rPr lang="en-US" dirty="0" err="1">
-                <a:solidFill>
-                  <a:schemeClr val="tx1"/>
-                </a:solidFill>
-                <a:latin typeface="Helvetica" charset="0"/>
-                <a:ea typeface="Helvetica" charset="0"/>
-                <a:cs typeface="Helvetica" charset="0"/>
-              </a:rPr>
-              <a:t>Leiserson</a:t>
-            </a:r>
-            <a:r>
-              <a:rPr lang="en-US" dirty="0">
-                <a:solidFill>
-                  <a:schemeClr val="tx1"/>
-                </a:solidFill>
-                <a:latin typeface="Helvetica" charset="0"/>
-                <a:ea typeface="Helvetica" charset="0"/>
-                <a:cs typeface="Helvetica" charset="0"/>
-              </a:rPr>
-              <a:t>, R. L. </a:t>
-            </a:r>
-            <a:r>
-              <a:rPr lang="en-US" dirty="0" err="1">
-                <a:solidFill>
-                  <a:schemeClr val="tx1"/>
-                </a:solidFill>
-                <a:latin typeface="Helvetica" charset="0"/>
-                <a:ea typeface="Helvetica" charset="0"/>
-                <a:cs typeface="Helvetica" charset="0"/>
-              </a:rPr>
-              <a:t>Rivest</a:t>
-            </a:r>
-            <a:r>
-              <a:rPr lang="en-US" dirty="0">
-                <a:solidFill>
-                  <a:schemeClr val="tx1"/>
-                </a:solidFill>
-                <a:latin typeface="Helvetica" charset="0"/>
-                <a:ea typeface="Helvetica" charset="0"/>
-                <a:cs typeface="Helvetica" charset="0"/>
-              </a:rPr>
-              <a:t>, et al. </a:t>
-            </a:r>
-            <a:r>
-              <a:rPr lang="en-US" dirty="0" smtClean="0">
-                <a:solidFill>
-                  <a:schemeClr val="tx1"/>
-                </a:solidFill>
-                <a:latin typeface="Helvetica" charset="0"/>
-                <a:ea typeface="Helvetica" charset="0"/>
-                <a:cs typeface="Helvetica" charset="0"/>
-              </a:rPr>
-              <a:t>"Section </a:t>
-            </a:r>
-            <a:r>
-              <a:rPr lang="en-US" dirty="0">
-                <a:solidFill>
-                  <a:schemeClr val="tx1"/>
-                </a:solidFill>
-                <a:latin typeface="Helvetica" charset="0"/>
-                <a:ea typeface="Helvetica" charset="0"/>
-                <a:cs typeface="Helvetica" charset="0"/>
-              </a:rPr>
-              <a:t>24.3: </a:t>
-            </a:r>
-            <a:r>
-              <a:rPr lang="en-US" dirty="0" err="1">
-                <a:solidFill>
-                  <a:schemeClr val="tx1"/>
-                </a:solidFill>
-                <a:latin typeface="Helvetica" charset="0"/>
-                <a:ea typeface="Helvetica" charset="0"/>
-                <a:cs typeface="Helvetica" charset="0"/>
-              </a:rPr>
-              <a:t>Dijkstra’s</a:t>
-            </a:r>
-            <a:r>
-              <a:rPr lang="en-US" dirty="0">
-                <a:solidFill>
-                  <a:schemeClr val="tx1"/>
-                </a:solidFill>
-                <a:latin typeface="Helvetica" charset="0"/>
-                <a:ea typeface="Helvetica" charset="0"/>
-                <a:cs typeface="Helvetica" charset="0"/>
-              </a:rPr>
-              <a:t> </a:t>
-            </a:r>
-            <a:r>
-              <a:rPr lang="en-US" dirty="0" smtClean="0">
-                <a:solidFill>
-                  <a:schemeClr val="tx1"/>
-                </a:solidFill>
-                <a:latin typeface="Helvetica" charset="0"/>
-                <a:ea typeface="Helvetica" charset="0"/>
-                <a:cs typeface="Helvetica" charset="0"/>
-              </a:rPr>
-              <a:t>algorithm”. </a:t>
-            </a:r>
-            <a:r>
-              <a:rPr lang="en-US" i="1" dirty="0" smtClean="0">
-                <a:solidFill>
-                  <a:schemeClr val="tx1"/>
-                </a:solidFill>
-                <a:latin typeface="Helvetica" charset="0"/>
-                <a:ea typeface="Helvetica" charset="0"/>
-                <a:cs typeface="Helvetica" charset="0"/>
-              </a:rPr>
-              <a:t>MIT Press </a:t>
-            </a:r>
-            <a:r>
-              <a:rPr lang="en-US" i="1" dirty="0">
-                <a:solidFill>
-                  <a:schemeClr val="tx1"/>
-                </a:solidFill>
-                <a:latin typeface="Helvetica" charset="0"/>
-                <a:ea typeface="Helvetica" charset="0"/>
-                <a:cs typeface="Helvetica" charset="0"/>
-              </a:rPr>
-              <a:t>and McGraw-Hill</a:t>
-            </a:r>
-            <a:r>
-              <a:rPr lang="en-US" dirty="0">
-                <a:solidFill>
-                  <a:schemeClr val="tx1"/>
-                </a:solidFill>
-                <a:latin typeface="Helvetica" charset="0"/>
-                <a:ea typeface="Helvetica" charset="0"/>
-                <a:cs typeface="Helvetica" charset="0"/>
-              </a:rPr>
-              <a:t>, 2001. </a:t>
-            </a:r>
-            <a:endParaRPr lang="en-US" dirty="0" smtClean="0">
-              <a:solidFill>
-                <a:schemeClr val="tx1"/>
-              </a:solidFill>
-              <a:latin typeface="Helvetica" charset="0"/>
-              <a:ea typeface="Helvetica" charset="0"/>
-              <a:cs typeface="Helvetica" charset="0"/>
-            </a:endParaRPr>
-          </a:p>
-          <a:p>
-            <a:r>
-              <a:rPr lang="en-US" dirty="0" smtClean="0">
-                <a:solidFill>
-                  <a:schemeClr val="tx1"/>
-                </a:solidFill>
-                <a:latin typeface="Helvetica" charset="0"/>
-                <a:ea typeface="Helvetica" charset="0"/>
-                <a:cs typeface="Helvetica" charset="0"/>
-              </a:rPr>
-              <a:t>[9] </a:t>
-            </a:r>
-            <a:r>
-              <a:rPr lang="en-US" dirty="0">
-                <a:solidFill>
-                  <a:schemeClr val="tx1"/>
-                </a:solidFill>
-                <a:latin typeface="Helvetica" charset="0"/>
-                <a:ea typeface="Helvetica" charset="0"/>
-                <a:cs typeface="Helvetica" charset="0"/>
-              </a:rPr>
-              <a:t>M. Mitchell. </a:t>
-            </a:r>
-            <a:r>
-              <a:rPr lang="en-US" dirty="0" smtClean="0">
-                <a:solidFill>
-                  <a:schemeClr val="tx1"/>
-                </a:solidFill>
-                <a:latin typeface="Helvetica" charset="0"/>
-                <a:ea typeface="Helvetica" charset="0"/>
-                <a:cs typeface="Helvetica" charset="0"/>
-              </a:rPr>
-              <a:t>"An </a:t>
-            </a:r>
-            <a:r>
-              <a:rPr lang="en-US" dirty="0">
-                <a:solidFill>
-                  <a:schemeClr val="tx1"/>
-                </a:solidFill>
-                <a:latin typeface="Helvetica" charset="0"/>
-                <a:ea typeface="Helvetica" charset="0"/>
-                <a:cs typeface="Helvetica" charset="0"/>
-              </a:rPr>
-              <a:t>introduction to genetic </a:t>
-            </a:r>
-            <a:r>
-              <a:rPr lang="en-US" dirty="0" smtClean="0">
-                <a:solidFill>
-                  <a:schemeClr val="tx1"/>
-                </a:solidFill>
-                <a:latin typeface="Helvetica" charset="0"/>
-                <a:ea typeface="Helvetica" charset="0"/>
-                <a:cs typeface="Helvetica" charset="0"/>
-              </a:rPr>
-              <a:t>algorithms". </a:t>
-            </a:r>
-            <a:r>
-              <a:rPr lang="en-US" i="1" dirty="0">
-                <a:solidFill>
-                  <a:schemeClr val="tx1"/>
-                </a:solidFill>
-                <a:latin typeface="Helvetica" charset="0"/>
-                <a:ea typeface="Helvetica" charset="0"/>
-                <a:cs typeface="Helvetica" charset="0"/>
-              </a:rPr>
-              <a:t>MIT </a:t>
-            </a:r>
-            <a:r>
-              <a:rPr lang="en-US" i="1" dirty="0" smtClean="0">
-                <a:solidFill>
-                  <a:schemeClr val="tx1"/>
-                </a:solidFill>
-                <a:latin typeface="Helvetica" charset="0"/>
-                <a:ea typeface="Helvetica" charset="0"/>
-                <a:cs typeface="Helvetica" charset="0"/>
-              </a:rPr>
-              <a:t>Press</a:t>
-            </a:r>
-            <a:r>
-              <a:rPr lang="en-US" dirty="0">
-                <a:solidFill>
-                  <a:schemeClr val="tx1"/>
-                </a:solidFill>
-                <a:latin typeface="Helvetica" charset="0"/>
-                <a:ea typeface="Helvetica" charset="0"/>
-                <a:cs typeface="Helvetica" charset="0"/>
-              </a:rPr>
-              <a:t>, 1998. </a:t>
-            </a:r>
-            <a:endParaRPr lang="en-US" dirty="0" smtClean="0">
-              <a:solidFill>
-                <a:schemeClr val="tx1"/>
-              </a:solidFill>
-              <a:latin typeface="Helvetica" charset="0"/>
-              <a:ea typeface="Helvetica" charset="0"/>
-              <a:cs typeface="Helvetica" charset="0"/>
-            </a:endParaRPr>
-          </a:p>
-          <a:p>
-            <a:r>
-              <a:rPr lang="en-US" dirty="0" smtClean="0">
-                <a:solidFill>
-                  <a:schemeClr val="tx1"/>
-                </a:solidFill>
-                <a:latin typeface="Helvetica" charset="0"/>
-                <a:ea typeface="Helvetica" charset="0"/>
-                <a:cs typeface="Helvetica" charset="0"/>
-              </a:rPr>
-              <a:t>[10] M</a:t>
-            </a:r>
-            <a:r>
-              <a:rPr lang="en-US" dirty="0">
-                <a:solidFill>
-                  <a:schemeClr val="tx1"/>
-                </a:solidFill>
-                <a:latin typeface="Helvetica" charset="0"/>
-                <a:ea typeface="Helvetica" charset="0"/>
-                <a:cs typeface="Helvetica" charset="0"/>
-              </a:rPr>
-              <a:t>. Srinivas and L. M. </a:t>
-            </a:r>
-            <a:r>
-              <a:rPr lang="en-US" dirty="0" err="1">
-                <a:solidFill>
-                  <a:schemeClr val="tx1"/>
-                </a:solidFill>
-                <a:latin typeface="Helvetica" charset="0"/>
-                <a:ea typeface="Helvetica" charset="0"/>
-                <a:cs typeface="Helvetica" charset="0"/>
-              </a:rPr>
-              <a:t>Patnaik</a:t>
-            </a:r>
-            <a:r>
-              <a:rPr lang="en-US" dirty="0">
-                <a:solidFill>
-                  <a:schemeClr val="tx1"/>
-                </a:solidFill>
-                <a:latin typeface="Helvetica" charset="0"/>
-                <a:ea typeface="Helvetica" charset="0"/>
-                <a:cs typeface="Helvetica" charset="0"/>
-              </a:rPr>
-              <a:t>. </a:t>
-            </a:r>
-            <a:r>
-              <a:rPr lang="en-US" dirty="0" smtClean="0">
-                <a:solidFill>
-                  <a:schemeClr val="tx1"/>
-                </a:solidFill>
-                <a:latin typeface="Helvetica" charset="0"/>
-                <a:ea typeface="Helvetica" charset="0"/>
-                <a:cs typeface="Helvetica" charset="0"/>
-              </a:rPr>
-              <a:t>"Adaptive </a:t>
-            </a:r>
-            <a:r>
-              <a:rPr lang="en-US" dirty="0">
-                <a:solidFill>
-                  <a:schemeClr val="tx1"/>
-                </a:solidFill>
-                <a:latin typeface="Helvetica" charset="0"/>
-                <a:ea typeface="Helvetica" charset="0"/>
-                <a:cs typeface="Helvetica" charset="0"/>
-              </a:rPr>
-              <a:t>probabilities of crossover and mutation in genetic </a:t>
-            </a:r>
-            <a:r>
-              <a:rPr lang="en-US" dirty="0" smtClean="0">
-                <a:solidFill>
-                  <a:schemeClr val="tx1"/>
-                </a:solidFill>
-                <a:latin typeface="Helvetica" charset="0"/>
-                <a:ea typeface="Helvetica" charset="0"/>
-                <a:cs typeface="Helvetica" charset="0"/>
-              </a:rPr>
-              <a:t>algorithms". </a:t>
-            </a:r>
-            <a:r>
-              <a:rPr lang="en-US" i="1" dirty="0">
-                <a:solidFill>
-                  <a:schemeClr val="tx1"/>
-                </a:solidFill>
-                <a:latin typeface="Helvetica" charset="0"/>
-                <a:ea typeface="Helvetica" charset="0"/>
-                <a:cs typeface="Helvetica" charset="0"/>
-              </a:rPr>
-              <a:t>IEEE Transactions on Systems, Man, and Cybernetics</a:t>
-            </a:r>
-            <a:r>
-              <a:rPr lang="en-US" dirty="0">
-                <a:solidFill>
-                  <a:schemeClr val="tx1"/>
-                </a:solidFill>
-                <a:latin typeface="Helvetica" charset="0"/>
-                <a:ea typeface="Helvetica" charset="0"/>
-                <a:cs typeface="Helvetica" charset="0"/>
-              </a:rPr>
-              <a:t>, 24(4):656–667, 1994. </a:t>
-            </a:r>
-          </a:p>
-          <a:p>
-            <a:endParaRPr lang="en-US" dirty="0">
-              <a:solidFill>
-                <a:schemeClr val="tx1"/>
-              </a:solidFill>
-              <a:latin typeface="Helvetica" charset="0"/>
-              <a:ea typeface="Helvetica" charset="0"/>
-              <a:cs typeface="Helvetica" charset="0"/>
-            </a:endParaRPr>
-          </a:p>
-          <a:p>
-            <a:endParaRPr lang="en-US" dirty="0">
-              <a:solidFill>
-                <a:schemeClr val="tx1"/>
-              </a:solidFill>
-              <a:latin typeface="Helvetica" charset="0"/>
-              <a:ea typeface="Helvetica" charset="0"/>
-              <a:cs typeface="Helvetica" charset="0"/>
-            </a:endParaRPr>
-          </a:p>
-        </p:txBody>
-      </p:sp>
-      <p:sp>
-        <p:nvSpPr>
-          <p:cNvPr id="4" name="Slide Number Placeholder 3"/>
+          <p:cNvPr id="5" name="Slide Number Placeholder 4"/>
           <p:cNvSpPr>
             <a:spLocks noGrp="1"/>
           </p:cNvSpPr>
@@ -29235,10 +28095,39 @@
           </a:p>
         </p:txBody>
       </p:sp>
+      <p:pic>
+        <p:nvPicPr>
+          <p:cNvPr id="8" name="Content Placeholder 7"/>
+          <p:cNvPicPr>
+            <a:picLocks noGrp="1" noChangeAspect="1"/>
+          </p:cNvPicPr>
+          <p:nvPr>
+            <p:ph idx="1"/>
+          </p:nvPr>
+        </p:nvPicPr>
+        <p:blipFill>
+          <a:blip r:embed="rId3">
+            <a:extLst>
+              <a:ext uri="{28A0092B-C50C-407E-A947-70E740481C1C}">
+                <a14:useLocalDpi xmlns:a14="http://schemas.microsoft.com/office/drawing/2010/main" val="0"/>
+              </a:ext>
+            </a:extLst>
+          </a:blip>
+          <a:stretch>
+            <a:fillRect/>
+          </a:stretch>
+        </p:blipFill>
+        <p:spPr>
+          <a:xfrm>
+            <a:off x="2261470" y="2603500"/>
+            <a:ext cx="6613372" cy="3416300"/>
+          </a:xfrm>
+        </p:spPr>
+      </p:pic>
     </p:spTree>
     <p:extLst>
       <p:ext uri="{BB962C8B-B14F-4D97-AF65-F5344CB8AC3E}">
-        <p14:creationId xmlns:p14="http://schemas.microsoft.com/office/powerpoint/2010/main" val="2080831962"/>
+        <p14:creationId xmlns:p14="http://schemas.microsoft.com/office/powerpoint/2010/main" val="516589236"/>
       </p:ext>
     </p:extLst>
   </p:cSld>
@@ -29293,6 +28182,1116 @@
                 <a:ea typeface="Helvetica" charset="0"/>
                 <a:cs typeface="Helvetica" charset="0"/>
               </a:rPr>
+              <a:t>Análises</a:t>
+            </a:r>
+            <a:r>
+              <a:rPr lang="en-US" b="1" dirty="0" smtClean="0">
+                <a:latin typeface="Helvetica" charset="0"/>
+                <a:ea typeface="Helvetica" charset="0"/>
+                <a:cs typeface="Helvetica" charset="0"/>
+              </a:rPr>
+              <a:t> e </a:t>
+            </a:r>
+            <a:r>
+              <a:rPr lang="en-US" b="1" dirty="0" err="1" smtClean="0">
+                <a:latin typeface="Helvetica" charset="0"/>
+                <a:ea typeface="Helvetica" charset="0"/>
+                <a:cs typeface="Helvetica" charset="0"/>
+              </a:rPr>
+              <a:t>Resultados</a:t>
+            </a:r>
+            <a:endParaRPr lang="en-US" sz="2800" b="1" dirty="0">
+              <a:latin typeface="Helvetica" charset="0"/>
+              <a:ea typeface="Helvetica" charset="0"/>
+              <a:cs typeface="Helvetica" charset="0"/>
+            </a:endParaRPr>
+          </a:p>
+        </p:txBody>
+      </p:sp>
+      <p:sp>
+        <p:nvSpPr>
+          <p:cNvPr id="3" name="Content Placeholder 2"/>
+          <p:cNvSpPr>
+            <a:spLocks noGrp="1"/>
+          </p:cNvSpPr>
+          <p:nvPr>
+            <p:ph idx="1"/>
+          </p:nvPr>
+        </p:nvSpPr>
+        <p:spPr>
+          <a:xfrm>
+            <a:off x="1154954" y="2603500"/>
+            <a:ext cx="9647158" cy="4126484"/>
+          </a:xfrm>
+        </p:spPr>
+        <p:txBody>
+          <a:bodyPr>
+            <a:normAutofit/>
+          </a:bodyPr>
+          <a:lstStyle/>
+          <a:p>
+            <a:r>
+              <a:rPr lang="en-US" dirty="0" err="1">
+                <a:solidFill>
+                  <a:schemeClr val="tx1"/>
+                </a:solidFill>
+                <a:latin typeface="Helvetica" charset="0"/>
+                <a:ea typeface="Helvetica" charset="0"/>
+                <a:cs typeface="Helvetica" charset="0"/>
+              </a:rPr>
+              <a:t>T</a:t>
+            </a:r>
+            <a:r>
+              <a:rPr lang="en-US" dirty="0" err="1" smtClean="0">
+                <a:solidFill>
+                  <a:schemeClr val="tx1"/>
+                </a:solidFill>
+                <a:latin typeface="Helvetica" charset="0"/>
+                <a:ea typeface="Helvetica" charset="0"/>
+                <a:cs typeface="Helvetica" charset="0"/>
+              </a:rPr>
+              <a:t>exto</a:t>
+            </a:r>
+            <a:r>
+              <a:rPr lang="en-US" dirty="0" smtClean="0">
+                <a:solidFill>
+                  <a:schemeClr val="tx1"/>
+                </a:solidFill>
+                <a:latin typeface="Helvetica" charset="0"/>
+                <a:ea typeface="Helvetica" charset="0"/>
+                <a:cs typeface="Helvetica" charset="0"/>
+              </a:rPr>
+              <a:t> </a:t>
+            </a:r>
+            <a:r>
+              <a:rPr lang="en-US" dirty="0" err="1" smtClean="0">
+                <a:solidFill>
+                  <a:schemeClr val="tx1"/>
+                </a:solidFill>
+                <a:latin typeface="Helvetica" charset="0"/>
+                <a:ea typeface="Helvetica" charset="0"/>
+                <a:cs typeface="Helvetica" charset="0"/>
+              </a:rPr>
+              <a:t>aqui</a:t>
+            </a:r>
+            <a:endParaRPr lang="en-US" i="1" baseline="-25000" dirty="0" smtClean="0">
+              <a:solidFill>
+                <a:schemeClr val="tx1"/>
+              </a:solidFill>
+              <a:latin typeface="Helvetica" charset="0"/>
+              <a:ea typeface="Helvetica" charset="0"/>
+              <a:cs typeface="Helvetica" charset="0"/>
+            </a:endParaRPr>
+          </a:p>
+        </p:txBody>
+      </p:sp>
+      <p:sp>
+        <p:nvSpPr>
+          <p:cNvPr id="5" name="Slide Number Placeholder 4"/>
+          <p:cNvSpPr>
+            <a:spLocks noGrp="1"/>
+          </p:cNvSpPr>
+          <p:nvPr>
+            <p:ph type="sldNum" sz="quarter" idx="12"/>
+          </p:nvPr>
+        </p:nvSpPr>
+        <p:spPr/>
+        <p:txBody>
+          <a:bodyPr/>
+          <a:lstStyle/>
+          <a:p>
+            <a:fld id="{55774153-6BEA-8641-B7A1-86CE42693FE2}" type="slidenum">
+              <a:rPr lang="en-US" smtClean="0"/>
+              <a:t>26</a:t>
+            </a:fld>
+            <a:endParaRPr lang="en-US"/>
+          </a:p>
+        </p:txBody>
+      </p:sp>
+    </p:spTree>
+    <p:extLst>
+      <p:ext uri="{BB962C8B-B14F-4D97-AF65-F5344CB8AC3E}">
+        <p14:creationId xmlns:p14="http://schemas.microsoft.com/office/powerpoint/2010/main" val="1732599681"/>
+      </p:ext>
+    </p:extLst>
+  </p:cSld>
+  <p:clrMapOvr>
+    <a:masterClrMapping/>
+  </p:clrMapOvr>
+  <p:timing>
+    <p:tnLst>
+      <p:par>
+        <p:cTn id="1" dur="indefinite" restart="never" nodeType="tmRoot"/>
+      </p:par>
+    </p:tnLst>
+  </p:timing>
+</p:sld>
+</file>
+
+<file path=ppt/slides/slide28.xml><?xml version="1.0" encoding="utf-8"?>
+<p:sld xmlns:a="http://schemas.openxmlformats.org/drawingml/2006/main" xmlns:r="http://schemas.openxmlformats.org/officeDocument/2006/relationships" xmlns:p="http://schemas.openxmlformats.org/presentationml/2006/main">
+  <p:cSld>
+    <p:spTree>
+      <p:nvGrpSpPr>
+        <p:cNvPr id="1" name=""/>
+        <p:cNvGrpSpPr/>
+        <p:nvPr/>
+      </p:nvGrpSpPr>
+      <p:grpSpPr>
+        <a:xfrm>
+          <a:off x="0" y="0"/>
+          <a:ext cx="0" cy="0"/>
+          <a:chOff x="0" y="0"/>
+          <a:chExt cx="0" cy="0"/>
+        </a:xfrm>
+      </p:grpSpPr>
+      <p:sp>
+        <p:nvSpPr>
+          <p:cNvPr id="2" name="Title 1"/>
+          <p:cNvSpPr>
+            <a:spLocks noGrp="1"/>
+          </p:cNvSpPr>
+          <p:nvPr>
+            <p:ph type="title"/>
+          </p:nvPr>
+        </p:nvSpPr>
+        <p:spPr/>
+        <p:txBody>
+          <a:bodyPr/>
+          <a:lstStyle/>
+          <a:p>
+            <a:r>
+              <a:rPr lang="en-US" b="1" dirty="0" err="1" smtClean="0">
+                <a:latin typeface="Helvetica" charset="0"/>
+                <a:ea typeface="Helvetica" charset="0"/>
+                <a:cs typeface="Helvetica" charset="0"/>
+              </a:rPr>
+              <a:t>Referências</a:t>
+            </a:r>
+            <a:endParaRPr lang="en-US" b="1" dirty="0">
+              <a:latin typeface="Helvetica" charset="0"/>
+              <a:ea typeface="Helvetica" charset="0"/>
+              <a:cs typeface="Helvetica" charset="0"/>
+            </a:endParaRPr>
+          </a:p>
+        </p:txBody>
+      </p:sp>
+      <p:sp>
+        <p:nvSpPr>
+          <p:cNvPr id="3" name="Content Placeholder 2"/>
+          <p:cNvSpPr>
+            <a:spLocks noGrp="1"/>
+          </p:cNvSpPr>
+          <p:nvPr>
+            <p:ph idx="1"/>
+          </p:nvPr>
+        </p:nvSpPr>
+        <p:spPr>
+          <a:xfrm>
+            <a:off x="1154954" y="2603500"/>
+            <a:ext cx="10035785" cy="4102100"/>
+          </a:xfrm>
+        </p:spPr>
+        <p:txBody>
+          <a:bodyPr>
+            <a:normAutofit/>
+          </a:bodyPr>
+          <a:lstStyle/>
+          <a:p>
+            <a:r>
+              <a:rPr lang="en-US" dirty="0" smtClean="0">
+                <a:solidFill>
+                  <a:schemeClr val="tx1"/>
+                </a:solidFill>
+                <a:latin typeface="Helvetica" charset="0"/>
+                <a:ea typeface="Helvetica" charset="0"/>
+                <a:cs typeface="Helvetica" charset="0"/>
+              </a:rPr>
+              <a:t>[1] </a:t>
+            </a:r>
+            <a:r>
+              <a:rPr lang="en-US" dirty="0">
+                <a:solidFill>
+                  <a:schemeClr val="tx1"/>
+                </a:solidFill>
+                <a:latin typeface="Helvetica" charset="0"/>
+                <a:ea typeface="Helvetica" charset="0"/>
+                <a:cs typeface="Helvetica" charset="0"/>
+              </a:rPr>
+              <a:t>A. E. </a:t>
+            </a:r>
+            <a:r>
+              <a:rPr lang="en-US" dirty="0" err="1" smtClean="0">
+                <a:solidFill>
+                  <a:schemeClr val="tx1"/>
+                </a:solidFill>
+                <a:latin typeface="Helvetica" charset="0"/>
+                <a:ea typeface="Helvetica" charset="0"/>
+                <a:cs typeface="Helvetica" charset="0"/>
+              </a:rPr>
+              <a:t>Eiben</a:t>
+            </a:r>
+            <a:r>
+              <a:rPr lang="en-US" dirty="0" smtClean="0">
+                <a:solidFill>
+                  <a:schemeClr val="tx1"/>
+                </a:solidFill>
+                <a:latin typeface="Helvetica" charset="0"/>
+                <a:ea typeface="Helvetica" charset="0"/>
+                <a:cs typeface="Helvetica" charset="0"/>
+              </a:rPr>
+              <a:t>, J</a:t>
+            </a:r>
+            <a:r>
+              <a:rPr lang="en-US" dirty="0">
+                <a:solidFill>
+                  <a:schemeClr val="tx1"/>
+                </a:solidFill>
+                <a:latin typeface="Helvetica" charset="0"/>
+                <a:ea typeface="Helvetica" charset="0"/>
+                <a:cs typeface="Helvetica" charset="0"/>
+              </a:rPr>
+              <a:t>. E. Smith. </a:t>
+            </a:r>
+            <a:r>
+              <a:rPr lang="en-US" dirty="0" smtClean="0">
+                <a:solidFill>
+                  <a:schemeClr val="tx1"/>
+                </a:solidFill>
+                <a:latin typeface="Helvetica" charset="0"/>
+                <a:ea typeface="Helvetica" charset="0"/>
+                <a:cs typeface="Helvetica" charset="0"/>
+              </a:rPr>
+              <a:t>“</a:t>
+            </a:r>
+            <a:r>
+              <a:rPr lang="en-US" i="1" dirty="0" smtClean="0">
+                <a:solidFill>
+                  <a:schemeClr val="tx1"/>
+                </a:solidFill>
+                <a:latin typeface="Helvetica" charset="0"/>
+                <a:ea typeface="Helvetica" charset="0"/>
+                <a:cs typeface="Helvetica" charset="0"/>
+              </a:rPr>
+              <a:t>Introduction </a:t>
+            </a:r>
+            <a:r>
+              <a:rPr lang="en-US" i="1" dirty="0">
+                <a:solidFill>
+                  <a:schemeClr val="tx1"/>
+                </a:solidFill>
+                <a:latin typeface="Helvetica" charset="0"/>
+                <a:ea typeface="Helvetica" charset="0"/>
+                <a:cs typeface="Helvetica" charset="0"/>
+              </a:rPr>
+              <a:t>To Evolutionary </a:t>
+            </a:r>
+            <a:r>
+              <a:rPr lang="en-US" i="1" dirty="0" smtClean="0">
+                <a:solidFill>
+                  <a:schemeClr val="tx1"/>
+                </a:solidFill>
+                <a:latin typeface="Helvetica" charset="0"/>
+                <a:ea typeface="Helvetica" charset="0"/>
+                <a:cs typeface="Helvetica" charset="0"/>
+              </a:rPr>
+              <a:t>Computing”</a:t>
+            </a:r>
+            <a:r>
+              <a:rPr lang="en-US" dirty="0" smtClean="0">
+                <a:solidFill>
+                  <a:schemeClr val="tx1"/>
+                </a:solidFill>
+                <a:latin typeface="Helvetica" charset="0"/>
+                <a:ea typeface="Helvetica" charset="0"/>
+                <a:cs typeface="Helvetica" charset="0"/>
+              </a:rPr>
+              <a:t>. </a:t>
+            </a:r>
+            <a:r>
+              <a:rPr lang="en-US" dirty="0">
+                <a:solidFill>
+                  <a:schemeClr val="tx1"/>
+                </a:solidFill>
+                <a:latin typeface="Helvetica" charset="0"/>
+                <a:ea typeface="Helvetica" charset="0"/>
+                <a:cs typeface="Helvetica" charset="0"/>
+              </a:rPr>
+              <a:t>V</a:t>
+            </a:r>
+            <a:r>
+              <a:rPr lang="en-US" dirty="0" smtClean="0">
+                <a:solidFill>
+                  <a:schemeClr val="tx1"/>
+                </a:solidFill>
+                <a:latin typeface="Helvetica" charset="0"/>
+                <a:ea typeface="Helvetica" charset="0"/>
+                <a:cs typeface="Helvetica" charset="0"/>
+              </a:rPr>
+              <a:t>olume 53. </a:t>
+            </a:r>
+            <a:r>
+              <a:rPr lang="en-US" dirty="0">
+                <a:solidFill>
+                  <a:schemeClr val="tx1"/>
+                </a:solidFill>
+                <a:latin typeface="Helvetica" charset="0"/>
+                <a:ea typeface="Helvetica" charset="0"/>
+                <a:cs typeface="Helvetica" charset="0"/>
+              </a:rPr>
+              <a:t>Springer-</a:t>
+            </a:r>
+            <a:r>
+              <a:rPr lang="en-US" dirty="0" err="1">
+                <a:solidFill>
+                  <a:schemeClr val="tx1"/>
+                </a:solidFill>
+                <a:latin typeface="Helvetica" charset="0"/>
+                <a:ea typeface="Helvetica" charset="0"/>
+                <a:cs typeface="Helvetica" charset="0"/>
+              </a:rPr>
+              <a:t>Verlag</a:t>
+            </a:r>
+            <a:r>
+              <a:rPr lang="en-US" dirty="0">
+                <a:solidFill>
+                  <a:schemeClr val="tx1"/>
+                </a:solidFill>
+                <a:latin typeface="Helvetica" charset="0"/>
+                <a:ea typeface="Helvetica" charset="0"/>
+                <a:cs typeface="Helvetica" charset="0"/>
+              </a:rPr>
+              <a:t>, 2003. </a:t>
+            </a:r>
+            <a:endParaRPr lang="en-US" dirty="0" smtClean="0">
+              <a:solidFill>
+                <a:schemeClr val="tx1"/>
+              </a:solidFill>
+              <a:latin typeface="Helvetica" charset="0"/>
+              <a:ea typeface="Helvetica" charset="0"/>
+              <a:cs typeface="Helvetica" charset="0"/>
+            </a:endParaRPr>
+          </a:p>
+          <a:p>
+            <a:r>
+              <a:rPr lang="en-US" dirty="0" smtClean="0">
+                <a:solidFill>
+                  <a:schemeClr val="tx1"/>
+                </a:solidFill>
+                <a:latin typeface="Helvetica" charset="0"/>
+                <a:ea typeface="Helvetica" charset="0"/>
+                <a:cs typeface="Helvetica" charset="0"/>
+              </a:rPr>
+              <a:t>[2] A</a:t>
+            </a:r>
+            <a:r>
+              <a:rPr lang="en-US" dirty="0">
+                <a:solidFill>
+                  <a:schemeClr val="tx1"/>
+                </a:solidFill>
+                <a:latin typeface="Helvetica" charset="0"/>
+                <a:ea typeface="Helvetica" charset="0"/>
+                <a:cs typeface="Helvetica" charset="0"/>
+              </a:rPr>
+              <a:t>. E. </a:t>
+            </a:r>
+            <a:r>
+              <a:rPr lang="en-US" dirty="0" err="1" smtClean="0">
+                <a:solidFill>
+                  <a:schemeClr val="tx1"/>
+                </a:solidFill>
+                <a:latin typeface="Helvetica" charset="0"/>
+                <a:ea typeface="Helvetica" charset="0"/>
+                <a:cs typeface="Helvetica" charset="0"/>
+              </a:rPr>
+              <a:t>Eiben</a:t>
+            </a:r>
+            <a:r>
+              <a:rPr lang="en-US" dirty="0" smtClean="0">
+                <a:solidFill>
+                  <a:schemeClr val="tx1"/>
+                </a:solidFill>
+                <a:latin typeface="Helvetica" charset="0"/>
+                <a:ea typeface="Helvetica" charset="0"/>
+                <a:cs typeface="Helvetica" charset="0"/>
+              </a:rPr>
+              <a:t>, S</a:t>
+            </a:r>
+            <a:r>
+              <a:rPr lang="en-US" dirty="0">
+                <a:solidFill>
+                  <a:schemeClr val="tx1"/>
+                </a:solidFill>
+                <a:latin typeface="Helvetica" charset="0"/>
+                <a:ea typeface="Helvetica" charset="0"/>
+                <a:cs typeface="Helvetica" charset="0"/>
+              </a:rPr>
+              <a:t>. K. </a:t>
+            </a:r>
+            <a:r>
+              <a:rPr lang="en-US" dirty="0" err="1">
+                <a:solidFill>
+                  <a:schemeClr val="tx1"/>
+                </a:solidFill>
+                <a:latin typeface="Helvetica" charset="0"/>
+                <a:ea typeface="Helvetica" charset="0"/>
+                <a:cs typeface="Helvetica" charset="0"/>
+              </a:rPr>
+              <a:t>Smit</a:t>
+            </a:r>
+            <a:r>
+              <a:rPr lang="en-US" dirty="0">
+                <a:solidFill>
+                  <a:schemeClr val="tx1"/>
+                </a:solidFill>
+                <a:latin typeface="Helvetica" charset="0"/>
+                <a:ea typeface="Helvetica" charset="0"/>
+                <a:cs typeface="Helvetica" charset="0"/>
+              </a:rPr>
+              <a:t>. </a:t>
+            </a:r>
+            <a:r>
+              <a:rPr lang="en-US" dirty="0" smtClean="0">
+                <a:solidFill>
+                  <a:schemeClr val="tx1"/>
+                </a:solidFill>
+                <a:latin typeface="Helvetica" charset="0"/>
+                <a:ea typeface="Helvetica" charset="0"/>
+                <a:cs typeface="Helvetica" charset="0"/>
+              </a:rPr>
+              <a:t>“Parameter </a:t>
+            </a:r>
+            <a:r>
+              <a:rPr lang="en-US" dirty="0">
+                <a:solidFill>
+                  <a:schemeClr val="tx1"/>
+                </a:solidFill>
+                <a:latin typeface="Helvetica" charset="0"/>
+                <a:ea typeface="Helvetica" charset="0"/>
+                <a:cs typeface="Helvetica" charset="0"/>
+              </a:rPr>
+              <a:t>tuning for configuring and analyzing evolutionary </a:t>
+            </a:r>
+            <a:r>
+              <a:rPr lang="en-US" dirty="0" smtClean="0">
+                <a:solidFill>
+                  <a:schemeClr val="tx1"/>
+                </a:solidFill>
+                <a:latin typeface="Helvetica" charset="0"/>
+                <a:ea typeface="Helvetica" charset="0"/>
+                <a:cs typeface="Helvetica" charset="0"/>
+              </a:rPr>
+              <a:t>algorithms”. </a:t>
+            </a:r>
+            <a:r>
+              <a:rPr lang="en-US" i="1" dirty="0">
+                <a:solidFill>
+                  <a:schemeClr val="tx1"/>
+                </a:solidFill>
+                <a:latin typeface="Helvetica" charset="0"/>
+                <a:ea typeface="Helvetica" charset="0"/>
+                <a:cs typeface="Helvetica" charset="0"/>
+              </a:rPr>
+              <a:t>Swarm and Evolutionary Computation</a:t>
+            </a:r>
+            <a:r>
+              <a:rPr lang="en-US" dirty="0">
+                <a:solidFill>
+                  <a:schemeClr val="tx1"/>
+                </a:solidFill>
+                <a:latin typeface="Helvetica" charset="0"/>
+                <a:ea typeface="Helvetica" charset="0"/>
+                <a:cs typeface="Helvetica" charset="0"/>
+              </a:rPr>
+              <a:t>, 1(1):19–31, 2011</a:t>
+            </a:r>
+            <a:r>
+              <a:rPr lang="en-US" dirty="0" smtClean="0">
+                <a:solidFill>
+                  <a:schemeClr val="tx1"/>
+                </a:solidFill>
+                <a:latin typeface="Helvetica" charset="0"/>
+                <a:ea typeface="Helvetica" charset="0"/>
+                <a:cs typeface="Helvetica" charset="0"/>
+              </a:rPr>
+              <a:t>.</a:t>
+            </a:r>
+          </a:p>
+          <a:p>
+            <a:r>
+              <a:rPr lang="en-US" dirty="0" smtClean="0">
+                <a:solidFill>
+                  <a:schemeClr val="tx1"/>
+                </a:solidFill>
+                <a:latin typeface="Helvetica" charset="0"/>
+                <a:ea typeface="Helvetica" charset="0"/>
+                <a:cs typeface="Helvetica" charset="0"/>
+              </a:rPr>
+              <a:t>[3] </a:t>
+            </a:r>
+            <a:r>
+              <a:rPr lang="en-US" dirty="0">
+                <a:solidFill>
+                  <a:schemeClr val="tx1"/>
+                </a:solidFill>
+                <a:latin typeface="Helvetica" charset="0"/>
+                <a:ea typeface="Helvetica" charset="0"/>
+                <a:cs typeface="Helvetica" charset="0"/>
+              </a:rPr>
+              <a:t>K. Matthias, T. </a:t>
+            </a:r>
+            <a:r>
+              <a:rPr lang="en-US" dirty="0" err="1">
+                <a:solidFill>
+                  <a:schemeClr val="tx1"/>
+                </a:solidFill>
+                <a:latin typeface="Helvetica" charset="0"/>
+                <a:ea typeface="Helvetica" charset="0"/>
+                <a:cs typeface="Helvetica" charset="0"/>
+              </a:rPr>
+              <a:t>Severin</a:t>
+            </a:r>
+            <a:r>
+              <a:rPr lang="en-US" dirty="0">
+                <a:solidFill>
+                  <a:schemeClr val="tx1"/>
+                </a:solidFill>
+                <a:latin typeface="Helvetica" charset="0"/>
+                <a:ea typeface="Helvetica" charset="0"/>
+                <a:cs typeface="Helvetica" charset="0"/>
+              </a:rPr>
+              <a:t>, and H. </a:t>
+            </a:r>
+            <a:r>
+              <a:rPr lang="en-US" dirty="0" err="1">
+                <a:solidFill>
+                  <a:schemeClr val="tx1"/>
+                </a:solidFill>
+                <a:latin typeface="Helvetica" charset="0"/>
+                <a:ea typeface="Helvetica" charset="0"/>
+                <a:cs typeface="Helvetica" charset="0"/>
+              </a:rPr>
+              <a:t>Salzwedel</a:t>
+            </a:r>
+            <a:r>
+              <a:rPr lang="en-US" dirty="0">
+                <a:solidFill>
+                  <a:schemeClr val="tx1"/>
+                </a:solidFill>
+                <a:latin typeface="Helvetica" charset="0"/>
+                <a:ea typeface="Helvetica" charset="0"/>
+                <a:cs typeface="Helvetica" charset="0"/>
+              </a:rPr>
+              <a:t>. </a:t>
+            </a:r>
+            <a:r>
+              <a:rPr lang="en-US" dirty="0" smtClean="0">
+                <a:solidFill>
+                  <a:schemeClr val="tx1"/>
+                </a:solidFill>
+                <a:latin typeface="Helvetica" charset="0"/>
+                <a:ea typeface="Helvetica" charset="0"/>
+                <a:cs typeface="Helvetica" charset="0"/>
+              </a:rPr>
+              <a:t>"Variable </a:t>
+            </a:r>
+            <a:r>
+              <a:rPr lang="en-US" dirty="0">
+                <a:solidFill>
+                  <a:schemeClr val="tx1"/>
+                </a:solidFill>
+                <a:latin typeface="Helvetica" charset="0"/>
+                <a:ea typeface="Helvetica" charset="0"/>
+                <a:cs typeface="Helvetica" charset="0"/>
+              </a:rPr>
+              <a:t>mutation rate at genetic algorithms: introduction of chromosome fitness in connection with multi-chromosome </a:t>
+            </a:r>
+            <a:r>
+              <a:rPr lang="en-US" dirty="0" smtClean="0">
+                <a:solidFill>
+                  <a:schemeClr val="tx1"/>
+                </a:solidFill>
+                <a:latin typeface="Helvetica" charset="0"/>
+                <a:ea typeface="Helvetica" charset="0"/>
+                <a:cs typeface="Helvetica" charset="0"/>
+              </a:rPr>
+              <a:t>representation". </a:t>
+            </a:r>
+            <a:r>
+              <a:rPr lang="en-US" i="1" dirty="0">
+                <a:solidFill>
+                  <a:schemeClr val="tx1"/>
+                </a:solidFill>
+                <a:latin typeface="Helvetica" charset="0"/>
+                <a:ea typeface="Helvetica" charset="0"/>
+                <a:cs typeface="Helvetica" charset="0"/>
+              </a:rPr>
+              <a:t>International Journal of Computer Applications</a:t>
+            </a:r>
+            <a:r>
+              <a:rPr lang="en-US" dirty="0">
+                <a:solidFill>
+                  <a:schemeClr val="tx1"/>
+                </a:solidFill>
+                <a:latin typeface="Helvetica" charset="0"/>
+                <a:ea typeface="Helvetica" charset="0"/>
+                <a:cs typeface="Helvetica" charset="0"/>
+              </a:rPr>
+              <a:t>, 72(17), 2013. </a:t>
+            </a:r>
+            <a:endParaRPr lang="en-US" dirty="0" smtClean="0">
+              <a:solidFill>
+                <a:schemeClr val="tx1"/>
+              </a:solidFill>
+              <a:latin typeface="Helvetica" charset="0"/>
+              <a:ea typeface="Helvetica" charset="0"/>
+              <a:cs typeface="Helvetica" charset="0"/>
+            </a:endParaRPr>
+          </a:p>
+          <a:p>
+            <a:r>
+              <a:rPr lang="en-US" dirty="0" smtClean="0">
+                <a:solidFill>
+                  <a:schemeClr val="tx1"/>
+                </a:solidFill>
+                <a:latin typeface="Helvetica" charset="0"/>
+                <a:ea typeface="Helvetica" charset="0"/>
+                <a:cs typeface="Helvetica" charset="0"/>
+              </a:rPr>
+              <a:t>[4] </a:t>
+            </a:r>
+            <a:r>
+              <a:rPr lang="en-US" dirty="0">
+                <a:solidFill>
+                  <a:schemeClr val="tx1"/>
+                </a:solidFill>
+                <a:latin typeface="Helvetica" charset="0"/>
+                <a:ea typeface="Helvetica" charset="0"/>
+                <a:cs typeface="Helvetica" charset="0"/>
+              </a:rPr>
+              <a:t>M. </a:t>
+            </a:r>
+            <a:r>
+              <a:rPr lang="en-US" dirty="0" err="1">
+                <a:solidFill>
+                  <a:schemeClr val="tx1"/>
+                </a:solidFill>
+                <a:latin typeface="Helvetica" charset="0"/>
+                <a:ea typeface="Helvetica" charset="0"/>
+                <a:cs typeface="Helvetica" charset="0"/>
+              </a:rPr>
+              <a:t>Obitko</a:t>
+            </a:r>
+            <a:r>
+              <a:rPr lang="en-US" dirty="0">
+                <a:solidFill>
+                  <a:schemeClr val="tx1"/>
+                </a:solidFill>
+                <a:latin typeface="Helvetica" charset="0"/>
+                <a:ea typeface="Helvetica" charset="0"/>
+                <a:cs typeface="Helvetica" charset="0"/>
+              </a:rPr>
+              <a:t>. </a:t>
+            </a:r>
+            <a:r>
+              <a:rPr lang="en-US" dirty="0" smtClean="0">
+                <a:solidFill>
+                  <a:schemeClr val="tx1"/>
+                </a:solidFill>
+                <a:latin typeface="Helvetica" charset="0"/>
+                <a:ea typeface="Helvetica" charset="0"/>
+                <a:cs typeface="Helvetica" charset="0"/>
+              </a:rPr>
+              <a:t>"Introduction </a:t>
+            </a:r>
+            <a:r>
+              <a:rPr lang="en-US" dirty="0">
+                <a:solidFill>
+                  <a:schemeClr val="tx1"/>
+                </a:solidFill>
+                <a:latin typeface="Helvetica" charset="0"/>
+                <a:ea typeface="Helvetica" charset="0"/>
+                <a:cs typeface="Helvetica" charset="0"/>
+              </a:rPr>
+              <a:t>to genetic algorithms - </a:t>
+            </a:r>
+            <a:r>
+              <a:rPr lang="en-US" dirty="0" smtClean="0">
+                <a:solidFill>
+                  <a:schemeClr val="tx1"/>
+                </a:solidFill>
+                <a:latin typeface="Helvetica" charset="0"/>
+                <a:ea typeface="Helvetica" charset="0"/>
+                <a:cs typeface="Helvetica" charset="0"/>
+              </a:rPr>
+              <a:t>XIII. Recommendations". </a:t>
+            </a:r>
+            <a:r>
+              <a:rPr lang="en-US" dirty="0">
+                <a:solidFill>
+                  <a:srgbClr val="0432FF"/>
+                </a:solidFill>
+                <a:latin typeface="Helvetica" charset="0"/>
+                <a:ea typeface="Helvetica" charset="0"/>
+                <a:cs typeface="Helvetica" charset="0"/>
+                <a:hlinkClick r:id="rId2"/>
+              </a:rPr>
+              <a:t>http://www.obitko.com/tutorials/genetic-algorithms/recommendations.php</a:t>
+            </a:r>
+            <a:r>
+              <a:rPr lang="en-US" dirty="0" smtClean="0">
+                <a:solidFill>
+                  <a:srgbClr val="0432FF"/>
+                </a:solidFill>
+                <a:latin typeface="Helvetica" charset="0"/>
+                <a:ea typeface="Helvetica" charset="0"/>
+                <a:cs typeface="Helvetica" charset="0"/>
+                <a:hlinkClick r:id="rId2"/>
+              </a:rPr>
+              <a:t>/</a:t>
+            </a:r>
+            <a:r>
+              <a:rPr lang="en-US" dirty="0" smtClean="0">
+                <a:solidFill>
+                  <a:srgbClr val="0432FF"/>
+                </a:solidFill>
+                <a:latin typeface="Helvetica" charset="0"/>
+                <a:ea typeface="Helvetica" charset="0"/>
+                <a:cs typeface="Helvetica" charset="0"/>
+              </a:rPr>
+              <a:t> </a:t>
+            </a:r>
+            <a:r>
+              <a:rPr lang="en-US" dirty="0" smtClean="0">
+                <a:solidFill>
+                  <a:schemeClr val="tx1"/>
+                </a:solidFill>
+                <a:latin typeface="Helvetica" charset="0"/>
+                <a:ea typeface="Helvetica" charset="0"/>
+                <a:cs typeface="Helvetica" charset="0"/>
+              </a:rPr>
+              <a:t>[</a:t>
+            </a:r>
+            <a:r>
+              <a:rPr lang="en-US" dirty="0">
+                <a:solidFill>
+                  <a:schemeClr val="tx1"/>
+                </a:solidFill>
+                <a:latin typeface="Helvetica" charset="0"/>
+                <a:ea typeface="Helvetica" charset="0"/>
+                <a:cs typeface="Helvetica" charset="0"/>
+              </a:rPr>
+              <a:t>Online; </a:t>
+            </a:r>
+            <a:r>
+              <a:rPr lang="en-US" dirty="0" err="1">
+                <a:solidFill>
+                  <a:schemeClr val="tx1"/>
+                </a:solidFill>
+                <a:latin typeface="Helvetica" charset="0"/>
+                <a:ea typeface="Helvetica" charset="0"/>
+                <a:cs typeface="Helvetica" charset="0"/>
+              </a:rPr>
+              <a:t>acessado</a:t>
+            </a:r>
+            <a:r>
+              <a:rPr lang="en-US" dirty="0">
+                <a:solidFill>
+                  <a:schemeClr val="tx1"/>
+                </a:solidFill>
+                <a:latin typeface="Helvetica" charset="0"/>
+                <a:ea typeface="Helvetica" charset="0"/>
+                <a:cs typeface="Helvetica" charset="0"/>
+              </a:rPr>
+              <a:t> </a:t>
+            </a:r>
+            <a:r>
+              <a:rPr lang="en-US" dirty="0" err="1">
+                <a:solidFill>
+                  <a:schemeClr val="tx1"/>
+                </a:solidFill>
+                <a:latin typeface="Helvetica" charset="0"/>
+                <a:ea typeface="Helvetica" charset="0"/>
+                <a:cs typeface="Helvetica" charset="0"/>
+              </a:rPr>
+              <a:t>em</a:t>
+            </a:r>
+            <a:r>
+              <a:rPr lang="en-US" dirty="0">
+                <a:solidFill>
+                  <a:schemeClr val="tx1"/>
+                </a:solidFill>
+                <a:latin typeface="Helvetica" charset="0"/>
+                <a:ea typeface="Helvetica" charset="0"/>
+                <a:cs typeface="Helvetica" charset="0"/>
+              </a:rPr>
+              <a:t> 17 de </a:t>
+            </a:r>
+            <a:r>
+              <a:rPr lang="en-US" dirty="0" err="1">
+                <a:solidFill>
+                  <a:schemeClr val="tx1"/>
+                </a:solidFill>
+                <a:latin typeface="Helvetica" charset="0"/>
+                <a:ea typeface="Helvetica" charset="0"/>
+                <a:cs typeface="Helvetica" charset="0"/>
+              </a:rPr>
+              <a:t>novembro</a:t>
+            </a:r>
+            <a:r>
+              <a:rPr lang="en-US" dirty="0">
+                <a:solidFill>
+                  <a:schemeClr val="tx1"/>
+                </a:solidFill>
+                <a:latin typeface="Helvetica" charset="0"/>
+                <a:ea typeface="Helvetica" charset="0"/>
+                <a:cs typeface="Helvetica" charset="0"/>
+              </a:rPr>
+              <a:t> de 2016</a:t>
+            </a:r>
+            <a:r>
+              <a:rPr lang="en-US" dirty="0" smtClean="0">
+                <a:solidFill>
+                  <a:schemeClr val="tx1"/>
+                </a:solidFill>
+                <a:latin typeface="Helvetica" charset="0"/>
+                <a:ea typeface="Helvetica" charset="0"/>
+                <a:cs typeface="Helvetica" charset="0"/>
+              </a:rPr>
+              <a:t>].</a:t>
+            </a:r>
+          </a:p>
+          <a:p>
+            <a:r>
+              <a:rPr lang="en-US" dirty="0" smtClean="0">
+                <a:solidFill>
+                  <a:schemeClr val="tx1"/>
+                </a:solidFill>
+                <a:latin typeface="Helvetica" charset="0"/>
+                <a:ea typeface="Helvetica" charset="0"/>
+                <a:cs typeface="Helvetica" charset="0"/>
+              </a:rPr>
+              <a:t>[5] </a:t>
+            </a:r>
+            <a:r>
+              <a:rPr lang="en-US" dirty="0">
+                <a:solidFill>
+                  <a:schemeClr val="tx1"/>
+                </a:solidFill>
+                <a:latin typeface="Helvetica" charset="0"/>
+                <a:ea typeface="Helvetica" charset="0"/>
+                <a:cs typeface="Helvetica" charset="0"/>
+              </a:rPr>
+              <a:t>K. </a:t>
+            </a:r>
+            <a:r>
+              <a:rPr lang="en-US" dirty="0" err="1">
+                <a:solidFill>
+                  <a:schemeClr val="tx1"/>
+                </a:solidFill>
+                <a:latin typeface="Helvetica" charset="0"/>
+                <a:ea typeface="Helvetica" charset="0"/>
+                <a:cs typeface="Helvetica" charset="0"/>
+              </a:rPr>
+              <a:t>DeJong</a:t>
+            </a:r>
+            <a:r>
+              <a:rPr lang="en-US" dirty="0">
+                <a:solidFill>
+                  <a:schemeClr val="tx1"/>
+                </a:solidFill>
+                <a:latin typeface="Helvetica" charset="0"/>
+                <a:ea typeface="Helvetica" charset="0"/>
+                <a:cs typeface="Helvetica" charset="0"/>
+              </a:rPr>
+              <a:t>. </a:t>
+            </a:r>
+            <a:r>
+              <a:rPr lang="en-US" dirty="0" smtClean="0">
+                <a:solidFill>
+                  <a:schemeClr val="tx1"/>
+                </a:solidFill>
+                <a:latin typeface="Helvetica" charset="0"/>
+                <a:ea typeface="Helvetica" charset="0"/>
+                <a:cs typeface="Helvetica" charset="0"/>
+              </a:rPr>
+              <a:t>“An </a:t>
+            </a:r>
+            <a:r>
+              <a:rPr lang="en-US" dirty="0">
+                <a:solidFill>
+                  <a:schemeClr val="tx1"/>
+                </a:solidFill>
+                <a:latin typeface="Helvetica" charset="0"/>
+                <a:ea typeface="Helvetica" charset="0"/>
+                <a:cs typeface="Helvetica" charset="0"/>
+              </a:rPr>
+              <a:t>analysis of the behavior of a class of genetic adaptive </a:t>
+            </a:r>
+            <a:r>
+              <a:rPr lang="en-US" dirty="0" smtClean="0">
+                <a:solidFill>
+                  <a:schemeClr val="tx1"/>
+                </a:solidFill>
+                <a:latin typeface="Helvetica" charset="0"/>
+                <a:ea typeface="Helvetica" charset="0"/>
+                <a:cs typeface="Helvetica" charset="0"/>
+              </a:rPr>
+              <a:t>systems”. </a:t>
+            </a:r>
+            <a:r>
+              <a:rPr lang="en-US" i="1" dirty="0" smtClean="0">
+                <a:solidFill>
+                  <a:schemeClr val="tx1"/>
+                </a:solidFill>
+                <a:latin typeface="Helvetica" charset="0"/>
+                <a:ea typeface="Helvetica" charset="0"/>
+                <a:cs typeface="Helvetica" charset="0"/>
+              </a:rPr>
+              <a:t>Ph.D</a:t>
+            </a:r>
+            <a:r>
+              <a:rPr lang="en-US" i="1" dirty="0">
+                <a:solidFill>
+                  <a:schemeClr val="tx1"/>
+                </a:solidFill>
+                <a:latin typeface="Helvetica" charset="0"/>
+                <a:ea typeface="Helvetica" charset="0"/>
+                <a:cs typeface="Helvetica" charset="0"/>
+              </a:rPr>
+              <a:t>. </a:t>
+            </a:r>
+            <a:r>
+              <a:rPr lang="en-US" i="1" dirty="0" smtClean="0">
+                <a:solidFill>
+                  <a:schemeClr val="tx1"/>
+                </a:solidFill>
+                <a:latin typeface="Helvetica" charset="0"/>
+                <a:ea typeface="Helvetica" charset="0"/>
+                <a:cs typeface="Helvetica" charset="0"/>
+              </a:rPr>
+              <a:t>Thesis</a:t>
+            </a:r>
+            <a:r>
+              <a:rPr lang="en-US" dirty="0">
+                <a:solidFill>
+                  <a:schemeClr val="tx1"/>
+                </a:solidFill>
+                <a:latin typeface="Helvetica" charset="0"/>
+                <a:ea typeface="Helvetica" charset="0"/>
+                <a:cs typeface="Helvetica" charset="0"/>
+              </a:rPr>
+              <a:t>, University of Michigan, 1975</a:t>
+            </a:r>
+            <a:r>
+              <a:rPr lang="en-US" dirty="0" smtClean="0">
+                <a:solidFill>
+                  <a:schemeClr val="tx1"/>
+                </a:solidFill>
+                <a:latin typeface="Helvetica" charset="0"/>
+                <a:ea typeface="Helvetica" charset="0"/>
+                <a:cs typeface="Helvetica" charset="0"/>
+              </a:rPr>
+              <a:t>.</a:t>
+            </a:r>
+            <a:endParaRPr lang="en-US" dirty="0">
+              <a:solidFill>
+                <a:schemeClr val="tx1"/>
+              </a:solidFill>
+              <a:latin typeface="Helvetica" charset="0"/>
+              <a:ea typeface="Helvetica" charset="0"/>
+              <a:cs typeface="Helvetica" charset="0"/>
+            </a:endParaRPr>
+          </a:p>
+          <a:p>
+            <a:endParaRPr lang="en-US" dirty="0"/>
+          </a:p>
+          <a:p>
+            <a:endParaRPr lang="en-US" dirty="0"/>
+          </a:p>
+        </p:txBody>
+      </p:sp>
+      <p:sp>
+        <p:nvSpPr>
+          <p:cNvPr id="5" name="Slide Number Placeholder 4"/>
+          <p:cNvSpPr>
+            <a:spLocks noGrp="1"/>
+          </p:cNvSpPr>
+          <p:nvPr>
+            <p:ph type="sldNum" sz="quarter" idx="12"/>
+          </p:nvPr>
+        </p:nvSpPr>
+        <p:spPr/>
+        <p:txBody>
+          <a:bodyPr/>
+          <a:lstStyle/>
+          <a:p>
+            <a:fld id="{55774153-6BEA-8641-B7A1-86CE42693FE2}" type="slidenum">
+              <a:rPr lang="en-US" smtClean="0"/>
+              <a:t>27</a:t>
+            </a:fld>
+            <a:endParaRPr lang="en-US"/>
+          </a:p>
+        </p:txBody>
+      </p:sp>
+    </p:spTree>
+    <p:extLst>
+      <p:ext uri="{BB962C8B-B14F-4D97-AF65-F5344CB8AC3E}">
+        <p14:creationId xmlns:p14="http://schemas.microsoft.com/office/powerpoint/2010/main" val="530941430"/>
+      </p:ext>
+    </p:extLst>
+  </p:cSld>
+  <p:clrMapOvr>
+    <a:masterClrMapping/>
+  </p:clrMapOvr>
+  <p:timing>
+    <p:tnLst>
+      <p:par>
+        <p:cTn id="1" dur="indefinite" restart="never" nodeType="tmRoot"/>
+      </p:par>
+    </p:tnLst>
+  </p:timing>
+</p:sld>
+</file>
+
+<file path=ppt/slides/slide29.xml><?xml version="1.0" encoding="utf-8"?>
+<p:sld xmlns:a="http://schemas.openxmlformats.org/drawingml/2006/main" xmlns:r="http://schemas.openxmlformats.org/officeDocument/2006/relationships" xmlns:p="http://schemas.openxmlformats.org/presentationml/2006/main">
+  <p:cSld>
+    <p:spTree>
+      <p:nvGrpSpPr>
+        <p:cNvPr id="1" name=""/>
+        <p:cNvGrpSpPr/>
+        <p:nvPr/>
+      </p:nvGrpSpPr>
+      <p:grpSpPr>
+        <a:xfrm>
+          <a:off x="0" y="0"/>
+          <a:ext cx="0" cy="0"/>
+          <a:chOff x="0" y="0"/>
+          <a:chExt cx="0" cy="0"/>
+        </a:xfrm>
+      </p:grpSpPr>
+      <p:sp>
+        <p:nvSpPr>
+          <p:cNvPr id="2" name="Title 1"/>
+          <p:cNvSpPr>
+            <a:spLocks noGrp="1"/>
+          </p:cNvSpPr>
+          <p:nvPr>
+            <p:ph type="title"/>
+          </p:nvPr>
+        </p:nvSpPr>
+        <p:spPr/>
+        <p:txBody>
+          <a:bodyPr/>
+          <a:lstStyle/>
+          <a:p>
+            <a:r>
+              <a:rPr lang="en-US" b="1" dirty="0" err="1" smtClean="0">
+                <a:latin typeface="Helvetica" charset="0"/>
+                <a:ea typeface="Helvetica" charset="0"/>
+                <a:cs typeface="Helvetica" charset="0"/>
+              </a:rPr>
               <a:t>Referências</a:t>
             </a:r>
             <a:endParaRPr lang="en-US" b="1" dirty="0">
@@ -29324,17 +29323,6 @@
           <a:lstStyle/>
           <a:p>
             <a:r>
-              <a:rPr lang="en-US" dirty="0" smtClean="0">
-                <a:solidFill>
-                  <a:schemeClr val="tx1"/>
-                </a:solidFill>
-                <a:latin typeface="Helvetica" charset="0"/>
-                <a:ea typeface="Helvetica" charset="0"/>
-                <a:cs typeface="Helvetica" charset="0"/>
-              </a:rPr>
-              <a:t>[11] </a:t>
-            </a:r>
-            <a:r>
               <a:rPr lang="en-US" dirty="0">
                 <a:solidFill>
                   <a:schemeClr val="tx1"/>
@@ -29343,7 +29331,29 @@
                 <a:ea typeface="Helvetica" charset="0"/>
                 <a:cs typeface="Helvetica" charset="0"/>
               </a:rPr>
-              <a:t>D. </a:t>
+              <a:t>[6] </a:t>
+            </a:r>
+            <a:r>
+              <a:rPr lang="en-US" dirty="0" smtClean="0">
+                <a:solidFill>
+                  <a:schemeClr val="tx1"/>
+                </a:solidFill>
+                <a:latin typeface="Helvetica" charset="0"/>
+                <a:ea typeface="Helvetica" charset="0"/>
+                <a:cs typeface="Helvetica" charset="0"/>
+              </a:rPr>
+              <a:t>P</a:t>
+            </a:r>
+            <a:r>
+              <a:rPr lang="en-US" dirty="0">
+                <a:solidFill>
+                  <a:schemeClr val="tx1"/>
+                </a:solidFill>
+                <a:latin typeface="Helvetica" charset="0"/>
+                <a:ea typeface="Helvetica" charset="0"/>
+                <a:cs typeface="Helvetica" charset="0"/>
+              </a:rPr>
+              <a:t>. </a:t>
             </a:r>
             <a:r>
               <a:rPr lang="en-US" dirty="0" err="1">
@@ -29354,7 +29364,7 @@
                 <a:ea typeface="Helvetica" charset="0"/>
                 <a:cs typeface="Helvetica" charset="0"/>
               </a:rPr>
-              <a:t>Jakobovic</a:t>
+              <a:t>Giguere</a:t>
             </a:r>
             <a:r>
               <a:rPr lang="en-US" dirty="0">
@@ -29365,7 +29375,7 @@
                 <a:ea typeface="Helvetica" charset="0"/>
                 <a:cs typeface="Helvetica" charset="0"/>
               </a:rPr>
-              <a:t>́ and M. </a:t>
+              <a:t> and D. E. Goldberg. “Population sizing for optimum sampling with genetic algorithms: A case study of the </a:t>
             </a:r>
             <a:r>
               <a:rPr lang="en-US" dirty="0" err="1">
@@ -29376,7 +29386,7 @@
                 <a:ea typeface="Helvetica" charset="0"/>
                 <a:cs typeface="Helvetica" charset="0"/>
               </a:rPr>
-              <a:t>Golub</a:t>
+              <a:t>onemax</a:t>
             </a:r>
             <a:r>
               <a:rPr lang="en-US" dirty="0">
@@ -29387,18 +29397,18 @@
                 <a:ea typeface="Helvetica" charset="0"/>
                 <a:cs typeface="Helvetica" charset="0"/>
               </a:rPr>
-              <a:t>. </a:t>
-            </a:r>
-            <a:r>
-              <a:rPr lang="en-US" dirty="0" smtClean="0">
-                <a:solidFill>
-                  <a:schemeClr val="tx1"/>
-                </a:solidFill>
-                <a:latin typeface="Helvetica" charset="0"/>
-                <a:ea typeface="Helvetica" charset="0"/>
-                <a:cs typeface="Helvetica" charset="0"/>
-              </a:rPr>
-              <a:t>“Adaptive </a:t>
+              <a:t> problem”. </a:t>
+            </a:r>
+            <a:r>
+              <a:rPr lang="en-US" i="1" dirty="0">
+                <a:solidFill>
+                  <a:schemeClr val="tx1"/>
+                </a:solidFill>
+                <a:latin typeface="Helvetica" charset="0"/>
+                <a:ea typeface="Helvetica" charset="0"/>
+                <a:cs typeface="Helvetica" charset="0"/>
+              </a:rPr>
+              <a:t>Genetic Programming</a:t>
             </a:r>
             <a:r>
               <a:rPr lang="en-US" dirty="0">
@@ -29409,18 +29419,86 @@
                 <a:ea typeface="Helvetica" charset="0"/>
                 <a:cs typeface="Helvetica" charset="0"/>
               </a:rPr>
-              <a:t>G</a:t>
-            </a:r>
-            <a:r>
-              <a:rPr lang="en-US" dirty="0" smtClean="0">
-                <a:solidFill>
-                  <a:schemeClr val="tx1"/>
-                </a:solidFill>
-                <a:latin typeface="Helvetica" charset="0"/>
-                <a:ea typeface="Helvetica" charset="0"/>
-                <a:cs typeface="Helvetica" charset="0"/>
-              </a:rPr>
-              <a:t>enetic Algorithm”. </a:t>
+              <a:t>, 98:496–503, 1998. </a:t>
+            </a:r>
+          </a:p>
+          <a:p>
+            <a:r>
+              <a:rPr lang="en-US" dirty="0" smtClean="0">
+                <a:solidFill>
+                  <a:schemeClr val="tx1"/>
+                </a:solidFill>
+                <a:latin typeface="Helvetica" charset="0"/>
+                <a:ea typeface="Helvetica" charset="0"/>
+                <a:cs typeface="Helvetica" charset="0"/>
+              </a:rPr>
+              <a:t>[7]</a:t>
+            </a:r>
+            <a:r>
+              <a:rPr lang="en-US" dirty="0">
+                <a:solidFill>
+                  <a:schemeClr val="tx1"/>
+                </a:solidFill>
+                <a:latin typeface="Helvetica" charset="0"/>
+                <a:ea typeface="Helvetica" charset="0"/>
+                <a:cs typeface="Helvetica" charset="0"/>
+              </a:rPr>
+              <a:t> D. L. Applegate, R. E. Bixby, V. </a:t>
+            </a:r>
+            <a:r>
+              <a:rPr lang="en-US" dirty="0" err="1">
+                <a:solidFill>
+                  <a:schemeClr val="tx1"/>
+                </a:solidFill>
+                <a:latin typeface="Helvetica" charset="0"/>
+                <a:ea typeface="Helvetica" charset="0"/>
+                <a:cs typeface="Helvetica" charset="0"/>
+              </a:rPr>
+              <a:t>Chvatal</a:t>
+            </a:r>
+            <a:r>
+              <a:rPr lang="en-US" dirty="0">
+                <a:solidFill>
+                  <a:schemeClr val="tx1"/>
+                </a:solidFill>
+                <a:latin typeface="Helvetica" charset="0"/>
+                <a:ea typeface="Helvetica" charset="0"/>
+                <a:cs typeface="Helvetica" charset="0"/>
+              </a:rPr>
+              <a:t>, and W. J. Cook. </a:t>
+            </a:r>
+            <a:r>
+              <a:rPr lang="en-US" dirty="0" smtClean="0">
+                <a:solidFill>
+                  <a:schemeClr val="tx1"/>
+                </a:solidFill>
+                <a:latin typeface="Helvetica" charset="0"/>
+                <a:ea typeface="Helvetica" charset="0"/>
+                <a:cs typeface="Helvetica" charset="0"/>
+              </a:rPr>
+              <a:t>"The </a:t>
+            </a:r>
+            <a:r>
+              <a:rPr lang="en-US" dirty="0">
+                <a:solidFill>
+                  <a:schemeClr val="tx1"/>
+                </a:solidFill>
+                <a:latin typeface="Helvetica" charset="0"/>
+                <a:ea typeface="Helvetica" charset="0"/>
+                <a:cs typeface="Helvetica" charset="0"/>
+              </a:rPr>
+              <a:t>Traveling Salesman Problem: a computational </a:t>
+            </a:r>
+            <a:r>
+              <a:rPr lang="en-US" dirty="0" smtClean="0">
+                <a:solidFill>
+                  <a:schemeClr val="tx1"/>
+                </a:solidFill>
+                <a:latin typeface="Helvetica" charset="0"/>
+                <a:ea typeface="Helvetica" charset="0"/>
+                <a:cs typeface="Helvetica" charset="0"/>
+              </a:rPr>
+              <a:t>study". </a:t>
             </a:r>
             <a:r>
               <a:rPr lang="en-US" i="1" dirty="0">
@@ -29431,7 +29509,40 @@
                 <a:ea typeface="Helvetica" charset="0"/>
                 <a:cs typeface="Helvetica" charset="0"/>
               </a:rPr>
-              <a:t>CIT. Journal of computing and information technology</a:t>
+              <a:t>Princeton </a:t>
+            </a:r>
+            <a:r>
+              <a:rPr lang="en-US" i="1" dirty="0" smtClean="0">
+                <a:solidFill>
+                  <a:schemeClr val="tx1"/>
+                </a:solidFill>
+                <a:latin typeface="Helvetica" charset="0"/>
+                <a:ea typeface="Helvetica" charset="0"/>
+                <a:cs typeface="Helvetica" charset="0"/>
+              </a:rPr>
+              <a:t>University </a:t>
+            </a:r>
+            <a:r>
+              <a:rPr lang="en-US" i="1" dirty="0">
+                <a:solidFill>
+                  <a:schemeClr val="tx1"/>
+                </a:solidFill>
+                <a:latin typeface="Helvetica" charset="0"/>
+                <a:ea typeface="Helvetica" charset="0"/>
+                <a:cs typeface="Helvetica" charset="0"/>
+              </a:rPr>
+              <a:t>P</a:t>
+            </a:r>
+            <a:r>
+              <a:rPr lang="en-US" i="1" dirty="0" smtClean="0">
+                <a:solidFill>
+                  <a:schemeClr val="tx1"/>
+                </a:solidFill>
+                <a:latin typeface="Helvetica" charset="0"/>
+                <a:ea typeface="Helvetica" charset="0"/>
+                <a:cs typeface="Helvetica" charset="0"/>
+              </a:rPr>
+              <a:t>ress</a:t>
             </a:r>
             <a:r>
               <a:rPr lang="en-US" dirty="0">
@@ -29442,86 +29553,7 @@
                 <a:ea typeface="Helvetica" charset="0"/>
                 <a:cs typeface="Helvetica" charset="0"/>
               </a:rPr>
-              <a:t>, 7(3):229–235, 1999. </a:t>
-            </a:r>
-          </a:p>
-          <a:p>
-            <a:r>
-              <a:rPr lang="en-US" dirty="0" smtClean="0">
-                <a:solidFill>
-                  <a:schemeClr val="tx1"/>
-                </a:solidFill>
-                <a:latin typeface="Helvetica" charset="0"/>
-                <a:ea typeface="Helvetica" charset="0"/>
-                <a:cs typeface="Helvetica" charset="0"/>
-              </a:rPr>
-              <a:t>[12] </a:t>
-            </a:r>
-            <a:r>
-              <a:rPr lang="en-US" dirty="0">
-                <a:solidFill>
-                  <a:schemeClr val="tx1"/>
-                </a:solidFill>
-                <a:latin typeface="Helvetica" charset="0"/>
-                <a:ea typeface="Helvetica" charset="0"/>
-                <a:cs typeface="Helvetica" charset="0"/>
-              </a:rPr>
-              <a:t>L. Wang and T. Shen. </a:t>
-            </a:r>
-            <a:r>
-              <a:rPr lang="en-US" dirty="0" smtClean="0">
-                <a:solidFill>
-                  <a:schemeClr val="tx1"/>
-                </a:solidFill>
-                <a:latin typeface="Helvetica" charset="0"/>
-                <a:ea typeface="Helvetica" charset="0"/>
-                <a:cs typeface="Helvetica" charset="0"/>
-              </a:rPr>
-              <a:t>"Improved </a:t>
-            </a:r>
-            <a:r>
-              <a:rPr lang="en-US" dirty="0">
-                <a:solidFill>
-                  <a:schemeClr val="tx1"/>
-                </a:solidFill>
-                <a:latin typeface="Helvetica" charset="0"/>
-                <a:ea typeface="Helvetica" charset="0"/>
-                <a:cs typeface="Helvetica" charset="0"/>
-              </a:rPr>
-              <a:t>adaptive genetic algorithm and its application to image </a:t>
-            </a:r>
-            <a:r>
-              <a:rPr lang="en-US" dirty="0" smtClean="0">
-                <a:solidFill>
-                  <a:schemeClr val="tx1"/>
-                </a:solidFill>
-                <a:latin typeface="Helvetica" charset="0"/>
-                <a:ea typeface="Helvetica" charset="0"/>
-                <a:cs typeface="Helvetica" charset="0"/>
-              </a:rPr>
-              <a:t>segmentation". </a:t>
-            </a:r>
-            <a:r>
-              <a:rPr lang="en-US" i="1" dirty="0">
-                <a:solidFill>
-                  <a:schemeClr val="tx1"/>
-                </a:solidFill>
-                <a:latin typeface="Helvetica" charset="0"/>
-                <a:ea typeface="Helvetica" charset="0"/>
-                <a:cs typeface="Helvetica" charset="0"/>
-              </a:rPr>
-              <a:t>In Multispectral Image Processing and Pattern Recognition</a:t>
-            </a:r>
-            <a:r>
-              <a:rPr lang="en-US" dirty="0">
-                <a:solidFill>
-                  <a:schemeClr val="tx1"/>
-                </a:solidFill>
-                <a:latin typeface="Helvetica" charset="0"/>
-                <a:ea typeface="Helvetica" charset="0"/>
-                <a:cs typeface="Helvetica" charset="0"/>
-              </a:rPr>
-              <a:t>, pages 115–120. International Society for Optics and Photonics, 2001. </a:t>
+              <a:t>, 2011. </a:t>
             </a:r>
             <a:endParaRPr lang="en-US" dirty="0" smtClean="0">
               <a:solidFill>
@@ -29542,7 +29574,7 @@
                 <a:ea typeface="Helvetica" charset="0"/>
                 <a:cs typeface="Helvetica" charset="0"/>
               </a:rPr>
-              <a:t>[13] </a:t>
+              <a:t>[8] </a:t>
             </a:r>
             <a:r>
               <a:rPr lang="en-US" dirty="0">
@@ -29553,7 +29585,7 @@
                 <a:ea typeface="Helvetica" charset="0"/>
                 <a:cs typeface="Helvetica" charset="0"/>
               </a:rPr>
-              <a:t>K. Matthias, T. </a:t>
+              <a:t>T. H. </a:t>
             </a:r>
             <a:r>
               <a:rPr lang="en-US" dirty="0" err="1">
@@ -29564,7 +29596,7 @@
                 <a:ea typeface="Helvetica" charset="0"/>
                 <a:cs typeface="Helvetica" charset="0"/>
               </a:rPr>
-              <a:t>Severin</a:t>
+              <a:t>Cormen</a:t>
             </a:r>
             <a:r>
               <a:rPr lang="en-US" dirty="0">
@@ -29575,7 +29607,7 @@
                 <a:ea typeface="Helvetica" charset="0"/>
                 <a:cs typeface="Helvetica" charset="0"/>
               </a:rPr>
-              <a:t>, and H. </a:t>
+              <a:t>, C. E. </a:t>
             </a:r>
             <a:r>
               <a:rPr lang="en-US" dirty="0" err="1">
@@ -29586,7 +29618,7 @@
                 <a:ea typeface="Helvetica" charset="0"/>
                 <a:cs typeface="Helvetica" charset="0"/>
               </a:rPr>
-              <a:t>Salzwedel</a:t>
+              <a:t>Leiserson</a:t>
             </a:r>
             <a:r>
               <a:rPr lang="en-US" dirty="0">
@@ -29597,6 +29629,268 @@
                 <a:ea typeface="Helvetica" charset="0"/>
                 <a:cs typeface="Helvetica" charset="0"/>
               </a:rPr>
+              <a:t>, R. L. </a:t>
+            </a:r>
+            <a:r>
+              <a:rPr lang="en-US" dirty="0" err="1">
+                <a:solidFill>
+                  <a:schemeClr val="tx1"/>
+                </a:solidFill>
+                <a:latin typeface="Helvetica" charset="0"/>
+                <a:ea typeface="Helvetica" charset="0"/>
+                <a:cs typeface="Helvetica" charset="0"/>
+              </a:rPr>
+              <a:t>Rivest</a:t>
+            </a:r>
+            <a:r>
+              <a:rPr lang="en-US" dirty="0">
+                <a:solidFill>
+                  <a:schemeClr val="tx1"/>
+                </a:solidFill>
+                <a:latin typeface="Helvetica" charset="0"/>
+                <a:ea typeface="Helvetica" charset="0"/>
+                <a:cs typeface="Helvetica" charset="0"/>
+              </a:rPr>
+              <a:t>, et al. </a:t>
+            </a:r>
+            <a:r>
+              <a:rPr lang="en-US" dirty="0" smtClean="0">
+                <a:solidFill>
+                  <a:schemeClr val="tx1"/>
+                </a:solidFill>
+                <a:latin typeface="Helvetica" charset="0"/>
+                <a:ea typeface="Helvetica" charset="0"/>
+                <a:cs typeface="Helvetica" charset="0"/>
+              </a:rPr>
+              <a:t>"Section </a:t>
+            </a:r>
+            <a:r>
+              <a:rPr lang="en-US" dirty="0">
+                <a:solidFill>
+                  <a:schemeClr val="tx1"/>
+                </a:solidFill>
+                <a:latin typeface="Helvetica" charset="0"/>
+                <a:ea typeface="Helvetica" charset="0"/>
+                <a:cs typeface="Helvetica" charset="0"/>
+              </a:rPr>
+              <a:t>24.3: </a:t>
+            </a:r>
+            <a:r>
+              <a:rPr lang="en-US" dirty="0" err="1">
+                <a:solidFill>
+                  <a:schemeClr val="tx1"/>
+                </a:solidFill>
+                <a:latin typeface="Helvetica" charset="0"/>
+                <a:ea typeface="Helvetica" charset="0"/>
+                <a:cs typeface="Helvetica" charset="0"/>
+              </a:rPr>
+              <a:t>Dijkstra’s</a:t>
+            </a:r>
+            <a:r>
+              <a:rPr lang="en-US" dirty="0">
+                <a:solidFill>
+                  <a:schemeClr val="tx1"/>
+                </a:solidFill>
+                <a:latin typeface="Helvetica" charset="0"/>
+                <a:ea typeface="Helvetica" charset="0"/>
+                <a:cs typeface="Helvetica" charset="0"/>
+              </a:rPr>
+              <a:t> </a:t>
+            </a:r>
+            <a:r>
+              <a:rPr lang="en-US" dirty="0" smtClean="0">
+                <a:solidFill>
+                  <a:schemeClr val="tx1"/>
+                </a:solidFill>
+                <a:latin typeface="Helvetica" charset="0"/>
+                <a:ea typeface="Helvetica" charset="0"/>
+                <a:cs typeface="Helvetica" charset="0"/>
+              </a:rPr>
+              <a:t>algorithm”. </a:t>
+            </a:r>
+            <a:r>
+              <a:rPr lang="en-US" i="1" dirty="0" smtClean="0">
+                <a:solidFill>
+                  <a:schemeClr val="tx1"/>
+                </a:solidFill>
+                <a:latin typeface="Helvetica" charset="0"/>
+                <a:ea typeface="Helvetica" charset="0"/>
+                <a:cs typeface="Helvetica" charset="0"/>
+              </a:rPr>
+              <a:t>MIT Press </a:t>
+            </a:r>
+            <a:r>
+              <a:rPr lang="en-US" i="1" dirty="0">
+                <a:solidFill>
+                  <a:schemeClr val="tx1"/>
+                </a:solidFill>
+                <a:latin typeface="Helvetica" charset="0"/>
+                <a:ea typeface="Helvetica" charset="0"/>
+                <a:cs typeface="Helvetica" charset="0"/>
+              </a:rPr>
+              <a:t>and McGraw-Hill</a:t>
+            </a:r>
+            <a:r>
+              <a:rPr lang="en-US" dirty="0">
+                <a:solidFill>
+                  <a:schemeClr val="tx1"/>
+                </a:solidFill>
+                <a:latin typeface="Helvetica" charset="0"/>
+                <a:ea typeface="Helvetica" charset="0"/>
+                <a:cs typeface="Helvetica" charset="0"/>
+              </a:rPr>
+              <a:t>, 2001. </a:t>
+            </a:r>
+            <a:endParaRPr lang="en-US" dirty="0" smtClean="0">
+              <a:solidFill>
+                <a:schemeClr val="tx1"/>
+              </a:solidFill>
+              <a:latin typeface="Helvetica" charset="0"/>
+              <a:ea typeface="Helvetica" charset="0"/>
+              <a:cs typeface="Helvetica" charset="0"/>
+            </a:endParaRPr>
+          </a:p>
+          <a:p>
+            <a:r>
+              <a:rPr lang="en-US" dirty="0" smtClean="0">
+                <a:solidFill>
+                  <a:schemeClr val="tx1"/>
+                </a:solidFill>
+                <a:latin typeface="Helvetica" charset="0"/>
+                <a:ea typeface="Helvetica" charset="0"/>
+                <a:cs typeface="Helvetica" charset="0"/>
+              </a:rPr>
+              <a:t>[9] </a:t>
+            </a:r>
+            <a:r>
+              <a:rPr lang="en-US" dirty="0">
+                <a:solidFill>
+                  <a:schemeClr val="tx1"/>
+                </a:solidFill>
+                <a:latin typeface="Helvetica" charset="0"/>
+                <a:ea typeface="Helvetica" charset="0"/>
+                <a:cs typeface="Helvetica" charset="0"/>
+              </a:rPr>
+              <a:t>M. Mitchell. </a:t>
+            </a:r>
+            <a:r>
+              <a:rPr lang="en-US" dirty="0" smtClean="0">
+                <a:solidFill>
+                  <a:schemeClr val="tx1"/>
+                </a:solidFill>
+                <a:latin typeface="Helvetica" charset="0"/>
+                <a:ea typeface="Helvetica" charset="0"/>
+                <a:cs typeface="Helvetica" charset="0"/>
+              </a:rPr>
+              <a:t>"An </a:t>
+            </a:r>
+            <a:r>
+              <a:rPr lang="en-US" dirty="0">
+                <a:solidFill>
+                  <a:schemeClr val="tx1"/>
+                </a:solidFill>
+                <a:latin typeface="Helvetica" charset="0"/>
+                <a:ea typeface="Helvetica" charset="0"/>
+                <a:cs typeface="Helvetica" charset="0"/>
+              </a:rPr>
+              <a:t>introduction to genetic </a:t>
+            </a:r>
+            <a:r>
+              <a:rPr lang="en-US" dirty="0" smtClean="0">
+                <a:solidFill>
+                  <a:schemeClr val="tx1"/>
+                </a:solidFill>
+                <a:latin typeface="Helvetica" charset="0"/>
+                <a:ea typeface="Helvetica" charset="0"/>
+                <a:cs typeface="Helvetica" charset="0"/>
+              </a:rPr>
+              <a:t>algorithms". </a:t>
+            </a:r>
+            <a:r>
+              <a:rPr lang="en-US" i="1" dirty="0">
+                <a:solidFill>
+                  <a:schemeClr val="tx1"/>
+                </a:solidFill>
+                <a:latin typeface="Helvetica" charset="0"/>
+                <a:ea typeface="Helvetica" charset="0"/>
+                <a:cs typeface="Helvetica" charset="0"/>
+              </a:rPr>
+              <a:t>MIT </a:t>
+            </a:r>
+            <a:r>
+              <a:rPr lang="en-US" i="1" dirty="0" smtClean="0">
+                <a:solidFill>
+                  <a:schemeClr val="tx1"/>
+                </a:solidFill>
+                <a:latin typeface="Helvetica" charset="0"/>
+                <a:ea typeface="Helvetica" charset="0"/>
+                <a:cs typeface="Helvetica" charset="0"/>
+              </a:rPr>
+              <a:t>Press</a:t>
+            </a:r>
+            <a:r>
+              <a:rPr lang="en-US" dirty="0">
+                <a:solidFill>
+                  <a:schemeClr val="tx1"/>
+                </a:solidFill>
+                <a:latin typeface="Helvetica" charset="0"/>
+                <a:ea typeface="Helvetica" charset="0"/>
+                <a:cs typeface="Helvetica" charset="0"/>
+              </a:rPr>
+              <a:t>, 1998. </a:t>
+            </a:r>
+            <a:endParaRPr lang="en-US" dirty="0" smtClean="0">
+              <a:solidFill>
+                <a:schemeClr val="tx1"/>
+              </a:solidFill>
+              <a:latin typeface="Helvetica" charset="0"/>
+              <a:ea typeface="Helvetica" charset="0"/>
+              <a:cs typeface="Helvetica" charset="0"/>
+            </a:endParaRPr>
+          </a:p>
+          <a:p>
+            <a:r>
+              <a:rPr lang="en-US" dirty="0" smtClean="0">
+                <a:solidFill>
+                  <a:schemeClr val="tx1"/>
+                </a:solidFill>
+                <a:latin typeface="Helvetica" charset="0"/>
+                <a:ea typeface="Helvetica" charset="0"/>
+                <a:cs typeface="Helvetica" charset="0"/>
+              </a:rPr>
+              <a:t>[10] M</a:t>
+            </a:r>
+            <a:r>
+              <a:rPr lang="en-US" dirty="0">
+                <a:solidFill>
+                  <a:schemeClr val="tx1"/>
+                </a:solidFill>
+                <a:latin typeface="Helvetica" charset="0"/>
+                <a:ea typeface="Helvetica" charset="0"/>
+                <a:cs typeface="Helvetica" charset="0"/>
+              </a:rPr>
+              <a:t>. Srinivas and L. M. </a:t>
+            </a:r>
+            <a:r>
+              <a:rPr lang="en-US" dirty="0" err="1">
+                <a:solidFill>
+                  <a:schemeClr val="tx1"/>
+                </a:solidFill>
+                <a:latin typeface="Helvetica" charset="0"/>
+                <a:ea typeface="Helvetica" charset="0"/>
+                <a:cs typeface="Helvetica" charset="0"/>
+              </a:rPr>
+              <a:t>Patnaik</a:t>
+            </a:r>
+            <a:r>
+              <a:rPr lang="en-US" dirty="0">
+                <a:solidFill>
+                  <a:schemeClr val="tx1"/>
+                </a:solidFill>
+                <a:latin typeface="Helvetica" charset="0"/>
+                <a:ea typeface="Helvetica" charset="0"/>
+                <a:cs typeface="Helvetica" charset="0"/>
+              </a:rPr>
               <a:t>. </a:t>
             </a:r>
             <a:r>
@@ -29608,7 +29902,7 @@
                 <a:ea typeface="Helvetica" charset="0"/>
                 <a:cs typeface="Helvetica" charset="0"/>
               </a:rPr>
-              <a:t>"Variable </a:t>
+              <a:t>"Adaptive </a:t>
             </a:r>
             <a:r>
               <a:rPr lang="en-US" dirty="0">
@@ -29619,18 +29913,18 @@
                 <a:ea typeface="Helvetica" charset="0"/>
                 <a:cs typeface="Helvetica" charset="0"/>
               </a:rPr>
-              <a:t>mutation rate at genetic algorithms: introduction of chromosome fitness in connection with multi-chromosome </a:t>
-            </a:r>
-            <a:r>
-              <a:rPr lang="en-US" dirty="0" smtClean="0">
-                <a:solidFill>
-                  <a:schemeClr val="tx1"/>
-                </a:solidFill>
-                <a:latin typeface="Helvetica" charset="0"/>
-                <a:ea typeface="Helvetica" charset="0"/>
-                <a:cs typeface="Helvetica" charset="0"/>
-              </a:rPr>
-              <a:t>representation". </a:t>
+              <a:t>probabilities of crossover and mutation in genetic </a:t>
+            </a:r>
+            <a:r>
+              <a:rPr lang="en-US" dirty="0" smtClean="0">
+                <a:solidFill>
+                  <a:schemeClr val="tx1"/>
+                </a:solidFill>
+                <a:latin typeface="Helvetica" charset="0"/>
+                <a:ea typeface="Helvetica" charset="0"/>
+                <a:cs typeface="Helvetica" charset="0"/>
+              </a:rPr>
+              <a:t>algorithms". </a:t>
             </a:r>
             <a:r>
               <a:rPr lang="en-US" i="1" dirty="0">
@@ -29641,7 +29935,7 @@
                 <a:ea typeface="Helvetica" charset="0"/>
                 <a:cs typeface="Helvetica" charset="0"/>
               </a:rPr>
-              <a:t>International Journal of Computer Applications</a:t>
+              <a:t>IEEE Transactions on Systems, Man, and Cybernetics</a:t>
             </a:r>
             <a:r>
               <a:rPr lang="en-US" dirty="0">
@@ -29652,18 +29946,7 @@
                 <a:ea typeface="Helvetica" charset="0"/>
                 <a:cs typeface="Helvetica" charset="0"/>
               </a:rPr>
-              <a:t>, 72(17), 2013</a:t>
-            </a:r>
-            <a:r>
-              <a:rPr lang="en-US" dirty="0" smtClean="0">
-                <a:solidFill>
-                  <a:schemeClr val="tx1"/>
-                </a:solidFill>
-                <a:latin typeface="Helvetica" charset="0"/>
-                <a:ea typeface="Helvetica" charset="0"/>
-                <a:cs typeface="Helvetica" charset="0"/>
-              </a:rPr>
-              <a:t>.</a:t>
+              <a:t>, 24(4):656–667, 1994. </a:t>
             </a:r>
           </a:p>
           <a:p>
@@ -29705,7 +29988,7 @@
           <a:p>
             <a:fld id="{55774153-6BEA-8641-B7A1-86CE42693FE2}" type="slidenum">
               <a:rPr lang="en-US" smtClean="0"/>
-              <a:t>26</a:t>
+              <a:t>28</a:t>
             </a:fld>
             <a:endParaRPr lang="en-US"/>
           </a:p>
@@ -29714,7 +29997,7 @@
     </p:spTree>
     <p:extLst>
       <p:ext uri="{BB962C8B-B14F-4D97-AF65-F5344CB8AC3E}">
-        <p14:creationId xmlns:p14="http://schemas.microsoft.com/office/powerpoint/2010/main" val="823118128"/>
+        <p14:creationId xmlns:p14="http://schemas.microsoft.com/office/powerpoint/2010/main" val="2080831962"/>
       </p:ext>
     </p:extLst>
   </p:cSld>
@@ -30671,6 +30954,482 @@
     <p:extLst>
       <p:ext uri="{BB962C8B-B14F-4D97-AF65-F5344CB8AC3E}">
         <p14:creationId xmlns:p14="http://schemas.microsoft.com/office/powerpoint/2010/main" val="653190879"/>
+      </p:ext>
+    </p:extLst>
+  </p:cSld>
+  <p:clrMapOvr>
+    <a:masterClrMapping/>
+  </p:clrMapOvr>
+  <p:timing>
+    <p:tnLst>
+      <p:par>
+        <p:cTn id="1" dur="indefinite" restart="never" nodeType="tmRoot"/>
+      </p:par>
+    </p:tnLst>
+  </p:timing>
+</p:sld>
+</file>
+
+<file path=ppt/slides/slide30.xml><?xml version="1.0" encoding="utf-8"?>
+<p:sld xmlns:a="http://schemas.openxmlformats.org/drawingml/2006/main" xmlns:r="http://schemas.openxmlformats.org/officeDocument/2006/relationships" xmlns:p="http://schemas.openxmlformats.org/presentationml/2006/main">
+  <p:cSld>
+    <p:spTree>
+      <p:nvGrpSpPr>
+        <p:cNvPr id="1" name=""/>
+        <p:cNvGrpSpPr/>
+        <p:nvPr/>
+      </p:nvGrpSpPr>
+      <p:grpSpPr>
+        <a:xfrm>
+          <a:off x="0" y="0"/>
+          <a:ext cx="0" cy="0"/>
+          <a:chOff x="0" y="0"/>
+          <a:chExt cx="0" cy="0"/>
+        </a:xfrm>
+      </p:grpSpPr>
+      <p:sp>
+        <p:nvSpPr>
+          <p:cNvPr id="2" name="Title 1"/>
+          <p:cNvSpPr>
+            <a:spLocks noGrp="1"/>
+          </p:cNvSpPr>
+          <p:nvPr>
+            <p:ph type="title"/>
+          </p:nvPr>
+        </p:nvSpPr>
+        <p:spPr/>
+        <p:txBody>
+          <a:bodyPr/>
+          <a:lstStyle/>
+          <a:p>
+            <a:r>
+              <a:rPr lang="en-US" b="1" dirty="0" err="1" smtClean="0">
+                <a:latin typeface="Helvetica" charset="0"/>
+                <a:ea typeface="Helvetica" charset="0"/>
+                <a:cs typeface="Helvetica" charset="0"/>
+              </a:rPr>
+              <a:t>Referências</a:t>
+            </a:r>
+            <a:endParaRPr lang="en-US" b="1" dirty="0">
+              <a:latin typeface="Helvetica" charset="0"/>
+              <a:ea typeface="Helvetica" charset="0"/>
+              <a:cs typeface="Helvetica" charset="0"/>
+            </a:endParaRPr>
+          </a:p>
+        </p:txBody>
+      </p:sp>
+      <p:sp>
+        <p:nvSpPr>
+          <p:cNvPr id="3" name="Content Placeholder 2"/>
+          <p:cNvSpPr>
+            <a:spLocks noGrp="1"/>
+          </p:cNvSpPr>
+          <p:nvPr>
+            <p:ph idx="1"/>
+          </p:nvPr>
+        </p:nvSpPr>
+        <p:spPr>
+          <a:xfrm>
+            <a:off x="1154954" y="2603500"/>
+            <a:ext cx="10035785" cy="3416300"/>
+          </a:xfrm>
+        </p:spPr>
+        <p:txBody>
+          <a:bodyPr/>
+          <a:lstStyle/>
+          <a:p>
+            <a:r>
+              <a:rPr lang="en-US" dirty="0" smtClean="0">
+                <a:solidFill>
+                  <a:schemeClr val="tx1"/>
+                </a:solidFill>
+                <a:latin typeface="Helvetica" charset="0"/>
+                <a:ea typeface="Helvetica" charset="0"/>
+                <a:cs typeface="Helvetica" charset="0"/>
+              </a:rPr>
+              <a:t>[11] </a:t>
+            </a:r>
+            <a:r>
+              <a:rPr lang="en-US" dirty="0">
+                <a:solidFill>
+                  <a:schemeClr val="tx1"/>
+                </a:solidFill>
+                <a:latin typeface="Helvetica" charset="0"/>
+                <a:ea typeface="Helvetica" charset="0"/>
+                <a:cs typeface="Helvetica" charset="0"/>
+              </a:rPr>
+              <a:t>D. </a:t>
+            </a:r>
+            <a:r>
+              <a:rPr lang="en-US" dirty="0" err="1">
+                <a:solidFill>
+                  <a:schemeClr val="tx1"/>
+                </a:solidFill>
+                <a:latin typeface="Helvetica" charset="0"/>
+                <a:ea typeface="Helvetica" charset="0"/>
+                <a:cs typeface="Helvetica" charset="0"/>
+              </a:rPr>
+              <a:t>Jakobovic</a:t>
+            </a:r>
+            <a:r>
+              <a:rPr lang="en-US" dirty="0">
+                <a:solidFill>
+                  <a:schemeClr val="tx1"/>
+                </a:solidFill>
+                <a:latin typeface="Helvetica" charset="0"/>
+                <a:ea typeface="Helvetica" charset="0"/>
+                <a:cs typeface="Helvetica" charset="0"/>
+              </a:rPr>
+              <a:t>́ and M. </a:t>
+            </a:r>
+            <a:r>
+              <a:rPr lang="en-US" dirty="0" err="1">
+                <a:solidFill>
+                  <a:schemeClr val="tx1"/>
+                </a:solidFill>
+                <a:latin typeface="Helvetica" charset="0"/>
+                <a:ea typeface="Helvetica" charset="0"/>
+                <a:cs typeface="Helvetica" charset="0"/>
+              </a:rPr>
+              <a:t>Golub</a:t>
+            </a:r>
+            <a:r>
+              <a:rPr lang="en-US" dirty="0">
+                <a:solidFill>
+                  <a:schemeClr val="tx1"/>
+                </a:solidFill>
+                <a:latin typeface="Helvetica" charset="0"/>
+                <a:ea typeface="Helvetica" charset="0"/>
+                <a:cs typeface="Helvetica" charset="0"/>
+              </a:rPr>
+              <a:t>. </a:t>
+            </a:r>
+            <a:r>
+              <a:rPr lang="en-US" dirty="0" smtClean="0">
+                <a:solidFill>
+                  <a:schemeClr val="tx1"/>
+                </a:solidFill>
+                <a:latin typeface="Helvetica" charset="0"/>
+                <a:ea typeface="Helvetica" charset="0"/>
+                <a:cs typeface="Helvetica" charset="0"/>
+              </a:rPr>
+              <a:t>“Adaptive </a:t>
+            </a:r>
+            <a:r>
+              <a:rPr lang="en-US" dirty="0">
+                <a:solidFill>
+                  <a:schemeClr val="tx1"/>
+                </a:solidFill>
+                <a:latin typeface="Helvetica" charset="0"/>
+                <a:ea typeface="Helvetica" charset="0"/>
+                <a:cs typeface="Helvetica" charset="0"/>
+              </a:rPr>
+              <a:t>G</a:t>
+            </a:r>
+            <a:r>
+              <a:rPr lang="en-US" dirty="0" smtClean="0">
+                <a:solidFill>
+                  <a:schemeClr val="tx1"/>
+                </a:solidFill>
+                <a:latin typeface="Helvetica" charset="0"/>
+                <a:ea typeface="Helvetica" charset="0"/>
+                <a:cs typeface="Helvetica" charset="0"/>
+              </a:rPr>
+              <a:t>enetic Algorithm”. </a:t>
+            </a:r>
+            <a:r>
+              <a:rPr lang="en-US" i="1" dirty="0">
+                <a:solidFill>
+                  <a:schemeClr val="tx1"/>
+                </a:solidFill>
+                <a:latin typeface="Helvetica" charset="0"/>
+                <a:ea typeface="Helvetica" charset="0"/>
+                <a:cs typeface="Helvetica" charset="0"/>
+              </a:rPr>
+              <a:t>CIT. Journal of computing and information technology</a:t>
+            </a:r>
+            <a:r>
+              <a:rPr lang="en-US" dirty="0">
+                <a:solidFill>
+                  <a:schemeClr val="tx1"/>
+                </a:solidFill>
+                <a:latin typeface="Helvetica" charset="0"/>
+                <a:ea typeface="Helvetica" charset="0"/>
+                <a:cs typeface="Helvetica" charset="0"/>
+              </a:rPr>
+              <a:t>, 7(3):229–235, 1999. </a:t>
+            </a:r>
+          </a:p>
+          <a:p>
+            <a:r>
+              <a:rPr lang="en-US" dirty="0" smtClean="0">
+                <a:solidFill>
+                  <a:schemeClr val="tx1"/>
+                </a:solidFill>
+                <a:latin typeface="Helvetica" charset="0"/>
+                <a:ea typeface="Helvetica" charset="0"/>
+                <a:cs typeface="Helvetica" charset="0"/>
+              </a:rPr>
+              <a:t>[12] </a:t>
+            </a:r>
+            <a:r>
+              <a:rPr lang="en-US" dirty="0">
+                <a:solidFill>
+                  <a:schemeClr val="tx1"/>
+                </a:solidFill>
+                <a:latin typeface="Helvetica" charset="0"/>
+                <a:ea typeface="Helvetica" charset="0"/>
+                <a:cs typeface="Helvetica" charset="0"/>
+              </a:rPr>
+              <a:t>L. Wang and T. Shen. </a:t>
+            </a:r>
+            <a:r>
+              <a:rPr lang="en-US" dirty="0" smtClean="0">
+                <a:solidFill>
+                  <a:schemeClr val="tx1"/>
+                </a:solidFill>
+                <a:latin typeface="Helvetica" charset="0"/>
+                <a:ea typeface="Helvetica" charset="0"/>
+                <a:cs typeface="Helvetica" charset="0"/>
+              </a:rPr>
+              <a:t>"Improved </a:t>
+            </a:r>
+            <a:r>
+              <a:rPr lang="en-US" dirty="0">
+                <a:solidFill>
+                  <a:schemeClr val="tx1"/>
+                </a:solidFill>
+                <a:latin typeface="Helvetica" charset="0"/>
+                <a:ea typeface="Helvetica" charset="0"/>
+                <a:cs typeface="Helvetica" charset="0"/>
+              </a:rPr>
+              <a:t>adaptive genetic algorithm and its application to image </a:t>
+            </a:r>
+            <a:r>
+              <a:rPr lang="en-US" dirty="0" smtClean="0">
+                <a:solidFill>
+                  <a:schemeClr val="tx1"/>
+                </a:solidFill>
+                <a:latin typeface="Helvetica" charset="0"/>
+                <a:ea typeface="Helvetica" charset="0"/>
+                <a:cs typeface="Helvetica" charset="0"/>
+              </a:rPr>
+              <a:t>segmentation". </a:t>
+            </a:r>
+            <a:r>
+              <a:rPr lang="en-US" i="1" dirty="0">
+                <a:solidFill>
+                  <a:schemeClr val="tx1"/>
+                </a:solidFill>
+                <a:latin typeface="Helvetica" charset="0"/>
+                <a:ea typeface="Helvetica" charset="0"/>
+                <a:cs typeface="Helvetica" charset="0"/>
+              </a:rPr>
+              <a:t>In Multispectral Image Processing and Pattern Recognition</a:t>
+            </a:r>
+            <a:r>
+              <a:rPr lang="en-US" dirty="0">
+                <a:solidFill>
+                  <a:schemeClr val="tx1"/>
+                </a:solidFill>
+                <a:latin typeface="Helvetica" charset="0"/>
+                <a:ea typeface="Helvetica" charset="0"/>
+                <a:cs typeface="Helvetica" charset="0"/>
+              </a:rPr>
+              <a:t>, pages 115–120. International Society for Optics and Photonics, 2001. </a:t>
+            </a:r>
+            <a:endParaRPr lang="en-US" dirty="0" smtClean="0">
+              <a:solidFill>
+                <a:schemeClr val="tx1"/>
+              </a:solidFill>
+              <a:latin typeface="Helvetica" charset="0"/>
+              <a:ea typeface="Helvetica" charset="0"/>
+              <a:cs typeface="Helvetica" charset="0"/>
+            </a:endParaRPr>
+          </a:p>
+          <a:p>
+            <a:r>
+              <a:rPr lang="en-US" dirty="0" smtClean="0">
+                <a:solidFill>
+                  <a:schemeClr val="tx1"/>
+                </a:solidFill>
+                <a:latin typeface="Helvetica" charset="0"/>
+                <a:ea typeface="Helvetica" charset="0"/>
+                <a:cs typeface="Helvetica" charset="0"/>
+              </a:rPr>
+              <a:t>[13] </a:t>
+            </a:r>
+            <a:r>
+              <a:rPr lang="en-US" dirty="0">
+                <a:solidFill>
+                  <a:schemeClr val="tx1"/>
+                </a:solidFill>
+                <a:latin typeface="Helvetica" charset="0"/>
+                <a:ea typeface="Helvetica" charset="0"/>
+                <a:cs typeface="Helvetica" charset="0"/>
+              </a:rPr>
+              <a:t>K. Matthias, T. </a:t>
+            </a:r>
+            <a:r>
+              <a:rPr lang="en-US" dirty="0" err="1">
+                <a:solidFill>
+                  <a:schemeClr val="tx1"/>
+                </a:solidFill>
+                <a:latin typeface="Helvetica" charset="0"/>
+                <a:ea typeface="Helvetica" charset="0"/>
+                <a:cs typeface="Helvetica" charset="0"/>
+              </a:rPr>
+              <a:t>Severin</a:t>
+            </a:r>
+            <a:r>
+              <a:rPr lang="en-US" dirty="0">
+                <a:solidFill>
+                  <a:schemeClr val="tx1"/>
+                </a:solidFill>
+                <a:latin typeface="Helvetica" charset="0"/>
+                <a:ea typeface="Helvetica" charset="0"/>
+                <a:cs typeface="Helvetica" charset="0"/>
+              </a:rPr>
+              <a:t>, and H. </a:t>
+            </a:r>
+            <a:r>
+              <a:rPr lang="en-US" dirty="0" err="1">
+                <a:solidFill>
+                  <a:schemeClr val="tx1"/>
+                </a:solidFill>
+                <a:latin typeface="Helvetica" charset="0"/>
+                <a:ea typeface="Helvetica" charset="0"/>
+                <a:cs typeface="Helvetica" charset="0"/>
+              </a:rPr>
+              <a:t>Salzwedel</a:t>
+            </a:r>
+            <a:r>
+              <a:rPr lang="en-US" dirty="0">
+                <a:solidFill>
+                  <a:schemeClr val="tx1"/>
+                </a:solidFill>
+                <a:latin typeface="Helvetica" charset="0"/>
+                <a:ea typeface="Helvetica" charset="0"/>
+                <a:cs typeface="Helvetica" charset="0"/>
+              </a:rPr>
+              <a:t>. </a:t>
+            </a:r>
+            <a:r>
+              <a:rPr lang="en-US" dirty="0" smtClean="0">
+                <a:solidFill>
+                  <a:schemeClr val="tx1"/>
+                </a:solidFill>
+                <a:latin typeface="Helvetica" charset="0"/>
+                <a:ea typeface="Helvetica" charset="0"/>
+                <a:cs typeface="Helvetica" charset="0"/>
+              </a:rPr>
+              <a:t>"Variable </a:t>
+            </a:r>
+            <a:r>
+              <a:rPr lang="en-US" dirty="0">
+                <a:solidFill>
+                  <a:schemeClr val="tx1"/>
+                </a:solidFill>
+                <a:latin typeface="Helvetica" charset="0"/>
+                <a:ea typeface="Helvetica" charset="0"/>
+                <a:cs typeface="Helvetica" charset="0"/>
+              </a:rPr>
+              <a:t>mutation rate at genetic algorithms: introduction of chromosome fitness in connection with multi-chromosome </a:t>
+            </a:r>
+            <a:r>
+              <a:rPr lang="en-US" dirty="0" smtClean="0">
+                <a:solidFill>
+                  <a:schemeClr val="tx1"/>
+                </a:solidFill>
+                <a:latin typeface="Helvetica" charset="0"/>
+                <a:ea typeface="Helvetica" charset="0"/>
+                <a:cs typeface="Helvetica" charset="0"/>
+              </a:rPr>
+              <a:t>representation". </a:t>
+            </a:r>
+            <a:r>
+              <a:rPr lang="en-US" i="1" dirty="0">
+                <a:solidFill>
+                  <a:schemeClr val="tx1"/>
+                </a:solidFill>
+                <a:latin typeface="Helvetica" charset="0"/>
+                <a:ea typeface="Helvetica" charset="0"/>
+                <a:cs typeface="Helvetica" charset="0"/>
+              </a:rPr>
+              <a:t>International Journal of Computer Applications</a:t>
+            </a:r>
+            <a:r>
+              <a:rPr lang="en-US" dirty="0">
+                <a:solidFill>
+                  <a:schemeClr val="tx1"/>
+                </a:solidFill>
+                <a:latin typeface="Helvetica" charset="0"/>
+                <a:ea typeface="Helvetica" charset="0"/>
+                <a:cs typeface="Helvetica" charset="0"/>
+              </a:rPr>
+              <a:t>, 72(17), 2013</a:t>
+            </a:r>
+            <a:r>
+              <a:rPr lang="en-US" dirty="0" smtClean="0">
+                <a:solidFill>
+                  <a:schemeClr val="tx1"/>
+                </a:solidFill>
+                <a:latin typeface="Helvetica" charset="0"/>
+                <a:ea typeface="Helvetica" charset="0"/>
+                <a:cs typeface="Helvetica" charset="0"/>
+              </a:rPr>
+              <a:t>.</a:t>
+            </a:r>
+          </a:p>
+          <a:p>
+            <a:endParaRPr lang="en-US" dirty="0">
+              <a:solidFill>
+                <a:schemeClr val="tx1"/>
+              </a:solidFill>
+              <a:latin typeface="Helvetica" charset="0"/>
+              <a:ea typeface="Helvetica" charset="0"/>
+              <a:cs typeface="Helvetica" charset="0"/>
+            </a:endParaRPr>
+          </a:p>
+          <a:p>
+            <a:endParaRPr lang="en-US" dirty="0">
+              <a:solidFill>
+                <a:schemeClr val="tx1"/>
+              </a:solidFill>
+              <a:latin typeface="Helvetica" charset="0"/>
+              <a:ea typeface="Helvetica" charset="0"/>
+              <a:cs typeface="Helvetica" charset="0"/>
+            </a:endParaRPr>
+          </a:p>
+        </p:txBody>
+      </p:sp>
+      <p:sp>
+        <p:nvSpPr>
+          <p:cNvPr id="4" name="Slide Number Placeholder 3"/>
+          <p:cNvSpPr>
+            <a:spLocks noGrp="1"/>
+          </p:cNvSpPr>
+          <p:nvPr>
+            <p:ph type="sldNum" sz="quarter" idx="12"/>
+          </p:nvPr>
+        </p:nvSpPr>
+        <p:spPr/>
+        <p:txBody>
+          <a:bodyPr/>
+          <a:lstStyle/>
+          <a:p>
+            <a:fld id="{55774153-6BEA-8641-B7A1-86CE42693FE2}" type="slidenum">
+              <a:rPr lang="en-US" smtClean="0"/>
+              <a:t>29</a:t>
+            </a:fld>
+            <a:endParaRPr lang="en-US"/>
+          </a:p>
+        </p:txBody>
+      </p:sp>
+    </p:spTree>
+    <p:extLst>
+      <p:ext uri="{BB962C8B-B14F-4D97-AF65-F5344CB8AC3E}">
+        <p14:creationId xmlns:p14="http://schemas.microsoft.com/office/powerpoint/2010/main" val="823118128"/>
       </p:ext>
     </p:extLst>
   </p:cSld>

--- a/presentations/TG2_Apresentacao_Cassio.pptx
+++ b/presentations/TG2_Apresentacao_Cassio.pptx
@@ -27089,7 +27089,7 @@
       </p:sp>
       <p:pic>
         <p:nvPicPr>
-          <p:cNvPr id="12" name="Content Placeholder 11"/>
+          <p:cNvPr id="11" name="Content Placeholder 10"/>
           <p:cNvPicPr>
             <a:picLocks noGrp="1" noChangeAspect="1"/>
           </p:cNvPicPr>
@@ -27111,8 +27111,8 @@
         </p:blipFill>
         <p:spPr>
           <a:xfrm>
-            <a:off x="1880243" y="2603500"/>
-            <a:ext cx="7375827" cy="3416300"/>
+            <a:off x="2122406" y="2603500"/>
+            <a:ext cx="6891501" cy="3416300"/>
           </a:xfrm>
         </p:spPr>
       </p:pic>
@@ -27257,7 +27257,7 @@
       </p:sp>
       <p:pic>
         <p:nvPicPr>
-          <p:cNvPr id="7" name="Content Placeholder 6"/>
+          <p:cNvPr id="10" name="Content Placeholder 9"/>
           <p:cNvPicPr>
             <a:picLocks noGrp="1" noChangeAspect="1"/>
           </p:cNvPicPr>
@@ -27929,7 +27929,7 @@
       </p:sp>
       <p:pic>
         <p:nvPicPr>
-          <p:cNvPr id="4" name="Content Placeholder 3"/>
+          <p:cNvPr id="8" name="Content Placeholder 7"/>
           <p:cNvPicPr>
             <a:picLocks noGrp="1" noChangeAspect="1"/>
           </p:cNvPicPr>

--- a/presentations/TG2_Apresentacao_Cassio.pptx
+++ b/presentations/TG2_Apresentacao_Cassio.pptx
@@ -24687,7 +24687,7 @@
               <a:t> </a:t>
             </a:r>
             <a:r>
-              <a:rPr lang="en-US" dirty="0" err="1" smtClean="0">
+              <a:rPr lang="en-US" smtClean="0">
                 <a:solidFill>
                   <a:schemeClr val="tx1"/>
                 </a:solidFill>
@@ -26261,19 +26261,27 @@
                 <a:ea typeface="Helvetica" charset="0"/>
                 <a:cs typeface="Helvetica" charset="0"/>
               </a:rPr>
-              <a:t>[13]</a:t>
-            </a:r>
-            <a:r>
-              <a:rPr lang="en-US" dirty="0" smtClean="0">
-                <a:solidFill>
-                  <a:schemeClr val="tx1"/>
-                </a:solidFill>
-                <a:latin typeface="Helvetica" charset="0"/>
-                <a:ea typeface="Helvetica" charset="0"/>
-                <a:cs typeface="Helvetica" charset="0"/>
-              </a:rPr>
-              <a:t>;</a:t>
-            </a:r>
+              <a:t>[13</a:t>
+            </a:r>
+            <a:r>
+              <a:rPr lang="en-US" b="1" baseline="30000" dirty="0" smtClean="0">
+                <a:solidFill>
+                  <a:srgbClr val="0432FF"/>
+                </a:solidFill>
+                <a:latin typeface="Helvetica" charset="0"/>
+                <a:ea typeface="Helvetica" charset="0"/>
+                <a:cs typeface="Helvetica" charset="0"/>
+              </a:rPr>
+              <a:t>]</a:t>
+            </a:r>
+            <a:endParaRPr lang="en-US" dirty="0" smtClean="0">
+              <a:solidFill>
+                <a:schemeClr val="tx1"/>
+              </a:solidFill>
+              <a:latin typeface="Helvetica" charset="0"/>
+              <a:ea typeface="Helvetica" charset="0"/>
+              <a:cs typeface="Helvetica" charset="0"/>
+            </a:endParaRPr>
           </a:p>
           <a:p>
             <a:r>
@@ -26384,96 +26392,16 @@
                 <a:ea typeface="Helvetica" charset="0"/>
                 <a:cs typeface="Helvetica" charset="0"/>
               </a:rPr>
-              <a:t>) </a:t>
-            </a:r>
-            <a:r>
-              <a:rPr lang="mr-IN" dirty="0" smtClean="0">
-                <a:solidFill>
-                  <a:schemeClr val="tx1"/>
-                </a:solidFill>
-                <a:latin typeface="Helvetica" charset="0"/>
-                <a:ea typeface="Helvetica" charset="0"/>
-                <a:cs typeface="Helvetica" charset="0"/>
-              </a:rPr>
-              <a:t>–</a:t>
-            </a:r>
-            <a:r>
-              <a:rPr lang="en-US" dirty="0" smtClean="0">
-                <a:solidFill>
-                  <a:schemeClr val="tx1"/>
-                </a:solidFill>
-                <a:latin typeface="Helvetica" charset="0"/>
-                <a:ea typeface="Helvetica" charset="0"/>
-                <a:cs typeface="Helvetica" charset="0"/>
-              </a:rPr>
-              <a:t> </a:t>
-            </a:r>
-            <a:r>
-              <a:rPr lang="en-US" dirty="0" err="1" smtClean="0">
-                <a:solidFill>
-                  <a:schemeClr val="tx1"/>
-                </a:solidFill>
-                <a:latin typeface="Helvetica" charset="0"/>
-                <a:ea typeface="Helvetica" charset="0"/>
-                <a:cs typeface="Helvetica" charset="0"/>
-              </a:rPr>
-              <a:t>controlado</a:t>
-            </a:r>
-            <a:r>
-              <a:rPr lang="en-US" dirty="0" smtClean="0">
-                <a:solidFill>
-                  <a:schemeClr val="tx1"/>
-                </a:solidFill>
-                <a:latin typeface="Helvetica" charset="0"/>
-                <a:ea typeface="Helvetica" charset="0"/>
-                <a:cs typeface="Helvetica" charset="0"/>
-              </a:rPr>
-              <a:t> de forma </a:t>
-            </a:r>
-            <a:r>
-              <a:rPr lang="en-US" dirty="0" err="1" smtClean="0">
-                <a:solidFill>
-                  <a:schemeClr val="tx1"/>
-                </a:solidFill>
-                <a:latin typeface="Helvetica" charset="0"/>
-                <a:ea typeface="Helvetica" charset="0"/>
-                <a:cs typeface="Helvetica" charset="0"/>
-              </a:rPr>
-              <a:t>semelhante</a:t>
-            </a:r>
-            <a:r>
-              <a:rPr lang="en-US" dirty="0" smtClean="0">
-                <a:solidFill>
-                  <a:schemeClr val="tx1"/>
-                </a:solidFill>
-                <a:latin typeface="Helvetica" charset="0"/>
-                <a:ea typeface="Helvetica" charset="0"/>
-                <a:cs typeface="Helvetica" charset="0"/>
-              </a:rPr>
-              <a:t> a </a:t>
-            </a:r>
-            <a:r>
-              <a:rPr lang="en-US" i="1" dirty="0" smtClean="0">
-                <a:solidFill>
-                  <a:schemeClr val="tx1"/>
-                </a:solidFill>
-                <a:latin typeface="Helvetica" charset="0"/>
-                <a:ea typeface="Helvetica" charset="0"/>
-                <a:cs typeface="Helvetica" charset="0"/>
-              </a:rPr>
-              <a:t>p</a:t>
-            </a:r>
-            <a:r>
-              <a:rPr lang="en-US" i="1" baseline="-25000" dirty="0" smtClean="0">
-                <a:solidFill>
-                  <a:schemeClr val="tx1"/>
-                </a:solidFill>
-                <a:latin typeface="Helvetica" charset="0"/>
-                <a:ea typeface="Helvetica" charset="0"/>
-                <a:cs typeface="Helvetica" charset="0"/>
-              </a:rPr>
-              <a:t>m</a:t>
-            </a:r>
+              <a:t>)</a:t>
+            </a:r>
+            <a:endParaRPr lang="en-US" i="1" baseline="-25000" dirty="0" smtClean="0">
+              <a:solidFill>
+                <a:schemeClr val="tx1"/>
+              </a:solidFill>
+              <a:latin typeface="Helvetica" charset="0"/>
+              <a:ea typeface="Helvetica" charset="0"/>
+              <a:cs typeface="Helvetica" charset="0"/>
+            </a:endParaRPr>
           </a:p>
         </p:txBody>
       </p:sp>

--- a/presentations/TG2_Apresentacao_Cassio.pptx
+++ b/presentations/TG2_Apresentacao_Cassio.pptx
@@ -5,7 +5,7 @@
     <p:sldMasterId id="2147484198" r:id="rId1"/>
   </p:sldMasterIdLst>
   <p:notesMasterIdLst>
-    <p:notesMasterId r:id="rId32"/>
+    <p:notesMasterId r:id="rId34"/>
   </p:notesMasterIdLst>
   <p:sldIdLst>
     <p:sldId id="256" r:id="rId2"/>
@@ -35,9 +35,11 @@
     <p:sldId id="294" r:id="rId26"/>
     <p:sldId id="295" r:id="rId27"/>
     <p:sldId id="291" r:id="rId28"/>
-    <p:sldId id="269" r:id="rId29"/>
-    <p:sldId id="271" r:id="rId30"/>
-    <p:sldId id="289" r:id="rId31"/>
+    <p:sldId id="298" r:id="rId29"/>
+    <p:sldId id="299" r:id="rId30"/>
+    <p:sldId id="269" r:id="rId31"/>
+    <p:sldId id="271" r:id="rId32"/>
+    <p:sldId id="289" r:id="rId33"/>
   </p:sldIdLst>
   <p:sldSz cx="12192000" cy="6858000"/>
   <p:notesSz cx="6858000" cy="9144000"/>
@@ -1829,6 +1831,174 @@
     <p:extLst>
       <p:ext uri="{BB962C8B-B14F-4D97-AF65-F5344CB8AC3E}">
         <p14:creationId xmlns:p14="http://schemas.microsoft.com/office/powerpoint/2010/main" val="2072068894"/>
+      </p:ext>
+    </p:extLst>
+  </p:cSld>
+  <p:clrMapOvr>
+    <a:masterClrMapping/>
+  </p:clrMapOvr>
+</p:notes>
+</file>
+
+<file path=ppt/notesSlides/notesSlide24.xml><?xml version="1.0" encoding="utf-8"?>
+<p:notes xmlns:a="http://schemas.openxmlformats.org/drawingml/2006/main" xmlns:r="http://schemas.openxmlformats.org/officeDocument/2006/relationships" xmlns:p="http://schemas.openxmlformats.org/presentationml/2006/main">
+  <p:cSld>
+    <p:spTree>
+      <p:nvGrpSpPr>
+        <p:cNvPr id="1" name=""/>
+        <p:cNvGrpSpPr/>
+        <p:nvPr/>
+      </p:nvGrpSpPr>
+      <p:grpSpPr>
+        <a:xfrm>
+          <a:off x="0" y="0"/>
+          <a:ext cx="0" cy="0"/>
+          <a:chOff x="0" y="0"/>
+          <a:chExt cx="0" cy="0"/>
+        </a:xfrm>
+      </p:grpSpPr>
+      <p:sp>
+        <p:nvSpPr>
+          <p:cNvPr id="2" name="Slide Image Placeholder 1"/>
+          <p:cNvSpPr>
+            <a:spLocks noGrp="1" noRot="1" noChangeAspect="1"/>
+          </p:cNvSpPr>
+          <p:nvPr>
+            <p:ph type="sldImg"/>
+          </p:nvPr>
+        </p:nvSpPr>
+        <p:spPr/>
+      </p:sp>
+      <p:sp>
+        <p:nvSpPr>
+          <p:cNvPr id="3" name="Notes Placeholder 2"/>
+          <p:cNvSpPr>
+            <a:spLocks noGrp="1"/>
+          </p:cNvSpPr>
+          <p:nvPr>
+            <p:ph type="body" idx="1"/>
+          </p:nvPr>
+        </p:nvSpPr>
+        <p:spPr/>
+        <p:txBody>
+          <a:bodyPr/>
+          <a:lstStyle/>
+          <a:p>
+            <a:endParaRPr lang="en-US"/>
+          </a:p>
+        </p:txBody>
+      </p:sp>
+      <p:sp>
+        <p:nvSpPr>
+          <p:cNvPr id="4" name="Slide Number Placeholder 3"/>
+          <p:cNvSpPr>
+            <a:spLocks noGrp="1"/>
+          </p:cNvSpPr>
+          <p:nvPr>
+            <p:ph type="sldNum" sz="quarter" idx="10"/>
+          </p:nvPr>
+        </p:nvSpPr>
+        <p:spPr/>
+        <p:txBody>
+          <a:bodyPr/>
+          <a:lstStyle/>
+          <a:p>
+            <a:fld id="{728E3497-A358-B14F-AE0E-969A2D296615}" type="slidenum">
+              <a:rPr lang="en-US" smtClean="0"/>
+              <a:t>27</a:t>
+            </a:fld>
+            <a:endParaRPr lang="en-US"/>
+          </a:p>
+        </p:txBody>
+      </p:sp>
+    </p:spTree>
+    <p:extLst>
+      <p:ext uri="{BB962C8B-B14F-4D97-AF65-F5344CB8AC3E}">
+        <p14:creationId xmlns:p14="http://schemas.microsoft.com/office/powerpoint/2010/main" val="1831207497"/>
+      </p:ext>
+    </p:extLst>
+  </p:cSld>
+  <p:clrMapOvr>
+    <a:masterClrMapping/>
+  </p:clrMapOvr>
+</p:notes>
+</file>
+
+<file path=ppt/notesSlides/notesSlide25.xml><?xml version="1.0" encoding="utf-8"?>
+<p:notes xmlns:a="http://schemas.openxmlformats.org/drawingml/2006/main" xmlns:r="http://schemas.openxmlformats.org/officeDocument/2006/relationships" xmlns:p="http://schemas.openxmlformats.org/presentationml/2006/main">
+  <p:cSld>
+    <p:spTree>
+      <p:nvGrpSpPr>
+        <p:cNvPr id="1" name=""/>
+        <p:cNvGrpSpPr/>
+        <p:nvPr/>
+      </p:nvGrpSpPr>
+      <p:grpSpPr>
+        <a:xfrm>
+          <a:off x="0" y="0"/>
+          <a:ext cx="0" cy="0"/>
+          <a:chOff x="0" y="0"/>
+          <a:chExt cx="0" cy="0"/>
+        </a:xfrm>
+      </p:grpSpPr>
+      <p:sp>
+        <p:nvSpPr>
+          <p:cNvPr id="2" name="Slide Image Placeholder 1"/>
+          <p:cNvSpPr>
+            <a:spLocks noGrp="1" noRot="1" noChangeAspect="1"/>
+          </p:cNvSpPr>
+          <p:nvPr>
+            <p:ph type="sldImg"/>
+          </p:nvPr>
+        </p:nvSpPr>
+        <p:spPr/>
+      </p:sp>
+      <p:sp>
+        <p:nvSpPr>
+          <p:cNvPr id="3" name="Notes Placeholder 2"/>
+          <p:cNvSpPr>
+            <a:spLocks noGrp="1"/>
+          </p:cNvSpPr>
+          <p:nvPr>
+            <p:ph type="body" idx="1"/>
+          </p:nvPr>
+        </p:nvSpPr>
+        <p:spPr/>
+        <p:txBody>
+          <a:bodyPr/>
+          <a:lstStyle/>
+          <a:p>
+            <a:endParaRPr lang="en-US"/>
+          </a:p>
+        </p:txBody>
+      </p:sp>
+      <p:sp>
+        <p:nvSpPr>
+          <p:cNvPr id="4" name="Slide Number Placeholder 3"/>
+          <p:cNvSpPr>
+            <a:spLocks noGrp="1"/>
+          </p:cNvSpPr>
+          <p:nvPr>
+            <p:ph type="sldNum" sz="quarter" idx="10"/>
+          </p:nvPr>
+        </p:nvSpPr>
+        <p:spPr/>
+        <p:txBody>
+          <a:bodyPr/>
+          <a:lstStyle/>
+          <a:p>
+            <a:fld id="{728E3497-A358-B14F-AE0E-969A2D296615}" type="slidenum">
+              <a:rPr lang="en-US" smtClean="0"/>
+              <a:t>28</a:t>
+            </a:fld>
+            <a:endParaRPr lang="en-US"/>
+          </a:p>
+        </p:txBody>
+      </p:sp>
+    </p:spTree>
+    <p:extLst>
+      <p:ext uri="{BB962C8B-B14F-4D97-AF65-F5344CB8AC3E}">
+        <p14:creationId xmlns:p14="http://schemas.microsoft.com/office/powerpoint/2010/main" val="651020841"/>
       </p:ext>
     </p:extLst>
   </p:cSld>
@@ -24687,7 +24857,7 @@
               <a:t> </a:t>
             </a:r>
             <a:r>
-              <a:rPr lang="en-US" smtClean="0">
+              <a:rPr lang="en-US" dirty="0" err="1" smtClean="0">
                 <a:solidFill>
                   <a:schemeClr val="tx1"/>
                 </a:solidFill>
@@ -28294,9 +28464,25 @@
                 <a:ea typeface="Helvetica" charset="0"/>
                 <a:cs typeface="Helvetica" charset="0"/>
               </a:rPr>
-              <a:t>Referências</a:t>
-            </a:r>
-            <a:endParaRPr lang="en-US" b="1" dirty="0">
+              <a:t>Conclus</a:t>
+            </a:r>
+            <a:r>
+              <a:rPr lang="en-US" b="1" dirty="0" smtClean="0">
+                <a:latin typeface="Helvetica" charset="0"/>
+                <a:ea typeface="Helvetica" charset="0"/>
+                <a:cs typeface="Helvetica" charset="0"/>
+              </a:rPr>
+              <a:t>	</a:t>
+            </a:r>
+            <a:r>
+              <a:rPr lang="en-US" b="1" dirty="0" err="1" smtClean="0">
+                <a:latin typeface="Helvetica" charset="0"/>
+                <a:ea typeface="Helvetica" charset="0"/>
+                <a:cs typeface="Helvetica" charset="0"/>
+              </a:rPr>
+              <a:t>ões</a:t>
+            </a:r>
+            <a:endParaRPr lang="en-US" sz="2800" b="1" dirty="0">
               <a:latin typeface="Helvetica" charset="0"/>
               <a:ea typeface="Helvetica" charset="0"/>
               <a:cs typeface="Helvetica" charset="0"/>
@@ -28317,7 +28503,7 @@
         <p:spPr>
           <a:xfrm>
             <a:off x="1154954" y="2603500"/>
-            <a:ext cx="10035785" cy="4102100"/>
+            <a:ext cx="9647158" cy="4126484"/>
           </a:xfrm>
         </p:spPr>
         <p:txBody>
@@ -28327,149 +28513,6 @@
           <a:lstStyle/>
           <a:p>
             <a:r>
-              <a:rPr lang="en-US" dirty="0" smtClean="0">
-                <a:solidFill>
-                  <a:schemeClr val="tx1"/>
-                </a:solidFill>
-                <a:latin typeface="Helvetica" charset="0"/>
-                <a:ea typeface="Helvetica" charset="0"/>
-                <a:cs typeface="Helvetica" charset="0"/>
-              </a:rPr>
-              <a:t>[1] </a:t>
-            </a:r>
-            <a:r>
-              <a:rPr lang="en-US" dirty="0">
-                <a:solidFill>
-                  <a:schemeClr val="tx1"/>
-                </a:solidFill>
-                <a:latin typeface="Helvetica" charset="0"/>
-                <a:ea typeface="Helvetica" charset="0"/>
-                <a:cs typeface="Helvetica" charset="0"/>
-              </a:rPr>
-              <a:t>A. E. </a:t>
-            </a:r>
-            <a:r>
-              <a:rPr lang="en-US" dirty="0" err="1" smtClean="0">
-                <a:solidFill>
-                  <a:schemeClr val="tx1"/>
-                </a:solidFill>
-                <a:latin typeface="Helvetica" charset="0"/>
-                <a:ea typeface="Helvetica" charset="0"/>
-                <a:cs typeface="Helvetica" charset="0"/>
-              </a:rPr>
-              <a:t>Eiben</a:t>
-            </a:r>
-            <a:r>
-              <a:rPr lang="en-US" dirty="0" smtClean="0">
-                <a:solidFill>
-                  <a:schemeClr val="tx1"/>
-                </a:solidFill>
-                <a:latin typeface="Helvetica" charset="0"/>
-                <a:ea typeface="Helvetica" charset="0"/>
-                <a:cs typeface="Helvetica" charset="0"/>
-              </a:rPr>
-              <a:t>, J</a:t>
-            </a:r>
-            <a:r>
-              <a:rPr lang="en-US" dirty="0">
-                <a:solidFill>
-                  <a:schemeClr val="tx1"/>
-                </a:solidFill>
-                <a:latin typeface="Helvetica" charset="0"/>
-                <a:ea typeface="Helvetica" charset="0"/>
-                <a:cs typeface="Helvetica" charset="0"/>
-              </a:rPr>
-              <a:t>. E. Smith. </a:t>
-            </a:r>
-            <a:r>
-              <a:rPr lang="en-US" dirty="0" smtClean="0">
-                <a:solidFill>
-                  <a:schemeClr val="tx1"/>
-                </a:solidFill>
-                <a:latin typeface="Helvetica" charset="0"/>
-                <a:ea typeface="Helvetica" charset="0"/>
-                <a:cs typeface="Helvetica" charset="0"/>
-              </a:rPr>
-              <a:t>“</a:t>
-            </a:r>
-            <a:r>
-              <a:rPr lang="en-US" i="1" dirty="0" smtClean="0">
-                <a:solidFill>
-                  <a:schemeClr val="tx1"/>
-                </a:solidFill>
-                <a:latin typeface="Helvetica" charset="0"/>
-                <a:ea typeface="Helvetica" charset="0"/>
-                <a:cs typeface="Helvetica" charset="0"/>
-              </a:rPr>
-              <a:t>Introduction </a:t>
-            </a:r>
-            <a:r>
-              <a:rPr lang="en-US" i="1" dirty="0">
-                <a:solidFill>
-                  <a:schemeClr val="tx1"/>
-                </a:solidFill>
-                <a:latin typeface="Helvetica" charset="0"/>
-                <a:ea typeface="Helvetica" charset="0"/>
-                <a:cs typeface="Helvetica" charset="0"/>
-              </a:rPr>
-              <a:t>To Evolutionary </a:t>
-            </a:r>
-            <a:r>
-              <a:rPr lang="en-US" i="1" dirty="0" smtClean="0">
-                <a:solidFill>
-                  <a:schemeClr val="tx1"/>
-                </a:solidFill>
-                <a:latin typeface="Helvetica" charset="0"/>
-                <a:ea typeface="Helvetica" charset="0"/>
-                <a:cs typeface="Helvetica" charset="0"/>
-              </a:rPr>
-              <a:t>Computing”</a:t>
-            </a:r>
-            <a:r>
-              <a:rPr lang="en-US" dirty="0" smtClean="0">
-                <a:solidFill>
-                  <a:schemeClr val="tx1"/>
-                </a:solidFill>
-                <a:latin typeface="Helvetica" charset="0"/>
-                <a:ea typeface="Helvetica" charset="0"/>
-                <a:cs typeface="Helvetica" charset="0"/>
-              </a:rPr>
-              <a:t>. </a:t>
-            </a:r>
-            <a:r>
-              <a:rPr lang="en-US" dirty="0">
-                <a:solidFill>
-                  <a:schemeClr val="tx1"/>
-                </a:solidFill>
-                <a:latin typeface="Helvetica" charset="0"/>
-                <a:ea typeface="Helvetica" charset="0"/>
-                <a:cs typeface="Helvetica" charset="0"/>
-              </a:rPr>
-              <a:t>V</a:t>
-            </a:r>
-            <a:r>
-              <a:rPr lang="en-US" dirty="0" smtClean="0">
-                <a:solidFill>
-                  <a:schemeClr val="tx1"/>
-                </a:solidFill>
-                <a:latin typeface="Helvetica" charset="0"/>
-                <a:ea typeface="Helvetica" charset="0"/>
-                <a:cs typeface="Helvetica" charset="0"/>
-              </a:rPr>
-              <a:t>olume 53. </a:t>
-            </a:r>
-            <a:r>
-              <a:rPr lang="en-US" dirty="0">
-                <a:solidFill>
-                  <a:schemeClr val="tx1"/>
-                </a:solidFill>
-                <a:latin typeface="Helvetica" charset="0"/>
-                <a:ea typeface="Helvetica" charset="0"/>
-                <a:cs typeface="Helvetica" charset="0"/>
-              </a:rPr>
-              <a:t>Springer-</a:t>
-            </a:r>
-            <a:r>
               <a:rPr lang="en-US" dirty="0" err="1">
                 <a:solidFill>
                   <a:schemeClr val="tx1"/>
@@ -28478,20 +28521,42 @@
                 <a:ea typeface="Helvetica" charset="0"/>
                 <a:cs typeface="Helvetica" charset="0"/>
               </a:rPr>
-              <a:t>Verlag</a:t>
-            </a:r>
-            <a:r>
-              <a:rPr lang="en-US" dirty="0">
-                <a:solidFill>
-                  <a:schemeClr val="tx1"/>
-                </a:solidFill>
-                <a:latin typeface="Helvetica" charset="0"/>
-                <a:ea typeface="Helvetica" charset="0"/>
-                <a:cs typeface="Helvetica" charset="0"/>
-              </a:rPr>
-              <a:t>, 2003. </a:t>
-            </a:r>
-            <a:endParaRPr lang="en-US" dirty="0" smtClean="0">
+              <a:t>T</a:t>
+            </a:r>
+            <a:r>
+              <a:rPr lang="en-US" dirty="0" err="1" smtClean="0">
+                <a:solidFill>
+                  <a:schemeClr val="tx1"/>
+                </a:solidFill>
+                <a:latin typeface="Helvetica" charset="0"/>
+                <a:ea typeface="Helvetica" charset="0"/>
+                <a:cs typeface="Helvetica" charset="0"/>
+              </a:rPr>
+              <a:t>exto</a:t>
+            </a:r>
+            <a:r>
+              <a:rPr lang="en-US" dirty="0" smtClean="0">
+                <a:solidFill>
+                  <a:schemeClr val="tx1"/>
+                </a:solidFill>
+                <a:latin typeface="Helvetica" charset="0"/>
+                <a:ea typeface="Helvetica" charset="0"/>
+                <a:cs typeface="Helvetica" charset="0"/>
+              </a:rPr>
+              <a:t> </a:t>
+            </a:r>
+            <a:r>
+              <a:rPr lang="en-US" dirty="0" err="1" smtClean="0">
+                <a:solidFill>
+                  <a:schemeClr val="tx1"/>
+                </a:solidFill>
+                <a:latin typeface="Helvetica" charset="0"/>
+                <a:ea typeface="Helvetica" charset="0"/>
+                <a:cs typeface="Helvetica" charset="0"/>
+              </a:rPr>
+              <a:t>aqui</a:t>
+            </a:r>
+            <a:endParaRPr lang="en-US" i="1" baseline="-25000" dirty="0" smtClean="0">
               <a:solidFill>
                 <a:schemeClr val="tx1"/>
               </a:solidFill>
@@ -28499,643 +28564,6 @@
               <a:ea typeface="Helvetica" charset="0"/>
               <a:cs typeface="Helvetica" charset="0"/>
             </a:endParaRPr>
-          </a:p>
-          <a:p>
-            <a:r>
-              <a:rPr lang="en-US" dirty="0" smtClean="0">
-                <a:solidFill>
-                  <a:schemeClr val="tx1"/>
-                </a:solidFill>
-                <a:latin typeface="Helvetica" charset="0"/>
-                <a:ea typeface="Helvetica" charset="0"/>
-                <a:cs typeface="Helvetica" charset="0"/>
-              </a:rPr>
-              <a:t>[2] A</a:t>
-            </a:r>
-            <a:r>
-              <a:rPr lang="en-US" dirty="0">
-                <a:solidFill>
-                  <a:schemeClr val="tx1"/>
-                </a:solidFill>
-                <a:latin typeface="Helvetica" charset="0"/>
-                <a:ea typeface="Helvetica" charset="0"/>
-                <a:cs typeface="Helvetica" charset="0"/>
-              </a:rPr>
-              <a:t>. E. </a:t>
-            </a:r>
-            <a:r>
-              <a:rPr lang="en-US" dirty="0" err="1" smtClean="0">
-                <a:solidFill>
-                  <a:schemeClr val="tx1"/>
-                </a:solidFill>
-                <a:latin typeface="Helvetica" charset="0"/>
-                <a:ea typeface="Helvetica" charset="0"/>
-                <a:cs typeface="Helvetica" charset="0"/>
-              </a:rPr>
-              <a:t>Eiben</a:t>
-            </a:r>
-            <a:r>
-              <a:rPr lang="en-US" dirty="0" smtClean="0">
-                <a:solidFill>
-                  <a:schemeClr val="tx1"/>
-                </a:solidFill>
-                <a:latin typeface="Helvetica" charset="0"/>
-                <a:ea typeface="Helvetica" charset="0"/>
-                <a:cs typeface="Helvetica" charset="0"/>
-              </a:rPr>
-              <a:t>, S</a:t>
-            </a:r>
-            <a:r>
-              <a:rPr lang="en-US" dirty="0">
-                <a:solidFill>
-                  <a:schemeClr val="tx1"/>
-                </a:solidFill>
-                <a:latin typeface="Helvetica" charset="0"/>
-                <a:ea typeface="Helvetica" charset="0"/>
-                <a:cs typeface="Helvetica" charset="0"/>
-              </a:rPr>
-              <a:t>. K. </a:t>
-            </a:r>
-            <a:r>
-              <a:rPr lang="en-US" dirty="0" err="1">
-                <a:solidFill>
-                  <a:schemeClr val="tx1"/>
-                </a:solidFill>
-                <a:latin typeface="Helvetica" charset="0"/>
-                <a:ea typeface="Helvetica" charset="0"/>
-                <a:cs typeface="Helvetica" charset="0"/>
-              </a:rPr>
-              <a:t>Smit</a:t>
-            </a:r>
-            <a:r>
-              <a:rPr lang="en-US" dirty="0">
-                <a:solidFill>
-                  <a:schemeClr val="tx1"/>
-                </a:solidFill>
-                <a:latin typeface="Helvetica" charset="0"/>
-                <a:ea typeface="Helvetica" charset="0"/>
-                <a:cs typeface="Helvetica" charset="0"/>
-              </a:rPr>
-              <a:t>. </a:t>
-            </a:r>
-            <a:r>
-              <a:rPr lang="en-US" dirty="0" smtClean="0">
-                <a:solidFill>
-                  <a:schemeClr val="tx1"/>
-                </a:solidFill>
-                <a:latin typeface="Helvetica" charset="0"/>
-                <a:ea typeface="Helvetica" charset="0"/>
-                <a:cs typeface="Helvetica" charset="0"/>
-              </a:rPr>
-              <a:t>“Parameter </a:t>
-            </a:r>
-            <a:r>
-              <a:rPr lang="en-US" dirty="0">
-                <a:solidFill>
-                  <a:schemeClr val="tx1"/>
-                </a:solidFill>
-                <a:latin typeface="Helvetica" charset="0"/>
-                <a:ea typeface="Helvetica" charset="0"/>
-                <a:cs typeface="Helvetica" charset="0"/>
-              </a:rPr>
-              <a:t>tuning for configuring and analyzing evolutionary </a:t>
-            </a:r>
-            <a:r>
-              <a:rPr lang="en-US" dirty="0" smtClean="0">
-                <a:solidFill>
-                  <a:schemeClr val="tx1"/>
-                </a:solidFill>
-                <a:latin typeface="Helvetica" charset="0"/>
-                <a:ea typeface="Helvetica" charset="0"/>
-                <a:cs typeface="Helvetica" charset="0"/>
-              </a:rPr>
-              <a:t>algorithms”. </a:t>
-            </a:r>
-            <a:r>
-              <a:rPr lang="en-US" i="1" dirty="0">
-                <a:solidFill>
-                  <a:schemeClr val="tx1"/>
-                </a:solidFill>
-                <a:latin typeface="Helvetica" charset="0"/>
-                <a:ea typeface="Helvetica" charset="0"/>
-                <a:cs typeface="Helvetica" charset="0"/>
-              </a:rPr>
-              <a:t>Swarm and Evolutionary Computation</a:t>
-            </a:r>
-            <a:r>
-              <a:rPr lang="en-US" dirty="0">
-                <a:solidFill>
-                  <a:schemeClr val="tx1"/>
-                </a:solidFill>
-                <a:latin typeface="Helvetica" charset="0"/>
-                <a:ea typeface="Helvetica" charset="0"/>
-                <a:cs typeface="Helvetica" charset="0"/>
-              </a:rPr>
-              <a:t>, 1(1):19–31, 2011</a:t>
-            </a:r>
-            <a:r>
-              <a:rPr lang="en-US" dirty="0" smtClean="0">
-                <a:solidFill>
-                  <a:schemeClr val="tx1"/>
-                </a:solidFill>
-                <a:latin typeface="Helvetica" charset="0"/>
-                <a:ea typeface="Helvetica" charset="0"/>
-                <a:cs typeface="Helvetica" charset="0"/>
-              </a:rPr>
-              <a:t>.</a:t>
-            </a:r>
-          </a:p>
-          <a:p>
-            <a:r>
-              <a:rPr lang="en-US" dirty="0" smtClean="0">
-                <a:solidFill>
-                  <a:schemeClr val="tx1"/>
-                </a:solidFill>
-                <a:latin typeface="Helvetica" charset="0"/>
-                <a:ea typeface="Helvetica" charset="0"/>
-                <a:cs typeface="Helvetica" charset="0"/>
-              </a:rPr>
-              <a:t>[3] </a:t>
-            </a:r>
-            <a:r>
-              <a:rPr lang="en-US" dirty="0">
-                <a:solidFill>
-                  <a:schemeClr val="tx1"/>
-                </a:solidFill>
-                <a:latin typeface="Helvetica" charset="0"/>
-                <a:ea typeface="Helvetica" charset="0"/>
-                <a:cs typeface="Helvetica" charset="0"/>
-              </a:rPr>
-              <a:t>K. Matthias, T. </a:t>
-            </a:r>
-            <a:r>
-              <a:rPr lang="en-US" dirty="0" err="1">
-                <a:solidFill>
-                  <a:schemeClr val="tx1"/>
-                </a:solidFill>
-                <a:latin typeface="Helvetica" charset="0"/>
-                <a:ea typeface="Helvetica" charset="0"/>
-                <a:cs typeface="Helvetica" charset="0"/>
-              </a:rPr>
-              <a:t>Severin</a:t>
-            </a:r>
-            <a:r>
-              <a:rPr lang="en-US" dirty="0">
-                <a:solidFill>
-                  <a:schemeClr val="tx1"/>
-                </a:solidFill>
-                <a:latin typeface="Helvetica" charset="0"/>
-                <a:ea typeface="Helvetica" charset="0"/>
-                <a:cs typeface="Helvetica" charset="0"/>
-              </a:rPr>
-              <a:t>, and H. </a:t>
-            </a:r>
-            <a:r>
-              <a:rPr lang="en-US" dirty="0" err="1">
-                <a:solidFill>
-                  <a:schemeClr val="tx1"/>
-                </a:solidFill>
-                <a:latin typeface="Helvetica" charset="0"/>
-                <a:ea typeface="Helvetica" charset="0"/>
-                <a:cs typeface="Helvetica" charset="0"/>
-              </a:rPr>
-              <a:t>Salzwedel</a:t>
-            </a:r>
-            <a:r>
-              <a:rPr lang="en-US" dirty="0">
-                <a:solidFill>
-                  <a:schemeClr val="tx1"/>
-                </a:solidFill>
-                <a:latin typeface="Helvetica" charset="0"/>
-                <a:ea typeface="Helvetica" charset="0"/>
-                <a:cs typeface="Helvetica" charset="0"/>
-              </a:rPr>
-              <a:t>. </a:t>
-            </a:r>
-            <a:r>
-              <a:rPr lang="en-US" dirty="0" smtClean="0">
-                <a:solidFill>
-                  <a:schemeClr val="tx1"/>
-                </a:solidFill>
-                <a:latin typeface="Helvetica" charset="0"/>
-                <a:ea typeface="Helvetica" charset="0"/>
-                <a:cs typeface="Helvetica" charset="0"/>
-              </a:rPr>
-              <a:t>"Variable </a:t>
-            </a:r>
-            <a:r>
-              <a:rPr lang="en-US" dirty="0">
-                <a:solidFill>
-                  <a:schemeClr val="tx1"/>
-                </a:solidFill>
-                <a:latin typeface="Helvetica" charset="0"/>
-                <a:ea typeface="Helvetica" charset="0"/>
-                <a:cs typeface="Helvetica" charset="0"/>
-              </a:rPr>
-              <a:t>mutation rate at genetic algorithms: introduction of chromosome fitness in connection with multi-chromosome </a:t>
-            </a:r>
-            <a:r>
-              <a:rPr lang="en-US" dirty="0" smtClean="0">
-                <a:solidFill>
-                  <a:schemeClr val="tx1"/>
-                </a:solidFill>
-                <a:latin typeface="Helvetica" charset="0"/>
-                <a:ea typeface="Helvetica" charset="0"/>
-                <a:cs typeface="Helvetica" charset="0"/>
-              </a:rPr>
-              <a:t>representation". </a:t>
-            </a:r>
-            <a:r>
-              <a:rPr lang="en-US" i="1" dirty="0">
-                <a:solidFill>
-                  <a:schemeClr val="tx1"/>
-                </a:solidFill>
-                <a:latin typeface="Helvetica" charset="0"/>
-                <a:ea typeface="Helvetica" charset="0"/>
-                <a:cs typeface="Helvetica" charset="0"/>
-              </a:rPr>
-              <a:t>International Journal of Computer Applications</a:t>
-            </a:r>
-            <a:r>
-              <a:rPr lang="en-US" dirty="0">
-                <a:solidFill>
-                  <a:schemeClr val="tx1"/>
-                </a:solidFill>
-                <a:latin typeface="Helvetica" charset="0"/>
-                <a:ea typeface="Helvetica" charset="0"/>
-                <a:cs typeface="Helvetica" charset="0"/>
-              </a:rPr>
-              <a:t>, 72(17), 2013. </a:t>
-            </a:r>
-            <a:endParaRPr lang="en-US" dirty="0" smtClean="0">
-              <a:solidFill>
-                <a:schemeClr val="tx1"/>
-              </a:solidFill>
-              <a:latin typeface="Helvetica" charset="0"/>
-              <a:ea typeface="Helvetica" charset="0"/>
-              <a:cs typeface="Helvetica" charset="0"/>
-            </a:endParaRPr>
-          </a:p>
-          <a:p>
-            <a:r>
-              <a:rPr lang="en-US" dirty="0" smtClean="0">
-                <a:solidFill>
-                  <a:schemeClr val="tx1"/>
-                </a:solidFill>
-                <a:latin typeface="Helvetica" charset="0"/>
-                <a:ea typeface="Helvetica" charset="0"/>
-                <a:cs typeface="Helvetica" charset="0"/>
-              </a:rPr>
-              <a:t>[4] </a:t>
-            </a:r>
-            <a:r>
-              <a:rPr lang="en-US" dirty="0">
-                <a:solidFill>
-                  <a:schemeClr val="tx1"/>
-                </a:solidFill>
-                <a:latin typeface="Helvetica" charset="0"/>
-                <a:ea typeface="Helvetica" charset="0"/>
-                <a:cs typeface="Helvetica" charset="0"/>
-              </a:rPr>
-              <a:t>M. </a:t>
-            </a:r>
-            <a:r>
-              <a:rPr lang="en-US" dirty="0" err="1">
-                <a:solidFill>
-                  <a:schemeClr val="tx1"/>
-                </a:solidFill>
-                <a:latin typeface="Helvetica" charset="0"/>
-                <a:ea typeface="Helvetica" charset="0"/>
-                <a:cs typeface="Helvetica" charset="0"/>
-              </a:rPr>
-              <a:t>Obitko</a:t>
-            </a:r>
-            <a:r>
-              <a:rPr lang="en-US" dirty="0">
-                <a:solidFill>
-                  <a:schemeClr val="tx1"/>
-                </a:solidFill>
-                <a:latin typeface="Helvetica" charset="0"/>
-                <a:ea typeface="Helvetica" charset="0"/>
-                <a:cs typeface="Helvetica" charset="0"/>
-              </a:rPr>
-              <a:t>. </a:t>
-            </a:r>
-            <a:r>
-              <a:rPr lang="en-US" dirty="0" smtClean="0">
-                <a:solidFill>
-                  <a:schemeClr val="tx1"/>
-                </a:solidFill>
-                <a:latin typeface="Helvetica" charset="0"/>
-                <a:ea typeface="Helvetica" charset="0"/>
-                <a:cs typeface="Helvetica" charset="0"/>
-              </a:rPr>
-              <a:t>"Introduction </a:t>
-            </a:r>
-            <a:r>
-              <a:rPr lang="en-US" dirty="0">
-                <a:solidFill>
-                  <a:schemeClr val="tx1"/>
-                </a:solidFill>
-                <a:latin typeface="Helvetica" charset="0"/>
-                <a:ea typeface="Helvetica" charset="0"/>
-                <a:cs typeface="Helvetica" charset="0"/>
-              </a:rPr>
-              <a:t>to genetic algorithms - </a:t>
-            </a:r>
-            <a:r>
-              <a:rPr lang="en-US" dirty="0" smtClean="0">
-                <a:solidFill>
-                  <a:schemeClr val="tx1"/>
-                </a:solidFill>
-                <a:latin typeface="Helvetica" charset="0"/>
-                <a:ea typeface="Helvetica" charset="0"/>
-                <a:cs typeface="Helvetica" charset="0"/>
-              </a:rPr>
-              <a:t>XIII. Recommendations". </a:t>
-            </a:r>
-            <a:r>
-              <a:rPr lang="en-US" dirty="0">
-                <a:solidFill>
-                  <a:srgbClr val="0432FF"/>
-                </a:solidFill>
-                <a:latin typeface="Helvetica" charset="0"/>
-                <a:ea typeface="Helvetica" charset="0"/>
-                <a:cs typeface="Helvetica" charset="0"/>
-                <a:hlinkClick r:id="rId2"/>
-              </a:rPr>
-              <a:t>http://www.obitko.com/tutorials/genetic-algorithms/recommendations.php</a:t>
-            </a:r>
-            <a:r>
-              <a:rPr lang="en-US" dirty="0" smtClean="0">
-                <a:solidFill>
-                  <a:srgbClr val="0432FF"/>
-                </a:solidFill>
-                <a:latin typeface="Helvetica" charset="0"/>
-                <a:ea typeface="Helvetica" charset="0"/>
-                <a:cs typeface="Helvetica" charset="0"/>
-                <a:hlinkClick r:id="rId2"/>
-              </a:rPr>
-              <a:t>/</a:t>
-            </a:r>
-            <a:r>
-              <a:rPr lang="en-US" dirty="0" smtClean="0">
-                <a:solidFill>
-                  <a:srgbClr val="0432FF"/>
-                </a:solidFill>
-                <a:latin typeface="Helvetica" charset="0"/>
-                <a:ea typeface="Helvetica" charset="0"/>
-                <a:cs typeface="Helvetica" charset="0"/>
-              </a:rPr>
-              <a:t> </a:t>
-            </a:r>
-            <a:r>
-              <a:rPr lang="en-US" dirty="0" smtClean="0">
-                <a:solidFill>
-                  <a:schemeClr val="tx1"/>
-                </a:solidFill>
-                <a:latin typeface="Helvetica" charset="0"/>
-                <a:ea typeface="Helvetica" charset="0"/>
-                <a:cs typeface="Helvetica" charset="0"/>
-              </a:rPr>
-              <a:t>[</a:t>
-            </a:r>
-            <a:r>
-              <a:rPr lang="en-US" dirty="0">
-                <a:solidFill>
-                  <a:schemeClr val="tx1"/>
-                </a:solidFill>
-                <a:latin typeface="Helvetica" charset="0"/>
-                <a:ea typeface="Helvetica" charset="0"/>
-                <a:cs typeface="Helvetica" charset="0"/>
-              </a:rPr>
-              <a:t>Online; </a:t>
-            </a:r>
-            <a:r>
-              <a:rPr lang="en-US" dirty="0" err="1">
-                <a:solidFill>
-                  <a:schemeClr val="tx1"/>
-                </a:solidFill>
-                <a:latin typeface="Helvetica" charset="0"/>
-                <a:ea typeface="Helvetica" charset="0"/>
-                <a:cs typeface="Helvetica" charset="0"/>
-              </a:rPr>
-              <a:t>acessado</a:t>
-            </a:r>
-            <a:r>
-              <a:rPr lang="en-US" dirty="0">
-                <a:solidFill>
-                  <a:schemeClr val="tx1"/>
-                </a:solidFill>
-                <a:latin typeface="Helvetica" charset="0"/>
-                <a:ea typeface="Helvetica" charset="0"/>
-                <a:cs typeface="Helvetica" charset="0"/>
-              </a:rPr>
-              <a:t> </a:t>
-            </a:r>
-            <a:r>
-              <a:rPr lang="en-US" dirty="0" err="1">
-                <a:solidFill>
-                  <a:schemeClr val="tx1"/>
-                </a:solidFill>
-                <a:latin typeface="Helvetica" charset="0"/>
-                <a:ea typeface="Helvetica" charset="0"/>
-                <a:cs typeface="Helvetica" charset="0"/>
-              </a:rPr>
-              <a:t>em</a:t>
-            </a:r>
-            <a:r>
-              <a:rPr lang="en-US" dirty="0">
-                <a:solidFill>
-                  <a:schemeClr val="tx1"/>
-                </a:solidFill>
-                <a:latin typeface="Helvetica" charset="0"/>
-                <a:ea typeface="Helvetica" charset="0"/>
-                <a:cs typeface="Helvetica" charset="0"/>
-              </a:rPr>
-              <a:t> 17 de </a:t>
-            </a:r>
-            <a:r>
-              <a:rPr lang="en-US" dirty="0" err="1">
-                <a:solidFill>
-                  <a:schemeClr val="tx1"/>
-                </a:solidFill>
-                <a:latin typeface="Helvetica" charset="0"/>
-                <a:ea typeface="Helvetica" charset="0"/>
-                <a:cs typeface="Helvetica" charset="0"/>
-              </a:rPr>
-              <a:t>novembro</a:t>
-            </a:r>
-            <a:r>
-              <a:rPr lang="en-US" dirty="0">
-                <a:solidFill>
-                  <a:schemeClr val="tx1"/>
-                </a:solidFill>
-                <a:latin typeface="Helvetica" charset="0"/>
-                <a:ea typeface="Helvetica" charset="0"/>
-                <a:cs typeface="Helvetica" charset="0"/>
-              </a:rPr>
-              <a:t> de 2016</a:t>
-            </a:r>
-            <a:r>
-              <a:rPr lang="en-US" dirty="0" smtClean="0">
-                <a:solidFill>
-                  <a:schemeClr val="tx1"/>
-                </a:solidFill>
-                <a:latin typeface="Helvetica" charset="0"/>
-                <a:ea typeface="Helvetica" charset="0"/>
-                <a:cs typeface="Helvetica" charset="0"/>
-              </a:rPr>
-              <a:t>].</a:t>
-            </a:r>
-          </a:p>
-          <a:p>
-            <a:r>
-              <a:rPr lang="en-US" dirty="0" smtClean="0">
-                <a:solidFill>
-                  <a:schemeClr val="tx1"/>
-                </a:solidFill>
-                <a:latin typeface="Helvetica" charset="0"/>
-                <a:ea typeface="Helvetica" charset="0"/>
-                <a:cs typeface="Helvetica" charset="0"/>
-              </a:rPr>
-              <a:t>[5] </a:t>
-            </a:r>
-            <a:r>
-              <a:rPr lang="en-US" dirty="0">
-                <a:solidFill>
-                  <a:schemeClr val="tx1"/>
-                </a:solidFill>
-                <a:latin typeface="Helvetica" charset="0"/>
-                <a:ea typeface="Helvetica" charset="0"/>
-                <a:cs typeface="Helvetica" charset="0"/>
-              </a:rPr>
-              <a:t>K. </a:t>
-            </a:r>
-            <a:r>
-              <a:rPr lang="en-US" dirty="0" err="1">
-                <a:solidFill>
-                  <a:schemeClr val="tx1"/>
-                </a:solidFill>
-                <a:latin typeface="Helvetica" charset="0"/>
-                <a:ea typeface="Helvetica" charset="0"/>
-                <a:cs typeface="Helvetica" charset="0"/>
-              </a:rPr>
-              <a:t>DeJong</a:t>
-            </a:r>
-            <a:r>
-              <a:rPr lang="en-US" dirty="0">
-                <a:solidFill>
-                  <a:schemeClr val="tx1"/>
-                </a:solidFill>
-                <a:latin typeface="Helvetica" charset="0"/>
-                <a:ea typeface="Helvetica" charset="0"/>
-                <a:cs typeface="Helvetica" charset="0"/>
-              </a:rPr>
-              <a:t>. </a:t>
-            </a:r>
-            <a:r>
-              <a:rPr lang="en-US" dirty="0" smtClean="0">
-                <a:solidFill>
-                  <a:schemeClr val="tx1"/>
-                </a:solidFill>
-                <a:latin typeface="Helvetica" charset="0"/>
-                <a:ea typeface="Helvetica" charset="0"/>
-                <a:cs typeface="Helvetica" charset="0"/>
-              </a:rPr>
-              <a:t>“An </a:t>
-            </a:r>
-            <a:r>
-              <a:rPr lang="en-US" dirty="0">
-                <a:solidFill>
-                  <a:schemeClr val="tx1"/>
-                </a:solidFill>
-                <a:latin typeface="Helvetica" charset="0"/>
-                <a:ea typeface="Helvetica" charset="0"/>
-                <a:cs typeface="Helvetica" charset="0"/>
-              </a:rPr>
-              <a:t>analysis of the behavior of a class of genetic adaptive </a:t>
-            </a:r>
-            <a:r>
-              <a:rPr lang="en-US" dirty="0" smtClean="0">
-                <a:solidFill>
-                  <a:schemeClr val="tx1"/>
-                </a:solidFill>
-                <a:latin typeface="Helvetica" charset="0"/>
-                <a:ea typeface="Helvetica" charset="0"/>
-                <a:cs typeface="Helvetica" charset="0"/>
-              </a:rPr>
-              <a:t>systems”. </a:t>
-            </a:r>
-            <a:r>
-              <a:rPr lang="en-US" i="1" dirty="0" smtClean="0">
-                <a:solidFill>
-                  <a:schemeClr val="tx1"/>
-                </a:solidFill>
-                <a:latin typeface="Helvetica" charset="0"/>
-                <a:ea typeface="Helvetica" charset="0"/>
-                <a:cs typeface="Helvetica" charset="0"/>
-              </a:rPr>
-              <a:t>Ph.D</a:t>
-            </a:r>
-            <a:r>
-              <a:rPr lang="en-US" i="1" dirty="0">
-                <a:solidFill>
-                  <a:schemeClr val="tx1"/>
-                </a:solidFill>
-                <a:latin typeface="Helvetica" charset="0"/>
-                <a:ea typeface="Helvetica" charset="0"/>
-                <a:cs typeface="Helvetica" charset="0"/>
-              </a:rPr>
-              <a:t>. </a:t>
-            </a:r>
-            <a:r>
-              <a:rPr lang="en-US" i="1" dirty="0" smtClean="0">
-                <a:solidFill>
-                  <a:schemeClr val="tx1"/>
-                </a:solidFill>
-                <a:latin typeface="Helvetica" charset="0"/>
-                <a:ea typeface="Helvetica" charset="0"/>
-                <a:cs typeface="Helvetica" charset="0"/>
-              </a:rPr>
-              <a:t>Thesis</a:t>
-            </a:r>
-            <a:r>
-              <a:rPr lang="en-US" dirty="0">
-                <a:solidFill>
-                  <a:schemeClr val="tx1"/>
-                </a:solidFill>
-                <a:latin typeface="Helvetica" charset="0"/>
-                <a:ea typeface="Helvetica" charset="0"/>
-                <a:cs typeface="Helvetica" charset="0"/>
-              </a:rPr>
-              <a:t>, University of Michigan, 1975</a:t>
-            </a:r>
-            <a:r>
-              <a:rPr lang="en-US" dirty="0" smtClean="0">
-                <a:solidFill>
-                  <a:schemeClr val="tx1"/>
-                </a:solidFill>
-                <a:latin typeface="Helvetica" charset="0"/>
-                <a:ea typeface="Helvetica" charset="0"/>
-                <a:cs typeface="Helvetica" charset="0"/>
-              </a:rPr>
-              <a:t>.</a:t>
-            </a:r>
-            <a:endParaRPr lang="en-US" dirty="0">
-              <a:solidFill>
-                <a:schemeClr val="tx1"/>
-              </a:solidFill>
-              <a:latin typeface="Helvetica" charset="0"/>
-              <a:ea typeface="Helvetica" charset="0"/>
-              <a:cs typeface="Helvetica" charset="0"/>
-            </a:endParaRPr>
-          </a:p>
-          <a:p>
-            <a:endParaRPr lang="en-US" dirty="0"/>
-          </a:p>
-          <a:p>
-            <a:endParaRPr lang="en-US" dirty="0"/>
           </a:p>
         </p:txBody>
       </p:sp>
@@ -29165,7 +28593,7 @@
     </p:spTree>
     <p:extLst>
       <p:ext uri="{BB962C8B-B14F-4D97-AF65-F5344CB8AC3E}">
-        <p14:creationId xmlns:p14="http://schemas.microsoft.com/office/powerpoint/2010/main" val="530941430"/>
+        <p14:creationId xmlns:p14="http://schemas.microsoft.com/office/powerpoint/2010/main" val="572532751"/>
       </p:ext>
     </p:extLst>
   </p:cSld>
@@ -29220,9 +28648,25 @@
                 <a:ea typeface="Helvetica" charset="0"/>
                 <a:cs typeface="Helvetica" charset="0"/>
               </a:rPr>
-              <a:t>Referências</a:t>
-            </a:r>
-            <a:endParaRPr lang="en-US" b="1" dirty="0">
+              <a:t>Trabalhos</a:t>
+            </a:r>
+            <a:r>
+              <a:rPr lang="en-US" b="1" dirty="0" smtClean="0">
+                <a:latin typeface="Helvetica" charset="0"/>
+                <a:ea typeface="Helvetica" charset="0"/>
+                <a:cs typeface="Helvetica" charset="0"/>
+              </a:rPr>
+              <a:t> </a:t>
+            </a:r>
+            <a:r>
+              <a:rPr lang="en-US" b="1" smtClean="0">
+                <a:latin typeface="Helvetica" charset="0"/>
+                <a:ea typeface="Helvetica" charset="0"/>
+                <a:cs typeface="Helvetica" charset="0"/>
+              </a:rPr>
+              <a:t>Futuros</a:t>
+            </a:r>
+            <a:endParaRPr lang="en-US" sz="2800" b="1" dirty="0">
               <a:latin typeface="Helvetica" charset="0"/>
               <a:ea typeface="Helvetica" charset="0"/>
               <a:cs typeface="Helvetica" charset="0"/>
@@ -29243,47 +28687,16 @@
         <p:spPr>
           <a:xfrm>
             <a:off x="1154954" y="2603500"/>
-            <a:ext cx="10035785" cy="3416300"/>
+            <a:ext cx="9647158" cy="4126484"/>
           </a:xfrm>
         </p:spPr>
         <p:txBody>
-          <a:bodyPr/>
+          <a:bodyPr>
+            <a:normAutofit/>
+          </a:bodyPr>
           <a:lstStyle/>
           <a:p>
             <a:r>
-              <a:rPr lang="en-US" dirty="0">
-                <a:solidFill>
-                  <a:schemeClr val="tx1"/>
-                </a:solidFill>
-                <a:latin typeface="Helvetica" charset="0"/>
-                <a:ea typeface="Helvetica" charset="0"/>
-                <a:cs typeface="Helvetica" charset="0"/>
-              </a:rPr>
-              <a:t>[6] </a:t>
-            </a:r>
-            <a:r>
-              <a:rPr lang="en-US" dirty="0" smtClean="0">
-                <a:solidFill>
-                  <a:schemeClr val="tx1"/>
-                </a:solidFill>
-                <a:latin typeface="Helvetica" charset="0"/>
-                <a:ea typeface="Helvetica" charset="0"/>
-                <a:cs typeface="Helvetica" charset="0"/>
-              </a:rPr>
-              <a:t>P</a:t>
-            </a:r>
-            <a:r>
-              <a:rPr lang="en-US" dirty="0">
-                <a:solidFill>
-                  <a:schemeClr val="tx1"/>
-                </a:solidFill>
-                <a:latin typeface="Helvetica" charset="0"/>
-                <a:ea typeface="Helvetica" charset="0"/>
-                <a:cs typeface="Helvetica" charset="0"/>
-              </a:rPr>
-              <a:t>. </a:t>
-            </a:r>
-            <a:r>
               <a:rPr lang="en-US" dirty="0" err="1">
                 <a:solidFill>
                   <a:schemeClr val="tx1"/>
@@ -29292,198 +28705,42 @@
                 <a:ea typeface="Helvetica" charset="0"/>
                 <a:cs typeface="Helvetica" charset="0"/>
               </a:rPr>
-              <a:t>Giguere</a:t>
-            </a:r>
-            <a:r>
-              <a:rPr lang="en-US" dirty="0">
-                <a:solidFill>
-                  <a:schemeClr val="tx1"/>
-                </a:solidFill>
-                <a:latin typeface="Helvetica" charset="0"/>
-                <a:ea typeface="Helvetica" charset="0"/>
-                <a:cs typeface="Helvetica" charset="0"/>
-              </a:rPr>
-              <a:t> and D. E. Goldberg. “Population sizing for optimum sampling with genetic algorithms: A case study of the </a:t>
-            </a:r>
-            <a:r>
-              <a:rPr lang="en-US" dirty="0" err="1">
-                <a:solidFill>
-                  <a:schemeClr val="tx1"/>
-                </a:solidFill>
-                <a:latin typeface="Helvetica" charset="0"/>
-                <a:ea typeface="Helvetica" charset="0"/>
-                <a:cs typeface="Helvetica" charset="0"/>
-              </a:rPr>
-              <a:t>onemax</a:t>
-            </a:r>
-            <a:r>
-              <a:rPr lang="en-US" dirty="0">
-                <a:solidFill>
-                  <a:schemeClr val="tx1"/>
-                </a:solidFill>
-                <a:latin typeface="Helvetica" charset="0"/>
-                <a:ea typeface="Helvetica" charset="0"/>
-                <a:cs typeface="Helvetica" charset="0"/>
-              </a:rPr>
-              <a:t> problem”. </a:t>
-            </a:r>
-            <a:r>
-              <a:rPr lang="en-US" i="1" dirty="0">
-                <a:solidFill>
-                  <a:schemeClr val="tx1"/>
-                </a:solidFill>
-                <a:latin typeface="Helvetica" charset="0"/>
-                <a:ea typeface="Helvetica" charset="0"/>
-                <a:cs typeface="Helvetica" charset="0"/>
-              </a:rPr>
-              <a:t>Genetic Programming</a:t>
-            </a:r>
-            <a:r>
-              <a:rPr lang="en-US" dirty="0">
-                <a:solidFill>
-                  <a:schemeClr val="tx1"/>
-                </a:solidFill>
-                <a:latin typeface="Helvetica" charset="0"/>
-                <a:ea typeface="Helvetica" charset="0"/>
-                <a:cs typeface="Helvetica" charset="0"/>
-              </a:rPr>
-              <a:t>, 98:496–503, 1998. </a:t>
-            </a:r>
-          </a:p>
-          <a:p>
-            <a:r>
-              <a:rPr lang="en-US" dirty="0" smtClean="0">
-                <a:solidFill>
-                  <a:schemeClr val="tx1"/>
-                </a:solidFill>
-                <a:latin typeface="Helvetica" charset="0"/>
-                <a:ea typeface="Helvetica" charset="0"/>
-                <a:cs typeface="Helvetica" charset="0"/>
-              </a:rPr>
-              <a:t>[7]</a:t>
-            </a:r>
-            <a:r>
-              <a:rPr lang="en-US" dirty="0">
-                <a:solidFill>
-                  <a:schemeClr val="tx1"/>
-                </a:solidFill>
-                <a:latin typeface="Helvetica" charset="0"/>
-                <a:ea typeface="Helvetica" charset="0"/>
-                <a:cs typeface="Helvetica" charset="0"/>
-              </a:rPr>
-              <a:t> D. L. Applegate, R. E. Bixby, V. </a:t>
-            </a:r>
-            <a:r>
-              <a:rPr lang="en-US" dirty="0" err="1">
-                <a:solidFill>
-                  <a:schemeClr val="tx1"/>
-                </a:solidFill>
-                <a:latin typeface="Helvetica" charset="0"/>
-                <a:ea typeface="Helvetica" charset="0"/>
-                <a:cs typeface="Helvetica" charset="0"/>
-              </a:rPr>
-              <a:t>Chvatal</a:t>
-            </a:r>
-            <a:r>
-              <a:rPr lang="en-US" dirty="0">
-                <a:solidFill>
-                  <a:schemeClr val="tx1"/>
-                </a:solidFill>
-                <a:latin typeface="Helvetica" charset="0"/>
-                <a:ea typeface="Helvetica" charset="0"/>
-                <a:cs typeface="Helvetica" charset="0"/>
-              </a:rPr>
-              <a:t>, and W. J. Cook. </a:t>
-            </a:r>
-            <a:r>
-              <a:rPr lang="en-US" dirty="0" smtClean="0">
-                <a:solidFill>
-                  <a:schemeClr val="tx1"/>
-                </a:solidFill>
-                <a:latin typeface="Helvetica" charset="0"/>
-                <a:ea typeface="Helvetica" charset="0"/>
-                <a:cs typeface="Helvetica" charset="0"/>
-              </a:rPr>
-              <a:t>"The </a:t>
-            </a:r>
-            <a:r>
-              <a:rPr lang="en-US" dirty="0">
-                <a:solidFill>
-                  <a:schemeClr val="tx1"/>
-                </a:solidFill>
-                <a:latin typeface="Helvetica" charset="0"/>
-                <a:ea typeface="Helvetica" charset="0"/>
-                <a:cs typeface="Helvetica" charset="0"/>
-              </a:rPr>
-              <a:t>Traveling Salesman Problem: a computational </a:t>
-            </a:r>
-            <a:r>
-              <a:rPr lang="en-US" dirty="0" smtClean="0">
-                <a:solidFill>
-                  <a:schemeClr val="tx1"/>
-                </a:solidFill>
-                <a:latin typeface="Helvetica" charset="0"/>
-                <a:ea typeface="Helvetica" charset="0"/>
-                <a:cs typeface="Helvetica" charset="0"/>
-              </a:rPr>
-              <a:t>study". </a:t>
-            </a:r>
-            <a:r>
-              <a:rPr lang="en-US" i="1" dirty="0">
-                <a:solidFill>
-                  <a:schemeClr val="tx1"/>
-                </a:solidFill>
-                <a:latin typeface="Helvetica" charset="0"/>
-                <a:ea typeface="Helvetica" charset="0"/>
-                <a:cs typeface="Helvetica" charset="0"/>
-              </a:rPr>
-              <a:t>Princeton </a:t>
-            </a:r>
-            <a:r>
-              <a:rPr lang="en-US" i="1" dirty="0" smtClean="0">
-                <a:solidFill>
-                  <a:schemeClr val="tx1"/>
-                </a:solidFill>
-                <a:latin typeface="Helvetica" charset="0"/>
-                <a:ea typeface="Helvetica" charset="0"/>
-                <a:cs typeface="Helvetica" charset="0"/>
-              </a:rPr>
-              <a:t>University </a:t>
-            </a:r>
-            <a:r>
-              <a:rPr lang="en-US" i="1" dirty="0">
-                <a:solidFill>
-                  <a:schemeClr val="tx1"/>
-                </a:solidFill>
-                <a:latin typeface="Helvetica" charset="0"/>
-                <a:ea typeface="Helvetica" charset="0"/>
-                <a:cs typeface="Helvetica" charset="0"/>
-              </a:rPr>
-              <a:t>P</a:t>
-            </a:r>
-            <a:r>
-              <a:rPr lang="en-US" i="1" dirty="0" smtClean="0">
-                <a:solidFill>
-                  <a:schemeClr val="tx1"/>
-                </a:solidFill>
-                <a:latin typeface="Helvetica" charset="0"/>
-                <a:ea typeface="Helvetica" charset="0"/>
-                <a:cs typeface="Helvetica" charset="0"/>
-              </a:rPr>
-              <a:t>ress</a:t>
-            </a:r>
-            <a:r>
-              <a:rPr lang="en-US" dirty="0">
-                <a:solidFill>
-                  <a:schemeClr val="tx1"/>
-                </a:solidFill>
-                <a:latin typeface="Helvetica" charset="0"/>
-                <a:ea typeface="Helvetica" charset="0"/>
-                <a:cs typeface="Helvetica" charset="0"/>
-              </a:rPr>
-              <a:t>, 2011. </a:t>
-            </a:r>
-            <a:endParaRPr lang="en-US" dirty="0" smtClean="0">
+              <a:t>T</a:t>
+            </a:r>
+            <a:r>
+              <a:rPr lang="en-US" dirty="0" err="1" smtClean="0">
+                <a:solidFill>
+                  <a:schemeClr val="tx1"/>
+                </a:solidFill>
+                <a:latin typeface="Helvetica" charset="0"/>
+                <a:ea typeface="Helvetica" charset="0"/>
+                <a:cs typeface="Helvetica" charset="0"/>
+              </a:rPr>
+              <a:t>exto</a:t>
+            </a:r>
+            <a:r>
+              <a:rPr lang="en-US" dirty="0" smtClean="0">
+                <a:solidFill>
+                  <a:schemeClr val="tx1"/>
+                </a:solidFill>
+                <a:latin typeface="Helvetica" charset="0"/>
+                <a:ea typeface="Helvetica" charset="0"/>
+                <a:cs typeface="Helvetica" charset="0"/>
+              </a:rPr>
+              <a:t> </a:t>
+            </a:r>
+            <a:r>
+              <a:rPr lang="en-US" dirty="0" err="1" smtClean="0">
+                <a:solidFill>
+                  <a:schemeClr val="tx1"/>
+                </a:solidFill>
+                <a:latin typeface="Helvetica" charset="0"/>
+                <a:ea typeface="Helvetica" charset="0"/>
+                <a:cs typeface="Helvetica" charset="0"/>
+              </a:rPr>
+              <a:t>aqui</a:t>
+            </a:r>
+            <a:endParaRPr lang="en-US" i="1" baseline="-25000" dirty="0" smtClean="0">
               <a:solidFill>
                 <a:schemeClr val="tx1"/>
               </a:solidFill>
@@ -29492,416 +28749,11 @@
               <a:cs typeface="Helvetica" charset="0"/>
             </a:endParaRPr>
           </a:p>
-          <a:p>
-            <a:r>
-              <a:rPr lang="en-US" dirty="0" smtClean="0">
-                <a:solidFill>
-                  <a:schemeClr val="tx1"/>
-                </a:solidFill>
-                <a:latin typeface="Helvetica" charset="0"/>
-                <a:ea typeface="Helvetica" charset="0"/>
-                <a:cs typeface="Helvetica" charset="0"/>
-              </a:rPr>
-              <a:t>[8] </a:t>
-            </a:r>
-            <a:r>
-              <a:rPr lang="en-US" dirty="0">
-                <a:solidFill>
-                  <a:schemeClr val="tx1"/>
-                </a:solidFill>
-                <a:latin typeface="Helvetica" charset="0"/>
-                <a:ea typeface="Helvetica" charset="0"/>
-                <a:cs typeface="Helvetica" charset="0"/>
-              </a:rPr>
-              <a:t>T. H. </a:t>
-            </a:r>
-            <a:r>
-              <a:rPr lang="en-US" dirty="0" err="1">
-                <a:solidFill>
-                  <a:schemeClr val="tx1"/>
-                </a:solidFill>
-                <a:latin typeface="Helvetica" charset="0"/>
-                <a:ea typeface="Helvetica" charset="0"/>
-                <a:cs typeface="Helvetica" charset="0"/>
-              </a:rPr>
-              <a:t>Cormen</a:t>
-            </a:r>
-            <a:r>
-              <a:rPr lang="en-US" dirty="0">
-                <a:solidFill>
-                  <a:schemeClr val="tx1"/>
-                </a:solidFill>
-                <a:latin typeface="Helvetica" charset="0"/>
-                <a:ea typeface="Helvetica" charset="0"/>
-                <a:cs typeface="Helvetica" charset="0"/>
-              </a:rPr>
-              <a:t>, C. E. </a:t>
-            </a:r>
-            <a:r>
-              <a:rPr lang="en-US" dirty="0" err="1">
-                <a:solidFill>
-                  <a:schemeClr val="tx1"/>
-                </a:solidFill>
-                <a:latin typeface="Helvetica" charset="0"/>
-                <a:ea typeface="Helvetica" charset="0"/>
-                <a:cs typeface="Helvetica" charset="0"/>
-              </a:rPr>
-              <a:t>Leiserson</a:t>
-            </a:r>
-            <a:r>
-              <a:rPr lang="en-US" dirty="0">
-                <a:solidFill>
-                  <a:schemeClr val="tx1"/>
-                </a:solidFill>
-                <a:latin typeface="Helvetica" charset="0"/>
-                <a:ea typeface="Helvetica" charset="0"/>
-                <a:cs typeface="Helvetica" charset="0"/>
-              </a:rPr>
-              <a:t>, R. L. </a:t>
-            </a:r>
-            <a:r>
-              <a:rPr lang="en-US" dirty="0" err="1">
-                <a:solidFill>
-                  <a:schemeClr val="tx1"/>
-                </a:solidFill>
-                <a:latin typeface="Helvetica" charset="0"/>
-                <a:ea typeface="Helvetica" charset="0"/>
-                <a:cs typeface="Helvetica" charset="0"/>
-              </a:rPr>
-              <a:t>Rivest</a:t>
-            </a:r>
-            <a:r>
-              <a:rPr lang="en-US" dirty="0">
-                <a:solidFill>
-                  <a:schemeClr val="tx1"/>
-                </a:solidFill>
-                <a:latin typeface="Helvetica" charset="0"/>
-                <a:ea typeface="Helvetica" charset="0"/>
-                <a:cs typeface="Helvetica" charset="0"/>
-              </a:rPr>
-              <a:t>, et al. </a:t>
-            </a:r>
-            <a:r>
-              <a:rPr lang="en-US" dirty="0" smtClean="0">
-                <a:solidFill>
-                  <a:schemeClr val="tx1"/>
-                </a:solidFill>
-                <a:latin typeface="Helvetica" charset="0"/>
-                <a:ea typeface="Helvetica" charset="0"/>
-                <a:cs typeface="Helvetica" charset="0"/>
-              </a:rPr>
-              <a:t>"Section </a:t>
-            </a:r>
-            <a:r>
-              <a:rPr lang="en-US" dirty="0">
-                <a:solidFill>
-                  <a:schemeClr val="tx1"/>
-                </a:solidFill>
-                <a:latin typeface="Helvetica" charset="0"/>
-                <a:ea typeface="Helvetica" charset="0"/>
-                <a:cs typeface="Helvetica" charset="0"/>
-              </a:rPr>
-              <a:t>24.3: </a:t>
-            </a:r>
-            <a:r>
-              <a:rPr lang="en-US" dirty="0" err="1">
-                <a:solidFill>
-                  <a:schemeClr val="tx1"/>
-                </a:solidFill>
-                <a:latin typeface="Helvetica" charset="0"/>
-                <a:ea typeface="Helvetica" charset="0"/>
-                <a:cs typeface="Helvetica" charset="0"/>
-              </a:rPr>
-              <a:t>Dijkstra’s</a:t>
-            </a:r>
-            <a:r>
-              <a:rPr lang="en-US" dirty="0">
-                <a:solidFill>
-                  <a:schemeClr val="tx1"/>
-                </a:solidFill>
-                <a:latin typeface="Helvetica" charset="0"/>
-                <a:ea typeface="Helvetica" charset="0"/>
-                <a:cs typeface="Helvetica" charset="0"/>
-              </a:rPr>
-              <a:t> </a:t>
-            </a:r>
-            <a:r>
-              <a:rPr lang="en-US" dirty="0" smtClean="0">
-                <a:solidFill>
-                  <a:schemeClr val="tx1"/>
-                </a:solidFill>
-                <a:latin typeface="Helvetica" charset="0"/>
-                <a:ea typeface="Helvetica" charset="0"/>
-                <a:cs typeface="Helvetica" charset="0"/>
-              </a:rPr>
-              <a:t>algorithm”. </a:t>
-            </a:r>
-            <a:r>
-              <a:rPr lang="en-US" i="1" dirty="0" smtClean="0">
-                <a:solidFill>
-                  <a:schemeClr val="tx1"/>
-                </a:solidFill>
-                <a:latin typeface="Helvetica" charset="0"/>
-                <a:ea typeface="Helvetica" charset="0"/>
-                <a:cs typeface="Helvetica" charset="0"/>
-              </a:rPr>
-              <a:t>MIT Press </a:t>
-            </a:r>
-            <a:r>
-              <a:rPr lang="en-US" i="1" dirty="0">
-                <a:solidFill>
-                  <a:schemeClr val="tx1"/>
-                </a:solidFill>
-                <a:latin typeface="Helvetica" charset="0"/>
-                <a:ea typeface="Helvetica" charset="0"/>
-                <a:cs typeface="Helvetica" charset="0"/>
-              </a:rPr>
-              <a:t>and McGraw-Hill</a:t>
-            </a:r>
-            <a:r>
-              <a:rPr lang="en-US" dirty="0">
-                <a:solidFill>
-                  <a:schemeClr val="tx1"/>
-                </a:solidFill>
-                <a:latin typeface="Helvetica" charset="0"/>
-                <a:ea typeface="Helvetica" charset="0"/>
-                <a:cs typeface="Helvetica" charset="0"/>
-              </a:rPr>
-              <a:t>, 2001. </a:t>
-            </a:r>
-            <a:endParaRPr lang="en-US" dirty="0" smtClean="0">
-              <a:solidFill>
-                <a:schemeClr val="tx1"/>
-              </a:solidFill>
-              <a:latin typeface="Helvetica" charset="0"/>
-              <a:ea typeface="Helvetica" charset="0"/>
-              <a:cs typeface="Helvetica" charset="0"/>
-            </a:endParaRPr>
-          </a:p>
-          <a:p>
-            <a:r>
-              <a:rPr lang="en-US" dirty="0" smtClean="0">
-                <a:solidFill>
-                  <a:schemeClr val="tx1"/>
-                </a:solidFill>
-                <a:latin typeface="Helvetica" charset="0"/>
-                <a:ea typeface="Helvetica" charset="0"/>
-                <a:cs typeface="Helvetica" charset="0"/>
-              </a:rPr>
-              <a:t>[9] </a:t>
-            </a:r>
-            <a:r>
-              <a:rPr lang="en-US" dirty="0">
-                <a:solidFill>
-                  <a:schemeClr val="tx1"/>
-                </a:solidFill>
-                <a:latin typeface="Helvetica" charset="0"/>
-                <a:ea typeface="Helvetica" charset="0"/>
-                <a:cs typeface="Helvetica" charset="0"/>
-              </a:rPr>
-              <a:t>M. Mitchell. </a:t>
-            </a:r>
-            <a:r>
-              <a:rPr lang="en-US" dirty="0" smtClean="0">
-                <a:solidFill>
-                  <a:schemeClr val="tx1"/>
-                </a:solidFill>
-                <a:latin typeface="Helvetica" charset="0"/>
-                <a:ea typeface="Helvetica" charset="0"/>
-                <a:cs typeface="Helvetica" charset="0"/>
-              </a:rPr>
-              <a:t>"An </a:t>
-            </a:r>
-            <a:r>
-              <a:rPr lang="en-US" dirty="0">
-                <a:solidFill>
-                  <a:schemeClr val="tx1"/>
-                </a:solidFill>
-                <a:latin typeface="Helvetica" charset="0"/>
-                <a:ea typeface="Helvetica" charset="0"/>
-                <a:cs typeface="Helvetica" charset="0"/>
-              </a:rPr>
-              <a:t>introduction to genetic </a:t>
-            </a:r>
-            <a:r>
-              <a:rPr lang="en-US" dirty="0" smtClean="0">
-                <a:solidFill>
-                  <a:schemeClr val="tx1"/>
-                </a:solidFill>
-                <a:latin typeface="Helvetica" charset="0"/>
-                <a:ea typeface="Helvetica" charset="0"/>
-                <a:cs typeface="Helvetica" charset="0"/>
-              </a:rPr>
-              <a:t>algorithms". </a:t>
-            </a:r>
-            <a:r>
-              <a:rPr lang="en-US" i="1" dirty="0">
-                <a:solidFill>
-                  <a:schemeClr val="tx1"/>
-                </a:solidFill>
-                <a:latin typeface="Helvetica" charset="0"/>
-                <a:ea typeface="Helvetica" charset="0"/>
-                <a:cs typeface="Helvetica" charset="0"/>
-              </a:rPr>
-              <a:t>MIT </a:t>
-            </a:r>
-            <a:r>
-              <a:rPr lang="en-US" i="1" dirty="0" smtClean="0">
-                <a:solidFill>
-                  <a:schemeClr val="tx1"/>
-                </a:solidFill>
-                <a:latin typeface="Helvetica" charset="0"/>
-                <a:ea typeface="Helvetica" charset="0"/>
-                <a:cs typeface="Helvetica" charset="0"/>
-              </a:rPr>
-              <a:t>Press</a:t>
-            </a:r>
-            <a:r>
-              <a:rPr lang="en-US" dirty="0">
-                <a:solidFill>
-                  <a:schemeClr val="tx1"/>
-                </a:solidFill>
-                <a:latin typeface="Helvetica" charset="0"/>
-                <a:ea typeface="Helvetica" charset="0"/>
-                <a:cs typeface="Helvetica" charset="0"/>
-              </a:rPr>
-              <a:t>, 1998. </a:t>
-            </a:r>
-            <a:endParaRPr lang="en-US" dirty="0" smtClean="0">
-              <a:solidFill>
-                <a:schemeClr val="tx1"/>
-              </a:solidFill>
-              <a:latin typeface="Helvetica" charset="0"/>
-              <a:ea typeface="Helvetica" charset="0"/>
-              <a:cs typeface="Helvetica" charset="0"/>
-            </a:endParaRPr>
-          </a:p>
-          <a:p>
-            <a:r>
-              <a:rPr lang="en-US" dirty="0" smtClean="0">
-                <a:solidFill>
-                  <a:schemeClr val="tx1"/>
-                </a:solidFill>
-                <a:latin typeface="Helvetica" charset="0"/>
-                <a:ea typeface="Helvetica" charset="0"/>
-                <a:cs typeface="Helvetica" charset="0"/>
-              </a:rPr>
-              <a:t>[10] M</a:t>
-            </a:r>
-            <a:r>
-              <a:rPr lang="en-US" dirty="0">
-                <a:solidFill>
-                  <a:schemeClr val="tx1"/>
-                </a:solidFill>
-                <a:latin typeface="Helvetica" charset="0"/>
-                <a:ea typeface="Helvetica" charset="0"/>
-                <a:cs typeface="Helvetica" charset="0"/>
-              </a:rPr>
-              <a:t>. Srinivas and L. M. </a:t>
-            </a:r>
-            <a:r>
-              <a:rPr lang="en-US" dirty="0" err="1">
-                <a:solidFill>
-                  <a:schemeClr val="tx1"/>
-                </a:solidFill>
-                <a:latin typeface="Helvetica" charset="0"/>
-                <a:ea typeface="Helvetica" charset="0"/>
-                <a:cs typeface="Helvetica" charset="0"/>
-              </a:rPr>
-              <a:t>Patnaik</a:t>
-            </a:r>
-            <a:r>
-              <a:rPr lang="en-US" dirty="0">
-                <a:solidFill>
-                  <a:schemeClr val="tx1"/>
-                </a:solidFill>
-                <a:latin typeface="Helvetica" charset="0"/>
-                <a:ea typeface="Helvetica" charset="0"/>
-                <a:cs typeface="Helvetica" charset="0"/>
-              </a:rPr>
-              <a:t>. </a:t>
-            </a:r>
-            <a:r>
-              <a:rPr lang="en-US" dirty="0" smtClean="0">
-                <a:solidFill>
-                  <a:schemeClr val="tx1"/>
-                </a:solidFill>
-                <a:latin typeface="Helvetica" charset="0"/>
-                <a:ea typeface="Helvetica" charset="0"/>
-                <a:cs typeface="Helvetica" charset="0"/>
-              </a:rPr>
-              <a:t>"Adaptive </a:t>
-            </a:r>
-            <a:r>
-              <a:rPr lang="en-US" dirty="0">
-                <a:solidFill>
-                  <a:schemeClr val="tx1"/>
-                </a:solidFill>
-                <a:latin typeface="Helvetica" charset="0"/>
-                <a:ea typeface="Helvetica" charset="0"/>
-                <a:cs typeface="Helvetica" charset="0"/>
-              </a:rPr>
-              <a:t>probabilities of crossover and mutation in genetic </a:t>
-            </a:r>
-            <a:r>
-              <a:rPr lang="en-US" dirty="0" smtClean="0">
-                <a:solidFill>
-                  <a:schemeClr val="tx1"/>
-                </a:solidFill>
-                <a:latin typeface="Helvetica" charset="0"/>
-                <a:ea typeface="Helvetica" charset="0"/>
-                <a:cs typeface="Helvetica" charset="0"/>
-              </a:rPr>
-              <a:t>algorithms". </a:t>
-            </a:r>
-            <a:r>
-              <a:rPr lang="en-US" i="1" dirty="0">
-                <a:solidFill>
-                  <a:schemeClr val="tx1"/>
-                </a:solidFill>
-                <a:latin typeface="Helvetica" charset="0"/>
-                <a:ea typeface="Helvetica" charset="0"/>
-                <a:cs typeface="Helvetica" charset="0"/>
-              </a:rPr>
-              <a:t>IEEE Transactions on Systems, Man, and Cybernetics</a:t>
-            </a:r>
-            <a:r>
-              <a:rPr lang="en-US" dirty="0">
-                <a:solidFill>
-                  <a:schemeClr val="tx1"/>
-                </a:solidFill>
-                <a:latin typeface="Helvetica" charset="0"/>
-                <a:ea typeface="Helvetica" charset="0"/>
-                <a:cs typeface="Helvetica" charset="0"/>
-              </a:rPr>
-              <a:t>, 24(4):656–667, 1994. </a:t>
-            </a:r>
-          </a:p>
-          <a:p>
-            <a:endParaRPr lang="en-US" dirty="0">
-              <a:solidFill>
-                <a:schemeClr val="tx1"/>
-              </a:solidFill>
-              <a:latin typeface="Helvetica" charset="0"/>
-              <a:ea typeface="Helvetica" charset="0"/>
-              <a:cs typeface="Helvetica" charset="0"/>
-            </a:endParaRPr>
-          </a:p>
-          <a:p>
-            <a:endParaRPr lang="en-US" dirty="0">
-              <a:solidFill>
-                <a:schemeClr val="tx1"/>
-              </a:solidFill>
-              <a:latin typeface="Helvetica" charset="0"/>
-              <a:ea typeface="Helvetica" charset="0"/>
-              <a:cs typeface="Helvetica" charset="0"/>
-            </a:endParaRPr>
-          </a:p>
         </p:txBody>
       </p:sp>
       <p:sp>
         <p:nvSpPr>
-          <p:cNvPr id="4" name="Slide Number Placeholder 3"/>
+          <p:cNvPr id="5" name="Slide Number Placeholder 4"/>
           <p:cNvSpPr>
             <a:spLocks noGrp="1"/>
           </p:cNvSpPr>
@@ -29925,7 +28777,7 @@
     </p:spTree>
     <p:extLst>
       <p:ext uri="{BB962C8B-B14F-4D97-AF65-F5344CB8AC3E}">
-        <p14:creationId xmlns:p14="http://schemas.microsoft.com/office/powerpoint/2010/main" val="2080831962"/>
+        <p14:creationId xmlns:p14="http://schemas.microsoft.com/office/powerpoint/2010/main" val="1565898918"/>
       </p:ext>
     </p:extLst>
   </p:cSld>
@@ -30959,11 +29811,13 @@
         <p:spPr>
           <a:xfrm>
             <a:off x="1154954" y="2603500"/>
-            <a:ext cx="10035785" cy="3416300"/>
+            <a:ext cx="10035785" cy="4102100"/>
           </a:xfrm>
         </p:spPr>
         <p:txBody>
-          <a:bodyPr/>
+          <a:bodyPr>
+            <a:normAutofit/>
+          </a:bodyPr>
           <a:lstStyle/>
           <a:p>
             <a:r>
@@ -30975,7 +29829,7 @@
                 <a:ea typeface="Helvetica" charset="0"/>
                 <a:cs typeface="Helvetica" charset="0"/>
               </a:rPr>
-              <a:t>[11] </a:t>
+              <a:t>[1] </a:t>
             </a:r>
             <a:r>
               <a:rPr lang="en-US" dirty="0">
@@ -30986,7 +29840,128 @@
                 <a:ea typeface="Helvetica" charset="0"/>
                 <a:cs typeface="Helvetica" charset="0"/>
               </a:rPr>
-              <a:t>D. </a:t>
+              <a:t>A. E. </a:t>
+            </a:r>
+            <a:r>
+              <a:rPr lang="en-US" dirty="0" err="1" smtClean="0">
+                <a:solidFill>
+                  <a:schemeClr val="tx1"/>
+                </a:solidFill>
+                <a:latin typeface="Helvetica" charset="0"/>
+                <a:ea typeface="Helvetica" charset="0"/>
+                <a:cs typeface="Helvetica" charset="0"/>
+              </a:rPr>
+              <a:t>Eiben</a:t>
+            </a:r>
+            <a:r>
+              <a:rPr lang="en-US" dirty="0" smtClean="0">
+                <a:solidFill>
+                  <a:schemeClr val="tx1"/>
+                </a:solidFill>
+                <a:latin typeface="Helvetica" charset="0"/>
+                <a:ea typeface="Helvetica" charset="0"/>
+                <a:cs typeface="Helvetica" charset="0"/>
+              </a:rPr>
+              <a:t>, J</a:t>
+            </a:r>
+            <a:r>
+              <a:rPr lang="en-US" dirty="0">
+                <a:solidFill>
+                  <a:schemeClr val="tx1"/>
+                </a:solidFill>
+                <a:latin typeface="Helvetica" charset="0"/>
+                <a:ea typeface="Helvetica" charset="0"/>
+                <a:cs typeface="Helvetica" charset="0"/>
+              </a:rPr>
+              <a:t>. E. Smith. </a:t>
+            </a:r>
+            <a:r>
+              <a:rPr lang="en-US" dirty="0" smtClean="0">
+                <a:solidFill>
+                  <a:schemeClr val="tx1"/>
+                </a:solidFill>
+                <a:latin typeface="Helvetica" charset="0"/>
+                <a:ea typeface="Helvetica" charset="0"/>
+                <a:cs typeface="Helvetica" charset="0"/>
+              </a:rPr>
+              <a:t>“</a:t>
+            </a:r>
+            <a:r>
+              <a:rPr lang="en-US" i="1" dirty="0" smtClean="0">
+                <a:solidFill>
+                  <a:schemeClr val="tx1"/>
+                </a:solidFill>
+                <a:latin typeface="Helvetica" charset="0"/>
+                <a:ea typeface="Helvetica" charset="0"/>
+                <a:cs typeface="Helvetica" charset="0"/>
+              </a:rPr>
+              <a:t>Introduction </a:t>
+            </a:r>
+            <a:r>
+              <a:rPr lang="en-US" i="1" dirty="0">
+                <a:solidFill>
+                  <a:schemeClr val="tx1"/>
+                </a:solidFill>
+                <a:latin typeface="Helvetica" charset="0"/>
+                <a:ea typeface="Helvetica" charset="0"/>
+                <a:cs typeface="Helvetica" charset="0"/>
+              </a:rPr>
+              <a:t>To Evolutionary </a:t>
+            </a:r>
+            <a:r>
+              <a:rPr lang="en-US" i="1" dirty="0" smtClean="0">
+                <a:solidFill>
+                  <a:schemeClr val="tx1"/>
+                </a:solidFill>
+                <a:latin typeface="Helvetica" charset="0"/>
+                <a:ea typeface="Helvetica" charset="0"/>
+                <a:cs typeface="Helvetica" charset="0"/>
+              </a:rPr>
+              <a:t>Computing”</a:t>
+            </a:r>
+            <a:r>
+              <a:rPr lang="en-US" dirty="0" smtClean="0">
+                <a:solidFill>
+                  <a:schemeClr val="tx1"/>
+                </a:solidFill>
+                <a:latin typeface="Helvetica" charset="0"/>
+                <a:ea typeface="Helvetica" charset="0"/>
+                <a:cs typeface="Helvetica" charset="0"/>
+              </a:rPr>
+              <a:t>. </a:t>
+            </a:r>
+            <a:r>
+              <a:rPr lang="en-US" dirty="0">
+                <a:solidFill>
+                  <a:schemeClr val="tx1"/>
+                </a:solidFill>
+                <a:latin typeface="Helvetica" charset="0"/>
+                <a:ea typeface="Helvetica" charset="0"/>
+                <a:cs typeface="Helvetica" charset="0"/>
+              </a:rPr>
+              <a:t>V</a:t>
+            </a:r>
+            <a:r>
+              <a:rPr lang="en-US" dirty="0" smtClean="0">
+                <a:solidFill>
+                  <a:schemeClr val="tx1"/>
+                </a:solidFill>
+                <a:latin typeface="Helvetica" charset="0"/>
+                <a:ea typeface="Helvetica" charset="0"/>
+                <a:cs typeface="Helvetica" charset="0"/>
+              </a:rPr>
+              <a:t>olume 53. </a:t>
+            </a:r>
+            <a:r>
+              <a:rPr lang="en-US" dirty="0">
+                <a:solidFill>
+                  <a:schemeClr val="tx1"/>
+                </a:solidFill>
+                <a:latin typeface="Helvetica" charset="0"/>
+                <a:ea typeface="Helvetica" charset="0"/>
+                <a:cs typeface="Helvetica" charset="0"/>
+              </a:rPr>
+              <a:t>Springer-</a:t>
             </a:r>
             <a:r>
               <a:rPr lang="en-US" dirty="0" err="1">
@@ -30997,7 +29972,7 @@
                 <a:ea typeface="Helvetica" charset="0"/>
                 <a:cs typeface="Helvetica" charset="0"/>
               </a:rPr>
-              <a:t>Jakobovic</a:t>
+              <a:t>Verlag</a:t>
             </a:r>
             <a:r>
               <a:rPr lang="en-US" dirty="0">
@@ -31008,163 +29983,7 @@
                 <a:ea typeface="Helvetica" charset="0"/>
                 <a:cs typeface="Helvetica" charset="0"/>
               </a:rPr>
-              <a:t>́ and M. </a:t>
-            </a:r>
-            <a:r>
-              <a:rPr lang="en-US" dirty="0" err="1">
-                <a:solidFill>
-                  <a:schemeClr val="tx1"/>
-                </a:solidFill>
-                <a:latin typeface="Helvetica" charset="0"/>
-                <a:ea typeface="Helvetica" charset="0"/>
-                <a:cs typeface="Helvetica" charset="0"/>
-              </a:rPr>
-              <a:t>Golub</a:t>
-            </a:r>
-            <a:r>
-              <a:rPr lang="en-US" dirty="0">
-                <a:solidFill>
-                  <a:schemeClr val="tx1"/>
-                </a:solidFill>
-                <a:latin typeface="Helvetica" charset="0"/>
-                <a:ea typeface="Helvetica" charset="0"/>
-                <a:cs typeface="Helvetica" charset="0"/>
-              </a:rPr>
-              <a:t>. </a:t>
-            </a:r>
-            <a:r>
-              <a:rPr lang="en-US" dirty="0" smtClean="0">
-                <a:solidFill>
-                  <a:schemeClr val="tx1"/>
-                </a:solidFill>
-                <a:latin typeface="Helvetica" charset="0"/>
-                <a:ea typeface="Helvetica" charset="0"/>
-                <a:cs typeface="Helvetica" charset="0"/>
-              </a:rPr>
-              <a:t>“Adaptive </a:t>
-            </a:r>
-            <a:r>
-              <a:rPr lang="en-US" dirty="0">
-                <a:solidFill>
-                  <a:schemeClr val="tx1"/>
-                </a:solidFill>
-                <a:latin typeface="Helvetica" charset="0"/>
-                <a:ea typeface="Helvetica" charset="0"/>
-                <a:cs typeface="Helvetica" charset="0"/>
-              </a:rPr>
-              <a:t>G</a:t>
-            </a:r>
-            <a:r>
-              <a:rPr lang="en-US" dirty="0" smtClean="0">
-                <a:solidFill>
-                  <a:schemeClr val="tx1"/>
-                </a:solidFill>
-                <a:latin typeface="Helvetica" charset="0"/>
-                <a:ea typeface="Helvetica" charset="0"/>
-                <a:cs typeface="Helvetica" charset="0"/>
-              </a:rPr>
-              <a:t>enetic Algorithm”. </a:t>
-            </a:r>
-            <a:r>
-              <a:rPr lang="en-US" i="1" dirty="0">
-                <a:solidFill>
-                  <a:schemeClr val="tx1"/>
-                </a:solidFill>
-                <a:latin typeface="Helvetica" charset="0"/>
-                <a:ea typeface="Helvetica" charset="0"/>
-                <a:cs typeface="Helvetica" charset="0"/>
-              </a:rPr>
-              <a:t>CIT. Journal of computing and information technology</a:t>
-            </a:r>
-            <a:r>
-              <a:rPr lang="en-US" dirty="0">
-                <a:solidFill>
-                  <a:schemeClr val="tx1"/>
-                </a:solidFill>
-                <a:latin typeface="Helvetica" charset="0"/>
-                <a:ea typeface="Helvetica" charset="0"/>
-                <a:cs typeface="Helvetica" charset="0"/>
-              </a:rPr>
-              <a:t>, 7(3):229–235, 1999. </a:t>
-            </a:r>
-          </a:p>
-          <a:p>
-            <a:r>
-              <a:rPr lang="en-US" dirty="0" smtClean="0">
-                <a:solidFill>
-                  <a:schemeClr val="tx1"/>
-                </a:solidFill>
-                <a:latin typeface="Helvetica" charset="0"/>
-                <a:ea typeface="Helvetica" charset="0"/>
-                <a:cs typeface="Helvetica" charset="0"/>
-              </a:rPr>
-              <a:t>[12] </a:t>
-            </a:r>
-            <a:r>
-              <a:rPr lang="en-US" dirty="0">
-                <a:solidFill>
-                  <a:schemeClr val="tx1"/>
-                </a:solidFill>
-                <a:latin typeface="Helvetica" charset="0"/>
-                <a:ea typeface="Helvetica" charset="0"/>
-                <a:cs typeface="Helvetica" charset="0"/>
-              </a:rPr>
-              <a:t>L. Wang and T. Shen. </a:t>
-            </a:r>
-            <a:r>
-              <a:rPr lang="en-US" dirty="0" smtClean="0">
-                <a:solidFill>
-                  <a:schemeClr val="tx1"/>
-                </a:solidFill>
-                <a:latin typeface="Helvetica" charset="0"/>
-                <a:ea typeface="Helvetica" charset="0"/>
-                <a:cs typeface="Helvetica" charset="0"/>
-              </a:rPr>
-              <a:t>"Improved </a:t>
-            </a:r>
-            <a:r>
-              <a:rPr lang="en-US" dirty="0">
-                <a:solidFill>
-                  <a:schemeClr val="tx1"/>
-                </a:solidFill>
-                <a:latin typeface="Helvetica" charset="0"/>
-                <a:ea typeface="Helvetica" charset="0"/>
-                <a:cs typeface="Helvetica" charset="0"/>
-              </a:rPr>
-              <a:t>adaptive genetic algorithm and its application to image </a:t>
-            </a:r>
-            <a:r>
-              <a:rPr lang="en-US" dirty="0" smtClean="0">
-                <a:solidFill>
-                  <a:schemeClr val="tx1"/>
-                </a:solidFill>
-                <a:latin typeface="Helvetica" charset="0"/>
-                <a:ea typeface="Helvetica" charset="0"/>
-                <a:cs typeface="Helvetica" charset="0"/>
-              </a:rPr>
-              <a:t>segmentation". </a:t>
-            </a:r>
-            <a:r>
-              <a:rPr lang="en-US" i="1" dirty="0">
-                <a:solidFill>
-                  <a:schemeClr val="tx1"/>
-                </a:solidFill>
-                <a:latin typeface="Helvetica" charset="0"/>
-                <a:ea typeface="Helvetica" charset="0"/>
-                <a:cs typeface="Helvetica" charset="0"/>
-              </a:rPr>
-              <a:t>In Multispectral Image Processing and Pattern Recognition</a:t>
-            </a:r>
-            <a:r>
-              <a:rPr lang="en-US" dirty="0">
-                <a:solidFill>
-                  <a:schemeClr val="tx1"/>
-                </a:solidFill>
-                <a:latin typeface="Helvetica" charset="0"/>
-                <a:ea typeface="Helvetica" charset="0"/>
-                <a:cs typeface="Helvetica" charset="0"/>
-              </a:rPr>
-              <a:t>, pages 115–120. International Society for Optics and Photonics, 2001. </a:t>
+              <a:t>, 2003. </a:t>
             </a:r>
             <a:endParaRPr lang="en-US" dirty="0" smtClean="0">
               <a:solidFill>
@@ -31185,7 +30004,7 @@
                 <a:ea typeface="Helvetica" charset="0"/>
                 <a:cs typeface="Helvetica" charset="0"/>
               </a:rPr>
-              <a:t>[13] </a:t>
+              <a:t>[2] A</a:t>
             </a:r>
             <a:r>
               <a:rPr lang="en-US" dirty="0">
@@ -31196,6 +30015,151 @@
                 <a:ea typeface="Helvetica" charset="0"/>
                 <a:cs typeface="Helvetica" charset="0"/>
               </a:rPr>
+              <a:t>. E. </a:t>
+            </a:r>
+            <a:r>
+              <a:rPr lang="en-US" dirty="0" err="1" smtClean="0">
+                <a:solidFill>
+                  <a:schemeClr val="tx1"/>
+                </a:solidFill>
+                <a:latin typeface="Helvetica" charset="0"/>
+                <a:ea typeface="Helvetica" charset="0"/>
+                <a:cs typeface="Helvetica" charset="0"/>
+              </a:rPr>
+              <a:t>Eiben</a:t>
+            </a:r>
+            <a:r>
+              <a:rPr lang="en-US" dirty="0" smtClean="0">
+                <a:solidFill>
+                  <a:schemeClr val="tx1"/>
+                </a:solidFill>
+                <a:latin typeface="Helvetica" charset="0"/>
+                <a:ea typeface="Helvetica" charset="0"/>
+                <a:cs typeface="Helvetica" charset="0"/>
+              </a:rPr>
+              <a:t>, S</a:t>
+            </a:r>
+            <a:r>
+              <a:rPr lang="en-US" dirty="0">
+                <a:solidFill>
+                  <a:schemeClr val="tx1"/>
+                </a:solidFill>
+                <a:latin typeface="Helvetica" charset="0"/>
+                <a:ea typeface="Helvetica" charset="0"/>
+                <a:cs typeface="Helvetica" charset="0"/>
+              </a:rPr>
+              <a:t>. K. </a:t>
+            </a:r>
+            <a:r>
+              <a:rPr lang="en-US" dirty="0" err="1">
+                <a:solidFill>
+                  <a:schemeClr val="tx1"/>
+                </a:solidFill>
+                <a:latin typeface="Helvetica" charset="0"/>
+                <a:ea typeface="Helvetica" charset="0"/>
+                <a:cs typeface="Helvetica" charset="0"/>
+              </a:rPr>
+              <a:t>Smit</a:t>
+            </a:r>
+            <a:r>
+              <a:rPr lang="en-US" dirty="0">
+                <a:solidFill>
+                  <a:schemeClr val="tx1"/>
+                </a:solidFill>
+                <a:latin typeface="Helvetica" charset="0"/>
+                <a:ea typeface="Helvetica" charset="0"/>
+                <a:cs typeface="Helvetica" charset="0"/>
+              </a:rPr>
+              <a:t>. </a:t>
+            </a:r>
+            <a:r>
+              <a:rPr lang="en-US" dirty="0" smtClean="0">
+                <a:solidFill>
+                  <a:schemeClr val="tx1"/>
+                </a:solidFill>
+                <a:latin typeface="Helvetica" charset="0"/>
+                <a:ea typeface="Helvetica" charset="0"/>
+                <a:cs typeface="Helvetica" charset="0"/>
+              </a:rPr>
+              <a:t>“Parameter </a:t>
+            </a:r>
+            <a:r>
+              <a:rPr lang="en-US" dirty="0">
+                <a:solidFill>
+                  <a:schemeClr val="tx1"/>
+                </a:solidFill>
+                <a:latin typeface="Helvetica" charset="0"/>
+                <a:ea typeface="Helvetica" charset="0"/>
+                <a:cs typeface="Helvetica" charset="0"/>
+              </a:rPr>
+              <a:t>tuning for configuring and analyzing evolutionary </a:t>
+            </a:r>
+            <a:r>
+              <a:rPr lang="en-US" dirty="0" smtClean="0">
+                <a:solidFill>
+                  <a:schemeClr val="tx1"/>
+                </a:solidFill>
+                <a:latin typeface="Helvetica" charset="0"/>
+                <a:ea typeface="Helvetica" charset="0"/>
+                <a:cs typeface="Helvetica" charset="0"/>
+              </a:rPr>
+              <a:t>algorithms”. </a:t>
+            </a:r>
+            <a:r>
+              <a:rPr lang="en-US" i="1" dirty="0">
+                <a:solidFill>
+                  <a:schemeClr val="tx1"/>
+                </a:solidFill>
+                <a:latin typeface="Helvetica" charset="0"/>
+                <a:ea typeface="Helvetica" charset="0"/>
+                <a:cs typeface="Helvetica" charset="0"/>
+              </a:rPr>
+              <a:t>Swarm and Evolutionary Computation</a:t>
+            </a:r>
+            <a:r>
+              <a:rPr lang="en-US" dirty="0">
+                <a:solidFill>
+                  <a:schemeClr val="tx1"/>
+                </a:solidFill>
+                <a:latin typeface="Helvetica" charset="0"/>
+                <a:ea typeface="Helvetica" charset="0"/>
+                <a:cs typeface="Helvetica" charset="0"/>
+              </a:rPr>
+              <a:t>, 1(1):19–31, 2011</a:t>
+            </a:r>
+            <a:r>
+              <a:rPr lang="en-US" dirty="0" smtClean="0">
+                <a:solidFill>
+                  <a:schemeClr val="tx1"/>
+                </a:solidFill>
+                <a:latin typeface="Helvetica" charset="0"/>
+                <a:ea typeface="Helvetica" charset="0"/>
+                <a:cs typeface="Helvetica" charset="0"/>
+              </a:rPr>
+              <a:t>.</a:t>
+            </a:r>
+          </a:p>
+          <a:p>
+            <a:r>
+              <a:rPr lang="en-US" dirty="0" smtClean="0">
+                <a:solidFill>
+                  <a:schemeClr val="tx1"/>
+                </a:solidFill>
+                <a:latin typeface="Helvetica" charset="0"/>
+                <a:ea typeface="Helvetica" charset="0"/>
+                <a:cs typeface="Helvetica" charset="0"/>
+              </a:rPr>
+              <a:t>[3] </a:t>
+            </a:r>
+            <a:r>
+              <a:rPr lang="en-US" dirty="0">
+                <a:solidFill>
+                  <a:schemeClr val="tx1"/>
+                </a:solidFill>
+                <a:latin typeface="Helvetica" charset="0"/>
+                <a:ea typeface="Helvetica" charset="0"/>
+                <a:cs typeface="Helvetica" charset="0"/>
+              </a:rPr>
               <a:t>K. Matthias, T. </a:t>
             </a:r>
             <a:r>
@@ -31295,7 +30259,351 @@
                 <a:ea typeface="Helvetica" charset="0"/>
                 <a:cs typeface="Helvetica" charset="0"/>
               </a:rPr>
-              <a:t>, 72(17), 2013</a:t>
+              <a:t>, 72(17), 2013. </a:t>
+            </a:r>
+            <a:endParaRPr lang="en-US" dirty="0" smtClean="0">
+              <a:solidFill>
+                <a:schemeClr val="tx1"/>
+              </a:solidFill>
+              <a:latin typeface="Helvetica" charset="0"/>
+              <a:ea typeface="Helvetica" charset="0"/>
+              <a:cs typeface="Helvetica" charset="0"/>
+            </a:endParaRPr>
+          </a:p>
+          <a:p>
+            <a:r>
+              <a:rPr lang="en-US" dirty="0" smtClean="0">
+                <a:solidFill>
+                  <a:schemeClr val="tx1"/>
+                </a:solidFill>
+                <a:latin typeface="Helvetica" charset="0"/>
+                <a:ea typeface="Helvetica" charset="0"/>
+                <a:cs typeface="Helvetica" charset="0"/>
+              </a:rPr>
+              <a:t>[4] </a:t>
+            </a:r>
+            <a:r>
+              <a:rPr lang="en-US" dirty="0">
+                <a:solidFill>
+                  <a:schemeClr val="tx1"/>
+                </a:solidFill>
+                <a:latin typeface="Helvetica" charset="0"/>
+                <a:ea typeface="Helvetica" charset="0"/>
+                <a:cs typeface="Helvetica" charset="0"/>
+              </a:rPr>
+              <a:t>M. </a:t>
+            </a:r>
+            <a:r>
+              <a:rPr lang="en-US" dirty="0" err="1">
+                <a:solidFill>
+                  <a:schemeClr val="tx1"/>
+                </a:solidFill>
+                <a:latin typeface="Helvetica" charset="0"/>
+                <a:ea typeface="Helvetica" charset="0"/>
+                <a:cs typeface="Helvetica" charset="0"/>
+              </a:rPr>
+              <a:t>Obitko</a:t>
+            </a:r>
+            <a:r>
+              <a:rPr lang="en-US" dirty="0">
+                <a:solidFill>
+                  <a:schemeClr val="tx1"/>
+                </a:solidFill>
+                <a:latin typeface="Helvetica" charset="0"/>
+                <a:ea typeface="Helvetica" charset="0"/>
+                <a:cs typeface="Helvetica" charset="0"/>
+              </a:rPr>
+              <a:t>. </a:t>
+            </a:r>
+            <a:r>
+              <a:rPr lang="en-US" dirty="0" smtClean="0">
+                <a:solidFill>
+                  <a:schemeClr val="tx1"/>
+                </a:solidFill>
+                <a:latin typeface="Helvetica" charset="0"/>
+                <a:ea typeface="Helvetica" charset="0"/>
+                <a:cs typeface="Helvetica" charset="0"/>
+              </a:rPr>
+              <a:t>"Introduction </a:t>
+            </a:r>
+            <a:r>
+              <a:rPr lang="en-US" dirty="0">
+                <a:solidFill>
+                  <a:schemeClr val="tx1"/>
+                </a:solidFill>
+                <a:latin typeface="Helvetica" charset="0"/>
+                <a:ea typeface="Helvetica" charset="0"/>
+                <a:cs typeface="Helvetica" charset="0"/>
+              </a:rPr>
+              <a:t>to genetic algorithms - </a:t>
+            </a:r>
+            <a:r>
+              <a:rPr lang="en-US" dirty="0" smtClean="0">
+                <a:solidFill>
+                  <a:schemeClr val="tx1"/>
+                </a:solidFill>
+                <a:latin typeface="Helvetica" charset="0"/>
+                <a:ea typeface="Helvetica" charset="0"/>
+                <a:cs typeface="Helvetica" charset="0"/>
+              </a:rPr>
+              <a:t>XIII. Recommendations". </a:t>
+            </a:r>
+            <a:r>
+              <a:rPr lang="en-US" dirty="0">
+                <a:solidFill>
+                  <a:srgbClr val="0432FF"/>
+                </a:solidFill>
+                <a:latin typeface="Helvetica" charset="0"/>
+                <a:ea typeface="Helvetica" charset="0"/>
+                <a:cs typeface="Helvetica" charset="0"/>
+                <a:hlinkClick r:id="rId2"/>
+              </a:rPr>
+              <a:t>http://www.obitko.com/tutorials/genetic-algorithms/recommendations.php</a:t>
+            </a:r>
+            <a:r>
+              <a:rPr lang="en-US" dirty="0" smtClean="0">
+                <a:solidFill>
+                  <a:srgbClr val="0432FF"/>
+                </a:solidFill>
+                <a:latin typeface="Helvetica" charset="0"/>
+                <a:ea typeface="Helvetica" charset="0"/>
+                <a:cs typeface="Helvetica" charset="0"/>
+                <a:hlinkClick r:id="rId2"/>
+              </a:rPr>
+              <a:t>/</a:t>
+            </a:r>
+            <a:r>
+              <a:rPr lang="en-US" dirty="0" smtClean="0">
+                <a:solidFill>
+                  <a:srgbClr val="0432FF"/>
+                </a:solidFill>
+                <a:latin typeface="Helvetica" charset="0"/>
+                <a:ea typeface="Helvetica" charset="0"/>
+                <a:cs typeface="Helvetica" charset="0"/>
+              </a:rPr>
+              <a:t> </a:t>
+            </a:r>
+            <a:r>
+              <a:rPr lang="en-US" dirty="0" smtClean="0">
+                <a:solidFill>
+                  <a:schemeClr val="tx1"/>
+                </a:solidFill>
+                <a:latin typeface="Helvetica" charset="0"/>
+                <a:ea typeface="Helvetica" charset="0"/>
+                <a:cs typeface="Helvetica" charset="0"/>
+              </a:rPr>
+              <a:t>[</a:t>
+            </a:r>
+            <a:r>
+              <a:rPr lang="en-US" dirty="0">
+                <a:solidFill>
+                  <a:schemeClr val="tx1"/>
+                </a:solidFill>
+                <a:latin typeface="Helvetica" charset="0"/>
+                <a:ea typeface="Helvetica" charset="0"/>
+                <a:cs typeface="Helvetica" charset="0"/>
+              </a:rPr>
+              <a:t>Online; </a:t>
+            </a:r>
+            <a:r>
+              <a:rPr lang="en-US" dirty="0" err="1">
+                <a:solidFill>
+                  <a:schemeClr val="tx1"/>
+                </a:solidFill>
+                <a:latin typeface="Helvetica" charset="0"/>
+                <a:ea typeface="Helvetica" charset="0"/>
+                <a:cs typeface="Helvetica" charset="0"/>
+              </a:rPr>
+              <a:t>acessado</a:t>
+            </a:r>
+            <a:r>
+              <a:rPr lang="en-US" dirty="0">
+                <a:solidFill>
+                  <a:schemeClr val="tx1"/>
+                </a:solidFill>
+                <a:latin typeface="Helvetica" charset="0"/>
+                <a:ea typeface="Helvetica" charset="0"/>
+                <a:cs typeface="Helvetica" charset="0"/>
+              </a:rPr>
+              <a:t> </a:t>
+            </a:r>
+            <a:r>
+              <a:rPr lang="en-US" dirty="0" err="1">
+                <a:solidFill>
+                  <a:schemeClr val="tx1"/>
+                </a:solidFill>
+                <a:latin typeface="Helvetica" charset="0"/>
+                <a:ea typeface="Helvetica" charset="0"/>
+                <a:cs typeface="Helvetica" charset="0"/>
+              </a:rPr>
+              <a:t>em</a:t>
+            </a:r>
+            <a:r>
+              <a:rPr lang="en-US" dirty="0">
+                <a:solidFill>
+                  <a:schemeClr val="tx1"/>
+                </a:solidFill>
+                <a:latin typeface="Helvetica" charset="0"/>
+                <a:ea typeface="Helvetica" charset="0"/>
+                <a:cs typeface="Helvetica" charset="0"/>
+              </a:rPr>
+              <a:t> 17 de </a:t>
+            </a:r>
+            <a:r>
+              <a:rPr lang="en-US" dirty="0" err="1">
+                <a:solidFill>
+                  <a:schemeClr val="tx1"/>
+                </a:solidFill>
+                <a:latin typeface="Helvetica" charset="0"/>
+                <a:ea typeface="Helvetica" charset="0"/>
+                <a:cs typeface="Helvetica" charset="0"/>
+              </a:rPr>
+              <a:t>novembro</a:t>
+            </a:r>
+            <a:r>
+              <a:rPr lang="en-US" dirty="0">
+                <a:solidFill>
+                  <a:schemeClr val="tx1"/>
+                </a:solidFill>
+                <a:latin typeface="Helvetica" charset="0"/>
+                <a:ea typeface="Helvetica" charset="0"/>
+                <a:cs typeface="Helvetica" charset="0"/>
+              </a:rPr>
+              <a:t> de 2016</a:t>
+            </a:r>
+            <a:r>
+              <a:rPr lang="en-US" dirty="0" smtClean="0">
+                <a:solidFill>
+                  <a:schemeClr val="tx1"/>
+                </a:solidFill>
+                <a:latin typeface="Helvetica" charset="0"/>
+                <a:ea typeface="Helvetica" charset="0"/>
+                <a:cs typeface="Helvetica" charset="0"/>
+              </a:rPr>
+              <a:t>].</a:t>
+            </a:r>
+          </a:p>
+          <a:p>
+            <a:r>
+              <a:rPr lang="en-US" dirty="0" smtClean="0">
+                <a:solidFill>
+                  <a:schemeClr val="tx1"/>
+                </a:solidFill>
+                <a:latin typeface="Helvetica" charset="0"/>
+                <a:ea typeface="Helvetica" charset="0"/>
+                <a:cs typeface="Helvetica" charset="0"/>
+              </a:rPr>
+              <a:t>[5] </a:t>
+            </a:r>
+            <a:r>
+              <a:rPr lang="en-US" dirty="0">
+                <a:solidFill>
+                  <a:schemeClr val="tx1"/>
+                </a:solidFill>
+                <a:latin typeface="Helvetica" charset="0"/>
+                <a:ea typeface="Helvetica" charset="0"/>
+                <a:cs typeface="Helvetica" charset="0"/>
+              </a:rPr>
+              <a:t>K. </a:t>
+            </a:r>
+            <a:r>
+              <a:rPr lang="en-US" dirty="0" err="1">
+                <a:solidFill>
+                  <a:schemeClr val="tx1"/>
+                </a:solidFill>
+                <a:latin typeface="Helvetica" charset="0"/>
+                <a:ea typeface="Helvetica" charset="0"/>
+                <a:cs typeface="Helvetica" charset="0"/>
+              </a:rPr>
+              <a:t>DeJong</a:t>
+            </a:r>
+            <a:r>
+              <a:rPr lang="en-US" dirty="0">
+                <a:solidFill>
+                  <a:schemeClr val="tx1"/>
+                </a:solidFill>
+                <a:latin typeface="Helvetica" charset="0"/>
+                <a:ea typeface="Helvetica" charset="0"/>
+                <a:cs typeface="Helvetica" charset="0"/>
+              </a:rPr>
+              <a:t>. </a:t>
+            </a:r>
+            <a:r>
+              <a:rPr lang="en-US" dirty="0" smtClean="0">
+                <a:solidFill>
+                  <a:schemeClr val="tx1"/>
+                </a:solidFill>
+                <a:latin typeface="Helvetica" charset="0"/>
+                <a:ea typeface="Helvetica" charset="0"/>
+                <a:cs typeface="Helvetica" charset="0"/>
+              </a:rPr>
+              <a:t>“An </a:t>
+            </a:r>
+            <a:r>
+              <a:rPr lang="en-US" dirty="0">
+                <a:solidFill>
+                  <a:schemeClr val="tx1"/>
+                </a:solidFill>
+                <a:latin typeface="Helvetica" charset="0"/>
+                <a:ea typeface="Helvetica" charset="0"/>
+                <a:cs typeface="Helvetica" charset="0"/>
+              </a:rPr>
+              <a:t>analysis of the behavior of a class of genetic adaptive </a:t>
+            </a:r>
+            <a:r>
+              <a:rPr lang="en-US" dirty="0" smtClean="0">
+                <a:solidFill>
+                  <a:schemeClr val="tx1"/>
+                </a:solidFill>
+                <a:latin typeface="Helvetica" charset="0"/>
+                <a:ea typeface="Helvetica" charset="0"/>
+                <a:cs typeface="Helvetica" charset="0"/>
+              </a:rPr>
+              <a:t>systems”. </a:t>
+            </a:r>
+            <a:r>
+              <a:rPr lang="en-US" i="1" dirty="0" smtClean="0">
+                <a:solidFill>
+                  <a:schemeClr val="tx1"/>
+                </a:solidFill>
+                <a:latin typeface="Helvetica" charset="0"/>
+                <a:ea typeface="Helvetica" charset="0"/>
+                <a:cs typeface="Helvetica" charset="0"/>
+              </a:rPr>
+              <a:t>Ph.D</a:t>
+            </a:r>
+            <a:r>
+              <a:rPr lang="en-US" i="1" dirty="0">
+                <a:solidFill>
+                  <a:schemeClr val="tx1"/>
+                </a:solidFill>
+                <a:latin typeface="Helvetica" charset="0"/>
+                <a:ea typeface="Helvetica" charset="0"/>
+                <a:cs typeface="Helvetica" charset="0"/>
+              </a:rPr>
+              <a:t>. </a:t>
+            </a:r>
+            <a:r>
+              <a:rPr lang="en-US" i="1" dirty="0" smtClean="0">
+                <a:solidFill>
+                  <a:schemeClr val="tx1"/>
+                </a:solidFill>
+                <a:latin typeface="Helvetica" charset="0"/>
+                <a:ea typeface="Helvetica" charset="0"/>
+                <a:cs typeface="Helvetica" charset="0"/>
+              </a:rPr>
+              <a:t>Thesis</a:t>
+            </a:r>
+            <a:r>
+              <a:rPr lang="en-US" dirty="0">
+                <a:solidFill>
+                  <a:schemeClr val="tx1"/>
+                </a:solidFill>
+                <a:latin typeface="Helvetica" charset="0"/>
+                <a:ea typeface="Helvetica" charset="0"/>
+                <a:cs typeface="Helvetica" charset="0"/>
+              </a:rPr>
+              <a:t>, University of Michigan, 1975</a:t>
             </a:r>
             <a:r>
               <a:rPr lang="en-US" dirty="0" smtClean="0">
@@ -31307,6 +30615,760 @@
                 <a:cs typeface="Helvetica" charset="0"/>
               </a:rPr>
               <a:t>.</a:t>
+            </a:r>
+            <a:endParaRPr lang="en-US" dirty="0">
+              <a:solidFill>
+                <a:schemeClr val="tx1"/>
+              </a:solidFill>
+              <a:latin typeface="Helvetica" charset="0"/>
+              <a:ea typeface="Helvetica" charset="0"/>
+              <a:cs typeface="Helvetica" charset="0"/>
+            </a:endParaRPr>
+          </a:p>
+          <a:p>
+            <a:endParaRPr lang="en-US" dirty="0"/>
+          </a:p>
+          <a:p>
+            <a:endParaRPr lang="en-US" dirty="0"/>
+          </a:p>
+        </p:txBody>
+      </p:sp>
+      <p:sp>
+        <p:nvSpPr>
+          <p:cNvPr id="5" name="Slide Number Placeholder 4"/>
+          <p:cNvSpPr>
+            <a:spLocks noGrp="1"/>
+          </p:cNvSpPr>
+          <p:nvPr>
+            <p:ph type="sldNum" sz="quarter" idx="12"/>
+          </p:nvPr>
+        </p:nvSpPr>
+        <p:spPr/>
+        <p:txBody>
+          <a:bodyPr/>
+          <a:lstStyle/>
+          <a:p>
+            <a:fld id="{55774153-6BEA-8641-B7A1-86CE42693FE2}" type="slidenum">
+              <a:rPr lang="en-US" smtClean="0"/>
+              <a:t>29</a:t>
+            </a:fld>
+            <a:endParaRPr lang="en-US"/>
+          </a:p>
+        </p:txBody>
+      </p:sp>
+    </p:spTree>
+    <p:extLst>
+      <p:ext uri="{BB962C8B-B14F-4D97-AF65-F5344CB8AC3E}">
+        <p14:creationId xmlns:p14="http://schemas.microsoft.com/office/powerpoint/2010/main" val="530941430"/>
+      </p:ext>
+    </p:extLst>
+  </p:cSld>
+  <p:clrMapOvr>
+    <a:masterClrMapping/>
+  </p:clrMapOvr>
+  <p:timing>
+    <p:tnLst>
+      <p:par>
+        <p:cTn id="1" dur="indefinite" restart="never" nodeType="tmRoot"/>
+      </p:par>
+    </p:tnLst>
+  </p:timing>
+</p:sld>
+</file>
+
+<file path=ppt/slides/slide31.xml><?xml version="1.0" encoding="utf-8"?>
+<p:sld xmlns:a="http://schemas.openxmlformats.org/drawingml/2006/main" xmlns:r="http://schemas.openxmlformats.org/officeDocument/2006/relationships" xmlns:p="http://schemas.openxmlformats.org/presentationml/2006/main">
+  <p:cSld>
+    <p:spTree>
+      <p:nvGrpSpPr>
+        <p:cNvPr id="1" name=""/>
+        <p:cNvGrpSpPr/>
+        <p:nvPr/>
+      </p:nvGrpSpPr>
+      <p:grpSpPr>
+        <a:xfrm>
+          <a:off x="0" y="0"/>
+          <a:ext cx="0" cy="0"/>
+          <a:chOff x="0" y="0"/>
+          <a:chExt cx="0" cy="0"/>
+        </a:xfrm>
+      </p:grpSpPr>
+      <p:sp>
+        <p:nvSpPr>
+          <p:cNvPr id="2" name="Title 1"/>
+          <p:cNvSpPr>
+            <a:spLocks noGrp="1"/>
+          </p:cNvSpPr>
+          <p:nvPr>
+            <p:ph type="title"/>
+          </p:nvPr>
+        </p:nvSpPr>
+        <p:spPr/>
+        <p:txBody>
+          <a:bodyPr/>
+          <a:lstStyle/>
+          <a:p>
+            <a:r>
+              <a:rPr lang="en-US" b="1" dirty="0" err="1" smtClean="0">
+                <a:latin typeface="Helvetica" charset="0"/>
+                <a:ea typeface="Helvetica" charset="0"/>
+                <a:cs typeface="Helvetica" charset="0"/>
+              </a:rPr>
+              <a:t>Referências</a:t>
+            </a:r>
+            <a:endParaRPr lang="en-US" b="1" dirty="0">
+              <a:latin typeface="Helvetica" charset="0"/>
+              <a:ea typeface="Helvetica" charset="0"/>
+              <a:cs typeface="Helvetica" charset="0"/>
+            </a:endParaRPr>
+          </a:p>
+        </p:txBody>
+      </p:sp>
+      <p:sp>
+        <p:nvSpPr>
+          <p:cNvPr id="3" name="Content Placeholder 2"/>
+          <p:cNvSpPr>
+            <a:spLocks noGrp="1"/>
+          </p:cNvSpPr>
+          <p:nvPr>
+            <p:ph idx="1"/>
+          </p:nvPr>
+        </p:nvSpPr>
+        <p:spPr>
+          <a:xfrm>
+            <a:off x="1154954" y="2603500"/>
+            <a:ext cx="10035785" cy="3416300"/>
+          </a:xfrm>
+        </p:spPr>
+        <p:txBody>
+          <a:bodyPr/>
+          <a:lstStyle/>
+          <a:p>
+            <a:r>
+              <a:rPr lang="en-US" dirty="0">
+                <a:solidFill>
+                  <a:schemeClr val="tx1"/>
+                </a:solidFill>
+                <a:latin typeface="Helvetica" charset="0"/>
+                <a:ea typeface="Helvetica" charset="0"/>
+                <a:cs typeface="Helvetica" charset="0"/>
+              </a:rPr>
+              <a:t>[6] </a:t>
+            </a:r>
+            <a:r>
+              <a:rPr lang="en-US" dirty="0" smtClean="0">
+                <a:solidFill>
+                  <a:schemeClr val="tx1"/>
+                </a:solidFill>
+                <a:latin typeface="Helvetica" charset="0"/>
+                <a:ea typeface="Helvetica" charset="0"/>
+                <a:cs typeface="Helvetica" charset="0"/>
+              </a:rPr>
+              <a:t>P</a:t>
+            </a:r>
+            <a:r>
+              <a:rPr lang="en-US" dirty="0">
+                <a:solidFill>
+                  <a:schemeClr val="tx1"/>
+                </a:solidFill>
+                <a:latin typeface="Helvetica" charset="0"/>
+                <a:ea typeface="Helvetica" charset="0"/>
+                <a:cs typeface="Helvetica" charset="0"/>
+              </a:rPr>
+              <a:t>. </a:t>
+            </a:r>
+            <a:r>
+              <a:rPr lang="en-US" dirty="0" err="1">
+                <a:solidFill>
+                  <a:schemeClr val="tx1"/>
+                </a:solidFill>
+                <a:latin typeface="Helvetica" charset="0"/>
+                <a:ea typeface="Helvetica" charset="0"/>
+                <a:cs typeface="Helvetica" charset="0"/>
+              </a:rPr>
+              <a:t>Giguere</a:t>
+            </a:r>
+            <a:r>
+              <a:rPr lang="en-US" dirty="0">
+                <a:solidFill>
+                  <a:schemeClr val="tx1"/>
+                </a:solidFill>
+                <a:latin typeface="Helvetica" charset="0"/>
+                <a:ea typeface="Helvetica" charset="0"/>
+                <a:cs typeface="Helvetica" charset="0"/>
+              </a:rPr>
+              <a:t> and D. E. Goldberg. “Population sizing for optimum sampling with genetic algorithms: A case study of the </a:t>
+            </a:r>
+            <a:r>
+              <a:rPr lang="en-US" dirty="0" err="1">
+                <a:solidFill>
+                  <a:schemeClr val="tx1"/>
+                </a:solidFill>
+                <a:latin typeface="Helvetica" charset="0"/>
+                <a:ea typeface="Helvetica" charset="0"/>
+                <a:cs typeface="Helvetica" charset="0"/>
+              </a:rPr>
+              <a:t>onemax</a:t>
+            </a:r>
+            <a:r>
+              <a:rPr lang="en-US" dirty="0">
+                <a:solidFill>
+                  <a:schemeClr val="tx1"/>
+                </a:solidFill>
+                <a:latin typeface="Helvetica" charset="0"/>
+                <a:ea typeface="Helvetica" charset="0"/>
+                <a:cs typeface="Helvetica" charset="0"/>
+              </a:rPr>
+              <a:t> problem”. </a:t>
+            </a:r>
+            <a:r>
+              <a:rPr lang="en-US" i="1" dirty="0">
+                <a:solidFill>
+                  <a:schemeClr val="tx1"/>
+                </a:solidFill>
+                <a:latin typeface="Helvetica" charset="0"/>
+                <a:ea typeface="Helvetica" charset="0"/>
+                <a:cs typeface="Helvetica" charset="0"/>
+              </a:rPr>
+              <a:t>Genetic Programming</a:t>
+            </a:r>
+            <a:r>
+              <a:rPr lang="en-US" dirty="0">
+                <a:solidFill>
+                  <a:schemeClr val="tx1"/>
+                </a:solidFill>
+                <a:latin typeface="Helvetica" charset="0"/>
+                <a:ea typeface="Helvetica" charset="0"/>
+                <a:cs typeface="Helvetica" charset="0"/>
+              </a:rPr>
+              <a:t>, 98:496–503, 1998. </a:t>
+            </a:r>
+          </a:p>
+          <a:p>
+            <a:r>
+              <a:rPr lang="en-US" dirty="0" smtClean="0">
+                <a:solidFill>
+                  <a:schemeClr val="tx1"/>
+                </a:solidFill>
+                <a:latin typeface="Helvetica" charset="0"/>
+                <a:ea typeface="Helvetica" charset="0"/>
+                <a:cs typeface="Helvetica" charset="0"/>
+              </a:rPr>
+              <a:t>[7]</a:t>
+            </a:r>
+            <a:r>
+              <a:rPr lang="en-US" dirty="0">
+                <a:solidFill>
+                  <a:schemeClr val="tx1"/>
+                </a:solidFill>
+                <a:latin typeface="Helvetica" charset="0"/>
+                <a:ea typeface="Helvetica" charset="0"/>
+                <a:cs typeface="Helvetica" charset="0"/>
+              </a:rPr>
+              <a:t> D. L. Applegate, R. E. Bixby, V. </a:t>
+            </a:r>
+            <a:r>
+              <a:rPr lang="en-US" dirty="0" err="1">
+                <a:solidFill>
+                  <a:schemeClr val="tx1"/>
+                </a:solidFill>
+                <a:latin typeface="Helvetica" charset="0"/>
+                <a:ea typeface="Helvetica" charset="0"/>
+                <a:cs typeface="Helvetica" charset="0"/>
+              </a:rPr>
+              <a:t>Chvatal</a:t>
+            </a:r>
+            <a:r>
+              <a:rPr lang="en-US" dirty="0">
+                <a:solidFill>
+                  <a:schemeClr val="tx1"/>
+                </a:solidFill>
+                <a:latin typeface="Helvetica" charset="0"/>
+                <a:ea typeface="Helvetica" charset="0"/>
+                <a:cs typeface="Helvetica" charset="0"/>
+              </a:rPr>
+              <a:t>, and W. J. Cook. </a:t>
+            </a:r>
+            <a:r>
+              <a:rPr lang="en-US" dirty="0" smtClean="0">
+                <a:solidFill>
+                  <a:schemeClr val="tx1"/>
+                </a:solidFill>
+                <a:latin typeface="Helvetica" charset="0"/>
+                <a:ea typeface="Helvetica" charset="0"/>
+                <a:cs typeface="Helvetica" charset="0"/>
+              </a:rPr>
+              <a:t>"The </a:t>
+            </a:r>
+            <a:r>
+              <a:rPr lang="en-US" dirty="0">
+                <a:solidFill>
+                  <a:schemeClr val="tx1"/>
+                </a:solidFill>
+                <a:latin typeface="Helvetica" charset="0"/>
+                <a:ea typeface="Helvetica" charset="0"/>
+                <a:cs typeface="Helvetica" charset="0"/>
+              </a:rPr>
+              <a:t>Traveling Salesman Problem: a computational </a:t>
+            </a:r>
+            <a:r>
+              <a:rPr lang="en-US" dirty="0" smtClean="0">
+                <a:solidFill>
+                  <a:schemeClr val="tx1"/>
+                </a:solidFill>
+                <a:latin typeface="Helvetica" charset="0"/>
+                <a:ea typeface="Helvetica" charset="0"/>
+                <a:cs typeface="Helvetica" charset="0"/>
+              </a:rPr>
+              <a:t>study". </a:t>
+            </a:r>
+            <a:r>
+              <a:rPr lang="en-US" i="1" dirty="0">
+                <a:solidFill>
+                  <a:schemeClr val="tx1"/>
+                </a:solidFill>
+                <a:latin typeface="Helvetica" charset="0"/>
+                <a:ea typeface="Helvetica" charset="0"/>
+                <a:cs typeface="Helvetica" charset="0"/>
+              </a:rPr>
+              <a:t>Princeton </a:t>
+            </a:r>
+            <a:r>
+              <a:rPr lang="en-US" i="1" dirty="0" smtClean="0">
+                <a:solidFill>
+                  <a:schemeClr val="tx1"/>
+                </a:solidFill>
+                <a:latin typeface="Helvetica" charset="0"/>
+                <a:ea typeface="Helvetica" charset="0"/>
+                <a:cs typeface="Helvetica" charset="0"/>
+              </a:rPr>
+              <a:t>University </a:t>
+            </a:r>
+            <a:r>
+              <a:rPr lang="en-US" i="1" dirty="0">
+                <a:solidFill>
+                  <a:schemeClr val="tx1"/>
+                </a:solidFill>
+                <a:latin typeface="Helvetica" charset="0"/>
+                <a:ea typeface="Helvetica" charset="0"/>
+                <a:cs typeface="Helvetica" charset="0"/>
+              </a:rPr>
+              <a:t>P</a:t>
+            </a:r>
+            <a:r>
+              <a:rPr lang="en-US" i="1" dirty="0" smtClean="0">
+                <a:solidFill>
+                  <a:schemeClr val="tx1"/>
+                </a:solidFill>
+                <a:latin typeface="Helvetica" charset="0"/>
+                <a:ea typeface="Helvetica" charset="0"/>
+                <a:cs typeface="Helvetica" charset="0"/>
+              </a:rPr>
+              <a:t>ress</a:t>
+            </a:r>
+            <a:r>
+              <a:rPr lang="en-US" dirty="0">
+                <a:solidFill>
+                  <a:schemeClr val="tx1"/>
+                </a:solidFill>
+                <a:latin typeface="Helvetica" charset="0"/>
+                <a:ea typeface="Helvetica" charset="0"/>
+                <a:cs typeface="Helvetica" charset="0"/>
+              </a:rPr>
+              <a:t>, 2011. </a:t>
+            </a:r>
+            <a:endParaRPr lang="en-US" dirty="0" smtClean="0">
+              <a:solidFill>
+                <a:schemeClr val="tx1"/>
+              </a:solidFill>
+              <a:latin typeface="Helvetica" charset="0"/>
+              <a:ea typeface="Helvetica" charset="0"/>
+              <a:cs typeface="Helvetica" charset="0"/>
+            </a:endParaRPr>
+          </a:p>
+          <a:p>
+            <a:r>
+              <a:rPr lang="en-US" dirty="0" smtClean="0">
+                <a:solidFill>
+                  <a:schemeClr val="tx1"/>
+                </a:solidFill>
+                <a:latin typeface="Helvetica" charset="0"/>
+                <a:ea typeface="Helvetica" charset="0"/>
+                <a:cs typeface="Helvetica" charset="0"/>
+              </a:rPr>
+              <a:t>[8] </a:t>
+            </a:r>
+            <a:r>
+              <a:rPr lang="en-US" dirty="0">
+                <a:solidFill>
+                  <a:schemeClr val="tx1"/>
+                </a:solidFill>
+                <a:latin typeface="Helvetica" charset="0"/>
+                <a:ea typeface="Helvetica" charset="0"/>
+                <a:cs typeface="Helvetica" charset="0"/>
+              </a:rPr>
+              <a:t>T. H. </a:t>
+            </a:r>
+            <a:r>
+              <a:rPr lang="en-US" dirty="0" err="1">
+                <a:solidFill>
+                  <a:schemeClr val="tx1"/>
+                </a:solidFill>
+                <a:latin typeface="Helvetica" charset="0"/>
+                <a:ea typeface="Helvetica" charset="0"/>
+                <a:cs typeface="Helvetica" charset="0"/>
+              </a:rPr>
+              <a:t>Cormen</a:t>
+            </a:r>
+            <a:r>
+              <a:rPr lang="en-US" dirty="0">
+                <a:solidFill>
+                  <a:schemeClr val="tx1"/>
+                </a:solidFill>
+                <a:latin typeface="Helvetica" charset="0"/>
+                <a:ea typeface="Helvetica" charset="0"/>
+                <a:cs typeface="Helvetica" charset="0"/>
+              </a:rPr>
+              <a:t>, C. E. </a:t>
+            </a:r>
+            <a:r>
+              <a:rPr lang="en-US" dirty="0" err="1">
+                <a:solidFill>
+                  <a:schemeClr val="tx1"/>
+                </a:solidFill>
+                <a:latin typeface="Helvetica" charset="0"/>
+                <a:ea typeface="Helvetica" charset="0"/>
+                <a:cs typeface="Helvetica" charset="0"/>
+              </a:rPr>
+              <a:t>Leiserson</a:t>
+            </a:r>
+            <a:r>
+              <a:rPr lang="en-US" dirty="0">
+                <a:solidFill>
+                  <a:schemeClr val="tx1"/>
+                </a:solidFill>
+                <a:latin typeface="Helvetica" charset="0"/>
+                <a:ea typeface="Helvetica" charset="0"/>
+                <a:cs typeface="Helvetica" charset="0"/>
+              </a:rPr>
+              <a:t>, R. L. </a:t>
+            </a:r>
+            <a:r>
+              <a:rPr lang="en-US" dirty="0" err="1">
+                <a:solidFill>
+                  <a:schemeClr val="tx1"/>
+                </a:solidFill>
+                <a:latin typeface="Helvetica" charset="0"/>
+                <a:ea typeface="Helvetica" charset="0"/>
+                <a:cs typeface="Helvetica" charset="0"/>
+              </a:rPr>
+              <a:t>Rivest</a:t>
+            </a:r>
+            <a:r>
+              <a:rPr lang="en-US" dirty="0">
+                <a:solidFill>
+                  <a:schemeClr val="tx1"/>
+                </a:solidFill>
+                <a:latin typeface="Helvetica" charset="0"/>
+                <a:ea typeface="Helvetica" charset="0"/>
+                <a:cs typeface="Helvetica" charset="0"/>
+              </a:rPr>
+              <a:t>, et al. </a:t>
+            </a:r>
+            <a:r>
+              <a:rPr lang="en-US" dirty="0" smtClean="0">
+                <a:solidFill>
+                  <a:schemeClr val="tx1"/>
+                </a:solidFill>
+                <a:latin typeface="Helvetica" charset="0"/>
+                <a:ea typeface="Helvetica" charset="0"/>
+                <a:cs typeface="Helvetica" charset="0"/>
+              </a:rPr>
+              <a:t>"Section </a:t>
+            </a:r>
+            <a:r>
+              <a:rPr lang="en-US" dirty="0">
+                <a:solidFill>
+                  <a:schemeClr val="tx1"/>
+                </a:solidFill>
+                <a:latin typeface="Helvetica" charset="0"/>
+                <a:ea typeface="Helvetica" charset="0"/>
+                <a:cs typeface="Helvetica" charset="0"/>
+              </a:rPr>
+              <a:t>24.3: </a:t>
+            </a:r>
+            <a:r>
+              <a:rPr lang="en-US" dirty="0" err="1">
+                <a:solidFill>
+                  <a:schemeClr val="tx1"/>
+                </a:solidFill>
+                <a:latin typeface="Helvetica" charset="0"/>
+                <a:ea typeface="Helvetica" charset="0"/>
+                <a:cs typeface="Helvetica" charset="0"/>
+              </a:rPr>
+              <a:t>Dijkstra’s</a:t>
+            </a:r>
+            <a:r>
+              <a:rPr lang="en-US" dirty="0">
+                <a:solidFill>
+                  <a:schemeClr val="tx1"/>
+                </a:solidFill>
+                <a:latin typeface="Helvetica" charset="0"/>
+                <a:ea typeface="Helvetica" charset="0"/>
+                <a:cs typeface="Helvetica" charset="0"/>
+              </a:rPr>
+              <a:t> </a:t>
+            </a:r>
+            <a:r>
+              <a:rPr lang="en-US" dirty="0" smtClean="0">
+                <a:solidFill>
+                  <a:schemeClr val="tx1"/>
+                </a:solidFill>
+                <a:latin typeface="Helvetica" charset="0"/>
+                <a:ea typeface="Helvetica" charset="0"/>
+                <a:cs typeface="Helvetica" charset="0"/>
+              </a:rPr>
+              <a:t>algorithm”. </a:t>
+            </a:r>
+            <a:r>
+              <a:rPr lang="en-US" i="1" dirty="0" smtClean="0">
+                <a:solidFill>
+                  <a:schemeClr val="tx1"/>
+                </a:solidFill>
+                <a:latin typeface="Helvetica" charset="0"/>
+                <a:ea typeface="Helvetica" charset="0"/>
+                <a:cs typeface="Helvetica" charset="0"/>
+              </a:rPr>
+              <a:t>MIT Press </a:t>
+            </a:r>
+            <a:r>
+              <a:rPr lang="en-US" i="1" dirty="0">
+                <a:solidFill>
+                  <a:schemeClr val="tx1"/>
+                </a:solidFill>
+                <a:latin typeface="Helvetica" charset="0"/>
+                <a:ea typeface="Helvetica" charset="0"/>
+                <a:cs typeface="Helvetica" charset="0"/>
+              </a:rPr>
+              <a:t>and McGraw-Hill</a:t>
+            </a:r>
+            <a:r>
+              <a:rPr lang="en-US" dirty="0">
+                <a:solidFill>
+                  <a:schemeClr val="tx1"/>
+                </a:solidFill>
+                <a:latin typeface="Helvetica" charset="0"/>
+                <a:ea typeface="Helvetica" charset="0"/>
+                <a:cs typeface="Helvetica" charset="0"/>
+              </a:rPr>
+              <a:t>, 2001. </a:t>
+            </a:r>
+            <a:endParaRPr lang="en-US" dirty="0" smtClean="0">
+              <a:solidFill>
+                <a:schemeClr val="tx1"/>
+              </a:solidFill>
+              <a:latin typeface="Helvetica" charset="0"/>
+              <a:ea typeface="Helvetica" charset="0"/>
+              <a:cs typeface="Helvetica" charset="0"/>
+            </a:endParaRPr>
+          </a:p>
+          <a:p>
+            <a:r>
+              <a:rPr lang="en-US" dirty="0" smtClean="0">
+                <a:solidFill>
+                  <a:schemeClr val="tx1"/>
+                </a:solidFill>
+                <a:latin typeface="Helvetica" charset="0"/>
+                <a:ea typeface="Helvetica" charset="0"/>
+                <a:cs typeface="Helvetica" charset="0"/>
+              </a:rPr>
+              <a:t>[9] </a:t>
+            </a:r>
+            <a:r>
+              <a:rPr lang="en-US" dirty="0">
+                <a:solidFill>
+                  <a:schemeClr val="tx1"/>
+                </a:solidFill>
+                <a:latin typeface="Helvetica" charset="0"/>
+                <a:ea typeface="Helvetica" charset="0"/>
+                <a:cs typeface="Helvetica" charset="0"/>
+              </a:rPr>
+              <a:t>M. Mitchell. </a:t>
+            </a:r>
+            <a:r>
+              <a:rPr lang="en-US" dirty="0" smtClean="0">
+                <a:solidFill>
+                  <a:schemeClr val="tx1"/>
+                </a:solidFill>
+                <a:latin typeface="Helvetica" charset="0"/>
+                <a:ea typeface="Helvetica" charset="0"/>
+                <a:cs typeface="Helvetica" charset="0"/>
+              </a:rPr>
+              <a:t>"An </a:t>
+            </a:r>
+            <a:r>
+              <a:rPr lang="en-US" dirty="0">
+                <a:solidFill>
+                  <a:schemeClr val="tx1"/>
+                </a:solidFill>
+                <a:latin typeface="Helvetica" charset="0"/>
+                <a:ea typeface="Helvetica" charset="0"/>
+                <a:cs typeface="Helvetica" charset="0"/>
+              </a:rPr>
+              <a:t>introduction to genetic </a:t>
+            </a:r>
+            <a:r>
+              <a:rPr lang="en-US" dirty="0" smtClean="0">
+                <a:solidFill>
+                  <a:schemeClr val="tx1"/>
+                </a:solidFill>
+                <a:latin typeface="Helvetica" charset="0"/>
+                <a:ea typeface="Helvetica" charset="0"/>
+                <a:cs typeface="Helvetica" charset="0"/>
+              </a:rPr>
+              <a:t>algorithms". </a:t>
+            </a:r>
+            <a:r>
+              <a:rPr lang="en-US" i="1" dirty="0">
+                <a:solidFill>
+                  <a:schemeClr val="tx1"/>
+                </a:solidFill>
+                <a:latin typeface="Helvetica" charset="0"/>
+                <a:ea typeface="Helvetica" charset="0"/>
+                <a:cs typeface="Helvetica" charset="0"/>
+              </a:rPr>
+              <a:t>MIT </a:t>
+            </a:r>
+            <a:r>
+              <a:rPr lang="en-US" i="1" dirty="0" smtClean="0">
+                <a:solidFill>
+                  <a:schemeClr val="tx1"/>
+                </a:solidFill>
+                <a:latin typeface="Helvetica" charset="0"/>
+                <a:ea typeface="Helvetica" charset="0"/>
+                <a:cs typeface="Helvetica" charset="0"/>
+              </a:rPr>
+              <a:t>Press</a:t>
+            </a:r>
+            <a:r>
+              <a:rPr lang="en-US" dirty="0">
+                <a:solidFill>
+                  <a:schemeClr val="tx1"/>
+                </a:solidFill>
+                <a:latin typeface="Helvetica" charset="0"/>
+                <a:ea typeface="Helvetica" charset="0"/>
+                <a:cs typeface="Helvetica" charset="0"/>
+              </a:rPr>
+              <a:t>, 1998. </a:t>
+            </a:r>
+            <a:endParaRPr lang="en-US" dirty="0" smtClean="0">
+              <a:solidFill>
+                <a:schemeClr val="tx1"/>
+              </a:solidFill>
+              <a:latin typeface="Helvetica" charset="0"/>
+              <a:ea typeface="Helvetica" charset="0"/>
+              <a:cs typeface="Helvetica" charset="0"/>
+            </a:endParaRPr>
+          </a:p>
+          <a:p>
+            <a:r>
+              <a:rPr lang="en-US" dirty="0" smtClean="0">
+                <a:solidFill>
+                  <a:schemeClr val="tx1"/>
+                </a:solidFill>
+                <a:latin typeface="Helvetica" charset="0"/>
+                <a:ea typeface="Helvetica" charset="0"/>
+                <a:cs typeface="Helvetica" charset="0"/>
+              </a:rPr>
+              <a:t>[10] M</a:t>
+            </a:r>
+            <a:r>
+              <a:rPr lang="en-US" dirty="0">
+                <a:solidFill>
+                  <a:schemeClr val="tx1"/>
+                </a:solidFill>
+                <a:latin typeface="Helvetica" charset="0"/>
+                <a:ea typeface="Helvetica" charset="0"/>
+                <a:cs typeface="Helvetica" charset="0"/>
+              </a:rPr>
+              <a:t>. Srinivas and L. M. </a:t>
+            </a:r>
+            <a:r>
+              <a:rPr lang="en-US" dirty="0" err="1">
+                <a:solidFill>
+                  <a:schemeClr val="tx1"/>
+                </a:solidFill>
+                <a:latin typeface="Helvetica" charset="0"/>
+                <a:ea typeface="Helvetica" charset="0"/>
+                <a:cs typeface="Helvetica" charset="0"/>
+              </a:rPr>
+              <a:t>Patnaik</a:t>
+            </a:r>
+            <a:r>
+              <a:rPr lang="en-US" dirty="0">
+                <a:solidFill>
+                  <a:schemeClr val="tx1"/>
+                </a:solidFill>
+                <a:latin typeface="Helvetica" charset="0"/>
+                <a:ea typeface="Helvetica" charset="0"/>
+                <a:cs typeface="Helvetica" charset="0"/>
+              </a:rPr>
+              <a:t>. </a:t>
+            </a:r>
+            <a:r>
+              <a:rPr lang="en-US" dirty="0" smtClean="0">
+                <a:solidFill>
+                  <a:schemeClr val="tx1"/>
+                </a:solidFill>
+                <a:latin typeface="Helvetica" charset="0"/>
+                <a:ea typeface="Helvetica" charset="0"/>
+                <a:cs typeface="Helvetica" charset="0"/>
+              </a:rPr>
+              <a:t>"Adaptive </a:t>
+            </a:r>
+            <a:r>
+              <a:rPr lang="en-US" dirty="0">
+                <a:solidFill>
+                  <a:schemeClr val="tx1"/>
+                </a:solidFill>
+                <a:latin typeface="Helvetica" charset="0"/>
+                <a:ea typeface="Helvetica" charset="0"/>
+                <a:cs typeface="Helvetica" charset="0"/>
+              </a:rPr>
+              <a:t>probabilities of crossover and mutation in genetic </a:t>
+            </a:r>
+            <a:r>
+              <a:rPr lang="en-US" dirty="0" smtClean="0">
+                <a:solidFill>
+                  <a:schemeClr val="tx1"/>
+                </a:solidFill>
+                <a:latin typeface="Helvetica" charset="0"/>
+                <a:ea typeface="Helvetica" charset="0"/>
+                <a:cs typeface="Helvetica" charset="0"/>
+              </a:rPr>
+              <a:t>algorithms". </a:t>
+            </a:r>
+            <a:r>
+              <a:rPr lang="en-US" i="1" dirty="0">
+                <a:solidFill>
+                  <a:schemeClr val="tx1"/>
+                </a:solidFill>
+                <a:latin typeface="Helvetica" charset="0"/>
+                <a:ea typeface="Helvetica" charset="0"/>
+                <a:cs typeface="Helvetica" charset="0"/>
+              </a:rPr>
+              <a:t>IEEE Transactions on Systems, Man, and Cybernetics</a:t>
+            </a:r>
+            <a:r>
+              <a:rPr lang="en-US" dirty="0">
+                <a:solidFill>
+                  <a:schemeClr val="tx1"/>
+                </a:solidFill>
+                <a:latin typeface="Helvetica" charset="0"/>
+                <a:ea typeface="Helvetica" charset="0"/>
+                <a:cs typeface="Helvetica" charset="0"/>
+              </a:rPr>
+              <a:t>, 24(4):656–667, 1994. </a:t>
             </a:r>
           </a:p>
           <a:p>
@@ -31348,7 +31410,483 @@
           <a:p>
             <a:fld id="{55774153-6BEA-8641-B7A1-86CE42693FE2}" type="slidenum">
               <a:rPr lang="en-US" smtClean="0"/>
-              <a:t>29</a:t>
+              <a:t>30</a:t>
+            </a:fld>
+            <a:endParaRPr lang="en-US"/>
+          </a:p>
+        </p:txBody>
+      </p:sp>
+    </p:spTree>
+    <p:extLst>
+      <p:ext uri="{BB962C8B-B14F-4D97-AF65-F5344CB8AC3E}">
+        <p14:creationId xmlns:p14="http://schemas.microsoft.com/office/powerpoint/2010/main" val="2080831962"/>
+      </p:ext>
+    </p:extLst>
+  </p:cSld>
+  <p:clrMapOvr>
+    <a:masterClrMapping/>
+  </p:clrMapOvr>
+  <p:timing>
+    <p:tnLst>
+      <p:par>
+        <p:cTn id="1" dur="indefinite" restart="never" nodeType="tmRoot"/>
+      </p:par>
+    </p:tnLst>
+  </p:timing>
+</p:sld>
+</file>
+
+<file path=ppt/slides/slide32.xml><?xml version="1.0" encoding="utf-8"?>
+<p:sld xmlns:a="http://schemas.openxmlformats.org/drawingml/2006/main" xmlns:r="http://schemas.openxmlformats.org/officeDocument/2006/relationships" xmlns:p="http://schemas.openxmlformats.org/presentationml/2006/main">
+  <p:cSld>
+    <p:spTree>
+      <p:nvGrpSpPr>
+        <p:cNvPr id="1" name=""/>
+        <p:cNvGrpSpPr/>
+        <p:nvPr/>
+      </p:nvGrpSpPr>
+      <p:grpSpPr>
+        <a:xfrm>
+          <a:off x="0" y="0"/>
+          <a:ext cx="0" cy="0"/>
+          <a:chOff x="0" y="0"/>
+          <a:chExt cx="0" cy="0"/>
+        </a:xfrm>
+      </p:grpSpPr>
+      <p:sp>
+        <p:nvSpPr>
+          <p:cNvPr id="2" name="Title 1"/>
+          <p:cNvSpPr>
+            <a:spLocks noGrp="1"/>
+          </p:cNvSpPr>
+          <p:nvPr>
+            <p:ph type="title"/>
+          </p:nvPr>
+        </p:nvSpPr>
+        <p:spPr/>
+        <p:txBody>
+          <a:bodyPr/>
+          <a:lstStyle/>
+          <a:p>
+            <a:r>
+              <a:rPr lang="en-US" b="1" dirty="0" err="1" smtClean="0">
+                <a:latin typeface="Helvetica" charset="0"/>
+                <a:ea typeface="Helvetica" charset="0"/>
+                <a:cs typeface="Helvetica" charset="0"/>
+              </a:rPr>
+              <a:t>Referências</a:t>
+            </a:r>
+            <a:endParaRPr lang="en-US" b="1" dirty="0">
+              <a:latin typeface="Helvetica" charset="0"/>
+              <a:ea typeface="Helvetica" charset="0"/>
+              <a:cs typeface="Helvetica" charset="0"/>
+            </a:endParaRPr>
+          </a:p>
+        </p:txBody>
+      </p:sp>
+      <p:sp>
+        <p:nvSpPr>
+          <p:cNvPr id="3" name="Content Placeholder 2"/>
+          <p:cNvSpPr>
+            <a:spLocks noGrp="1"/>
+          </p:cNvSpPr>
+          <p:nvPr>
+            <p:ph idx="1"/>
+          </p:nvPr>
+        </p:nvSpPr>
+        <p:spPr>
+          <a:xfrm>
+            <a:off x="1154954" y="2603500"/>
+            <a:ext cx="10035785" cy="3416300"/>
+          </a:xfrm>
+        </p:spPr>
+        <p:txBody>
+          <a:bodyPr/>
+          <a:lstStyle/>
+          <a:p>
+            <a:r>
+              <a:rPr lang="en-US" dirty="0" smtClean="0">
+                <a:solidFill>
+                  <a:schemeClr val="tx1"/>
+                </a:solidFill>
+                <a:latin typeface="Helvetica" charset="0"/>
+                <a:ea typeface="Helvetica" charset="0"/>
+                <a:cs typeface="Helvetica" charset="0"/>
+              </a:rPr>
+              <a:t>[11] </a:t>
+            </a:r>
+            <a:r>
+              <a:rPr lang="en-US" dirty="0">
+                <a:solidFill>
+                  <a:schemeClr val="tx1"/>
+                </a:solidFill>
+                <a:latin typeface="Helvetica" charset="0"/>
+                <a:ea typeface="Helvetica" charset="0"/>
+                <a:cs typeface="Helvetica" charset="0"/>
+              </a:rPr>
+              <a:t>D. </a:t>
+            </a:r>
+            <a:r>
+              <a:rPr lang="en-US" dirty="0" err="1">
+                <a:solidFill>
+                  <a:schemeClr val="tx1"/>
+                </a:solidFill>
+                <a:latin typeface="Helvetica" charset="0"/>
+                <a:ea typeface="Helvetica" charset="0"/>
+                <a:cs typeface="Helvetica" charset="0"/>
+              </a:rPr>
+              <a:t>Jakobovic</a:t>
+            </a:r>
+            <a:r>
+              <a:rPr lang="en-US" dirty="0">
+                <a:solidFill>
+                  <a:schemeClr val="tx1"/>
+                </a:solidFill>
+                <a:latin typeface="Helvetica" charset="0"/>
+                <a:ea typeface="Helvetica" charset="0"/>
+                <a:cs typeface="Helvetica" charset="0"/>
+              </a:rPr>
+              <a:t>́ and M. </a:t>
+            </a:r>
+            <a:r>
+              <a:rPr lang="en-US" dirty="0" err="1">
+                <a:solidFill>
+                  <a:schemeClr val="tx1"/>
+                </a:solidFill>
+                <a:latin typeface="Helvetica" charset="0"/>
+                <a:ea typeface="Helvetica" charset="0"/>
+                <a:cs typeface="Helvetica" charset="0"/>
+              </a:rPr>
+              <a:t>Golub</a:t>
+            </a:r>
+            <a:r>
+              <a:rPr lang="en-US" dirty="0">
+                <a:solidFill>
+                  <a:schemeClr val="tx1"/>
+                </a:solidFill>
+                <a:latin typeface="Helvetica" charset="0"/>
+                <a:ea typeface="Helvetica" charset="0"/>
+                <a:cs typeface="Helvetica" charset="0"/>
+              </a:rPr>
+              <a:t>. </a:t>
+            </a:r>
+            <a:r>
+              <a:rPr lang="en-US" dirty="0" smtClean="0">
+                <a:solidFill>
+                  <a:schemeClr val="tx1"/>
+                </a:solidFill>
+                <a:latin typeface="Helvetica" charset="0"/>
+                <a:ea typeface="Helvetica" charset="0"/>
+                <a:cs typeface="Helvetica" charset="0"/>
+              </a:rPr>
+              <a:t>“Adaptive </a:t>
+            </a:r>
+            <a:r>
+              <a:rPr lang="en-US" dirty="0">
+                <a:solidFill>
+                  <a:schemeClr val="tx1"/>
+                </a:solidFill>
+                <a:latin typeface="Helvetica" charset="0"/>
+                <a:ea typeface="Helvetica" charset="0"/>
+                <a:cs typeface="Helvetica" charset="0"/>
+              </a:rPr>
+              <a:t>G</a:t>
+            </a:r>
+            <a:r>
+              <a:rPr lang="en-US" dirty="0" smtClean="0">
+                <a:solidFill>
+                  <a:schemeClr val="tx1"/>
+                </a:solidFill>
+                <a:latin typeface="Helvetica" charset="0"/>
+                <a:ea typeface="Helvetica" charset="0"/>
+                <a:cs typeface="Helvetica" charset="0"/>
+              </a:rPr>
+              <a:t>enetic Algorithm”. </a:t>
+            </a:r>
+            <a:r>
+              <a:rPr lang="en-US" i="1" dirty="0">
+                <a:solidFill>
+                  <a:schemeClr val="tx1"/>
+                </a:solidFill>
+                <a:latin typeface="Helvetica" charset="0"/>
+                <a:ea typeface="Helvetica" charset="0"/>
+                <a:cs typeface="Helvetica" charset="0"/>
+              </a:rPr>
+              <a:t>CIT. Journal of computing and information technology</a:t>
+            </a:r>
+            <a:r>
+              <a:rPr lang="en-US" dirty="0">
+                <a:solidFill>
+                  <a:schemeClr val="tx1"/>
+                </a:solidFill>
+                <a:latin typeface="Helvetica" charset="0"/>
+                <a:ea typeface="Helvetica" charset="0"/>
+                <a:cs typeface="Helvetica" charset="0"/>
+              </a:rPr>
+              <a:t>, 7(3):229–235, 1999. </a:t>
+            </a:r>
+          </a:p>
+          <a:p>
+            <a:r>
+              <a:rPr lang="en-US" dirty="0" smtClean="0">
+                <a:solidFill>
+                  <a:schemeClr val="tx1"/>
+                </a:solidFill>
+                <a:latin typeface="Helvetica" charset="0"/>
+                <a:ea typeface="Helvetica" charset="0"/>
+                <a:cs typeface="Helvetica" charset="0"/>
+              </a:rPr>
+              <a:t>[12] </a:t>
+            </a:r>
+            <a:r>
+              <a:rPr lang="en-US" dirty="0">
+                <a:solidFill>
+                  <a:schemeClr val="tx1"/>
+                </a:solidFill>
+                <a:latin typeface="Helvetica" charset="0"/>
+                <a:ea typeface="Helvetica" charset="0"/>
+                <a:cs typeface="Helvetica" charset="0"/>
+              </a:rPr>
+              <a:t>L. Wang and T. Shen. </a:t>
+            </a:r>
+            <a:r>
+              <a:rPr lang="en-US" dirty="0" smtClean="0">
+                <a:solidFill>
+                  <a:schemeClr val="tx1"/>
+                </a:solidFill>
+                <a:latin typeface="Helvetica" charset="0"/>
+                <a:ea typeface="Helvetica" charset="0"/>
+                <a:cs typeface="Helvetica" charset="0"/>
+              </a:rPr>
+              <a:t>"Improved </a:t>
+            </a:r>
+            <a:r>
+              <a:rPr lang="en-US" dirty="0">
+                <a:solidFill>
+                  <a:schemeClr val="tx1"/>
+                </a:solidFill>
+                <a:latin typeface="Helvetica" charset="0"/>
+                <a:ea typeface="Helvetica" charset="0"/>
+                <a:cs typeface="Helvetica" charset="0"/>
+              </a:rPr>
+              <a:t>adaptive genetic algorithm and its application to image </a:t>
+            </a:r>
+            <a:r>
+              <a:rPr lang="en-US" dirty="0" smtClean="0">
+                <a:solidFill>
+                  <a:schemeClr val="tx1"/>
+                </a:solidFill>
+                <a:latin typeface="Helvetica" charset="0"/>
+                <a:ea typeface="Helvetica" charset="0"/>
+                <a:cs typeface="Helvetica" charset="0"/>
+              </a:rPr>
+              <a:t>segmentation". </a:t>
+            </a:r>
+            <a:r>
+              <a:rPr lang="en-US" i="1" dirty="0">
+                <a:solidFill>
+                  <a:schemeClr val="tx1"/>
+                </a:solidFill>
+                <a:latin typeface="Helvetica" charset="0"/>
+                <a:ea typeface="Helvetica" charset="0"/>
+                <a:cs typeface="Helvetica" charset="0"/>
+              </a:rPr>
+              <a:t>In Multispectral Image Processing and Pattern Recognition</a:t>
+            </a:r>
+            <a:r>
+              <a:rPr lang="en-US" dirty="0">
+                <a:solidFill>
+                  <a:schemeClr val="tx1"/>
+                </a:solidFill>
+                <a:latin typeface="Helvetica" charset="0"/>
+                <a:ea typeface="Helvetica" charset="0"/>
+                <a:cs typeface="Helvetica" charset="0"/>
+              </a:rPr>
+              <a:t>, pages 115–120. International Society for Optics and Photonics, 2001. </a:t>
+            </a:r>
+            <a:endParaRPr lang="en-US" dirty="0" smtClean="0">
+              <a:solidFill>
+                <a:schemeClr val="tx1"/>
+              </a:solidFill>
+              <a:latin typeface="Helvetica" charset="0"/>
+              <a:ea typeface="Helvetica" charset="0"/>
+              <a:cs typeface="Helvetica" charset="0"/>
+            </a:endParaRPr>
+          </a:p>
+          <a:p>
+            <a:r>
+              <a:rPr lang="en-US" dirty="0" smtClean="0">
+                <a:solidFill>
+                  <a:schemeClr val="tx1"/>
+                </a:solidFill>
+                <a:latin typeface="Helvetica" charset="0"/>
+                <a:ea typeface="Helvetica" charset="0"/>
+                <a:cs typeface="Helvetica" charset="0"/>
+              </a:rPr>
+              <a:t>[13] </a:t>
+            </a:r>
+            <a:r>
+              <a:rPr lang="en-US" dirty="0">
+                <a:solidFill>
+                  <a:schemeClr val="tx1"/>
+                </a:solidFill>
+                <a:latin typeface="Helvetica" charset="0"/>
+                <a:ea typeface="Helvetica" charset="0"/>
+                <a:cs typeface="Helvetica" charset="0"/>
+              </a:rPr>
+              <a:t>K. Matthias, T. </a:t>
+            </a:r>
+            <a:r>
+              <a:rPr lang="en-US" dirty="0" err="1">
+                <a:solidFill>
+                  <a:schemeClr val="tx1"/>
+                </a:solidFill>
+                <a:latin typeface="Helvetica" charset="0"/>
+                <a:ea typeface="Helvetica" charset="0"/>
+                <a:cs typeface="Helvetica" charset="0"/>
+              </a:rPr>
+              <a:t>Severin</a:t>
+            </a:r>
+            <a:r>
+              <a:rPr lang="en-US" dirty="0">
+                <a:solidFill>
+                  <a:schemeClr val="tx1"/>
+                </a:solidFill>
+                <a:latin typeface="Helvetica" charset="0"/>
+                <a:ea typeface="Helvetica" charset="0"/>
+                <a:cs typeface="Helvetica" charset="0"/>
+              </a:rPr>
+              <a:t>, and H. </a:t>
+            </a:r>
+            <a:r>
+              <a:rPr lang="en-US" dirty="0" err="1">
+                <a:solidFill>
+                  <a:schemeClr val="tx1"/>
+                </a:solidFill>
+                <a:latin typeface="Helvetica" charset="0"/>
+                <a:ea typeface="Helvetica" charset="0"/>
+                <a:cs typeface="Helvetica" charset="0"/>
+              </a:rPr>
+              <a:t>Salzwedel</a:t>
+            </a:r>
+            <a:r>
+              <a:rPr lang="en-US" dirty="0">
+                <a:solidFill>
+                  <a:schemeClr val="tx1"/>
+                </a:solidFill>
+                <a:latin typeface="Helvetica" charset="0"/>
+                <a:ea typeface="Helvetica" charset="0"/>
+                <a:cs typeface="Helvetica" charset="0"/>
+              </a:rPr>
+              <a:t>. </a:t>
+            </a:r>
+            <a:r>
+              <a:rPr lang="en-US" dirty="0" smtClean="0">
+                <a:solidFill>
+                  <a:schemeClr val="tx1"/>
+                </a:solidFill>
+                <a:latin typeface="Helvetica" charset="0"/>
+                <a:ea typeface="Helvetica" charset="0"/>
+                <a:cs typeface="Helvetica" charset="0"/>
+              </a:rPr>
+              <a:t>"Variable </a:t>
+            </a:r>
+            <a:r>
+              <a:rPr lang="en-US" dirty="0">
+                <a:solidFill>
+                  <a:schemeClr val="tx1"/>
+                </a:solidFill>
+                <a:latin typeface="Helvetica" charset="0"/>
+                <a:ea typeface="Helvetica" charset="0"/>
+                <a:cs typeface="Helvetica" charset="0"/>
+              </a:rPr>
+              <a:t>mutation rate at genetic algorithms: introduction of chromosome fitness in connection with multi-chromosome </a:t>
+            </a:r>
+            <a:r>
+              <a:rPr lang="en-US" dirty="0" smtClean="0">
+                <a:solidFill>
+                  <a:schemeClr val="tx1"/>
+                </a:solidFill>
+                <a:latin typeface="Helvetica" charset="0"/>
+                <a:ea typeface="Helvetica" charset="0"/>
+                <a:cs typeface="Helvetica" charset="0"/>
+              </a:rPr>
+              <a:t>representation". </a:t>
+            </a:r>
+            <a:r>
+              <a:rPr lang="en-US" i="1" dirty="0">
+                <a:solidFill>
+                  <a:schemeClr val="tx1"/>
+                </a:solidFill>
+                <a:latin typeface="Helvetica" charset="0"/>
+                <a:ea typeface="Helvetica" charset="0"/>
+                <a:cs typeface="Helvetica" charset="0"/>
+              </a:rPr>
+              <a:t>International Journal of Computer Applications</a:t>
+            </a:r>
+            <a:r>
+              <a:rPr lang="en-US" dirty="0">
+                <a:solidFill>
+                  <a:schemeClr val="tx1"/>
+                </a:solidFill>
+                <a:latin typeface="Helvetica" charset="0"/>
+                <a:ea typeface="Helvetica" charset="0"/>
+                <a:cs typeface="Helvetica" charset="0"/>
+              </a:rPr>
+              <a:t>, 72(17), 2013</a:t>
+            </a:r>
+            <a:r>
+              <a:rPr lang="en-US" dirty="0" smtClean="0">
+                <a:solidFill>
+                  <a:schemeClr val="tx1"/>
+                </a:solidFill>
+                <a:latin typeface="Helvetica" charset="0"/>
+                <a:ea typeface="Helvetica" charset="0"/>
+                <a:cs typeface="Helvetica" charset="0"/>
+              </a:rPr>
+              <a:t>.</a:t>
+            </a:r>
+          </a:p>
+          <a:p>
+            <a:endParaRPr lang="en-US" dirty="0">
+              <a:solidFill>
+                <a:schemeClr val="tx1"/>
+              </a:solidFill>
+              <a:latin typeface="Helvetica" charset="0"/>
+              <a:ea typeface="Helvetica" charset="0"/>
+              <a:cs typeface="Helvetica" charset="0"/>
+            </a:endParaRPr>
+          </a:p>
+          <a:p>
+            <a:endParaRPr lang="en-US" dirty="0">
+              <a:solidFill>
+                <a:schemeClr val="tx1"/>
+              </a:solidFill>
+              <a:latin typeface="Helvetica" charset="0"/>
+              <a:ea typeface="Helvetica" charset="0"/>
+              <a:cs typeface="Helvetica" charset="0"/>
+            </a:endParaRPr>
+          </a:p>
+        </p:txBody>
+      </p:sp>
+      <p:sp>
+        <p:nvSpPr>
+          <p:cNvPr id="4" name="Slide Number Placeholder 3"/>
+          <p:cNvSpPr>
+            <a:spLocks noGrp="1"/>
+          </p:cNvSpPr>
+          <p:nvPr>
+            <p:ph type="sldNum" sz="quarter" idx="12"/>
+          </p:nvPr>
+        </p:nvSpPr>
+        <p:spPr/>
+        <p:txBody>
+          <a:bodyPr/>
+          <a:lstStyle/>
+          <a:p>
+            <a:fld id="{55774153-6BEA-8641-B7A1-86CE42693FE2}" type="slidenum">
+              <a:rPr lang="en-US" smtClean="0"/>
+              <a:t>31</a:t>
             </a:fld>
             <a:endParaRPr lang="en-US"/>
           </a:p>

--- a/presentations/TG2_Apresentacao_Cassio.pptx
+++ b/presentations/TG2_Apresentacao_Cassio.pptx
@@ -28659,7 +28659,7 @@
               <a:t> </a:t>
             </a:r>
             <a:r>
-              <a:rPr lang="en-US" b="1" smtClean="0">
+              <a:rPr lang="en-US" b="1" dirty="0" err="1" smtClean="0">
                 <a:latin typeface="Helvetica" charset="0"/>
                 <a:ea typeface="Helvetica" charset="0"/>
                 <a:cs typeface="Helvetica" charset="0"/>
@@ -28697,26 +28697,26 @@
           <a:lstStyle/>
           <a:p>
             <a:r>
-              <a:rPr lang="en-US" dirty="0" err="1">
-                <a:solidFill>
-                  <a:schemeClr val="tx1"/>
-                </a:solidFill>
-                <a:latin typeface="Helvetica" charset="0"/>
-                <a:ea typeface="Helvetica" charset="0"/>
-                <a:cs typeface="Helvetica" charset="0"/>
-              </a:rPr>
-              <a:t>T</a:t>
-            </a:r>
-            <a:r>
-              <a:rPr lang="en-US" dirty="0" err="1" smtClean="0">
-                <a:solidFill>
-                  <a:schemeClr val="tx1"/>
-                </a:solidFill>
-                <a:latin typeface="Helvetica" charset="0"/>
-                <a:ea typeface="Helvetica" charset="0"/>
-                <a:cs typeface="Helvetica" charset="0"/>
-              </a:rPr>
-              <a:t>exto</a:t>
+              <a:rPr lang="en-US" dirty="0" err="1" smtClean="0">
+                <a:solidFill>
+                  <a:schemeClr val="tx1"/>
+                </a:solidFill>
+                <a:latin typeface="Helvetica" charset="0"/>
+                <a:ea typeface="Helvetica" charset="0"/>
+                <a:cs typeface="Helvetica" charset="0"/>
+              </a:rPr>
+              <a:t>An</a:t>
+            </a:r>
+            <a:r>
+              <a:rPr lang="en-US" dirty="0" err="1" smtClean="0">
+                <a:solidFill>
+                  <a:schemeClr val="tx1"/>
+                </a:solidFill>
+                <a:latin typeface="Helvetica" charset="0"/>
+                <a:ea typeface="Helvetica" charset="0"/>
+                <a:cs typeface="Helvetica" charset="0"/>
+              </a:rPr>
+              <a:t>álise</a:t>
             </a:r>
             <a:r>
               <a:rPr lang="en-US" dirty="0" smtClean="0">
@@ -28738,9 +28738,690 @@
                 <a:ea typeface="Helvetica" charset="0"/>
                 <a:cs typeface="Helvetica" charset="0"/>
               </a:rPr>
-              <a:t>aqui</a:t>
-            </a:r>
-            <a:endParaRPr lang="en-US" i="1" baseline="-25000" dirty="0" smtClean="0">
+              <a:t>mais</a:t>
+            </a:r>
+            <a:r>
+              <a:rPr lang="en-US" dirty="0" smtClean="0">
+                <a:solidFill>
+                  <a:schemeClr val="tx1"/>
+                </a:solidFill>
+                <a:latin typeface="Helvetica" charset="0"/>
+                <a:ea typeface="Helvetica" charset="0"/>
+                <a:cs typeface="Helvetica" charset="0"/>
+              </a:rPr>
+              <a:t> </a:t>
+            </a:r>
+            <a:r>
+              <a:rPr lang="en-US" dirty="0" err="1" smtClean="0">
+                <a:solidFill>
+                  <a:schemeClr val="tx1"/>
+                </a:solidFill>
+                <a:latin typeface="Helvetica" charset="0"/>
+                <a:ea typeface="Helvetica" charset="0"/>
+                <a:cs typeface="Helvetica" charset="0"/>
+              </a:rPr>
+              <a:t>detalhada</a:t>
+            </a:r>
+            <a:r>
+              <a:rPr lang="en-US" dirty="0" smtClean="0">
+                <a:solidFill>
+                  <a:schemeClr val="tx1"/>
+                </a:solidFill>
+                <a:latin typeface="Helvetica" charset="0"/>
+                <a:ea typeface="Helvetica" charset="0"/>
+                <a:cs typeface="Helvetica" charset="0"/>
+              </a:rPr>
+              <a:t> do </a:t>
+            </a:r>
+            <a:r>
+              <a:rPr lang="en-US" dirty="0" err="1" smtClean="0">
+                <a:solidFill>
+                  <a:schemeClr val="tx1"/>
+                </a:solidFill>
+                <a:latin typeface="Helvetica" charset="0"/>
+                <a:ea typeface="Helvetica" charset="0"/>
+                <a:cs typeface="Helvetica" charset="0"/>
+              </a:rPr>
+              <a:t>problema</a:t>
+            </a:r>
+            <a:r>
+              <a:rPr lang="en-US" dirty="0" smtClean="0">
+                <a:solidFill>
+                  <a:schemeClr val="tx1"/>
+                </a:solidFill>
+                <a:latin typeface="Helvetica" charset="0"/>
+                <a:ea typeface="Helvetica" charset="0"/>
+                <a:cs typeface="Helvetica" charset="0"/>
+              </a:rPr>
+              <a:t> do </a:t>
+            </a:r>
+            <a:r>
+              <a:rPr lang="en-US" dirty="0" err="1" smtClean="0">
+                <a:solidFill>
+                  <a:schemeClr val="tx1"/>
+                </a:solidFill>
+                <a:latin typeface="Helvetica" charset="0"/>
+                <a:ea typeface="Helvetica" charset="0"/>
+                <a:cs typeface="Helvetica" charset="0"/>
+              </a:rPr>
+              <a:t>OneMax</a:t>
+            </a:r>
+            <a:r>
+              <a:rPr lang="en-US" dirty="0" smtClean="0">
+                <a:solidFill>
+                  <a:schemeClr val="tx1"/>
+                </a:solidFill>
+                <a:latin typeface="Helvetica" charset="0"/>
+                <a:ea typeface="Helvetica" charset="0"/>
+                <a:cs typeface="Helvetica" charset="0"/>
+              </a:rPr>
+              <a:t> Real (</a:t>
+            </a:r>
+            <a:r>
+              <a:rPr lang="en-US" dirty="0" err="1" smtClean="0">
+                <a:solidFill>
+                  <a:schemeClr val="tx1"/>
+                </a:solidFill>
+                <a:latin typeface="Helvetica" charset="0"/>
+                <a:ea typeface="Helvetica" charset="0"/>
+                <a:cs typeface="Helvetica" charset="0"/>
+              </a:rPr>
+              <a:t>interpretação</a:t>
+            </a:r>
+            <a:r>
+              <a:rPr lang="en-US" dirty="0" smtClean="0">
+                <a:solidFill>
+                  <a:schemeClr val="tx1"/>
+                </a:solidFill>
+                <a:latin typeface="Helvetica" charset="0"/>
+                <a:ea typeface="Helvetica" charset="0"/>
+                <a:cs typeface="Helvetica" charset="0"/>
+              </a:rPr>
+              <a:t> </a:t>
+            </a:r>
+            <a:r>
+              <a:rPr lang="en-US" dirty="0" err="1" smtClean="0">
+                <a:solidFill>
+                  <a:schemeClr val="tx1"/>
+                </a:solidFill>
+                <a:latin typeface="Helvetica" charset="0"/>
+                <a:ea typeface="Helvetica" charset="0"/>
+                <a:cs typeface="Helvetica" charset="0"/>
+              </a:rPr>
+              <a:t>matemática</a:t>
+            </a:r>
+            <a:r>
+              <a:rPr lang="en-US" dirty="0" smtClean="0">
+                <a:solidFill>
+                  <a:schemeClr val="tx1"/>
+                </a:solidFill>
+                <a:latin typeface="Helvetica" charset="0"/>
+                <a:ea typeface="Helvetica" charset="0"/>
+                <a:cs typeface="Helvetica" charset="0"/>
+              </a:rPr>
+              <a:t>)</a:t>
+            </a:r>
+            <a:endParaRPr lang="en-US" i="1" baseline="-25000" dirty="0">
+              <a:solidFill>
+                <a:schemeClr val="tx1"/>
+              </a:solidFill>
+              <a:latin typeface="Helvetica" charset="0"/>
+              <a:ea typeface="Helvetica" charset="0"/>
+              <a:cs typeface="Helvetica" charset="0"/>
+            </a:endParaRPr>
+          </a:p>
+          <a:p>
+            <a:r>
+              <a:rPr lang="en-US" dirty="0" err="1" smtClean="0">
+                <a:solidFill>
+                  <a:schemeClr val="tx1"/>
+                </a:solidFill>
+                <a:latin typeface="Helvetica" charset="0"/>
+                <a:ea typeface="Helvetica" charset="0"/>
+                <a:cs typeface="Helvetica" charset="0"/>
+              </a:rPr>
+              <a:t>Comparação</a:t>
+            </a:r>
+            <a:r>
+              <a:rPr lang="en-US" dirty="0" smtClean="0">
+                <a:solidFill>
+                  <a:schemeClr val="tx1"/>
+                </a:solidFill>
+                <a:latin typeface="Helvetica" charset="0"/>
+                <a:ea typeface="Helvetica" charset="0"/>
+                <a:cs typeface="Helvetica" charset="0"/>
+              </a:rPr>
+              <a:t> do </a:t>
+            </a:r>
+            <a:r>
+              <a:rPr lang="en-US" dirty="0" err="1" smtClean="0">
+                <a:solidFill>
+                  <a:schemeClr val="tx1"/>
+                </a:solidFill>
+                <a:latin typeface="Helvetica" charset="0"/>
+                <a:ea typeface="Helvetica" charset="0"/>
+                <a:cs typeface="Helvetica" charset="0"/>
+              </a:rPr>
+              <a:t>problema</a:t>
+            </a:r>
+            <a:r>
+              <a:rPr lang="en-US" dirty="0" smtClean="0">
+                <a:solidFill>
+                  <a:schemeClr val="tx1"/>
+                </a:solidFill>
+                <a:latin typeface="Helvetica" charset="0"/>
+                <a:ea typeface="Helvetica" charset="0"/>
+                <a:cs typeface="Helvetica" charset="0"/>
+              </a:rPr>
+              <a:t> do </a:t>
+            </a:r>
+            <a:r>
+              <a:rPr lang="en-US" dirty="0" err="1" smtClean="0">
+                <a:solidFill>
+                  <a:schemeClr val="tx1"/>
+                </a:solidFill>
+                <a:latin typeface="Helvetica" charset="0"/>
+                <a:ea typeface="Helvetica" charset="0"/>
+                <a:cs typeface="Helvetica" charset="0"/>
+              </a:rPr>
+              <a:t>Caixeiro</a:t>
+            </a:r>
+            <a:r>
+              <a:rPr lang="en-US" dirty="0" smtClean="0">
+                <a:solidFill>
+                  <a:schemeClr val="tx1"/>
+                </a:solidFill>
+                <a:latin typeface="Helvetica" charset="0"/>
+                <a:ea typeface="Helvetica" charset="0"/>
+                <a:cs typeface="Helvetica" charset="0"/>
+              </a:rPr>
+              <a:t> </a:t>
+            </a:r>
+            <a:r>
+              <a:rPr lang="en-US" dirty="0" err="1" smtClean="0">
+                <a:solidFill>
+                  <a:schemeClr val="tx1"/>
+                </a:solidFill>
+                <a:latin typeface="Helvetica" charset="0"/>
+                <a:ea typeface="Helvetica" charset="0"/>
+                <a:cs typeface="Helvetica" charset="0"/>
+              </a:rPr>
+              <a:t>Viajante</a:t>
+            </a:r>
+            <a:r>
+              <a:rPr lang="en-US" dirty="0" smtClean="0">
+                <a:solidFill>
+                  <a:schemeClr val="tx1"/>
+                </a:solidFill>
+                <a:latin typeface="Helvetica" charset="0"/>
+                <a:ea typeface="Helvetica" charset="0"/>
+                <a:cs typeface="Helvetica" charset="0"/>
+              </a:rPr>
+              <a:t> c/genes </a:t>
+            </a:r>
+            <a:r>
+              <a:rPr lang="en-US" dirty="0" err="1" smtClean="0">
+                <a:solidFill>
+                  <a:schemeClr val="tx1"/>
+                </a:solidFill>
+                <a:latin typeface="Helvetica" charset="0"/>
+                <a:ea typeface="Helvetica" charset="0"/>
+                <a:cs typeface="Helvetica" charset="0"/>
+              </a:rPr>
+              <a:t>deste</a:t>
+            </a:r>
+            <a:r>
+              <a:rPr lang="en-US" dirty="0" smtClean="0">
+                <a:solidFill>
+                  <a:schemeClr val="tx1"/>
+                </a:solidFill>
+                <a:latin typeface="Helvetica" charset="0"/>
+                <a:ea typeface="Helvetica" charset="0"/>
+                <a:cs typeface="Helvetica" charset="0"/>
+              </a:rPr>
+              <a:t> </a:t>
+            </a:r>
+            <a:r>
+              <a:rPr lang="en-US" dirty="0" err="1" smtClean="0">
+                <a:solidFill>
+                  <a:schemeClr val="tx1"/>
+                </a:solidFill>
+                <a:latin typeface="Helvetica" charset="0"/>
+                <a:ea typeface="Helvetica" charset="0"/>
+                <a:cs typeface="Helvetica" charset="0"/>
+              </a:rPr>
+              <a:t>trabalho</a:t>
+            </a:r>
+            <a:endParaRPr lang="en-US" dirty="0" smtClean="0">
+              <a:solidFill>
+                <a:schemeClr val="tx1"/>
+              </a:solidFill>
+              <a:latin typeface="Helvetica" charset="0"/>
+              <a:ea typeface="Helvetica" charset="0"/>
+              <a:cs typeface="Helvetica" charset="0"/>
+            </a:endParaRPr>
+          </a:p>
+          <a:p>
+            <a:r>
+              <a:rPr lang="en-US" dirty="0" err="1" smtClean="0">
+                <a:solidFill>
+                  <a:schemeClr val="tx1"/>
+                </a:solidFill>
+                <a:latin typeface="Helvetica" charset="0"/>
+                <a:ea typeface="Helvetica" charset="0"/>
+                <a:cs typeface="Helvetica" charset="0"/>
+              </a:rPr>
+              <a:t>Evoluir</a:t>
+            </a:r>
+            <a:r>
+              <a:rPr lang="en-US" dirty="0" smtClean="0">
+                <a:solidFill>
+                  <a:schemeClr val="tx1"/>
+                </a:solidFill>
+                <a:latin typeface="Helvetica" charset="0"/>
+                <a:ea typeface="Helvetica" charset="0"/>
+                <a:cs typeface="Helvetica" charset="0"/>
+              </a:rPr>
+              <a:t> </a:t>
+            </a:r>
+            <a:r>
+              <a:rPr lang="en-US" dirty="0" err="1" smtClean="0">
+                <a:solidFill>
+                  <a:schemeClr val="tx1"/>
+                </a:solidFill>
+                <a:latin typeface="Helvetica" charset="0"/>
+                <a:ea typeface="Helvetica" charset="0"/>
+                <a:cs typeface="Helvetica" charset="0"/>
+              </a:rPr>
+              <a:t>os</a:t>
+            </a:r>
+            <a:r>
+              <a:rPr lang="en-US" dirty="0" smtClean="0">
+                <a:solidFill>
+                  <a:schemeClr val="tx1"/>
+                </a:solidFill>
+                <a:latin typeface="Helvetica" charset="0"/>
+                <a:ea typeface="Helvetica" charset="0"/>
+                <a:cs typeface="Helvetica" charset="0"/>
+              </a:rPr>
+              <a:t> </a:t>
+            </a:r>
+            <a:r>
+              <a:rPr lang="en-US" dirty="0" err="1" smtClean="0">
+                <a:solidFill>
+                  <a:schemeClr val="tx1"/>
+                </a:solidFill>
+                <a:latin typeface="Helvetica" charset="0"/>
+                <a:ea typeface="Helvetica" charset="0"/>
+                <a:cs typeface="Helvetica" charset="0"/>
+              </a:rPr>
+              <a:t>conceitos</a:t>
+            </a:r>
+            <a:r>
+              <a:rPr lang="en-US" dirty="0" smtClean="0">
+                <a:solidFill>
+                  <a:schemeClr val="tx1"/>
+                </a:solidFill>
+                <a:latin typeface="Helvetica" charset="0"/>
+                <a:ea typeface="Helvetica" charset="0"/>
+                <a:cs typeface="Helvetica" charset="0"/>
+              </a:rPr>
+              <a:t> </a:t>
+            </a:r>
+            <a:r>
+              <a:rPr lang="en-US" dirty="0" err="1" smtClean="0">
+                <a:solidFill>
+                  <a:schemeClr val="tx1"/>
+                </a:solidFill>
+                <a:latin typeface="Helvetica" charset="0"/>
+                <a:ea typeface="Helvetica" charset="0"/>
+                <a:cs typeface="Helvetica" charset="0"/>
+              </a:rPr>
+              <a:t>por</a:t>
+            </a:r>
+            <a:r>
+              <a:rPr lang="en-US" dirty="0" smtClean="0">
+                <a:solidFill>
+                  <a:schemeClr val="tx1"/>
+                </a:solidFill>
+                <a:latin typeface="Helvetica" charset="0"/>
+                <a:ea typeface="Helvetica" charset="0"/>
+                <a:cs typeface="Helvetica" charset="0"/>
+              </a:rPr>
+              <a:t> </a:t>
+            </a:r>
+            <a:r>
+              <a:rPr lang="en-US" dirty="0" err="1" smtClean="0">
+                <a:solidFill>
+                  <a:schemeClr val="tx1"/>
+                </a:solidFill>
+                <a:latin typeface="Helvetica" charset="0"/>
+                <a:ea typeface="Helvetica" charset="0"/>
+                <a:cs typeface="Helvetica" charset="0"/>
+              </a:rPr>
+              <a:t>trás</a:t>
+            </a:r>
+            <a:r>
+              <a:rPr lang="en-US" dirty="0" smtClean="0">
+                <a:solidFill>
+                  <a:schemeClr val="tx1"/>
+                </a:solidFill>
+                <a:latin typeface="Helvetica" charset="0"/>
+                <a:ea typeface="Helvetica" charset="0"/>
+                <a:cs typeface="Helvetica" charset="0"/>
+              </a:rPr>
+              <a:t> do AGA e </a:t>
+            </a:r>
+            <a:r>
+              <a:rPr lang="en-US" dirty="0" err="1" smtClean="0">
+                <a:solidFill>
+                  <a:schemeClr val="tx1"/>
+                </a:solidFill>
+                <a:latin typeface="Helvetica" charset="0"/>
+                <a:ea typeface="Helvetica" charset="0"/>
+                <a:cs typeface="Helvetica" charset="0"/>
+              </a:rPr>
+              <a:t>melhorá</a:t>
+            </a:r>
+            <a:r>
+              <a:rPr lang="en-US" dirty="0" smtClean="0">
+                <a:solidFill>
+                  <a:schemeClr val="tx1"/>
+                </a:solidFill>
+                <a:latin typeface="Helvetica" charset="0"/>
+                <a:ea typeface="Helvetica" charset="0"/>
+                <a:cs typeface="Helvetica" charset="0"/>
+              </a:rPr>
+              <a:t>-lo</a:t>
+            </a:r>
+          </a:p>
+          <a:p>
+            <a:r>
+              <a:rPr lang="en-US" dirty="0" err="1" smtClean="0">
+                <a:solidFill>
+                  <a:schemeClr val="tx1"/>
+                </a:solidFill>
+                <a:latin typeface="Helvetica" charset="0"/>
+                <a:ea typeface="Helvetica" charset="0"/>
+                <a:cs typeface="Helvetica" charset="0"/>
+              </a:rPr>
+              <a:t>Testar</a:t>
+            </a:r>
+            <a:r>
+              <a:rPr lang="en-US" dirty="0" smtClean="0">
+                <a:solidFill>
+                  <a:schemeClr val="tx1"/>
+                </a:solidFill>
+                <a:latin typeface="Helvetica" charset="0"/>
+                <a:ea typeface="Helvetica" charset="0"/>
+                <a:cs typeface="Helvetica" charset="0"/>
+              </a:rPr>
+              <a:t> o AGA junto a </a:t>
+            </a:r>
+            <a:r>
+              <a:rPr lang="en-US" dirty="0" err="1" smtClean="0">
+                <a:solidFill>
+                  <a:schemeClr val="tx1"/>
+                </a:solidFill>
+                <a:latin typeface="Helvetica" charset="0"/>
+                <a:ea typeface="Helvetica" charset="0"/>
+                <a:cs typeface="Helvetica" charset="0"/>
+              </a:rPr>
+              <a:t>mais</a:t>
+            </a:r>
+            <a:r>
+              <a:rPr lang="en-US" dirty="0" smtClean="0">
+                <a:solidFill>
+                  <a:schemeClr val="tx1"/>
+                </a:solidFill>
+                <a:latin typeface="Helvetica" charset="0"/>
+                <a:ea typeface="Helvetica" charset="0"/>
+                <a:cs typeface="Helvetica" charset="0"/>
+              </a:rPr>
+              <a:t> </a:t>
+            </a:r>
+            <a:r>
+              <a:rPr lang="en-US" dirty="0" err="1" smtClean="0">
+                <a:solidFill>
+                  <a:schemeClr val="tx1"/>
+                </a:solidFill>
+                <a:latin typeface="Helvetica" charset="0"/>
+                <a:ea typeface="Helvetica" charset="0"/>
+                <a:cs typeface="Helvetica" charset="0"/>
+              </a:rPr>
+              <a:t>problemas</a:t>
+            </a:r>
+            <a:r>
+              <a:rPr lang="en-US" dirty="0" smtClean="0">
+                <a:solidFill>
+                  <a:schemeClr val="tx1"/>
+                </a:solidFill>
+                <a:latin typeface="Helvetica" charset="0"/>
+                <a:ea typeface="Helvetica" charset="0"/>
+                <a:cs typeface="Helvetica" charset="0"/>
+              </a:rPr>
+              <a:t> (</a:t>
+            </a:r>
+            <a:r>
+              <a:rPr lang="en-US" dirty="0" err="1" smtClean="0">
+                <a:solidFill>
+                  <a:schemeClr val="tx1"/>
+                </a:solidFill>
+                <a:latin typeface="Helvetica" charset="0"/>
+                <a:ea typeface="Helvetica" charset="0"/>
+                <a:cs typeface="Helvetica" charset="0"/>
+              </a:rPr>
+              <a:t>verificar</a:t>
+            </a:r>
+            <a:r>
+              <a:rPr lang="en-US" dirty="0" smtClean="0">
+                <a:solidFill>
+                  <a:schemeClr val="tx1"/>
+                </a:solidFill>
+                <a:latin typeface="Helvetica" charset="0"/>
+                <a:ea typeface="Helvetica" charset="0"/>
+                <a:cs typeface="Helvetica" charset="0"/>
+              </a:rPr>
+              <a:t> </a:t>
+            </a:r>
+            <a:r>
+              <a:rPr lang="en-US" dirty="0" err="1" smtClean="0">
+                <a:solidFill>
+                  <a:schemeClr val="tx1"/>
+                </a:solidFill>
+                <a:latin typeface="Helvetica" charset="0"/>
+                <a:ea typeface="Helvetica" charset="0"/>
+                <a:cs typeface="Helvetica" charset="0"/>
+              </a:rPr>
+              <a:t>prós</a:t>
+            </a:r>
+            <a:r>
+              <a:rPr lang="en-US" dirty="0" smtClean="0">
+                <a:solidFill>
+                  <a:schemeClr val="tx1"/>
+                </a:solidFill>
+                <a:latin typeface="Helvetica" charset="0"/>
+                <a:ea typeface="Helvetica" charset="0"/>
+                <a:cs typeface="Helvetica" charset="0"/>
+              </a:rPr>
+              <a:t>/contras/</a:t>
+            </a:r>
+            <a:r>
+              <a:rPr lang="en-US" dirty="0" err="1" smtClean="0">
+                <a:solidFill>
+                  <a:schemeClr val="tx1"/>
+                </a:solidFill>
+                <a:latin typeface="Helvetica" charset="0"/>
+                <a:ea typeface="Helvetica" charset="0"/>
+                <a:cs typeface="Helvetica" charset="0"/>
+              </a:rPr>
+              <a:t>limitações</a:t>
+            </a:r>
+            <a:r>
+              <a:rPr lang="en-US" dirty="0" smtClean="0">
+                <a:solidFill>
+                  <a:schemeClr val="tx1"/>
+                </a:solidFill>
+                <a:latin typeface="Helvetica" charset="0"/>
+                <a:ea typeface="Helvetica" charset="0"/>
+                <a:cs typeface="Helvetica" charset="0"/>
+              </a:rPr>
+              <a:t>)</a:t>
+            </a:r>
+            <a:endParaRPr lang="en-US" dirty="0" smtClean="0">
+              <a:solidFill>
+                <a:schemeClr val="tx1"/>
+              </a:solidFill>
+              <a:latin typeface="Helvetica" charset="0"/>
+              <a:ea typeface="Helvetica" charset="0"/>
+              <a:cs typeface="Helvetica" charset="0"/>
+            </a:endParaRPr>
+          </a:p>
+          <a:p>
+            <a:r>
+              <a:rPr lang="en-US" dirty="0" err="1" smtClean="0">
+                <a:solidFill>
+                  <a:schemeClr val="tx1"/>
+                </a:solidFill>
+                <a:latin typeface="Helvetica" charset="0"/>
+                <a:ea typeface="Helvetica" charset="0"/>
+                <a:cs typeface="Helvetica" charset="0"/>
+              </a:rPr>
+              <a:t>Organização</a:t>
+            </a:r>
+            <a:r>
+              <a:rPr lang="en-US" dirty="0" smtClean="0">
+                <a:solidFill>
+                  <a:schemeClr val="tx1"/>
+                </a:solidFill>
+                <a:latin typeface="Helvetica" charset="0"/>
+                <a:ea typeface="Helvetica" charset="0"/>
+                <a:cs typeface="Helvetica" charset="0"/>
+              </a:rPr>
+              <a:t> do </a:t>
+            </a:r>
+            <a:r>
+              <a:rPr lang="en-US" dirty="0" err="1" smtClean="0">
+                <a:solidFill>
+                  <a:schemeClr val="tx1"/>
+                </a:solidFill>
+                <a:latin typeface="Helvetica" charset="0"/>
+                <a:ea typeface="Helvetica" charset="0"/>
+                <a:cs typeface="Helvetica" charset="0"/>
+              </a:rPr>
+              <a:t>código</a:t>
+            </a:r>
+            <a:r>
+              <a:rPr lang="en-US" dirty="0" smtClean="0">
+                <a:solidFill>
+                  <a:schemeClr val="tx1"/>
+                </a:solidFill>
+                <a:latin typeface="Helvetica" charset="0"/>
+                <a:ea typeface="Helvetica" charset="0"/>
+                <a:cs typeface="Helvetica" charset="0"/>
+              </a:rPr>
+              <a:t> do AG para </a:t>
+            </a:r>
+            <a:r>
+              <a:rPr lang="en-US" dirty="0" err="1" smtClean="0">
+                <a:solidFill>
+                  <a:schemeClr val="tx1"/>
+                </a:solidFill>
+                <a:latin typeface="Helvetica" charset="0"/>
+                <a:ea typeface="Helvetica" charset="0"/>
+                <a:cs typeface="Helvetica" charset="0"/>
+              </a:rPr>
+              <a:t>comportar</a:t>
+            </a:r>
+            <a:r>
+              <a:rPr lang="en-US" dirty="0" smtClean="0">
+                <a:solidFill>
+                  <a:schemeClr val="tx1"/>
+                </a:solidFill>
+                <a:latin typeface="Helvetica" charset="0"/>
+                <a:ea typeface="Helvetica" charset="0"/>
+                <a:cs typeface="Helvetica" charset="0"/>
+              </a:rPr>
+              <a:t> </a:t>
+            </a:r>
+            <a:r>
+              <a:rPr lang="en-US" dirty="0" err="1" smtClean="0">
+                <a:solidFill>
+                  <a:schemeClr val="tx1"/>
+                </a:solidFill>
+                <a:latin typeface="Helvetica" charset="0"/>
+                <a:ea typeface="Helvetica" charset="0"/>
+                <a:cs typeface="Helvetica" charset="0"/>
+              </a:rPr>
+              <a:t>mais</a:t>
+            </a:r>
+            <a:r>
+              <a:rPr lang="en-US" dirty="0" smtClean="0">
+                <a:solidFill>
+                  <a:schemeClr val="tx1"/>
+                </a:solidFill>
+                <a:latin typeface="Helvetica" charset="0"/>
+                <a:ea typeface="Helvetica" charset="0"/>
+                <a:cs typeface="Helvetica" charset="0"/>
+              </a:rPr>
+              <a:t> </a:t>
+            </a:r>
+            <a:r>
+              <a:rPr lang="en-US" dirty="0" err="1" smtClean="0">
+                <a:solidFill>
+                  <a:schemeClr val="tx1"/>
+                </a:solidFill>
+                <a:latin typeface="Helvetica" charset="0"/>
+                <a:ea typeface="Helvetica" charset="0"/>
+                <a:cs typeface="Helvetica" charset="0"/>
+              </a:rPr>
+              <a:t>problemas</a:t>
+            </a:r>
+            <a:r>
+              <a:rPr lang="en-US" dirty="0" smtClean="0">
+                <a:solidFill>
+                  <a:schemeClr val="tx1"/>
+                </a:solidFill>
+                <a:latin typeface="Helvetica" charset="0"/>
+                <a:ea typeface="Helvetica" charset="0"/>
+                <a:cs typeface="Helvetica" charset="0"/>
+              </a:rPr>
+              <a:t> e </a:t>
+            </a:r>
+            <a:r>
+              <a:rPr lang="en-US" dirty="0" err="1" smtClean="0">
+                <a:solidFill>
+                  <a:schemeClr val="tx1"/>
+                </a:solidFill>
+                <a:latin typeface="Helvetica" charset="0"/>
+                <a:ea typeface="Helvetica" charset="0"/>
+                <a:cs typeface="Helvetica" charset="0"/>
+              </a:rPr>
+              <a:t>diferentes</a:t>
+            </a:r>
+            <a:r>
+              <a:rPr lang="en-US" dirty="0" smtClean="0">
+                <a:solidFill>
+                  <a:schemeClr val="tx1"/>
+                </a:solidFill>
+                <a:latin typeface="Helvetica" charset="0"/>
+                <a:ea typeface="Helvetica" charset="0"/>
+                <a:cs typeface="Helvetica" charset="0"/>
+              </a:rPr>
+              <a:t> </a:t>
+            </a:r>
+            <a:r>
+              <a:rPr lang="en-US" smtClean="0">
+                <a:solidFill>
+                  <a:schemeClr val="tx1"/>
+                </a:solidFill>
+                <a:latin typeface="Helvetica" charset="0"/>
+                <a:ea typeface="Helvetica" charset="0"/>
+                <a:cs typeface="Helvetica" charset="0"/>
+              </a:rPr>
+              <a:t>operadores</a:t>
+            </a:r>
+            <a:endParaRPr lang="en-US" dirty="0" smtClean="0">
               <a:solidFill>
                 <a:schemeClr val="tx1"/>
               </a:solidFill>

--- a/presentations/TG2_Apresentacao_Cassio.pptx
+++ b/presentations/TG2_Apresentacao_Cassio.pptx
@@ -5,7 +5,7 @@
     <p:sldMasterId id="2147484198" r:id="rId1"/>
   </p:sldMasterIdLst>
   <p:notesMasterIdLst>
-    <p:notesMasterId r:id="rId34"/>
+    <p:notesMasterId r:id="rId40"/>
   </p:notesMasterIdLst>
   <p:sldIdLst>
     <p:sldId id="256" r:id="rId2"/>
@@ -35,11 +35,17 @@
     <p:sldId id="294" r:id="rId26"/>
     <p:sldId id="295" r:id="rId27"/>
     <p:sldId id="291" r:id="rId28"/>
-    <p:sldId id="298" r:id="rId29"/>
-    <p:sldId id="299" r:id="rId30"/>
-    <p:sldId id="269" r:id="rId31"/>
-    <p:sldId id="271" r:id="rId32"/>
-    <p:sldId id="289" r:id="rId33"/>
+    <p:sldId id="300" r:id="rId29"/>
+    <p:sldId id="301" r:id="rId30"/>
+    <p:sldId id="302" r:id="rId31"/>
+    <p:sldId id="303" r:id="rId32"/>
+    <p:sldId id="304" r:id="rId33"/>
+    <p:sldId id="305" r:id="rId34"/>
+    <p:sldId id="298" r:id="rId35"/>
+    <p:sldId id="299" r:id="rId36"/>
+    <p:sldId id="269" r:id="rId37"/>
+    <p:sldId id="271" r:id="rId38"/>
+    <p:sldId id="289" r:id="rId39"/>
   </p:sldIdLst>
   <p:sldSz cx="12192000" cy="6858000"/>
   <p:notesSz cx="6858000" cy="9144000"/>
@@ -1914,7 +1920,7 @@
     </p:spTree>
     <p:extLst>
       <p:ext uri="{BB962C8B-B14F-4D97-AF65-F5344CB8AC3E}">
-        <p14:creationId xmlns:p14="http://schemas.microsoft.com/office/powerpoint/2010/main" val="1831207497"/>
+        <p14:creationId xmlns:p14="http://schemas.microsoft.com/office/powerpoint/2010/main" val="1549316196"/>
       </p:ext>
     </p:extLst>
   </p:cSld>
@@ -1998,7 +2004,343 @@
     </p:spTree>
     <p:extLst>
       <p:ext uri="{BB962C8B-B14F-4D97-AF65-F5344CB8AC3E}">
-        <p14:creationId xmlns:p14="http://schemas.microsoft.com/office/powerpoint/2010/main" val="651020841"/>
+        <p14:creationId xmlns:p14="http://schemas.microsoft.com/office/powerpoint/2010/main" val="1766383599"/>
+      </p:ext>
+    </p:extLst>
+  </p:cSld>
+  <p:clrMapOvr>
+    <a:masterClrMapping/>
+  </p:clrMapOvr>
+</p:notes>
+</file>
+
+<file path=ppt/notesSlides/notesSlide26.xml><?xml version="1.0" encoding="utf-8"?>
+<p:notes xmlns:a="http://schemas.openxmlformats.org/drawingml/2006/main" xmlns:r="http://schemas.openxmlformats.org/officeDocument/2006/relationships" xmlns:p="http://schemas.openxmlformats.org/presentationml/2006/main">
+  <p:cSld>
+    <p:spTree>
+      <p:nvGrpSpPr>
+        <p:cNvPr id="1" name=""/>
+        <p:cNvGrpSpPr/>
+        <p:nvPr/>
+      </p:nvGrpSpPr>
+      <p:grpSpPr>
+        <a:xfrm>
+          <a:off x="0" y="0"/>
+          <a:ext cx="0" cy="0"/>
+          <a:chOff x="0" y="0"/>
+          <a:chExt cx="0" cy="0"/>
+        </a:xfrm>
+      </p:grpSpPr>
+      <p:sp>
+        <p:nvSpPr>
+          <p:cNvPr id="2" name="Slide Image Placeholder 1"/>
+          <p:cNvSpPr>
+            <a:spLocks noGrp="1" noRot="1" noChangeAspect="1"/>
+          </p:cNvSpPr>
+          <p:nvPr>
+            <p:ph type="sldImg"/>
+          </p:nvPr>
+        </p:nvSpPr>
+        <p:spPr/>
+      </p:sp>
+      <p:sp>
+        <p:nvSpPr>
+          <p:cNvPr id="3" name="Notes Placeholder 2"/>
+          <p:cNvSpPr>
+            <a:spLocks noGrp="1"/>
+          </p:cNvSpPr>
+          <p:nvPr>
+            <p:ph type="body" idx="1"/>
+          </p:nvPr>
+        </p:nvSpPr>
+        <p:spPr/>
+        <p:txBody>
+          <a:bodyPr/>
+          <a:lstStyle/>
+          <a:p>
+            <a:endParaRPr lang="en-US"/>
+          </a:p>
+        </p:txBody>
+      </p:sp>
+      <p:sp>
+        <p:nvSpPr>
+          <p:cNvPr id="4" name="Slide Number Placeholder 3"/>
+          <p:cNvSpPr>
+            <a:spLocks noGrp="1"/>
+          </p:cNvSpPr>
+          <p:nvPr>
+            <p:ph type="sldNum" sz="quarter" idx="10"/>
+          </p:nvPr>
+        </p:nvSpPr>
+        <p:spPr/>
+        <p:txBody>
+          <a:bodyPr/>
+          <a:lstStyle/>
+          <a:p>
+            <a:fld id="{728E3497-A358-B14F-AE0E-969A2D296615}" type="slidenum">
+              <a:rPr lang="en-US" smtClean="0"/>
+              <a:t>29</a:t>
+            </a:fld>
+            <a:endParaRPr lang="en-US"/>
+          </a:p>
+        </p:txBody>
+      </p:sp>
+    </p:spTree>
+    <p:extLst>
+      <p:ext uri="{BB962C8B-B14F-4D97-AF65-F5344CB8AC3E}">
+        <p14:creationId xmlns:p14="http://schemas.microsoft.com/office/powerpoint/2010/main" val="1752297775"/>
+      </p:ext>
+    </p:extLst>
+  </p:cSld>
+  <p:clrMapOvr>
+    <a:masterClrMapping/>
+  </p:clrMapOvr>
+</p:notes>
+</file>
+
+<file path=ppt/notesSlides/notesSlide27.xml><?xml version="1.0" encoding="utf-8"?>
+<p:notes xmlns:a="http://schemas.openxmlformats.org/drawingml/2006/main" xmlns:r="http://schemas.openxmlformats.org/officeDocument/2006/relationships" xmlns:p="http://schemas.openxmlformats.org/presentationml/2006/main">
+  <p:cSld>
+    <p:spTree>
+      <p:nvGrpSpPr>
+        <p:cNvPr id="1" name=""/>
+        <p:cNvGrpSpPr/>
+        <p:nvPr/>
+      </p:nvGrpSpPr>
+      <p:grpSpPr>
+        <a:xfrm>
+          <a:off x="0" y="0"/>
+          <a:ext cx="0" cy="0"/>
+          <a:chOff x="0" y="0"/>
+          <a:chExt cx="0" cy="0"/>
+        </a:xfrm>
+      </p:grpSpPr>
+      <p:sp>
+        <p:nvSpPr>
+          <p:cNvPr id="2" name="Slide Image Placeholder 1"/>
+          <p:cNvSpPr>
+            <a:spLocks noGrp="1" noRot="1" noChangeAspect="1"/>
+          </p:cNvSpPr>
+          <p:nvPr>
+            <p:ph type="sldImg"/>
+          </p:nvPr>
+        </p:nvSpPr>
+        <p:spPr/>
+      </p:sp>
+      <p:sp>
+        <p:nvSpPr>
+          <p:cNvPr id="3" name="Notes Placeholder 2"/>
+          <p:cNvSpPr>
+            <a:spLocks noGrp="1"/>
+          </p:cNvSpPr>
+          <p:nvPr>
+            <p:ph type="body" idx="1"/>
+          </p:nvPr>
+        </p:nvSpPr>
+        <p:spPr/>
+        <p:txBody>
+          <a:bodyPr/>
+          <a:lstStyle/>
+          <a:p>
+            <a:endParaRPr lang="en-US"/>
+          </a:p>
+        </p:txBody>
+      </p:sp>
+      <p:sp>
+        <p:nvSpPr>
+          <p:cNvPr id="4" name="Slide Number Placeholder 3"/>
+          <p:cNvSpPr>
+            <a:spLocks noGrp="1"/>
+          </p:cNvSpPr>
+          <p:nvPr>
+            <p:ph type="sldNum" sz="quarter" idx="10"/>
+          </p:nvPr>
+        </p:nvSpPr>
+        <p:spPr/>
+        <p:txBody>
+          <a:bodyPr/>
+          <a:lstStyle/>
+          <a:p>
+            <a:fld id="{728E3497-A358-B14F-AE0E-969A2D296615}" type="slidenum">
+              <a:rPr lang="en-US" smtClean="0"/>
+              <a:t>30</a:t>
+            </a:fld>
+            <a:endParaRPr lang="en-US"/>
+          </a:p>
+        </p:txBody>
+      </p:sp>
+    </p:spTree>
+    <p:extLst>
+      <p:ext uri="{BB962C8B-B14F-4D97-AF65-F5344CB8AC3E}">
+        <p14:creationId xmlns:p14="http://schemas.microsoft.com/office/powerpoint/2010/main" val="1431495376"/>
+      </p:ext>
+    </p:extLst>
+  </p:cSld>
+  <p:clrMapOvr>
+    <a:masterClrMapping/>
+  </p:clrMapOvr>
+</p:notes>
+</file>
+
+<file path=ppt/notesSlides/notesSlide28.xml><?xml version="1.0" encoding="utf-8"?>
+<p:notes xmlns:a="http://schemas.openxmlformats.org/drawingml/2006/main" xmlns:r="http://schemas.openxmlformats.org/officeDocument/2006/relationships" xmlns:p="http://schemas.openxmlformats.org/presentationml/2006/main">
+  <p:cSld>
+    <p:spTree>
+      <p:nvGrpSpPr>
+        <p:cNvPr id="1" name=""/>
+        <p:cNvGrpSpPr/>
+        <p:nvPr/>
+      </p:nvGrpSpPr>
+      <p:grpSpPr>
+        <a:xfrm>
+          <a:off x="0" y="0"/>
+          <a:ext cx="0" cy="0"/>
+          <a:chOff x="0" y="0"/>
+          <a:chExt cx="0" cy="0"/>
+        </a:xfrm>
+      </p:grpSpPr>
+      <p:sp>
+        <p:nvSpPr>
+          <p:cNvPr id="2" name="Slide Image Placeholder 1"/>
+          <p:cNvSpPr>
+            <a:spLocks noGrp="1" noRot="1" noChangeAspect="1"/>
+          </p:cNvSpPr>
+          <p:nvPr>
+            <p:ph type="sldImg"/>
+          </p:nvPr>
+        </p:nvSpPr>
+        <p:spPr/>
+      </p:sp>
+      <p:sp>
+        <p:nvSpPr>
+          <p:cNvPr id="3" name="Notes Placeholder 2"/>
+          <p:cNvSpPr>
+            <a:spLocks noGrp="1"/>
+          </p:cNvSpPr>
+          <p:nvPr>
+            <p:ph type="body" idx="1"/>
+          </p:nvPr>
+        </p:nvSpPr>
+        <p:spPr/>
+        <p:txBody>
+          <a:bodyPr/>
+          <a:lstStyle/>
+          <a:p>
+            <a:endParaRPr lang="en-US"/>
+          </a:p>
+        </p:txBody>
+      </p:sp>
+      <p:sp>
+        <p:nvSpPr>
+          <p:cNvPr id="4" name="Slide Number Placeholder 3"/>
+          <p:cNvSpPr>
+            <a:spLocks noGrp="1"/>
+          </p:cNvSpPr>
+          <p:nvPr>
+            <p:ph type="sldNum" sz="quarter" idx="10"/>
+          </p:nvPr>
+        </p:nvSpPr>
+        <p:spPr/>
+        <p:txBody>
+          <a:bodyPr/>
+          <a:lstStyle/>
+          <a:p>
+            <a:fld id="{728E3497-A358-B14F-AE0E-969A2D296615}" type="slidenum">
+              <a:rPr lang="en-US" smtClean="0"/>
+              <a:t>31</a:t>
+            </a:fld>
+            <a:endParaRPr lang="en-US"/>
+          </a:p>
+        </p:txBody>
+      </p:sp>
+    </p:spTree>
+    <p:extLst>
+      <p:ext uri="{BB962C8B-B14F-4D97-AF65-F5344CB8AC3E}">
+        <p14:creationId xmlns:p14="http://schemas.microsoft.com/office/powerpoint/2010/main" val="271759287"/>
+      </p:ext>
+    </p:extLst>
+  </p:cSld>
+  <p:clrMapOvr>
+    <a:masterClrMapping/>
+  </p:clrMapOvr>
+</p:notes>
+</file>
+
+<file path=ppt/notesSlides/notesSlide29.xml><?xml version="1.0" encoding="utf-8"?>
+<p:notes xmlns:a="http://schemas.openxmlformats.org/drawingml/2006/main" xmlns:r="http://schemas.openxmlformats.org/officeDocument/2006/relationships" xmlns:p="http://schemas.openxmlformats.org/presentationml/2006/main">
+  <p:cSld>
+    <p:spTree>
+      <p:nvGrpSpPr>
+        <p:cNvPr id="1" name=""/>
+        <p:cNvGrpSpPr/>
+        <p:nvPr/>
+      </p:nvGrpSpPr>
+      <p:grpSpPr>
+        <a:xfrm>
+          <a:off x="0" y="0"/>
+          <a:ext cx="0" cy="0"/>
+          <a:chOff x="0" y="0"/>
+          <a:chExt cx="0" cy="0"/>
+        </a:xfrm>
+      </p:grpSpPr>
+      <p:sp>
+        <p:nvSpPr>
+          <p:cNvPr id="2" name="Slide Image Placeholder 1"/>
+          <p:cNvSpPr>
+            <a:spLocks noGrp="1" noRot="1" noChangeAspect="1"/>
+          </p:cNvSpPr>
+          <p:nvPr>
+            <p:ph type="sldImg"/>
+          </p:nvPr>
+        </p:nvSpPr>
+        <p:spPr/>
+      </p:sp>
+      <p:sp>
+        <p:nvSpPr>
+          <p:cNvPr id="3" name="Notes Placeholder 2"/>
+          <p:cNvSpPr>
+            <a:spLocks noGrp="1"/>
+          </p:cNvSpPr>
+          <p:nvPr>
+            <p:ph type="body" idx="1"/>
+          </p:nvPr>
+        </p:nvSpPr>
+        <p:spPr/>
+        <p:txBody>
+          <a:bodyPr/>
+          <a:lstStyle/>
+          <a:p>
+            <a:endParaRPr lang="en-US"/>
+          </a:p>
+        </p:txBody>
+      </p:sp>
+      <p:sp>
+        <p:nvSpPr>
+          <p:cNvPr id="4" name="Slide Number Placeholder 3"/>
+          <p:cNvSpPr>
+            <a:spLocks noGrp="1"/>
+          </p:cNvSpPr>
+          <p:nvPr>
+            <p:ph type="sldNum" sz="quarter" idx="10"/>
+          </p:nvPr>
+        </p:nvSpPr>
+        <p:spPr/>
+        <p:txBody>
+          <a:bodyPr/>
+          <a:lstStyle/>
+          <a:p>
+            <a:fld id="{728E3497-A358-B14F-AE0E-969A2D296615}" type="slidenum">
+              <a:rPr lang="en-US" smtClean="0"/>
+              <a:t>32</a:t>
+            </a:fld>
+            <a:endParaRPr lang="en-US"/>
+          </a:p>
+        </p:txBody>
+      </p:sp>
+    </p:spTree>
+    <p:extLst>
+      <p:ext uri="{BB962C8B-B14F-4D97-AF65-F5344CB8AC3E}">
+        <p14:creationId xmlns:p14="http://schemas.microsoft.com/office/powerpoint/2010/main" val="1820243350"/>
       </p:ext>
     </p:extLst>
   </p:cSld>
@@ -2083,6 +2425,174 @@
     <p:extLst>
       <p:ext uri="{BB962C8B-B14F-4D97-AF65-F5344CB8AC3E}">
         <p14:creationId xmlns:p14="http://schemas.microsoft.com/office/powerpoint/2010/main" val="1365912761"/>
+      </p:ext>
+    </p:extLst>
+  </p:cSld>
+  <p:clrMapOvr>
+    <a:masterClrMapping/>
+  </p:clrMapOvr>
+</p:notes>
+</file>
+
+<file path=ppt/notesSlides/notesSlide30.xml><?xml version="1.0" encoding="utf-8"?>
+<p:notes xmlns:a="http://schemas.openxmlformats.org/drawingml/2006/main" xmlns:r="http://schemas.openxmlformats.org/officeDocument/2006/relationships" xmlns:p="http://schemas.openxmlformats.org/presentationml/2006/main">
+  <p:cSld>
+    <p:spTree>
+      <p:nvGrpSpPr>
+        <p:cNvPr id="1" name=""/>
+        <p:cNvGrpSpPr/>
+        <p:nvPr/>
+      </p:nvGrpSpPr>
+      <p:grpSpPr>
+        <a:xfrm>
+          <a:off x="0" y="0"/>
+          <a:ext cx="0" cy="0"/>
+          <a:chOff x="0" y="0"/>
+          <a:chExt cx="0" cy="0"/>
+        </a:xfrm>
+      </p:grpSpPr>
+      <p:sp>
+        <p:nvSpPr>
+          <p:cNvPr id="2" name="Slide Image Placeholder 1"/>
+          <p:cNvSpPr>
+            <a:spLocks noGrp="1" noRot="1" noChangeAspect="1"/>
+          </p:cNvSpPr>
+          <p:nvPr>
+            <p:ph type="sldImg"/>
+          </p:nvPr>
+        </p:nvSpPr>
+        <p:spPr/>
+      </p:sp>
+      <p:sp>
+        <p:nvSpPr>
+          <p:cNvPr id="3" name="Notes Placeholder 2"/>
+          <p:cNvSpPr>
+            <a:spLocks noGrp="1"/>
+          </p:cNvSpPr>
+          <p:nvPr>
+            <p:ph type="body" idx="1"/>
+          </p:nvPr>
+        </p:nvSpPr>
+        <p:spPr/>
+        <p:txBody>
+          <a:bodyPr/>
+          <a:lstStyle/>
+          <a:p>
+            <a:endParaRPr lang="en-US"/>
+          </a:p>
+        </p:txBody>
+      </p:sp>
+      <p:sp>
+        <p:nvSpPr>
+          <p:cNvPr id="4" name="Slide Number Placeholder 3"/>
+          <p:cNvSpPr>
+            <a:spLocks noGrp="1"/>
+          </p:cNvSpPr>
+          <p:nvPr>
+            <p:ph type="sldNum" sz="quarter" idx="10"/>
+          </p:nvPr>
+        </p:nvSpPr>
+        <p:spPr/>
+        <p:txBody>
+          <a:bodyPr/>
+          <a:lstStyle/>
+          <a:p>
+            <a:fld id="{728E3497-A358-B14F-AE0E-969A2D296615}" type="slidenum">
+              <a:rPr lang="en-US" smtClean="0"/>
+              <a:t>33</a:t>
+            </a:fld>
+            <a:endParaRPr lang="en-US"/>
+          </a:p>
+        </p:txBody>
+      </p:sp>
+    </p:spTree>
+    <p:extLst>
+      <p:ext uri="{BB962C8B-B14F-4D97-AF65-F5344CB8AC3E}">
+        <p14:creationId xmlns:p14="http://schemas.microsoft.com/office/powerpoint/2010/main" val="1831207497"/>
+      </p:ext>
+    </p:extLst>
+  </p:cSld>
+  <p:clrMapOvr>
+    <a:masterClrMapping/>
+  </p:clrMapOvr>
+</p:notes>
+</file>
+
+<file path=ppt/notesSlides/notesSlide31.xml><?xml version="1.0" encoding="utf-8"?>
+<p:notes xmlns:a="http://schemas.openxmlformats.org/drawingml/2006/main" xmlns:r="http://schemas.openxmlformats.org/officeDocument/2006/relationships" xmlns:p="http://schemas.openxmlformats.org/presentationml/2006/main">
+  <p:cSld>
+    <p:spTree>
+      <p:nvGrpSpPr>
+        <p:cNvPr id="1" name=""/>
+        <p:cNvGrpSpPr/>
+        <p:nvPr/>
+      </p:nvGrpSpPr>
+      <p:grpSpPr>
+        <a:xfrm>
+          <a:off x="0" y="0"/>
+          <a:ext cx="0" cy="0"/>
+          <a:chOff x="0" y="0"/>
+          <a:chExt cx="0" cy="0"/>
+        </a:xfrm>
+      </p:grpSpPr>
+      <p:sp>
+        <p:nvSpPr>
+          <p:cNvPr id="2" name="Slide Image Placeholder 1"/>
+          <p:cNvSpPr>
+            <a:spLocks noGrp="1" noRot="1" noChangeAspect="1"/>
+          </p:cNvSpPr>
+          <p:nvPr>
+            <p:ph type="sldImg"/>
+          </p:nvPr>
+        </p:nvSpPr>
+        <p:spPr/>
+      </p:sp>
+      <p:sp>
+        <p:nvSpPr>
+          <p:cNvPr id="3" name="Notes Placeholder 2"/>
+          <p:cNvSpPr>
+            <a:spLocks noGrp="1"/>
+          </p:cNvSpPr>
+          <p:nvPr>
+            <p:ph type="body" idx="1"/>
+          </p:nvPr>
+        </p:nvSpPr>
+        <p:spPr/>
+        <p:txBody>
+          <a:bodyPr/>
+          <a:lstStyle/>
+          <a:p>
+            <a:endParaRPr lang="en-US"/>
+          </a:p>
+        </p:txBody>
+      </p:sp>
+      <p:sp>
+        <p:nvSpPr>
+          <p:cNvPr id="4" name="Slide Number Placeholder 3"/>
+          <p:cNvSpPr>
+            <a:spLocks noGrp="1"/>
+          </p:cNvSpPr>
+          <p:nvPr>
+            <p:ph type="sldNum" sz="quarter" idx="10"/>
+          </p:nvPr>
+        </p:nvSpPr>
+        <p:spPr/>
+        <p:txBody>
+          <a:bodyPr/>
+          <a:lstStyle/>
+          <a:p>
+            <a:fld id="{728E3497-A358-B14F-AE0E-969A2D296615}" type="slidenum">
+              <a:rPr lang="en-US" smtClean="0"/>
+              <a:t>34</a:t>
+            </a:fld>
+            <a:endParaRPr lang="en-US"/>
+          </a:p>
+        </p:txBody>
+      </p:sp>
+    </p:spTree>
+    <p:extLst>
+      <p:ext uri="{BB962C8B-B14F-4D97-AF65-F5344CB8AC3E}">
+        <p14:creationId xmlns:p14="http://schemas.microsoft.com/office/powerpoint/2010/main" val="651020841"/>
       </p:ext>
     </p:extLst>
   </p:cSld>
@@ -28329,26 +28839,150 @@
           <a:lstStyle/>
           <a:p>
             <a:r>
-              <a:rPr lang="en-US" dirty="0" err="1">
-                <a:solidFill>
-                  <a:schemeClr val="tx1"/>
-                </a:solidFill>
-                <a:latin typeface="Helvetica" charset="0"/>
-                <a:ea typeface="Helvetica" charset="0"/>
-                <a:cs typeface="Helvetica" charset="0"/>
-              </a:rPr>
-              <a:t>T</a:t>
-            </a:r>
-            <a:r>
-              <a:rPr lang="en-US" dirty="0" err="1" smtClean="0">
-                <a:solidFill>
-                  <a:schemeClr val="tx1"/>
-                </a:solidFill>
-                <a:latin typeface="Helvetica" charset="0"/>
-                <a:ea typeface="Helvetica" charset="0"/>
-                <a:cs typeface="Helvetica" charset="0"/>
-              </a:rPr>
-              <a:t>exto</a:t>
+              <a:rPr lang="en-US" dirty="0" err="1" smtClean="0">
+                <a:solidFill>
+                  <a:schemeClr val="tx1"/>
+                </a:solidFill>
+                <a:latin typeface="Helvetica" charset="0"/>
+                <a:ea typeface="Helvetica" charset="0"/>
+                <a:cs typeface="Helvetica" charset="0"/>
+              </a:rPr>
+              <a:t>Gr</a:t>
+            </a:r>
+            <a:r>
+              <a:rPr lang="en-US" dirty="0" err="1" smtClean="0">
+                <a:solidFill>
+                  <a:schemeClr val="tx1"/>
+                </a:solidFill>
+                <a:latin typeface="Helvetica" charset="0"/>
+                <a:ea typeface="Helvetica" charset="0"/>
+                <a:cs typeface="Helvetica" charset="0"/>
+              </a:rPr>
+              <a:t>áficos</a:t>
+            </a:r>
+            <a:r>
+              <a:rPr lang="en-US" dirty="0" smtClean="0">
+                <a:solidFill>
+                  <a:schemeClr val="tx1"/>
+                </a:solidFill>
+                <a:latin typeface="Helvetica" charset="0"/>
+                <a:ea typeface="Helvetica" charset="0"/>
+                <a:cs typeface="Helvetica" charset="0"/>
+              </a:rPr>
+              <a:t>:</a:t>
+            </a:r>
+          </a:p>
+          <a:p>
+            <a:pPr lvl="1"/>
+            <a:r>
+              <a:rPr lang="en-US" dirty="0" smtClean="0">
+                <a:solidFill>
+                  <a:schemeClr val="tx1"/>
+                </a:solidFill>
+                <a:latin typeface="Helvetica" charset="0"/>
+                <a:ea typeface="Helvetica" charset="0"/>
+                <a:cs typeface="Helvetica" charset="0"/>
+              </a:rPr>
+              <a:t>Fitness </a:t>
+            </a:r>
+            <a:r>
+              <a:rPr lang="en-US" dirty="0" err="1" smtClean="0">
+                <a:solidFill>
+                  <a:schemeClr val="tx1"/>
+                </a:solidFill>
+                <a:latin typeface="Helvetica" charset="0"/>
+                <a:ea typeface="Helvetica" charset="0"/>
+                <a:cs typeface="Helvetica" charset="0"/>
+              </a:rPr>
+              <a:t>mínimo</a:t>
+            </a:r>
+            <a:endParaRPr lang="en-US" dirty="0" smtClean="0">
+              <a:solidFill>
+                <a:schemeClr val="tx1"/>
+              </a:solidFill>
+              <a:latin typeface="Helvetica" charset="0"/>
+              <a:ea typeface="Helvetica" charset="0"/>
+              <a:cs typeface="Helvetica" charset="0"/>
+            </a:endParaRPr>
+          </a:p>
+          <a:p>
+            <a:pPr lvl="1"/>
+            <a:r>
+              <a:rPr lang="en-US" dirty="0" smtClean="0">
+                <a:solidFill>
+                  <a:schemeClr val="tx1"/>
+                </a:solidFill>
+                <a:latin typeface="Helvetica" charset="0"/>
+                <a:ea typeface="Helvetica" charset="0"/>
+                <a:cs typeface="Helvetica" charset="0"/>
+              </a:rPr>
+              <a:t>Fitness </a:t>
+            </a:r>
+            <a:r>
+              <a:rPr lang="en-US" dirty="0" err="1" smtClean="0">
+                <a:solidFill>
+                  <a:schemeClr val="tx1"/>
+                </a:solidFill>
+                <a:latin typeface="Helvetica" charset="0"/>
+                <a:ea typeface="Helvetica" charset="0"/>
+                <a:cs typeface="Helvetica" charset="0"/>
+              </a:rPr>
+              <a:t>máximo</a:t>
+            </a:r>
+            <a:endParaRPr lang="en-US" dirty="0" smtClean="0">
+              <a:solidFill>
+                <a:schemeClr val="tx1"/>
+              </a:solidFill>
+              <a:latin typeface="Helvetica" charset="0"/>
+              <a:ea typeface="Helvetica" charset="0"/>
+              <a:cs typeface="Helvetica" charset="0"/>
+            </a:endParaRPr>
+          </a:p>
+          <a:p>
+            <a:pPr lvl="1"/>
+            <a:r>
+              <a:rPr lang="en-US" dirty="0" smtClean="0">
+                <a:solidFill>
+                  <a:schemeClr val="tx1"/>
+                </a:solidFill>
+                <a:latin typeface="Helvetica" charset="0"/>
+                <a:ea typeface="Helvetica" charset="0"/>
+                <a:cs typeface="Helvetica" charset="0"/>
+              </a:rPr>
+              <a:t>Fitness </a:t>
+            </a:r>
+            <a:r>
+              <a:rPr lang="en-US" dirty="0" err="1" smtClean="0">
+                <a:solidFill>
+                  <a:schemeClr val="tx1"/>
+                </a:solidFill>
+                <a:latin typeface="Helvetica" charset="0"/>
+                <a:ea typeface="Helvetica" charset="0"/>
+                <a:cs typeface="Helvetica" charset="0"/>
+              </a:rPr>
+              <a:t>médio</a:t>
+            </a:r>
+            <a:endParaRPr lang="en-US" dirty="0" smtClean="0">
+              <a:solidFill>
+                <a:schemeClr val="tx1"/>
+              </a:solidFill>
+              <a:latin typeface="Helvetica" charset="0"/>
+              <a:ea typeface="Helvetica" charset="0"/>
+              <a:cs typeface="Helvetica" charset="0"/>
+            </a:endParaRPr>
+          </a:p>
+          <a:p>
+            <a:pPr lvl="1"/>
+            <a:r>
+              <a:rPr lang="en-US" dirty="0" err="1" smtClean="0">
+                <a:solidFill>
+                  <a:schemeClr val="tx1"/>
+                </a:solidFill>
+                <a:latin typeface="Helvetica" charset="0"/>
+                <a:ea typeface="Helvetica" charset="0"/>
+                <a:cs typeface="Helvetica" charset="0"/>
+              </a:rPr>
+              <a:t>Desvio</a:t>
             </a:r>
             <a:r>
               <a:rPr lang="en-US" dirty="0" smtClean="0">
@@ -28370,9 +29004,95 @@
                 <a:ea typeface="Helvetica" charset="0"/>
                 <a:cs typeface="Helvetica" charset="0"/>
               </a:rPr>
-              <a:t>aqui</a:t>
-            </a:r>
-            <a:endParaRPr lang="en-US" i="1" baseline="-25000" dirty="0" smtClean="0">
+              <a:t>padrão</a:t>
+            </a:r>
+            <a:endParaRPr lang="en-US" dirty="0" smtClean="0">
+              <a:solidFill>
+                <a:schemeClr val="tx1"/>
+              </a:solidFill>
+              <a:latin typeface="Helvetica" charset="0"/>
+              <a:ea typeface="Helvetica" charset="0"/>
+              <a:cs typeface="Helvetica" charset="0"/>
+            </a:endParaRPr>
+          </a:p>
+          <a:p>
+            <a:endParaRPr lang="en-US" dirty="0" smtClean="0">
+              <a:solidFill>
+                <a:schemeClr val="tx1"/>
+              </a:solidFill>
+              <a:latin typeface="Helvetica" charset="0"/>
+              <a:ea typeface="Helvetica" charset="0"/>
+              <a:cs typeface="Helvetica" charset="0"/>
+            </a:endParaRPr>
+          </a:p>
+          <a:p>
+            <a:r>
+              <a:rPr lang="en-US" dirty="0" err="1" smtClean="0">
+                <a:solidFill>
+                  <a:schemeClr val="tx1"/>
+                </a:solidFill>
+                <a:latin typeface="Helvetica" charset="0"/>
+                <a:ea typeface="Helvetica" charset="0"/>
+                <a:cs typeface="Helvetica" charset="0"/>
+              </a:rPr>
+              <a:t>Tanto</a:t>
+            </a:r>
+            <a:r>
+              <a:rPr lang="en-US" dirty="0" smtClean="0">
+                <a:solidFill>
+                  <a:schemeClr val="tx1"/>
+                </a:solidFill>
+                <a:latin typeface="Helvetica" charset="0"/>
+                <a:ea typeface="Helvetica" charset="0"/>
+                <a:cs typeface="Helvetica" charset="0"/>
+              </a:rPr>
+              <a:t> para AG (</a:t>
+            </a:r>
+            <a:r>
+              <a:rPr lang="en-US" dirty="0" err="1" smtClean="0">
+                <a:solidFill>
+                  <a:schemeClr val="tx1"/>
+                </a:solidFill>
+                <a:latin typeface="Helvetica" charset="0"/>
+                <a:ea typeface="Helvetica" charset="0"/>
+                <a:cs typeface="Helvetica" charset="0"/>
+              </a:rPr>
+              <a:t>estático</a:t>
+            </a:r>
+            <a:r>
+              <a:rPr lang="en-US" dirty="0" smtClean="0">
+                <a:solidFill>
+                  <a:schemeClr val="tx1"/>
+                </a:solidFill>
+                <a:latin typeface="Helvetica" charset="0"/>
+                <a:ea typeface="Helvetica" charset="0"/>
+                <a:cs typeface="Helvetica" charset="0"/>
+              </a:rPr>
+              <a:t>) </a:t>
+            </a:r>
+            <a:r>
+              <a:rPr lang="en-US" dirty="0" err="1" smtClean="0">
+                <a:solidFill>
+                  <a:schemeClr val="tx1"/>
+                </a:solidFill>
+                <a:latin typeface="Helvetica" charset="0"/>
+                <a:ea typeface="Helvetica" charset="0"/>
+                <a:cs typeface="Helvetica" charset="0"/>
+              </a:rPr>
+              <a:t>quanto</a:t>
+            </a:r>
+            <a:r>
+              <a:rPr lang="en-US" dirty="0" smtClean="0">
+                <a:solidFill>
+                  <a:schemeClr val="tx1"/>
+                </a:solidFill>
+                <a:latin typeface="Helvetica" charset="0"/>
+                <a:ea typeface="Helvetica" charset="0"/>
+                <a:cs typeface="Helvetica" charset="0"/>
+              </a:rPr>
+              <a:t> para AGA</a:t>
+            </a:r>
+            <a:endParaRPr lang="en-US" dirty="0" smtClean="0">
               <a:solidFill>
                 <a:schemeClr val="tx1"/>
               </a:solidFill>
@@ -28406,6 +29126,36 @@
           </a:p>
         </p:txBody>
       </p:sp>
+      <p:pic>
+        <p:nvPicPr>
+          <p:cNvPr id="4" name="Picture 3"/>
+          <p:cNvPicPr>
+            <a:picLocks noChangeAspect="1"/>
+          </p:cNvPicPr>
+          <p:nvPr/>
+        </p:nvPicPr>
+        <p:blipFill>
+          <a:blip r:embed="rId3">
+            <a:extLst>
+              <a:ext uri="{28A0092B-C50C-407E-A947-70E740481C1C}">
+                <a14:useLocalDpi xmlns:a14="http://schemas.microsoft.com/office/drawing/2010/main" val="0"/>
+              </a:ext>
+            </a:extLst>
+          </a:blip>
+          <a:stretch>
+            <a:fillRect/>
+          </a:stretch>
+        </p:blipFill>
+        <p:spPr>
+          <a:xfrm>
+            <a:off x="4401288" y="2921526"/>
+            <a:ext cx="2794000" cy="1193800"/>
+          </a:xfrm>
+          <a:prstGeom prst="rect">
+            <a:avLst/>
+          </a:prstGeom>
+        </p:spPr>
+      </p:pic>
     </p:spTree>
     <p:extLst>
       <p:ext uri="{BB962C8B-B14F-4D97-AF65-F5344CB8AC3E}">
@@ -28464,7 +29214,7 @@
                 <a:ea typeface="Helvetica" charset="0"/>
                 <a:cs typeface="Helvetica" charset="0"/>
               </a:rPr>
-              <a:t>Conclus</a:t>
+              <a:t>Análises</a:t>
             </a:r>
             <a:r>
               <a:rPr lang="en-US" b="1" dirty="0" smtClean="0">
@@ -28472,7 +29222,7 @@
                 <a:ea typeface="Helvetica" charset="0"/>
                 <a:cs typeface="Helvetica" charset="0"/>
               </a:rPr>
-              <a:t>	</a:t>
+              <a:t> e </a:t>
             </a:r>
             <a:r>
               <a:rPr lang="en-US" b="1" dirty="0" err="1" smtClean="0">
@@ -28480,9 +29230,57 @@
                 <a:ea typeface="Helvetica" charset="0"/>
                 <a:cs typeface="Helvetica" charset="0"/>
               </a:rPr>
-              <a:t>ões</a:t>
-            </a:r>
-            <a:endParaRPr lang="en-US" sz="2800" b="1" dirty="0">
+              <a:t>Resultados</a:t>
+            </a:r>
+            <a:r>
+              <a:rPr lang="en-US" b="1" dirty="0" smtClean="0">
+                <a:latin typeface="Helvetica" charset="0"/>
+                <a:ea typeface="Helvetica" charset="0"/>
+                <a:cs typeface="Helvetica" charset="0"/>
+              </a:rPr>
+              <a:t> </a:t>
+            </a:r>
+            <a:r>
+              <a:rPr lang="mr-IN" b="1" dirty="0" smtClean="0">
+                <a:latin typeface="Helvetica" charset="0"/>
+                <a:ea typeface="Helvetica" charset="0"/>
+                <a:cs typeface="Helvetica" charset="0"/>
+              </a:rPr>
+              <a:t>–</a:t>
+            </a:r>
+            <a:r>
+              <a:rPr lang="en-US" b="1" dirty="0" smtClean="0">
+                <a:latin typeface="Helvetica" charset="0"/>
+                <a:ea typeface="Helvetica" charset="0"/>
+                <a:cs typeface="Helvetica" charset="0"/>
+              </a:rPr>
+              <a:t> </a:t>
+            </a:r>
+            <a:r>
+              <a:rPr lang="en-US" sz="2800" b="1" dirty="0" err="1" smtClean="0">
+                <a:latin typeface="Helvetica" charset="0"/>
+                <a:ea typeface="Helvetica" charset="0"/>
+                <a:cs typeface="Helvetica" charset="0"/>
+              </a:rPr>
+              <a:t>OneMax</a:t>
+            </a:r>
+            <a:r>
+              <a:rPr lang="en-US" sz="2800" b="1" dirty="0" smtClean="0">
+                <a:latin typeface="Helvetica" charset="0"/>
+                <a:ea typeface="Helvetica" charset="0"/>
+                <a:cs typeface="Helvetica" charset="0"/>
+              </a:rPr>
+              <a:t> </a:t>
+            </a:r>
+            <a:r>
+              <a:rPr lang="en-US" sz="2800" b="1" dirty="0" err="1" smtClean="0">
+                <a:latin typeface="Helvetica" charset="0"/>
+                <a:ea typeface="Helvetica" charset="0"/>
+                <a:cs typeface="Helvetica" charset="0"/>
+              </a:rPr>
+              <a:t>Booleano</a:t>
+            </a:r>
+            <a:endParaRPr lang="en-US" sz="2000" b="1" dirty="0">
               <a:latin typeface="Helvetica" charset="0"/>
               <a:ea typeface="Helvetica" charset="0"/>
               <a:cs typeface="Helvetica" charset="0"/>
@@ -28513,26 +29311,150 @@
           <a:lstStyle/>
           <a:p>
             <a:r>
-              <a:rPr lang="en-US" dirty="0" err="1">
-                <a:solidFill>
-                  <a:schemeClr val="tx1"/>
-                </a:solidFill>
-                <a:latin typeface="Helvetica" charset="0"/>
-                <a:ea typeface="Helvetica" charset="0"/>
-                <a:cs typeface="Helvetica" charset="0"/>
-              </a:rPr>
-              <a:t>T</a:t>
-            </a:r>
-            <a:r>
-              <a:rPr lang="en-US" dirty="0" err="1" smtClean="0">
-                <a:solidFill>
-                  <a:schemeClr val="tx1"/>
-                </a:solidFill>
-                <a:latin typeface="Helvetica" charset="0"/>
-                <a:ea typeface="Helvetica" charset="0"/>
-                <a:cs typeface="Helvetica" charset="0"/>
-              </a:rPr>
-              <a:t>exto</a:t>
+              <a:rPr lang="en-US" dirty="0" err="1" smtClean="0">
+                <a:solidFill>
+                  <a:schemeClr val="tx1"/>
+                </a:solidFill>
+                <a:latin typeface="Helvetica" charset="0"/>
+                <a:ea typeface="Helvetica" charset="0"/>
+                <a:cs typeface="Helvetica" charset="0"/>
+              </a:rPr>
+              <a:t>Gr</a:t>
+            </a:r>
+            <a:r>
+              <a:rPr lang="en-US" dirty="0" err="1" smtClean="0">
+                <a:solidFill>
+                  <a:schemeClr val="tx1"/>
+                </a:solidFill>
+                <a:latin typeface="Helvetica" charset="0"/>
+                <a:ea typeface="Helvetica" charset="0"/>
+                <a:cs typeface="Helvetica" charset="0"/>
+              </a:rPr>
+              <a:t>áficos</a:t>
+            </a:r>
+            <a:r>
+              <a:rPr lang="en-US" dirty="0" smtClean="0">
+                <a:solidFill>
+                  <a:schemeClr val="tx1"/>
+                </a:solidFill>
+                <a:latin typeface="Helvetica" charset="0"/>
+                <a:ea typeface="Helvetica" charset="0"/>
+                <a:cs typeface="Helvetica" charset="0"/>
+              </a:rPr>
+              <a:t>:</a:t>
+            </a:r>
+          </a:p>
+          <a:p>
+            <a:pPr lvl="1"/>
+            <a:r>
+              <a:rPr lang="en-US" dirty="0" smtClean="0">
+                <a:solidFill>
+                  <a:schemeClr val="tx1"/>
+                </a:solidFill>
+                <a:latin typeface="Helvetica" charset="0"/>
+                <a:ea typeface="Helvetica" charset="0"/>
+                <a:cs typeface="Helvetica" charset="0"/>
+              </a:rPr>
+              <a:t>Fitness </a:t>
+            </a:r>
+            <a:r>
+              <a:rPr lang="en-US" dirty="0" err="1" smtClean="0">
+                <a:solidFill>
+                  <a:schemeClr val="tx1"/>
+                </a:solidFill>
+                <a:latin typeface="Helvetica" charset="0"/>
+                <a:ea typeface="Helvetica" charset="0"/>
+                <a:cs typeface="Helvetica" charset="0"/>
+              </a:rPr>
+              <a:t>mínimo</a:t>
+            </a:r>
+            <a:endParaRPr lang="en-US" dirty="0" smtClean="0">
+              <a:solidFill>
+                <a:schemeClr val="tx1"/>
+              </a:solidFill>
+              <a:latin typeface="Helvetica" charset="0"/>
+              <a:ea typeface="Helvetica" charset="0"/>
+              <a:cs typeface="Helvetica" charset="0"/>
+            </a:endParaRPr>
+          </a:p>
+          <a:p>
+            <a:pPr lvl="1"/>
+            <a:r>
+              <a:rPr lang="en-US" dirty="0" smtClean="0">
+                <a:solidFill>
+                  <a:schemeClr val="tx1"/>
+                </a:solidFill>
+                <a:latin typeface="Helvetica" charset="0"/>
+                <a:ea typeface="Helvetica" charset="0"/>
+                <a:cs typeface="Helvetica" charset="0"/>
+              </a:rPr>
+              <a:t>Fitness </a:t>
+            </a:r>
+            <a:r>
+              <a:rPr lang="en-US" dirty="0" err="1" smtClean="0">
+                <a:solidFill>
+                  <a:schemeClr val="tx1"/>
+                </a:solidFill>
+                <a:latin typeface="Helvetica" charset="0"/>
+                <a:ea typeface="Helvetica" charset="0"/>
+                <a:cs typeface="Helvetica" charset="0"/>
+              </a:rPr>
+              <a:t>máximo</a:t>
+            </a:r>
+            <a:endParaRPr lang="en-US" dirty="0" smtClean="0">
+              <a:solidFill>
+                <a:schemeClr val="tx1"/>
+              </a:solidFill>
+              <a:latin typeface="Helvetica" charset="0"/>
+              <a:ea typeface="Helvetica" charset="0"/>
+              <a:cs typeface="Helvetica" charset="0"/>
+            </a:endParaRPr>
+          </a:p>
+          <a:p>
+            <a:pPr lvl="1"/>
+            <a:r>
+              <a:rPr lang="en-US" dirty="0" smtClean="0">
+                <a:solidFill>
+                  <a:schemeClr val="tx1"/>
+                </a:solidFill>
+                <a:latin typeface="Helvetica" charset="0"/>
+                <a:ea typeface="Helvetica" charset="0"/>
+                <a:cs typeface="Helvetica" charset="0"/>
+              </a:rPr>
+              <a:t>Fitness </a:t>
+            </a:r>
+            <a:r>
+              <a:rPr lang="en-US" dirty="0" err="1" smtClean="0">
+                <a:solidFill>
+                  <a:schemeClr val="tx1"/>
+                </a:solidFill>
+                <a:latin typeface="Helvetica" charset="0"/>
+                <a:ea typeface="Helvetica" charset="0"/>
+                <a:cs typeface="Helvetica" charset="0"/>
+              </a:rPr>
+              <a:t>médio</a:t>
+            </a:r>
+            <a:endParaRPr lang="en-US" dirty="0" smtClean="0">
+              <a:solidFill>
+                <a:schemeClr val="tx1"/>
+              </a:solidFill>
+              <a:latin typeface="Helvetica" charset="0"/>
+              <a:ea typeface="Helvetica" charset="0"/>
+              <a:cs typeface="Helvetica" charset="0"/>
+            </a:endParaRPr>
+          </a:p>
+          <a:p>
+            <a:pPr lvl="1"/>
+            <a:r>
+              <a:rPr lang="en-US" dirty="0" err="1" smtClean="0">
+                <a:solidFill>
+                  <a:schemeClr val="tx1"/>
+                </a:solidFill>
+                <a:latin typeface="Helvetica" charset="0"/>
+                <a:ea typeface="Helvetica" charset="0"/>
+                <a:cs typeface="Helvetica" charset="0"/>
+              </a:rPr>
+              <a:t>Desvio</a:t>
             </a:r>
             <a:r>
               <a:rPr lang="en-US" dirty="0" smtClean="0">
@@ -28554,9 +29476,95 @@
                 <a:ea typeface="Helvetica" charset="0"/>
                 <a:cs typeface="Helvetica" charset="0"/>
               </a:rPr>
-              <a:t>aqui</a:t>
-            </a:r>
-            <a:endParaRPr lang="en-US" i="1" baseline="-25000" dirty="0" smtClean="0">
+              <a:t>padrão</a:t>
+            </a:r>
+            <a:endParaRPr lang="en-US" dirty="0" smtClean="0">
+              <a:solidFill>
+                <a:schemeClr val="tx1"/>
+              </a:solidFill>
+              <a:latin typeface="Helvetica" charset="0"/>
+              <a:ea typeface="Helvetica" charset="0"/>
+              <a:cs typeface="Helvetica" charset="0"/>
+            </a:endParaRPr>
+          </a:p>
+          <a:p>
+            <a:endParaRPr lang="en-US" dirty="0" smtClean="0">
+              <a:solidFill>
+                <a:schemeClr val="tx1"/>
+              </a:solidFill>
+              <a:latin typeface="Helvetica" charset="0"/>
+              <a:ea typeface="Helvetica" charset="0"/>
+              <a:cs typeface="Helvetica" charset="0"/>
+            </a:endParaRPr>
+          </a:p>
+          <a:p>
+            <a:r>
+              <a:rPr lang="en-US" dirty="0" err="1" smtClean="0">
+                <a:solidFill>
+                  <a:schemeClr val="tx1"/>
+                </a:solidFill>
+                <a:latin typeface="Helvetica" charset="0"/>
+                <a:ea typeface="Helvetica" charset="0"/>
+                <a:cs typeface="Helvetica" charset="0"/>
+              </a:rPr>
+              <a:t>Tanto</a:t>
+            </a:r>
+            <a:r>
+              <a:rPr lang="en-US" dirty="0" smtClean="0">
+                <a:solidFill>
+                  <a:schemeClr val="tx1"/>
+                </a:solidFill>
+                <a:latin typeface="Helvetica" charset="0"/>
+                <a:ea typeface="Helvetica" charset="0"/>
+                <a:cs typeface="Helvetica" charset="0"/>
+              </a:rPr>
+              <a:t> para AG (</a:t>
+            </a:r>
+            <a:r>
+              <a:rPr lang="en-US" dirty="0" err="1" smtClean="0">
+                <a:solidFill>
+                  <a:schemeClr val="tx1"/>
+                </a:solidFill>
+                <a:latin typeface="Helvetica" charset="0"/>
+                <a:ea typeface="Helvetica" charset="0"/>
+                <a:cs typeface="Helvetica" charset="0"/>
+              </a:rPr>
+              <a:t>estático</a:t>
+            </a:r>
+            <a:r>
+              <a:rPr lang="en-US" dirty="0" smtClean="0">
+                <a:solidFill>
+                  <a:schemeClr val="tx1"/>
+                </a:solidFill>
+                <a:latin typeface="Helvetica" charset="0"/>
+                <a:ea typeface="Helvetica" charset="0"/>
+                <a:cs typeface="Helvetica" charset="0"/>
+              </a:rPr>
+              <a:t>) </a:t>
+            </a:r>
+            <a:r>
+              <a:rPr lang="en-US" dirty="0" err="1" smtClean="0">
+                <a:solidFill>
+                  <a:schemeClr val="tx1"/>
+                </a:solidFill>
+                <a:latin typeface="Helvetica" charset="0"/>
+                <a:ea typeface="Helvetica" charset="0"/>
+                <a:cs typeface="Helvetica" charset="0"/>
+              </a:rPr>
+              <a:t>quanto</a:t>
+            </a:r>
+            <a:r>
+              <a:rPr lang="en-US" dirty="0" smtClean="0">
+                <a:solidFill>
+                  <a:schemeClr val="tx1"/>
+                </a:solidFill>
+                <a:latin typeface="Helvetica" charset="0"/>
+                <a:ea typeface="Helvetica" charset="0"/>
+                <a:cs typeface="Helvetica" charset="0"/>
+              </a:rPr>
+              <a:t> para AGA</a:t>
+            </a:r>
+            <a:endParaRPr lang="en-US" dirty="0" smtClean="0">
               <a:solidFill>
                 <a:schemeClr val="tx1"/>
               </a:solidFill>
@@ -28593,7 +29601,7 @@
     </p:spTree>
     <p:extLst>
       <p:ext uri="{BB962C8B-B14F-4D97-AF65-F5344CB8AC3E}">
-        <p14:creationId xmlns:p14="http://schemas.microsoft.com/office/powerpoint/2010/main" val="572532751"/>
+        <p14:creationId xmlns:p14="http://schemas.microsoft.com/office/powerpoint/2010/main" val="1245880578"/>
       </p:ext>
     </p:extLst>
   </p:cSld>
@@ -28648,7 +29656,7 @@
                 <a:ea typeface="Helvetica" charset="0"/>
                 <a:cs typeface="Helvetica" charset="0"/>
               </a:rPr>
-              <a:t>Trabalhos</a:t>
+              <a:t>Análises</a:t>
             </a:r>
             <a:r>
               <a:rPr lang="en-US" b="1" dirty="0" smtClean="0">
@@ -28656,17 +29664,65 @@
                 <a:ea typeface="Helvetica" charset="0"/>
                 <a:cs typeface="Helvetica" charset="0"/>
               </a:rPr>
+              <a:t> e </a:t>
+            </a:r>
+            <a:r>
+              <a:rPr lang="en-US" b="1" dirty="0" err="1" smtClean="0">
+                <a:latin typeface="Helvetica" charset="0"/>
+                <a:ea typeface="Helvetica" charset="0"/>
+                <a:cs typeface="Helvetica" charset="0"/>
+              </a:rPr>
+              <a:t>Resultados</a:t>
+            </a:r>
+            <a:r>
+              <a:rPr lang="en-US" b="1" dirty="0" smtClean="0">
+                <a:latin typeface="Helvetica" charset="0"/>
+                <a:ea typeface="Helvetica" charset="0"/>
+                <a:cs typeface="Helvetica" charset="0"/>
+              </a:rPr>
               <a:t> </a:t>
             </a:r>
             <a:r>
-              <a:rPr lang="en-US" b="1" dirty="0" err="1" smtClean="0">
-                <a:latin typeface="Helvetica" charset="0"/>
-                <a:ea typeface="Helvetica" charset="0"/>
-                <a:cs typeface="Helvetica" charset="0"/>
-              </a:rPr>
-              <a:t>Futuros</a:t>
-            </a:r>
-            <a:endParaRPr lang="en-US" sz="2800" b="1" dirty="0">
+              <a:rPr lang="mr-IN" b="1" dirty="0" smtClean="0">
+                <a:latin typeface="Helvetica" charset="0"/>
+                <a:ea typeface="Helvetica" charset="0"/>
+                <a:cs typeface="Helvetica" charset="0"/>
+              </a:rPr>
+              <a:t>–</a:t>
+            </a:r>
+            <a:r>
+              <a:rPr lang="en-US" b="1" dirty="0" smtClean="0">
+                <a:latin typeface="Helvetica" charset="0"/>
+                <a:ea typeface="Helvetica" charset="0"/>
+                <a:cs typeface="Helvetica" charset="0"/>
+              </a:rPr>
+              <a:t> </a:t>
+            </a:r>
+            <a:r>
+              <a:rPr lang="en-US" sz="2800" b="1" dirty="0" err="1" smtClean="0">
+                <a:latin typeface="Helvetica" charset="0"/>
+                <a:ea typeface="Helvetica" charset="0"/>
+                <a:cs typeface="Helvetica" charset="0"/>
+              </a:rPr>
+              <a:t>OneMax</a:t>
+            </a:r>
+            <a:r>
+              <a:rPr lang="en-US" sz="2800" b="1" dirty="0" smtClean="0">
+                <a:latin typeface="Helvetica" charset="0"/>
+                <a:ea typeface="Helvetica" charset="0"/>
+                <a:cs typeface="Helvetica" charset="0"/>
+              </a:rPr>
+              <a:t> </a:t>
+            </a:r>
+            <a:r>
+              <a:rPr lang="en-US" sz="2800" b="1" dirty="0" err="1" smtClean="0">
+                <a:latin typeface="Helvetica" charset="0"/>
+                <a:ea typeface="Helvetica" charset="0"/>
+                <a:cs typeface="Helvetica" charset="0"/>
+              </a:rPr>
+              <a:t>Booleano</a:t>
+            </a:r>
+            <a:endParaRPr lang="en-US" sz="2000" b="1" dirty="0">
               <a:latin typeface="Helvetica" charset="0"/>
               <a:ea typeface="Helvetica" charset="0"/>
               <a:cs typeface="Helvetica" charset="0"/>
@@ -28705,292 +29761,54 @@
                 <a:ea typeface="Helvetica" charset="0"/>
                 <a:cs typeface="Helvetica" charset="0"/>
               </a:rPr>
-              <a:t>An</a:t>
-            </a:r>
-            <a:r>
-              <a:rPr lang="en-US" dirty="0" err="1" smtClean="0">
-                <a:solidFill>
-                  <a:schemeClr val="tx1"/>
-                </a:solidFill>
-                <a:latin typeface="Helvetica" charset="0"/>
-                <a:ea typeface="Helvetica" charset="0"/>
-                <a:cs typeface="Helvetica" charset="0"/>
-              </a:rPr>
-              <a:t>álise</a:t>
-            </a:r>
-            <a:r>
-              <a:rPr lang="en-US" dirty="0" smtClean="0">
-                <a:solidFill>
-                  <a:schemeClr val="tx1"/>
-                </a:solidFill>
-                <a:latin typeface="Helvetica" charset="0"/>
-                <a:ea typeface="Helvetica" charset="0"/>
-                <a:cs typeface="Helvetica" charset="0"/>
-              </a:rPr>
-              <a:t> </a:t>
-            </a:r>
-            <a:r>
-              <a:rPr lang="en-US" dirty="0" err="1" smtClean="0">
-                <a:solidFill>
-                  <a:schemeClr val="tx1"/>
-                </a:solidFill>
-                <a:latin typeface="Helvetica" charset="0"/>
-                <a:ea typeface="Helvetica" charset="0"/>
-                <a:cs typeface="Helvetica" charset="0"/>
-              </a:rPr>
-              <a:t>mais</a:t>
-            </a:r>
-            <a:r>
-              <a:rPr lang="en-US" dirty="0" smtClean="0">
-                <a:solidFill>
-                  <a:schemeClr val="tx1"/>
-                </a:solidFill>
-                <a:latin typeface="Helvetica" charset="0"/>
-                <a:ea typeface="Helvetica" charset="0"/>
-                <a:cs typeface="Helvetica" charset="0"/>
-              </a:rPr>
-              <a:t> </a:t>
-            </a:r>
-            <a:r>
-              <a:rPr lang="en-US" dirty="0" err="1" smtClean="0">
-                <a:solidFill>
-                  <a:schemeClr val="tx1"/>
-                </a:solidFill>
-                <a:latin typeface="Helvetica" charset="0"/>
-                <a:ea typeface="Helvetica" charset="0"/>
-                <a:cs typeface="Helvetica" charset="0"/>
-              </a:rPr>
-              <a:t>detalhada</a:t>
-            </a:r>
-            <a:r>
-              <a:rPr lang="en-US" dirty="0" smtClean="0">
-                <a:solidFill>
-                  <a:schemeClr val="tx1"/>
-                </a:solidFill>
-                <a:latin typeface="Helvetica" charset="0"/>
-                <a:ea typeface="Helvetica" charset="0"/>
-                <a:cs typeface="Helvetica" charset="0"/>
-              </a:rPr>
-              <a:t> do </a:t>
-            </a:r>
-            <a:r>
-              <a:rPr lang="en-US" dirty="0" err="1" smtClean="0">
-                <a:solidFill>
-                  <a:schemeClr val="tx1"/>
-                </a:solidFill>
-                <a:latin typeface="Helvetica" charset="0"/>
-                <a:ea typeface="Helvetica" charset="0"/>
-                <a:cs typeface="Helvetica" charset="0"/>
-              </a:rPr>
-              <a:t>problema</a:t>
-            </a:r>
-            <a:r>
-              <a:rPr lang="en-US" dirty="0" smtClean="0">
-                <a:solidFill>
-                  <a:schemeClr val="tx1"/>
-                </a:solidFill>
-                <a:latin typeface="Helvetica" charset="0"/>
-                <a:ea typeface="Helvetica" charset="0"/>
-                <a:cs typeface="Helvetica" charset="0"/>
-              </a:rPr>
-              <a:t> do </a:t>
-            </a:r>
-            <a:r>
-              <a:rPr lang="en-US" dirty="0" err="1" smtClean="0">
-                <a:solidFill>
-                  <a:schemeClr val="tx1"/>
-                </a:solidFill>
-                <a:latin typeface="Helvetica" charset="0"/>
-                <a:ea typeface="Helvetica" charset="0"/>
-                <a:cs typeface="Helvetica" charset="0"/>
-              </a:rPr>
-              <a:t>OneMax</a:t>
-            </a:r>
-            <a:r>
-              <a:rPr lang="en-US" dirty="0" smtClean="0">
-                <a:solidFill>
-                  <a:schemeClr val="tx1"/>
-                </a:solidFill>
-                <a:latin typeface="Helvetica" charset="0"/>
-                <a:ea typeface="Helvetica" charset="0"/>
-                <a:cs typeface="Helvetica" charset="0"/>
-              </a:rPr>
-              <a:t> Real (</a:t>
-            </a:r>
-            <a:r>
-              <a:rPr lang="en-US" dirty="0" err="1" smtClean="0">
-                <a:solidFill>
-                  <a:schemeClr val="tx1"/>
-                </a:solidFill>
-                <a:latin typeface="Helvetica" charset="0"/>
-                <a:ea typeface="Helvetica" charset="0"/>
-                <a:cs typeface="Helvetica" charset="0"/>
-              </a:rPr>
-              <a:t>interpretação</a:t>
-            </a:r>
-            <a:r>
-              <a:rPr lang="en-US" dirty="0" smtClean="0">
-                <a:solidFill>
-                  <a:schemeClr val="tx1"/>
-                </a:solidFill>
-                <a:latin typeface="Helvetica" charset="0"/>
-                <a:ea typeface="Helvetica" charset="0"/>
-                <a:cs typeface="Helvetica" charset="0"/>
-              </a:rPr>
-              <a:t> </a:t>
-            </a:r>
-            <a:r>
-              <a:rPr lang="en-US" dirty="0" err="1" smtClean="0">
-                <a:solidFill>
-                  <a:schemeClr val="tx1"/>
-                </a:solidFill>
-                <a:latin typeface="Helvetica" charset="0"/>
-                <a:ea typeface="Helvetica" charset="0"/>
-                <a:cs typeface="Helvetica" charset="0"/>
-              </a:rPr>
-              <a:t>matemática</a:t>
-            </a:r>
-            <a:r>
-              <a:rPr lang="en-US" dirty="0" smtClean="0">
-                <a:solidFill>
-                  <a:schemeClr val="tx1"/>
-                </a:solidFill>
-                <a:latin typeface="Helvetica" charset="0"/>
-                <a:ea typeface="Helvetica" charset="0"/>
-                <a:cs typeface="Helvetica" charset="0"/>
-              </a:rPr>
-              <a:t>)</a:t>
-            </a:r>
-            <a:endParaRPr lang="en-US" i="1" baseline="-25000" dirty="0">
-              <a:solidFill>
-                <a:schemeClr val="tx1"/>
-              </a:solidFill>
-              <a:latin typeface="Helvetica" charset="0"/>
-              <a:ea typeface="Helvetica" charset="0"/>
-              <a:cs typeface="Helvetica" charset="0"/>
-            </a:endParaRPr>
-          </a:p>
-          <a:p>
-            <a:r>
-              <a:rPr lang="en-US" dirty="0" err="1" smtClean="0">
-                <a:solidFill>
-                  <a:schemeClr val="tx1"/>
-                </a:solidFill>
-                <a:latin typeface="Helvetica" charset="0"/>
-                <a:ea typeface="Helvetica" charset="0"/>
-                <a:cs typeface="Helvetica" charset="0"/>
-              </a:rPr>
-              <a:t>Comparação</a:t>
-            </a:r>
-            <a:r>
-              <a:rPr lang="en-US" dirty="0" smtClean="0">
-                <a:solidFill>
-                  <a:schemeClr val="tx1"/>
-                </a:solidFill>
-                <a:latin typeface="Helvetica" charset="0"/>
-                <a:ea typeface="Helvetica" charset="0"/>
-                <a:cs typeface="Helvetica" charset="0"/>
-              </a:rPr>
-              <a:t> do </a:t>
-            </a:r>
-            <a:r>
-              <a:rPr lang="en-US" dirty="0" err="1" smtClean="0">
-                <a:solidFill>
-                  <a:schemeClr val="tx1"/>
-                </a:solidFill>
-                <a:latin typeface="Helvetica" charset="0"/>
-                <a:ea typeface="Helvetica" charset="0"/>
-                <a:cs typeface="Helvetica" charset="0"/>
-              </a:rPr>
-              <a:t>problema</a:t>
-            </a:r>
-            <a:r>
-              <a:rPr lang="en-US" dirty="0" smtClean="0">
-                <a:solidFill>
-                  <a:schemeClr val="tx1"/>
-                </a:solidFill>
-                <a:latin typeface="Helvetica" charset="0"/>
-                <a:ea typeface="Helvetica" charset="0"/>
-                <a:cs typeface="Helvetica" charset="0"/>
-              </a:rPr>
-              <a:t> do </a:t>
-            </a:r>
-            <a:r>
-              <a:rPr lang="en-US" dirty="0" err="1" smtClean="0">
-                <a:solidFill>
-                  <a:schemeClr val="tx1"/>
-                </a:solidFill>
-                <a:latin typeface="Helvetica" charset="0"/>
-                <a:ea typeface="Helvetica" charset="0"/>
-                <a:cs typeface="Helvetica" charset="0"/>
-              </a:rPr>
-              <a:t>Caixeiro</a:t>
-            </a:r>
-            <a:r>
-              <a:rPr lang="en-US" dirty="0" smtClean="0">
-                <a:solidFill>
-                  <a:schemeClr val="tx1"/>
-                </a:solidFill>
-                <a:latin typeface="Helvetica" charset="0"/>
-                <a:ea typeface="Helvetica" charset="0"/>
-                <a:cs typeface="Helvetica" charset="0"/>
-              </a:rPr>
-              <a:t> </a:t>
-            </a:r>
-            <a:r>
-              <a:rPr lang="en-US" dirty="0" err="1" smtClean="0">
-                <a:solidFill>
-                  <a:schemeClr val="tx1"/>
-                </a:solidFill>
-                <a:latin typeface="Helvetica" charset="0"/>
-                <a:ea typeface="Helvetica" charset="0"/>
-                <a:cs typeface="Helvetica" charset="0"/>
-              </a:rPr>
-              <a:t>Viajante</a:t>
-            </a:r>
-            <a:r>
-              <a:rPr lang="en-US" dirty="0" smtClean="0">
-                <a:solidFill>
-                  <a:schemeClr val="tx1"/>
-                </a:solidFill>
-                <a:latin typeface="Helvetica" charset="0"/>
-                <a:ea typeface="Helvetica" charset="0"/>
-                <a:cs typeface="Helvetica" charset="0"/>
-              </a:rPr>
-              <a:t> c/genes </a:t>
-            </a:r>
-            <a:r>
-              <a:rPr lang="en-US" dirty="0" err="1" smtClean="0">
-                <a:solidFill>
-                  <a:schemeClr val="tx1"/>
-                </a:solidFill>
-                <a:latin typeface="Helvetica" charset="0"/>
-                <a:ea typeface="Helvetica" charset="0"/>
-                <a:cs typeface="Helvetica" charset="0"/>
-              </a:rPr>
-              <a:t>deste</a:t>
-            </a:r>
-            <a:r>
-              <a:rPr lang="en-US" dirty="0" smtClean="0">
-                <a:solidFill>
-                  <a:schemeClr val="tx1"/>
-                </a:solidFill>
-                <a:latin typeface="Helvetica" charset="0"/>
-                <a:ea typeface="Helvetica" charset="0"/>
-                <a:cs typeface="Helvetica" charset="0"/>
-              </a:rPr>
-              <a:t> </a:t>
-            </a:r>
-            <a:r>
-              <a:rPr lang="en-US" dirty="0" err="1" smtClean="0">
-                <a:solidFill>
-                  <a:schemeClr val="tx1"/>
-                </a:solidFill>
-                <a:latin typeface="Helvetica" charset="0"/>
-                <a:ea typeface="Helvetica" charset="0"/>
-                <a:cs typeface="Helvetica" charset="0"/>
-              </a:rPr>
-              <a:t>trabalho</a:t>
+              <a:t>Gr</a:t>
+            </a:r>
+            <a:r>
+              <a:rPr lang="en-US" dirty="0" err="1" smtClean="0">
+                <a:solidFill>
+                  <a:schemeClr val="tx1"/>
+                </a:solidFill>
+                <a:latin typeface="Helvetica" charset="0"/>
+                <a:ea typeface="Helvetica" charset="0"/>
+                <a:cs typeface="Helvetica" charset="0"/>
+              </a:rPr>
+              <a:t>áficos</a:t>
+            </a:r>
+            <a:r>
+              <a:rPr lang="en-US" dirty="0" smtClean="0">
+                <a:solidFill>
+                  <a:schemeClr val="tx1"/>
+                </a:solidFill>
+                <a:latin typeface="Helvetica" charset="0"/>
+                <a:ea typeface="Helvetica" charset="0"/>
+                <a:cs typeface="Helvetica" charset="0"/>
+              </a:rPr>
+              <a:t>:</a:t>
+            </a:r>
+          </a:p>
+          <a:p>
+            <a:pPr lvl="1"/>
+            <a:r>
+              <a:rPr lang="en-US" dirty="0" smtClean="0">
+                <a:solidFill>
+                  <a:schemeClr val="tx1"/>
+                </a:solidFill>
+                <a:latin typeface="Helvetica" charset="0"/>
+                <a:ea typeface="Helvetica" charset="0"/>
+                <a:cs typeface="Helvetica" charset="0"/>
+              </a:rPr>
+              <a:t>Fitness </a:t>
+            </a:r>
+            <a:r>
+              <a:rPr lang="en-US" dirty="0" err="1" smtClean="0">
+                <a:solidFill>
+                  <a:schemeClr val="tx1"/>
+                </a:solidFill>
+                <a:latin typeface="Helvetica" charset="0"/>
+                <a:ea typeface="Helvetica" charset="0"/>
+                <a:cs typeface="Helvetica" charset="0"/>
+              </a:rPr>
+              <a:t>mínimo</a:t>
             </a:r>
             <a:endParaRPr lang="en-US" dirty="0" smtClean="0">
               <a:solidFill>
@@ -29002,271 +29820,28 @@
             </a:endParaRPr>
           </a:p>
           <a:p>
-            <a:r>
-              <a:rPr lang="en-US" dirty="0" err="1" smtClean="0">
-                <a:solidFill>
-                  <a:schemeClr val="tx1"/>
-                </a:solidFill>
-                <a:latin typeface="Helvetica" charset="0"/>
-                <a:ea typeface="Helvetica" charset="0"/>
-                <a:cs typeface="Helvetica" charset="0"/>
-              </a:rPr>
-              <a:t>Evoluir</a:t>
-            </a:r>
-            <a:r>
-              <a:rPr lang="en-US" dirty="0" smtClean="0">
-                <a:solidFill>
-                  <a:schemeClr val="tx1"/>
-                </a:solidFill>
-                <a:latin typeface="Helvetica" charset="0"/>
-                <a:ea typeface="Helvetica" charset="0"/>
-                <a:cs typeface="Helvetica" charset="0"/>
-              </a:rPr>
-              <a:t> </a:t>
-            </a:r>
-            <a:r>
-              <a:rPr lang="en-US" dirty="0" err="1" smtClean="0">
-                <a:solidFill>
-                  <a:schemeClr val="tx1"/>
-                </a:solidFill>
-                <a:latin typeface="Helvetica" charset="0"/>
-                <a:ea typeface="Helvetica" charset="0"/>
-                <a:cs typeface="Helvetica" charset="0"/>
-              </a:rPr>
-              <a:t>os</a:t>
-            </a:r>
-            <a:r>
-              <a:rPr lang="en-US" dirty="0" smtClean="0">
-                <a:solidFill>
-                  <a:schemeClr val="tx1"/>
-                </a:solidFill>
-                <a:latin typeface="Helvetica" charset="0"/>
-                <a:ea typeface="Helvetica" charset="0"/>
-                <a:cs typeface="Helvetica" charset="0"/>
-              </a:rPr>
-              <a:t> </a:t>
-            </a:r>
-            <a:r>
-              <a:rPr lang="en-US" dirty="0" err="1" smtClean="0">
-                <a:solidFill>
-                  <a:schemeClr val="tx1"/>
-                </a:solidFill>
-                <a:latin typeface="Helvetica" charset="0"/>
-                <a:ea typeface="Helvetica" charset="0"/>
-                <a:cs typeface="Helvetica" charset="0"/>
-              </a:rPr>
-              <a:t>conceitos</a:t>
-            </a:r>
-            <a:r>
-              <a:rPr lang="en-US" dirty="0" smtClean="0">
-                <a:solidFill>
-                  <a:schemeClr val="tx1"/>
-                </a:solidFill>
-                <a:latin typeface="Helvetica" charset="0"/>
-                <a:ea typeface="Helvetica" charset="0"/>
-                <a:cs typeface="Helvetica" charset="0"/>
-              </a:rPr>
-              <a:t> </a:t>
-            </a:r>
-            <a:r>
-              <a:rPr lang="en-US" dirty="0" err="1" smtClean="0">
-                <a:solidFill>
-                  <a:schemeClr val="tx1"/>
-                </a:solidFill>
-                <a:latin typeface="Helvetica" charset="0"/>
-                <a:ea typeface="Helvetica" charset="0"/>
-                <a:cs typeface="Helvetica" charset="0"/>
-              </a:rPr>
-              <a:t>por</a:t>
-            </a:r>
-            <a:r>
-              <a:rPr lang="en-US" dirty="0" smtClean="0">
-                <a:solidFill>
-                  <a:schemeClr val="tx1"/>
-                </a:solidFill>
-                <a:latin typeface="Helvetica" charset="0"/>
-                <a:ea typeface="Helvetica" charset="0"/>
-                <a:cs typeface="Helvetica" charset="0"/>
-              </a:rPr>
-              <a:t> </a:t>
-            </a:r>
-            <a:r>
-              <a:rPr lang="en-US" dirty="0" err="1" smtClean="0">
-                <a:solidFill>
-                  <a:schemeClr val="tx1"/>
-                </a:solidFill>
-                <a:latin typeface="Helvetica" charset="0"/>
-                <a:ea typeface="Helvetica" charset="0"/>
-                <a:cs typeface="Helvetica" charset="0"/>
-              </a:rPr>
-              <a:t>trás</a:t>
-            </a:r>
-            <a:r>
-              <a:rPr lang="en-US" dirty="0" smtClean="0">
-                <a:solidFill>
-                  <a:schemeClr val="tx1"/>
-                </a:solidFill>
-                <a:latin typeface="Helvetica" charset="0"/>
-                <a:ea typeface="Helvetica" charset="0"/>
-                <a:cs typeface="Helvetica" charset="0"/>
-              </a:rPr>
-              <a:t> do AGA e </a:t>
-            </a:r>
-            <a:r>
-              <a:rPr lang="en-US" dirty="0" err="1" smtClean="0">
-                <a:solidFill>
-                  <a:schemeClr val="tx1"/>
-                </a:solidFill>
-                <a:latin typeface="Helvetica" charset="0"/>
-                <a:ea typeface="Helvetica" charset="0"/>
-                <a:cs typeface="Helvetica" charset="0"/>
-              </a:rPr>
-              <a:t>melhorá</a:t>
-            </a:r>
-            <a:r>
-              <a:rPr lang="en-US" dirty="0" smtClean="0">
-                <a:solidFill>
-                  <a:schemeClr val="tx1"/>
-                </a:solidFill>
-                <a:latin typeface="Helvetica" charset="0"/>
-                <a:ea typeface="Helvetica" charset="0"/>
-                <a:cs typeface="Helvetica" charset="0"/>
-              </a:rPr>
-              <a:t>-lo</a:t>
-            </a:r>
-          </a:p>
-          <a:p>
-            <a:r>
-              <a:rPr lang="en-US" dirty="0" err="1" smtClean="0">
-                <a:solidFill>
-                  <a:schemeClr val="tx1"/>
-                </a:solidFill>
-                <a:latin typeface="Helvetica" charset="0"/>
-                <a:ea typeface="Helvetica" charset="0"/>
-                <a:cs typeface="Helvetica" charset="0"/>
-              </a:rPr>
-              <a:t>Testar</a:t>
-            </a:r>
-            <a:r>
-              <a:rPr lang="en-US" dirty="0" smtClean="0">
-                <a:solidFill>
-                  <a:schemeClr val="tx1"/>
-                </a:solidFill>
-                <a:latin typeface="Helvetica" charset="0"/>
-                <a:ea typeface="Helvetica" charset="0"/>
-                <a:cs typeface="Helvetica" charset="0"/>
-              </a:rPr>
-              <a:t> o AGA junto a </a:t>
-            </a:r>
-            <a:r>
-              <a:rPr lang="en-US" dirty="0" err="1" smtClean="0">
-                <a:solidFill>
-                  <a:schemeClr val="tx1"/>
-                </a:solidFill>
-                <a:latin typeface="Helvetica" charset="0"/>
-                <a:ea typeface="Helvetica" charset="0"/>
-                <a:cs typeface="Helvetica" charset="0"/>
-              </a:rPr>
-              <a:t>mais</a:t>
-            </a:r>
-            <a:r>
-              <a:rPr lang="en-US" dirty="0" smtClean="0">
-                <a:solidFill>
-                  <a:schemeClr val="tx1"/>
-                </a:solidFill>
-                <a:latin typeface="Helvetica" charset="0"/>
-                <a:ea typeface="Helvetica" charset="0"/>
-                <a:cs typeface="Helvetica" charset="0"/>
-              </a:rPr>
-              <a:t> </a:t>
-            </a:r>
-            <a:r>
-              <a:rPr lang="en-US" dirty="0" err="1" smtClean="0">
-                <a:solidFill>
-                  <a:schemeClr val="tx1"/>
-                </a:solidFill>
-                <a:latin typeface="Helvetica" charset="0"/>
-                <a:ea typeface="Helvetica" charset="0"/>
-                <a:cs typeface="Helvetica" charset="0"/>
-              </a:rPr>
-              <a:t>problemas</a:t>
-            </a:r>
-            <a:r>
-              <a:rPr lang="en-US" dirty="0" smtClean="0">
-                <a:solidFill>
-                  <a:schemeClr val="tx1"/>
-                </a:solidFill>
-                <a:latin typeface="Helvetica" charset="0"/>
-                <a:ea typeface="Helvetica" charset="0"/>
-                <a:cs typeface="Helvetica" charset="0"/>
-              </a:rPr>
-              <a:t> (</a:t>
-            </a:r>
-            <a:r>
-              <a:rPr lang="en-US" dirty="0" err="1" smtClean="0">
-                <a:solidFill>
-                  <a:schemeClr val="tx1"/>
-                </a:solidFill>
-                <a:latin typeface="Helvetica" charset="0"/>
-                <a:ea typeface="Helvetica" charset="0"/>
-                <a:cs typeface="Helvetica" charset="0"/>
-              </a:rPr>
-              <a:t>verificar</a:t>
-            </a:r>
-            <a:r>
-              <a:rPr lang="en-US" dirty="0" smtClean="0">
-                <a:solidFill>
-                  <a:schemeClr val="tx1"/>
-                </a:solidFill>
-                <a:latin typeface="Helvetica" charset="0"/>
-                <a:ea typeface="Helvetica" charset="0"/>
-                <a:cs typeface="Helvetica" charset="0"/>
-              </a:rPr>
-              <a:t> </a:t>
-            </a:r>
-            <a:r>
-              <a:rPr lang="en-US" dirty="0" err="1" smtClean="0">
-                <a:solidFill>
-                  <a:schemeClr val="tx1"/>
-                </a:solidFill>
-                <a:latin typeface="Helvetica" charset="0"/>
-                <a:ea typeface="Helvetica" charset="0"/>
-                <a:cs typeface="Helvetica" charset="0"/>
-              </a:rPr>
-              <a:t>prós</a:t>
-            </a:r>
-            <a:r>
-              <a:rPr lang="en-US" dirty="0" smtClean="0">
-                <a:solidFill>
-                  <a:schemeClr val="tx1"/>
-                </a:solidFill>
-                <a:latin typeface="Helvetica" charset="0"/>
-                <a:ea typeface="Helvetica" charset="0"/>
-                <a:cs typeface="Helvetica" charset="0"/>
-              </a:rPr>
-              <a:t>/contras/</a:t>
-            </a:r>
-            <a:r>
-              <a:rPr lang="en-US" dirty="0" err="1" smtClean="0">
-                <a:solidFill>
-                  <a:schemeClr val="tx1"/>
-                </a:solidFill>
-                <a:latin typeface="Helvetica" charset="0"/>
-                <a:ea typeface="Helvetica" charset="0"/>
-                <a:cs typeface="Helvetica" charset="0"/>
-              </a:rPr>
-              <a:t>limitações</a:t>
-            </a:r>
-            <a:r>
-              <a:rPr lang="en-US" dirty="0" smtClean="0">
-                <a:solidFill>
-                  <a:schemeClr val="tx1"/>
-                </a:solidFill>
-                <a:latin typeface="Helvetica" charset="0"/>
-                <a:ea typeface="Helvetica" charset="0"/>
-                <a:cs typeface="Helvetica" charset="0"/>
-              </a:rPr>
-              <a:t>)</a:t>
+            <a:pPr lvl="1"/>
+            <a:r>
+              <a:rPr lang="en-US" dirty="0" smtClean="0">
+                <a:solidFill>
+                  <a:schemeClr val="tx1"/>
+                </a:solidFill>
+                <a:latin typeface="Helvetica" charset="0"/>
+                <a:ea typeface="Helvetica" charset="0"/>
+                <a:cs typeface="Helvetica" charset="0"/>
+              </a:rPr>
+              <a:t>Fitness </a:t>
+            </a:r>
+            <a:r>
+              <a:rPr lang="en-US" dirty="0" err="1" smtClean="0">
+                <a:solidFill>
+                  <a:schemeClr val="tx1"/>
+                </a:solidFill>
+                <a:latin typeface="Helvetica" charset="0"/>
+                <a:ea typeface="Helvetica" charset="0"/>
+                <a:cs typeface="Helvetica" charset="0"/>
+              </a:rPr>
+              <a:t>máximo</a:t>
             </a:r>
             <a:endParaRPr lang="en-US" dirty="0" smtClean="0">
               <a:solidFill>
@@ -29278,60 +29853,50 @@
             </a:endParaRPr>
           </a:p>
           <a:p>
-            <a:r>
-              <a:rPr lang="en-US" dirty="0" err="1" smtClean="0">
-                <a:solidFill>
-                  <a:schemeClr val="tx1"/>
-                </a:solidFill>
-                <a:latin typeface="Helvetica" charset="0"/>
-                <a:ea typeface="Helvetica" charset="0"/>
-                <a:cs typeface="Helvetica" charset="0"/>
-              </a:rPr>
-              <a:t>Organização</a:t>
-            </a:r>
-            <a:r>
-              <a:rPr lang="en-US" dirty="0" smtClean="0">
-                <a:solidFill>
-                  <a:schemeClr val="tx1"/>
-                </a:solidFill>
-                <a:latin typeface="Helvetica" charset="0"/>
-                <a:ea typeface="Helvetica" charset="0"/>
-                <a:cs typeface="Helvetica" charset="0"/>
-              </a:rPr>
-              <a:t> do </a:t>
-            </a:r>
-            <a:r>
-              <a:rPr lang="en-US" dirty="0" err="1" smtClean="0">
-                <a:solidFill>
-                  <a:schemeClr val="tx1"/>
-                </a:solidFill>
-                <a:latin typeface="Helvetica" charset="0"/>
-                <a:ea typeface="Helvetica" charset="0"/>
-                <a:cs typeface="Helvetica" charset="0"/>
-              </a:rPr>
-              <a:t>código</a:t>
-            </a:r>
-            <a:r>
-              <a:rPr lang="en-US" dirty="0" smtClean="0">
-                <a:solidFill>
-                  <a:schemeClr val="tx1"/>
-                </a:solidFill>
-                <a:latin typeface="Helvetica" charset="0"/>
-                <a:ea typeface="Helvetica" charset="0"/>
-                <a:cs typeface="Helvetica" charset="0"/>
-              </a:rPr>
-              <a:t> do AG para </a:t>
-            </a:r>
-            <a:r>
-              <a:rPr lang="en-US" dirty="0" err="1" smtClean="0">
-                <a:solidFill>
-                  <a:schemeClr val="tx1"/>
-                </a:solidFill>
-                <a:latin typeface="Helvetica" charset="0"/>
-                <a:ea typeface="Helvetica" charset="0"/>
-                <a:cs typeface="Helvetica" charset="0"/>
-              </a:rPr>
-              <a:t>comportar</a:t>
+            <a:pPr lvl="1"/>
+            <a:r>
+              <a:rPr lang="en-US" dirty="0" smtClean="0">
+                <a:solidFill>
+                  <a:schemeClr val="tx1"/>
+                </a:solidFill>
+                <a:latin typeface="Helvetica" charset="0"/>
+                <a:ea typeface="Helvetica" charset="0"/>
+                <a:cs typeface="Helvetica" charset="0"/>
+              </a:rPr>
+              <a:t>Fitness </a:t>
+            </a:r>
+            <a:r>
+              <a:rPr lang="en-US" dirty="0" err="1" smtClean="0">
+                <a:solidFill>
+                  <a:schemeClr val="tx1"/>
+                </a:solidFill>
+                <a:latin typeface="Helvetica" charset="0"/>
+                <a:ea typeface="Helvetica" charset="0"/>
+                <a:cs typeface="Helvetica" charset="0"/>
+              </a:rPr>
+              <a:t>médio</a:t>
+            </a:r>
+            <a:endParaRPr lang="en-US" dirty="0" smtClean="0">
+              <a:solidFill>
+                <a:schemeClr val="tx1"/>
+              </a:solidFill>
+              <a:latin typeface="Helvetica" charset="0"/>
+              <a:ea typeface="Helvetica" charset="0"/>
+              <a:cs typeface="Helvetica" charset="0"/>
+            </a:endParaRPr>
+          </a:p>
+          <a:p>
+            <a:pPr lvl="1"/>
+            <a:r>
+              <a:rPr lang="en-US" dirty="0" err="1" smtClean="0">
+                <a:solidFill>
+                  <a:schemeClr val="tx1"/>
+                </a:solidFill>
+                <a:latin typeface="Helvetica" charset="0"/>
+                <a:ea typeface="Helvetica" charset="0"/>
+                <a:cs typeface="Helvetica" charset="0"/>
+              </a:rPr>
+              <a:t>Desvio</a:t>
             </a:r>
             <a:r>
               <a:rPr lang="en-US" dirty="0" smtClean="0">
@@ -29353,73 +29918,93 @@
                 <a:ea typeface="Helvetica" charset="0"/>
                 <a:cs typeface="Helvetica" charset="0"/>
               </a:rPr>
-              <a:t>mais</a:t>
-            </a:r>
-            <a:r>
-              <a:rPr lang="en-US" dirty="0" smtClean="0">
-                <a:solidFill>
-                  <a:schemeClr val="tx1"/>
-                </a:solidFill>
-                <a:latin typeface="Helvetica" charset="0"/>
-                <a:ea typeface="Helvetica" charset="0"/>
-                <a:cs typeface="Helvetica" charset="0"/>
-              </a:rPr>
-              <a:t> </a:t>
-            </a:r>
-            <a:r>
-              <a:rPr lang="en-US" dirty="0" err="1" smtClean="0">
-                <a:solidFill>
-                  <a:schemeClr val="tx1"/>
-                </a:solidFill>
-                <a:latin typeface="Helvetica" charset="0"/>
-                <a:ea typeface="Helvetica" charset="0"/>
-                <a:cs typeface="Helvetica" charset="0"/>
-              </a:rPr>
-              <a:t>problemas</a:t>
-            </a:r>
-            <a:r>
-              <a:rPr lang="en-US" dirty="0" smtClean="0">
-                <a:solidFill>
-                  <a:schemeClr val="tx1"/>
-                </a:solidFill>
-                <a:latin typeface="Helvetica" charset="0"/>
-                <a:ea typeface="Helvetica" charset="0"/>
-                <a:cs typeface="Helvetica" charset="0"/>
-              </a:rPr>
-              <a:t> e </a:t>
-            </a:r>
-            <a:r>
-              <a:rPr lang="en-US" dirty="0" err="1" smtClean="0">
-                <a:solidFill>
-                  <a:schemeClr val="tx1"/>
-                </a:solidFill>
-                <a:latin typeface="Helvetica" charset="0"/>
-                <a:ea typeface="Helvetica" charset="0"/>
-                <a:cs typeface="Helvetica" charset="0"/>
-              </a:rPr>
-              <a:t>diferentes</a:t>
-            </a:r>
-            <a:r>
-              <a:rPr lang="en-US" dirty="0" smtClean="0">
-                <a:solidFill>
-                  <a:schemeClr val="tx1"/>
-                </a:solidFill>
-                <a:latin typeface="Helvetica" charset="0"/>
-                <a:ea typeface="Helvetica" charset="0"/>
-                <a:cs typeface="Helvetica" charset="0"/>
-              </a:rPr>
-              <a:t> </a:t>
-            </a:r>
-            <a:r>
-              <a:rPr lang="en-US" smtClean="0">
-                <a:solidFill>
-                  <a:schemeClr val="tx1"/>
-                </a:solidFill>
-                <a:latin typeface="Helvetica" charset="0"/>
-                <a:ea typeface="Helvetica" charset="0"/>
-                <a:cs typeface="Helvetica" charset="0"/>
-              </a:rPr>
-              <a:t>operadores</a:t>
+              <a:t>padrão</a:t>
+            </a:r>
+            <a:endParaRPr lang="en-US" dirty="0" smtClean="0">
+              <a:solidFill>
+                <a:schemeClr val="tx1"/>
+              </a:solidFill>
+              <a:latin typeface="Helvetica" charset="0"/>
+              <a:ea typeface="Helvetica" charset="0"/>
+              <a:cs typeface="Helvetica" charset="0"/>
+            </a:endParaRPr>
+          </a:p>
+          <a:p>
+            <a:endParaRPr lang="en-US" dirty="0" smtClean="0">
+              <a:solidFill>
+                <a:schemeClr val="tx1"/>
+              </a:solidFill>
+              <a:latin typeface="Helvetica" charset="0"/>
+              <a:ea typeface="Helvetica" charset="0"/>
+              <a:cs typeface="Helvetica" charset="0"/>
+            </a:endParaRPr>
+          </a:p>
+          <a:p>
+            <a:r>
+              <a:rPr lang="en-US" dirty="0" err="1" smtClean="0">
+                <a:solidFill>
+                  <a:schemeClr val="tx1"/>
+                </a:solidFill>
+                <a:latin typeface="Helvetica" charset="0"/>
+                <a:ea typeface="Helvetica" charset="0"/>
+                <a:cs typeface="Helvetica" charset="0"/>
+              </a:rPr>
+              <a:t>Tanto</a:t>
+            </a:r>
+            <a:r>
+              <a:rPr lang="en-US" dirty="0" smtClean="0">
+                <a:solidFill>
+                  <a:schemeClr val="tx1"/>
+                </a:solidFill>
+                <a:latin typeface="Helvetica" charset="0"/>
+                <a:ea typeface="Helvetica" charset="0"/>
+                <a:cs typeface="Helvetica" charset="0"/>
+              </a:rPr>
+              <a:t> para AG (</a:t>
+            </a:r>
+            <a:r>
+              <a:rPr lang="en-US" dirty="0" err="1" smtClean="0">
+                <a:solidFill>
+                  <a:schemeClr val="tx1"/>
+                </a:solidFill>
+                <a:latin typeface="Helvetica" charset="0"/>
+                <a:ea typeface="Helvetica" charset="0"/>
+                <a:cs typeface="Helvetica" charset="0"/>
+              </a:rPr>
+              <a:t>estático</a:t>
+            </a:r>
+            <a:r>
+              <a:rPr lang="en-US" dirty="0" smtClean="0">
+                <a:solidFill>
+                  <a:schemeClr val="tx1"/>
+                </a:solidFill>
+                <a:latin typeface="Helvetica" charset="0"/>
+                <a:ea typeface="Helvetica" charset="0"/>
+                <a:cs typeface="Helvetica" charset="0"/>
+              </a:rPr>
+              <a:t>) </a:t>
+            </a:r>
+            <a:r>
+              <a:rPr lang="en-US" dirty="0" err="1" smtClean="0">
+                <a:solidFill>
+                  <a:schemeClr val="tx1"/>
+                </a:solidFill>
+                <a:latin typeface="Helvetica" charset="0"/>
+                <a:ea typeface="Helvetica" charset="0"/>
+                <a:cs typeface="Helvetica" charset="0"/>
+              </a:rPr>
+              <a:t>quanto</a:t>
+            </a:r>
+            <a:r>
+              <a:rPr lang="en-US" dirty="0" smtClean="0">
+                <a:solidFill>
+                  <a:schemeClr val="tx1"/>
+                </a:solidFill>
+                <a:latin typeface="Helvetica" charset="0"/>
+                <a:ea typeface="Helvetica" charset="0"/>
+                <a:cs typeface="Helvetica" charset="0"/>
+              </a:rPr>
+              <a:t> para AGA</a:t>
             </a:r>
             <a:endParaRPr lang="en-US" dirty="0" smtClean="0">
               <a:solidFill>
@@ -29458,7 +30043,7 @@
     </p:spTree>
     <p:extLst>
       <p:ext uri="{BB962C8B-B14F-4D97-AF65-F5344CB8AC3E}">
-        <p14:creationId xmlns:p14="http://schemas.microsoft.com/office/powerpoint/2010/main" val="1565898918"/>
+        <p14:creationId xmlns:p14="http://schemas.microsoft.com/office/powerpoint/2010/main" val="1659111921"/>
       </p:ext>
     </p:extLst>
   </p:cSld>
@@ -30469,9 +31054,65 @@
                 <a:ea typeface="Helvetica" charset="0"/>
                 <a:cs typeface="Helvetica" charset="0"/>
               </a:rPr>
-              <a:t>Referências</a:t>
-            </a:r>
-            <a:endParaRPr lang="en-US" b="1" dirty="0">
+              <a:t>Análises</a:t>
+            </a:r>
+            <a:r>
+              <a:rPr lang="en-US" b="1" dirty="0" smtClean="0">
+                <a:latin typeface="Helvetica" charset="0"/>
+                <a:ea typeface="Helvetica" charset="0"/>
+                <a:cs typeface="Helvetica" charset="0"/>
+              </a:rPr>
+              <a:t> e </a:t>
+            </a:r>
+            <a:r>
+              <a:rPr lang="en-US" b="1" dirty="0" err="1" smtClean="0">
+                <a:latin typeface="Helvetica" charset="0"/>
+                <a:ea typeface="Helvetica" charset="0"/>
+                <a:cs typeface="Helvetica" charset="0"/>
+              </a:rPr>
+              <a:t>Resultados</a:t>
+            </a:r>
+            <a:r>
+              <a:rPr lang="en-US" b="1" dirty="0" smtClean="0">
+                <a:latin typeface="Helvetica" charset="0"/>
+                <a:ea typeface="Helvetica" charset="0"/>
+                <a:cs typeface="Helvetica" charset="0"/>
+              </a:rPr>
+              <a:t> </a:t>
+            </a:r>
+            <a:r>
+              <a:rPr lang="mr-IN" b="1" dirty="0" smtClean="0">
+                <a:latin typeface="Helvetica" charset="0"/>
+                <a:ea typeface="Helvetica" charset="0"/>
+                <a:cs typeface="Helvetica" charset="0"/>
+              </a:rPr>
+              <a:t>–</a:t>
+            </a:r>
+            <a:r>
+              <a:rPr lang="en-US" b="1" dirty="0" smtClean="0">
+                <a:latin typeface="Helvetica" charset="0"/>
+                <a:ea typeface="Helvetica" charset="0"/>
+                <a:cs typeface="Helvetica" charset="0"/>
+              </a:rPr>
+              <a:t> </a:t>
+            </a:r>
+            <a:r>
+              <a:rPr lang="en-US" sz="2800" b="1" dirty="0" err="1" smtClean="0">
+                <a:latin typeface="Helvetica" charset="0"/>
+                <a:ea typeface="Helvetica" charset="0"/>
+                <a:cs typeface="Helvetica" charset="0"/>
+              </a:rPr>
+              <a:t>OneMax</a:t>
+            </a:r>
+            <a:r>
+              <a:rPr lang="en-US" sz="2800" b="1" dirty="0" smtClean="0">
+                <a:latin typeface="Helvetica" charset="0"/>
+                <a:ea typeface="Helvetica" charset="0"/>
+                <a:cs typeface="Helvetica" charset="0"/>
+              </a:rPr>
+              <a:t> Real</a:t>
+            </a:r>
+            <a:endParaRPr lang="en-US" sz="2000" b="1" dirty="0">
               <a:latin typeface="Helvetica" charset="0"/>
               <a:ea typeface="Helvetica" charset="0"/>
               <a:cs typeface="Helvetica" charset="0"/>
@@ -30492,7 +31133,7 @@
         <p:spPr>
           <a:xfrm>
             <a:off x="1154954" y="2603500"/>
-            <a:ext cx="10035785" cy="4102100"/>
+            <a:ext cx="9647158" cy="4126484"/>
           </a:xfrm>
         </p:spPr>
         <p:txBody>
@@ -30502,169 +31143,62 @@
           <a:lstStyle/>
           <a:p>
             <a:r>
-              <a:rPr lang="en-US" dirty="0" smtClean="0">
-                <a:solidFill>
-                  <a:schemeClr val="tx1"/>
-                </a:solidFill>
-                <a:latin typeface="Helvetica" charset="0"/>
-                <a:ea typeface="Helvetica" charset="0"/>
-                <a:cs typeface="Helvetica" charset="0"/>
-              </a:rPr>
-              <a:t>[1] </a:t>
-            </a:r>
-            <a:r>
-              <a:rPr lang="en-US" dirty="0">
-                <a:solidFill>
-                  <a:schemeClr val="tx1"/>
-                </a:solidFill>
-                <a:latin typeface="Helvetica" charset="0"/>
-                <a:ea typeface="Helvetica" charset="0"/>
-                <a:cs typeface="Helvetica" charset="0"/>
-              </a:rPr>
-              <a:t>A. E. </a:t>
-            </a:r>
-            <a:r>
-              <a:rPr lang="en-US" dirty="0" err="1" smtClean="0">
-                <a:solidFill>
-                  <a:schemeClr val="tx1"/>
-                </a:solidFill>
-                <a:latin typeface="Helvetica" charset="0"/>
-                <a:ea typeface="Helvetica" charset="0"/>
-                <a:cs typeface="Helvetica" charset="0"/>
-              </a:rPr>
-              <a:t>Eiben</a:t>
-            </a:r>
-            <a:r>
-              <a:rPr lang="en-US" dirty="0" smtClean="0">
-                <a:solidFill>
-                  <a:schemeClr val="tx1"/>
-                </a:solidFill>
-                <a:latin typeface="Helvetica" charset="0"/>
-                <a:ea typeface="Helvetica" charset="0"/>
-                <a:cs typeface="Helvetica" charset="0"/>
-              </a:rPr>
-              <a:t>, J</a:t>
-            </a:r>
-            <a:r>
-              <a:rPr lang="en-US" dirty="0">
-                <a:solidFill>
-                  <a:schemeClr val="tx1"/>
-                </a:solidFill>
-                <a:latin typeface="Helvetica" charset="0"/>
-                <a:ea typeface="Helvetica" charset="0"/>
-                <a:cs typeface="Helvetica" charset="0"/>
-              </a:rPr>
-              <a:t>. E. Smith. </a:t>
-            </a:r>
-            <a:r>
-              <a:rPr lang="en-US" dirty="0" smtClean="0">
-                <a:solidFill>
-                  <a:schemeClr val="tx1"/>
-                </a:solidFill>
-                <a:latin typeface="Helvetica" charset="0"/>
-                <a:ea typeface="Helvetica" charset="0"/>
-                <a:cs typeface="Helvetica" charset="0"/>
-              </a:rPr>
-              <a:t>“</a:t>
-            </a:r>
-            <a:r>
-              <a:rPr lang="en-US" i="1" dirty="0" smtClean="0">
-                <a:solidFill>
-                  <a:schemeClr val="tx1"/>
-                </a:solidFill>
-                <a:latin typeface="Helvetica" charset="0"/>
-                <a:ea typeface="Helvetica" charset="0"/>
-                <a:cs typeface="Helvetica" charset="0"/>
-              </a:rPr>
-              <a:t>Introduction </a:t>
-            </a:r>
-            <a:r>
-              <a:rPr lang="en-US" i="1" dirty="0">
-                <a:solidFill>
-                  <a:schemeClr val="tx1"/>
-                </a:solidFill>
-                <a:latin typeface="Helvetica" charset="0"/>
-                <a:ea typeface="Helvetica" charset="0"/>
-                <a:cs typeface="Helvetica" charset="0"/>
-              </a:rPr>
-              <a:t>To Evolutionary </a:t>
-            </a:r>
-            <a:r>
-              <a:rPr lang="en-US" i="1" dirty="0" smtClean="0">
-                <a:solidFill>
-                  <a:schemeClr val="tx1"/>
-                </a:solidFill>
-                <a:latin typeface="Helvetica" charset="0"/>
-                <a:ea typeface="Helvetica" charset="0"/>
-                <a:cs typeface="Helvetica" charset="0"/>
-              </a:rPr>
-              <a:t>Computing”</a:t>
-            </a:r>
-            <a:r>
-              <a:rPr lang="en-US" dirty="0" smtClean="0">
-                <a:solidFill>
-                  <a:schemeClr val="tx1"/>
-                </a:solidFill>
-                <a:latin typeface="Helvetica" charset="0"/>
-                <a:ea typeface="Helvetica" charset="0"/>
-                <a:cs typeface="Helvetica" charset="0"/>
-              </a:rPr>
-              <a:t>. </a:t>
-            </a:r>
-            <a:r>
-              <a:rPr lang="en-US" dirty="0">
-                <a:solidFill>
-                  <a:schemeClr val="tx1"/>
-                </a:solidFill>
-                <a:latin typeface="Helvetica" charset="0"/>
-                <a:ea typeface="Helvetica" charset="0"/>
-                <a:cs typeface="Helvetica" charset="0"/>
-              </a:rPr>
-              <a:t>V</a:t>
-            </a:r>
-            <a:r>
-              <a:rPr lang="en-US" dirty="0" smtClean="0">
-                <a:solidFill>
-                  <a:schemeClr val="tx1"/>
-                </a:solidFill>
-                <a:latin typeface="Helvetica" charset="0"/>
-                <a:ea typeface="Helvetica" charset="0"/>
-                <a:cs typeface="Helvetica" charset="0"/>
-              </a:rPr>
-              <a:t>olume 53. </a:t>
-            </a:r>
-            <a:r>
-              <a:rPr lang="en-US" dirty="0">
-                <a:solidFill>
-                  <a:schemeClr val="tx1"/>
-                </a:solidFill>
-                <a:latin typeface="Helvetica" charset="0"/>
-                <a:ea typeface="Helvetica" charset="0"/>
-                <a:cs typeface="Helvetica" charset="0"/>
-              </a:rPr>
-              <a:t>Springer-</a:t>
-            </a:r>
-            <a:r>
-              <a:rPr lang="en-US" dirty="0" err="1">
-                <a:solidFill>
-                  <a:schemeClr val="tx1"/>
-                </a:solidFill>
-                <a:latin typeface="Helvetica" charset="0"/>
-                <a:ea typeface="Helvetica" charset="0"/>
-                <a:cs typeface="Helvetica" charset="0"/>
-              </a:rPr>
-              <a:t>Verlag</a:t>
-            </a:r>
-            <a:r>
-              <a:rPr lang="en-US" dirty="0">
-                <a:solidFill>
-                  <a:schemeClr val="tx1"/>
-                </a:solidFill>
-                <a:latin typeface="Helvetica" charset="0"/>
-                <a:ea typeface="Helvetica" charset="0"/>
-                <a:cs typeface="Helvetica" charset="0"/>
-              </a:rPr>
-              <a:t>, 2003. </a:t>
+              <a:rPr lang="en-US" dirty="0" err="1" smtClean="0">
+                <a:solidFill>
+                  <a:schemeClr val="tx1"/>
+                </a:solidFill>
+                <a:latin typeface="Helvetica" charset="0"/>
+                <a:ea typeface="Helvetica" charset="0"/>
+                <a:cs typeface="Helvetica" charset="0"/>
+              </a:rPr>
+              <a:t>Gr</a:t>
+            </a:r>
+            <a:r>
+              <a:rPr lang="en-US" dirty="0" err="1" smtClean="0">
+                <a:solidFill>
+                  <a:schemeClr val="tx1"/>
+                </a:solidFill>
+                <a:latin typeface="Helvetica" charset="0"/>
+                <a:ea typeface="Helvetica" charset="0"/>
+                <a:cs typeface="Helvetica" charset="0"/>
+              </a:rPr>
+              <a:t>áficos</a:t>
+            </a:r>
+            <a:r>
+              <a:rPr lang="en-US" dirty="0" smtClean="0">
+                <a:solidFill>
+                  <a:schemeClr val="tx1"/>
+                </a:solidFill>
+                <a:latin typeface="Helvetica" charset="0"/>
+                <a:ea typeface="Helvetica" charset="0"/>
+                <a:cs typeface="Helvetica" charset="0"/>
+              </a:rPr>
+              <a:t>:</a:t>
+            </a:r>
+          </a:p>
+          <a:p>
+            <a:pPr lvl="1"/>
+            <a:r>
+              <a:rPr lang="en-US" dirty="0" smtClean="0">
+                <a:solidFill>
+                  <a:schemeClr val="tx1"/>
+                </a:solidFill>
+                <a:latin typeface="Helvetica" charset="0"/>
+                <a:ea typeface="Helvetica" charset="0"/>
+                <a:cs typeface="Helvetica" charset="0"/>
+              </a:rPr>
+              <a:t>Fitness </a:t>
+            </a:r>
+            <a:r>
+              <a:rPr lang="en-US" dirty="0" err="1" smtClean="0">
+                <a:solidFill>
+                  <a:schemeClr val="tx1"/>
+                </a:solidFill>
+                <a:latin typeface="Helvetica" charset="0"/>
+                <a:ea typeface="Helvetica" charset="0"/>
+                <a:cs typeface="Helvetica" charset="0"/>
+              </a:rPr>
+              <a:t>mínimo</a:t>
             </a:r>
             <a:endParaRPr lang="en-US" dirty="0" smtClean="0">
               <a:solidFill>
@@ -30676,271 +31210,28 @@
             </a:endParaRPr>
           </a:p>
           <a:p>
-            <a:r>
-              <a:rPr lang="en-US" dirty="0" smtClean="0">
-                <a:solidFill>
-                  <a:schemeClr val="tx1"/>
-                </a:solidFill>
-                <a:latin typeface="Helvetica" charset="0"/>
-                <a:ea typeface="Helvetica" charset="0"/>
-                <a:cs typeface="Helvetica" charset="0"/>
-              </a:rPr>
-              <a:t>[2] A</a:t>
-            </a:r>
-            <a:r>
-              <a:rPr lang="en-US" dirty="0">
-                <a:solidFill>
-                  <a:schemeClr val="tx1"/>
-                </a:solidFill>
-                <a:latin typeface="Helvetica" charset="0"/>
-                <a:ea typeface="Helvetica" charset="0"/>
-                <a:cs typeface="Helvetica" charset="0"/>
-              </a:rPr>
-              <a:t>. E. </a:t>
-            </a:r>
-            <a:r>
-              <a:rPr lang="en-US" dirty="0" err="1" smtClean="0">
-                <a:solidFill>
-                  <a:schemeClr val="tx1"/>
-                </a:solidFill>
-                <a:latin typeface="Helvetica" charset="0"/>
-                <a:ea typeface="Helvetica" charset="0"/>
-                <a:cs typeface="Helvetica" charset="0"/>
-              </a:rPr>
-              <a:t>Eiben</a:t>
-            </a:r>
-            <a:r>
-              <a:rPr lang="en-US" dirty="0" smtClean="0">
-                <a:solidFill>
-                  <a:schemeClr val="tx1"/>
-                </a:solidFill>
-                <a:latin typeface="Helvetica" charset="0"/>
-                <a:ea typeface="Helvetica" charset="0"/>
-                <a:cs typeface="Helvetica" charset="0"/>
-              </a:rPr>
-              <a:t>, S</a:t>
-            </a:r>
-            <a:r>
-              <a:rPr lang="en-US" dirty="0">
-                <a:solidFill>
-                  <a:schemeClr val="tx1"/>
-                </a:solidFill>
-                <a:latin typeface="Helvetica" charset="0"/>
-                <a:ea typeface="Helvetica" charset="0"/>
-                <a:cs typeface="Helvetica" charset="0"/>
-              </a:rPr>
-              <a:t>. K. </a:t>
-            </a:r>
-            <a:r>
-              <a:rPr lang="en-US" dirty="0" err="1">
-                <a:solidFill>
-                  <a:schemeClr val="tx1"/>
-                </a:solidFill>
-                <a:latin typeface="Helvetica" charset="0"/>
-                <a:ea typeface="Helvetica" charset="0"/>
-                <a:cs typeface="Helvetica" charset="0"/>
-              </a:rPr>
-              <a:t>Smit</a:t>
-            </a:r>
-            <a:r>
-              <a:rPr lang="en-US" dirty="0">
-                <a:solidFill>
-                  <a:schemeClr val="tx1"/>
-                </a:solidFill>
-                <a:latin typeface="Helvetica" charset="0"/>
-                <a:ea typeface="Helvetica" charset="0"/>
-                <a:cs typeface="Helvetica" charset="0"/>
-              </a:rPr>
-              <a:t>. </a:t>
-            </a:r>
-            <a:r>
-              <a:rPr lang="en-US" dirty="0" smtClean="0">
-                <a:solidFill>
-                  <a:schemeClr val="tx1"/>
-                </a:solidFill>
-                <a:latin typeface="Helvetica" charset="0"/>
-                <a:ea typeface="Helvetica" charset="0"/>
-                <a:cs typeface="Helvetica" charset="0"/>
-              </a:rPr>
-              <a:t>“Parameter </a:t>
-            </a:r>
-            <a:r>
-              <a:rPr lang="en-US" dirty="0">
-                <a:solidFill>
-                  <a:schemeClr val="tx1"/>
-                </a:solidFill>
-                <a:latin typeface="Helvetica" charset="0"/>
-                <a:ea typeface="Helvetica" charset="0"/>
-                <a:cs typeface="Helvetica" charset="0"/>
-              </a:rPr>
-              <a:t>tuning for configuring and analyzing evolutionary </a:t>
-            </a:r>
-            <a:r>
-              <a:rPr lang="en-US" dirty="0" smtClean="0">
-                <a:solidFill>
-                  <a:schemeClr val="tx1"/>
-                </a:solidFill>
-                <a:latin typeface="Helvetica" charset="0"/>
-                <a:ea typeface="Helvetica" charset="0"/>
-                <a:cs typeface="Helvetica" charset="0"/>
-              </a:rPr>
-              <a:t>algorithms”. </a:t>
-            </a:r>
-            <a:r>
-              <a:rPr lang="en-US" i="1" dirty="0">
-                <a:solidFill>
-                  <a:schemeClr val="tx1"/>
-                </a:solidFill>
-                <a:latin typeface="Helvetica" charset="0"/>
-                <a:ea typeface="Helvetica" charset="0"/>
-                <a:cs typeface="Helvetica" charset="0"/>
-              </a:rPr>
-              <a:t>Swarm and Evolutionary Computation</a:t>
-            </a:r>
-            <a:r>
-              <a:rPr lang="en-US" dirty="0">
-                <a:solidFill>
-                  <a:schemeClr val="tx1"/>
-                </a:solidFill>
-                <a:latin typeface="Helvetica" charset="0"/>
-                <a:ea typeface="Helvetica" charset="0"/>
-                <a:cs typeface="Helvetica" charset="0"/>
-              </a:rPr>
-              <a:t>, 1(1):19–31, 2011</a:t>
-            </a:r>
-            <a:r>
-              <a:rPr lang="en-US" dirty="0" smtClean="0">
-                <a:solidFill>
-                  <a:schemeClr val="tx1"/>
-                </a:solidFill>
-                <a:latin typeface="Helvetica" charset="0"/>
-                <a:ea typeface="Helvetica" charset="0"/>
-                <a:cs typeface="Helvetica" charset="0"/>
-              </a:rPr>
-              <a:t>.</a:t>
-            </a:r>
-          </a:p>
-          <a:p>
-            <a:r>
-              <a:rPr lang="en-US" dirty="0" smtClean="0">
-                <a:solidFill>
-                  <a:schemeClr val="tx1"/>
-                </a:solidFill>
-                <a:latin typeface="Helvetica" charset="0"/>
-                <a:ea typeface="Helvetica" charset="0"/>
-                <a:cs typeface="Helvetica" charset="0"/>
-              </a:rPr>
-              <a:t>[3] </a:t>
-            </a:r>
-            <a:r>
-              <a:rPr lang="en-US" dirty="0">
-                <a:solidFill>
-                  <a:schemeClr val="tx1"/>
-                </a:solidFill>
-                <a:latin typeface="Helvetica" charset="0"/>
-                <a:ea typeface="Helvetica" charset="0"/>
-                <a:cs typeface="Helvetica" charset="0"/>
-              </a:rPr>
-              <a:t>K. Matthias, T. </a:t>
-            </a:r>
-            <a:r>
-              <a:rPr lang="en-US" dirty="0" err="1">
-                <a:solidFill>
-                  <a:schemeClr val="tx1"/>
-                </a:solidFill>
-                <a:latin typeface="Helvetica" charset="0"/>
-                <a:ea typeface="Helvetica" charset="0"/>
-                <a:cs typeface="Helvetica" charset="0"/>
-              </a:rPr>
-              <a:t>Severin</a:t>
-            </a:r>
-            <a:r>
-              <a:rPr lang="en-US" dirty="0">
-                <a:solidFill>
-                  <a:schemeClr val="tx1"/>
-                </a:solidFill>
-                <a:latin typeface="Helvetica" charset="0"/>
-                <a:ea typeface="Helvetica" charset="0"/>
-                <a:cs typeface="Helvetica" charset="0"/>
-              </a:rPr>
-              <a:t>, and H. </a:t>
-            </a:r>
-            <a:r>
-              <a:rPr lang="en-US" dirty="0" err="1">
-                <a:solidFill>
-                  <a:schemeClr val="tx1"/>
-                </a:solidFill>
-                <a:latin typeface="Helvetica" charset="0"/>
-                <a:ea typeface="Helvetica" charset="0"/>
-                <a:cs typeface="Helvetica" charset="0"/>
-              </a:rPr>
-              <a:t>Salzwedel</a:t>
-            </a:r>
-            <a:r>
-              <a:rPr lang="en-US" dirty="0">
-                <a:solidFill>
-                  <a:schemeClr val="tx1"/>
-                </a:solidFill>
-                <a:latin typeface="Helvetica" charset="0"/>
-                <a:ea typeface="Helvetica" charset="0"/>
-                <a:cs typeface="Helvetica" charset="0"/>
-              </a:rPr>
-              <a:t>. </a:t>
-            </a:r>
-            <a:r>
-              <a:rPr lang="en-US" dirty="0" smtClean="0">
-                <a:solidFill>
-                  <a:schemeClr val="tx1"/>
-                </a:solidFill>
-                <a:latin typeface="Helvetica" charset="0"/>
-                <a:ea typeface="Helvetica" charset="0"/>
-                <a:cs typeface="Helvetica" charset="0"/>
-              </a:rPr>
-              <a:t>"Variable </a:t>
-            </a:r>
-            <a:r>
-              <a:rPr lang="en-US" dirty="0">
-                <a:solidFill>
-                  <a:schemeClr val="tx1"/>
-                </a:solidFill>
-                <a:latin typeface="Helvetica" charset="0"/>
-                <a:ea typeface="Helvetica" charset="0"/>
-                <a:cs typeface="Helvetica" charset="0"/>
-              </a:rPr>
-              <a:t>mutation rate at genetic algorithms: introduction of chromosome fitness in connection with multi-chromosome </a:t>
-            </a:r>
-            <a:r>
-              <a:rPr lang="en-US" dirty="0" smtClean="0">
-                <a:solidFill>
-                  <a:schemeClr val="tx1"/>
-                </a:solidFill>
-                <a:latin typeface="Helvetica" charset="0"/>
-                <a:ea typeface="Helvetica" charset="0"/>
-                <a:cs typeface="Helvetica" charset="0"/>
-              </a:rPr>
-              <a:t>representation". </a:t>
-            </a:r>
-            <a:r>
-              <a:rPr lang="en-US" i="1" dirty="0">
-                <a:solidFill>
-                  <a:schemeClr val="tx1"/>
-                </a:solidFill>
-                <a:latin typeface="Helvetica" charset="0"/>
-                <a:ea typeface="Helvetica" charset="0"/>
-                <a:cs typeface="Helvetica" charset="0"/>
-              </a:rPr>
-              <a:t>International Journal of Computer Applications</a:t>
-            </a:r>
-            <a:r>
-              <a:rPr lang="en-US" dirty="0">
-                <a:solidFill>
-                  <a:schemeClr val="tx1"/>
-                </a:solidFill>
-                <a:latin typeface="Helvetica" charset="0"/>
-                <a:ea typeface="Helvetica" charset="0"/>
-                <a:cs typeface="Helvetica" charset="0"/>
-              </a:rPr>
-              <a:t>, 72(17), 2013. </a:t>
+            <a:pPr lvl="1"/>
+            <a:r>
+              <a:rPr lang="en-US" dirty="0" smtClean="0">
+                <a:solidFill>
+                  <a:schemeClr val="tx1"/>
+                </a:solidFill>
+                <a:latin typeface="Helvetica" charset="0"/>
+                <a:ea typeface="Helvetica" charset="0"/>
+                <a:cs typeface="Helvetica" charset="0"/>
+              </a:rPr>
+              <a:t>Fitness </a:t>
+            </a:r>
+            <a:r>
+              <a:rPr lang="en-US" dirty="0" err="1" smtClean="0">
+                <a:solidFill>
+                  <a:schemeClr val="tx1"/>
+                </a:solidFill>
+                <a:latin typeface="Helvetica" charset="0"/>
+                <a:ea typeface="Helvetica" charset="0"/>
+                <a:cs typeface="Helvetica" charset="0"/>
+              </a:rPr>
+              <a:t>máximo</a:t>
             </a:r>
             <a:endParaRPr lang="en-US" dirty="0" smtClean="0">
               <a:solidFill>
@@ -30952,352 +31243,30 @@
             </a:endParaRPr>
           </a:p>
           <a:p>
-            <a:r>
-              <a:rPr lang="en-US" dirty="0" smtClean="0">
-                <a:solidFill>
-                  <a:schemeClr val="tx1"/>
-                </a:solidFill>
-                <a:latin typeface="Helvetica" charset="0"/>
-                <a:ea typeface="Helvetica" charset="0"/>
-                <a:cs typeface="Helvetica" charset="0"/>
-              </a:rPr>
-              <a:t>[4] </a:t>
-            </a:r>
-            <a:r>
-              <a:rPr lang="en-US" dirty="0">
-                <a:solidFill>
-                  <a:schemeClr val="tx1"/>
-                </a:solidFill>
-                <a:latin typeface="Helvetica" charset="0"/>
-                <a:ea typeface="Helvetica" charset="0"/>
-                <a:cs typeface="Helvetica" charset="0"/>
-              </a:rPr>
-              <a:t>M. </a:t>
-            </a:r>
-            <a:r>
-              <a:rPr lang="en-US" dirty="0" err="1">
-                <a:solidFill>
-                  <a:schemeClr val="tx1"/>
-                </a:solidFill>
-                <a:latin typeface="Helvetica" charset="0"/>
-                <a:ea typeface="Helvetica" charset="0"/>
-                <a:cs typeface="Helvetica" charset="0"/>
-              </a:rPr>
-              <a:t>Obitko</a:t>
-            </a:r>
-            <a:r>
-              <a:rPr lang="en-US" dirty="0">
-                <a:solidFill>
-                  <a:schemeClr val="tx1"/>
-                </a:solidFill>
-                <a:latin typeface="Helvetica" charset="0"/>
-                <a:ea typeface="Helvetica" charset="0"/>
-                <a:cs typeface="Helvetica" charset="0"/>
-              </a:rPr>
-              <a:t>. </a:t>
-            </a:r>
-            <a:r>
-              <a:rPr lang="en-US" dirty="0" smtClean="0">
-                <a:solidFill>
-                  <a:schemeClr val="tx1"/>
-                </a:solidFill>
-                <a:latin typeface="Helvetica" charset="0"/>
-                <a:ea typeface="Helvetica" charset="0"/>
-                <a:cs typeface="Helvetica" charset="0"/>
-              </a:rPr>
-              <a:t>"Introduction </a:t>
-            </a:r>
-            <a:r>
-              <a:rPr lang="en-US" dirty="0">
-                <a:solidFill>
-                  <a:schemeClr val="tx1"/>
-                </a:solidFill>
-                <a:latin typeface="Helvetica" charset="0"/>
-                <a:ea typeface="Helvetica" charset="0"/>
-                <a:cs typeface="Helvetica" charset="0"/>
-              </a:rPr>
-              <a:t>to genetic algorithms - </a:t>
-            </a:r>
-            <a:r>
-              <a:rPr lang="en-US" dirty="0" smtClean="0">
-                <a:solidFill>
-                  <a:schemeClr val="tx1"/>
-                </a:solidFill>
-                <a:latin typeface="Helvetica" charset="0"/>
-                <a:ea typeface="Helvetica" charset="0"/>
-                <a:cs typeface="Helvetica" charset="0"/>
-              </a:rPr>
-              <a:t>XIII. Recommendations". </a:t>
-            </a:r>
-            <a:r>
-              <a:rPr lang="en-US" dirty="0">
-                <a:solidFill>
-                  <a:srgbClr val="0432FF"/>
-                </a:solidFill>
-                <a:latin typeface="Helvetica" charset="0"/>
-                <a:ea typeface="Helvetica" charset="0"/>
-                <a:cs typeface="Helvetica" charset="0"/>
-                <a:hlinkClick r:id="rId2"/>
-              </a:rPr>
-              <a:t>http://www.obitko.com/tutorials/genetic-algorithms/recommendations.php</a:t>
-            </a:r>
-            <a:r>
-              <a:rPr lang="en-US" dirty="0" smtClean="0">
-                <a:solidFill>
-                  <a:srgbClr val="0432FF"/>
-                </a:solidFill>
-                <a:latin typeface="Helvetica" charset="0"/>
-                <a:ea typeface="Helvetica" charset="0"/>
-                <a:cs typeface="Helvetica" charset="0"/>
-                <a:hlinkClick r:id="rId2"/>
-              </a:rPr>
-              <a:t>/</a:t>
-            </a:r>
-            <a:r>
-              <a:rPr lang="en-US" dirty="0" smtClean="0">
-                <a:solidFill>
-                  <a:srgbClr val="0432FF"/>
-                </a:solidFill>
-                <a:latin typeface="Helvetica" charset="0"/>
-                <a:ea typeface="Helvetica" charset="0"/>
-                <a:cs typeface="Helvetica" charset="0"/>
-              </a:rPr>
-              <a:t> </a:t>
-            </a:r>
-            <a:r>
-              <a:rPr lang="en-US" dirty="0" smtClean="0">
-                <a:solidFill>
-                  <a:schemeClr val="tx1"/>
-                </a:solidFill>
-                <a:latin typeface="Helvetica" charset="0"/>
-                <a:ea typeface="Helvetica" charset="0"/>
-                <a:cs typeface="Helvetica" charset="0"/>
-              </a:rPr>
-              <a:t>[</a:t>
-            </a:r>
-            <a:r>
-              <a:rPr lang="en-US" dirty="0">
-                <a:solidFill>
-                  <a:schemeClr val="tx1"/>
-                </a:solidFill>
-                <a:latin typeface="Helvetica" charset="0"/>
-                <a:ea typeface="Helvetica" charset="0"/>
-                <a:cs typeface="Helvetica" charset="0"/>
-              </a:rPr>
-              <a:t>Online; </a:t>
-            </a:r>
-            <a:r>
-              <a:rPr lang="en-US" dirty="0" err="1">
-                <a:solidFill>
-                  <a:schemeClr val="tx1"/>
-                </a:solidFill>
-                <a:latin typeface="Helvetica" charset="0"/>
-                <a:ea typeface="Helvetica" charset="0"/>
-                <a:cs typeface="Helvetica" charset="0"/>
-              </a:rPr>
-              <a:t>acessado</a:t>
-            </a:r>
-            <a:r>
-              <a:rPr lang="en-US" dirty="0">
-                <a:solidFill>
-                  <a:schemeClr val="tx1"/>
-                </a:solidFill>
-                <a:latin typeface="Helvetica" charset="0"/>
-                <a:ea typeface="Helvetica" charset="0"/>
-                <a:cs typeface="Helvetica" charset="0"/>
-              </a:rPr>
-              <a:t> </a:t>
-            </a:r>
-            <a:r>
-              <a:rPr lang="en-US" dirty="0" err="1">
-                <a:solidFill>
-                  <a:schemeClr val="tx1"/>
-                </a:solidFill>
-                <a:latin typeface="Helvetica" charset="0"/>
-                <a:ea typeface="Helvetica" charset="0"/>
-                <a:cs typeface="Helvetica" charset="0"/>
-              </a:rPr>
-              <a:t>em</a:t>
-            </a:r>
-            <a:r>
-              <a:rPr lang="en-US" dirty="0">
-                <a:solidFill>
-                  <a:schemeClr val="tx1"/>
-                </a:solidFill>
-                <a:latin typeface="Helvetica" charset="0"/>
-                <a:ea typeface="Helvetica" charset="0"/>
-                <a:cs typeface="Helvetica" charset="0"/>
-              </a:rPr>
-              <a:t> 17 de </a:t>
-            </a:r>
-            <a:r>
-              <a:rPr lang="en-US" dirty="0" err="1">
-                <a:solidFill>
-                  <a:schemeClr val="tx1"/>
-                </a:solidFill>
-                <a:latin typeface="Helvetica" charset="0"/>
-                <a:ea typeface="Helvetica" charset="0"/>
-                <a:cs typeface="Helvetica" charset="0"/>
-              </a:rPr>
-              <a:t>novembro</a:t>
-            </a:r>
-            <a:r>
-              <a:rPr lang="en-US" dirty="0">
-                <a:solidFill>
-                  <a:schemeClr val="tx1"/>
-                </a:solidFill>
-                <a:latin typeface="Helvetica" charset="0"/>
-                <a:ea typeface="Helvetica" charset="0"/>
-                <a:cs typeface="Helvetica" charset="0"/>
-              </a:rPr>
-              <a:t> de 2016</a:t>
-            </a:r>
-            <a:r>
-              <a:rPr lang="en-US" dirty="0" smtClean="0">
-                <a:solidFill>
-                  <a:schemeClr val="tx1"/>
-                </a:solidFill>
-                <a:latin typeface="Helvetica" charset="0"/>
-                <a:ea typeface="Helvetica" charset="0"/>
-                <a:cs typeface="Helvetica" charset="0"/>
-              </a:rPr>
-              <a:t>].</a:t>
-            </a:r>
-          </a:p>
-          <a:p>
-            <a:r>
-              <a:rPr lang="en-US" dirty="0" smtClean="0">
-                <a:solidFill>
-                  <a:schemeClr val="tx1"/>
-                </a:solidFill>
-                <a:latin typeface="Helvetica" charset="0"/>
-                <a:ea typeface="Helvetica" charset="0"/>
-                <a:cs typeface="Helvetica" charset="0"/>
-              </a:rPr>
-              <a:t>[5] </a:t>
-            </a:r>
-            <a:r>
-              <a:rPr lang="en-US" dirty="0">
-                <a:solidFill>
-                  <a:schemeClr val="tx1"/>
-                </a:solidFill>
-                <a:latin typeface="Helvetica" charset="0"/>
-                <a:ea typeface="Helvetica" charset="0"/>
-                <a:cs typeface="Helvetica" charset="0"/>
-              </a:rPr>
-              <a:t>K. </a:t>
-            </a:r>
-            <a:r>
-              <a:rPr lang="en-US" dirty="0" err="1">
-                <a:solidFill>
-                  <a:schemeClr val="tx1"/>
-                </a:solidFill>
-                <a:latin typeface="Helvetica" charset="0"/>
-                <a:ea typeface="Helvetica" charset="0"/>
-                <a:cs typeface="Helvetica" charset="0"/>
-              </a:rPr>
-              <a:t>DeJong</a:t>
-            </a:r>
-            <a:r>
-              <a:rPr lang="en-US" dirty="0">
-                <a:solidFill>
-                  <a:schemeClr val="tx1"/>
-                </a:solidFill>
-                <a:latin typeface="Helvetica" charset="0"/>
-                <a:ea typeface="Helvetica" charset="0"/>
-                <a:cs typeface="Helvetica" charset="0"/>
-              </a:rPr>
-              <a:t>. </a:t>
-            </a:r>
-            <a:r>
-              <a:rPr lang="en-US" dirty="0" smtClean="0">
-                <a:solidFill>
-                  <a:schemeClr val="tx1"/>
-                </a:solidFill>
-                <a:latin typeface="Helvetica" charset="0"/>
-                <a:ea typeface="Helvetica" charset="0"/>
-                <a:cs typeface="Helvetica" charset="0"/>
-              </a:rPr>
-              <a:t>“An </a:t>
-            </a:r>
-            <a:r>
-              <a:rPr lang="en-US" dirty="0">
-                <a:solidFill>
-                  <a:schemeClr val="tx1"/>
-                </a:solidFill>
-                <a:latin typeface="Helvetica" charset="0"/>
-                <a:ea typeface="Helvetica" charset="0"/>
-                <a:cs typeface="Helvetica" charset="0"/>
-              </a:rPr>
-              <a:t>analysis of the behavior of a class of genetic adaptive </a:t>
-            </a:r>
-            <a:r>
-              <a:rPr lang="en-US" dirty="0" smtClean="0">
-                <a:solidFill>
-                  <a:schemeClr val="tx1"/>
-                </a:solidFill>
-                <a:latin typeface="Helvetica" charset="0"/>
-                <a:ea typeface="Helvetica" charset="0"/>
-                <a:cs typeface="Helvetica" charset="0"/>
-              </a:rPr>
-              <a:t>systems”. </a:t>
-            </a:r>
-            <a:r>
-              <a:rPr lang="en-US" i="1" dirty="0" smtClean="0">
-                <a:solidFill>
-                  <a:schemeClr val="tx1"/>
-                </a:solidFill>
-                <a:latin typeface="Helvetica" charset="0"/>
-                <a:ea typeface="Helvetica" charset="0"/>
-                <a:cs typeface="Helvetica" charset="0"/>
-              </a:rPr>
-              <a:t>Ph.D</a:t>
-            </a:r>
-            <a:r>
-              <a:rPr lang="en-US" i="1" dirty="0">
-                <a:solidFill>
-                  <a:schemeClr val="tx1"/>
-                </a:solidFill>
-                <a:latin typeface="Helvetica" charset="0"/>
-                <a:ea typeface="Helvetica" charset="0"/>
-                <a:cs typeface="Helvetica" charset="0"/>
-              </a:rPr>
-              <a:t>. </a:t>
-            </a:r>
-            <a:r>
-              <a:rPr lang="en-US" i="1" dirty="0" smtClean="0">
-                <a:solidFill>
-                  <a:schemeClr val="tx1"/>
-                </a:solidFill>
-                <a:latin typeface="Helvetica" charset="0"/>
-                <a:ea typeface="Helvetica" charset="0"/>
-                <a:cs typeface="Helvetica" charset="0"/>
-              </a:rPr>
-              <a:t>Thesis</a:t>
-            </a:r>
-            <a:r>
-              <a:rPr lang="en-US" dirty="0">
-                <a:solidFill>
-                  <a:schemeClr val="tx1"/>
-                </a:solidFill>
-                <a:latin typeface="Helvetica" charset="0"/>
-                <a:ea typeface="Helvetica" charset="0"/>
-                <a:cs typeface="Helvetica" charset="0"/>
-              </a:rPr>
-              <a:t>, University of Michigan, 1975</a:t>
-            </a:r>
-            <a:r>
-              <a:rPr lang="en-US" dirty="0" smtClean="0">
-                <a:solidFill>
-                  <a:schemeClr val="tx1"/>
-                </a:solidFill>
-                <a:latin typeface="Helvetica" charset="0"/>
-                <a:ea typeface="Helvetica" charset="0"/>
-                <a:cs typeface="Helvetica" charset="0"/>
-              </a:rPr>
-              <a:t>.</a:t>
-            </a:r>
-            <a:endParaRPr lang="en-US" dirty="0">
+            <a:pPr lvl="1"/>
+            <a:r>
+              <a:rPr lang="en-US" dirty="0" smtClean="0">
+                <a:solidFill>
+                  <a:schemeClr val="tx1"/>
+                </a:solidFill>
+                <a:latin typeface="Helvetica" charset="0"/>
+                <a:ea typeface="Helvetica" charset="0"/>
+                <a:cs typeface="Helvetica" charset="0"/>
+              </a:rPr>
+              <a:t>Fitness </a:t>
+            </a:r>
+            <a:r>
+              <a:rPr lang="en-US" dirty="0" err="1" smtClean="0">
+                <a:solidFill>
+                  <a:schemeClr val="tx1"/>
+                </a:solidFill>
+                <a:latin typeface="Helvetica" charset="0"/>
+                <a:ea typeface="Helvetica" charset="0"/>
+                <a:cs typeface="Helvetica" charset="0"/>
+              </a:rPr>
+              <a:t>médio</a:t>
+            </a:r>
+            <a:endParaRPr lang="en-US" dirty="0" smtClean="0">
               <a:solidFill>
                 <a:schemeClr val="tx1"/>
               </a:solidFill>
@@ -31307,10 +31276,134 @@
             </a:endParaRPr>
           </a:p>
           <a:p>
-            <a:endParaRPr lang="en-US" dirty="0"/>
-          </a:p>
-          <a:p>
-            <a:endParaRPr lang="en-US" dirty="0"/>
+            <a:pPr lvl="1"/>
+            <a:r>
+              <a:rPr lang="en-US" dirty="0" err="1" smtClean="0">
+                <a:solidFill>
+                  <a:schemeClr val="tx1"/>
+                </a:solidFill>
+                <a:latin typeface="Helvetica" charset="0"/>
+                <a:ea typeface="Helvetica" charset="0"/>
+                <a:cs typeface="Helvetica" charset="0"/>
+              </a:rPr>
+              <a:t>Desvio</a:t>
+            </a:r>
+            <a:r>
+              <a:rPr lang="en-US" dirty="0" smtClean="0">
+                <a:solidFill>
+                  <a:schemeClr val="tx1"/>
+                </a:solidFill>
+                <a:latin typeface="Helvetica" charset="0"/>
+                <a:ea typeface="Helvetica" charset="0"/>
+                <a:cs typeface="Helvetica" charset="0"/>
+              </a:rPr>
+              <a:t> </a:t>
+            </a:r>
+            <a:r>
+              <a:rPr lang="en-US" dirty="0" err="1" smtClean="0">
+                <a:solidFill>
+                  <a:schemeClr val="tx1"/>
+                </a:solidFill>
+                <a:latin typeface="Helvetica" charset="0"/>
+                <a:ea typeface="Helvetica" charset="0"/>
+                <a:cs typeface="Helvetica" charset="0"/>
+              </a:rPr>
+              <a:t>padrão</a:t>
+            </a:r>
+            <a:endParaRPr lang="en-US" dirty="0" smtClean="0">
+              <a:solidFill>
+                <a:schemeClr val="tx1"/>
+              </a:solidFill>
+              <a:latin typeface="Helvetica" charset="0"/>
+              <a:ea typeface="Helvetica" charset="0"/>
+              <a:cs typeface="Helvetica" charset="0"/>
+            </a:endParaRPr>
+          </a:p>
+          <a:p>
+            <a:endParaRPr lang="en-US" dirty="0" smtClean="0">
+              <a:solidFill>
+                <a:schemeClr val="tx1"/>
+              </a:solidFill>
+              <a:latin typeface="Helvetica" charset="0"/>
+              <a:ea typeface="Helvetica" charset="0"/>
+              <a:cs typeface="Helvetica" charset="0"/>
+            </a:endParaRPr>
+          </a:p>
+          <a:p>
+            <a:r>
+              <a:rPr lang="en-US" dirty="0" err="1" smtClean="0">
+                <a:solidFill>
+                  <a:schemeClr val="tx1"/>
+                </a:solidFill>
+                <a:latin typeface="Helvetica" charset="0"/>
+                <a:ea typeface="Helvetica" charset="0"/>
+                <a:cs typeface="Helvetica" charset="0"/>
+              </a:rPr>
+              <a:t>Tanto</a:t>
+            </a:r>
+            <a:r>
+              <a:rPr lang="en-US" dirty="0" smtClean="0">
+                <a:solidFill>
+                  <a:schemeClr val="tx1"/>
+                </a:solidFill>
+                <a:latin typeface="Helvetica" charset="0"/>
+                <a:ea typeface="Helvetica" charset="0"/>
+                <a:cs typeface="Helvetica" charset="0"/>
+              </a:rPr>
+              <a:t> para AG (</a:t>
+            </a:r>
+            <a:r>
+              <a:rPr lang="en-US" dirty="0" err="1" smtClean="0">
+                <a:solidFill>
+                  <a:schemeClr val="tx1"/>
+                </a:solidFill>
+                <a:latin typeface="Helvetica" charset="0"/>
+                <a:ea typeface="Helvetica" charset="0"/>
+                <a:cs typeface="Helvetica" charset="0"/>
+              </a:rPr>
+              <a:t>estático</a:t>
+            </a:r>
+            <a:r>
+              <a:rPr lang="en-US" dirty="0" smtClean="0">
+                <a:solidFill>
+                  <a:schemeClr val="tx1"/>
+                </a:solidFill>
+                <a:latin typeface="Helvetica" charset="0"/>
+                <a:ea typeface="Helvetica" charset="0"/>
+                <a:cs typeface="Helvetica" charset="0"/>
+              </a:rPr>
+              <a:t>) </a:t>
+            </a:r>
+            <a:r>
+              <a:rPr lang="en-US" dirty="0" err="1" smtClean="0">
+                <a:solidFill>
+                  <a:schemeClr val="tx1"/>
+                </a:solidFill>
+                <a:latin typeface="Helvetica" charset="0"/>
+                <a:ea typeface="Helvetica" charset="0"/>
+                <a:cs typeface="Helvetica" charset="0"/>
+              </a:rPr>
+              <a:t>quanto</a:t>
+            </a:r>
+            <a:r>
+              <a:rPr lang="en-US" dirty="0" smtClean="0">
+                <a:solidFill>
+                  <a:schemeClr val="tx1"/>
+                </a:solidFill>
+                <a:latin typeface="Helvetica" charset="0"/>
+                <a:ea typeface="Helvetica" charset="0"/>
+                <a:cs typeface="Helvetica" charset="0"/>
+              </a:rPr>
+              <a:t> para AGA</a:t>
+            </a:r>
+            <a:endParaRPr lang="en-US" dirty="0" smtClean="0">
+              <a:solidFill>
+                <a:schemeClr val="tx1"/>
+              </a:solidFill>
+              <a:latin typeface="Helvetica" charset="0"/>
+              <a:ea typeface="Helvetica" charset="0"/>
+              <a:cs typeface="Helvetica" charset="0"/>
+            </a:endParaRPr>
           </a:p>
         </p:txBody>
       </p:sp>
@@ -31340,7 +31433,7 @@
     </p:spTree>
     <p:extLst>
       <p:ext uri="{BB962C8B-B14F-4D97-AF65-F5344CB8AC3E}">
-        <p14:creationId xmlns:p14="http://schemas.microsoft.com/office/powerpoint/2010/main" val="530941430"/>
+        <p14:creationId xmlns:p14="http://schemas.microsoft.com/office/powerpoint/2010/main" val="1079148670"/>
       </p:ext>
     </p:extLst>
   </p:cSld>
@@ -31395,9 +31488,65 @@
                 <a:ea typeface="Helvetica" charset="0"/>
                 <a:cs typeface="Helvetica" charset="0"/>
               </a:rPr>
-              <a:t>Referências</a:t>
-            </a:r>
-            <a:endParaRPr lang="en-US" b="1" dirty="0">
+              <a:t>Análises</a:t>
+            </a:r>
+            <a:r>
+              <a:rPr lang="en-US" b="1" dirty="0" smtClean="0">
+                <a:latin typeface="Helvetica" charset="0"/>
+                <a:ea typeface="Helvetica" charset="0"/>
+                <a:cs typeface="Helvetica" charset="0"/>
+              </a:rPr>
+              <a:t> e </a:t>
+            </a:r>
+            <a:r>
+              <a:rPr lang="en-US" b="1" dirty="0" err="1" smtClean="0">
+                <a:latin typeface="Helvetica" charset="0"/>
+                <a:ea typeface="Helvetica" charset="0"/>
+                <a:cs typeface="Helvetica" charset="0"/>
+              </a:rPr>
+              <a:t>Resultados</a:t>
+            </a:r>
+            <a:r>
+              <a:rPr lang="en-US" b="1" dirty="0" smtClean="0">
+                <a:latin typeface="Helvetica" charset="0"/>
+                <a:ea typeface="Helvetica" charset="0"/>
+                <a:cs typeface="Helvetica" charset="0"/>
+              </a:rPr>
+              <a:t> </a:t>
+            </a:r>
+            <a:r>
+              <a:rPr lang="mr-IN" b="1" dirty="0" smtClean="0">
+                <a:latin typeface="Helvetica" charset="0"/>
+                <a:ea typeface="Helvetica" charset="0"/>
+                <a:cs typeface="Helvetica" charset="0"/>
+              </a:rPr>
+              <a:t>–</a:t>
+            </a:r>
+            <a:r>
+              <a:rPr lang="en-US" b="1" dirty="0" smtClean="0">
+                <a:latin typeface="Helvetica" charset="0"/>
+                <a:ea typeface="Helvetica" charset="0"/>
+                <a:cs typeface="Helvetica" charset="0"/>
+              </a:rPr>
+              <a:t> </a:t>
+            </a:r>
+            <a:r>
+              <a:rPr lang="en-US" sz="2800" b="1" dirty="0" err="1" smtClean="0">
+                <a:latin typeface="Helvetica" charset="0"/>
+                <a:ea typeface="Helvetica" charset="0"/>
+                <a:cs typeface="Helvetica" charset="0"/>
+              </a:rPr>
+              <a:t>OneMax</a:t>
+            </a:r>
+            <a:r>
+              <a:rPr lang="en-US" sz="2800" b="1" dirty="0" smtClean="0">
+                <a:latin typeface="Helvetica" charset="0"/>
+                <a:ea typeface="Helvetica" charset="0"/>
+                <a:cs typeface="Helvetica" charset="0"/>
+              </a:rPr>
+              <a:t> Real</a:t>
+            </a:r>
+            <a:endParaRPr lang="en-US" sz="2000" b="1" dirty="0">
               <a:latin typeface="Helvetica" charset="0"/>
               <a:ea typeface="Helvetica" charset="0"/>
               <a:cs typeface="Helvetica" charset="0"/>
@@ -31418,245 +31567,72 @@
         <p:spPr>
           <a:xfrm>
             <a:off x="1154954" y="2603500"/>
-            <a:ext cx="10035785" cy="3416300"/>
+            <a:ext cx="9647158" cy="4126484"/>
           </a:xfrm>
         </p:spPr>
         <p:txBody>
-          <a:bodyPr/>
+          <a:bodyPr>
+            <a:normAutofit/>
+          </a:bodyPr>
           <a:lstStyle/>
           <a:p>
             <a:r>
-              <a:rPr lang="en-US" dirty="0">
-                <a:solidFill>
-                  <a:schemeClr val="tx1"/>
-                </a:solidFill>
-                <a:latin typeface="Helvetica" charset="0"/>
-                <a:ea typeface="Helvetica" charset="0"/>
-                <a:cs typeface="Helvetica" charset="0"/>
-              </a:rPr>
-              <a:t>[6] </a:t>
-            </a:r>
-            <a:r>
-              <a:rPr lang="en-US" dirty="0" smtClean="0">
-                <a:solidFill>
-                  <a:schemeClr val="tx1"/>
-                </a:solidFill>
-                <a:latin typeface="Helvetica" charset="0"/>
-                <a:ea typeface="Helvetica" charset="0"/>
-                <a:cs typeface="Helvetica" charset="0"/>
-              </a:rPr>
-              <a:t>P</a:t>
-            </a:r>
-            <a:r>
-              <a:rPr lang="en-US" dirty="0">
-                <a:solidFill>
-                  <a:schemeClr val="tx1"/>
-                </a:solidFill>
-                <a:latin typeface="Helvetica" charset="0"/>
-                <a:ea typeface="Helvetica" charset="0"/>
-                <a:cs typeface="Helvetica" charset="0"/>
-              </a:rPr>
-              <a:t>. </a:t>
-            </a:r>
-            <a:r>
-              <a:rPr lang="en-US" dirty="0" err="1">
-                <a:solidFill>
-                  <a:schemeClr val="tx1"/>
-                </a:solidFill>
-                <a:latin typeface="Helvetica" charset="0"/>
-                <a:ea typeface="Helvetica" charset="0"/>
-                <a:cs typeface="Helvetica" charset="0"/>
-              </a:rPr>
-              <a:t>Giguere</a:t>
-            </a:r>
-            <a:r>
-              <a:rPr lang="en-US" dirty="0">
-                <a:solidFill>
-                  <a:schemeClr val="tx1"/>
-                </a:solidFill>
-                <a:latin typeface="Helvetica" charset="0"/>
-                <a:ea typeface="Helvetica" charset="0"/>
-                <a:cs typeface="Helvetica" charset="0"/>
-              </a:rPr>
-              <a:t> and D. E. Goldberg. “Population sizing for optimum sampling with genetic algorithms: A case study of the </a:t>
-            </a:r>
-            <a:r>
-              <a:rPr lang="en-US" dirty="0" err="1">
-                <a:solidFill>
-                  <a:schemeClr val="tx1"/>
-                </a:solidFill>
-                <a:latin typeface="Helvetica" charset="0"/>
-                <a:ea typeface="Helvetica" charset="0"/>
-                <a:cs typeface="Helvetica" charset="0"/>
-              </a:rPr>
-              <a:t>onemax</a:t>
-            </a:r>
-            <a:r>
-              <a:rPr lang="en-US" dirty="0">
-                <a:solidFill>
-                  <a:schemeClr val="tx1"/>
-                </a:solidFill>
-                <a:latin typeface="Helvetica" charset="0"/>
-                <a:ea typeface="Helvetica" charset="0"/>
-                <a:cs typeface="Helvetica" charset="0"/>
-              </a:rPr>
-              <a:t> problem”. </a:t>
-            </a:r>
-            <a:r>
-              <a:rPr lang="en-US" i="1" dirty="0">
-                <a:solidFill>
-                  <a:schemeClr val="tx1"/>
-                </a:solidFill>
-                <a:latin typeface="Helvetica" charset="0"/>
-                <a:ea typeface="Helvetica" charset="0"/>
-                <a:cs typeface="Helvetica" charset="0"/>
-              </a:rPr>
-              <a:t>Genetic Programming</a:t>
-            </a:r>
-            <a:r>
-              <a:rPr lang="en-US" dirty="0">
-                <a:solidFill>
-                  <a:schemeClr val="tx1"/>
-                </a:solidFill>
-                <a:latin typeface="Helvetica" charset="0"/>
-                <a:ea typeface="Helvetica" charset="0"/>
-                <a:cs typeface="Helvetica" charset="0"/>
-              </a:rPr>
-              <a:t>, 98:496–503, 1998. </a:t>
-            </a:r>
-          </a:p>
-          <a:p>
-            <a:r>
-              <a:rPr lang="en-US" dirty="0" smtClean="0">
-                <a:solidFill>
-                  <a:schemeClr val="tx1"/>
-                </a:solidFill>
-                <a:latin typeface="Helvetica" charset="0"/>
-                <a:ea typeface="Helvetica" charset="0"/>
-                <a:cs typeface="Helvetica" charset="0"/>
-              </a:rPr>
-              <a:t>[7]</a:t>
-            </a:r>
-            <a:r>
-              <a:rPr lang="en-US" dirty="0">
-                <a:solidFill>
-                  <a:schemeClr val="tx1"/>
-                </a:solidFill>
-                <a:latin typeface="Helvetica" charset="0"/>
-                <a:ea typeface="Helvetica" charset="0"/>
-                <a:cs typeface="Helvetica" charset="0"/>
-              </a:rPr>
-              <a:t> D. L. Applegate, R. E. Bixby, V. </a:t>
-            </a:r>
-            <a:r>
-              <a:rPr lang="en-US" dirty="0" err="1">
-                <a:solidFill>
-                  <a:schemeClr val="tx1"/>
-                </a:solidFill>
-                <a:latin typeface="Helvetica" charset="0"/>
-                <a:ea typeface="Helvetica" charset="0"/>
-                <a:cs typeface="Helvetica" charset="0"/>
-              </a:rPr>
-              <a:t>Chvatal</a:t>
-            </a:r>
-            <a:r>
-              <a:rPr lang="en-US" dirty="0">
-                <a:solidFill>
-                  <a:schemeClr val="tx1"/>
-                </a:solidFill>
-                <a:latin typeface="Helvetica" charset="0"/>
-                <a:ea typeface="Helvetica" charset="0"/>
-                <a:cs typeface="Helvetica" charset="0"/>
-              </a:rPr>
-              <a:t>, and W. J. Cook. </a:t>
-            </a:r>
-            <a:r>
-              <a:rPr lang="en-US" dirty="0" smtClean="0">
-                <a:solidFill>
-                  <a:schemeClr val="tx1"/>
-                </a:solidFill>
-                <a:latin typeface="Helvetica" charset="0"/>
-                <a:ea typeface="Helvetica" charset="0"/>
-                <a:cs typeface="Helvetica" charset="0"/>
-              </a:rPr>
-              <a:t>"The </a:t>
-            </a:r>
-            <a:r>
-              <a:rPr lang="en-US" dirty="0">
-                <a:solidFill>
-                  <a:schemeClr val="tx1"/>
-                </a:solidFill>
-                <a:latin typeface="Helvetica" charset="0"/>
-                <a:ea typeface="Helvetica" charset="0"/>
-                <a:cs typeface="Helvetica" charset="0"/>
-              </a:rPr>
-              <a:t>Traveling Salesman Problem: a computational </a:t>
-            </a:r>
-            <a:r>
-              <a:rPr lang="en-US" dirty="0" smtClean="0">
-                <a:solidFill>
-                  <a:schemeClr val="tx1"/>
-                </a:solidFill>
-                <a:latin typeface="Helvetica" charset="0"/>
-                <a:ea typeface="Helvetica" charset="0"/>
-                <a:cs typeface="Helvetica" charset="0"/>
-              </a:rPr>
-              <a:t>study". </a:t>
-            </a:r>
-            <a:r>
-              <a:rPr lang="en-US" i="1" dirty="0">
-                <a:solidFill>
-                  <a:schemeClr val="tx1"/>
-                </a:solidFill>
-                <a:latin typeface="Helvetica" charset="0"/>
-                <a:ea typeface="Helvetica" charset="0"/>
-                <a:cs typeface="Helvetica" charset="0"/>
-              </a:rPr>
-              <a:t>Princeton </a:t>
-            </a:r>
-            <a:r>
-              <a:rPr lang="en-US" i="1" dirty="0" smtClean="0">
-                <a:solidFill>
-                  <a:schemeClr val="tx1"/>
-                </a:solidFill>
-                <a:latin typeface="Helvetica" charset="0"/>
-                <a:ea typeface="Helvetica" charset="0"/>
-                <a:cs typeface="Helvetica" charset="0"/>
-              </a:rPr>
-              <a:t>University </a:t>
-            </a:r>
-            <a:r>
-              <a:rPr lang="en-US" i="1" dirty="0">
-                <a:solidFill>
-                  <a:schemeClr val="tx1"/>
-                </a:solidFill>
-                <a:latin typeface="Helvetica" charset="0"/>
-                <a:ea typeface="Helvetica" charset="0"/>
-                <a:cs typeface="Helvetica" charset="0"/>
-              </a:rPr>
-              <a:t>P</a:t>
-            </a:r>
-            <a:r>
-              <a:rPr lang="en-US" i="1" dirty="0" smtClean="0">
-                <a:solidFill>
-                  <a:schemeClr val="tx1"/>
-                </a:solidFill>
-                <a:latin typeface="Helvetica" charset="0"/>
-                <a:ea typeface="Helvetica" charset="0"/>
-                <a:cs typeface="Helvetica" charset="0"/>
-              </a:rPr>
-              <a:t>ress</a:t>
-            </a:r>
-            <a:r>
-              <a:rPr lang="en-US" dirty="0">
-                <a:solidFill>
-                  <a:schemeClr val="tx1"/>
-                </a:solidFill>
-                <a:latin typeface="Helvetica" charset="0"/>
-                <a:ea typeface="Helvetica" charset="0"/>
-                <a:cs typeface="Helvetica" charset="0"/>
-              </a:rPr>
-              <a:t>, 2011. </a:t>
+              <a:rPr lang="en-US" dirty="0" err="1" smtClean="0">
+                <a:solidFill>
+                  <a:schemeClr val="tx1"/>
+                </a:solidFill>
+                <a:latin typeface="Helvetica" charset="0"/>
+                <a:ea typeface="Helvetica" charset="0"/>
+                <a:cs typeface="Helvetica" charset="0"/>
+              </a:rPr>
+              <a:t>Gr</a:t>
+            </a:r>
+            <a:r>
+              <a:rPr lang="en-US" dirty="0" err="1" smtClean="0">
+                <a:solidFill>
+                  <a:schemeClr val="tx1"/>
+                </a:solidFill>
+                <a:latin typeface="Helvetica" charset="0"/>
+                <a:ea typeface="Helvetica" charset="0"/>
+                <a:cs typeface="Helvetica" charset="0"/>
+              </a:rPr>
+              <a:t>áficos</a:t>
+            </a:r>
+            <a:r>
+              <a:rPr lang="en-US" dirty="0" smtClean="0">
+                <a:solidFill>
+                  <a:schemeClr val="tx1"/>
+                </a:solidFill>
+                <a:latin typeface="Helvetica" charset="0"/>
+                <a:ea typeface="Helvetica" charset="0"/>
+                <a:cs typeface="Helvetica" charset="0"/>
+              </a:rPr>
+              <a:t>:</a:t>
+            </a:r>
+          </a:p>
+          <a:p>
+            <a:pPr lvl="1"/>
+            <a:r>
+              <a:rPr lang="en-US" dirty="0" smtClean="0">
+                <a:solidFill>
+                  <a:schemeClr val="tx1"/>
+                </a:solidFill>
+                <a:latin typeface="Helvetica" charset="0"/>
+                <a:ea typeface="Helvetica" charset="0"/>
+                <a:cs typeface="Helvetica" charset="0"/>
+              </a:rPr>
+              <a:t>Fitness </a:t>
+            </a:r>
+            <a:r>
+              <a:rPr lang="en-US" dirty="0" err="1" smtClean="0">
+                <a:solidFill>
+                  <a:schemeClr val="tx1"/>
+                </a:solidFill>
+                <a:latin typeface="Helvetica" charset="0"/>
+                <a:ea typeface="Helvetica" charset="0"/>
+                <a:cs typeface="Helvetica" charset="0"/>
+              </a:rPr>
+              <a:t>mínimo</a:t>
             </a:r>
             <a:endParaRPr lang="en-US" dirty="0" smtClean="0">
               <a:solidFill>
@@ -31668,181 +31644,28 @@
             </a:endParaRPr>
           </a:p>
           <a:p>
-            <a:r>
-              <a:rPr lang="en-US" dirty="0" smtClean="0">
-                <a:solidFill>
-                  <a:schemeClr val="tx1"/>
-                </a:solidFill>
-                <a:latin typeface="Helvetica" charset="0"/>
-                <a:ea typeface="Helvetica" charset="0"/>
-                <a:cs typeface="Helvetica" charset="0"/>
-              </a:rPr>
-              <a:t>[8] </a:t>
-            </a:r>
-            <a:r>
-              <a:rPr lang="en-US" dirty="0">
-                <a:solidFill>
-                  <a:schemeClr val="tx1"/>
-                </a:solidFill>
-                <a:latin typeface="Helvetica" charset="0"/>
-                <a:ea typeface="Helvetica" charset="0"/>
-                <a:cs typeface="Helvetica" charset="0"/>
-              </a:rPr>
-              <a:t>T. H. </a:t>
-            </a:r>
-            <a:r>
-              <a:rPr lang="en-US" dirty="0" err="1">
-                <a:solidFill>
-                  <a:schemeClr val="tx1"/>
-                </a:solidFill>
-                <a:latin typeface="Helvetica" charset="0"/>
-                <a:ea typeface="Helvetica" charset="0"/>
-                <a:cs typeface="Helvetica" charset="0"/>
-              </a:rPr>
-              <a:t>Cormen</a:t>
-            </a:r>
-            <a:r>
-              <a:rPr lang="en-US" dirty="0">
-                <a:solidFill>
-                  <a:schemeClr val="tx1"/>
-                </a:solidFill>
-                <a:latin typeface="Helvetica" charset="0"/>
-                <a:ea typeface="Helvetica" charset="0"/>
-                <a:cs typeface="Helvetica" charset="0"/>
-              </a:rPr>
-              <a:t>, C. E. </a:t>
-            </a:r>
-            <a:r>
-              <a:rPr lang="en-US" dirty="0" err="1">
-                <a:solidFill>
-                  <a:schemeClr val="tx1"/>
-                </a:solidFill>
-                <a:latin typeface="Helvetica" charset="0"/>
-                <a:ea typeface="Helvetica" charset="0"/>
-                <a:cs typeface="Helvetica" charset="0"/>
-              </a:rPr>
-              <a:t>Leiserson</a:t>
-            </a:r>
-            <a:r>
-              <a:rPr lang="en-US" dirty="0">
-                <a:solidFill>
-                  <a:schemeClr val="tx1"/>
-                </a:solidFill>
-                <a:latin typeface="Helvetica" charset="0"/>
-                <a:ea typeface="Helvetica" charset="0"/>
-                <a:cs typeface="Helvetica" charset="0"/>
-              </a:rPr>
-              <a:t>, R. L. </a:t>
-            </a:r>
-            <a:r>
-              <a:rPr lang="en-US" dirty="0" err="1">
-                <a:solidFill>
-                  <a:schemeClr val="tx1"/>
-                </a:solidFill>
-                <a:latin typeface="Helvetica" charset="0"/>
-                <a:ea typeface="Helvetica" charset="0"/>
-                <a:cs typeface="Helvetica" charset="0"/>
-              </a:rPr>
-              <a:t>Rivest</a:t>
-            </a:r>
-            <a:r>
-              <a:rPr lang="en-US" dirty="0">
-                <a:solidFill>
-                  <a:schemeClr val="tx1"/>
-                </a:solidFill>
-                <a:latin typeface="Helvetica" charset="0"/>
-                <a:ea typeface="Helvetica" charset="0"/>
-                <a:cs typeface="Helvetica" charset="0"/>
-              </a:rPr>
-              <a:t>, et al. </a:t>
-            </a:r>
-            <a:r>
-              <a:rPr lang="en-US" dirty="0" smtClean="0">
-                <a:solidFill>
-                  <a:schemeClr val="tx1"/>
-                </a:solidFill>
-                <a:latin typeface="Helvetica" charset="0"/>
-                <a:ea typeface="Helvetica" charset="0"/>
-                <a:cs typeface="Helvetica" charset="0"/>
-              </a:rPr>
-              <a:t>"Section </a:t>
-            </a:r>
-            <a:r>
-              <a:rPr lang="en-US" dirty="0">
-                <a:solidFill>
-                  <a:schemeClr val="tx1"/>
-                </a:solidFill>
-                <a:latin typeface="Helvetica" charset="0"/>
-                <a:ea typeface="Helvetica" charset="0"/>
-                <a:cs typeface="Helvetica" charset="0"/>
-              </a:rPr>
-              <a:t>24.3: </a:t>
-            </a:r>
-            <a:r>
-              <a:rPr lang="en-US" dirty="0" err="1">
-                <a:solidFill>
-                  <a:schemeClr val="tx1"/>
-                </a:solidFill>
-                <a:latin typeface="Helvetica" charset="0"/>
-                <a:ea typeface="Helvetica" charset="0"/>
-                <a:cs typeface="Helvetica" charset="0"/>
-              </a:rPr>
-              <a:t>Dijkstra’s</a:t>
-            </a:r>
-            <a:r>
-              <a:rPr lang="en-US" dirty="0">
-                <a:solidFill>
-                  <a:schemeClr val="tx1"/>
-                </a:solidFill>
-                <a:latin typeface="Helvetica" charset="0"/>
-                <a:ea typeface="Helvetica" charset="0"/>
-                <a:cs typeface="Helvetica" charset="0"/>
-              </a:rPr>
-              <a:t> </a:t>
-            </a:r>
-            <a:r>
-              <a:rPr lang="en-US" dirty="0" smtClean="0">
-                <a:solidFill>
-                  <a:schemeClr val="tx1"/>
-                </a:solidFill>
-                <a:latin typeface="Helvetica" charset="0"/>
-                <a:ea typeface="Helvetica" charset="0"/>
-                <a:cs typeface="Helvetica" charset="0"/>
-              </a:rPr>
-              <a:t>algorithm”. </a:t>
-            </a:r>
-            <a:r>
-              <a:rPr lang="en-US" i="1" dirty="0" smtClean="0">
-                <a:solidFill>
-                  <a:schemeClr val="tx1"/>
-                </a:solidFill>
-                <a:latin typeface="Helvetica" charset="0"/>
-                <a:ea typeface="Helvetica" charset="0"/>
-                <a:cs typeface="Helvetica" charset="0"/>
-              </a:rPr>
-              <a:t>MIT Press </a:t>
-            </a:r>
-            <a:r>
-              <a:rPr lang="en-US" i="1" dirty="0">
-                <a:solidFill>
-                  <a:schemeClr val="tx1"/>
-                </a:solidFill>
-                <a:latin typeface="Helvetica" charset="0"/>
-                <a:ea typeface="Helvetica" charset="0"/>
-                <a:cs typeface="Helvetica" charset="0"/>
-              </a:rPr>
-              <a:t>and McGraw-Hill</a:t>
-            </a:r>
-            <a:r>
-              <a:rPr lang="en-US" dirty="0">
-                <a:solidFill>
-                  <a:schemeClr val="tx1"/>
-                </a:solidFill>
-                <a:latin typeface="Helvetica" charset="0"/>
-                <a:ea typeface="Helvetica" charset="0"/>
-                <a:cs typeface="Helvetica" charset="0"/>
-              </a:rPr>
-              <a:t>, 2001. </a:t>
+            <a:pPr lvl="1"/>
+            <a:r>
+              <a:rPr lang="en-US" dirty="0" smtClean="0">
+                <a:solidFill>
+                  <a:schemeClr val="tx1"/>
+                </a:solidFill>
+                <a:latin typeface="Helvetica" charset="0"/>
+                <a:ea typeface="Helvetica" charset="0"/>
+                <a:cs typeface="Helvetica" charset="0"/>
+              </a:rPr>
+              <a:t>Fitness </a:t>
+            </a:r>
+            <a:r>
+              <a:rPr lang="en-US" dirty="0" err="1" smtClean="0">
+                <a:solidFill>
+                  <a:schemeClr val="tx1"/>
+                </a:solidFill>
+                <a:latin typeface="Helvetica" charset="0"/>
+                <a:ea typeface="Helvetica" charset="0"/>
+                <a:cs typeface="Helvetica" charset="0"/>
+              </a:rPr>
+              <a:t>máximo</a:t>
             </a:r>
             <a:endParaRPr lang="en-US" dirty="0" smtClean="0">
               <a:solidFill>
@@ -31854,93 +31677,28 @@
             </a:endParaRPr>
           </a:p>
           <a:p>
-            <a:r>
-              <a:rPr lang="en-US" dirty="0" smtClean="0">
-                <a:solidFill>
-                  <a:schemeClr val="tx1"/>
-                </a:solidFill>
-                <a:latin typeface="Helvetica" charset="0"/>
-                <a:ea typeface="Helvetica" charset="0"/>
-                <a:cs typeface="Helvetica" charset="0"/>
-              </a:rPr>
-              <a:t>[9] </a:t>
-            </a:r>
-            <a:r>
-              <a:rPr lang="en-US" dirty="0">
-                <a:solidFill>
-                  <a:schemeClr val="tx1"/>
-                </a:solidFill>
-                <a:latin typeface="Helvetica" charset="0"/>
-                <a:ea typeface="Helvetica" charset="0"/>
-                <a:cs typeface="Helvetica" charset="0"/>
-              </a:rPr>
-              <a:t>M. Mitchell. </a:t>
-            </a:r>
-            <a:r>
-              <a:rPr lang="en-US" dirty="0" smtClean="0">
-                <a:solidFill>
-                  <a:schemeClr val="tx1"/>
-                </a:solidFill>
-                <a:latin typeface="Helvetica" charset="0"/>
-                <a:ea typeface="Helvetica" charset="0"/>
-                <a:cs typeface="Helvetica" charset="0"/>
-              </a:rPr>
-              <a:t>"An </a:t>
-            </a:r>
-            <a:r>
-              <a:rPr lang="en-US" dirty="0">
-                <a:solidFill>
-                  <a:schemeClr val="tx1"/>
-                </a:solidFill>
-                <a:latin typeface="Helvetica" charset="0"/>
-                <a:ea typeface="Helvetica" charset="0"/>
-                <a:cs typeface="Helvetica" charset="0"/>
-              </a:rPr>
-              <a:t>introduction to genetic </a:t>
-            </a:r>
-            <a:r>
-              <a:rPr lang="en-US" dirty="0" smtClean="0">
-                <a:solidFill>
-                  <a:schemeClr val="tx1"/>
-                </a:solidFill>
-                <a:latin typeface="Helvetica" charset="0"/>
-                <a:ea typeface="Helvetica" charset="0"/>
-                <a:cs typeface="Helvetica" charset="0"/>
-              </a:rPr>
-              <a:t>algorithms". </a:t>
-            </a:r>
-            <a:r>
-              <a:rPr lang="en-US" i="1" dirty="0">
-                <a:solidFill>
-                  <a:schemeClr val="tx1"/>
-                </a:solidFill>
-                <a:latin typeface="Helvetica" charset="0"/>
-                <a:ea typeface="Helvetica" charset="0"/>
-                <a:cs typeface="Helvetica" charset="0"/>
-              </a:rPr>
-              <a:t>MIT </a:t>
-            </a:r>
-            <a:r>
-              <a:rPr lang="en-US" i="1" dirty="0" smtClean="0">
-                <a:solidFill>
-                  <a:schemeClr val="tx1"/>
-                </a:solidFill>
-                <a:latin typeface="Helvetica" charset="0"/>
-                <a:ea typeface="Helvetica" charset="0"/>
-                <a:cs typeface="Helvetica" charset="0"/>
-              </a:rPr>
-              <a:t>Press</a:t>
-            </a:r>
-            <a:r>
-              <a:rPr lang="en-US" dirty="0">
-                <a:solidFill>
-                  <a:schemeClr val="tx1"/>
-                </a:solidFill>
-                <a:latin typeface="Helvetica" charset="0"/>
-                <a:ea typeface="Helvetica" charset="0"/>
-                <a:cs typeface="Helvetica" charset="0"/>
-              </a:rPr>
-              <a:t>, 1998. </a:t>
+            <a:pPr lvl="1"/>
+            <a:r>
+              <a:rPr lang="en-US" dirty="0" smtClean="0">
+                <a:solidFill>
+                  <a:schemeClr val="tx1"/>
+                </a:solidFill>
+                <a:latin typeface="Helvetica" charset="0"/>
+                <a:ea typeface="Helvetica" charset="0"/>
+                <a:cs typeface="Helvetica" charset="0"/>
+              </a:rPr>
+              <a:t>Fitness </a:t>
+            </a:r>
+            <a:r>
+              <a:rPr lang="en-US" dirty="0" err="1" smtClean="0">
+                <a:solidFill>
+                  <a:schemeClr val="tx1"/>
+                </a:solidFill>
+                <a:latin typeface="Helvetica" charset="0"/>
+                <a:ea typeface="Helvetica" charset="0"/>
+                <a:cs typeface="Helvetica" charset="0"/>
+              </a:rPr>
+              <a:t>médio</a:t>
             </a:r>
             <a:endParaRPr lang="en-US" dirty="0" smtClean="0">
               <a:solidFill>
@@ -31952,108 +31710,41 @@
             </a:endParaRPr>
           </a:p>
           <a:p>
-            <a:r>
-              <a:rPr lang="en-US" dirty="0" smtClean="0">
-                <a:solidFill>
-                  <a:schemeClr val="tx1"/>
-                </a:solidFill>
-                <a:latin typeface="Helvetica" charset="0"/>
-                <a:ea typeface="Helvetica" charset="0"/>
-                <a:cs typeface="Helvetica" charset="0"/>
-              </a:rPr>
-              <a:t>[10] M</a:t>
-            </a:r>
-            <a:r>
-              <a:rPr lang="en-US" dirty="0">
-                <a:solidFill>
-                  <a:schemeClr val="tx1"/>
-                </a:solidFill>
-                <a:latin typeface="Helvetica" charset="0"/>
-                <a:ea typeface="Helvetica" charset="0"/>
-                <a:cs typeface="Helvetica" charset="0"/>
-              </a:rPr>
-              <a:t>. Srinivas and L. M. </a:t>
-            </a:r>
-            <a:r>
-              <a:rPr lang="en-US" dirty="0" err="1">
-                <a:solidFill>
-                  <a:schemeClr val="tx1"/>
-                </a:solidFill>
-                <a:latin typeface="Helvetica" charset="0"/>
-                <a:ea typeface="Helvetica" charset="0"/>
-                <a:cs typeface="Helvetica" charset="0"/>
-              </a:rPr>
-              <a:t>Patnaik</a:t>
-            </a:r>
-            <a:r>
-              <a:rPr lang="en-US" dirty="0">
-                <a:solidFill>
-                  <a:schemeClr val="tx1"/>
-                </a:solidFill>
-                <a:latin typeface="Helvetica" charset="0"/>
-                <a:ea typeface="Helvetica" charset="0"/>
-                <a:cs typeface="Helvetica" charset="0"/>
-              </a:rPr>
-              <a:t>. </a:t>
-            </a:r>
-            <a:r>
-              <a:rPr lang="en-US" dirty="0" smtClean="0">
-                <a:solidFill>
-                  <a:schemeClr val="tx1"/>
-                </a:solidFill>
-                <a:latin typeface="Helvetica" charset="0"/>
-                <a:ea typeface="Helvetica" charset="0"/>
-                <a:cs typeface="Helvetica" charset="0"/>
-              </a:rPr>
-              <a:t>"Adaptive </a:t>
-            </a:r>
-            <a:r>
-              <a:rPr lang="en-US" dirty="0">
-                <a:solidFill>
-                  <a:schemeClr val="tx1"/>
-                </a:solidFill>
-                <a:latin typeface="Helvetica" charset="0"/>
-                <a:ea typeface="Helvetica" charset="0"/>
-                <a:cs typeface="Helvetica" charset="0"/>
-              </a:rPr>
-              <a:t>probabilities of crossover and mutation in genetic </a:t>
-            </a:r>
-            <a:r>
-              <a:rPr lang="en-US" dirty="0" smtClean="0">
-                <a:solidFill>
-                  <a:schemeClr val="tx1"/>
-                </a:solidFill>
-                <a:latin typeface="Helvetica" charset="0"/>
-                <a:ea typeface="Helvetica" charset="0"/>
-                <a:cs typeface="Helvetica" charset="0"/>
-              </a:rPr>
-              <a:t>algorithms". </a:t>
-            </a:r>
-            <a:r>
-              <a:rPr lang="en-US" i="1" dirty="0">
-                <a:solidFill>
-                  <a:schemeClr val="tx1"/>
-                </a:solidFill>
-                <a:latin typeface="Helvetica" charset="0"/>
-                <a:ea typeface="Helvetica" charset="0"/>
-                <a:cs typeface="Helvetica" charset="0"/>
-              </a:rPr>
-              <a:t>IEEE Transactions on Systems, Man, and Cybernetics</a:t>
-            </a:r>
-            <a:r>
-              <a:rPr lang="en-US" dirty="0">
-                <a:solidFill>
-                  <a:schemeClr val="tx1"/>
-                </a:solidFill>
-                <a:latin typeface="Helvetica" charset="0"/>
-                <a:ea typeface="Helvetica" charset="0"/>
-                <a:cs typeface="Helvetica" charset="0"/>
-              </a:rPr>
-              <a:t>, 24(4):656–667, 1994. </a:t>
-            </a:r>
-          </a:p>
-          <a:p>
-            <a:endParaRPr lang="en-US" dirty="0">
+            <a:pPr lvl="1"/>
+            <a:r>
+              <a:rPr lang="en-US" dirty="0" err="1" smtClean="0">
+                <a:solidFill>
+                  <a:schemeClr val="tx1"/>
+                </a:solidFill>
+                <a:latin typeface="Helvetica" charset="0"/>
+                <a:ea typeface="Helvetica" charset="0"/>
+                <a:cs typeface="Helvetica" charset="0"/>
+              </a:rPr>
+              <a:t>Desvio</a:t>
+            </a:r>
+            <a:r>
+              <a:rPr lang="en-US" dirty="0" smtClean="0">
+                <a:solidFill>
+                  <a:schemeClr val="tx1"/>
+                </a:solidFill>
+                <a:latin typeface="Helvetica" charset="0"/>
+                <a:ea typeface="Helvetica" charset="0"/>
+                <a:cs typeface="Helvetica" charset="0"/>
+              </a:rPr>
+              <a:t> </a:t>
+            </a:r>
+            <a:r>
+              <a:rPr lang="en-US" dirty="0" err="1" smtClean="0">
+                <a:solidFill>
+                  <a:schemeClr val="tx1"/>
+                </a:solidFill>
+                <a:latin typeface="Helvetica" charset="0"/>
+                <a:ea typeface="Helvetica" charset="0"/>
+                <a:cs typeface="Helvetica" charset="0"/>
+              </a:rPr>
+              <a:t>padrão</a:t>
+            </a:r>
+            <a:endParaRPr lang="en-US" dirty="0" smtClean="0">
               <a:solidFill>
                 <a:schemeClr val="tx1"/>
               </a:solidFill>
@@ -32063,7 +31754,7 @@
             </a:endParaRPr>
           </a:p>
           <a:p>
-            <a:endParaRPr lang="en-US" dirty="0">
+            <a:endParaRPr lang="en-US" dirty="0" smtClean="0">
               <a:solidFill>
                 <a:schemeClr val="tx1"/>
               </a:solidFill>
@@ -32072,11 +31763,87 @@
               <a:cs typeface="Helvetica" charset="0"/>
             </a:endParaRPr>
           </a:p>
+          <a:p>
+            <a:r>
+              <a:rPr lang="en-US" dirty="0" err="1" smtClean="0">
+                <a:solidFill>
+                  <a:schemeClr val="tx1"/>
+                </a:solidFill>
+                <a:latin typeface="Helvetica" charset="0"/>
+                <a:ea typeface="Helvetica" charset="0"/>
+                <a:cs typeface="Helvetica" charset="0"/>
+              </a:rPr>
+              <a:t>Tanto</a:t>
+            </a:r>
+            <a:r>
+              <a:rPr lang="en-US" dirty="0" smtClean="0">
+                <a:solidFill>
+                  <a:schemeClr val="tx1"/>
+                </a:solidFill>
+                <a:latin typeface="Helvetica" charset="0"/>
+                <a:ea typeface="Helvetica" charset="0"/>
+                <a:cs typeface="Helvetica" charset="0"/>
+              </a:rPr>
+              <a:t> para AG (</a:t>
+            </a:r>
+            <a:r>
+              <a:rPr lang="en-US" dirty="0" err="1" smtClean="0">
+                <a:solidFill>
+                  <a:schemeClr val="tx1"/>
+                </a:solidFill>
+                <a:latin typeface="Helvetica" charset="0"/>
+                <a:ea typeface="Helvetica" charset="0"/>
+                <a:cs typeface="Helvetica" charset="0"/>
+              </a:rPr>
+              <a:t>estático</a:t>
+            </a:r>
+            <a:r>
+              <a:rPr lang="en-US" dirty="0" smtClean="0">
+                <a:solidFill>
+                  <a:schemeClr val="tx1"/>
+                </a:solidFill>
+                <a:latin typeface="Helvetica" charset="0"/>
+                <a:ea typeface="Helvetica" charset="0"/>
+                <a:cs typeface="Helvetica" charset="0"/>
+              </a:rPr>
+              <a:t>) </a:t>
+            </a:r>
+            <a:r>
+              <a:rPr lang="en-US" dirty="0" err="1" smtClean="0">
+                <a:solidFill>
+                  <a:schemeClr val="tx1"/>
+                </a:solidFill>
+                <a:latin typeface="Helvetica" charset="0"/>
+                <a:ea typeface="Helvetica" charset="0"/>
+                <a:cs typeface="Helvetica" charset="0"/>
+              </a:rPr>
+              <a:t>quanto</a:t>
+            </a:r>
+            <a:r>
+              <a:rPr lang="en-US" dirty="0" smtClean="0">
+                <a:solidFill>
+                  <a:schemeClr val="tx1"/>
+                </a:solidFill>
+                <a:latin typeface="Helvetica" charset="0"/>
+                <a:ea typeface="Helvetica" charset="0"/>
+                <a:cs typeface="Helvetica" charset="0"/>
+              </a:rPr>
+              <a:t> para AGA</a:t>
+            </a:r>
+            <a:endParaRPr lang="en-US" dirty="0" smtClean="0">
+              <a:solidFill>
+                <a:schemeClr val="tx1"/>
+              </a:solidFill>
+              <a:latin typeface="Helvetica" charset="0"/>
+              <a:ea typeface="Helvetica" charset="0"/>
+              <a:cs typeface="Helvetica" charset="0"/>
+            </a:endParaRPr>
+          </a:p>
         </p:txBody>
       </p:sp>
       <p:sp>
         <p:nvSpPr>
-          <p:cNvPr id="4" name="Slide Number Placeholder 3"/>
+          <p:cNvPr id="5" name="Slide Number Placeholder 4"/>
           <p:cNvSpPr>
             <a:spLocks noGrp="1"/>
           </p:cNvSpPr>
@@ -32100,7 +31867,7 @@
     </p:spTree>
     <p:extLst>
       <p:ext uri="{BB962C8B-B14F-4D97-AF65-F5344CB8AC3E}">
-        <p14:creationId xmlns:p14="http://schemas.microsoft.com/office/powerpoint/2010/main" val="2080831962"/>
+        <p14:creationId xmlns:p14="http://schemas.microsoft.com/office/powerpoint/2010/main" val="971927894"/>
       </p:ext>
     </p:extLst>
   </p:cSld>
@@ -32155,6 +31922,2865 @@
                 <a:ea typeface="Helvetica" charset="0"/>
                 <a:cs typeface="Helvetica" charset="0"/>
               </a:rPr>
+              <a:t>Análises</a:t>
+            </a:r>
+            <a:r>
+              <a:rPr lang="en-US" b="1" dirty="0" smtClean="0">
+                <a:latin typeface="Helvetica" charset="0"/>
+                <a:ea typeface="Helvetica" charset="0"/>
+                <a:cs typeface="Helvetica" charset="0"/>
+              </a:rPr>
+              <a:t> e </a:t>
+            </a:r>
+            <a:r>
+              <a:rPr lang="en-US" b="1" dirty="0" err="1" smtClean="0">
+                <a:latin typeface="Helvetica" charset="0"/>
+                <a:ea typeface="Helvetica" charset="0"/>
+                <a:cs typeface="Helvetica" charset="0"/>
+              </a:rPr>
+              <a:t>Resultados</a:t>
+            </a:r>
+            <a:r>
+              <a:rPr lang="en-US" b="1" dirty="0" smtClean="0">
+                <a:latin typeface="Helvetica" charset="0"/>
+                <a:ea typeface="Helvetica" charset="0"/>
+                <a:cs typeface="Helvetica" charset="0"/>
+              </a:rPr>
+              <a:t> </a:t>
+            </a:r>
+            <a:r>
+              <a:rPr lang="mr-IN" b="1" dirty="0" smtClean="0">
+                <a:latin typeface="Helvetica" charset="0"/>
+                <a:ea typeface="Helvetica" charset="0"/>
+                <a:cs typeface="Helvetica" charset="0"/>
+              </a:rPr>
+              <a:t>–</a:t>
+            </a:r>
+            <a:r>
+              <a:rPr lang="en-US" b="1" dirty="0" smtClean="0">
+                <a:latin typeface="Helvetica" charset="0"/>
+                <a:ea typeface="Helvetica" charset="0"/>
+                <a:cs typeface="Helvetica" charset="0"/>
+              </a:rPr>
+              <a:t> </a:t>
+            </a:r>
+            <a:r>
+              <a:rPr lang="en-US" sz="2800" b="1" dirty="0" err="1" smtClean="0">
+                <a:latin typeface="Helvetica" charset="0"/>
+                <a:ea typeface="Helvetica" charset="0"/>
+                <a:cs typeface="Helvetica" charset="0"/>
+              </a:rPr>
+              <a:t>Caixeiro</a:t>
+            </a:r>
+            <a:r>
+              <a:rPr lang="en-US" sz="2800" b="1" dirty="0" smtClean="0">
+                <a:latin typeface="Helvetica" charset="0"/>
+                <a:ea typeface="Helvetica" charset="0"/>
+                <a:cs typeface="Helvetica" charset="0"/>
+              </a:rPr>
+              <a:t> </a:t>
+            </a:r>
+            <a:r>
+              <a:rPr lang="en-US" sz="2800" b="1" dirty="0" err="1" smtClean="0">
+                <a:latin typeface="Helvetica" charset="0"/>
+                <a:ea typeface="Helvetica" charset="0"/>
+                <a:cs typeface="Helvetica" charset="0"/>
+              </a:rPr>
+              <a:t>Viajante</a:t>
+            </a:r>
+            <a:endParaRPr lang="en-US" sz="2000" b="1" dirty="0">
+              <a:latin typeface="Helvetica" charset="0"/>
+              <a:ea typeface="Helvetica" charset="0"/>
+              <a:cs typeface="Helvetica" charset="0"/>
+            </a:endParaRPr>
+          </a:p>
+        </p:txBody>
+      </p:sp>
+      <p:sp>
+        <p:nvSpPr>
+          <p:cNvPr id="3" name="Content Placeholder 2"/>
+          <p:cNvSpPr>
+            <a:spLocks noGrp="1"/>
+          </p:cNvSpPr>
+          <p:nvPr>
+            <p:ph idx="1"/>
+          </p:nvPr>
+        </p:nvSpPr>
+        <p:spPr>
+          <a:xfrm>
+            <a:off x="1154954" y="2603500"/>
+            <a:ext cx="9647158" cy="4126484"/>
+          </a:xfrm>
+        </p:spPr>
+        <p:txBody>
+          <a:bodyPr>
+            <a:normAutofit/>
+          </a:bodyPr>
+          <a:lstStyle/>
+          <a:p>
+            <a:r>
+              <a:rPr lang="en-US" dirty="0" err="1" smtClean="0">
+                <a:solidFill>
+                  <a:schemeClr val="tx1"/>
+                </a:solidFill>
+                <a:latin typeface="Helvetica" charset="0"/>
+                <a:ea typeface="Helvetica" charset="0"/>
+                <a:cs typeface="Helvetica" charset="0"/>
+              </a:rPr>
+              <a:t>Gr</a:t>
+            </a:r>
+            <a:r>
+              <a:rPr lang="en-US" dirty="0" err="1" smtClean="0">
+                <a:solidFill>
+                  <a:schemeClr val="tx1"/>
+                </a:solidFill>
+                <a:latin typeface="Helvetica" charset="0"/>
+                <a:ea typeface="Helvetica" charset="0"/>
+                <a:cs typeface="Helvetica" charset="0"/>
+              </a:rPr>
+              <a:t>áficos</a:t>
+            </a:r>
+            <a:r>
+              <a:rPr lang="en-US" dirty="0" smtClean="0">
+                <a:solidFill>
+                  <a:schemeClr val="tx1"/>
+                </a:solidFill>
+                <a:latin typeface="Helvetica" charset="0"/>
+                <a:ea typeface="Helvetica" charset="0"/>
+                <a:cs typeface="Helvetica" charset="0"/>
+              </a:rPr>
+              <a:t>:</a:t>
+            </a:r>
+          </a:p>
+          <a:p>
+            <a:pPr lvl="1"/>
+            <a:r>
+              <a:rPr lang="en-US" dirty="0" smtClean="0">
+                <a:solidFill>
+                  <a:schemeClr val="tx1"/>
+                </a:solidFill>
+                <a:latin typeface="Helvetica" charset="0"/>
+                <a:ea typeface="Helvetica" charset="0"/>
+                <a:cs typeface="Helvetica" charset="0"/>
+              </a:rPr>
+              <a:t>Fitness </a:t>
+            </a:r>
+            <a:r>
+              <a:rPr lang="en-US" dirty="0" err="1" smtClean="0">
+                <a:solidFill>
+                  <a:schemeClr val="tx1"/>
+                </a:solidFill>
+                <a:latin typeface="Helvetica" charset="0"/>
+                <a:ea typeface="Helvetica" charset="0"/>
+                <a:cs typeface="Helvetica" charset="0"/>
+              </a:rPr>
+              <a:t>mínimo</a:t>
+            </a:r>
+            <a:endParaRPr lang="en-US" dirty="0" smtClean="0">
+              <a:solidFill>
+                <a:schemeClr val="tx1"/>
+              </a:solidFill>
+              <a:latin typeface="Helvetica" charset="0"/>
+              <a:ea typeface="Helvetica" charset="0"/>
+              <a:cs typeface="Helvetica" charset="0"/>
+            </a:endParaRPr>
+          </a:p>
+          <a:p>
+            <a:pPr lvl="1"/>
+            <a:r>
+              <a:rPr lang="en-US" dirty="0" smtClean="0">
+                <a:solidFill>
+                  <a:schemeClr val="tx1"/>
+                </a:solidFill>
+                <a:latin typeface="Helvetica" charset="0"/>
+                <a:ea typeface="Helvetica" charset="0"/>
+                <a:cs typeface="Helvetica" charset="0"/>
+              </a:rPr>
+              <a:t>Fitness </a:t>
+            </a:r>
+            <a:r>
+              <a:rPr lang="en-US" dirty="0" err="1" smtClean="0">
+                <a:solidFill>
+                  <a:schemeClr val="tx1"/>
+                </a:solidFill>
+                <a:latin typeface="Helvetica" charset="0"/>
+                <a:ea typeface="Helvetica" charset="0"/>
+                <a:cs typeface="Helvetica" charset="0"/>
+              </a:rPr>
+              <a:t>máximo</a:t>
+            </a:r>
+            <a:endParaRPr lang="en-US" dirty="0" smtClean="0">
+              <a:solidFill>
+                <a:schemeClr val="tx1"/>
+              </a:solidFill>
+              <a:latin typeface="Helvetica" charset="0"/>
+              <a:ea typeface="Helvetica" charset="0"/>
+              <a:cs typeface="Helvetica" charset="0"/>
+            </a:endParaRPr>
+          </a:p>
+          <a:p>
+            <a:pPr lvl="1"/>
+            <a:r>
+              <a:rPr lang="en-US" dirty="0" smtClean="0">
+                <a:solidFill>
+                  <a:schemeClr val="tx1"/>
+                </a:solidFill>
+                <a:latin typeface="Helvetica" charset="0"/>
+                <a:ea typeface="Helvetica" charset="0"/>
+                <a:cs typeface="Helvetica" charset="0"/>
+              </a:rPr>
+              <a:t>Fitness </a:t>
+            </a:r>
+            <a:r>
+              <a:rPr lang="en-US" dirty="0" err="1" smtClean="0">
+                <a:solidFill>
+                  <a:schemeClr val="tx1"/>
+                </a:solidFill>
+                <a:latin typeface="Helvetica" charset="0"/>
+                <a:ea typeface="Helvetica" charset="0"/>
+                <a:cs typeface="Helvetica" charset="0"/>
+              </a:rPr>
+              <a:t>médio</a:t>
+            </a:r>
+            <a:endParaRPr lang="en-US" dirty="0" smtClean="0">
+              <a:solidFill>
+                <a:schemeClr val="tx1"/>
+              </a:solidFill>
+              <a:latin typeface="Helvetica" charset="0"/>
+              <a:ea typeface="Helvetica" charset="0"/>
+              <a:cs typeface="Helvetica" charset="0"/>
+            </a:endParaRPr>
+          </a:p>
+          <a:p>
+            <a:pPr lvl="1"/>
+            <a:r>
+              <a:rPr lang="en-US" dirty="0" err="1" smtClean="0">
+                <a:solidFill>
+                  <a:schemeClr val="tx1"/>
+                </a:solidFill>
+                <a:latin typeface="Helvetica" charset="0"/>
+                <a:ea typeface="Helvetica" charset="0"/>
+                <a:cs typeface="Helvetica" charset="0"/>
+              </a:rPr>
+              <a:t>Desvio</a:t>
+            </a:r>
+            <a:r>
+              <a:rPr lang="en-US" dirty="0" smtClean="0">
+                <a:solidFill>
+                  <a:schemeClr val="tx1"/>
+                </a:solidFill>
+                <a:latin typeface="Helvetica" charset="0"/>
+                <a:ea typeface="Helvetica" charset="0"/>
+                <a:cs typeface="Helvetica" charset="0"/>
+              </a:rPr>
+              <a:t> </a:t>
+            </a:r>
+            <a:r>
+              <a:rPr lang="en-US" dirty="0" err="1" smtClean="0">
+                <a:solidFill>
+                  <a:schemeClr val="tx1"/>
+                </a:solidFill>
+                <a:latin typeface="Helvetica" charset="0"/>
+                <a:ea typeface="Helvetica" charset="0"/>
+                <a:cs typeface="Helvetica" charset="0"/>
+              </a:rPr>
+              <a:t>padrão</a:t>
+            </a:r>
+            <a:endParaRPr lang="en-US" dirty="0" smtClean="0">
+              <a:solidFill>
+                <a:schemeClr val="tx1"/>
+              </a:solidFill>
+              <a:latin typeface="Helvetica" charset="0"/>
+              <a:ea typeface="Helvetica" charset="0"/>
+              <a:cs typeface="Helvetica" charset="0"/>
+            </a:endParaRPr>
+          </a:p>
+          <a:p>
+            <a:endParaRPr lang="en-US" dirty="0" smtClean="0">
+              <a:solidFill>
+                <a:schemeClr val="tx1"/>
+              </a:solidFill>
+              <a:latin typeface="Helvetica" charset="0"/>
+              <a:ea typeface="Helvetica" charset="0"/>
+              <a:cs typeface="Helvetica" charset="0"/>
+            </a:endParaRPr>
+          </a:p>
+          <a:p>
+            <a:r>
+              <a:rPr lang="en-US" dirty="0" err="1" smtClean="0">
+                <a:solidFill>
+                  <a:schemeClr val="tx1"/>
+                </a:solidFill>
+                <a:latin typeface="Helvetica" charset="0"/>
+                <a:ea typeface="Helvetica" charset="0"/>
+                <a:cs typeface="Helvetica" charset="0"/>
+              </a:rPr>
+              <a:t>Tanto</a:t>
+            </a:r>
+            <a:r>
+              <a:rPr lang="en-US" dirty="0" smtClean="0">
+                <a:solidFill>
+                  <a:schemeClr val="tx1"/>
+                </a:solidFill>
+                <a:latin typeface="Helvetica" charset="0"/>
+                <a:ea typeface="Helvetica" charset="0"/>
+                <a:cs typeface="Helvetica" charset="0"/>
+              </a:rPr>
+              <a:t> para AG (</a:t>
+            </a:r>
+            <a:r>
+              <a:rPr lang="en-US" dirty="0" err="1" smtClean="0">
+                <a:solidFill>
+                  <a:schemeClr val="tx1"/>
+                </a:solidFill>
+                <a:latin typeface="Helvetica" charset="0"/>
+                <a:ea typeface="Helvetica" charset="0"/>
+                <a:cs typeface="Helvetica" charset="0"/>
+              </a:rPr>
+              <a:t>estático</a:t>
+            </a:r>
+            <a:r>
+              <a:rPr lang="en-US" dirty="0" smtClean="0">
+                <a:solidFill>
+                  <a:schemeClr val="tx1"/>
+                </a:solidFill>
+                <a:latin typeface="Helvetica" charset="0"/>
+                <a:ea typeface="Helvetica" charset="0"/>
+                <a:cs typeface="Helvetica" charset="0"/>
+              </a:rPr>
+              <a:t>) </a:t>
+            </a:r>
+            <a:r>
+              <a:rPr lang="en-US" dirty="0" err="1" smtClean="0">
+                <a:solidFill>
+                  <a:schemeClr val="tx1"/>
+                </a:solidFill>
+                <a:latin typeface="Helvetica" charset="0"/>
+                <a:ea typeface="Helvetica" charset="0"/>
+                <a:cs typeface="Helvetica" charset="0"/>
+              </a:rPr>
+              <a:t>quanto</a:t>
+            </a:r>
+            <a:r>
+              <a:rPr lang="en-US" dirty="0" smtClean="0">
+                <a:solidFill>
+                  <a:schemeClr val="tx1"/>
+                </a:solidFill>
+                <a:latin typeface="Helvetica" charset="0"/>
+                <a:ea typeface="Helvetica" charset="0"/>
+                <a:cs typeface="Helvetica" charset="0"/>
+              </a:rPr>
+              <a:t> para AGA</a:t>
+            </a:r>
+            <a:endParaRPr lang="en-US" dirty="0" smtClean="0">
+              <a:solidFill>
+                <a:schemeClr val="tx1"/>
+              </a:solidFill>
+              <a:latin typeface="Helvetica" charset="0"/>
+              <a:ea typeface="Helvetica" charset="0"/>
+              <a:cs typeface="Helvetica" charset="0"/>
+            </a:endParaRPr>
+          </a:p>
+        </p:txBody>
+      </p:sp>
+      <p:sp>
+        <p:nvSpPr>
+          <p:cNvPr id="5" name="Slide Number Placeholder 4"/>
+          <p:cNvSpPr>
+            <a:spLocks noGrp="1"/>
+          </p:cNvSpPr>
+          <p:nvPr>
+            <p:ph type="sldNum" sz="quarter" idx="12"/>
+          </p:nvPr>
+        </p:nvSpPr>
+        <p:spPr/>
+        <p:txBody>
+          <a:bodyPr/>
+          <a:lstStyle/>
+          <a:p>
+            <a:fld id="{55774153-6BEA-8641-B7A1-86CE42693FE2}" type="slidenum">
+              <a:rPr lang="en-US" smtClean="0"/>
+              <a:t>31</a:t>
+            </a:fld>
+            <a:endParaRPr lang="en-US"/>
+          </a:p>
+        </p:txBody>
+      </p:sp>
+    </p:spTree>
+    <p:extLst>
+      <p:ext uri="{BB962C8B-B14F-4D97-AF65-F5344CB8AC3E}">
+        <p14:creationId xmlns:p14="http://schemas.microsoft.com/office/powerpoint/2010/main" val="1238521494"/>
+      </p:ext>
+    </p:extLst>
+  </p:cSld>
+  <p:clrMapOvr>
+    <a:masterClrMapping/>
+  </p:clrMapOvr>
+  <p:timing>
+    <p:tnLst>
+      <p:par>
+        <p:cTn id="1" dur="indefinite" restart="never" nodeType="tmRoot"/>
+      </p:par>
+    </p:tnLst>
+  </p:timing>
+</p:sld>
+</file>
+
+<file path=ppt/slides/slide33.xml><?xml version="1.0" encoding="utf-8"?>
+<p:sld xmlns:a="http://schemas.openxmlformats.org/drawingml/2006/main" xmlns:r="http://schemas.openxmlformats.org/officeDocument/2006/relationships" xmlns:p="http://schemas.openxmlformats.org/presentationml/2006/main">
+  <p:cSld>
+    <p:spTree>
+      <p:nvGrpSpPr>
+        <p:cNvPr id="1" name=""/>
+        <p:cNvGrpSpPr/>
+        <p:nvPr/>
+      </p:nvGrpSpPr>
+      <p:grpSpPr>
+        <a:xfrm>
+          <a:off x="0" y="0"/>
+          <a:ext cx="0" cy="0"/>
+          <a:chOff x="0" y="0"/>
+          <a:chExt cx="0" cy="0"/>
+        </a:xfrm>
+      </p:grpSpPr>
+      <p:sp>
+        <p:nvSpPr>
+          <p:cNvPr id="2" name="Title 1"/>
+          <p:cNvSpPr>
+            <a:spLocks noGrp="1"/>
+          </p:cNvSpPr>
+          <p:nvPr>
+            <p:ph type="title"/>
+          </p:nvPr>
+        </p:nvSpPr>
+        <p:spPr/>
+        <p:txBody>
+          <a:bodyPr/>
+          <a:lstStyle/>
+          <a:p>
+            <a:r>
+              <a:rPr lang="en-US" b="1" dirty="0" err="1" smtClean="0">
+                <a:latin typeface="Helvetica" charset="0"/>
+                <a:ea typeface="Helvetica" charset="0"/>
+                <a:cs typeface="Helvetica" charset="0"/>
+              </a:rPr>
+              <a:t>Análises</a:t>
+            </a:r>
+            <a:r>
+              <a:rPr lang="en-US" b="1" dirty="0" smtClean="0">
+                <a:latin typeface="Helvetica" charset="0"/>
+                <a:ea typeface="Helvetica" charset="0"/>
+                <a:cs typeface="Helvetica" charset="0"/>
+              </a:rPr>
+              <a:t> e </a:t>
+            </a:r>
+            <a:r>
+              <a:rPr lang="en-US" b="1" dirty="0" err="1" smtClean="0">
+                <a:latin typeface="Helvetica" charset="0"/>
+                <a:ea typeface="Helvetica" charset="0"/>
+                <a:cs typeface="Helvetica" charset="0"/>
+              </a:rPr>
+              <a:t>Resultados</a:t>
+            </a:r>
+            <a:r>
+              <a:rPr lang="en-US" b="1" dirty="0" smtClean="0">
+                <a:latin typeface="Helvetica" charset="0"/>
+                <a:ea typeface="Helvetica" charset="0"/>
+                <a:cs typeface="Helvetica" charset="0"/>
+              </a:rPr>
+              <a:t> </a:t>
+            </a:r>
+            <a:r>
+              <a:rPr lang="mr-IN" b="1" dirty="0" smtClean="0">
+                <a:latin typeface="Helvetica" charset="0"/>
+                <a:ea typeface="Helvetica" charset="0"/>
+                <a:cs typeface="Helvetica" charset="0"/>
+              </a:rPr>
+              <a:t>–</a:t>
+            </a:r>
+            <a:r>
+              <a:rPr lang="en-US" b="1" dirty="0" smtClean="0">
+                <a:latin typeface="Helvetica" charset="0"/>
+                <a:ea typeface="Helvetica" charset="0"/>
+                <a:cs typeface="Helvetica" charset="0"/>
+              </a:rPr>
+              <a:t> </a:t>
+            </a:r>
+            <a:r>
+              <a:rPr lang="en-US" sz="2800" b="1" dirty="0" err="1" smtClean="0">
+                <a:latin typeface="Helvetica" charset="0"/>
+                <a:ea typeface="Helvetica" charset="0"/>
+                <a:cs typeface="Helvetica" charset="0"/>
+              </a:rPr>
+              <a:t>Caixeiro</a:t>
+            </a:r>
+            <a:r>
+              <a:rPr lang="en-US" sz="2800" b="1" dirty="0" smtClean="0">
+                <a:latin typeface="Helvetica" charset="0"/>
+                <a:ea typeface="Helvetica" charset="0"/>
+                <a:cs typeface="Helvetica" charset="0"/>
+              </a:rPr>
+              <a:t> </a:t>
+            </a:r>
+            <a:r>
+              <a:rPr lang="en-US" sz="2800" b="1" smtClean="0">
+                <a:latin typeface="Helvetica" charset="0"/>
+                <a:ea typeface="Helvetica" charset="0"/>
+                <a:cs typeface="Helvetica" charset="0"/>
+              </a:rPr>
+              <a:t>Viajante</a:t>
+            </a:r>
+            <a:endParaRPr lang="en-US" sz="2000" b="1" dirty="0">
+              <a:latin typeface="Helvetica" charset="0"/>
+              <a:ea typeface="Helvetica" charset="0"/>
+              <a:cs typeface="Helvetica" charset="0"/>
+            </a:endParaRPr>
+          </a:p>
+        </p:txBody>
+      </p:sp>
+      <p:sp>
+        <p:nvSpPr>
+          <p:cNvPr id="3" name="Content Placeholder 2"/>
+          <p:cNvSpPr>
+            <a:spLocks noGrp="1"/>
+          </p:cNvSpPr>
+          <p:nvPr>
+            <p:ph idx="1"/>
+          </p:nvPr>
+        </p:nvSpPr>
+        <p:spPr>
+          <a:xfrm>
+            <a:off x="1154954" y="2603500"/>
+            <a:ext cx="9647158" cy="4126484"/>
+          </a:xfrm>
+        </p:spPr>
+        <p:txBody>
+          <a:bodyPr>
+            <a:normAutofit/>
+          </a:bodyPr>
+          <a:lstStyle/>
+          <a:p>
+            <a:r>
+              <a:rPr lang="en-US" dirty="0" err="1" smtClean="0">
+                <a:solidFill>
+                  <a:schemeClr val="tx1"/>
+                </a:solidFill>
+                <a:latin typeface="Helvetica" charset="0"/>
+                <a:ea typeface="Helvetica" charset="0"/>
+                <a:cs typeface="Helvetica" charset="0"/>
+              </a:rPr>
+              <a:t>Gr</a:t>
+            </a:r>
+            <a:r>
+              <a:rPr lang="en-US" dirty="0" err="1" smtClean="0">
+                <a:solidFill>
+                  <a:schemeClr val="tx1"/>
+                </a:solidFill>
+                <a:latin typeface="Helvetica" charset="0"/>
+                <a:ea typeface="Helvetica" charset="0"/>
+                <a:cs typeface="Helvetica" charset="0"/>
+              </a:rPr>
+              <a:t>áficos</a:t>
+            </a:r>
+            <a:r>
+              <a:rPr lang="en-US" dirty="0" smtClean="0">
+                <a:solidFill>
+                  <a:schemeClr val="tx1"/>
+                </a:solidFill>
+                <a:latin typeface="Helvetica" charset="0"/>
+                <a:ea typeface="Helvetica" charset="0"/>
+                <a:cs typeface="Helvetica" charset="0"/>
+              </a:rPr>
+              <a:t>:</a:t>
+            </a:r>
+          </a:p>
+          <a:p>
+            <a:pPr lvl="1"/>
+            <a:r>
+              <a:rPr lang="en-US" dirty="0" smtClean="0">
+                <a:solidFill>
+                  <a:schemeClr val="tx1"/>
+                </a:solidFill>
+                <a:latin typeface="Helvetica" charset="0"/>
+                <a:ea typeface="Helvetica" charset="0"/>
+                <a:cs typeface="Helvetica" charset="0"/>
+              </a:rPr>
+              <a:t>Fitness </a:t>
+            </a:r>
+            <a:r>
+              <a:rPr lang="en-US" dirty="0" err="1" smtClean="0">
+                <a:solidFill>
+                  <a:schemeClr val="tx1"/>
+                </a:solidFill>
+                <a:latin typeface="Helvetica" charset="0"/>
+                <a:ea typeface="Helvetica" charset="0"/>
+                <a:cs typeface="Helvetica" charset="0"/>
+              </a:rPr>
+              <a:t>mínimo</a:t>
+            </a:r>
+            <a:endParaRPr lang="en-US" dirty="0" smtClean="0">
+              <a:solidFill>
+                <a:schemeClr val="tx1"/>
+              </a:solidFill>
+              <a:latin typeface="Helvetica" charset="0"/>
+              <a:ea typeface="Helvetica" charset="0"/>
+              <a:cs typeface="Helvetica" charset="0"/>
+            </a:endParaRPr>
+          </a:p>
+          <a:p>
+            <a:pPr lvl="1"/>
+            <a:r>
+              <a:rPr lang="en-US" dirty="0" smtClean="0">
+                <a:solidFill>
+                  <a:schemeClr val="tx1"/>
+                </a:solidFill>
+                <a:latin typeface="Helvetica" charset="0"/>
+                <a:ea typeface="Helvetica" charset="0"/>
+                <a:cs typeface="Helvetica" charset="0"/>
+              </a:rPr>
+              <a:t>Fitness </a:t>
+            </a:r>
+            <a:r>
+              <a:rPr lang="en-US" dirty="0" err="1" smtClean="0">
+                <a:solidFill>
+                  <a:schemeClr val="tx1"/>
+                </a:solidFill>
+                <a:latin typeface="Helvetica" charset="0"/>
+                <a:ea typeface="Helvetica" charset="0"/>
+                <a:cs typeface="Helvetica" charset="0"/>
+              </a:rPr>
+              <a:t>máximo</a:t>
+            </a:r>
+            <a:endParaRPr lang="en-US" dirty="0" smtClean="0">
+              <a:solidFill>
+                <a:schemeClr val="tx1"/>
+              </a:solidFill>
+              <a:latin typeface="Helvetica" charset="0"/>
+              <a:ea typeface="Helvetica" charset="0"/>
+              <a:cs typeface="Helvetica" charset="0"/>
+            </a:endParaRPr>
+          </a:p>
+          <a:p>
+            <a:pPr lvl="1"/>
+            <a:r>
+              <a:rPr lang="en-US" dirty="0" smtClean="0">
+                <a:solidFill>
+                  <a:schemeClr val="tx1"/>
+                </a:solidFill>
+                <a:latin typeface="Helvetica" charset="0"/>
+                <a:ea typeface="Helvetica" charset="0"/>
+                <a:cs typeface="Helvetica" charset="0"/>
+              </a:rPr>
+              <a:t>Fitness </a:t>
+            </a:r>
+            <a:r>
+              <a:rPr lang="en-US" dirty="0" err="1" smtClean="0">
+                <a:solidFill>
+                  <a:schemeClr val="tx1"/>
+                </a:solidFill>
+                <a:latin typeface="Helvetica" charset="0"/>
+                <a:ea typeface="Helvetica" charset="0"/>
+                <a:cs typeface="Helvetica" charset="0"/>
+              </a:rPr>
+              <a:t>médio</a:t>
+            </a:r>
+            <a:endParaRPr lang="en-US" dirty="0" smtClean="0">
+              <a:solidFill>
+                <a:schemeClr val="tx1"/>
+              </a:solidFill>
+              <a:latin typeface="Helvetica" charset="0"/>
+              <a:ea typeface="Helvetica" charset="0"/>
+              <a:cs typeface="Helvetica" charset="0"/>
+            </a:endParaRPr>
+          </a:p>
+          <a:p>
+            <a:pPr lvl="1"/>
+            <a:r>
+              <a:rPr lang="en-US" dirty="0" err="1" smtClean="0">
+                <a:solidFill>
+                  <a:schemeClr val="tx1"/>
+                </a:solidFill>
+                <a:latin typeface="Helvetica" charset="0"/>
+                <a:ea typeface="Helvetica" charset="0"/>
+                <a:cs typeface="Helvetica" charset="0"/>
+              </a:rPr>
+              <a:t>Desvio</a:t>
+            </a:r>
+            <a:r>
+              <a:rPr lang="en-US" dirty="0" smtClean="0">
+                <a:solidFill>
+                  <a:schemeClr val="tx1"/>
+                </a:solidFill>
+                <a:latin typeface="Helvetica" charset="0"/>
+                <a:ea typeface="Helvetica" charset="0"/>
+                <a:cs typeface="Helvetica" charset="0"/>
+              </a:rPr>
+              <a:t> </a:t>
+            </a:r>
+            <a:r>
+              <a:rPr lang="en-US" dirty="0" err="1" smtClean="0">
+                <a:solidFill>
+                  <a:schemeClr val="tx1"/>
+                </a:solidFill>
+                <a:latin typeface="Helvetica" charset="0"/>
+                <a:ea typeface="Helvetica" charset="0"/>
+                <a:cs typeface="Helvetica" charset="0"/>
+              </a:rPr>
+              <a:t>padrão</a:t>
+            </a:r>
+            <a:endParaRPr lang="en-US" dirty="0" smtClean="0">
+              <a:solidFill>
+                <a:schemeClr val="tx1"/>
+              </a:solidFill>
+              <a:latin typeface="Helvetica" charset="0"/>
+              <a:ea typeface="Helvetica" charset="0"/>
+              <a:cs typeface="Helvetica" charset="0"/>
+            </a:endParaRPr>
+          </a:p>
+          <a:p>
+            <a:endParaRPr lang="en-US" dirty="0" smtClean="0">
+              <a:solidFill>
+                <a:schemeClr val="tx1"/>
+              </a:solidFill>
+              <a:latin typeface="Helvetica" charset="0"/>
+              <a:ea typeface="Helvetica" charset="0"/>
+              <a:cs typeface="Helvetica" charset="0"/>
+            </a:endParaRPr>
+          </a:p>
+          <a:p>
+            <a:r>
+              <a:rPr lang="en-US" dirty="0" err="1" smtClean="0">
+                <a:solidFill>
+                  <a:schemeClr val="tx1"/>
+                </a:solidFill>
+                <a:latin typeface="Helvetica" charset="0"/>
+                <a:ea typeface="Helvetica" charset="0"/>
+                <a:cs typeface="Helvetica" charset="0"/>
+              </a:rPr>
+              <a:t>Tanto</a:t>
+            </a:r>
+            <a:r>
+              <a:rPr lang="en-US" dirty="0" smtClean="0">
+                <a:solidFill>
+                  <a:schemeClr val="tx1"/>
+                </a:solidFill>
+                <a:latin typeface="Helvetica" charset="0"/>
+                <a:ea typeface="Helvetica" charset="0"/>
+                <a:cs typeface="Helvetica" charset="0"/>
+              </a:rPr>
+              <a:t> para AG (</a:t>
+            </a:r>
+            <a:r>
+              <a:rPr lang="en-US" dirty="0" err="1" smtClean="0">
+                <a:solidFill>
+                  <a:schemeClr val="tx1"/>
+                </a:solidFill>
+                <a:latin typeface="Helvetica" charset="0"/>
+                <a:ea typeface="Helvetica" charset="0"/>
+                <a:cs typeface="Helvetica" charset="0"/>
+              </a:rPr>
+              <a:t>estático</a:t>
+            </a:r>
+            <a:r>
+              <a:rPr lang="en-US" dirty="0" smtClean="0">
+                <a:solidFill>
+                  <a:schemeClr val="tx1"/>
+                </a:solidFill>
+                <a:latin typeface="Helvetica" charset="0"/>
+                <a:ea typeface="Helvetica" charset="0"/>
+                <a:cs typeface="Helvetica" charset="0"/>
+              </a:rPr>
+              <a:t>) </a:t>
+            </a:r>
+            <a:r>
+              <a:rPr lang="en-US" dirty="0" err="1" smtClean="0">
+                <a:solidFill>
+                  <a:schemeClr val="tx1"/>
+                </a:solidFill>
+                <a:latin typeface="Helvetica" charset="0"/>
+                <a:ea typeface="Helvetica" charset="0"/>
+                <a:cs typeface="Helvetica" charset="0"/>
+              </a:rPr>
+              <a:t>quanto</a:t>
+            </a:r>
+            <a:r>
+              <a:rPr lang="en-US" dirty="0" smtClean="0">
+                <a:solidFill>
+                  <a:schemeClr val="tx1"/>
+                </a:solidFill>
+                <a:latin typeface="Helvetica" charset="0"/>
+                <a:ea typeface="Helvetica" charset="0"/>
+                <a:cs typeface="Helvetica" charset="0"/>
+              </a:rPr>
+              <a:t> para AGA</a:t>
+            </a:r>
+            <a:endParaRPr lang="en-US" dirty="0" smtClean="0">
+              <a:solidFill>
+                <a:schemeClr val="tx1"/>
+              </a:solidFill>
+              <a:latin typeface="Helvetica" charset="0"/>
+              <a:ea typeface="Helvetica" charset="0"/>
+              <a:cs typeface="Helvetica" charset="0"/>
+            </a:endParaRPr>
+          </a:p>
+        </p:txBody>
+      </p:sp>
+      <p:sp>
+        <p:nvSpPr>
+          <p:cNvPr id="5" name="Slide Number Placeholder 4"/>
+          <p:cNvSpPr>
+            <a:spLocks noGrp="1"/>
+          </p:cNvSpPr>
+          <p:nvPr>
+            <p:ph type="sldNum" sz="quarter" idx="12"/>
+          </p:nvPr>
+        </p:nvSpPr>
+        <p:spPr/>
+        <p:txBody>
+          <a:bodyPr/>
+          <a:lstStyle/>
+          <a:p>
+            <a:fld id="{55774153-6BEA-8641-B7A1-86CE42693FE2}" type="slidenum">
+              <a:rPr lang="en-US" smtClean="0"/>
+              <a:t>32</a:t>
+            </a:fld>
+            <a:endParaRPr lang="en-US"/>
+          </a:p>
+        </p:txBody>
+      </p:sp>
+    </p:spTree>
+    <p:extLst>
+      <p:ext uri="{BB962C8B-B14F-4D97-AF65-F5344CB8AC3E}">
+        <p14:creationId xmlns:p14="http://schemas.microsoft.com/office/powerpoint/2010/main" val="871904633"/>
+      </p:ext>
+    </p:extLst>
+  </p:cSld>
+  <p:clrMapOvr>
+    <a:masterClrMapping/>
+  </p:clrMapOvr>
+  <p:timing>
+    <p:tnLst>
+      <p:par>
+        <p:cTn id="1" dur="indefinite" restart="never" nodeType="tmRoot"/>
+      </p:par>
+    </p:tnLst>
+  </p:timing>
+</p:sld>
+</file>
+
+<file path=ppt/slides/slide34.xml><?xml version="1.0" encoding="utf-8"?>
+<p:sld xmlns:a="http://schemas.openxmlformats.org/drawingml/2006/main" xmlns:r="http://schemas.openxmlformats.org/officeDocument/2006/relationships" xmlns:p="http://schemas.openxmlformats.org/presentationml/2006/main">
+  <p:cSld>
+    <p:spTree>
+      <p:nvGrpSpPr>
+        <p:cNvPr id="1" name=""/>
+        <p:cNvGrpSpPr/>
+        <p:nvPr/>
+      </p:nvGrpSpPr>
+      <p:grpSpPr>
+        <a:xfrm>
+          <a:off x="0" y="0"/>
+          <a:ext cx="0" cy="0"/>
+          <a:chOff x="0" y="0"/>
+          <a:chExt cx="0" cy="0"/>
+        </a:xfrm>
+      </p:grpSpPr>
+      <p:sp>
+        <p:nvSpPr>
+          <p:cNvPr id="2" name="Title 1"/>
+          <p:cNvSpPr>
+            <a:spLocks noGrp="1"/>
+          </p:cNvSpPr>
+          <p:nvPr>
+            <p:ph type="title"/>
+          </p:nvPr>
+        </p:nvSpPr>
+        <p:spPr/>
+        <p:txBody>
+          <a:bodyPr/>
+          <a:lstStyle/>
+          <a:p>
+            <a:r>
+              <a:rPr lang="en-US" b="1" dirty="0" err="1" smtClean="0">
+                <a:latin typeface="Helvetica" charset="0"/>
+                <a:ea typeface="Helvetica" charset="0"/>
+                <a:cs typeface="Helvetica" charset="0"/>
+              </a:rPr>
+              <a:t>Conclus</a:t>
+            </a:r>
+            <a:r>
+              <a:rPr lang="en-US" b="1" dirty="0" smtClean="0">
+                <a:latin typeface="Helvetica" charset="0"/>
+                <a:ea typeface="Helvetica" charset="0"/>
+                <a:cs typeface="Helvetica" charset="0"/>
+              </a:rPr>
+              <a:t>	</a:t>
+            </a:r>
+            <a:r>
+              <a:rPr lang="en-US" b="1" dirty="0" err="1" smtClean="0">
+                <a:latin typeface="Helvetica" charset="0"/>
+                <a:ea typeface="Helvetica" charset="0"/>
+                <a:cs typeface="Helvetica" charset="0"/>
+              </a:rPr>
+              <a:t>ões</a:t>
+            </a:r>
+            <a:endParaRPr lang="en-US" sz="2800" b="1" dirty="0">
+              <a:latin typeface="Helvetica" charset="0"/>
+              <a:ea typeface="Helvetica" charset="0"/>
+              <a:cs typeface="Helvetica" charset="0"/>
+            </a:endParaRPr>
+          </a:p>
+        </p:txBody>
+      </p:sp>
+      <p:sp>
+        <p:nvSpPr>
+          <p:cNvPr id="3" name="Content Placeholder 2"/>
+          <p:cNvSpPr>
+            <a:spLocks noGrp="1"/>
+          </p:cNvSpPr>
+          <p:nvPr>
+            <p:ph idx="1"/>
+          </p:nvPr>
+        </p:nvSpPr>
+        <p:spPr>
+          <a:xfrm>
+            <a:off x="1154954" y="2603500"/>
+            <a:ext cx="9647158" cy="4126484"/>
+          </a:xfrm>
+        </p:spPr>
+        <p:txBody>
+          <a:bodyPr>
+            <a:normAutofit/>
+          </a:bodyPr>
+          <a:lstStyle/>
+          <a:p>
+            <a:r>
+              <a:rPr lang="en-US" dirty="0" err="1">
+                <a:solidFill>
+                  <a:schemeClr val="tx1"/>
+                </a:solidFill>
+                <a:latin typeface="Helvetica" charset="0"/>
+                <a:ea typeface="Helvetica" charset="0"/>
+                <a:cs typeface="Helvetica" charset="0"/>
+              </a:rPr>
+              <a:t>T</a:t>
+            </a:r>
+            <a:r>
+              <a:rPr lang="en-US" dirty="0" err="1" smtClean="0">
+                <a:solidFill>
+                  <a:schemeClr val="tx1"/>
+                </a:solidFill>
+                <a:latin typeface="Helvetica" charset="0"/>
+                <a:ea typeface="Helvetica" charset="0"/>
+                <a:cs typeface="Helvetica" charset="0"/>
+              </a:rPr>
+              <a:t>exto</a:t>
+            </a:r>
+            <a:r>
+              <a:rPr lang="en-US" dirty="0" smtClean="0">
+                <a:solidFill>
+                  <a:schemeClr val="tx1"/>
+                </a:solidFill>
+                <a:latin typeface="Helvetica" charset="0"/>
+                <a:ea typeface="Helvetica" charset="0"/>
+                <a:cs typeface="Helvetica" charset="0"/>
+              </a:rPr>
+              <a:t> </a:t>
+            </a:r>
+            <a:r>
+              <a:rPr lang="en-US" dirty="0" err="1" smtClean="0">
+                <a:solidFill>
+                  <a:schemeClr val="tx1"/>
+                </a:solidFill>
+                <a:latin typeface="Helvetica" charset="0"/>
+                <a:ea typeface="Helvetica" charset="0"/>
+                <a:cs typeface="Helvetica" charset="0"/>
+              </a:rPr>
+              <a:t>aqui</a:t>
+            </a:r>
+            <a:endParaRPr lang="en-US" i="1" baseline="-25000" dirty="0" smtClean="0">
+              <a:solidFill>
+                <a:schemeClr val="tx1"/>
+              </a:solidFill>
+              <a:latin typeface="Helvetica" charset="0"/>
+              <a:ea typeface="Helvetica" charset="0"/>
+              <a:cs typeface="Helvetica" charset="0"/>
+            </a:endParaRPr>
+          </a:p>
+        </p:txBody>
+      </p:sp>
+      <p:sp>
+        <p:nvSpPr>
+          <p:cNvPr id="5" name="Slide Number Placeholder 4"/>
+          <p:cNvSpPr>
+            <a:spLocks noGrp="1"/>
+          </p:cNvSpPr>
+          <p:nvPr>
+            <p:ph type="sldNum" sz="quarter" idx="12"/>
+          </p:nvPr>
+        </p:nvSpPr>
+        <p:spPr/>
+        <p:txBody>
+          <a:bodyPr/>
+          <a:lstStyle/>
+          <a:p>
+            <a:fld id="{55774153-6BEA-8641-B7A1-86CE42693FE2}" type="slidenum">
+              <a:rPr lang="en-US" smtClean="0"/>
+              <a:t>33</a:t>
+            </a:fld>
+            <a:endParaRPr lang="en-US"/>
+          </a:p>
+        </p:txBody>
+      </p:sp>
+    </p:spTree>
+    <p:extLst>
+      <p:ext uri="{BB962C8B-B14F-4D97-AF65-F5344CB8AC3E}">
+        <p14:creationId xmlns:p14="http://schemas.microsoft.com/office/powerpoint/2010/main" val="572532751"/>
+      </p:ext>
+    </p:extLst>
+  </p:cSld>
+  <p:clrMapOvr>
+    <a:masterClrMapping/>
+  </p:clrMapOvr>
+  <p:timing>
+    <p:tnLst>
+      <p:par>
+        <p:cTn id="1" dur="indefinite" restart="never" nodeType="tmRoot"/>
+      </p:par>
+    </p:tnLst>
+  </p:timing>
+</p:sld>
+</file>
+
+<file path=ppt/slides/slide35.xml><?xml version="1.0" encoding="utf-8"?>
+<p:sld xmlns:a="http://schemas.openxmlformats.org/drawingml/2006/main" xmlns:r="http://schemas.openxmlformats.org/officeDocument/2006/relationships" xmlns:p="http://schemas.openxmlformats.org/presentationml/2006/main">
+  <p:cSld>
+    <p:spTree>
+      <p:nvGrpSpPr>
+        <p:cNvPr id="1" name=""/>
+        <p:cNvGrpSpPr/>
+        <p:nvPr/>
+      </p:nvGrpSpPr>
+      <p:grpSpPr>
+        <a:xfrm>
+          <a:off x="0" y="0"/>
+          <a:ext cx="0" cy="0"/>
+          <a:chOff x="0" y="0"/>
+          <a:chExt cx="0" cy="0"/>
+        </a:xfrm>
+      </p:grpSpPr>
+      <p:sp>
+        <p:nvSpPr>
+          <p:cNvPr id="2" name="Title 1"/>
+          <p:cNvSpPr>
+            <a:spLocks noGrp="1"/>
+          </p:cNvSpPr>
+          <p:nvPr>
+            <p:ph type="title"/>
+          </p:nvPr>
+        </p:nvSpPr>
+        <p:spPr/>
+        <p:txBody>
+          <a:bodyPr/>
+          <a:lstStyle/>
+          <a:p>
+            <a:r>
+              <a:rPr lang="en-US" b="1" dirty="0" err="1" smtClean="0">
+                <a:latin typeface="Helvetica" charset="0"/>
+                <a:ea typeface="Helvetica" charset="0"/>
+                <a:cs typeface="Helvetica" charset="0"/>
+              </a:rPr>
+              <a:t>Trabalhos</a:t>
+            </a:r>
+            <a:r>
+              <a:rPr lang="en-US" b="1" dirty="0" smtClean="0">
+                <a:latin typeface="Helvetica" charset="0"/>
+                <a:ea typeface="Helvetica" charset="0"/>
+                <a:cs typeface="Helvetica" charset="0"/>
+              </a:rPr>
+              <a:t> </a:t>
+            </a:r>
+            <a:r>
+              <a:rPr lang="en-US" b="1" dirty="0" err="1" smtClean="0">
+                <a:latin typeface="Helvetica" charset="0"/>
+                <a:ea typeface="Helvetica" charset="0"/>
+                <a:cs typeface="Helvetica" charset="0"/>
+              </a:rPr>
+              <a:t>Futuros</a:t>
+            </a:r>
+            <a:endParaRPr lang="en-US" sz="2800" b="1" dirty="0">
+              <a:latin typeface="Helvetica" charset="0"/>
+              <a:ea typeface="Helvetica" charset="0"/>
+              <a:cs typeface="Helvetica" charset="0"/>
+            </a:endParaRPr>
+          </a:p>
+        </p:txBody>
+      </p:sp>
+      <p:sp>
+        <p:nvSpPr>
+          <p:cNvPr id="3" name="Content Placeholder 2"/>
+          <p:cNvSpPr>
+            <a:spLocks noGrp="1"/>
+          </p:cNvSpPr>
+          <p:nvPr>
+            <p:ph idx="1"/>
+          </p:nvPr>
+        </p:nvSpPr>
+        <p:spPr>
+          <a:xfrm>
+            <a:off x="1154954" y="2603500"/>
+            <a:ext cx="9647158" cy="4126484"/>
+          </a:xfrm>
+        </p:spPr>
+        <p:txBody>
+          <a:bodyPr>
+            <a:normAutofit/>
+          </a:bodyPr>
+          <a:lstStyle/>
+          <a:p>
+            <a:r>
+              <a:rPr lang="en-US" dirty="0" err="1" smtClean="0">
+                <a:solidFill>
+                  <a:schemeClr val="tx1"/>
+                </a:solidFill>
+                <a:latin typeface="Helvetica" charset="0"/>
+                <a:ea typeface="Helvetica" charset="0"/>
+                <a:cs typeface="Helvetica" charset="0"/>
+              </a:rPr>
+              <a:t>An</a:t>
+            </a:r>
+            <a:r>
+              <a:rPr lang="en-US" dirty="0" err="1" smtClean="0">
+                <a:solidFill>
+                  <a:schemeClr val="tx1"/>
+                </a:solidFill>
+                <a:latin typeface="Helvetica" charset="0"/>
+                <a:ea typeface="Helvetica" charset="0"/>
+                <a:cs typeface="Helvetica" charset="0"/>
+              </a:rPr>
+              <a:t>álise</a:t>
+            </a:r>
+            <a:r>
+              <a:rPr lang="en-US" dirty="0" smtClean="0">
+                <a:solidFill>
+                  <a:schemeClr val="tx1"/>
+                </a:solidFill>
+                <a:latin typeface="Helvetica" charset="0"/>
+                <a:ea typeface="Helvetica" charset="0"/>
+                <a:cs typeface="Helvetica" charset="0"/>
+              </a:rPr>
+              <a:t> </a:t>
+            </a:r>
+            <a:r>
+              <a:rPr lang="en-US" dirty="0" err="1" smtClean="0">
+                <a:solidFill>
+                  <a:schemeClr val="tx1"/>
+                </a:solidFill>
+                <a:latin typeface="Helvetica" charset="0"/>
+                <a:ea typeface="Helvetica" charset="0"/>
+                <a:cs typeface="Helvetica" charset="0"/>
+              </a:rPr>
+              <a:t>mais</a:t>
+            </a:r>
+            <a:r>
+              <a:rPr lang="en-US" dirty="0" smtClean="0">
+                <a:solidFill>
+                  <a:schemeClr val="tx1"/>
+                </a:solidFill>
+                <a:latin typeface="Helvetica" charset="0"/>
+                <a:ea typeface="Helvetica" charset="0"/>
+                <a:cs typeface="Helvetica" charset="0"/>
+              </a:rPr>
+              <a:t> </a:t>
+            </a:r>
+            <a:r>
+              <a:rPr lang="en-US" dirty="0" err="1" smtClean="0">
+                <a:solidFill>
+                  <a:schemeClr val="tx1"/>
+                </a:solidFill>
+                <a:latin typeface="Helvetica" charset="0"/>
+                <a:ea typeface="Helvetica" charset="0"/>
+                <a:cs typeface="Helvetica" charset="0"/>
+              </a:rPr>
+              <a:t>detalhada</a:t>
+            </a:r>
+            <a:r>
+              <a:rPr lang="en-US" dirty="0" smtClean="0">
+                <a:solidFill>
+                  <a:schemeClr val="tx1"/>
+                </a:solidFill>
+                <a:latin typeface="Helvetica" charset="0"/>
+                <a:ea typeface="Helvetica" charset="0"/>
+                <a:cs typeface="Helvetica" charset="0"/>
+              </a:rPr>
+              <a:t> do </a:t>
+            </a:r>
+            <a:r>
+              <a:rPr lang="en-US" dirty="0" err="1" smtClean="0">
+                <a:solidFill>
+                  <a:schemeClr val="tx1"/>
+                </a:solidFill>
+                <a:latin typeface="Helvetica" charset="0"/>
+                <a:ea typeface="Helvetica" charset="0"/>
+                <a:cs typeface="Helvetica" charset="0"/>
+              </a:rPr>
+              <a:t>problema</a:t>
+            </a:r>
+            <a:r>
+              <a:rPr lang="en-US" dirty="0" smtClean="0">
+                <a:solidFill>
+                  <a:schemeClr val="tx1"/>
+                </a:solidFill>
+                <a:latin typeface="Helvetica" charset="0"/>
+                <a:ea typeface="Helvetica" charset="0"/>
+                <a:cs typeface="Helvetica" charset="0"/>
+              </a:rPr>
+              <a:t> do </a:t>
+            </a:r>
+            <a:r>
+              <a:rPr lang="en-US" dirty="0" err="1" smtClean="0">
+                <a:solidFill>
+                  <a:schemeClr val="tx1"/>
+                </a:solidFill>
+                <a:latin typeface="Helvetica" charset="0"/>
+                <a:ea typeface="Helvetica" charset="0"/>
+                <a:cs typeface="Helvetica" charset="0"/>
+              </a:rPr>
+              <a:t>OneMax</a:t>
+            </a:r>
+            <a:r>
+              <a:rPr lang="en-US" dirty="0" smtClean="0">
+                <a:solidFill>
+                  <a:schemeClr val="tx1"/>
+                </a:solidFill>
+                <a:latin typeface="Helvetica" charset="0"/>
+                <a:ea typeface="Helvetica" charset="0"/>
+                <a:cs typeface="Helvetica" charset="0"/>
+              </a:rPr>
+              <a:t> Real (</a:t>
+            </a:r>
+            <a:r>
+              <a:rPr lang="en-US" dirty="0" err="1" smtClean="0">
+                <a:solidFill>
+                  <a:schemeClr val="tx1"/>
+                </a:solidFill>
+                <a:latin typeface="Helvetica" charset="0"/>
+                <a:ea typeface="Helvetica" charset="0"/>
+                <a:cs typeface="Helvetica" charset="0"/>
+              </a:rPr>
+              <a:t>interpretação</a:t>
+            </a:r>
+            <a:r>
+              <a:rPr lang="en-US" dirty="0" smtClean="0">
+                <a:solidFill>
+                  <a:schemeClr val="tx1"/>
+                </a:solidFill>
+                <a:latin typeface="Helvetica" charset="0"/>
+                <a:ea typeface="Helvetica" charset="0"/>
+                <a:cs typeface="Helvetica" charset="0"/>
+              </a:rPr>
+              <a:t> </a:t>
+            </a:r>
+            <a:r>
+              <a:rPr lang="en-US" dirty="0" err="1" smtClean="0">
+                <a:solidFill>
+                  <a:schemeClr val="tx1"/>
+                </a:solidFill>
+                <a:latin typeface="Helvetica" charset="0"/>
+                <a:ea typeface="Helvetica" charset="0"/>
+                <a:cs typeface="Helvetica" charset="0"/>
+              </a:rPr>
+              <a:t>matemática</a:t>
+            </a:r>
+            <a:r>
+              <a:rPr lang="en-US" dirty="0" smtClean="0">
+                <a:solidFill>
+                  <a:schemeClr val="tx1"/>
+                </a:solidFill>
+                <a:latin typeface="Helvetica" charset="0"/>
+                <a:ea typeface="Helvetica" charset="0"/>
+                <a:cs typeface="Helvetica" charset="0"/>
+              </a:rPr>
+              <a:t>)</a:t>
+            </a:r>
+            <a:endParaRPr lang="en-US" i="1" baseline="-25000" dirty="0">
+              <a:solidFill>
+                <a:schemeClr val="tx1"/>
+              </a:solidFill>
+              <a:latin typeface="Helvetica" charset="0"/>
+              <a:ea typeface="Helvetica" charset="0"/>
+              <a:cs typeface="Helvetica" charset="0"/>
+            </a:endParaRPr>
+          </a:p>
+          <a:p>
+            <a:r>
+              <a:rPr lang="en-US" dirty="0" err="1" smtClean="0">
+                <a:solidFill>
+                  <a:schemeClr val="tx1"/>
+                </a:solidFill>
+                <a:latin typeface="Helvetica" charset="0"/>
+                <a:ea typeface="Helvetica" charset="0"/>
+                <a:cs typeface="Helvetica" charset="0"/>
+              </a:rPr>
+              <a:t>Comparação</a:t>
+            </a:r>
+            <a:r>
+              <a:rPr lang="en-US" dirty="0" smtClean="0">
+                <a:solidFill>
+                  <a:schemeClr val="tx1"/>
+                </a:solidFill>
+                <a:latin typeface="Helvetica" charset="0"/>
+                <a:ea typeface="Helvetica" charset="0"/>
+                <a:cs typeface="Helvetica" charset="0"/>
+              </a:rPr>
+              <a:t> do </a:t>
+            </a:r>
+            <a:r>
+              <a:rPr lang="en-US" dirty="0" err="1" smtClean="0">
+                <a:solidFill>
+                  <a:schemeClr val="tx1"/>
+                </a:solidFill>
+                <a:latin typeface="Helvetica" charset="0"/>
+                <a:ea typeface="Helvetica" charset="0"/>
+                <a:cs typeface="Helvetica" charset="0"/>
+              </a:rPr>
+              <a:t>problema</a:t>
+            </a:r>
+            <a:r>
+              <a:rPr lang="en-US" dirty="0" smtClean="0">
+                <a:solidFill>
+                  <a:schemeClr val="tx1"/>
+                </a:solidFill>
+                <a:latin typeface="Helvetica" charset="0"/>
+                <a:ea typeface="Helvetica" charset="0"/>
+                <a:cs typeface="Helvetica" charset="0"/>
+              </a:rPr>
+              <a:t> do </a:t>
+            </a:r>
+            <a:r>
+              <a:rPr lang="en-US" dirty="0" err="1" smtClean="0">
+                <a:solidFill>
+                  <a:schemeClr val="tx1"/>
+                </a:solidFill>
+                <a:latin typeface="Helvetica" charset="0"/>
+                <a:ea typeface="Helvetica" charset="0"/>
+                <a:cs typeface="Helvetica" charset="0"/>
+              </a:rPr>
+              <a:t>Caixeiro</a:t>
+            </a:r>
+            <a:r>
+              <a:rPr lang="en-US" dirty="0" smtClean="0">
+                <a:solidFill>
+                  <a:schemeClr val="tx1"/>
+                </a:solidFill>
+                <a:latin typeface="Helvetica" charset="0"/>
+                <a:ea typeface="Helvetica" charset="0"/>
+                <a:cs typeface="Helvetica" charset="0"/>
+              </a:rPr>
+              <a:t> </a:t>
+            </a:r>
+            <a:r>
+              <a:rPr lang="en-US" dirty="0" err="1" smtClean="0">
+                <a:solidFill>
+                  <a:schemeClr val="tx1"/>
+                </a:solidFill>
+                <a:latin typeface="Helvetica" charset="0"/>
+                <a:ea typeface="Helvetica" charset="0"/>
+                <a:cs typeface="Helvetica" charset="0"/>
+              </a:rPr>
+              <a:t>Viajante</a:t>
+            </a:r>
+            <a:r>
+              <a:rPr lang="en-US" dirty="0" smtClean="0">
+                <a:solidFill>
+                  <a:schemeClr val="tx1"/>
+                </a:solidFill>
+                <a:latin typeface="Helvetica" charset="0"/>
+                <a:ea typeface="Helvetica" charset="0"/>
+                <a:cs typeface="Helvetica" charset="0"/>
+              </a:rPr>
+              <a:t> c/genes </a:t>
+            </a:r>
+            <a:r>
+              <a:rPr lang="en-US" dirty="0" err="1" smtClean="0">
+                <a:solidFill>
+                  <a:schemeClr val="tx1"/>
+                </a:solidFill>
+                <a:latin typeface="Helvetica" charset="0"/>
+                <a:ea typeface="Helvetica" charset="0"/>
+                <a:cs typeface="Helvetica" charset="0"/>
+              </a:rPr>
+              <a:t>deste</a:t>
+            </a:r>
+            <a:r>
+              <a:rPr lang="en-US" dirty="0" smtClean="0">
+                <a:solidFill>
+                  <a:schemeClr val="tx1"/>
+                </a:solidFill>
+                <a:latin typeface="Helvetica" charset="0"/>
+                <a:ea typeface="Helvetica" charset="0"/>
+                <a:cs typeface="Helvetica" charset="0"/>
+              </a:rPr>
+              <a:t> </a:t>
+            </a:r>
+            <a:r>
+              <a:rPr lang="en-US" dirty="0" err="1" smtClean="0">
+                <a:solidFill>
+                  <a:schemeClr val="tx1"/>
+                </a:solidFill>
+                <a:latin typeface="Helvetica" charset="0"/>
+                <a:ea typeface="Helvetica" charset="0"/>
+                <a:cs typeface="Helvetica" charset="0"/>
+              </a:rPr>
+              <a:t>trabalho</a:t>
+            </a:r>
+            <a:endParaRPr lang="en-US" dirty="0" smtClean="0">
+              <a:solidFill>
+                <a:schemeClr val="tx1"/>
+              </a:solidFill>
+              <a:latin typeface="Helvetica" charset="0"/>
+              <a:ea typeface="Helvetica" charset="0"/>
+              <a:cs typeface="Helvetica" charset="0"/>
+            </a:endParaRPr>
+          </a:p>
+          <a:p>
+            <a:r>
+              <a:rPr lang="en-US" dirty="0" err="1" smtClean="0">
+                <a:solidFill>
+                  <a:schemeClr val="tx1"/>
+                </a:solidFill>
+                <a:latin typeface="Helvetica" charset="0"/>
+                <a:ea typeface="Helvetica" charset="0"/>
+                <a:cs typeface="Helvetica" charset="0"/>
+              </a:rPr>
+              <a:t>Evoluir</a:t>
+            </a:r>
+            <a:r>
+              <a:rPr lang="en-US" dirty="0" smtClean="0">
+                <a:solidFill>
+                  <a:schemeClr val="tx1"/>
+                </a:solidFill>
+                <a:latin typeface="Helvetica" charset="0"/>
+                <a:ea typeface="Helvetica" charset="0"/>
+                <a:cs typeface="Helvetica" charset="0"/>
+              </a:rPr>
+              <a:t> </a:t>
+            </a:r>
+            <a:r>
+              <a:rPr lang="en-US" dirty="0" err="1" smtClean="0">
+                <a:solidFill>
+                  <a:schemeClr val="tx1"/>
+                </a:solidFill>
+                <a:latin typeface="Helvetica" charset="0"/>
+                <a:ea typeface="Helvetica" charset="0"/>
+                <a:cs typeface="Helvetica" charset="0"/>
+              </a:rPr>
+              <a:t>os</a:t>
+            </a:r>
+            <a:r>
+              <a:rPr lang="en-US" dirty="0" smtClean="0">
+                <a:solidFill>
+                  <a:schemeClr val="tx1"/>
+                </a:solidFill>
+                <a:latin typeface="Helvetica" charset="0"/>
+                <a:ea typeface="Helvetica" charset="0"/>
+                <a:cs typeface="Helvetica" charset="0"/>
+              </a:rPr>
+              <a:t> </a:t>
+            </a:r>
+            <a:r>
+              <a:rPr lang="en-US" dirty="0" err="1" smtClean="0">
+                <a:solidFill>
+                  <a:schemeClr val="tx1"/>
+                </a:solidFill>
+                <a:latin typeface="Helvetica" charset="0"/>
+                <a:ea typeface="Helvetica" charset="0"/>
+                <a:cs typeface="Helvetica" charset="0"/>
+              </a:rPr>
+              <a:t>conceitos</a:t>
+            </a:r>
+            <a:r>
+              <a:rPr lang="en-US" dirty="0" smtClean="0">
+                <a:solidFill>
+                  <a:schemeClr val="tx1"/>
+                </a:solidFill>
+                <a:latin typeface="Helvetica" charset="0"/>
+                <a:ea typeface="Helvetica" charset="0"/>
+                <a:cs typeface="Helvetica" charset="0"/>
+              </a:rPr>
+              <a:t> </a:t>
+            </a:r>
+            <a:r>
+              <a:rPr lang="en-US" dirty="0" err="1" smtClean="0">
+                <a:solidFill>
+                  <a:schemeClr val="tx1"/>
+                </a:solidFill>
+                <a:latin typeface="Helvetica" charset="0"/>
+                <a:ea typeface="Helvetica" charset="0"/>
+                <a:cs typeface="Helvetica" charset="0"/>
+              </a:rPr>
+              <a:t>por</a:t>
+            </a:r>
+            <a:r>
+              <a:rPr lang="en-US" dirty="0" smtClean="0">
+                <a:solidFill>
+                  <a:schemeClr val="tx1"/>
+                </a:solidFill>
+                <a:latin typeface="Helvetica" charset="0"/>
+                <a:ea typeface="Helvetica" charset="0"/>
+                <a:cs typeface="Helvetica" charset="0"/>
+              </a:rPr>
+              <a:t> </a:t>
+            </a:r>
+            <a:r>
+              <a:rPr lang="en-US" dirty="0" err="1" smtClean="0">
+                <a:solidFill>
+                  <a:schemeClr val="tx1"/>
+                </a:solidFill>
+                <a:latin typeface="Helvetica" charset="0"/>
+                <a:ea typeface="Helvetica" charset="0"/>
+                <a:cs typeface="Helvetica" charset="0"/>
+              </a:rPr>
+              <a:t>trás</a:t>
+            </a:r>
+            <a:r>
+              <a:rPr lang="en-US" dirty="0" smtClean="0">
+                <a:solidFill>
+                  <a:schemeClr val="tx1"/>
+                </a:solidFill>
+                <a:latin typeface="Helvetica" charset="0"/>
+                <a:ea typeface="Helvetica" charset="0"/>
+                <a:cs typeface="Helvetica" charset="0"/>
+              </a:rPr>
+              <a:t> do AGA e </a:t>
+            </a:r>
+            <a:r>
+              <a:rPr lang="en-US" dirty="0" err="1" smtClean="0">
+                <a:solidFill>
+                  <a:schemeClr val="tx1"/>
+                </a:solidFill>
+                <a:latin typeface="Helvetica" charset="0"/>
+                <a:ea typeface="Helvetica" charset="0"/>
+                <a:cs typeface="Helvetica" charset="0"/>
+              </a:rPr>
+              <a:t>melhorá</a:t>
+            </a:r>
+            <a:r>
+              <a:rPr lang="en-US" dirty="0" smtClean="0">
+                <a:solidFill>
+                  <a:schemeClr val="tx1"/>
+                </a:solidFill>
+                <a:latin typeface="Helvetica" charset="0"/>
+                <a:ea typeface="Helvetica" charset="0"/>
+                <a:cs typeface="Helvetica" charset="0"/>
+              </a:rPr>
+              <a:t>-lo</a:t>
+            </a:r>
+          </a:p>
+          <a:p>
+            <a:r>
+              <a:rPr lang="en-US" dirty="0" err="1" smtClean="0">
+                <a:solidFill>
+                  <a:schemeClr val="tx1"/>
+                </a:solidFill>
+                <a:latin typeface="Helvetica" charset="0"/>
+                <a:ea typeface="Helvetica" charset="0"/>
+                <a:cs typeface="Helvetica" charset="0"/>
+              </a:rPr>
+              <a:t>Testar</a:t>
+            </a:r>
+            <a:r>
+              <a:rPr lang="en-US" dirty="0" smtClean="0">
+                <a:solidFill>
+                  <a:schemeClr val="tx1"/>
+                </a:solidFill>
+                <a:latin typeface="Helvetica" charset="0"/>
+                <a:ea typeface="Helvetica" charset="0"/>
+                <a:cs typeface="Helvetica" charset="0"/>
+              </a:rPr>
+              <a:t> o AGA junto a </a:t>
+            </a:r>
+            <a:r>
+              <a:rPr lang="en-US" dirty="0" err="1" smtClean="0">
+                <a:solidFill>
+                  <a:schemeClr val="tx1"/>
+                </a:solidFill>
+                <a:latin typeface="Helvetica" charset="0"/>
+                <a:ea typeface="Helvetica" charset="0"/>
+                <a:cs typeface="Helvetica" charset="0"/>
+              </a:rPr>
+              <a:t>mais</a:t>
+            </a:r>
+            <a:r>
+              <a:rPr lang="en-US" dirty="0" smtClean="0">
+                <a:solidFill>
+                  <a:schemeClr val="tx1"/>
+                </a:solidFill>
+                <a:latin typeface="Helvetica" charset="0"/>
+                <a:ea typeface="Helvetica" charset="0"/>
+                <a:cs typeface="Helvetica" charset="0"/>
+              </a:rPr>
+              <a:t> </a:t>
+            </a:r>
+            <a:r>
+              <a:rPr lang="en-US" dirty="0" err="1" smtClean="0">
+                <a:solidFill>
+                  <a:schemeClr val="tx1"/>
+                </a:solidFill>
+                <a:latin typeface="Helvetica" charset="0"/>
+                <a:ea typeface="Helvetica" charset="0"/>
+                <a:cs typeface="Helvetica" charset="0"/>
+              </a:rPr>
+              <a:t>problemas</a:t>
+            </a:r>
+            <a:r>
+              <a:rPr lang="en-US" dirty="0" smtClean="0">
+                <a:solidFill>
+                  <a:schemeClr val="tx1"/>
+                </a:solidFill>
+                <a:latin typeface="Helvetica" charset="0"/>
+                <a:ea typeface="Helvetica" charset="0"/>
+                <a:cs typeface="Helvetica" charset="0"/>
+              </a:rPr>
+              <a:t> (</a:t>
+            </a:r>
+            <a:r>
+              <a:rPr lang="en-US" dirty="0" err="1" smtClean="0">
+                <a:solidFill>
+                  <a:schemeClr val="tx1"/>
+                </a:solidFill>
+                <a:latin typeface="Helvetica" charset="0"/>
+                <a:ea typeface="Helvetica" charset="0"/>
+                <a:cs typeface="Helvetica" charset="0"/>
+              </a:rPr>
+              <a:t>verificar</a:t>
+            </a:r>
+            <a:r>
+              <a:rPr lang="en-US" dirty="0" smtClean="0">
+                <a:solidFill>
+                  <a:schemeClr val="tx1"/>
+                </a:solidFill>
+                <a:latin typeface="Helvetica" charset="0"/>
+                <a:ea typeface="Helvetica" charset="0"/>
+                <a:cs typeface="Helvetica" charset="0"/>
+              </a:rPr>
+              <a:t> </a:t>
+            </a:r>
+            <a:r>
+              <a:rPr lang="en-US" dirty="0" err="1" smtClean="0">
+                <a:solidFill>
+                  <a:schemeClr val="tx1"/>
+                </a:solidFill>
+                <a:latin typeface="Helvetica" charset="0"/>
+                <a:ea typeface="Helvetica" charset="0"/>
+                <a:cs typeface="Helvetica" charset="0"/>
+              </a:rPr>
+              <a:t>prós</a:t>
+            </a:r>
+            <a:r>
+              <a:rPr lang="en-US" dirty="0" smtClean="0">
+                <a:solidFill>
+                  <a:schemeClr val="tx1"/>
+                </a:solidFill>
+                <a:latin typeface="Helvetica" charset="0"/>
+                <a:ea typeface="Helvetica" charset="0"/>
+                <a:cs typeface="Helvetica" charset="0"/>
+              </a:rPr>
+              <a:t>/contras/</a:t>
+            </a:r>
+            <a:r>
+              <a:rPr lang="en-US" dirty="0" err="1" smtClean="0">
+                <a:solidFill>
+                  <a:schemeClr val="tx1"/>
+                </a:solidFill>
+                <a:latin typeface="Helvetica" charset="0"/>
+                <a:ea typeface="Helvetica" charset="0"/>
+                <a:cs typeface="Helvetica" charset="0"/>
+              </a:rPr>
+              <a:t>limitações</a:t>
+            </a:r>
+            <a:r>
+              <a:rPr lang="en-US" dirty="0" smtClean="0">
+                <a:solidFill>
+                  <a:schemeClr val="tx1"/>
+                </a:solidFill>
+                <a:latin typeface="Helvetica" charset="0"/>
+                <a:ea typeface="Helvetica" charset="0"/>
+                <a:cs typeface="Helvetica" charset="0"/>
+              </a:rPr>
+              <a:t>)</a:t>
+            </a:r>
+            <a:endParaRPr lang="en-US" dirty="0" smtClean="0">
+              <a:solidFill>
+                <a:schemeClr val="tx1"/>
+              </a:solidFill>
+              <a:latin typeface="Helvetica" charset="0"/>
+              <a:ea typeface="Helvetica" charset="0"/>
+              <a:cs typeface="Helvetica" charset="0"/>
+            </a:endParaRPr>
+          </a:p>
+          <a:p>
+            <a:r>
+              <a:rPr lang="en-US" dirty="0" err="1" smtClean="0">
+                <a:solidFill>
+                  <a:schemeClr val="tx1"/>
+                </a:solidFill>
+                <a:latin typeface="Helvetica" charset="0"/>
+                <a:ea typeface="Helvetica" charset="0"/>
+                <a:cs typeface="Helvetica" charset="0"/>
+              </a:rPr>
+              <a:t>Organização</a:t>
+            </a:r>
+            <a:r>
+              <a:rPr lang="en-US" dirty="0" smtClean="0">
+                <a:solidFill>
+                  <a:schemeClr val="tx1"/>
+                </a:solidFill>
+                <a:latin typeface="Helvetica" charset="0"/>
+                <a:ea typeface="Helvetica" charset="0"/>
+                <a:cs typeface="Helvetica" charset="0"/>
+              </a:rPr>
+              <a:t> do </a:t>
+            </a:r>
+            <a:r>
+              <a:rPr lang="en-US" dirty="0" err="1" smtClean="0">
+                <a:solidFill>
+                  <a:schemeClr val="tx1"/>
+                </a:solidFill>
+                <a:latin typeface="Helvetica" charset="0"/>
+                <a:ea typeface="Helvetica" charset="0"/>
+                <a:cs typeface="Helvetica" charset="0"/>
+              </a:rPr>
+              <a:t>código</a:t>
+            </a:r>
+            <a:r>
+              <a:rPr lang="en-US" dirty="0" smtClean="0">
+                <a:solidFill>
+                  <a:schemeClr val="tx1"/>
+                </a:solidFill>
+                <a:latin typeface="Helvetica" charset="0"/>
+                <a:ea typeface="Helvetica" charset="0"/>
+                <a:cs typeface="Helvetica" charset="0"/>
+              </a:rPr>
+              <a:t> do AG para </a:t>
+            </a:r>
+            <a:r>
+              <a:rPr lang="en-US" dirty="0" err="1" smtClean="0">
+                <a:solidFill>
+                  <a:schemeClr val="tx1"/>
+                </a:solidFill>
+                <a:latin typeface="Helvetica" charset="0"/>
+                <a:ea typeface="Helvetica" charset="0"/>
+                <a:cs typeface="Helvetica" charset="0"/>
+              </a:rPr>
+              <a:t>comportar</a:t>
+            </a:r>
+            <a:r>
+              <a:rPr lang="en-US" dirty="0" smtClean="0">
+                <a:solidFill>
+                  <a:schemeClr val="tx1"/>
+                </a:solidFill>
+                <a:latin typeface="Helvetica" charset="0"/>
+                <a:ea typeface="Helvetica" charset="0"/>
+                <a:cs typeface="Helvetica" charset="0"/>
+              </a:rPr>
+              <a:t> </a:t>
+            </a:r>
+            <a:r>
+              <a:rPr lang="en-US" dirty="0" err="1" smtClean="0">
+                <a:solidFill>
+                  <a:schemeClr val="tx1"/>
+                </a:solidFill>
+                <a:latin typeface="Helvetica" charset="0"/>
+                <a:ea typeface="Helvetica" charset="0"/>
+                <a:cs typeface="Helvetica" charset="0"/>
+              </a:rPr>
+              <a:t>mais</a:t>
+            </a:r>
+            <a:r>
+              <a:rPr lang="en-US" dirty="0" smtClean="0">
+                <a:solidFill>
+                  <a:schemeClr val="tx1"/>
+                </a:solidFill>
+                <a:latin typeface="Helvetica" charset="0"/>
+                <a:ea typeface="Helvetica" charset="0"/>
+                <a:cs typeface="Helvetica" charset="0"/>
+              </a:rPr>
+              <a:t> </a:t>
+            </a:r>
+            <a:r>
+              <a:rPr lang="en-US" dirty="0" err="1" smtClean="0">
+                <a:solidFill>
+                  <a:schemeClr val="tx1"/>
+                </a:solidFill>
+                <a:latin typeface="Helvetica" charset="0"/>
+                <a:ea typeface="Helvetica" charset="0"/>
+                <a:cs typeface="Helvetica" charset="0"/>
+              </a:rPr>
+              <a:t>problemas</a:t>
+            </a:r>
+            <a:r>
+              <a:rPr lang="en-US" dirty="0" smtClean="0">
+                <a:solidFill>
+                  <a:schemeClr val="tx1"/>
+                </a:solidFill>
+                <a:latin typeface="Helvetica" charset="0"/>
+                <a:ea typeface="Helvetica" charset="0"/>
+                <a:cs typeface="Helvetica" charset="0"/>
+              </a:rPr>
+              <a:t> e </a:t>
+            </a:r>
+            <a:r>
+              <a:rPr lang="en-US" dirty="0" err="1" smtClean="0">
+                <a:solidFill>
+                  <a:schemeClr val="tx1"/>
+                </a:solidFill>
+                <a:latin typeface="Helvetica" charset="0"/>
+                <a:ea typeface="Helvetica" charset="0"/>
+                <a:cs typeface="Helvetica" charset="0"/>
+              </a:rPr>
+              <a:t>diferentes</a:t>
+            </a:r>
+            <a:r>
+              <a:rPr lang="en-US" dirty="0" smtClean="0">
+                <a:solidFill>
+                  <a:schemeClr val="tx1"/>
+                </a:solidFill>
+                <a:latin typeface="Helvetica" charset="0"/>
+                <a:ea typeface="Helvetica" charset="0"/>
+                <a:cs typeface="Helvetica" charset="0"/>
+              </a:rPr>
+              <a:t> </a:t>
+            </a:r>
+            <a:r>
+              <a:rPr lang="en-US" dirty="0" err="1" smtClean="0">
+                <a:solidFill>
+                  <a:schemeClr val="tx1"/>
+                </a:solidFill>
+                <a:latin typeface="Helvetica" charset="0"/>
+                <a:ea typeface="Helvetica" charset="0"/>
+                <a:cs typeface="Helvetica" charset="0"/>
+              </a:rPr>
+              <a:t>operadores</a:t>
+            </a:r>
+            <a:endParaRPr lang="en-US" dirty="0" smtClean="0">
+              <a:solidFill>
+                <a:schemeClr val="tx1"/>
+              </a:solidFill>
+              <a:latin typeface="Helvetica" charset="0"/>
+              <a:ea typeface="Helvetica" charset="0"/>
+              <a:cs typeface="Helvetica" charset="0"/>
+            </a:endParaRPr>
+          </a:p>
+        </p:txBody>
+      </p:sp>
+      <p:sp>
+        <p:nvSpPr>
+          <p:cNvPr id="5" name="Slide Number Placeholder 4"/>
+          <p:cNvSpPr>
+            <a:spLocks noGrp="1"/>
+          </p:cNvSpPr>
+          <p:nvPr>
+            <p:ph type="sldNum" sz="quarter" idx="12"/>
+          </p:nvPr>
+        </p:nvSpPr>
+        <p:spPr/>
+        <p:txBody>
+          <a:bodyPr/>
+          <a:lstStyle/>
+          <a:p>
+            <a:fld id="{55774153-6BEA-8641-B7A1-86CE42693FE2}" type="slidenum">
+              <a:rPr lang="en-US" smtClean="0"/>
+              <a:t>34</a:t>
+            </a:fld>
+            <a:endParaRPr lang="en-US"/>
+          </a:p>
+        </p:txBody>
+      </p:sp>
+    </p:spTree>
+    <p:extLst>
+      <p:ext uri="{BB962C8B-B14F-4D97-AF65-F5344CB8AC3E}">
+        <p14:creationId xmlns:p14="http://schemas.microsoft.com/office/powerpoint/2010/main" val="1565898918"/>
+      </p:ext>
+    </p:extLst>
+  </p:cSld>
+  <p:clrMapOvr>
+    <a:masterClrMapping/>
+  </p:clrMapOvr>
+  <p:timing>
+    <p:tnLst>
+      <p:par>
+        <p:cTn id="1" dur="indefinite" restart="never" nodeType="tmRoot"/>
+      </p:par>
+    </p:tnLst>
+  </p:timing>
+</p:sld>
+</file>
+
+<file path=ppt/slides/slide36.xml><?xml version="1.0" encoding="utf-8"?>
+<p:sld xmlns:a="http://schemas.openxmlformats.org/drawingml/2006/main" xmlns:r="http://schemas.openxmlformats.org/officeDocument/2006/relationships" xmlns:p="http://schemas.openxmlformats.org/presentationml/2006/main">
+  <p:cSld>
+    <p:spTree>
+      <p:nvGrpSpPr>
+        <p:cNvPr id="1" name=""/>
+        <p:cNvGrpSpPr/>
+        <p:nvPr/>
+      </p:nvGrpSpPr>
+      <p:grpSpPr>
+        <a:xfrm>
+          <a:off x="0" y="0"/>
+          <a:ext cx="0" cy="0"/>
+          <a:chOff x="0" y="0"/>
+          <a:chExt cx="0" cy="0"/>
+        </a:xfrm>
+      </p:grpSpPr>
+      <p:sp>
+        <p:nvSpPr>
+          <p:cNvPr id="2" name="Title 1"/>
+          <p:cNvSpPr>
+            <a:spLocks noGrp="1"/>
+          </p:cNvSpPr>
+          <p:nvPr>
+            <p:ph type="title"/>
+          </p:nvPr>
+        </p:nvSpPr>
+        <p:spPr/>
+        <p:txBody>
+          <a:bodyPr/>
+          <a:lstStyle/>
+          <a:p>
+            <a:r>
+              <a:rPr lang="en-US" b="1" dirty="0" err="1" smtClean="0">
+                <a:latin typeface="Helvetica" charset="0"/>
+                <a:ea typeface="Helvetica" charset="0"/>
+                <a:cs typeface="Helvetica" charset="0"/>
+              </a:rPr>
+              <a:t>Referências</a:t>
+            </a:r>
+            <a:endParaRPr lang="en-US" b="1" dirty="0">
+              <a:latin typeface="Helvetica" charset="0"/>
+              <a:ea typeface="Helvetica" charset="0"/>
+              <a:cs typeface="Helvetica" charset="0"/>
+            </a:endParaRPr>
+          </a:p>
+        </p:txBody>
+      </p:sp>
+      <p:sp>
+        <p:nvSpPr>
+          <p:cNvPr id="3" name="Content Placeholder 2"/>
+          <p:cNvSpPr>
+            <a:spLocks noGrp="1"/>
+          </p:cNvSpPr>
+          <p:nvPr>
+            <p:ph idx="1"/>
+          </p:nvPr>
+        </p:nvSpPr>
+        <p:spPr>
+          <a:xfrm>
+            <a:off x="1154954" y="2603500"/>
+            <a:ext cx="10035785" cy="4102100"/>
+          </a:xfrm>
+        </p:spPr>
+        <p:txBody>
+          <a:bodyPr>
+            <a:normAutofit/>
+          </a:bodyPr>
+          <a:lstStyle/>
+          <a:p>
+            <a:r>
+              <a:rPr lang="en-US" dirty="0" smtClean="0">
+                <a:solidFill>
+                  <a:schemeClr val="tx1"/>
+                </a:solidFill>
+                <a:latin typeface="Helvetica" charset="0"/>
+                <a:ea typeface="Helvetica" charset="0"/>
+                <a:cs typeface="Helvetica" charset="0"/>
+              </a:rPr>
+              <a:t>[1] </a:t>
+            </a:r>
+            <a:r>
+              <a:rPr lang="en-US" dirty="0">
+                <a:solidFill>
+                  <a:schemeClr val="tx1"/>
+                </a:solidFill>
+                <a:latin typeface="Helvetica" charset="0"/>
+                <a:ea typeface="Helvetica" charset="0"/>
+                <a:cs typeface="Helvetica" charset="0"/>
+              </a:rPr>
+              <a:t>A. E. </a:t>
+            </a:r>
+            <a:r>
+              <a:rPr lang="en-US" dirty="0" err="1" smtClean="0">
+                <a:solidFill>
+                  <a:schemeClr val="tx1"/>
+                </a:solidFill>
+                <a:latin typeface="Helvetica" charset="0"/>
+                <a:ea typeface="Helvetica" charset="0"/>
+                <a:cs typeface="Helvetica" charset="0"/>
+              </a:rPr>
+              <a:t>Eiben</a:t>
+            </a:r>
+            <a:r>
+              <a:rPr lang="en-US" dirty="0" smtClean="0">
+                <a:solidFill>
+                  <a:schemeClr val="tx1"/>
+                </a:solidFill>
+                <a:latin typeface="Helvetica" charset="0"/>
+                <a:ea typeface="Helvetica" charset="0"/>
+                <a:cs typeface="Helvetica" charset="0"/>
+              </a:rPr>
+              <a:t>, J</a:t>
+            </a:r>
+            <a:r>
+              <a:rPr lang="en-US" dirty="0">
+                <a:solidFill>
+                  <a:schemeClr val="tx1"/>
+                </a:solidFill>
+                <a:latin typeface="Helvetica" charset="0"/>
+                <a:ea typeface="Helvetica" charset="0"/>
+                <a:cs typeface="Helvetica" charset="0"/>
+              </a:rPr>
+              <a:t>. E. Smith. </a:t>
+            </a:r>
+            <a:r>
+              <a:rPr lang="en-US" dirty="0" smtClean="0">
+                <a:solidFill>
+                  <a:schemeClr val="tx1"/>
+                </a:solidFill>
+                <a:latin typeface="Helvetica" charset="0"/>
+                <a:ea typeface="Helvetica" charset="0"/>
+                <a:cs typeface="Helvetica" charset="0"/>
+              </a:rPr>
+              <a:t>“</a:t>
+            </a:r>
+            <a:r>
+              <a:rPr lang="en-US" i="1" dirty="0" smtClean="0">
+                <a:solidFill>
+                  <a:schemeClr val="tx1"/>
+                </a:solidFill>
+                <a:latin typeface="Helvetica" charset="0"/>
+                <a:ea typeface="Helvetica" charset="0"/>
+                <a:cs typeface="Helvetica" charset="0"/>
+              </a:rPr>
+              <a:t>Introduction </a:t>
+            </a:r>
+            <a:r>
+              <a:rPr lang="en-US" i="1" dirty="0">
+                <a:solidFill>
+                  <a:schemeClr val="tx1"/>
+                </a:solidFill>
+                <a:latin typeface="Helvetica" charset="0"/>
+                <a:ea typeface="Helvetica" charset="0"/>
+                <a:cs typeface="Helvetica" charset="0"/>
+              </a:rPr>
+              <a:t>To Evolutionary </a:t>
+            </a:r>
+            <a:r>
+              <a:rPr lang="en-US" i="1" dirty="0" smtClean="0">
+                <a:solidFill>
+                  <a:schemeClr val="tx1"/>
+                </a:solidFill>
+                <a:latin typeface="Helvetica" charset="0"/>
+                <a:ea typeface="Helvetica" charset="0"/>
+                <a:cs typeface="Helvetica" charset="0"/>
+              </a:rPr>
+              <a:t>Computing”</a:t>
+            </a:r>
+            <a:r>
+              <a:rPr lang="en-US" dirty="0" smtClean="0">
+                <a:solidFill>
+                  <a:schemeClr val="tx1"/>
+                </a:solidFill>
+                <a:latin typeface="Helvetica" charset="0"/>
+                <a:ea typeface="Helvetica" charset="0"/>
+                <a:cs typeface="Helvetica" charset="0"/>
+              </a:rPr>
+              <a:t>. </a:t>
+            </a:r>
+            <a:r>
+              <a:rPr lang="en-US" dirty="0">
+                <a:solidFill>
+                  <a:schemeClr val="tx1"/>
+                </a:solidFill>
+                <a:latin typeface="Helvetica" charset="0"/>
+                <a:ea typeface="Helvetica" charset="0"/>
+                <a:cs typeface="Helvetica" charset="0"/>
+              </a:rPr>
+              <a:t>V</a:t>
+            </a:r>
+            <a:r>
+              <a:rPr lang="en-US" dirty="0" smtClean="0">
+                <a:solidFill>
+                  <a:schemeClr val="tx1"/>
+                </a:solidFill>
+                <a:latin typeface="Helvetica" charset="0"/>
+                <a:ea typeface="Helvetica" charset="0"/>
+                <a:cs typeface="Helvetica" charset="0"/>
+              </a:rPr>
+              <a:t>olume 53. </a:t>
+            </a:r>
+            <a:r>
+              <a:rPr lang="en-US" dirty="0">
+                <a:solidFill>
+                  <a:schemeClr val="tx1"/>
+                </a:solidFill>
+                <a:latin typeface="Helvetica" charset="0"/>
+                <a:ea typeface="Helvetica" charset="0"/>
+                <a:cs typeface="Helvetica" charset="0"/>
+              </a:rPr>
+              <a:t>Springer-</a:t>
+            </a:r>
+            <a:r>
+              <a:rPr lang="en-US" dirty="0" err="1">
+                <a:solidFill>
+                  <a:schemeClr val="tx1"/>
+                </a:solidFill>
+                <a:latin typeface="Helvetica" charset="0"/>
+                <a:ea typeface="Helvetica" charset="0"/>
+                <a:cs typeface="Helvetica" charset="0"/>
+              </a:rPr>
+              <a:t>Verlag</a:t>
+            </a:r>
+            <a:r>
+              <a:rPr lang="en-US" dirty="0">
+                <a:solidFill>
+                  <a:schemeClr val="tx1"/>
+                </a:solidFill>
+                <a:latin typeface="Helvetica" charset="0"/>
+                <a:ea typeface="Helvetica" charset="0"/>
+                <a:cs typeface="Helvetica" charset="0"/>
+              </a:rPr>
+              <a:t>, 2003. </a:t>
+            </a:r>
+            <a:endParaRPr lang="en-US" dirty="0" smtClean="0">
+              <a:solidFill>
+                <a:schemeClr val="tx1"/>
+              </a:solidFill>
+              <a:latin typeface="Helvetica" charset="0"/>
+              <a:ea typeface="Helvetica" charset="0"/>
+              <a:cs typeface="Helvetica" charset="0"/>
+            </a:endParaRPr>
+          </a:p>
+          <a:p>
+            <a:r>
+              <a:rPr lang="en-US" dirty="0" smtClean="0">
+                <a:solidFill>
+                  <a:schemeClr val="tx1"/>
+                </a:solidFill>
+                <a:latin typeface="Helvetica" charset="0"/>
+                <a:ea typeface="Helvetica" charset="0"/>
+                <a:cs typeface="Helvetica" charset="0"/>
+              </a:rPr>
+              <a:t>[2] A</a:t>
+            </a:r>
+            <a:r>
+              <a:rPr lang="en-US" dirty="0">
+                <a:solidFill>
+                  <a:schemeClr val="tx1"/>
+                </a:solidFill>
+                <a:latin typeface="Helvetica" charset="0"/>
+                <a:ea typeface="Helvetica" charset="0"/>
+                <a:cs typeface="Helvetica" charset="0"/>
+              </a:rPr>
+              <a:t>. E. </a:t>
+            </a:r>
+            <a:r>
+              <a:rPr lang="en-US" dirty="0" err="1" smtClean="0">
+                <a:solidFill>
+                  <a:schemeClr val="tx1"/>
+                </a:solidFill>
+                <a:latin typeface="Helvetica" charset="0"/>
+                <a:ea typeface="Helvetica" charset="0"/>
+                <a:cs typeface="Helvetica" charset="0"/>
+              </a:rPr>
+              <a:t>Eiben</a:t>
+            </a:r>
+            <a:r>
+              <a:rPr lang="en-US" dirty="0" smtClean="0">
+                <a:solidFill>
+                  <a:schemeClr val="tx1"/>
+                </a:solidFill>
+                <a:latin typeface="Helvetica" charset="0"/>
+                <a:ea typeface="Helvetica" charset="0"/>
+                <a:cs typeface="Helvetica" charset="0"/>
+              </a:rPr>
+              <a:t>, S</a:t>
+            </a:r>
+            <a:r>
+              <a:rPr lang="en-US" dirty="0">
+                <a:solidFill>
+                  <a:schemeClr val="tx1"/>
+                </a:solidFill>
+                <a:latin typeface="Helvetica" charset="0"/>
+                <a:ea typeface="Helvetica" charset="0"/>
+                <a:cs typeface="Helvetica" charset="0"/>
+              </a:rPr>
+              <a:t>. K. </a:t>
+            </a:r>
+            <a:r>
+              <a:rPr lang="en-US" dirty="0" err="1">
+                <a:solidFill>
+                  <a:schemeClr val="tx1"/>
+                </a:solidFill>
+                <a:latin typeface="Helvetica" charset="0"/>
+                <a:ea typeface="Helvetica" charset="0"/>
+                <a:cs typeface="Helvetica" charset="0"/>
+              </a:rPr>
+              <a:t>Smit</a:t>
+            </a:r>
+            <a:r>
+              <a:rPr lang="en-US" dirty="0">
+                <a:solidFill>
+                  <a:schemeClr val="tx1"/>
+                </a:solidFill>
+                <a:latin typeface="Helvetica" charset="0"/>
+                <a:ea typeface="Helvetica" charset="0"/>
+                <a:cs typeface="Helvetica" charset="0"/>
+              </a:rPr>
+              <a:t>. </a:t>
+            </a:r>
+            <a:r>
+              <a:rPr lang="en-US" dirty="0" smtClean="0">
+                <a:solidFill>
+                  <a:schemeClr val="tx1"/>
+                </a:solidFill>
+                <a:latin typeface="Helvetica" charset="0"/>
+                <a:ea typeface="Helvetica" charset="0"/>
+                <a:cs typeface="Helvetica" charset="0"/>
+              </a:rPr>
+              <a:t>“Parameter </a:t>
+            </a:r>
+            <a:r>
+              <a:rPr lang="en-US" dirty="0">
+                <a:solidFill>
+                  <a:schemeClr val="tx1"/>
+                </a:solidFill>
+                <a:latin typeface="Helvetica" charset="0"/>
+                <a:ea typeface="Helvetica" charset="0"/>
+                <a:cs typeface="Helvetica" charset="0"/>
+              </a:rPr>
+              <a:t>tuning for configuring and analyzing evolutionary </a:t>
+            </a:r>
+            <a:r>
+              <a:rPr lang="en-US" dirty="0" smtClean="0">
+                <a:solidFill>
+                  <a:schemeClr val="tx1"/>
+                </a:solidFill>
+                <a:latin typeface="Helvetica" charset="0"/>
+                <a:ea typeface="Helvetica" charset="0"/>
+                <a:cs typeface="Helvetica" charset="0"/>
+              </a:rPr>
+              <a:t>algorithms”. </a:t>
+            </a:r>
+            <a:r>
+              <a:rPr lang="en-US" i="1" dirty="0">
+                <a:solidFill>
+                  <a:schemeClr val="tx1"/>
+                </a:solidFill>
+                <a:latin typeface="Helvetica" charset="0"/>
+                <a:ea typeface="Helvetica" charset="0"/>
+                <a:cs typeface="Helvetica" charset="0"/>
+              </a:rPr>
+              <a:t>Swarm and Evolutionary Computation</a:t>
+            </a:r>
+            <a:r>
+              <a:rPr lang="en-US" dirty="0">
+                <a:solidFill>
+                  <a:schemeClr val="tx1"/>
+                </a:solidFill>
+                <a:latin typeface="Helvetica" charset="0"/>
+                <a:ea typeface="Helvetica" charset="0"/>
+                <a:cs typeface="Helvetica" charset="0"/>
+              </a:rPr>
+              <a:t>, 1(1):19–31, 2011</a:t>
+            </a:r>
+            <a:r>
+              <a:rPr lang="en-US" dirty="0" smtClean="0">
+                <a:solidFill>
+                  <a:schemeClr val="tx1"/>
+                </a:solidFill>
+                <a:latin typeface="Helvetica" charset="0"/>
+                <a:ea typeface="Helvetica" charset="0"/>
+                <a:cs typeface="Helvetica" charset="0"/>
+              </a:rPr>
+              <a:t>.</a:t>
+            </a:r>
+          </a:p>
+          <a:p>
+            <a:r>
+              <a:rPr lang="en-US" dirty="0" smtClean="0">
+                <a:solidFill>
+                  <a:schemeClr val="tx1"/>
+                </a:solidFill>
+                <a:latin typeface="Helvetica" charset="0"/>
+                <a:ea typeface="Helvetica" charset="0"/>
+                <a:cs typeface="Helvetica" charset="0"/>
+              </a:rPr>
+              <a:t>[3] </a:t>
+            </a:r>
+            <a:r>
+              <a:rPr lang="en-US" dirty="0">
+                <a:solidFill>
+                  <a:schemeClr val="tx1"/>
+                </a:solidFill>
+                <a:latin typeface="Helvetica" charset="0"/>
+                <a:ea typeface="Helvetica" charset="0"/>
+                <a:cs typeface="Helvetica" charset="0"/>
+              </a:rPr>
+              <a:t>K. Matthias, T. </a:t>
+            </a:r>
+            <a:r>
+              <a:rPr lang="en-US" dirty="0" err="1">
+                <a:solidFill>
+                  <a:schemeClr val="tx1"/>
+                </a:solidFill>
+                <a:latin typeface="Helvetica" charset="0"/>
+                <a:ea typeface="Helvetica" charset="0"/>
+                <a:cs typeface="Helvetica" charset="0"/>
+              </a:rPr>
+              <a:t>Severin</a:t>
+            </a:r>
+            <a:r>
+              <a:rPr lang="en-US" dirty="0">
+                <a:solidFill>
+                  <a:schemeClr val="tx1"/>
+                </a:solidFill>
+                <a:latin typeface="Helvetica" charset="0"/>
+                <a:ea typeface="Helvetica" charset="0"/>
+                <a:cs typeface="Helvetica" charset="0"/>
+              </a:rPr>
+              <a:t>, and H. </a:t>
+            </a:r>
+            <a:r>
+              <a:rPr lang="en-US" dirty="0" err="1">
+                <a:solidFill>
+                  <a:schemeClr val="tx1"/>
+                </a:solidFill>
+                <a:latin typeface="Helvetica" charset="0"/>
+                <a:ea typeface="Helvetica" charset="0"/>
+                <a:cs typeface="Helvetica" charset="0"/>
+              </a:rPr>
+              <a:t>Salzwedel</a:t>
+            </a:r>
+            <a:r>
+              <a:rPr lang="en-US" dirty="0">
+                <a:solidFill>
+                  <a:schemeClr val="tx1"/>
+                </a:solidFill>
+                <a:latin typeface="Helvetica" charset="0"/>
+                <a:ea typeface="Helvetica" charset="0"/>
+                <a:cs typeface="Helvetica" charset="0"/>
+              </a:rPr>
+              <a:t>. </a:t>
+            </a:r>
+            <a:r>
+              <a:rPr lang="en-US" dirty="0" smtClean="0">
+                <a:solidFill>
+                  <a:schemeClr val="tx1"/>
+                </a:solidFill>
+                <a:latin typeface="Helvetica" charset="0"/>
+                <a:ea typeface="Helvetica" charset="0"/>
+                <a:cs typeface="Helvetica" charset="0"/>
+              </a:rPr>
+              <a:t>"Variable </a:t>
+            </a:r>
+            <a:r>
+              <a:rPr lang="en-US" dirty="0">
+                <a:solidFill>
+                  <a:schemeClr val="tx1"/>
+                </a:solidFill>
+                <a:latin typeface="Helvetica" charset="0"/>
+                <a:ea typeface="Helvetica" charset="0"/>
+                <a:cs typeface="Helvetica" charset="0"/>
+              </a:rPr>
+              <a:t>mutation rate at genetic algorithms: introduction of chromosome fitness in connection with multi-chromosome </a:t>
+            </a:r>
+            <a:r>
+              <a:rPr lang="en-US" dirty="0" smtClean="0">
+                <a:solidFill>
+                  <a:schemeClr val="tx1"/>
+                </a:solidFill>
+                <a:latin typeface="Helvetica" charset="0"/>
+                <a:ea typeface="Helvetica" charset="0"/>
+                <a:cs typeface="Helvetica" charset="0"/>
+              </a:rPr>
+              <a:t>representation". </a:t>
+            </a:r>
+            <a:r>
+              <a:rPr lang="en-US" i="1" dirty="0">
+                <a:solidFill>
+                  <a:schemeClr val="tx1"/>
+                </a:solidFill>
+                <a:latin typeface="Helvetica" charset="0"/>
+                <a:ea typeface="Helvetica" charset="0"/>
+                <a:cs typeface="Helvetica" charset="0"/>
+              </a:rPr>
+              <a:t>International Journal of Computer Applications</a:t>
+            </a:r>
+            <a:r>
+              <a:rPr lang="en-US" dirty="0">
+                <a:solidFill>
+                  <a:schemeClr val="tx1"/>
+                </a:solidFill>
+                <a:latin typeface="Helvetica" charset="0"/>
+                <a:ea typeface="Helvetica" charset="0"/>
+                <a:cs typeface="Helvetica" charset="0"/>
+              </a:rPr>
+              <a:t>, 72(17), 2013. </a:t>
+            </a:r>
+            <a:endParaRPr lang="en-US" dirty="0" smtClean="0">
+              <a:solidFill>
+                <a:schemeClr val="tx1"/>
+              </a:solidFill>
+              <a:latin typeface="Helvetica" charset="0"/>
+              <a:ea typeface="Helvetica" charset="0"/>
+              <a:cs typeface="Helvetica" charset="0"/>
+            </a:endParaRPr>
+          </a:p>
+          <a:p>
+            <a:r>
+              <a:rPr lang="en-US" dirty="0" smtClean="0">
+                <a:solidFill>
+                  <a:schemeClr val="tx1"/>
+                </a:solidFill>
+                <a:latin typeface="Helvetica" charset="0"/>
+                <a:ea typeface="Helvetica" charset="0"/>
+                <a:cs typeface="Helvetica" charset="0"/>
+              </a:rPr>
+              <a:t>[4] </a:t>
+            </a:r>
+            <a:r>
+              <a:rPr lang="en-US" dirty="0">
+                <a:solidFill>
+                  <a:schemeClr val="tx1"/>
+                </a:solidFill>
+                <a:latin typeface="Helvetica" charset="0"/>
+                <a:ea typeface="Helvetica" charset="0"/>
+                <a:cs typeface="Helvetica" charset="0"/>
+              </a:rPr>
+              <a:t>M. </a:t>
+            </a:r>
+            <a:r>
+              <a:rPr lang="en-US" dirty="0" err="1">
+                <a:solidFill>
+                  <a:schemeClr val="tx1"/>
+                </a:solidFill>
+                <a:latin typeface="Helvetica" charset="0"/>
+                <a:ea typeface="Helvetica" charset="0"/>
+                <a:cs typeface="Helvetica" charset="0"/>
+              </a:rPr>
+              <a:t>Obitko</a:t>
+            </a:r>
+            <a:r>
+              <a:rPr lang="en-US" dirty="0">
+                <a:solidFill>
+                  <a:schemeClr val="tx1"/>
+                </a:solidFill>
+                <a:latin typeface="Helvetica" charset="0"/>
+                <a:ea typeface="Helvetica" charset="0"/>
+                <a:cs typeface="Helvetica" charset="0"/>
+              </a:rPr>
+              <a:t>. </a:t>
+            </a:r>
+            <a:r>
+              <a:rPr lang="en-US" dirty="0" smtClean="0">
+                <a:solidFill>
+                  <a:schemeClr val="tx1"/>
+                </a:solidFill>
+                <a:latin typeface="Helvetica" charset="0"/>
+                <a:ea typeface="Helvetica" charset="0"/>
+                <a:cs typeface="Helvetica" charset="0"/>
+              </a:rPr>
+              <a:t>"Introduction </a:t>
+            </a:r>
+            <a:r>
+              <a:rPr lang="en-US" dirty="0">
+                <a:solidFill>
+                  <a:schemeClr val="tx1"/>
+                </a:solidFill>
+                <a:latin typeface="Helvetica" charset="0"/>
+                <a:ea typeface="Helvetica" charset="0"/>
+                <a:cs typeface="Helvetica" charset="0"/>
+              </a:rPr>
+              <a:t>to genetic algorithms - </a:t>
+            </a:r>
+            <a:r>
+              <a:rPr lang="en-US" dirty="0" smtClean="0">
+                <a:solidFill>
+                  <a:schemeClr val="tx1"/>
+                </a:solidFill>
+                <a:latin typeface="Helvetica" charset="0"/>
+                <a:ea typeface="Helvetica" charset="0"/>
+                <a:cs typeface="Helvetica" charset="0"/>
+              </a:rPr>
+              <a:t>XIII. Recommendations". </a:t>
+            </a:r>
+            <a:r>
+              <a:rPr lang="en-US" dirty="0">
+                <a:solidFill>
+                  <a:srgbClr val="0432FF"/>
+                </a:solidFill>
+                <a:latin typeface="Helvetica" charset="0"/>
+                <a:ea typeface="Helvetica" charset="0"/>
+                <a:cs typeface="Helvetica" charset="0"/>
+                <a:hlinkClick r:id="rId2"/>
+              </a:rPr>
+              <a:t>http://www.obitko.com/tutorials/genetic-algorithms/recommendations.php</a:t>
+            </a:r>
+            <a:r>
+              <a:rPr lang="en-US" dirty="0" smtClean="0">
+                <a:solidFill>
+                  <a:srgbClr val="0432FF"/>
+                </a:solidFill>
+                <a:latin typeface="Helvetica" charset="0"/>
+                <a:ea typeface="Helvetica" charset="0"/>
+                <a:cs typeface="Helvetica" charset="0"/>
+                <a:hlinkClick r:id="rId2"/>
+              </a:rPr>
+              <a:t>/</a:t>
+            </a:r>
+            <a:r>
+              <a:rPr lang="en-US" dirty="0" smtClean="0">
+                <a:solidFill>
+                  <a:srgbClr val="0432FF"/>
+                </a:solidFill>
+                <a:latin typeface="Helvetica" charset="0"/>
+                <a:ea typeface="Helvetica" charset="0"/>
+                <a:cs typeface="Helvetica" charset="0"/>
+              </a:rPr>
+              <a:t> </a:t>
+            </a:r>
+            <a:r>
+              <a:rPr lang="en-US" dirty="0" smtClean="0">
+                <a:solidFill>
+                  <a:schemeClr val="tx1"/>
+                </a:solidFill>
+                <a:latin typeface="Helvetica" charset="0"/>
+                <a:ea typeface="Helvetica" charset="0"/>
+                <a:cs typeface="Helvetica" charset="0"/>
+              </a:rPr>
+              <a:t>[</a:t>
+            </a:r>
+            <a:r>
+              <a:rPr lang="en-US" dirty="0">
+                <a:solidFill>
+                  <a:schemeClr val="tx1"/>
+                </a:solidFill>
+                <a:latin typeface="Helvetica" charset="0"/>
+                <a:ea typeface="Helvetica" charset="0"/>
+                <a:cs typeface="Helvetica" charset="0"/>
+              </a:rPr>
+              <a:t>Online; </a:t>
+            </a:r>
+            <a:r>
+              <a:rPr lang="en-US" dirty="0" err="1">
+                <a:solidFill>
+                  <a:schemeClr val="tx1"/>
+                </a:solidFill>
+                <a:latin typeface="Helvetica" charset="0"/>
+                <a:ea typeface="Helvetica" charset="0"/>
+                <a:cs typeface="Helvetica" charset="0"/>
+              </a:rPr>
+              <a:t>acessado</a:t>
+            </a:r>
+            <a:r>
+              <a:rPr lang="en-US" dirty="0">
+                <a:solidFill>
+                  <a:schemeClr val="tx1"/>
+                </a:solidFill>
+                <a:latin typeface="Helvetica" charset="0"/>
+                <a:ea typeface="Helvetica" charset="0"/>
+                <a:cs typeface="Helvetica" charset="0"/>
+              </a:rPr>
+              <a:t> </a:t>
+            </a:r>
+            <a:r>
+              <a:rPr lang="en-US" dirty="0" err="1">
+                <a:solidFill>
+                  <a:schemeClr val="tx1"/>
+                </a:solidFill>
+                <a:latin typeface="Helvetica" charset="0"/>
+                <a:ea typeface="Helvetica" charset="0"/>
+                <a:cs typeface="Helvetica" charset="0"/>
+              </a:rPr>
+              <a:t>em</a:t>
+            </a:r>
+            <a:r>
+              <a:rPr lang="en-US" dirty="0">
+                <a:solidFill>
+                  <a:schemeClr val="tx1"/>
+                </a:solidFill>
+                <a:latin typeface="Helvetica" charset="0"/>
+                <a:ea typeface="Helvetica" charset="0"/>
+                <a:cs typeface="Helvetica" charset="0"/>
+              </a:rPr>
+              <a:t> 17 de </a:t>
+            </a:r>
+            <a:r>
+              <a:rPr lang="en-US" dirty="0" err="1">
+                <a:solidFill>
+                  <a:schemeClr val="tx1"/>
+                </a:solidFill>
+                <a:latin typeface="Helvetica" charset="0"/>
+                <a:ea typeface="Helvetica" charset="0"/>
+                <a:cs typeface="Helvetica" charset="0"/>
+              </a:rPr>
+              <a:t>novembro</a:t>
+            </a:r>
+            <a:r>
+              <a:rPr lang="en-US" dirty="0">
+                <a:solidFill>
+                  <a:schemeClr val="tx1"/>
+                </a:solidFill>
+                <a:latin typeface="Helvetica" charset="0"/>
+                <a:ea typeface="Helvetica" charset="0"/>
+                <a:cs typeface="Helvetica" charset="0"/>
+              </a:rPr>
+              <a:t> de 2016</a:t>
+            </a:r>
+            <a:r>
+              <a:rPr lang="en-US" dirty="0" smtClean="0">
+                <a:solidFill>
+                  <a:schemeClr val="tx1"/>
+                </a:solidFill>
+                <a:latin typeface="Helvetica" charset="0"/>
+                <a:ea typeface="Helvetica" charset="0"/>
+                <a:cs typeface="Helvetica" charset="0"/>
+              </a:rPr>
+              <a:t>].</a:t>
+            </a:r>
+          </a:p>
+          <a:p>
+            <a:r>
+              <a:rPr lang="en-US" dirty="0" smtClean="0">
+                <a:solidFill>
+                  <a:schemeClr val="tx1"/>
+                </a:solidFill>
+                <a:latin typeface="Helvetica" charset="0"/>
+                <a:ea typeface="Helvetica" charset="0"/>
+                <a:cs typeface="Helvetica" charset="0"/>
+              </a:rPr>
+              <a:t>[5] </a:t>
+            </a:r>
+            <a:r>
+              <a:rPr lang="en-US" dirty="0">
+                <a:solidFill>
+                  <a:schemeClr val="tx1"/>
+                </a:solidFill>
+                <a:latin typeface="Helvetica" charset="0"/>
+                <a:ea typeface="Helvetica" charset="0"/>
+                <a:cs typeface="Helvetica" charset="0"/>
+              </a:rPr>
+              <a:t>K. </a:t>
+            </a:r>
+            <a:r>
+              <a:rPr lang="en-US" dirty="0" err="1">
+                <a:solidFill>
+                  <a:schemeClr val="tx1"/>
+                </a:solidFill>
+                <a:latin typeface="Helvetica" charset="0"/>
+                <a:ea typeface="Helvetica" charset="0"/>
+                <a:cs typeface="Helvetica" charset="0"/>
+              </a:rPr>
+              <a:t>DeJong</a:t>
+            </a:r>
+            <a:r>
+              <a:rPr lang="en-US" dirty="0">
+                <a:solidFill>
+                  <a:schemeClr val="tx1"/>
+                </a:solidFill>
+                <a:latin typeface="Helvetica" charset="0"/>
+                <a:ea typeface="Helvetica" charset="0"/>
+                <a:cs typeface="Helvetica" charset="0"/>
+              </a:rPr>
+              <a:t>. </a:t>
+            </a:r>
+            <a:r>
+              <a:rPr lang="en-US" dirty="0" smtClean="0">
+                <a:solidFill>
+                  <a:schemeClr val="tx1"/>
+                </a:solidFill>
+                <a:latin typeface="Helvetica" charset="0"/>
+                <a:ea typeface="Helvetica" charset="0"/>
+                <a:cs typeface="Helvetica" charset="0"/>
+              </a:rPr>
+              <a:t>“An </a:t>
+            </a:r>
+            <a:r>
+              <a:rPr lang="en-US" dirty="0">
+                <a:solidFill>
+                  <a:schemeClr val="tx1"/>
+                </a:solidFill>
+                <a:latin typeface="Helvetica" charset="0"/>
+                <a:ea typeface="Helvetica" charset="0"/>
+                <a:cs typeface="Helvetica" charset="0"/>
+              </a:rPr>
+              <a:t>analysis of the behavior of a class of genetic adaptive </a:t>
+            </a:r>
+            <a:r>
+              <a:rPr lang="en-US" dirty="0" smtClean="0">
+                <a:solidFill>
+                  <a:schemeClr val="tx1"/>
+                </a:solidFill>
+                <a:latin typeface="Helvetica" charset="0"/>
+                <a:ea typeface="Helvetica" charset="0"/>
+                <a:cs typeface="Helvetica" charset="0"/>
+              </a:rPr>
+              <a:t>systems”. </a:t>
+            </a:r>
+            <a:r>
+              <a:rPr lang="en-US" i="1" dirty="0" smtClean="0">
+                <a:solidFill>
+                  <a:schemeClr val="tx1"/>
+                </a:solidFill>
+                <a:latin typeface="Helvetica" charset="0"/>
+                <a:ea typeface="Helvetica" charset="0"/>
+                <a:cs typeface="Helvetica" charset="0"/>
+              </a:rPr>
+              <a:t>Ph.D</a:t>
+            </a:r>
+            <a:r>
+              <a:rPr lang="en-US" i="1" dirty="0">
+                <a:solidFill>
+                  <a:schemeClr val="tx1"/>
+                </a:solidFill>
+                <a:latin typeface="Helvetica" charset="0"/>
+                <a:ea typeface="Helvetica" charset="0"/>
+                <a:cs typeface="Helvetica" charset="0"/>
+              </a:rPr>
+              <a:t>. </a:t>
+            </a:r>
+            <a:r>
+              <a:rPr lang="en-US" i="1" dirty="0" smtClean="0">
+                <a:solidFill>
+                  <a:schemeClr val="tx1"/>
+                </a:solidFill>
+                <a:latin typeface="Helvetica" charset="0"/>
+                <a:ea typeface="Helvetica" charset="0"/>
+                <a:cs typeface="Helvetica" charset="0"/>
+              </a:rPr>
+              <a:t>Thesis</a:t>
+            </a:r>
+            <a:r>
+              <a:rPr lang="en-US" dirty="0">
+                <a:solidFill>
+                  <a:schemeClr val="tx1"/>
+                </a:solidFill>
+                <a:latin typeface="Helvetica" charset="0"/>
+                <a:ea typeface="Helvetica" charset="0"/>
+                <a:cs typeface="Helvetica" charset="0"/>
+              </a:rPr>
+              <a:t>, University of Michigan, 1975</a:t>
+            </a:r>
+            <a:r>
+              <a:rPr lang="en-US" dirty="0" smtClean="0">
+                <a:solidFill>
+                  <a:schemeClr val="tx1"/>
+                </a:solidFill>
+                <a:latin typeface="Helvetica" charset="0"/>
+                <a:ea typeface="Helvetica" charset="0"/>
+                <a:cs typeface="Helvetica" charset="0"/>
+              </a:rPr>
+              <a:t>.</a:t>
+            </a:r>
+            <a:endParaRPr lang="en-US" dirty="0">
+              <a:solidFill>
+                <a:schemeClr val="tx1"/>
+              </a:solidFill>
+              <a:latin typeface="Helvetica" charset="0"/>
+              <a:ea typeface="Helvetica" charset="0"/>
+              <a:cs typeface="Helvetica" charset="0"/>
+            </a:endParaRPr>
+          </a:p>
+          <a:p>
+            <a:endParaRPr lang="en-US" dirty="0"/>
+          </a:p>
+          <a:p>
+            <a:endParaRPr lang="en-US" dirty="0"/>
+          </a:p>
+        </p:txBody>
+      </p:sp>
+      <p:sp>
+        <p:nvSpPr>
+          <p:cNvPr id="5" name="Slide Number Placeholder 4"/>
+          <p:cNvSpPr>
+            <a:spLocks noGrp="1"/>
+          </p:cNvSpPr>
+          <p:nvPr>
+            <p:ph type="sldNum" sz="quarter" idx="12"/>
+          </p:nvPr>
+        </p:nvSpPr>
+        <p:spPr/>
+        <p:txBody>
+          <a:bodyPr/>
+          <a:lstStyle/>
+          <a:p>
+            <a:fld id="{55774153-6BEA-8641-B7A1-86CE42693FE2}" type="slidenum">
+              <a:rPr lang="en-US" smtClean="0"/>
+              <a:t>35</a:t>
+            </a:fld>
+            <a:endParaRPr lang="en-US"/>
+          </a:p>
+        </p:txBody>
+      </p:sp>
+    </p:spTree>
+    <p:extLst>
+      <p:ext uri="{BB962C8B-B14F-4D97-AF65-F5344CB8AC3E}">
+        <p14:creationId xmlns:p14="http://schemas.microsoft.com/office/powerpoint/2010/main" val="530941430"/>
+      </p:ext>
+    </p:extLst>
+  </p:cSld>
+  <p:clrMapOvr>
+    <a:masterClrMapping/>
+  </p:clrMapOvr>
+  <p:timing>
+    <p:tnLst>
+      <p:par>
+        <p:cTn id="1" dur="indefinite" restart="never" nodeType="tmRoot"/>
+      </p:par>
+    </p:tnLst>
+  </p:timing>
+</p:sld>
+</file>
+
+<file path=ppt/slides/slide37.xml><?xml version="1.0" encoding="utf-8"?>
+<p:sld xmlns:a="http://schemas.openxmlformats.org/drawingml/2006/main" xmlns:r="http://schemas.openxmlformats.org/officeDocument/2006/relationships" xmlns:p="http://schemas.openxmlformats.org/presentationml/2006/main">
+  <p:cSld>
+    <p:spTree>
+      <p:nvGrpSpPr>
+        <p:cNvPr id="1" name=""/>
+        <p:cNvGrpSpPr/>
+        <p:nvPr/>
+      </p:nvGrpSpPr>
+      <p:grpSpPr>
+        <a:xfrm>
+          <a:off x="0" y="0"/>
+          <a:ext cx="0" cy="0"/>
+          <a:chOff x="0" y="0"/>
+          <a:chExt cx="0" cy="0"/>
+        </a:xfrm>
+      </p:grpSpPr>
+      <p:sp>
+        <p:nvSpPr>
+          <p:cNvPr id="2" name="Title 1"/>
+          <p:cNvSpPr>
+            <a:spLocks noGrp="1"/>
+          </p:cNvSpPr>
+          <p:nvPr>
+            <p:ph type="title"/>
+          </p:nvPr>
+        </p:nvSpPr>
+        <p:spPr/>
+        <p:txBody>
+          <a:bodyPr/>
+          <a:lstStyle/>
+          <a:p>
+            <a:r>
+              <a:rPr lang="en-US" b="1" dirty="0" err="1" smtClean="0">
+                <a:latin typeface="Helvetica" charset="0"/>
+                <a:ea typeface="Helvetica" charset="0"/>
+                <a:cs typeface="Helvetica" charset="0"/>
+              </a:rPr>
               <a:t>Referências</a:t>
             </a:r>
             <a:endParaRPr lang="en-US" b="1" dirty="0">
@@ -32186,17 +34812,6 @@
           <a:lstStyle/>
           <a:p>
             <a:r>
-              <a:rPr lang="en-US" dirty="0" smtClean="0">
-                <a:solidFill>
-                  <a:schemeClr val="tx1"/>
-                </a:solidFill>
-                <a:latin typeface="Helvetica" charset="0"/>
-                <a:ea typeface="Helvetica" charset="0"/>
-                <a:cs typeface="Helvetica" charset="0"/>
-              </a:rPr>
-              <a:t>[11] </a:t>
-            </a:r>
-            <a:r>
               <a:rPr lang="en-US" dirty="0">
                 <a:solidFill>
                   <a:schemeClr val="tx1"/>
@@ -32205,7 +34820,29 @@
                 <a:ea typeface="Helvetica" charset="0"/>
                 <a:cs typeface="Helvetica" charset="0"/>
               </a:rPr>
-              <a:t>D. </a:t>
+              <a:t>[6] </a:t>
+            </a:r>
+            <a:r>
+              <a:rPr lang="en-US" dirty="0" smtClean="0">
+                <a:solidFill>
+                  <a:schemeClr val="tx1"/>
+                </a:solidFill>
+                <a:latin typeface="Helvetica" charset="0"/>
+                <a:ea typeface="Helvetica" charset="0"/>
+                <a:cs typeface="Helvetica" charset="0"/>
+              </a:rPr>
+              <a:t>P</a:t>
+            </a:r>
+            <a:r>
+              <a:rPr lang="en-US" dirty="0">
+                <a:solidFill>
+                  <a:schemeClr val="tx1"/>
+                </a:solidFill>
+                <a:latin typeface="Helvetica" charset="0"/>
+                <a:ea typeface="Helvetica" charset="0"/>
+                <a:cs typeface="Helvetica" charset="0"/>
+              </a:rPr>
+              <a:t>. </a:t>
             </a:r>
             <a:r>
               <a:rPr lang="en-US" dirty="0" err="1">
@@ -32216,7 +34853,7 @@
                 <a:ea typeface="Helvetica" charset="0"/>
                 <a:cs typeface="Helvetica" charset="0"/>
               </a:rPr>
-              <a:t>Jakobovic</a:t>
+              <a:t>Giguere</a:t>
             </a:r>
             <a:r>
               <a:rPr lang="en-US" dirty="0">
@@ -32227,7 +34864,7 @@
                 <a:ea typeface="Helvetica" charset="0"/>
                 <a:cs typeface="Helvetica" charset="0"/>
               </a:rPr>
-              <a:t>́ and M. </a:t>
+              <a:t> and D. E. Goldberg. “Population sizing for optimum sampling with genetic algorithms: A case study of the </a:t>
             </a:r>
             <a:r>
               <a:rPr lang="en-US" dirty="0" err="1">
@@ -32238,7 +34875,7 @@
                 <a:ea typeface="Helvetica" charset="0"/>
                 <a:cs typeface="Helvetica" charset="0"/>
               </a:rPr>
-              <a:t>Golub</a:t>
+              <a:t>onemax</a:t>
             </a:r>
             <a:r>
               <a:rPr lang="en-US" dirty="0">
@@ -32249,18 +34886,18 @@
                 <a:ea typeface="Helvetica" charset="0"/>
                 <a:cs typeface="Helvetica" charset="0"/>
               </a:rPr>
-              <a:t>. </a:t>
-            </a:r>
-            <a:r>
-              <a:rPr lang="en-US" dirty="0" smtClean="0">
-                <a:solidFill>
-                  <a:schemeClr val="tx1"/>
-                </a:solidFill>
-                <a:latin typeface="Helvetica" charset="0"/>
-                <a:ea typeface="Helvetica" charset="0"/>
-                <a:cs typeface="Helvetica" charset="0"/>
-              </a:rPr>
-              <a:t>“Adaptive </a:t>
+              <a:t> problem”. </a:t>
+            </a:r>
+            <a:r>
+              <a:rPr lang="en-US" i="1" dirty="0">
+                <a:solidFill>
+                  <a:schemeClr val="tx1"/>
+                </a:solidFill>
+                <a:latin typeface="Helvetica" charset="0"/>
+                <a:ea typeface="Helvetica" charset="0"/>
+                <a:cs typeface="Helvetica" charset="0"/>
+              </a:rPr>
+              <a:t>Genetic Programming</a:t>
             </a:r>
             <a:r>
               <a:rPr lang="en-US" dirty="0">
@@ -32271,18 +34908,86 @@
                 <a:ea typeface="Helvetica" charset="0"/>
                 <a:cs typeface="Helvetica" charset="0"/>
               </a:rPr>
-              <a:t>G</a:t>
-            </a:r>
-            <a:r>
-              <a:rPr lang="en-US" dirty="0" smtClean="0">
-                <a:solidFill>
-                  <a:schemeClr val="tx1"/>
-                </a:solidFill>
-                <a:latin typeface="Helvetica" charset="0"/>
-                <a:ea typeface="Helvetica" charset="0"/>
-                <a:cs typeface="Helvetica" charset="0"/>
-              </a:rPr>
-              <a:t>enetic Algorithm”. </a:t>
+              <a:t>, 98:496–503, 1998. </a:t>
+            </a:r>
+          </a:p>
+          <a:p>
+            <a:r>
+              <a:rPr lang="en-US" dirty="0" smtClean="0">
+                <a:solidFill>
+                  <a:schemeClr val="tx1"/>
+                </a:solidFill>
+                <a:latin typeface="Helvetica" charset="0"/>
+                <a:ea typeface="Helvetica" charset="0"/>
+                <a:cs typeface="Helvetica" charset="0"/>
+              </a:rPr>
+              <a:t>[7]</a:t>
+            </a:r>
+            <a:r>
+              <a:rPr lang="en-US" dirty="0">
+                <a:solidFill>
+                  <a:schemeClr val="tx1"/>
+                </a:solidFill>
+                <a:latin typeface="Helvetica" charset="0"/>
+                <a:ea typeface="Helvetica" charset="0"/>
+                <a:cs typeface="Helvetica" charset="0"/>
+              </a:rPr>
+              <a:t> D. L. Applegate, R. E. Bixby, V. </a:t>
+            </a:r>
+            <a:r>
+              <a:rPr lang="en-US" dirty="0" err="1">
+                <a:solidFill>
+                  <a:schemeClr val="tx1"/>
+                </a:solidFill>
+                <a:latin typeface="Helvetica" charset="0"/>
+                <a:ea typeface="Helvetica" charset="0"/>
+                <a:cs typeface="Helvetica" charset="0"/>
+              </a:rPr>
+              <a:t>Chvatal</a:t>
+            </a:r>
+            <a:r>
+              <a:rPr lang="en-US" dirty="0">
+                <a:solidFill>
+                  <a:schemeClr val="tx1"/>
+                </a:solidFill>
+                <a:latin typeface="Helvetica" charset="0"/>
+                <a:ea typeface="Helvetica" charset="0"/>
+                <a:cs typeface="Helvetica" charset="0"/>
+              </a:rPr>
+              <a:t>, and W. J. Cook. </a:t>
+            </a:r>
+            <a:r>
+              <a:rPr lang="en-US" dirty="0" smtClean="0">
+                <a:solidFill>
+                  <a:schemeClr val="tx1"/>
+                </a:solidFill>
+                <a:latin typeface="Helvetica" charset="0"/>
+                <a:ea typeface="Helvetica" charset="0"/>
+                <a:cs typeface="Helvetica" charset="0"/>
+              </a:rPr>
+              <a:t>"The </a:t>
+            </a:r>
+            <a:r>
+              <a:rPr lang="en-US" dirty="0">
+                <a:solidFill>
+                  <a:schemeClr val="tx1"/>
+                </a:solidFill>
+                <a:latin typeface="Helvetica" charset="0"/>
+                <a:ea typeface="Helvetica" charset="0"/>
+                <a:cs typeface="Helvetica" charset="0"/>
+              </a:rPr>
+              <a:t>Traveling Salesman Problem: a computational </a:t>
+            </a:r>
+            <a:r>
+              <a:rPr lang="en-US" dirty="0" smtClean="0">
+                <a:solidFill>
+                  <a:schemeClr val="tx1"/>
+                </a:solidFill>
+                <a:latin typeface="Helvetica" charset="0"/>
+                <a:ea typeface="Helvetica" charset="0"/>
+                <a:cs typeface="Helvetica" charset="0"/>
+              </a:rPr>
+              <a:t>study". </a:t>
             </a:r>
             <a:r>
               <a:rPr lang="en-US" i="1" dirty="0">
@@ -32293,7 +34998,40 @@
                 <a:ea typeface="Helvetica" charset="0"/>
                 <a:cs typeface="Helvetica" charset="0"/>
               </a:rPr>
-              <a:t>CIT. Journal of computing and information technology</a:t>
+              <a:t>Princeton </a:t>
+            </a:r>
+            <a:r>
+              <a:rPr lang="en-US" i="1" dirty="0" smtClean="0">
+                <a:solidFill>
+                  <a:schemeClr val="tx1"/>
+                </a:solidFill>
+                <a:latin typeface="Helvetica" charset="0"/>
+                <a:ea typeface="Helvetica" charset="0"/>
+                <a:cs typeface="Helvetica" charset="0"/>
+              </a:rPr>
+              <a:t>University </a:t>
+            </a:r>
+            <a:r>
+              <a:rPr lang="en-US" i="1" dirty="0">
+                <a:solidFill>
+                  <a:schemeClr val="tx1"/>
+                </a:solidFill>
+                <a:latin typeface="Helvetica" charset="0"/>
+                <a:ea typeface="Helvetica" charset="0"/>
+                <a:cs typeface="Helvetica" charset="0"/>
+              </a:rPr>
+              <a:t>P</a:t>
+            </a:r>
+            <a:r>
+              <a:rPr lang="en-US" i="1" dirty="0" smtClean="0">
+                <a:solidFill>
+                  <a:schemeClr val="tx1"/>
+                </a:solidFill>
+                <a:latin typeface="Helvetica" charset="0"/>
+                <a:ea typeface="Helvetica" charset="0"/>
+                <a:cs typeface="Helvetica" charset="0"/>
+              </a:rPr>
+              <a:t>ress</a:t>
             </a:r>
             <a:r>
               <a:rPr lang="en-US" dirty="0">
@@ -32304,86 +35042,7 @@
                 <a:ea typeface="Helvetica" charset="0"/>
                 <a:cs typeface="Helvetica" charset="0"/>
               </a:rPr>
-              <a:t>, 7(3):229–235, 1999. </a:t>
-            </a:r>
-          </a:p>
-          <a:p>
-            <a:r>
-              <a:rPr lang="en-US" dirty="0" smtClean="0">
-                <a:solidFill>
-                  <a:schemeClr val="tx1"/>
-                </a:solidFill>
-                <a:latin typeface="Helvetica" charset="0"/>
-                <a:ea typeface="Helvetica" charset="0"/>
-                <a:cs typeface="Helvetica" charset="0"/>
-              </a:rPr>
-              <a:t>[12] </a:t>
-            </a:r>
-            <a:r>
-              <a:rPr lang="en-US" dirty="0">
-                <a:solidFill>
-                  <a:schemeClr val="tx1"/>
-                </a:solidFill>
-                <a:latin typeface="Helvetica" charset="0"/>
-                <a:ea typeface="Helvetica" charset="0"/>
-                <a:cs typeface="Helvetica" charset="0"/>
-              </a:rPr>
-              <a:t>L. Wang and T. Shen. </a:t>
-            </a:r>
-            <a:r>
-              <a:rPr lang="en-US" dirty="0" smtClean="0">
-                <a:solidFill>
-                  <a:schemeClr val="tx1"/>
-                </a:solidFill>
-                <a:latin typeface="Helvetica" charset="0"/>
-                <a:ea typeface="Helvetica" charset="0"/>
-                <a:cs typeface="Helvetica" charset="0"/>
-              </a:rPr>
-              <a:t>"Improved </a:t>
-            </a:r>
-            <a:r>
-              <a:rPr lang="en-US" dirty="0">
-                <a:solidFill>
-                  <a:schemeClr val="tx1"/>
-                </a:solidFill>
-                <a:latin typeface="Helvetica" charset="0"/>
-                <a:ea typeface="Helvetica" charset="0"/>
-                <a:cs typeface="Helvetica" charset="0"/>
-              </a:rPr>
-              <a:t>adaptive genetic algorithm and its application to image </a:t>
-            </a:r>
-            <a:r>
-              <a:rPr lang="en-US" dirty="0" smtClean="0">
-                <a:solidFill>
-                  <a:schemeClr val="tx1"/>
-                </a:solidFill>
-                <a:latin typeface="Helvetica" charset="0"/>
-                <a:ea typeface="Helvetica" charset="0"/>
-                <a:cs typeface="Helvetica" charset="0"/>
-              </a:rPr>
-              <a:t>segmentation". </a:t>
-            </a:r>
-            <a:r>
-              <a:rPr lang="en-US" i="1" dirty="0">
-                <a:solidFill>
-                  <a:schemeClr val="tx1"/>
-                </a:solidFill>
-                <a:latin typeface="Helvetica" charset="0"/>
-                <a:ea typeface="Helvetica" charset="0"/>
-                <a:cs typeface="Helvetica" charset="0"/>
-              </a:rPr>
-              <a:t>In Multispectral Image Processing and Pattern Recognition</a:t>
-            </a:r>
-            <a:r>
-              <a:rPr lang="en-US" dirty="0">
-                <a:solidFill>
-                  <a:schemeClr val="tx1"/>
-                </a:solidFill>
-                <a:latin typeface="Helvetica" charset="0"/>
-                <a:ea typeface="Helvetica" charset="0"/>
-                <a:cs typeface="Helvetica" charset="0"/>
-              </a:rPr>
-              <a:t>, pages 115–120. International Society for Optics and Photonics, 2001. </a:t>
+              <a:t>, 2011. </a:t>
             </a:r>
             <a:endParaRPr lang="en-US" dirty="0" smtClean="0">
               <a:solidFill>
@@ -32404,7 +35063,7 @@
                 <a:ea typeface="Helvetica" charset="0"/>
                 <a:cs typeface="Helvetica" charset="0"/>
               </a:rPr>
-              <a:t>[13] </a:t>
+              <a:t>[8] </a:t>
             </a:r>
             <a:r>
               <a:rPr lang="en-US" dirty="0">
@@ -32415,7 +35074,7 @@
                 <a:ea typeface="Helvetica" charset="0"/>
                 <a:cs typeface="Helvetica" charset="0"/>
               </a:rPr>
-              <a:t>K. Matthias, T. </a:t>
+              <a:t>T. H. </a:t>
             </a:r>
             <a:r>
               <a:rPr lang="en-US" dirty="0" err="1">
@@ -32426,7 +35085,7 @@
                 <a:ea typeface="Helvetica" charset="0"/>
                 <a:cs typeface="Helvetica" charset="0"/>
               </a:rPr>
-              <a:t>Severin</a:t>
+              <a:t>Cormen</a:t>
             </a:r>
             <a:r>
               <a:rPr lang="en-US" dirty="0">
@@ -32437,7 +35096,7 @@
                 <a:ea typeface="Helvetica" charset="0"/>
                 <a:cs typeface="Helvetica" charset="0"/>
               </a:rPr>
-              <a:t>, and H. </a:t>
+              <a:t>, C. E. </a:t>
             </a:r>
             <a:r>
               <a:rPr lang="en-US" dirty="0" err="1">
@@ -32448,7 +35107,7 @@
                 <a:ea typeface="Helvetica" charset="0"/>
                 <a:cs typeface="Helvetica" charset="0"/>
               </a:rPr>
-              <a:t>Salzwedel</a:t>
+              <a:t>Leiserson</a:t>
             </a:r>
             <a:r>
               <a:rPr lang="en-US" dirty="0">
@@ -32459,6 +35118,268 @@
                 <a:ea typeface="Helvetica" charset="0"/>
                 <a:cs typeface="Helvetica" charset="0"/>
               </a:rPr>
+              <a:t>, R. L. </a:t>
+            </a:r>
+            <a:r>
+              <a:rPr lang="en-US" dirty="0" err="1">
+                <a:solidFill>
+                  <a:schemeClr val="tx1"/>
+                </a:solidFill>
+                <a:latin typeface="Helvetica" charset="0"/>
+                <a:ea typeface="Helvetica" charset="0"/>
+                <a:cs typeface="Helvetica" charset="0"/>
+              </a:rPr>
+              <a:t>Rivest</a:t>
+            </a:r>
+            <a:r>
+              <a:rPr lang="en-US" dirty="0">
+                <a:solidFill>
+                  <a:schemeClr val="tx1"/>
+                </a:solidFill>
+                <a:latin typeface="Helvetica" charset="0"/>
+                <a:ea typeface="Helvetica" charset="0"/>
+                <a:cs typeface="Helvetica" charset="0"/>
+              </a:rPr>
+              <a:t>, et al. </a:t>
+            </a:r>
+            <a:r>
+              <a:rPr lang="en-US" dirty="0" smtClean="0">
+                <a:solidFill>
+                  <a:schemeClr val="tx1"/>
+                </a:solidFill>
+                <a:latin typeface="Helvetica" charset="0"/>
+                <a:ea typeface="Helvetica" charset="0"/>
+                <a:cs typeface="Helvetica" charset="0"/>
+              </a:rPr>
+              <a:t>"Section </a:t>
+            </a:r>
+            <a:r>
+              <a:rPr lang="en-US" dirty="0">
+                <a:solidFill>
+                  <a:schemeClr val="tx1"/>
+                </a:solidFill>
+                <a:latin typeface="Helvetica" charset="0"/>
+                <a:ea typeface="Helvetica" charset="0"/>
+                <a:cs typeface="Helvetica" charset="0"/>
+              </a:rPr>
+              <a:t>24.3: </a:t>
+            </a:r>
+            <a:r>
+              <a:rPr lang="en-US" dirty="0" err="1">
+                <a:solidFill>
+                  <a:schemeClr val="tx1"/>
+                </a:solidFill>
+                <a:latin typeface="Helvetica" charset="0"/>
+                <a:ea typeface="Helvetica" charset="0"/>
+                <a:cs typeface="Helvetica" charset="0"/>
+              </a:rPr>
+              <a:t>Dijkstra’s</a:t>
+            </a:r>
+            <a:r>
+              <a:rPr lang="en-US" dirty="0">
+                <a:solidFill>
+                  <a:schemeClr val="tx1"/>
+                </a:solidFill>
+                <a:latin typeface="Helvetica" charset="0"/>
+                <a:ea typeface="Helvetica" charset="0"/>
+                <a:cs typeface="Helvetica" charset="0"/>
+              </a:rPr>
+              <a:t> </a:t>
+            </a:r>
+            <a:r>
+              <a:rPr lang="en-US" dirty="0" smtClean="0">
+                <a:solidFill>
+                  <a:schemeClr val="tx1"/>
+                </a:solidFill>
+                <a:latin typeface="Helvetica" charset="0"/>
+                <a:ea typeface="Helvetica" charset="0"/>
+                <a:cs typeface="Helvetica" charset="0"/>
+              </a:rPr>
+              <a:t>algorithm”. </a:t>
+            </a:r>
+            <a:r>
+              <a:rPr lang="en-US" i="1" dirty="0" smtClean="0">
+                <a:solidFill>
+                  <a:schemeClr val="tx1"/>
+                </a:solidFill>
+                <a:latin typeface="Helvetica" charset="0"/>
+                <a:ea typeface="Helvetica" charset="0"/>
+                <a:cs typeface="Helvetica" charset="0"/>
+              </a:rPr>
+              <a:t>MIT Press </a:t>
+            </a:r>
+            <a:r>
+              <a:rPr lang="en-US" i="1" dirty="0">
+                <a:solidFill>
+                  <a:schemeClr val="tx1"/>
+                </a:solidFill>
+                <a:latin typeface="Helvetica" charset="0"/>
+                <a:ea typeface="Helvetica" charset="0"/>
+                <a:cs typeface="Helvetica" charset="0"/>
+              </a:rPr>
+              <a:t>and McGraw-Hill</a:t>
+            </a:r>
+            <a:r>
+              <a:rPr lang="en-US" dirty="0">
+                <a:solidFill>
+                  <a:schemeClr val="tx1"/>
+                </a:solidFill>
+                <a:latin typeface="Helvetica" charset="0"/>
+                <a:ea typeface="Helvetica" charset="0"/>
+                <a:cs typeface="Helvetica" charset="0"/>
+              </a:rPr>
+              <a:t>, 2001. </a:t>
+            </a:r>
+            <a:endParaRPr lang="en-US" dirty="0" smtClean="0">
+              <a:solidFill>
+                <a:schemeClr val="tx1"/>
+              </a:solidFill>
+              <a:latin typeface="Helvetica" charset="0"/>
+              <a:ea typeface="Helvetica" charset="0"/>
+              <a:cs typeface="Helvetica" charset="0"/>
+            </a:endParaRPr>
+          </a:p>
+          <a:p>
+            <a:r>
+              <a:rPr lang="en-US" dirty="0" smtClean="0">
+                <a:solidFill>
+                  <a:schemeClr val="tx1"/>
+                </a:solidFill>
+                <a:latin typeface="Helvetica" charset="0"/>
+                <a:ea typeface="Helvetica" charset="0"/>
+                <a:cs typeface="Helvetica" charset="0"/>
+              </a:rPr>
+              <a:t>[9] </a:t>
+            </a:r>
+            <a:r>
+              <a:rPr lang="en-US" dirty="0">
+                <a:solidFill>
+                  <a:schemeClr val="tx1"/>
+                </a:solidFill>
+                <a:latin typeface="Helvetica" charset="0"/>
+                <a:ea typeface="Helvetica" charset="0"/>
+                <a:cs typeface="Helvetica" charset="0"/>
+              </a:rPr>
+              <a:t>M. Mitchell. </a:t>
+            </a:r>
+            <a:r>
+              <a:rPr lang="en-US" dirty="0" smtClean="0">
+                <a:solidFill>
+                  <a:schemeClr val="tx1"/>
+                </a:solidFill>
+                <a:latin typeface="Helvetica" charset="0"/>
+                <a:ea typeface="Helvetica" charset="0"/>
+                <a:cs typeface="Helvetica" charset="0"/>
+              </a:rPr>
+              <a:t>"An </a:t>
+            </a:r>
+            <a:r>
+              <a:rPr lang="en-US" dirty="0">
+                <a:solidFill>
+                  <a:schemeClr val="tx1"/>
+                </a:solidFill>
+                <a:latin typeface="Helvetica" charset="0"/>
+                <a:ea typeface="Helvetica" charset="0"/>
+                <a:cs typeface="Helvetica" charset="0"/>
+              </a:rPr>
+              <a:t>introduction to genetic </a:t>
+            </a:r>
+            <a:r>
+              <a:rPr lang="en-US" dirty="0" smtClean="0">
+                <a:solidFill>
+                  <a:schemeClr val="tx1"/>
+                </a:solidFill>
+                <a:latin typeface="Helvetica" charset="0"/>
+                <a:ea typeface="Helvetica" charset="0"/>
+                <a:cs typeface="Helvetica" charset="0"/>
+              </a:rPr>
+              <a:t>algorithms". </a:t>
+            </a:r>
+            <a:r>
+              <a:rPr lang="en-US" i="1" dirty="0">
+                <a:solidFill>
+                  <a:schemeClr val="tx1"/>
+                </a:solidFill>
+                <a:latin typeface="Helvetica" charset="0"/>
+                <a:ea typeface="Helvetica" charset="0"/>
+                <a:cs typeface="Helvetica" charset="0"/>
+              </a:rPr>
+              <a:t>MIT </a:t>
+            </a:r>
+            <a:r>
+              <a:rPr lang="en-US" i="1" dirty="0" smtClean="0">
+                <a:solidFill>
+                  <a:schemeClr val="tx1"/>
+                </a:solidFill>
+                <a:latin typeface="Helvetica" charset="0"/>
+                <a:ea typeface="Helvetica" charset="0"/>
+                <a:cs typeface="Helvetica" charset="0"/>
+              </a:rPr>
+              <a:t>Press</a:t>
+            </a:r>
+            <a:r>
+              <a:rPr lang="en-US" dirty="0">
+                <a:solidFill>
+                  <a:schemeClr val="tx1"/>
+                </a:solidFill>
+                <a:latin typeface="Helvetica" charset="0"/>
+                <a:ea typeface="Helvetica" charset="0"/>
+                <a:cs typeface="Helvetica" charset="0"/>
+              </a:rPr>
+              <a:t>, 1998. </a:t>
+            </a:r>
+            <a:endParaRPr lang="en-US" dirty="0" smtClean="0">
+              <a:solidFill>
+                <a:schemeClr val="tx1"/>
+              </a:solidFill>
+              <a:latin typeface="Helvetica" charset="0"/>
+              <a:ea typeface="Helvetica" charset="0"/>
+              <a:cs typeface="Helvetica" charset="0"/>
+            </a:endParaRPr>
+          </a:p>
+          <a:p>
+            <a:r>
+              <a:rPr lang="en-US" dirty="0" smtClean="0">
+                <a:solidFill>
+                  <a:schemeClr val="tx1"/>
+                </a:solidFill>
+                <a:latin typeface="Helvetica" charset="0"/>
+                <a:ea typeface="Helvetica" charset="0"/>
+                <a:cs typeface="Helvetica" charset="0"/>
+              </a:rPr>
+              <a:t>[10] M</a:t>
+            </a:r>
+            <a:r>
+              <a:rPr lang="en-US" dirty="0">
+                <a:solidFill>
+                  <a:schemeClr val="tx1"/>
+                </a:solidFill>
+                <a:latin typeface="Helvetica" charset="0"/>
+                <a:ea typeface="Helvetica" charset="0"/>
+                <a:cs typeface="Helvetica" charset="0"/>
+              </a:rPr>
+              <a:t>. Srinivas and L. M. </a:t>
+            </a:r>
+            <a:r>
+              <a:rPr lang="en-US" dirty="0" err="1">
+                <a:solidFill>
+                  <a:schemeClr val="tx1"/>
+                </a:solidFill>
+                <a:latin typeface="Helvetica" charset="0"/>
+                <a:ea typeface="Helvetica" charset="0"/>
+                <a:cs typeface="Helvetica" charset="0"/>
+              </a:rPr>
+              <a:t>Patnaik</a:t>
+            </a:r>
+            <a:r>
+              <a:rPr lang="en-US" dirty="0">
+                <a:solidFill>
+                  <a:schemeClr val="tx1"/>
+                </a:solidFill>
+                <a:latin typeface="Helvetica" charset="0"/>
+                <a:ea typeface="Helvetica" charset="0"/>
+                <a:cs typeface="Helvetica" charset="0"/>
+              </a:rPr>
               <a:t>. </a:t>
             </a:r>
             <a:r>
@@ -32470,7 +35391,7 @@
                 <a:ea typeface="Helvetica" charset="0"/>
                 <a:cs typeface="Helvetica" charset="0"/>
               </a:rPr>
-              <a:t>"Variable </a:t>
+              <a:t>"Adaptive </a:t>
             </a:r>
             <a:r>
               <a:rPr lang="en-US" dirty="0">
@@ -32481,18 +35402,18 @@
                 <a:ea typeface="Helvetica" charset="0"/>
                 <a:cs typeface="Helvetica" charset="0"/>
               </a:rPr>
-              <a:t>mutation rate at genetic algorithms: introduction of chromosome fitness in connection with multi-chromosome </a:t>
-            </a:r>
-            <a:r>
-              <a:rPr lang="en-US" dirty="0" smtClean="0">
-                <a:solidFill>
-                  <a:schemeClr val="tx1"/>
-                </a:solidFill>
-                <a:latin typeface="Helvetica" charset="0"/>
-                <a:ea typeface="Helvetica" charset="0"/>
-                <a:cs typeface="Helvetica" charset="0"/>
-              </a:rPr>
-              <a:t>representation". </a:t>
+              <a:t>probabilities of crossover and mutation in genetic </a:t>
+            </a:r>
+            <a:r>
+              <a:rPr lang="en-US" dirty="0" smtClean="0">
+                <a:solidFill>
+                  <a:schemeClr val="tx1"/>
+                </a:solidFill>
+                <a:latin typeface="Helvetica" charset="0"/>
+                <a:ea typeface="Helvetica" charset="0"/>
+                <a:cs typeface="Helvetica" charset="0"/>
+              </a:rPr>
+              <a:t>algorithms". </a:t>
             </a:r>
             <a:r>
               <a:rPr lang="en-US" i="1" dirty="0">
@@ -32503,7 +35424,7 @@
                 <a:ea typeface="Helvetica" charset="0"/>
                 <a:cs typeface="Helvetica" charset="0"/>
               </a:rPr>
-              <a:t>International Journal of Computer Applications</a:t>
+              <a:t>IEEE Transactions on Systems, Man, and Cybernetics</a:t>
             </a:r>
             <a:r>
               <a:rPr lang="en-US" dirty="0">
@@ -32514,18 +35435,7 @@
                 <a:ea typeface="Helvetica" charset="0"/>
                 <a:cs typeface="Helvetica" charset="0"/>
               </a:rPr>
-              <a:t>, 72(17), 2013</a:t>
-            </a:r>
-            <a:r>
-              <a:rPr lang="en-US" dirty="0" smtClean="0">
-                <a:solidFill>
-                  <a:schemeClr val="tx1"/>
-                </a:solidFill>
-                <a:latin typeface="Helvetica" charset="0"/>
-                <a:ea typeface="Helvetica" charset="0"/>
-                <a:cs typeface="Helvetica" charset="0"/>
-              </a:rPr>
-              <a:t>.</a:t>
+              <a:t>, 24(4):656–667, 1994. </a:t>
             </a:r>
           </a:p>
           <a:p>
@@ -32567,7 +35477,483 @@
           <a:p>
             <a:fld id="{55774153-6BEA-8641-B7A1-86CE42693FE2}" type="slidenum">
               <a:rPr lang="en-US" smtClean="0"/>
-              <a:t>31</a:t>
+              <a:t>36</a:t>
+            </a:fld>
+            <a:endParaRPr lang="en-US"/>
+          </a:p>
+        </p:txBody>
+      </p:sp>
+    </p:spTree>
+    <p:extLst>
+      <p:ext uri="{BB962C8B-B14F-4D97-AF65-F5344CB8AC3E}">
+        <p14:creationId xmlns:p14="http://schemas.microsoft.com/office/powerpoint/2010/main" val="2080831962"/>
+      </p:ext>
+    </p:extLst>
+  </p:cSld>
+  <p:clrMapOvr>
+    <a:masterClrMapping/>
+  </p:clrMapOvr>
+  <p:timing>
+    <p:tnLst>
+      <p:par>
+        <p:cTn id="1" dur="indefinite" restart="never" nodeType="tmRoot"/>
+      </p:par>
+    </p:tnLst>
+  </p:timing>
+</p:sld>
+</file>
+
+<file path=ppt/slides/slide38.xml><?xml version="1.0" encoding="utf-8"?>
+<p:sld xmlns:a="http://schemas.openxmlformats.org/drawingml/2006/main" xmlns:r="http://schemas.openxmlformats.org/officeDocument/2006/relationships" xmlns:p="http://schemas.openxmlformats.org/presentationml/2006/main">
+  <p:cSld>
+    <p:spTree>
+      <p:nvGrpSpPr>
+        <p:cNvPr id="1" name=""/>
+        <p:cNvGrpSpPr/>
+        <p:nvPr/>
+      </p:nvGrpSpPr>
+      <p:grpSpPr>
+        <a:xfrm>
+          <a:off x="0" y="0"/>
+          <a:ext cx="0" cy="0"/>
+          <a:chOff x="0" y="0"/>
+          <a:chExt cx="0" cy="0"/>
+        </a:xfrm>
+      </p:grpSpPr>
+      <p:sp>
+        <p:nvSpPr>
+          <p:cNvPr id="2" name="Title 1"/>
+          <p:cNvSpPr>
+            <a:spLocks noGrp="1"/>
+          </p:cNvSpPr>
+          <p:nvPr>
+            <p:ph type="title"/>
+          </p:nvPr>
+        </p:nvSpPr>
+        <p:spPr/>
+        <p:txBody>
+          <a:bodyPr/>
+          <a:lstStyle/>
+          <a:p>
+            <a:r>
+              <a:rPr lang="en-US" b="1" dirty="0" err="1" smtClean="0">
+                <a:latin typeface="Helvetica" charset="0"/>
+                <a:ea typeface="Helvetica" charset="0"/>
+                <a:cs typeface="Helvetica" charset="0"/>
+              </a:rPr>
+              <a:t>Referências</a:t>
+            </a:r>
+            <a:endParaRPr lang="en-US" b="1" dirty="0">
+              <a:latin typeface="Helvetica" charset="0"/>
+              <a:ea typeface="Helvetica" charset="0"/>
+              <a:cs typeface="Helvetica" charset="0"/>
+            </a:endParaRPr>
+          </a:p>
+        </p:txBody>
+      </p:sp>
+      <p:sp>
+        <p:nvSpPr>
+          <p:cNvPr id="3" name="Content Placeholder 2"/>
+          <p:cNvSpPr>
+            <a:spLocks noGrp="1"/>
+          </p:cNvSpPr>
+          <p:nvPr>
+            <p:ph idx="1"/>
+          </p:nvPr>
+        </p:nvSpPr>
+        <p:spPr>
+          <a:xfrm>
+            <a:off x="1154954" y="2603500"/>
+            <a:ext cx="10035785" cy="3416300"/>
+          </a:xfrm>
+        </p:spPr>
+        <p:txBody>
+          <a:bodyPr/>
+          <a:lstStyle/>
+          <a:p>
+            <a:r>
+              <a:rPr lang="en-US" dirty="0" smtClean="0">
+                <a:solidFill>
+                  <a:schemeClr val="tx1"/>
+                </a:solidFill>
+                <a:latin typeface="Helvetica" charset="0"/>
+                <a:ea typeface="Helvetica" charset="0"/>
+                <a:cs typeface="Helvetica" charset="0"/>
+              </a:rPr>
+              <a:t>[11] </a:t>
+            </a:r>
+            <a:r>
+              <a:rPr lang="en-US" dirty="0">
+                <a:solidFill>
+                  <a:schemeClr val="tx1"/>
+                </a:solidFill>
+                <a:latin typeface="Helvetica" charset="0"/>
+                <a:ea typeface="Helvetica" charset="0"/>
+                <a:cs typeface="Helvetica" charset="0"/>
+              </a:rPr>
+              <a:t>D. </a:t>
+            </a:r>
+            <a:r>
+              <a:rPr lang="en-US" dirty="0" err="1">
+                <a:solidFill>
+                  <a:schemeClr val="tx1"/>
+                </a:solidFill>
+                <a:latin typeface="Helvetica" charset="0"/>
+                <a:ea typeface="Helvetica" charset="0"/>
+                <a:cs typeface="Helvetica" charset="0"/>
+              </a:rPr>
+              <a:t>Jakobovic</a:t>
+            </a:r>
+            <a:r>
+              <a:rPr lang="en-US" dirty="0">
+                <a:solidFill>
+                  <a:schemeClr val="tx1"/>
+                </a:solidFill>
+                <a:latin typeface="Helvetica" charset="0"/>
+                <a:ea typeface="Helvetica" charset="0"/>
+                <a:cs typeface="Helvetica" charset="0"/>
+              </a:rPr>
+              <a:t>́ and M. </a:t>
+            </a:r>
+            <a:r>
+              <a:rPr lang="en-US" dirty="0" err="1">
+                <a:solidFill>
+                  <a:schemeClr val="tx1"/>
+                </a:solidFill>
+                <a:latin typeface="Helvetica" charset="0"/>
+                <a:ea typeface="Helvetica" charset="0"/>
+                <a:cs typeface="Helvetica" charset="0"/>
+              </a:rPr>
+              <a:t>Golub</a:t>
+            </a:r>
+            <a:r>
+              <a:rPr lang="en-US" dirty="0">
+                <a:solidFill>
+                  <a:schemeClr val="tx1"/>
+                </a:solidFill>
+                <a:latin typeface="Helvetica" charset="0"/>
+                <a:ea typeface="Helvetica" charset="0"/>
+                <a:cs typeface="Helvetica" charset="0"/>
+              </a:rPr>
+              <a:t>. </a:t>
+            </a:r>
+            <a:r>
+              <a:rPr lang="en-US" dirty="0" smtClean="0">
+                <a:solidFill>
+                  <a:schemeClr val="tx1"/>
+                </a:solidFill>
+                <a:latin typeface="Helvetica" charset="0"/>
+                <a:ea typeface="Helvetica" charset="0"/>
+                <a:cs typeface="Helvetica" charset="0"/>
+              </a:rPr>
+              <a:t>“Adaptive </a:t>
+            </a:r>
+            <a:r>
+              <a:rPr lang="en-US" dirty="0">
+                <a:solidFill>
+                  <a:schemeClr val="tx1"/>
+                </a:solidFill>
+                <a:latin typeface="Helvetica" charset="0"/>
+                <a:ea typeface="Helvetica" charset="0"/>
+                <a:cs typeface="Helvetica" charset="0"/>
+              </a:rPr>
+              <a:t>G</a:t>
+            </a:r>
+            <a:r>
+              <a:rPr lang="en-US" dirty="0" smtClean="0">
+                <a:solidFill>
+                  <a:schemeClr val="tx1"/>
+                </a:solidFill>
+                <a:latin typeface="Helvetica" charset="0"/>
+                <a:ea typeface="Helvetica" charset="0"/>
+                <a:cs typeface="Helvetica" charset="0"/>
+              </a:rPr>
+              <a:t>enetic Algorithm”. </a:t>
+            </a:r>
+            <a:r>
+              <a:rPr lang="en-US" i="1" dirty="0">
+                <a:solidFill>
+                  <a:schemeClr val="tx1"/>
+                </a:solidFill>
+                <a:latin typeface="Helvetica" charset="0"/>
+                <a:ea typeface="Helvetica" charset="0"/>
+                <a:cs typeface="Helvetica" charset="0"/>
+              </a:rPr>
+              <a:t>CIT. Journal of computing and information technology</a:t>
+            </a:r>
+            <a:r>
+              <a:rPr lang="en-US" dirty="0">
+                <a:solidFill>
+                  <a:schemeClr val="tx1"/>
+                </a:solidFill>
+                <a:latin typeface="Helvetica" charset="0"/>
+                <a:ea typeface="Helvetica" charset="0"/>
+                <a:cs typeface="Helvetica" charset="0"/>
+              </a:rPr>
+              <a:t>, 7(3):229–235, 1999. </a:t>
+            </a:r>
+          </a:p>
+          <a:p>
+            <a:r>
+              <a:rPr lang="en-US" dirty="0" smtClean="0">
+                <a:solidFill>
+                  <a:schemeClr val="tx1"/>
+                </a:solidFill>
+                <a:latin typeface="Helvetica" charset="0"/>
+                <a:ea typeface="Helvetica" charset="0"/>
+                <a:cs typeface="Helvetica" charset="0"/>
+              </a:rPr>
+              <a:t>[12] </a:t>
+            </a:r>
+            <a:r>
+              <a:rPr lang="en-US" dirty="0">
+                <a:solidFill>
+                  <a:schemeClr val="tx1"/>
+                </a:solidFill>
+                <a:latin typeface="Helvetica" charset="0"/>
+                <a:ea typeface="Helvetica" charset="0"/>
+                <a:cs typeface="Helvetica" charset="0"/>
+              </a:rPr>
+              <a:t>L. Wang and T. Shen. </a:t>
+            </a:r>
+            <a:r>
+              <a:rPr lang="en-US" dirty="0" smtClean="0">
+                <a:solidFill>
+                  <a:schemeClr val="tx1"/>
+                </a:solidFill>
+                <a:latin typeface="Helvetica" charset="0"/>
+                <a:ea typeface="Helvetica" charset="0"/>
+                <a:cs typeface="Helvetica" charset="0"/>
+              </a:rPr>
+              <a:t>"Improved </a:t>
+            </a:r>
+            <a:r>
+              <a:rPr lang="en-US" dirty="0">
+                <a:solidFill>
+                  <a:schemeClr val="tx1"/>
+                </a:solidFill>
+                <a:latin typeface="Helvetica" charset="0"/>
+                <a:ea typeface="Helvetica" charset="0"/>
+                <a:cs typeface="Helvetica" charset="0"/>
+              </a:rPr>
+              <a:t>adaptive genetic algorithm and its application to image </a:t>
+            </a:r>
+            <a:r>
+              <a:rPr lang="en-US" dirty="0" smtClean="0">
+                <a:solidFill>
+                  <a:schemeClr val="tx1"/>
+                </a:solidFill>
+                <a:latin typeface="Helvetica" charset="0"/>
+                <a:ea typeface="Helvetica" charset="0"/>
+                <a:cs typeface="Helvetica" charset="0"/>
+              </a:rPr>
+              <a:t>segmentation". </a:t>
+            </a:r>
+            <a:r>
+              <a:rPr lang="en-US" i="1" dirty="0">
+                <a:solidFill>
+                  <a:schemeClr val="tx1"/>
+                </a:solidFill>
+                <a:latin typeface="Helvetica" charset="0"/>
+                <a:ea typeface="Helvetica" charset="0"/>
+                <a:cs typeface="Helvetica" charset="0"/>
+              </a:rPr>
+              <a:t>In Multispectral Image Processing and Pattern Recognition</a:t>
+            </a:r>
+            <a:r>
+              <a:rPr lang="en-US" dirty="0">
+                <a:solidFill>
+                  <a:schemeClr val="tx1"/>
+                </a:solidFill>
+                <a:latin typeface="Helvetica" charset="0"/>
+                <a:ea typeface="Helvetica" charset="0"/>
+                <a:cs typeface="Helvetica" charset="0"/>
+              </a:rPr>
+              <a:t>, pages 115–120. International Society for Optics and Photonics, 2001. </a:t>
+            </a:r>
+            <a:endParaRPr lang="en-US" dirty="0" smtClean="0">
+              <a:solidFill>
+                <a:schemeClr val="tx1"/>
+              </a:solidFill>
+              <a:latin typeface="Helvetica" charset="0"/>
+              <a:ea typeface="Helvetica" charset="0"/>
+              <a:cs typeface="Helvetica" charset="0"/>
+            </a:endParaRPr>
+          </a:p>
+          <a:p>
+            <a:r>
+              <a:rPr lang="en-US" dirty="0" smtClean="0">
+                <a:solidFill>
+                  <a:schemeClr val="tx1"/>
+                </a:solidFill>
+                <a:latin typeface="Helvetica" charset="0"/>
+                <a:ea typeface="Helvetica" charset="0"/>
+                <a:cs typeface="Helvetica" charset="0"/>
+              </a:rPr>
+              <a:t>[13] </a:t>
+            </a:r>
+            <a:r>
+              <a:rPr lang="en-US" dirty="0">
+                <a:solidFill>
+                  <a:schemeClr val="tx1"/>
+                </a:solidFill>
+                <a:latin typeface="Helvetica" charset="0"/>
+                <a:ea typeface="Helvetica" charset="0"/>
+                <a:cs typeface="Helvetica" charset="0"/>
+              </a:rPr>
+              <a:t>K. Matthias, T. </a:t>
+            </a:r>
+            <a:r>
+              <a:rPr lang="en-US" dirty="0" err="1">
+                <a:solidFill>
+                  <a:schemeClr val="tx1"/>
+                </a:solidFill>
+                <a:latin typeface="Helvetica" charset="0"/>
+                <a:ea typeface="Helvetica" charset="0"/>
+                <a:cs typeface="Helvetica" charset="0"/>
+              </a:rPr>
+              <a:t>Severin</a:t>
+            </a:r>
+            <a:r>
+              <a:rPr lang="en-US" dirty="0">
+                <a:solidFill>
+                  <a:schemeClr val="tx1"/>
+                </a:solidFill>
+                <a:latin typeface="Helvetica" charset="0"/>
+                <a:ea typeface="Helvetica" charset="0"/>
+                <a:cs typeface="Helvetica" charset="0"/>
+              </a:rPr>
+              <a:t>, and H. </a:t>
+            </a:r>
+            <a:r>
+              <a:rPr lang="en-US" dirty="0" err="1">
+                <a:solidFill>
+                  <a:schemeClr val="tx1"/>
+                </a:solidFill>
+                <a:latin typeface="Helvetica" charset="0"/>
+                <a:ea typeface="Helvetica" charset="0"/>
+                <a:cs typeface="Helvetica" charset="0"/>
+              </a:rPr>
+              <a:t>Salzwedel</a:t>
+            </a:r>
+            <a:r>
+              <a:rPr lang="en-US" dirty="0">
+                <a:solidFill>
+                  <a:schemeClr val="tx1"/>
+                </a:solidFill>
+                <a:latin typeface="Helvetica" charset="0"/>
+                <a:ea typeface="Helvetica" charset="0"/>
+                <a:cs typeface="Helvetica" charset="0"/>
+              </a:rPr>
+              <a:t>. </a:t>
+            </a:r>
+            <a:r>
+              <a:rPr lang="en-US" dirty="0" smtClean="0">
+                <a:solidFill>
+                  <a:schemeClr val="tx1"/>
+                </a:solidFill>
+                <a:latin typeface="Helvetica" charset="0"/>
+                <a:ea typeface="Helvetica" charset="0"/>
+                <a:cs typeface="Helvetica" charset="0"/>
+              </a:rPr>
+              <a:t>"Variable </a:t>
+            </a:r>
+            <a:r>
+              <a:rPr lang="en-US" dirty="0">
+                <a:solidFill>
+                  <a:schemeClr val="tx1"/>
+                </a:solidFill>
+                <a:latin typeface="Helvetica" charset="0"/>
+                <a:ea typeface="Helvetica" charset="0"/>
+                <a:cs typeface="Helvetica" charset="0"/>
+              </a:rPr>
+              <a:t>mutation rate at genetic algorithms: introduction of chromosome fitness in connection with multi-chromosome </a:t>
+            </a:r>
+            <a:r>
+              <a:rPr lang="en-US" dirty="0" smtClean="0">
+                <a:solidFill>
+                  <a:schemeClr val="tx1"/>
+                </a:solidFill>
+                <a:latin typeface="Helvetica" charset="0"/>
+                <a:ea typeface="Helvetica" charset="0"/>
+                <a:cs typeface="Helvetica" charset="0"/>
+              </a:rPr>
+              <a:t>representation". </a:t>
+            </a:r>
+            <a:r>
+              <a:rPr lang="en-US" i="1" dirty="0">
+                <a:solidFill>
+                  <a:schemeClr val="tx1"/>
+                </a:solidFill>
+                <a:latin typeface="Helvetica" charset="0"/>
+                <a:ea typeface="Helvetica" charset="0"/>
+                <a:cs typeface="Helvetica" charset="0"/>
+              </a:rPr>
+              <a:t>International Journal of Computer Applications</a:t>
+            </a:r>
+            <a:r>
+              <a:rPr lang="en-US" dirty="0">
+                <a:solidFill>
+                  <a:schemeClr val="tx1"/>
+                </a:solidFill>
+                <a:latin typeface="Helvetica" charset="0"/>
+                <a:ea typeface="Helvetica" charset="0"/>
+                <a:cs typeface="Helvetica" charset="0"/>
+              </a:rPr>
+              <a:t>, 72(17), 2013</a:t>
+            </a:r>
+            <a:r>
+              <a:rPr lang="en-US" dirty="0" smtClean="0">
+                <a:solidFill>
+                  <a:schemeClr val="tx1"/>
+                </a:solidFill>
+                <a:latin typeface="Helvetica" charset="0"/>
+                <a:ea typeface="Helvetica" charset="0"/>
+                <a:cs typeface="Helvetica" charset="0"/>
+              </a:rPr>
+              <a:t>.</a:t>
+            </a:r>
+          </a:p>
+          <a:p>
+            <a:endParaRPr lang="en-US" dirty="0">
+              <a:solidFill>
+                <a:schemeClr val="tx1"/>
+              </a:solidFill>
+              <a:latin typeface="Helvetica" charset="0"/>
+              <a:ea typeface="Helvetica" charset="0"/>
+              <a:cs typeface="Helvetica" charset="0"/>
+            </a:endParaRPr>
+          </a:p>
+          <a:p>
+            <a:endParaRPr lang="en-US" dirty="0">
+              <a:solidFill>
+                <a:schemeClr val="tx1"/>
+              </a:solidFill>
+              <a:latin typeface="Helvetica" charset="0"/>
+              <a:ea typeface="Helvetica" charset="0"/>
+              <a:cs typeface="Helvetica" charset="0"/>
+            </a:endParaRPr>
+          </a:p>
+        </p:txBody>
+      </p:sp>
+      <p:sp>
+        <p:nvSpPr>
+          <p:cNvPr id="4" name="Slide Number Placeholder 3"/>
+          <p:cNvSpPr>
+            <a:spLocks noGrp="1"/>
+          </p:cNvSpPr>
+          <p:nvPr>
+            <p:ph type="sldNum" sz="quarter" idx="12"/>
+          </p:nvPr>
+        </p:nvSpPr>
+        <p:spPr/>
+        <p:txBody>
+          <a:bodyPr/>
+          <a:lstStyle/>
+          <a:p>
+            <a:fld id="{55774153-6BEA-8641-B7A1-86CE42693FE2}" type="slidenum">
+              <a:rPr lang="en-US" smtClean="0"/>
+              <a:t>37</a:t>
             </a:fld>
             <a:endParaRPr lang="en-US"/>
           </a:p>
